--- a/Final_pjt2/Infra_Pipeline.pptx
+++ b/Final_pjt2/Infra_Pipeline.pptx
@@ -6,6 +6,7 @@
   </p:sldMasterIdLst>
   <p:sldIdLst>
     <p:sldId id="256" r:id="rId2"/>
+    <p:sldId id="257" r:id="rId3"/>
   </p:sldIdLst>
   <p:sldSz cx="12192000" cy="6858000"/>
   <p:notesSz cx="6858000" cy="9144000"/>
@@ -104,6 +105,11 @@
       </a:defRPr>
     </a:lvl9pPr>
   </p:defaultTextStyle>
+  <p:extLst>
+    <p:ext uri="{EFAFB233-063F-42B5-8137-9DF3F51BA10A}">
+      <p15:sldGuideLst xmlns:p15="http://schemas.microsoft.com/office/powerpoint/2012/main"/>
+    </p:ext>
+  </p:extLst>
 </p:presentation>
 </file>
 
@@ -254,7 +260,7 @@
           <a:p>
             <a:fld id="{F4D0D417-D880-4BB4-B0FA-3563BBBF0335}" type="datetimeFigureOut">
               <a:rPr lang="ko-KR" altLang="en-US" smtClean="0"/>
-              <a:t>2023-11-28</a:t>
+              <a:t>2023-11-30</a:t>
             </a:fld>
             <a:endParaRPr lang="ko-KR" altLang="en-US"/>
           </a:p>
@@ -452,7 +458,7 @@
           <a:p>
             <a:fld id="{F4D0D417-D880-4BB4-B0FA-3563BBBF0335}" type="datetimeFigureOut">
               <a:rPr lang="ko-KR" altLang="en-US" smtClean="0"/>
-              <a:t>2023-11-28</a:t>
+              <a:t>2023-11-30</a:t>
             </a:fld>
             <a:endParaRPr lang="ko-KR" altLang="en-US"/>
           </a:p>
@@ -660,7 +666,7 @@
           <a:p>
             <a:fld id="{F4D0D417-D880-4BB4-B0FA-3563BBBF0335}" type="datetimeFigureOut">
               <a:rPr lang="ko-KR" altLang="en-US" smtClean="0"/>
-              <a:t>2023-11-28</a:t>
+              <a:t>2023-11-30</a:t>
             </a:fld>
             <a:endParaRPr lang="ko-KR" altLang="en-US"/>
           </a:p>
@@ -858,7 +864,7 @@
           <a:p>
             <a:fld id="{F4D0D417-D880-4BB4-B0FA-3563BBBF0335}" type="datetimeFigureOut">
               <a:rPr lang="ko-KR" altLang="en-US" smtClean="0"/>
-              <a:t>2023-11-28</a:t>
+              <a:t>2023-11-30</a:t>
             </a:fld>
             <a:endParaRPr lang="ko-KR" altLang="en-US"/>
           </a:p>
@@ -1133,7 +1139,7 @@
           <a:p>
             <a:fld id="{F4D0D417-D880-4BB4-B0FA-3563BBBF0335}" type="datetimeFigureOut">
               <a:rPr lang="ko-KR" altLang="en-US" smtClean="0"/>
-              <a:t>2023-11-28</a:t>
+              <a:t>2023-11-30</a:t>
             </a:fld>
             <a:endParaRPr lang="ko-KR" altLang="en-US"/>
           </a:p>
@@ -1398,7 +1404,7 @@
           <a:p>
             <a:fld id="{F4D0D417-D880-4BB4-B0FA-3563BBBF0335}" type="datetimeFigureOut">
               <a:rPr lang="ko-KR" altLang="en-US" smtClean="0"/>
-              <a:t>2023-11-28</a:t>
+              <a:t>2023-11-30</a:t>
             </a:fld>
             <a:endParaRPr lang="ko-KR" altLang="en-US"/>
           </a:p>
@@ -1810,7 +1816,7 @@
           <a:p>
             <a:fld id="{F4D0D417-D880-4BB4-B0FA-3563BBBF0335}" type="datetimeFigureOut">
               <a:rPr lang="ko-KR" altLang="en-US" smtClean="0"/>
-              <a:t>2023-11-28</a:t>
+              <a:t>2023-11-30</a:t>
             </a:fld>
             <a:endParaRPr lang="ko-KR" altLang="en-US"/>
           </a:p>
@@ -1951,7 +1957,7 @@
           <a:p>
             <a:fld id="{F4D0D417-D880-4BB4-B0FA-3563BBBF0335}" type="datetimeFigureOut">
               <a:rPr lang="ko-KR" altLang="en-US" smtClean="0"/>
-              <a:t>2023-11-28</a:t>
+              <a:t>2023-11-30</a:t>
             </a:fld>
             <a:endParaRPr lang="ko-KR" altLang="en-US"/>
           </a:p>
@@ -2064,7 +2070,7 @@
           <a:p>
             <a:fld id="{F4D0D417-D880-4BB4-B0FA-3563BBBF0335}" type="datetimeFigureOut">
               <a:rPr lang="ko-KR" altLang="en-US" smtClean="0"/>
-              <a:t>2023-11-28</a:t>
+              <a:t>2023-11-30</a:t>
             </a:fld>
             <a:endParaRPr lang="ko-KR" altLang="en-US"/>
           </a:p>
@@ -2375,7 +2381,7 @@
           <a:p>
             <a:fld id="{F4D0D417-D880-4BB4-B0FA-3563BBBF0335}" type="datetimeFigureOut">
               <a:rPr lang="ko-KR" altLang="en-US" smtClean="0"/>
-              <a:t>2023-11-28</a:t>
+              <a:t>2023-11-30</a:t>
             </a:fld>
             <a:endParaRPr lang="ko-KR" altLang="en-US"/>
           </a:p>
@@ -2663,7 +2669,7 @@
           <a:p>
             <a:fld id="{F4D0D417-D880-4BB4-B0FA-3563BBBF0335}" type="datetimeFigureOut">
               <a:rPr lang="ko-KR" altLang="en-US" smtClean="0"/>
-              <a:t>2023-11-28</a:t>
+              <a:t>2023-11-30</a:t>
             </a:fld>
             <a:endParaRPr lang="ko-KR" altLang="en-US"/>
           </a:p>
@@ -2904,7 +2910,7 @@
           <a:p>
             <a:fld id="{F4D0D417-D880-4BB4-B0FA-3563BBBF0335}" type="datetimeFigureOut">
               <a:rPr lang="ko-KR" altLang="en-US" smtClean="0"/>
-              <a:t>2023-11-28</a:t>
+              <a:t>2023-11-30</a:t>
             </a:fld>
             <a:endParaRPr lang="ko-KR" altLang="en-US"/>
           </a:p>
@@ -3321,6 +3327,2764 @@
           <a:chExt cx="0" cy="0"/>
         </a:xfrm>
       </p:grpSpPr>
+      <p:grpSp>
+        <p:nvGrpSpPr>
+          <p:cNvPr id="119" name="그룹 118">
+            <a:extLst>
+              <a:ext uri="{FF2B5EF4-FFF2-40B4-BE49-F238E27FC236}">
+                <a16:creationId xmlns:a16="http://schemas.microsoft.com/office/drawing/2014/main" id="{BC4DF198-F8AE-4A9C-B383-AB7864A5A7E9}"/>
+              </a:ext>
+            </a:extLst>
+          </p:cNvPr>
+          <p:cNvGrpSpPr/>
+          <p:nvPr/>
+        </p:nvGrpSpPr>
+        <p:grpSpPr>
+          <a:xfrm>
+            <a:off x="-45299" y="3131665"/>
+            <a:ext cx="1506538" cy="689870"/>
+            <a:chOff x="634119" y="3078325"/>
+            <a:chExt cx="1506538" cy="689870"/>
+          </a:xfrm>
+        </p:grpSpPr>
+        <p:pic>
+          <p:nvPicPr>
+            <p:cNvPr id="7" name="Graphic 6" descr="General resource icon.">
+              <a:extLst>
+                <a:ext uri="{FF2B5EF4-FFF2-40B4-BE49-F238E27FC236}">
+                  <a16:creationId xmlns:a16="http://schemas.microsoft.com/office/drawing/2014/main" id="{5685B766-6A8A-9CCB-7024-790DB30C8FDD}"/>
+                </a:ext>
+              </a:extLst>
+            </p:cNvPr>
+            <p:cNvPicPr>
+              <a:picLocks noChangeAspect="1" noChangeArrowheads="1"/>
+            </p:cNvPicPr>
+            <p:nvPr/>
+          </p:nvPicPr>
+          <p:blipFill rotWithShape="1">
+            <a:blip r:embed="rId2"/>
+            <a:srcRect/>
+            <a:stretch>
+              <a:fillRect/>
+            </a:stretch>
+          </p:blipFill>
+          <p:spPr>
+            <a:xfrm flipH="1">
+              <a:off x="1147583" y="3078325"/>
+              <a:ext cx="469900" cy="469900"/>
+            </a:xfrm>
+            <a:prstGeom prst="rect">
+              <a:avLst/>
+            </a:prstGeom>
+            <a:noFill/>
+            <a:ln>
+              <a:noFill/>
+            </a:ln>
+          </p:spPr>
+        </p:pic>
+        <p:sp>
+          <p:nvSpPr>
+            <p:cNvPr id="8" name="label6">
+              <a:extLst>
+                <a:ext uri="{FF2B5EF4-FFF2-40B4-BE49-F238E27FC236}">
+                  <a16:creationId xmlns:a16="http://schemas.microsoft.com/office/drawing/2014/main" id="{7773F43E-A1D8-4849-2B6D-97246531D8CC}"/>
+                </a:ext>
+              </a:extLst>
+            </p:cNvPr>
+            <p:cNvSpPr txBox="1">
+              <a:spLocks noChangeArrowheads="1"/>
+            </p:cNvSpPr>
+            <p:nvPr/>
+          </p:nvSpPr>
+          <p:spPr>
+            <a:xfrm>
+              <a:off x="634119" y="3491196"/>
+              <a:ext cx="1506538" cy="276999"/>
+            </a:xfrm>
+            <a:prstGeom prst="rect">
+              <a:avLst/>
+            </a:prstGeom>
+            <a:noFill/>
+            <a:ln>
+              <a:noFill/>
+            </a:ln>
+          </p:spPr>
+          <p:txBody>
+            <a:bodyPr>
+              <a:spAutoFit/>
+            </a:bodyPr>
+            <a:lstStyle>
+              <a:lvl1pPr marL="0" indent="0">
+                <a:lnSpc>
+                  <a:spcPct val="100000"/>
+                </a:lnSpc>
+                <a:spcBef>
+                  <a:spcPct val="0"/>
+                </a:spcBef>
+                <a:spcAft>
+                  <a:spcPts val="0"/>
+                </a:spcAft>
+                <a:defRPr kumimoji="0" sz="1800" b="0" i="0" u="none" strike="noStrike" kern="0" cap="none" spc="0" normalizeH="0" baseline="0">
+                  <a:solidFill>
+                    <a:schemeClr val="tx1"/>
+                  </a:solidFill>
+                  <a:latin typeface="Calibri"/>
+                </a:defRPr>
+              </a:lvl1pPr>
+            </a:lstStyle>
+            <a:p>
+              <a:pPr algn="ctr" eaLnBrk="1" hangingPunct="1">
+                <a:defRPr/>
+              </a:pPr>
+              <a:r>
+                <a:rPr lang="en-US" altLang="en-US" sz="1200" dirty="0">
+                  <a:latin typeface="Arial"/>
+                  <a:cs typeface="Arial"/>
+                </a:rPr>
+                <a:t>Users</a:t>
+              </a:r>
+            </a:p>
+          </p:txBody>
+        </p:sp>
+      </p:grpSp>
+      <p:grpSp>
+        <p:nvGrpSpPr>
+          <p:cNvPr id="11" name="aGroupIcon" descr="Example of AWS Cloud group, represented as a rectangle with AWS logo at the top left, and AWS Cloud as a title.">
+            <a:extLst>
+              <a:ext uri="{FF2B5EF4-FFF2-40B4-BE49-F238E27FC236}">
+                <a16:creationId xmlns:a16="http://schemas.microsoft.com/office/drawing/2014/main" id="{E8019DFD-0557-057F-5987-918214491755}"/>
+              </a:ext>
+            </a:extLst>
+          </p:cNvPr>
+          <p:cNvGrpSpPr/>
+          <p:nvPr/>
+        </p:nvGrpSpPr>
+        <p:grpSpPr>
+          <a:xfrm>
+            <a:off x="4465592" y="572593"/>
+            <a:ext cx="6850108" cy="5700553"/>
+            <a:chOff x="-4071470" y="-504512"/>
+            <a:chExt cx="7323529" cy="5567440"/>
+          </a:xfrm>
+        </p:grpSpPr>
+        <p:sp>
+          <p:nvSpPr>
+            <p:cNvPr id="44" name="Rectangle 4">
+              <a:extLst>
+                <a:ext uri="{FF2B5EF4-FFF2-40B4-BE49-F238E27FC236}">
+                  <a16:creationId xmlns:a16="http://schemas.microsoft.com/office/drawing/2014/main" id="{539E2457-A5DA-5F1B-2F83-9C5E09ABA293}"/>
+                </a:ext>
+              </a:extLst>
+            </p:cNvPr>
+            <p:cNvSpPr/>
+            <p:nvPr/>
+          </p:nvSpPr>
+          <p:spPr>
+            <a:xfrm>
+              <a:off x="-4071470" y="-504512"/>
+              <a:ext cx="7323529" cy="5567440"/>
+            </a:xfrm>
+            <a:prstGeom prst="rect">
+              <a:avLst/>
+            </a:prstGeom>
+            <a:noFill/>
+            <a:ln w="12700">
+              <a:solidFill>
+                <a:schemeClr val="accent1">
+                  <a:lumMod val="75000"/>
+                </a:schemeClr>
+              </a:solidFill>
+            </a:ln>
+          </p:spPr>
+          <p:style>
+            <a:lnRef idx="2">
+              <a:schemeClr val="accent1">
+                <a:shade val="50000"/>
+              </a:schemeClr>
+            </a:lnRef>
+            <a:fillRef idx="1">
+              <a:schemeClr val="accent1"/>
+            </a:fillRef>
+            <a:effectRef idx="0">
+              <a:schemeClr val="accent1"/>
+            </a:effectRef>
+            <a:fontRef idx="minor">
+              <a:schemeClr val="lt1"/>
+            </a:fontRef>
+          </p:style>
+          <p:txBody>
+            <a:bodyPr lIns="502920" tIns="91440"/>
+            <a:lstStyle/>
+            <a:p>
+              <a:pPr eaLnBrk="1" hangingPunct="1">
+                <a:spcBef>
+                  <a:spcPts val="0"/>
+                </a:spcBef>
+                <a:spcAft>
+                  <a:spcPts val="0"/>
+                </a:spcAft>
+                <a:defRPr/>
+              </a:pPr>
+              <a:r>
+                <a:rPr lang="en-US" sz="1200" dirty="0">
+                  <a:solidFill>
+                    <a:schemeClr val="tx1"/>
+                  </a:solidFill>
+                  <a:latin typeface="Arial"/>
+                  <a:cs typeface="Arial"/>
+                </a:rPr>
+                <a:t>AWS Cloud</a:t>
+              </a:r>
+            </a:p>
+          </p:txBody>
+        </p:sp>
+        <p:pic>
+          <p:nvPicPr>
+            <p:cNvPr id="45" name="Graphic 37">
+              <a:extLst>
+                <a:ext uri="{FF2B5EF4-FFF2-40B4-BE49-F238E27FC236}">
+                  <a16:creationId xmlns:a16="http://schemas.microsoft.com/office/drawing/2014/main" id="{DF30BA54-F341-9B5E-7142-B11608CF4787}"/>
+                </a:ext>
+              </a:extLst>
+            </p:cNvPr>
+            <p:cNvPicPr>
+              <a:picLocks noChangeAspect="1"/>
+            </p:cNvPicPr>
+            <p:nvPr/>
+          </p:nvPicPr>
+          <p:blipFill rotWithShape="1">
+            <a:blip r:embed="rId3"/>
+            <a:srcRect/>
+            <a:stretch>
+              <a:fillRect/>
+            </a:stretch>
+          </p:blipFill>
+          <p:spPr>
+            <a:xfrm>
+              <a:off x="-4071470" y="-504106"/>
+              <a:ext cx="381000" cy="381000"/>
+            </a:xfrm>
+            <a:prstGeom prst="rect">
+              <a:avLst/>
+            </a:prstGeom>
+          </p:spPr>
+        </p:pic>
+      </p:grpSp>
+      <p:grpSp>
+        <p:nvGrpSpPr>
+          <p:cNvPr id="99" name="그룹 98">
+            <a:extLst>
+              <a:ext uri="{FF2B5EF4-FFF2-40B4-BE49-F238E27FC236}">
+                <a16:creationId xmlns:a16="http://schemas.microsoft.com/office/drawing/2014/main" id="{D0040678-B474-E5B5-16DB-28AF0298E734}"/>
+              </a:ext>
+            </a:extLst>
+          </p:cNvPr>
+          <p:cNvGrpSpPr/>
+          <p:nvPr/>
+        </p:nvGrpSpPr>
+        <p:grpSpPr>
+          <a:xfrm>
+            <a:off x="5107740" y="5012557"/>
+            <a:ext cx="2239962" cy="1006114"/>
+            <a:chOff x="5374440" y="5267982"/>
+            <a:chExt cx="2239962" cy="1006114"/>
+          </a:xfrm>
+        </p:grpSpPr>
+        <p:pic>
+          <p:nvPicPr>
+            <p:cNvPr id="48" name="Graphic 8" descr="Amazon Simple Storage Service (Amazon S3) service icon.">
+              <a:extLst>
+                <a:ext uri="{FF2B5EF4-FFF2-40B4-BE49-F238E27FC236}">
+                  <a16:creationId xmlns:a16="http://schemas.microsoft.com/office/drawing/2014/main" id="{9A3F862D-18D9-9F18-0158-0826B9B5E487}"/>
+                </a:ext>
+              </a:extLst>
+            </p:cNvPr>
+            <p:cNvPicPr>
+              <a:picLocks noChangeAspect="1" noChangeArrowheads="1"/>
+            </p:cNvPicPr>
+            <p:nvPr/>
+          </p:nvPicPr>
+          <p:blipFill rotWithShape="1">
+            <a:blip r:embed="rId4"/>
+            <a:srcRect/>
+            <a:stretch>
+              <a:fillRect/>
+            </a:stretch>
+          </p:blipFill>
+          <p:spPr>
+            <a:xfrm>
+              <a:off x="6116164" y="5267982"/>
+              <a:ext cx="762000" cy="762000"/>
+            </a:xfrm>
+            <a:prstGeom prst="rect">
+              <a:avLst/>
+            </a:prstGeom>
+            <a:noFill/>
+            <a:ln>
+              <a:noFill/>
+            </a:ln>
+          </p:spPr>
+        </p:pic>
+        <p:sp>
+          <p:nvSpPr>
+            <p:cNvPr id="49" name="TextBox 9">
+              <a:extLst>
+                <a:ext uri="{FF2B5EF4-FFF2-40B4-BE49-F238E27FC236}">
+                  <a16:creationId xmlns:a16="http://schemas.microsoft.com/office/drawing/2014/main" id="{8744616F-1413-D10A-F992-8BD8E9C96EF2}"/>
+                </a:ext>
+              </a:extLst>
+            </p:cNvPr>
+            <p:cNvSpPr txBox="1">
+              <a:spLocks noChangeArrowheads="1"/>
+            </p:cNvSpPr>
+            <p:nvPr/>
+          </p:nvSpPr>
+          <p:spPr>
+            <a:xfrm>
+              <a:off x="5374440" y="5997097"/>
+              <a:ext cx="2239962" cy="276999"/>
+            </a:xfrm>
+            <a:prstGeom prst="rect">
+              <a:avLst/>
+            </a:prstGeom>
+            <a:noFill/>
+            <a:ln>
+              <a:noFill/>
+            </a:ln>
+          </p:spPr>
+          <p:txBody>
+            <a:bodyPr>
+              <a:spAutoFit/>
+            </a:bodyPr>
+            <a:lstStyle>
+              <a:lvl1pPr marL="0" indent="0">
+                <a:lnSpc>
+                  <a:spcPct val="100000"/>
+                </a:lnSpc>
+                <a:spcBef>
+                  <a:spcPct val="0"/>
+                </a:spcBef>
+                <a:spcAft>
+                  <a:spcPts val="0"/>
+                </a:spcAft>
+                <a:defRPr kumimoji="0" sz="1800" b="0" i="0" u="none" strike="noStrike" kern="0" cap="none" spc="0" normalizeH="0" baseline="0">
+                  <a:solidFill>
+                    <a:schemeClr val="tx1"/>
+                  </a:solidFill>
+                </a:defRPr>
+              </a:lvl1pPr>
+            </a:lstStyle>
+            <a:p>
+              <a:pPr algn="ctr" eaLnBrk="1" hangingPunct="1">
+                <a:defRPr/>
+              </a:pPr>
+              <a:r>
+                <a:rPr lang="en-US" altLang="en-US" sz="1200" dirty="0">
+                  <a:latin typeface="Arial"/>
+                  <a:ea typeface="Amazon Ember"/>
+                  <a:cs typeface="Arial"/>
+                </a:rPr>
+                <a:t>Amazon S3</a:t>
+              </a:r>
+            </a:p>
+          </p:txBody>
+        </p:sp>
+      </p:grpSp>
+      <p:grpSp>
+        <p:nvGrpSpPr>
+          <p:cNvPr id="96" name="그룹 95">
+            <a:extLst>
+              <a:ext uri="{FF2B5EF4-FFF2-40B4-BE49-F238E27FC236}">
+                <a16:creationId xmlns:a16="http://schemas.microsoft.com/office/drawing/2014/main" id="{E8873AAE-F8BB-6090-67D2-28629E41CF4A}"/>
+              </a:ext>
+            </a:extLst>
+          </p:cNvPr>
+          <p:cNvGrpSpPr/>
+          <p:nvPr/>
+        </p:nvGrpSpPr>
+        <p:grpSpPr>
+          <a:xfrm>
+            <a:off x="6479072" y="838185"/>
+            <a:ext cx="2243137" cy="985169"/>
+            <a:chOff x="6741009" y="1093610"/>
+            <a:chExt cx="2243137" cy="985169"/>
+          </a:xfrm>
+        </p:grpSpPr>
+        <p:pic>
+          <p:nvPicPr>
+            <p:cNvPr id="50" name="Graphic 6" descr="Amazon Relational Database Service (Amazon RDS) service icon.">
+              <a:extLst>
+                <a:ext uri="{FF2B5EF4-FFF2-40B4-BE49-F238E27FC236}">
+                  <a16:creationId xmlns:a16="http://schemas.microsoft.com/office/drawing/2014/main" id="{FCB9E80B-47F8-E62F-6700-171C94DB8620}"/>
+                </a:ext>
+              </a:extLst>
+            </p:cNvPr>
+            <p:cNvPicPr>
+              <a:picLocks noChangeAspect="1" noChangeArrowheads="1"/>
+            </p:cNvPicPr>
+            <p:nvPr/>
+          </p:nvPicPr>
+          <p:blipFill rotWithShape="1">
+            <a:blip r:embed="rId5"/>
+            <a:srcRect/>
+            <a:stretch>
+              <a:fillRect/>
+            </a:stretch>
+          </p:blipFill>
+          <p:spPr>
+            <a:xfrm>
+              <a:off x="7481578" y="1093610"/>
+              <a:ext cx="762000" cy="762000"/>
+            </a:xfrm>
+            <a:prstGeom prst="rect">
+              <a:avLst/>
+            </a:prstGeom>
+            <a:noFill/>
+            <a:ln>
+              <a:noFill/>
+            </a:ln>
+          </p:spPr>
+        </p:pic>
+        <p:sp>
+          <p:nvSpPr>
+            <p:cNvPr id="51" name="TextBox 9">
+              <a:extLst>
+                <a:ext uri="{FF2B5EF4-FFF2-40B4-BE49-F238E27FC236}">
+                  <a16:creationId xmlns:a16="http://schemas.microsoft.com/office/drawing/2014/main" id="{DCA778D7-5C71-F136-87E5-0A2394C3D2E6}"/>
+                </a:ext>
+              </a:extLst>
+            </p:cNvPr>
+            <p:cNvSpPr txBox="1">
+              <a:spLocks noChangeArrowheads="1"/>
+            </p:cNvSpPr>
+            <p:nvPr/>
+          </p:nvSpPr>
+          <p:spPr>
+            <a:xfrm>
+              <a:off x="6741009" y="1801780"/>
+              <a:ext cx="2243137" cy="276999"/>
+            </a:xfrm>
+            <a:prstGeom prst="rect">
+              <a:avLst/>
+            </a:prstGeom>
+            <a:noFill/>
+            <a:ln>
+              <a:noFill/>
+            </a:ln>
+          </p:spPr>
+          <p:txBody>
+            <a:bodyPr>
+              <a:spAutoFit/>
+            </a:bodyPr>
+            <a:lstStyle>
+              <a:lvl1pPr marL="0" indent="0">
+                <a:lnSpc>
+                  <a:spcPct val="100000"/>
+                </a:lnSpc>
+                <a:spcBef>
+                  <a:spcPct val="0"/>
+                </a:spcBef>
+                <a:spcAft>
+                  <a:spcPts val="0"/>
+                </a:spcAft>
+                <a:defRPr kumimoji="0" sz="1800" b="0" i="0" u="none" strike="noStrike" kern="0" cap="none" spc="0" normalizeH="0" baseline="0">
+                  <a:solidFill>
+                    <a:schemeClr val="tx1"/>
+                  </a:solidFill>
+                </a:defRPr>
+              </a:lvl1pPr>
+            </a:lstStyle>
+            <a:p>
+              <a:pPr algn="ctr" eaLnBrk="1" hangingPunct="1">
+                <a:defRPr/>
+              </a:pPr>
+              <a:r>
+                <a:rPr lang="en-US" altLang="en-US" sz="1200" dirty="0">
+                  <a:latin typeface="Arial"/>
+                  <a:ea typeface="Amazon Ember"/>
+                  <a:cs typeface="Arial"/>
+                </a:rPr>
+                <a:t>Amazon RDS</a:t>
+              </a:r>
+            </a:p>
+          </p:txBody>
+        </p:sp>
+      </p:grpSp>
+      <p:cxnSp>
+        <p:nvCxnSpPr>
+          <p:cNvPr id="61" name="연결선: 꺾임 60">
+            <a:extLst>
+              <a:ext uri="{FF2B5EF4-FFF2-40B4-BE49-F238E27FC236}">
+                <a16:creationId xmlns:a16="http://schemas.microsoft.com/office/drawing/2014/main" id="{93EA9C7C-C628-C09A-1A1C-A97FBCE02E27}"/>
+              </a:ext>
+            </a:extLst>
+          </p:cNvPr>
+          <p:cNvCxnSpPr>
+            <a:cxnSpLocks/>
+            <a:endCxn id="48" idx="1"/>
+          </p:cNvCxnSpPr>
+          <p:nvPr/>
+        </p:nvCxnSpPr>
+        <p:spPr>
+          <a:xfrm>
+            <a:off x="4220446" y="3394337"/>
+            <a:ext cx="1629018" cy="1999220"/>
+          </a:xfrm>
+          <a:prstGeom prst="bentConnector3">
+            <a:avLst>
+              <a:gd name="adj1" fmla="val 50000"/>
+            </a:avLst>
+          </a:prstGeom>
+          <a:ln w="19050">
+            <a:solidFill>
+              <a:schemeClr val="accent6"/>
+            </a:solidFill>
+            <a:tailEnd type="triangle"/>
+          </a:ln>
+        </p:spPr>
+        <p:style>
+          <a:lnRef idx="1">
+            <a:schemeClr val="dk1"/>
+          </a:lnRef>
+          <a:fillRef idx="0">
+            <a:schemeClr val="dk1"/>
+          </a:fillRef>
+          <a:effectRef idx="0">
+            <a:schemeClr val="dk1"/>
+          </a:effectRef>
+          <a:fontRef idx="minor">
+            <a:schemeClr val="tx1"/>
+          </a:fontRef>
+        </p:style>
+      </p:cxnSp>
+      <p:cxnSp>
+        <p:nvCxnSpPr>
+          <p:cNvPr id="66" name="직선 화살표 연결선 65">
+            <a:extLst>
+              <a:ext uri="{FF2B5EF4-FFF2-40B4-BE49-F238E27FC236}">
+                <a16:creationId xmlns:a16="http://schemas.microsoft.com/office/drawing/2014/main" id="{053770A7-A0AB-D90B-2DCA-4149C218554D}"/>
+              </a:ext>
+            </a:extLst>
+          </p:cNvPr>
+          <p:cNvCxnSpPr>
+            <a:cxnSpLocks/>
+            <a:endCxn id="1026" idx="1"/>
+          </p:cNvCxnSpPr>
+          <p:nvPr/>
+        </p:nvCxnSpPr>
+        <p:spPr>
+          <a:xfrm flipV="1">
+            <a:off x="1022350" y="3419582"/>
+            <a:ext cx="1666019" cy="9418"/>
+          </a:xfrm>
+          <a:prstGeom prst="straightConnector1">
+            <a:avLst/>
+          </a:prstGeom>
+          <a:ln w="19050">
+            <a:solidFill>
+              <a:srgbClr val="FF0000"/>
+            </a:solidFill>
+            <a:tailEnd type="triangle"/>
+          </a:ln>
+        </p:spPr>
+        <p:style>
+          <a:lnRef idx="1">
+            <a:schemeClr val="dk1"/>
+          </a:lnRef>
+          <a:fillRef idx="0">
+            <a:schemeClr val="dk1"/>
+          </a:fillRef>
+          <a:effectRef idx="0">
+            <a:schemeClr val="dk1"/>
+          </a:effectRef>
+          <a:fontRef idx="minor">
+            <a:schemeClr val="tx1"/>
+          </a:fontRef>
+        </p:style>
+      </p:cxnSp>
+      <p:sp>
+        <p:nvSpPr>
+          <p:cNvPr id="75" name="label">
+            <a:extLst>
+              <a:ext uri="{FF2B5EF4-FFF2-40B4-BE49-F238E27FC236}">
+                <a16:creationId xmlns:a16="http://schemas.microsoft.com/office/drawing/2014/main" id="{08F78228-1FAD-B405-7F45-134B4B33CFCF}"/>
+              </a:ext>
+            </a:extLst>
+          </p:cNvPr>
+          <p:cNvSpPr txBox="1">
+            <a:spLocks noChangeArrowheads="1"/>
+          </p:cNvSpPr>
+          <p:nvPr/>
+        </p:nvSpPr>
+        <p:spPr>
+          <a:xfrm>
+            <a:off x="4624332" y="4440755"/>
+            <a:ext cx="827880" cy="246221"/>
+          </a:xfrm>
+          <a:prstGeom prst="rect">
+            <a:avLst/>
+          </a:prstGeom>
+          <a:solidFill>
+            <a:schemeClr val="bg1"/>
+          </a:solidFill>
+          <a:ln>
+            <a:solidFill>
+              <a:schemeClr val="bg1"/>
+            </a:solidFill>
+          </a:ln>
+        </p:spPr>
+        <p:style>
+          <a:lnRef idx="2">
+            <a:schemeClr val="dk1"/>
+          </a:lnRef>
+          <a:fillRef idx="1">
+            <a:schemeClr val="lt1"/>
+          </a:fillRef>
+          <a:effectRef idx="0">
+            <a:schemeClr val="dk1"/>
+          </a:effectRef>
+          <a:fontRef idx="minor">
+            <a:schemeClr val="dk1"/>
+          </a:fontRef>
+        </p:style>
+        <p:txBody>
+          <a:bodyPr wrap="square">
+            <a:spAutoFit/>
+          </a:bodyPr>
+          <a:lstStyle>
+            <a:lvl1pPr marL="0" indent="0">
+              <a:lnSpc>
+                <a:spcPct val="100000"/>
+              </a:lnSpc>
+              <a:spcBef>
+                <a:spcPct val="0"/>
+              </a:spcBef>
+              <a:spcAft>
+                <a:spcPts val="0"/>
+              </a:spcAft>
+              <a:defRPr kumimoji="0" sz="1800" b="0" i="0" u="none" strike="noStrike" kern="0" cap="none" spc="0" normalizeH="0" baseline="0">
+                <a:solidFill>
+                  <a:schemeClr val="tx1"/>
+                </a:solidFill>
+              </a:defRPr>
+            </a:lvl1pPr>
+          </a:lstStyle>
+          <a:p>
+            <a:pPr algn="ctr" eaLnBrk="1" hangingPunct="1">
+              <a:defRPr/>
+            </a:pPr>
+            <a:r>
+              <a:rPr lang="en-US" altLang="en-US" sz="1000" i="1" dirty="0">
+                <a:latin typeface="Arial"/>
+                <a:cs typeface="Arial"/>
+              </a:rPr>
+              <a:t>Load Video</a:t>
+            </a:r>
+          </a:p>
+        </p:txBody>
+      </p:sp>
+      <p:cxnSp>
+        <p:nvCxnSpPr>
+          <p:cNvPr id="86" name="연결선: 꺾임 85">
+            <a:extLst>
+              <a:ext uri="{FF2B5EF4-FFF2-40B4-BE49-F238E27FC236}">
+                <a16:creationId xmlns:a16="http://schemas.microsoft.com/office/drawing/2014/main" id="{AEDE905E-B928-C619-ED95-40B8846E402D}"/>
+              </a:ext>
+            </a:extLst>
+          </p:cNvPr>
+          <p:cNvCxnSpPr>
+            <a:cxnSpLocks/>
+            <a:stCxn id="50" idx="1"/>
+            <a:endCxn id="1026" idx="0"/>
+          </p:cNvCxnSpPr>
+          <p:nvPr/>
+        </p:nvCxnSpPr>
+        <p:spPr>
+          <a:xfrm rot="10800000" flipV="1">
+            <a:off x="3446695" y="1219184"/>
+            <a:ext cx="3772946" cy="1969161"/>
+          </a:xfrm>
+          <a:prstGeom prst="bentConnector2">
+            <a:avLst/>
+          </a:prstGeom>
+          <a:ln w="19050">
+            <a:solidFill>
+              <a:srgbClr val="FF0000"/>
+            </a:solidFill>
+            <a:tailEnd type="triangle"/>
+          </a:ln>
+        </p:spPr>
+        <p:style>
+          <a:lnRef idx="1">
+            <a:schemeClr val="accent1"/>
+          </a:lnRef>
+          <a:fillRef idx="0">
+            <a:schemeClr val="accent1"/>
+          </a:fillRef>
+          <a:effectRef idx="0">
+            <a:schemeClr val="accent1"/>
+          </a:effectRef>
+          <a:fontRef idx="minor">
+            <a:schemeClr val="tx1"/>
+          </a:fontRef>
+        </p:style>
+      </p:cxnSp>
+      <p:sp>
+        <p:nvSpPr>
+          <p:cNvPr id="56" name="label">
+            <a:extLst>
+              <a:ext uri="{FF2B5EF4-FFF2-40B4-BE49-F238E27FC236}">
+                <a16:creationId xmlns:a16="http://schemas.microsoft.com/office/drawing/2014/main" id="{D90A29EC-0622-764A-D92D-F743C57A442B}"/>
+              </a:ext>
+            </a:extLst>
+          </p:cNvPr>
+          <p:cNvSpPr txBox="1">
+            <a:spLocks noChangeArrowheads="1"/>
+          </p:cNvSpPr>
+          <p:nvPr/>
+        </p:nvSpPr>
+        <p:spPr>
+          <a:xfrm>
+            <a:off x="1369853" y="3283926"/>
+            <a:ext cx="1006074" cy="246221"/>
+          </a:xfrm>
+          <a:prstGeom prst="rect">
+            <a:avLst/>
+          </a:prstGeom>
+          <a:solidFill>
+            <a:schemeClr val="bg1"/>
+          </a:solidFill>
+          <a:ln>
+            <a:noFill/>
+          </a:ln>
+        </p:spPr>
+        <p:style>
+          <a:lnRef idx="2">
+            <a:schemeClr val="dk1">
+              <a:shade val="15000"/>
+            </a:schemeClr>
+          </a:lnRef>
+          <a:fillRef idx="1">
+            <a:schemeClr val="dk1"/>
+          </a:fillRef>
+          <a:effectRef idx="0">
+            <a:schemeClr val="dk1"/>
+          </a:effectRef>
+          <a:fontRef idx="minor">
+            <a:schemeClr val="lt1"/>
+          </a:fontRef>
+        </p:style>
+        <p:txBody>
+          <a:bodyPr wrap="square">
+            <a:spAutoFit/>
+          </a:bodyPr>
+          <a:lstStyle>
+            <a:lvl1pPr marL="0" indent="0">
+              <a:lnSpc>
+                <a:spcPct val="100000"/>
+              </a:lnSpc>
+              <a:spcBef>
+                <a:spcPct val="0"/>
+              </a:spcBef>
+              <a:spcAft>
+                <a:spcPts val="0"/>
+              </a:spcAft>
+              <a:defRPr kumimoji="0" sz="1800" b="0" i="0" u="none" strike="noStrike" kern="0" cap="none" spc="0" normalizeH="0" baseline="0">
+                <a:solidFill>
+                  <a:schemeClr val="tx1"/>
+                </a:solidFill>
+              </a:defRPr>
+            </a:lvl1pPr>
+          </a:lstStyle>
+          <a:p>
+            <a:pPr algn="ctr" eaLnBrk="1" hangingPunct="1">
+              <a:defRPr/>
+            </a:pPr>
+            <a:r>
+              <a:rPr lang="en-US" altLang="en-US" sz="1000" i="1" dirty="0">
+                <a:latin typeface="Arial"/>
+                <a:cs typeface="Arial"/>
+              </a:rPr>
+              <a:t>Upload Video</a:t>
+            </a:r>
+          </a:p>
+        </p:txBody>
+      </p:sp>
+      <p:sp>
+        <p:nvSpPr>
+          <p:cNvPr id="123" name="label">
+            <a:extLst>
+              <a:ext uri="{FF2B5EF4-FFF2-40B4-BE49-F238E27FC236}">
+                <a16:creationId xmlns:a16="http://schemas.microsoft.com/office/drawing/2014/main" id="{3E566940-318D-2E75-79EF-E0421FF11678}"/>
+              </a:ext>
+            </a:extLst>
+          </p:cNvPr>
+          <p:cNvSpPr txBox="1">
+            <a:spLocks noChangeArrowheads="1"/>
+          </p:cNvSpPr>
+          <p:nvPr/>
+        </p:nvSpPr>
+        <p:spPr>
+          <a:xfrm>
+            <a:off x="2863782" y="2118902"/>
+            <a:ext cx="1172413" cy="246221"/>
+          </a:xfrm>
+          <a:prstGeom prst="rect">
+            <a:avLst/>
+          </a:prstGeom>
+          <a:solidFill>
+            <a:schemeClr val="bg1"/>
+          </a:solidFill>
+          <a:ln>
+            <a:solidFill>
+              <a:schemeClr val="bg1"/>
+            </a:solidFill>
+          </a:ln>
+        </p:spPr>
+        <p:style>
+          <a:lnRef idx="2">
+            <a:schemeClr val="dk1"/>
+          </a:lnRef>
+          <a:fillRef idx="1">
+            <a:schemeClr val="lt1"/>
+          </a:fillRef>
+          <a:effectRef idx="0">
+            <a:schemeClr val="dk1"/>
+          </a:effectRef>
+          <a:fontRef idx="minor">
+            <a:schemeClr val="dk1"/>
+          </a:fontRef>
+        </p:style>
+        <p:txBody>
+          <a:bodyPr wrap="square">
+            <a:spAutoFit/>
+          </a:bodyPr>
+          <a:lstStyle>
+            <a:lvl1pPr marL="0" indent="0">
+              <a:lnSpc>
+                <a:spcPct val="100000"/>
+              </a:lnSpc>
+              <a:spcBef>
+                <a:spcPct val="0"/>
+              </a:spcBef>
+              <a:spcAft>
+                <a:spcPts val="0"/>
+              </a:spcAft>
+              <a:defRPr kumimoji="0" sz="1800" b="0" i="0" u="none" strike="noStrike" kern="0" cap="none" spc="0" normalizeH="0" baseline="0">
+                <a:solidFill>
+                  <a:schemeClr val="tx1"/>
+                </a:solidFill>
+              </a:defRPr>
+            </a:lvl1pPr>
+          </a:lstStyle>
+          <a:p>
+            <a:pPr algn="ctr" eaLnBrk="1" hangingPunct="1">
+              <a:defRPr/>
+            </a:pPr>
+            <a:r>
+              <a:rPr lang="en-US" altLang="en-US" sz="1000" i="1" dirty="0">
+                <a:latin typeface="Arial"/>
+                <a:cs typeface="Arial"/>
+              </a:rPr>
+              <a:t>Analyzed Data</a:t>
+            </a:r>
+          </a:p>
+        </p:txBody>
+      </p:sp>
+      <p:sp>
+        <p:nvSpPr>
+          <p:cNvPr id="169" name="TextBox 168">
+            <a:extLst>
+              <a:ext uri="{FF2B5EF4-FFF2-40B4-BE49-F238E27FC236}">
+                <a16:creationId xmlns:a16="http://schemas.microsoft.com/office/drawing/2014/main" id="{69FBF9EB-9BCE-2ACB-79E0-BBDE52B626B6}"/>
+              </a:ext>
+            </a:extLst>
+          </p:cNvPr>
+          <p:cNvSpPr txBox="1"/>
+          <p:nvPr/>
+        </p:nvSpPr>
+        <p:spPr>
+          <a:xfrm>
+            <a:off x="1163158" y="2942914"/>
+            <a:ext cx="671979" cy="323165"/>
+          </a:xfrm>
+          <a:prstGeom prst="rect">
+            <a:avLst/>
+          </a:prstGeom>
+          <a:solidFill>
+            <a:srgbClr val="FF0066"/>
+          </a:solidFill>
+        </p:spPr>
+        <p:style>
+          <a:lnRef idx="2">
+            <a:schemeClr val="accent4">
+              <a:shade val="15000"/>
+            </a:schemeClr>
+          </a:lnRef>
+          <a:fillRef idx="1">
+            <a:schemeClr val="accent4"/>
+          </a:fillRef>
+          <a:effectRef idx="0">
+            <a:schemeClr val="accent4"/>
+          </a:effectRef>
+          <a:fontRef idx="minor">
+            <a:schemeClr val="lt1"/>
+          </a:fontRef>
+        </p:style>
+        <p:txBody>
+          <a:bodyPr wrap="none" rtlCol="0">
+            <a:spAutoFit/>
+          </a:bodyPr>
+          <a:lstStyle/>
+          <a:p>
+            <a:r>
+              <a:rPr lang="en-US" altLang="ko-KR" sz="1500" b="1" dirty="0">
+                <a:solidFill>
+                  <a:schemeClr val="bg1"/>
+                </a:solidFill>
+              </a:rPr>
+              <a:t>Input</a:t>
+            </a:r>
+            <a:endParaRPr lang="ko-KR" altLang="en-US" sz="1500" b="1" dirty="0">
+              <a:solidFill>
+                <a:schemeClr val="bg1"/>
+              </a:solidFill>
+            </a:endParaRPr>
+          </a:p>
+        </p:txBody>
+      </p:sp>
+      <p:sp>
+        <p:nvSpPr>
+          <p:cNvPr id="170" name="TextBox 169">
+            <a:extLst>
+              <a:ext uri="{FF2B5EF4-FFF2-40B4-BE49-F238E27FC236}">
+                <a16:creationId xmlns:a16="http://schemas.microsoft.com/office/drawing/2014/main" id="{AE81C79A-A482-DBA5-AB08-655AB103CA8D}"/>
+              </a:ext>
+            </a:extLst>
+          </p:cNvPr>
+          <p:cNvSpPr txBox="1"/>
+          <p:nvPr/>
+        </p:nvSpPr>
+        <p:spPr>
+          <a:xfrm>
+            <a:off x="4593844" y="4124827"/>
+            <a:ext cx="290464" cy="323165"/>
+          </a:xfrm>
+          <a:prstGeom prst="rect">
+            <a:avLst/>
+          </a:prstGeom>
+        </p:spPr>
+        <p:style>
+          <a:lnRef idx="2">
+            <a:schemeClr val="accent4">
+              <a:shade val="15000"/>
+            </a:schemeClr>
+          </a:lnRef>
+          <a:fillRef idx="1">
+            <a:schemeClr val="accent4"/>
+          </a:fillRef>
+          <a:effectRef idx="0">
+            <a:schemeClr val="accent4"/>
+          </a:effectRef>
+          <a:fontRef idx="minor">
+            <a:schemeClr val="lt1"/>
+          </a:fontRef>
+        </p:style>
+        <p:txBody>
+          <a:bodyPr wrap="none" rtlCol="0">
+            <a:spAutoFit/>
+          </a:bodyPr>
+          <a:lstStyle/>
+          <a:p>
+            <a:r>
+              <a:rPr lang="en-US" altLang="ko-KR" sz="1500" dirty="0">
+                <a:solidFill>
+                  <a:schemeClr val="tx1"/>
+                </a:solidFill>
+              </a:rPr>
+              <a:t>1</a:t>
+            </a:r>
+            <a:endParaRPr lang="ko-KR" altLang="en-US" sz="1500" dirty="0">
+              <a:solidFill>
+                <a:schemeClr val="tx1"/>
+              </a:solidFill>
+            </a:endParaRPr>
+          </a:p>
+        </p:txBody>
+      </p:sp>
+      <p:grpSp>
+        <p:nvGrpSpPr>
+          <p:cNvPr id="100" name="그룹 99">
+            <a:extLst>
+              <a:ext uri="{FF2B5EF4-FFF2-40B4-BE49-F238E27FC236}">
+                <a16:creationId xmlns:a16="http://schemas.microsoft.com/office/drawing/2014/main" id="{44DF6B25-2360-FD7A-4322-1CB5D1D4450E}"/>
+              </a:ext>
+            </a:extLst>
+          </p:cNvPr>
+          <p:cNvGrpSpPr/>
+          <p:nvPr/>
+        </p:nvGrpSpPr>
+        <p:grpSpPr>
+          <a:xfrm>
+            <a:off x="8083940" y="5012557"/>
+            <a:ext cx="2292350" cy="1193781"/>
+            <a:chOff x="8350640" y="5267982"/>
+            <a:chExt cx="2292350" cy="1193781"/>
+          </a:xfrm>
+        </p:grpSpPr>
+        <p:pic>
+          <p:nvPicPr>
+            <p:cNvPr id="4" name="Graphic 10" descr="AWS Lambda service icon.">
+              <a:extLst>
+                <a:ext uri="{FF2B5EF4-FFF2-40B4-BE49-F238E27FC236}">
+                  <a16:creationId xmlns:a16="http://schemas.microsoft.com/office/drawing/2014/main" id="{7249C1EC-5A69-3C4D-9DDF-0DB93BB70BC6}"/>
+                </a:ext>
+              </a:extLst>
+            </p:cNvPr>
+            <p:cNvPicPr>
+              <a:picLocks noChangeAspect="1" noChangeArrowheads="1"/>
+            </p:cNvPicPr>
+            <p:nvPr/>
+          </p:nvPicPr>
+          <p:blipFill>
+            <a:blip r:embed="rId6">
+              <a:extLst>
+                <a:ext uri="{96DAC541-7B7A-43D3-8B79-37D633B846F1}">
+                  <asvg:svgBlip xmlns:asvg="http://schemas.microsoft.com/office/drawing/2016/SVG/main" r:embed="rId7"/>
+                </a:ext>
+              </a:extLst>
+            </a:blip>
+            <a:srcRect/>
+            <a:stretch/>
+          </p:blipFill>
+          <p:spPr bwMode="auto">
+            <a:xfrm>
+              <a:off x="9098539" y="5267982"/>
+              <a:ext cx="762000" cy="762000"/>
+            </a:xfrm>
+            <a:prstGeom prst="rect">
+              <a:avLst/>
+            </a:prstGeom>
+            <a:noFill/>
+            <a:ln>
+              <a:noFill/>
+            </a:ln>
+            <a:extLst>
+              <a:ext uri="{909E8E84-426E-40DD-AFC4-6F175D3DCCD1}">
+                <a14:hiddenFill xmlns:a14="http://schemas.microsoft.com/office/drawing/2010/main">
+                  <a:solidFill>
+                    <a:srgbClr val="FFFFFF"/>
+                  </a:solidFill>
+                </a14:hiddenFill>
+              </a:ext>
+              <a:ext uri="{91240B29-F687-4F45-9708-019B960494DF}">
+                <a14:hiddenLine xmlns:a14="http://schemas.microsoft.com/office/drawing/2010/main" w="9525">
+                  <a:solidFill>
+                    <a:srgbClr val="000000"/>
+                  </a:solidFill>
+                  <a:miter lim="800000"/>
+                  <a:headEnd/>
+                  <a:tailEnd/>
+                </a14:hiddenLine>
+              </a:ext>
+            </a:extLst>
+          </p:spPr>
+        </p:pic>
+        <p:sp>
+          <p:nvSpPr>
+            <p:cNvPr id="5" name="TextBox 20">
+              <a:extLst>
+                <a:ext uri="{FF2B5EF4-FFF2-40B4-BE49-F238E27FC236}">
+                  <a16:creationId xmlns:a16="http://schemas.microsoft.com/office/drawing/2014/main" id="{E5D4A7D0-5E44-1943-968A-C198F40D0E71}"/>
+                </a:ext>
+              </a:extLst>
+            </p:cNvPr>
+            <p:cNvSpPr txBox="1">
+              <a:spLocks noChangeArrowheads="1"/>
+            </p:cNvSpPr>
+            <p:nvPr/>
+          </p:nvSpPr>
+          <p:spPr bwMode="auto">
+            <a:xfrm>
+              <a:off x="8350640" y="6000098"/>
+              <a:ext cx="2292350" cy="461665"/>
+            </a:xfrm>
+            <a:prstGeom prst="rect">
+              <a:avLst/>
+            </a:prstGeom>
+            <a:noFill/>
+            <a:ln>
+              <a:noFill/>
+            </a:ln>
+            <a:extLst>
+              <a:ext uri="{909E8E84-426E-40DD-AFC4-6F175D3DCCD1}">
+                <a14:hiddenFill xmlns:a14="http://schemas.microsoft.com/office/drawing/2010/main">
+                  <a:solidFill>
+                    <a:srgbClr val="FFFFFF"/>
+                  </a:solidFill>
+                </a14:hiddenFill>
+              </a:ext>
+              <a:ext uri="{91240B29-F687-4F45-9708-019B960494DF}">
+                <a14:hiddenLine xmlns:a14="http://schemas.microsoft.com/office/drawing/2010/main" w="9525">
+                  <a:solidFill>
+                    <a:srgbClr val="000000"/>
+                  </a:solidFill>
+                  <a:miter lim="800000"/>
+                  <a:headEnd/>
+                  <a:tailEnd/>
+                </a14:hiddenLine>
+              </a:ext>
+            </a:extLst>
+          </p:spPr>
+          <p:txBody>
+            <a:bodyPr>
+              <a:spAutoFit/>
+            </a:bodyPr>
+            <a:lstStyle>
+              <a:defPPr>
+                <a:defRPr lang="en-US"/>
+              </a:defPPr>
+              <a:lvl1pPr algn="l" rtl="0" eaLnBrk="0" fontAlgn="base" hangingPunct="0">
+                <a:spcBef>
+                  <a:spcPct val="0"/>
+                </a:spcBef>
+                <a:spcAft>
+                  <a:spcPct val="0"/>
+                </a:spcAft>
+                <a:defRPr kern="1200">
+                  <a:solidFill>
+                    <a:schemeClr val="tx1"/>
+                  </a:solidFill>
+                  <a:latin typeface="Calibri" panose="020F0502020204030204" pitchFamily="34" charset="0"/>
+                  <a:ea typeface="+mn-ea"/>
+                  <a:cs typeface="+mn-cs"/>
+                </a:defRPr>
+              </a:lvl1pPr>
+              <a:lvl2pPr marL="457200" algn="l" rtl="0" eaLnBrk="0" fontAlgn="base" hangingPunct="0">
+                <a:spcBef>
+                  <a:spcPct val="0"/>
+                </a:spcBef>
+                <a:spcAft>
+                  <a:spcPct val="0"/>
+                </a:spcAft>
+                <a:defRPr kern="1200">
+                  <a:solidFill>
+                    <a:schemeClr val="tx1"/>
+                  </a:solidFill>
+                  <a:latin typeface="Calibri" panose="020F0502020204030204" pitchFamily="34" charset="0"/>
+                  <a:ea typeface="+mn-ea"/>
+                  <a:cs typeface="+mn-cs"/>
+                </a:defRPr>
+              </a:lvl2pPr>
+              <a:lvl3pPr marL="914400" algn="l" rtl="0" eaLnBrk="0" fontAlgn="base" hangingPunct="0">
+                <a:spcBef>
+                  <a:spcPct val="0"/>
+                </a:spcBef>
+                <a:spcAft>
+                  <a:spcPct val="0"/>
+                </a:spcAft>
+                <a:defRPr kern="1200">
+                  <a:solidFill>
+                    <a:schemeClr val="tx1"/>
+                  </a:solidFill>
+                  <a:latin typeface="Calibri" panose="020F0502020204030204" pitchFamily="34" charset="0"/>
+                  <a:ea typeface="+mn-ea"/>
+                  <a:cs typeface="+mn-cs"/>
+                </a:defRPr>
+              </a:lvl3pPr>
+              <a:lvl4pPr marL="1371600" algn="l" rtl="0" eaLnBrk="0" fontAlgn="base" hangingPunct="0">
+                <a:spcBef>
+                  <a:spcPct val="0"/>
+                </a:spcBef>
+                <a:spcAft>
+                  <a:spcPct val="0"/>
+                </a:spcAft>
+                <a:defRPr kern="1200">
+                  <a:solidFill>
+                    <a:schemeClr val="tx1"/>
+                  </a:solidFill>
+                  <a:latin typeface="Calibri" panose="020F0502020204030204" pitchFamily="34" charset="0"/>
+                  <a:ea typeface="+mn-ea"/>
+                  <a:cs typeface="+mn-cs"/>
+                </a:defRPr>
+              </a:lvl4pPr>
+              <a:lvl5pPr marL="1828800" algn="l" rtl="0" eaLnBrk="0" fontAlgn="base" hangingPunct="0">
+                <a:spcBef>
+                  <a:spcPct val="0"/>
+                </a:spcBef>
+                <a:spcAft>
+                  <a:spcPct val="0"/>
+                </a:spcAft>
+                <a:defRPr kern="1200">
+                  <a:solidFill>
+                    <a:schemeClr val="tx1"/>
+                  </a:solidFill>
+                  <a:latin typeface="Calibri" panose="020F0502020204030204" pitchFamily="34" charset="0"/>
+                  <a:ea typeface="+mn-ea"/>
+                  <a:cs typeface="+mn-cs"/>
+                </a:defRPr>
+              </a:lvl5pPr>
+              <a:lvl6pPr marL="2286000" algn="l" defTabSz="914400" rtl="0" eaLnBrk="1" latinLnBrk="0" hangingPunct="1">
+                <a:defRPr kern="1200">
+                  <a:solidFill>
+                    <a:schemeClr val="tx1"/>
+                  </a:solidFill>
+                  <a:latin typeface="Calibri" panose="020F0502020204030204" pitchFamily="34" charset="0"/>
+                  <a:ea typeface="+mn-ea"/>
+                  <a:cs typeface="+mn-cs"/>
+                </a:defRPr>
+              </a:lvl6pPr>
+              <a:lvl7pPr marL="2743200" algn="l" defTabSz="914400" rtl="0" eaLnBrk="1" latinLnBrk="0" hangingPunct="1">
+                <a:defRPr kern="1200">
+                  <a:solidFill>
+                    <a:schemeClr val="tx1"/>
+                  </a:solidFill>
+                  <a:latin typeface="Calibri" panose="020F0502020204030204" pitchFamily="34" charset="0"/>
+                  <a:ea typeface="+mn-ea"/>
+                  <a:cs typeface="+mn-cs"/>
+                </a:defRPr>
+              </a:lvl7pPr>
+              <a:lvl8pPr marL="3200400" algn="l" defTabSz="914400" rtl="0" eaLnBrk="1" latinLnBrk="0" hangingPunct="1">
+                <a:defRPr kern="1200">
+                  <a:solidFill>
+                    <a:schemeClr val="tx1"/>
+                  </a:solidFill>
+                  <a:latin typeface="Calibri" panose="020F0502020204030204" pitchFamily="34" charset="0"/>
+                  <a:ea typeface="+mn-ea"/>
+                  <a:cs typeface="+mn-cs"/>
+                </a:defRPr>
+              </a:lvl8pPr>
+              <a:lvl9pPr marL="3657600" algn="l" defTabSz="914400" rtl="0" eaLnBrk="1" latinLnBrk="0" hangingPunct="1">
+                <a:defRPr kern="1200">
+                  <a:solidFill>
+                    <a:schemeClr val="tx1"/>
+                  </a:solidFill>
+                  <a:latin typeface="Calibri" panose="020F0502020204030204" pitchFamily="34" charset="0"/>
+                  <a:ea typeface="+mn-ea"/>
+                  <a:cs typeface="+mn-cs"/>
+                </a:defRPr>
+              </a:lvl9pPr>
+            </a:lstStyle>
+            <a:p>
+              <a:pPr algn="ctr" eaLnBrk="1" hangingPunct="1"/>
+              <a:r>
+                <a:rPr lang="en-US" altLang="en-US" sz="1200" dirty="0">
+                  <a:latin typeface="Arial" panose="020B0604020202020204" pitchFamily="34" charset="0"/>
+                  <a:ea typeface="Amazon Ember" panose="020B0603020204020204" pitchFamily="34" charset="0"/>
+                  <a:cs typeface="Arial" panose="020B0604020202020204" pitchFamily="34" charset="0"/>
+                </a:rPr>
+                <a:t>AWS Lambda</a:t>
+              </a:r>
+            </a:p>
+            <a:p>
+              <a:pPr algn="ctr" eaLnBrk="1" hangingPunct="1"/>
+              <a:r>
+                <a:rPr lang="en-US" altLang="en-US" sz="1200" dirty="0">
+                  <a:latin typeface="Arial" panose="020B0604020202020204" pitchFamily="34" charset="0"/>
+                  <a:ea typeface="Amazon Ember" panose="020B0603020204020204" pitchFamily="34" charset="0"/>
+                  <a:cs typeface="Arial" panose="020B0604020202020204" pitchFamily="34" charset="0"/>
+                </a:rPr>
+                <a:t>(Feature Extraction)</a:t>
+              </a:r>
+            </a:p>
+          </p:txBody>
+        </p:sp>
+      </p:grpSp>
+      <p:cxnSp>
+        <p:nvCxnSpPr>
+          <p:cNvPr id="9" name="직선 화살표 연결선 8">
+            <a:extLst>
+              <a:ext uri="{FF2B5EF4-FFF2-40B4-BE49-F238E27FC236}">
+                <a16:creationId xmlns:a16="http://schemas.microsoft.com/office/drawing/2014/main" id="{2B07837E-1F65-8B79-FCB2-0DEDE3552CE7}"/>
+              </a:ext>
+            </a:extLst>
+          </p:cNvPr>
+          <p:cNvCxnSpPr>
+            <a:stCxn id="48" idx="3"/>
+            <a:endCxn id="4" idx="1"/>
+          </p:cNvCxnSpPr>
+          <p:nvPr/>
+        </p:nvCxnSpPr>
+        <p:spPr>
+          <a:xfrm>
+            <a:off x="6611464" y="5393557"/>
+            <a:ext cx="2220375" cy="0"/>
+          </a:xfrm>
+          <a:prstGeom prst="straightConnector1">
+            <a:avLst/>
+          </a:prstGeom>
+          <a:ln w="19050">
+            <a:solidFill>
+              <a:schemeClr val="accent6"/>
+            </a:solidFill>
+            <a:tailEnd type="triangle"/>
+          </a:ln>
+        </p:spPr>
+        <p:style>
+          <a:lnRef idx="1">
+            <a:schemeClr val="accent1"/>
+          </a:lnRef>
+          <a:fillRef idx="0">
+            <a:schemeClr val="accent1"/>
+          </a:fillRef>
+          <a:effectRef idx="0">
+            <a:schemeClr val="accent1"/>
+          </a:effectRef>
+          <a:fontRef idx="minor">
+            <a:schemeClr val="tx1"/>
+          </a:fontRef>
+        </p:style>
+      </p:cxnSp>
+      <p:sp>
+        <p:nvSpPr>
+          <p:cNvPr id="149" name="label">
+            <a:extLst>
+              <a:ext uri="{FF2B5EF4-FFF2-40B4-BE49-F238E27FC236}">
+                <a16:creationId xmlns:a16="http://schemas.microsoft.com/office/drawing/2014/main" id="{BF579B65-B8C7-5FD6-E7FC-FC30C7F55870}"/>
+              </a:ext>
+            </a:extLst>
+          </p:cNvPr>
+          <p:cNvSpPr txBox="1">
+            <a:spLocks noChangeArrowheads="1"/>
+          </p:cNvSpPr>
+          <p:nvPr/>
+        </p:nvSpPr>
+        <p:spPr>
+          <a:xfrm>
+            <a:off x="7336992" y="5262744"/>
+            <a:ext cx="674040" cy="246221"/>
+          </a:xfrm>
+          <a:prstGeom prst="rect">
+            <a:avLst/>
+          </a:prstGeom>
+          <a:solidFill>
+            <a:schemeClr val="bg1"/>
+          </a:solidFill>
+          <a:ln>
+            <a:solidFill>
+              <a:schemeClr val="bg1"/>
+            </a:solidFill>
+          </a:ln>
+        </p:spPr>
+        <p:style>
+          <a:lnRef idx="2">
+            <a:schemeClr val="dk1"/>
+          </a:lnRef>
+          <a:fillRef idx="1">
+            <a:schemeClr val="lt1"/>
+          </a:fillRef>
+          <a:effectRef idx="0">
+            <a:schemeClr val="dk1"/>
+          </a:effectRef>
+          <a:fontRef idx="minor">
+            <a:schemeClr val="dk1"/>
+          </a:fontRef>
+        </p:style>
+        <p:txBody>
+          <a:bodyPr wrap="square">
+            <a:spAutoFit/>
+          </a:bodyPr>
+          <a:lstStyle>
+            <a:lvl1pPr marL="0" indent="0">
+              <a:lnSpc>
+                <a:spcPct val="100000"/>
+              </a:lnSpc>
+              <a:spcBef>
+                <a:spcPct val="0"/>
+              </a:spcBef>
+              <a:spcAft>
+                <a:spcPts val="0"/>
+              </a:spcAft>
+              <a:defRPr kumimoji="0" sz="1800" b="0" i="0" u="none" strike="noStrike" kern="0" cap="none" spc="0" normalizeH="0" baseline="0">
+                <a:solidFill>
+                  <a:schemeClr val="tx1"/>
+                </a:solidFill>
+              </a:defRPr>
+            </a:lvl1pPr>
+          </a:lstStyle>
+          <a:p>
+            <a:pPr algn="ctr" eaLnBrk="1" hangingPunct="1">
+              <a:defRPr/>
+            </a:pPr>
+            <a:r>
+              <a:rPr lang="en-US" altLang="en-US" sz="1000" i="1" dirty="0">
+                <a:latin typeface="Arial"/>
+                <a:cs typeface="Arial"/>
+              </a:rPr>
+              <a:t>Trigger</a:t>
+            </a:r>
+          </a:p>
+        </p:txBody>
+      </p:sp>
+      <p:grpSp>
+        <p:nvGrpSpPr>
+          <p:cNvPr id="94" name="그룹 93">
+            <a:extLst>
+              <a:ext uri="{FF2B5EF4-FFF2-40B4-BE49-F238E27FC236}">
+                <a16:creationId xmlns:a16="http://schemas.microsoft.com/office/drawing/2014/main" id="{8CF7D00E-4D13-1B89-D66D-A947A2F6CD6B}"/>
+              </a:ext>
+            </a:extLst>
+          </p:cNvPr>
+          <p:cNvGrpSpPr/>
+          <p:nvPr/>
+        </p:nvGrpSpPr>
+        <p:grpSpPr>
+          <a:xfrm>
+            <a:off x="6460590" y="3018916"/>
+            <a:ext cx="2268537" cy="1193467"/>
+            <a:chOff x="6727290" y="3274341"/>
+            <a:chExt cx="2268537" cy="1193467"/>
+          </a:xfrm>
+        </p:grpSpPr>
+        <p:pic>
+          <p:nvPicPr>
+            <p:cNvPr id="22" name="Graphic 5" descr="Amazon Elastic Compute Cloud (Amazon EC2) service icon.">
+              <a:extLst>
+                <a:ext uri="{FF2B5EF4-FFF2-40B4-BE49-F238E27FC236}">
+                  <a16:creationId xmlns:a16="http://schemas.microsoft.com/office/drawing/2014/main" id="{38622D4A-AB16-E74E-A250-BDBAAFFAA603}"/>
+                </a:ext>
+              </a:extLst>
+            </p:cNvPr>
+            <p:cNvPicPr>
+              <a:picLocks noChangeAspect="1" noChangeArrowheads="1"/>
+            </p:cNvPicPr>
+            <p:nvPr/>
+          </p:nvPicPr>
+          <p:blipFill>
+            <a:blip r:embed="rId8">
+              <a:extLst>
+                <a:ext uri="{96DAC541-7B7A-43D3-8B79-37D633B846F1}">
+                  <asvg:svgBlip xmlns:asvg="http://schemas.microsoft.com/office/drawing/2016/SVG/main" r:embed="rId9"/>
+                </a:ext>
+              </a:extLst>
+            </a:blip>
+            <a:srcRect/>
+            <a:stretch/>
+          </p:blipFill>
+          <p:spPr bwMode="auto">
+            <a:xfrm>
+              <a:off x="7486340" y="3274341"/>
+              <a:ext cx="762000" cy="762000"/>
+            </a:xfrm>
+            <a:prstGeom prst="rect">
+              <a:avLst/>
+            </a:prstGeom>
+            <a:noFill/>
+            <a:ln>
+              <a:noFill/>
+            </a:ln>
+            <a:extLst>
+              <a:ext uri="{909E8E84-426E-40DD-AFC4-6F175D3DCCD1}">
+                <a14:hiddenFill xmlns:a14="http://schemas.microsoft.com/office/drawing/2010/main">
+                  <a:solidFill>
+                    <a:srgbClr val="FFFFFF"/>
+                  </a:solidFill>
+                </a14:hiddenFill>
+              </a:ext>
+              <a:ext uri="{91240B29-F687-4F45-9708-019B960494DF}">
+                <a14:hiddenLine xmlns:a14="http://schemas.microsoft.com/office/drawing/2010/main" w="9525">
+                  <a:solidFill>
+                    <a:srgbClr val="000000"/>
+                  </a:solidFill>
+                  <a:miter lim="800000"/>
+                  <a:headEnd/>
+                  <a:tailEnd/>
+                </a14:hiddenLine>
+              </a:ext>
+            </a:extLst>
+          </p:spPr>
+        </p:pic>
+        <p:sp>
+          <p:nvSpPr>
+            <p:cNvPr id="23" name="TextBox 6">
+              <a:extLst>
+                <a:ext uri="{FF2B5EF4-FFF2-40B4-BE49-F238E27FC236}">
+                  <a16:creationId xmlns:a16="http://schemas.microsoft.com/office/drawing/2014/main" id="{36FEB6A7-BBBF-BF4E-B09F-F70950BA7F04}"/>
+                </a:ext>
+              </a:extLst>
+            </p:cNvPr>
+            <p:cNvSpPr txBox="1">
+              <a:spLocks noChangeArrowheads="1"/>
+            </p:cNvSpPr>
+            <p:nvPr/>
+          </p:nvSpPr>
+          <p:spPr bwMode="auto">
+            <a:xfrm>
+              <a:off x="6727290" y="4006143"/>
+              <a:ext cx="2268537" cy="461665"/>
+            </a:xfrm>
+            <a:prstGeom prst="rect">
+              <a:avLst/>
+            </a:prstGeom>
+            <a:noFill/>
+            <a:ln>
+              <a:noFill/>
+            </a:ln>
+            <a:extLst>
+              <a:ext uri="{909E8E84-426E-40DD-AFC4-6F175D3DCCD1}">
+                <a14:hiddenFill xmlns:a14="http://schemas.microsoft.com/office/drawing/2010/main">
+                  <a:solidFill>
+                    <a:srgbClr val="FFFFFF"/>
+                  </a:solidFill>
+                </a14:hiddenFill>
+              </a:ext>
+              <a:ext uri="{91240B29-F687-4F45-9708-019B960494DF}">
+                <a14:hiddenLine xmlns:a14="http://schemas.microsoft.com/office/drawing/2010/main" w="9525">
+                  <a:solidFill>
+                    <a:srgbClr val="000000"/>
+                  </a:solidFill>
+                  <a:miter lim="800000"/>
+                  <a:headEnd/>
+                  <a:tailEnd/>
+                </a14:hiddenLine>
+              </a:ext>
+            </a:extLst>
+          </p:spPr>
+          <p:txBody>
+            <a:bodyPr>
+              <a:spAutoFit/>
+            </a:bodyPr>
+            <a:lstStyle>
+              <a:defPPr>
+                <a:defRPr lang="en-US"/>
+              </a:defPPr>
+              <a:lvl1pPr algn="l" rtl="0" eaLnBrk="0" fontAlgn="base" hangingPunct="0">
+                <a:spcBef>
+                  <a:spcPct val="0"/>
+                </a:spcBef>
+                <a:spcAft>
+                  <a:spcPct val="0"/>
+                </a:spcAft>
+                <a:defRPr kern="1200">
+                  <a:solidFill>
+                    <a:schemeClr val="tx1"/>
+                  </a:solidFill>
+                  <a:latin typeface="Calibri" panose="020F0502020204030204" pitchFamily="34" charset="0"/>
+                  <a:ea typeface="+mn-ea"/>
+                  <a:cs typeface="+mn-cs"/>
+                </a:defRPr>
+              </a:lvl1pPr>
+              <a:lvl2pPr marL="457200" algn="l" rtl="0" eaLnBrk="0" fontAlgn="base" hangingPunct="0">
+                <a:spcBef>
+                  <a:spcPct val="0"/>
+                </a:spcBef>
+                <a:spcAft>
+                  <a:spcPct val="0"/>
+                </a:spcAft>
+                <a:defRPr kern="1200">
+                  <a:solidFill>
+                    <a:schemeClr val="tx1"/>
+                  </a:solidFill>
+                  <a:latin typeface="Calibri" panose="020F0502020204030204" pitchFamily="34" charset="0"/>
+                  <a:ea typeface="+mn-ea"/>
+                  <a:cs typeface="+mn-cs"/>
+                </a:defRPr>
+              </a:lvl2pPr>
+              <a:lvl3pPr marL="914400" algn="l" rtl="0" eaLnBrk="0" fontAlgn="base" hangingPunct="0">
+                <a:spcBef>
+                  <a:spcPct val="0"/>
+                </a:spcBef>
+                <a:spcAft>
+                  <a:spcPct val="0"/>
+                </a:spcAft>
+                <a:defRPr kern="1200">
+                  <a:solidFill>
+                    <a:schemeClr val="tx1"/>
+                  </a:solidFill>
+                  <a:latin typeface="Calibri" panose="020F0502020204030204" pitchFamily="34" charset="0"/>
+                  <a:ea typeface="+mn-ea"/>
+                  <a:cs typeface="+mn-cs"/>
+                </a:defRPr>
+              </a:lvl3pPr>
+              <a:lvl4pPr marL="1371600" algn="l" rtl="0" eaLnBrk="0" fontAlgn="base" hangingPunct="0">
+                <a:spcBef>
+                  <a:spcPct val="0"/>
+                </a:spcBef>
+                <a:spcAft>
+                  <a:spcPct val="0"/>
+                </a:spcAft>
+                <a:defRPr kern="1200">
+                  <a:solidFill>
+                    <a:schemeClr val="tx1"/>
+                  </a:solidFill>
+                  <a:latin typeface="Calibri" panose="020F0502020204030204" pitchFamily="34" charset="0"/>
+                  <a:ea typeface="+mn-ea"/>
+                  <a:cs typeface="+mn-cs"/>
+                </a:defRPr>
+              </a:lvl4pPr>
+              <a:lvl5pPr marL="1828800" algn="l" rtl="0" eaLnBrk="0" fontAlgn="base" hangingPunct="0">
+                <a:spcBef>
+                  <a:spcPct val="0"/>
+                </a:spcBef>
+                <a:spcAft>
+                  <a:spcPct val="0"/>
+                </a:spcAft>
+                <a:defRPr kern="1200">
+                  <a:solidFill>
+                    <a:schemeClr val="tx1"/>
+                  </a:solidFill>
+                  <a:latin typeface="Calibri" panose="020F0502020204030204" pitchFamily="34" charset="0"/>
+                  <a:ea typeface="+mn-ea"/>
+                  <a:cs typeface="+mn-cs"/>
+                </a:defRPr>
+              </a:lvl5pPr>
+              <a:lvl6pPr marL="2286000" algn="l" defTabSz="914400" rtl="0" eaLnBrk="1" latinLnBrk="0" hangingPunct="1">
+                <a:defRPr kern="1200">
+                  <a:solidFill>
+                    <a:schemeClr val="tx1"/>
+                  </a:solidFill>
+                  <a:latin typeface="Calibri" panose="020F0502020204030204" pitchFamily="34" charset="0"/>
+                  <a:ea typeface="+mn-ea"/>
+                  <a:cs typeface="+mn-cs"/>
+                </a:defRPr>
+              </a:lvl6pPr>
+              <a:lvl7pPr marL="2743200" algn="l" defTabSz="914400" rtl="0" eaLnBrk="1" latinLnBrk="0" hangingPunct="1">
+                <a:defRPr kern="1200">
+                  <a:solidFill>
+                    <a:schemeClr val="tx1"/>
+                  </a:solidFill>
+                  <a:latin typeface="Calibri" panose="020F0502020204030204" pitchFamily="34" charset="0"/>
+                  <a:ea typeface="+mn-ea"/>
+                  <a:cs typeface="+mn-cs"/>
+                </a:defRPr>
+              </a:lvl7pPr>
+              <a:lvl8pPr marL="3200400" algn="l" defTabSz="914400" rtl="0" eaLnBrk="1" latinLnBrk="0" hangingPunct="1">
+                <a:defRPr kern="1200">
+                  <a:solidFill>
+                    <a:schemeClr val="tx1"/>
+                  </a:solidFill>
+                  <a:latin typeface="Calibri" panose="020F0502020204030204" pitchFamily="34" charset="0"/>
+                  <a:ea typeface="+mn-ea"/>
+                  <a:cs typeface="+mn-cs"/>
+                </a:defRPr>
+              </a:lvl8pPr>
+              <a:lvl9pPr marL="3657600" algn="l" defTabSz="914400" rtl="0" eaLnBrk="1" latinLnBrk="0" hangingPunct="1">
+                <a:defRPr kern="1200">
+                  <a:solidFill>
+                    <a:schemeClr val="tx1"/>
+                  </a:solidFill>
+                  <a:latin typeface="Calibri" panose="020F0502020204030204" pitchFamily="34" charset="0"/>
+                  <a:ea typeface="+mn-ea"/>
+                  <a:cs typeface="+mn-cs"/>
+                </a:defRPr>
+              </a:lvl9pPr>
+            </a:lstStyle>
+            <a:p>
+              <a:pPr algn="ctr" eaLnBrk="1" hangingPunct="1"/>
+              <a:r>
+                <a:rPr lang="en-US" altLang="en-US" sz="1200" dirty="0">
+                  <a:latin typeface="Arial" panose="020B0604020202020204" pitchFamily="34" charset="0"/>
+                  <a:ea typeface="Amazon Ember" panose="020B0603020204020204" pitchFamily="34" charset="0"/>
+                  <a:cs typeface="Arial" panose="020B0604020202020204" pitchFamily="34" charset="0"/>
+                </a:rPr>
+                <a:t>Amazon EC2</a:t>
+              </a:r>
+            </a:p>
+            <a:p>
+              <a:pPr algn="ctr" eaLnBrk="1" hangingPunct="1"/>
+              <a:r>
+                <a:rPr lang="en-US" altLang="en-US" sz="1200" dirty="0">
+                  <a:latin typeface="Arial" panose="020B0604020202020204" pitchFamily="34" charset="0"/>
+                  <a:ea typeface="Amazon Ember" panose="020B0603020204020204" pitchFamily="34" charset="0"/>
+                  <a:cs typeface="Arial" panose="020B0604020202020204" pitchFamily="34" charset="0"/>
+                </a:rPr>
+                <a:t>(Web Server)</a:t>
+              </a:r>
+            </a:p>
+          </p:txBody>
+        </p:sp>
+      </p:grpSp>
+      <p:sp>
+        <p:nvSpPr>
+          <p:cNvPr id="58" name="TextBox 57">
+            <a:extLst>
+              <a:ext uri="{FF2B5EF4-FFF2-40B4-BE49-F238E27FC236}">
+                <a16:creationId xmlns:a16="http://schemas.microsoft.com/office/drawing/2014/main" id="{BAE93ABB-36FE-A60C-0CD8-3F07C56EC9E1}"/>
+              </a:ext>
+            </a:extLst>
+          </p:cNvPr>
+          <p:cNvSpPr txBox="1"/>
+          <p:nvPr/>
+        </p:nvSpPr>
+        <p:spPr>
+          <a:xfrm>
+            <a:off x="2389341" y="1763313"/>
+            <a:ext cx="835485" cy="323165"/>
+          </a:xfrm>
+          <a:prstGeom prst="rect">
+            <a:avLst/>
+          </a:prstGeom>
+          <a:solidFill>
+            <a:srgbClr val="FF0066"/>
+          </a:solidFill>
+        </p:spPr>
+        <p:style>
+          <a:lnRef idx="2">
+            <a:schemeClr val="accent4">
+              <a:shade val="15000"/>
+            </a:schemeClr>
+          </a:lnRef>
+          <a:fillRef idx="1">
+            <a:schemeClr val="accent4"/>
+          </a:fillRef>
+          <a:effectRef idx="0">
+            <a:schemeClr val="accent4"/>
+          </a:effectRef>
+          <a:fontRef idx="minor">
+            <a:schemeClr val="lt1"/>
+          </a:fontRef>
+        </p:style>
+        <p:txBody>
+          <a:bodyPr wrap="none" rtlCol="0">
+            <a:spAutoFit/>
+          </a:bodyPr>
+          <a:lstStyle/>
+          <a:p>
+            <a:r>
+              <a:rPr lang="en-US" altLang="ko-KR" sz="1500" b="1" dirty="0">
+                <a:solidFill>
+                  <a:schemeClr val="bg1"/>
+                </a:solidFill>
+              </a:rPr>
+              <a:t>Output</a:t>
+            </a:r>
+            <a:endParaRPr lang="ko-KR" altLang="en-US" sz="1500" b="1" dirty="0">
+              <a:solidFill>
+                <a:schemeClr val="bg1"/>
+              </a:solidFill>
+            </a:endParaRPr>
+          </a:p>
+        </p:txBody>
+      </p:sp>
+      <p:cxnSp>
+        <p:nvCxnSpPr>
+          <p:cNvPr id="71" name="직선 화살표 연결선 70">
+            <a:extLst>
+              <a:ext uri="{FF2B5EF4-FFF2-40B4-BE49-F238E27FC236}">
+                <a16:creationId xmlns:a16="http://schemas.microsoft.com/office/drawing/2014/main" id="{6113E95C-DABA-4AD2-9075-AA27D493286D}"/>
+              </a:ext>
+            </a:extLst>
+          </p:cNvPr>
+          <p:cNvCxnSpPr>
+            <a:cxnSpLocks/>
+            <a:endCxn id="22" idx="1"/>
+          </p:cNvCxnSpPr>
+          <p:nvPr/>
+        </p:nvCxnSpPr>
+        <p:spPr>
+          <a:xfrm>
+            <a:off x="4220446" y="3394337"/>
+            <a:ext cx="2999194" cy="5579"/>
+          </a:xfrm>
+          <a:prstGeom prst="straightConnector1">
+            <a:avLst/>
+          </a:prstGeom>
+          <a:ln w="19050">
+            <a:solidFill>
+              <a:schemeClr val="accent1"/>
+            </a:solidFill>
+            <a:tailEnd type="triangle"/>
+          </a:ln>
+        </p:spPr>
+        <p:style>
+          <a:lnRef idx="1">
+            <a:schemeClr val="accent1"/>
+          </a:lnRef>
+          <a:fillRef idx="0">
+            <a:schemeClr val="accent1"/>
+          </a:fillRef>
+          <a:effectRef idx="0">
+            <a:schemeClr val="accent1"/>
+          </a:effectRef>
+          <a:fontRef idx="minor">
+            <a:schemeClr val="tx1"/>
+          </a:fontRef>
+        </p:style>
+      </p:cxnSp>
+      <p:sp>
+        <p:nvSpPr>
+          <p:cNvPr id="117" name="label">
+            <a:extLst>
+              <a:ext uri="{FF2B5EF4-FFF2-40B4-BE49-F238E27FC236}">
+                <a16:creationId xmlns:a16="http://schemas.microsoft.com/office/drawing/2014/main" id="{B6C5C9AE-ACB7-9719-1663-2CD3F698156A}"/>
+              </a:ext>
+            </a:extLst>
+          </p:cNvPr>
+          <p:cNvSpPr txBox="1">
+            <a:spLocks noChangeArrowheads="1"/>
+          </p:cNvSpPr>
+          <p:nvPr/>
+        </p:nvSpPr>
+        <p:spPr>
+          <a:xfrm>
+            <a:off x="5386914" y="3201044"/>
+            <a:ext cx="1172413" cy="400110"/>
+          </a:xfrm>
+          <a:prstGeom prst="rect">
+            <a:avLst/>
+          </a:prstGeom>
+          <a:solidFill>
+            <a:schemeClr val="bg1"/>
+          </a:solidFill>
+          <a:ln>
+            <a:solidFill>
+              <a:schemeClr val="bg1"/>
+            </a:solidFill>
+          </a:ln>
+        </p:spPr>
+        <p:style>
+          <a:lnRef idx="2">
+            <a:schemeClr val="dk1"/>
+          </a:lnRef>
+          <a:fillRef idx="1">
+            <a:schemeClr val="lt1"/>
+          </a:fillRef>
+          <a:effectRef idx="0">
+            <a:schemeClr val="dk1"/>
+          </a:effectRef>
+          <a:fontRef idx="minor">
+            <a:schemeClr val="dk1"/>
+          </a:fontRef>
+        </p:style>
+        <p:txBody>
+          <a:bodyPr wrap="square">
+            <a:spAutoFit/>
+          </a:bodyPr>
+          <a:lstStyle>
+            <a:lvl1pPr marL="0" indent="0">
+              <a:lnSpc>
+                <a:spcPct val="100000"/>
+              </a:lnSpc>
+              <a:spcBef>
+                <a:spcPct val="0"/>
+              </a:spcBef>
+              <a:spcAft>
+                <a:spcPts val="0"/>
+              </a:spcAft>
+              <a:defRPr kumimoji="0" sz="1800" b="0" i="0" u="none" strike="noStrike" kern="0" cap="none" spc="0" normalizeH="0" baseline="0">
+                <a:solidFill>
+                  <a:schemeClr val="tx1"/>
+                </a:solidFill>
+              </a:defRPr>
+            </a:lvl1pPr>
+          </a:lstStyle>
+          <a:p>
+            <a:pPr algn="ctr" eaLnBrk="1" hangingPunct="1">
+              <a:defRPr/>
+            </a:pPr>
+            <a:r>
+              <a:rPr lang="en-US" altLang="en-US" sz="1000" i="1" dirty="0">
+                <a:latin typeface="Arial"/>
+                <a:cs typeface="Arial"/>
+              </a:rPr>
+              <a:t>Request</a:t>
+            </a:r>
+          </a:p>
+          <a:p>
+            <a:pPr algn="ctr" eaLnBrk="1" hangingPunct="1">
+              <a:defRPr/>
+            </a:pPr>
+            <a:r>
+              <a:rPr lang="en-US" altLang="en-US" sz="1000" i="1" dirty="0">
+                <a:latin typeface="Arial"/>
+                <a:cs typeface="Arial"/>
+              </a:rPr>
+              <a:t>Video Data</a:t>
+            </a:r>
+          </a:p>
+        </p:txBody>
+      </p:sp>
+      <p:sp>
+        <p:nvSpPr>
+          <p:cNvPr id="171" name="TextBox 170">
+            <a:extLst>
+              <a:ext uri="{FF2B5EF4-FFF2-40B4-BE49-F238E27FC236}">
+                <a16:creationId xmlns:a16="http://schemas.microsoft.com/office/drawing/2014/main" id="{9C2B899A-FBCA-5701-1C53-DD6AA41A1849}"/>
+              </a:ext>
+            </a:extLst>
+          </p:cNvPr>
+          <p:cNvSpPr txBox="1"/>
+          <p:nvPr/>
+        </p:nvSpPr>
+        <p:spPr>
+          <a:xfrm>
+            <a:off x="5381945" y="2901525"/>
+            <a:ext cx="290464" cy="323165"/>
+          </a:xfrm>
+          <a:prstGeom prst="rect">
+            <a:avLst/>
+          </a:prstGeom>
+        </p:spPr>
+        <p:style>
+          <a:lnRef idx="2">
+            <a:schemeClr val="accent4">
+              <a:shade val="15000"/>
+            </a:schemeClr>
+          </a:lnRef>
+          <a:fillRef idx="1">
+            <a:schemeClr val="accent4"/>
+          </a:fillRef>
+          <a:effectRef idx="0">
+            <a:schemeClr val="accent4"/>
+          </a:effectRef>
+          <a:fontRef idx="minor">
+            <a:schemeClr val="lt1"/>
+          </a:fontRef>
+        </p:style>
+        <p:txBody>
+          <a:bodyPr wrap="none" rtlCol="0">
+            <a:spAutoFit/>
+          </a:bodyPr>
+          <a:lstStyle/>
+          <a:p>
+            <a:r>
+              <a:rPr lang="en-US" altLang="ko-KR" sz="1500" dirty="0">
+                <a:solidFill>
+                  <a:schemeClr val="tx1"/>
+                </a:solidFill>
+              </a:rPr>
+              <a:t>1</a:t>
+            </a:r>
+            <a:endParaRPr lang="ko-KR" altLang="en-US" sz="1500" dirty="0">
+              <a:solidFill>
+                <a:schemeClr val="tx1"/>
+              </a:solidFill>
+            </a:endParaRPr>
+          </a:p>
+        </p:txBody>
+      </p:sp>
+      <p:cxnSp>
+        <p:nvCxnSpPr>
+          <p:cNvPr id="78" name="연결선: 꺾임 77">
+            <a:extLst>
+              <a:ext uri="{FF2B5EF4-FFF2-40B4-BE49-F238E27FC236}">
+                <a16:creationId xmlns:a16="http://schemas.microsoft.com/office/drawing/2014/main" id="{1B24F716-0AE1-FF92-6763-7032A72ECF41}"/>
+              </a:ext>
+            </a:extLst>
+          </p:cNvPr>
+          <p:cNvCxnSpPr>
+            <a:endCxn id="50" idx="3"/>
+          </p:cNvCxnSpPr>
+          <p:nvPr/>
+        </p:nvCxnSpPr>
+        <p:spPr>
+          <a:xfrm rot="16200000" flipV="1">
+            <a:off x="6707939" y="2492887"/>
+            <a:ext cx="3793036" cy="1245631"/>
+          </a:xfrm>
+          <a:prstGeom prst="bentConnector2">
+            <a:avLst/>
+          </a:prstGeom>
+          <a:ln w="19050">
+            <a:solidFill>
+              <a:schemeClr val="accent6"/>
+            </a:solidFill>
+            <a:tailEnd type="triangle"/>
+          </a:ln>
+        </p:spPr>
+        <p:style>
+          <a:lnRef idx="1">
+            <a:schemeClr val="accent1"/>
+          </a:lnRef>
+          <a:fillRef idx="0">
+            <a:schemeClr val="accent1"/>
+          </a:fillRef>
+          <a:effectRef idx="0">
+            <a:schemeClr val="accent1"/>
+          </a:effectRef>
+          <a:fontRef idx="minor">
+            <a:schemeClr val="tx1"/>
+          </a:fontRef>
+        </p:style>
+      </p:cxnSp>
+      <p:sp>
+        <p:nvSpPr>
+          <p:cNvPr id="147" name="label">
+            <a:extLst>
+              <a:ext uri="{FF2B5EF4-FFF2-40B4-BE49-F238E27FC236}">
+                <a16:creationId xmlns:a16="http://schemas.microsoft.com/office/drawing/2014/main" id="{A75C122B-1989-EA8E-E17C-D79108A6BF4D}"/>
+              </a:ext>
+            </a:extLst>
+          </p:cNvPr>
+          <p:cNvSpPr txBox="1">
+            <a:spLocks noChangeArrowheads="1"/>
+          </p:cNvSpPr>
+          <p:nvPr/>
+        </p:nvSpPr>
+        <p:spPr>
+          <a:xfrm>
+            <a:off x="8676481" y="3231901"/>
+            <a:ext cx="1101582" cy="400110"/>
+          </a:xfrm>
+          <a:prstGeom prst="rect">
+            <a:avLst/>
+          </a:prstGeom>
+          <a:ln>
+            <a:noFill/>
+          </a:ln>
+        </p:spPr>
+        <p:style>
+          <a:lnRef idx="2">
+            <a:schemeClr val="dk1"/>
+          </a:lnRef>
+          <a:fillRef idx="1">
+            <a:schemeClr val="lt1"/>
+          </a:fillRef>
+          <a:effectRef idx="0">
+            <a:schemeClr val="dk1"/>
+          </a:effectRef>
+          <a:fontRef idx="minor">
+            <a:schemeClr val="dk1"/>
+          </a:fontRef>
+        </p:style>
+        <p:txBody>
+          <a:bodyPr wrap="square">
+            <a:spAutoFit/>
+          </a:bodyPr>
+          <a:lstStyle>
+            <a:lvl1pPr marL="0" indent="0">
+              <a:lnSpc>
+                <a:spcPct val="100000"/>
+              </a:lnSpc>
+              <a:spcBef>
+                <a:spcPct val="0"/>
+              </a:spcBef>
+              <a:spcAft>
+                <a:spcPts val="0"/>
+              </a:spcAft>
+              <a:defRPr kumimoji="0" sz="1800" b="0" i="0" u="none" strike="noStrike" kern="0" cap="none" spc="0" normalizeH="0" baseline="0">
+                <a:solidFill>
+                  <a:schemeClr val="tx1"/>
+                </a:solidFill>
+              </a:defRPr>
+            </a:lvl1pPr>
+          </a:lstStyle>
+          <a:p>
+            <a:pPr algn="ctr" eaLnBrk="1" hangingPunct="1">
+              <a:defRPr/>
+            </a:pPr>
+            <a:r>
+              <a:rPr lang="en-US" altLang="en-US" sz="1000" i="1" dirty="0">
+                <a:latin typeface="Arial"/>
+                <a:cs typeface="Arial"/>
+              </a:rPr>
+              <a:t>Response</a:t>
+            </a:r>
+          </a:p>
+          <a:p>
+            <a:pPr algn="ctr" eaLnBrk="1" hangingPunct="1">
+              <a:defRPr/>
+            </a:pPr>
+            <a:r>
+              <a:rPr lang="en-US" altLang="en-US" sz="1000" i="1" dirty="0">
+                <a:latin typeface="Arial"/>
+                <a:cs typeface="Arial"/>
+              </a:rPr>
+              <a:t>Feature Result</a:t>
+            </a:r>
+          </a:p>
+        </p:txBody>
+      </p:sp>
+      <p:sp>
+        <p:nvSpPr>
+          <p:cNvPr id="172" name="TextBox 171">
+            <a:extLst>
+              <a:ext uri="{FF2B5EF4-FFF2-40B4-BE49-F238E27FC236}">
+                <a16:creationId xmlns:a16="http://schemas.microsoft.com/office/drawing/2014/main" id="{72120E0D-E64C-6A28-3BEA-AAEFC17BDF64}"/>
+              </a:ext>
+            </a:extLst>
+          </p:cNvPr>
+          <p:cNvSpPr txBox="1"/>
+          <p:nvPr/>
+        </p:nvSpPr>
+        <p:spPr>
+          <a:xfrm>
+            <a:off x="8659735" y="2933233"/>
+            <a:ext cx="290464" cy="323165"/>
+          </a:xfrm>
+          <a:prstGeom prst="rect">
+            <a:avLst/>
+          </a:prstGeom>
+        </p:spPr>
+        <p:style>
+          <a:lnRef idx="2">
+            <a:schemeClr val="accent4">
+              <a:shade val="15000"/>
+            </a:schemeClr>
+          </a:lnRef>
+          <a:fillRef idx="1">
+            <a:schemeClr val="accent4"/>
+          </a:fillRef>
+          <a:effectRef idx="0">
+            <a:schemeClr val="accent4"/>
+          </a:effectRef>
+          <a:fontRef idx="minor">
+            <a:schemeClr val="lt1"/>
+          </a:fontRef>
+        </p:style>
+        <p:txBody>
+          <a:bodyPr wrap="none" rtlCol="0">
+            <a:spAutoFit/>
+          </a:bodyPr>
+          <a:lstStyle/>
+          <a:p>
+            <a:r>
+              <a:rPr lang="en-US" altLang="ko-KR" sz="1500" dirty="0">
+                <a:solidFill>
+                  <a:schemeClr val="tx1"/>
+                </a:solidFill>
+              </a:rPr>
+              <a:t>3</a:t>
+            </a:r>
+            <a:endParaRPr lang="ko-KR" altLang="en-US" sz="1500" dirty="0">
+              <a:solidFill>
+                <a:schemeClr val="tx1"/>
+              </a:solidFill>
+            </a:endParaRPr>
+          </a:p>
+        </p:txBody>
+      </p:sp>
+      <p:grpSp>
+        <p:nvGrpSpPr>
+          <p:cNvPr id="103" name="그룹 102">
+            <a:extLst>
+              <a:ext uri="{FF2B5EF4-FFF2-40B4-BE49-F238E27FC236}">
+                <a16:creationId xmlns:a16="http://schemas.microsoft.com/office/drawing/2014/main" id="{12665E04-0242-1CBF-0620-D1DF9A145169}"/>
+              </a:ext>
+            </a:extLst>
+          </p:cNvPr>
+          <p:cNvGrpSpPr/>
+          <p:nvPr/>
+        </p:nvGrpSpPr>
+        <p:grpSpPr>
+          <a:xfrm>
+            <a:off x="9666874" y="1670206"/>
+            <a:ext cx="1727273" cy="1007249"/>
+            <a:chOff x="10497370" y="2847616"/>
+            <a:chExt cx="1727273" cy="1007249"/>
+          </a:xfrm>
+        </p:grpSpPr>
+        <p:pic>
+          <p:nvPicPr>
+            <p:cNvPr id="101" name="Graphic 17" descr="Amazon CloudWatch service icon.">
+              <a:extLst>
+                <a:ext uri="{FF2B5EF4-FFF2-40B4-BE49-F238E27FC236}">
+                  <a16:creationId xmlns:a16="http://schemas.microsoft.com/office/drawing/2014/main" id="{F0F27D85-8B1B-4E60-9EC1-12AB8A2FBCC5}"/>
+                </a:ext>
+              </a:extLst>
+            </p:cNvPr>
+            <p:cNvPicPr>
+              <a:picLocks noChangeAspect="1" noChangeArrowheads="1"/>
+            </p:cNvPicPr>
+            <p:nvPr/>
+          </p:nvPicPr>
+          <p:blipFill>
+            <a:blip r:embed="rId10">
+              <a:extLst>
+                <a:ext uri="{96DAC541-7B7A-43D3-8B79-37D633B846F1}">
+                  <asvg:svgBlip xmlns:asvg="http://schemas.microsoft.com/office/drawing/2016/SVG/main" r:embed="rId11"/>
+                </a:ext>
+              </a:extLst>
+            </a:blip>
+            <a:srcRect/>
+            <a:stretch/>
+          </p:blipFill>
+          <p:spPr bwMode="auto">
+            <a:xfrm>
+              <a:off x="10980007" y="2847616"/>
+              <a:ext cx="762000" cy="762000"/>
+            </a:xfrm>
+            <a:prstGeom prst="rect">
+              <a:avLst/>
+            </a:prstGeom>
+            <a:noFill/>
+            <a:ln>
+              <a:noFill/>
+            </a:ln>
+            <a:extLst>
+              <a:ext uri="{909E8E84-426E-40DD-AFC4-6F175D3DCCD1}">
+                <a14:hiddenFill xmlns:a14="http://schemas.microsoft.com/office/drawing/2010/main">
+                  <a:solidFill>
+                    <a:srgbClr val="FFFFFF"/>
+                  </a:solidFill>
+                </a14:hiddenFill>
+              </a:ext>
+              <a:ext uri="{91240B29-F687-4F45-9708-019B960494DF}">
+                <a14:hiddenLine xmlns:a14="http://schemas.microsoft.com/office/drawing/2010/main" w="9525">
+                  <a:solidFill>
+                    <a:srgbClr val="000000"/>
+                  </a:solidFill>
+                  <a:miter lim="800000"/>
+                  <a:headEnd/>
+                  <a:tailEnd/>
+                </a14:hiddenLine>
+              </a:ext>
+            </a:extLst>
+          </p:spPr>
+        </p:pic>
+        <p:sp>
+          <p:nvSpPr>
+            <p:cNvPr id="102" name="TextBox 9">
+              <a:extLst>
+                <a:ext uri="{FF2B5EF4-FFF2-40B4-BE49-F238E27FC236}">
+                  <a16:creationId xmlns:a16="http://schemas.microsoft.com/office/drawing/2014/main" id="{80818169-1D2A-49F5-9D45-619D54F4885D}"/>
+                </a:ext>
+              </a:extLst>
+            </p:cNvPr>
+            <p:cNvSpPr txBox="1">
+              <a:spLocks noChangeArrowheads="1"/>
+            </p:cNvSpPr>
+            <p:nvPr/>
+          </p:nvSpPr>
+          <p:spPr bwMode="auto">
+            <a:xfrm>
+              <a:off x="10497370" y="3577866"/>
+              <a:ext cx="1727273" cy="276999"/>
+            </a:xfrm>
+            <a:prstGeom prst="rect">
+              <a:avLst/>
+            </a:prstGeom>
+            <a:noFill/>
+            <a:ln>
+              <a:noFill/>
+            </a:ln>
+            <a:extLst>
+              <a:ext uri="{909E8E84-426E-40DD-AFC4-6F175D3DCCD1}">
+                <a14:hiddenFill xmlns:a14="http://schemas.microsoft.com/office/drawing/2010/main">
+                  <a:solidFill>
+                    <a:srgbClr val="FFFFFF"/>
+                  </a:solidFill>
+                </a14:hiddenFill>
+              </a:ext>
+              <a:ext uri="{91240B29-F687-4F45-9708-019B960494DF}">
+                <a14:hiddenLine xmlns:a14="http://schemas.microsoft.com/office/drawing/2010/main" w="9525">
+                  <a:solidFill>
+                    <a:srgbClr val="000000"/>
+                  </a:solidFill>
+                  <a:miter lim="800000"/>
+                  <a:headEnd/>
+                  <a:tailEnd/>
+                </a14:hiddenLine>
+              </a:ext>
+            </a:extLst>
+          </p:spPr>
+          <p:txBody>
+            <a:bodyPr wrap="square">
+              <a:spAutoFit/>
+            </a:bodyPr>
+            <a:lstStyle>
+              <a:defPPr>
+                <a:defRPr lang="en-US"/>
+              </a:defPPr>
+              <a:lvl1pPr algn="l" rtl="0" eaLnBrk="0" fontAlgn="base" hangingPunct="0">
+                <a:spcBef>
+                  <a:spcPct val="0"/>
+                </a:spcBef>
+                <a:spcAft>
+                  <a:spcPct val="0"/>
+                </a:spcAft>
+                <a:defRPr kern="1200">
+                  <a:solidFill>
+                    <a:schemeClr val="tx1"/>
+                  </a:solidFill>
+                  <a:latin typeface="Calibri" panose="020F0502020204030204" pitchFamily="34" charset="0"/>
+                  <a:ea typeface="+mn-ea"/>
+                  <a:cs typeface="+mn-cs"/>
+                </a:defRPr>
+              </a:lvl1pPr>
+              <a:lvl2pPr marL="457200" algn="l" rtl="0" eaLnBrk="0" fontAlgn="base" hangingPunct="0">
+                <a:spcBef>
+                  <a:spcPct val="0"/>
+                </a:spcBef>
+                <a:spcAft>
+                  <a:spcPct val="0"/>
+                </a:spcAft>
+                <a:defRPr kern="1200">
+                  <a:solidFill>
+                    <a:schemeClr val="tx1"/>
+                  </a:solidFill>
+                  <a:latin typeface="Calibri" panose="020F0502020204030204" pitchFamily="34" charset="0"/>
+                  <a:ea typeface="+mn-ea"/>
+                  <a:cs typeface="+mn-cs"/>
+                </a:defRPr>
+              </a:lvl2pPr>
+              <a:lvl3pPr marL="914400" algn="l" rtl="0" eaLnBrk="0" fontAlgn="base" hangingPunct="0">
+                <a:spcBef>
+                  <a:spcPct val="0"/>
+                </a:spcBef>
+                <a:spcAft>
+                  <a:spcPct val="0"/>
+                </a:spcAft>
+                <a:defRPr kern="1200">
+                  <a:solidFill>
+                    <a:schemeClr val="tx1"/>
+                  </a:solidFill>
+                  <a:latin typeface="Calibri" panose="020F0502020204030204" pitchFamily="34" charset="0"/>
+                  <a:ea typeface="+mn-ea"/>
+                  <a:cs typeface="+mn-cs"/>
+                </a:defRPr>
+              </a:lvl3pPr>
+              <a:lvl4pPr marL="1371600" algn="l" rtl="0" eaLnBrk="0" fontAlgn="base" hangingPunct="0">
+                <a:spcBef>
+                  <a:spcPct val="0"/>
+                </a:spcBef>
+                <a:spcAft>
+                  <a:spcPct val="0"/>
+                </a:spcAft>
+                <a:defRPr kern="1200">
+                  <a:solidFill>
+                    <a:schemeClr val="tx1"/>
+                  </a:solidFill>
+                  <a:latin typeface="Calibri" panose="020F0502020204030204" pitchFamily="34" charset="0"/>
+                  <a:ea typeface="+mn-ea"/>
+                  <a:cs typeface="+mn-cs"/>
+                </a:defRPr>
+              </a:lvl4pPr>
+              <a:lvl5pPr marL="1828800" algn="l" rtl="0" eaLnBrk="0" fontAlgn="base" hangingPunct="0">
+                <a:spcBef>
+                  <a:spcPct val="0"/>
+                </a:spcBef>
+                <a:spcAft>
+                  <a:spcPct val="0"/>
+                </a:spcAft>
+                <a:defRPr kern="1200">
+                  <a:solidFill>
+                    <a:schemeClr val="tx1"/>
+                  </a:solidFill>
+                  <a:latin typeface="Calibri" panose="020F0502020204030204" pitchFamily="34" charset="0"/>
+                  <a:ea typeface="+mn-ea"/>
+                  <a:cs typeface="+mn-cs"/>
+                </a:defRPr>
+              </a:lvl5pPr>
+              <a:lvl6pPr marL="2286000" algn="l" defTabSz="914400" rtl="0" eaLnBrk="1" latinLnBrk="0" hangingPunct="1">
+                <a:defRPr kern="1200">
+                  <a:solidFill>
+                    <a:schemeClr val="tx1"/>
+                  </a:solidFill>
+                  <a:latin typeface="Calibri" panose="020F0502020204030204" pitchFamily="34" charset="0"/>
+                  <a:ea typeface="+mn-ea"/>
+                  <a:cs typeface="+mn-cs"/>
+                </a:defRPr>
+              </a:lvl6pPr>
+              <a:lvl7pPr marL="2743200" algn="l" defTabSz="914400" rtl="0" eaLnBrk="1" latinLnBrk="0" hangingPunct="1">
+                <a:defRPr kern="1200">
+                  <a:solidFill>
+                    <a:schemeClr val="tx1"/>
+                  </a:solidFill>
+                  <a:latin typeface="Calibri" panose="020F0502020204030204" pitchFamily="34" charset="0"/>
+                  <a:ea typeface="+mn-ea"/>
+                  <a:cs typeface="+mn-cs"/>
+                </a:defRPr>
+              </a:lvl7pPr>
+              <a:lvl8pPr marL="3200400" algn="l" defTabSz="914400" rtl="0" eaLnBrk="1" latinLnBrk="0" hangingPunct="1">
+                <a:defRPr kern="1200">
+                  <a:solidFill>
+                    <a:schemeClr val="tx1"/>
+                  </a:solidFill>
+                  <a:latin typeface="Calibri" panose="020F0502020204030204" pitchFamily="34" charset="0"/>
+                  <a:ea typeface="+mn-ea"/>
+                  <a:cs typeface="+mn-cs"/>
+                </a:defRPr>
+              </a:lvl8pPr>
+              <a:lvl9pPr marL="3657600" algn="l" defTabSz="914400" rtl="0" eaLnBrk="1" latinLnBrk="0" hangingPunct="1">
+                <a:defRPr kern="1200">
+                  <a:solidFill>
+                    <a:schemeClr val="tx1"/>
+                  </a:solidFill>
+                  <a:latin typeface="Calibri" panose="020F0502020204030204" pitchFamily="34" charset="0"/>
+                  <a:ea typeface="+mn-ea"/>
+                  <a:cs typeface="+mn-cs"/>
+                </a:defRPr>
+              </a:lvl9pPr>
+            </a:lstStyle>
+            <a:p>
+              <a:pPr algn="ctr" eaLnBrk="1" hangingPunct="1"/>
+              <a:r>
+                <a:rPr lang="en-US" altLang="en-US" sz="1200" dirty="0">
+                  <a:latin typeface="Arial" panose="020B0604020202020204" pitchFamily="34" charset="0"/>
+                  <a:ea typeface="Amazon Ember" panose="020B0603020204020204" pitchFamily="34" charset="0"/>
+                  <a:cs typeface="Arial" panose="020B0604020202020204" pitchFamily="34" charset="0"/>
+                </a:rPr>
+                <a:t>Amazon CloudWatch</a:t>
+              </a:r>
+            </a:p>
+          </p:txBody>
+        </p:sp>
+      </p:grpSp>
+      <p:cxnSp>
+        <p:nvCxnSpPr>
+          <p:cNvPr id="105" name="직선 화살표 연결선 104">
+            <a:extLst>
+              <a:ext uri="{FF2B5EF4-FFF2-40B4-BE49-F238E27FC236}">
+                <a16:creationId xmlns:a16="http://schemas.microsoft.com/office/drawing/2014/main" id="{B8A99F07-5E60-5D7A-6E60-51D817B2BA7A}"/>
+              </a:ext>
+            </a:extLst>
+          </p:cNvPr>
+          <p:cNvCxnSpPr>
+            <a:cxnSpLocks/>
+            <a:stCxn id="101" idx="1"/>
+          </p:cNvCxnSpPr>
+          <p:nvPr/>
+        </p:nvCxnSpPr>
+        <p:spPr>
+          <a:xfrm flipH="1">
+            <a:off x="9227272" y="2051206"/>
+            <a:ext cx="922239" cy="0"/>
+          </a:xfrm>
+          <a:prstGeom prst="straightConnector1">
+            <a:avLst/>
+          </a:prstGeom>
+          <a:ln w="19050">
+            <a:solidFill>
+              <a:schemeClr val="tx1"/>
+            </a:solidFill>
+            <a:tailEnd type="triangle"/>
+          </a:ln>
+        </p:spPr>
+        <p:style>
+          <a:lnRef idx="1">
+            <a:schemeClr val="accent1"/>
+          </a:lnRef>
+          <a:fillRef idx="0">
+            <a:schemeClr val="accent1"/>
+          </a:fillRef>
+          <a:effectRef idx="0">
+            <a:schemeClr val="accent1"/>
+          </a:effectRef>
+          <a:fontRef idx="minor">
+            <a:schemeClr val="tx1"/>
+          </a:fontRef>
+        </p:style>
+      </p:cxnSp>
+      <p:cxnSp>
+        <p:nvCxnSpPr>
+          <p:cNvPr id="113" name="직선 화살표 연결선 112">
+            <a:extLst>
+              <a:ext uri="{FF2B5EF4-FFF2-40B4-BE49-F238E27FC236}">
+                <a16:creationId xmlns:a16="http://schemas.microsoft.com/office/drawing/2014/main" id="{D019E312-5136-A8B7-117D-A21757D1B825}"/>
+              </a:ext>
+            </a:extLst>
+          </p:cNvPr>
+          <p:cNvCxnSpPr>
+            <a:cxnSpLocks/>
+            <a:stCxn id="22" idx="0"/>
+            <a:endCxn id="51" idx="2"/>
+          </p:cNvCxnSpPr>
+          <p:nvPr/>
+        </p:nvCxnSpPr>
+        <p:spPr>
+          <a:xfrm flipV="1">
+            <a:off x="7600640" y="1823354"/>
+            <a:ext cx="1" cy="1195562"/>
+          </a:xfrm>
+          <a:prstGeom prst="straightConnector1">
+            <a:avLst/>
+          </a:prstGeom>
+          <a:ln w="19050">
+            <a:tailEnd type="triangle"/>
+          </a:ln>
+        </p:spPr>
+        <p:style>
+          <a:lnRef idx="1">
+            <a:schemeClr val="accent1"/>
+          </a:lnRef>
+          <a:fillRef idx="0">
+            <a:schemeClr val="accent1"/>
+          </a:fillRef>
+          <a:effectRef idx="0">
+            <a:schemeClr val="accent1"/>
+          </a:effectRef>
+          <a:fontRef idx="minor">
+            <a:schemeClr val="tx1"/>
+          </a:fontRef>
+        </p:style>
+      </p:cxnSp>
+      <p:sp>
+        <p:nvSpPr>
+          <p:cNvPr id="122" name="label">
+            <a:extLst>
+              <a:ext uri="{FF2B5EF4-FFF2-40B4-BE49-F238E27FC236}">
+                <a16:creationId xmlns:a16="http://schemas.microsoft.com/office/drawing/2014/main" id="{7B59D974-55EF-F737-5B86-15ED3C881EF9}"/>
+              </a:ext>
+            </a:extLst>
+          </p:cNvPr>
+          <p:cNvSpPr txBox="1">
+            <a:spLocks noChangeArrowheads="1"/>
+          </p:cNvSpPr>
+          <p:nvPr/>
+        </p:nvSpPr>
+        <p:spPr>
+          <a:xfrm>
+            <a:off x="7013205" y="2242013"/>
+            <a:ext cx="1172413" cy="400110"/>
+          </a:xfrm>
+          <a:prstGeom prst="rect">
+            <a:avLst/>
+          </a:prstGeom>
+          <a:solidFill>
+            <a:schemeClr val="bg1"/>
+          </a:solidFill>
+          <a:ln>
+            <a:solidFill>
+              <a:schemeClr val="bg1"/>
+            </a:solidFill>
+          </a:ln>
+        </p:spPr>
+        <p:style>
+          <a:lnRef idx="2">
+            <a:schemeClr val="dk1"/>
+          </a:lnRef>
+          <a:fillRef idx="1">
+            <a:schemeClr val="lt1"/>
+          </a:fillRef>
+          <a:effectRef idx="0">
+            <a:schemeClr val="dk1"/>
+          </a:effectRef>
+          <a:fontRef idx="minor">
+            <a:schemeClr val="dk1"/>
+          </a:fontRef>
+        </p:style>
+        <p:txBody>
+          <a:bodyPr wrap="square">
+            <a:spAutoFit/>
+          </a:bodyPr>
+          <a:lstStyle>
+            <a:lvl1pPr marL="0" indent="0">
+              <a:lnSpc>
+                <a:spcPct val="100000"/>
+              </a:lnSpc>
+              <a:spcBef>
+                <a:spcPct val="0"/>
+              </a:spcBef>
+              <a:spcAft>
+                <a:spcPts val="0"/>
+              </a:spcAft>
+              <a:defRPr kumimoji="0" sz="1800" b="0" i="0" u="none" strike="noStrike" kern="0" cap="none" spc="0" normalizeH="0" baseline="0">
+                <a:solidFill>
+                  <a:schemeClr val="tx1"/>
+                </a:solidFill>
+              </a:defRPr>
+            </a:lvl1pPr>
+          </a:lstStyle>
+          <a:p>
+            <a:pPr algn="ctr" eaLnBrk="1" hangingPunct="1">
+              <a:defRPr/>
+            </a:pPr>
+            <a:r>
+              <a:rPr lang="en-US" altLang="en-US" sz="1000" i="1" dirty="0">
+                <a:latin typeface="Arial"/>
+                <a:cs typeface="Arial"/>
+              </a:rPr>
+              <a:t>Response</a:t>
+            </a:r>
+          </a:p>
+          <a:p>
+            <a:pPr algn="ctr" eaLnBrk="1" hangingPunct="1">
+              <a:defRPr/>
+            </a:pPr>
+            <a:r>
+              <a:rPr lang="en-US" altLang="en-US" sz="1000" i="1" dirty="0">
+                <a:latin typeface="Arial"/>
+                <a:cs typeface="Arial"/>
+              </a:rPr>
+              <a:t>Video Data</a:t>
+            </a:r>
+          </a:p>
+        </p:txBody>
+      </p:sp>
+      <p:sp>
+        <p:nvSpPr>
+          <p:cNvPr id="173" name="TextBox 172">
+            <a:extLst>
+              <a:ext uri="{FF2B5EF4-FFF2-40B4-BE49-F238E27FC236}">
+                <a16:creationId xmlns:a16="http://schemas.microsoft.com/office/drawing/2014/main" id="{9279C484-B37C-B86A-2475-D74238FF1744}"/>
+              </a:ext>
+            </a:extLst>
+          </p:cNvPr>
+          <p:cNvSpPr txBox="1"/>
+          <p:nvPr/>
+        </p:nvSpPr>
+        <p:spPr>
+          <a:xfrm>
+            <a:off x="6923022" y="2062463"/>
+            <a:ext cx="290464" cy="323165"/>
+          </a:xfrm>
+          <a:prstGeom prst="rect">
+            <a:avLst/>
+          </a:prstGeom>
+        </p:spPr>
+        <p:style>
+          <a:lnRef idx="2">
+            <a:schemeClr val="accent4">
+              <a:shade val="15000"/>
+            </a:schemeClr>
+          </a:lnRef>
+          <a:fillRef idx="1">
+            <a:schemeClr val="accent4"/>
+          </a:fillRef>
+          <a:effectRef idx="0">
+            <a:schemeClr val="accent4"/>
+          </a:effectRef>
+          <a:fontRef idx="minor">
+            <a:schemeClr val="lt1"/>
+          </a:fontRef>
+        </p:style>
+        <p:txBody>
+          <a:bodyPr wrap="none" rtlCol="0">
+            <a:spAutoFit/>
+          </a:bodyPr>
+          <a:lstStyle/>
+          <a:p>
+            <a:r>
+              <a:rPr lang="en-US" altLang="ko-KR" sz="1500" dirty="0">
+                <a:solidFill>
+                  <a:schemeClr val="tx1"/>
+                </a:solidFill>
+              </a:rPr>
+              <a:t>2</a:t>
+            </a:r>
+            <a:endParaRPr lang="ko-KR" altLang="en-US" sz="1500" dirty="0">
+              <a:solidFill>
+                <a:schemeClr val="tx1"/>
+              </a:solidFill>
+            </a:endParaRPr>
+          </a:p>
+        </p:txBody>
+      </p:sp>
+      <p:sp>
+        <p:nvSpPr>
+          <p:cNvPr id="118" name="TextBox 117">
+            <a:extLst>
+              <a:ext uri="{FF2B5EF4-FFF2-40B4-BE49-F238E27FC236}">
+                <a16:creationId xmlns:a16="http://schemas.microsoft.com/office/drawing/2014/main" id="{E09E7382-15B9-1B4D-5370-1633A8949496}"/>
+              </a:ext>
+            </a:extLst>
+          </p:cNvPr>
+          <p:cNvSpPr txBox="1"/>
+          <p:nvPr/>
+        </p:nvSpPr>
+        <p:spPr>
+          <a:xfrm>
+            <a:off x="7327162" y="4910540"/>
+            <a:ext cx="290464" cy="323165"/>
+          </a:xfrm>
+          <a:prstGeom prst="rect">
+            <a:avLst/>
+          </a:prstGeom>
+        </p:spPr>
+        <p:style>
+          <a:lnRef idx="2">
+            <a:schemeClr val="accent4">
+              <a:shade val="15000"/>
+            </a:schemeClr>
+          </a:lnRef>
+          <a:fillRef idx="1">
+            <a:schemeClr val="accent4"/>
+          </a:fillRef>
+          <a:effectRef idx="0">
+            <a:schemeClr val="accent4"/>
+          </a:effectRef>
+          <a:fontRef idx="minor">
+            <a:schemeClr val="lt1"/>
+          </a:fontRef>
+        </p:style>
+        <p:txBody>
+          <a:bodyPr wrap="none" rtlCol="0">
+            <a:spAutoFit/>
+          </a:bodyPr>
+          <a:lstStyle/>
+          <a:p>
+            <a:r>
+              <a:rPr lang="en-US" altLang="ko-KR" sz="1500" dirty="0">
+                <a:solidFill>
+                  <a:schemeClr val="tx1"/>
+                </a:solidFill>
+              </a:rPr>
+              <a:t>2</a:t>
+            </a:r>
+            <a:endParaRPr lang="ko-KR" altLang="en-US" sz="1500" dirty="0">
+              <a:solidFill>
+                <a:schemeClr val="tx1"/>
+              </a:solidFill>
+            </a:endParaRPr>
+          </a:p>
+        </p:txBody>
+      </p:sp>
+      <p:pic>
+        <p:nvPicPr>
+          <p:cNvPr id="1026" name="Picture 2" descr="Plotly Dash — Everything You Need To Know | by Stephen Kilcommins |  DataDrivenInvestor">
+            <a:extLst>
+              <a:ext uri="{FF2B5EF4-FFF2-40B4-BE49-F238E27FC236}">
+                <a16:creationId xmlns:a16="http://schemas.microsoft.com/office/drawing/2014/main" id="{A7864D92-F41C-5459-D798-9392849DD519}"/>
+              </a:ext>
+            </a:extLst>
+          </p:cNvPr>
+          <p:cNvPicPr>
+            <a:picLocks noChangeAspect="1" noChangeArrowheads="1"/>
+          </p:cNvPicPr>
+          <p:nvPr/>
+        </p:nvPicPr>
+        <p:blipFill rotWithShape="1">
+          <a:blip r:embed="rId12">
+            <a:extLst>
+              <a:ext uri="{28A0092B-C50C-407E-A947-70E740481C1C}">
+                <a14:useLocalDpi xmlns:a14="http://schemas.microsoft.com/office/drawing/2010/main" val="0"/>
+              </a:ext>
+            </a:extLst>
+          </a:blip>
+          <a:srcRect t="32384" b="26959"/>
+          <a:stretch/>
+        </p:blipFill>
+        <p:spPr bwMode="auto">
+          <a:xfrm>
+            <a:off x="2688369" y="3188346"/>
+            <a:ext cx="1516651" cy="462472"/>
+          </a:xfrm>
+          <a:prstGeom prst="rect">
+            <a:avLst/>
+          </a:prstGeom>
+          <a:noFill/>
+          <a:extLst>
+            <a:ext uri="{909E8E84-426E-40DD-AFC4-6F175D3DCCD1}">
+              <a14:hiddenFill xmlns:a14="http://schemas.microsoft.com/office/drawing/2010/main">
+                <a:solidFill>
+                  <a:srgbClr val="FFFFFF"/>
+                </a:solidFill>
+              </a14:hiddenFill>
+            </a:ext>
+          </a:extLst>
+        </p:spPr>
+      </p:pic>
+    </p:spTree>
+    <p:extLst>
+      <p:ext uri="{BB962C8B-B14F-4D97-AF65-F5344CB8AC3E}">
+        <p14:creationId xmlns:p14="http://schemas.microsoft.com/office/powerpoint/2010/main" val="813825275"/>
+      </p:ext>
+    </p:extLst>
+  </p:cSld>
+  <p:clrMapOvr>
+    <a:masterClrMapping/>
+  </p:clrMapOvr>
+</p:sld>
+</file>
+
+<file path=ppt/slides/slide2.xml><?xml version="1.0" encoding="utf-8"?>
+<p:sld xmlns:a="http://schemas.openxmlformats.org/drawingml/2006/main" xmlns:r="http://schemas.openxmlformats.org/officeDocument/2006/relationships" xmlns:p="http://schemas.openxmlformats.org/presentationml/2006/main">
+  <p:cSld>
+    <p:spTree>
+      <p:nvGrpSpPr>
+        <p:cNvPr id="1" name=""/>
+        <p:cNvGrpSpPr/>
+        <p:nvPr/>
+      </p:nvGrpSpPr>
+      <p:grpSpPr>
+        <a:xfrm>
+          <a:off x="0" y="0"/>
+          <a:ext cx="0" cy="0"/>
+          <a:chOff x="0" y="0"/>
+          <a:chExt cx="0" cy="0"/>
+        </a:xfrm>
+      </p:grpSpPr>
       <p:pic>
         <p:nvPicPr>
           <p:cNvPr id="7" name="Graphic 6" descr="General resource icon.">
@@ -3834,7 +6598,7 @@
         </p:blipFill>
         <p:spPr>
           <a:xfrm>
-            <a:off x="6728939" y="5025084"/>
+            <a:off x="5604989" y="5025084"/>
             <a:ext cx="762000" cy="762000"/>
           </a:xfrm>
           <a:prstGeom prst="rect">
@@ -3862,7 +6626,7 @@
         </p:nvSpPr>
         <p:spPr>
           <a:xfrm>
-            <a:off x="5989164" y="5788671"/>
+            <a:off x="4865214" y="5788671"/>
             <a:ext cx="2239962" cy="276999"/>
           </a:xfrm>
           <a:prstGeom prst="rect">
@@ -4033,7 +6797,7 @@
           </a:prstGeom>
           <a:ln>
             <a:solidFill>
-              <a:srgbClr val="FF0000"/>
+              <a:schemeClr val="tx1"/>
             </a:solidFill>
           </a:ln>
         </p:spPr>
@@ -4079,7 +6843,8 @@
             </a:pPr>
             <a:r>
               <a:rPr lang="en-US" altLang="en-US" sz="1400" b="1" dirty="0">
-                <a:latin typeface="Arial"/>
+                <a:latin typeface="나눔고딕 ExtraBold" panose="020D0904000000000000" pitchFamily="50" charset="-127"/>
+                <a:ea typeface="나눔고딕 ExtraBold" panose="020D0904000000000000" pitchFamily="50" charset="-127"/>
                 <a:cs typeface="Arial"/>
               </a:rPr>
               <a:t>Web</a:t>
@@ -4106,7 +6871,7 @@
         <p:spPr>
           <a:xfrm>
             <a:off x="4851874" y="3582889"/>
-            <a:ext cx="1877065" cy="1823195"/>
+            <a:ext cx="753115" cy="1823195"/>
           </a:xfrm>
           <a:prstGeom prst="bentConnector3">
             <a:avLst>
@@ -4198,7 +6963,7 @@
           </a:prstGeom>
           <a:ln w="19050">
             <a:solidFill>
-              <a:schemeClr val="tx1"/>
+              <a:srgbClr val="FF0000"/>
             </a:solidFill>
             <a:tailEnd type="triangle"/>
           </a:ln>
@@ -4234,7 +6999,7 @@
         </p:nvSpPr>
         <p:spPr>
           <a:xfrm>
-            <a:off x="5037137" y="4371375"/>
+            <a:off x="4455516" y="4371375"/>
             <a:ext cx="1506537" cy="246221"/>
           </a:xfrm>
           <a:prstGeom prst="rect">
@@ -4301,52 +7066,6 @@
       </p:sp>
       <p:cxnSp>
         <p:nvCxnSpPr>
-          <p:cNvPr id="82" name="연결선: 꺾임 81">
-            <a:extLst>
-              <a:ext uri="{FF2B5EF4-FFF2-40B4-BE49-F238E27FC236}">
-                <a16:creationId xmlns:a16="http://schemas.microsoft.com/office/drawing/2014/main" id="{33779D0D-DCE3-F1D1-087C-3D52BB20A109}"/>
-              </a:ext>
-            </a:extLst>
-          </p:cNvPr>
-          <p:cNvCxnSpPr>
-            <a:cxnSpLocks/>
-          </p:cNvCxnSpPr>
-          <p:nvPr/>
-        </p:nvCxnSpPr>
-        <p:spPr>
-          <a:xfrm flipV="1">
-            <a:off x="7488557" y="4585306"/>
-            <a:ext cx="1454919" cy="650087"/>
-          </a:xfrm>
-          <a:prstGeom prst="bentConnector3">
-            <a:avLst>
-              <a:gd name="adj1" fmla="val 99974"/>
-            </a:avLst>
-          </a:prstGeom>
-          <a:ln w="19050">
-            <a:solidFill>
-              <a:schemeClr val="tx1"/>
-            </a:solidFill>
-            <a:tailEnd type="triangle"/>
-          </a:ln>
-        </p:spPr>
-        <p:style>
-          <a:lnRef idx="1">
-            <a:schemeClr val="accent1"/>
-          </a:lnRef>
-          <a:fillRef idx="0">
-            <a:schemeClr val="accent1"/>
-          </a:fillRef>
-          <a:effectRef idx="0">
-            <a:schemeClr val="accent1"/>
-          </a:effectRef>
-          <a:fontRef idx="minor">
-            <a:schemeClr val="tx1"/>
-          </a:fontRef>
-        </p:style>
-      </p:cxnSp>
-      <p:cxnSp>
-        <p:nvCxnSpPr>
           <p:cNvPr id="86" name="연결선: 꺾임 85">
             <a:extLst>
               <a:ext uri="{FF2B5EF4-FFF2-40B4-BE49-F238E27FC236}">
@@ -4371,7 +7090,7 @@
           </a:prstGeom>
           <a:ln w="19050">
             <a:solidFill>
-              <a:schemeClr val="tx1"/>
+              <a:srgbClr val="FF0000"/>
             </a:solidFill>
             <a:tailEnd type="triangle"/>
           </a:ln>
@@ -4401,6 +7120,7 @@
             </a:extLst>
           </p:cNvPr>
           <p:cNvCxnSpPr>
+            <a:cxnSpLocks/>
             <a:stCxn id="50" idx="3"/>
             <a:endCxn id="44" idx="0"/>
           </p:cNvCxnSpPr>
@@ -4416,7 +7136,7 @@
           </a:prstGeom>
           <a:ln w="19050">
             <a:solidFill>
-              <a:schemeClr val="tx1"/>
+              <a:srgbClr val="FF0000"/>
             </a:solidFill>
           </a:ln>
         </p:spPr>
@@ -4785,10 +7505,422 @@
       </p:sp>
       <p:sp>
         <p:nvSpPr>
-          <p:cNvPr id="149" name="label">
-            <a:extLst>
-              <a:ext uri="{FF2B5EF4-FFF2-40B4-BE49-F238E27FC236}">
-                <a16:creationId xmlns:a16="http://schemas.microsoft.com/office/drawing/2014/main" id="{BF579B65-B8C7-5FD6-E7FC-FC30C7F55870}"/>
+          <p:cNvPr id="169" name="TextBox 168">
+            <a:extLst>
+              <a:ext uri="{FF2B5EF4-FFF2-40B4-BE49-F238E27FC236}">
+                <a16:creationId xmlns:a16="http://schemas.microsoft.com/office/drawing/2014/main" id="{69FBF9EB-9BCE-2ACB-79E0-BBDE52B626B6}"/>
+              </a:ext>
+            </a:extLst>
+          </p:cNvPr>
+          <p:cNvSpPr txBox="1"/>
+          <p:nvPr/>
+        </p:nvSpPr>
+        <p:spPr>
+          <a:xfrm>
+            <a:off x="2764473" y="3105834"/>
+            <a:ext cx="290464" cy="323165"/>
+          </a:xfrm>
+          <a:prstGeom prst="rect">
+            <a:avLst/>
+          </a:prstGeom>
+        </p:spPr>
+        <p:style>
+          <a:lnRef idx="2">
+            <a:schemeClr val="accent4">
+              <a:shade val="15000"/>
+            </a:schemeClr>
+          </a:lnRef>
+          <a:fillRef idx="1">
+            <a:schemeClr val="accent4"/>
+          </a:fillRef>
+          <a:effectRef idx="0">
+            <a:schemeClr val="accent4"/>
+          </a:effectRef>
+          <a:fontRef idx="minor">
+            <a:schemeClr val="lt1"/>
+          </a:fontRef>
+        </p:style>
+        <p:txBody>
+          <a:bodyPr wrap="none" rtlCol="0">
+            <a:spAutoFit/>
+          </a:bodyPr>
+          <a:lstStyle/>
+          <a:p>
+            <a:r>
+              <a:rPr lang="en-US" altLang="ko-KR" sz="1500" dirty="0">
+                <a:solidFill>
+                  <a:schemeClr val="tx1"/>
+                </a:solidFill>
+              </a:rPr>
+              <a:t>1</a:t>
+            </a:r>
+            <a:endParaRPr lang="ko-KR" altLang="en-US" sz="1500" dirty="0">
+              <a:solidFill>
+                <a:schemeClr val="tx1"/>
+              </a:solidFill>
+            </a:endParaRPr>
+          </a:p>
+        </p:txBody>
+      </p:sp>
+      <p:sp>
+        <p:nvSpPr>
+          <p:cNvPr id="170" name="TextBox 169">
+            <a:extLst>
+              <a:ext uri="{FF2B5EF4-FFF2-40B4-BE49-F238E27FC236}">
+                <a16:creationId xmlns:a16="http://schemas.microsoft.com/office/drawing/2014/main" id="{AE81C79A-A482-DBA5-AB08-655AB103CA8D}"/>
+              </a:ext>
+            </a:extLst>
+          </p:cNvPr>
+          <p:cNvSpPr txBox="1"/>
+          <p:nvPr/>
+        </p:nvSpPr>
+        <p:spPr>
+          <a:xfrm>
+            <a:off x="4828914" y="4074497"/>
+            <a:ext cx="290464" cy="323165"/>
+          </a:xfrm>
+          <a:prstGeom prst="rect">
+            <a:avLst/>
+          </a:prstGeom>
+        </p:spPr>
+        <p:style>
+          <a:lnRef idx="2">
+            <a:schemeClr val="accent4">
+              <a:shade val="15000"/>
+            </a:schemeClr>
+          </a:lnRef>
+          <a:fillRef idx="1">
+            <a:schemeClr val="accent4"/>
+          </a:fillRef>
+          <a:effectRef idx="0">
+            <a:schemeClr val="accent4"/>
+          </a:effectRef>
+          <a:fontRef idx="minor">
+            <a:schemeClr val="lt1"/>
+          </a:fontRef>
+        </p:style>
+        <p:txBody>
+          <a:bodyPr wrap="none" rtlCol="0">
+            <a:spAutoFit/>
+          </a:bodyPr>
+          <a:lstStyle/>
+          <a:p>
+            <a:r>
+              <a:rPr lang="en-US" altLang="ko-KR" sz="1500" dirty="0">
+                <a:solidFill>
+                  <a:schemeClr val="tx1"/>
+                </a:solidFill>
+              </a:rPr>
+              <a:t>2</a:t>
+            </a:r>
+            <a:endParaRPr lang="ko-KR" altLang="en-US" sz="1500" dirty="0">
+              <a:solidFill>
+                <a:schemeClr val="tx1"/>
+              </a:solidFill>
+            </a:endParaRPr>
+          </a:p>
+        </p:txBody>
+      </p:sp>
+      <p:sp>
+        <p:nvSpPr>
+          <p:cNvPr id="171" name="TextBox 170">
+            <a:extLst>
+              <a:ext uri="{FF2B5EF4-FFF2-40B4-BE49-F238E27FC236}">
+                <a16:creationId xmlns:a16="http://schemas.microsoft.com/office/drawing/2014/main" id="{9C2B899A-FBCA-5701-1C53-DD6AA41A1849}"/>
+              </a:ext>
+            </a:extLst>
+          </p:cNvPr>
+          <p:cNvSpPr txBox="1"/>
+          <p:nvPr/>
+        </p:nvSpPr>
+        <p:spPr>
+          <a:xfrm>
+            <a:off x="6532746" y="3047653"/>
+            <a:ext cx="290464" cy="323165"/>
+          </a:xfrm>
+          <a:prstGeom prst="rect">
+            <a:avLst/>
+          </a:prstGeom>
+        </p:spPr>
+        <p:style>
+          <a:lnRef idx="2">
+            <a:schemeClr val="accent4">
+              <a:shade val="15000"/>
+            </a:schemeClr>
+          </a:lnRef>
+          <a:fillRef idx="1">
+            <a:schemeClr val="accent4"/>
+          </a:fillRef>
+          <a:effectRef idx="0">
+            <a:schemeClr val="accent4"/>
+          </a:effectRef>
+          <a:fontRef idx="minor">
+            <a:schemeClr val="lt1"/>
+          </a:fontRef>
+        </p:style>
+        <p:txBody>
+          <a:bodyPr wrap="none" rtlCol="0">
+            <a:spAutoFit/>
+          </a:bodyPr>
+          <a:lstStyle/>
+          <a:p>
+            <a:r>
+              <a:rPr lang="en-US" altLang="ko-KR" sz="1500" dirty="0">
+                <a:solidFill>
+                  <a:schemeClr val="tx1"/>
+                </a:solidFill>
+              </a:rPr>
+              <a:t>3</a:t>
+            </a:r>
+            <a:endParaRPr lang="ko-KR" altLang="en-US" sz="1500" dirty="0">
+              <a:solidFill>
+                <a:schemeClr val="tx1"/>
+              </a:solidFill>
+            </a:endParaRPr>
+          </a:p>
+        </p:txBody>
+      </p:sp>
+      <p:sp>
+        <p:nvSpPr>
+          <p:cNvPr id="173" name="TextBox 172">
+            <a:extLst>
+              <a:ext uri="{FF2B5EF4-FFF2-40B4-BE49-F238E27FC236}">
+                <a16:creationId xmlns:a16="http://schemas.microsoft.com/office/drawing/2014/main" id="{9279C484-B37C-B86A-2475-D74238FF1744}"/>
+              </a:ext>
+            </a:extLst>
+          </p:cNvPr>
+          <p:cNvSpPr txBox="1"/>
+          <p:nvPr/>
+        </p:nvSpPr>
+        <p:spPr>
+          <a:xfrm>
+            <a:off x="8546136" y="711203"/>
+            <a:ext cx="290464" cy="323165"/>
+          </a:xfrm>
+          <a:prstGeom prst="rect">
+            <a:avLst/>
+          </a:prstGeom>
+        </p:spPr>
+        <p:style>
+          <a:lnRef idx="2">
+            <a:schemeClr val="accent4">
+              <a:shade val="15000"/>
+            </a:schemeClr>
+          </a:lnRef>
+          <a:fillRef idx="1">
+            <a:schemeClr val="accent4"/>
+          </a:fillRef>
+          <a:effectRef idx="0">
+            <a:schemeClr val="accent4"/>
+          </a:effectRef>
+          <a:fontRef idx="minor">
+            <a:schemeClr val="lt1"/>
+          </a:fontRef>
+        </p:style>
+        <p:txBody>
+          <a:bodyPr wrap="none" rtlCol="0">
+            <a:spAutoFit/>
+          </a:bodyPr>
+          <a:lstStyle/>
+          <a:p>
+            <a:r>
+              <a:rPr lang="en-US" altLang="ko-KR" sz="1500" dirty="0">
+                <a:solidFill>
+                  <a:schemeClr val="tx1"/>
+                </a:solidFill>
+              </a:rPr>
+              <a:t>5</a:t>
+            </a:r>
+            <a:endParaRPr lang="ko-KR" altLang="en-US" sz="1500" dirty="0">
+              <a:solidFill>
+                <a:schemeClr val="tx1"/>
+              </a:solidFill>
+            </a:endParaRPr>
+          </a:p>
+        </p:txBody>
+      </p:sp>
+      <p:sp>
+        <p:nvSpPr>
+          <p:cNvPr id="174" name="TextBox 173">
+            <a:extLst>
+              <a:ext uri="{FF2B5EF4-FFF2-40B4-BE49-F238E27FC236}">
+                <a16:creationId xmlns:a16="http://schemas.microsoft.com/office/drawing/2014/main" id="{ABD4D050-494F-64BE-D3FC-326296D67FC5}"/>
+              </a:ext>
+            </a:extLst>
+          </p:cNvPr>
+          <p:cNvSpPr txBox="1"/>
+          <p:nvPr/>
+        </p:nvSpPr>
+        <p:spPr>
+          <a:xfrm>
+            <a:off x="11163222" y="1502979"/>
+            <a:ext cx="290464" cy="323165"/>
+          </a:xfrm>
+          <a:prstGeom prst="rect">
+            <a:avLst/>
+          </a:prstGeom>
+        </p:spPr>
+        <p:style>
+          <a:lnRef idx="2">
+            <a:schemeClr val="accent4">
+              <a:shade val="15000"/>
+            </a:schemeClr>
+          </a:lnRef>
+          <a:fillRef idx="1">
+            <a:schemeClr val="accent4"/>
+          </a:fillRef>
+          <a:effectRef idx="0">
+            <a:schemeClr val="accent4"/>
+          </a:effectRef>
+          <a:fontRef idx="minor">
+            <a:schemeClr val="lt1"/>
+          </a:fontRef>
+        </p:style>
+        <p:txBody>
+          <a:bodyPr wrap="none" rtlCol="0">
+            <a:spAutoFit/>
+          </a:bodyPr>
+          <a:lstStyle/>
+          <a:p>
+            <a:r>
+              <a:rPr lang="en-US" altLang="ko-KR" sz="1500" dirty="0">
+                <a:solidFill>
+                  <a:schemeClr val="tx1"/>
+                </a:solidFill>
+              </a:rPr>
+              <a:t>6</a:t>
+            </a:r>
+            <a:endParaRPr lang="ko-KR" altLang="en-US" sz="1500" dirty="0">
+              <a:solidFill>
+                <a:schemeClr val="tx1"/>
+              </a:solidFill>
+            </a:endParaRPr>
+          </a:p>
+        </p:txBody>
+      </p:sp>
+      <p:sp>
+        <p:nvSpPr>
+          <p:cNvPr id="175" name="TextBox 174">
+            <a:extLst>
+              <a:ext uri="{FF2B5EF4-FFF2-40B4-BE49-F238E27FC236}">
+                <a16:creationId xmlns:a16="http://schemas.microsoft.com/office/drawing/2014/main" id="{9EFD9797-D0C6-A8AF-C0BF-E8AFE09BCE99}"/>
+              </a:ext>
+            </a:extLst>
+          </p:cNvPr>
+          <p:cNvSpPr txBox="1"/>
+          <p:nvPr/>
+        </p:nvSpPr>
+        <p:spPr>
+          <a:xfrm>
+            <a:off x="3930654" y="1759693"/>
+            <a:ext cx="290464" cy="323165"/>
+          </a:xfrm>
+          <a:prstGeom prst="rect">
+            <a:avLst/>
+          </a:prstGeom>
+        </p:spPr>
+        <p:style>
+          <a:lnRef idx="2">
+            <a:schemeClr val="accent4">
+              <a:shade val="15000"/>
+            </a:schemeClr>
+          </a:lnRef>
+          <a:fillRef idx="1">
+            <a:schemeClr val="accent4"/>
+          </a:fillRef>
+          <a:effectRef idx="0">
+            <a:schemeClr val="accent4"/>
+          </a:effectRef>
+          <a:fontRef idx="minor">
+            <a:schemeClr val="lt1"/>
+          </a:fontRef>
+        </p:style>
+        <p:txBody>
+          <a:bodyPr wrap="none" rtlCol="0">
+            <a:spAutoFit/>
+          </a:bodyPr>
+          <a:lstStyle/>
+          <a:p>
+            <a:r>
+              <a:rPr lang="en-US" altLang="ko-KR" sz="1500" dirty="0">
+                <a:solidFill>
+                  <a:schemeClr val="tx1"/>
+                </a:solidFill>
+              </a:rPr>
+              <a:t>7</a:t>
+            </a:r>
+            <a:endParaRPr lang="ko-KR" altLang="en-US" sz="1500" dirty="0">
+              <a:solidFill>
+                <a:schemeClr val="tx1"/>
+              </a:solidFill>
+            </a:endParaRPr>
+          </a:p>
+        </p:txBody>
+      </p:sp>
+      <p:pic>
+        <p:nvPicPr>
+          <p:cNvPr id="4" name="Graphic 10" descr="AWS Lambda service icon.">
+            <a:extLst>
+              <a:ext uri="{FF2B5EF4-FFF2-40B4-BE49-F238E27FC236}">
+                <a16:creationId xmlns:a16="http://schemas.microsoft.com/office/drawing/2014/main" id="{7249C1EC-5A69-3C4D-9DDF-0DB93BB70BC6}"/>
+              </a:ext>
+            </a:extLst>
+          </p:cNvPr>
+          <p:cNvPicPr>
+            <a:picLocks noChangeAspect="1" noChangeArrowheads="1"/>
+          </p:cNvPicPr>
+          <p:nvPr/>
+        </p:nvPicPr>
+        <p:blipFill>
+          <a:blip r:embed="rId7">
+            <a:extLst>
+              <a:ext uri="{96DAC541-7B7A-43D3-8B79-37D633B846F1}">
+                <asvg:svgBlip xmlns:asvg="http://schemas.microsoft.com/office/drawing/2016/SVG/main" r:embed="rId8"/>
+              </a:ext>
+            </a:extLst>
+          </a:blip>
+          <a:srcRect/>
+          <a:stretch/>
+        </p:blipFill>
+        <p:spPr bwMode="auto">
+          <a:xfrm>
+            <a:off x="7460747" y="5025084"/>
+            <a:ext cx="762000" cy="762000"/>
+          </a:xfrm>
+          <a:prstGeom prst="rect">
+            <a:avLst/>
+          </a:prstGeom>
+          <a:noFill/>
+          <a:ln>
+            <a:noFill/>
+          </a:ln>
+          <a:extLst>
+            <a:ext uri="{909E8E84-426E-40DD-AFC4-6F175D3DCCD1}">
+              <a14:hiddenFill xmlns:a14="http://schemas.microsoft.com/office/drawing/2010/main">
+                <a:solidFill>
+                  <a:srgbClr val="FFFFFF"/>
+                </a:solidFill>
+              </a14:hiddenFill>
+            </a:ext>
+            <a:ext uri="{91240B29-F687-4F45-9708-019B960494DF}">
+              <a14:hiddenLine xmlns:a14="http://schemas.microsoft.com/office/drawing/2010/main" w="9525">
+                <a:solidFill>
+                  <a:srgbClr val="000000"/>
+                </a:solidFill>
+                <a:miter lim="800000"/>
+                <a:headEnd/>
+                <a:tailEnd/>
+              </a14:hiddenLine>
+            </a:ext>
+          </a:extLst>
+        </p:spPr>
+      </p:pic>
+      <p:sp>
+        <p:nvSpPr>
+          <p:cNvPr id="5" name="TextBox 20">
+            <a:extLst>
+              <a:ext uri="{FF2B5EF4-FFF2-40B4-BE49-F238E27FC236}">
+                <a16:creationId xmlns:a16="http://schemas.microsoft.com/office/drawing/2014/main" id="{E5D4A7D0-5E44-1943-968A-C198F40D0E71}"/>
               </a:ext>
             </a:extLst>
           </p:cNvPr>
@@ -4797,10 +7929,435 @@
           </p:cNvSpPr>
           <p:nvPr/>
         </p:nvSpPr>
+        <p:spPr bwMode="auto">
+          <a:xfrm>
+            <a:off x="6701922" y="5786290"/>
+            <a:ext cx="2292350" cy="276999"/>
+          </a:xfrm>
+          <a:prstGeom prst="rect">
+            <a:avLst/>
+          </a:prstGeom>
+          <a:noFill/>
+          <a:ln>
+            <a:noFill/>
+          </a:ln>
+          <a:extLst>
+            <a:ext uri="{909E8E84-426E-40DD-AFC4-6F175D3DCCD1}">
+              <a14:hiddenFill xmlns:a14="http://schemas.microsoft.com/office/drawing/2010/main">
+                <a:solidFill>
+                  <a:srgbClr val="FFFFFF"/>
+                </a:solidFill>
+              </a14:hiddenFill>
+            </a:ext>
+            <a:ext uri="{91240B29-F687-4F45-9708-019B960494DF}">
+              <a14:hiddenLine xmlns:a14="http://schemas.microsoft.com/office/drawing/2010/main" w="9525">
+                <a:solidFill>
+                  <a:srgbClr val="000000"/>
+                </a:solidFill>
+                <a:miter lim="800000"/>
+                <a:headEnd/>
+                <a:tailEnd/>
+              </a14:hiddenLine>
+            </a:ext>
+          </a:extLst>
+        </p:spPr>
+        <p:txBody>
+          <a:bodyPr>
+            <a:spAutoFit/>
+          </a:bodyPr>
+          <a:lstStyle>
+            <a:defPPr>
+              <a:defRPr lang="en-US"/>
+            </a:defPPr>
+            <a:lvl1pPr algn="l" rtl="0" eaLnBrk="0" fontAlgn="base" hangingPunct="0">
+              <a:spcBef>
+                <a:spcPct val="0"/>
+              </a:spcBef>
+              <a:spcAft>
+                <a:spcPct val="0"/>
+              </a:spcAft>
+              <a:defRPr kern="1200">
+                <a:solidFill>
+                  <a:schemeClr val="tx1"/>
+                </a:solidFill>
+                <a:latin typeface="Calibri" panose="020F0502020204030204" pitchFamily="34" charset="0"/>
+                <a:ea typeface="+mn-ea"/>
+                <a:cs typeface="+mn-cs"/>
+              </a:defRPr>
+            </a:lvl1pPr>
+            <a:lvl2pPr marL="457200" algn="l" rtl="0" eaLnBrk="0" fontAlgn="base" hangingPunct="0">
+              <a:spcBef>
+                <a:spcPct val="0"/>
+              </a:spcBef>
+              <a:spcAft>
+                <a:spcPct val="0"/>
+              </a:spcAft>
+              <a:defRPr kern="1200">
+                <a:solidFill>
+                  <a:schemeClr val="tx1"/>
+                </a:solidFill>
+                <a:latin typeface="Calibri" panose="020F0502020204030204" pitchFamily="34" charset="0"/>
+                <a:ea typeface="+mn-ea"/>
+                <a:cs typeface="+mn-cs"/>
+              </a:defRPr>
+            </a:lvl2pPr>
+            <a:lvl3pPr marL="914400" algn="l" rtl="0" eaLnBrk="0" fontAlgn="base" hangingPunct="0">
+              <a:spcBef>
+                <a:spcPct val="0"/>
+              </a:spcBef>
+              <a:spcAft>
+                <a:spcPct val="0"/>
+              </a:spcAft>
+              <a:defRPr kern="1200">
+                <a:solidFill>
+                  <a:schemeClr val="tx1"/>
+                </a:solidFill>
+                <a:latin typeface="Calibri" panose="020F0502020204030204" pitchFamily="34" charset="0"/>
+                <a:ea typeface="+mn-ea"/>
+                <a:cs typeface="+mn-cs"/>
+              </a:defRPr>
+            </a:lvl3pPr>
+            <a:lvl4pPr marL="1371600" algn="l" rtl="0" eaLnBrk="0" fontAlgn="base" hangingPunct="0">
+              <a:spcBef>
+                <a:spcPct val="0"/>
+              </a:spcBef>
+              <a:spcAft>
+                <a:spcPct val="0"/>
+              </a:spcAft>
+              <a:defRPr kern="1200">
+                <a:solidFill>
+                  <a:schemeClr val="tx1"/>
+                </a:solidFill>
+                <a:latin typeface="Calibri" panose="020F0502020204030204" pitchFamily="34" charset="0"/>
+                <a:ea typeface="+mn-ea"/>
+                <a:cs typeface="+mn-cs"/>
+              </a:defRPr>
+            </a:lvl4pPr>
+            <a:lvl5pPr marL="1828800" algn="l" rtl="0" eaLnBrk="0" fontAlgn="base" hangingPunct="0">
+              <a:spcBef>
+                <a:spcPct val="0"/>
+              </a:spcBef>
+              <a:spcAft>
+                <a:spcPct val="0"/>
+              </a:spcAft>
+              <a:defRPr kern="1200">
+                <a:solidFill>
+                  <a:schemeClr val="tx1"/>
+                </a:solidFill>
+                <a:latin typeface="Calibri" panose="020F0502020204030204" pitchFamily="34" charset="0"/>
+                <a:ea typeface="+mn-ea"/>
+                <a:cs typeface="+mn-cs"/>
+              </a:defRPr>
+            </a:lvl5pPr>
+            <a:lvl6pPr marL="2286000" algn="l" defTabSz="914400" rtl="0" eaLnBrk="1" latinLnBrk="0" hangingPunct="1">
+              <a:defRPr kern="1200">
+                <a:solidFill>
+                  <a:schemeClr val="tx1"/>
+                </a:solidFill>
+                <a:latin typeface="Calibri" panose="020F0502020204030204" pitchFamily="34" charset="0"/>
+                <a:ea typeface="+mn-ea"/>
+                <a:cs typeface="+mn-cs"/>
+              </a:defRPr>
+            </a:lvl6pPr>
+            <a:lvl7pPr marL="2743200" algn="l" defTabSz="914400" rtl="0" eaLnBrk="1" latinLnBrk="0" hangingPunct="1">
+              <a:defRPr kern="1200">
+                <a:solidFill>
+                  <a:schemeClr val="tx1"/>
+                </a:solidFill>
+                <a:latin typeface="Calibri" panose="020F0502020204030204" pitchFamily="34" charset="0"/>
+                <a:ea typeface="+mn-ea"/>
+                <a:cs typeface="+mn-cs"/>
+              </a:defRPr>
+            </a:lvl7pPr>
+            <a:lvl8pPr marL="3200400" algn="l" defTabSz="914400" rtl="0" eaLnBrk="1" latinLnBrk="0" hangingPunct="1">
+              <a:defRPr kern="1200">
+                <a:solidFill>
+                  <a:schemeClr val="tx1"/>
+                </a:solidFill>
+                <a:latin typeface="Calibri" panose="020F0502020204030204" pitchFamily="34" charset="0"/>
+                <a:ea typeface="+mn-ea"/>
+                <a:cs typeface="+mn-cs"/>
+              </a:defRPr>
+            </a:lvl8pPr>
+            <a:lvl9pPr marL="3657600" algn="l" defTabSz="914400" rtl="0" eaLnBrk="1" latinLnBrk="0" hangingPunct="1">
+              <a:defRPr kern="1200">
+                <a:solidFill>
+                  <a:schemeClr val="tx1"/>
+                </a:solidFill>
+                <a:latin typeface="Calibri" panose="020F0502020204030204" pitchFamily="34" charset="0"/>
+                <a:ea typeface="+mn-ea"/>
+                <a:cs typeface="+mn-cs"/>
+              </a:defRPr>
+            </a:lvl9pPr>
+          </a:lstStyle>
+          <a:p>
+            <a:pPr algn="ctr" eaLnBrk="1" hangingPunct="1"/>
+            <a:r>
+              <a:rPr lang="en-US" altLang="en-US" sz="1200" dirty="0">
+                <a:latin typeface="Arial" panose="020B0604020202020204" pitchFamily="34" charset="0"/>
+                <a:ea typeface="Amazon Ember" panose="020B0603020204020204" pitchFamily="34" charset="0"/>
+                <a:cs typeface="Arial" panose="020B0604020202020204" pitchFamily="34" charset="0"/>
+              </a:rPr>
+              <a:t>AWS Lambda</a:t>
+            </a:r>
+          </a:p>
+        </p:txBody>
+      </p:sp>
+      <p:cxnSp>
+        <p:nvCxnSpPr>
+          <p:cNvPr id="9" name="직선 화살표 연결선 8">
+            <a:extLst>
+              <a:ext uri="{FF2B5EF4-FFF2-40B4-BE49-F238E27FC236}">
+                <a16:creationId xmlns:a16="http://schemas.microsoft.com/office/drawing/2014/main" id="{2B07837E-1F65-8B79-FCB2-0DEDE3552CE7}"/>
+              </a:ext>
+            </a:extLst>
+          </p:cNvPr>
+          <p:cNvCxnSpPr>
+            <a:stCxn id="48" idx="3"/>
+            <a:endCxn id="4" idx="1"/>
+          </p:cNvCxnSpPr>
+          <p:nvPr/>
+        </p:nvCxnSpPr>
         <p:spPr>
           <a:xfrm>
-            <a:off x="8296841" y="4958423"/>
-            <a:ext cx="827663" cy="400110"/>
+            <a:off x="6366989" y="5406084"/>
+            <a:ext cx="1093758" cy="0"/>
+          </a:xfrm>
+          <a:prstGeom prst="straightConnector1">
+            <a:avLst/>
+          </a:prstGeom>
+          <a:ln w="19050">
+            <a:solidFill>
+              <a:schemeClr val="tx1"/>
+            </a:solidFill>
+            <a:tailEnd type="triangle"/>
+          </a:ln>
+        </p:spPr>
+        <p:style>
+          <a:lnRef idx="1">
+            <a:schemeClr val="accent1"/>
+          </a:lnRef>
+          <a:fillRef idx="0">
+            <a:schemeClr val="accent1"/>
+          </a:fillRef>
+          <a:effectRef idx="0">
+            <a:schemeClr val="accent1"/>
+          </a:effectRef>
+          <a:fontRef idx="minor">
+            <a:schemeClr val="tx1"/>
+          </a:fontRef>
+        </p:style>
+      </p:cxnSp>
+      <p:cxnSp>
+        <p:nvCxnSpPr>
+          <p:cNvPr id="17" name="연결선: 꺾임 16">
+            <a:extLst>
+              <a:ext uri="{FF2B5EF4-FFF2-40B4-BE49-F238E27FC236}">
+                <a16:creationId xmlns:a16="http://schemas.microsoft.com/office/drawing/2014/main" id="{76BE3D19-FDB6-687D-1AA4-66769117BD5C}"/>
+              </a:ext>
+            </a:extLst>
+          </p:cNvPr>
+          <p:cNvCxnSpPr>
+            <a:cxnSpLocks/>
+            <a:endCxn id="44" idx="2"/>
+          </p:cNvCxnSpPr>
+          <p:nvPr/>
+        </p:nvCxnSpPr>
+        <p:spPr>
+          <a:xfrm flipV="1">
+            <a:off x="8222747" y="4583719"/>
+            <a:ext cx="1156809" cy="822365"/>
+          </a:xfrm>
+          <a:prstGeom prst="bentConnector2">
+            <a:avLst/>
+          </a:prstGeom>
+          <a:ln w="19050">
+            <a:solidFill>
+              <a:schemeClr val="tx1"/>
+            </a:solidFill>
+            <a:tailEnd type="triangle"/>
+          </a:ln>
+        </p:spPr>
+        <p:style>
+          <a:lnRef idx="1">
+            <a:schemeClr val="accent1"/>
+          </a:lnRef>
+          <a:fillRef idx="0">
+            <a:schemeClr val="accent1"/>
+          </a:fillRef>
+          <a:effectRef idx="0">
+            <a:schemeClr val="accent1"/>
+          </a:effectRef>
+          <a:fontRef idx="minor">
+            <a:schemeClr val="tx1"/>
+          </a:fontRef>
+        </p:style>
+      </p:cxnSp>
+      <p:sp>
+        <p:nvSpPr>
+          <p:cNvPr id="147" name="label">
+            <a:extLst>
+              <a:ext uri="{FF2B5EF4-FFF2-40B4-BE49-F238E27FC236}">
+                <a16:creationId xmlns:a16="http://schemas.microsoft.com/office/drawing/2014/main" id="{A75C122B-1989-EA8E-E17C-D79108A6BF4D}"/>
+              </a:ext>
+            </a:extLst>
+          </p:cNvPr>
+          <p:cNvSpPr txBox="1">
+            <a:spLocks noChangeArrowheads="1"/>
+          </p:cNvSpPr>
+          <p:nvPr/>
+        </p:nvSpPr>
+        <p:spPr>
+          <a:xfrm>
+            <a:off x="8981572" y="5206029"/>
+            <a:ext cx="1101582" cy="400110"/>
+          </a:xfrm>
+          <a:prstGeom prst="rect">
+            <a:avLst/>
+          </a:prstGeom>
+          <a:ln>
+            <a:noFill/>
+          </a:ln>
+        </p:spPr>
+        <p:style>
+          <a:lnRef idx="2">
+            <a:schemeClr val="dk1"/>
+          </a:lnRef>
+          <a:fillRef idx="1">
+            <a:schemeClr val="lt1"/>
+          </a:fillRef>
+          <a:effectRef idx="0">
+            <a:schemeClr val="dk1"/>
+          </a:effectRef>
+          <a:fontRef idx="minor">
+            <a:schemeClr val="dk1"/>
+          </a:fontRef>
+        </p:style>
+        <p:txBody>
+          <a:bodyPr wrap="square">
+            <a:spAutoFit/>
+          </a:bodyPr>
+          <a:lstStyle>
+            <a:lvl1pPr marL="0" indent="0">
+              <a:lnSpc>
+                <a:spcPct val="100000"/>
+              </a:lnSpc>
+              <a:spcBef>
+                <a:spcPct val="0"/>
+              </a:spcBef>
+              <a:spcAft>
+                <a:spcPts val="0"/>
+              </a:spcAft>
+              <a:defRPr kumimoji="0" sz="1800" b="0" i="0" u="none" strike="noStrike" kern="0" cap="none" spc="0" normalizeH="0" baseline="0">
+                <a:solidFill>
+                  <a:schemeClr val="tx1"/>
+                </a:solidFill>
+              </a:defRPr>
+            </a:lvl1pPr>
+          </a:lstStyle>
+          <a:p>
+            <a:pPr algn="ctr" eaLnBrk="1" hangingPunct="1">
+              <a:defRPr/>
+            </a:pPr>
+            <a:r>
+              <a:rPr lang="en-US" altLang="en-US" sz="1000" i="1" dirty="0">
+                <a:latin typeface="Arial"/>
+                <a:cs typeface="Arial"/>
+              </a:rPr>
+              <a:t>Response</a:t>
+            </a:r>
+          </a:p>
+          <a:p>
+            <a:pPr algn="ctr" eaLnBrk="1" hangingPunct="1">
+              <a:defRPr/>
+            </a:pPr>
+            <a:r>
+              <a:rPr lang="en-US" altLang="en-US" sz="1000" i="1" dirty="0">
+                <a:latin typeface="Arial"/>
+                <a:cs typeface="Arial"/>
+              </a:rPr>
+              <a:t>Feature Result</a:t>
+            </a:r>
+          </a:p>
+        </p:txBody>
+      </p:sp>
+      <p:sp>
+        <p:nvSpPr>
+          <p:cNvPr id="172" name="TextBox 171">
+            <a:extLst>
+              <a:ext uri="{FF2B5EF4-FFF2-40B4-BE49-F238E27FC236}">
+                <a16:creationId xmlns:a16="http://schemas.microsoft.com/office/drawing/2014/main" id="{72120E0D-E64C-6A28-3BEA-AAEFC17BDF64}"/>
+              </a:ext>
+            </a:extLst>
+          </p:cNvPr>
+          <p:cNvSpPr txBox="1"/>
+          <p:nvPr/>
+        </p:nvSpPr>
+        <p:spPr>
+          <a:xfrm>
+            <a:off x="8875833" y="4963924"/>
+            <a:ext cx="290464" cy="323165"/>
+          </a:xfrm>
+          <a:prstGeom prst="rect">
+            <a:avLst/>
+          </a:prstGeom>
+        </p:spPr>
+        <p:style>
+          <a:lnRef idx="2">
+            <a:schemeClr val="accent4">
+              <a:shade val="15000"/>
+            </a:schemeClr>
+          </a:lnRef>
+          <a:fillRef idx="1">
+            <a:schemeClr val="accent4"/>
+          </a:fillRef>
+          <a:effectRef idx="0">
+            <a:schemeClr val="accent4"/>
+          </a:effectRef>
+          <a:fontRef idx="minor">
+            <a:schemeClr val="lt1"/>
+          </a:fontRef>
+        </p:style>
+        <p:txBody>
+          <a:bodyPr wrap="none" rtlCol="0">
+            <a:spAutoFit/>
+          </a:bodyPr>
+          <a:lstStyle/>
+          <a:p>
+            <a:r>
+              <a:rPr lang="en-US" altLang="ko-KR" sz="1500" dirty="0">
+                <a:solidFill>
+                  <a:schemeClr val="tx1"/>
+                </a:solidFill>
+              </a:rPr>
+              <a:t>4</a:t>
+            </a:r>
+            <a:endParaRPr lang="ko-KR" altLang="en-US" sz="1500" dirty="0">
+              <a:solidFill>
+                <a:schemeClr val="tx1"/>
+              </a:solidFill>
+            </a:endParaRPr>
+          </a:p>
+        </p:txBody>
+      </p:sp>
+      <p:sp>
+        <p:nvSpPr>
+          <p:cNvPr id="149" name="label">
+            <a:extLst>
+              <a:ext uri="{FF2B5EF4-FFF2-40B4-BE49-F238E27FC236}">
+                <a16:creationId xmlns:a16="http://schemas.microsoft.com/office/drawing/2014/main" id="{BF579B65-B8C7-5FD6-E7FC-FC30C7F55870}"/>
+              </a:ext>
+            </a:extLst>
+          </p:cNvPr>
+          <p:cNvSpPr txBox="1">
+            <a:spLocks noChangeArrowheads="1"/>
+          </p:cNvSpPr>
+          <p:nvPr/>
+        </p:nvSpPr>
+        <p:spPr>
+          <a:xfrm>
+            <a:off x="6532746" y="5275271"/>
+            <a:ext cx="674040" cy="246221"/>
           </a:xfrm>
           <a:prstGeom prst="rect">
             <a:avLst/>
@@ -4859,577 +8416,15 @@
                 <a:latin typeface="Arial"/>
                 <a:cs typeface="Arial"/>
               </a:rPr>
-              <a:t>Response</a:t>
-            </a:r>
-          </a:p>
-          <a:p>
-            <a:pPr algn="ctr" eaLnBrk="1" hangingPunct="1">
-              <a:defRPr/>
-            </a:pPr>
-            <a:r>
-              <a:rPr lang="en-US" altLang="en-US" sz="1000" i="1" dirty="0">
-                <a:latin typeface="Arial"/>
-                <a:cs typeface="Arial"/>
-              </a:rPr>
-              <a:t>Video</a:t>
-            </a:r>
-          </a:p>
-        </p:txBody>
-      </p:sp>
-      <p:cxnSp>
-        <p:nvCxnSpPr>
-          <p:cNvPr id="166" name="연결선: 꺾임 165">
-            <a:extLst>
-              <a:ext uri="{FF2B5EF4-FFF2-40B4-BE49-F238E27FC236}">
-                <a16:creationId xmlns:a16="http://schemas.microsoft.com/office/drawing/2014/main" id="{EE7B0B70-CCC1-CA2F-8B09-871307C55BF0}"/>
-              </a:ext>
-            </a:extLst>
-          </p:cNvPr>
-          <p:cNvCxnSpPr/>
-          <p:nvPr/>
-        </p:nvCxnSpPr>
-        <p:spPr>
-          <a:xfrm rot="10800000" flipV="1">
-            <a:off x="7488557" y="4583719"/>
-            <a:ext cx="2463610" cy="1035318"/>
-          </a:xfrm>
-          <a:prstGeom prst="bentConnector3">
-            <a:avLst>
-              <a:gd name="adj1" fmla="val -519"/>
-            </a:avLst>
-          </a:prstGeom>
-          <a:ln w="19050">
-            <a:solidFill>
-              <a:schemeClr val="tx1"/>
-            </a:solidFill>
-            <a:tailEnd type="triangle"/>
-          </a:ln>
-        </p:spPr>
-        <p:style>
-          <a:lnRef idx="1">
-            <a:schemeClr val="accent1"/>
-          </a:lnRef>
-          <a:fillRef idx="0">
-            <a:schemeClr val="accent1"/>
-          </a:fillRef>
-          <a:effectRef idx="0">
-            <a:schemeClr val="accent1"/>
-          </a:effectRef>
-          <a:fontRef idx="minor">
-            <a:schemeClr val="tx1"/>
-          </a:fontRef>
-        </p:style>
-      </p:cxnSp>
-      <p:sp>
-        <p:nvSpPr>
-          <p:cNvPr id="147" name="label">
-            <a:extLst>
-              <a:ext uri="{FF2B5EF4-FFF2-40B4-BE49-F238E27FC236}">
-                <a16:creationId xmlns:a16="http://schemas.microsoft.com/office/drawing/2014/main" id="{A75C122B-1989-EA8E-E17C-D79108A6BF4D}"/>
-              </a:ext>
-            </a:extLst>
-          </p:cNvPr>
-          <p:cNvSpPr txBox="1">
-            <a:spLocks noChangeArrowheads="1"/>
-          </p:cNvSpPr>
-          <p:nvPr/>
-        </p:nvSpPr>
-        <p:spPr>
-          <a:xfrm>
-            <a:off x="9026197" y="5366935"/>
-            <a:ext cx="827663" cy="400110"/>
-          </a:xfrm>
-          <a:prstGeom prst="rect">
-            <a:avLst/>
-          </a:prstGeom>
-          <a:solidFill>
-            <a:schemeClr val="bg1"/>
-          </a:solidFill>
-          <a:ln>
-            <a:solidFill>
-              <a:schemeClr val="bg1"/>
-            </a:solidFill>
-          </a:ln>
-        </p:spPr>
-        <p:style>
-          <a:lnRef idx="2">
-            <a:schemeClr val="dk1"/>
-          </a:lnRef>
-          <a:fillRef idx="1">
-            <a:schemeClr val="lt1"/>
-          </a:fillRef>
-          <a:effectRef idx="0">
-            <a:schemeClr val="dk1"/>
-          </a:effectRef>
-          <a:fontRef idx="minor">
-            <a:schemeClr val="dk1"/>
-          </a:fontRef>
-        </p:style>
-        <p:txBody>
-          <a:bodyPr wrap="square">
-            <a:spAutoFit/>
-          </a:bodyPr>
-          <a:lstStyle>
-            <a:lvl1pPr marL="0" indent="0">
-              <a:lnSpc>
-                <a:spcPct val="100000"/>
-              </a:lnSpc>
-              <a:spcBef>
-                <a:spcPct val="0"/>
-              </a:spcBef>
-              <a:spcAft>
-                <a:spcPts val="0"/>
-              </a:spcAft>
-              <a:defRPr kumimoji="0" sz="1800" b="0" i="0" u="none" strike="noStrike" kern="0" cap="none" spc="0" normalizeH="0" baseline="0">
-                <a:solidFill>
-                  <a:schemeClr val="tx1"/>
-                </a:solidFill>
-              </a:defRPr>
-            </a:lvl1pPr>
-          </a:lstStyle>
-          <a:p>
-            <a:pPr algn="ctr" eaLnBrk="1" hangingPunct="1">
-              <a:defRPr/>
-            </a:pPr>
-            <a:r>
-              <a:rPr lang="en-US" altLang="en-US" sz="1000" i="1" dirty="0">
-                <a:latin typeface="Arial"/>
-                <a:cs typeface="Arial"/>
-              </a:rPr>
-              <a:t>Request</a:t>
-            </a:r>
-          </a:p>
-          <a:p>
-            <a:pPr algn="ctr" eaLnBrk="1" hangingPunct="1">
-              <a:defRPr/>
-            </a:pPr>
-            <a:r>
-              <a:rPr lang="en-US" altLang="en-US" sz="1000" i="1" dirty="0">
-                <a:latin typeface="Arial"/>
-                <a:cs typeface="Arial"/>
-              </a:rPr>
-              <a:t>Video</a:t>
-            </a:r>
-          </a:p>
-        </p:txBody>
-      </p:sp>
-      <p:sp>
-        <p:nvSpPr>
-          <p:cNvPr id="169" name="TextBox 168">
-            <a:extLst>
-              <a:ext uri="{FF2B5EF4-FFF2-40B4-BE49-F238E27FC236}">
-                <a16:creationId xmlns:a16="http://schemas.microsoft.com/office/drawing/2014/main" id="{69FBF9EB-9BCE-2ACB-79E0-BBDE52B626B6}"/>
-              </a:ext>
-            </a:extLst>
-          </p:cNvPr>
-          <p:cNvSpPr txBox="1"/>
-          <p:nvPr/>
-        </p:nvSpPr>
-        <p:spPr>
-          <a:xfrm>
-            <a:off x="2764473" y="3105834"/>
-            <a:ext cx="290464" cy="323165"/>
-          </a:xfrm>
-          <a:prstGeom prst="rect">
-            <a:avLst/>
-          </a:prstGeom>
-        </p:spPr>
-        <p:style>
-          <a:lnRef idx="2">
-            <a:schemeClr val="accent4">
-              <a:shade val="15000"/>
-            </a:schemeClr>
-          </a:lnRef>
-          <a:fillRef idx="1">
-            <a:schemeClr val="accent4"/>
-          </a:fillRef>
-          <a:effectRef idx="0">
-            <a:schemeClr val="accent4"/>
-          </a:effectRef>
-          <a:fontRef idx="minor">
-            <a:schemeClr val="lt1"/>
-          </a:fontRef>
-        </p:style>
-        <p:txBody>
-          <a:bodyPr wrap="none" rtlCol="0">
-            <a:spAutoFit/>
-          </a:bodyPr>
-          <a:lstStyle/>
-          <a:p>
-            <a:r>
-              <a:rPr lang="en-US" altLang="ko-KR" sz="1500" dirty="0">
-                <a:solidFill>
-                  <a:schemeClr val="tx1"/>
-                </a:solidFill>
-              </a:rPr>
-              <a:t>1</a:t>
-            </a:r>
-            <a:endParaRPr lang="ko-KR" altLang="en-US" sz="1500" dirty="0">
-              <a:solidFill>
-                <a:schemeClr val="tx1"/>
-              </a:solidFill>
-            </a:endParaRPr>
-          </a:p>
-        </p:txBody>
-      </p:sp>
-      <p:sp>
-        <p:nvSpPr>
-          <p:cNvPr id="170" name="TextBox 169">
-            <a:extLst>
-              <a:ext uri="{FF2B5EF4-FFF2-40B4-BE49-F238E27FC236}">
-                <a16:creationId xmlns:a16="http://schemas.microsoft.com/office/drawing/2014/main" id="{AE81C79A-A482-DBA5-AB08-655AB103CA8D}"/>
-              </a:ext>
-            </a:extLst>
-          </p:cNvPr>
-          <p:cNvSpPr txBox="1"/>
-          <p:nvPr/>
-        </p:nvSpPr>
-        <p:spPr>
-          <a:xfrm>
-            <a:off x="5309232" y="4010851"/>
-            <a:ext cx="290464" cy="323165"/>
-          </a:xfrm>
-          <a:prstGeom prst="rect">
-            <a:avLst/>
-          </a:prstGeom>
-        </p:spPr>
-        <p:style>
-          <a:lnRef idx="2">
-            <a:schemeClr val="accent4">
-              <a:shade val="15000"/>
-            </a:schemeClr>
-          </a:lnRef>
-          <a:fillRef idx="1">
-            <a:schemeClr val="accent4"/>
-          </a:fillRef>
-          <a:effectRef idx="0">
-            <a:schemeClr val="accent4"/>
-          </a:effectRef>
-          <a:fontRef idx="minor">
-            <a:schemeClr val="lt1"/>
-          </a:fontRef>
-        </p:style>
-        <p:txBody>
-          <a:bodyPr wrap="none" rtlCol="0">
-            <a:spAutoFit/>
-          </a:bodyPr>
-          <a:lstStyle/>
-          <a:p>
-            <a:r>
-              <a:rPr lang="en-US" altLang="ko-KR" sz="1500" dirty="0">
-                <a:solidFill>
-                  <a:schemeClr val="tx1"/>
-                </a:solidFill>
-              </a:rPr>
-              <a:t>2</a:t>
-            </a:r>
-            <a:endParaRPr lang="ko-KR" altLang="en-US" sz="1500" dirty="0">
-              <a:solidFill>
-                <a:schemeClr val="tx1"/>
-              </a:solidFill>
-            </a:endParaRPr>
-          </a:p>
-        </p:txBody>
-      </p:sp>
-      <p:sp>
-        <p:nvSpPr>
-          <p:cNvPr id="171" name="TextBox 170">
-            <a:extLst>
-              <a:ext uri="{FF2B5EF4-FFF2-40B4-BE49-F238E27FC236}">
-                <a16:creationId xmlns:a16="http://schemas.microsoft.com/office/drawing/2014/main" id="{9C2B899A-FBCA-5701-1C53-DD6AA41A1849}"/>
-              </a:ext>
-            </a:extLst>
-          </p:cNvPr>
-          <p:cNvSpPr txBox="1"/>
-          <p:nvPr/>
-        </p:nvSpPr>
-        <p:spPr>
-          <a:xfrm>
-            <a:off x="6532746" y="3047653"/>
-            <a:ext cx="290464" cy="323165"/>
-          </a:xfrm>
-          <a:prstGeom prst="rect">
-            <a:avLst/>
-          </a:prstGeom>
-        </p:spPr>
-        <p:style>
-          <a:lnRef idx="2">
-            <a:schemeClr val="accent4">
-              <a:shade val="15000"/>
-            </a:schemeClr>
-          </a:lnRef>
-          <a:fillRef idx="1">
-            <a:schemeClr val="accent4"/>
-          </a:fillRef>
-          <a:effectRef idx="0">
-            <a:schemeClr val="accent4"/>
-          </a:effectRef>
-          <a:fontRef idx="minor">
-            <a:schemeClr val="lt1"/>
-          </a:fontRef>
-        </p:style>
-        <p:txBody>
-          <a:bodyPr wrap="none" rtlCol="0">
-            <a:spAutoFit/>
-          </a:bodyPr>
-          <a:lstStyle/>
-          <a:p>
-            <a:r>
-              <a:rPr lang="en-US" altLang="ko-KR" sz="1500" dirty="0">
-                <a:solidFill>
-                  <a:schemeClr val="tx1"/>
-                </a:solidFill>
-              </a:rPr>
-              <a:t>3</a:t>
-            </a:r>
-            <a:endParaRPr lang="ko-KR" altLang="en-US" sz="1500" dirty="0">
-              <a:solidFill>
-                <a:schemeClr val="tx1"/>
-              </a:solidFill>
-            </a:endParaRPr>
-          </a:p>
-        </p:txBody>
-      </p:sp>
-      <p:sp>
-        <p:nvSpPr>
-          <p:cNvPr id="172" name="TextBox 171">
-            <a:extLst>
-              <a:ext uri="{FF2B5EF4-FFF2-40B4-BE49-F238E27FC236}">
-                <a16:creationId xmlns:a16="http://schemas.microsoft.com/office/drawing/2014/main" id="{72120E0D-E64C-6A28-3BEA-AAEFC17BDF64}"/>
-              </a:ext>
-            </a:extLst>
-          </p:cNvPr>
-          <p:cNvSpPr txBox="1"/>
-          <p:nvPr/>
-        </p:nvSpPr>
-        <p:spPr>
-          <a:xfrm>
-            <a:off x="9764384" y="5668495"/>
-            <a:ext cx="290464" cy="323165"/>
-          </a:xfrm>
-          <a:prstGeom prst="rect">
-            <a:avLst/>
-          </a:prstGeom>
-        </p:spPr>
-        <p:style>
-          <a:lnRef idx="2">
-            <a:schemeClr val="accent4">
-              <a:shade val="15000"/>
-            </a:schemeClr>
-          </a:lnRef>
-          <a:fillRef idx="1">
-            <a:schemeClr val="accent4"/>
-          </a:fillRef>
-          <a:effectRef idx="0">
-            <a:schemeClr val="accent4"/>
-          </a:effectRef>
-          <a:fontRef idx="minor">
-            <a:schemeClr val="lt1"/>
-          </a:fontRef>
-        </p:style>
-        <p:txBody>
-          <a:bodyPr wrap="none" rtlCol="0">
-            <a:spAutoFit/>
-          </a:bodyPr>
-          <a:lstStyle/>
-          <a:p>
-            <a:r>
-              <a:rPr lang="en-US" altLang="ko-KR" sz="1500" dirty="0">
-                <a:solidFill>
-                  <a:schemeClr val="tx1"/>
-                </a:solidFill>
-              </a:rPr>
-              <a:t>4</a:t>
-            </a:r>
-            <a:endParaRPr lang="ko-KR" altLang="en-US" sz="1500" dirty="0">
-              <a:solidFill>
-                <a:schemeClr val="tx1"/>
-              </a:solidFill>
-            </a:endParaRPr>
-          </a:p>
-        </p:txBody>
-      </p:sp>
-      <p:sp>
-        <p:nvSpPr>
-          <p:cNvPr id="173" name="TextBox 172">
-            <a:extLst>
-              <a:ext uri="{FF2B5EF4-FFF2-40B4-BE49-F238E27FC236}">
-                <a16:creationId xmlns:a16="http://schemas.microsoft.com/office/drawing/2014/main" id="{9279C484-B37C-B86A-2475-D74238FF1744}"/>
-              </a:ext>
-            </a:extLst>
-          </p:cNvPr>
-          <p:cNvSpPr txBox="1"/>
-          <p:nvPr/>
-        </p:nvSpPr>
-        <p:spPr>
-          <a:xfrm>
-            <a:off x="8070784" y="4739832"/>
-            <a:ext cx="290464" cy="323165"/>
-          </a:xfrm>
-          <a:prstGeom prst="rect">
-            <a:avLst/>
-          </a:prstGeom>
-        </p:spPr>
-        <p:style>
-          <a:lnRef idx="2">
-            <a:schemeClr val="accent4">
-              <a:shade val="15000"/>
-            </a:schemeClr>
-          </a:lnRef>
-          <a:fillRef idx="1">
-            <a:schemeClr val="accent4"/>
-          </a:fillRef>
-          <a:effectRef idx="0">
-            <a:schemeClr val="accent4"/>
-          </a:effectRef>
-          <a:fontRef idx="minor">
-            <a:schemeClr val="lt1"/>
-          </a:fontRef>
-        </p:style>
-        <p:txBody>
-          <a:bodyPr wrap="none" rtlCol="0">
-            <a:spAutoFit/>
-          </a:bodyPr>
-          <a:lstStyle/>
-          <a:p>
-            <a:r>
-              <a:rPr lang="en-US" altLang="ko-KR" sz="1500" dirty="0">
-                <a:solidFill>
-                  <a:schemeClr val="tx1"/>
-                </a:solidFill>
-              </a:rPr>
-              <a:t>5</a:t>
-            </a:r>
-            <a:endParaRPr lang="ko-KR" altLang="en-US" sz="1500" dirty="0">
-              <a:solidFill>
-                <a:schemeClr val="tx1"/>
-              </a:solidFill>
-            </a:endParaRPr>
-          </a:p>
-        </p:txBody>
-      </p:sp>
-      <p:sp>
-        <p:nvSpPr>
-          <p:cNvPr id="174" name="TextBox 173">
-            <a:extLst>
-              <a:ext uri="{FF2B5EF4-FFF2-40B4-BE49-F238E27FC236}">
-                <a16:creationId xmlns:a16="http://schemas.microsoft.com/office/drawing/2014/main" id="{ABD4D050-494F-64BE-D3FC-326296D67FC5}"/>
-              </a:ext>
-            </a:extLst>
-          </p:cNvPr>
-          <p:cNvSpPr txBox="1"/>
-          <p:nvPr/>
-        </p:nvSpPr>
-        <p:spPr>
-          <a:xfrm>
-            <a:off x="8720362" y="702275"/>
-            <a:ext cx="290464" cy="323165"/>
-          </a:xfrm>
-          <a:prstGeom prst="rect">
-            <a:avLst/>
-          </a:prstGeom>
-        </p:spPr>
-        <p:style>
-          <a:lnRef idx="2">
-            <a:schemeClr val="accent4">
-              <a:shade val="15000"/>
-            </a:schemeClr>
-          </a:lnRef>
-          <a:fillRef idx="1">
-            <a:schemeClr val="accent4"/>
-          </a:fillRef>
-          <a:effectRef idx="0">
-            <a:schemeClr val="accent4"/>
-          </a:effectRef>
-          <a:fontRef idx="minor">
-            <a:schemeClr val="lt1"/>
-          </a:fontRef>
-        </p:style>
-        <p:txBody>
-          <a:bodyPr wrap="none" rtlCol="0">
-            <a:spAutoFit/>
-          </a:bodyPr>
-          <a:lstStyle/>
-          <a:p>
-            <a:r>
-              <a:rPr lang="en-US" altLang="ko-KR" sz="1500" dirty="0">
-                <a:solidFill>
-                  <a:schemeClr val="tx1"/>
-                </a:solidFill>
-              </a:rPr>
-              <a:t>6</a:t>
-            </a:r>
-            <a:endParaRPr lang="ko-KR" altLang="en-US" sz="1500" dirty="0">
-              <a:solidFill>
-                <a:schemeClr val="tx1"/>
-              </a:solidFill>
-            </a:endParaRPr>
-          </a:p>
-        </p:txBody>
-      </p:sp>
-      <p:sp>
-        <p:nvSpPr>
-          <p:cNvPr id="175" name="TextBox 174">
-            <a:extLst>
-              <a:ext uri="{FF2B5EF4-FFF2-40B4-BE49-F238E27FC236}">
-                <a16:creationId xmlns:a16="http://schemas.microsoft.com/office/drawing/2014/main" id="{9EFD9797-D0C6-A8AF-C0BF-E8AFE09BCE99}"/>
-              </a:ext>
-            </a:extLst>
-          </p:cNvPr>
-          <p:cNvSpPr txBox="1"/>
-          <p:nvPr/>
-        </p:nvSpPr>
-        <p:spPr>
-          <a:xfrm>
-            <a:off x="3930654" y="1759693"/>
-            <a:ext cx="290464" cy="323165"/>
-          </a:xfrm>
-          <a:prstGeom prst="rect">
-            <a:avLst/>
-          </a:prstGeom>
-        </p:spPr>
-        <p:style>
-          <a:lnRef idx="2">
-            <a:schemeClr val="accent4">
-              <a:shade val="15000"/>
-            </a:schemeClr>
-          </a:lnRef>
-          <a:fillRef idx="1">
-            <a:schemeClr val="accent4"/>
-          </a:fillRef>
-          <a:effectRef idx="0">
-            <a:schemeClr val="accent4"/>
-          </a:effectRef>
-          <a:fontRef idx="minor">
-            <a:schemeClr val="lt1"/>
-          </a:fontRef>
-        </p:style>
-        <p:txBody>
-          <a:bodyPr wrap="none" rtlCol="0">
-            <a:spAutoFit/>
-          </a:bodyPr>
-          <a:lstStyle/>
-          <a:p>
-            <a:r>
-              <a:rPr lang="en-US" altLang="ko-KR" sz="1500" dirty="0">
-                <a:solidFill>
-                  <a:schemeClr val="tx1"/>
-                </a:solidFill>
-              </a:rPr>
-              <a:t>7</a:t>
-            </a:r>
-            <a:endParaRPr lang="ko-KR" altLang="en-US" sz="1500" dirty="0">
-              <a:solidFill>
-                <a:schemeClr val="tx1"/>
-              </a:solidFill>
-            </a:endParaRPr>
+              <a:t>Trigger</a:t>
+            </a:r>
           </a:p>
         </p:txBody>
       </p:sp>
     </p:spTree>
     <p:extLst>
       <p:ext uri="{BB962C8B-B14F-4D97-AF65-F5344CB8AC3E}">
-        <p14:creationId xmlns:p14="http://schemas.microsoft.com/office/powerpoint/2010/main" val="813825275"/>
+        <p14:creationId xmlns:p14="http://schemas.microsoft.com/office/powerpoint/2010/main" val="1928781785"/>
       </p:ext>
     </p:extLst>
   </p:cSld>

--- a/Final_pjt2/Infra_Pipeline.pptx
+++ b/Final_pjt2/Infra_Pipeline.pptx
@@ -5,8 +5,9 @@
     <p:sldMasterId id="2147483648" r:id="rId1"/>
   </p:sldMasterIdLst>
   <p:sldIdLst>
-    <p:sldId id="256" r:id="rId2"/>
-    <p:sldId id="257" r:id="rId3"/>
+    <p:sldId id="257" r:id="rId2"/>
+    <p:sldId id="256" r:id="rId3"/>
+    <p:sldId id="258" r:id="rId4"/>
   </p:sldIdLst>
   <p:sldSz cx="12192000" cy="6858000"/>
   <p:notesSz cx="6858000" cy="9144000"/>
@@ -260,7 +261,7 @@
           <a:p>
             <a:fld id="{F4D0D417-D880-4BB4-B0FA-3563BBBF0335}" type="datetimeFigureOut">
               <a:rPr lang="ko-KR" altLang="en-US" smtClean="0"/>
-              <a:t>2023-11-30</a:t>
+              <a:t>2023-12-06</a:t>
             </a:fld>
             <a:endParaRPr lang="ko-KR" altLang="en-US"/>
           </a:p>
@@ -458,7 +459,7 @@
           <a:p>
             <a:fld id="{F4D0D417-D880-4BB4-B0FA-3563BBBF0335}" type="datetimeFigureOut">
               <a:rPr lang="ko-KR" altLang="en-US" smtClean="0"/>
-              <a:t>2023-11-30</a:t>
+              <a:t>2023-12-06</a:t>
             </a:fld>
             <a:endParaRPr lang="ko-KR" altLang="en-US"/>
           </a:p>
@@ -666,7 +667,7 @@
           <a:p>
             <a:fld id="{F4D0D417-D880-4BB4-B0FA-3563BBBF0335}" type="datetimeFigureOut">
               <a:rPr lang="ko-KR" altLang="en-US" smtClean="0"/>
-              <a:t>2023-11-30</a:t>
+              <a:t>2023-12-06</a:t>
             </a:fld>
             <a:endParaRPr lang="ko-KR" altLang="en-US"/>
           </a:p>
@@ -864,7 +865,7 @@
           <a:p>
             <a:fld id="{F4D0D417-D880-4BB4-B0FA-3563BBBF0335}" type="datetimeFigureOut">
               <a:rPr lang="ko-KR" altLang="en-US" smtClean="0"/>
-              <a:t>2023-11-30</a:t>
+              <a:t>2023-12-06</a:t>
             </a:fld>
             <a:endParaRPr lang="ko-KR" altLang="en-US"/>
           </a:p>
@@ -1139,7 +1140,7 @@
           <a:p>
             <a:fld id="{F4D0D417-D880-4BB4-B0FA-3563BBBF0335}" type="datetimeFigureOut">
               <a:rPr lang="ko-KR" altLang="en-US" smtClean="0"/>
-              <a:t>2023-11-30</a:t>
+              <a:t>2023-12-06</a:t>
             </a:fld>
             <a:endParaRPr lang="ko-KR" altLang="en-US"/>
           </a:p>
@@ -1404,7 +1405,7 @@
           <a:p>
             <a:fld id="{F4D0D417-D880-4BB4-B0FA-3563BBBF0335}" type="datetimeFigureOut">
               <a:rPr lang="ko-KR" altLang="en-US" smtClean="0"/>
-              <a:t>2023-11-30</a:t>
+              <a:t>2023-12-06</a:t>
             </a:fld>
             <a:endParaRPr lang="ko-KR" altLang="en-US"/>
           </a:p>
@@ -1816,7 +1817,7 @@
           <a:p>
             <a:fld id="{F4D0D417-D880-4BB4-B0FA-3563BBBF0335}" type="datetimeFigureOut">
               <a:rPr lang="ko-KR" altLang="en-US" smtClean="0"/>
-              <a:t>2023-11-30</a:t>
+              <a:t>2023-12-06</a:t>
             </a:fld>
             <a:endParaRPr lang="ko-KR" altLang="en-US"/>
           </a:p>
@@ -1957,7 +1958,7 @@
           <a:p>
             <a:fld id="{F4D0D417-D880-4BB4-B0FA-3563BBBF0335}" type="datetimeFigureOut">
               <a:rPr lang="ko-KR" altLang="en-US" smtClean="0"/>
-              <a:t>2023-11-30</a:t>
+              <a:t>2023-12-06</a:t>
             </a:fld>
             <a:endParaRPr lang="ko-KR" altLang="en-US"/>
           </a:p>
@@ -2070,7 +2071,7 @@
           <a:p>
             <a:fld id="{F4D0D417-D880-4BB4-B0FA-3563BBBF0335}" type="datetimeFigureOut">
               <a:rPr lang="ko-KR" altLang="en-US" smtClean="0"/>
-              <a:t>2023-11-30</a:t>
+              <a:t>2023-12-06</a:t>
             </a:fld>
             <a:endParaRPr lang="ko-KR" altLang="en-US"/>
           </a:p>
@@ -2381,7 +2382,7 @@
           <a:p>
             <a:fld id="{F4D0D417-D880-4BB4-B0FA-3563BBBF0335}" type="datetimeFigureOut">
               <a:rPr lang="ko-KR" altLang="en-US" smtClean="0"/>
-              <a:t>2023-11-30</a:t>
+              <a:t>2023-12-06</a:t>
             </a:fld>
             <a:endParaRPr lang="ko-KR" altLang="en-US"/>
           </a:p>
@@ -2669,7 +2670,7 @@
           <a:p>
             <a:fld id="{F4D0D417-D880-4BB4-B0FA-3563BBBF0335}" type="datetimeFigureOut">
               <a:rPr lang="ko-KR" altLang="en-US" smtClean="0"/>
-              <a:t>2023-11-30</a:t>
+              <a:t>2023-12-06</a:t>
             </a:fld>
             <a:endParaRPr lang="ko-KR" altLang="en-US"/>
           </a:p>
@@ -2910,7 +2911,7 @@
           <a:p>
             <a:fld id="{F4D0D417-D880-4BB4-B0FA-3563BBBF0335}" type="datetimeFigureOut">
               <a:rPr lang="ko-KR" altLang="en-US" smtClean="0"/>
-              <a:t>2023-11-30</a:t>
+              <a:t>2023-12-06</a:t>
             </a:fld>
             <a:endParaRPr lang="ko-KR" altLang="en-US"/>
           </a:p>
@@ -3327,2764 +3328,6 @@
           <a:chExt cx="0" cy="0"/>
         </a:xfrm>
       </p:grpSpPr>
-      <p:grpSp>
-        <p:nvGrpSpPr>
-          <p:cNvPr id="119" name="그룹 118">
-            <a:extLst>
-              <a:ext uri="{FF2B5EF4-FFF2-40B4-BE49-F238E27FC236}">
-                <a16:creationId xmlns:a16="http://schemas.microsoft.com/office/drawing/2014/main" id="{BC4DF198-F8AE-4A9C-B383-AB7864A5A7E9}"/>
-              </a:ext>
-            </a:extLst>
-          </p:cNvPr>
-          <p:cNvGrpSpPr/>
-          <p:nvPr/>
-        </p:nvGrpSpPr>
-        <p:grpSpPr>
-          <a:xfrm>
-            <a:off x="-45299" y="3131665"/>
-            <a:ext cx="1506538" cy="689870"/>
-            <a:chOff x="634119" y="3078325"/>
-            <a:chExt cx="1506538" cy="689870"/>
-          </a:xfrm>
-        </p:grpSpPr>
-        <p:pic>
-          <p:nvPicPr>
-            <p:cNvPr id="7" name="Graphic 6" descr="General resource icon.">
-              <a:extLst>
-                <a:ext uri="{FF2B5EF4-FFF2-40B4-BE49-F238E27FC236}">
-                  <a16:creationId xmlns:a16="http://schemas.microsoft.com/office/drawing/2014/main" id="{5685B766-6A8A-9CCB-7024-790DB30C8FDD}"/>
-                </a:ext>
-              </a:extLst>
-            </p:cNvPr>
-            <p:cNvPicPr>
-              <a:picLocks noChangeAspect="1" noChangeArrowheads="1"/>
-            </p:cNvPicPr>
-            <p:nvPr/>
-          </p:nvPicPr>
-          <p:blipFill rotWithShape="1">
-            <a:blip r:embed="rId2"/>
-            <a:srcRect/>
-            <a:stretch>
-              <a:fillRect/>
-            </a:stretch>
-          </p:blipFill>
-          <p:spPr>
-            <a:xfrm flipH="1">
-              <a:off x="1147583" y="3078325"/>
-              <a:ext cx="469900" cy="469900"/>
-            </a:xfrm>
-            <a:prstGeom prst="rect">
-              <a:avLst/>
-            </a:prstGeom>
-            <a:noFill/>
-            <a:ln>
-              <a:noFill/>
-            </a:ln>
-          </p:spPr>
-        </p:pic>
-        <p:sp>
-          <p:nvSpPr>
-            <p:cNvPr id="8" name="label6">
-              <a:extLst>
-                <a:ext uri="{FF2B5EF4-FFF2-40B4-BE49-F238E27FC236}">
-                  <a16:creationId xmlns:a16="http://schemas.microsoft.com/office/drawing/2014/main" id="{7773F43E-A1D8-4849-2B6D-97246531D8CC}"/>
-                </a:ext>
-              </a:extLst>
-            </p:cNvPr>
-            <p:cNvSpPr txBox="1">
-              <a:spLocks noChangeArrowheads="1"/>
-            </p:cNvSpPr>
-            <p:nvPr/>
-          </p:nvSpPr>
-          <p:spPr>
-            <a:xfrm>
-              <a:off x="634119" y="3491196"/>
-              <a:ext cx="1506538" cy="276999"/>
-            </a:xfrm>
-            <a:prstGeom prst="rect">
-              <a:avLst/>
-            </a:prstGeom>
-            <a:noFill/>
-            <a:ln>
-              <a:noFill/>
-            </a:ln>
-          </p:spPr>
-          <p:txBody>
-            <a:bodyPr>
-              <a:spAutoFit/>
-            </a:bodyPr>
-            <a:lstStyle>
-              <a:lvl1pPr marL="0" indent="0">
-                <a:lnSpc>
-                  <a:spcPct val="100000"/>
-                </a:lnSpc>
-                <a:spcBef>
-                  <a:spcPct val="0"/>
-                </a:spcBef>
-                <a:spcAft>
-                  <a:spcPts val="0"/>
-                </a:spcAft>
-                <a:defRPr kumimoji="0" sz="1800" b="0" i="0" u="none" strike="noStrike" kern="0" cap="none" spc="0" normalizeH="0" baseline="0">
-                  <a:solidFill>
-                    <a:schemeClr val="tx1"/>
-                  </a:solidFill>
-                  <a:latin typeface="Calibri"/>
-                </a:defRPr>
-              </a:lvl1pPr>
-            </a:lstStyle>
-            <a:p>
-              <a:pPr algn="ctr" eaLnBrk="1" hangingPunct="1">
-                <a:defRPr/>
-              </a:pPr>
-              <a:r>
-                <a:rPr lang="en-US" altLang="en-US" sz="1200" dirty="0">
-                  <a:latin typeface="Arial"/>
-                  <a:cs typeface="Arial"/>
-                </a:rPr>
-                <a:t>Users</a:t>
-              </a:r>
-            </a:p>
-          </p:txBody>
-        </p:sp>
-      </p:grpSp>
-      <p:grpSp>
-        <p:nvGrpSpPr>
-          <p:cNvPr id="11" name="aGroupIcon" descr="Example of AWS Cloud group, represented as a rectangle with AWS logo at the top left, and AWS Cloud as a title.">
-            <a:extLst>
-              <a:ext uri="{FF2B5EF4-FFF2-40B4-BE49-F238E27FC236}">
-                <a16:creationId xmlns:a16="http://schemas.microsoft.com/office/drawing/2014/main" id="{E8019DFD-0557-057F-5987-918214491755}"/>
-              </a:ext>
-            </a:extLst>
-          </p:cNvPr>
-          <p:cNvGrpSpPr/>
-          <p:nvPr/>
-        </p:nvGrpSpPr>
-        <p:grpSpPr>
-          <a:xfrm>
-            <a:off x="4465592" y="572593"/>
-            <a:ext cx="6850108" cy="5700553"/>
-            <a:chOff x="-4071470" y="-504512"/>
-            <a:chExt cx="7323529" cy="5567440"/>
-          </a:xfrm>
-        </p:grpSpPr>
-        <p:sp>
-          <p:nvSpPr>
-            <p:cNvPr id="44" name="Rectangle 4">
-              <a:extLst>
-                <a:ext uri="{FF2B5EF4-FFF2-40B4-BE49-F238E27FC236}">
-                  <a16:creationId xmlns:a16="http://schemas.microsoft.com/office/drawing/2014/main" id="{539E2457-A5DA-5F1B-2F83-9C5E09ABA293}"/>
-                </a:ext>
-              </a:extLst>
-            </p:cNvPr>
-            <p:cNvSpPr/>
-            <p:nvPr/>
-          </p:nvSpPr>
-          <p:spPr>
-            <a:xfrm>
-              <a:off x="-4071470" y="-504512"/>
-              <a:ext cx="7323529" cy="5567440"/>
-            </a:xfrm>
-            <a:prstGeom prst="rect">
-              <a:avLst/>
-            </a:prstGeom>
-            <a:noFill/>
-            <a:ln w="12700">
-              <a:solidFill>
-                <a:schemeClr val="accent1">
-                  <a:lumMod val="75000"/>
-                </a:schemeClr>
-              </a:solidFill>
-            </a:ln>
-          </p:spPr>
-          <p:style>
-            <a:lnRef idx="2">
-              <a:schemeClr val="accent1">
-                <a:shade val="50000"/>
-              </a:schemeClr>
-            </a:lnRef>
-            <a:fillRef idx="1">
-              <a:schemeClr val="accent1"/>
-            </a:fillRef>
-            <a:effectRef idx="0">
-              <a:schemeClr val="accent1"/>
-            </a:effectRef>
-            <a:fontRef idx="minor">
-              <a:schemeClr val="lt1"/>
-            </a:fontRef>
-          </p:style>
-          <p:txBody>
-            <a:bodyPr lIns="502920" tIns="91440"/>
-            <a:lstStyle/>
-            <a:p>
-              <a:pPr eaLnBrk="1" hangingPunct="1">
-                <a:spcBef>
-                  <a:spcPts val="0"/>
-                </a:spcBef>
-                <a:spcAft>
-                  <a:spcPts val="0"/>
-                </a:spcAft>
-                <a:defRPr/>
-              </a:pPr>
-              <a:r>
-                <a:rPr lang="en-US" sz="1200" dirty="0">
-                  <a:solidFill>
-                    <a:schemeClr val="tx1"/>
-                  </a:solidFill>
-                  <a:latin typeface="Arial"/>
-                  <a:cs typeface="Arial"/>
-                </a:rPr>
-                <a:t>AWS Cloud</a:t>
-              </a:r>
-            </a:p>
-          </p:txBody>
-        </p:sp>
-        <p:pic>
-          <p:nvPicPr>
-            <p:cNvPr id="45" name="Graphic 37">
-              <a:extLst>
-                <a:ext uri="{FF2B5EF4-FFF2-40B4-BE49-F238E27FC236}">
-                  <a16:creationId xmlns:a16="http://schemas.microsoft.com/office/drawing/2014/main" id="{DF30BA54-F341-9B5E-7142-B11608CF4787}"/>
-                </a:ext>
-              </a:extLst>
-            </p:cNvPr>
-            <p:cNvPicPr>
-              <a:picLocks noChangeAspect="1"/>
-            </p:cNvPicPr>
-            <p:nvPr/>
-          </p:nvPicPr>
-          <p:blipFill rotWithShape="1">
-            <a:blip r:embed="rId3"/>
-            <a:srcRect/>
-            <a:stretch>
-              <a:fillRect/>
-            </a:stretch>
-          </p:blipFill>
-          <p:spPr>
-            <a:xfrm>
-              <a:off x="-4071470" y="-504106"/>
-              <a:ext cx="381000" cy="381000"/>
-            </a:xfrm>
-            <a:prstGeom prst="rect">
-              <a:avLst/>
-            </a:prstGeom>
-          </p:spPr>
-        </p:pic>
-      </p:grpSp>
-      <p:grpSp>
-        <p:nvGrpSpPr>
-          <p:cNvPr id="99" name="그룹 98">
-            <a:extLst>
-              <a:ext uri="{FF2B5EF4-FFF2-40B4-BE49-F238E27FC236}">
-                <a16:creationId xmlns:a16="http://schemas.microsoft.com/office/drawing/2014/main" id="{D0040678-B474-E5B5-16DB-28AF0298E734}"/>
-              </a:ext>
-            </a:extLst>
-          </p:cNvPr>
-          <p:cNvGrpSpPr/>
-          <p:nvPr/>
-        </p:nvGrpSpPr>
-        <p:grpSpPr>
-          <a:xfrm>
-            <a:off x="5107740" y="5012557"/>
-            <a:ext cx="2239962" cy="1006114"/>
-            <a:chOff x="5374440" y="5267982"/>
-            <a:chExt cx="2239962" cy="1006114"/>
-          </a:xfrm>
-        </p:grpSpPr>
-        <p:pic>
-          <p:nvPicPr>
-            <p:cNvPr id="48" name="Graphic 8" descr="Amazon Simple Storage Service (Amazon S3) service icon.">
-              <a:extLst>
-                <a:ext uri="{FF2B5EF4-FFF2-40B4-BE49-F238E27FC236}">
-                  <a16:creationId xmlns:a16="http://schemas.microsoft.com/office/drawing/2014/main" id="{9A3F862D-18D9-9F18-0158-0826B9B5E487}"/>
-                </a:ext>
-              </a:extLst>
-            </p:cNvPr>
-            <p:cNvPicPr>
-              <a:picLocks noChangeAspect="1" noChangeArrowheads="1"/>
-            </p:cNvPicPr>
-            <p:nvPr/>
-          </p:nvPicPr>
-          <p:blipFill rotWithShape="1">
-            <a:blip r:embed="rId4"/>
-            <a:srcRect/>
-            <a:stretch>
-              <a:fillRect/>
-            </a:stretch>
-          </p:blipFill>
-          <p:spPr>
-            <a:xfrm>
-              <a:off x="6116164" y="5267982"/>
-              <a:ext cx="762000" cy="762000"/>
-            </a:xfrm>
-            <a:prstGeom prst="rect">
-              <a:avLst/>
-            </a:prstGeom>
-            <a:noFill/>
-            <a:ln>
-              <a:noFill/>
-            </a:ln>
-          </p:spPr>
-        </p:pic>
-        <p:sp>
-          <p:nvSpPr>
-            <p:cNvPr id="49" name="TextBox 9">
-              <a:extLst>
-                <a:ext uri="{FF2B5EF4-FFF2-40B4-BE49-F238E27FC236}">
-                  <a16:creationId xmlns:a16="http://schemas.microsoft.com/office/drawing/2014/main" id="{8744616F-1413-D10A-F992-8BD8E9C96EF2}"/>
-                </a:ext>
-              </a:extLst>
-            </p:cNvPr>
-            <p:cNvSpPr txBox="1">
-              <a:spLocks noChangeArrowheads="1"/>
-            </p:cNvSpPr>
-            <p:nvPr/>
-          </p:nvSpPr>
-          <p:spPr>
-            <a:xfrm>
-              <a:off x="5374440" y="5997097"/>
-              <a:ext cx="2239962" cy="276999"/>
-            </a:xfrm>
-            <a:prstGeom prst="rect">
-              <a:avLst/>
-            </a:prstGeom>
-            <a:noFill/>
-            <a:ln>
-              <a:noFill/>
-            </a:ln>
-          </p:spPr>
-          <p:txBody>
-            <a:bodyPr>
-              <a:spAutoFit/>
-            </a:bodyPr>
-            <a:lstStyle>
-              <a:lvl1pPr marL="0" indent="0">
-                <a:lnSpc>
-                  <a:spcPct val="100000"/>
-                </a:lnSpc>
-                <a:spcBef>
-                  <a:spcPct val="0"/>
-                </a:spcBef>
-                <a:spcAft>
-                  <a:spcPts val="0"/>
-                </a:spcAft>
-                <a:defRPr kumimoji="0" sz="1800" b="0" i="0" u="none" strike="noStrike" kern="0" cap="none" spc="0" normalizeH="0" baseline="0">
-                  <a:solidFill>
-                    <a:schemeClr val="tx1"/>
-                  </a:solidFill>
-                </a:defRPr>
-              </a:lvl1pPr>
-            </a:lstStyle>
-            <a:p>
-              <a:pPr algn="ctr" eaLnBrk="1" hangingPunct="1">
-                <a:defRPr/>
-              </a:pPr>
-              <a:r>
-                <a:rPr lang="en-US" altLang="en-US" sz="1200" dirty="0">
-                  <a:latin typeface="Arial"/>
-                  <a:ea typeface="Amazon Ember"/>
-                  <a:cs typeface="Arial"/>
-                </a:rPr>
-                <a:t>Amazon S3</a:t>
-              </a:r>
-            </a:p>
-          </p:txBody>
-        </p:sp>
-      </p:grpSp>
-      <p:grpSp>
-        <p:nvGrpSpPr>
-          <p:cNvPr id="96" name="그룹 95">
-            <a:extLst>
-              <a:ext uri="{FF2B5EF4-FFF2-40B4-BE49-F238E27FC236}">
-                <a16:creationId xmlns:a16="http://schemas.microsoft.com/office/drawing/2014/main" id="{E8873AAE-F8BB-6090-67D2-28629E41CF4A}"/>
-              </a:ext>
-            </a:extLst>
-          </p:cNvPr>
-          <p:cNvGrpSpPr/>
-          <p:nvPr/>
-        </p:nvGrpSpPr>
-        <p:grpSpPr>
-          <a:xfrm>
-            <a:off x="6479072" y="838185"/>
-            <a:ext cx="2243137" cy="985169"/>
-            <a:chOff x="6741009" y="1093610"/>
-            <a:chExt cx="2243137" cy="985169"/>
-          </a:xfrm>
-        </p:grpSpPr>
-        <p:pic>
-          <p:nvPicPr>
-            <p:cNvPr id="50" name="Graphic 6" descr="Amazon Relational Database Service (Amazon RDS) service icon.">
-              <a:extLst>
-                <a:ext uri="{FF2B5EF4-FFF2-40B4-BE49-F238E27FC236}">
-                  <a16:creationId xmlns:a16="http://schemas.microsoft.com/office/drawing/2014/main" id="{FCB9E80B-47F8-E62F-6700-171C94DB8620}"/>
-                </a:ext>
-              </a:extLst>
-            </p:cNvPr>
-            <p:cNvPicPr>
-              <a:picLocks noChangeAspect="1" noChangeArrowheads="1"/>
-            </p:cNvPicPr>
-            <p:nvPr/>
-          </p:nvPicPr>
-          <p:blipFill rotWithShape="1">
-            <a:blip r:embed="rId5"/>
-            <a:srcRect/>
-            <a:stretch>
-              <a:fillRect/>
-            </a:stretch>
-          </p:blipFill>
-          <p:spPr>
-            <a:xfrm>
-              <a:off x="7481578" y="1093610"/>
-              <a:ext cx="762000" cy="762000"/>
-            </a:xfrm>
-            <a:prstGeom prst="rect">
-              <a:avLst/>
-            </a:prstGeom>
-            <a:noFill/>
-            <a:ln>
-              <a:noFill/>
-            </a:ln>
-          </p:spPr>
-        </p:pic>
-        <p:sp>
-          <p:nvSpPr>
-            <p:cNvPr id="51" name="TextBox 9">
-              <a:extLst>
-                <a:ext uri="{FF2B5EF4-FFF2-40B4-BE49-F238E27FC236}">
-                  <a16:creationId xmlns:a16="http://schemas.microsoft.com/office/drawing/2014/main" id="{DCA778D7-5C71-F136-87E5-0A2394C3D2E6}"/>
-                </a:ext>
-              </a:extLst>
-            </p:cNvPr>
-            <p:cNvSpPr txBox="1">
-              <a:spLocks noChangeArrowheads="1"/>
-            </p:cNvSpPr>
-            <p:nvPr/>
-          </p:nvSpPr>
-          <p:spPr>
-            <a:xfrm>
-              <a:off x="6741009" y="1801780"/>
-              <a:ext cx="2243137" cy="276999"/>
-            </a:xfrm>
-            <a:prstGeom prst="rect">
-              <a:avLst/>
-            </a:prstGeom>
-            <a:noFill/>
-            <a:ln>
-              <a:noFill/>
-            </a:ln>
-          </p:spPr>
-          <p:txBody>
-            <a:bodyPr>
-              <a:spAutoFit/>
-            </a:bodyPr>
-            <a:lstStyle>
-              <a:lvl1pPr marL="0" indent="0">
-                <a:lnSpc>
-                  <a:spcPct val="100000"/>
-                </a:lnSpc>
-                <a:spcBef>
-                  <a:spcPct val="0"/>
-                </a:spcBef>
-                <a:spcAft>
-                  <a:spcPts val="0"/>
-                </a:spcAft>
-                <a:defRPr kumimoji="0" sz="1800" b="0" i="0" u="none" strike="noStrike" kern="0" cap="none" spc="0" normalizeH="0" baseline="0">
-                  <a:solidFill>
-                    <a:schemeClr val="tx1"/>
-                  </a:solidFill>
-                </a:defRPr>
-              </a:lvl1pPr>
-            </a:lstStyle>
-            <a:p>
-              <a:pPr algn="ctr" eaLnBrk="1" hangingPunct="1">
-                <a:defRPr/>
-              </a:pPr>
-              <a:r>
-                <a:rPr lang="en-US" altLang="en-US" sz="1200" dirty="0">
-                  <a:latin typeface="Arial"/>
-                  <a:ea typeface="Amazon Ember"/>
-                  <a:cs typeface="Arial"/>
-                </a:rPr>
-                <a:t>Amazon RDS</a:t>
-              </a:r>
-            </a:p>
-          </p:txBody>
-        </p:sp>
-      </p:grpSp>
-      <p:cxnSp>
-        <p:nvCxnSpPr>
-          <p:cNvPr id="61" name="연결선: 꺾임 60">
-            <a:extLst>
-              <a:ext uri="{FF2B5EF4-FFF2-40B4-BE49-F238E27FC236}">
-                <a16:creationId xmlns:a16="http://schemas.microsoft.com/office/drawing/2014/main" id="{93EA9C7C-C628-C09A-1A1C-A97FBCE02E27}"/>
-              </a:ext>
-            </a:extLst>
-          </p:cNvPr>
-          <p:cNvCxnSpPr>
-            <a:cxnSpLocks/>
-            <a:endCxn id="48" idx="1"/>
-          </p:cNvCxnSpPr>
-          <p:nvPr/>
-        </p:nvCxnSpPr>
-        <p:spPr>
-          <a:xfrm>
-            <a:off x="4220446" y="3394337"/>
-            <a:ext cx="1629018" cy="1999220"/>
-          </a:xfrm>
-          <a:prstGeom prst="bentConnector3">
-            <a:avLst>
-              <a:gd name="adj1" fmla="val 50000"/>
-            </a:avLst>
-          </a:prstGeom>
-          <a:ln w="19050">
-            <a:solidFill>
-              <a:schemeClr val="accent6"/>
-            </a:solidFill>
-            <a:tailEnd type="triangle"/>
-          </a:ln>
-        </p:spPr>
-        <p:style>
-          <a:lnRef idx="1">
-            <a:schemeClr val="dk1"/>
-          </a:lnRef>
-          <a:fillRef idx="0">
-            <a:schemeClr val="dk1"/>
-          </a:fillRef>
-          <a:effectRef idx="0">
-            <a:schemeClr val="dk1"/>
-          </a:effectRef>
-          <a:fontRef idx="minor">
-            <a:schemeClr val="tx1"/>
-          </a:fontRef>
-        </p:style>
-      </p:cxnSp>
-      <p:cxnSp>
-        <p:nvCxnSpPr>
-          <p:cNvPr id="66" name="직선 화살표 연결선 65">
-            <a:extLst>
-              <a:ext uri="{FF2B5EF4-FFF2-40B4-BE49-F238E27FC236}">
-                <a16:creationId xmlns:a16="http://schemas.microsoft.com/office/drawing/2014/main" id="{053770A7-A0AB-D90B-2DCA-4149C218554D}"/>
-              </a:ext>
-            </a:extLst>
-          </p:cNvPr>
-          <p:cNvCxnSpPr>
-            <a:cxnSpLocks/>
-            <a:endCxn id="1026" idx="1"/>
-          </p:cNvCxnSpPr>
-          <p:nvPr/>
-        </p:nvCxnSpPr>
-        <p:spPr>
-          <a:xfrm flipV="1">
-            <a:off x="1022350" y="3419582"/>
-            <a:ext cx="1666019" cy="9418"/>
-          </a:xfrm>
-          <a:prstGeom prst="straightConnector1">
-            <a:avLst/>
-          </a:prstGeom>
-          <a:ln w="19050">
-            <a:solidFill>
-              <a:srgbClr val="FF0000"/>
-            </a:solidFill>
-            <a:tailEnd type="triangle"/>
-          </a:ln>
-        </p:spPr>
-        <p:style>
-          <a:lnRef idx="1">
-            <a:schemeClr val="dk1"/>
-          </a:lnRef>
-          <a:fillRef idx="0">
-            <a:schemeClr val="dk1"/>
-          </a:fillRef>
-          <a:effectRef idx="0">
-            <a:schemeClr val="dk1"/>
-          </a:effectRef>
-          <a:fontRef idx="minor">
-            <a:schemeClr val="tx1"/>
-          </a:fontRef>
-        </p:style>
-      </p:cxnSp>
-      <p:sp>
-        <p:nvSpPr>
-          <p:cNvPr id="75" name="label">
-            <a:extLst>
-              <a:ext uri="{FF2B5EF4-FFF2-40B4-BE49-F238E27FC236}">
-                <a16:creationId xmlns:a16="http://schemas.microsoft.com/office/drawing/2014/main" id="{08F78228-1FAD-B405-7F45-134B4B33CFCF}"/>
-              </a:ext>
-            </a:extLst>
-          </p:cNvPr>
-          <p:cNvSpPr txBox="1">
-            <a:spLocks noChangeArrowheads="1"/>
-          </p:cNvSpPr>
-          <p:nvPr/>
-        </p:nvSpPr>
-        <p:spPr>
-          <a:xfrm>
-            <a:off x="4624332" y="4440755"/>
-            <a:ext cx="827880" cy="246221"/>
-          </a:xfrm>
-          <a:prstGeom prst="rect">
-            <a:avLst/>
-          </a:prstGeom>
-          <a:solidFill>
-            <a:schemeClr val="bg1"/>
-          </a:solidFill>
-          <a:ln>
-            <a:solidFill>
-              <a:schemeClr val="bg1"/>
-            </a:solidFill>
-          </a:ln>
-        </p:spPr>
-        <p:style>
-          <a:lnRef idx="2">
-            <a:schemeClr val="dk1"/>
-          </a:lnRef>
-          <a:fillRef idx="1">
-            <a:schemeClr val="lt1"/>
-          </a:fillRef>
-          <a:effectRef idx="0">
-            <a:schemeClr val="dk1"/>
-          </a:effectRef>
-          <a:fontRef idx="minor">
-            <a:schemeClr val="dk1"/>
-          </a:fontRef>
-        </p:style>
-        <p:txBody>
-          <a:bodyPr wrap="square">
-            <a:spAutoFit/>
-          </a:bodyPr>
-          <a:lstStyle>
-            <a:lvl1pPr marL="0" indent="0">
-              <a:lnSpc>
-                <a:spcPct val="100000"/>
-              </a:lnSpc>
-              <a:spcBef>
-                <a:spcPct val="0"/>
-              </a:spcBef>
-              <a:spcAft>
-                <a:spcPts val="0"/>
-              </a:spcAft>
-              <a:defRPr kumimoji="0" sz="1800" b="0" i="0" u="none" strike="noStrike" kern="0" cap="none" spc="0" normalizeH="0" baseline="0">
-                <a:solidFill>
-                  <a:schemeClr val="tx1"/>
-                </a:solidFill>
-              </a:defRPr>
-            </a:lvl1pPr>
-          </a:lstStyle>
-          <a:p>
-            <a:pPr algn="ctr" eaLnBrk="1" hangingPunct="1">
-              <a:defRPr/>
-            </a:pPr>
-            <a:r>
-              <a:rPr lang="en-US" altLang="en-US" sz="1000" i="1" dirty="0">
-                <a:latin typeface="Arial"/>
-                <a:cs typeface="Arial"/>
-              </a:rPr>
-              <a:t>Load Video</a:t>
-            </a:r>
-          </a:p>
-        </p:txBody>
-      </p:sp>
-      <p:cxnSp>
-        <p:nvCxnSpPr>
-          <p:cNvPr id="86" name="연결선: 꺾임 85">
-            <a:extLst>
-              <a:ext uri="{FF2B5EF4-FFF2-40B4-BE49-F238E27FC236}">
-                <a16:creationId xmlns:a16="http://schemas.microsoft.com/office/drawing/2014/main" id="{AEDE905E-B928-C619-ED95-40B8846E402D}"/>
-              </a:ext>
-            </a:extLst>
-          </p:cNvPr>
-          <p:cNvCxnSpPr>
-            <a:cxnSpLocks/>
-            <a:stCxn id="50" idx="1"/>
-            <a:endCxn id="1026" idx="0"/>
-          </p:cNvCxnSpPr>
-          <p:nvPr/>
-        </p:nvCxnSpPr>
-        <p:spPr>
-          <a:xfrm rot="10800000" flipV="1">
-            <a:off x="3446695" y="1219184"/>
-            <a:ext cx="3772946" cy="1969161"/>
-          </a:xfrm>
-          <a:prstGeom prst="bentConnector2">
-            <a:avLst/>
-          </a:prstGeom>
-          <a:ln w="19050">
-            <a:solidFill>
-              <a:srgbClr val="FF0000"/>
-            </a:solidFill>
-            <a:tailEnd type="triangle"/>
-          </a:ln>
-        </p:spPr>
-        <p:style>
-          <a:lnRef idx="1">
-            <a:schemeClr val="accent1"/>
-          </a:lnRef>
-          <a:fillRef idx="0">
-            <a:schemeClr val="accent1"/>
-          </a:fillRef>
-          <a:effectRef idx="0">
-            <a:schemeClr val="accent1"/>
-          </a:effectRef>
-          <a:fontRef idx="minor">
-            <a:schemeClr val="tx1"/>
-          </a:fontRef>
-        </p:style>
-      </p:cxnSp>
-      <p:sp>
-        <p:nvSpPr>
-          <p:cNvPr id="56" name="label">
-            <a:extLst>
-              <a:ext uri="{FF2B5EF4-FFF2-40B4-BE49-F238E27FC236}">
-                <a16:creationId xmlns:a16="http://schemas.microsoft.com/office/drawing/2014/main" id="{D90A29EC-0622-764A-D92D-F743C57A442B}"/>
-              </a:ext>
-            </a:extLst>
-          </p:cNvPr>
-          <p:cNvSpPr txBox="1">
-            <a:spLocks noChangeArrowheads="1"/>
-          </p:cNvSpPr>
-          <p:nvPr/>
-        </p:nvSpPr>
-        <p:spPr>
-          <a:xfrm>
-            <a:off x="1369853" y="3283926"/>
-            <a:ext cx="1006074" cy="246221"/>
-          </a:xfrm>
-          <a:prstGeom prst="rect">
-            <a:avLst/>
-          </a:prstGeom>
-          <a:solidFill>
-            <a:schemeClr val="bg1"/>
-          </a:solidFill>
-          <a:ln>
-            <a:noFill/>
-          </a:ln>
-        </p:spPr>
-        <p:style>
-          <a:lnRef idx="2">
-            <a:schemeClr val="dk1">
-              <a:shade val="15000"/>
-            </a:schemeClr>
-          </a:lnRef>
-          <a:fillRef idx="1">
-            <a:schemeClr val="dk1"/>
-          </a:fillRef>
-          <a:effectRef idx="0">
-            <a:schemeClr val="dk1"/>
-          </a:effectRef>
-          <a:fontRef idx="minor">
-            <a:schemeClr val="lt1"/>
-          </a:fontRef>
-        </p:style>
-        <p:txBody>
-          <a:bodyPr wrap="square">
-            <a:spAutoFit/>
-          </a:bodyPr>
-          <a:lstStyle>
-            <a:lvl1pPr marL="0" indent="0">
-              <a:lnSpc>
-                <a:spcPct val="100000"/>
-              </a:lnSpc>
-              <a:spcBef>
-                <a:spcPct val="0"/>
-              </a:spcBef>
-              <a:spcAft>
-                <a:spcPts val="0"/>
-              </a:spcAft>
-              <a:defRPr kumimoji="0" sz="1800" b="0" i="0" u="none" strike="noStrike" kern="0" cap="none" spc="0" normalizeH="0" baseline="0">
-                <a:solidFill>
-                  <a:schemeClr val="tx1"/>
-                </a:solidFill>
-              </a:defRPr>
-            </a:lvl1pPr>
-          </a:lstStyle>
-          <a:p>
-            <a:pPr algn="ctr" eaLnBrk="1" hangingPunct="1">
-              <a:defRPr/>
-            </a:pPr>
-            <a:r>
-              <a:rPr lang="en-US" altLang="en-US" sz="1000" i="1" dirty="0">
-                <a:latin typeface="Arial"/>
-                <a:cs typeface="Arial"/>
-              </a:rPr>
-              <a:t>Upload Video</a:t>
-            </a:r>
-          </a:p>
-        </p:txBody>
-      </p:sp>
-      <p:sp>
-        <p:nvSpPr>
-          <p:cNvPr id="123" name="label">
-            <a:extLst>
-              <a:ext uri="{FF2B5EF4-FFF2-40B4-BE49-F238E27FC236}">
-                <a16:creationId xmlns:a16="http://schemas.microsoft.com/office/drawing/2014/main" id="{3E566940-318D-2E75-79EF-E0421FF11678}"/>
-              </a:ext>
-            </a:extLst>
-          </p:cNvPr>
-          <p:cNvSpPr txBox="1">
-            <a:spLocks noChangeArrowheads="1"/>
-          </p:cNvSpPr>
-          <p:nvPr/>
-        </p:nvSpPr>
-        <p:spPr>
-          <a:xfrm>
-            <a:off x="2863782" y="2118902"/>
-            <a:ext cx="1172413" cy="246221"/>
-          </a:xfrm>
-          <a:prstGeom prst="rect">
-            <a:avLst/>
-          </a:prstGeom>
-          <a:solidFill>
-            <a:schemeClr val="bg1"/>
-          </a:solidFill>
-          <a:ln>
-            <a:solidFill>
-              <a:schemeClr val="bg1"/>
-            </a:solidFill>
-          </a:ln>
-        </p:spPr>
-        <p:style>
-          <a:lnRef idx="2">
-            <a:schemeClr val="dk1"/>
-          </a:lnRef>
-          <a:fillRef idx="1">
-            <a:schemeClr val="lt1"/>
-          </a:fillRef>
-          <a:effectRef idx="0">
-            <a:schemeClr val="dk1"/>
-          </a:effectRef>
-          <a:fontRef idx="minor">
-            <a:schemeClr val="dk1"/>
-          </a:fontRef>
-        </p:style>
-        <p:txBody>
-          <a:bodyPr wrap="square">
-            <a:spAutoFit/>
-          </a:bodyPr>
-          <a:lstStyle>
-            <a:lvl1pPr marL="0" indent="0">
-              <a:lnSpc>
-                <a:spcPct val="100000"/>
-              </a:lnSpc>
-              <a:spcBef>
-                <a:spcPct val="0"/>
-              </a:spcBef>
-              <a:spcAft>
-                <a:spcPts val="0"/>
-              </a:spcAft>
-              <a:defRPr kumimoji="0" sz="1800" b="0" i="0" u="none" strike="noStrike" kern="0" cap="none" spc="0" normalizeH="0" baseline="0">
-                <a:solidFill>
-                  <a:schemeClr val="tx1"/>
-                </a:solidFill>
-              </a:defRPr>
-            </a:lvl1pPr>
-          </a:lstStyle>
-          <a:p>
-            <a:pPr algn="ctr" eaLnBrk="1" hangingPunct="1">
-              <a:defRPr/>
-            </a:pPr>
-            <a:r>
-              <a:rPr lang="en-US" altLang="en-US" sz="1000" i="1" dirty="0">
-                <a:latin typeface="Arial"/>
-                <a:cs typeface="Arial"/>
-              </a:rPr>
-              <a:t>Analyzed Data</a:t>
-            </a:r>
-          </a:p>
-        </p:txBody>
-      </p:sp>
-      <p:sp>
-        <p:nvSpPr>
-          <p:cNvPr id="169" name="TextBox 168">
-            <a:extLst>
-              <a:ext uri="{FF2B5EF4-FFF2-40B4-BE49-F238E27FC236}">
-                <a16:creationId xmlns:a16="http://schemas.microsoft.com/office/drawing/2014/main" id="{69FBF9EB-9BCE-2ACB-79E0-BBDE52B626B6}"/>
-              </a:ext>
-            </a:extLst>
-          </p:cNvPr>
-          <p:cNvSpPr txBox="1"/>
-          <p:nvPr/>
-        </p:nvSpPr>
-        <p:spPr>
-          <a:xfrm>
-            <a:off x="1163158" y="2942914"/>
-            <a:ext cx="671979" cy="323165"/>
-          </a:xfrm>
-          <a:prstGeom prst="rect">
-            <a:avLst/>
-          </a:prstGeom>
-          <a:solidFill>
-            <a:srgbClr val="FF0066"/>
-          </a:solidFill>
-        </p:spPr>
-        <p:style>
-          <a:lnRef idx="2">
-            <a:schemeClr val="accent4">
-              <a:shade val="15000"/>
-            </a:schemeClr>
-          </a:lnRef>
-          <a:fillRef idx="1">
-            <a:schemeClr val="accent4"/>
-          </a:fillRef>
-          <a:effectRef idx="0">
-            <a:schemeClr val="accent4"/>
-          </a:effectRef>
-          <a:fontRef idx="minor">
-            <a:schemeClr val="lt1"/>
-          </a:fontRef>
-        </p:style>
-        <p:txBody>
-          <a:bodyPr wrap="none" rtlCol="0">
-            <a:spAutoFit/>
-          </a:bodyPr>
-          <a:lstStyle/>
-          <a:p>
-            <a:r>
-              <a:rPr lang="en-US" altLang="ko-KR" sz="1500" b="1" dirty="0">
-                <a:solidFill>
-                  <a:schemeClr val="bg1"/>
-                </a:solidFill>
-              </a:rPr>
-              <a:t>Input</a:t>
-            </a:r>
-            <a:endParaRPr lang="ko-KR" altLang="en-US" sz="1500" b="1" dirty="0">
-              <a:solidFill>
-                <a:schemeClr val="bg1"/>
-              </a:solidFill>
-            </a:endParaRPr>
-          </a:p>
-        </p:txBody>
-      </p:sp>
-      <p:sp>
-        <p:nvSpPr>
-          <p:cNvPr id="170" name="TextBox 169">
-            <a:extLst>
-              <a:ext uri="{FF2B5EF4-FFF2-40B4-BE49-F238E27FC236}">
-                <a16:creationId xmlns:a16="http://schemas.microsoft.com/office/drawing/2014/main" id="{AE81C79A-A482-DBA5-AB08-655AB103CA8D}"/>
-              </a:ext>
-            </a:extLst>
-          </p:cNvPr>
-          <p:cNvSpPr txBox="1"/>
-          <p:nvPr/>
-        </p:nvSpPr>
-        <p:spPr>
-          <a:xfrm>
-            <a:off x="4593844" y="4124827"/>
-            <a:ext cx="290464" cy="323165"/>
-          </a:xfrm>
-          <a:prstGeom prst="rect">
-            <a:avLst/>
-          </a:prstGeom>
-        </p:spPr>
-        <p:style>
-          <a:lnRef idx="2">
-            <a:schemeClr val="accent4">
-              <a:shade val="15000"/>
-            </a:schemeClr>
-          </a:lnRef>
-          <a:fillRef idx="1">
-            <a:schemeClr val="accent4"/>
-          </a:fillRef>
-          <a:effectRef idx="0">
-            <a:schemeClr val="accent4"/>
-          </a:effectRef>
-          <a:fontRef idx="minor">
-            <a:schemeClr val="lt1"/>
-          </a:fontRef>
-        </p:style>
-        <p:txBody>
-          <a:bodyPr wrap="none" rtlCol="0">
-            <a:spAutoFit/>
-          </a:bodyPr>
-          <a:lstStyle/>
-          <a:p>
-            <a:r>
-              <a:rPr lang="en-US" altLang="ko-KR" sz="1500" dirty="0">
-                <a:solidFill>
-                  <a:schemeClr val="tx1"/>
-                </a:solidFill>
-              </a:rPr>
-              <a:t>1</a:t>
-            </a:r>
-            <a:endParaRPr lang="ko-KR" altLang="en-US" sz="1500" dirty="0">
-              <a:solidFill>
-                <a:schemeClr val="tx1"/>
-              </a:solidFill>
-            </a:endParaRPr>
-          </a:p>
-        </p:txBody>
-      </p:sp>
-      <p:grpSp>
-        <p:nvGrpSpPr>
-          <p:cNvPr id="100" name="그룹 99">
-            <a:extLst>
-              <a:ext uri="{FF2B5EF4-FFF2-40B4-BE49-F238E27FC236}">
-                <a16:creationId xmlns:a16="http://schemas.microsoft.com/office/drawing/2014/main" id="{44DF6B25-2360-FD7A-4322-1CB5D1D4450E}"/>
-              </a:ext>
-            </a:extLst>
-          </p:cNvPr>
-          <p:cNvGrpSpPr/>
-          <p:nvPr/>
-        </p:nvGrpSpPr>
-        <p:grpSpPr>
-          <a:xfrm>
-            <a:off x="8083940" y="5012557"/>
-            <a:ext cx="2292350" cy="1193781"/>
-            <a:chOff x="8350640" y="5267982"/>
-            <a:chExt cx="2292350" cy="1193781"/>
-          </a:xfrm>
-        </p:grpSpPr>
-        <p:pic>
-          <p:nvPicPr>
-            <p:cNvPr id="4" name="Graphic 10" descr="AWS Lambda service icon.">
-              <a:extLst>
-                <a:ext uri="{FF2B5EF4-FFF2-40B4-BE49-F238E27FC236}">
-                  <a16:creationId xmlns:a16="http://schemas.microsoft.com/office/drawing/2014/main" id="{7249C1EC-5A69-3C4D-9DDF-0DB93BB70BC6}"/>
-                </a:ext>
-              </a:extLst>
-            </p:cNvPr>
-            <p:cNvPicPr>
-              <a:picLocks noChangeAspect="1" noChangeArrowheads="1"/>
-            </p:cNvPicPr>
-            <p:nvPr/>
-          </p:nvPicPr>
-          <p:blipFill>
-            <a:blip r:embed="rId6">
-              <a:extLst>
-                <a:ext uri="{96DAC541-7B7A-43D3-8B79-37D633B846F1}">
-                  <asvg:svgBlip xmlns:asvg="http://schemas.microsoft.com/office/drawing/2016/SVG/main" r:embed="rId7"/>
-                </a:ext>
-              </a:extLst>
-            </a:blip>
-            <a:srcRect/>
-            <a:stretch/>
-          </p:blipFill>
-          <p:spPr bwMode="auto">
-            <a:xfrm>
-              <a:off x="9098539" y="5267982"/>
-              <a:ext cx="762000" cy="762000"/>
-            </a:xfrm>
-            <a:prstGeom prst="rect">
-              <a:avLst/>
-            </a:prstGeom>
-            <a:noFill/>
-            <a:ln>
-              <a:noFill/>
-            </a:ln>
-            <a:extLst>
-              <a:ext uri="{909E8E84-426E-40DD-AFC4-6F175D3DCCD1}">
-                <a14:hiddenFill xmlns:a14="http://schemas.microsoft.com/office/drawing/2010/main">
-                  <a:solidFill>
-                    <a:srgbClr val="FFFFFF"/>
-                  </a:solidFill>
-                </a14:hiddenFill>
-              </a:ext>
-              <a:ext uri="{91240B29-F687-4F45-9708-019B960494DF}">
-                <a14:hiddenLine xmlns:a14="http://schemas.microsoft.com/office/drawing/2010/main" w="9525">
-                  <a:solidFill>
-                    <a:srgbClr val="000000"/>
-                  </a:solidFill>
-                  <a:miter lim="800000"/>
-                  <a:headEnd/>
-                  <a:tailEnd/>
-                </a14:hiddenLine>
-              </a:ext>
-            </a:extLst>
-          </p:spPr>
-        </p:pic>
-        <p:sp>
-          <p:nvSpPr>
-            <p:cNvPr id="5" name="TextBox 20">
-              <a:extLst>
-                <a:ext uri="{FF2B5EF4-FFF2-40B4-BE49-F238E27FC236}">
-                  <a16:creationId xmlns:a16="http://schemas.microsoft.com/office/drawing/2014/main" id="{E5D4A7D0-5E44-1943-968A-C198F40D0E71}"/>
-                </a:ext>
-              </a:extLst>
-            </p:cNvPr>
-            <p:cNvSpPr txBox="1">
-              <a:spLocks noChangeArrowheads="1"/>
-            </p:cNvSpPr>
-            <p:nvPr/>
-          </p:nvSpPr>
-          <p:spPr bwMode="auto">
-            <a:xfrm>
-              <a:off x="8350640" y="6000098"/>
-              <a:ext cx="2292350" cy="461665"/>
-            </a:xfrm>
-            <a:prstGeom prst="rect">
-              <a:avLst/>
-            </a:prstGeom>
-            <a:noFill/>
-            <a:ln>
-              <a:noFill/>
-            </a:ln>
-            <a:extLst>
-              <a:ext uri="{909E8E84-426E-40DD-AFC4-6F175D3DCCD1}">
-                <a14:hiddenFill xmlns:a14="http://schemas.microsoft.com/office/drawing/2010/main">
-                  <a:solidFill>
-                    <a:srgbClr val="FFFFFF"/>
-                  </a:solidFill>
-                </a14:hiddenFill>
-              </a:ext>
-              <a:ext uri="{91240B29-F687-4F45-9708-019B960494DF}">
-                <a14:hiddenLine xmlns:a14="http://schemas.microsoft.com/office/drawing/2010/main" w="9525">
-                  <a:solidFill>
-                    <a:srgbClr val="000000"/>
-                  </a:solidFill>
-                  <a:miter lim="800000"/>
-                  <a:headEnd/>
-                  <a:tailEnd/>
-                </a14:hiddenLine>
-              </a:ext>
-            </a:extLst>
-          </p:spPr>
-          <p:txBody>
-            <a:bodyPr>
-              <a:spAutoFit/>
-            </a:bodyPr>
-            <a:lstStyle>
-              <a:defPPr>
-                <a:defRPr lang="en-US"/>
-              </a:defPPr>
-              <a:lvl1pPr algn="l" rtl="0" eaLnBrk="0" fontAlgn="base" hangingPunct="0">
-                <a:spcBef>
-                  <a:spcPct val="0"/>
-                </a:spcBef>
-                <a:spcAft>
-                  <a:spcPct val="0"/>
-                </a:spcAft>
-                <a:defRPr kern="1200">
-                  <a:solidFill>
-                    <a:schemeClr val="tx1"/>
-                  </a:solidFill>
-                  <a:latin typeface="Calibri" panose="020F0502020204030204" pitchFamily="34" charset="0"/>
-                  <a:ea typeface="+mn-ea"/>
-                  <a:cs typeface="+mn-cs"/>
-                </a:defRPr>
-              </a:lvl1pPr>
-              <a:lvl2pPr marL="457200" algn="l" rtl="0" eaLnBrk="0" fontAlgn="base" hangingPunct="0">
-                <a:spcBef>
-                  <a:spcPct val="0"/>
-                </a:spcBef>
-                <a:spcAft>
-                  <a:spcPct val="0"/>
-                </a:spcAft>
-                <a:defRPr kern="1200">
-                  <a:solidFill>
-                    <a:schemeClr val="tx1"/>
-                  </a:solidFill>
-                  <a:latin typeface="Calibri" panose="020F0502020204030204" pitchFamily="34" charset="0"/>
-                  <a:ea typeface="+mn-ea"/>
-                  <a:cs typeface="+mn-cs"/>
-                </a:defRPr>
-              </a:lvl2pPr>
-              <a:lvl3pPr marL="914400" algn="l" rtl="0" eaLnBrk="0" fontAlgn="base" hangingPunct="0">
-                <a:spcBef>
-                  <a:spcPct val="0"/>
-                </a:spcBef>
-                <a:spcAft>
-                  <a:spcPct val="0"/>
-                </a:spcAft>
-                <a:defRPr kern="1200">
-                  <a:solidFill>
-                    <a:schemeClr val="tx1"/>
-                  </a:solidFill>
-                  <a:latin typeface="Calibri" panose="020F0502020204030204" pitchFamily="34" charset="0"/>
-                  <a:ea typeface="+mn-ea"/>
-                  <a:cs typeface="+mn-cs"/>
-                </a:defRPr>
-              </a:lvl3pPr>
-              <a:lvl4pPr marL="1371600" algn="l" rtl="0" eaLnBrk="0" fontAlgn="base" hangingPunct="0">
-                <a:spcBef>
-                  <a:spcPct val="0"/>
-                </a:spcBef>
-                <a:spcAft>
-                  <a:spcPct val="0"/>
-                </a:spcAft>
-                <a:defRPr kern="1200">
-                  <a:solidFill>
-                    <a:schemeClr val="tx1"/>
-                  </a:solidFill>
-                  <a:latin typeface="Calibri" panose="020F0502020204030204" pitchFamily="34" charset="0"/>
-                  <a:ea typeface="+mn-ea"/>
-                  <a:cs typeface="+mn-cs"/>
-                </a:defRPr>
-              </a:lvl4pPr>
-              <a:lvl5pPr marL="1828800" algn="l" rtl="0" eaLnBrk="0" fontAlgn="base" hangingPunct="0">
-                <a:spcBef>
-                  <a:spcPct val="0"/>
-                </a:spcBef>
-                <a:spcAft>
-                  <a:spcPct val="0"/>
-                </a:spcAft>
-                <a:defRPr kern="1200">
-                  <a:solidFill>
-                    <a:schemeClr val="tx1"/>
-                  </a:solidFill>
-                  <a:latin typeface="Calibri" panose="020F0502020204030204" pitchFamily="34" charset="0"/>
-                  <a:ea typeface="+mn-ea"/>
-                  <a:cs typeface="+mn-cs"/>
-                </a:defRPr>
-              </a:lvl5pPr>
-              <a:lvl6pPr marL="2286000" algn="l" defTabSz="914400" rtl="0" eaLnBrk="1" latinLnBrk="0" hangingPunct="1">
-                <a:defRPr kern="1200">
-                  <a:solidFill>
-                    <a:schemeClr val="tx1"/>
-                  </a:solidFill>
-                  <a:latin typeface="Calibri" panose="020F0502020204030204" pitchFamily="34" charset="0"/>
-                  <a:ea typeface="+mn-ea"/>
-                  <a:cs typeface="+mn-cs"/>
-                </a:defRPr>
-              </a:lvl6pPr>
-              <a:lvl7pPr marL="2743200" algn="l" defTabSz="914400" rtl="0" eaLnBrk="1" latinLnBrk="0" hangingPunct="1">
-                <a:defRPr kern="1200">
-                  <a:solidFill>
-                    <a:schemeClr val="tx1"/>
-                  </a:solidFill>
-                  <a:latin typeface="Calibri" panose="020F0502020204030204" pitchFamily="34" charset="0"/>
-                  <a:ea typeface="+mn-ea"/>
-                  <a:cs typeface="+mn-cs"/>
-                </a:defRPr>
-              </a:lvl7pPr>
-              <a:lvl8pPr marL="3200400" algn="l" defTabSz="914400" rtl="0" eaLnBrk="1" latinLnBrk="0" hangingPunct="1">
-                <a:defRPr kern="1200">
-                  <a:solidFill>
-                    <a:schemeClr val="tx1"/>
-                  </a:solidFill>
-                  <a:latin typeface="Calibri" panose="020F0502020204030204" pitchFamily="34" charset="0"/>
-                  <a:ea typeface="+mn-ea"/>
-                  <a:cs typeface="+mn-cs"/>
-                </a:defRPr>
-              </a:lvl8pPr>
-              <a:lvl9pPr marL="3657600" algn="l" defTabSz="914400" rtl="0" eaLnBrk="1" latinLnBrk="0" hangingPunct="1">
-                <a:defRPr kern="1200">
-                  <a:solidFill>
-                    <a:schemeClr val="tx1"/>
-                  </a:solidFill>
-                  <a:latin typeface="Calibri" panose="020F0502020204030204" pitchFamily="34" charset="0"/>
-                  <a:ea typeface="+mn-ea"/>
-                  <a:cs typeface="+mn-cs"/>
-                </a:defRPr>
-              </a:lvl9pPr>
-            </a:lstStyle>
-            <a:p>
-              <a:pPr algn="ctr" eaLnBrk="1" hangingPunct="1"/>
-              <a:r>
-                <a:rPr lang="en-US" altLang="en-US" sz="1200" dirty="0">
-                  <a:latin typeface="Arial" panose="020B0604020202020204" pitchFamily="34" charset="0"/>
-                  <a:ea typeface="Amazon Ember" panose="020B0603020204020204" pitchFamily="34" charset="0"/>
-                  <a:cs typeface="Arial" panose="020B0604020202020204" pitchFamily="34" charset="0"/>
-                </a:rPr>
-                <a:t>AWS Lambda</a:t>
-              </a:r>
-            </a:p>
-            <a:p>
-              <a:pPr algn="ctr" eaLnBrk="1" hangingPunct="1"/>
-              <a:r>
-                <a:rPr lang="en-US" altLang="en-US" sz="1200" dirty="0">
-                  <a:latin typeface="Arial" panose="020B0604020202020204" pitchFamily="34" charset="0"/>
-                  <a:ea typeface="Amazon Ember" panose="020B0603020204020204" pitchFamily="34" charset="0"/>
-                  <a:cs typeface="Arial" panose="020B0604020202020204" pitchFamily="34" charset="0"/>
-                </a:rPr>
-                <a:t>(Feature Extraction)</a:t>
-              </a:r>
-            </a:p>
-          </p:txBody>
-        </p:sp>
-      </p:grpSp>
-      <p:cxnSp>
-        <p:nvCxnSpPr>
-          <p:cNvPr id="9" name="직선 화살표 연결선 8">
-            <a:extLst>
-              <a:ext uri="{FF2B5EF4-FFF2-40B4-BE49-F238E27FC236}">
-                <a16:creationId xmlns:a16="http://schemas.microsoft.com/office/drawing/2014/main" id="{2B07837E-1F65-8B79-FCB2-0DEDE3552CE7}"/>
-              </a:ext>
-            </a:extLst>
-          </p:cNvPr>
-          <p:cNvCxnSpPr>
-            <a:stCxn id="48" idx="3"/>
-            <a:endCxn id="4" idx="1"/>
-          </p:cNvCxnSpPr>
-          <p:nvPr/>
-        </p:nvCxnSpPr>
-        <p:spPr>
-          <a:xfrm>
-            <a:off x="6611464" y="5393557"/>
-            <a:ext cx="2220375" cy="0"/>
-          </a:xfrm>
-          <a:prstGeom prst="straightConnector1">
-            <a:avLst/>
-          </a:prstGeom>
-          <a:ln w="19050">
-            <a:solidFill>
-              <a:schemeClr val="accent6"/>
-            </a:solidFill>
-            <a:tailEnd type="triangle"/>
-          </a:ln>
-        </p:spPr>
-        <p:style>
-          <a:lnRef idx="1">
-            <a:schemeClr val="accent1"/>
-          </a:lnRef>
-          <a:fillRef idx="0">
-            <a:schemeClr val="accent1"/>
-          </a:fillRef>
-          <a:effectRef idx="0">
-            <a:schemeClr val="accent1"/>
-          </a:effectRef>
-          <a:fontRef idx="minor">
-            <a:schemeClr val="tx1"/>
-          </a:fontRef>
-        </p:style>
-      </p:cxnSp>
-      <p:sp>
-        <p:nvSpPr>
-          <p:cNvPr id="149" name="label">
-            <a:extLst>
-              <a:ext uri="{FF2B5EF4-FFF2-40B4-BE49-F238E27FC236}">
-                <a16:creationId xmlns:a16="http://schemas.microsoft.com/office/drawing/2014/main" id="{BF579B65-B8C7-5FD6-E7FC-FC30C7F55870}"/>
-              </a:ext>
-            </a:extLst>
-          </p:cNvPr>
-          <p:cNvSpPr txBox="1">
-            <a:spLocks noChangeArrowheads="1"/>
-          </p:cNvSpPr>
-          <p:nvPr/>
-        </p:nvSpPr>
-        <p:spPr>
-          <a:xfrm>
-            <a:off x="7336992" y="5262744"/>
-            <a:ext cx="674040" cy="246221"/>
-          </a:xfrm>
-          <a:prstGeom prst="rect">
-            <a:avLst/>
-          </a:prstGeom>
-          <a:solidFill>
-            <a:schemeClr val="bg1"/>
-          </a:solidFill>
-          <a:ln>
-            <a:solidFill>
-              <a:schemeClr val="bg1"/>
-            </a:solidFill>
-          </a:ln>
-        </p:spPr>
-        <p:style>
-          <a:lnRef idx="2">
-            <a:schemeClr val="dk1"/>
-          </a:lnRef>
-          <a:fillRef idx="1">
-            <a:schemeClr val="lt1"/>
-          </a:fillRef>
-          <a:effectRef idx="0">
-            <a:schemeClr val="dk1"/>
-          </a:effectRef>
-          <a:fontRef idx="minor">
-            <a:schemeClr val="dk1"/>
-          </a:fontRef>
-        </p:style>
-        <p:txBody>
-          <a:bodyPr wrap="square">
-            <a:spAutoFit/>
-          </a:bodyPr>
-          <a:lstStyle>
-            <a:lvl1pPr marL="0" indent="0">
-              <a:lnSpc>
-                <a:spcPct val="100000"/>
-              </a:lnSpc>
-              <a:spcBef>
-                <a:spcPct val="0"/>
-              </a:spcBef>
-              <a:spcAft>
-                <a:spcPts val="0"/>
-              </a:spcAft>
-              <a:defRPr kumimoji="0" sz="1800" b="0" i="0" u="none" strike="noStrike" kern="0" cap="none" spc="0" normalizeH="0" baseline="0">
-                <a:solidFill>
-                  <a:schemeClr val="tx1"/>
-                </a:solidFill>
-              </a:defRPr>
-            </a:lvl1pPr>
-          </a:lstStyle>
-          <a:p>
-            <a:pPr algn="ctr" eaLnBrk="1" hangingPunct="1">
-              <a:defRPr/>
-            </a:pPr>
-            <a:r>
-              <a:rPr lang="en-US" altLang="en-US" sz="1000" i="1" dirty="0">
-                <a:latin typeface="Arial"/>
-                <a:cs typeface="Arial"/>
-              </a:rPr>
-              <a:t>Trigger</a:t>
-            </a:r>
-          </a:p>
-        </p:txBody>
-      </p:sp>
-      <p:grpSp>
-        <p:nvGrpSpPr>
-          <p:cNvPr id="94" name="그룹 93">
-            <a:extLst>
-              <a:ext uri="{FF2B5EF4-FFF2-40B4-BE49-F238E27FC236}">
-                <a16:creationId xmlns:a16="http://schemas.microsoft.com/office/drawing/2014/main" id="{8CF7D00E-4D13-1B89-D66D-A947A2F6CD6B}"/>
-              </a:ext>
-            </a:extLst>
-          </p:cNvPr>
-          <p:cNvGrpSpPr/>
-          <p:nvPr/>
-        </p:nvGrpSpPr>
-        <p:grpSpPr>
-          <a:xfrm>
-            <a:off x="6460590" y="3018916"/>
-            <a:ext cx="2268537" cy="1193467"/>
-            <a:chOff x="6727290" y="3274341"/>
-            <a:chExt cx="2268537" cy="1193467"/>
-          </a:xfrm>
-        </p:grpSpPr>
-        <p:pic>
-          <p:nvPicPr>
-            <p:cNvPr id="22" name="Graphic 5" descr="Amazon Elastic Compute Cloud (Amazon EC2) service icon.">
-              <a:extLst>
-                <a:ext uri="{FF2B5EF4-FFF2-40B4-BE49-F238E27FC236}">
-                  <a16:creationId xmlns:a16="http://schemas.microsoft.com/office/drawing/2014/main" id="{38622D4A-AB16-E74E-A250-BDBAAFFAA603}"/>
-                </a:ext>
-              </a:extLst>
-            </p:cNvPr>
-            <p:cNvPicPr>
-              <a:picLocks noChangeAspect="1" noChangeArrowheads="1"/>
-            </p:cNvPicPr>
-            <p:nvPr/>
-          </p:nvPicPr>
-          <p:blipFill>
-            <a:blip r:embed="rId8">
-              <a:extLst>
-                <a:ext uri="{96DAC541-7B7A-43D3-8B79-37D633B846F1}">
-                  <asvg:svgBlip xmlns:asvg="http://schemas.microsoft.com/office/drawing/2016/SVG/main" r:embed="rId9"/>
-                </a:ext>
-              </a:extLst>
-            </a:blip>
-            <a:srcRect/>
-            <a:stretch/>
-          </p:blipFill>
-          <p:spPr bwMode="auto">
-            <a:xfrm>
-              <a:off x="7486340" y="3274341"/>
-              <a:ext cx="762000" cy="762000"/>
-            </a:xfrm>
-            <a:prstGeom prst="rect">
-              <a:avLst/>
-            </a:prstGeom>
-            <a:noFill/>
-            <a:ln>
-              <a:noFill/>
-            </a:ln>
-            <a:extLst>
-              <a:ext uri="{909E8E84-426E-40DD-AFC4-6F175D3DCCD1}">
-                <a14:hiddenFill xmlns:a14="http://schemas.microsoft.com/office/drawing/2010/main">
-                  <a:solidFill>
-                    <a:srgbClr val="FFFFFF"/>
-                  </a:solidFill>
-                </a14:hiddenFill>
-              </a:ext>
-              <a:ext uri="{91240B29-F687-4F45-9708-019B960494DF}">
-                <a14:hiddenLine xmlns:a14="http://schemas.microsoft.com/office/drawing/2010/main" w="9525">
-                  <a:solidFill>
-                    <a:srgbClr val="000000"/>
-                  </a:solidFill>
-                  <a:miter lim="800000"/>
-                  <a:headEnd/>
-                  <a:tailEnd/>
-                </a14:hiddenLine>
-              </a:ext>
-            </a:extLst>
-          </p:spPr>
-        </p:pic>
-        <p:sp>
-          <p:nvSpPr>
-            <p:cNvPr id="23" name="TextBox 6">
-              <a:extLst>
-                <a:ext uri="{FF2B5EF4-FFF2-40B4-BE49-F238E27FC236}">
-                  <a16:creationId xmlns:a16="http://schemas.microsoft.com/office/drawing/2014/main" id="{36FEB6A7-BBBF-BF4E-B09F-F70950BA7F04}"/>
-                </a:ext>
-              </a:extLst>
-            </p:cNvPr>
-            <p:cNvSpPr txBox="1">
-              <a:spLocks noChangeArrowheads="1"/>
-            </p:cNvSpPr>
-            <p:nvPr/>
-          </p:nvSpPr>
-          <p:spPr bwMode="auto">
-            <a:xfrm>
-              <a:off x="6727290" y="4006143"/>
-              <a:ext cx="2268537" cy="461665"/>
-            </a:xfrm>
-            <a:prstGeom prst="rect">
-              <a:avLst/>
-            </a:prstGeom>
-            <a:noFill/>
-            <a:ln>
-              <a:noFill/>
-            </a:ln>
-            <a:extLst>
-              <a:ext uri="{909E8E84-426E-40DD-AFC4-6F175D3DCCD1}">
-                <a14:hiddenFill xmlns:a14="http://schemas.microsoft.com/office/drawing/2010/main">
-                  <a:solidFill>
-                    <a:srgbClr val="FFFFFF"/>
-                  </a:solidFill>
-                </a14:hiddenFill>
-              </a:ext>
-              <a:ext uri="{91240B29-F687-4F45-9708-019B960494DF}">
-                <a14:hiddenLine xmlns:a14="http://schemas.microsoft.com/office/drawing/2010/main" w="9525">
-                  <a:solidFill>
-                    <a:srgbClr val="000000"/>
-                  </a:solidFill>
-                  <a:miter lim="800000"/>
-                  <a:headEnd/>
-                  <a:tailEnd/>
-                </a14:hiddenLine>
-              </a:ext>
-            </a:extLst>
-          </p:spPr>
-          <p:txBody>
-            <a:bodyPr>
-              <a:spAutoFit/>
-            </a:bodyPr>
-            <a:lstStyle>
-              <a:defPPr>
-                <a:defRPr lang="en-US"/>
-              </a:defPPr>
-              <a:lvl1pPr algn="l" rtl="0" eaLnBrk="0" fontAlgn="base" hangingPunct="0">
-                <a:spcBef>
-                  <a:spcPct val="0"/>
-                </a:spcBef>
-                <a:spcAft>
-                  <a:spcPct val="0"/>
-                </a:spcAft>
-                <a:defRPr kern="1200">
-                  <a:solidFill>
-                    <a:schemeClr val="tx1"/>
-                  </a:solidFill>
-                  <a:latin typeface="Calibri" panose="020F0502020204030204" pitchFamily="34" charset="0"/>
-                  <a:ea typeface="+mn-ea"/>
-                  <a:cs typeface="+mn-cs"/>
-                </a:defRPr>
-              </a:lvl1pPr>
-              <a:lvl2pPr marL="457200" algn="l" rtl="0" eaLnBrk="0" fontAlgn="base" hangingPunct="0">
-                <a:spcBef>
-                  <a:spcPct val="0"/>
-                </a:spcBef>
-                <a:spcAft>
-                  <a:spcPct val="0"/>
-                </a:spcAft>
-                <a:defRPr kern="1200">
-                  <a:solidFill>
-                    <a:schemeClr val="tx1"/>
-                  </a:solidFill>
-                  <a:latin typeface="Calibri" panose="020F0502020204030204" pitchFamily="34" charset="0"/>
-                  <a:ea typeface="+mn-ea"/>
-                  <a:cs typeface="+mn-cs"/>
-                </a:defRPr>
-              </a:lvl2pPr>
-              <a:lvl3pPr marL="914400" algn="l" rtl="0" eaLnBrk="0" fontAlgn="base" hangingPunct="0">
-                <a:spcBef>
-                  <a:spcPct val="0"/>
-                </a:spcBef>
-                <a:spcAft>
-                  <a:spcPct val="0"/>
-                </a:spcAft>
-                <a:defRPr kern="1200">
-                  <a:solidFill>
-                    <a:schemeClr val="tx1"/>
-                  </a:solidFill>
-                  <a:latin typeface="Calibri" panose="020F0502020204030204" pitchFamily="34" charset="0"/>
-                  <a:ea typeface="+mn-ea"/>
-                  <a:cs typeface="+mn-cs"/>
-                </a:defRPr>
-              </a:lvl3pPr>
-              <a:lvl4pPr marL="1371600" algn="l" rtl="0" eaLnBrk="0" fontAlgn="base" hangingPunct="0">
-                <a:spcBef>
-                  <a:spcPct val="0"/>
-                </a:spcBef>
-                <a:spcAft>
-                  <a:spcPct val="0"/>
-                </a:spcAft>
-                <a:defRPr kern="1200">
-                  <a:solidFill>
-                    <a:schemeClr val="tx1"/>
-                  </a:solidFill>
-                  <a:latin typeface="Calibri" panose="020F0502020204030204" pitchFamily="34" charset="0"/>
-                  <a:ea typeface="+mn-ea"/>
-                  <a:cs typeface="+mn-cs"/>
-                </a:defRPr>
-              </a:lvl4pPr>
-              <a:lvl5pPr marL="1828800" algn="l" rtl="0" eaLnBrk="0" fontAlgn="base" hangingPunct="0">
-                <a:spcBef>
-                  <a:spcPct val="0"/>
-                </a:spcBef>
-                <a:spcAft>
-                  <a:spcPct val="0"/>
-                </a:spcAft>
-                <a:defRPr kern="1200">
-                  <a:solidFill>
-                    <a:schemeClr val="tx1"/>
-                  </a:solidFill>
-                  <a:latin typeface="Calibri" panose="020F0502020204030204" pitchFamily="34" charset="0"/>
-                  <a:ea typeface="+mn-ea"/>
-                  <a:cs typeface="+mn-cs"/>
-                </a:defRPr>
-              </a:lvl5pPr>
-              <a:lvl6pPr marL="2286000" algn="l" defTabSz="914400" rtl="0" eaLnBrk="1" latinLnBrk="0" hangingPunct="1">
-                <a:defRPr kern="1200">
-                  <a:solidFill>
-                    <a:schemeClr val="tx1"/>
-                  </a:solidFill>
-                  <a:latin typeface="Calibri" panose="020F0502020204030204" pitchFamily="34" charset="0"/>
-                  <a:ea typeface="+mn-ea"/>
-                  <a:cs typeface="+mn-cs"/>
-                </a:defRPr>
-              </a:lvl6pPr>
-              <a:lvl7pPr marL="2743200" algn="l" defTabSz="914400" rtl="0" eaLnBrk="1" latinLnBrk="0" hangingPunct="1">
-                <a:defRPr kern="1200">
-                  <a:solidFill>
-                    <a:schemeClr val="tx1"/>
-                  </a:solidFill>
-                  <a:latin typeface="Calibri" panose="020F0502020204030204" pitchFamily="34" charset="0"/>
-                  <a:ea typeface="+mn-ea"/>
-                  <a:cs typeface="+mn-cs"/>
-                </a:defRPr>
-              </a:lvl7pPr>
-              <a:lvl8pPr marL="3200400" algn="l" defTabSz="914400" rtl="0" eaLnBrk="1" latinLnBrk="0" hangingPunct="1">
-                <a:defRPr kern="1200">
-                  <a:solidFill>
-                    <a:schemeClr val="tx1"/>
-                  </a:solidFill>
-                  <a:latin typeface="Calibri" panose="020F0502020204030204" pitchFamily="34" charset="0"/>
-                  <a:ea typeface="+mn-ea"/>
-                  <a:cs typeface="+mn-cs"/>
-                </a:defRPr>
-              </a:lvl8pPr>
-              <a:lvl9pPr marL="3657600" algn="l" defTabSz="914400" rtl="0" eaLnBrk="1" latinLnBrk="0" hangingPunct="1">
-                <a:defRPr kern="1200">
-                  <a:solidFill>
-                    <a:schemeClr val="tx1"/>
-                  </a:solidFill>
-                  <a:latin typeface="Calibri" panose="020F0502020204030204" pitchFamily="34" charset="0"/>
-                  <a:ea typeface="+mn-ea"/>
-                  <a:cs typeface="+mn-cs"/>
-                </a:defRPr>
-              </a:lvl9pPr>
-            </a:lstStyle>
-            <a:p>
-              <a:pPr algn="ctr" eaLnBrk="1" hangingPunct="1"/>
-              <a:r>
-                <a:rPr lang="en-US" altLang="en-US" sz="1200" dirty="0">
-                  <a:latin typeface="Arial" panose="020B0604020202020204" pitchFamily="34" charset="0"/>
-                  <a:ea typeface="Amazon Ember" panose="020B0603020204020204" pitchFamily="34" charset="0"/>
-                  <a:cs typeface="Arial" panose="020B0604020202020204" pitchFamily="34" charset="0"/>
-                </a:rPr>
-                <a:t>Amazon EC2</a:t>
-              </a:r>
-            </a:p>
-            <a:p>
-              <a:pPr algn="ctr" eaLnBrk="1" hangingPunct="1"/>
-              <a:r>
-                <a:rPr lang="en-US" altLang="en-US" sz="1200" dirty="0">
-                  <a:latin typeface="Arial" panose="020B0604020202020204" pitchFamily="34" charset="0"/>
-                  <a:ea typeface="Amazon Ember" panose="020B0603020204020204" pitchFamily="34" charset="0"/>
-                  <a:cs typeface="Arial" panose="020B0604020202020204" pitchFamily="34" charset="0"/>
-                </a:rPr>
-                <a:t>(Web Server)</a:t>
-              </a:r>
-            </a:p>
-          </p:txBody>
-        </p:sp>
-      </p:grpSp>
-      <p:sp>
-        <p:nvSpPr>
-          <p:cNvPr id="58" name="TextBox 57">
-            <a:extLst>
-              <a:ext uri="{FF2B5EF4-FFF2-40B4-BE49-F238E27FC236}">
-                <a16:creationId xmlns:a16="http://schemas.microsoft.com/office/drawing/2014/main" id="{BAE93ABB-36FE-A60C-0CD8-3F07C56EC9E1}"/>
-              </a:ext>
-            </a:extLst>
-          </p:cNvPr>
-          <p:cNvSpPr txBox="1"/>
-          <p:nvPr/>
-        </p:nvSpPr>
-        <p:spPr>
-          <a:xfrm>
-            <a:off x="2389341" y="1763313"/>
-            <a:ext cx="835485" cy="323165"/>
-          </a:xfrm>
-          <a:prstGeom prst="rect">
-            <a:avLst/>
-          </a:prstGeom>
-          <a:solidFill>
-            <a:srgbClr val="FF0066"/>
-          </a:solidFill>
-        </p:spPr>
-        <p:style>
-          <a:lnRef idx="2">
-            <a:schemeClr val="accent4">
-              <a:shade val="15000"/>
-            </a:schemeClr>
-          </a:lnRef>
-          <a:fillRef idx="1">
-            <a:schemeClr val="accent4"/>
-          </a:fillRef>
-          <a:effectRef idx="0">
-            <a:schemeClr val="accent4"/>
-          </a:effectRef>
-          <a:fontRef idx="minor">
-            <a:schemeClr val="lt1"/>
-          </a:fontRef>
-        </p:style>
-        <p:txBody>
-          <a:bodyPr wrap="none" rtlCol="0">
-            <a:spAutoFit/>
-          </a:bodyPr>
-          <a:lstStyle/>
-          <a:p>
-            <a:r>
-              <a:rPr lang="en-US" altLang="ko-KR" sz="1500" b="1" dirty="0">
-                <a:solidFill>
-                  <a:schemeClr val="bg1"/>
-                </a:solidFill>
-              </a:rPr>
-              <a:t>Output</a:t>
-            </a:r>
-            <a:endParaRPr lang="ko-KR" altLang="en-US" sz="1500" b="1" dirty="0">
-              <a:solidFill>
-                <a:schemeClr val="bg1"/>
-              </a:solidFill>
-            </a:endParaRPr>
-          </a:p>
-        </p:txBody>
-      </p:sp>
-      <p:cxnSp>
-        <p:nvCxnSpPr>
-          <p:cNvPr id="71" name="직선 화살표 연결선 70">
-            <a:extLst>
-              <a:ext uri="{FF2B5EF4-FFF2-40B4-BE49-F238E27FC236}">
-                <a16:creationId xmlns:a16="http://schemas.microsoft.com/office/drawing/2014/main" id="{6113E95C-DABA-4AD2-9075-AA27D493286D}"/>
-              </a:ext>
-            </a:extLst>
-          </p:cNvPr>
-          <p:cNvCxnSpPr>
-            <a:cxnSpLocks/>
-            <a:endCxn id="22" idx="1"/>
-          </p:cNvCxnSpPr>
-          <p:nvPr/>
-        </p:nvCxnSpPr>
-        <p:spPr>
-          <a:xfrm>
-            <a:off x="4220446" y="3394337"/>
-            <a:ext cx="2999194" cy="5579"/>
-          </a:xfrm>
-          <a:prstGeom prst="straightConnector1">
-            <a:avLst/>
-          </a:prstGeom>
-          <a:ln w="19050">
-            <a:solidFill>
-              <a:schemeClr val="accent1"/>
-            </a:solidFill>
-            <a:tailEnd type="triangle"/>
-          </a:ln>
-        </p:spPr>
-        <p:style>
-          <a:lnRef idx="1">
-            <a:schemeClr val="accent1"/>
-          </a:lnRef>
-          <a:fillRef idx="0">
-            <a:schemeClr val="accent1"/>
-          </a:fillRef>
-          <a:effectRef idx="0">
-            <a:schemeClr val="accent1"/>
-          </a:effectRef>
-          <a:fontRef idx="minor">
-            <a:schemeClr val="tx1"/>
-          </a:fontRef>
-        </p:style>
-      </p:cxnSp>
-      <p:sp>
-        <p:nvSpPr>
-          <p:cNvPr id="117" name="label">
-            <a:extLst>
-              <a:ext uri="{FF2B5EF4-FFF2-40B4-BE49-F238E27FC236}">
-                <a16:creationId xmlns:a16="http://schemas.microsoft.com/office/drawing/2014/main" id="{B6C5C9AE-ACB7-9719-1663-2CD3F698156A}"/>
-              </a:ext>
-            </a:extLst>
-          </p:cNvPr>
-          <p:cNvSpPr txBox="1">
-            <a:spLocks noChangeArrowheads="1"/>
-          </p:cNvSpPr>
-          <p:nvPr/>
-        </p:nvSpPr>
-        <p:spPr>
-          <a:xfrm>
-            <a:off x="5386914" y="3201044"/>
-            <a:ext cx="1172413" cy="400110"/>
-          </a:xfrm>
-          <a:prstGeom prst="rect">
-            <a:avLst/>
-          </a:prstGeom>
-          <a:solidFill>
-            <a:schemeClr val="bg1"/>
-          </a:solidFill>
-          <a:ln>
-            <a:solidFill>
-              <a:schemeClr val="bg1"/>
-            </a:solidFill>
-          </a:ln>
-        </p:spPr>
-        <p:style>
-          <a:lnRef idx="2">
-            <a:schemeClr val="dk1"/>
-          </a:lnRef>
-          <a:fillRef idx="1">
-            <a:schemeClr val="lt1"/>
-          </a:fillRef>
-          <a:effectRef idx="0">
-            <a:schemeClr val="dk1"/>
-          </a:effectRef>
-          <a:fontRef idx="minor">
-            <a:schemeClr val="dk1"/>
-          </a:fontRef>
-        </p:style>
-        <p:txBody>
-          <a:bodyPr wrap="square">
-            <a:spAutoFit/>
-          </a:bodyPr>
-          <a:lstStyle>
-            <a:lvl1pPr marL="0" indent="0">
-              <a:lnSpc>
-                <a:spcPct val="100000"/>
-              </a:lnSpc>
-              <a:spcBef>
-                <a:spcPct val="0"/>
-              </a:spcBef>
-              <a:spcAft>
-                <a:spcPts val="0"/>
-              </a:spcAft>
-              <a:defRPr kumimoji="0" sz="1800" b="0" i="0" u="none" strike="noStrike" kern="0" cap="none" spc="0" normalizeH="0" baseline="0">
-                <a:solidFill>
-                  <a:schemeClr val="tx1"/>
-                </a:solidFill>
-              </a:defRPr>
-            </a:lvl1pPr>
-          </a:lstStyle>
-          <a:p>
-            <a:pPr algn="ctr" eaLnBrk="1" hangingPunct="1">
-              <a:defRPr/>
-            </a:pPr>
-            <a:r>
-              <a:rPr lang="en-US" altLang="en-US" sz="1000" i="1" dirty="0">
-                <a:latin typeface="Arial"/>
-                <a:cs typeface="Arial"/>
-              </a:rPr>
-              <a:t>Request</a:t>
-            </a:r>
-          </a:p>
-          <a:p>
-            <a:pPr algn="ctr" eaLnBrk="1" hangingPunct="1">
-              <a:defRPr/>
-            </a:pPr>
-            <a:r>
-              <a:rPr lang="en-US" altLang="en-US" sz="1000" i="1" dirty="0">
-                <a:latin typeface="Arial"/>
-                <a:cs typeface="Arial"/>
-              </a:rPr>
-              <a:t>Video Data</a:t>
-            </a:r>
-          </a:p>
-        </p:txBody>
-      </p:sp>
-      <p:sp>
-        <p:nvSpPr>
-          <p:cNvPr id="171" name="TextBox 170">
-            <a:extLst>
-              <a:ext uri="{FF2B5EF4-FFF2-40B4-BE49-F238E27FC236}">
-                <a16:creationId xmlns:a16="http://schemas.microsoft.com/office/drawing/2014/main" id="{9C2B899A-FBCA-5701-1C53-DD6AA41A1849}"/>
-              </a:ext>
-            </a:extLst>
-          </p:cNvPr>
-          <p:cNvSpPr txBox="1"/>
-          <p:nvPr/>
-        </p:nvSpPr>
-        <p:spPr>
-          <a:xfrm>
-            <a:off x="5381945" y="2901525"/>
-            <a:ext cx="290464" cy="323165"/>
-          </a:xfrm>
-          <a:prstGeom prst="rect">
-            <a:avLst/>
-          </a:prstGeom>
-        </p:spPr>
-        <p:style>
-          <a:lnRef idx="2">
-            <a:schemeClr val="accent4">
-              <a:shade val="15000"/>
-            </a:schemeClr>
-          </a:lnRef>
-          <a:fillRef idx="1">
-            <a:schemeClr val="accent4"/>
-          </a:fillRef>
-          <a:effectRef idx="0">
-            <a:schemeClr val="accent4"/>
-          </a:effectRef>
-          <a:fontRef idx="minor">
-            <a:schemeClr val="lt1"/>
-          </a:fontRef>
-        </p:style>
-        <p:txBody>
-          <a:bodyPr wrap="none" rtlCol="0">
-            <a:spAutoFit/>
-          </a:bodyPr>
-          <a:lstStyle/>
-          <a:p>
-            <a:r>
-              <a:rPr lang="en-US" altLang="ko-KR" sz="1500" dirty="0">
-                <a:solidFill>
-                  <a:schemeClr val="tx1"/>
-                </a:solidFill>
-              </a:rPr>
-              <a:t>1</a:t>
-            </a:r>
-            <a:endParaRPr lang="ko-KR" altLang="en-US" sz="1500" dirty="0">
-              <a:solidFill>
-                <a:schemeClr val="tx1"/>
-              </a:solidFill>
-            </a:endParaRPr>
-          </a:p>
-        </p:txBody>
-      </p:sp>
-      <p:cxnSp>
-        <p:nvCxnSpPr>
-          <p:cNvPr id="78" name="연결선: 꺾임 77">
-            <a:extLst>
-              <a:ext uri="{FF2B5EF4-FFF2-40B4-BE49-F238E27FC236}">
-                <a16:creationId xmlns:a16="http://schemas.microsoft.com/office/drawing/2014/main" id="{1B24F716-0AE1-FF92-6763-7032A72ECF41}"/>
-              </a:ext>
-            </a:extLst>
-          </p:cNvPr>
-          <p:cNvCxnSpPr>
-            <a:endCxn id="50" idx="3"/>
-          </p:cNvCxnSpPr>
-          <p:nvPr/>
-        </p:nvCxnSpPr>
-        <p:spPr>
-          <a:xfrm rot="16200000" flipV="1">
-            <a:off x="6707939" y="2492887"/>
-            <a:ext cx="3793036" cy="1245631"/>
-          </a:xfrm>
-          <a:prstGeom prst="bentConnector2">
-            <a:avLst/>
-          </a:prstGeom>
-          <a:ln w="19050">
-            <a:solidFill>
-              <a:schemeClr val="accent6"/>
-            </a:solidFill>
-            <a:tailEnd type="triangle"/>
-          </a:ln>
-        </p:spPr>
-        <p:style>
-          <a:lnRef idx="1">
-            <a:schemeClr val="accent1"/>
-          </a:lnRef>
-          <a:fillRef idx="0">
-            <a:schemeClr val="accent1"/>
-          </a:fillRef>
-          <a:effectRef idx="0">
-            <a:schemeClr val="accent1"/>
-          </a:effectRef>
-          <a:fontRef idx="minor">
-            <a:schemeClr val="tx1"/>
-          </a:fontRef>
-        </p:style>
-      </p:cxnSp>
-      <p:sp>
-        <p:nvSpPr>
-          <p:cNvPr id="147" name="label">
-            <a:extLst>
-              <a:ext uri="{FF2B5EF4-FFF2-40B4-BE49-F238E27FC236}">
-                <a16:creationId xmlns:a16="http://schemas.microsoft.com/office/drawing/2014/main" id="{A75C122B-1989-EA8E-E17C-D79108A6BF4D}"/>
-              </a:ext>
-            </a:extLst>
-          </p:cNvPr>
-          <p:cNvSpPr txBox="1">
-            <a:spLocks noChangeArrowheads="1"/>
-          </p:cNvSpPr>
-          <p:nvPr/>
-        </p:nvSpPr>
-        <p:spPr>
-          <a:xfrm>
-            <a:off x="8676481" y="3231901"/>
-            <a:ext cx="1101582" cy="400110"/>
-          </a:xfrm>
-          <a:prstGeom prst="rect">
-            <a:avLst/>
-          </a:prstGeom>
-          <a:ln>
-            <a:noFill/>
-          </a:ln>
-        </p:spPr>
-        <p:style>
-          <a:lnRef idx="2">
-            <a:schemeClr val="dk1"/>
-          </a:lnRef>
-          <a:fillRef idx="1">
-            <a:schemeClr val="lt1"/>
-          </a:fillRef>
-          <a:effectRef idx="0">
-            <a:schemeClr val="dk1"/>
-          </a:effectRef>
-          <a:fontRef idx="minor">
-            <a:schemeClr val="dk1"/>
-          </a:fontRef>
-        </p:style>
-        <p:txBody>
-          <a:bodyPr wrap="square">
-            <a:spAutoFit/>
-          </a:bodyPr>
-          <a:lstStyle>
-            <a:lvl1pPr marL="0" indent="0">
-              <a:lnSpc>
-                <a:spcPct val="100000"/>
-              </a:lnSpc>
-              <a:spcBef>
-                <a:spcPct val="0"/>
-              </a:spcBef>
-              <a:spcAft>
-                <a:spcPts val="0"/>
-              </a:spcAft>
-              <a:defRPr kumimoji="0" sz="1800" b="0" i="0" u="none" strike="noStrike" kern="0" cap="none" spc="0" normalizeH="0" baseline="0">
-                <a:solidFill>
-                  <a:schemeClr val="tx1"/>
-                </a:solidFill>
-              </a:defRPr>
-            </a:lvl1pPr>
-          </a:lstStyle>
-          <a:p>
-            <a:pPr algn="ctr" eaLnBrk="1" hangingPunct="1">
-              <a:defRPr/>
-            </a:pPr>
-            <a:r>
-              <a:rPr lang="en-US" altLang="en-US" sz="1000" i="1" dirty="0">
-                <a:latin typeface="Arial"/>
-                <a:cs typeface="Arial"/>
-              </a:rPr>
-              <a:t>Response</a:t>
-            </a:r>
-          </a:p>
-          <a:p>
-            <a:pPr algn="ctr" eaLnBrk="1" hangingPunct="1">
-              <a:defRPr/>
-            </a:pPr>
-            <a:r>
-              <a:rPr lang="en-US" altLang="en-US" sz="1000" i="1" dirty="0">
-                <a:latin typeface="Arial"/>
-                <a:cs typeface="Arial"/>
-              </a:rPr>
-              <a:t>Feature Result</a:t>
-            </a:r>
-          </a:p>
-        </p:txBody>
-      </p:sp>
-      <p:sp>
-        <p:nvSpPr>
-          <p:cNvPr id="172" name="TextBox 171">
-            <a:extLst>
-              <a:ext uri="{FF2B5EF4-FFF2-40B4-BE49-F238E27FC236}">
-                <a16:creationId xmlns:a16="http://schemas.microsoft.com/office/drawing/2014/main" id="{72120E0D-E64C-6A28-3BEA-AAEFC17BDF64}"/>
-              </a:ext>
-            </a:extLst>
-          </p:cNvPr>
-          <p:cNvSpPr txBox="1"/>
-          <p:nvPr/>
-        </p:nvSpPr>
-        <p:spPr>
-          <a:xfrm>
-            <a:off x="8659735" y="2933233"/>
-            <a:ext cx="290464" cy="323165"/>
-          </a:xfrm>
-          <a:prstGeom prst="rect">
-            <a:avLst/>
-          </a:prstGeom>
-        </p:spPr>
-        <p:style>
-          <a:lnRef idx="2">
-            <a:schemeClr val="accent4">
-              <a:shade val="15000"/>
-            </a:schemeClr>
-          </a:lnRef>
-          <a:fillRef idx="1">
-            <a:schemeClr val="accent4"/>
-          </a:fillRef>
-          <a:effectRef idx="0">
-            <a:schemeClr val="accent4"/>
-          </a:effectRef>
-          <a:fontRef idx="minor">
-            <a:schemeClr val="lt1"/>
-          </a:fontRef>
-        </p:style>
-        <p:txBody>
-          <a:bodyPr wrap="none" rtlCol="0">
-            <a:spAutoFit/>
-          </a:bodyPr>
-          <a:lstStyle/>
-          <a:p>
-            <a:r>
-              <a:rPr lang="en-US" altLang="ko-KR" sz="1500" dirty="0">
-                <a:solidFill>
-                  <a:schemeClr val="tx1"/>
-                </a:solidFill>
-              </a:rPr>
-              <a:t>3</a:t>
-            </a:r>
-            <a:endParaRPr lang="ko-KR" altLang="en-US" sz="1500" dirty="0">
-              <a:solidFill>
-                <a:schemeClr val="tx1"/>
-              </a:solidFill>
-            </a:endParaRPr>
-          </a:p>
-        </p:txBody>
-      </p:sp>
-      <p:grpSp>
-        <p:nvGrpSpPr>
-          <p:cNvPr id="103" name="그룹 102">
-            <a:extLst>
-              <a:ext uri="{FF2B5EF4-FFF2-40B4-BE49-F238E27FC236}">
-                <a16:creationId xmlns:a16="http://schemas.microsoft.com/office/drawing/2014/main" id="{12665E04-0242-1CBF-0620-D1DF9A145169}"/>
-              </a:ext>
-            </a:extLst>
-          </p:cNvPr>
-          <p:cNvGrpSpPr/>
-          <p:nvPr/>
-        </p:nvGrpSpPr>
-        <p:grpSpPr>
-          <a:xfrm>
-            <a:off x="9666874" y="1670206"/>
-            <a:ext cx="1727273" cy="1007249"/>
-            <a:chOff x="10497370" y="2847616"/>
-            <a:chExt cx="1727273" cy="1007249"/>
-          </a:xfrm>
-        </p:grpSpPr>
-        <p:pic>
-          <p:nvPicPr>
-            <p:cNvPr id="101" name="Graphic 17" descr="Amazon CloudWatch service icon.">
-              <a:extLst>
-                <a:ext uri="{FF2B5EF4-FFF2-40B4-BE49-F238E27FC236}">
-                  <a16:creationId xmlns:a16="http://schemas.microsoft.com/office/drawing/2014/main" id="{F0F27D85-8B1B-4E60-9EC1-12AB8A2FBCC5}"/>
-                </a:ext>
-              </a:extLst>
-            </p:cNvPr>
-            <p:cNvPicPr>
-              <a:picLocks noChangeAspect="1" noChangeArrowheads="1"/>
-            </p:cNvPicPr>
-            <p:nvPr/>
-          </p:nvPicPr>
-          <p:blipFill>
-            <a:blip r:embed="rId10">
-              <a:extLst>
-                <a:ext uri="{96DAC541-7B7A-43D3-8B79-37D633B846F1}">
-                  <asvg:svgBlip xmlns:asvg="http://schemas.microsoft.com/office/drawing/2016/SVG/main" r:embed="rId11"/>
-                </a:ext>
-              </a:extLst>
-            </a:blip>
-            <a:srcRect/>
-            <a:stretch/>
-          </p:blipFill>
-          <p:spPr bwMode="auto">
-            <a:xfrm>
-              <a:off x="10980007" y="2847616"/>
-              <a:ext cx="762000" cy="762000"/>
-            </a:xfrm>
-            <a:prstGeom prst="rect">
-              <a:avLst/>
-            </a:prstGeom>
-            <a:noFill/>
-            <a:ln>
-              <a:noFill/>
-            </a:ln>
-            <a:extLst>
-              <a:ext uri="{909E8E84-426E-40DD-AFC4-6F175D3DCCD1}">
-                <a14:hiddenFill xmlns:a14="http://schemas.microsoft.com/office/drawing/2010/main">
-                  <a:solidFill>
-                    <a:srgbClr val="FFFFFF"/>
-                  </a:solidFill>
-                </a14:hiddenFill>
-              </a:ext>
-              <a:ext uri="{91240B29-F687-4F45-9708-019B960494DF}">
-                <a14:hiddenLine xmlns:a14="http://schemas.microsoft.com/office/drawing/2010/main" w="9525">
-                  <a:solidFill>
-                    <a:srgbClr val="000000"/>
-                  </a:solidFill>
-                  <a:miter lim="800000"/>
-                  <a:headEnd/>
-                  <a:tailEnd/>
-                </a14:hiddenLine>
-              </a:ext>
-            </a:extLst>
-          </p:spPr>
-        </p:pic>
-        <p:sp>
-          <p:nvSpPr>
-            <p:cNvPr id="102" name="TextBox 9">
-              <a:extLst>
-                <a:ext uri="{FF2B5EF4-FFF2-40B4-BE49-F238E27FC236}">
-                  <a16:creationId xmlns:a16="http://schemas.microsoft.com/office/drawing/2014/main" id="{80818169-1D2A-49F5-9D45-619D54F4885D}"/>
-                </a:ext>
-              </a:extLst>
-            </p:cNvPr>
-            <p:cNvSpPr txBox="1">
-              <a:spLocks noChangeArrowheads="1"/>
-            </p:cNvSpPr>
-            <p:nvPr/>
-          </p:nvSpPr>
-          <p:spPr bwMode="auto">
-            <a:xfrm>
-              <a:off x="10497370" y="3577866"/>
-              <a:ext cx="1727273" cy="276999"/>
-            </a:xfrm>
-            <a:prstGeom prst="rect">
-              <a:avLst/>
-            </a:prstGeom>
-            <a:noFill/>
-            <a:ln>
-              <a:noFill/>
-            </a:ln>
-            <a:extLst>
-              <a:ext uri="{909E8E84-426E-40DD-AFC4-6F175D3DCCD1}">
-                <a14:hiddenFill xmlns:a14="http://schemas.microsoft.com/office/drawing/2010/main">
-                  <a:solidFill>
-                    <a:srgbClr val="FFFFFF"/>
-                  </a:solidFill>
-                </a14:hiddenFill>
-              </a:ext>
-              <a:ext uri="{91240B29-F687-4F45-9708-019B960494DF}">
-                <a14:hiddenLine xmlns:a14="http://schemas.microsoft.com/office/drawing/2010/main" w="9525">
-                  <a:solidFill>
-                    <a:srgbClr val="000000"/>
-                  </a:solidFill>
-                  <a:miter lim="800000"/>
-                  <a:headEnd/>
-                  <a:tailEnd/>
-                </a14:hiddenLine>
-              </a:ext>
-            </a:extLst>
-          </p:spPr>
-          <p:txBody>
-            <a:bodyPr wrap="square">
-              <a:spAutoFit/>
-            </a:bodyPr>
-            <a:lstStyle>
-              <a:defPPr>
-                <a:defRPr lang="en-US"/>
-              </a:defPPr>
-              <a:lvl1pPr algn="l" rtl="0" eaLnBrk="0" fontAlgn="base" hangingPunct="0">
-                <a:spcBef>
-                  <a:spcPct val="0"/>
-                </a:spcBef>
-                <a:spcAft>
-                  <a:spcPct val="0"/>
-                </a:spcAft>
-                <a:defRPr kern="1200">
-                  <a:solidFill>
-                    <a:schemeClr val="tx1"/>
-                  </a:solidFill>
-                  <a:latin typeface="Calibri" panose="020F0502020204030204" pitchFamily="34" charset="0"/>
-                  <a:ea typeface="+mn-ea"/>
-                  <a:cs typeface="+mn-cs"/>
-                </a:defRPr>
-              </a:lvl1pPr>
-              <a:lvl2pPr marL="457200" algn="l" rtl="0" eaLnBrk="0" fontAlgn="base" hangingPunct="0">
-                <a:spcBef>
-                  <a:spcPct val="0"/>
-                </a:spcBef>
-                <a:spcAft>
-                  <a:spcPct val="0"/>
-                </a:spcAft>
-                <a:defRPr kern="1200">
-                  <a:solidFill>
-                    <a:schemeClr val="tx1"/>
-                  </a:solidFill>
-                  <a:latin typeface="Calibri" panose="020F0502020204030204" pitchFamily="34" charset="0"/>
-                  <a:ea typeface="+mn-ea"/>
-                  <a:cs typeface="+mn-cs"/>
-                </a:defRPr>
-              </a:lvl2pPr>
-              <a:lvl3pPr marL="914400" algn="l" rtl="0" eaLnBrk="0" fontAlgn="base" hangingPunct="0">
-                <a:spcBef>
-                  <a:spcPct val="0"/>
-                </a:spcBef>
-                <a:spcAft>
-                  <a:spcPct val="0"/>
-                </a:spcAft>
-                <a:defRPr kern="1200">
-                  <a:solidFill>
-                    <a:schemeClr val="tx1"/>
-                  </a:solidFill>
-                  <a:latin typeface="Calibri" panose="020F0502020204030204" pitchFamily="34" charset="0"/>
-                  <a:ea typeface="+mn-ea"/>
-                  <a:cs typeface="+mn-cs"/>
-                </a:defRPr>
-              </a:lvl3pPr>
-              <a:lvl4pPr marL="1371600" algn="l" rtl="0" eaLnBrk="0" fontAlgn="base" hangingPunct="0">
-                <a:spcBef>
-                  <a:spcPct val="0"/>
-                </a:spcBef>
-                <a:spcAft>
-                  <a:spcPct val="0"/>
-                </a:spcAft>
-                <a:defRPr kern="1200">
-                  <a:solidFill>
-                    <a:schemeClr val="tx1"/>
-                  </a:solidFill>
-                  <a:latin typeface="Calibri" panose="020F0502020204030204" pitchFamily="34" charset="0"/>
-                  <a:ea typeface="+mn-ea"/>
-                  <a:cs typeface="+mn-cs"/>
-                </a:defRPr>
-              </a:lvl4pPr>
-              <a:lvl5pPr marL="1828800" algn="l" rtl="0" eaLnBrk="0" fontAlgn="base" hangingPunct="0">
-                <a:spcBef>
-                  <a:spcPct val="0"/>
-                </a:spcBef>
-                <a:spcAft>
-                  <a:spcPct val="0"/>
-                </a:spcAft>
-                <a:defRPr kern="1200">
-                  <a:solidFill>
-                    <a:schemeClr val="tx1"/>
-                  </a:solidFill>
-                  <a:latin typeface="Calibri" panose="020F0502020204030204" pitchFamily="34" charset="0"/>
-                  <a:ea typeface="+mn-ea"/>
-                  <a:cs typeface="+mn-cs"/>
-                </a:defRPr>
-              </a:lvl5pPr>
-              <a:lvl6pPr marL="2286000" algn="l" defTabSz="914400" rtl="0" eaLnBrk="1" latinLnBrk="0" hangingPunct="1">
-                <a:defRPr kern="1200">
-                  <a:solidFill>
-                    <a:schemeClr val="tx1"/>
-                  </a:solidFill>
-                  <a:latin typeface="Calibri" panose="020F0502020204030204" pitchFamily="34" charset="0"/>
-                  <a:ea typeface="+mn-ea"/>
-                  <a:cs typeface="+mn-cs"/>
-                </a:defRPr>
-              </a:lvl6pPr>
-              <a:lvl7pPr marL="2743200" algn="l" defTabSz="914400" rtl="0" eaLnBrk="1" latinLnBrk="0" hangingPunct="1">
-                <a:defRPr kern="1200">
-                  <a:solidFill>
-                    <a:schemeClr val="tx1"/>
-                  </a:solidFill>
-                  <a:latin typeface="Calibri" panose="020F0502020204030204" pitchFamily="34" charset="0"/>
-                  <a:ea typeface="+mn-ea"/>
-                  <a:cs typeface="+mn-cs"/>
-                </a:defRPr>
-              </a:lvl7pPr>
-              <a:lvl8pPr marL="3200400" algn="l" defTabSz="914400" rtl="0" eaLnBrk="1" latinLnBrk="0" hangingPunct="1">
-                <a:defRPr kern="1200">
-                  <a:solidFill>
-                    <a:schemeClr val="tx1"/>
-                  </a:solidFill>
-                  <a:latin typeface="Calibri" panose="020F0502020204030204" pitchFamily="34" charset="0"/>
-                  <a:ea typeface="+mn-ea"/>
-                  <a:cs typeface="+mn-cs"/>
-                </a:defRPr>
-              </a:lvl8pPr>
-              <a:lvl9pPr marL="3657600" algn="l" defTabSz="914400" rtl="0" eaLnBrk="1" latinLnBrk="0" hangingPunct="1">
-                <a:defRPr kern="1200">
-                  <a:solidFill>
-                    <a:schemeClr val="tx1"/>
-                  </a:solidFill>
-                  <a:latin typeface="Calibri" panose="020F0502020204030204" pitchFamily="34" charset="0"/>
-                  <a:ea typeface="+mn-ea"/>
-                  <a:cs typeface="+mn-cs"/>
-                </a:defRPr>
-              </a:lvl9pPr>
-            </a:lstStyle>
-            <a:p>
-              <a:pPr algn="ctr" eaLnBrk="1" hangingPunct="1"/>
-              <a:r>
-                <a:rPr lang="en-US" altLang="en-US" sz="1200" dirty="0">
-                  <a:latin typeface="Arial" panose="020B0604020202020204" pitchFamily="34" charset="0"/>
-                  <a:ea typeface="Amazon Ember" panose="020B0603020204020204" pitchFamily="34" charset="0"/>
-                  <a:cs typeface="Arial" panose="020B0604020202020204" pitchFamily="34" charset="0"/>
-                </a:rPr>
-                <a:t>Amazon CloudWatch</a:t>
-              </a:r>
-            </a:p>
-          </p:txBody>
-        </p:sp>
-      </p:grpSp>
-      <p:cxnSp>
-        <p:nvCxnSpPr>
-          <p:cNvPr id="105" name="직선 화살표 연결선 104">
-            <a:extLst>
-              <a:ext uri="{FF2B5EF4-FFF2-40B4-BE49-F238E27FC236}">
-                <a16:creationId xmlns:a16="http://schemas.microsoft.com/office/drawing/2014/main" id="{B8A99F07-5E60-5D7A-6E60-51D817B2BA7A}"/>
-              </a:ext>
-            </a:extLst>
-          </p:cNvPr>
-          <p:cNvCxnSpPr>
-            <a:cxnSpLocks/>
-            <a:stCxn id="101" idx="1"/>
-          </p:cNvCxnSpPr>
-          <p:nvPr/>
-        </p:nvCxnSpPr>
-        <p:spPr>
-          <a:xfrm flipH="1">
-            <a:off x="9227272" y="2051206"/>
-            <a:ext cx="922239" cy="0"/>
-          </a:xfrm>
-          <a:prstGeom prst="straightConnector1">
-            <a:avLst/>
-          </a:prstGeom>
-          <a:ln w="19050">
-            <a:solidFill>
-              <a:schemeClr val="tx1"/>
-            </a:solidFill>
-            <a:tailEnd type="triangle"/>
-          </a:ln>
-        </p:spPr>
-        <p:style>
-          <a:lnRef idx="1">
-            <a:schemeClr val="accent1"/>
-          </a:lnRef>
-          <a:fillRef idx="0">
-            <a:schemeClr val="accent1"/>
-          </a:fillRef>
-          <a:effectRef idx="0">
-            <a:schemeClr val="accent1"/>
-          </a:effectRef>
-          <a:fontRef idx="minor">
-            <a:schemeClr val="tx1"/>
-          </a:fontRef>
-        </p:style>
-      </p:cxnSp>
-      <p:cxnSp>
-        <p:nvCxnSpPr>
-          <p:cNvPr id="113" name="직선 화살표 연결선 112">
-            <a:extLst>
-              <a:ext uri="{FF2B5EF4-FFF2-40B4-BE49-F238E27FC236}">
-                <a16:creationId xmlns:a16="http://schemas.microsoft.com/office/drawing/2014/main" id="{D019E312-5136-A8B7-117D-A21757D1B825}"/>
-              </a:ext>
-            </a:extLst>
-          </p:cNvPr>
-          <p:cNvCxnSpPr>
-            <a:cxnSpLocks/>
-            <a:stCxn id="22" idx="0"/>
-            <a:endCxn id="51" idx="2"/>
-          </p:cNvCxnSpPr>
-          <p:nvPr/>
-        </p:nvCxnSpPr>
-        <p:spPr>
-          <a:xfrm flipV="1">
-            <a:off x="7600640" y="1823354"/>
-            <a:ext cx="1" cy="1195562"/>
-          </a:xfrm>
-          <a:prstGeom prst="straightConnector1">
-            <a:avLst/>
-          </a:prstGeom>
-          <a:ln w="19050">
-            <a:tailEnd type="triangle"/>
-          </a:ln>
-        </p:spPr>
-        <p:style>
-          <a:lnRef idx="1">
-            <a:schemeClr val="accent1"/>
-          </a:lnRef>
-          <a:fillRef idx="0">
-            <a:schemeClr val="accent1"/>
-          </a:fillRef>
-          <a:effectRef idx="0">
-            <a:schemeClr val="accent1"/>
-          </a:effectRef>
-          <a:fontRef idx="minor">
-            <a:schemeClr val="tx1"/>
-          </a:fontRef>
-        </p:style>
-      </p:cxnSp>
-      <p:sp>
-        <p:nvSpPr>
-          <p:cNvPr id="122" name="label">
-            <a:extLst>
-              <a:ext uri="{FF2B5EF4-FFF2-40B4-BE49-F238E27FC236}">
-                <a16:creationId xmlns:a16="http://schemas.microsoft.com/office/drawing/2014/main" id="{7B59D974-55EF-F737-5B86-15ED3C881EF9}"/>
-              </a:ext>
-            </a:extLst>
-          </p:cNvPr>
-          <p:cNvSpPr txBox="1">
-            <a:spLocks noChangeArrowheads="1"/>
-          </p:cNvSpPr>
-          <p:nvPr/>
-        </p:nvSpPr>
-        <p:spPr>
-          <a:xfrm>
-            <a:off x="7013205" y="2242013"/>
-            <a:ext cx="1172413" cy="400110"/>
-          </a:xfrm>
-          <a:prstGeom prst="rect">
-            <a:avLst/>
-          </a:prstGeom>
-          <a:solidFill>
-            <a:schemeClr val="bg1"/>
-          </a:solidFill>
-          <a:ln>
-            <a:solidFill>
-              <a:schemeClr val="bg1"/>
-            </a:solidFill>
-          </a:ln>
-        </p:spPr>
-        <p:style>
-          <a:lnRef idx="2">
-            <a:schemeClr val="dk1"/>
-          </a:lnRef>
-          <a:fillRef idx="1">
-            <a:schemeClr val="lt1"/>
-          </a:fillRef>
-          <a:effectRef idx="0">
-            <a:schemeClr val="dk1"/>
-          </a:effectRef>
-          <a:fontRef idx="minor">
-            <a:schemeClr val="dk1"/>
-          </a:fontRef>
-        </p:style>
-        <p:txBody>
-          <a:bodyPr wrap="square">
-            <a:spAutoFit/>
-          </a:bodyPr>
-          <a:lstStyle>
-            <a:lvl1pPr marL="0" indent="0">
-              <a:lnSpc>
-                <a:spcPct val="100000"/>
-              </a:lnSpc>
-              <a:spcBef>
-                <a:spcPct val="0"/>
-              </a:spcBef>
-              <a:spcAft>
-                <a:spcPts val="0"/>
-              </a:spcAft>
-              <a:defRPr kumimoji="0" sz="1800" b="0" i="0" u="none" strike="noStrike" kern="0" cap="none" spc="0" normalizeH="0" baseline="0">
-                <a:solidFill>
-                  <a:schemeClr val="tx1"/>
-                </a:solidFill>
-              </a:defRPr>
-            </a:lvl1pPr>
-          </a:lstStyle>
-          <a:p>
-            <a:pPr algn="ctr" eaLnBrk="1" hangingPunct="1">
-              <a:defRPr/>
-            </a:pPr>
-            <a:r>
-              <a:rPr lang="en-US" altLang="en-US" sz="1000" i="1" dirty="0">
-                <a:latin typeface="Arial"/>
-                <a:cs typeface="Arial"/>
-              </a:rPr>
-              <a:t>Response</a:t>
-            </a:r>
-          </a:p>
-          <a:p>
-            <a:pPr algn="ctr" eaLnBrk="1" hangingPunct="1">
-              <a:defRPr/>
-            </a:pPr>
-            <a:r>
-              <a:rPr lang="en-US" altLang="en-US" sz="1000" i="1" dirty="0">
-                <a:latin typeface="Arial"/>
-                <a:cs typeface="Arial"/>
-              </a:rPr>
-              <a:t>Video Data</a:t>
-            </a:r>
-          </a:p>
-        </p:txBody>
-      </p:sp>
-      <p:sp>
-        <p:nvSpPr>
-          <p:cNvPr id="173" name="TextBox 172">
-            <a:extLst>
-              <a:ext uri="{FF2B5EF4-FFF2-40B4-BE49-F238E27FC236}">
-                <a16:creationId xmlns:a16="http://schemas.microsoft.com/office/drawing/2014/main" id="{9279C484-B37C-B86A-2475-D74238FF1744}"/>
-              </a:ext>
-            </a:extLst>
-          </p:cNvPr>
-          <p:cNvSpPr txBox="1"/>
-          <p:nvPr/>
-        </p:nvSpPr>
-        <p:spPr>
-          <a:xfrm>
-            <a:off x="6923022" y="2062463"/>
-            <a:ext cx="290464" cy="323165"/>
-          </a:xfrm>
-          <a:prstGeom prst="rect">
-            <a:avLst/>
-          </a:prstGeom>
-        </p:spPr>
-        <p:style>
-          <a:lnRef idx="2">
-            <a:schemeClr val="accent4">
-              <a:shade val="15000"/>
-            </a:schemeClr>
-          </a:lnRef>
-          <a:fillRef idx="1">
-            <a:schemeClr val="accent4"/>
-          </a:fillRef>
-          <a:effectRef idx="0">
-            <a:schemeClr val="accent4"/>
-          </a:effectRef>
-          <a:fontRef idx="minor">
-            <a:schemeClr val="lt1"/>
-          </a:fontRef>
-        </p:style>
-        <p:txBody>
-          <a:bodyPr wrap="none" rtlCol="0">
-            <a:spAutoFit/>
-          </a:bodyPr>
-          <a:lstStyle/>
-          <a:p>
-            <a:r>
-              <a:rPr lang="en-US" altLang="ko-KR" sz="1500" dirty="0">
-                <a:solidFill>
-                  <a:schemeClr val="tx1"/>
-                </a:solidFill>
-              </a:rPr>
-              <a:t>2</a:t>
-            </a:r>
-            <a:endParaRPr lang="ko-KR" altLang="en-US" sz="1500" dirty="0">
-              <a:solidFill>
-                <a:schemeClr val="tx1"/>
-              </a:solidFill>
-            </a:endParaRPr>
-          </a:p>
-        </p:txBody>
-      </p:sp>
-      <p:sp>
-        <p:nvSpPr>
-          <p:cNvPr id="118" name="TextBox 117">
-            <a:extLst>
-              <a:ext uri="{FF2B5EF4-FFF2-40B4-BE49-F238E27FC236}">
-                <a16:creationId xmlns:a16="http://schemas.microsoft.com/office/drawing/2014/main" id="{E09E7382-15B9-1B4D-5370-1633A8949496}"/>
-              </a:ext>
-            </a:extLst>
-          </p:cNvPr>
-          <p:cNvSpPr txBox="1"/>
-          <p:nvPr/>
-        </p:nvSpPr>
-        <p:spPr>
-          <a:xfrm>
-            <a:off x="7327162" y="4910540"/>
-            <a:ext cx="290464" cy="323165"/>
-          </a:xfrm>
-          <a:prstGeom prst="rect">
-            <a:avLst/>
-          </a:prstGeom>
-        </p:spPr>
-        <p:style>
-          <a:lnRef idx="2">
-            <a:schemeClr val="accent4">
-              <a:shade val="15000"/>
-            </a:schemeClr>
-          </a:lnRef>
-          <a:fillRef idx="1">
-            <a:schemeClr val="accent4"/>
-          </a:fillRef>
-          <a:effectRef idx="0">
-            <a:schemeClr val="accent4"/>
-          </a:effectRef>
-          <a:fontRef idx="minor">
-            <a:schemeClr val="lt1"/>
-          </a:fontRef>
-        </p:style>
-        <p:txBody>
-          <a:bodyPr wrap="none" rtlCol="0">
-            <a:spAutoFit/>
-          </a:bodyPr>
-          <a:lstStyle/>
-          <a:p>
-            <a:r>
-              <a:rPr lang="en-US" altLang="ko-KR" sz="1500" dirty="0">
-                <a:solidFill>
-                  <a:schemeClr val="tx1"/>
-                </a:solidFill>
-              </a:rPr>
-              <a:t>2</a:t>
-            </a:r>
-            <a:endParaRPr lang="ko-KR" altLang="en-US" sz="1500" dirty="0">
-              <a:solidFill>
-                <a:schemeClr val="tx1"/>
-              </a:solidFill>
-            </a:endParaRPr>
-          </a:p>
-        </p:txBody>
-      </p:sp>
-      <p:pic>
-        <p:nvPicPr>
-          <p:cNvPr id="1026" name="Picture 2" descr="Plotly Dash — Everything You Need To Know | by Stephen Kilcommins |  DataDrivenInvestor">
-            <a:extLst>
-              <a:ext uri="{FF2B5EF4-FFF2-40B4-BE49-F238E27FC236}">
-                <a16:creationId xmlns:a16="http://schemas.microsoft.com/office/drawing/2014/main" id="{A7864D92-F41C-5459-D798-9392849DD519}"/>
-              </a:ext>
-            </a:extLst>
-          </p:cNvPr>
-          <p:cNvPicPr>
-            <a:picLocks noChangeAspect="1" noChangeArrowheads="1"/>
-          </p:cNvPicPr>
-          <p:nvPr/>
-        </p:nvPicPr>
-        <p:blipFill rotWithShape="1">
-          <a:blip r:embed="rId12">
-            <a:extLst>
-              <a:ext uri="{28A0092B-C50C-407E-A947-70E740481C1C}">
-                <a14:useLocalDpi xmlns:a14="http://schemas.microsoft.com/office/drawing/2010/main" val="0"/>
-              </a:ext>
-            </a:extLst>
-          </a:blip>
-          <a:srcRect t="32384" b="26959"/>
-          <a:stretch/>
-        </p:blipFill>
-        <p:spPr bwMode="auto">
-          <a:xfrm>
-            <a:off x="2688369" y="3188346"/>
-            <a:ext cx="1516651" cy="462472"/>
-          </a:xfrm>
-          <a:prstGeom prst="rect">
-            <a:avLst/>
-          </a:prstGeom>
-          <a:noFill/>
-          <a:extLst>
-            <a:ext uri="{909E8E84-426E-40DD-AFC4-6F175D3DCCD1}">
-              <a14:hiddenFill xmlns:a14="http://schemas.microsoft.com/office/drawing/2010/main">
-                <a:solidFill>
-                  <a:srgbClr val="FFFFFF"/>
-                </a:solidFill>
-              </a14:hiddenFill>
-            </a:ext>
-          </a:extLst>
-        </p:spPr>
-      </p:pic>
-    </p:spTree>
-    <p:extLst>
-      <p:ext uri="{BB962C8B-B14F-4D97-AF65-F5344CB8AC3E}">
-        <p14:creationId xmlns:p14="http://schemas.microsoft.com/office/powerpoint/2010/main" val="813825275"/>
-      </p:ext>
-    </p:extLst>
-  </p:cSld>
-  <p:clrMapOvr>
-    <a:masterClrMapping/>
-  </p:clrMapOvr>
-</p:sld>
-</file>
-
-<file path=ppt/slides/slide2.xml><?xml version="1.0" encoding="utf-8"?>
-<p:sld xmlns:a="http://schemas.openxmlformats.org/drawingml/2006/main" xmlns:r="http://schemas.openxmlformats.org/officeDocument/2006/relationships" xmlns:p="http://schemas.openxmlformats.org/presentationml/2006/main">
-  <p:cSld>
-    <p:spTree>
-      <p:nvGrpSpPr>
-        <p:cNvPr id="1" name=""/>
-        <p:cNvGrpSpPr/>
-        <p:nvPr/>
-      </p:nvGrpSpPr>
-      <p:grpSpPr>
-        <a:xfrm>
-          <a:off x="0" y="0"/>
-          <a:ext cx="0" cy="0"/>
-          <a:chOff x="0" y="0"/>
-          <a:chExt cx="0" cy="0"/>
-        </a:xfrm>
-      </p:grpSpPr>
       <p:pic>
         <p:nvPicPr>
           <p:cNvPr id="7" name="Graphic 6" descr="General resource icon.">
@@ -8425,6 +5668,5785 @@
     <p:extLst>
       <p:ext uri="{BB962C8B-B14F-4D97-AF65-F5344CB8AC3E}">
         <p14:creationId xmlns:p14="http://schemas.microsoft.com/office/powerpoint/2010/main" val="1928781785"/>
+      </p:ext>
+    </p:extLst>
+  </p:cSld>
+  <p:clrMapOvr>
+    <a:masterClrMapping/>
+  </p:clrMapOvr>
+</p:sld>
+</file>
+
+<file path=ppt/slides/slide2.xml><?xml version="1.0" encoding="utf-8"?>
+<p:sld xmlns:a="http://schemas.openxmlformats.org/drawingml/2006/main" xmlns:r="http://schemas.openxmlformats.org/officeDocument/2006/relationships" xmlns:p="http://schemas.openxmlformats.org/presentationml/2006/main">
+  <p:cSld>
+    <p:spTree>
+      <p:nvGrpSpPr>
+        <p:cNvPr id="1" name=""/>
+        <p:cNvGrpSpPr/>
+        <p:nvPr/>
+      </p:nvGrpSpPr>
+      <p:grpSpPr>
+        <a:xfrm>
+          <a:off x="0" y="0"/>
+          <a:ext cx="0" cy="0"/>
+          <a:chOff x="0" y="0"/>
+          <a:chExt cx="0" cy="0"/>
+        </a:xfrm>
+      </p:grpSpPr>
+      <p:grpSp>
+        <p:nvGrpSpPr>
+          <p:cNvPr id="119" name="그룹 118">
+            <a:extLst>
+              <a:ext uri="{FF2B5EF4-FFF2-40B4-BE49-F238E27FC236}">
+                <a16:creationId xmlns:a16="http://schemas.microsoft.com/office/drawing/2014/main" id="{BC4DF198-F8AE-4A9C-B383-AB7864A5A7E9}"/>
+              </a:ext>
+            </a:extLst>
+          </p:cNvPr>
+          <p:cNvGrpSpPr/>
+          <p:nvPr/>
+        </p:nvGrpSpPr>
+        <p:grpSpPr>
+          <a:xfrm>
+            <a:off x="-45299" y="3131665"/>
+            <a:ext cx="1506538" cy="689870"/>
+            <a:chOff x="634119" y="3078325"/>
+            <a:chExt cx="1506538" cy="689870"/>
+          </a:xfrm>
+        </p:grpSpPr>
+        <p:pic>
+          <p:nvPicPr>
+            <p:cNvPr id="7" name="Graphic 6" descr="General resource icon.">
+              <a:extLst>
+                <a:ext uri="{FF2B5EF4-FFF2-40B4-BE49-F238E27FC236}">
+                  <a16:creationId xmlns:a16="http://schemas.microsoft.com/office/drawing/2014/main" id="{5685B766-6A8A-9CCB-7024-790DB30C8FDD}"/>
+                </a:ext>
+              </a:extLst>
+            </p:cNvPr>
+            <p:cNvPicPr>
+              <a:picLocks noChangeAspect="1" noChangeArrowheads="1"/>
+            </p:cNvPicPr>
+            <p:nvPr/>
+          </p:nvPicPr>
+          <p:blipFill rotWithShape="1">
+            <a:blip r:embed="rId2"/>
+            <a:srcRect/>
+            <a:stretch>
+              <a:fillRect/>
+            </a:stretch>
+          </p:blipFill>
+          <p:spPr>
+            <a:xfrm flipH="1">
+              <a:off x="1147583" y="3078325"/>
+              <a:ext cx="469900" cy="469900"/>
+            </a:xfrm>
+            <a:prstGeom prst="rect">
+              <a:avLst/>
+            </a:prstGeom>
+            <a:noFill/>
+            <a:ln>
+              <a:noFill/>
+            </a:ln>
+          </p:spPr>
+        </p:pic>
+        <p:sp>
+          <p:nvSpPr>
+            <p:cNvPr id="8" name="label6">
+              <a:extLst>
+                <a:ext uri="{FF2B5EF4-FFF2-40B4-BE49-F238E27FC236}">
+                  <a16:creationId xmlns:a16="http://schemas.microsoft.com/office/drawing/2014/main" id="{7773F43E-A1D8-4849-2B6D-97246531D8CC}"/>
+                </a:ext>
+              </a:extLst>
+            </p:cNvPr>
+            <p:cNvSpPr txBox="1">
+              <a:spLocks noChangeArrowheads="1"/>
+            </p:cNvSpPr>
+            <p:nvPr/>
+          </p:nvSpPr>
+          <p:spPr>
+            <a:xfrm>
+              <a:off x="634119" y="3491196"/>
+              <a:ext cx="1506538" cy="276999"/>
+            </a:xfrm>
+            <a:prstGeom prst="rect">
+              <a:avLst/>
+            </a:prstGeom>
+            <a:noFill/>
+            <a:ln>
+              <a:noFill/>
+            </a:ln>
+          </p:spPr>
+          <p:txBody>
+            <a:bodyPr>
+              <a:spAutoFit/>
+            </a:bodyPr>
+            <a:lstStyle>
+              <a:lvl1pPr marL="0" indent="0">
+                <a:lnSpc>
+                  <a:spcPct val="100000"/>
+                </a:lnSpc>
+                <a:spcBef>
+                  <a:spcPct val="0"/>
+                </a:spcBef>
+                <a:spcAft>
+                  <a:spcPts val="0"/>
+                </a:spcAft>
+                <a:defRPr kumimoji="0" sz="1800" b="0" i="0" u="none" strike="noStrike" kern="0" cap="none" spc="0" normalizeH="0" baseline="0">
+                  <a:solidFill>
+                    <a:schemeClr val="tx1"/>
+                  </a:solidFill>
+                  <a:latin typeface="Calibri"/>
+                </a:defRPr>
+              </a:lvl1pPr>
+            </a:lstStyle>
+            <a:p>
+              <a:pPr algn="ctr" eaLnBrk="1" hangingPunct="1">
+                <a:defRPr/>
+              </a:pPr>
+              <a:r>
+                <a:rPr lang="en-US" altLang="en-US" sz="1200" dirty="0">
+                  <a:latin typeface="Arial"/>
+                  <a:cs typeface="Arial"/>
+                </a:rPr>
+                <a:t>Users</a:t>
+              </a:r>
+            </a:p>
+          </p:txBody>
+        </p:sp>
+      </p:grpSp>
+      <p:grpSp>
+        <p:nvGrpSpPr>
+          <p:cNvPr id="11" name="aGroupIcon" descr="Example of AWS Cloud group, represented as a rectangle with AWS logo at the top left, and AWS Cloud as a title.">
+            <a:extLst>
+              <a:ext uri="{FF2B5EF4-FFF2-40B4-BE49-F238E27FC236}">
+                <a16:creationId xmlns:a16="http://schemas.microsoft.com/office/drawing/2014/main" id="{E8019DFD-0557-057F-5987-918214491755}"/>
+              </a:ext>
+            </a:extLst>
+          </p:cNvPr>
+          <p:cNvGrpSpPr/>
+          <p:nvPr/>
+        </p:nvGrpSpPr>
+        <p:grpSpPr>
+          <a:xfrm>
+            <a:off x="4465592" y="572593"/>
+            <a:ext cx="6850108" cy="5700553"/>
+            <a:chOff x="-4071470" y="-504512"/>
+            <a:chExt cx="7323529" cy="5567440"/>
+          </a:xfrm>
+        </p:grpSpPr>
+        <p:sp>
+          <p:nvSpPr>
+            <p:cNvPr id="44" name="Rectangle 4">
+              <a:extLst>
+                <a:ext uri="{FF2B5EF4-FFF2-40B4-BE49-F238E27FC236}">
+                  <a16:creationId xmlns:a16="http://schemas.microsoft.com/office/drawing/2014/main" id="{539E2457-A5DA-5F1B-2F83-9C5E09ABA293}"/>
+                </a:ext>
+              </a:extLst>
+            </p:cNvPr>
+            <p:cNvSpPr/>
+            <p:nvPr/>
+          </p:nvSpPr>
+          <p:spPr>
+            <a:xfrm>
+              <a:off x="-4071470" y="-504512"/>
+              <a:ext cx="7323529" cy="5567440"/>
+            </a:xfrm>
+            <a:prstGeom prst="rect">
+              <a:avLst/>
+            </a:prstGeom>
+            <a:noFill/>
+            <a:ln w="12700">
+              <a:solidFill>
+                <a:schemeClr val="accent1">
+                  <a:lumMod val="75000"/>
+                </a:schemeClr>
+              </a:solidFill>
+            </a:ln>
+          </p:spPr>
+          <p:style>
+            <a:lnRef idx="2">
+              <a:schemeClr val="accent1">
+                <a:shade val="50000"/>
+              </a:schemeClr>
+            </a:lnRef>
+            <a:fillRef idx="1">
+              <a:schemeClr val="accent1"/>
+            </a:fillRef>
+            <a:effectRef idx="0">
+              <a:schemeClr val="accent1"/>
+            </a:effectRef>
+            <a:fontRef idx="minor">
+              <a:schemeClr val="lt1"/>
+            </a:fontRef>
+          </p:style>
+          <p:txBody>
+            <a:bodyPr lIns="502920" tIns="91440"/>
+            <a:lstStyle/>
+            <a:p>
+              <a:pPr eaLnBrk="1" hangingPunct="1">
+                <a:spcBef>
+                  <a:spcPts val="0"/>
+                </a:spcBef>
+                <a:spcAft>
+                  <a:spcPts val="0"/>
+                </a:spcAft>
+                <a:defRPr/>
+              </a:pPr>
+              <a:r>
+                <a:rPr lang="en-US" sz="1200" dirty="0">
+                  <a:solidFill>
+                    <a:schemeClr val="tx1"/>
+                  </a:solidFill>
+                  <a:latin typeface="Arial"/>
+                  <a:cs typeface="Arial"/>
+                </a:rPr>
+                <a:t>AWS Cloud</a:t>
+              </a:r>
+            </a:p>
+          </p:txBody>
+        </p:sp>
+        <p:pic>
+          <p:nvPicPr>
+            <p:cNvPr id="45" name="Graphic 37">
+              <a:extLst>
+                <a:ext uri="{FF2B5EF4-FFF2-40B4-BE49-F238E27FC236}">
+                  <a16:creationId xmlns:a16="http://schemas.microsoft.com/office/drawing/2014/main" id="{DF30BA54-F341-9B5E-7142-B11608CF4787}"/>
+                </a:ext>
+              </a:extLst>
+            </p:cNvPr>
+            <p:cNvPicPr>
+              <a:picLocks noChangeAspect="1"/>
+            </p:cNvPicPr>
+            <p:nvPr/>
+          </p:nvPicPr>
+          <p:blipFill rotWithShape="1">
+            <a:blip r:embed="rId3"/>
+            <a:srcRect/>
+            <a:stretch>
+              <a:fillRect/>
+            </a:stretch>
+          </p:blipFill>
+          <p:spPr>
+            <a:xfrm>
+              <a:off x="-4071470" y="-504106"/>
+              <a:ext cx="381000" cy="381000"/>
+            </a:xfrm>
+            <a:prstGeom prst="rect">
+              <a:avLst/>
+            </a:prstGeom>
+          </p:spPr>
+        </p:pic>
+      </p:grpSp>
+      <p:grpSp>
+        <p:nvGrpSpPr>
+          <p:cNvPr id="99" name="그룹 98">
+            <a:extLst>
+              <a:ext uri="{FF2B5EF4-FFF2-40B4-BE49-F238E27FC236}">
+                <a16:creationId xmlns:a16="http://schemas.microsoft.com/office/drawing/2014/main" id="{D0040678-B474-E5B5-16DB-28AF0298E734}"/>
+              </a:ext>
+            </a:extLst>
+          </p:cNvPr>
+          <p:cNvGrpSpPr/>
+          <p:nvPr/>
+        </p:nvGrpSpPr>
+        <p:grpSpPr>
+          <a:xfrm>
+            <a:off x="5107740" y="5012557"/>
+            <a:ext cx="2239962" cy="1006114"/>
+            <a:chOff x="5374440" y="5267982"/>
+            <a:chExt cx="2239962" cy="1006114"/>
+          </a:xfrm>
+        </p:grpSpPr>
+        <p:pic>
+          <p:nvPicPr>
+            <p:cNvPr id="48" name="Graphic 8" descr="Amazon Simple Storage Service (Amazon S3) service icon.">
+              <a:extLst>
+                <a:ext uri="{FF2B5EF4-FFF2-40B4-BE49-F238E27FC236}">
+                  <a16:creationId xmlns:a16="http://schemas.microsoft.com/office/drawing/2014/main" id="{9A3F862D-18D9-9F18-0158-0826B9B5E487}"/>
+                </a:ext>
+              </a:extLst>
+            </p:cNvPr>
+            <p:cNvPicPr>
+              <a:picLocks noChangeAspect="1" noChangeArrowheads="1"/>
+            </p:cNvPicPr>
+            <p:nvPr/>
+          </p:nvPicPr>
+          <p:blipFill rotWithShape="1">
+            <a:blip r:embed="rId4"/>
+            <a:srcRect/>
+            <a:stretch>
+              <a:fillRect/>
+            </a:stretch>
+          </p:blipFill>
+          <p:spPr>
+            <a:xfrm>
+              <a:off x="6116164" y="5267982"/>
+              <a:ext cx="762000" cy="762000"/>
+            </a:xfrm>
+            <a:prstGeom prst="rect">
+              <a:avLst/>
+            </a:prstGeom>
+            <a:noFill/>
+            <a:ln>
+              <a:noFill/>
+            </a:ln>
+          </p:spPr>
+        </p:pic>
+        <p:sp>
+          <p:nvSpPr>
+            <p:cNvPr id="49" name="TextBox 9">
+              <a:extLst>
+                <a:ext uri="{FF2B5EF4-FFF2-40B4-BE49-F238E27FC236}">
+                  <a16:creationId xmlns:a16="http://schemas.microsoft.com/office/drawing/2014/main" id="{8744616F-1413-D10A-F992-8BD8E9C96EF2}"/>
+                </a:ext>
+              </a:extLst>
+            </p:cNvPr>
+            <p:cNvSpPr txBox="1">
+              <a:spLocks noChangeArrowheads="1"/>
+            </p:cNvSpPr>
+            <p:nvPr/>
+          </p:nvSpPr>
+          <p:spPr>
+            <a:xfrm>
+              <a:off x="5374440" y="5997097"/>
+              <a:ext cx="2239962" cy="276999"/>
+            </a:xfrm>
+            <a:prstGeom prst="rect">
+              <a:avLst/>
+            </a:prstGeom>
+            <a:noFill/>
+            <a:ln>
+              <a:noFill/>
+            </a:ln>
+          </p:spPr>
+          <p:txBody>
+            <a:bodyPr>
+              <a:spAutoFit/>
+            </a:bodyPr>
+            <a:lstStyle>
+              <a:lvl1pPr marL="0" indent="0">
+                <a:lnSpc>
+                  <a:spcPct val="100000"/>
+                </a:lnSpc>
+                <a:spcBef>
+                  <a:spcPct val="0"/>
+                </a:spcBef>
+                <a:spcAft>
+                  <a:spcPts val="0"/>
+                </a:spcAft>
+                <a:defRPr kumimoji="0" sz="1800" b="0" i="0" u="none" strike="noStrike" kern="0" cap="none" spc="0" normalizeH="0" baseline="0">
+                  <a:solidFill>
+                    <a:schemeClr val="tx1"/>
+                  </a:solidFill>
+                </a:defRPr>
+              </a:lvl1pPr>
+            </a:lstStyle>
+            <a:p>
+              <a:pPr algn="ctr" eaLnBrk="1" hangingPunct="1">
+                <a:defRPr/>
+              </a:pPr>
+              <a:r>
+                <a:rPr lang="en-US" altLang="en-US" sz="1200" dirty="0">
+                  <a:latin typeface="Arial"/>
+                  <a:ea typeface="Amazon Ember"/>
+                  <a:cs typeface="Arial"/>
+                </a:rPr>
+                <a:t>Amazon S3</a:t>
+              </a:r>
+            </a:p>
+          </p:txBody>
+        </p:sp>
+      </p:grpSp>
+      <p:grpSp>
+        <p:nvGrpSpPr>
+          <p:cNvPr id="96" name="그룹 95">
+            <a:extLst>
+              <a:ext uri="{FF2B5EF4-FFF2-40B4-BE49-F238E27FC236}">
+                <a16:creationId xmlns:a16="http://schemas.microsoft.com/office/drawing/2014/main" id="{E8873AAE-F8BB-6090-67D2-28629E41CF4A}"/>
+              </a:ext>
+            </a:extLst>
+          </p:cNvPr>
+          <p:cNvGrpSpPr/>
+          <p:nvPr/>
+        </p:nvGrpSpPr>
+        <p:grpSpPr>
+          <a:xfrm>
+            <a:off x="6479072" y="838185"/>
+            <a:ext cx="2243137" cy="985169"/>
+            <a:chOff x="6741009" y="1093610"/>
+            <a:chExt cx="2243137" cy="985169"/>
+          </a:xfrm>
+        </p:grpSpPr>
+        <p:pic>
+          <p:nvPicPr>
+            <p:cNvPr id="50" name="Graphic 6" descr="Amazon Relational Database Service (Amazon RDS) service icon.">
+              <a:extLst>
+                <a:ext uri="{FF2B5EF4-FFF2-40B4-BE49-F238E27FC236}">
+                  <a16:creationId xmlns:a16="http://schemas.microsoft.com/office/drawing/2014/main" id="{FCB9E80B-47F8-E62F-6700-171C94DB8620}"/>
+                </a:ext>
+              </a:extLst>
+            </p:cNvPr>
+            <p:cNvPicPr>
+              <a:picLocks noChangeAspect="1" noChangeArrowheads="1"/>
+            </p:cNvPicPr>
+            <p:nvPr/>
+          </p:nvPicPr>
+          <p:blipFill rotWithShape="1">
+            <a:blip r:embed="rId5"/>
+            <a:srcRect/>
+            <a:stretch>
+              <a:fillRect/>
+            </a:stretch>
+          </p:blipFill>
+          <p:spPr>
+            <a:xfrm>
+              <a:off x="7481578" y="1093610"/>
+              <a:ext cx="762000" cy="762000"/>
+            </a:xfrm>
+            <a:prstGeom prst="rect">
+              <a:avLst/>
+            </a:prstGeom>
+            <a:noFill/>
+            <a:ln>
+              <a:noFill/>
+            </a:ln>
+          </p:spPr>
+        </p:pic>
+        <p:sp>
+          <p:nvSpPr>
+            <p:cNvPr id="51" name="TextBox 9">
+              <a:extLst>
+                <a:ext uri="{FF2B5EF4-FFF2-40B4-BE49-F238E27FC236}">
+                  <a16:creationId xmlns:a16="http://schemas.microsoft.com/office/drawing/2014/main" id="{DCA778D7-5C71-F136-87E5-0A2394C3D2E6}"/>
+                </a:ext>
+              </a:extLst>
+            </p:cNvPr>
+            <p:cNvSpPr txBox="1">
+              <a:spLocks noChangeArrowheads="1"/>
+            </p:cNvSpPr>
+            <p:nvPr/>
+          </p:nvSpPr>
+          <p:spPr>
+            <a:xfrm>
+              <a:off x="6741009" y="1801780"/>
+              <a:ext cx="2243137" cy="276999"/>
+            </a:xfrm>
+            <a:prstGeom prst="rect">
+              <a:avLst/>
+            </a:prstGeom>
+            <a:noFill/>
+            <a:ln>
+              <a:noFill/>
+            </a:ln>
+          </p:spPr>
+          <p:txBody>
+            <a:bodyPr>
+              <a:spAutoFit/>
+            </a:bodyPr>
+            <a:lstStyle>
+              <a:lvl1pPr marL="0" indent="0">
+                <a:lnSpc>
+                  <a:spcPct val="100000"/>
+                </a:lnSpc>
+                <a:spcBef>
+                  <a:spcPct val="0"/>
+                </a:spcBef>
+                <a:spcAft>
+                  <a:spcPts val="0"/>
+                </a:spcAft>
+                <a:defRPr kumimoji="0" sz="1800" b="0" i="0" u="none" strike="noStrike" kern="0" cap="none" spc="0" normalizeH="0" baseline="0">
+                  <a:solidFill>
+                    <a:schemeClr val="tx1"/>
+                  </a:solidFill>
+                </a:defRPr>
+              </a:lvl1pPr>
+            </a:lstStyle>
+            <a:p>
+              <a:pPr algn="ctr" eaLnBrk="1" hangingPunct="1">
+                <a:defRPr/>
+              </a:pPr>
+              <a:r>
+                <a:rPr lang="en-US" altLang="en-US" sz="1200" dirty="0">
+                  <a:latin typeface="Arial"/>
+                  <a:ea typeface="Amazon Ember"/>
+                  <a:cs typeface="Arial"/>
+                </a:rPr>
+                <a:t>Amazon RDS</a:t>
+              </a:r>
+            </a:p>
+          </p:txBody>
+        </p:sp>
+      </p:grpSp>
+      <p:cxnSp>
+        <p:nvCxnSpPr>
+          <p:cNvPr id="61" name="연결선: 꺾임 60">
+            <a:extLst>
+              <a:ext uri="{FF2B5EF4-FFF2-40B4-BE49-F238E27FC236}">
+                <a16:creationId xmlns:a16="http://schemas.microsoft.com/office/drawing/2014/main" id="{93EA9C7C-C628-C09A-1A1C-A97FBCE02E27}"/>
+              </a:ext>
+            </a:extLst>
+          </p:cNvPr>
+          <p:cNvCxnSpPr>
+            <a:cxnSpLocks/>
+            <a:endCxn id="48" idx="1"/>
+          </p:cNvCxnSpPr>
+          <p:nvPr/>
+        </p:nvCxnSpPr>
+        <p:spPr>
+          <a:xfrm>
+            <a:off x="4220446" y="3394337"/>
+            <a:ext cx="1629018" cy="1999220"/>
+          </a:xfrm>
+          <a:prstGeom prst="bentConnector3">
+            <a:avLst>
+              <a:gd name="adj1" fmla="val 50000"/>
+            </a:avLst>
+          </a:prstGeom>
+          <a:ln w="19050">
+            <a:solidFill>
+              <a:schemeClr val="accent6"/>
+            </a:solidFill>
+            <a:tailEnd type="triangle"/>
+          </a:ln>
+        </p:spPr>
+        <p:style>
+          <a:lnRef idx="1">
+            <a:schemeClr val="dk1"/>
+          </a:lnRef>
+          <a:fillRef idx="0">
+            <a:schemeClr val="dk1"/>
+          </a:fillRef>
+          <a:effectRef idx="0">
+            <a:schemeClr val="dk1"/>
+          </a:effectRef>
+          <a:fontRef idx="minor">
+            <a:schemeClr val="tx1"/>
+          </a:fontRef>
+        </p:style>
+      </p:cxnSp>
+      <p:cxnSp>
+        <p:nvCxnSpPr>
+          <p:cNvPr id="66" name="직선 화살표 연결선 65">
+            <a:extLst>
+              <a:ext uri="{FF2B5EF4-FFF2-40B4-BE49-F238E27FC236}">
+                <a16:creationId xmlns:a16="http://schemas.microsoft.com/office/drawing/2014/main" id="{053770A7-A0AB-D90B-2DCA-4149C218554D}"/>
+              </a:ext>
+            </a:extLst>
+          </p:cNvPr>
+          <p:cNvCxnSpPr>
+            <a:cxnSpLocks/>
+            <a:endCxn id="1026" idx="1"/>
+          </p:cNvCxnSpPr>
+          <p:nvPr/>
+        </p:nvCxnSpPr>
+        <p:spPr>
+          <a:xfrm flipV="1">
+            <a:off x="1022350" y="3419582"/>
+            <a:ext cx="1666019" cy="9418"/>
+          </a:xfrm>
+          <a:prstGeom prst="straightConnector1">
+            <a:avLst/>
+          </a:prstGeom>
+          <a:ln w="19050">
+            <a:solidFill>
+              <a:srgbClr val="FF0000"/>
+            </a:solidFill>
+            <a:tailEnd type="triangle"/>
+          </a:ln>
+        </p:spPr>
+        <p:style>
+          <a:lnRef idx="1">
+            <a:schemeClr val="dk1"/>
+          </a:lnRef>
+          <a:fillRef idx="0">
+            <a:schemeClr val="dk1"/>
+          </a:fillRef>
+          <a:effectRef idx="0">
+            <a:schemeClr val="dk1"/>
+          </a:effectRef>
+          <a:fontRef idx="minor">
+            <a:schemeClr val="tx1"/>
+          </a:fontRef>
+        </p:style>
+      </p:cxnSp>
+      <p:sp>
+        <p:nvSpPr>
+          <p:cNvPr id="75" name="label">
+            <a:extLst>
+              <a:ext uri="{FF2B5EF4-FFF2-40B4-BE49-F238E27FC236}">
+                <a16:creationId xmlns:a16="http://schemas.microsoft.com/office/drawing/2014/main" id="{08F78228-1FAD-B405-7F45-134B4B33CFCF}"/>
+              </a:ext>
+            </a:extLst>
+          </p:cNvPr>
+          <p:cNvSpPr txBox="1">
+            <a:spLocks noChangeArrowheads="1"/>
+          </p:cNvSpPr>
+          <p:nvPr/>
+        </p:nvSpPr>
+        <p:spPr>
+          <a:xfrm>
+            <a:off x="4624332" y="4440755"/>
+            <a:ext cx="827880" cy="246221"/>
+          </a:xfrm>
+          <a:prstGeom prst="rect">
+            <a:avLst/>
+          </a:prstGeom>
+          <a:solidFill>
+            <a:schemeClr val="bg1"/>
+          </a:solidFill>
+          <a:ln>
+            <a:solidFill>
+              <a:schemeClr val="bg1"/>
+            </a:solidFill>
+          </a:ln>
+        </p:spPr>
+        <p:style>
+          <a:lnRef idx="2">
+            <a:schemeClr val="dk1"/>
+          </a:lnRef>
+          <a:fillRef idx="1">
+            <a:schemeClr val="lt1"/>
+          </a:fillRef>
+          <a:effectRef idx="0">
+            <a:schemeClr val="dk1"/>
+          </a:effectRef>
+          <a:fontRef idx="minor">
+            <a:schemeClr val="dk1"/>
+          </a:fontRef>
+        </p:style>
+        <p:txBody>
+          <a:bodyPr wrap="square">
+            <a:spAutoFit/>
+          </a:bodyPr>
+          <a:lstStyle>
+            <a:lvl1pPr marL="0" indent="0">
+              <a:lnSpc>
+                <a:spcPct val="100000"/>
+              </a:lnSpc>
+              <a:spcBef>
+                <a:spcPct val="0"/>
+              </a:spcBef>
+              <a:spcAft>
+                <a:spcPts val="0"/>
+              </a:spcAft>
+              <a:defRPr kumimoji="0" sz="1800" b="0" i="0" u="none" strike="noStrike" kern="0" cap="none" spc="0" normalizeH="0" baseline="0">
+                <a:solidFill>
+                  <a:schemeClr val="tx1"/>
+                </a:solidFill>
+              </a:defRPr>
+            </a:lvl1pPr>
+          </a:lstStyle>
+          <a:p>
+            <a:pPr algn="ctr" eaLnBrk="1" hangingPunct="1">
+              <a:defRPr/>
+            </a:pPr>
+            <a:r>
+              <a:rPr lang="en-US" altLang="en-US" sz="1000" i="1" dirty="0">
+                <a:latin typeface="Arial"/>
+                <a:cs typeface="Arial"/>
+              </a:rPr>
+              <a:t>Load Video</a:t>
+            </a:r>
+          </a:p>
+        </p:txBody>
+      </p:sp>
+      <p:cxnSp>
+        <p:nvCxnSpPr>
+          <p:cNvPr id="86" name="연결선: 꺾임 85">
+            <a:extLst>
+              <a:ext uri="{FF2B5EF4-FFF2-40B4-BE49-F238E27FC236}">
+                <a16:creationId xmlns:a16="http://schemas.microsoft.com/office/drawing/2014/main" id="{AEDE905E-B928-C619-ED95-40B8846E402D}"/>
+              </a:ext>
+            </a:extLst>
+          </p:cNvPr>
+          <p:cNvCxnSpPr>
+            <a:cxnSpLocks/>
+            <a:stCxn id="50" idx="1"/>
+            <a:endCxn id="1026" idx="0"/>
+          </p:cNvCxnSpPr>
+          <p:nvPr/>
+        </p:nvCxnSpPr>
+        <p:spPr>
+          <a:xfrm rot="10800000" flipV="1">
+            <a:off x="3446695" y="1219184"/>
+            <a:ext cx="3772946" cy="1969161"/>
+          </a:xfrm>
+          <a:prstGeom prst="bentConnector2">
+            <a:avLst/>
+          </a:prstGeom>
+          <a:ln w="19050">
+            <a:solidFill>
+              <a:srgbClr val="FF0000"/>
+            </a:solidFill>
+            <a:tailEnd type="triangle"/>
+          </a:ln>
+        </p:spPr>
+        <p:style>
+          <a:lnRef idx="1">
+            <a:schemeClr val="accent1"/>
+          </a:lnRef>
+          <a:fillRef idx="0">
+            <a:schemeClr val="accent1"/>
+          </a:fillRef>
+          <a:effectRef idx="0">
+            <a:schemeClr val="accent1"/>
+          </a:effectRef>
+          <a:fontRef idx="minor">
+            <a:schemeClr val="tx1"/>
+          </a:fontRef>
+        </p:style>
+      </p:cxnSp>
+      <p:sp>
+        <p:nvSpPr>
+          <p:cNvPr id="56" name="label">
+            <a:extLst>
+              <a:ext uri="{FF2B5EF4-FFF2-40B4-BE49-F238E27FC236}">
+                <a16:creationId xmlns:a16="http://schemas.microsoft.com/office/drawing/2014/main" id="{D90A29EC-0622-764A-D92D-F743C57A442B}"/>
+              </a:ext>
+            </a:extLst>
+          </p:cNvPr>
+          <p:cNvSpPr txBox="1">
+            <a:spLocks noChangeArrowheads="1"/>
+          </p:cNvSpPr>
+          <p:nvPr/>
+        </p:nvSpPr>
+        <p:spPr>
+          <a:xfrm>
+            <a:off x="1369853" y="3283926"/>
+            <a:ext cx="1006074" cy="246221"/>
+          </a:xfrm>
+          <a:prstGeom prst="rect">
+            <a:avLst/>
+          </a:prstGeom>
+          <a:solidFill>
+            <a:schemeClr val="bg1"/>
+          </a:solidFill>
+          <a:ln>
+            <a:noFill/>
+          </a:ln>
+        </p:spPr>
+        <p:style>
+          <a:lnRef idx="2">
+            <a:schemeClr val="dk1">
+              <a:shade val="15000"/>
+            </a:schemeClr>
+          </a:lnRef>
+          <a:fillRef idx="1">
+            <a:schemeClr val="dk1"/>
+          </a:fillRef>
+          <a:effectRef idx="0">
+            <a:schemeClr val="dk1"/>
+          </a:effectRef>
+          <a:fontRef idx="minor">
+            <a:schemeClr val="lt1"/>
+          </a:fontRef>
+        </p:style>
+        <p:txBody>
+          <a:bodyPr wrap="square">
+            <a:spAutoFit/>
+          </a:bodyPr>
+          <a:lstStyle>
+            <a:lvl1pPr marL="0" indent="0">
+              <a:lnSpc>
+                <a:spcPct val="100000"/>
+              </a:lnSpc>
+              <a:spcBef>
+                <a:spcPct val="0"/>
+              </a:spcBef>
+              <a:spcAft>
+                <a:spcPts val="0"/>
+              </a:spcAft>
+              <a:defRPr kumimoji="0" sz="1800" b="0" i="0" u="none" strike="noStrike" kern="0" cap="none" spc="0" normalizeH="0" baseline="0">
+                <a:solidFill>
+                  <a:schemeClr val="tx1"/>
+                </a:solidFill>
+              </a:defRPr>
+            </a:lvl1pPr>
+          </a:lstStyle>
+          <a:p>
+            <a:pPr algn="ctr" eaLnBrk="1" hangingPunct="1">
+              <a:defRPr/>
+            </a:pPr>
+            <a:r>
+              <a:rPr lang="en-US" altLang="en-US" sz="1000" i="1" dirty="0">
+                <a:latin typeface="Arial"/>
+                <a:cs typeface="Arial"/>
+              </a:rPr>
+              <a:t>Upload Video</a:t>
+            </a:r>
+          </a:p>
+        </p:txBody>
+      </p:sp>
+      <p:sp>
+        <p:nvSpPr>
+          <p:cNvPr id="123" name="label">
+            <a:extLst>
+              <a:ext uri="{FF2B5EF4-FFF2-40B4-BE49-F238E27FC236}">
+                <a16:creationId xmlns:a16="http://schemas.microsoft.com/office/drawing/2014/main" id="{3E566940-318D-2E75-79EF-E0421FF11678}"/>
+              </a:ext>
+            </a:extLst>
+          </p:cNvPr>
+          <p:cNvSpPr txBox="1">
+            <a:spLocks noChangeArrowheads="1"/>
+          </p:cNvSpPr>
+          <p:nvPr/>
+        </p:nvSpPr>
+        <p:spPr>
+          <a:xfrm>
+            <a:off x="2863782" y="2118902"/>
+            <a:ext cx="1172413" cy="246221"/>
+          </a:xfrm>
+          <a:prstGeom prst="rect">
+            <a:avLst/>
+          </a:prstGeom>
+          <a:solidFill>
+            <a:schemeClr val="bg1"/>
+          </a:solidFill>
+          <a:ln>
+            <a:solidFill>
+              <a:schemeClr val="bg1"/>
+            </a:solidFill>
+          </a:ln>
+        </p:spPr>
+        <p:style>
+          <a:lnRef idx="2">
+            <a:schemeClr val="dk1"/>
+          </a:lnRef>
+          <a:fillRef idx="1">
+            <a:schemeClr val="lt1"/>
+          </a:fillRef>
+          <a:effectRef idx="0">
+            <a:schemeClr val="dk1"/>
+          </a:effectRef>
+          <a:fontRef idx="minor">
+            <a:schemeClr val="dk1"/>
+          </a:fontRef>
+        </p:style>
+        <p:txBody>
+          <a:bodyPr wrap="square">
+            <a:spAutoFit/>
+          </a:bodyPr>
+          <a:lstStyle>
+            <a:lvl1pPr marL="0" indent="0">
+              <a:lnSpc>
+                <a:spcPct val="100000"/>
+              </a:lnSpc>
+              <a:spcBef>
+                <a:spcPct val="0"/>
+              </a:spcBef>
+              <a:spcAft>
+                <a:spcPts val="0"/>
+              </a:spcAft>
+              <a:defRPr kumimoji="0" sz="1800" b="0" i="0" u="none" strike="noStrike" kern="0" cap="none" spc="0" normalizeH="0" baseline="0">
+                <a:solidFill>
+                  <a:schemeClr val="tx1"/>
+                </a:solidFill>
+              </a:defRPr>
+            </a:lvl1pPr>
+          </a:lstStyle>
+          <a:p>
+            <a:pPr algn="ctr" eaLnBrk="1" hangingPunct="1">
+              <a:defRPr/>
+            </a:pPr>
+            <a:r>
+              <a:rPr lang="en-US" altLang="en-US" sz="1000" i="1" dirty="0">
+                <a:latin typeface="Arial"/>
+                <a:cs typeface="Arial"/>
+              </a:rPr>
+              <a:t>Analyzed Data</a:t>
+            </a:r>
+          </a:p>
+        </p:txBody>
+      </p:sp>
+      <p:sp>
+        <p:nvSpPr>
+          <p:cNvPr id="169" name="TextBox 168">
+            <a:extLst>
+              <a:ext uri="{FF2B5EF4-FFF2-40B4-BE49-F238E27FC236}">
+                <a16:creationId xmlns:a16="http://schemas.microsoft.com/office/drawing/2014/main" id="{69FBF9EB-9BCE-2ACB-79E0-BBDE52B626B6}"/>
+              </a:ext>
+            </a:extLst>
+          </p:cNvPr>
+          <p:cNvSpPr txBox="1"/>
+          <p:nvPr/>
+        </p:nvSpPr>
+        <p:spPr>
+          <a:xfrm>
+            <a:off x="1163158" y="2942914"/>
+            <a:ext cx="671979" cy="323165"/>
+          </a:xfrm>
+          <a:prstGeom prst="rect">
+            <a:avLst/>
+          </a:prstGeom>
+          <a:solidFill>
+            <a:srgbClr val="FF0066"/>
+          </a:solidFill>
+        </p:spPr>
+        <p:style>
+          <a:lnRef idx="2">
+            <a:schemeClr val="accent4">
+              <a:shade val="15000"/>
+            </a:schemeClr>
+          </a:lnRef>
+          <a:fillRef idx="1">
+            <a:schemeClr val="accent4"/>
+          </a:fillRef>
+          <a:effectRef idx="0">
+            <a:schemeClr val="accent4"/>
+          </a:effectRef>
+          <a:fontRef idx="minor">
+            <a:schemeClr val="lt1"/>
+          </a:fontRef>
+        </p:style>
+        <p:txBody>
+          <a:bodyPr wrap="none" rtlCol="0">
+            <a:spAutoFit/>
+          </a:bodyPr>
+          <a:lstStyle/>
+          <a:p>
+            <a:r>
+              <a:rPr lang="en-US" altLang="ko-KR" sz="1500" b="1" dirty="0">
+                <a:solidFill>
+                  <a:schemeClr val="bg1"/>
+                </a:solidFill>
+              </a:rPr>
+              <a:t>Input</a:t>
+            </a:r>
+            <a:endParaRPr lang="ko-KR" altLang="en-US" sz="1500" b="1" dirty="0">
+              <a:solidFill>
+                <a:schemeClr val="bg1"/>
+              </a:solidFill>
+            </a:endParaRPr>
+          </a:p>
+        </p:txBody>
+      </p:sp>
+      <p:sp>
+        <p:nvSpPr>
+          <p:cNvPr id="170" name="TextBox 169">
+            <a:extLst>
+              <a:ext uri="{FF2B5EF4-FFF2-40B4-BE49-F238E27FC236}">
+                <a16:creationId xmlns:a16="http://schemas.microsoft.com/office/drawing/2014/main" id="{AE81C79A-A482-DBA5-AB08-655AB103CA8D}"/>
+              </a:ext>
+            </a:extLst>
+          </p:cNvPr>
+          <p:cNvSpPr txBox="1"/>
+          <p:nvPr/>
+        </p:nvSpPr>
+        <p:spPr>
+          <a:xfrm>
+            <a:off x="4593844" y="4124827"/>
+            <a:ext cx="290464" cy="323165"/>
+          </a:xfrm>
+          <a:prstGeom prst="rect">
+            <a:avLst/>
+          </a:prstGeom>
+        </p:spPr>
+        <p:style>
+          <a:lnRef idx="2">
+            <a:schemeClr val="accent4">
+              <a:shade val="15000"/>
+            </a:schemeClr>
+          </a:lnRef>
+          <a:fillRef idx="1">
+            <a:schemeClr val="accent4"/>
+          </a:fillRef>
+          <a:effectRef idx="0">
+            <a:schemeClr val="accent4"/>
+          </a:effectRef>
+          <a:fontRef idx="minor">
+            <a:schemeClr val="lt1"/>
+          </a:fontRef>
+        </p:style>
+        <p:txBody>
+          <a:bodyPr wrap="none" rtlCol="0">
+            <a:spAutoFit/>
+          </a:bodyPr>
+          <a:lstStyle/>
+          <a:p>
+            <a:r>
+              <a:rPr lang="en-US" altLang="ko-KR" sz="1500" dirty="0">
+                <a:solidFill>
+                  <a:schemeClr val="tx1"/>
+                </a:solidFill>
+              </a:rPr>
+              <a:t>1</a:t>
+            </a:r>
+            <a:endParaRPr lang="ko-KR" altLang="en-US" sz="1500" dirty="0">
+              <a:solidFill>
+                <a:schemeClr val="tx1"/>
+              </a:solidFill>
+            </a:endParaRPr>
+          </a:p>
+        </p:txBody>
+      </p:sp>
+      <p:grpSp>
+        <p:nvGrpSpPr>
+          <p:cNvPr id="100" name="그룹 99">
+            <a:extLst>
+              <a:ext uri="{FF2B5EF4-FFF2-40B4-BE49-F238E27FC236}">
+                <a16:creationId xmlns:a16="http://schemas.microsoft.com/office/drawing/2014/main" id="{44DF6B25-2360-FD7A-4322-1CB5D1D4450E}"/>
+              </a:ext>
+            </a:extLst>
+          </p:cNvPr>
+          <p:cNvGrpSpPr/>
+          <p:nvPr/>
+        </p:nvGrpSpPr>
+        <p:grpSpPr>
+          <a:xfrm>
+            <a:off x="8083940" y="5012557"/>
+            <a:ext cx="2292350" cy="1193781"/>
+            <a:chOff x="8350640" y="5267982"/>
+            <a:chExt cx="2292350" cy="1193781"/>
+          </a:xfrm>
+        </p:grpSpPr>
+        <p:pic>
+          <p:nvPicPr>
+            <p:cNvPr id="4" name="Graphic 10" descr="AWS Lambda service icon.">
+              <a:extLst>
+                <a:ext uri="{FF2B5EF4-FFF2-40B4-BE49-F238E27FC236}">
+                  <a16:creationId xmlns:a16="http://schemas.microsoft.com/office/drawing/2014/main" id="{7249C1EC-5A69-3C4D-9DDF-0DB93BB70BC6}"/>
+                </a:ext>
+              </a:extLst>
+            </p:cNvPr>
+            <p:cNvPicPr>
+              <a:picLocks noChangeAspect="1" noChangeArrowheads="1"/>
+            </p:cNvPicPr>
+            <p:nvPr/>
+          </p:nvPicPr>
+          <p:blipFill>
+            <a:blip r:embed="rId6">
+              <a:extLst>
+                <a:ext uri="{96DAC541-7B7A-43D3-8B79-37D633B846F1}">
+                  <asvg:svgBlip xmlns:asvg="http://schemas.microsoft.com/office/drawing/2016/SVG/main" r:embed="rId7"/>
+                </a:ext>
+              </a:extLst>
+            </a:blip>
+            <a:srcRect/>
+            <a:stretch/>
+          </p:blipFill>
+          <p:spPr bwMode="auto">
+            <a:xfrm>
+              <a:off x="9098539" y="5267982"/>
+              <a:ext cx="762000" cy="762000"/>
+            </a:xfrm>
+            <a:prstGeom prst="rect">
+              <a:avLst/>
+            </a:prstGeom>
+            <a:noFill/>
+            <a:ln>
+              <a:noFill/>
+            </a:ln>
+            <a:extLst>
+              <a:ext uri="{909E8E84-426E-40DD-AFC4-6F175D3DCCD1}">
+                <a14:hiddenFill xmlns:a14="http://schemas.microsoft.com/office/drawing/2010/main">
+                  <a:solidFill>
+                    <a:srgbClr val="FFFFFF"/>
+                  </a:solidFill>
+                </a14:hiddenFill>
+              </a:ext>
+              <a:ext uri="{91240B29-F687-4F45-9708-019B960494DF}">
+                <a14:hiddenLine xmlns:a14="http://schemas.microsoft.com/office/drawing/2010/main" w="9525">
+                  <a:solidFill>
+                    <a:srgbClr val="000000"/>
+                  </a:solidFill>
+                  <a:miter lim="800000"/>
+                  <a:headEnd/>
+                  <a:tailEnd/>
+                </a14:hiddenLine>
+              </a:ext>
+            </a:extLst>
+          </p:spPr>
+        </p:pic>
+        <p:sp>
+          <p:nvSpPr>
+            <p:cNvPr id="5" name="TextBox 20">
+              <a:extLst>
+                <a:ext uri="{FF2B5EF4-FFF2-40B4-BE49-F238E27FC236}">
+                  <a16:creationId xmlns:a16="http://schemas.microsoft.com/office/drawing/2014/main" id="{E5D4A7D0-5E44-1943-968A-C198F40D0E71}"/>
+                </a:ext>
+              </a:extLst>
+            </p:cNvPr>
+            <p:cNvSpPr txBox="1">
+              <a:spLocks noChangeArrowheads="1"/>
+            </p:cNvSpPr>
+            <p:nvPr/>
+          </p:nvSpPr>
+          <p:spPr bwMode="auto">
+            <a:xfrm>
+              <a:off x="8350640" y="6000098"/>
+              <a:ext cx="2292350" cy="461665"/>
+            </a:xfrm>
+            <a:prstGeom prst="rect">
+              <a:avLst/>
+            </a:prstGeom>
+            <a:noFill/>
+            <a:ln>
+              <a:noFill/>
+            </a:ln>
+            <a:extLst>
+              <a:ext uri="{909E8E84-426E-40DD-AFC4-6F175D3DCCD1}">
+                <a14:hiddenFill xmlns:a14="http://schemas.microsoft.com/office/drawing/2010/main">
+                  <a:solidFill>
+                    <a:srgbClr val="FFFFFF"/>
+                  </a:solidFill>
+                </a14:hiddenFill>
+              </a:ext>
+              <a:ext uri="{91240B29-F687-4F45-9708-019B960494DF}">
+                <a14:hiddenLine xmlns:a14="http://schemas.microsoft.com/office/drawing/2010/main" w="9525">
+                  <a:solidFill>
+                    <a:srgbClr val="000000"/>
+                  </a:solidFill>
+                  <a:miter lim="800000"/>
+                  <a:headEnd/>
+                  <a:tailEnd/>
+                </a14:hiddenLine>
+              </a:ext>
+            </a:extLst>
+          </p:spPr>
+          <p:txBody>
+            <a:bodyPr>
+              <a:spAutoFit/>
+            </a:bodyPr>
+            <a:lstStyle>
+              <a:defPPr>
+                <a:defRPr lang="en-US"/>
+              </a:defPPr>
+              <a:lvl1pPr algn="l" rtl="0" eaLnBrk="0" fontAlgn="base" hangingPunct="0">
+                <a:spcBef>
+                  <a:spcPct val="0"/>
+                </a:spcBef>
+                <a:spcAft>
+                  <a:spcPct val="0"/>
+                </a:spcAft>
+                <a:defRPr kern="1200">
+                  <a:solidFill>
+                    <a:schemeClr val="tx1"/>
+                  </a:solidFill>
+                  <a:latin typeface="Calibri" panose="020F0502020204030204" pitchFamily="34" charset="0"/>
+                  <a:ea typeface="+mn-ea"/>
+                  <a:cs typeface="+mn-cs"/>
+                </a:defRPr>
+              </a:lvl1pPr>
+              <a:lvl2pPr marL="457200" algn="l" rtl="0" eaLnBrk="0" fontAlgn="base" hangingPunct="0">
+                <a:spcBef>
+                  <a:spcPct val="0"/>
+                </a:spcBef>
+                <a:spcAft>
+                  <a:spcPct val="0"/>
+                </a:spcAft>
+                <a:defRPr kern="1200">
+                  <a:solidFill>
+                    <a:schemeClr val="tx1"/>
+                  </a:solidFill>
+                  <a:latin typeface="Calibri" panose="020F0502020204030204" pitchFamily="34" charset="0"/>
+                  <a:ea typeface="+mn-ea"/>
+                  <a:cs typeface="+mn-cs"/>
+                </a:defRPr>
+              </a:lvl2pPr>
+              <a:lvl3pPr marL="914400" algn="l" rtl="0" eaLnBrk="0" fontAlgn="base" hangingPunct="0">
+                <a:spcBef>
+                  <a:spcPct val="0"/>
+                </a:spcBef>
+                <a:spcAft>
+                  <a:spcPct val="0"/>
+                </a:spcAft>
+                <a:defRPr kern="1200">
+                  <a:solidFill>
+                    <a:schemeClr val="tx1"/>
+                  </a:solidFill>
+                  <a:latin typeface="Calibri" panose="020F0502020204030204" pitchFamily="34" charset="0"/>
+                  <a:ea typeface="+mn-ea"/>
+                  <a:cs typeface="+mn-cs"/>
+                </a:defRPr>
+              </a:lvl3pPr>
+              <a:lvl4pPr marL="1371600" algn="l" rtl="0" eaLnBrk="0" fontAlgn="base" hangingPunct="0">
+                <a:spcBef>
+                  <a:spcPct val="0"/>
+                </a:spcBef>
+                <a:spcAft>
+                  <a:spcPct val="0"/>
+                </a:spcAft>
+                <a:defRPr kern="1200">
+                  <a:solidFill>
+                    <a:schemeClr val="tx1"/>
+                  </a:solidFill>
+                  <a:latin typeface="Calibri" panose="020F0502020204030204" pitchFamily="34" charset="0"/>
+                  <a:ea typeface="+mn-ea"/>
+                  <a:cs typeface="+mn-cs"/>
+                </a:defRPr>
+              </a:lvl4pPr>
+              <a:lvl5pPr marL="1828800" algn="l" rtl="0" eaLnBrk="0" fontAlgn="base" hangingPunct="0">
+                <a:spcBef>
+                  <a:spcPct val="0"/>
+                </a:spcBef>
+                <a:spcAft>
+                  <a:spcPct val="0"/>
+                </a:spcAft>
+                <a:defRPr kern="1200">
+                  <a:solidFill>
+                    <a:schemeClr val="tx1"/>
+                  </a:solidFill>
+                  <a:latin typeface="Calibri" panose="020F0502020204030204" pitchFamily="34" charset="0"/>
+                  <a:ea typeface="+mn-ea"/>
+                  <a:cs typeface="+mn-cs"/>
+                </a:defRPr>
+              </a:lvl5pPr>
+              <a:lvl6pPr marL="2286000" algn="l" defTabSz="914400" rtl="0" eaLnBrk="1" latinLnBrk="0" hangingPunct="1">
+                <a:defRPr kern="1200">
+                  <a:solidFill>
+                    <a:schemeClr val="tx1"/>
+                  </a:solidFill>
+                  <a:latin typeface="Calibri" panose="020F0502020204030204" pitchFamily="34" charset="0"/>
+                  <a:ea typeface="+mn-ea"/>
+                  <a:cs typeface="+mn-cs"/>
+                </a:defRPr>
+              </a:lvl6pPr>
+              <a:lvl7pPr marL="2743200" algn="l" defTabSz="914400" rtl="0" eaLnBrk="1" latinLnBrk="0" hangingPunct="1">
+                <a:defRPr kern="1200">
+                  <a:solidFill>
+                    <a:schemeClr val="tx1"/>
+                  </a:solidFill>
+                  <a:latin typeface="Calibri" panose="020F0502020204030204" pitchFamily="34" charset="0"/>
+                  <a:ea typeface="+mn-ea"/>
+                  <a:cs typeface="+mn-cs"/>
+                </a:defRPr>
+              </a:lvl7pPr>
+              <a:lvl8pPr marL="3200400" algn="l" defTabSz="914400" rtl="0" eaLnBrk="1" latinLnBrk="0" hangingPunct="1">
+                <a:defRPr kern="1200">
+                  <a:solidFill>
+                    <a:schemeClr val="tx1"/>
+                  </a:solidFill>
+                  <a:latin typeface="Calibri" panose="020F0502020204030204" pitchFamily="34" charset="0"/>
+                  <a:ea typeface="+mn-ea"/>
+                  <a:cs typeface="+mn-cs"/>
+                </a:defRPr>
+              </a:lvl8pPr>
+              <a:lvl9pPr marL="3657600" algn="l" defTabSz="914400" rtl="0" eaLnBrk="1" latinLnBrk="0" hangingPunct="1">
+                <a:defRPr kern="1200">
+                  <a:solidFill>
+                    <a:schemeClr val="tx1"/>
+                  </a:solidFill>
+                  <a:latin typeface="Calibri" panose="020F0502020204030204" pitchFamily="34" charset="0"/>
+                  <a:ea typeface="+mn-ea"/>
+                  <a:cs typeface="+mn-cs"/>
+                </a:defRPr>
+              </a:lvl9pPr>
+            </a:lstStyle>
+            <a:p>
+              <a:pPr algn="ctr" eaLnBrk="1" hangingPunct="1"/>
+              <a:r>
+                <a:rPr lang="en-US" altLang="en-US" sz="1200" dirty="0">
+                  <a:latin typeface="Arial" panose="020B0604020202020204" pitchFamily="34" charset="0"/>
+                  <a:ea typeface="Amazon Ember" panose="020B0603020204020204" pitchFamily="34" charset="0"/>
+                  <a:cs typeface="Arial" panose="020B0604020202020204" pitchFamily="34" charset="0"/>
+                </a:rPr>
+                <a:t>AWS Lambda</a:t>
+              </a:r>
+            </a:p>
+            <a:p>
+              <a:pPr algn="ctr" eaLnBrk="1" hangingPunct="1"/>
+              <a:r>
+                <a:rPr lang="en-US" altLang="en-US" sz="1200" dirty="0">
+                  <a:latin typeface="Arial" panose="020B0604020202020204" pitchFamily="34" charset="0"/>
+                  <a:ea typeface="Amazon Ember" panose="020B0603020204020204" pitchFamily="34" charset="0"/>
+                  <a:cs typeface="Arial" panose="020B0604020202020204" pitchFamily="34" charset="0"/>
+                </a:rPr>
+                <a:t>(Feature Extraction)</a:t>
+              </a:r>
+            </a:p>
+          </p:txBody>
+        </p:sp>
+      </p:grpSp>
+      <p:cxnSp>
+        <p:nvCxnSpPr>
+          <p:cNvPr id="9" name="직선 화살표 연결선 8">
+            <a:extLst>
+              <a:ext uri="{FF2B5EF4-FFF2-40B4-BE49-F238E27FC236}">
+                <a16:creationId xmlns:a16="http://schemas.microsoft.com/office/drawing/2014/main" id="{2B07837E-1F65-8B79-FCB2-0DEDE3552CE7}"/>
+              </a:ext>
+            </a:extLst>
+          </p:cNvPr>
+          <p:cNvCxnSpPr>
+            <a:stCxn id="48" idx="3"/>
+            <a:endCxn id="4" idx="1"/>
+          </p:cNvCxnSpPr>
+          <p:nvPr/>
+        </p:nvCxnSpPr>
+        <p:spPr>
+          <a:xfrm>
+            <a:off x="6611464" y="5393557"/>
+            <a:ext cx="2220375" cy="0"/>
+          </a:xfrm>
+          <a:prstGeom prst="straightConnector1">
+            <a:avLst/>
+          </a:prstGeom>
+          <a:ln w="19050">
+            <a:solidFill>
+              <a:schemeClr val="accent6"/>
+            </a:solidFill>
+            <a:tailEnd type="triangle"/>
+          </a:ln>
+        </p:spPr>
+        <p:style>
+          <a:lnRef idx="1">
+            <a:schemeClr val="accent1"/>
+          </a:lnRef>
+          <a:fillRef idx="0">
+            <a:schemeClr val="accent1"/>
+          </a:fillRef>
+          <a:effectRef idx="0">
+            <a:schemeClr val="accent1"/>
+          </a:effectRef>
+          <a:fontRef idx="minor">
+            <a:schemeClr val="tx1"/>
+          </a:fontRef>
+        </p:style>
+      </p:cxnSp>
+      <p:sp>
+        <p:nvSpPr>
+          <p:cNvPr id="149" name="label">
+            <a:extLst>
+              <a:ext uri="{FF2B5EF4-FFF2-40B4-BE49-F238E27FC236}">
+                <a16:creationId xmlns:a16="http://schemas.microsoft.com/office/drawing/2014/main" id="{BF579B65-B8C7-5FD6-E7FC-FC30C7F55870}"/>
+              </a:ext>
+            </a:extLst>
+          </p:cNvPr>
+          <p:cNvSpPr txBox="1">
+            <a:spLocks noChangeArrowheads="1"/>
+          </p:cNvSpPr>
+          <p:nvPr/>
+        </p:nvSpPr>
+        <p:spPr>
+          <a:xfrm>
+            <a:off x="7336992" y="5262744"/>
+            <a:ext cx="674040" cy="246221"/>
+          </a:xfrm>
+          <a:prstGeom prst="rect">
+            <a:avLst/>
+          </a:prstGeom>
+          <a:solidFill>
+            <a:schemeClr val="bg1"/>
+          </a:solidFill>
+          <a:ln>
+            <a:solidFill>
+              <a:schemeClr val="bg1"/>
+            </a:solidFill>
+          </a:ln>
+        </p:spPr>
+        <p:style>
+          <a:lnRef idx="2">
+            <a:schemeClr val="dk1"/>
+          </a:lnRef>
+          <a:fillRef idx="1">
+            <a:schemeClr val="lt1"/>
+          </a:fillRef>
+          <a:effectRef idx="0">
+            <a:schemeClr val="dk1"/>
+          </a:effectRef>
+          <a:fontRef idx="minor">
+            <a:schemeClr val="dk1"/>
+          </a:fontRef>
+        </p:style>
+        <p:txBody>
+          <a:bodyPr wrap="square">
+            <a:spAutoFit/>
+          </a:bodyPr>
+          <a:lstStyle>
+            <a:lvl1pPr marL="0" indent="0">
+              <a:lnSpc>
+                <a:spcPct val="100000"/>
+              </a:lnSpc>
+              <a:spcBef>
+                <a:spcPct val="0"/>
+              </a:spcBef>
+              <a:spcAft>
+                <a:spcPts val="0"/>
+              </a:spcAft>
+              <a:defRPr kumimoji="0" sz="1800" b="0" i="0" u="none" strike="noStrike" kern="0" cap="none" spc="0" normalizeH="0" baseline="0">
+                <a:solidFill>
+                  <a:schemeClr val="tx1"/>
+                </a:solidFill>
+              </a:defRPr>
+            </a:lvl1pPr>
+          </a:lstStyle>
+          <a:p>
+            <a:pPr algn="ctr" eaLnBrk="1" hangingPunct="1">
+              <a:defRPr/>
+            </a:pPr>
+            <a:r>
+              <a:rPr lang="en-US" altLang="en-US" sz="1000" i="1" dirty="0">
+                <a:latin typeface="Arial"/>
+                <a:cs typeface="Arial"/>
+              </a:rPr>
+              <a:t>Trigger</a:t>
+            </a:r>
+          </a:p>
+        </p:txBody>
+      </p:sp>
+      <p:grpSp>
+        <p:nvGrpSpPr>
+          <p:cNvPr id="94" name="그룹 93">
+            <a:extLst>
+              <a:ext uri="{FF2B5EF4-FFF2-40B4-BE49-F238E27FC236}">
+                <a16:creationId xmlns:a16="http://schemas.microsoft.com/office/drawing/2014/main" id="{8CF7D00E-4D13-1B89-D66D-A947A2F6CD6B}"/>
+              </a:ext>
+            </a:extLst>
+          </p:cNvPr>
+          <p:cNvGrpSpPr/>
+          <p:nvPr/>
+        </p:nvGrpSpPr>
+        <p:grpSpPr>
+          <a:xfrm>
+            <a:off x="6460590" y="3018916"/>
+            <a:ext cx="2268537" cy="1193467"/>
+            <a:chOff x="6727290" y="3274341"/>
+            <a:chExt cx="2268537" cy="1193467"/>
+          </a:xfrm>
+        </p:grpSpPr>
+        <p:pic>
+          <p:nvPicPr>
+            <p:cNvPr id="22" name="Graphic 5" descr="Amazon Elastic Compute Cloud (Amazon EC2) service icon.">
+              <a:extLst>
+                <a:ext uri="{FF2B5EF4-FFF2-40B4-BE49-F238E27FC236}">
+                  <a16:creationId xmlns:a16="http://schemas.microsoft.com/office/drawing/2014/main" id="{38622D4A-AB16-E74E-A250-BDBAAFFAA603}"/>
+                </a:ext>
+              </a:extLst>
+            </p:cNvPr>
+            <p:cNvPicPr>
+              <a:picLocks noChangeAspect="1" noChangeArrowheads="1"/>
+            </p:cNvPicPr>
+            <p:nvPr/>
+          </p:nvPicPr>
+          <p:blipFill>
+            <a:blip r:embed="rId8">
+              <a:extLst>
+                <a:ext uri="{96DAC541-7B7A-43D3-8B79-37D633B846F1}">
+                  <asvg:svgBlip xmlns:asvg="http://schemas.microsoft.com/office/drawing/2016/SVG/main" r:embed="rId9"/>
+                </a:ext>
+              </a:extLst>
+            </a:blip>
+            <a:srcRect/>
+            <a:stretch/>
+          </p:blipFill>
+          <p:spPr bwMode="auto">
+            <a:xfrm>
+              <a:off x="7486340" y="3274341"/>
+              <a:ext cx="762000" cy="762000"/>
+            </a:xfrm>
+            <a:prstGeom prst="rect">
+              <a:avLst/>
+            </a:prstGeom>
+            <a:noFill/>
+            <a:ln>
+              <a:noFill/>
+            </a:ln>
+            <a:extLst>
+              <a:ext uri="{909E8E84-426E-40DD-AFC4-6F175D3DCCD1}">
+                <a14:hiddenFill xmlns:a14="http://schemas.microsoft.com/office/drawing/2010/main">
+                  <a:solidFill>
+                    <a:srgbClr val="FFFFFF"/>
+                  </a:solidFill>
+                </a14:hiddenFill>
+              </a:ext>
+              <a:ext uri="{91240B29-F687-4F45-9708-019B960494DF}">
+                <a14:hiddenLine xmlns:a14="http://schemas.microsoft.com/office/drawing/2010/main" w="9525">
+                  <a:solidFill>
+                    <a:srgbClr val="000000"/>
+                  </a:solidFill>
+                  <a:miter lim="800000"/>
+                  <a:headEnd/>
+                  <a:tailEnd/>
+                </a14:hiddenLine>
+              </a:ext>
+            </a:extLst>
+          </p:spPr>
+        </p:pic>
+        <p:sp>
+          <p:nvSpPr>
+            <p:cNvPr id="23" name="TextBox 6">
+              <a:extLst>
+                <a:ext uri="{FF2B5EF4-FFF2-40B4-BE49-F238E27FC236}">
+                  <a16:creationId xmlns:a16="http://schemas.microsoft.com/office/drawing/2014/main" id="{36FEB6A7-BBBF-BF4E-B09F-F70950BA7F04}"/>
+                </a:ext>
+              </a:extLst>
+            </p:cNvPr>
+            <p:cNvSpPr txBox="1">
+              <a:spLocks noChangeArrowheads="1"/>
+            </p:cNvSpPr>
+            <p:nvPr/>
+          </p:nvSpPr>
+          <p:spPr bwMode="auto">
+            <a:xfrm>
+              <a:off x="6727290" y="4006143"/>
+              <a:ext cx="2268537" cy="461665"/>
+            </a:xfrm>
+            <a:prstGeom prst="rect">
+              <a:avLst/>
+            </a:prstGeom>
+            <a:noFill/>
+            <a:ln>
+              <a:noFill/>
+            </a:ln>
+            <a:extLst>
+              <a:ext uri="{909E8E84-426E-40DD-AFC4-6F175D3DCCD1}">
+                <a14:hiddenFill xmlns:a14="http://schemas.microsoft.com/office/drawing/2010/main">
+                  <a:solidFill>
+                    <a:srgbClr val="FFFFFF"/>
+                  </a:solidFill>
+                </a14:hiddenFill>
+              </a:ext>
+              <a:ext uri="{91240B29-F687-4F45-9708-019B960494DF}">
+                <a14:hiddenLine xmlns:a14="http://schemas.microsoft.com/office/drawing/2010/main" w="9525">
+                  <a:solidFill>
+                    <a:srgbClr val="000000"/>
+                  </a:solidFill>
+                  <a:miter lim="800000"/>
+                  <a:headEnd/>
+                  <a:tailEnd/>
+                </a14:hiddenLine>
+              </a:ext>
+            </a:extLst>
+          </p:spPr>
+          <p:txBody>
+            <a:bodyPr>
+              <a:spAutoFit/>
+            </a:bodyPr>
+            <a:lstStyle>
+              <a:defPPr>
+                <a:defRPr lang="en-US"/>
+              </a:defPPr>
+              <a:lvl1pPr algn="l" rtl="0" eaLnBrk="0" fontAlgn="base" hangingPunct="0">
+                <a:spcBef>
+                  <a:spcPct val="0"/>
+                </a:spcBef>
+                <a:spcAft>
+                  <a:spcPct val="0"/>
+                </a:spcAft>
+                <a:defRPr kern="1200">
+                  <a:solidFill>
+                    <a:schemeClr val="tx1"/>
+                  </a:solidFill>
+                  <a:latin typeface="Calibri" panose="020F0502020204030204" pitchFamily="34" charset="0"/>
+                  <a:ea typeface="+mn-ea"/>
+                  <a:cs typeface="+mn-cs"/>
+                </a:defRPr>
+              </a:lvl1pPr>
+              <a:lvl2pPr marL="457200" algn="l" rtl="0" eaLnBrk="0" fontAlgn="base" hangingPunct="0">
+                <a:spcBef>
+                  <a:spcPct val="0"/>
+                </a:spcBef>
+                <a:spcAft>
+                  <a:spcPct val="0"/>
+                </a:spcAft>
+                <a:defRPr kern="1200">
+                  <a:solidFill>
+                    <a:schemeClr val="tx1"/>
+                  </a:solidFill>
+                  <a:latin typeface="Calibri" panose="020F0502020204030204" pitchFamily="34" charset="0"/>
+                  <a:ea typeface="+mn-ea"/>
+                  <a:cs typeface="+mn-cs"/>
+                </a:defRPr>
+              </a:lvl2pPr>
+              <a:lvl3pPr marL="914400" algn="l" rtl="0" eaLnBrk="0" fontAlgn="base" hangingPunct="0">
+                <a:spcBef>
+                  <a:spcPct val="0"/>
+                </a:spcBef>
+                <a:spcAft>
+                  <a:spcPct val="0"/>
+                </a:spcAft>
+                <a:defRPr kern="1200">
+                  <a:solidFill>
+                    <a:schemeClr val="tx1"/>
+                  </a:solidFill>
+                  <a:latin typeface="Calibri" panose="020F0502020204030204" pitchFamily="34" charset="0"/>
+                  <a:ea typeface="+mn-ea"/>
+                  <a:cs typeface="+mn-cs"/>
+                </a:defRPr>
+              </a:lvl3pPr>
+              <a:lvl4pPr marL="1371600" algn="l" rtl="0" eaLnBrk="0" fontAlgn="base" hangingPunct="0">
+                <a:spcBef>
+                  <a:spcPct val="0"/>
+                </a:spcBef>
+                <a:spcAft>
+                  <a:spcPct val="0"/>
+                </a:spcAft>
+                <a:defRPr kern="1200">
+                  <a:solidFill>
+                    <a:schemeClr val="tx1"/>
+                  </a:solidFill>
+                  <a:latin typeface="Calibri" panose="020F0502020204030204" pitchFamily="34" charset="0"/>
+                  <a:ea typeface="+mn-ea"/>
+                  <a:cs typeface="+mn-cs"/>
+                </a:defRPr>
+              </a:lvl4pPr>
+              <a:lvl5pPr marL="1828800" algn="l" rtl="0" eaLnBrk="0" fontAlgn="base" hangingPunct="0">
+                <a:spcBef>
+                  <a:spcPct val="0"/>
+                </a:spcBef>
+                <a:spcAft>
+                  <a:spcPct val="0"/>
+                </a:spcAft>
+                <a:defRPr kern="1200">
+                  <a:solidFill>
+                    <a:schemeClr val="tx1"/>
+                  </a:solidFill>
+                  <a:latin typeface="Calibri" panose="020F0502020204030204" pitchFamily="34" charset="0"/>
+                  <a:ea typeface="+mn-ea"/>
+                  <a:cs typeface="+mn-cs"/>
+                </a:defRPr>
+              </a:lvl5pPr>
+              <a:lvl6pPr marL="2286000" algn="l" defTabSz="914400" rtl="0" eaLnBrk="1" latinLnBrk="0" hangingPunct="1">
+                <a:defRPr kern="1200">
+                  <a:solidFill>
+                    <a:schemeClr val="tx1"/>
+                  </a:solidFill>
+                  <a:latin typeface="Calibri" panose="020F0502020204030204" pitchFamily="34" charset="0"/>
+                  <a:ea typeface="+mn-ea"/>
+                  <a:cs typeface="+mn-cs"/>
+                </a:defRPr>
+              </a:lvl6pPr>
+              <a:lvl7pPr marL="2743200" algn="l" defTabSz="914400" rtl="0" eaLnBrk="1" latinLnBrk="0" hangingPunct="1">
+                <a:defRPr kern="1200">
+                  <a:solidFill>
+                    <a:schemeClr val="tx1"/>
+                  </a:solidFill>
+                  <a:latin typeface="Calibri" panose="020F0502020204030204" pitchFamily="34" charset="0"/>
+                  <a:ea typeface="+mn-ea"/>
+                  <a:cs typeface="+mn-cs"/>
+                </a:defRPr>
+              </a:lvl7pPr>
+              <a:lvl8pPr marL="3200400" algn="l" defTabSz="914400" rtl="0" eaLnBrk="1" latinLnBrk="0" hangingPunct="1">
+                <a:defRPr kern="1200">
+                  <a:solidFill>
+                    <a:schemeClr val="tx1"/>
+                  </a:solidFill>
+                  <a:latin typeface="Calibri" panose="020F0502020204030204" pitchFamily="34" charset="0"/>
+                  <a:ea typeface="+mn-ea"/>
+                  <a:cs typeface="+mn-cs"/>
+                </a:defRPr>
+              </a:lvl8pPr>
+              <a:lvl9pPr marL="3657600" algn="l" defTabSz="914400" rtl="0" eaLnBrk="1" latinLnBrk="0" hangingPunct="1">
+                <a:defRPr kern="1200">
+                  <a:solidFill>
+                    <a:schemeClr val="tx1"/>
+                  </a:solidFill>
+                  <a:latin typeface="Calibri" panose="020F0502020204030204" pitchFamily="34" charset="0"/>
+                  <a:ea typeface="+mn-ea"/>
+                  <a:cs typeface="+mn-cs"/>
+                </a:defRPr>
+              </a:lvl9pPr>
+            </a:lstStyle>
+            <a:p>
+              <a:pPr algn="ctr" eaLnBrk="1" hangingPunct="1"/>
+              <a:r>
+                <a:rPr lang="en-US" altLang="en-US" sz="1200" dirty="0">
+                  <a:latin typeface="Arial" panose="020B0604020202020204" pitchFamily="34" charset="0"/>
+                  <a:ea typeface="Amazon Ember" panose="020B0603020204020204" pitchFamily="34" charset="0"/>
+                  <a:cs typeface="Arial" panose="020B0604020202020204" pitchFamily="34" charset="0"/>
+                </a:rPr>
+                <a:t>Amazon EC2</a:t>
+              </a:r>
+            </a:p>
+            <a:p>
+              <a:pPr algn="ctr" eaLnBrk="1" hangingPunct="1"/>
+              <a:r>
+                <a:rPr lang="en-US" altLang="en-US" sz="1200" dirty="0">
+                  <a:latin typeface="Arial" panose="020B0604020202020204" pitchFamily="34" charset="0"/>
+                  <a:ea typeface="Amazon Ember" panose="020B0603020204020204" pitchFamily="34" charset="0"/>
+                  <a:cs typeface="Arial" panose="020B0604020202020204" pitchFamily="34" charset="0"/>
+                </a:rPr>
+                <a:t>(Web Server)</a:t>
+              </a:r>
+            </a:p>
+          </p:txBody>
+        </p:sp>
+      </p:grpSp>
+      <p:sp>
+        <p:nvSpPr>
+          <p:cNvPr id="58" name="TextBox 57">
+            <a:extLst>
+              <a:ext uri="{FF2B5EF4-FFF2-40B4-BE49-F238E27FC236}">
+                <a16:creationId xmlns:a16="http://schemas.microsoft.com/office/drawing/2014/main" id="{BAE93ABB-36FE-A60C-0CD8-3F07C56EC9E1}"/>
+              </a:ext>
+            </a:extLst>
+          </p:cNvPr>
+          <p:cNvSpPr txBox="1"/>
+          <p:nvPr/>
+        </p:nvSpPr>
+        <p:spPr>
+          <a:xfrm>
+            <a:off x="2389341" y="1763313"/>
+            <a:ext cx="835485" cy="323165"/>
+          </a:xfrm>
+          <a:prstGeom prst="rect">
+            <a:avLst/>
+          </a:prstGeom>
+          <a:solidFill>
+            <a:srgbClr val="FF0066"/>
+          </a:solidFill>
+        </p:spPr>
+        <p:style>
+          <a:lnRef idx="2">
+            <a:schemeClr val="accent4">
+              <a:shade val="15000"/>
+            </a:schemeClr>
+          </a:lnRef>
+          <a:fillRef idx="1">
+            <a:schemeClr val="accent4"/>
+          </a:fillRef>
+          <a:effectRef idx="0">
+            <a:schemeClr val="accent4"/>
+          </a:effectRef>
+          <a:fontRef idx="minor">
+            <a:schemeClr val="lt1"/>
+          </a:fontRef>
+        </p:style>
+        <p:txBody>
+          <a:bodyPr wrap="none" rtlCol="0">
+            <a:spAutoFit/>
+          </a:bodyPr>
+          <a:lstStyle/>
+          <a:p>
+            <a:r>
+              <a:rPr lang="en-US" altLang="ko-KR" sz="1500" b="1" dirty="0">
+                <a:solidFill>
+                  <a:schemeClr val="bg1"/>
+                </a:solidFill>
+              </a:rPr>
+              <a:t>Output</a:t>
+            </a:r>
+            <a:endParaRPr lang="ko-KR" altLang="en-US" sz="1500" b="1" dirty="0">
+              <a:solidFill>
+                <a:schemeClr val="bg1"/>
+              </a:solidFill>
+            </a:endParaRPr>
+          </a:p>
+        </p:txBody>
+      </p:sp>
+      <p:cxnSp>
+        <p:nvCxnSpPr>
+          <p:cNvPr id="71" name="직선 화살표 연결선 70">
+            <a:extLst>
+              <a:ext uri="{FF2B5EF4-FFF2-40B4-BE49-F238E27FC236}">
+                <a16:creationId xmlns:a16="http://schemas.microsoft.com/office/drawing/2014/main" id="{6113E95C-DABA-4AD2-9075-AA27D493286D}"/>
+              </a:ext>
+            </a:extLst>
+          </p:cNvPr>
+          <p:cNvCxnSpPr>
+            <a:cxnSpLocks/>
+            <a:endCxn id="22" idx="1"/>
+          </p:cNvCxnSpPr>
+          <p:nvPr/>
+        </p:nvCxnSpPr>
+        <p:spPr>
+          <a:xfrm>
+            <a:off x="4220446" y="3394337"/>
+            <a:ext cx="2999194" cy="5579"/>
+          </a:xfrm>
+          <a:prstGeom prst="straightConnector1">
+            <a:avLst/>
+          </a:prstGeom>
+          <a:ln w="19050">
+            <a:solidFill>
+              <a:schemeClr val="accent1"/>
+            </a:solidFill>
+            <a:tailEnd type="triangle"/>
+          </a:ln>
+        </p:spPr>
+        <p:style>
+          <a:lnRef idx="1">
+            <a:schemeClr val="accent1"/>
+          </a:lnRef>
+          <a:fillRef idx="0">
+            <a:schemeClr val="accent1"/>
+          </a:fillRef>
+          <a:effectRef idx="0">
+            <a:schemeClr val="accent1"/>
+          </a:effectRef>
+          <a:fontRef idx="minor">
+            <a:schemeClr val="tx1"/>
+          </a:fontRef>
+        </p:style>
+      </p:cxnSp>
+      <p:sp>
+        <p:nvSpPr>
+          <p:cNvPr id="117" name="label">
+            <a:extLst>
+              <a:ext uri="{FF2B5EF4-FFF2-40B4-BE49-F238E27FC236}">
+                <a16:creationId xmlns:a16="http://schemas.microsoft.com/office/drawing/2014/main" id="{B6C5C9AE-ACB7-9719-1663-2CD3F698156A}"/>
+              </a:ext>
+            </a:extLst>
+          </p:cNvPr>
+          <p:cNvSpPr txBox="1">
+            <a:spLocks noChangeArrowheads="1"/>
+          </p:cNvSpPr>
+          <p:nvPr/>
+        </p:nvSpPr>
+        <p:spPr>
+          <a:xfrm>
+            <a:off x="5386914" y="3201044"/>
+            <a:ext cx="1172413" cy="400110"/>
+          </a:xfrm>
+          <a:prstGeom prst="rect">
+            <a:avLst/>
+          </a:prstGeom>
+          <a:solidFill>
+            <a:schemeClr val="bg1"/>
+          </a:solidFill>
+          <a:ln>
+            <a:solidFill>
+              <a:schemeClr val="bg1"/>
+            </a:solidFill>
+          </a:ln>
+        </p:spPr>
+        <p:style>
+          <a:lnRef idx="2">
+            <a:schemeClr val="dk1"/>
+          </a:lnRef>
+          <a:fillRef idx="1">
+            <a:schemeClr val="lt1"/>
+          </a:fillRef>
+          <a:effectRef idx="0">
+            <a:schemeClr val="dk1"/>
+          </a:effectRef>
+          <a:fontRef idx="minor">
+            <a:schemeClr val="dk1"/>
+          </a:fontRef>
+        </p:style>
+        <p:txBody>
+          <a:bodyPr wrap="square">
+            <a:spAutoFit/>
+          </a:bodyPr>
+          <a:lstStyle>
+            <a:lvl1pPr marL="0" indent="0">
+              <a:lnSpc>
+                <a:spcPct val="100000"/>
+              </a:lnSpc>
+              <a:spcBef>
+                <a:spcPct val="0"/>
+              </a:spcBef>
+              <a:spcAft>
+                <a:spcPts val="0"/>
+              </a:spcAft>
+              <a:defRPr kumimoji="0" sz="1800" b="0" i="0" u="none" strike="noStrike" kern="0" cap="none" spc="0" normalizeH="0" baseline="0">
+                <a:solidFill>
+                  <a:schemeClr val="tx1"/>
+                </a:solidFill>
+              </a:defRPr>
+            </a:lvl1pPr>
+          </a:lstStyle>
+          <a:p>
+            <a:pPr algn="ctr" eaLnBrk="1" hangingPunct="1">
+              <a:defRPr/>
+            </a:pPr>
+            <a:r>
+              <a:rPr lang="en-US" altLang="en-US" sz="1000" i="1" dirty="0">
+                <a:latin typeface="Arial"/>
+                <a:cs typeface="Arial"/>
+              </a:rPr>
+              <a:t>Request</a:t>
+            </a:r>
+          </a:p>
+          <a:p>
+            <a:pPr algn="ctr" eaLnBrk="1" hangingPunct="1">
+              <a:defRPr/>
+            </a:pPr>
+            <a:r>
+              <a:rPr lang="en-US" altLang="en-US" sz="1000" i="1" dirty="0">
+                <a:latin typeface="Arial"/>
+                <a:cs typeface="Arial"/>
+              </a:rPr>
+              <a:t>Video Data</a:t>
+            </a:r>
+          </a:p>
+        </p:txBody>
+      </p:sp>
+      <p:sp>
+        <p:nvSpPr>
+          <p:cNvPr id="171" name="TextBox 170">
+            <a:extLst>
+              <a:ext uri="{FF2B5EF4-FFF2-40B4-BE49-F238E27FC236}">
+                <a16:creationId xmlns:a16="http://schemas.microsoft.com/office/drawing/2014/main" id="{9C2B899A-FBCA-5701-1C53-DD6AA41A1849}"/>
+              </a:ext>
+            </a:extLst>
+          </p:cNvPr>
+          <p:cNvSpPr txBox="1"/>
+          <p:nvPr/>
+        </p:nvSpPr>
+        <p:spPr>
+          <a:xfrm>
+            <a:off x="5381945" y="2901525"/>
+            <a:ext cx="290464" cy="323165"/>
+          </a:xfrm>
+          <a:prstGeom prst="rect">
+            <a:avLst/>
+          </a:prstGeom>
+        </p:spPr>
+        <p:style>
+          <a:lnRef idx="2">
+            <a:schemeClr val="accent4">
+              <a:shade val="15000"/>
+            </a:schemeClr>
+          </a:lnRef>
+          <a:fillRef idx="1">
+            <a:schemeClr val="accent4"/>
+          </a:fillRef>
+          <a:effectRef idx="0">
+            <a:schemeClr val="accent4"/>
+          </a:effectRef>
+          <a:fontRef idx="minor">
+            <a:schemeClr val="lt1"/>
+          </a:fontRef>
+        </p:style>
+        <p:txBody>
+          <a:bodyPr wrap="none" rtlCol="0">
+            <a:spAutoFit/>
+          </a:bodyPr>
+          <a:lstStyle/>
+          <a:p>
+            <a:r>
+              <a:rPr lang="en-US" altLang="ko-KR" sz="1500" dirty="0">
+                <a:solidFill>
+                  <a:schemeClr val="tx1"/>
+                </a:solidFill>
+              </a:rPr>
+              <a:t>1</a:t>
+            </a:r>
+            <a:endParaRPr lang="ko-KR" altLang="en-US" sz="1500" dirty="0">
+              <a:solidFill>
+                <a:schemeClr val="tx1"/>
+              </a:solidFill>
+            </a:endParaRPr>
+          </a:p>
+        </p:txBody>
+      </p:sp>
+      <p:cxnSp>
+        <p:nvCxnSpPr>
+          <p:cNvPr id="78" name="연결선: 꺾임 77">
+            <a:extLst>
+              <a:ext uri="{FF2B5EF4-FFF2-40B4-BE49-F238E27FC236}">
+                <a16:creationId xmlns:a16="http://schemas.microsoft.com/office/drawing/2014/main" id="{1B24F716-0AE1-FF92-6763-7032A72ECF41}"/>
+              </a:ext>
+            </a:extLst>
+          </p:cNvPr>
+          <p:cNvCxnSpPr>
+            <a:endCxn id="50" idx="3"/>
+          </p:cNvCxnSpPr>
+          <p:nvPr/>
+        </p:nvCxnSpPr>
+        <p:spPr>
+          <a:xfrm rot="16200000" flipV="1">
+            <a:off x="6707939" y="2492887"/>
+            <a:ext cx="3793036" cy="1245631"/>
+          </a:xfrm>
+          <a:prstGeom prst="bentConnector2">
+            <a:avLst/>
+          </a:prstGeom>
+          <a:ln w="19050">
+            <a:solidFill>
+              <a:schemeClr val="accent6"/>
+            </a:solidFill>
+            <a:tailEnd type="triangle"/>
+          </a:ln>
+        </p:spPr>
+        <p:style>
+          <a:lnRef idx="1">
+            <a:schemeClr val="accent1"/>
+          </a:lnRef>
+          <a:fillRef idx="0">
+            <a:schemeClr val="accent1"/>
+          </a:fillRef>
+          <a:effectRef idx="0">
+            <a:schemeClr val="accent1"/>
+          </a:effectRef>
+          <a:fontRef idx="minor">
+            <a:schemeClr val="tx1"/>
+          </a:fontRef>
+        </p:style>
+      </p:cxnSp>
+      <p:sp>
+        <p:nvSpPr>
+          <p:cNvPr id="147" name="label">
+            <a:extLst>
+              <a:ext uri="{FF2B5EF4-FFF2-40B4-BE49-F238E27FC236}">
+                <a16:creationId xmlns:a16="http://schemas.microsoft.com/office/drawing/2014/main" id="{A75C122B-1989-EA8E-E17C-D79108A6BF4D}"/>
+              </a:ext>
+            </a:extLst>
+          </p:cNvPr>
+          <p:cNvSpPr txBox="1">
+            <a:spLocks noChangeArrowheads="1"/>
+          </p:cNvSpPr>
+          <p:nvPr/>
+        </p:nvSpPr>
+        <p:spPr>
+          <a:xfrm>
+            <a:off x="8676481" y="3231901"/>
+            <a:ext cx="1101582" cy="400110"/>
+          </a:xfrm>
+          <a:prstGeom prst="rect">
+            <a:avLst/>
+          </a:prstGeom>
+          <a:ln>
+            <a:noFill/>
+          </a:ln>
+        </p:spPr>
+        <p:style>
+          <a:lnRef idx="2">
+            <a:schemeClr val="dk1"/>
+          </a:lnRef>
+          <a:fillRef idx="1">
+            <a:schemeClr val="lt1"/>
+          </a:fillRef>
+          <a:effectRef idx="0">
+            <a:schemeClr val="dk1"/>
+          </a:effectRef>
+          <a:fontRef idx="minor">
+            <a:schemeClr val="dk1"/>
+          </a:fontRef>
+        </p:style>
+        <p:txBody>
+          <a:bodyPr wrap="square">
+            <a:spAutoFit/>
+          </a:bodyPr>
+          <a:lstStyle>
+            <a:lvl1pPr marL="0" indent="0">
+              <a:lnSpc>
+                <a:spcPct val="100000"/>
+              </a:lnSpc>
+              <a:spcBef>
+                <a:spcPct val="0"/>
+              </a:spcBef>
+              <a:spcAft>
+                <a:spcPts val="0"/>
+              </a:spcAft>
+              <a:defRPr kumimoji="0" sz="1800" b="0" i="0" u="none" strike="noStrike" kern="0" cap="none" spc="0" normalizeH="0" baseline="0">
+                <a:solidFill>
+                  <a:schemeClr val="tx1"/>
+                </a:solidFill>
+              </a:defRPr>
+            </a:lvl1pPr>
+          </a:lstStyle>
+          <a:p>
+            <a:pPr algn="ctr" eaLnBrk="1" hangingPunct="1">
+              <a:defRPr/>
+            </a:pPr>
+            <a:r>
+              <a:rPr lang="en-US" altLang="en-US" sz="1000" i="1" dirty="0">
+                <a:latin typeface="Arial"/>
+                <a:cs typeface="Arial"/>
+              </a:rPr>
+              <a:t>Response</a:t>
+            </a:r>
+          </a:p>
+          <a:p>
+            <a:pPr algn="ctr" eaLnBrk="1" hangingPunct="1">
+              <a:defRPr/>
+            </a:pPr>
+            <a:r>
+              <a:rPr lang="en-US" altLang="en-US" sz="1000" i="1" dirty="0">
+                <a:latin typeface="Arial"/>
+                <a:cs typeface="Arial"/>
+              </a:rPr>
+              <a:t>Feature Result</a:t>
+            </a:r>
+          </a:p>
+        </p:txBody>
+      </p:sp>
+      <p:sp>
+        <p:nvSpPr>
+          <p:cNvPr id="172" name="TextBox 171">
+            <a:extLst>
+              <a:ext uri="{FF2B5EF4-FFF2-40B4-BE49-F238E27FC236}">
+                <a16:creationId xmlns:a16="http://schemas.microsoft.com/office/drawing/2014/main" id="{72120E0D-E64C-6A28-3BEA-AAEFC17BDF64}"/>
+              </a:ext>
+            </a:extLst>
+          </p:cNvPr>
+          <p:cNvSpPr txBox="1"/>
+          <p:nvPr/>
+        </p:nvSpPr>
+        <p:spPr>
+          <a:xfrm>
+            <a:off x="8659735" y="2933233"/>
+            <a:ext cx="290464" cy="323165"/>
+          </a:xfrm>
+          <a:prstGeom prst="rect">
+            <a:avLst/>
+          </a:prstGeom>
+        </p:spPr>
+        <p:style>
+          <a:lnRef idx="2">
+            <a:schemeClr val="accent4">
+              <a:shade val="15000"/>
+            </a:schemeClr>
+          </a:lnRef>
+          <a:fillRef idx="1">
+            <a:schemeClr val="accent4"/>
+          </a:fillRef>
+          <a:effectRef idx="0">
+            <a:schemeClr val="accent4"/>
+          </a:effectRef>
+          <a:fontRef idx="minor">
+            <a:schemeClr val="lt1"/>
+          </a:fontRef>
+        </p:style>
+        <p:txBody>
+          <a:bodyPr wrap="none" rtlCol="0">
+            <a:spAutoFit/>
+          </a:bodyPr>
+          <a:lstStyle/>
+          <a:p>
+            <a:r>
+              <a:rPr lang="en-US" altLang="ko-KR" sz="1500" dirty="0">
+                <a:solidFill>
+                  <a:schemeClr val="tx1"/>
+                </a:solidFill>
+              </a:rPr>
+              <a:t>3</a:t>
+            </a:r>
+            <a:endParaRPr lang="ko-KR" altLang="en-US" sz="1500" dirty="0">
+              <a:solidFill>
+                <a:schemeClr val="tx1"/>
+              </a:solidFill>
+            </a:endParaRPr>
+          </a:p>
+        </p:txBody>
+      </p:sp>
+      <p:grpSp>
+        <p:nvGrpSpPr>
+          <p:cNvPr id="103" name="그룹 102">
+            <a:extLst>
+              <a:ext uri="{FF2B5EF4-FFF2-40B4-BE49-F238E27FC236}">
+                <a16:creationId xmlns:a16="http://schemas.microsoft.com/office/drawing/2014/main" id="{12665E04-0242-1CBF-0620-D1DF9A145169}"/>
+              </a:ext>
+            </a:extLst>
+          </p:cNvPr>
+          <p:cNvGrpSpPr/>
+          <p:nvPr/>
+        </p:nvGrpSpPr>
+        <p:grpSpPr>
+          <a:xfrm>
+            <a:off x="9666874" y="1670206"/>
+            <a:ext cx="1727273" cy="1007249"/>
+            <a:chOff x="10497370" y="2847616"/>
+            <a:chExt cx="1727273" cy="1007249"/>
+          </a:xfrm>
+        </p:grpSpPr>
+        <p:pic>
+          <p:nvPicPr>
+            <p:cNvPr id="101" name="Graphic 17" descr="Amazon CloudWatch service icon.">
+              <a:extLst>
+                <a:ext uri="{FF2B5EF4-FFF2-40B4-BE49-F238E27FC236}">
+                  <a16:creationId xmlns:a16="http://schemas.microsoft.com/office/drawing/2014/main" id="{F0F27D85-8B1B-4E60-9EC1-12AB8A2FBCC5}"/>
+                </a:ext>
+              </a:extLst>
+            </p:cNvPr>
+            <p:cNvPicPr>
+              <a:picLocks noChangeAspect="1" noChangeArrowheads="1"/>
+            </p:cNvPicPr>
+            <p:nvPr/>
+          </p:nvPicPr>
+          <p:blipFill>
+            <a:blip r:embed="rId10">
+              <a:extLst>
+                <a:ext uri="{96DAC541-7B7A-43D3-8B79-37D633B846F1}">
+                  <asvg:svgBlip xmlns:asvg="http://schemas.microsoft.com/office/drawing/2016/SVG/main" r:embed="rId11"/>
+                </a:ext>
+              </a:extLst>
+            </a:blip>
+            <a:srcRect/>
+            <a:stretch/>
+          </p:blipFill>
+          <p:spPr bwMode="auto">
+            <a:xfrm>
+              <a:off x="10980007" y="2847616"/>
+              <a:ext cx="762000" cy="762000"/>
+            </a:xfrm>
+            <a:prstGeom prst="rect">
+              <a:avLst/>
+            </a:prstGeom>
+            <a:noFill/>
+            <a:ln>
+              <a:noFill/>
+            </a:ln>
+            <a:extLst>
+              <a:ext uri="{909E8E84-426E-40DD-AFC4-6F175D3DCCD1}">
+                <a14:hiddenFill xmlns:a14="http://schemas.microsoft.com/office/drawing/2010/main">
+                  <a:solidFill>
+                    <a:srgbClr val="FFFFFF"/>
+                  </a:solidFill>
+                </a14:hiddenFill>
+              </a:ext>
+              <a:ext uri="{91240B29-F687-4F45-9708-019B960494DF}">
+                <a14:hiddenLine xmlns:a14="http://schemas.microsoft.com/office/drawing/2010/main" w="9525">
+                  <a:solidFill>
+                    <a:srgbClr val="000000"/>
+                  </a:solidFill>
+                  <a:miter lim="800000"/>
+                  <a:headEnd/>
+                  <a:tailEnd/>
+                </a14:hiddenLine>
+              </a:ext>
+            </a:extLst>
+          </p:spPr>
+        </p:pic>
+        <p:sp>
+          <p:nvSpPr>
+            <p:cNvPr id="102" name="TextBox 9">
+              <a:extLst>
+                <a:ext uri="{FF2B5EF4-FFF2-40B4-BE49-F238E27FC236}">
+                  <a16:creationId xmlns:a16="http://schemas.microsoft.com/office/drawing/2014/main" id="{80818169-1D2A-49F5-9D45-619D54F4885D}"/>
+                </a:ext>
+              </a:extLst>
+            </p:cNvPr>
+            <p:cNvSpPr txBox="1">
+              <a:spLocks noChangeArrowheads="1"/>
+            </p:cNvSpPr>
+            <p:nvPr/>
+          </p:nvSpPr>
+          <p:spPr bwMode="auto">
+            <a:xfrm>
+              <a:off x="10497370" y="3577866"/>
+              <a:ext cx="1727273" cy="276999"/>
+            </a:xfrm>
+            <a:prstGeom prst="rect">
+              <a:avLst/>
+            </a:prstGeom>
+            <a:noFill/>
+            <a:ln>
+              <a:noFill/>
+            </a:ln>
+            <a:extLst>
+              <a:ext uri="{909E8E84-426E-40DD-AFC4-6F175D3DCCD1}">
+                <a14:hiddenFill xmlns:a14="http://schemas.microsoft.com/office/drawing/2010/main">
+                  <a:solidFill>
+                    <a:srgbClr val="FFFFFF"/>
+                  </a:solidFill>
+                </a14:hiddenFill>
+              </a:ext>
+              <a:ext uri="{91240B29-F687-4F45-9708-019B960494DF}">
+                <a14:hiddenLine xmlns:a14="http://schemas.microsoft.com/office/drawing/2010/main" w="9525">
+                  <a:solidFill>
+                    <a:srgbClr val="000000"/>
+                  </a:solidFill>
+                  <a:miter lim="800000"/>
+                  <a:headEnd/>
+                  <a:tailEnd/>
+                </a14:hiddenLine>
+              </a:ext>
+            </a:extLst>
+          </p:spPr>
+          <p:txBody>
+            <a:bodyPr wrap="square">
+              <a:spAutoFit/>
+            </a:bodyPr>
+            <a:lstStyle>
+              <a:defPPr>
+                <a:defRPr lang="en-US"/>
+              </a:defPPr>
+              <a:lvl1pPr algn="l" rtl="0" eaLnBrk="0" fontAlgn="base" hangingPunct="0">
+                <a:spcBef>
+                  <a:spcPct val="0"/>
+                </a:spcBef>
+                <a:spcAft>
+                  <a:spcPct val="0"/>
+                </a:spcAft>
+                <a:defRPr kern="1200">
+                  <a:solidFill>
+                    <a:schemeClr val="tx1"/>
+                  </a:solidFill>
+                  <a:latin typeface="Calibri" panose="020F0502020204030204" pitchFamily="34" charset="0"/>
+                  <a:ea typeface="+mn-ea"/>
+                  <a:cs typeface="+mn-cs"/>
+                </a:defRPr>
+              </a:lvl1pPr>
+              <a:lvl2pPr marL="457200" algn="l" rtl="0" eaLnBrk="0" fontAlgn="base" hangingPunct="0">
+                <a:spcBef>
+                  <a:spcPct val="0"/>
+                </a:spcBef>
+                <a:spcAft>
+                  <a:spcPct val="0"/>
+                </a:spcAft>
+                <a:defRPr kern="1200">
+                  <a:solidFill>
+                    <a:schemeClr val="tx1"/>
+                  </a:solidFill>
+                  <a:latin typeface="Calibri" panose="020F0502020204030204" pitchFamily="34" charset="0"/>
+                  <a:ea typeface="+mn-ea"/>
+                  <a:cs typeface="+mn-cs"/>
+                </a:defRPr>
+              </a:lvl2pPr>
+              <a:lvl3pPr marL="914400" algn="l" rtl="0" eaLnBrk="0" fontAlgn="base" hangingPunct="0">
+                <a:spcBef>
+                  <a:spcPct val="0"/>
+                </a:spcBef>
+                <a:spcAft>
+                  <a:spcPct val="0"/>
+                </a:spcAft>
+                <a:defRPr kern="1200">
+                  <a:solidFill>
+                    <a:schemeClr val="tx1"/>
+                  </a:solidFill>
+                  <a:latin typeface="Calibri" panose="020F0502020204030204" pitchFamily="34" charset="0"/>
+                  <a:ea typeface="+mn-ea"/>
+                  <a:cs typeface="+mn-cs"/>
+                </a:defRPr>
+              </a:lvl3pPr>
+              <a:lvl4pPr marL="1371600" algn="l" rtl="0" eaLnBrk="0" fontAlgn="base" hangingPunct="0">
+                <a:spcBef>
+                  <a:spcPct val="0"/>
+                </a:spcBef>
+                <a:spcAft>
+                  <a:spcPct val="0"/>
+                </a:spcAft>
+                <a:defRPr kern="1200">
+                  <a:solidFill>
+                    <a:schemeClr val="tx1"/>
+                  </a:solidFill>
+                  <a:latin typeface="Calibri" panose="020F0502020204030204" pitchFamily="34" charset="0"/>
+                  <a:ea typeface="+mn-ea"/>
+                  <a:cs typeface="+mn-cs"/>
+                </a:defRPr>
+              </a:lvl4pPr>
+              <a:lvl5pPr marL="1828800" algn="l" rtl="0" eaLnBrk="0" fontAlgn="base" hangingPunct="0">
+                <a:spcBef>
+                  <a:spcPct val="0"/>
+                </a:spcBef>
+                <a:spcAft>
+                  <a:spcPct val="0"/>
+                </a:spcAft>
+                <a:defRPr kern="1200">
+                  <a:solidFill>
+                    <a:schemeClr val="tx1"/>
+                  </a:solidFill>
+                  <a:latin typeface="Calibri" panose="020F0502020204030204" pitchFamily="34" charset="0"/>
+                  <a:ea typeface="+mn-ea"/>
+                  <a:cs typeface="+mn-cs"/>
+                </a:defRPr>
+              </a:lvl5pPr>
+              <a:lvl6pPr marL="2286000" algn="l" defTabSz="914400" rtl="0" eaLnBrk="1" latinLnBrk="0" hangingPunct="1">
+                <a:defRPr kern="1200">
+                  <a:solidFill>
+                    <a:schemeClr val="tx1"/>
+                  </a:solidFill>
+                  <a:latin typeface="Calibri" panose="020F0502020204030204" pitchFamily="34" charset="0"/>
+                  <a:ea typeface="+mn-ea"/>
+                  <a:cs typeface="+mn-cs"/>
+                </a:defRPr>
+              </a:lvl6pPr>
+              <a:lvl7pPr marL="2743200" algn="l" defTabSz="914400" rtl="0" eaLnBrk="1" latinLnBrk="0" hangingPunct="1">
+                <a:defRPr kern="1200">
+                  <a:solidFill>
+                    <a:schemeClr val="tx1"/>
+                  </a:solidFill>
+                  <a:latin typeface="Calibri" panose="020F0502020204030204" pitchFamily="34" charset="0"/>
+                  <a:ea typeface="+mn-ea"/>
+                  <a:cs typeface="+mn-cs"/>
+                </a:defRPr>
+              </a:lvl7pPr>
+              <a:lvl8pPr marL="3200400" algn="l" defTabSz="914400" rtl="0" eaLnBrk="1" latinLnBrk="0" hangingPunct="1">
+                <a:defRPr kern="1200">
+                  <a:solidFill>
+                    <a:schemeClr val="tx1"/>
+                  </a:solidFill>
+                  <a:latin typeface="Calibri" panose="020F0502020204030204" pitchFamily="34" charset="0"/>
+                  <a:ea typeface="+mn-ea"/>
+                  <a:cs typeface="+mn-cs"/>
+                </a:defRPr>
+              </a:lvl8pPr>
+              <a:lvl9pPr marL="3657600" algn="l" defTabSz="914400" rtl="0" eaLnBrk="1" latinLnBrk="0" hangingPunct="1">
+                <a:defRPr kern="1200">
+                  <a:solidFill>
+                    <a:schemeClr val="tx1"/>
+                  </a:solidFill>
+                  <a:latin typeface="Calibri" panose="020F0502020204030204" pitchFamily="34" charset="0"/>
+                  <a:ea typeface="+mn-ea"/>
+                  <a:cs typeface="+mn-cs"/>
+                </a:defRPr>
+              </a:lvl9pPr>
+            </a:lstStyle>
+            <a:p>
+              <a:pPr algn="ctr" eaLnBrk="1" hangingPunct="1"/>
+              <a:r>
+                <a:rPr lang="en-US" altLang="en-US" sz="1200" dirty="0">
+                  <a:latin typeface="Arial" panose="020B0604020202020204" pitchFamily="34" charset="0"/>
+                  <a:ea typeface="Amazon Ember" panose="020B0603020204020204" pitchFamily="34" charset="0"/>
+                  <a:cs typeface="Arial" panose="020B0604020202020204" pitchFamily="34" charset="0"/>
+                </a:rPr>
+                <a:t>Amazon CloudWatch</a:t>
+              </a:r>
+            </a:p>
+          </p:txBody>
+        </p:sp>
+      </p:grpSp>
+      <p:cxnSp>
+        <p:nvCxnSpPr>
+          <p:cNvPr id="105" name="직선 화살표 연결선 104">
+            <a:extLst>
+              <a:ext uri="{FF2B5EF4-FFF2-40B4-BE49-F238E27FC236}">
+                <a16:creationId xmlns:a16="http://schemas.microsoft.com/office/drawing/2014/main" id="{B8A99F07-5E60-5D7A-6E60-51D817B2BA7A}"/>
+              </a:ext>
+            </a:extLst>
+          </p:cNvPr>
+          <p:cNvCxnSpPr>
+            <a:cxnSpLocks/>
+            <a:stCxn id="101" idx="1"/>
+          </p:cNvCxnSpPr>
+          <p:nvPr/>
+        </p:nvCxnSpPr>
+        <p:spPr>
+          <a:xfrm flipH="1">
+            <a:off x="9227272" y="2051206"/>
+            <a:ext cx="922239" cy="0"/>
+          </a:xfrm>
+          <a:prstGeom prst="straightConnector1">
+            <a:avLst/>
+          </a:prstGeom>
+          <a:ln w="19050">
+            <a:solidFill>
+              <a:schemeClr val="tx1"/>
+            </a:solidFill>
+            <a:tailEnd type="triangle"/>
+          </a:ln>
+        </p:spPr>
+        <p:style>
+          <a:lnRef idx="1">
+            <a:schemeClr val="accent1"/>
+          </a:lnRef>
+          <a:fillRef idx="0">
+            <a:schemeClr val="accent1"/>
+          </a:fillRef>
+          <a:effectRef idx="0">
+            <a:schemeClr val="accent1"/>
+          </a:effectRef>
+          <a:fontRef idx="minor">
+            <a:schemeClr val="tx1"/>
+          </a:fontRef>
+        </p:style>
+      </p:cxnSp>
+      <p:cxnSp>
+        <p:nvCxnSpPr>
+          <p:cNvPr id="113" name="직선 화살표 연결선 112">
+            <a:extLst>
+              <a:ext uri="{FF2B5EF4-FFF2-40B4-BE49-F238E27FC236}">
+                <a16:creationId xmlns:a16="http://schemas.microsoft.com/office/drawing/2014/main" id="{D019E312-5136-A8B7-117D-A21757D1B825}"/>
+              </a:ext>
+            </a:extLst>
+          </p:cNvPr>
+          <p:cNvCxnSpPr>
+            <a:cxnSpLocks/>
+            <a:stCxn id="22" idx="0"/>
+            <a:endCxn id="51" idx="2"/>
+          </p:cNvCxnSpPr>
+          <p:nvPr/>
+        </p:nvCxnSpPr>
+        <p:spPr>
+          <a:xfrm flipV="1">
+            <a:off x="7600640" y="1823354"/>
+            <a:ext cx="1" cy="1195562"/>
+          </a:xfrm>
+          <a:prstGeom prst="straightConnector1">
+            <a:avLst/>
+          </a:prstGeom>
+          <a:ln w="19050">
+            <a:tailEnd type="triangle"/>
+          </a:ln>
+        </p:spPr>
+        <p:style>
+          <a:lnRef idx="1">
+            <a:schemeClr val="accent1"/>
+          </a:lnRef>
+          <a:fillRef idx="0">
+            <a:schemeClr val="accent1"/>
+          </a:fillRef>
+          <a:effectRef idx="0">
+            <a:schemeClr val="accent1"/>
+          </a:effectRef>
+          <a:fontRef idx="minor">
+            <a:schemeClr val="tx1"/>
+          </a:fontRef>
+        </p:style>
+      </p:cxnSp>
+      <p:sp>
+        <p:nvSpPr>
+          <p:cNvPr id="122" name="label">
+            <a:extLst>
+              <a:ext uri="{FF2B5EF4-FFF2-40B4-BE49-F238E27FC236}">
+                <a16:creationId xmlns:a16="http://schemas.microsoft.com/office/drawing/2014/main" id="{7B59D974-55EF-F737-5B86-15ED3C881EF9}"/>
+              </a:ext>
+            </a:extLst>
+          </p:cNvPr>
+          <p:cNvSpPr txBox="1">
+            <a:spLocks noChangeArrowheads="1"/>
+          </p:cNvSpPr>
+          <p:nvPr/>
+        </p:nvSpPr>
+        <p:spPr>
+          <a:xfrm>
+            <a:off x="7013205" y="2242013"/>
+            <a:ext cx="1172413" cy="400110"/>
+          </a:xfrm>
+          <a:prstGeom prst="rect">
+            <a:avLst/>
+          </a:prstGeom>
+          <a:solidFill>
+            <a:schemeClr val="bg1"/>
+          </a:solidFill>
+          <a:ln>
+            <a:solidFill>
+              <a:schemeClr val="bg1"/>
+            </a:solidFill>
+          </a:ln>
+        </p:spPr>
+        <p:style>
+          <a:lnRef idx="2">
+            <a:schemeClr val="dk1"/>
+          </a:lnRef>
+          <a:fillRef idx="1">
+            <a:schemeClr val="lt1"/>
+          </a:fillRef>
+          <a:effectRef idx="0">
+            <a:schemeClr val="dk1"/>
+          </a:effectRef>
+          <a:fontRef idx="minor">
+            <a:schemeClr val="dk1"/>
+          </a:fontRef>
+        </p:style>
+        <p:txBody>
+          <a:bodyPr wrap="square">
+            <a:spAutoFit/>
+          </a:bodyPr>
+          <a:lstStyle>
+            <a:lvl1pPr marL="0" indent="0">
+              <a:lnSpc>
+                <a:spcPct val="100000"/>
+              </a:lnSpc>
+              <a:spcBef>
+                <a:spcPct val="0"/>
+              </a:spcBef>
+              <a:spcAft>
+                <a:spcPts val="0"/>
+              </a:spcAft>
+              <a:defRPr kumimoji="0" sz="1800" b="0" i="0" u="none" strike="noStrike" kern="0" cap="none" spc="0" normalizeH="0" baseline="0">
+                <a:solidFill>
+                  <a:schemeClr val="tx1"/>
+                </a:solidFill>
+              </a:defRPr>
+            </a:lvl1pPr>
+          </a:lstStyle>
+          <a:p>
+            <a:pPr algn="ctr" eaLnBrk="1" hangingPunct="1">
+              <a:defRPr/>
+            </a:pPr>
+            <a:r>
+              <a:rPr lang="en-US" altLang="en-US" sz="1000" i="1" dirty="0">
+                <a:latin typeface="Arial"/>
+                <a:cs typeface="Arial"/>
+              </a:rPr>
+              <a:t>Response</a:t>
+            </a:r>
+          </a:p>
+          <a:p>
+            <a:pPr algn="ctr" eaLnBrk="1" hangingPunct="1">
+              <a:defRPr/>
+            </a:pPr>
+            <a:r>
+              <a:rPr lang="en-US" altLang="en-US" sz="1000" i="1" dirty="0">
+                <a:latin typeface="Arial"/>
+                <a:cs typeface="Arial"/>
+              </a:rPr>
+              <a:t>Video Data</a:t>
+            </a:r>
+          </a:p>
+        </p:txBody>
+      </p:sp>
+      <p:sp>
+        <p:nvSpPr>
+          <p:cNvPr id="173" name="TextBox 172">
+            <a:extLst>
+              <a:ext uri="{FF2B5EF4-FFF2-40B4-BE49-F238E27FC236}">
+                <a16:creationId xmlns:a16="http://schemas.microsoft.com/office/drawing/2014/main" id="{9279C484-B37C-B86A-2475-D74238FF1744}"/>
+              </a:ext>
+            </a:extLst>
+          </p:cNvPr>
+          <p:cNvSpPr txBox="1"/>
+          <p:nvPr/>
+        </p:nvSpPr>
+        <p:spPr>
+          <a:xfrm>
+            <a:off x="6923022" y="2062463"/>
+            <a:ext cx="290464" cy="323165"/>
+          </a:xfrm>
+          <a:prstGeom prst="rect">
+            <a:avLst/>
+          </a:prstGeom>
+        </p:spPr>
+        <p:style>
+          <a:lnRef idx="2">
+            <a:schemeClr val="accent4">
+              <a:shade val="15000"/>
+            </a:schemeClr>
+          </a:lnRef>
+          <a:fillRef idx="1">
+            <a:schemeClr val="accent4"/>
+          </a:fillRef>
+          <a:effectRef idx="0">
+            <a:schemeClr val="accent4"/>
+          </a:effectRef>
+          <a:fontRef idx="minor">
+            <a:schemeClr val="lt1"/>
+          </a:fontRef>
+        </p:style>
+        <p:txBody>
+          <a:bodyPr wrap="none" rtlCol="0">
+            <a:spAutoFit/>
+          </a:bodyPr>
+          <a:lstStyle/>
+          <a:p>
+            <a:r>
+              <a:rPr lang="en-US" altLang="ko-KR" sz="1500" dirty="0">
+                <a:solidFill>
+                  <a:schemeClr val="tx1"/>
+                </a:solidFill>
+              </a:rPr>
+              <a:t>2</a:t>
+            </a:r>
+            <a:endParaRPr lang="ko-KR" altLang="en-US" sz="1500" dirty="0">
+              <a:solidFill>
+                <a:schemeClr val="tx1"/>
+              </a:solidFill>
+            </a:endParaRPr>
+          </a:p>
+        </p:txBody>
+      </p:sp>
+      <p:sp>
+        <p:nvSpPr>
+          <p:cNvPr id="118" name="TextBox 117">
+            <a:extLst>
+              <a:ext uri="{FF2B5EF4-FFF2-40B4-BE49-F238E27FC236}">
+                <a16:creationId xmlns:a16="http://schemas.microsoft.com/office/drawing/2014/main" id="{E09E7382-15B9-1B4D-5370-1633A8949496}"/>
+              </a:ext>
+            </a:extLst>
+          </p:cNvPr>
+          <p:cNvSpPr txBox="1"/>
+          <p:nvPr/>
+        </p:nvSpPr>
+        <p:spPr>
+          <a:xfrm>
+            <a:off x="7327162" y="4910540"/>
+            <a:ext cx="290464" cy="323165"/>
+          </a:xfrm>
+          <a:prstGeom prst="rect">
+            <a:avLst/>
+          </a:prstGeom>
+        </p:spPr>
+        <p:style>
+          <a:lnRef idx="2">
+            <a:schemeClr val="accent4">
+              <a:shade val="15000"/>
+            </a:schemeClr>
+          </a:lnRef>
+          <a:fillRef idx="1">
+            <a:schemeClr val="accent4"/>
+          </a:fillRef>
+          <a:effectRef idx="0">
+            <a:schemeClr val="accent4"/>
+          </a:effectRef>
+          <a:fontRef idx="minor">
+            <a:schemeClr val="lt1"/>
+          </a:fontRef>
+        </p:style>
+        <p:txBody>
+          <a:bodyPr wrap="none" rtlCol="0">
+            <a:spAutoFit/>
+          </a:bodyPr>
+          <a:lstStyle/>
+          <a:p>
+            <a:r>
+              <a:rPr lang="en-US" altLang="ko-KR" sz="1500" dirty="0">
+                <a:solidFill>
+                  <a:schemeClr val="tx1"/>
+                </a:solidFill>
+              </a:rPr>
+              <a:t>2</a:t>
+            </a:r>
+            <a:endParaRPr lang="ko-KR" altLang="en-US" sz="1500" dirty="0">
+              <a:solidFill>
+                <a:schemeClr val="tx1"/>
+              </a:solidFill>
+            </a:endParaRPr>
+          </a:p>
+        </p:txBody>
+      </p:sp>
+      <p:pic>
+        <p:nvPicPr>
+          <p:cNvPr id="1026" name="Picture 2" descr="Plotly Dash — Everything You Need To Know | by Stephen Kilcommins |  DataDrivenInvestor">
+            <a:extLst>
+              <a:ext uri="{FF2B5EF4-FFF2-40B4-BE49-F238E27FC236}">
+                <a16:creationId xmlns:a16="http://schemas.microsoft.com/office/drawing/2014/main" id="{A7864D92-F41C-5459-D798-9392849DD519}"/>
+              </a:ext>
+            </a:extLst>
+          </p:cNvPr>
+          <p:cNvPicPr>
+            <a:picLocks noChangeAspect="1" noChangeArrowheads="1"/>
+          </p:cNvPicPr>
+          <p:nvPr/>
+        </p:nvPicPr>
+        <p:blipFill rotWithShape="1">
+          <a:blip r:embed="rId12">
+            <a:extLst>
+              <a:ext uri="{28A0092B-C50C-407E-A947-70E740481C1C}">
+                <a14:useLocalDpi xmlns:a14="http://schemas.microsoft.com/office/drawing/2010/main" val="0"/>
+              </a:ext>
+            </a:extLst>
+          </a:blip>
+          <a:srcRect t="32384" b="26959"/>
+          <a:stretch/>
+        </p:blipFill>
+        <p:spPr bwMode="auto">
+          <a:xfrm>
+            <a:off x="2688369" y="3188346"/>
+            <a:ext cx="1516651" cy="462472"/>
+          </a:xfrm>
+          <a:prstGeom prst="rect">
+            <a:avLst/>
+          </a:prstGeom>
+          <a:noFill/>
+          <a:extLst>
+            <a:ext uri="{909E8E84-426E-40DD-AFC4-6F175D3DCCD1}">
+              <a14:hiddenFill xmlns:a14="http://schemas.microsoft.com/office/drawing/2010/main">
+                <a:solidFill>
+                  <a:srgbClr val="FFFFFF"/>
+                </a:solidFill>
+              </a14:hiddenFill>
+            </a:ext>
+          </a:extLst>
+        </p:spPr>
+      </p:pic>
+    </p:spTree>
+    <p:extLst>
+      <p:ext uri="{BB962C8B-B14F-4D97-AF65-F5344CB8AC3E}">
+        <p14:creationId xmlns:p14="http://schemas.microsoft.com/office/powerpoint/2010/main" val="813825275"/>
+      </p:ext>
+    </p:extLst>
+  </p:cSld>
+  <p:clrMapOvr>
+    <a:masterClrMapping/>
+  </p:clrMapOvr>
+</p:sld>
+</file>
+
+<file path=ppt/slides/slide3.xml><?xml version="1.0" encoding="utf-8"?>
+<p:sld xmlns:a="http://schemas.openxmlformats.org/drawingml/2006/main" xmlns:r="http://schemas.openxmlformats.org/officeDocument/2006/relationships" xmlns:p="http://schemas.openxmlformats.org/presentationml/2006/main">
+  <p:cSld>
+    <p:spTree>
+      <p:nvGrpSpPr>
+        <p:cNvPr id="1" name=""/>
+        <p:cNvGrpSpPr/>
+        <p:nvPr/>
+      </p:nvGrpSpPr>
+      <p:grpSpPr>
+        <a:xfrm>
+          <a:off x="0" y="0"/>
+          <a:ext cx="0" cy="0"/>
+          <a:chOff x="0" y="0"/>
+          <a:chExt cx="0" cy="0"/>
+        </a:xfrm>
+      </p:grpSpPr>
+      <p:grpSp>
+        <p:nvGrpSpPr>
+          <p:cNvPr id="119" name="그룹 118">
+            <a:extLst>
+              <a:ext uri="{FF2B5EF4-FFF2-40B4-BE49-F238E27FC236}">
+                <a16:creationId xmlns:a16="http://schemas.microsoft.com/office/drawing/2014/main" id="{BC4DF198-F8AE-4A9C-B383-AB7864A5A7E9}"/>
+              </a:ext>
+            </a:extLst>
+          </p:cNvPr>
+          <p:cNvGrpSpPr/>
+          <p:nvPr/>
+        </p:nvGrpSpPr>
+        <p:grpSpPr>
+          <a:xfrm>
+            <a:off x="409889" y="2725851"/>
+            <a:ext cx="1506538" cy="689870"/>
+            <a:chOff x="634119" y="3078325"/>
+            <a:chExt cx="1506538" cy="689870"/>
+          </a:xfrm>
+        </p:grpSpPr>
+        <p:pic>
+          <p:nvPicPr>
+            <p:cNvPr id="7" name="Graphic 6" descr="General resource icon.">
+              <a:extLst>
+                <a:ext uri="{FF2B5EF4-FFF2-40B4-BE49-F238E27FC236}">
+                  <a16:creationId xmlns:a16="http://schemas.microsoft.com/office/drawing/2014/main" id="{5685B766-6A8A-9CCB-7024-790DB30C8FDD}"/>
+                </a:ext>
+              </a:extLst>
+            </p:cNvPr>
+            <p:cNvPicPr>
+              <a:picLocks noChangeAspect="1" noChangeArrowheads="1"/>
+            </p:cNvPicPr>
+            <p:nvPr/>
+          </p:nvPicPr>
+          <p:blipFill rotWithShape="1">
+            <a:blip r:embed="rId2"/>
+            <a:srcRect/>
+            <a:stretch>
+              <a:fillRect/>
+            </a:stretch>
+          </p:blipFill>
+          <p:spPr>
+            <a:xfrm flipH="1">
+              <a:off x="1147583" y="3078325"/>
+              <a:ext cx="469900" cy="469900"/>
+            </a:xfrm>
+            <a:prstGeom prst="rect">
+              <a:avLst/>
+            </a:prstGeom>
+            <a:noFill/>
+            <a:ln>
+              <a:noFill/>
+            </a:ln>
+          </p:spPr>
+        </p:pic>
+        <p:sp>
+          <p:nvSpPr>
+            <p:cNvPr id="8" name="label6">
+              <a:extLst>
+                <a:ext uri="{FF2B5EF4-FFF2-40B4-BE49-F238E27FC236}">
+                  <a16:creationId xmlns:a16="http://schemas.microsoft.com/office/drawing/2014/main" id="{7773F43E-A1D8-4849-2B6D-97246531D8CC}"/>
+                </a:ext>
+              </a:extLst>
+            </p:cNvPr>
+            <p:cNvSpPr txBox="1">
+              <a:spLocks noChangeArrowheads="1"/>
+            </p:cNvSpPr>
+            <p:nvPr/>
+          </p:nvSpPr>
+          <p:spPr>
+            <a:xfrm>
+              <a:off x="634119" y="3491196"/>
+              <a:ext cx="1506538" cy="276999"/>
+            </a:xfrm>
+            <a:prstGeom prst="rect">
+              <a:avLst/>
+            </a:prstGeom>
+            <a:noFill/>
+            <a:ln>
+              <a:noFill/>
+            </a:ln>
+          </p:spPr>
+          <p:txBody>
+            <a:bodyPr>
+              <a:spAutoFit/>
+            </a:bodyPr>
+            <a:lstStyle>
+              <a:lvl1pPr marL="0" indent="0">
+                <a:lnSpc>
+                  <a:spcPct val="100000"/>
+                </a:lnSpc>
+                <a:spcBef>
+                  <a:spcPct val="0"/>
+                </a:spcBef>
+                <a:spcAft>
+                  <a:spcPts val="0"/>
+                </a:spcAft>
+                <a:defRPr kumimoji="0" sz="1800" b="0" i="0" u="none" strike="noStrike" kern="0" cap="none" spc="0" normalizeH="0" baseline="0">
+                  <a:solidFill>
+                    <a:schemeClr val="tx1"/>
+                  </a:solidFill>
+                  <a:latin typeface="Calibri"/>
+                </a:defRPr>
+              </a:lvl1pPr>
+            </a:lstStyle>
+            <a:p>
+              <a:pPr algn="ctr" eaLnBrk="1" hangingPunct="1">
+                <a:defRPr/>
+              </a:pPr>
+              <a:r>
+                <a:rPr lang="en-US" altLang="en-US" sz="1200" dirty="0">
+                  <a:latin typeface="Arial"/>
+                  <a:cs typeface="Arial"/>
+                </a:rPr>
+                <a:t>Users</a:t>
+              </a:r>
+            </a:p>
+          </p:txBody>
+        </p:sp>
+      </p:grpSp>
+      <p:grpSp>
+        <p:nvGrpSpPr>
+          <p:cNvPr id="11" name="aGroupIcon" descr="Example of AWS Cloud group, represented as a rectangle with AWS logo at the top left, and AWS Cloud as a title.">
+            <a:extLst>
+              <a:ext uri="{FF2B5EF4-FFF2-40B4-BE49-F238E27FC236}">
+                <a16:creationId xmlns:a16="http://schemas.microsoft.com/office/drawing/2014/main" id="{E8019DFD-0557-057F-5987-918214491755}"/>
+              </a:ext>
+            </a:extLst>
+          </p:cNvPr>
+          <p:cNvGrpSpPr/>
+          <p:nvPr/>
+        </p:nvGrpSpPr>
+        <p:grpSpPr>
+          <a:xfrm>
+            <a:off x="2317774" y="572593"/>
+            <a:ext cx="8711068" cy="5700553"/>
+            <a:chOff x="-5041210" y="-504512"/>
+            <a:chExt cx="8293269" cy="5567440"/>
+          </a:xfrm>
+        </p:grpSpPr>
+        <p:sp>
+          <p:nvSpPr>
+            <p:cNvPr id="44" name="Rectangle 4">
+              <a:extLst>
+                <a:ext uri="{FF2B5EF4-FFF2-40B4-BE49-F238E27FC236}">
+                  <a16:creationId xmlns:a16="http://schemas.microsoft.com/office/drawing/2014/main" id="{539E2457-A5DA-5F1B-2F83-9C5E09ABA293}"/>
+                </a:ext>
+              </a:extLst>
+            </p:cNvPr>
+            <p:cNvSpPr/>
+            <p:nvPr/>
+          </p:nvSpPr>
+          <p:spPr>
+            <a:xfrm>
+              <a:off x="-5041210" y="-504512"/>
+              <a:ext cx="8293269" cy="5567440"/>
+            </a:xfrm>
+            <a:prstGeom prst="rect">
+              <a:avLst/>
+            </a:prstGeom>
+            <a:noFill/>
+            <a:ln w="12700">
+              <a:solidFill>
+                <a:schemeClr val="accent1">
+                  <a:lumMod val="75000"/>
+                </a:schemeClr>
+              </a:solidFill>
+            </a:ln>
+          </p:spPr>
+          <p:style>
+            <a:lnRef idx="2">
+              <a:schemeClr val="accent1">
+                <a:shade val="50000"/>
+              </a:schemeClr>
+            </a:lnRef>
+            <a:fillRef idx="1">
+              <a:schemeClr val="accent1"/>
+            </a:fillRef>
+            <a:effectRef idx="0">
+              <a:schemeClr val="accent1"/>
+            </a:effectRef>
+            <a:fontRef idx="minor">
+              <a:schemeClr val="lt1"/>
+            </a:fontRef>
+          </p:style>
+          <p:txBody>
+            <a:bodyPr lIns="502920" tIns="91440"/>
+            <a:lstStyle/>
+            <a:p>
+              <a:pPr eaLnBrk="1" hangingPunct="1">
+                <a:spcBef>
+                  <a:spcPts val="0"/>
+                </a:spcBef>
+                <a:spcAft>
+                  <a:spcPts val="0"/>
+                </a:spcAft>
+                <a:defRPr/>
+              </a:pPr>
+              <a:r>
+                <a:rPr lang="en-US" sz="1200" dirty="0">
+                  <a:solidFill>
+                    <a:schemeClr val="tx1"/>
+                  </a:solidFill>
+                  <a:latin typeface="Arial"/>
+                  <a:cs typeface="Arial"/>
+                </a:rPr>
+                <a:t>AWS Cloud</a:t>
+              </a:r>
+            </a:p>
+          </p:txBody>
+        </p:sp>
+        <p:pic>
+          <p:nvPicPr>
+            <p:cNvPr id="45" name="Graphic 37">
+              <a:extLst>
+                <a:ext uri="{FF2B5EF4-FFF2-40B4-BE49-F238E27FC236}">
+                  <a16:creationId xmlns:a16="http://schemas.microsoft.com/office/drawing/2014/main" id="{DF30BA54-F341-9B5E-7142-B11608CF4787}"/>
+                </a:ext>
+              </a:extLst>
+            </p:cNvPr>
+            <p:cNvPicPr>
+              <a:picLocks noChangeAspect="1"/>
+            </p:cNvPicPr>
+            <p:nvPr/>
+          </p:nvPicPr>
+          <p:blipFill rotWithShape="1">
+            <a:blip r:embed="rId3"/>
+            <a:srcRect/>
+            <a:stretch>
+              <a:fillRect/>
+            </a:stretch>
+          </p:blipFill>
+          <p:spPr>
+            <a:xfrm>
+              <a:off x="-5041210" y="-504106"/>
+              <a:ext cx="381000" cy="381000"/>
+            </a:xfrm>
+            <a:prstGeom prst="rect">
+              <a:avLst/>
+            </a:prstGeom>
+          </p:spPr>
+        </p:pic>
+      </p:grpSp>
+      <p:grpSp>
+        <p:nvGrpSpPr>
+          <p:cNvPr id="96" name="그룹 95">
+            <a:extLst>
+              <a:ext uri="{FF2B5EF4-FFF2-40B4-BE49-F238E27FC236}">
+                <a16:creationId xmlns:a16="http://schemas.microsoft.com/office/drawing/2014/main" id="{E8873AAE-F8BB-6090-67D2-28629E41CF4A}"/>
+              </a:ext>
+            </a:extLst>
+          </p:cNvPr>
+          <p:cNvGrpSpPr/>
+          <p:nvPr/>
+        </p:nvGrpSpPr>
+        <p:grpSpPr>
+          <a:xfrm>
+            <a:off x="10530510" y="4990336"/>
+            <a:ext cx="2243137" cy="985169"/>
+            <a:chOff x="6741009" y="1093610"/>
+            <a:chExt cx="2243137" cy="985169"/>
+          </a:xfrm>
+        </p:grpSpPr>
+        <p:pic>
+          <p:nvPicPr>
+            <p:cNvPr id="50" name="Graphic 6" descr="Amazon Relational Database Service (Amazon RDS) service icon.">
+              <a:extLst>
+                <a:ext uri="{FF2B5EF4-FFF2-40B4-BE49-F238E27FC236}">
+                  <a16:creationId xmlns:a16="http://schemas.microsoft.com/office/drawing/2014/main" id="{FCB9E80B-47F8-E62F-6700-171C94DB8620}"/>
+                </a:ext>
+              </a:extLst>
+            </p:cNvPr>
+            <p:cNvPicPr>
+              <a:picLocks noChangeAspect="1" noChangeArrowheads="1"/>
+            </p:cNvPicPr>
+            <p:nvPr/>
+          </p:nvPicPr>
+          <p:blipFill rotWithShape="1">
+            <a:blip r:embed="rId4"/>
+            <a:srcRect/>
+            <a:stretch>
+              <a:fillRect/>
+            </a:stretch>
+          </p:blipFill>
+          <p:spPr>
+            <a:xfrm>
+              <a:off x="7481578" y="1093610"/>
+              <a:ext cx="705600" cy="705600"/>
+            </a:xfrm>
+            <a:prstGeom prst="rect">
+              <a:avLst/>
+            </a:prstGeom>
+            <a:noFill/>
+            <a:ln>
+              <a:noFill/>
+            </a:ln>
+          </p:spPr>
+        </p:pic>
+        <p:sp>
+          <p:nvSpPr>
+            <p:cNvPr id="51" name="TextBox 9">
+              <a:extLst>
+                <a:ext uri="{FF2B5EF4-FFF2-40B4-BE49-F238E27FC236}">
+                  <a16:creationId xmlns:a16="http://schemas.microsoft.com/office/drawing/2014/main" id="{DCA778D7-5C71-F136-87E5-0A2394C3D2E6}"/>
+                </a:ext>
+              </a:extLst>
+            </p:cNvPr>
+            <p:cNvSpPr txBox="1">
+              <a:spLocks noChangeArrowheads="1"/>
+            </p:cNvSpPr>
+            <p:nvPr/>
+          </p:nvSpPr>
+          <p:spPr>
+            <a:xfrm>
+              <a:off x="6741009" y="1801780"/>
+              <a:ext cx="2243137" cy="276999"/>
+            </a:xfrm>
+            <a:prstGeom prst="rect">
+              <a:avLst/>
+            </a:prstGeom>
+            <a:noFill/>
+            <a:ln>
+              <a:noFill/>
+            </a:ln>
+          </p:spPr>
+          <p:txBody>
+            <a:bodyPr>
+              <a:spAutoFit/>
+            </a:bodyPr>
+            <a:lstStyle>
+              <a:lvl1pPr marL="0" indent="0">
+                <a:lnSpc>
+                  <a:spcPct val="100000"/>
+                </a:lnSpc>
+                <a:spcBef>
+                  <a:spcPct val="0"/>
+                </a:spcBef>
+                <a:spcAft>
+                  <a:spcPts val="0"/>
+                </a:spcAft>
+                <a:defRPr kumimoji="0" sz="1800" b="0" i="0" u="none" strike="noStrike" kern="0" cap="none" spc="0" normalizeH="0" baseline="0">
+                  <a:solidFill>
+                    <a:schemeClr val="tx1"/>
+                  </a:solidFill>
+                </a:defRPr>
+              </a:lvl1pPr>
+            </a:lstStyle>
+            <a:p>
+              <a:pPr algn="ctr" eaLnBrk="1" hangingPunct="1">
+                <a:defRPr/>
+              </a:pPr>
+              <a:r>
+                <a:rPr lang="en-US" altLang="en-US" sz="1200" dirty="0">
+                  <a:latin typeface="Arial"/>
+                  <a:ea typeface="Amazon Ember"/>
+                  <a:cs typeface="Arial"/>
+                </a:rPr>
+                <a:t>Amazon RDS</a:t>
+              </a:r>
+            </a:p>
+          </p:txBody>
+        </p:sp>
+      </p:grpSp>
+      <p:cxnSp>
+        <p:nvCxnSpPr>
+          <p:cNvPr id="61" name="연결선: 꺾임 60">
+            <a:extLst>
+              <a:ext uri="{FF2B5EF4-FFF2-40B4-BE49-F238E27FC236}">
+                <a16:creationId xmlns:a16="http://schemas.microsoft.com/office/drawing/2014/main" id="{93EA9C7C-C628-C09A-1A1C-A97FBCE02E27}"/>
+              </a:ext>
+            </a:extLst>
+          </p:cNvPr>
+          <p:cNvCxnSpPr>
+            <a:cxnSpLocks/>
+          </p:cNvCxnSpPr>
+          <p:nvPr/>
+        </p:nvCxnSpPr>
+        <p:spPr>
+          <a:xfrm>
+            <a:off x="905267" y="4470241"/>
+            <a:ext cx="1629018" cy="1999220"/>
+          </a:xfrm>
+          <a:prstGeom prst="bentConnector3">
+            <a:avLst>
+              <a:gd name="adj1" fmla="val 50000"/>
+            </a:avLst>
+          </a:prstGeom>
+          <a:ln w="19050">
+            <a:solidFill>
+              <a:schemeClr val="accent6"/>
+            </a:solidFill>
+            <a:tailEnd type="triangle"/>
+          </a:ln>
+        </p:spPr>
+        <p:style>
+          <a:lnRef idx="1">
+            <a:schemeClr val="dk1"/>
+          </a:lnRef>
+          <a:fillRef idx="0">
+            <a:schemeClr val="dk1"/>
+          </a:fillRef>
+          <a:effectRef idx="0">
+            <a:schemeClr val="dk1"/>
+          </a:effectRef>
+          <a:fontRef idx="minor">
+            <a:schemeClr val="tx1"/>
+          </a:fontRef>
+        </p:style>
+      </p:cxnSp>
+      <p:sp>
+        <p:nvSpPr>
+          <p:cNvPr id="56" name="label">
+            <a:extLst>
+              <a:ext uri="{FF2B5EF4-FFF2-40B4-BE49-F238E27FC236}">
+                <a16:creationId xmlns:a16="http://schemas.microsoft.com/office/drawing/2014/main" id="{D90A29EC-0622-764A-D92D-F743C57A442B}"/>
+              </a:ext>
+            </a:extLst>
+          </p:cNvPr>
+          <p:cNvSpPr txBox="1">
+            <a:spLocks noChangeArrowheads="1"/>
+          </p:cNvSpPr>
+          <p:nvPr/>
+        </p:nvSpPr>
+        <p:spPr>
+          <a:xfrm>
+            <a:off x="924780" y="2048243"/>
+            <a:ext cx="1006074" cy="246221"/>
+          </a:xfrm>
+          <a:prstGeom prst="rect">
+            <a:avLst/>
+          </a:prstGeom>
+          <a:solidFill>
+            <a:schemeClr val="bg1"/>
+          </a:solidFill>
+          <a:ln>
+            <a:noFill/>
+          </a:ln>
+        </p:spPr>
+        <p:style>
+          <a:lnRef idx="2">
+            <a:schemeClr val="dk1">
+              <a:shade val="15000"/>
+            </a:schemeClr>
+          </a:lnRef>
+          <a:fillRef idx="1">
+            <a:schemeClr val="dk1"/>
+          </a:fillRef>
+          <a:effectRef idx="0">
+            <a:schemeClr val="dk1"/>
+          </a:effectRef>
+          <a:fontRef idx="minor">
+            <a:schemeClr val="lt1"/>
+          </a:fontRef>
+        </p:style>
+        <p:txBody>
+          <a:bodyPr wrap="square">
+            <a:spAutoFit/>
+          </a:bodyPr>
+          <a:lstStyle>
+            <a:lvl1pPr marL="0" indent="0">
+              <a:lnSpc>
+                <a:spcPct val="100000"/>
+              </a:lnSpc>
+              <a:spcBef>
+                <a:spcPct val="0"/>
+              </a:spcBef>
+              <a:spcAft>
+                <a:spcPts val="0"/>
+              </a:spcAft>
+              <a:defRPr kumimoji="0" sz="1800" b="0" i="0" u="none" strike="noStrike" kern="0" cap="none" spc="0" normalizeH="0" baseline="0">
+                <a:solidFill>
+                  <a:schemeClr val="tx1"/>
+                </a:solidFill>
+              </a:defRPr>
+            </a:lvl1pPr>
+          </a:lstStyle>
+          <a:p>
+            <a:pPr algn="ctr" eaLnBrk="1" hangingPunct="1">
+              <a:defRPr/>
+            </a:pPr>
+            <a:r>
+              <a:rPr lang="en-US" altLang="en-US" sz="1000" i="1" dirty="0">
+                <a:latin typeface="Arial"/>
+                <a:cs typeface="Arial"/>
+              </a:rPr>
+              <a:t>Upload Video</a:t>
+            </a:r>
+          </a:p>
+        </p:txBody>
+      </p:sp>
+      <p:sp>
+        <p:nvSpPr>
+          <p:cNvPr id="123" name="label">
+            <a:extLst>
+              <a:ext uri="{FF2B5EF4-FFF2-40B4-BE49-F238E27FC236}">
+                <a16:creationId xmlns:a16="http://schemas.microsoft.com/office/drawing/2014/main" id="{3E566940-318D-2E75-79EF-E0421FF11678}"/>
+              </a:ext>
+            </a:extLst>
+          </p:cNvPr>
+          <p:cNvSpPr txBox="1">
+            <a:spLocks noChangeArrowheads="1"/>
+          </p:cNvSpPr>
+          <p:nvPr/>
+        </p:nvSpPr>
+        <p:spPr>
+          <a:xfrm>
+            <a:off x="458051" y="404519"/>
+            <a:ext cx="1172413" cy="246221"/>
+          </a:xfrm>
+          <a:prstGeom prst="rect">
+            <a:avLst/>
+          </a:prstGeom>
+          <a:solidFill>
+            <a:schemeClr val="bg1"/>
+          </a:solidFill>
+          <a:ln>
+            <a:solidFill>
+              <a:schemeClr val="bg1"/>
+            </a:solidFill>
+          </a:ln>
+        </p:spPr>
+        <p:style>
+          <a:lnRef idx="2">
+            <a:schemeClr val="dk1"/>
+          </a:lnRef>
+          <a:fillRef idx="1">
+            <a:schemeClr val="lt1"/>
+          </a:fillRef>
+          <a:effectRef idx="0">
+            <a:schemeClr val="dk1"/>
+          </a:effectRef>
+          <a:fontRef idx="minor">
+            <a:schemeClr val="dk1"/>
+          </a:fontRef>
+        </p:style>
+        <p:txBody>
+          <a:bodyPr wrap="square">
+            <a:spAutoFit/>
+          </a:bodyPr>
+          <a:lstStyle>
+            <a:lvl1pPr marL="0" indent="0">
+              <a:lnSpc>
+                <a:spcPct val="100000"/>
+              </a:lnSpc>
+              <a:spcBef>
+                <a:spcPct val="0"/>
+              </a:spcBef>
+              <a:spcAft>
+                <a:spcPts val="0"/>
+              </a:spcAft>
+              <a:defRPr kumimoji="0" sz="1800" b="0" i="0" u="none" strike="noStrike" kern="0" cap="none" spc="0" normalizeH="0" baseline="0">
+                <a:solidFill>
+                  <a:schemeClr val="tx1"/>
+                </a:solidFill>
+              </a:defRPr>
+            </a:lvl1pPr>
+          </a:lstStyle>
+          <a:p>
+            <a:pPr algn="ctr" eaLnBrk="1" hangingPunct="1">
+              <a:defRPr/>
+            </a:pPr>
+            <a:r>
+              <a:rPr lang="en-US" altLang="en-US" sz="1000" i="1" dirty="0">
+                <a:latin typeface="Arial"/>
+                <a:cs typeface="Arial"/>
+              </a:rPr>
+              <a:t>Analyzed Data</a:t>
+            </a:r>
+          </a:p>
+        </p:txBody>
+      </p:sp>
+      <p:sp>
+        <p:nvSpPr>
+          <p:cNvPr id="169" name="TextBox 168">
+            <a:extLst>
+              <a:ext uri="{FF2B5EF4-FFF2-40B4-BE49-F238E27FC236}">
+                <a16:creationId xmlns:a16="http://schemas.microsoft.com/office/drawing/2014/main" id="{69FBF9EB-9BCE-2ACB-79E0-BBDE52B626B6}"/>
+              </a:ext>
+            </a:extLst>
+          </p:cNvPr>
+          <p:cNvSpPr txBox="1"/>
+          <p:nvPr/>
+        </p:nvSpPr>
+        <p:spPr>
+          <a:xfrm>
+            <a:off x="718085" y="1707231"/>
+            <a:ext cx="671979" cy="323165"/>
+          </a:xfrm>
+          <a:prstGeom prst="rect">
+            <a:avLst/>
+          </a:prstGeom>
+          <a:solidFill>
+            <a:srgbClr val="FF0066"/>
+          </a:solidFill>
+        </p:spPr>
+        <p:style>
+          <a:lnRef idx="2">
+            <a:schemeClr val="accent4">
+              <a:shade val="15000"/>
+            </a:schemeClr>
+          </a:lnRef>
+          <a:fillRef idx="1">
+            <a:schemeClr val="accent4"/>
+          </a:fillRef>
+          <a:effectRef idx="0">
+            <a:schemeClr val="accent4"/>
+          </a:effectRef>
+          <a:fontRef idx="minor">
+            <a:schemeClr val="lt1"/>
+          </a:fontRef>
+        </p:style>
+        <p:txBody>
+          <a:bodyPr wrap="none" rtlCol="0">
+            <a:spAutoFit/>
+          </a:bodyPr>
+          <a:lstStyle/>
+          <a:p>
+            <a:r>
+              <a:rPr lang="en-US" altLang="ko-KR" sz="1500" b="1" dirty="0">
+                <a:solidFill>
+                  <a:schemeClr val="bg1"/>
+                </a:solidFill>
+              </a:rPr>
+              <a:t>Input</a:t>
+            </a:r>
+            <a:endParaRPr lang="ko-KR" altLang="en-US" sz="1500" b="1" dirty="0">
+              <a:solidFill>
+                <a:schemeClr val="bg1"/>
+              </a:solidFill>
+            </a:endParaRPr>
+          </a:p>
+        </p:txBody>
+      </p:sp>
+      <p:cxnSp>
+        <p:nvCxnSpPr>
+          <p:cNvPr id="9" name="직선 화살표 연결선 8">
+            <a:extLst>
+              <a:ext uri="{FF2B5EF4-FFF2-40B4-BE49-F238E27FC236}">
+                <a16:creationId xmlns:a16="http://schemas.microsoft.com/office/drawing/2014/main" id="{2B07837E-1F65-8B79-FCB2-0DEDE3552CE7}"/>
+              </a:ext>
+            </a:extLst>
+          </p:cNvPr>
+          <p:cNvCxnSpPr>
+            <a:stCxn id="48" idx="3"/>
+            <a:endCxn id="4" idx="1"/>
+          </p:cNvCxnSpPr>
+          <p:nvPr/>
+        </p:nvCxnSpPr>
+        <p:spPr>
+          <a:xfrm>
+            <a:off x="5885641" y="4983620"/>
+            <a:ext cx="2946198" cy="381737"/>
+          </a:xfrm>
+          <a:prstGeom prst="straightConnector1">
+            <a:avLst/>
+          </a:prstGeom>
+          <a:ln w="19050">
+            <a:solidFill>
+              <a:schemeClr val="accent6"/>
+            </a:solidFill>
+            <a:tailEnd type="triangle"/>
+          </a:ln>
+        </p:spPr>
+        <p:style>
+          <a:lnRef idx="1">
+            <a:schemeClr val="accent1"/>
+          </a:lnRef>
+          <a:fillRef idx="0">
+            <a:schemeClr val="accent1"/>
+          </a:fillRef>
+          <a:effectRef idx="0">
+            <a:schemeClr val="accent1"/>
+          </a:effectRef>
+          <a:fontRef idx="minor">
+            <a:schemeClr val="tx1"/>
+          </a:fontRef>
+        </p:style>
+      </p:cxnSp>
+      <p:sp>
+        <p:nvSpPr>
+          <p:cNvPr id="58" name="TextBox 57">
+            <a:extLst>
+              <a:ext uri="{FF2B5EF4-FFF2-40B4-BE49-F238E27FC236}">
+                <a16:creationId xmlns:a16="http://schemas.microsoft.com/office/drawing/2014/main" id="{BAE93ABB-36FE-A60C-0CD8-3F07C56EC9E1}"/>
+              </a:ext>
+            </a:extLst>
+          </p:cNvPr>
+          <p:cNvSpPr txBox="1"/>
+          <p:nvPr/>
+        </p:nvSpPr>
+        <p:spPr>
+          <a:xfrm>
+            <a:off x="374545" y="726774"/>
+            <a:ext cx="835485" cy="323165"/>
+          </a:xfrm>
+          <a:prstGeom prst="rect">
+            <a:avLst/>
+          </a:prstGeom>
+          <a:solidFill>
+            <a:srgbClr val="FF0066"/>
+          </a:solidFill>
+        </p:spPr>
+        <p:style>
+          <a:lnRef idx="2">
+            <a:schemeClr val="accent4">
+              <a:shade val="15000"/>
+            </a:schemeClr>
+          </a:lnRef>
+          <a:fillRef idx="1">
+            <a:schemeClr val="accent4"/>
+          </a:fillRef>
+          <a:effectRef idx="0">
+            <a:schemeClr val="accent4"/>
+          </a:effectRef>
+          <a:fontRef idx="minor">
+            <a:schemeClr val="lt1"/>
+          </a:fontRef>
+        </p:style>
+        <p:txBody>
+          <a:bodyPr wrap="none" rtlCol="0">
+            <a:spAutoFit/>
+          </a:bodyPr>
+          <a:lstStyle/>
+          <a:p>
+            <a:r>
+              <a:rPr lang="en-US" altLang="ko-KR" sz="1500" b="1" dirty="0">
+                <a:solidFill>
+                  <a:schemeClr val="bg1"/>
+                </a:solidFill>
+              </a:rPr>
+              <a:t>Output</a:t>
+            </a:r>
+            <a:endParaRPr lang="ko-KR" altLang="en-US" sz="1500" b="1" dirty="0">
+              <a:solidFill>
+                <a:schemeClr val="bg1"/>
+              </a:solidFill>
+            </a:endParaRPr>
+          </a:p>
+        </p:txBody>
+      </p:sp>
+      <p:grpSp>
+        <p:nvGrpSpPr>
+          <p:cNvPr id="103" name="그룹 102">
+            <a:extLst>
+              <a:ext uri="{FF2B5EF4-FFF2-40B4-BE49-F238E27FC236}">
+                <a16:creationId xmlns:a16="http://schemas.microsoft.com/office/drawing/2014/main" id="{12665E04-0242-1CBF-0620-D1DF9A145169}"/>
+              </a:ext>
+            </a:extLst>
+          </p:cNvPr>
+          <p:cNvGrpSpPr/>
+          <p:nvPr/>
+        </p:nvGrpSpPr>
+        <p:grpSpPr>
+          <a:xfrm>
+            <a:off x="10589213" y="2424707"/>
+            <a:ext cx="1727273" cy="1007249"/>
+            <a:chOff x="10497370" y="2847616"/>
+            <a:chExt cx="1727273" cy="1007249"/>
+          </a:xfrm>
+        </p:grpSpPr>
+        <p:pic>
+          <p:nvPicPr>
+            <p:cNvPr id="101" name="Graphic 17" descr="Amazon CloudWatch service icon.">
+              <a:extLst>
+                <a:ext uri="{FF2B5EF4-FFF2-40B4-BE49-F238E27FC236}">
+                  <a16:creationId xmlns:a16="http://schemas.microsoft.com/office/drawing/2014/main" id="{F0F27D85-8B1B-4E60-9EC1-12AB8A2FBCC5}"/>
+                </a:ext>
+              </a:extLst>
+            </p:cNvPr>
+            <p:cNvPicPr>
+              <a:picLocks noChangeAspect="1" noChangeArrowheads="1"/>
+            </p:cNvPicPr>
+            <p:nvPr/>
+          </p:nvPicPr>
+          <p:blipFill>
+            <a:blip r:embed="rId5">
+              <a:extLst>
+                <a:ext uri="{96DAC541-7B7A-43D3-8B79-37D633B846F1}">
+                  <asvg:svgBlip xmlns:asvg="http://schemas.microsoft.com/office/drawing/2016/SVG/main" r:embed="rId6"/>
+                </a:ext>
+              </a:extLst>
+            </a:blip>
+            <a:srcRect/>
+            <a:stretch/>
+          </p:blipFill>
+          <p:spPr bwMode="auto">
+            <a:xfrm>
+              <a:off x="10980007" y="2847616"/>
+              <a:ext cx="705600" cy="705600"/>
+            </a:xfrm>
+            <a:prstGeom prst="rect">
+              <a:avLst/>
+            </a:prstGeom>
+            <a:noFill/>
+            <a:ln>
+              <a:noFill/>
+            </a:ln>
+            <a:extLst>
+              <a:ext uri="{909E8E84-426E-40DD-AFC4-6F175D3DCCD1}">
+                <a14:hiddenFill xmlns:a14="http://schemas.microsoft.com/office/drawing/2010/main">
+                  <a:solidFill>
+                    <a:srgbClr val="FFFFFF"/>
+                  </a:solidFill>
+                </a14:hiddenFill>
+              </a:ext>
+              <a:ext uri="{91240B29-F687-4F45-9708-019B960494DF}">
+                <a14:hiddenLine xmlns:a14="http://schemas.microsoft.com/office/drawing/2010/main" w="9525">
+                  <a:solidFill>
+                    <a:srgbClr val="000000"/>
+                  </a:solidFill>
+                  <a:miter lim="800000"/>
+                  <a:headEnd/>
+                  <a:tailEnd/>
+                </a14:hiddenLine>
+              </a:ext>
+            </a:extLst>
+          </p:spPr>
+        </p:pic>
+        <p:sp>
+          <p:nvSpPr>
+            <p:cNvPr id="102" name="TextBox 9">
+              <a:extLst>
+                <a:ext uri="{FF2B5EF4-FFF2-40B4-BE49-F238E27FC236}">
+                  <a16:creationId xmlns:a16="http://schemas.microsoft.com/office/drawing/2014/main" id="{80818169-1D2A-49F5-9D45-619D54F4885D}"/>
+                </a:ext>
+              </a:extLst>
+            </p:cNvPr>
+            <p:cNvSpPr txBox="1">
+              <a:spLocks noChangeArrowheads="1"/>
+            </p:cNvSpPr>
+            <p:nvPr/>
+          </p:nvSpPr>
+          <p:spPr bwMode="auto">
+            <a:xfrm>
+              <a:off x="10497370" y="3577866"/>
+              <a:ext cx="1727273" cy="276999"/>
+            </a:xfrm>
+            <a:prstGeom prst="rect">
+              <a:avLst/>
+            </a:prstGeom>
+            <a:noFill/>
+            <a:ln>
+              <a:noFill/>
+            </a:ln>
+            <a:extLst>
+              <a:ext uri="{909E8E84-426E-40DD-AFC4-6F175D3DCCD1}">
+                <a14:hiddenFill xmlns:a14="http://schemas.microsoft.com/office/drawing/2010/main">
+                  <a:solidFill>
+                    <a:srgbClr val="FFFFFF"/>
+                  </a:solidFill>
+                </a14:hiddenFill>
+              </a:ext>
+              <a:ext uri="{91240B29-F687-4F45-9708-019B960494DF}">
+                <a14:hiddenLine xmlns:a14="http://schemas.microsoft.com/office/drawing/2010/main" w="9525">
+                  <a:solidFill>
+                    <a:srgbClr val="000000"/>
+                  </a:solidFill>
+                  <a:miter lim="800000"/>
+                  <a:headEnd/>
+                  <a:tailEnd/>
+                </a14:hiddenLine>
+              </a:ext>
+            </a:extLst>
+          </p:spPr>
+          <p:txBody>
+            <a:bodyPr wrap="square">
+              <a:spAutoFit/>
+            </a:bodyPr>
+            <a:lstStyle>
+              <a:defPPr>
+                <a:defRPr lang="en-US"/>
+              </a:defPPr>
+              <a:lvl1pPr algn="l" rtl="0" eaLnBrk="0" fontAlgn="base" hangingPunct="0">
+                <a:spcBef>
+                  <a:spcPct val="0"/>
+                </a:spcBef>
+                <a:spcAft>
+                  <a:spcPct val="0"/>
+                </a:spcAft>
+                <a:defRPr kern="1200">
+                  <a:solidFill>
+                    <a:schemeClr val="tx1"/>
+                  </a:solidFill>
+                  <a:latin typeface="Calibri" panose="020F0502020204030204" pitchFamily="34" charset="0"/>
+                  <a:ea typeface="+mn-ea"/>
+                  <a:cs typeface="+mn-cs"/>
+                </a:defRPr>
+              </a:lvl1pPr>
+              <a:lvl2pPr marL="457200" algn="l" rtl="0" eaLnBrk="0" fontAlgn="base" hangingPunct="0">
+                <a:spcBef>
+                  <a:spcPct val="0"/>
+                </a:spcBef>
+                <a:spcAft>
+                  <a:spcPct val="0"/>
+                </a:spcAft>
+                <a:defRPr kern="1200">
+                  <a:solidFill>
+                    <a:schemeClr val="tx1"/>
+                  </a:solidFill>
+                  <a:latin typeface="Calibri" panose="020F0502020204030204" pitchFamily="34" charset="0"/>
+                  <a:ea typeface="+mn-ea"/>
+                  <a:cs typeface="+mn-cs"/>
+                </a:defRPr>
+              </a:lvl2pPr>
+              <a:lvl3pPr marL="914400" algn="l" rtl="0" eaLnBrk="0" fontAlgn="base" hangingPunct="0">
+                <a:spcBef>
+                  <a:spcPct val="0"/>
+                </a:spcBef>
+                <a:spcAft>
+                  <a:spcPct val="0"/>
+                </a:spcAft>
+                <a:defRPr kern="1200">
+                  <a:solidFill>
+                    <a:schemeClr val="tx1"/>
+                  </a:solidFill>
+                  <a:latin typeface="Calibri" panose="020F0502020204030204" pitchFamily="34" charset="0"/>
+                  <a:ea typeface="+mn-ea"/>
+                  <a:cs typeface="+mn-cs"/>
+                </a:defRPr>
+              </a:lvl3pPr>
+              <a:lvl4pPr marL="1371600" algn="l" rtl="0" eaLnBrk="0" fontAlgn="base" hangingPunct="0">
+                <a:spcBef>
+                  <a:spcPct val="0"/>
+                </a:spcBef>
+                <a:spcAft>
+                  <a:spcPct val="0"/>
+                </a:spcAft>
+                <a:defRPr kern="1200">
+                  <a:solidFill>
+                    <a:schemeClr val="tx1"/>
+                  </a:solidFill>
+                  <a:latin typeface="Calibri" panose="020F0502020204030204" pitchFamily="34" charset="0"/>
+                  <a:ea typeface="+mn-ea"/>
+                  <a:cs typeface="+mn-cs"/>
+                </a:defRPr>
+              </a:lvl4pPr>
+              <a:lvl5pPr marL="1828800" algn="l" rtl="0" eaLnBrk="0" fontAlgn="base" hangingPunct="0">
+                <a:spcBef>
+                  <a:spcPct val="0"/>
+                </a:spcBef>
+                <a:spcAft>
+                  <a:spcPct val="0"/>
+                </a:spcAft>
+                <a:defRPr kern="1200">
+                  <a:solidFill>
+                    <a:schemeClr val="tx1"/>
+                  </a:solidFill>
+                  <a:latin typeface="Calibri" panose="020F0502020204030204" pitchFamily="34" charset="0"/>
+                  <a:ea typeface="+mn-ea"/>
+                  <a:cs typeface="+mn-cs"/>
+                </a:defRPr>
+              </a:lvl5pPr>
+              <a:lvl6pPr marL="2286000" algn="l" defTabSz="914400" rtl="0" eaLnBrk="1" latinLnBrk="0" hangingPunct="1">
+                <a:defRPr kern="1200">
+                  <a:solidFill>
+                    <a:schemeClr val="tx1"/>
+                  </a:solidFill>
+                  <a:latin typeface="Calibri" panose="020F0502020204030204" pitchFamily="34" charset="0"/>
+                  <a:ea typeface="+mn-ea"/>
+                  <a:cs typeface="+mn-cs"/>
+                </a:defRPr>
+              </a:lvl6pPr>
+              <a:lvl7pPr marL="2743200" algn="l" defTabSz="914400" rtl="0" eaLnBrk="1" latinLnBrk="0" hangingPunct="1">
+                <a:defRPr kern="1200">
+                  <a:solidFill>
+                    <a:schemeClr val="tx1"/>
+                  </a:solidFill>
+                  <a:latin typeface="Calibri" panose="020F0502020204030204" pitchFamily="34" charset="0"/>
+                  <a:ea typeface="+mn-ea"/>
+                  <a:cs typeface="+mn-cs"/>
+                </a:defRPr>
+              </a:lvl7pPr>
+              <a:lvl8pPr marL="3200400" algn="l" defTabSz="914400" rtl="0" eaLnBrk="1" latinLnBrk="0" hangingPunct="1">
+                <a:defRPr kern="1200">
+                  <a:solidFill>
+                    <a:schemeClr val="tx1"/>
+                  </a:solidFill>
+                  <a:latin typeface="Calibri" panose="020F0502020204030204" pitchFamily="34" charset="0"/>
+                  <a:ea typeface="+mn-ea"/>
+                  <a:cs typeface="+mn-cs"/>
+                </a:defRPr>
+              </a:lvl8pPr>
+              <a:lvl9pPr marL="3657600" algn="l" defTabSz="914400" rtl="0" eaLnBrk="1" latinLnBrk="0" hangingPunct="1">
+                <a:defRPr kern="1200">
+                  <a:solidFill>
+                    <a:schemeClr val="tx1"/>
+                  </a:solidFill>
+                  <a:latin typeface="Calibri" panose="020F0502020204030204" pitchFamily="34" charset="0"/>
+                  <a:ea typeface="+mn-ea"/>
+                  <a:cs typeface="+mn-cs"/>
+                </a:defRPr>
+              </a:lvl9pPr>
+            </a:lstStyle>
+            <a:p>
+              <a:pPr algn="ctr" eaLnBrk="1" hangingPunct="1"/>
+              <a:r>
+                <a:rPr lang="en-US" altLang="en-US" sz="1200" dirty="0">
+                  <a:latin typeface="Arial" panose="020B0604020202020204" pitchFamily="34" charset="0"/>
+                  <a:ea typeface="Amazon Ember" panose="020B0603020204020204" pitchFamily="34" charset="0"/>
+                  <a:cs typeface="Arial" panose="020B0604020202020204" pitchFamily="34" charset="0"/>
+                </a:rPr>
+                <a:t>Amazon CloudWatch</a:t>
+              </a:r>
+            </a:p>
+          </p:txBody>
+        </p:sp>
+      </p:grpSp>
+      <p:cxnSp>
+        <p:nvCxnSpPr>
+          <p:cNvPr id="105" name="직선 화살표 연결선 104">
+            <a:extLst>
+              <a:ext uri="{FF2B5EF4-FFF2-40B4-BE49-F238E27FC236}">
+                <a16:creationId xmlns:a16="http://schemas.microsoft.com/office/drawing/2014/main" id="{B8A99F07-5E60-5D7A-6E60-51D817B2BA7A}"/>
+              </a:ext>
+            </a:extLst>
+          </p:cNvPr>
+          <p:cNvCxnSpPr>
+            <a:cxnSpLocks/>
+            <a:stCxn id="101" idx="1"/>
+          </p:cNvCxnSpPr>
+          <p:nvPr/>
+        </p:nvCxnSpPr>
+        <p:spPr>
+          <a:xfrm flipH="1">
+            <a:off x="10149611" y="2777507"/>
+            <a:ext cx="922239" cy="28200"/>
+          </a:xfrm>
+          <a:prstGeom prst="straightConnector1">
+            <a:avLst/>
+          </a:prstGeom>
+          <a:ln w="19050">
+            <a:solidFill>
+              <a:schemeClr val="tx1"/>
+            </a:solidFill>
+            <a:tailEnd type="triangle"/>
+          </a:ln>
+        </p:spPr>
+        <p:style>
+          <a:lnRef idx="1">
+            <a:schemeClr val="accent1"/>
+          </a:lnRef>
+          <a:fillRef idx="0">
+            <a:schemeClr val="accent1"/>
+          </a:fillRef>
+          <a:effectRef idx="0">
+            <a:schemeClr val="accent1"/>
+          </a:effectRef>
+          <a:fontRef idx="minor">
+            <a:schemeClr val="tx1"/>
+          </a:fontRef>
+        </p:style>
+      </p:cxnSp>
+      <p:grpSp>
+        <p:nvGrpSpPr>
+          <p:cNvPr id="2" name="VPCGroup" descr="Virtual private cloud (VPC) group inside the AWS Cloud grouping.">
+            <a:extLst>
+              <a:ext uri="{FF2B5EF4-FFF2-40B4-BE49-F238E27FC236}">
+                <a16:creationId xmlns:a16="http://schemas.microsoft.com/office/drawing/2014/main" id="{503F2169-0FC5-1233-A4C8-CE1473A13E6D}"/>
+              </a:ext>
+            </a:extLst>
+          </p:cNvPr>
+          <p:cNvGrpSpPr/>
+          <p:nvPr/>
+        </p:nvGrpSpPr>
+        <p:grpSpPr>
+          <a:xfrm>
+            <a:off x="3449845" y="1267452"/>
+            <a:ext cx="6217130" cy="3136928"/>
+            <a:chOff x="4858238" y="2084361"/>
+            <a:chExt cx="6833324" cy="3409837"/>
+          </a:xfrm>
+        </p:grpSpPr>
+        <p:sp>
+          <p:nvSpPr>
+            <p:cNvPr id="3" name="Rectangle 39" descr="VPC group border">
+              <a:extLst>
+                <a:ext uri="{FF2B5EF4-FFF2-40B4-BE49-F238E27FC236}">
+                  <a16:creationId xmlns:a16="http://schemas.microsoft.com/office/drawing/2014/main" id="{5A32FF10-FB55-E41B-2A53-73572E78868D}"/>
+                </a:ext>
+              </a:extLst>
+            </p:cNvPr>
+            <p:cNvSpPr/>
+            <p:nvPr/>
+          </p:nvSpPr>
+          <p:spPr>
+            <a:xfrm>
+              <a:off x="4858239" y="2084361"/>
+              <a:ext cx="6833323" cy="3409837"/>
+            </a:xfrm>
+            <a:prstGeom prst="rect">
+              <a:avLst/>
+            </a:prstGeom>
+            <a:noFill/>
+            <a:ln w="15875">
+              <a:solidFill>
+                <a:srgbClr val="8C4FFF"/>
+              </a:solidFill>
+            </a:ln>
+          </p:spPr>
+          <p:style>
+            <a:lnRef idx="2">
+              <a:schemeClr val="accent1">
+                <a:shade val="50000"/>
+              </a:schemeClr>
+            </a:lnRef>
+            <a:fillRef idx="1">
+              <a:schemeClr val="accent1"/>
+            </a:fillRef>
+            <a:effectRef idx="0">
+              <a:schemeClr val="accent1"/>
+            </a:effectRef>
+            <a:fontRef idx="minor">
+              <a:schemeClr val="lt1"/>
+            </a:fontRef>
+          </p:style>
+          <p:txBody>
+            <a:bodyPr lIns="502920" tIns="91440"/>
+            <a:lstStyle/>
+            <a:p>
+              <a:pPr eaLnBrk="1" fontAlgn="auto" hangingPunct="1">
+                <a:spcBef>
+                  <a:spcPts val="0"/>
+                </a:spcBef>
+                <a:spcAft>
+                  <a:spcPts val="0"/>
+                </a:spcAft>
+                <a:defRPr/>
+              </a:pPr>
+              <a:r>
+                <a:rPr lang="en-US" sz="1200" dirty="0">
+                  <a:ln w="0"/>
+                  <a:solidFill>
+                    <a:schemeClr val="tx1"/>
+                  </a:solidFill>
+                  <a:latin typeface="Arial" panose="020B0604020202020204" pitchFamily="34" charset="0"/>
+                  <a:cs typeface="Arial" panose="020B0604020202020204" pitchFamily="34" charset="0"/>
+                </a:rPr>
+                <a:t>Virtual private cloud (VPC)</a:t>
+              </a:r>
+            </a:p>
+          </p:txBody>
+        </p:sp>
+        <p:pic>
+          <p:nvPicPr>
+            <p:cNvPr id="6" name="Graphic 57" descr="VPC group icon.">
+              <a:extLst>
+                <a:ext uri="{FF2B5EF4-FFF2-40B4-BE49-F238E27FC236}">
+                  <a16:creationId xmlns:a16="http://schemas.microsoft.com/office/drawing/2014/main" id="{7186A36A-0AB0-6392-3625-BEEAB2F763F7}"/>
+                </a:ext>
+              </a:extLst>
+            </p:cNvPr>
+            <p:cNvPicPr>
+              <a:picLocks noChangeAspect="1"/>
+            </p:cNvPicPr>
+            <p:nvPr/>
+          </p:nvPicPr>
+          <p:blipFill>
+            <a:blip r:embed="rId7">
+              <a:extLst>
+                <a:ext uri="{96DAC541-7B7A-43D3-8B79-37D633B846F1}">
+                  <asvg:svgBlip xmlns:asvg="http://schemas.microsoft.com/office/drawing/2016/SVG/main" r:embed="rId8"/>
+                </a:ext>
+              </a:extLst>
+            </a:blip>
+            <a:srcRect/>
+            <a:stretch/>
+          </p:blipFill>
+          <p:spPr>
+            <a:xfrm>
+              <a:off x="4858238" y="2097862"/>
+              <a:ext cx="381000" cy="381000"/>
+            </a:xfrm>
+            <a:prstGeom prst="rect">
+              <a:avLst/>
+            </a:prstGeom>
+          </p:spPr>
+        </p:pic>
+      </p:grpSp>
+      <p:sp>
+        <p:nvSpPr>
+          <p:cNvPr id="12" name="Rectangle 43" descr="Public subnet group border.">
+            <a:extLst>
+              <a:ext uri="{FF2B5EF4-FFF2-40B4-BE49-F238E27FC236}">
+                <a16:creationId xmlns:a16="http://schemas.microsoft.com/office/drawing/2014/main" id="{667ED971-490C-55C6-F954-FEFF424F0118}"/>
+              </a:ext>
+            </a:extLst>
+          </p:cNvPr>
+          <p:cNvSpPr/>
+          <p:nvPr/>
+        </p:nvSpPr>
+        <p:spPr>
+          <a:xfrm>
+            <a:off x="4081680" y="2218616"/>
+            <a:ext cx="5219889" cy="1823382"/>
+          </a:xfrm>
+          <a:prstGeom prst="rect">
+            <a:avLst/>
+          </a:prstGeom>
+          <a:solidFill>
+            <a:schemeClr val="accent6">
+              <a:lumMod val="20000"/>
+              <a:lumOff val="80000"/>
+            </a:schemeClr>
+          </a:solidFill>
+          <a:ln w="15875" cmpd="sng">
+            <a:noFill/>
+            <a:prstDash val="solid"/>
+          </a:ln>
+        </p:spPr>
+        <p:style>
+          <a:lnRef idx="2">
+            <a:schemeClr val="accent1">
+              <a:shade val="50000"/>
+            </a:schemeClr>
+          </a:lnRef>
+          <a:fillRef idx="1">
+            <a:schemeClr val="accent1"/>
+          </a:fillRef>
+          <a:effectRef idx="0">
+            <a:schemeClr val="accent1"/>
+          </a:effectRef>
+          <a:fontRef idx="minor">
+            <a:schemeClr val="lt1"/>
+          </a:fontRef>
+        </p:style>
+        <p:txBody>
+          <a:bodyPr lIns="502920" tIns="91440" bIns="45720"/>
+          <a:lstStyle/>
+          <a:p>
+            <a:pPr eaLnBrk="1" fontAlgn="auto" hangingPunct="1">
+              <a:spcBef>
+                <a:spcPts val="0"/>
+              </a:spcBef>
+              <a:spcAft>
+                <a:spcPts val="0"/>
+              </a:spcAft>
+              <a:defRPr/>
+            </a:pPr>
+            <a:r>
+              <a:rPr lang="en-US" sz="1200" dirty="0">
+                <a:solidFill>
+                  <a:schemeClr val="tx1"/>
+                </a:solidFill>
+                <a:latin typeface="Arial" panose="020B0604020202020204" pitchFamily="34" charset="0"/>
+                <a:cs typeface="Arial" panose="020B0604020202020204" pitchFamily="34" charset="0"/>
+              </a:rPr>
+              <a:t>Public subnet</a:t>
+            </a:r>
+          </a:p>
+        </p:txBody>
+      </p:sp>
+      <p:grpSp>
+        <p:nvGrpSpPr>
+          <p:cNvPr id="99" name="그룹 98">
+            <a:extLst>
+              <a:ext uri="{FF2B5EF4-FFF2-40B4-BE49-F238E27FC236}">
+                <a16:creationId xmlns:a16="http://schemas.microsoft.com/office/drawing/2014/main" id="{D0040678-B474-E5B5-16DB-28AF0298E734}"/>
+              </a:ext>
+            </a:extLst>
+          </p:cNvPr>
+          <p:cNvGrpSpPr/>
+          <p:nvPr/>
+        </p:nvGrpSpPr>
+        <p:grpSpPr>
+          <a:xfrm>
+            <a:off x="4438317" y="4630820"/>
+            <a:ext cx="2239962" cy="1006114"/>
+            <a:chOff x="5374440" y="5267982"/>
+            <a:chExt cx="2239962" cy="1006114"/>
+          </a:xfrm>
+        </p:grpSpPr>
+        <p:pic>
+          <p:nvPicPr>
+            <p:cNvPr id="48" name="Graphic 8" descr="Amazon Simple Storage Service (Amazon S3) service icon.">
+              <a:extLst>
+                <a:ext uri="{FF2B5EF4-FFF2-40B4-BE49-F238E27FC236}">
+                  <a16:creationId xmlns:a16="http://schemas.microsoft.com/office/drawing/2014/main" id="{9A3F862D-18D9-9F18-0158-0826B9B5E487}"/>
+                </a:ext>
+              </a:extLst>
+            </p:cNvPr>
+            <p:cNvPicPr>
+              <a:picLocks noChangeAspect="1" noChangeArrowheads="1"/>
+            </p:cNvPicPr>
+            <p:nvPr/>
+          </p:nvPicPr>
+          <p:blipFill rotWithShape="1">
+            <a:blip r:embed="rId9"/>
+            <a:srcRect/>
+            <a:stretch>
+              <a:fillRect/>
+            </a:stretch>
+          </p:blipFill>
+          <p:spPr>
+            <a:xfrm>
+              <a:off x="6116164" y="5267982"/>
+              <a:ext cx="705600" cy="705600"/>
+            </a:xfrm>
+            <a:prstGeom prst="rect">
+              <a:avLst/>
+            </a:prstGeom>
+            <a:noFill/>
+            <a:ln>
+              <a:noFill/>
+            </a:ln>
+          </p:spPr>
+        </p:pic>
+        <p:sp>
+          <p:nvSpPr>
+            <p:cNvPr id="49" name="TextBox 9">
+              <a:extLst>
+                <a:ext uri="{FF2B5EF4-FFF2-40B4-BE49-F238E27FC236}">
+                  <a16:creationId xmlns:a16="http://schemas.microsoft.com/office/drawing/2014/main" id="{8744616F-1413-D10A-F992-8BD8E9C96EF2}"/>
+                </a:ext>
+              </a:extLst>
+            </p:cNvPr>
+            <p:cNvSpPr txBox="1">
+              <a:spLocks noChangeArrowheads="1"/>
+            </p:cNvSpPr>
+            <p:nvPr/>
+          </p:nvSpPr>
+          <p:spPr>
+            <a:xfrm>
+              <a:off x="5374440" y="5997097"/>
+              <a:ext cx="2239962" cy="276999"/>
+            </a:xfrm>
+            <a:prstGeom prst="rect">
+              <a:avLst/>
+            </a:prstGeom>
+            <a:noFill/>
+            <a:ln>
+              <a:noFill/>
+            </a:ln>
+          </p:spPr>
+          <p:txBody>
+            <a:bodyPr>
+              <a:spAutoFit/>
+            </a:bodyPr>
+            <a:lstStyle>
+              <a:lvl1pPr marL="0" indent="0">
+                <a:lnSpc>
+                  <a:spcPct val="100000"/>
+                </a:lnSpc>
+                <a:spcBef>
+                  <a:spcPct val="0"/>
+                </a:spcBef>
+                <a:spcAft>
+                  <a:spcPts val="0"/>
+                </a:spcAft>
+                <a:defRPr kumimoji="0" sz="1800" b="0" i="0" u="none" strike="noStrike" kern="0" cap="none" spc="0" normalizeH="0" baseline="0">
+                  <a:solidFill>
+                    <a:schemeClr val="tx1"/>
+                  </a:solidFill>
+                </a:defRPr>
+              </a:lvl1pPr>
+            </a:lstStyle>
+            <a:p>
+              <a:pPr algn="ctr" eaLnBrk="1" hangingPunct="1">
+                <a:defRPr/>
+              </a:pPr>
+              <a:r>
+                <a:rPr lang="en-US" altLang="en-US" sz="1200" dirty="0">
+                  <a:latin typeface="Arial"/>
+                  <a:ea typeface="Amazon Ember"/>
+                  <a:cs typeface="Arial"/>
+                </a:rPr>
+                <a:t>Amazon S3</a:t>
+              </a:r>
+            </a:p>
+          </p:txBody>
+        </p:sp>
+      </p:grpSp>
+      <p:sp>
+        <p:nvSpPr>
+          <p:cNvPr id="75" name="label">
+            <a:extLst>
+              <a:ext uri="{FF2B5EF4-FFF2-40B4-BE49-F238E27FC236}">
+                <a16:creationId xmlns:a16="http://schemas.microsoft.com/office/drawing/2014/main" id="{08F78228-1FAD-B405-7F45-134B4B33CFCF}"/>
+              </a:ext>
+            </a:extLst>
+          </p:cNvPr>
+          <p:cNvSpPr txBox="1">
+            <a:spLocks noChangeArrowheads="1"/>
+          </p:cNvSpPr>
+          <p:nvPr/>
+        </p:nvSpPr>
+        <p:spPr>
+          <a:xfrm>
+            <a:off x="1096233" y="5463776"/>
+            <a:ext cx="827880" cy="246221"/>
+          </a:xfrm>
+          <a:prstGeom prst="rect">
+            <a:avLst/>
+          </a:prstGeom>
+          <a:solidFill>
+            <a:schemeClr val="bg1"/>
+          </a:solidFill>
+          <a:ln>
+            <a:solidFill>
+              <a:schemeClr val="bg1"/>
+            </a:solidFill>
+          </a:ln>
+        </p:spPr>
+        <p:style>
+          <a:lnRef idx="2">
+            <a:schemeClr val="dk1"/>
+          </a:lnRef>
+          <a:fillRef idx="1">
+            <a:schemeClr val="lt1"/>
+          </a:fillRef>
+          <a:effectRef idx="0">
+            <a:schemeClr val="dk1"/>
+          </a:effectRef>
+          <a:fontRef idx="minor">
+            <a:schemeClr val="dk1"/>
+          </a:fontRef>
+        </p:style>
+        <p:txBody>
+          <a:bodyPr wrap="square">
+            <a:spAutoFit/>
+          </a:bodyPr>
+          <a:lstStyle>
+            <a:lvl1pPr marL="0" indent="0">
+              <a:lnSpc>
+                <a:spcPct val="100000"/>
+              </a:lnSpc>
+              <a:spcBef>
+                <a:spcPct val="0"/>
+              </a:spcBef>
+              <a:spcAft>
+                <a:spcPts val="0"/>
+              </a:spcAft>
+              <a:defRPr kumimoji="0" sz="1800" b="0" i="0" u="none" strike="noStrike" kern="0" cap="none" spc="0" normalizeH="0" baseline="0">
+                <a:solidFill>
+                  <a:schemeClr val="tx1"/>
+                </a:solidFill>
+              </a:defRPr>
+            </a:lvl1pPr>
+          </a:lstStyle>
+          <a:p>
+            <a:pPr algn="ctr" eaLnBrk="1" hangingPunct="1">
+              <a:defRPr/>
+            </a:pPr>
+            <a:r>
+              <a:rPr lang="en-US" altLang="en-US" sz="1000" i="1" dirty="0">
+                <a:latin typeface="Arial"/>
+                <a:cs typeface="Arial"/>
+              </a:rPr>
+              <a:t>Load Video</a:t>
+            </a:r>
+          </a:p>
+        </p:txBody>
+      </p:sp>
+      <p:sp>
+        <p:nvSpPr>
+          <p:cNvPr id="170" name="TextBox 169">
+            <a:extLst>
+              <a:ext uri="{FF2B5EF4-FFF2-40B4-BE49-F238E27FC236}">
+                <a16:creationId xmlns:a16="http://schemas.microsoft.com/office/drawing/2014/main" id="{AE81C79A-A482-DBA5-AB08-655AB103CA8D}"/>
+              </a:ext>
+            </a:extLst>
+          </p:cNvPr>
+          <p:cNvSpPr txBox="1"/>
+          <p:nvPr/>
+        </p:nvSpPr>
+        <p:spPr>
+          <a:xfrm>
+            <a:off x="1065745" y="5147848"/>
+            <a:ext cx="290464" cy="323165"/>
+          </a:xfrm>
+          <a:prstGeom prst="rect">
+            <a:avLst/>
+          </a:prstGeom>
+        </p:spPr>
+        <p:style>
+          <a:lnRef idx="2">
+            <a:schemeClr val="accent4">
+              <a:shade val="15000"/>
+            </a:schemeClr>
+          </a:lnRef>
+          <a:fillRef idx="1">
+            <a:schemeClr val="accent4"/>
+          </a:fillRef>
+          <a:effectRef idx="0">
+            <a:schemeClr val="accent4"/>
+          </a:effectRef>
+          <a:fontRef idx="minor">
+            <a:schemeClr val="lt1"/>
+          </a:fontRef>
+        </p:style>
+        <p:txBody>
+          <a:bodyPr wrap="none" rtlCol="0">
+            <a:spAutoFit/>
+          </a:bodyPr>
+          <a:lstStyle/>
+          <a:p>
+            <a:r>
+              <a:rPr lang="en-US" altLang="ko-KR" sz="1500" dirty="0">
+                <a:solidFill>
+                  <a:schemeClr val="tx1"/>
+                </a:solidFill>
+              </a:rPr>
+              <a:t>1</a:t>
+            </a:r>
+            <a:endParaRPr lang="ko-KR" altLang="en-US" sz="1500" dirty="0">
+              <a:solidFill>
+                <a:schemeClr val="tx1"/>
+              </a:solidFill>
+            </a:endParaRPr>
+          </a:p>
+        </p:txBody>
+      </p:sp>
+      <p:grpSp>
+        <p:nvGrpSpPr>
+          <p:cNvPr id="100" name="그룹 99">
+            <a:extLst>
+              <a:ext uri="{FF2B5EF4-FFF2-40B4-BE49-F238E27FC236}">
+                <a16:creationId xmlns:a16="http://schemas.microsoft.com/office/drawing/2014/main" id="{44DF6B25-2360-FD7A-4322-1CB5D1D4450E}"/>
+              </a:ext>
+            </a:extLst>
+          </p:cNvPr>
+          <p:cNvGrpSpPr/>
+          <p:nvPr/>
+        </p:nvGrpSpPr>
+        <p:grpSpPr>
+          <a:xfrm>
+            <a:off x="8083940" y="5012557"/>
+            <a:ext cx="2292350" cy="1193781"/>
+            <a:chOff x="8350640" y="5267982"/>
+            <a:chExt cx="2292350" cy="1193781"/>
+          </a:xfrm>
+        </p:grpSpPr>
+        <p:pic>
+          <p:nvPicPr>
+            <p:cNvPr id="4" name="Graphic 10" descr="AWS Lambda service icon.">
+              <a:extLst>
+                <a:ext uri="{FF2B5EF4-FFF2-40B4-BE49-F238E27FC236}">
+                  <a16:creationId xmlns:a16="http://schemas.microsoft.com/office/drawing/2014/main" id="{7249C1EC-5A69-3C4D-9DDF-0DB93BB70BC6}"/>
+                </a:ext>
+              </a:extLst>
+            </p:cNvPr>
+            <p:cNvPicPr>
+              <a:picLocks noChangeAspect="1" noChangeArrowheads="1"/>
+            </p:cNvPicPr>
+            <p:nvPr/>
+          </p:nvPicPr>
+          <p:blipFill>
+            <a:blip r:embed="rId10">
+              <a:extLst>
+                <a:ext uri="{96DAC541-7B7A-43D3-8B79-37D633B846F1}">
+                  <asvg:svgBlip xmlns:asvg="http://schemas.microsoft.com/office/drawing/2016/SVG/main" r:embed="rId11"/>
+                </a:ext>
+              </a:extLst>
+            </a:blip>
+            <a:srcRect/>
+            <a:stretch/>
+          </p:blipFill>
+          <p:spPr bwMode="auto">
+            <a:xfrm>
+              <a:off x="9098539" y="5267982"/>
+              <a:ext cx="705600" cy="705600"/>
+            </a:xfrm>
+            <a:prstGeom prst="rect">
+              <a:avLst/>
+            </a:prstGeom>
+            <a:noFill/>
+            <a:ln>
+              <a:noFill/>
+            </a:ln>
+            <a:extLst>
+              <a:ext uri="{909E8E84-426E-40DD-AFC4-6F175D3DCCD1}">
+                <a14:hiddenFill xmlns:a14="http://schemas.microsoft.com/office/drawing/2010/main">
+                  <a:solidFill>
+                    <a:srgbClr val="FFFFFF"/>
+                  </a:solidFill>
+                </a14:hiddenFill>
+              </a:ext>
+              <a:ext uri="{91240B29-F687-4F45-9708-019B960494DF}">
+                <a14:hiddenLine xmlns:a14="http://schemas.microsoft.com/office/drawing/2010/main" w="9525">
+                  <a:solidFill>
+                    <a:srgbClr val="000000"/>
+                  </a:solidFill>
+                  <a:miter lim="800000"/>
+                  <a:headEnd/>
+                  <a:tailEnd/>
+                </a14:hiddenLine>
+              </a:ext>
+            </a:extLst>
+          </p:spPr>
+        </p:pic>
+        <p:sp>
+          <p:nvSpPr>
+            <p:cNvPr id="5" name="TextBox 20">
+              <a:extLst>
+                <a:ext uri="{FF2B5EF4-FFF2-40B4-BE49-F238E27FC236}">
+                  <a16:creationId xmlns:a16="http://schemas.microsoft.com/office/drawing/2014/main" id="{E5D4A7D0-5E44-1943-968A-C198F40D0E71}"/>
+                </a:ext>
+              </a:extLst>
+            </p:cNvPr>
+            <p:cNvSpPr txBox="1">
+              <a:spLocks noChangeArrowheads="1"/>
+            </p:cNvSpPr>
+            <p:nvPr/>
+          </p:nvSpPr>
+          <p:spPr bwMode="auto">
+            <a:xfrm>
+              <a:off x="8350640" y="6000098"/>
+              <a:ext cx="2292350" cy="461665"/>
+            </a:xfrm>
+            <a:prstGeom prst="rect">
+              <a:avLst/>
+            </a:prstGeom>
+            <a:noFill/>
+            <a:ln>
+              <a:noFill/>
+            </a:ln>
+            <a:extLst>
+              <a:ext uri="{909E8E84-426E-40DD-AFC4-6F175D3DCCD1}">
+                <a14:hiddenFill xmlns:a14="http://schemas.microsoft.com/office/drawing/2010/main">
+                  <a:solidFill>
+                    <a:srgbClr val="FFFFFF"/>
+                  </a:solidFill>
+                </a14:hiddenFill>
+              </a:ext>
+              <a:ext uri="{91240B29-F687-4F45-9708-019B960494DF}">
+                <a14:hiddenLine xmlns:a14="http://schemas.microsoft.com/office/drawing/2010/main" w="9525">
+                  <a:solidFill>
+                    <a:srgbClr val="000000"/>
+                  </a:solidFill>
+                  <a:miter lim="800000"/>
+                  <a:headEnd/>
+                  <a:tailEnd/>
+                </a14:hiddenLine>
+              </a:ext>
+            </a:extLst>
+          </p:spPr>
+          <p:txBody>
+            <a:bodyPr>
+              <a:spAutoFit/>
+            </a:bodyPr>
+            <a:lstStyle>
+              <a:defPPr>
+                <a:defRPr lang="en-US"/>
+              </a:defPPr>
+              <a:lvl1pPr algn="l" rtl="0" eaLnBrk="0" fontAlgn="base" hangingPunct="0">
+                <a:spcBef>
+                  <a:spcPct val="0"/>
+                </a:spcBef>
+                <a:spcAft>
+                  <a:spcPct val="0"/>
+                </a:spcAft>
+                <a:defRPr kern="1200">
+                  <a:solidFill>
+                    <a:schemeClr val="tx1"/>
+                  </a:solidFill>
+                  <a:latin typeface="Calibri" panose="020F0502020204030204" pitchFamily="34" charset="0"/>
+                  <a:ea typeface="+mn-ea"/>
+                  <a:cs typeface="+mn-cs"/>
+                </a:defRPr>
+              </a:lvl1pPr>
+              <a:lvl2pPr marL="457200" algn="l" rtl="0" eaLnBrk="0" fontAlgn="base" hangingPunct="0">
+                <a:spcBef>
+                  <a:spcPct val="0"/>
+                </a:spcBef>
+                <a:spcAft>
+                  <a:spcPct val="0"/>
+                </a:spcAft>
+                <a:defRPr kern="1200">
+                  <a:solidFill>
+                    <a:schemeClr val="tx1"/>
+                  </a:solidFill>
+                  <a:latin typeface="Calibri" panose="020F0502020204030204" pitchFamily="34" charset="0"/>
+                  <a:ea typeface="+mn-ea"/>
+                  <a:cs typeface="+mn-cs"/>
+                </a:defRPr>
+              </a:lvl2pPr>
+              <a:lvl3pPr marL="914400" algn="l" rtl="0" eaLnBrk="0" fontAlgn="base" hangingPunct="0">
+                <a:spcBef>
+                  <a:spcPct val="0"/>
+                </a:spcBef>
+                <a:spcAft>
+                  <a:spcPct val="0"/>
+                </a:spcAft>
+                <a:defRPr kern="1200">
+                  <a:solidFill>
+                    <a:schemeClr val="tx1"/>
+                  </a:solidFill>
+                  <a:latin typeface="Calibri" panose="020F0502020204030204" pitchFamily="34" charset="0"/>
+                  <a:ea typeface="+mn-ea"/>
+                  <a:cs typeface="+mn-cs"/>
+                </a:defRPr>
+              </a:lvl3pPr>
+              <a:lvl4pPr marL="1371600" algn="l" rtl="0" eaLnBrk="0" fontAlgn="base" hangingPunct="0">
+                <a:spcBef>
+                  <a:spcPct val="0"/>
+                </a:spcBef>
+                <a:spcAft>
+                  <a:spcPct val="0"/>
+                </a:spcAft>
+                <a:defRPr kern="1200">
+                  <a:solidFill>
+                    <a:schemeClr val="tx1"/>
+                  </a:solidFill>
+                  <a:latin typeface="Calibri" panose="020F0502020204030204" pitchFamily="34" charset="0"/>
+                  <a:ea typeface="+mn-ea"/>
+                  <a:cs typeface="+mn-cs"/>
+                </a:defRPr>
+              </a:lvl4pPr>
+              <a:lvl5pPr marL="1828800" algn="l" rtl="0" eaLnBrk="0" fontAlgn="base" hangingPunct="0">
+                <a:spcBef>
+                  <a:spcPct val="0"/>
+                </a:spcBef>
+                <a:spcAft>
+                  <a:spcPct val="0"/>
+                </a:spcAft>
+                <a:defRPr kern="1200">
+                  <a:solidFill>
+                    <a:schemeClr val="tx1"/>
+                  </a:solidFill>
+                  <a:latin typeface="Calibri" panose="020F0502020204030204" pitchFamily="34" charset="0"/>
+                  <a:ea typeface="+mn-ea"/>
+                  <a:cs typeface="+mn-cs"/>
+                </a:defRPr>
+              </a:lvl5pPr>
+              <a:lvl6pPr marL="2286000" algn="l" defTabSz="914400" rtl="0" eaLnBrk="1" latinLnBrk="0" hangingPunct="1">
+                <a:defRPr kern="1200">
+                  <a:solidFill>
+                    <a:schemeClr val="tx1"/>
+                  </a:solidFill>
+                  <a:latin typeface="Calibri" panose="020F0502020204030204" pitchFamily="34" charset="0"/>
+                  <a:ea typeface="+mn-ea"/>
+                  <a:cs typeface="+mn-cs"/>
+                </a:defRPr>
+              </a:lvl6pPr>
+              <a:lvl7pPr marL="2743200" algn="l" defTabSz="914400" rtl="0" eaLnBrk="1" latinLnBrk="0" hangingPunct="1">
+                <a:defRPr kern="1200">
+                  <a:solidFill>
+                    <a:schemeClr val="tx1"/>
+                  </a:solidFill>
+                  <a:latin typeface="Calibri" panose="020F0502020204030204" pitchFamily="34" charset="0"/>
+                  <a:ea typeface="+mn-ea"/>
+                  <a:cs typeface="+mn-cs"/>
+                </a:defRPr>
+              </a:lvl7pPr>
+              <a:lvl8pPr marL="3200400" algn="l" defTabSz="914400" rtl="0" eaLnBrk="1" latinLnBrk="0" hangingPunct="1">
+                <a:defRPr kern="1200">
+                  <a:solidFill>
+                    <a:schemeClr val="tx1"/>
+                  </a:solidFill>
+                  <a:latin typeface="Calibri" panose="020F0502020204030204" pitchFamily="34" charset="0"/>
+                  <a:ea typeface="+mn-ea"/>
+                  <a:cs typeface="+mn-cs"/>
+                </a:defRPr>
+              </a:lvl8pPr>
+              <a:lvl9pPr marL="3657600" algn="l" defTabSz="914400" rtl="0" eaLnBrk="1" latinLnBrk="0" hangingPunct="1">
+                <a:defRPr kern="1200">
+                  <a:solidFill>
+                    <a:schemeClr val="tx1"/>
+                  </a:solidFill>
+                  <a:latin typeface="Calibri" panose="020F0502020204030204" pitchFamily="34" charset="0"/>
+                  <a:ea typeface="+mn-ea"/>
+                  <a:cs typeface="+mn-cs"/>
+                </a:defRPr>
+              </a:lvl9pPr>
+            </a:lstStyle>
+            <a:p>
+              <a:pPr algn="ctr" eaLnBrk="1" hangingPunct="1"/>
+              <a:r>
+                <a:rPr lang="en-US" altLang="en-US" sz="1200" dirty="0">
+                  <a:latin typeface="Arial" panose="020B0604020202020204" pitchFamily="34" charset="0"/>
+                  <a:ea typeface="Amazon Ember" panose="020B0603020204020204" pitchFamily="34" charset="0"/>
+                  <a:cs typeface="Arial" panose="020B0604020202020204" pitchFamily="34" charset="0"/>
+                </a:rPr>
+                <a:t>AWS Lambda</a:t>
+              </a:r>
+            </a:p>
+            <a:p>
+              <a:pPr algn="ctr" eaLnBrk="1" hangingPunct="1"/>
+              <a:r>
+                <a:rPr lang="en-US" altLang="en-US" sz="1200" dirty="0">
+                  <a:latin typeface="Arial" panose="020B0604020202020204" pitchFamily="34" charset="0"/>
+                  <a:ea typeface="Amazon Ember" panose="020B0603020204020204" pitchFamily="34" charset="0"/>
+                  <a:cs typeface="Arial" panose="020B0604020202020204" pitchFamily="34" charset="0"/>
+                </a:rPr>
+                <a:t>(Feature Extraction)</a:t>
+              </a:r>
+            </a:p>
+          </p:txBody>
+        </p:sp>
+      </p:grpSp>
+      <p:sp>
+        <p:nvSpPr>
+          <p:cNvPr id="149" name="label">
+            <a:extLst>
+              <a:ext uri="{FF2B5EF4-FFF2-40B4-BE49-F238E27FC236}">
+                <a16:creationId xmlns:a16="http://schemas.microsoft.com/office/drawing/2014/main" id="{BF579B65-B8C7-5FD6-E7FC-FC30C7F55870}"/>
+              </a:ext>
+            </a:extLst>
+          </p:cNvPr>
+          <p:cNvSpPr txBox="1">
+            <a:spLocks noChangeArrowheads="1"/>
+          </p:cNvSpPr>
+          <p:nvPr/>
+        </p:nvSpPr>
+        <p:spPr>
+          <a:xfrm>
+            <a:off x="7336992" y="5262744"/>
+            <a:ext cx="674040" cy="246221"/>
+          </a:xfrm>
+          <a:prstGeom prst="rect">
+            <a:avLst/>
+          </a:prstGeom>
+          <a:solidFill>
+            <a:schemeClr val="bg1"/>
+          </a:solidFill>
+          <a:ln>
+            <a:solidFill>
+              <a:schemeClr val="bg1"/>
+            </a:solidFill>
+          </a:ln>
+        </p:spPr>
+        <p:style>
+          <a:lnRef idx="2">
+            <a:schemeClr val="dk1"/>
+          </a:lnRef>
+          <a:fillRef idx="1">
+            <a:schemeClr val="lt1"/>
+          </a:fillRef>
+          <a:effectRef idx="0">
+            <a:schemeClr val="dk1"/>
+          </a:effectRef>
+          <a:fontRef idx="minor">
+            <a:schemeClr val="dk1"/>
+          </a:fontRef>
+        </p:style>
+        <p:txBody>
+          <a:bodyPr wrap="square">
+            <a:spAutoFit/>
+          </a:bodyPr>
+          <a:lstStyle>
+            <a:lvl1pPr marL="0" indent="0">
+              <a:lnSpc>
+                <a:spcPct val="100000"/>
+              </a:lnSpc>
+              <a:spcBef>
+                <a:spcPct val="0"/>
+              </a:spcBef>
+              <a:spcAft>
+                <a:spcPts val="0"/>
+              </a:spcAft>
+              <a:defRPr kumimoji="0" sz="1800" b="0" i="0" u="none" strike="noStrike" kern="0" cap="none" spc="0" normalizeH="0" baseline="0">
+                <a:solidFill>
+                  <a:schemeClr val="tx1"/>
+                </a:solidFill>
+              </a:defRPr>
+            </a:lvl1pPr>
+          </a:lstStyle>
+          <a:p>
+            <a:pPr algn="ctr" eaLnBrk="1" hangingPunct="1">
+              <a:defRPr/>
+            </a:pPr>
+            <a:r>
+              <a:rPr lang="en-US" altLang="en-US" sz="1000" i="1" dirty="0">
+                <a:latin typeface="Arial"/>
+                <a:cs typeface="Arial"/>
+              </a:rPr>
+              <a:t>Trigger</a:t>
+            </a:r>
+          </a:p>
+        </p:txBody>
+      </p:sp>
+      <p:grpSp>
+        <p:nvGrpSpPr>
+          <p:cNvPr id="94" name="그룹 93">
+            <a:extLst>
+              <a:ext uri="{FF2B5EF4-FFF2-40B4-BE49-F238E27FC236}">
+                <a16:creationId xmlns:a16="http://schemas.microsoft.com/office/drawing/2014/main" id="{8CF7D00E-4D13-1B89-D66D-A947A2F6CD6B}"/>
+              </a:ext>
+            </a:extLst>
+          </p:cNvPr>
+          <p:cNvGrpSpPr/>
+          <p:nvPr/>
+        </p:nvGrpSpPr>
+        <p:grpSpPr>
+          <a:xfrm>
+            <a:off x="4343720" y="2753531"/>
+            <a:ext cx="2496630" cy="1204187"/>
+            <a:chOff x="7588899" y="3319934"/>
+            <a:chExt cx="2268537" cy="1094172"/>
+          </a:xfrm>
+        </p:grpSpPr>
+        <p:pic>
+          <p:nvPicPr>
+            <p:cNvPr id="22" name="Graphic 5" descr="Amazon Elastic Compute Cloud (Amazon EC2) service icon.">
+              <a:extLst>
+                <a:ext uri="{FF2B5EF4-FFF2-40B4-BE49-F238E27FC236}">
+                  <a16:creationId xmlns:a16="http://schemas.microsoft.com/office/drawing/2014/main" id="{38622D4A-AB16-E74E-A250-BDBAAFFAA603}"/>
+                </a:ext>
+              </a:extLst>
+            </p:cNvPr>
+            <p:cNvPicPr>
+              <a:picLocks noChangeAspect="1" noChangeArrowheads="1"/>
+            </p:cNvPicPr>
+            <p:nvPr/>
+          </p:nvPicPr>
+          <p:blipFill>
+            <a:blip r:embed="rId12">
+              <a:extLst>
+                <a:ext uri="{96DAC541-7B7A-43D3-8B79-37D633B846F1}">
+                  <asvg:svgBlip xmlns:asvg="http://schemas.microsoft.com/office/drawing/2016/SVG/main" r:embed="rId13"/>
+                </a:ext>
+              </a:extLst>
+            </a:blip>
+            <a:srcRect/>
+            <a:stretch/>
+          </p:blipFill>
+          <p:spPr bwMode="auto">
+            <a:xfrm>
+              <a:off x="7651155" y="3319934"/>
+              <a:ext cx="640634" cy="640634"/>
+            </a:xfrm>
+            <a:prstGeom prst="rect">
+              <a:avLst/>
+            </a:prstGeom>
+            <a:noFill/>
+            <a:ln>
+              <a:noFill/>
+            </a:ln>
+            <a:extLst>
+              <a:ext uri="{909E8E84-426E-40DD-AFC4-6F175D3DCCD1}">
+                <a14:hiddenFill xmlns:a14="http://schemas.microsoft.com/office/drawing/2010/main">
+                  <a:solidFill>
+                    <a:srgbClr val="FFFFFF"/>
+                  </a:solidFill>
+                </a14:hiddenFill>
+              </a:ext>
+              <a:ext uri="{91240B29-F687-4F45-9708-019B960494DF}">
+                <a14:hiddenLine xmlns:a14="http://schemas.microsoft.com/office/drawing/2010/main" w="9525">
+                  <a:solidFill>
+                    <a:srgbClr val="000000"/>
+                  </a:solidFill>
+                  <a:miter lim="800000"/>
+                  <a:headEnd/>
+                  <a:tailEnd/>
+                </a14:hiddenLine>
+              </a:ext>
+            </a:extLst>
+          </p:spPr>
+        </p:pic>
+        <p:sp>
+          <p:nvSpPr>
+            <p:cNvPr id="23" name="TextBox 6">
+              <a:extLst>
+                <a:ext uri="{FF2B5EF4-FFF2-40B4-BE49-F238E27FC236}">
+                  <a16:creationId xmlns:a16="http://schemas.microsoft.com/office/drawing/2014/main" id="{36FEB6A7-BBBF-BF4E-B09F-F70950BA7F04}"/>
+                </a:ext>
+              </a:extLst>
+            </p:cNvPr>
+            <p:cNvSpPr txBox="1">
+              <a:spLocks noChangeArrowheads="1"/>
+            </p:cNvSpPr>
+            <p:nvPr/>
+          </p:nvSpPr>
+          <p:spPr bwMode="auto">
+            <a:xfrm>
+              <a:off x="7588899" y="3952441"/>
+              <a:ext cx="2268537" cy="461665"/>
+            </a:xfrm>
+            <a:prstGeom prst="rect">
+              <a:avLst/>
+            </a:prstGeom>
+            <a:noFill/>
+            <a:ln>
+              <a:noFill/>
+            </a:ln>
+            <a:extLst>
+              <a:ext uri="{909E8E84-426E-40DD-AFC4-6F175D3DCCD1}">
+                <a14:hiddenFill xmlns:a14="http://schemas.microsoft.com/office/drawing/2010/main">
+                  <a:solidFill>
+                    <a:srgbClr val="FFFFFF"/>
+                  </a:solidFill>
+                </a14:hiddenFill>
+              </a:ext>
+              <a:ext uri="{91240B29-F687-4F45-9708-019B960494DF}">
+                <a14:hiddenLine xmlns:a14="http://schemas.microsoft.com/office/drawing/2010/main" w="9525">
+                  <a:solidFill>
+                    <a:srgbClr val="000000"/>
+                  </a:solidFill>
+                  <a:miter lim="800000"/>
+                  <a:headEnd/>
+                  <a:tailEnd/>
+                </a14:hiddenLine>
+              </a:ext>
+            </a:extLst>
+          </p:spPr>
+          <p:txBody>
+            <a:bodyPr>
+              <a:spAutoFit/>
+            </a:bodyPr>
+            <a:lstStyle>
+              <a:defPPr>
+                <a:defRPr lang="en-US"/>
+              </a:defPPr>
+              <a:lvl1pPr algn="l" rtl="0" eaLnBrk="0" fontAlgn="base" hangingPunct="0">
+                <a:spcBef>
+                  <a:spcPct val="0"/>
+                </a:spcBef>
+                <a:spcAft>
+                  <a:spcPct val="0"/>
+                </a:spcAft>
+                <a:defRPr kern="1200">
+                  <a:solidFill>
+                    <a:schemeClr val="tx1"/>
+                  </a:solidFill>
+                  <a:latin typeface="Calibri" panose="020F0502020204030204" pitchFamily="34" charset="0"/>
+                  <a:ea typeface="+mn-ea"/>
+                  <a:cs typeface="+mn-cs"/>
+                </a:defRPr>
+              </a:lvl1pPr>
+              <a:lvl2pPr marL="457200" algn="l" rtl="0" eaLnBrk="0" fontAlgn="base" hangingPunct="0">
+                <a:spcBef>
+                  <a:spcPct val="0"/>
+                </a:spcBef>
+                <a:spcAft>
+                  <a:spcPct val="0"/>
+                </a:spcAft>
+                <a:defRPr kern="1200">
+                  <a:solidFill>
+                    <a:schemeClr val="tx1"/>
+                  </a:solidFill>
+                  <a:latin typeface="Calibri" panose="020F0502020204030204" pitchFamily="34" charset="0"/>
+                  <a:ea typeface="+mn-ea"/>
+                  <a:cs typeface="+mn-cs"/>
+                </a:defRPr>
+              </a:lvl2pPr>
+              <a:lvl3pPr marL="914400" algn="l" rtl="0" eaLnBrk="0" fontAlgn="base" hangingPunct="0">
+                <a:spcBef>
+                  <a:spcPct val="0"/>
+                </a:spcBef>
+                <a:spcAft>
+                  <a:spcPct val="0"/>
+                </a:spcAft>
+                <a:defRPr kern="1200">
+                  <a:solidFill>
+                    <a:schemeClr val="tx1"/>
+                  </a:solidFill>
+                  <a:latin typeface="Calibri" panose="020F0502020204030204" pitchFamily="34" charset="0"/>
+                  <a:ea typeface="+mn-ea"/>
+                  <a:cs typeface="+mn-cs"/>
+                </a:defRPr>
+              </a:lvl3pPr>
+              <a:lvl4pPr marL="1371600" algn="l" rtl="0" eaLnBrk="0" fontAlgn="base" hangingPunct="0">
+                <a:spcBef>
+                  <a:spcPct val="0"/>
+                </a:spcBef>
+                <a:spcAft>
+                  <a:spcPct val="0"/>
+                </a:spcAft>
+                <a:defRPr kern="1200">
+                  <a:solidFill>
+                    <a:schemeClr val="tx1"/>
+                  </a:solidFill>
+                  <a:latin typeface="Calibri" panose="020F0502020204030204" pitchFamily="34" charset="0"/>
+                  <a:ea typeface="+mn-ea"/>
+                  <a:cs typeface="+mn-cs"/>
+                </a:defRPr>
+              </a:lvl4pPr>
+              <a:lvl5pPr marL="1828800" algn="l" rtl="0" eaLnBrk="0" fontAlgn="base" hangingPunct="0">
+                <a:spcBef>
+                  <a:spcPct val="0"/>
+                </a:spcBef>
+                <a:spcAft>
+                  <a:spcPct val="0"/>
+                </a:spcAft>
+                <a:defRPr kern="1200">
+                  <a:solidFill>
+                    <a:schemeClr val="tx1"/>
+                  </a:solidFill>
+                  <a:latin typeface="Calibri" panose="020F0502020204030204" pitchFamily="34" charset="0"/>
+                  <a:ea typeface="+mn-ea"/>
+                  <a:cs typeface="+mn-cs"/>
+                </a:defRPr>
+              </a:lvl5pPr>
+              <a:lvl6pPr marL="2286000" algn="l" defTabSz="914400" rtl="0" eaLnBrk="1" latinLnBrk="0" hangingPunct="1">
+                <a:defRPr kern="1200">
+                  <a:solidFill>
+                    <a:schemeClr val="tx1"/>
+                  </a:solidFill>
+                  <a:latin typeface="Calibri" panose="020F0502020204030204" pitchFamily="34" charset="0"/>
+                  <a:ea typeface="+mn-ea"/>
+                  <a:cs typeface="+mn-cs"/>
+                </a:defRPr>
+              </a:lvl6pPr>
+              <a:lvl7pPr marL="2743200" algn="l" defTabSz="914400" rtl="0" eaLnBrk="1" latinLnBrk="0" hangingPunct="1">
+                <a:defRPr kern="1200">
+                  <a:solidFill>
+                    <a:schemeClr val="tx1"/>
+                  </a:solidFill>
+                  <a:latin typeface="Calibri" panose="020F0502020204030204" pitchFamily="34" charset="0"/>
+                  <a:ea typeface="+mn-ea"/>
+                  <a:cs typeface="+mn-cs"/>
+                </a:defRPr>
+              </a:lvl7pPr>
+              <a:lvl8pPr marL="3200400" algn="l" defTabSz="914400" rtl="0" eaLnBrk="1" latinLnBrk="0" hangingPunct="1">
+                <a:defRPr kern="1200">
+                  <a:solidFill>
+                    <a:schemeClr val="tx1"/>
+                  </a:solidFill>
+                  <a:latin typeface="Calibri" panose="020F0502020204030204" pitchFamily="34" charset="0"/>
+                  <a:ea typeface="+mn-ea"/>
+                  <a:cs typeface="+mn-cs"/>
+                </a:defRPr>
+              </a:lvl8pPr>
+              <a:lvl9pPr marL="3657600" algn="l" defTabSz="914400" rtl="0" eaLnBrk="1" latinLnBrk="0" hangingPunct="1">
+                <a:defRPr kern="1200">
+                  <a:solidFill>
+                    <a:schemeClr val="tx1"/>
+                  </a:solidFill>
+                  <a:latin typeface="Calibri" panose="020F0502020204030204" pitchFamily="34" charset="0"/>
+                  <a:ea typeface="+mn-ea"/>
+                  <a:cs typeface="+mn-cs"/>
+                </a:defRPr>
+              </a:lvl9pPr>
+            </a:lstStyle>
+            <a:p>
+              <a:pPr algn="ctr" eaLnBrk="1" hangingPunct="1"/>
+              <a:r>
+                <a:rPr lang="en-US" altLang="en-US" sz="1200" dirty="0">
+                  <a:latin typeface="Arial" panose="020B0604020202020204" pitchFamily="34" charset="0"/>
+                  <a:ea typeface="Amazon Ember" panose="020B0603020204020204" pitchFamily="34" charset="0"/>
+                  <a:cs typeface="Arial" panose="020B0604020202020204" pitchFamily="34" charset="0"/>
+                </a:rPr>
+                <a:t>Amazon EC2</a:t>
+              </a:r>
+            </a:p>
+            <a:p>
+              <a:pPr algn="ctr" eaLnBrk="1" hangingPunct="1"/>
+              <a:r>
+                <a:rPr lang="en-US" altLang="en-US" sz="1200" dirty="0">
+                  <a:latin typeface="Arial" panose="020B0604020202020204" pitchFamily="34" charset="0"/>
+                  <a:ea typeface="Amazon Ember" panose="020B0603020204020204" pitchFamily="34" charset="0"/>
+                  <a:cs typeface="Arial" panose="020B0604020202020204" pitchFamily="34" charset="0"/>
+                </a:rPr>
+                <a:t>(Web Server)</a:t>
+              </a:r>
+            </a:p>
+          </p:txBody>
+        </p:sp>
+      </p:grpSp>
+      <p:sp>
+        <p:nvSpPr>
+          <p:cNvPr id="117" name="label">
+            <a:extLst>
+              <a:ext uri="{FF2B5EF4-FFF2-40B4-BE49-F238E27FC236}">
+                <a16:creationId xmlns:a16="http://schemas.microsoft.com/office/drawing/2014/main" id="{B6C5C9AE-ACB7-9719-1663-2CD3F698156A}"/>
+              </a:ext>
+            </a:extLst>
+          </p:cNvPr>
+          <p:cNvSpPr txBox="1">
+            <a:spLocks noChangeArrowheads="1"/>
+          </p:cNvSpPr>
+          <p:nvPr/>
+        </p:nvSpPr>
+        <p:spPr>
+          <a:xfrm>
+            <a:off x="7454687" y="584854"/>
+            <a:ext cx="1172413" cy="400110"/>
+          </a:xfrm>
+          <a:prstGeom prst="rect">
+            <a:avLst/>
+          </a:prstGeom>
+          <a:solidFill>
+            <a:schemeClr val="bg1"/>
+          </a:solidFill>
+          <a:ln>
+            <a:solidFill>
+              <a:schemeClr val="bg1"/>
+            </a:solidFill>
+          </a:ln>
+        </p:spPr>
+        <p:style>
+          <a:lnRef idx="2">
+            <a:schemeClr val="dk1"/>
+          </a:lnRef>
+          <a:fillRef idx="1">
+            <a:schemeClr val="lt1"/>
+          </a:fillRef>
+          <a:effectRef idx="0">
+            <a:schemeClr val="dk1"/>
+          </a:effectRef>
+          <a:fontRef idx="minor">
+            <a:schemeClr val="dk1"/>
+          </a:fontRef>
+        </p:style>
+        <p:txBody>
+          <a:bodyPr wrap="square">
+            <a:spAutoFit/>
+          </a:bodyPr>
+          <a:lstStyle>
+            <a:lvl1pPr marL="0" indent="0">
+              <a:lnSpc>
+                <a:spcPct val="100000"/>
+              </a:lnSpc>
+              <a:spcBef>
+                <a:spcPct val="0"/>
+              </a:spcBef>
+              <a:spcAft>
+                <a:spcPts val="0"/>
+              </a:spcAft>
+              <a:defRPr kumimoji="0" sz="1800" b="0" i="0" u="none" strike="noStrike" kern="0" cap="none" spc="0" normalizeH="0" baseline="0">
+                <a:solidFill>
+                  <a:schemeClr val="tx1"/>
+                </a:solidFill>
+              </a:defRPr>
+            </a:lvl1pPr>
+          </a:lstStyle>
+          <a:p>
+            <a:pPr algn="ctr" eaLnBrk="1" hangingPunct="1">
+              <a:defRPr/>
+            </a:pPr>
+            <a:r>
+              <a:rPr lang="en-US" altLang="en-US" sz="1000" i="1" dirty="0">
+                <a:latin typeface="Arial"/>
+                <a:cs typeface="Arial"/>
+              </a:rPr>
+              <a:t>Request</a:t>
+            </a:r>
+          </a:p>
+          <a:p>
+            <a:pPr algn="ctr" eaLnBrk="1" hangingPunct="1">
+              <a:defRPr/>
+            </a:pPr>
+            <a:r>
+              <a:rPr lang="en-US" altLang="en-US" sz="1000" i="1" dirty="0">
+                <a:latin typeface="Arial"/>
+                <a:cs typeface="Arial"/>
+              </a:rPr>
+              <a:t>Video Data</a:t>
+            </a:r>
+          </a:p>
+        </p:txBody>
+      </p:sp>
+      <p:sp>
+        <p:nvSpPr>
+          <p:cNvPr id="171" name="TextBox 170">
+            <a:extLst>
+              <a:ext uri="{FF2B5EF4-FFF2-40B4-BE49-F238E27FC236}">
+                <a16:creationId xmlns:a16="http://schemas.microsoft.com/office/drawing/2014/main" id="{9C2B899A-FBCA-5701-1C53-DD6AA41A1849}"/>
+              </a:ext>
+            </a:extLst>
+          </p:cNvPr>
+          <p:cNvSpPr txBox="1"/>
+          <p:nvPr/>
+        </p:nvSpPr>
+        <p:spPr>
+          <a:xfrm>
+            <a:off x="7449718" y="285335"/>
+            <a:ext cx="290464" cy="323165"/>
+          </a:xfrm>
+          <a:prstGeom prst="rect">
+            <a:avLst/>
+          </a:prstGeom>
+        </p:spPr>
+        <p:style>
+          <a:lnRef idx="2">
+            <a:schemeClr val="accent4">
+              <a:shade val="15000"/>
+            </a:schemeClr>
+          </a:lnRef>
+          <a:fillRef idx="1">
+            <a:schemeClr val="accent4"/>
+          </a:fillRef>
+          <a:effectRef idx="0">
+            <a:schemeClr val="accent4"/>
+          </a:effectRef>
+          <a:fontRef idx="minor">
+            <a:schemeClr val="lt1"/>
+          </a:fontRef>
+        </p:style>
+        <p:txBody>
+          <a:bodyPr wrap="none" rtlCol="0">
+            <a:spAutoFit/>
+          </a:bodyPr>
+          <a:lstStyle/>
+          <a:p>
+            <a:r>
+              <a:rPr lang="en-US" altLang="ko-KR" sz="1500" dirty="0">
+                <a:solidFill>
+                  <a:schemeClr val="tx1"/>
+                </a:solidFill>
+              </a:rPr>
+              <a:t>1</a:t>
+            </a:r>
+            <a:endParaRPr lang="ko-KR" altLang="en-US" sz="1500" dirty="0">
+              <a:solidFill>
+                <a:schemeClr val="tx1"/>
+              </a:solidFill>
+            </a:endParaRPr>
+          </a:p>
+        </p:txBody>
+      </p:sp>
+      <p:sp>
+        <p:nvSpPr>
+          <p:cNvPr id="147" name="label">
+            <a:extLst>
+              <a:ext uri="{FF2B5EF4-FFF2-40B4-BE49-F238E27FC236}">
+                <a16:creationId xmlns:a16="http://schemas.microsoft.com/office/drawing/2014/main" id="{A75C122B-1989-EA8E-E17C-D79108A6BF4D}"/>
+              </a:ext>
+            </a:extLst>
+          </p:cNvPr>
+          <p:cNvSpPr txBox="1">
+            <a:spLocks noChangeArrowheads="1"/>
+          </p:cNvSpPr>
+          <p:nvPr/>
+        </p:nvSpPr>
+        <p:spPr>
+          <a:xfrm>
+            <a:off x="5093547" y="568789"/>
+            <a:ext cx="1101582" cy="400110"/>
+          </a:xfrm>
+          <a:prstGeom prst="rect">
+            <a:avLst/>
+          </a:prstGeom>
+          <a:ln>
+            <a:noFill/>
+          </a:ln>
+        </p:spPr>
+        <p:style>
+          <a:lnRef idx="2">
+            <a:schemeClr val="dk1"/>
+          </a:lnRef>
+          <a:fillRef idx="1">
+            <a:schemeClr val="lt1"/>
+          </a:fillRef>
+          <a:effectRef idx="0">
+            <a:schemeClr val="dk1"/>
+          </a:effectRef>
+          <a:fontRef idx="minor">
+            <a:schemeClr val="dk1"/>
+          </a:fontRef>
+        </p:style>
+        <p:txBody>
+          <a:bodyPr wrap="square">
+            <a:spAutoFit/>
+          </a:bodyPr>
+          <a:lstStyle>
+            <a:lvl1pPr marL="0" indent="0">
+              <a:lnSpc>
+                <a:spcPct val="100000"/>
+              </a:lnSpc>
+              <a:spcBef>
+                <a:spcPct val="0"/>
+              </a:spcBef>
+              <a:spcAft>
+                <a:spcPts val="0"/>
+              </a:spcAft>
+              <a:defRPr kumimoji="0" sz="1800" b="0" i="0" u="none" strike="noStrike" kern="0" cap="none" spc="0" normalizeH="0" baseline="0">
+                <a:solidFill>
+                  <a:schemeClr val="tx1"/>
+                </a:solidFill>
+              </a:defRPr>
+            </a:lvl1pPr>
+          </a:lstStyle>
+          <a:p>
+            <a:pPr algn="ctr" eaLnBrk="1" hangingPunct="1">
+              <a:defRPr/>
+            </a:pPr>
+            <a:r>
+              <a:rPr lang="en-US" altLang="en-US" sz="1000" i="1" dirty="0">
+                <a:latin typeface="Arial"/>
+                <a:cs typeface="Arial"/>
+              </a:rPr>
+              <a:t>Response</a:t>
+            </a:r>
+          </a:p>
+          <a:p>
+            <a:pPr algn="ctr" eaLnBrk="1" hangingPunct="1">
+              <a:defRPr/>
+            </a:pPr>
+            <a:r>
+              <a:rPr lang="en-US" altLang="en-US" sz="1000" i="1" dirty="0">
+                <a:latin typeface="Arial"/>
+                <a:cs typeface="Arial"/>
+              </a:rPr>
+              <a:t>Feature Result</a:t>
+            </a:r>
+          </a:p>
+        </p:txBody>
+      </p:sp>
+      <p:sp>
+        <p:nvSpPr>
+          <p:cNvPr id="172" name="TextBox 171">
+            <a:extLst>
+              <a:ext uri="{FF2B5EF4-FFF2-40B4-BE49-F238E27FC236}">
+                <a16:creationId xmlns:a16="http://schemas.microsoft.com/office/drawing/2014/main" id="{72120E0D-E64C-6A28-3BEA-AAEFC17BDF64}"/>
+              </a:ext>
+            </a:extLst>
+          </p:cNvPr>
+          <p:cNvSpPr txBox="1"/>
+          <p:nvPr/>
+        </p:nvSpPr>
+        <p:spPr>
+          <a:xfrm>
+            <a:off x="5076801" y="270121"/>
+            <a:ext cx="290464" cy="323165"/>
+          </a:xfrm>
+          <a:prstGeom prst="rect">
+            <a:avLst/>
+          </a:prstGeom>
+        </p:spPr>
+        <p:style>
+          <a:lnRef idx="2">
+            <a:schemeClr val="accent4">
+              <a:shade val="15000"/>
+            </a:schemeClr>
+          </a:lnRef>
+          <a:fillRef idx="1">
+            <a:schemeClr val="accent4"/>
+          </a:fillRef>
+          <a:effectRef idx="0">
+            <a:schemeClr val="accent4"/>
+          </a:effectRef>
+          <a:fontRef idx="minor">
+            <a:schemeClr val="lt1"/>
+          </a:fontRef>
+        </p:style>
+        <p:txBody>
+          <a:bodyPr wrap="none" rtlCol="0">
+            <a:spAutoFit/>
+          </a:bodyPr>
+          <a:lstStyle/>
+          <a:p>
+            <a:r>
+              <a:rPr lang="en-US" altLang="ko-KR" sz="1500" dirty="0">
+                <a:solidFill>
+                  <a:schemeClr val="tx1"/>
+                </a:solidFill>
+              </a:rPr>
+              <a:t>3</a:t>
+            </a:r>
+            <a:endParaRPr lang="ko-KR" altLang="en-US" sz="1500" dirty="0">
+              <a:solidFill>
+                <a:schemeClr val="tx1"/>
+              </a:solidFill>
+            </a:endParaRPr>
+          </a:p>
+        </p:txBody>
+      </p:sp>
+      <p:sp>
+        <p:nvSpPr>
+          <p:cNvPr id="122" name="label">
+            <a:extLst>
+              <a:ext uri="{FF2B5EF4-FFF2-40B4-BE49-F238E27FC236}">
+                <a16:creationId xmlns:a16="http://schemas.microsoft.com/office/drawing/2014/main" id="{7B59D974-55EF-F737-5B86-15ED3C881EF9}"/>
+              </a:ext>
+            </a:extLst>
+          </p:cNvPr>
+          <p:cNvSpPr txBox="1">
+            <a:spLocks noChangeArrowheads="1"/>
+          </p:cNvSpPr>
+          <p:nvPr/>
+        </p:nvSpPr>
+        <p:spPr>
+          <a:xfrm>
+            <a:off x="9007632" y="232663"/>
+            <a:ext cx="1172413" cy="400110"/>
+          </a:xfrm>
+          <a:prstGeom prst="rect">
+            <a:avLst/>
+          </a:prstGeom>
+          <a:solidFill>
+            <a:schemeClr val="bg1"/>
+          </a:solidFill>
+          <a:ln>
+            <a:solidFill>
+              <a:schemeClr val="bg1"/>
+            </a:solidFill>
+          </a:ln>
+        </p:spPr>
+        <p:style>
+          <a:lnRef idx="2">
+            <a:schemeClr val="dk1"/>
+          </a:lnRef>
+          <a:fillRef idx="1">
+            <a:schemeClr val="lt1"/>
+          </a:fillRef>
+          <a:effectRef idx="0">
+            <a:schemeClr val="dk1"/>
+          </a:effectRef>
+          <a:fontRef idx="minor">
+            <a:schemeClr val="dk1"/>
+          </a:fontRef>
+        </p:style>
+        <p:txBody>
+          <a:bodyPr wrap="square">
+            <a:spAutoFit/>
+          </a:bodyPr>
+          <a:lstStyle>
+            <a:lvl1pPr marL="0" indent="0">
+              <a:lnSpc>
+                <a:spcPct val="100000"/>
+              </a:lnSpc>
+              <a:spcBef>
+                <a:spcPct val="0"/>
+              </a:spcBef>
+              <a:spcAft>
+                <a:spcPts val="0"/>
+              </a:spcAft>
+              <a:defRPr kumimoji="0" sz="1800" b="0" i="0" u="none" strike="noStrike" kern="0" cap="none" spc="0" normalizeH="0" baseline="0">
+                <a:solidFill>
+                  <a:schemeClr val="tx1"/>
+                </a:solidFill>
+              </a:defRPr>
+            </a:lvl1pPr>
+          </a:lstStyle>
+          <a:p>
+            <a:pPr algn="ctr" eaLnBrk="1" hangingPunct="1">
+              <a:defRPr/>
+            </a:pPr>
+            <a:r>
+              <a:rPr lang="en-US" altLang="en-US" sz="1000" i="1" dirty="0">
+                <a:latin typeface="Arial"/>
+                <a:cs typeface="Arial"/>
+              </a:rPr>
+              <a:t>Response</a:t>
+            </a:r>
+          </a:p>
+          <a:p>
+            <a:pPr algn="ctr" eaLnBrk="1" hangingPunct="1">
+              <a:defRPr/>
+            </a:pPr>
+            <a:r>
+              <a:rPr lang="en-US" altLang="en-US" sz="1000" i="1" dirty="0">
+                <a:latin typeface="Arial"/>
+                <a:cs typeface="Arial"/>
+              </a:rPr>
+              <a:t>Video Data</a:t>
+            </a:r>
+          </a:p>
+        </p:txBody>
+      </p:sp>
+      <p:sp>
+        <p:nvSpPr>
+          <p:cNvPr id="173" name="TextBox 172">
+            <a:extLst>
+              <a:ext uri="{FF2B5EF4-FFF2-40B4-BE49-F238E27FC236}">
+                <a16:creationId xmlns:a16="http://schemas.microsoft.com/office/drawing/2014/main" id="{9279C484-B37C-B86A-2475-D74238FF1744}"/>
+              </a:ext>
+            </a:extLst>
+          </p:cNvPr>
+          <p:cNvSpPr txBox="1"/>
+          <p:nvPr/>
+        </p:nvSpPr>
+        <p:spPr>
+          <a:xfrm>
+            <a:off x="8917449" y="53113"/>
+            <a:ext cx="290464" cy="323165"/>
+          </a:xfrm>
+          <a:prstGeom prst="rect">
+            <a:avLst/>
+          </a:prstGeom>
+        </p:spPr>
+        <p:style>
+          <a:lnRef idx="2">
+            <a:schemeClr val="accent4">
+              <a:shade val="15000"/>
+            </a:schemeClr>
+          </a:lnRef>
+          <a:fillRef idx="1">
+            <a:schemeClr val="accent4"/>
+          </a:fillRef>
+          <a:effectRef idx="0">
+            <a:schemeClr val="accent4"/>
+          </a:effectRef>
+          <a:fontRef idx="minor">
+            <a:schemeClr val="lt1"/>
+          </a:fontRef>
+        </p:style>
+        <p:txBody>
+          <a:bodyPr wrap="none" rtlCol="0">
+            <a:spAutoFit/>
+          </a:bodyPr>
+          <a:lstStyle/>
+          <a:p>
+            <a:r>
+              <a:rPr lang="en-US" altLang="ko-KR" sz="1500" dirty="0">
+                <a:solidFill>
+                  <a:schemeClr val="tx1"/>
+                </a:solidFill>
+              </a:rPr>
+              <a:t>2</a:t>
+            </a:r>
+            <a:endParaRPr lang="ko-KR" altLang="en-US" sz="1500" dirty="0">
+              <a:solidFill>
+                <a:schemeClr val="tx1"/>
+              </a:solidFill>
+            </a:endParaRPr>
+          </a:p>
+        </p:txBody>
+      </p:sp>
+      <p:sp>
+        <p:nvSpPr>
+          <p:cNvPr id="118" name="TextBox 117">
+            <a:extLst>
+              <a:ext uri="{FF2B5EF4-FFF2-40B4-BE49-F238E27FC236}">
+                <a16:creationId xmlns:a16="http://schemas.microsoft.com/office/drawing/2014/main" id="{E09E7382-15B9-1B4D-5370-1633A8949496}"/>
+              </a:ext>
+            </a:extLst>
+          </p:cNvPr>
+          <p:cNvSpPr txBox="1"/>
+          <p:nvPr/>
+        </p:nvSpPr>
+        <p:spPr>
+          <a:xfrm>
+            <a:off x="286030" y="3823978"/>
+            <a:ext cx="290464" cy="323165"/>
+          </a:xfrm>
+          <a:prstGeom prst="rect">
+            <a:avLst/>
+          </a:prstGeom>
+        </p:spPr>
+        <p:style>
+          <a:lnRef idx="2">
+            <a:schemeClr val="accent4">
+              <a:shade val="15000"/>
+            </a:schemeClr>
+          </a:lnRef>
+          <a:fillRef idx="1">
+            <a:schemeClr val="accent4"/>
+          </a:fillRef>
+          <a:effectRef idx="0">
+            <a:schemeClr val="accent4"/>
+          </a:effectRef>
+          <a:fontRef idx="minor">
+            <a:schemeClr val="lt1"/>
+          </a:fontRef>
+        </p:style>
+        <p:txBody>
+          <a:bodyPr wrap="none" rtlCol="0">
+            <a:spAutoFit/>
+          </a:bodyPr>
+          <a:lstStyle/>
+          <a:p>
+            <a:r>
+              <a:rPr lang="en-US" altLang="ko-KR" sz="1500" dirty="0">
+                <a:solidFill>
+                  <a:schemeClr val="tx1"/>
+                </a:solidFill>
+              </a:rPr>
+              <a:t>2</a:t>
+            </a:r>
+            <a:endParaRPr lang="ko-KR" altLang="en-US" sz="1500" dirty="0">
+              <a:solidFill>
+                <a:schemeClr val="tx1"/>
+              </a:solidFill>
+            </a:endParaRPr>
+          </a:p>
+        </p:txBody>
+      </p:sp>
+      <p:grpSp>
+        <p:nvGrpSpPr>
+          <p:cNvPr id="14" name="Group 5" descr="Region group.">
+            <a:extLst>
+              <a:ext uri="{FF2B5EF4-FFF2-40B4-BE49-F238E27FC236}">
+                <a16:creationId xmlns:a16="http://schemas.microsoft.com/office/drawing/2014/main" id="{C213CCDF-1849-EA9C-DBC6-F7C70AE46BC2}"/>
+              </a:ext>
+            </a:extLst>
+          </p:cNvPr>
+          <p:cNvGrpSpPr/>
+          <p:nvPr/>
+        </p:nvGrpSpPr>
+        <p:grpSpPr>
+          <a:xfrm>
+            <a:off x="3620769" y="1800343"/>
+            <a:ext cx="5898184" cy="2384306"/>
+            <a:chOff x="4215623" y="1512745"/>
+            <a:chExt cx="5898184" cy="2384306"/>
+          </a:xfrm>
+        </p:grpSpPr>
+        <p:sp>
+          <p:nvSpPr>
+            <p:cNvPr id="15" name="Rectangle 60" descr="Region group">
+              <a:extLst>
+                <a:ext uri="{FF2B5EF4-FFF2-40B4-BE49-F238E27FC236}">
+                  <a16:creationId xmlns:a16="http://schemas.microsoft.com/office/drawing/2014/main" id="{1E3F53C5-806B-5788-799A-84A4EB71A9A2}"/>
+                </a:ext>
+              </a:extLst>
+            </p:cNvPr>
+            <p:cNvSpPr/>
+            <p:nvPr/>
+          </p:nvSpPr>
+          <p:spPr>
+            <a:xfrm>
+              <a:off x="4215623" y="1512745"/>
+              <a:ext cx="5898184" cy="2384306"/>
+            </a:xfrm>
+            <a:prstGeom prst="rect">
+              <a:avLst/>
+            </a:prstGeom>
+            <a:noFill/>
+            <a:ln w="15875">
+              <a:solidFill>
+                <a:srgbClr val="00A4A6"/>
+              </a:solidFill>
+              <a:prstDash val="sysDash"/>
+            </a:ln>
+          </p:spPr>
+          <p:style>
+            <a:lnRef idx="2">
+              <a:schemeClr val="accent1">
+                <a:shade val="50000"/>
+              </a:schemeClr>
+            </a:lnRef>
+            <a:fillRef idx="1">
+              <a:schemeClr val="accent1"/>
+            </a:fillRef>
+            <a:effectRef idx="0">
+              <a:schemeClr val="accent1"/>
+            </a:effectRef>
+            <a:fontRef idx="minor">
+              <a:schemeClr val="lt1"/>
+            </a:fontRef>
+          </p:style>
+          <p:txBody>
+            <a:bodyPr lIns="502920" tIns="91440"/>
+            <a:lstStyle/>
+            <a:p>
+              <a:pPr eaLnBrk="1" fontAlgn="auto" hangingPunct="1">
+                <a:spcBef>
+                  <a:spcPts val="0"/>
+                </a:spcBef>
+                <a:spcAft>
+                  <a:spcPts val="0"/>
+                </a:spcAft>
+                <a:defRPr/>
+              </a:pPr>
+              <a:r>
+                <a:rPr lang="en-US" sz="1200" dirty="0">
+                  <a:solidFill>
+                    <a:schemeClr val="tx1"/>
+                  </a:solidFill>
+                  <a:latin typeface="Arial" panose="020B0604020202020204" pitchFamily="34" charset="0"/>
+                  <a:cs typeface="Arial" panose="020B0604020202020204" pitchFamily="34" charset="0"/>
+                </a:rPr>
+                <a:t>ap-northeast-2</a:t>
+              </a:r>
+            </a:p>
+          </p:txBody>
+        </p:sp>
+        <p:pic>
+          <p:nvPicPr>
+            <p:cNvPr id="16" name="Graphic 61" descr="Region group icon.">
+              <a:extLst>
+                <a:ext uri="{FF2B5EF4-FFF2-40B4-BE49-F238E27FC236}">
+                  <a16:creationId xmlns:a16="http://schemas.microsoft.com/office/drawing/2014/main" id="{142430D4-1D64-EB98-190C-1A0300C1AC80}"/>
+                </a:ext>
+              </a:extLst>
+            </p:cNvPr>
+            <p:cNvPicPr>
+              <a:picLocks noChangeAspect="1"/>
+            </p:cNvPicPr>
+            <p:nvPr/>
+          </p:nvPicPr>
+          <p:blipFill>
+            <a:blip r:embed="rId14">
+              <a:extLst>
+                <a:ext uri="{96DAC541-7B7A-43D3-8B79-37D633B846F1}">
+                  <asvg:svgBlip xmlns:asvg="http://schemas.microsoft.com/office/drawing/2016/SVG/main" r:embed="rId15"/>
+                </a:ext>
+              </a:extLst>
+            </a:blip>
+            <a:srcRect/>
+            <a:stretch/>
+          </p:blipFill>
+          <p:spPr>
+            <a:xfrm>
+              <a:off x="4215623" y="1512745"/>
+              <a:ext cx="381000" cy="381000"/>
+            </a:xfrm>
+            <a:prstGeom prst="rect">
+              <a:avLst/>
+            </a:prstGeom>
+          </p:spPr>
+        </p:pic>
+      </p:grpSp>
+      <p:grpSp>
+        <p:nvGrpSpPr>
+          <p:cNvPr id="25" name="그룹 24">
+            <a:extLst>
+              <a:ext uri="{FF2B5EF4-FFF2-40B4-BE49-F238E27FC236}">
+                <a16:creationId xmlns:a16="http://schemas.microsoft.com/office/drawing/2014/main" id="{21514D65-C2AC-0C17-68F1-08830193BC87}"/>
+              </a:ext>
+            </a:extLst>
+          </p:cNvPr>
+          <p:cNvGrpSpPr/>
+          <p:nvPr/>
+        </p:nvGrpSpPr>
+        <p:grpSpPr>
+          <a:xfrm>
+            <a:off x="5194497" y="2767578"/>
+            <a:ext cx="722695" cy="640788"/>
+            <a:chOff x="777009" y="4816476"/>
+            <a:chExt cx="1683617" cy="1492803"/>
+          </a:xfrm>
+        </p:grpSpPr>
+        <p:pic>
+          <p:nvPicPr>
+            <p:cNvPr id="21" name="그림 20">
+              <a:extLst>
+                <a:ext uri="{FF2B5EF4-FFF2-40B4-BE49-F238E27FC236}">
+                  <a16:creationId xmlns:a16="http://schemas.microsoft.com/office/drawing/2014/main" id="{0EF2F573-3F07-EBE4-0124-9B0F0ADFE959}"/>
+                </a:ext>
+              </a:extLst>
+            </p:cNvPr>
+            <p:cNvPicPr>
+              <a:picLocks noChangeAspect="1"/>
+            </p:cNvPicPr>
+            <p:nvPr/>
+          </p:nvPicPr>
+          <p:blipFill rotWithShape="1">
+            <a:blip r:embed="rId16">
+              <a:extLst>
+                <a:ext uri="{28A0092B-C50C-407E-A947-70E740481C1C}">
+                  <a14:useLocalDpi xmlns:a14="http://schemas.microsoft.com/office/drawing/2010/main" val="0"/>
+                </a:ext>
+              </a:extLst>
+            </a:blip>
+            <a:srcRect r="62498"/>
+            <a:stretch/>
+          </p:blipFill>
+          <p:spPr>
+            <a:xfrm>
+              <a:off x="973076" y="4816476"/>
+              <a:ext cx="1487550" cy="1020529"/>
+            </a:xfrm>
+            <a:prstGeom prst="rect">
+              <a:avLst/>
+            </a:prstGeom>
+          </p:spPr>
+        </p:pic>
+        <p:pic>
+          <p:nvPicPr>
+            <p:cNvPr id="24" name="그림 23">
+              <a:extLst>
+                <a:ext uri="{FF2B5EF4-FFF2-40B4-BE49-F238E27FC236}">
+                  <a16:creationId xmlns:a16="http://schemas.microsoft.com/office/drawing/2014/main" id="{5A0920F0-C12B-383C-0CE0-75CE4246BC10}"/>
+                </a:ext>
+              </a:extLst>
+            </p:cNvPr>
+            <p:cNvPicPr>
+              <a:picLocks noChangeAspect="1"/>
+            </p:cNvPicPr>
+            <p:nvPr/>
+          </p:nvPicPr>
+          <p:blipFill rotWithShape="1">
+            <a:blip r:embed="rId16">
+              <a:extLst>
+                <a:ext uri="{28A0092B-C50C-407E-A947-70E740481C1C}">
+                  <a14:useLocalDpi xmlns:a14="http://schemas.microsoft.com/office/drawing/2010/main" val="0"/>
+                </a:ext>
+              </a:extLst>
+            </a:blip>
+            <a:srcRect l="37225" t="25552" b="7014"/>
+            <a:stretch/>
+          </p:blipFill>
+          <p:spPr>
+            <a:xfrm>
+              <a:off x="777009" y="5844163"/>
+              <a:ext cx="1682896" cy="465116"/>
+            </a:xfrm>
+            <a:prstGeom prst="rect">
+              <a:avLst/>
+            </a:prstGeom>
+          </p:spPr>
+        </p:pic>
+      </p:grpSp>
+      <p:pic>
+        <p:nvPicPr>
+          <p:cNvPr id="28" name="Graphic 74" descr="Public subnet group icon. ">
+            <a:extLst>
+              <a:ext uri="{FF2B5EF4-FFF2-40B4-BE49-F238E27FC236}">
+                <a16:creationId xmlns:a16="http://schemas.microsoft.com/office/drawing/2014/main" id="{17902CC8-1D77-6C3E-5208-FFA7B99EDF8E}"/>
+              </a:ext>
+            </a:extLst>
+          </p:cNvPr>
+          <p:cNvPicPr>
+            <a:picLocks noChangeAspect="1"/>
+          </p:cNvPicPr>
+          <p:nvPr/>
+        </p:nvPicPr>
+        <p:blipFill>
+          <a:blip r:embed="rId17">
+            <a:extLst>
+              <a:ext uri="{96DAC541-7B7A-43D3-8B79-37D633B846F1}">
+                <asvg:svgBlip xmlns:asvg="http://schemas.microsoft.com/office/drawing/2016/SVG/main" r:embed="rId18"/>
+              </a:ext>
+            </a:extLst>
+          </a:blip>
+          <a:srcRect/>
+          <a:stretch/>
+        </p:blipFill>
+        <p:spPr>
+          <a:xfrm>
+            <a:off x="4081680" y="2224682"/>
+            <a:ext cx="381000" cy="381000"/>
+          </a:xfrm>
+          <a:prstGeom prst="rect">
+            <a:avLst/>
+          </a:prstGeom>
+        </p:spPr>
+      </p:pic>
+      <p:pic>
+        <p:nvPicPr>
+          <p:cNvPr id="31" name="그림 30">
+            <a:extLst>
+              <a:ext uri="{FF2B5EF4-FFF2-40B4-BE49-F238E27FC236}">
+                <a16:creationId xmlns:a16="http://schemas.microsoft.com/office/drawing/2014/main" id="{C98F4C69-FB6A-2E83-52A4-4127D378194C}"/>
+              </a:ext>
+            </a:extLst>
+          </p:cNvPr>
+          <p:cNvPicPr>
+            <a:picLocks noChangeAspect="1"/>
+          </p:cNvPicPr>
+          <p:nvPr/>
+        </p:nvPicPr>
+        <p:blipFill>
+          <a:blip r:embed="rId19">
+            <a:extLst>
+              <a:ext uri="{28A0092B-C50C-407E-A947-70E740481C1C}">
+                <a14:useLocalDpi xmlns:a14="http://schemas.microsoft.com/office/drawing/2010/main" val="0"/>
+              </a:ext>
+            </a:extLst>
+          </a:blip>
+          <a:stretch>
+            <a:fillRect/>
+          </a:stretch>
+        </p:blipFill>
+        <p:spPr>
+          <a:xfrm>
+            <a:off x="6121685" y="2625589"/>
+            <a:ext cx="2075537" cy="748654"/>
+          </a:xfrm>
+          <a:prstGeom prst="rect">
+            <a:avLst/>
+          </a:prstGeom>
+        </p:spPr>
+      </p:pic>
+      <p:pic>
+        <p:nvPicPr>
+          <p:cNvPr id="32" name="Picture 2" descr="Plotly Dash — Everything You Need To Know | by Stephen Kilcommins |  DataDrivenInvestor">
+            <a:extLst>
+              <a:ext uri="{FF2B5EF4-FFF2-40B4-BE49-F238E27FC236}">
+                <a16:creationId xmlns:a16="http://schemas.microsoft.com/office/drawing/2014/main" id="{746072AB-086E-BAA1-739E-CFFFD2E28C35}"/>
+              </a:ext>
+            </a:extLst>
+          </p:cNvPr>
+          <p:cNvPicPr>
+            <a:picLocks noChangeAspect="1" noChangeArrowheads="1"/>
+          </p:cNvPicPr>
+          <p:nvPr/>
+        </p:nvPicPr>
+        <p:blipFill rotWithShape="1">
+          <a:blip r:embed="rId20">
+            <a:extLst>
+              <a:ext uri="{28A0092B-C50C-407E-A947-70E740481C1C}">
+                <a14:useLocalDpi xmlns:a14="http://schemas.microsoft.com/office/drawing/2010/main" val="0"/>
+              </a:ext>
+            </a:extLst>
+          </a:blip>
+          <a:srcRect t="32384" b="26959"/>
+          <a:stretch/>
+        </p:blipFill>
+        <p:spPr bwMode="auto">
+          <a:xfrm>
+            <a:off x="6413407" y="2387816"/>
+            <a:ext cx="1582588" cy="482578"/>
+          </a:xfrm>
+          <a:prstGeom prst="rect">
+            <a:avLst/>
+          </a:prstGeom>
+          <a:noFill/>
+          <a:extLst>
+            <a:ext uri="{909E8E84-426E-40DD-AFC4-6F175D3DCCD1}">
+              <a14:hiddenFill xmlns:a14="http://schemas.microsoft.com/office/drawing/2010/main">
+                <a:solidFill>
+                  <a:srgbClr val="FFFFFF"/>
+                </a:solidFill>
+              </a14:hiddenFill>
+            </a:ext>
+          </a:extLst>
+        </p:spPr>
+      </p:pic>
+    </p:spTree>
+    <p:extLst>
+      <p:ext uri="{BB962C8B-B14F-4D97-AF65-F5344CB8AC3E}">
+        <p14:creationId xmlns:p14="http://schemas.microsoft.com/office/powerpoint/2010/main" val="2138385760"/>
       </p:ext>
     </p:extLst>
   </p:cSld>

--- a/Final_pjt2/Infra_Pipeline.pptx
+++ b/Final_pjt2/Infra_Pipeline.pptx
@@ -261,7 +261,7 @@
           <a:p>
             <a:fld id="{F4D0D417-D880-4BB4-B0FA-3563BBBF0335}" type="datetimeFigureOut">
               <a:rPr lang="ko-KR" altLang="en-US" smtClean="0"/>
-              <a:t>2023-12-06</a:t>
+              <a:t>2023-12-07</a:t>
             </a:fld>
             <a:endParaRPr lang="ko-KR" altLang="en-US"/>
           </a:p>
@@ -459,7 +459,7 @@
           <a:p>
             <a:fld id="{F4D0D417-D880-4BB4-B0FA-3563BBBF0335}" type="datetimeFigureOut">
               <a:rPr lang="ko-KR" altLang="en-US" smtClean="0"/>
-              <a:t>2023-12-06</a:t>
+              <a:t>2023-12-07</a:t>
             </a:fld>
             <a:endParaRPr lang="ko-KR" altLang="en-US"/>
           </a:p>
@@ -667,7 +667,7 @@
           <a:p>
             <a:fld id="{F4D0D417-D880-4BB4-B0FA-3563BBBF0335}" type="datetimeFigureOut">
               <a:rPr lang="ko-KR" altLang="en-US" smtClean="0"/>
-              <a:t>2023-12-06</a:t>
+              <a:t>2023-12-07</a:t>
             </a:fld>
             <a:endParaRPr lang="ko-KR" altLang="en-US"/>
           </a:p>
@@ -865,7 +865,7 @@
           <a:p>
             <a:fld id="{F4D0D417-D880-4BB4-B0FA-3563BBBF0335}" type="datetimeFigureOut">
               <a:rPr lang="ko-KR" altLang="en-US" smtClean="0"/>
-              <a:t>2023-12-06</a:t>
+              <a:t>2023-12-07</a:t>
             </a:fld>
             <a:endParaRPr lang="ko-KR" altLang="en-US"/>
           </a:p>
@@ -1140,7 +1140,7 @@
           <a:p>
             <a:fld id="{F4D0D417-D880-4BB4-B0FA-3563BBBF0335}" type="datetimeFigureOut">
               <a:rPr lang="ko-KR" altLang="en-US" smtClean="0"/>
-              <a:t>2023-12-06</a:t>
+              <a:t>2023-12-07</a:t>
             </a:fld>
             <a:endParaRPr lang="ko-KR" altLang="en-US"/>
           </a:p>
@@ -1405,7 +1405,7 @@
           <a:p>
             <a:fld id="{F4D0D417-D880-4BB4-B0FA-3563BBBF0335}" type="datetimeFigureOut">
               <a:rPr lang="ko-KR" altLang="en-US" smtClean="0"/>
-              <a:t>2023-12-06</a:t>
+              <a:t>2023-12-07</a:t>
             </a:fld>
             <a:endParaRPr lang="ko-KR" altLang="en-US"/>
           </a:p>
@@ -1817,7 +1817,7 @@
           <a:p>
             <a:fld id="{F4D0D417-D880-4BB4-B0FA-3563BBBF0335}" type="datetimeFigureOut">
               <a:rPr lang="ko-KR" altLang="en-US" smtClean="0"/>
-              <a:t>2023-12-06</a:t>
+              <a:t>2023-12-07</a:t>
             </a:fld>
             <a:endParaRPr lang="ko-KR" altLang="en-US"/>
           </a:p>
@@ -1958,7 +1958,7 @@
           <a:p>
             <a:fld id="{F4D0D417-D880-4BB4-B0FA-3563BBBF0335}" type="datetimeFigureOut">
               <a:rPr lang="ko-KR" altLang="en-US" smtClean="0"/>
-              <a:t>2023-12-06</a:t>
+              <a:t>2023-12-07</a:t>
             </a:fld>
             <a:endParaRPr lang="ko-KR" altLang="en-US"/>
           </a:p>
@@ -2071,7 +2071,7 @@
           <a:p>
             <a:fld id="{F4D0D417-D880-4BB4-B0FA-3563BBBF0335}" type="datetimeFigureOut">
               <a:rPr lang="ko-KR" altLang="en-US" smtClean="0"/>
-              <a:t>2023-12-06</a:t>
+              <a:t>2023-12-07</a:t>
             </a:fld>
             <a:endParaRPr lang="ko-KR" altLang="en-US"/>
           </a:p>
@@ -2382,7 +2382,7 @@
           <a:p>
             <a:fld id="{F4D0D417-D880-4BB4-B0FA-3563BBBF0335}" type="datetimeFigureOut">
               <a:rPr lang="ko-KR" altLang="en-US" smtClean="0"/>
-              <a:t>2023-12-06</a:t>
+              <a:t>2023-12-07</a:t>
             </a:fld>
             <a:endParaRPr lang="ko-KR" altLang="en-US"/>
           </a:p>
@@ -2670,7 +2670,7 @@
           <a:p>
             <a:fld id="{F4D0D417-D880-4BB4-B0FA-3563BBBF0335}" type="datetimeFigureOut">
               <a:rPr lang="ko-KR" altLang="en-US" smtClean="0"/>
-              <a:t>2023-12-06</a:t>
+              <a:t>2023-12-07</a:t>
             </a:fld>
             <a:endParaRPr lang="ko-KR" altLang="en-US"/>
           </a:p>
@@ -2911,7 +2911,7 @@
           <a:p>
             <a:fld id="{F4D0D417-D880-4BB4-B0FA-3563BBBF0335}" type="datetimeFigureOut">
               <a:rPr lang="ko-KR" altLang="en-US" smtClean="0"/>
-              <a:t>2023-12-06</a:t>
+              <a:t>2023-12-07</a:t>
             </a:fld>
             <a:endParaRPr lang="ko-KR" altLang="en-US"/>
           </a:p>
@@ -8466,7 +8466,7 @@
         </p:nvGrpSpPr>
         <p:grpSpPr>
           <a:xfrm>
-            <a:off x="409889" y="2725851"/>
+            <a:off x="0" y="2400367"/>
             <a:ext cx="1506538" cy="689870"/>
             <a:chOff x="634119" y="3078325"/>
             <a:chExt cx="1506538" cy="689870"/>
@@ -8586,10 +8586,10 @@
         </p:nvGrpSpPr>
         <p:grpSpPr>
           <a:xfrm>
-            <a:off x="2317774" y="572593"/>
-            <a:ext cx="8711068" cy="5700553"/>
-            <a:chOff x="-5041210" y="-504512"/>
-            <a:chExt cx="8293269" cy="5567440"/>
+            <a:off x="3040525" y="198649"/>
+            <a:ext cx="6606976" cy="6456795"/>
+            <a:chOff x="-4164368" y="-411481"/>
+            <a:chExt cx="6290094" cy="6306026"/>
           </a:xfrm>
         </p:grpSpPr>
         <p:sp>
@@ -8606,8 +8606,8 @@
           </p:nvSpPr>
           <p:spPr>
             <a:xfrm>
-              <a:off x="-5041210" y="-504512"/>
-              <a:ext cx="8293269" cy="5567440"/>
+              <a:off x="-4162948" y="-408785"/>
+              <a:ext cx="6288674" cy="6303330"/>
             </a:xfrm>
             <a:prstGeom prst="rect">
               <a:avLst/>
@@ -8686,7 +8686,7 @@
           </p:blipFill>
           <p:spPr>
             <a:xfrm>
-              <a:off x="-5041210" y="-504106"/>
+              <a:off x="-4164368" y="-411481"/>
               <a:ext cx="381000" cy="381000"/>
             </a:xfrm>
             <a:prstGeom prst="rect">
@@ -8709,9 +8709,9 @@
         </p:nvGrpSpPr>
         <p:grpSpPr>
           <a:xfrm>
-            <a:off x="10530510" y="4990336"/>
+            <a:off x="7503637" y="5565472"/>
             <a:ext cx="2243137" cy="985169"/>
-            <a:chOff x="6741009" y="1093610"/>
+            <a:chOff x="6702909" y="1093610"/>
             <a:chExt cx="2243137" cy="985169"/>
           </a:xfrm>
         </p:grpSpPr>
@@ -8766,7 +8766,7 @@
           </p:nvSpPr>
           <p:spPr>
             <a:xfrm>
-              <a:off x="6741009" y="1801780"/>
+              <a:off x="6702909" y="1801780"/>
               <a:ext cx="2243137" cy="276999"/>
             </a:xfrm>
             <a:prstGeom prst="rect">
@@ -8815,383 +8815,6 @@
           </p:txBody>
         </p:sp>
       </p:grpSp>
-      <p:cxnSp>
-        <p:nvCxnSpPr>
-          <p:cNvPr id="61" name="연결선: 꺾임 60">
-            <a:extLst>
-              <a:ext uri="{FF2B5EF4-FFF2-40B4-BE49-F238E27FC236}">
-                <a16:creationId xmlns:a16="http://schemas.microsoft.com/office/drawing/2014/main" id="{93EA9C7C-C628-C09A-1A1C-A97FBCE02E27}"/>
-              </a:ext>
-            </a:extLst>
-          </p:cNvPr>
-          <p:cNvCxnSpPr>
-            <a:cxnSpLocks/>
-          </p:cNvCxnSpPr>
-          <p:nvPr/>
-        </p:nvCxnSpPr>
-        <p:spPr>
-          <a:xfrm>
-            <a:off x="905267" y="4470241"/>
-            <a:ext cx="1629018" cy="1999220"/>
-          </a:xfrm>
-          <a:prstGeom prst="bentConnector3">
-            <a:avLst>
-              <a:gd name="adj1" fmla="val 50000"/>
-            </a:avLst>
-          </a:prstGeom>
-          <a:ln w="19050">
-            <a:solidFill>
-              <a:schemeClr val="accent6"/>
-            </a:solidFill>
-            <a:tailEnd type="triangle"/>
-          </a:ln>
-        </p:spPr>
-        <p:style>
-          <a:lnRef idx="1">
-            <a:schemeClr val="dk1"/>
-          </a:lnRef>
-          <a:fillRef idx="0">
-            <a:schemeClr val="dk1"/>
-          </a:fillRef>
-          <a:effectRef idx="0">
-            <a:schemeClr val="dk1"/>
-          </a:effectRef>
-          <a:fontRef idx="minor">
-            <a:schemeClr val="tx1"/>
-          </a:fontRef>
-        </p:style>
-      </p:cxnSp>
-      <p:sp>
-        <p:nvSpPr>
-          <p:cNvPr id="56" name="label">
-            <a:extLst>
-              <a:ext uri="{FF2B5EF4-FFF2-40B4-BE49-F238E27FC236}">
-                <a16:creationId xmlns:a16="http://schemas.microsoft.com/office/drawing/2014/main" id="{D90A29EC-0622-764A-D92D-F743C57A442B}"/>
-              </a:ext>
-            </a:extLst>
-          </p:cNvPr>
-          <p:cNvSpPr txBox="1">
-            <a:spLocks noChangeArrowheads="1"/>
-          </p:cNvSpPr>
-          <p:nvPr/>
-        </p:nvSpPr>
-        <p:spPr>
-          <a:xfrm>
-            <a:off x="924780" y="2048243"/>
-            <a:ext cx="1006074" cy="246221"/>
-          </a:xfrm>
-          <a:prstGeom prst="rect">
-            <a:avLst/>
-          </a:prstGeom>
-          <a:solidFill>
-            <a:schemeClr val="bg1"/>
-          </a:solidFill>
-          <a:ln>
-            <a:noFill/>
-          </a:ln>
-        </p:spPr>
-        <p:style>
-          <a:lnRef idx="2">
-            <a:schemeClr val="dk1">
-              <a:shade val="15000"/>
-            </a:schemeClr>
-          </a:lnRef>
-          <a:fillRef idx="1">
-            <a:schemeClr val="dk1"/>
-          </a:fillRef>
-          <a:effectRef idx="0">
-            <a:schemeClr val="dk1"/>
-          </a:effectRef>
-          <a:fontRef idx="minor">
-            <a:schemeClr val="lt1"/>
-          </a:fontRef>
-        </p:style>
-        <p:txBody>
-          <a:bodyPr wrap="square">
-            <a:spAutoFit/>
-          </a:bodyPr>
-          <a:lstStyle>
-            <a:lvl1pPr marL="0" indent="0">
-              <a:lnSpc>
-                <a:spcPct val="100000"/>
-              </a:lnSpc>
-              <a:spcBef>
-                <a:spcPct val="0"/>
-              </a:spcBef>
-              <a:spcAft>
-                <a:spcPts val="0"/>
-              </a:spcAft>
-              <a:defRPr kumimoji="0" sz="1800" b="0" i="0" u="none" strike="noStrike" kern="0" cap="none" spc="0" normalizeH="0" baseline="0">
-                <a:solidFill>
-                  <a:schemeClr val="tx1"/>
-                </a:solidFill>
-              </a:defRPr>
-            </a:lvl1pPr>
-          </a:lstStyle>
-          <a:p>
-            <a:pPr algn="ctr" eaLnBrk="1" hangingPunct="1">
-              <a:defRPr/>
-            </a:pPr>
-            <a:r>
-              <a:rPr lang="en-US" altLang="en-US" sz="1000" i="1" dirty="0">
-                <a:latin typeface="Arial"/>
-                <a:cs typeface="Arial"/>
-              </a:rPr>
-              <a:t>Upload Video</a:t>
-            </a:r>
-          </a:p>
-        </p:txBody>
-      </p:sp>
-      <p:sp>
-        <p:nvSpPr>
-          <p:cNvPr id="123" name="label">
-            <a:extLst>
-              <a:ext uri="{FF2B5EF4-FFF2-40B4-BE49-F238E27FC236}">
-                <a16:creationId xmlns:a16="http://schemas.microsoft.com/office/drawing/2014/main" id="{3E566940-318D-2E75-79EF-E0421FF11678}"/>
-              </a:ext>
-            </a:extLst>
-          </p:cNvPr>
-          <p:cNvSpPr txBox="1">
-            <a:spLocks noChangeArrowheads="1"/>
-          </p:cNvSpPr>
-          <p:nvPr/>
-        </p:nvSpPr>
-        <p:spPr>
-          <a:xfrm>
-            <a:off x="458051" y="404519"/>
-            <a:ext cx="1172413" cy="246221"/>
-          </a:xfrm>
-          <a:prstGeom prst="rect">
-            <a:avLst/>
-          </a:prstGeom>
-          <a:solidFill>
-            <a:schemeClr val="bg1"/>
-          </a:solidFill>
-          <a:ln>
-            <a:solidFill>
-              <a:schemeClr val="bg1"/>
-            </a:solidFill>
-          </a:ln>
-        </p:spPr>
-        <p:style>
-          <a:lnRef idx="2">
-            <a:schemeClr val="dk1"/>
-          </a:lnRef>
-          <a:fillRef idx="1">
-            <a:schemeClr val="lt1"/>
-          </a:fillRef>
-          <a:effectRef idx="0">
-            <a:schemeClr val="dk1"/>
-          </a:effectRef>
-          <a:fontRef idx="minor">
-            <a:schemeClr val="dk1"/>
-          </a:fontRef>
-        </p:style>
-        <p:txBody>
-          <a:bodyPr wrap="square">
-            <a:spAutoFit/>
-          </a:bodyPr>
-          <a:lstStyle>
-            <a:lvl1pPr marL="0" indent="0">
-              <a:lnSpc>
-                <a:spcPct val="100000"/>
-              </a:lnSpc>
-              <a:spcBef>
-                <a:spcPct val="0"/>
-              </a:spcBef>
-              <a:spcAft>
-                <a:spcPts val="0"/>
-              </a:spcAft>
-              <a:defRPr kumimoji="0" sz="1800" b="0" i="0" u="none" strike="noStrike" kern="0" cap="none" spc="0" normalizeH="0" baseline="0">
-                <a:solidFill>
-                  <a:schemeClr val="tx1"/>
-                </a:solidFill>
-              </a:defRPr>
-            </a:lvl1pPr>
-          </a:lstStyle>
-          <a:p>
-            <a:pPr algn="ctr" eaLnBrk="1" hangingPunct="1">
-              <a:defRPr/>
-            </a:pPr>
-            <a:r>
-              <a:rPr lang="en-US" altLang="en-US" sz="1000" i="1" dirty="0">
-                <a:latin typeface="Arial"/>
-                <a:cs typeface="Arial"/>
-              </a:rPr>
-              <a:t>Analyzed Data</a:t>
-            </a:r>
-          </a:p>
-        </p:txBody>
-      </p:sp>
-      <p:sp>
-        <p:nvSpPr>
-          <p:cNvPr id="169" name="TextBox 168">
-            <a:extLst>
-              <a:ext uri="{FF2B5EF4-FFF2-40B4-BE49-F238E27FC236}">
-                <a16:creationId xmlns:a16="http://schemas.microsoft.com/office/drawing/2014/main" id="{69FBF9EB-9BCE-2ACB-79E0-BBDE52B626B6}"/>
-              </a:ext>
-            </a:extLst>
-          </p:cNvPr>
-          <p:cNvSpPr txBox="1"/>
-          <p:nvPr/>
-        </p:nvSpPr>
-        <p:spPr>
-          <a:xfrm>
-            <a:off x="718085" y="1707231"/>
-            <a:ext cx="671979" cy="323165"/>
-          </a:xfrm>
-          <a:prstGeom prst="rect">
-            <a:avLst/>
-          </a:prstGeom>
-          <a:solidFill>
-            <a:srgbClr val="FF0066"/>
-          </a:solidFill>
-        </p:spPr>
-        <p:style>
-          <a:lnRef idx="2">
-            <a:schemeClr val="accent4">
-              <a:shade val="15000"/>
-            </a:schemeClr>
-          </a:lnRef>
-          <a:fillRef idx="1">
-            <a:schemeClr val="accent4"/>
-          </a:fillRef>
-          <a:effectRef idx="0">
-            <a:schemeClr val="accent4"/>
-          </a:effectRef>
-          <a:fontRef idx="minor">
-            <a:schemeClr val="lt1"/>
-          </a:fontRef>
-        </p:style>
-        <p:txBody>
-          <a:bodyPr wrap="none" rtlCol="0">
-            <a:spAutoFit/>
-          </a:bodyPr>
-          <a:lstStyle/>
-          <a:p>
-            <a:r>
-              <a:rPr lang="en-US" altLang="ko-KR" sz="1500" b="1" dirty="0">
-                <a:solidFill>
-                  <a:schemeClr val="bg1"/>
-                </a:solidFill>
-              </a:rPr>
-              <a:t>Input</a:t>
-            </a:r>
-            <a:endParaRPr lang="ko-KR" altLang="en-US" sz="1500" b="1" dirty="0">
-              <a:solidFill>
-                <a:schemeClr val="bg1"/>
-              </a:solidFill>
-            </a:endParaRPr>
-          </a:p>
-        </p:txBody>
-      </p:sp>
-      <p:cxnSp>
-        <p:nvCxnSpPr>
-          <p:cNvPr id="9" name="직선 화살표 연결선 8">
-            <a:extLst>
-              <a:ext uri="{FF2B5EF4-FFF2-40B4-BE49-F238E27FC236}">
-                <a16:creationId xmlns:a16="http://schemas.microsoft.com/office/drawing/2014/main" id="{2B07837E-1F65-8B79-FCB2-0DEDE3552CE7}"/>
-              </a:ext>
-            </a:extLst>
-          </p:cNvPr>
-          <p:cNvCxnSpPr>
-            <a:stCxn id="48" idx="3"/>
-            <a:endCxn id="4" idx="1"/>
-          </p:cNvCxnSpPr>
-          <p:nvPr/>
-        </p:nvCxnSpPr>
-        <p:spPr>
-          <a:xfrm>
-            <a:off x="5885641" y="4983620"/>
-            <a:ext cx="2946198" cy="381737"/>
-          </a:xfrm>
-          <a:prstGeom prst="straightConnector1">
-            <a:avLst/>
-          </a:prstGeom>
-          <a:ln w="19050">
-            <a:solidFill>
-              <a:schemeClr val="accent6"/>
-            </a:solidFill>
-            <a:tailEnd type="triangle"/>
-          </a:ln>
-        </p:spPr>
-        <p:style>
-          <a:lnRef idx="1">
-            <a:schemeClr val="accent1"/>
-          </a:lnRef>
-          <a:fillRef idx="0">
-            <a:schemeClr val="accent1"/>
-          </a:fillRef>
-          <a:effectRef idx="0">
-            <a:schemeClr val="accent1"/>
-          </a:effectRef>
-          <a:fontRef idx="minor">
-            <a:schemeClr val="tx1"/>
-          </a:fontRef>
-        </p:style>
-      </p:cxnSp>
-      <p:sp>
-        <p:nvSpPr>
-          <p:cNvPr id="58" name="TextBox 57">
-            <a:extLst>
-              <a:ext uri="{FF2B5EF4-FFF2-40B4-BE49-F238E27FC236}">
-                <a16:creationId xmlns:a16="http://schemas.microsoft.com/office/drawing/2014/main" id="{BAE93ABB-36FE-A60C-0CD8-3F07C56EC9E1}"/>
-              </a:ext>
-            </a:extLst>
-          </p:cNvPr>
-          <p:cNvSpPr txBox="1"/>
-          <p:nvPr/>
-        </p:nvSpPr>
-        <p:spPr>
-          <a:xfrm>
-            <a:off x="374545" y="726774"/>
-            <a:ext cx="835485" cy="323165"/>
-          </a:xfrm>
-          <a:prstGeom prst="rect">
-            <a:avLst/>
-          </a:prstGeom>
-          <a:solidFill>
-            <a:srgbClr val="FF0066"/>
-          </a:solidFill>
-        </p:spPr>
-        <p:style>
-          <a:lnRef idx="2">
-            <a:schemeClr val="accent4">
-              <a:shade val="15000"/>
-            </a:schemeClr>
-          </a:lnRef>
-          <a:fillRef idx="1">
-            <a:schemeClr val="accent4"/>
-          </a:fillRef>
-          <a:effectRef idx="0">
-            <a:schemeClr val="accent4"/>
-          </a:effectRef>
-          <a:fontRef idx="minor">
-            <a:schemeClr val="lt1"/>
-          </a:fontRef>
-        </p:style>
-        <p:txBody>
-          <a:bodyPr wrap="none" rtlCol="0">
-            <a:spAutoFit/>
-          </a:bodyPr>
-          <a:lstStyle/>
-          <a:p>
-            <a:r>
-              <a:rPr lang="en-US" altLang="ko-KR" sz="1500" b="1" dirty="0">
-                <a:solidFill>
-                  <a:schemeClr val="bg1"/>
-                </a:solidFill>
-              </a:rPr>
-              <a:t>Output</a:t>
-            </a:r>
-            <a:endParaRPr lang="ko-KR" altLang="en-US" sz="1500" b="1" dirty="0">
-              <a:solidFill>
-                <a:schemeClr val="bg1"/>
-              </a:solidFill>
-            </a:endParaRPr>
-          </a:p>
-        </p:txBody>
-      </p:sp>
       <p:grpSp>
         <p:nvGrpSpPr>
           <p:cNvPr id="103" name="그룹 102">
@@ -9206,7 +8829,7 @@
         </p:nvGrpSpPr>
         <p:grpSpPr>
           <a:xfrm>
-            <a:off x="10589213" y="2424707"/>
+            <a:off x="12606436" y="57875"/>
             <a:ext cx="1727273" cy="1007249"/>
             <a:chOff x="10497370" y="2847616"/>
             <a:chExt cx="1727273" cy="1007249"/>
@@ -9459,51 +9082,6 @@
           </p:txBody>
         </p:sp>
       </p:grpSp>
-      <p:cxnSp>
-        <p:nvCxnSpPr>
-          <p:cNvPr id="105" name="직선 화살표 연결선 104">
-            <a:extLst>
-              <a:ext uri="{FF2B5EF4-FFF2-40B4-BE49-F238E27FC236}">
-                <a16:creationId xmlns:a16="http://schemas.microsoft.com/office/drawing/2014/main" id="{B8A99F07-5E60-5D7A-6E60-51D817B2BA7A}"/>
-              </a:ext>
-            </a:extLst>
-          </p:cNvPr>
-          <p:cNvCxnSpPr>
-            <a:cxnSpLocks/>
-            <a:stCxn id="101" idx="1"/>
-          </p:cNvCxnSpPr>
-          <p:nvPr/>
-        </p:nvCxnSpPr>
-        <p:spPr>
-          <a:xfrm flipH="1">
-            <a:off x="10149611" y="2777507"/>
-            <a:ext cx="922239" cy="28200"/>
-          </a:xfrm>
-          <a:prstGeom prst="straightConnector1">
-            <a:avLst/>
-          </a:prstGeom>
-          <a:ln w="19050">
-            <a:solidFill>
-              <a:schemeClr val="tx1"/>
-            </a:solidFill>
-            <a:tailEnd type="triangle"/>
-          </a:ln>
-        </p:spPr>
-        <p:style>
-          <a:lnRef idx="1">
-            <a:schemeClr val="accent1"/>
-          </a:lnRef>
-          <a:fillRef idx="0">
-            <a:schemeClr val="accent1"/>
-          </a:fillRef>
-          <a:effectRef idx="0">
-            <a:schemeClr val="accent1"/>
-          </a:effectRef>
-          <a:fontRef idx="minor">
-            <a:schemeClr val="tx1"/>
-          </a:fontRef>
-        </p:style>
-      </p:cxnSp>
       <p:grpSp>
         <p:nvGrpSpPr>
           <p:cNvPr id="2" name="VPCGroup" descr="Virtual private cloud (VPC) group inside the AWS Cloud grouping.">
@@ -9518,7 +9096,7 @@
         </p:nvGrpSpPr>
         <p:grpSpPr>
           <a:xfrm>
-            <a:off x="3449845" y="1267452"/>
+            <a:off x="3251579" y="798250"/>
             <a:ext cx="6217130" cy="3136928"/>
             <a:chOff x="4858238" y="2084361"/>
             <a:chExt cx="6833324" cy="3409837"/>
@@ -9621,7 +9199,7 @@
           </p:blipFill>
           <p:spPr>
             <a:xfrm>
-              <a:off x="4858238" y="2097862"/>
+              <a:off x="4858238" y="2090097"/>
               <a:ext cx="381000" cy="381000"/>
             </a:xfrm>
             <a:prstGeom prst="rect">
@@ -9644,7 +9222,7 @@
         </p:nvSpPr>
         <p:spPr>
           <a:xfrm>
-            <a:off x="4081680" y="2218616"/>
+            <a:off x="3883414" y="1749414"/>
             <a:ext cx="5219889" cy="1823382"/>
           </a:xfrm>
           <a:prstGeom prst="rect">
@@ -9717,9 +9295,9 @@
         </p:nvGrpSpPr>
         <p:grpSpPr>
           <a:xfrm>
-            <a:off x="4438317" y="4630820"/>
+            <a:off x="4194522" y="4100294"/>
             <a:ext cx="2239962" cy="1006114"/>
-            <a:chOff x="5374440" y="5267982"/>
+            <a:chOff x="5355390" y="5267982"/>
             <a:chExt cx="2239962" cy="1006114"/>
           </a:xfrm>
         </p:grpSpPr>
@@ -9774,7 +9352,7 @@
           </p:nvSpPr>
           <p:spPr>
             <a:xfrm>
-              <a:off x="5374440" y="5997097"/>
+              <a:off x="5355390" y="5997097"/>
               <a:ext cx="2239962" cy="276999"/>
             </a:xfrm>
             <a:prstGeom prst="rect">
@@ -9839,7 +9417,7 @@
         </p:nvSpPr>
         <p:spPr>
           <a:xfrm>
-            <a:off x="1096233" y="5463776"/>
+            <a:off x="-1040531" y="3797457"/>
             <a:ext cx="827880" cy="246221"/>
           </a:xfrm>
           <a:prstGeom prst="rect">
@@ -9918,7 +9496,7 @@
         </p:nvSpPr>
         <p:spPr>
           <a:xfrm>
-            <a:off x="1065745" y="5147848"/>
+            <a:off x="1593312" y="1887936"/>
             <a:ext cx="290464" cy="323165"/>
           </a:xfrm>
           <a:prstGeom prst="rect">
@@ -9977,10 +9555,10 @@
         </p:nvGrpSpPr>
         <p:grpSpPr>
           <a:xfrm>
-            <a:off x="8083940" y="5012557"/>
-            <a:ext cx="2292350" cy="1193781"/>
-            <a:chOff x="8350640" y="5267982"/>
-            <a:chExt cx="2292350" cy="1193781"/>
+            <a:off x="5797645" y="4096621"/>
+            <a:ext cx="2292350" cy="1163003"/>
+            <a:chOff x="8283965" y="5267982"/>
+            <a:chExt cx="2292350" cy="1163003"/>
           </a:xfrm>
         </p:grpSpPr>
         <p:pic>
@@ -10057,8 +9635,8 @@
           </p:nvSpPr>
           <p:spPr bwMode="auto">
             <a:xfrm>
-              <a:off x="8350640" y="6000098"/>
-              <a:ext cx="2292350" cy="461665"/>
+              <a:off x="8283965" y="6000098"/>
+              <a:ext cx="2292350" cy="430887"/>
             </a:xfrm>
             <a:prstGeom prst="rect">
               <a:avLst/>
@@ -10230,12 +9808,12 @@
             <a:p>
               <a:pPr algn="ctr" eaLnBrk="1" hangingPunct="1"/>
               <a:r>
-                <a:rPr lang="en-US" altLang="en-US" sz="1200" dirty="0">
+                <a:rPr lang="en-US" altLang="en-US" sz="1000" dirty="0">
                   <a:latin typeface="Arial" panose="020B0604020202020204" pitchFamily="34" charset="0"/>
                   <a:ea typeface="Amazon Ember" panose="020B0603020204020204" pitchFamily="34" charset="0"/>
                   <a:cs typeface="Arial" panose="020B0604020202020204" pitchFamily="34" charset="0"/>
                 </a:rPr>
-                <a:t>(Feature Extraction)</a:t>
+                <a:t>(Run Python File)</a:t>
               </a:r>
             </a:p>
           </p:txBody>
@@ -10243,10 +9821,10 @@
       </p:grpSp>
       <p:sp>
         <p:nvSpPr>
-          <p:cNvPr id="149" name="label">
-            <a:extLst>
-              <a:ext uri="{FF2B5EF4-FFF2-40B4-BE49-F238E27FC236}">
-                <a16:creationId xmlns:a16="http://schemas.microsoft.com/office/drawing/2014/main" id="{BF579B65-B8C7-5FD6-E7FC-FC30C7F55870}"/>
+          <p:cNvPr id="23" name="TextBox 6">
+            <a:extLst>
+              <a:ext uri="{FF2B5EF4-FFF2-40B4-BE49-F238E27FC236}">
+                <a16:creationId xmlns:a16="http://schemas.microsoft.com/office/drawing/2014/main" id="{36FEB6A7-BBBF-BF4E-B09F-F70950BA7F04}"/>
               </a:ext>
             </a:extLst>
           </p:cNvPr>
@@ -10255,440 +9833,176 @@
           </p:cNvSpPr>
           <p:nvPr/>
         </p:nvSpPr>
-        <p:spPr>
+        <p:spPr bwMode="auto">
           <a:xfrm>
-            <a:off x="7336992" y="5262744"/>
-            <a:ext cx="674040" cy="246221"/>
+            <a:off x="5169264" y="1972874"/>
+            <a:ext cx="2496630" cy="276999"/>
           </a:xfrm>
           <a:prstGeom prst="rect">
             <a:avLst/>
           </a:prstGeom>
-          <a:solidFill>
-            <a:schemeClr val="bg1"/>
-          </a:solidFill>
+          <a:noFill/>
           <a:ln>
-            <a:solidFill>
-              <a:schemeClr val="bg1"/>
-            </a:solidFill>
+            <a:noFill/>
           </a:ln>
+          <a:extLst>
+            <a:ext uri="{909E8E84-426E-40DD-AFC4-6F175D3DCCD1}">
+              <a14:hiddenFill xmlns:a14="http://schemas.microsoft.com/office/drawing/2010/main">
+                <a:solidFill>
+                  <a:srgbClr val="FFFFFF"/>
+                </a:solidFill>
+              </a14:hiddenFill>
+            </a:ext>
+            <a:ext uri="{91240B29-F687-4F45-9708-019B960494DF}">
+              <a14:hiddenLine xmlns:a14="http://schemas.microsoft.com/office/drawing/2010/main" w="9525">
+                <a:solidFill>
+                  <a:srgbClr val="000000"/>
+                </a:solidFill>
+                <a:miter lim="800000"/>
+                <a:headEnd/>
+                <a:tailEnd/>
+              </a14:hiddenLine>
+            </a:ext>
+          </a:extLst>
         </p:spPr>
-        <p:style>
-          <a:lnRef idx="2">
-            <a:schemeClr val="dk1"/>
-          </a:lnRef>
-          <a:fillRef idx="1">
-            <a:schemeClr val="lt1"/>
-          </a:fillRef>
-          <a:effectRef idx="0">
-            <a:schemeClr val="dk1"/>
-          </a:effectRef>
-          <a:fontRef idx="minor">
-            <a:schemeClr val="dk1"/>
-          </a:fontRef>
-        </p:style>
         <p:txBody>
-          <a:bodyPr wrap="square">
+          <a:bodyPr>
             <a:spAutoFit/>
           </a:bodyPr>
           <a:lstStyle>
-            <a:lvl1pPr marL="0" indent="0">
-              <a:lnSpc>
-                <a:spcPct val="100000"/>
-              </a:lnSpc>
+            <a:defPPr>
+              <a:defRPr lang="en-US"/>
+            </a:defPPr>
+            <a:lvl1pPr algn="l" rtl="0" eaLnBrk="0" fontAlgn="base" hangingPunct="0">
               <a:spcBef>
                 <a:spcPct val="0"/>
               </a:spcBef>
               <a:spcAft>
-                <a:spcPts val="0"/>
+                <a:spcPct val="0"/>
               </a:spcAft>
-              <a:defRPr kumimoji="0" sz="1800" b="0" i="0" u="none" strike="noStrike" kern="0" cap="none" spc="0" normalizeH="0" baseline="0">
+              <a:defRPr kern="1200">
                 <a:solidFill>
                   <a:schemeClr val="tx1"/>
                 </a:solidFill>
+                <a:latin typeface="Calibri" panose="020F0502020204030204" pitchFamily="34" charset="0"/>
+                <a:ea typeface="+mn-ea"/>
+                <a:cs typeface="+mn-cs"/>
               </a:defRPr>
             </a:lvl1pPr>
-          </a:lstStyle>
-          <a:p>
-            <a:pPr algn="ctr" eaLnBrk="1" hangingPunct="1">
-              <a:defRPr/>
-            </a:pPr>
-            <a:r>
-              <a:rPr lang="en-US" altLang="en-US" sz="1000" i="1" dirty="0">
-                <a:latin typeface="Arial"/>
-                <a:cs typeface="Arial"/>
-              </a:rPr>
-              <a:t>Trigger</a:t>
-            </a:r>
-          </a:p>
-        </p:txBody>
-      </p:sp>
-      <p:grpSp>
-        <p:nvGrpSpPr>
-          <p:cNvPr id="94" name="그룹 93">
-            <a:extLst>
-              <a:ext uri="{FF2B5EF4-FFF2-40B4-BE49-F238E27FC236}">
-                <a16:creationId xmlns:a16="http://schemas.microsoft.com/office/drawing/2014/main" id="{8CF7D00E-4D13-1B89-D66D-A947A2F6CD6B}"/>
-              </a:ext>
-            </a:extLst>
-          </p:cNvPr>
-          <p:cNvGrpSpPr/>
-          <p:nvPr/>
-        </p:nvGrpSpPr>
-        <p:grpSpPr>
-          <a:xfrm>
-            <a:off x="4343720" y="2753531"/>
-            <a:ext cx="2496630" cy="1204187"/>
-            <a:chOff x="7588899" y="3319934"/>
-            <a:chExt cx="2268537" cy="1094172"/>
-          </a:xfrm>
-        </p:grpSpPr>
-        <p:pic>
-          <p:nvPicPr>
-            <p:cNvPr id="22" name="Graphic 5" descr="Amazon Elastic Compute Cloud (Amazon EC2) service icon.">
-              <a:extLst>
-                <a:ext uri="{FF2B5EF4-FFF2-40B4-BE49-F238E27FC236}">
-                  <a16:creationId xmlns:a16="http://schemas.microsoft.com/office/drawing/2014/main" id="{38622D4A-AB16-E74E-A250-BDBAAFFAA603}"/>
-                </a:ext>
-              </a:extLst>
-            </p:cNvPr>
-            <p:cNvPicPr>
-              <a:picLocks noChangeAspect="1" noChangeArrowheads="1"/>
-            </p:cNvPicPr>
-            <p:nvPr/>
-          </p:nvPicPr>
-          <p:blipFill>
-            <a:blip r:embed="rId12">
-              <a:extLst>
-                <a:ext uri="{96DAC541-7B7A-43D3-8B79-37D633B846F1}">
-                  <asvg:svgBlip xmlns:asvg="http://schemas.microsoft.com/office/drawing/2016/SVG/main" r:embed="rId13"/>
-                </a:ext>
-              </a:extLst>
-            </a:blip>
-            <a:srcRect/>
-            <a:stretch/>
-          </p:blipFill>
-          <p:spPr bwMode="auto">
-            <a:xfrm>
-              <a:off x="7651155" y="3319934"/>
-              <a:ext cx="640634" cy="640634"/>
-            </a:xfrm>
-            <a:prstGeom prst="rect">
-              <a:avLst/>
-            </a:prstGeom>
-            <a:noFill/>
-            <a:ln>
-              <a:noFill/>
-            </a:ln>
-            <a:extLst>
-              <a:ext uri="{909E8E84-426E-40DD-AFC4-6F175D3DCCD1}">
-                <a14:hiddenFill xmlns:a14="http://schemas.microsoft.com/office/drawing/2010/main">
-                  <a:solidFill>
-                    <a:srgbClr val="FFFFFF"/>
-                  </a:solidFill>
-                </a14:hiddenFill>
-              </a:ext>
-              <a:ext uri="{91240B29-F687-4F45-9708-019B960494DF}">
-                <a14:hiddenLine xmlns:a14="http://schemas.microsoft.com/office/drawing/2010/main" w="9525">
-                  <a:solidFill>
-                    <a:srgbClr val="000000"/>
-                  </a:solidFill>
-                  <a:miter lim="800000"/>
-                  <a:headEnd/>
-                  <a:tailEnd/>
-                </a14:hiddenLine>
-              </a:ext>
-            </a:extLst>
-          </p:spPr>
-        </p:pic>
-        <p:sp>
-          <p:nvSpPr>
-            <p:cNvPr id="23" name="TextBox 6">
-              <a:extLst>
-                <a:ext uri="{FF2B5EF4-FFF2-40B4-BE49-F238E27FC236}">
-                  <a16:creationId xmlns:a16="http://schemas.microsoft.com/office/drawing/2014/main" id="{36FEB6A7-BBBF-BF4E-B09F-F70950BA7F04}"/>
-                </a:ext>
-              </a:extLst>
-            </p:cNvPr>
-            <p:cNvSpPr txBox="1">
-              <a:spLocks noChangeArrowheads="1"/>
-            </p:cNvSpPr>
-            <p:nvPr/>
-          </p:nvSpPr>
-          <p:spPr bwMode="auto">
-            <a:xfrm>
-              <a:off x="7588899" y="3952441"/>
-              <a:ext cx="2268537" cy="461665"/>
-            </a:xfrm>
-            <a:prstGeom prst="rect">
-              <a:avLst/>
-            </a:prstGeom>
-            <a:noFill/>
-            <a:ln>
-              <a:noFill/>
-            </a:ln>
-            <a:extLst>
-              <a:ext uri="{909E8E84-426E-40DD-AFC4-6F175D3DCCD1}">
-                <a14:hiddenFill xmlns:a14="http://schemas.microsoft.com/office/drawing/2010/main">
-                  <a:solidFill>
-                    <a:srgbClr val="FFFFFF"/>
-                  </a:solidFill>
-                </a14:hiddenFill>
-              </a:ext>
-              <a:ext uri="{91240B29-F687-4F45-9708-019B960494DF}">
-                <a14:hiddenLine xmlns:a14="http://schemas.microsoft.com/office/drawing/2010/main" w="9525">
-                  <a:solidFill>
-                    <a:srgbClr val="000000"/>
-                  </a:solidFill>
-                  <a:miter lim="800000"/>
-                  <a:headEnd/>
-                  <a:tailEnd/>
-                </a14:hiddenLine>
-              </a:ext>
-            </a:extLst>
-          </p:spPr>
-          <p:txBody>
-            <a:bodyPr>
-              <a:spAutoFit/>
-            </a:bodyPr>
-            <a:lstStyle>
-              <a:defPPr>
-                <a:defRPr lang="en-US"/>
-              </a:defPPr>
-              <a:lvl1pPr algn="l" rtl="0" eaLnBrk="0" fontAlgn="base" hangingPunct="0">
-                <a:spcBef>
-                  <a:spcPct val="0"/>
-                </a:spcBef>
-                <a:spcAft>
-                  <a:spcPct val="0"/>
-                </a:spcAft>
-                <a:defRPr kern="1200">
-                  <a:solidFill>
-                    <a:schemeClr val="tx1"/>
-                  </a:solidFill>
-                  <a:latin typeface="Calibri" panose="020F0502020204030204" pitchFamily="34" charset="0"/>
-                  <a:ea typeface="+mn-ea"/>
-                  <a:cs typeface="+mn-cs"/>
-                </a:defRPr>
-              </a:lvl1pPr>
-              <a:lvl2pPr marL="457200" algn="l" rtl="0" eaLnBrk="0" fontAlgn="base" hangingPunct="0">
-                <a:spcBef>
-                  <a:spcPct val="0"/>
-                </a:spcBef>
-                <a:spcAft>
-                  <a:spcPct val="0"/>
-                </a:spcAft>
-                <a:defRPr kern="1200">
-                  <a:solidFill>
-                    <a:schemeClr val="tx1"/>
-                  </a:solidFill>
-                  <a:latin typeface="Calibri" panose="020F0502020204030204" pitchFamily="34" charset="0"/>
-                  <a:ea typeface="+mn-ea"/>
-                  <a:cs typeface="+mn-cs"/>
-                </a:defRPr>
-              </a:lvl2pPr>
-              <a:lvl3pPr marL="914400" algn="l" rtl="0" eaLnBrk="0" fontAlgn="base" hangingPunct="0">
-                <a:spcBef>
-                  <a:spcPct val="0"/>
-                </a:spcBef>
-                <a:spcAft>
-                  <a:spcPct val="0"/>
-                </a:spcAft>
-                <a:defRPr kern="1200">
-                  <a:solidFill>
-                    <a:schemeClr val="tx1"/>
-                  </a:solidFill>
-                  <a:latin typeface="Calibri" panose="020F0502020204030204" pitchFamily="34" charset="0"/>
-                  <a:ea typeface="+mn-ea"/>
-                  <a:cs typeface="+mn-cs"/>
-                </a:defRPr>
-              </a:lvl3pPr>
-              <a:lvl4pPr marL="1371600" algn="l" rtl="0" eaLnBrk="0" fontAlgn="base" hangingPunct="0">
-                <a:spcBef>
-                  <a:spcPct val="0"/>
-                </a:spcBef>
-                <a:spcAft>
-                  <a:spcPct val="0"/>
-                </a:spcAft>
-                <a:defRPr kern="1200">
-                  <a:solidFill>
-                    <a:schemeClr val="tx1"/>
-                  </a:solidFill>
-                  <a:latin typeface="Calibri" panose="020F0502020204030204" pitchFamily="34" charset="0"/>
-                  <a:ea typeface="+mn-ea"/>
-                  <a:cs typeface="+mn-cs"/>
-                </a:defRPr>
-              </a:lvl4pPr>
-              <a:lvl5pPr marL="1828800" algn="l" rtl="0" eaLnBrk="0" fontAlgn="base" hangingPunct="0">
-                <a:spcBef>
-                  <a:spcPct val="0"/>
-                </a:spcBef>
-                <a:spcAft>
-                  <a:spcPct val="0"/>
-                </a:spcAft>
-                <a:defRPr kern="1200">
-                  <a:solidFill>
-                    <a:schemeClr val="tx1"/>
-                  </a:solidFill>
-                  <a:latin typeface="Calibri" panose="020F0502020204030204" pitchFamily="34" charset="0"/>
-                  <a:ea typeface="+mn-ea"/>
-                  <a:cs typeface="+mn-cs"/>
-                </a:defRPr>
-              </a:lvl5pPr>
-              <a:lvl6pPr marL="2286000" algn="l" defTabSz="914400" rtl="0" eaLnBrk="1" latinLnBrk="0" hangingPunct="1">
-                <a:defRPr kern="1200">
-                  <a:solidFill>
-                    <a:schemeClr val="tx1"/>
-                  </a:solidFill>
-                  <a:latin typeface="Calibri" panose="020F0502020204030204" pitchFamily="34" charset="0"/>
-                  <a:ea typeface="+mn-ea"/>
-                  <a:cs typeface="+mn-cs"/>
-                </a:defRPr>
-              </a:lvl6pPr>
-              <a:lvl7pPr marL="2743200" algn="l" defTabSz="914400" rtl="0" eaLnBrk="1" latinLnBrk="0" hangingPunct="1">
-                <a:defRPr kern="1200">
-                  <a:solidFill>
-                    <a:schemeClr val="tx1"/>
-                  </a:solidFill>
-                  <a:latin typeface="Calibri" panose="020F0502020204030204" pitchFamily="34" charset="0"/>
-                  <a:ea typeface="+mn-ea"/>
-                  <a:cs typeface="+mn-cs"/>
-                </a:defRPr>
-              </a:lvl7pPr>
-              <a:lvl8pPr marL="3200400" algn="l" defTabSz="914400" rtl="0" eaLnBrk="1" latinLnBrk="0" hangingPunct="1">
-                <a:defRPr kern="1200">
-                  <a:solidFill>
-                    <a:schemeClr val="tx1"/>
-                  </a:solidFill>
-                  <a:latin typeface="Calibri" panose="020F0502020204030204" pitchFamily="34" charset="0"/>
-                  <a:ea typeface="+mn-ea"/>
-                  <a:cs typeface="+mn-cs"/>
-                </a:defRPr>
-              </a:lvl8pPr>
-              <a:lvl9pPr marL="3657600" algn="l" defTabSz="914400" rtl="0" eaLnBrk="1" latinLnBrk="0" hangingPunct="1">
-                <a:defRPr kern="1200">
-                  <a:solidFill>
-                    <a:schemeClr val="tx1"/>
-                  </a:solidFill>
-                  <a:latin typeface="Calibri" panose="020F0502020204030204" pitchFamily="34" charset="0"/>
-                  <a:ea typeface="+mn-ea"/>
-                  <a:cs typeface="+mn-cs"/>
-                </a:defRPr>
-              </a:lvl9pPr>
-            </a:lstStyle>
-            <a:p>
-              <a:pPr algn="ctr" eaLnBrk="1" hangingPunct="1"/>
-              <a:r>
-                <a:rPr lang="en-US" altLang="en-US" sz="1200" dirty="0">
-                  <a:latin typeface="Arial" panose="020B0604020202020204" pitchFamily="34" charset="0"/>
-                  <a:ea typeface="Amazon Ember" panose="020B0603020204020204" pitchFamily="34" charset="0"/>
-                  <a:cs typeface="Arial" panose="020B0604020202020204" pitchFamily="34" charset="0"/>
-                </a:rPr>
-                <a:t>Amazon EC2</a:t>
-              </a:r>
-            </a:p>
-            <a:p>
-              <a:pPr algn="ctr" eaLnBrk="1" hangingPunct="1"/>
-              <a:r>
-                <a:rPr lang="en-US" altLang="en-US" sz="1200" dirty="0">
-                  <a:latin typeface="Arial" panose="020B0604020202020204" pitchFamily="34" charset="0"/>
-                  <a:ea typeface="Amazon Ember" panose="020B0603020204020204" pitchFamily="34" charset="0"/>
-                  <a:cs typeface="Arial" panose="020B0604020202020204" pitchFamily="34" charset="0"/>
-                </a:rPr>
-                <a:t>(Web Server)</a:t>
-              </a:r>
-            </a:p>
-          </p:txBody>
-        </p:sp>
-      </p:grpSp>
-      <p:sp>
-        <p:nvSpPr>
-          <p:cNvPr id="117" name="label">
-            <a:extLst>
-              <a:ext uri="{FF2B5EF4-FFF2-40B4-BE49-F238E27FC236}">
-                <a16:creationId xmlns:a16="http://schemas.microsoft.com/office/drawing/2014/main" id="{B6C5C9AE-ACB7-9719-1663-2CD3F698156A}"/>
-              </a:ext>
-            </a:extLst>
-          </p:cNvPr>
-          <p:cNvSpPr txBox="1">
-            <a:spLocks noChangeArrowheads="1"/>
-          </p:cNvSpPr>
-          <p:nvPr/>
-        </p:nvSpPr>
-        <p:spPr>
-          <a:xfrm>
-            <a:off x="7454687" y="584854"/>
-            <a:ext cx="1172413" cy="400110"/>
-          </a:xfrm>
-          <a:prstGeom prst="rect">
-            <a:avLst/>
-          </a:prstGeom>
-          <a:solidFill>
-            <a:schemeClr val="bg1"/>
-          </a:solidFill>
-          <a:ln>
-            <a:solidFill>
-              <a:schemeClr val="bg1"/>
-            </a:solidFill>
-          </a:ln>
-        </p:spPr>
-        <p:style>
-          <a:lnRef idx="2">
-            <a:schemeClr val="dk1"/>
-          </a:lnRef>
-          <a:fillRef idx="1">
-            <a:schemeClr val="lt1"/>
-          </a:fillRef>
-          <a:effectRef idx="0">
-            <a:schemeClr val="dk1"/>
-          </a:effectRef>
-          <a:fontRef idx="minor">
-            <a:schemeClr val="dk1"/>
-          </a:fontRef>
-        </p:style>
-        <p:txBody>
-          <a:bodyPr wrap="square">
-            <a:spAutoFit/>
-          </a:bodyPr>
-          <a:lstStyle>
-            <a:lvl1pPr marL="0" indent="0">
-              <a:lnSpc>
-                <a:spcPct val="100000"/>
-              </a:lnSpc>
+            <a:lvl2pPr marL="457200" algn="l" rtl="0" eaLnBrk="0" fontAlgn="base" hangingPunct="0">
               <a:spcBef>
                 <a:spcPct val="0"/>
               </a:spcBef>
               <a:spcAft>
-                <a:spcPts val="0"/>
+                <a:spcPct val="0"/>
               </a:spcAft>
-              <a:defRPr kumimoji="0" sz="1800" b="0" i="0" u="none" strike="noStrike" kern="0" cap="none" spc="0" normalizeH="0" baseline="0">
+              <a:defRPr kern="1200">
                 <a:solidFill>
                   <a:schemeClr val="tx1"/>
                 </a:solidFill>
+                <a:latin typeface="Calibri" panose="020F0502020204030204" pitchFamily="34" charset="0"/>
+                <a:ea typeface="+mn-ea"/>
+                <a:cs typeface="+mn-cs"/>
               </a:defRPr>
-            </a:lvl1pPr>
+            </a:lvl2pPr>
+            <a:lvl3pPr marL="914400" algn="l" rtl="0" eaLnBrk="0" fontAlgn="base" hangingPunct="0">
+              <a:spcBef>
+                <a:spcPct val="0"/>
+              </a:spcBef>
+              <a:spcAft>
+                <a:spcPct val="0"/>
+              </a:spcAft>
+              <a:defRPr kern="1200">
+                <a:solidFill>
+                  <a:schemeClr val="tx1"/>
+                </a:solidFill>
+                <a:latin typeface="Calibri" panose="020F0502020204030204" pitchFamily="34" charset="0"/>
+                <a:ea typeface="+mn-ea"/>
+                <a:cs typeface="+mn-cs"/>
+              </a:defRPr>
+            </a:lvl3pPr>
+            <a:lvl4pPr marL="1371600" algn="l" rtl="0" eaLnBrk="0" fontAlgn="base" hangingPunct="0">
+              <a:spcBef>
+                <a:spcPct val="0"/>
+              </a:spcBef>
+              <a:spcAft>
+                <a:spcPct val="0"/>
+              </a:spcAft>
+              <a:defRPr kern="1200">
+                <a:solidFill>
+                  <a:schemeClr val="tx1"/>
+                </a:solidFill>
+                <a:latin typeface="Calibri" panose="020F0502020204030204" pitchFamily="34" charset="0"/>
+                <a:ea typeface="+mn-ea"/>
+                <a:cs typeface="+mn-cs"/>
+              </a:defRPr>
+            </a:lvl4pPr>
+            <a:lvl5pPr marL="1828800" algn="l" rtl="0" eaLnBrk="0" fontAlgn="base" hangingPunct="0">
+              <a:spcBef>
+                <a:spcPct val="0"/>
+              </a:spcBef>
+              <a:spcAft>
+                <a:spcPct val="0"/>
+              </a:spcAft>
+              <a:defRPr kern="1200">
+                <a:solidFill>
+                  <a:schemeClr val="tx1"/>
+                </a:solidFill>
+                <a:latin typeface="Calibri" panose="020F0502020204030204" pitchFamily="34" charset="0"/>
+                <a:ea typeface="+mn-ea"/>
+                <a:cs typeface="+mn-cs"/>
+              </a:defRPr>
+            </a:lvl5pPr>
+            <a:lvl6pPr marL="2286000" algn="l" defTabSz="914400" rtl="0" eaLnBrk="1" latinLnBrk="0" hangingPunct="1">
+              <a:defRPr kern="1200">
+                <a:solidFill>
+                  <a:schemeClr val="tx1"/>
+                </a:solidFill>
+                <a:latin typeface="Calibri" panose="020F0502020204030204" pitchFamily="34" charset="0"/>
+                <a:ea typeface="+mn-ea"/>
+                <a:cs typeface="+mn-cs"/>
+              </a:defRPr>
+            </a:lvl6pPr>
+            <a:lvl7pPr marL="2743200" algn="l" defTabSz="914400" rtl="0" eaLnBrk="1" latinLnBrk="0" hangingPunct="1">
+              <a:defRPr kern="1200">
+                <a:solidFill>
+                  <a:schemeClr val="tx1"/>
+                </a:solidFill>
+                <a:latin typeface="Calibri" panose="020F0502020204030204" pitchFamily="34" charset="0"/>
+                <a:ea typeface="+mn-ea"/>
+                <a:cs typeface="+mn-cs"/>
+              </a:defRPr>
+            </a:lvl7pPr>
+            <a:lvl8pPr marL="3200400" algn="l" defTabSz="914400" rtl="0" eaLnBrk="1" latinLnBrk="0" hangingPunct="1">
+              <a:defRPr kern="1200">
+                <a:solidFill>
+                  <a:schemeClr val="tx1"/>
+                </a:solidFill>
+                <a:latin typeface="Calibri" panose="020F0502020204030204" pitchFamily="34" charset="0"/>
+                <a:ea typeface="+mn-ea"/>
+                <a:cs typeface="+mn-cs"/>
+              </a:defRPr>
+            </a:lvl8pPr>
+            <a:lvl9pPr marL="3657600" algn="l" defTabSz="914400" rtl="0" eaLnBrk="1" latinLnBrk="0" hangingPunct="1">
+              <a:defRPr kern="1200">
+                <a:solidFill>
+                  <a:schemeClr val="tx1"/>
+                </a:solidFill>
+                <a:latin typeface="Calibri" panose="020F0502020204030204" pitchFamily="34" charset="0"/>
+                <a:ea typeface="+mn-ea"/>
+                <a:cs typeface="+mn-cs"/>
+              </a:defRPr>
+            </a:lvl9pPr>
           </a:lstStyle>
           <a:p>
-            <a:pPr algn="ctr" eaLnBrk="1" hangingPunct="1">
-              <a:defRPr/>
-            </a:pPr>
+            <a:pPr algn="ctr" eaLnBrk="1" hangingPunct="1"/>
             <a:r>
-              <a:rPr lang="en-US" altLang="en-US" sz="1000" i="1" dirty="0">
-                <a:latin typeface="Arial"/>
-                <a:cs typeface="Arial"/>
+              <a:rPr lang="en-US" altLang="en-US" sz="1200" dirty="0">
+                <a:latin typeface="Arial" panose="020B0604020202020204" pitchFamily="34" charset="0"/>
+                <a:ea typeface="Amazon Ember" panose="020B0603020204020204" pitchFamily="34" charset="0"/>
+                <a:cs typeface="Arial" panose="020B0604020202020204" pitchFamily="34" charset="0"/>
               </a:rPr>
-              <a:t>Request</a:t>
-            </a:r>
-          </a:p>
-          <a:p>
-            <a:pPr algn="ctr" eaLnBrk="1" hangingPunct="1">
-              <a:defRPr/>
-            </a:pPr>
-            <a:r>
-              <a:rPr lang="en-US" altLang="en-US" sz="1000" i="1" dirty="0">
-                <a:latin typeface="Arial"/>
-                <a:cs typeface="Arial"/>
-              </a:rPr>
-              <a:t>Video Data</a:t>
+              <a:t>(Web Server)</a:t>
             </a:r>
           </a:p>
         </p:txBody>
@@ -10707,7 +10021,7 @@
         </p:nvSpPr>
         <p:spPr>
           <a:xfrm>
-            <a:off x="7449718" y="285335"/>
+            <a:off x="1514499" y="3198726"/>
             <a:ext cx="290464" cy="323165"/>
           </a:xfrm>
           <a:prstGeom prst="rect">
@@ -10742,7 +10056,7 @@
                   <a:schemeClr val="tx1"/>
                 </a:solidFill>
               </a:rPr>
-              <a:t>1</a:t>
+              <a:t>7</a:t>
             </a:r>
             <a:endParaRPr lang="ko-KR" altLang="en-US" sz="1500" dirty="0">
               <a:solidFill>
@@ -10754,98 +10068,10 @@
       </p:sp>
       <p:sp>
         <p:nvSpPr>
-          <p:cNvPr id="147" name="label">
-            <a:extLst>
-              <a:ext uri="{FF2B5EF4-FFF2-40B4-BE49-F238E27FC236}">
-                <a16:creationId xmlns:a16="http://schemas.microsoft.com/office/drawing/2014/main" id="{A75C122B-1989-EA8E-E17C-D79108A6BF4D}"/>
-              </a:ext>
-            </a:extLst>
-          </p:cNvPr>
-          <p:cNvSpPr txBox="1">
-            <a:spLocks noChangeArrowheads="1"/>
-          </p:cNvSpPr>
-          <p:nvPr/>
-        </p:nvSpPr>
-        <p:spPr>
-          <a:xfrm>
-            <a:off x="5093547" y="568789"/>
-            <a:ext cx="1101582" cy="400110"/>
-          </a:xfrm>
-          <a:prstGeom prst="rect">
-            <a:avLst/>
-          </a:prstGeom>
-          <a:ln>
-            <a:noFill/>
-          </a:ln>
-        </p:spPr>
-        <p:style>
-          <a:lnRef idx="2">
-            <a:schemeClr val="dk1"/>
-          </a:lnRef>
-          <a:fillRef idx="1">
-            <a:schemeClr val="lt1"/>
-          </a:fillRef>
-          <a:effectRef idx="0">
-            <a:schemeClr val="dk1"/>
-          </a:effectRef>
-          <a:fontRef idx="minor">
-            <a:schemeClr val="dk1"/>
-          </a:fontRef>
-        </p:style>
-        <p:txBody>
-          <a:bodyPr wrap="square">
-            <a:spAutoFit/>
-          </a:bodyPr>
-          <a:lstStyle>
-            <a:lvl1pPr marL="0" indent="0">
-              <a:lnSpc>
-                <a:spcPct val="100000"/>
-              </a:lnSpc>
-              <a:spcBef>
-                <a:spcPct val="0"/>
-              </a:spcBef>
-              <a:spcAft>
-                <a:spcPts val="0"/>
-              </a:spcAft>
-              <a:defRPr kumimoji="0" sz="1800" b="0" i="0" u="none" strike="noStrike" kern="0" cap="none" spc="0" normalizeH="0" baseline="0">
-                <a:solidFill>
-                  <a:schemeClr val="tx1"/>
-                </a:solidFill>
-              </a:defRPr>
-            </a:lvl1pPr>
-          </a:lstStyle>
-          <a:p>
-            <a:pPr algn="ctr" eaLnBrk="1" hangingPunct="1">
-              <a:defRPr/>
-            </a:pPr>
-            <a:r>
-              <a:rPr lang="en-US" altLang="en-US" sz="1000" i="1" dirty="0">
-                <a:latin typeface="Arial"/>
-                <a:cs typeface="Arial"/>
-              </a:rPr>
-              <a:t>Response</a:t>
-            </a:r>
-          </a:p>
-          <a:p>
-            <a:pPr algn="ctr" eaLnBrk="1" hangingPunct="1">
-              <a:defRPr/>
-            </a:pPr>
-            <a:r>
-              <a:rPr lang="en-US" altLang="en-US" sz="1000" i="1" dirty="0">
-                <a:latin typeface="Arial"/>
-                <a:cs typeface="Arial"/>
-              </a:rPr>
-              <a:t>Feature Result</a:t>
-            </a:r>
-          </a:p>
-        </p:txBody>
-      </p:sp>
-      <p:sp>
-        <p:nvSpPr>
-          <p:cNvPr id="172" name="TextBox 171">
-            <a:extLst>
-              <a:ext uri="{FF2B5EF4-FFF2-40B4-BE49-F238E27FC236}">
-                <a16:creationId xmlns:a16="http://schemas.microsoft.com/office/drawing/2014/main" id="{72120E0D-E64C-6A28-3BEA-AAEFC17BDF64}"/>
+          <p:cNvPr id="173" name="TextBox 172">
+            <a:extLst>
+              <a:ext uri="{FF2B5EF4-FFF2-40B4-BE49-F238E27FC236}">
+                <a16:creationId xmlns:a16="http://schemas.microsoft.com/office/drawing/2014/main" id="{9279C484-B37C-B86A-2475-D74238FF1744}"/>
               </a:ext>
             </a:extLst>
           </p:cNvPr>
@@ -10854,7 +10080,7 @@
         </p:nvSpPr>
         <p:spPr>
           <a:xfrm>
-            <a:off x="5076801" y="270121"/>
+            <a:off x="4906828" y="3111483"/>
             <a:ext cx="290464" cy="323165"/>
           </a:xfrm>
           <a:prstGeom prst="rect">
@@ -10889,158 +10115,6 @@
                   <a:schemeClr val="tx1"/>
                 </a:solidFill>
               </a:rPr>
-              <a:t>3</a:t>
-            </a:r>
-            <a:endParaRPr lang="ko-KR" altLang="en-US" sz="1500" dirty="0">
-              <a:solidFill>
-                <a:schemeClr val="tx1"/>
-              </a:solidFill>
-            </a:endParaRPr>
-          </a:p>
-        </p:txBody>
-      </p:sp>
-      <p:sp>
-        <p:nvSpPr>
-          <p:cNvPr id="122" name="label">
-            <a:extLst>
-              <a:ext uri="{FF2B5EF4-FFF2-40B4-BE49-F238E27FC236}">
-                <a16:creationId xmlns:a16="http://schemas.microsoft.com/office/drawing/2014/main" id="{7B59D974-55EF-F737-5B86-15ED3C881EF9}"/>
-              </a:ext>
-            </a:extLst>
-          </p:cNvPr>
-          <p:cNvSpPr txBox="1">
-            <a:spLocks noChangeArrowheads="1"/>
-          </p:cNvSpPr>
-          <p:nvPr/>
-        </p:nvSpPr>
-        <p:spPr>
-          <a:xfrm>
-            <a:off x="9007632" y="232663"/>
-            <a:ext cx="1172413" cy="400110"/>
-          </a:xfrm>
-          <a:prstGeom prst="rect">
-            <a:avLst/>
-          </a:prstGeom>
-          <a:solidFill>
-            <a:schemeClr val="bg1"/>
-          </a:solidFill>
-          <a:ln>
-            <a:solidFill>
-              <a:schemeClr val="bg1"/>
-            </a:solidFill>
-          </a:ln>
-        </p:spPr>
-        <p:style>
-          <a:lnRef idx="2">
-            <a:schemeClr val="dk1"/>
-          </a:lnRef>
-          <a:fillRef idx="1">
-            <a:schemeClr val="lt1"/>
-          </a:fillRef>
-          <a:effectRef idx="0">
-            <a:schemeClr val="dk1"/>
-          </a:effectRef>
-          <a:fontRef idx="minor">
-            <a:schemeClr val="dk1"/>
-          </a:fontRef>
-        </p:style>
-        <p:txBody>
-          <a:bodyPr wrap="square">
-            <a:spAutoFit/>
-          </a:bodyPr>
-          <a:lstStyle>
-            <a:lvl1pPr marL="0" indent="0">
-              <a:lnSpc>
-                <a:spcPct val="100000"/>
-              </a:lnSpc>
-              <a:spcBef>
-                <a:spcPct val="0"/>
-              </a:spcBef>
-              <a:spcAft>
-                <a:spcPts val="0"/>
-              </a:spcAft>
-              <a:defRPr kumimoji="0" sz="1800" b="0" i="0" u="none" strike="noStrike" kern="0" cap="none" spc="0" normalizeH="0" baseline="0">
-                <a:solidFill>
-                  <a:schemeClr val="tx1"/>
-                </a:solidFill>
-              </a:defRPr>
-            </a:lvl1pPr>
-          </a:lstStyle>
-          <a:p>
-            <a:pPr algn="ctr" eaLnBrk="1" hangingPunct="1">
-              <a:defRPr/>
-            </a:pPr>
-            <a:r>
-              <a:rPr lang="en-US" altLang="en-US" sz="1000" i="1" dirty="0">
-                <a:latin typeface="Arial"/>
-                <a:cs typeface="Arial"/>
-              </a:rPr>
-              <a:t>Response</a:t>
-            </a:r>
-          </a:p>
-          <a:p>
-            <a:pPr algn="ctr" eaLnBrk="1" hangingPunct="1">
-              <a:defRPr/>
-            </a:pPr>
-            <a:r>
-              <a:rPr lang="en-US" altLang="en-US" sz="1000" i="1" dirty="0">
-                <a:latin typeface="Arial"/>
-                <a:cs typeface="Arial"/>
-              </a:rPr>
-              <a:t>Video Data</a:t>
-            </a:r>
-          </a:p>
-        </p:txBody>
-      </p:sp>
-      <p:sp>
-        <p:nvSpPr>
-          <p:cNvPr id="173" name="TextBox 172">
-            <a:extLst>
-              <a:ext uri="{FF2B5EF4-FFF2-40B4-BE49-F238E27FC236}">
-                <a16:creationId xmlns:a16="http://schemas.microsoft.com/office/drawing/2014/main" id="{9279C484-B37C-B86A-2475-D74238FF1744}"/>
-              </a:ext>
-            </a:extLst>
-          </p:cNvPr>
-          <p:cNvSpPr txBox="1"/>
-          <p:nvPr/>
-        </p:nvSpPr>
-        <p:spPr>
-          <a:xfrm>
-            <a:off x="8917449" y="53113"/>
-            <a:ext cx="290464" cy="323165"/>
-          </a:xfrm>
-          <a:prstGeom prst="rect">
-            <a:avLst/>
-          </a:prstGeom>
-        </p:spPr>
-        <p:style>
-          <a:lnRef idx="2">
-            <a:schemeClr val="accent4">
-              <a:shade val="15000"/>
-            </a:schemeClr>
-          </a:lnRef>
-          <a:fillRef idx="1">
-            <a:schemeClr val="accent4"/>
-          </a:fillRef>
-          <a:effectRef idx="0">
-            <a:schemeClr val="accent4"/>
-          </a:effectRef>
-          <a:fontRef idx="minor">
-            <a:schemeClr val="lt1"/>
-          </a:fontRef>
-        </p:style>
-        <p:txBody>
-          <a:bodyPr wrap="none" rtlCol="0">
-            <a:spAutoFit/>
-          </a:bodyPr>
-          <a:lstStyle/>
-          <a:p>
-            <a:r>
-              <a:rPr lang="en-US" altLang="ko-KR" sz="1500" dirty="0">
-                <a:solidFill>
-                  <a:schemeClr val="tx1"/>
-                </a:solidFill>
-              </a:rPr>
               <a:t>2</a:t>
             </a:r>
             <a:endParaRPr lang="ko-KR" altLang="en-US" sz="1500" dirty="0">
@@ -11051,65 +10125,6 @@
           </a:p>
         </p:txBody>
       </p:sp>
-      <p:sp>
-        <p:nvSpPr>
-          <p:cNvPr id="118" name="TextBox 117">
-            <a:extLst>
-              <a:ext uri="{FF2B5EF4-FFF2-40B4-BE49-F238E27FC236}">
-                <a16:creationId xmlns:a16="http://schemas.microsoft.com/office/drawing/2014/main" id="{E09E7382-15B9-1B4D-5370-1633A8949496}"/>
-              </a:ext>
-            </a:extLst>
-          </p:cNvPr>
-          <p:cNvSpPr txBox="1"/>
-          <p:nvPr/>
-        </p:nvSpPr>
-        <p:spPr>
-          <a:xfrm>
-            <a:off x="286030" y="3823978"/>
-            <a:ext cx="290464" cy="323165"/>
-          </a:xfrm>
-          <a:prstGeom prst="rect">
-            <a:avLst/>
-          </a:prstGeom>
-        </p:spPr>
-        <p:style>
-          <a:lnRef idx="2">
-            <a:schemeClr val="accent4">
-              <a:shade val="15000"/>
-            </a:schemeClr>
-          </a:lnRef>
-          <a:fillRef idx="1">
-            <a:schemeClr val="accent4"/>
-          </a:fillRef>
-          <a:effectRef idx="0">
-            <a:schemeClr val="accent4"/>
-          </a:effectRef>
-          <a:fontRef idx="minor">
-            <a:schemeClr val="lt1"/>
-          </a:fontRef>
-        </p:style>
-        <p:txBody>
-          <a:bodyPr wrap="none" rtlCol="0">
-            <a:spAutoFit/>
-          </a:bodyPr>
-          <a:lstStyle/>
-          <a:p>
-            <a:r>
-              <a:rPr lang="en-US" altLang="ko-KR" sz="1500" dirty="0">
-                <a:solidFill>
-                  <a:schemeClr val="tx1"/>
-                </a:solidFill>
-              </a:rPr>
-              <a:t>2</a:t>
-            </a:r>
-            <a:endParaRPr lang="ko-KR" altLang="en-US" sz="1500" dirty="0">
-              <a:solidFill>
-                <a:schemeClr val="tx1"/>
-              </a:solidFill>
-            </a:endParaRPr>
-          </a:p>
-        </p:txBody>
-      </p:sp>
       <p:grpSp>
         <p:nvGrpSpPr>
           <p:cNvPr id="14" name="Group 5" descr="Region group.">
@@ -11124,10 +10139,10 @@
         </p:nvGrpSpPr>
         <p:grpSpPr>
           <a:xfrm>
-            <a:off x="3620769" y="1800343"/>
-            <a:ext cx="5898184" cy="2384306"/>
-            <a:chOff x="4215623" y="1512745"/>
-            <a:chExt cx="5898184" cy="2384306"/>
+            <a:off x="3420916" y="1324791"/>
+            <a:ext cx="5899771" cy="2390656"/>
+            <a:chOff x="4214036" y="1506395"/>
+            <a:chExt cx="5899771" cy="2390656"/>
           </a:xfrm>
         </p:grpSpPr>
         <p:sp>
@@ -11151,11 +10166,11 @@
               <a:avLst/>
             </a:prstGeom>
             <a:noFill/>
-            <a:ln w="15875">
+            <a:ln w="12700">
               <a:solidFill>
                 <a:srgbClr val="00A4A6"/>
               </a:solidFill>
-              <a:prstDash val="sysDash"/>
+              <a:prstDash val="dash"/>
             </a:ln>
           </p:spPr>
           <p:style>
@@ -11215,10 +10230,10 @@
             <p:nvPr/>
           </p:nvPicPr>
           <p:blipFill>
-            <a:blip r:embed="rId14">
+            <a:blip r:embed="rId12">
               <a:extLst>
                 <a:ext uri="{96DAC541-7B7A-43D3-8B79-37D633B846F1}">
-                  <asvg:svgBlip xmlns:asvg="http://schemas.microsoft.com/office/drawing/2016/SVG/main" r:embed="rId15"/>
+                  <asvg:svgBlip xmlns:asvg="http://schemas.microsoft.com/office/drawing/2016/SVG/main" r:embed="rId13"/>
                 </a:ext>
               </a:extLst>
             </a:blip>
@@ -11227,7 +10242,7 @@
           </p:blipFill>
           <p:spPr>
             <a:xfrm>
-              <a:off x="4215623" y="1512745"/>
+              <a:off x="4214036" y="1506395"/>
               <a:ext cx="381000" cy="381000"/>
             </a:xfrm>
             <a:prstGeom prst="rect">
@@ -11250,7 +10265,7 @@
         </p:nvGrpSpPr>
         <p:grpSpPr>
           <a:xfrm>
-            <a:off x="5194497" y="2767578"/>
+            <a:off x="5695193" y="2296742"/>
             <a:ext cx="722695" cy="640788"/>
             <a:chOff x="777009" y="4816476"/>
             <a:chExt cx="1683617" cy="1492803"/>
@@ -11271,7 +10286,7 @@
             <p:nvPr/>
           </p:nvPicPr>
           <p:blipFill rotWithShape="1">
-            <a:blip r:embed="rId16">
+            <a:blip r:embed="rId14">
               <a:extLst>
                 <a:ext uri="{28A0092B-C50C-407E-A947-70E740481C1C}">
                   <a14:useLocalDpi xmlns:a14="http://schemas.microsoft.com/office/drawing/2010/main" val="0"/>
@@ -11306,7 +10321,7 @@
             <p:nvPr/>
           </p:nvPicPr>
           <p:blipFill rotWithShape="1">
-            <a:blip r:embed="rId16">
+            <a:blip r:embed="rId14">
               <a:extLst>
                 <a:ext uri="{28A0092B-C50C-407E-A947-70E740481C1C}">
                   <a14:useLocalDpi xmlns:a14="http://schemas.microsoft.com/office/drawing/2010/main" val="0"/>
@@ -11342,10 +10357,10 @@
           <p:nvPr/>
         </p:nvPicPr>
         <p:blipFill>
-          <a:blip r:embed="rId17">
+          <a:blip r:embed="rId15">
             <a:extLst>
               <a:ext uri="{96DAC541-7B7A-43D3-8B79-37D633B846F1}">
-                <asvg:svgBlip xmlns:asvg="http://schemas.microsoft.com/office/drawing/2016/SVG/main" r:embed="rId18"/>
+                <asvg:svgBlip xmlns:asvg="http://schemas.microsoft.com/office/drawing/2016/SVG/main" r:embed="rId16"/>
               </a:ext>
             </a:extLst>
           </a:blip>
@@ -11354,7 +10369,7 @@
         </p:blipFill>
         <p:spPr>
           <a:xfrm>
-            <a:off x="4081680" y="2224682"/>
+            <a:off x="3883414" y="1753099"/>
             <a:ext cx="381000" cy="381000"/>
           </a:xfrm>
           <a:prstGeom prst="rect">
@@ -11377,7 +10392,7 @@
           <p:nvPr/>
         </p:nvPicPr>
         <p:blipFill>
-          <a:blip r:embed="rId19">
+          <a:blip r:embed="rId17">
             <a:extLst>
               <a:ext uri="{28A0092B-C50C-407E-A947-70E740481C1C}">
                 <a14:useLocalDpi xmlns:a14="http://schemas.microsoft.com/office/drawing/2010/main" val="0"/>
@@ -11390,8 +10405,8 @@
         </p:blipFill>
         <p:spPr>
           <a:xfrm>
-            <a:off x="6121685" y="2625589"/>
-            <a:ext cx="2075537" cy="748654"/>
+            <a:off x="6373153" y="2486374"/>
+            <a:ext cx="1912481" cy="689839"/>
           </a:xfrm>
           <a:prstGeom prst="rect">
             <a:avLst/>
@@ -11413,7 +10428,7 @@
           <p:nvPr/>
         </p:nvPicPr>
         <p:blipFill rotWithShape="1">
-          <a:blip r:embed="rId20">
+          <a:blip r:embed="rId18">
             <a:extLst>
               <a:ext uri="{28A0092B-C50C-407E-A947-70E740481C1C}">
                 <a14:useLocalDpi xmlns:a14="http://schemas.microsoft.com/office/drawing/2010/main" val="0"/>
@@ -11425,7 +10440,7 @@
         </p:blipFill>
         <p:spPr bwMode="auto">
           <a:xfrm>
-            <a:off x="6413407" y="2387816"/>
+            <a:off x="6538100" y="2239814"/>
             <a:ext cx="1582588" cy="482578"/>
           </a:xfrm>
           <a:prstGeom prst="rect">
@@ -11443,6 +10458,2139 @@
           </a:extLst>
         </p:spPr>
       </p:pic>
+      <p:grpSp>
+        <p:nvGrpSpPr>
+          <p:cNvPr id="20" name="그룹 19">
+            <a:extLst>
+              <a:ext uri="{FF2B5EF4-FFF2-40B4-BE49-F238E27FC236}">
+                <a16:creationId xmlns:a16="http://schemas.microsoft.com/office/drawing/2014/main" id="{BA950A9F-AD6C-51C2-3473-6F1027AD4822}"/>
+              </a:ext>
+            </a:extLst>
+          </p:cNvPr>
+          <p:cNvGrpSpPr/>
+          <p:nvPr/>
+        </p:nvGrpSpPr>
+        <p:grpSpPr>
+          <a:xfrm>
+            <a:off x="5669920" y="537177"/>
+            <a:ext cx="1403350" cy="734199"/>
+            <a:chOff x="5730650" y="914126"/>
+            <a:chExt cx="1403350" cy="734199"/>
+          </a:xfrm>
+        </p:grpSpPr>
+        <p:sp>
+          <p:nvSpPr>
+            <p:cNvPr id="10" name="background">
+              <a:extLst>
+                <a:ext uri="{FF2B5EF4-FFF2-40B4-BE49-F238E27FC236}">
+                  <a16:creationId xmlns:a16="http://schemas.microsoft.com/office/drawing/2014/main" id="{6DC7C872-C0C3-D281-777E-8960CDF60AAC}"/>
+                </a:ext>
+                <a:ext uri="{C183D7F6-B498-43B3-948B-1728B52AA6E4}">
+                  <adec:decorative xmlns:adec="http://schemas.microsoft.com/office/drawing/2017/decorative" val="1"/>
+                </a:ext>
+              </a:extLst>
+            </p:cNvPr>
+            <p:cNvSpPr/>
+            <p:nvPr/>
+          </p:nvSpPr>
+          <p:spPr>
+            <a:xfrm>
+              <a:off x="6221835" y="927519"/>
+              <a:ext cx="413413" cy="421496"/>
+            </a:xfrm>
+            <a:prstGeom prst="ellipse">
+              <a:avLst/>
+            </a:prstGeom>
+            <a:solidFill>
+              <a:schemeClr val="bg1"/>
+            </a:solidFill>
+            <a:ln>
+              <a:noFill/>
+            </a:ln>
+          </p:spPr>
+          <p:style>
+            <a:lnRef idx="2">
+              <a:schemeClr val="accent1">
+                <a:shade val="50000"/>
+              </a:schemeClr>
+            </a:lnRef>
+            <a:fillRef idx="1">
+              <a:schemeClr val="accent1"/>
+            </a:fillRef>
+            <a:effectRef idx="0">
+              <a:schemeClr val="accent1"/>
+            </a:effectRef>
+            <a:fontRef idx="minor">
+              <a:schemeClr val="lt1"/>
+            </a:fontRef>
+          </p:style>
+          <p:txBody>
+            <a:bodyPr rtlCol="0" anchor="ctr"/>
+            <a:lstStyle/>
+            <a:p>
+              <a:pPr algn="ctr"/>
+              <a:endParaRPr lang="en-US"/>
+            </a:p>
+          </p:txBody>
+        </p:sp>
+        <p:grpSp>
+          <p:nvGrpSpPr>
+            <p:cNvPr id="13" name="Group 5" descr="Internet gateway service icon on VPC container.">
+              <a:extLst>
+                <a:ext uri="{FF2B5EF4-FFF2-40B4-BE49-F238E27FC236}">
+                  <a16:creationId xmlns:a16="http://schemas.microsoft.com/office/drawing/2014/main" id="{2D5A2515-AFB2-D3E5-F912-AB75EFCA0478}"/>
+                </a:ext>
+              </a:extLst>
+            </p:cNvPr>
+            <p:cNvGrpSpPr/>
+            <p:nvPr/>
+          </p:nvGrpSpPr>
+          <p:grpSpPr>
+            <a:xfrm>
+              <a:off x="5730650" y="914126"/>
+              <a:ext cx="1403350" cy="734199"/>
+              <a:chOff x="7328508" y="1855841"/>
+              <a:chExt cx="1403350" cy="734199"/>
+            </a:xfrm>
+          </p:grpSpPr>
+          <p:pic>
+            <p:nvPicPr>
+              <p:cNvPr id="17" name="Graphic 10" descr="Internet gateway resource icon for the Amazon VPC service.">
+                <a:extLst>
+                  <a:ext uri="{FF2B5EF4-FFF2-40B4-BE49-F238E27FC236}">
+                    <a16:creationId xmlns:a16="http://schemas.microsoft.com/office/drawing/2014/main" id="{160AAE6C-940A-33DF-0A79-DBE3B38EACF4}"/>
+                  </a:ext>
+                </a:extLst>
+              </p:cNvPr>
+              <p:cNvPicPr>
+                <a:picLocks noChangeAspect="1" noChangeArrowheads="1"/>
+              </p:cNvPicPr>
+              <p:nvPr/>
+            </p:nvPicPr>
+            <p:blipFill>
+              <a:blip r:embed="rId19">
+                <a:extLst>
+                  <a:ext uri="{96DAC541-7B7A-43D3-8B79-37D633B846F1}">
+                    <asvg:svgBlip xmlns:asvg="http://schemas.microsoft.com/office/drawing/2016/SVG/main" r:embed="rId20"/>
+                  </a:ext>
+                </a:extLst>
+              </a:blip>
+              <a:srcRect/>
+              <a:stretch/>
+            </p:blipFill>
+            <p:spPr bwMode="auto">
+              <a:xfrm>
+                <a:off x="7799044" y="1855841"/>
+                <a:ext cx="457200" cy="457200"/>
+              </a:xfrm>
+              <a:prstGeom prst="rect">
+                <a:avLst/>
+              </a:prstGeom>
+              <a:noFill/>
+              <a:ln>
+                <a:noFill/>
+              </a:ln>
+              <a:extLst>
+                <a:ext uri="{909E8E84-426E-40DD-AFC4-6F175D3DCCD1}">
+                  <a14:hiddenFill xmlns:a14="http://schemas.microsoft.com/office/drawing/2010/main">
+                    <a:solidFill>
+                      <a:srgbClr val="FFFFFF"/>
+                    </a:solidFill>
+                  </a14:hiddenFill>
+                </a:ext>
+                <a:ext uri="{91240B29-F687-4F45-9708-019B960494DF}">
+                  <a14:hiddenLine xmlns:a14="http://schemas.microsoft.com/office/drawing/2010/main" w="9525">
+                    <a:solidFill>
+                      <a:srgbClr val="000000"/>
+                    </a:solidFill>
+                    <a:miter lim="800000"/>
+                    <a:headEnd/>
+                    <a:tailEnd/>
+                  </a14:hiddenLine>
+                </a:ext>
+              </a:extLst>
+            </p:spPr>
+          </p:pic>
+          <p:sp>
+            <p:nvSpPr>
+              <p:cNvPr id="18" name="TextBox 12">
+                <a:extLst>
+                  <a:ext uri="{FF2B5EF4-FFF2-40B4-BE49-F238E27FC236}">
+                    <a16:creationId xmlns:a16="http://schemas.microsoft.com/office/drawing/2014/main" id="{78242EA7-7D76-3817-0232-AF186A00193B}"/>
+                  </a:ext>
+                </a:extLst>
+              </p:cNvPr>
+              <p:cNvSpPr txBox="1">
+                <a:spLocks noChangeArrowheads="1"/>
+              </p:cNvSpPr>
+              <p:nvPr/>
+            </p:nvSpPr>
+            <p:spPr bwMode="auto">
+              <a:xfrm>
+                <a:off x="7328508" y="2313041"/>
+                <a:ext cx="1403350" cy="276999"/>
+              </a:xfrm>
+              <a:prstGeom prst="rect">
+                <a:avLst/>
+              </a:prstGeom>
+              <a:noFill/>
+              <a:ln>
+                <a:noFill/>
+              </a:ln>
+              <a:extLst>
+                <a:ext uri="{909E8E84-426E-40DD-AFC4-6F175D3DCCD1}">
+                  <a14:hiddenFill xmlns:a14="http://schemas.microsoft.com/office/drawing/2010/main">
+                    <a:solidFill>
+                      <a:srgbClr val="FFFFFF"/>
+                    </a:solidFill>
+                  </a14:hiddenFill>
+                </a:ext>
+                <a:ext uri="{91240B29-F687-4F45-9708-019B960494DF}">
+                  <a14:hiddenLine xmlns:a14="http://schemas.microsoft.com/office/drawing/2010/main" w="9525">
+                    <a:solidFill>
+                      <a:srgbClr val="000000"/>
+                    </a:solidFill>
+                    <a:miter lim="800000"/>
+                    <a:headEnd/>
+                    <a:tailEnd/>
+                  </a14:hiddenLine>
+                </a:ext>
+              </a:extLst>
+            </p:spPr>
+            <p:txBody>
+              <a:bodyPr>
+                <a:spAutoFit/>
+              </a:bodyPr>
+              <a:lstStyle>
+                <a:lvl1pPr>
+                  <a:defRPr>
+                    <a:solidFill>
+                      <a:schemeClr val="tx1"/>
+                    </a:solidFill>
+                    <a:latin typeface="Calibri" panose="020F0502020204030204" pitchFamily="34" charset="0"/>
+                  </a:defRPr>
+                </a:lvl1pPr>
+                <a:lvl2pPr marL="742950" indent="-285750">
+                  <a:defRPr>
+                    <a:solidFill>
+                      <a:schemeClr val="tx1"/>
+                    </a:solidFill>
+                    <a:latin typeface="Calibri" panose="020F0502020204030204" pitchFamily="34" charset="0"/>
+                  </a:defRPr>
+                </a:lvl2pPr>
+                <a:lvl3pPr marL="1143000" indent="-228600">
+                  <a:defRPr>
+                    <a:solidFill>
+                      <a:schemeClr val="tx1"/>
+                    </a:solidFill>
+                    <a:latin typeface="Calibri" panose="020F0502020204030204" pitchFamily="34" charset="0"/>
+                  </a:defRPr>
+                </a:lvl3pPr>
+                <a:lvl4pPr marL="1600200" indent="-228600">
+                  <a:defRPr>
+                    <a:solidFill>
+                      <a:schemeClr val="tx1"/>
+                    </a:solidFill>
+                    <a:latin typeface="Calibri" panose="020F0502020204030204" pitchFamily="34" charset="0"/>
+                  </a:defRPr>
+                </a:lvl4pPr>
+                <a:lvl5pPr marL="2057400" indent="-228600">
+                  <a:defRPr>
+                    <a:solidFill>
+                      <a:schemeClr val="tx1"/>
+                    </a:solidFill>
+                    <a:latin typeface="Calibri" panose="020F0502020204030204" pitchFamily="34" charset="0"/>
+                  </a:defRPr>
+                </a:lvl5pPr>
+                <a:lvl6pPr marL="2514600" indent="-228600" eaLnBrk="0" fontAlgn="base" hangingPunct="0">
+                  <a:spcBef>
+                    <a:spcPct val="0"/>
+                  </a:spcBef>
+                  <a:spcAft>
+                    <a:spcPct val="0"/>
+                  </a:spcAft>
+                  <a:defRPr>
+                    <a:solidFill>
+                      <a:schemeClr val="tx1"/>
+                    </a:solidFill>
+                    <a:latin typeface="Calibri" panose="020F0502020204030204" pitchFamily="34" charset="0"/>
+                  </a:defRPr>
+                </a:lvl6pPr>
+                <a:lvl7pPr marL="2971800" indent="-228600" eaLnBrk="0" fontAlgn="base" hangingPunct="0">
+                  <a:spcBef>
+                    <a:spcPct val="0"/>
+                  </a:spcBef>
+                  <a:spcAft>
+                    <a:spcPct val="0"/>
+                  </a:spcAft>
+                  <a:defRPr>
+                    <a:solidFill>
+                      <a:schemeClr val="tx1"/>
+                    </a:solidFill>
+                    <a:latin typeface="Calibri" panose="020F0502020204030204" pitchFamily="34" charset="0"/>
+                  </a:defRPr>
+                </a:lvl7pPr>
+                <a:lvl8pPr marL="3429000" indent="-228600" eaLnBrk="0" fontAlgn="base" hangingPunct="0">
+                  <a:spcBef>
+                    <a:spcPct val="0"/>
+                  </a:spcBef>
+                  <a:spcAft>
+                    <a:spcPct val="0"/>
+                  </a:spcAft>
+                  <a:defRPr>
+                    <a:solidFill>
+                      <a:schemeClr val="tx1"/>
+                    </a:solidFill>
+                    <a:latin typeface="Calibri" panose="020F0502020204030204" pitchFamily="34" charset="0"/>
+                  </a:defRPr>
+                </a:lvl8pPr>
+                <a:lvl9pPr marL="3886200" indent="-228600" eaLnBrk="0" fontAlgn="base" hangingPunct="0">
+                  <a:spcBef>
+                    <a:spcPct val="0"/>
+                  </a:spcBef>
+                  <a:spcAft>
+                    <a:spcPct val="0"/>
+                  </a:spcAft>
+                  <a:defRPr>
+                    <a:solidFill>
+                      <a:schemeClr val="tx1"/>
+                    </a:solidFill>
+                    <a:latin typeface="Calibri" panose="020F0502020204030204" pitchFamily="34" charset="0"/>
+                  </a:defRPr>
+                </a:lvl9pPr>
+              </a:lstStyle>
+              <a:p>
+                <a:pPr algn="ctr" eaLnBrk="1" hangingPunct="1"/>
+                <a:r>
+                  <a:rPr lang="en-US" altLang="en-US" sz="1200" dirty="0">
+                    <a:latin typeface="Arial" panose="020B0604020202020204" pitchFamily="34" charset="0"/>
+                    <a:ea typeface="Amazon Ember" panose="020B0603020204020204" pitchFamily="34" charset="0"/>
+                    <a:cs typeface="Arial" panose="020B0604020202020204" pitchFamily="34" charset="0"/>
+                  </a:rPr>
+                  <a:t>Internet gateway</a:t>
+                </a:r>
+              </a:p>
+            </p:txBody>
+          </p:sp>
+        </p:grpSp>
+      </p:grpSp>
+      <p:pic>
+        <p:nvPicPr>
+          <p:cNvPr id="19" name="Graphic 46" descr="Instance instance icon for the Amazon EC2 service.">
+            <a:extLst>
+              <a:ext uri="{FF2B5EF4-FFF2-40B4-BE49-F238E27FC236}">
+                <a16:creationId xmlns:a16="http://schemas.microsoft.com/office/drawing/2014/main" id="{62085753-DD38-4579-5901-C535C2B4CAAD}"/>
+              </a:ext>
+            </a:extLst>
+          </p:cNvPr>
+          <p:cNvPicPr>
+            <a:picLocks noChangeAspect="1"/>
+          </p:cNvPicPr>
+          <p:nvPr/>
+        </p:nvPicPr>
+        <p:blipFill>
+          <a:blip r:embed="rId21">
+            <a:extLst>
+              <a:ext uri="{96DAC541-7B7A-43D3-8B79-37D633B846F1}">
+                <asvg:svgBlip xmlns:asvg="http://schemas.microsoft.com/office/drawing/2016/SVG/main" r:embed="rId22"/>
+              </a:ext>
+            </a:extLst>
+          </a:blip>
+          <a:stretch>
+            <a:fillRect/>
+          </a:stretch>
+        </p:blipFill>
+        <p:spPr>
+          <a:xfrm>
+            <a:off x="4943919" y="2248135"/>
+            <a:ext cx="705600" cy="705600"/>
+          </a:xfrm>
+          <a:prstGeom prst="rect">
+            <a:avLst/>
+          </a:prstGeom>
+        </p:spPr>
+      </p:pic>
+      <p:cxnSp>
+        <p:nvCxnSpPr>
+          <p:cNvPr id="36" name="직선 화살표 연결선 35">
+            <a:extLst>
+              <a:ext uri="{FF2B5EF4-FFF2-40B4-BE49-F238E27FC236}">
+                <a16:creationId xmlns:a16="http://schemas.microsoft.com/office/drawing/2014/main" id="{03F92505-CFA9-6903-CF98-0E1CD873B462}"/>
+              </a:ext>
+            </a:extLst>
+          </p:cNvPr>
+          <p:cNvCxnSpPr>
+            <a:cxnSpLocks/>
+          </p:cNvCxnSpPr>
+          <p:nvPr/>
+        </p:nvCxnSpPr>
+        <p:spPr>
+          <a:xfrm>
+            <a:off x="5305217" y="3246598"/>
+            <a:ext cx="0" cy="1033731"/>
+          </a:xfrm>
+          <a:prstGeom prst="straightConnector1">
+            <a:avLst/>
+          </a:prstGeom>
+          <a:ln w="19050">
+            <a:solidFill>
+              <a:srgbClr val="7AA116"/>
+            </a:solidFill>
+            <a:tailEnd type="triangle"/>
+          </a:ln>
+        </p:spPr>
+        <p:style>
+          <a:lnRef idx="1">
+            <a:schemeClr val="accent1"/>
+          </a:lnRef>
+          <a:fillRef idx="0">
+            <a:schemeClr val="accent1"/>
+          </a:fillRef>
+          <a:effectRef idx="0">
+            <a:schemeClr val="accent1"/>
+          </a:effectRef>
+          <a:fontRef idx="minor">
+            <a:schemeClr val="tx1"/>
+          </a:fontRef>
+        </p:style>
+      </p:cxnSp>
+      <p:cxnSp>
+        <p:nvCxnSpPr>
+          <p:cNvPr id="40" name="직선 화살표 연결선 39">
+            <a:extLst>
+              <a:ext uri="{FF2B5EF4-FFF2-40B4-BE49-F238E27FC236}">
+                <a16:creationId xmlns:a16="http://schemas.microsoft.com/office/drawing/2014/main" id="{866A3A3D-4305-2133-5393-C17F95C0E33D}"/>
+              </a:ext>
+            </a:extLst>
+          </p:cNvPr>
+          <p:cNvCxnSpPr>
+            <a:cxnSpLocks/>
+            <a:stCxn id="48" idx="3"/>
+            <a:endCxn id="4" idx="1"/>
+          </p:cNvCxnSpPr>
+          <p:nvPr/>
+        </p:nvCxnSpPr>
+        <p:spPr>
+          <a:xfrm flipV="1">
+            <a:off x="5660896" y="4449421"/>
+            <a:ext cx="951323" cy="3673"/>
+          </a:xfrm>
+          <a:prstGeom prst="straightConnector1">
+            <a:avLst/>
+          </a:prstGeom>
+          <a:ln w="19050">
+            <a:solidFill>
+              <a:schemeClr val="accent6"/>
+            </a:solidFill>
+            <a:tailEnd type="triangle"/>
+          </a:ln>
+        </p:spPr>
+        <p:style>
+          <a:lnRef idx="1">
+            <a:schemeClr val="accent1"/>
+          </a:lnRef>
+          <a:fillRef idx="0">
+            <a:schemeClr val="accent1"/>
+          </a:fillRef>
+          <a:effectRef idx="0">
+            <a:schemeClr val="accent1"/>
+          </a:effectRef>
+          <a:fontRef idx="minor">
+            <a:schemeClr val="tx1"/>
+          </a:fontRef>
+        </p:style>
+      </p:cxnSp>
+      <p:grpSp>
+        <p:nvGrpSpPr>
+          <p:cNvPr id="59" name="그룹 58">
+            <a:extLst>
+              <a:ext uri="{FF2B5EF4-FFF2-40B4-BE49-F238E27FC236}">
+                <a16:creationId xmlns:a16="http://schemas.microsoft.com/office/drawing/2014/main" id="{D57DDEF0-5154-7EAA-67A3-129550B294F4}"/>
+              </a:ext>
+            </a:extLst>
+          </p:cNvPr>
+          <p:cNvGrpSpPr/>
+          <p:nvPr/>
+        </p:nvGrpSpPr>
+        <p:grpSpPr>
+          <a:xfrm>
+            <a:off x="10400770" y="2212644"/>
+            <a:ext cx="1506538" cy="689870"/>
+            <a:chOff x="634119" y="3078325"/>
+            <a:chExt cx="1506538" cy="689870"/>
+          </a:xfrm>
+        </p:grpSpPr>
+        <p:pic>
+          <p:nvPicPr>
+            <p:cNvPr id="60" name="Graphic 6" descr="General resource icon.">
+              <a:extLst>
+                <a:ext uri="{FF2B5EF4-FFF2-40B4-BE49-F238E27FC236}">
+                  <a16:creationId xmlns:a16="http://schemas.microsoft.com/office/drawing/2014/main" id="{876E61A6-216C-75C1-B473-3DDDFE12435F}"/>
+                </a:ext>
+              </a:extLst>
+            </p:cNvPr>
+            <p:cNvPicPr>
+              <a:picLocks noChangeAspect="1" noChangeArrowheads="1"/>
+            </p:cNvPicPr>
+            <p:nvPr/>
+          </p:nvPicPr>
+          <p:blipFill rotWithShape="1">
+            <a:blip r:embed="rId2"/>
+            <a:srcRect/>
+            <a:stretch>
+              <a:fillRect/>
+            </a:stretch>
+          </p:blipFill>
+          <p:spPr>
+            <a:xfrm flipH="1">
+              <a:off x="1147583" y="3078325"/>
+              <a:ext cx="469900" cy="469900"/>
+            </a:xfrm>
+            <a:prstGeom prst="rect">
+              <a:avLst/>
+            </a:prstGeom>
+            <a:noFill/>
+            <a:ln>
+              <a:noFill/>
+            </a:ln>
+          </p:spPr>
+        </p:pic>
+        <p:sp>
+          <p:nvSpPr>
+            <p:cNvPr id="62" name="label6">
+              <a:extLst>
+                <a:ext uri="{FF2B5EF4-FFF2-40B4-BE49-F238E27FC236}">
+                  <a16:creationId xmlns:a16="http://schemas.microsoft.com/office/drawing/2014/main" id="{59694468-C07D-991F-6EDC-4F8AA3B4AE5E}"/>
+                </a:ext>
+              </a:extLst>
+            </p:cNvPr>
+            <p:cNvSpPr txBox="1">
+              <a:spLocks noChangeArrowheads="1"/>
+            </p:cNvSpPr>
+            <p:nvPr/>
+          </p:nvSpPr>
+          <p:spPr>
+            <a:xfrm>
+              <a:off x="634119" y="3491196"/>
+              <a:ext cx="1506538" cy="276999"/>
+            </a:xfrm>
+            <a:prstGeom prst="rect">
+              <a:avLst/>
+            </a:prstGeom>
+            <a:noFill/>
+            <a:ln>
+              <a:noFill/>
+            </a:ln>
+          </p:spPr>
+          <p:txBody>
+            <a:bodyPr>
+              <a:spAutoFit/>
+            </a:bodyPr>
+            <a:lstStyle>
+              <a:lvl1pPr marL="0" indent="0">
+                <a:lnSpc>
+                  <a:spcPct val="100000"/>
+                </a:lnSpc>
+                <a:spcBef>
+                  <a:spcPct val="0"/>
+                </a:spcBef>
+                <a:spcAft>
+                  <a:spcPts val="0"/>
+                </a:spcAft>
+                <a:defRPr kumimoji="0" sz="1800" b="0" i="0" u="none" strike="noStrike" kern="0" cap="none" spc="0" normalizeH="0" baseline="0">
+                  <a:solidFill>
+                    <a:schemeClr val="tx1"/>
+                  </a:solidFill>
+                  <a:latin typeface="Calibri"/>
+                </a:defRPr>
+              </a:lvl1pPr>
+            </a:lstStyle>
+            <a:p>
+              <a:pPr algn="ctr" eaLnBrk="1" hangingPunct="1">
+                <a:defRPr/>
+              </a:pPr>
+              <a:r>
+                <a:rPr lang="en-US" altLang="en-US" sz="1200" dirty="0">
+                  <a:latin typeface="Arial"/>
+                  <a:cs typeface="Arial"/>
+                </a:rPr>
+                <a:t>Developers</a:t>
+              </a:r>
+            </a:p>
+          </p:txBody>
+        </p:sp>
+      </p:grpSp>
+      <p:cxnSp>
+        <p:nvCxnSpPr>
+          <p:cNvPr id="64" name="연결선: 꺾임 63">
+            <a:extLst>
+              <a:ext uri="{FF2B5EF4-FFF2-40B4-BE49-F238E27FC236}">
+                <a16:creationId xmlns:a16="http://schemas.microsoft.com/office/drawing/2014/main" id="{DA22F451-9BBC-ABDA-A451-AC68CFF8E421}"/>
+              </a:ext>
+            </a:extLst>
+          </p:cNvPr>
+          <p:cNvCxnSpPr>
+            <a:cxnSpLocks/>
+            <a:stCxn id="62" idx="2"/>
+            <a:endCxn id="50" idx="3"/>
+          </p:cNvCxnSpPr>
+          <p:nvPr/>
+        </p:nvCxnSpPr>
+        <p:spPr>
+          <a:xfrm rot="5400000">
+            <a:off x="8563094" y="3327327"/>
+            <a:ext cx="3015758" cy="2166133"/>
+          </a:xfrm>
+          <a:prstGeom prst="bentConnector2">
+            <a:avLst/>
+          </a:prstGeom>
+          <a:ln w="19050">
+            <a:solidFill>
+              <a:srgbClr val="FFC000"/>
+            </a:solidFill>
+            <a:prstDash val="sysDash"/>
+            <a:tailEnd type="triangle"/>
+          </a:ln>
+        </p:spPr>
+        <p:style>
+          <a:lnRef idx="1">
+            <a:schemeClr val="accent1"/>
+          </a:lnRef>
+          <a:fillRef idx="0">
+            <a:schemeClr val="accent1"/>
+          </a:fillRef>
+          <a:effectRef idx="0">
+            <a:schemeClr val="accent1"/>
+          </a:effectRef>
+          <a:fontRef idx="minor">
+            <a:schemeClr val="tx1"/>
+          </a:fontRef>
+        </p:style>
+      </p:cxnSp>
+      <p:cxnSp>
+        <p:nvCxnSpPr>
+          <p:cNvPr id="66" name="직선 화살표 연결선 65">
+            <a:extLst>
+              <a:ext uri="{FF2B5EF4-FFF2-40B4-BE49-F238E27FC236}">
+                <a16:creationId xmlns:a16="http://schemas.microsoft.com/office/drawing/2014/main" id="{5A1F197A-EC52-DFC0-524F-AF1DBE7B5FB9}"/>
+              </a:ext>
+            </a:extLst>
+          </p:cNvPr>
+          <p:cNvCxnSpPr>
+            <a:cxnSpLocks/>
+          </p:cNvCxnSpPr>
+          <p:nvPr/>
+        </p:nvCxnSpPr>
+        <p:spPr>
+          <a:xfrm flipH="1">
+            <a:off x="8772588" y="2447594"/>
+            <a:ext cx="1996440" cy="0"/>
+          </a:xfrm>
+          <a:prstGeom prst="straightConnector1">
+            <a:avLst/>
+          </a:prstGeom>
+          <a:ln w="19050">
+            <a:solidFill>
+              <a:srgbClr val="FFC000"/>
+            </a:solidFill>
+            <a:prstDash val="sysDash"/>
+            <a:tailEnd type="triangle"/>
+          </a:ln>
+        </p:spPr>
+        <p:style>
+          <a:lnRef idx="1">
+            <a:schemeClr val="accent1"/>
+          </a:lnRef>
+          <a:fillRef idx="0">
+            <a:schemeClr val="accent1"/>
+          </a:fillRef>
+          <a:effectRef idx="0">
+            <a:schemeClr val="accent1"/>
+          </a:effectRef>
+          <a:fontRef idx="minor">
+            <a:schemeClr val="tx1"/>
+          </a:fontRef>
+        </p:style>
+      </p:cxnSp>
+      <p:cxnSp>
+        <p:nvCxnSpPr>
+          <p:cNvPr id="85" name="직선 화살표 연결선 84">
+            <a:extLst>
+              <a:ext uri="{FF2B5EF4-FFF2-40B4-BE49-F238E27FC236}">
+                <a16:creationId xmlns:a16="http://schemas.microsoft.com/office/drawing/2014/main" id="{C59C843E-D607-F67C-5253-91D9EB3E0511}"/>
+              </a:ext>
+            </a:extLst>
+          </p:cNvPr>
+          <p:cNvCxnSpPr>
+            <a:cxnSpLocks/>
+          </p:cNvCxnSpPr>
+          <p:nvPr/>
+        </p:nvCxnSpPr>
+        <p:spPr>
+          <a:xfrm flipH="1">
+            <a:off x="1153251" y="2845255"/>
+            <a:ext cx="2961612" cy="0"/>
+          </a:xfrm>
+          <a:prstGeom prst="straightConnector1">
+            <a:avLst/>
+          </a:prstGeom>
+          <a:ln w="19050">
+            <a:solidFill>
+              <a:srgbClr val="FF0066"/>
+            </a:solidFill>
+            <a:prstDash val="sysDash"/>
+            <a:tailEnd type="triangle"/>
+          </a:ln>
+        </p:spPr>
+        <p:style>
+          <a:lnRef idx="1">
+            <a:schemeClr val="accent1"/>
+          </a:lnRef>
+          <a:fillRef idx="0">
+            <a:schemeClr val="accent1"/>
+          </a:fillRef>
+          <a:effectRef idx="0">
+            <a:schemeClr val="accent1"/>
+          </a:effectRef>
+          <a:fontRef idx="minor">
+            <a:schemeClr val="tx1"/>
+          </a:fontRef>
+        </p:style>
+      </p:cxnSp>
+      <p:cxnSp>
+        <p:nvCxnSpPr>
+          <p:cNvPr id="88" name="직선 화살표 연결선 87">
+            <a:extLst>
+              <a:ext uri="{FF2B5EF4-FFF2-40B4-BE49-F238E27FC236}">
+                <a16:creationId xmlns:a16="http://schemas.microsoft.com/office/drawing/2014/main" id="{D1FB8551-C9BD-9AA4-9325-217BEC678BD7}"/>
+              </a:ext>
+            </a:extLst>
+          </p:cNvPr>
+          <p:cNvCxnSpPr/>
+          <p:nvPr/>
+        </p:nvCxnSpPr>
+        <p:spPr>
+          <a:xfrm>
+            <a:off x="1153251" y="2582411"/>
+            <a:ext cx="2961612" cy="0"/>
+          </a:xfrm>
+          <a:prstGeom prst="straightConnector1">
+            <a:avLst/>
+          </a:prstGeom>
+          <a:ln w="19050">
+            <a:solidFill>
+              <a:srgbClr val="FF0066"/>
+            </a:solidFill>
+            <a:prstDash val="sysDash"/>
+            <a:tailEnd type="triangle"/>
+          </a:ln>
+        </p:spPr>
+        <p:style>
+          <a:lnRef idx="1">
+            <a:schemeClr val="accent1"/>
+          </a:lnRef>
+          <a:fillRef idx="0">
+            <a:schemeClr val="accent1"/>
+          </a:fillRef>
+          <a:effectRef idx="0">
+            <a:schemeClr val="accent1"/>
+          </a:effectRef>
+          <a:fontRef idx="minor">
+            <a:schemeClr val="tx1"/>
+          </a:fontRef>
+        </p:style>
+      </p:cxnSp>
+      <p:sp>
+        <p:nvSpPr>
+          <p:cNvPr id="56" name="label">
+            <a:extLst>
+              <a:ext uri="{FF2B5EF4-FFF2-40B4-BE49-F238E27FC236}">
+                <a16:creationId xmlns:a16="http://schemas.microsoft.com/office/drawing/2014/main" id="{D90A29EC-0622-764A-D92D-F743C57A442B}"/>
+              </a:ext>
+            </a:extLst>
+          </p:cNvPr>
+          <p:cNvSpPr txBox="1">
+            <a:spLocks noChangeArrowheads="1"/>
+          </p:cNvSpPr>
+          <p:nvPr/>
+        </p:nvSpPr>
+        <p:spPr>
+          <a:xfrm>
+            <a:off x="1754470" y="2442673"/>
+            <a:ext cx="966858" cy="246221"/>
+          </a:xfrm>
+          <a:prstGeom prst="rect">
+            <a:avLst/>
+          </a:prstGeom>
+          <a:solidFill>
+            <a:schemeClr val="bg1"/>
+          </a:solidFill>
+          <a:ln>
+            <a:noFill/>
+          </a:ln>
+        </p:spPr>
+        <p:style>
+          <a:lnRef idx="2">
+            <a:schemeClr val="dk1">
+              <a:shade val="15000"/>
+            </a:schemeClr>
+          </a:lnRef>
+          <a:fillRef idx="1">
+            <a:schemeClr val="dk1"/>
+          </a:fillRef>
+          <a:effectRef idx="0">
+            <a:schemeClr val="dk1"/>
+          </a:effectRef>
+          <a:fontRef idx="minor">
+            <a:schemeClr val="lt1"/>
+          </a:fontRef>
+        </p:style>
+        <p:txBody>
+          <a:bodyPr wrap="square">
+            <a:spAutoFit/>
+          </a:bodyPr>
+          <a:lstStyle>
+            <a:lvl1pPr marL="0" indent="0">
+              <a:lnSpc>
+                <a:spcPct val="100000"/>
+              </a:lnSpc>
+              <a:spcBef>
+                <a:spcPct val="0"/>
+              </a:spcBef>
+              <a:spcAft>
+                <a:spcPts val="0"/>
+              </a:spcAft>
+              <a:defRPr kumimoji="0" sz="1800" b="0" i="0" u="none" strike="noStrike" kern="0" cap="none" spc="0" normalizeH="0" baseline="0">
+                <a:solidFill>
+                  <a:schemeClr val="tx1"/>
+                </a:solidFill>
+              </a:defRPr>
+            </a:lvl1pPr>
+          </a:lstStyle>
+          <a:p>
+            <a:pPr algn="ctr" eaLnBrk="1" hangingPunct="1">
+              <a:defRPr/>
+            </a:pPr>
+            <a:r>
+              <a:rPr lang="en-US" altLang="en-US" sz="1000" i="1" dirty="0">
+                <a:latin typeface="Arial"/>
+                <a:cs typeface="Arial"/>
+              </a:rPr>
+              <a:t>Upload Video</a:t>
+            </a:r>
+          </a:p>
+        </p:txBody>
+      </p:sp>
+      <p:sp>
+        <p:nvSpPr>
+          <p:cNvPr id="89" name="label">
+            <a:extLst>
+              <a:ext uri="{FF2B5EF4-FFF2-40B4-BE49-F238E27FC236}">
+                <a16:creationId xmlns:a16="http://schemas.microsoft.com/office/drawing/2014/main" id="{8858637E-80DB-A9BA-1ABA-E4008C3D5D92}"/>
+              </a:ext>
+            </a:extLst>
+          </p:cNvPr>
+          <p:cNvSpPr txBox="1">
+            <a:spLocks noChangeArrowheads="1"/>
+          </p:cNvSpPr>
+          <p:nvPr/>
+        </p:nvSpPr>
+        <p:spPr>
+          <a:xfrm>
+            <a:off x="1673166" y="2722392"/>
+            <a:ext cx="1122905" cy="246221"/>
+          </a:xfrm>
+          <a:prstGeom prst="rect">
+            <a:avLst/>
+          </a:prstGeom>
+          <a:solidFill>
+            <a:schemeClr val="bg1"/>
+          </a:solidFill>
+          <a:ln>
+            <a:noFill/>
+          </a:ln>
+        </p:spPr>
+        <p:style>
+          <a:lnRef idx="2">
+            <a:schemeClr val="dk1">
+              <a:shade val="15000"/>
+            </a:schemeClr>
+          </a:lnRef>
+          <a:fillRef idx="1">
+            <a:schemeClr val="dk1"/>
+          </a:fillRef>
+          <a:effectRef idx="0">
+            <a:schemeClr val="dk1"/>
+          </a:effectRef>
+          <a:fontRef idx="minor">
+            <a:schemeClr val="lt1"/>
+          </a:fontRef>
+        </p:style>
+        <p:txBody>
+          <a:bodyPr wrap="square">
+            <a:spAutoFit/>
+          </a:bodyPr>
+          <a:lstStyle>
+            <a:lvl1pPr marL="0" indent="0">
+              <a:lnSpc>
+                <a:spcPct val="100000"/>
+              </a:lnSpc>
+              <a:spcBef>
+                <a:spcPct val="0"/>
+              </a:spcBef>
+              <a:spcAft>
+                <a:spcPts val="0"/>
+              </a:spcAft>
+              <a:defRPr kumimoji="0" sz="1800" b="0" i="0" u="none" strike="noStrike" kern="0" cap="none" spc="0" normalizeH="0" baseline="0">
+                <a:solidFill>
+                  <a:schemeClr val="tx1"/>
+                </a:solidFill>
+              </a:defRPr>
+            </a:lvl1pPr>
+          </a:lstStyle>
+          <a:p>
+            <a:pPr algn="ctr" eaLnBrk="1" hangingPunct="1">
+              <a:defRPr/>
+            </a:pPr>
+            <a:r>
+              <a:rPr lang="en-US" altLang="en-US" sz="1000" i="1" dirty="0">
+                <a:latin typeface="Arial"/>
+                <a:cs typeface="Arial"/>
+              </a:rPr>
+              <a:t>Analyzed Graph</a:t>
+            </a:r>
+          </a:p>
+        </p:txBody>
+      </p:sp>
+      <p:sp>
+        <p:nvSpPr>
+          <p:cNvPr id="90" name="TextBox 89">
+            <a:extLst>
+              <a:ext uri="{FF2B5EF4-FFF2-40B4-BE49-F238E27FC236}">
+                <a16:creationId xmlns:a16="http://schemas.microsoft.com/office/drawing/2014/main" id="{E0FA139F-CA25-6503-24BD-94738A1A3599}"/>
+              </a:ext>
+            </a:extLst>
+          </p:cNvPr>
+          <p:cNvSpPr txBox="1"/>
+          <p:nvPr/>
+        </p:nvSpPr>
+        <p:spPr>
+          <a:xfrm>
+            <a:off x="1877115" y="2969599"/>
+            <a:ext cx="705642" cy="276999"/>
+          </a:xfrm>
+          <a:prstGeom prst="rect">
+            <a:avLst/>
+          </a:prstGeom>
+          <a:solidFill>
+            <a:srgbClr val="FF0066"/>
+          </a:solidFill>
+        </p:spPr>
+        <p:style>
+          <a:lnRef idx="2">
+            <a:schemeClr val="accent4">
+              <a:shade val="15000"/>
+            </a:schemeClr>
+          </a:lnRef>
+          <a:fillRef idx="1">
+            <a:schemeClr val="accent4"/>
+          </a:fillRef>
+          <a:effectRef idx="0">
+            <a:schemeClr val="accent4"/>
+          </a:effectRef>
+          <a:fontRef idx="minor">
+            <a:schemeClr val="lt1"/>
+          </a:fontRef>
+        </p:style>
+        <p:txBody>
+          <a:bodyPr wrap="none" rtlCol="0">
+            <a:spAutoFit/>
+          </a:bodyPr>
+          <a:lstStyle/>
+          <a:p>
+            <a:r>
+              <a:rPr lang="en-US" altLang="ko-KR" sz="1200" b="1" dirty="0">
+                <a:solidFill>
+                  <a:schemeClr val="bg1"/>
+                </a:solidFill>
+              </a:rPr>
+              <a:t>Output</a:t>
+            </a:r>
+            <a:endParaRPr lang="ko-KR" altLang="en-US" sz="1200" b="1" dirty="0">
+              <a:solidFill>
+                <a:schemeClr val="bg1"/>
+              </a:solidFill>
+            </a:endParaRPr>
+          </a:p>
+        </p:txBody>
+      </p:sp>
+      <p:sp>
+        <p:nvSpPr>
+          <p:cNvPr id="149" name="label">
+            <a:extLst>
+              <a:ext uri="{FF2B5EF4-FFF2-40B4-BE49-F238E27FC236}">
+                <a16:creationId xmlns:a16="http://schemas.microsoft.com/office/drawing/2014/main" id="{BF579B65-B8C7-5FD6-E7FC-FC30C7F55870}"/>
+              </a:ext>
+            </a:extLst>
+          </p:cNvPr>
+          <p:cNvSpPr txBox="1">
+            <a:spLocks noChangeArrowheads="1"/>
+          </p:cNvSpPr>
+          <p:nvPr/>
+        </p:nvSpPr>
+        <p:spPr>
+          <a:xfrm>
+            <a:off x="5795123" y="4329983"/>
+            <a:ext cx="612000" cy="246221"/>
+          </a:xfrm>
+          <a:prstGeom prst="rect">
+            <a:avLst/>
+          </a:prstGeom>
+          <a:solidFill>
+            <a:schemeClr val="bg1"/>
+          </a:solidFill>
+          <a:ln>
+            <a:solidFill>
+              <a:schemeClr val="bg1"/>
+            </a:solidFill>
+          </a:ln>
+        </p:spPr>
+        <p:style>
+          <a:lnRef idx="2">
+            <a:schemeClr val="dk1"/>
+          </a:lnRef>
+          <a:fillRef idx="1">
+            <a:schemeClr val="lt1"/>
+          </a:fillRef>
+          <a:effectRef idx="0">
+            <a:schemeClr val="dk1"/>
+          </a:effectRef>
+          <a:fontRef idx="minor">
+            <a:schemeClr val="dk1"/>
+          </a:fontRef>
+        </p:style>
+        <p:txBody>
+          <a:bodyPr wrap="square">
+            <a:spAutoFit/>
+          </a:bodyPr>
+          <a:lstStyle>
+            <a:lvl1pPr marL="0" indent="0">
+              <a:lnSpc>
+                <a:spcPct val="100000"/>
+              </a:lnSpc>
+              <a:spcBef>
+                <a:spcPct val="0"/>
+              </a:spcBef>
+              <a:spcAft>
+                <a:spcPts val="0"/>
+              </a:spcAft>
+              <a:defRPr kumimoji="0" sz="1800" b="0" i="0" u="none" strike="noStrike" kern="0" cap="none" spc="0" normalizeH="0" baseline="0">
+                <a:solidFill>
+                  <a:schemeClr val="tx1"/>
+                </a:solidFill>
+              </a:defRPr>
+            </a:lvl1pPr>
+          </a:lstStyle>
+          <a:p>
+            <a:pPr algn="ctr" eaLnBrk="1" hangingPunct="1">
+              <a:defRPr/>
+            </a:pPr>
+            <a:r>
+              <a:rPr lang="en-US" altLang="en-US" sz="1000" i="1" dirty="0">
+                <a:latin typeface="Arial"/>
+                <a:cs typeface="Arial"/>
+              </a:rPr>
+              <a:t>Trigger</a:t>
+            </a:r>
+          </a:p>
+        </p:txBody>
+      </p:sp>
+      <p:sp>
+        <p:nvSpPr>
+          <p:cNvPr id="109" name="TextBox 108">
+            <a:extLst>
+              <a:ext uri="{FF2B5EF4-FFF2-40B4-BE49-F238E27FC236}">
+                <a16:creationId xmlns:a16="http://schemas.microsoft.com/office/drawing/2014/main" id="{A65F1836-25F1-4E00-EE20-BC6DAE6E2ED7}"/>
+              </a:ext>
+            </a:extLst>
+          </p:cNvPr>
+          <p:cNvSpPr txBox="1"/>
+          <p:nvPr/>
+        </p:nvSpPr>
+        <p:spPr>
+          <a:xfrm>
+            <a:off x="5089492" y="2444419"/>
+            <a:ext cx="409086" cy="323165"/>
+          </a:xfrm>
+          <a:prstGeom prst="rect">
+            <a:avLst/>
+          </a:prstGeom>
+          <a:noFill/>
+        </p:spPr>
+        <p:txBody>
+          <a:bodyPr wrap="none" rtlCol="0">
+            <a:spAutoFit/>
+          </a:bodyPr>
+          <a:lstStyle/>
+          <a:p>
+            <a:r>
+              <a:rPr lang="en-US" altLang="ko-KR" sz="1500" b="1" dirty="0">
+                <a:solidFill>
+                  <a:srgbClr val="ED7100"/>
+                </a:solidFill>
+              </a:rPr>
+              <a:t>T2</a:t>
+            </a:r>
+            <a:endParaRPr lang="ko-KR" altLang="en-US" sz="1500" b="1" dirty="0">
+              <a:solidFill>
+                <a:srgbClr val="ED7100"/>
+              </a:solidFill>
+            </a:endParaRPr>
+          </a:p>
+        </p:txBody>
+      </p:sp>
+      <p:sp>
+        <p:nvSpPr>
+          <p:cNvPr id="117" name="label">
+            <a:extLst>
+              <a:ext uri="{FF2B5EF4-FFF2-40B4-BE49-F238E27FC236}">
+                <a16:creationId xmlns:a16="http://schemas.microsoft.com/office/drawing/2014/main" id="{B6C5C9AE-ACB7-9719-1663-2CD3F698156A}"/>
+              </a:ext>
+            </a:extLst>
+          </p:cNvPr>
+          <p:cNvSpPr txBox="1">
+            <a:spLocks noChangeArrowheads="1"/>
+          </p:cNvSpPr>
+          <p:nvPr/>
+        </p:nvSpPr>
+        <p:spPr>
+          <a:xfrm>
+            <a:off x="10732265" y="4374731"/>
+            <a:ext cx="833838" cy="553998"/>
+          </a:xfrm>
+          <a:prstGeom prst="rect">
+            <a:avLst/>
+          </a:prstGeom>
+          <a:solidFill>
+            <a:schemeClr val="bg1"/>
+          </a:solidFill>
+          <a:ln>
+            <a:solidFill>
+              <a:schemeClr val="bg1"/>
+            </a:solidFill>
+          </a:ln>
+        </p:spPr>
+        <p:style>
+          <a:lnRef idx="2">
+            <a:schemeClr val="dk1"/>
+          </a:lnRef>
+          <a:fillRef idx="1">
+            <a:schemeClr val="lt1"/>
+          </a:fillRef>
+          <a:effectRef idx="0">
+            <a:schemeClr val="dk1"/>
+          </a:effectRef>
+          <a:fontRef idx="minor">
+            <a:schemeClr val="dk1"/>
+          </a:fontRef>
+        </p:style>
+        <p:txBody>
+          <a:bodyPr wrap="square">
+            <a:spAutoFit/>
+          </a:bodyPr>
+          <a:lstStyle>
+            <a:lvl1pPr marL="0" indent="0">
+              <a:lnSpc>
+                <a:spcPct val="100000"/>
+              </a:lnSpc>
+              <a:spcBef>
+                <a:spcPct val="0"/>
+              </a:spcBef>
+              <a:spcAft>
+                <a:spcPts val="0"/>
+              </a:spcAft>
+              <a:defRPr kumimoji="0" sz="1800" b="0" i="0" u="none" strike="noStrike" kern="0" cap="none" spc="0" normalizeH="0" baseline="0">
+                <a:solidFill>
+                  <a:schemeClr val="tx1"/>
+                </a:solidFill>
+              </a:defRPr>
+            </a:lvl1pPr>
+          </a:lstStyle>
+          <a:p>
+            <a:pPr algn="ctr" eaLnBrk="1" hangingPunct="1">
+              <a:defRPr/>
+            </a:pPr>
+            <a:r>
+              <a:rPr lang="en-US" altLang="en-US" sz="1000" i="1" dirty="0">
+                <a:latin typeface="Arial"/>
+                <a:cs typeface="Arial"/>
+              </a:rPr>
+              <a:t>Load </a:t>
+            </a:r>
+            <a:br>
+              <a:rPr lang="en-US" altLang="en-US" sz="1000" i="1" dirty="0">
+                <a:latin typeface="Arial"/>
+                <a:cs typeface="Arial"/>
+              </a:rPr>
+            </a:br>
+            <a:r>
+              <a:rPr lang="en-US" altLang="en-US" sz="1000" i="1" dirty="0">
+                <a:latin typeface="Arial"/>
+                <a:cs typeface="Arial"/>
+              </a:rPr>
+              <a:t>Extracted</a:t>
+            </a:r>
+          </a:p>
+          <a:p>
+            <a:pPr algn="ctr" eaLnBrk="1" hangingPunct="1">
+              <a:defRPr/>
+            </a:pPr>
+            <a:r>
+              <a:rPr lang="en-US" altLang="en-US" sz="1000" i="1" dirty="0">
+                <a:latin typeface="Arial"/>
+                <a:cs typeface="Arial"/>
+              </a:rPr>
+              <a:t>Video Data</a:t>
+            </a:r>
+          </a:p>
+        </p:txBody>
+      </p:sp>
+      <p:cxnSp>
+        <p:nvCxnSpPr>
+          <p:cNvPr id="151" name="연결선: 꺾임 150">
+            <a:extLst>
+              <a:ext uri="{FF2B5EF4-FFF2-40B4-BE49-F238E27FC236}">
+                <a16:creationId xmlns:a16="http://schemas.microsoft.com/office/drawing/2014/main" id="{43CAC219-46CA-2C26-DAC8-0540B28596BF}"/>
+              </a:ext>
+            </a:extLst>
+          </p:cNvPr>
+          <p:cNvCxnSpPr>
+            <a:cxnSpLocks/>
+            <a:endCxn id="50" idx="1"/>
+          </p:cNvCxnSpPr>
+          <p:nvPr/>
+        </p:nvCxnSpPr>
+        <p:spPr>
+          <a:xfrm>
+            <a:off x="4256855" y="3244028"/>
+            <a:ext cx="4025451" cy="2674244"/>
+          </a:xfrm>
+          <a:prstGeom prst="bentConnector3">
+            <a:avLst>
+              <a:gd name="adj1" fmla="val 14"/>
+            </a:avLst>
+          </a:prstGeom>
+          <a:ln w="19050">
+            <a:solidFill>
+              <a:srgbClr val="C925D1"/>
+            </a:solidFill>
+            <a:headEnd type="triangle"/>
+            <a:tailEnd type="triangle"/>
+          </a:ln>
+        </p:spPr>
+        <p:style>
+          <a:lnRef idx="1">
+            <a:schemeClr val="accent1"/>
+          </a:lnRef>
+          <a:fillRef idx="0">
+            <a:schemeClr val="accent1"/>
+          </a:fillRef>
+          <a:effectRef idx="0">
+            <a:schemeClr val="accent1"/>
+          </a:effectRef>
+          <a:fontRef idx="minor">
+            <a:schemeClr val="tx1"/>
+          </a:fontRef>
+        </p:style>
+      </p:cxnSp>
+      <p:grpSp>
+        <p:nvGrpSpPr>
+          <p:cNvPr id="158" name="그룹 157">
+            <a:extLst>
+              <a:ext uri="{FF2B5EF4-FFF2-40B4-BE49-F238E27FC236}">
+                <a16:creationId xmlns:a16="http://schemas.microsoft.com/office/drawing/2014/main" id="{53446B3B-6EDA-5334-1E7F-D5450132B90C}"/>
+              </a:ext>
+            </a:extLst>
+          </p:cNvPr>
+          <p:cNvGrpSpPr/>
+          <p:nvPr/>
+        </p:nvGrpSpPr>
+        <p:grpSpPr>
+          <a:xfrm>
+            <a:off x="7489509" y="4097734"/>
+            <a:ext cx="2292350" cy="1005091"/>
+            <a:chOff x="427363" y="4361310"/>
+            <a:chExt cx="2292350" cy="1005091"/>
+          </a:xfrm>
+        </p:grpSpPr>
+        <p:pic>
+          <p:nvPicPr>
+            <p:cNvPr id="156" name="Graphic 26" descr="Amazon Simple Queue Service (Amazon SQS) service icon.">
+              <a:extLst>
+                <a:ext uri="{FF2B5EF4-FFF2-40B4-BE49-F238E27FC236}">
+                  <a16:creationId xmlns:a16="http://schemas.microsoft.com/office/drawing/2014/main" id="{1ACC4ED5-1827-77F0-DB57-F1BE1310D524}"/>
+                </a:ext>
+              </a:extLst>
+            </p:cNvPr>
+            <p:cNvPicPr>
+              <a:picLocks noChangeAspect="1" noChangeArrowheads="1"/>
+            </p:cNvPicPr>
+            <p:nvPr/>
+          </p:nvPicPr>
+          <p:blipFill>
+            <a:blip r:embed="rId23">
+              <a:extLst>
+                <a:ext uri="{96DAC541-7B7A-43D3-8B79-37D633B846F1}">
+                  <asvg:svgBlip xmlns:asvg="http://schemas.microsoft.com/office/drawing/2016/SVG/main" r:embed="rId24"/>
+                </a:ext>
+              </a:extLst>
+            </a:blip>
+            <a:srcRect/>
+            <a:stretch/>
+          </p:blipFill>
+          <p:spPr bwMode="auto">
+            <a:xfrm>
+              <a:off x="1205498" y="4361310"/>
+              <a:ext cx="705600" cy="705600"/>
+            </a:xfrm>
+            <a:prstGeom prst="rect">
+              <a:avLst/>
+            </a:prstGeom>
+            <a:noFill/>
+            <a:ln>
+              <a:noFill/>
+            </a:ln>
+            <a:extLst>
+              <a:ext uri="{909E8E84-426E-40DD-AFC4-6F175D3DCCD1}">
+                <a14:hiddenFill xmlns:a14="http://schemas.microsoft.com/office/drawing/2010/main">
+                  <a:solidFill>
+                    <a:srgbClr val="FFFFFF"/>
+                  </a:solidFill>
+                </a14:hiddenFill>
+              </a:ext>
+              <a:ext uri="{91240B29-F687-4F45-9708-019B960494DF}">
+                <a14:hiddenLine xmlns:a14="http://schemas.microsoft.com/office/drawing/2010/main" w="9525">
+                  <a:solidFill>
+                    <a:srgbClr val="000000"/>
+                  </a:solidFill>
+                  <a:miter lim="800000"/>
+                  <a:headEnd/>
+                  <a:tailEnd/>
+                </a14:hiddenLine>
+              </a:ext>
+            </a:extLst>
+          </p:spPr>
+        </p:pic>
+        <p:sp>
+          <p:nvSpPr>
+            <p:cNvPr id="157" name="TextBox 11">
+              <a:extLst>
+                <a:ext uri="{FF2B5EF4-FFF2-40B4-BE49-F238E27FC236}">
+                  <a16:creationId xmlns:a16="http://schemas.microsoft.com/office/drawing/2014/main" id="{4E64CFD3-DC0F-4258-C8AF-24695DC25553}"/>
+                </a:ext>
+              </a:extLst>
+            </p:cNvPr>
+            <p:cNvSpPr txBox="1">
+              <a:spLocks noChangeArrowheads="1"/>
+            </p:cNvSpPr>
+            <p:nvPr/>
+          </p:nvSpPr>
+          <p:spPr bwMode="auto">
+            <a:xfrm>
+              <a:off x="427363" y="5089402"/>
+              <a:ext cx="2292350" cy="276999"/>
+            </a:xfrm>
+            <a:prstGeom prst="rect">
+              <a:avLst/>
+            </a:prstGeom>
+            <a:noFill/>
+            <a:ln>
+              <a:noFill/>
+            </a:ln>
+            <a:extLst>
+              <a:ext uri="{909E8E84-426E-40DD-AFC4-6F175D3DCCD1}">
+                <a14:hiddenFill xmlns:a14="http://schemas.microsoft.com/office/drawing/2010/main">
+                  <a:solidFill>
+                    <a:srgbClr val="FFFFFF"/>
+                  </a:solidFill>
+                </a14:hiddenFill>
+              </a:ext>
+              <a:ext uri="{91240B29-F687-4F45-9708-019B960494DF}">
+                <a14:hiddenLine xmlns:a14="http://schemas.microsoft.com/office/drawing/2010/main" w="9525">
+                  <a:solidFill>
+                    <a:srgbClr val="000000"/>
+                  </a:solidFill>
+                  <a:miter lim="800000"/>
+                  <a:headEnd/>
+                  <a:tailEnd/>
+                </a14:hiddenLine>
+              </a:ext>
+            </a:extLst>
+          </p:spPr>
+          <p:txBody>
+            <a:bodyPr>
+              <a:spAutoFit/>
+            </a:bodyPr>
+            <a:lstStyle>
+              <a:lvl1pPr>
+                <a:defRPr>
+                  <a:solidFill>
+                    <a:schemeClr val="tx1"/>
+                  </a:solidFill>
+                  <a:latin typeface="Calibri" panose="020F0502020204030204" pitchFamily="34" charset="0"/>
+                </a:defRPr>
+              </a:lvl1pPr>
+              <a:lvl2pPr marL="742950" indent="-285750">
+                <a:defRPr>
+                  <a:solidFill>
+                    <a:schemeClr val="tx1"/>
+                  </a:solidFill>
+                  <a:latin typeface="Calibri" panose="020F0502020204030204" pitchFamily="34" charset="0"/>
+                </a:defRPr>
+              </a:lvl2pPr>
+              <a:lvl3pPr marL="1143000" indent="-228600">
+                <a:defRPr>
+                  <a:solidFill>
+                    <a:schemeClr val="tx1"/>
+                  </a:solidFill>
+                  <a:latin typeface="Calibri" panose="020F0502020204030204" pitchFamily="34" charset="0"/>
+                </a:defRPr>
+              </a:lvl3pPr>
+              <a:lvl4pPr marL="1600200" indent="-228600">
+                <a:defRPr>
+                  <a:solidFill>
+                    <a:schemeClr val="tx1"/>
+                  </a:solidFill>
+                  <a:latin typeface="Calibri" panose="020F0502020204030204" pitchFamily="34" charset="0"/>
+                </a:defRPr>
+              </a:lvl4pPr>
+              <a:lvl5pPr marL="2057400" indent="-228600">
+                <a:defRPr>
+                  <a:solidFill>
+                    <a:schemeClr val="tx1"/>
+                  </a:solidFill>
+                  <a:latin typeface="Calibri" panose="020F0502020204030204" pitchFamily="34" charset="0"/>
+                </a:defRPr>
+              </a:lvl5pPr>
+              <a:lvl6pPr marL="2514600" indent="-228600" eaLnBrk="0" fontAlgn="base" hangingPunct="0">
+                <a:spcBef>
+                  <a:spcPct val="0"/>
+                </a:spcBef>
+                <a:spcAft>
+                  <a:spcPct val="0"/>
+                </a:spcAft>
+                <a:defRPr>
+                  <a:solidFill>
+                    <a:schemeClr val="tx1"/>
+                  </a:solidFill>
+                  <a:latin typeface="Calibri" panose="020F0502020204030204" pitchFamily="34" charset="0"/>
+                </a:defRPr>
+              </a:lvl6pPr>
+              <a:lvl7pPr marL="2971800" indent="-228600" eaLnBrk="0" fontAlgn="base" hangingPunct="0">
+                <a:spcBef>
+                  <a:spcPct val="0"/>
+                </a:spcBef>
+                <a:spcAft>
+                  <a:spcPct val="0"/>
+                </a:spcAft>
+                <a:defRPr>
+                  <a:solidFill>
+                    <a:schemeClr val="tx1"/>
+                  </a:solidFill>
+                  <a:latin typeface="Calibri" panose="020F0502020204030204" pitchFamily="34" charset="0"/>
+                </a:defRPr>
+              </a:lvl7pPr>
+              <a:lvl8pPr marL="3429000" indent="-228600" eaLnBrk="0" fontAlgn="base" hangingPunct="0">
+                <a:spcBef>
+                  <a:spcPct val="0"/>
+                </a:spcBef>
+                <a:spcAft>
+                  <a:spcPct val="0"/>
+                </a:spcAft>
+                <a:defRPr>
+                  <a:solidFill>
+                    <a:schemeClr val="tx1"/>
+                  </a:solidFill>
+                  <a:latin typeface="Calibri" panose="020F0502020204030204" pitchFamily="34" charset="0"/>
+                </a:defRPr>
+              </a:lvl8pPr>
+              <a:lvl9pPr marL="3886200" indent="-228600" eaLnBrk="0" fontAlgn="base" hangingPunct="0">
+                <a:spcBef>
+                  <a:spcPct val="0"/>
+                </a:spcBef>
+                <a:spcAft>
+                  <a:spcPct val="0"/>
+                </a:spcAft>
+                <a:defRPr>
+                  <a:solidFill>
+                    <a:schemeClr val="tx1"/>
+                  </a:solidFill>
+                  <a:latin typeface="Calibri" panose="020F0502020204030204" pitchFamily="34" charset="0"/>
+                </a:defRPr>
+              </a:lvl9pPr>
+            </a:lstStyle>
+            <a:p>
+              <a:pPr algn="ctr" eaLnBrk="1" hangingPunct="1"/>
+              <a:r>
+                <a:rPr lang="en-US" altLang="en-US" sz="1200" dirty="0">
+                  <a:latin typeface="Arial" panose="020B0604020202020204" pitchFamily="34" charset="0"/>
+                  <a:ea typeface="Amazon Ember" panose="020B0603020204020204" pitchFamily="34" charset="0"/>
+                  <a:cs typeface="Arial" panose="020B0604020202020204" pitchFamily="34" charset="0"/>
+                </a:rPr>
+                <a:t>Amazon SQS</a:t>
+              </a:r>
+            </a:p>
+          </p:txBody>
+        </p:sp>
+      </p:grpSp>
+      <p:sp>
+        <p:nvSpPr>
+          <p:cNvPr id="169" name="TextBox 168">
+            <a:extLst>
+              <a:ext uri="{FF2B5EF4-FFF2-40B4-BE49-F238E27FC236}">
+                <a16:creationId xmlns:a16="http://schemas.microsoft.com/office/drawing/2014/main" id="{69FBF9EB-9BCE-2ACB-79E0-BBDE52B626B6}"/>
+              </a:ext>
+            </a:extLst>
+          </p:cNvPr>
+          <p:cNvSpPr txBox="1"/>
+          <p:nvPr/>
+        </p:nvSpPr>
+        <p:spPr>
+          <a:xfrm>
+            <a:off x="1942838" y="2167671"/>
+            <a:ext cx="574196" cy="276999"/>
+          </a:xfrm>
+          <a:prstGeom prst="rect">
+            <a:avLst/>
+          </a:prstGeom>
+          <a:solidFill>
+            <a:srgbClr val="FF0066"/>
+          </a:solidFill>
+        </p:spPr>
+        <p:style>
+          <a:lnRef idx="2">
+            <a:schemeClr val="accent4">
+              <a:shade val="15000"/>
+            </a:schemeClr>
+          </a:lnRef>
+          <a:fillRef idx="1">
+            <a:schemeClr val="accent4"/>
+          </a:fillRef>
+          <a:effectRef idx="0">
+            <a:schemeClr val="accent4"/>
+          </a:effectRef>
+          <a:fontRef idx="minor">
+            <a:schemeClr val="lt1"/>
+          </a:fontRef>
+        </p:style>
+        <p:txBody>
+          <a:bodyPr wrap="none" rtlCol="0">
+            <a:spAutoFit/>
+          </a:bodyPr>
+          <a:lstStyle/>
+          <a:p>
+            <a:r>
+              <a:rPr lang="en-US" altLang="ko-KR" sz="1200" b="1" dirty="0">
+                <a:solidFill>
+                  <a:schemeClr val="bg1"/>
+                </a:solidFill>
+              </a:rPr>
+              <a:t>Input</a:t>
+            </a:r>
+            <a:endParaRPr lang="ko-KR" altLang="en-US" sz="1200" b="1" dirty="0">
+              <a:solidFill>
+                <a:schemeClr val="bg1"/>
+              </a:solidFill>
+            </a:endParaRPr>
+          </a:p>
+        </p:txBody>
+      </p:sp>
+      <p:sp>
+        <p:nvSpPr>
+          <p:cNvPr id="122" name="label">
+            <a:extLst>
+              <a:ext uri="{FF2B5EF4-FFF2-40B4-BE49-F238E27FC236}">
+                <a16:creationId xmlns:a16="http://schemas.microsoft.com/office/drawing/2014/main" id="{7B59D974-55EF-F737-5B86-15ED3C881EF9}"/>
+              </a:ext>
+            </a:extLst>
+          </p:cNvPr>
+          <p:cNvSpPr txBox="1">
+            <a:spLocks noChangeArrowheads="1"/>
+          </p:cNvSpPr>
+          <p:nvPr/>
+        </p:nvSpPr>
+        <p:spPr>
+          <a:xfrm>
+            <a:off x="3560483" y="5300015"/>
+            <a:ext cx="1407862" cy="400110"/>
+          </a:xfrm>
+          <a:prstGeom prst="rect">
+            <a:avLst/>
+          </a:prstGeom>
+          <a:solidFill>
+            <a:schemeClr val="bg1"/>
+          </a:solidFill>
+          <a:ln>
+            <a:solidFill>
+              <a:schemeClr val="bg1"/>
+            </a:solidFill>
+          </a:ln>
+        </p:spPr>
+        <p:style>
+          <a:lnRef idx="2">
+            <a:schemeClr val="dk1"/>
+          </a:lnRef>
+          <a:fillRef idx="1">
+            <a:schemeClr val="lt1"/>
+          </a:fillRef>
+          <a:effectRef idx="0">
+            <a:schemeClr val="dk1"/>
+          </a:effectRef>
+          <a:fontRef idx="minor">
+            <a:schemeClr val="dk1"/>
+          </a:fontRef>
+        </p:style>
+        <p:txBody>
+          <a:bodyPr wrap="square">
+            <a:spAutoFit/>
+          </a:bodyPr>
+          <a:lstStyle>
+            <a:lvl1pPr marL="0" indent="0">
+              <a:lnSpc>
+                <a:spcPct val="100000"/>
+              </a:lnSpc>
+              <a:spcBef>
+                <a:spcPct val="0"/>
+              </a:spcBef>
+              <a:spcAft>
+                <a:spcPts val="0"/>
+              </a:spcAft>
+              <a:defRPr kumimoji="0" sz="1800" b="0" i="0" u="none" strike="noStrike" kern="0" cap="none" spc="0" normalizeH="0" baseline="0">
+                <a:solidFill>
+                  <a:schemeClr val="tx1"/>
+                </a:solidFill>
+              </a:defRPr>
+            </a:lvl1pPr>
+          </a:lstStyle>
+          <a:p>
+            <a:pPr algn="ctr" eaLnBrk="1" hangingPunct="1">
+              <a:defRPr/>
+            </a:pPr>
+            <a:r>
+              <a:rPr lang="en-US" altLang="en-US" sz="1000" i="1" dirty="0">
+                <a:latin typeface="Arial"/>
+                <a:cs typeface="Arial"/>
+              </a:rPr>
+              <a:t>Request &amp; Response</a:t>
+            </a:r>
+          </a:p>
+          <a:p>
+            <a:pPr algn="ctr" eaLnBrk="1" hangingPunct="1">
+              <a:defRPr/>
+            </a:pPr>
+            <a:r>
+              <a:rPr lang="en-US" altLang="en-US" sz="1000" i="1" dirty="0">
+                <a:latin typeface="Arial"/>
+                <a:cs typeface="Arial"/>
+              </a:rPr>
+              <a:t>Analyzed Data</a:t>
+            </a:r>
+          </a:p>
+        </p:txBody>
+      </p:sp>
+      <p:cxnSp>
+        <p:nvCxnSpPr>
+          <p:cNvPr id="182" name="연결선: 꺾임 181">
+            <a:extLst>
+              <a:ext uri="{FF2B5EF4-FFF2-40B4-BE49-F238E27FC236}">
+                <a16:creationId xmlns:a16="http://schemas.microsoft.com/office/drawing/2014/main" id="{637B0F44-D2C3-A8C1-DD24-77D6EB945193}"/>
+              </a:ext>
+            </a:extLst>
+          </p:cNvPr>
+          <p:cNvCxnSpPr>
+            <a:stCxn id="4" idx="0"/>
+            <a:endCxn id="156" idx="0"/>
+          </p:cNvCxnSpPr>
+          <p:nvPr/>
+        </p:nvCxnSpPr>
+        <p:spPr>
+          <a:xfrm rot="16200000" flipH="1">
+            <a:off x="7792174" y="3269465"/>
+            <a:ext cx="1113" cy="1655425"/>
+          </a:xfrm>
+          <a:prstGeom prst="bentConnector3">
+            <a:avLst>
+              <a:gd name="adj1" fmla="val -74168913"/>
+            </a:avLst>
+          </a:prstGeom>
+          <a:ln w="19050">
+            <a:solidFill>
+              <a:srgbClr val="ED7100"/>
+            </a:solidFill>
+            <a:tailEnd type="triangle"/>
+          </a:ln>
+        </p:spPr>
+        <p:style>
+          <a:lnRef idx="1">
+            <a:schemeClr val="accent1"/>
+          </a:lnRef>
+          <a:fillRef idx="0">
+            <a:schemeClr val="accent1"/>
+          </a:fillRef>
+          <a:effectRef idx="0">
+            <a:schemeClr val="accent1"/>
+          </a:effectRef>
+          <a:fontRef idx="minor">
+            <a:schemeClr val="tx1"/>
+          </a:fontRef>
+        </p:style>
+      </p:cxnSp>
+      <p:sp>
+        <p:nvSpPr>
+          <p:cNvPr id="147" name="label">
+            <a:extLst>
+              <a:ext uri="{FF2B5EF4-FFF2-40B4-BE49-F238E27FC236}">
+                <a16:creationId xmlns:a16="http://schemas.microsoft.com/office/drawing/2014/main" id="{A75C122B-1989-EA8E-E17C-D79108A6BF4D}"/>
+              </a:ext>
+            </a:extLst>
+          </p:cNvPr>
+          <p:cNvSpPr txBox="1">
+            <a:spLocks noChangeArrowheads="1"/>
+          </p:cNvSpPr>
+          <p:nvPr/>
+        </p:nvSpPr>
+        <p:spPr>
+          <a:xfrm>
+            <a:off x="7185044" y="3148949"/>
+            <a:ext cx="1217686" cy="246221"/>
+          </a:xfrm>
+          <a:prstGeom prst="rect">
+            <a:avLst/>
+          </a:prstGeom>
+          <a:solidFill>
+            <a:srgbClr val="E2F0D9"/>
+          </a:solidFill>
+          <a:ln>
+            <a:noFill/>
+          </a:ln>
+        </p:spPr>
+        <p:style>
+          <a:lnRef idx="2">
+            <a:schemeClr val="dk1"/>
+          </a:lnRef>
+          <a:fillRef idx="1">
+            <a:schemeClr val="lt1"/>
+          </a:fillRef>
+          <a:effectRef idx="0">
+            <a:schemeClr val="dk1"/>
+          </a:effectRef>
+          <a:fontRef idx="minor">
+            <a:schemeClr val="dk1"/>
+          </a:fontRef>
+        </p:style>
+        <p:txBody>
+          <a:bodyPr wrap="square">
+            <a:spAutoFit/>
+          </a:bodyPr>
+          <a:lstStyle>
+            <a:lvl1pPr marL="0" indent="0">
+              <a:lnSpc>
+                <a:spcPct val="100000"/>
+              </a:lnSpc>
+              <a:spcBef>
+                <a:spcPct val="0"/>
+              </a:spcBef>
+              <a:spcAft>
+                <a:spcPts val="0"/>
+              </a:spcAft>
+              <a:defRPr kumimoji="0" sz="1800" b="0" i="0" u="none" strike="noStrike" kern="0" cap="none" spc="0" normalizeH="0" baseline="0">
+                <a:solidFill>
+                  <a:schemeClr val="tx1"/>
+                </a:solidFill>
+              </a:defRPr>
+            </a:lvl1pPr>
+          </a:lstStyle>
+          <a:p>
+            <a:pPr algn="ctr" eaLnBrk="1" hangingPunct="1">
+              <a:defRPr/>
+            </a:pPr>
+            <a:r>
+              <a:rPr lang="en-US" altLang="en-US" sz="1000" i="1" dirty="0">
+                <a:latin typeface="Arial" panose="020B0604020202020204" pitchFamily="34" charset="0"/>
+                <a:ea typeface="Amazon Ember" panose="020B0603020204020204" pitchFamily="34" charset="0"/>
+                <a:cs typeface="Arial" panose="020B0604020202020204" pitchFamily="34" charset="0"/>
+              </a:rPr>
+              <a:t>Feature Extraction</a:t>
+            </a:r>
+            <a:endParaRPr lang="en-US" altLang="en-US" sz="1000" i="1" dirty="0">
+              <a:latin typeface="Arial"/>
+              <a:cs typeface="Arial"/>
+            </a:endParaRPr>
+          </a:p>
+        </p:txBody>
+      </p:sp>
+      <p:cxnSp>
+        <p:nvCxnSpPr>
+          <p:cNvPr id="197" name="직선 화살표 연결선 196">
+            <a:extLst>
+              <a:ext uri="{FF2B5EF4-FFF2-40B4-BE49-F238E27FC236}">
+                <a16:creationId xmlns:a16="http://schemas.microsoft.com/office/drawing/2014/main" id="{B6A0886C-EC24-6DDD-34E2-080FE3AC530E}"/>
+              </a:ext>
+            </a:extLst>
+          </p:cNvPr>
+          <p:cNvCxnSpPr>
+            <a:stCxn id="157" idx="2"/>
+            <a:endCxn id="50" idx="0"/>
+          </p:cNvCxnSpPr>
+          <p:nvPr/>
+        </p:nvCxnSpPr>
+        <p:spPr>
+          <a:xfrm flipH="1">
+            <a:off x="8635106" y="5102825"/>
+            <a:ext cx="578" cy="462647"/>
+          </a:xfrm>
+          <a:prstGeom prst="straightConnector1">
+            <a:avLst/>
+          </a:prstGeom>
+          <a:ln w="19050">
+            <a:solidFill>
+              <a:srgbClr val="E7157B"/>
+            </a:solidFill>
+            <a:tailEnd type="triangle"/>
+          </a:ln>
+        </p:spPr>
+        <p:style>
+          <a:lnRef idx="1">
+            <a:schemeClr val="accent1"/>
+          </a:lnRef>
+          <a:fillRef idx="0">
+            <a:schemeClr val="accent1"/>
+          </a:fillRef>
+          <a:effectRef idx="0">
+            <a:schemeClr val="accent1"/>
+          </a:effectRef>
+          <a:fontRef idx="minor">
+            <a:schemeClr val="tx1"/>
+          </a:fontRef>
+        </p:style>
+      </p:cxnSp>
+      <p:sp>
+        <p:nvSpPr>
+          <p:cNvPr id="195" name="label">
+            <a:extLst>
+              <a:ext uri="{FF2B5EF4-FFF2-40B4-BE49-F238E27FC236}">
+                <a16:creationId xmlns:a16="http://schemas.microsoft.com/office/drawing/2014/main" id="{95F3DC90-DB2D-1C2F-B907-3CB1CFCC2460}"/>
+              </a:ext>
+            </a:extLst>
+          </p:cNvPr>
+          <p:cNvSpPr txBox="1">
+            <a:spLocks noChangeArrowheads="1"/>
+          </p:cNvSpPr>
+          <p:nvPr/>
+        </p:nvSpPr>
+        <p:spPr>
+          <a:xfrm>
+            <a:off x="8272204" y="5209414"/>
+            <a:ext cx="701040" cy="168250"/>
+          </a:xfrm>
+          <a:prstGeom prst="rect">
+            <a:avLst/>
+          </a:prstGeom>
+          <a:solidFill>
+            <a:schemeClr val="bg1"/>
+          </a:solidFill>
+          <a:ln w="0">
+            <a:solidFill>
+              <a:schemeClr val="bg1"/>
+            </a:solidFill>
+          </a:ln>
+        </p:spPr>
+        <p:style>
+          <a:lnRef idx="2">
+            <a:schemeClr val="dk1"/>
+          </a:lnRef>
+          <a:fillRef idx="1">
+            <a:schemeClr val="lt1"/>
+          </a:fillRef>
+          <a:effectRef idx="0">
+            <a:schemeClr val="dk1"/>
+          </a:effectRef>
+          <a:fontRef idx="minor">
+            <a:schemeClr val="dk1"/>
+          </a:fontRef>
+        </p:style>
+        <p:txBody>
+          <a:bodyPr wrap="square" anchor="ctr">
+            <a:spAutoFit/>
+          </a:bodyPr>
+          <a:lstStyle>
+            <a:lvl1pPr marL="0" indent="0">
+              <a:lnSpc>
+                <a:spcPct val="100000"/>
+              </a:lnSpc>
+              <a:spcBef>
+                <a:spcPct val="0"/>
+              </a:spcBef>
+              <a:spcAft>
+                <a:spcPts val="0"/>
+              </a:spcAft>
+              <a:defRPr kumimoji="0" sz="1800" b="0" i="0" u="none" strike="noStrike" kern="0" cap="none" spc="0" normalizeH="0" baseline="0">
+                <a:solidFill>
+                  <a:schemeClr val="tx1"/>
+                </a:solidFill>
+              </a:defRPr>
+            </a:lvl1pPr>
+          </a:lstStyle>
+          <a:p>
+            <a:pPr algn="ctr" eaLnBrk="1" hangingPunct="1">
+              <a:defRPr/>
+            </a:pPr>
+            <a:r>
+              <a:rPr lang="en-US" altLang="en-US" sz="1000" i="1" dirty="0">
+                <a:latin typeface="Arial"/>
+                <a:cs typeface="Arial"/>
+              </a:rPr>
+              <a:t>Message</a:t>
+            </a:r>
+          </a:p>
+        </p:txBody>
+      </p:sp>
+      <p:sp>
+        <p:nvSpPr>
+          <p:cNvPr id="172" name="TextBox 171">
+            <a:extLst>
+              <a:ext uri="{FF2B5EF4-FFF2-40B4-BE49-F238E27FC236}">
+                <a16:creationId xmlns:a16="http://schemas.microsoft.com/office/drawing/2014/main" id="{72120E0D-E64C-6A28-3BEA-AAEFC17BDF64}"/>
+              </a:ext>
+            </a:extLst>
+          </p:cNvPr>
+          <p:cNvSpPr txBox="1"/>
+          <p:nvPr/>
+        </p:nvSpPr>
+        <p:spPr>
+          <a:xfrm>
+            <a:off x="5805536" y="4015152"/>
+            <a:ext cx="290464" cy="323165"/>
+          </a:xfrm>
+          <a:prstGeom prst="rect">
+            <a:avLst/>
+          </a:prstGeom>
+        </p:spPr>
+        <p:style>
+          <a:lnRef idx="2">
+            <a:schemeClr val="accent4">
+              <a:shade val="15000"/>
+            </a:schemeClr>
+          </a:lnRef>
+          <a:fillRef idx="1">
+            <a:schemeClr val="accent4"/>
+          </a:fillRef>
+          <a:effectRef idx="0">
+            <a:schemeClr val="accent4"/>
+          </a:effectRef>
+          <a:fontRef idx="minor">
+            <a:schemeClr val="lt1"/>
+          </a:fontRef>
+        </p:style>
+        <p:txBody>
+          <a:bodyPr wrap="none" rtlCol="0">
+            <a:spAutoFit/>
+          </a:bodyPr>
+          <a:lstStyle/>
+          <a:p>
+            <a:r>
+              <a:rPr lang="en-US" altLang="ko-KR" sz="1500" dirty="0">
+                <a:solidFill>
+                  <a:schemeClr val="tx1"/>
+                </a:solidFill>
+              </a:rPr>
+              <a:t>3</a:t>
+            </a:r>
+            <a:endParaRPr lang="ko-KR" altLang="en-US" sz="1500" dirty="0">
+              <a:solidFill>
+                <a:schemeClr val="tx1"/>
+              </a:solidFill>
+            </a:endParaRPr>
+          </a:p>
+        </p:txBody>
+      </p:sp>
+      <p:sp>
+        <p:nvSpPr>
+          <p:cNvPr id="201" name="TextBox 200">
+            <a:extLst>
+              <a:ext uri="{FF2B5EF4-FFF2-40B4-BE49-F238E27FC236}">
+                <a16:creationId xmlns:a16="http://schemas.microsoft.com/office/drawing/2014/main" id="{A20DC1B7-0367-A3FA-F950-CEBCBA7D91B7}"/>
+              </a:ext>
+            </a:extLst>
+          </p:cNvPr>
+          <p:cNvSpPr txBox="1"/>
+          <p:nvPr/>
+        </p:nvSpPr>
+        <p:spPr>
+          <a:xfrm>
+            <a:off x="6589004" y="3130230"/>
+            <a:ext cx="290464" cy="323165"/>
+          </a:xfrm>
+          <a:prstGeom prst="rect">
+            <a:avLst/>
+          </a:prstGeom>
+        </p:spPr>
+        <p:style>
+          <a:lnRef idx="2">
+            <a:schemeClr val="accent4">
+              <a:shade val="15000"/>
+            </a:schemeClr>
+          </a:lnRef>
+          <a:fillRef idx="1">
+            <a:schemeClr val="accent4"/>
+          </a:fillRef>
+          <a:effectRef idx="0">
+            <a:schemeClr val="accent4"/>
+          </a:effectRef>
+          <a:fontRef idx="minor">
+            <a:schemeClr val="lt1"/>
+          </a:fontRef>
+        </p:style>
+        <p:txBody>
+          <a:bodyPr wrap="none" rtlCol="0">
+            <a:spAutoFit/>
+          </a:bodyPr>
+          <a:lstStyle/>
+          <a:p>
+            <a:r>
+              <a:rPr lang="en-US" altLang="ko-KR" sz="1500" dirty="0">
+                <a:solidFill>
+                  <a:schemeClr val="tx1"/>
+                </a:solidFill>
+              </a:rPr>
+              <a:t>4</a:t>
+            </a:r>
+            <a:endParaRPr lang="ko-KR" altLang="en-US" sz="1500" dirty="0">
+              <a:solidFill>
+                <a:schemeClr val="tx1"/>
+              </a:solidFill>
+            </a:endParaRPr>
+          </a:p>
+        </p:txBody>
+      </p:sp>
+      <p:sp>
+        <p:nvSpPr>
+          <p:cNvPr id="202" name="TextBox 201">
+            <a:extLst>
+              <a:ext uri="{FF2B5EF4-FFF2-40B4-BE49-F238E27FC236}">
+                <a16:creationId xmlns:a16="http://schemas.microsoft.com/office/drawing/2014/main" id="{705D30D4-9488-0497-2DC0-711FB021937A}"/>
+              </a:ext>
+            </a:extLst>
+          </p:cNvPr>
+          <p:cNvSpPr txBox="1"/>
+          <p:nvPr/>
+        </p:nvSpPr>
+        <p:spPr>
+          <a:xfrm>
+            <a:off x="7967078" y="5138561"/>
+            <a:ext cx="290464" cy="323165"/>
+          </a:xfrm>
+          <a:prstGeom prst="rect">
+            <a:avLst/>
+          </a:prstGeom>
+        </p:spPr>
+        <p:style>
+          <a:lnRef idx="2">
+            <a:schemeClr val="accent4">
+              <a:shade val="15000"/>
+            </a:schemeClr>
+          </a:lnRef>
+          <a:fillRef idx="1">
+            <a:schemeClr val="accent4"/>
+          </a:fillRef>
+          <a:effectRef idx="0">
+            <a:schemeClr val="accent4"/>
+          </a:effectRef>
+          <a:fontRef idx="minor">
+            <a:schemeClr val="lt1"/>
+          </a:fontRef>
+        </p:style>
+        <p:txBody>
+          <a:bodyPr wrap="none" rtlCol="0">
+            <a:spAutoFit/>
+          </a:bodyPr>
+          <a:lstStyle/>
+          <a:p>
+            <a:r>
+              <a:rPr lang="en-US" altLang="ko-KR" sz="1500" dirty="0">
+                <a:solidFill>
+                  <a:schemeClr val="tx1"/>
+                </a:solidFill>
+              </a:rPr>
+              <a:t>5</a:t>
+            </a:r>
+            <a:endParaRPr lang="ko-KR" altLang="en-US" sz="1500" dirty="0">
+              <a:solidFill>
+                <a:schemeClr val="tx1"/>
+              </a:solidFill>
+            </a:endParaRPr>
+          </a:p>
+        </p:txBody>
+      </p:sp>
+      <p:sp>
+        <p:nvSpPr>
+          <p:cNvPr id="118" name="TextBox 117">
+            <a:extLst>
+              <a:ext uri="{FF2B5EF4-FFF2-40B4-BE49-F238E27FC236}">
+                <a16:creationId xmlns:a16="http://schemas.microsoft.com/office/drawing/2014/main" id="{E09E7382-15B9-1B4D-5370-1633A8949496}"/>
+              </a:ext>
+            </a:extLst>
+          </p:cNvPr>
+          <p:cNvSpPr txBox="1"/>
+          <p:nvPr/>
+        </p:nvSpPr>
+        <p:spPr>
+          <a:xfrm>
+            <a:off x="3549680" y="4982242"/>
+            <a:ext cx="290464" cy="323165"/>
+          </a:xfrm>
+          <a:prstGeom prst="rect">
+            <a:avLst/>
+          </a:prstGeom>
+        </p:spPr>
+        <p:style>
+          <a:lnRef idx="2">
+            <a:schemeClr val="accent4">
+              <a:shade val="15000"/>
+            </a:schemeClr>
+          </a:lnRef>
+          <a:fillRef idx="1">
+            <a:schemeClr val="accent4"/>
+          </a:fillRef>
+          <a:effectRef idx="0">
+            <a:schemeClr val="accent4"/>
+          </a:effectRef>
+          <a:fontRef idx="minor">
+            <a:schemeClr val="lt1"/>
+          </a:fontRef>
+        </p:style>
+        <p:txBody>
+          <a:bodyPr wrap="none" rtlCol="0">
+            <a:spAutoFit/>
+          </a:bodyPr>
+          <a:lstStyle/>
+          <a:p>
+            <a:r>
+              <a:rPr lang="en-US" altLang="ko-KR" sz="1500" dirty="0">
+                <a:solidFill>
+                  <a:schemeClr val="tx1"/>
+                </a:solidFill>
+              </a:rPr>
+              <a:t>6</a:t>
+            </a:r>
+            <a:endParaRPr lang="ko-KR" altLang="en-US" sz="1500" dirty="0">
+              <a:solidFill>
+                <a:schemeClr val="tx1"/>
+              </a:solidFill>
+            </a:endParaRPr>
+          </a:p>
+        </p:txBody>
+      </p:sp>
     </p:spTree>
     <p:extLst>
       <p:ext uri="{BB962C8B-B14F-4D97-AF65-F5344CB8AC3E}">

--- a/Final_pjt2/Infra_Pipeline.pptx
+++ b/Final_pjt2/Infra_Pipeline.pptx
@@ -261,7 +261,7 @@
           <a:p>
             <a:fld id="{F4D0D417-D880-4BB4-B0FA-3563BBBF0335}" type="datetimeFigureOut">
               <a:rPr lang="ko-KR" altLang="en-US" smtClean="0"/>
-              <a:t>2023-12-07</a:t>
+              <a:t>2023-12-08</a:t>
             </a:fld>
             <a:endParaRPr lang="ko-KR" altLang="en-US"/>
           </a:p>
@@ -459,7 +459,7 @@
           <a:p>
             <a:fld id="{F4D0D417-D880-4BB4-B0FA-3563BBBF0335}" type="datetimeFigureOut">
               <a:rPr lang="ko-KR" altLang="en-US" smtClean="0"/>
-              <a:t>2023-12-07</a:t>
+              <a:t>2023-12-08</a:t>
             </a:fld>
             <a:endParaRPr lang="ko-KR" altLang="en-US"/>
           </a:p>
@@ -667,7 +667,7 @@
           <a:p>
             <a:fld id="{F4D0D417-D880-4BB4-B0FA-3563BBBF0335}" type="datetimeFigureOut">
               <a:rPr lang="ko-KR" altLang="en-US" smtClean="0"/>
-              <a:t>2023-12-07</a:t>
+              <a:t>2023-12-08</a:t>
             </a:fld>
             <a:endParaRPr lang="ko-KR" altLang="en-US"/>
           </a:p>
@@ -865,7 +865,7 @@
           <a:p>
             <a:fld id="{F4D0D417-D880-4BB4-B0FA-3563BBBF0335}" type="datetimeFigureOut">
               <a:rPr lang="ko-KR" altLang="en-US" smtClean="0"/>
-              <a:t>2023-12-07</a:t>
+              <a:t>2023-12-08</a:t>
             </a:fld>
             <a:endParaRPr lang="ko-KR" altLang="en-US"/>
           </a:p>
@@ -1140,7 +1140,7 @@
           <a:p>
             <a:fld id="{F4D0D417-D880-4BB4-B0FA-3563BBBF0335}" type="datetimeFigureOut">
               <a:rPr lang="ko-KR" altLang="en-US" smtClean="0"/>
-              <a:t>2023-12-07</a:t>
+              <a:t>2023-12-08</a:t>
             </a:fld>
             <a:endParaRPr lang="ko-KR" altLang="en-US"/>
           </a:p>
@@ -1405,7 +1405,7 @@
           <a:p>
             <a:fld id="{F4D0D417-D880-4BB4-B0FA-3563BBBF0335}" type="datetimeFigureOut">
               <a:rPr lang="ko-KR" altLang="en-US" smtClean="0"/>
-              <a:t>2023-12-07</a:t>
+              <a:t>2023-12-08</a:t>
             </a:fld>
             <a:endParaRPr lang="ko-KR" altLang="en-US"/>
           </a:p>
@@ -1817,7 +1817,7 @@
           <a:p>
             <a:fld id="{F4D0D417-D880-4BB4-B0FA-3563BBBF0335}" type="datetimeFigureOut">
               <a:rPr lang="ko-KR" altLang="en-US" smtClean="0"/>
-              <a:t>2023-12-07</a:t>
+              <a:t>2023-12-08</a:t>
             </a:fld>
             <a:endParaRPr lang="ko-KR" altLang="en-US"/>
           </a:p>
@@ -1958,7 +1958,7 @@
           <a:p>
             <a:fld id="{F4D0D417-D880-4BB4-B0FA-3563BBBF0335}" type="datetimeFigureOut">
               <a:rPr lang="ko-KR" altLang="en-US" smtClean="0"/>
-              <a:t>2023-12-07</a:t>
+              <a:t>2023-12-08</a:t>
             </a:fld>
             <a:endParaRPr lang="ko-KR" altLang="en-US"/>
           </a:p>
@@ -2071,7 +2071,7 @@
           <a:p>
             <a:fld id="{F4D0D417-D880-4BB4-B0FA-3563BBBF0335}" type="datetimeFigureOut">
               <a:rPr lang="ko-KR" altLang="en-US" smtClean="0"/>
-              <a:t>2023-12-07</a:t>
+              <a:t>2023-12-08</a:t>
             </a:fld>
             <a:endParaRPr lang="ko-KR" altLang="en-US"/>
           </a:p>
@@ -2382,7 +2382,7 @@
           <a:p>
             <a:fld id="{F4D0D417-D880-4BB4-B0FA-3563BBBF0335}" type="datetimeFigureOut">
               <a:rPr lang="ko-KR" altLang="en-US" smtClean="0"/>
-              <a:t>2023-12-07</a:t>
+              <a:t>2023-12-08</a:t>
             </a:fld>
             <a:endParaRPr lang="ko-KR" altLang="en-US"/>
           </a:p>
@@ -2670,7 +2670,7 @@
           <a:p>
             <a:fld id="{F4D0D417-D880-4BB4-B0FA-3563BBBF0335}" type="datetimeFigureOut">
               <a:rPr lang="ko-KR" altLang="en-US" smtClean="0"/>
-              <a:t>2023-12-07</a:t>
+              <a:t>2023-12-08</a:t>
             </a:fld>
             <a:endParaRPr lang="ko-KR" altLang="en-US"/>
           </a:p>
@@ -2911,7 +2911,7 @@
           <a:p>
             <a:fld id="{F4D0D417-D880-4BB4-B0FA-3563BBBF0335}" type="datetimeFigureOut">
               <a:rPr lang="ko-KR" altLang="en-US" smtClean="0"/>
-              <a:t>2023-12-07</a:t>
+              <a:t>2023-12-08</a:t>
             </a:fld>
             <a:endParaRPr lang="ko-KR" altLang="en-US"/>
           </a:p>
@@ -11539,7 +11539,7 @@
                   <a:srgbClr val="ED7100"/>
                 </a:solidFill>
               </a:rPr>
-              <a:t>T2</a:t>
+              <a:t>T3</a:t>
             </a:r>
             <a:endParaRPr lang="ko-KR" altLang="en-US" sz="1500" b="1" dirty="0">
               <a:solidFill>

--- a/Final_pjt2/Infra_Pipeline.pptx
+++ b/Final_pjt2/Infra_Pipeline.pptx
@@ -8,6 +8,7 @@
     <p:sldId id="257" r:id="rId2"/>
     <p:sldId id="256" r:id="rId3"/>
     <p:sldId id="258" r:id="rId4"/>
+    <p:sldId id="259" r:id="rId5"/>
   </p:sldIdLst>
   <p:sldSz cx="12192000" cy="6858000"/>
   <p:notesSz cx="6858000" cy="9144000"/>
@@ -261,7 +262,7 @@
           <a:p>
             <a:fld id="{F4D0D417-D880-4BB4-B0FA-3563BBBF0335}" type="datetimeFigureOut">
               <a:rPr lang="ko-KR" altLang="en-US" smtClean="0"/>
-              <a:t>2023-12-06</a:t>
+              <a:t>2023-12-14</a:t>
             </a:fld>
             <a:endParaRPr lang="ko-KR" altLang="en-US"/>
           </a:p>
@@ -459,7 +460,7 @@
           <a:p>
             <a:fld id="{F4D0D417-D880-4BB4-B0FA-3563BBBF0335}" type="datetimeFigureOut">
               <a:rPr lang="ko-KR" altLang="en-US" smtClean="0"/>
-              <a:t>2023-12-06</a:t>
+              <a:t>2023-12-14</a:t>
             </a:fld>
             <a:endParaRPr lang="ko-KR" altLang="en-US"/>
           </a:p>
@@ -667,7 +668,7 @@
           <a:p>
             <a:fld id="{F4D0D417-D880-4BB4-B0FA-3563BBBF0335}" type="datetimeFigureOut">
               <a:rPr lang="ko-KR" altLang="en-US" smtClean="0"/>
-              <a:t>2023-12-06</a:t>
+              <a:t>2023-12-14</a:t>
             </a:fld>
             <a:endParaRPr lang="ko-KR" altLang="en-US"/>
           </a:p>
@@ -865,7 +866,7 @@
           <a:p>
             <a:fld id="{F4D0D417-D880-4BB4-B0FA-3563BBBF0335}" type="datetimeFigureOut">
               <a:rPr lang="ko-KR" altLang="en-US" smtClean="0"/>
-              <a:t>2023-12-06</a:t>
+              <a:t>2023-12-14</a:t>
             </a:fld>
             <a:endParaRPr lang="ko-KR" altLang="en-US"/>
           </a:p>
@@ -1140,7 +1141,7 @@
           <a:p>
             <a:fld id="{F4D0D417-D880-4BB4-B0FA-3563BBBF0335}" type="datetimeFigureOut">
               <a:rPr lang="ko-KR" altLang="en-US" smtClean="0"/>
-              <a:t>2023-12-06</a:t>
+              <a:t>2023-12-14</a:t>
             </a:fld>
             <a:endParaRPr lang="ko-KR" altLang="en-US"/>
           </a:p>
@@ -1405,7 +1406,7 @@
           <a:p>
             <a:fld id="{F4D0D417-D880-4BB4-B0FA-3563BBBF0335}" type="datetimeFigureOut">
               <a:rPr lang="ko-KR" altLang="en-US" smtClean="0"/>
-              <a:t>2023-12-06</a:t>
+              <a:t>2023-12-14</a:t>
             </a:fld>
             <a:endParaRPr lang="ko-KR" altLang="en-US"/>
           </a:p>
@@ -1817,7 +1818,7 @@
           <a:p>
             <a:fld id="{F4D0D417-D880-4BB4-B0FA-3563BBBF0335}" type="datetimeFigureOut">
               <a:rPr lang="ko-KR" altLang="en-US" smtClean="0"/>
-              <a:t>2023-12-06</a:t>
+              <a:t>2023-12-14</a:t>
             </a:fld>
             <a:endParaRPr lang="ko-KR" altLang="en-US"/>
           </a:p>
@@ -1958,7 +1959,7 @@
           <a:p>
             <a:fld id="{F4D0D417-D880-4BB4-B0FA-3563BBBF0335}" type="datetimeFigureOut">
               <a:rPr lang="ko-KR" altLang="en-US" smtClean="0"/>
-              <a:t>2023-12-06</a:t>
+              <a:t>2023-12-14</a:t>
             </a:fld>
             <a:endParaRPr lang="ko-KR" altLang="en-US"/>
           </a:p>
@@ -2071,7 +2072,7 @@
           <a:p>
             <a:fld id="{F4D0D417-D880-4BB4-B0FA-3563BBBF0335}" type="datetimeFigureOut">
               <a:rPr lang="ko-KR" altLang="en-US" smtClean="0"/>
-              <a:t>2023-12-06</a:t>
+              <a:t>2023-12-14</a:t>
             </a:fld>
             <a:endParaRPr lang="ko-KR" altLang="en-US"/>
           </a:p>
@@ -2382,7 +2383,7 @@
           <a:p>
             <a:fld id="{F4D0D417-D880-4BB4-B0FA-3563BBBF0335}" type="datetimeFigureOut">
               <a:rPr lang="ko-KR" altLang="en-US" smtClean="0"/>
-              <a:t>2023-12-06</a:t>
+              <a:t>2023-12-14</a:t>
             </a:fld>
             <a:endParaRPr lang="ko-KR" altLang="en-US"/>
           </a:p>
@@ -2670,7 +2671,7 @@
           <a:p>
             <a:fld id="{F4D0D417-D880-4BB4-B0FA-3563BBBF0335}" type="datetimeFigureOut">
               <a:rPr lang="ko-KR" altLang="en-US" smtClean="0"/>
-              <a:t>2023-12-06</a:t>
+              <a:t>2023-12-14</a:t>
             </a:fld>
             <a:endParaRPr lang="ko-KR" altLang="en-US"/>
           </a:p>
@@ -2911,7 +2912,7 @@
           <a:p>
             <a:fld id="{F4D0D417-D880-4BB4-B0FA-3563BBBF0335}" type="datetimeFigureOut">
               <a:rPr lang="ko-KR" altLang="en-US" smtClean="0"/>
-              <a:t>2023-12-06</a:t>
+              <a:t>2023-12-14</a:t>
             </a:fld>
             <a:endParaRPr lang="ko-KR" altLang="en-US"/>
           </a:p>
@@ -8466,7 +8467,7 @@
         </p:nvGrpSpPr>
         <p:grpSpPr>
           <a:xfrm>
-            <a:off x="409889" y="2725851"/>
+            <a:off x="0" y="2400367"/>
             <a:ext cx="1506538" cy="689870"/>
             <a:chOff x="634119" y="3078325"/>
             <a:chExt cx="1506538" cy="689870"/>
@@ -8586,10 +8587,10 @@
         </p:nvGrpSpPr>
         <p:grpSpPr>
           <a:xfrm>
-            <a:off x="2317774" y="572593"/>
-            <a:ext cx="8711068" cy="5700553"/>
-            <a:chOff x="-5041210" y="-504512"/>
-            <a:chExt cx="8293269" cy="5567440"/>
+            <a:off x="3040525" y="198649"/>
+            <a:ext cx="6606976" cy="6456795"/>
+            <a:chOff x="-4164368" y="-411481"/>
+            <a:chExt cx="6290094" cy="6306026"/>
           </a:xfrm>
         </p:grpSpPr>
         <p:sp>
@@ -8606,8 +8607,8 @@
           </p:nvSpPr>
           <p:spPr>
             <a:xfrm>
-              <a:off x="-5041210" y="-504512"/>
-              <a:ext cx="8293269" cy="5567440"/>
+              <a:off x="-4162948" y="-408785"/>
+              <a:ext cx="6288674" cy="6303330"/>
             </a:xfrm>
             <a:prstGeom prst="rect">
               <a:avLst/>
@@ -8686,7 +8687,7 @@
           </p:blipFill>
           <p:spPr>
             <a:xfrm>
-              <a:off x="-5041210" y="-504106"/>
+              <a:off x="-4164368" y="-411481"/>
               <a:ext cx="381000" cy="381000"/>
             </a:xfrm>
             <a:prstGeom prst="rect">
@@ -8709,9 +8710,9 @@
         </p:nvGrpSpPr>
         <p:grpSpPr>
           <a:xfrm>
-            <a:off x="10530510" y="4990336"/>
+            <a:off x="7503637" y="5565472"/>
             <a:ext cx="2243137" cy="985169"/>
-            <a:chOff x="6741009" y="1093610"/>
+            <a:chOff x="6702909" y="1093610"/>
             <a:chExt cx="2243137" cy="985169"/>
           </a:xfrm>
         </p:grpSpPr>
@@ -8766,7 +8767,7 @@
           </p:nvSpPr>
           <p:spPr>
             <a:xfrm>
-              <a:off x="6741009" y="1801780"/>
+              <a:off x="6702909" y="1801780"/>
               <a:ext cx="2243137" cy="276999"/>
             </a:xfrm>
             <a:prstGeom prst="rect">
@@ -8815,383 +8816,6 @@
           </p:txBody>
         </p:sp>
       </p:grpSp>
-      <p:cxnSp>
-        <p:nvCxnSpPr>
-          <p:cNvPr id="61" name="연결선: 꺾임 60">
-            <a:extLst>
-              <a:ext uri="{FF2B5EF4-FFF2-40B4-BE49-F238E27FC236}">
-                <a16:creationId xmlns:a16="http://schemas.microsoft.com/office/drawing/2014/main" id="{93EA9C7C-C628-C09A-1A1C-A97FBCE02E27}"/>
-              </a:ext>
-            </a:extLst>
-          </p:cNvPr>
-          <p:cNvCxnSpPr>
-            <a:cxnSpLocks/>
-          </p:cNvCxnSpPr>
-          <p:nvPr/>
-        </p:nvCxnSpPr>
-        <p:spPr>
-          <a:xfrm>
-            <a:off x="905267" y="4470241"/>
-            <a:ext cx="1629018" cy="1999220"/>
-          </a:xfrm>
-          <a:prstGeom prst="bentConnector3">
-            <a:avLst>
-              <a:gd name="adj1" fmla="val 50000"/>
-            </a:avLst>
-          </a:prstGeom>
-          <a:ln w="19050">
-            <a:solidFill>
-              <a:schemeClr val="accent6"/>
-            </a:solidFill>
-            <a:tailEnd type="triangle"/>
-          </a:ln>
-        </p:spPr>
-        <p:style>
-          <a:lnRef idx="1">
-            <a:schemeClr val="dk1"/>
-          </a:lnRef>
-          <a:fillRef idx="0">
-            <a:schemeClr val="dk1"/>
-          </a:fillRef>
-          <a:effectRef idx="0">
-            <a:schemeClr val="dk1"/>
-          </a:effectRef>
-          <a:fontRef idx="minor">
-            <a:schemeClr val="tx1"/>
-          </a:fontRef>
-        </p:style>
-      </p:cxnSp>
-      <p:sp>
-        <p:nvSpPr>
-          <p:cNvPr id="56" name="label">
-            <a:extLst>
-              <a:ext uri="{FF2B5EF4-FFF2-40B4-BE49-F238E27FC236}">
-                <a16:creationId xmlns:a16="http://schemas.microsoft.com/office/drawing/2014/main" id="{D90A29EC-0622-764A-D92D-F743C57A442B}"/>
-              </a:ext>
-            </a:extLst>
-          </p:cNvPr>
-          <p:cNvSpPr txBox="1">
-            <a:spLocks noChangeArrowheads="1"/>
-          </p:cNvSpPr>
-          <p:nvPr/>
-        </p:nvSpPr>
-        <p:spPr>
-          <a:xfrm>
-            <a:off x="924780" y="2048243"/>
-            <a:ext cx="1006074" cy="246221"/>
-          </a:xfrm>
-          <a:prstGeom prst="rect">
-            <a:avLst/>
-          </a:prstGeom>
-          <a:solidFill>
-            <a:schemeClr val="bg1"/>
-          </a:solidFill>
-          <a:ln>
-            <a:noFill/>
-          </a:ln>
-        </p:spPr>
-        <p:style>
-          <a:lnRef idx="2">
-            <a:schemeClr val="dk1">
-              <a:shade val="15000"/>
-            </a:schemeClr>
-          </a:lnRef>
-          <a:fillRef idx="1">
-            <a:schemeClr val="dk1"/>
-          </a:fillRef>
-          <a:effectRef idx="0">
-            <a:schemeClr val="dk1"/>
-          </a:effectRef>
-          <a:fontRef idx="minor">
-            <a:schemeClr val="lt1"/>
-          </a:fontRef>
-        </p:style>
-        <p:txBody>
-          <a:bodyPr wrap="square">
-            <a:spAutoFit/>
-          </a:bodyPr>
-          <a:lstStyle>
-            <a:lvl1pPr marL="0" indent="0">
-              <a:lnSpc>
-                <a:spcPct val="100000"/>
-              </a:lnSpc>
-              <a:spcBef>
-                <a:spcPct val="0"/>
-              </a:spcBef>
-              <a:spcAft>
-                <a:spcPts val="0"/>
-              </a:spcAft>
-              <a:defRPr kumimoji="0" sz="1800" b="0" i="0" u="none" strike="noStrike" kern="0" cap="none" spc="0" normalizeH="0" baseline="0">
-                <a:solidFill>
-                  <a:schemeClr val="tx1"/>
-                </a:solidFill>
-              </a:defRPr>
-            </a:lvl1pPr>
-          </a:lstStyle>
-          <a:p>
-            <a:pPr algn="ctr" eaLnBrk="1" hangingPunct="1">
-              <a:defRPr/>
-            </a:pPr>
-            <a:r>
-              <a:rPr lang="en-US" altLang="en-US" sz="1000" i="1" dirty="0">
-                <a:latin typeface="Arial"/>
-                <a:cs typeface="Arial"/>
-              </a:rPr>
-              <a:t>Upload Video</a:t>
-            </a:r>
-          </a:p>
-        </p:txBody>
-      </p:sp>
-      <p:sp>
-        <p:nvSpPr>
-          <p:cNvPr id="123" name="label">
-            <a:extLst>
-              <a:ext uri="{FF2B5EF4-FFF2-40B4-BE49-F238E27FC236}">
-                <a16:creationId xmlns:a16="http://schemas.microsoft.com/office/drawing/2014/main" id="{3E566940-318D-2E75-79EF-E0421FF11678}"/>
-              </a:ext>
-            </a:extLst>
-          </p:cNvPr>
-          <p:cNvSpPr txBox="1">
-            <a:spLocks noChangeArrowheads="1"/>
-          </p:cNvSpPr>
-          <p:nvPr/>
-        </p:nvSpPr>
-        <p:spPr>
-          <a:xfrm>
-            <a:off x="458051" y="404519"/>
-            <a:ext cx="1172413" cy="246221"/>
-          </a:xfrm>
-          <a:prstGeom prst="rect">
-            <a:avLst/>
-          </a:prstGeom>
-          <a:solidFill>
-            <a:schemeClr val="bg1"/>
-          </a:solidFill>
-          <a:ln>
-            <a:solidFill>
-              <a:schemeClr val="bg1"/>
-            </a:solidFill>
-          </a:ln>
-        </p:spPr>
-        <p:style>
-          <a:lnRef idx="2">
-            <a:schemeClr val="dk1"/>
-          </a:lnRef>
-          <a:fillRef idx="1">
-            <a:schemeClr val="lt1"/>
-          </a:fillRef>
-          <a:effectRef idx="0">
-            <a:schemeClr val="dk1"/>
-          </a:effectRef>
-          <a:fontRef idx="minor">
-            <a:schemeClr val="dk1"/>
-          </a:fontRef>
-        </p:style>
-        <p:txBody>
-          <a:bodyPr wrap="square">
-            <a:spAutoFit/>
-          </a:bodyPr>
-          <a:lstStyle>
-            <a:lvl1pPr marL="0" indent="0">
-              <a:lnSpc>
-                <a:spcPct val="100000"/>
-              </a:lnSpc>
-              <a:spcBef>
-                <a:spcPct val="0"/>
-              </a:spcBef>
-              <a:spcAft>
-                <a:spcPts val="0"/>
-              </a:spcAft>
-              <a:defRPr kumimoji="0" sz="1800" b="0" i="0" u="none" strike="noStrike" kern="0" cap="none" spc="0" normalizeH="0" baseline="0">
-                <a:solidFill>
-                  <a:schemeClr val="tx1"/>
-                </a:solidFill>
-              </a:defRPr>
-            </a:lvl1pPr>
-          </a:lstStyle>
-          <a:p>
-            <a:pPr algn="ctr" eaLnBrk="1" hangingPunct="1">
-              <a:defRPr/>
-            </a:pPr>
-            <a:r>
-              <a:rPr lang="en-US" altLang="en-US" sz="1000" i="1" dirty="0">
-                <a:latin typeface="Arial"/>
-                <a:cs typeface="Arial"/>
-              </a:rPr>
-              <a:t>Analyzed Data</a:t>
-            </a:r>
-          </a:p>
-        </p:txBody>
-      </p:sp>
-      <p:sp>
-        <p:nvSpPr>
-          <p:cNvPr id="169" name="TextBox 168">
-            <a:extLst>
-              <a:ext uri="{FF2B5EF4-FFF2-40B4-BE49-F238E27FC236}">
-                <a16:creationId xmlns:a16="http://schemas.microsoft.com/office/drawing/2014/main" id="{69FBF9EB-9BCE-2ACB-79E0-BBDE52B626B6}"/>
-              </a:ext>
-            </a:extLst>
-          </p:cNvPr>
-          <p:cNvSpPr txBox="1"/>
-          <p:nvPr/>
-        </p:nvSpPr>
-        <p:spPr>
-          <a:xfrm>
-            <a:off x="718085" y="1707231"/>
-            <a:ext cx="671979" cy="323165"/>
-          </a:xfrm>
-          <a:prstGeom prst="rect">
-            <a:avLst/>
-          </a:prstGeom>
-          <a:solidFill>
-            <a:srgbClr val="FF0066"/>
-          </a:solidFill>
-        </p:spPr>
-        <p:style>
-          <a:lnRef idx="2">
-            <a:schemeClr val="accent4">
-              <a:shade val="15000"/>
-            </a:schemeClr>
-          </a:lnRef>
-          <a:fillRef idx="1">
-            <a:schemeClr val="accent4"/>
-          </a:fillRef>
-          <a:effectRef idx="0">
-            <a:schemeClr val="accent4"/>
-          </a:effectRef>
-          <a:fontRef idx="minor">
-            <a:schemeClr val="lt1"/>
-          </a:fontRef>
-        </p:style>
-        <p:txBody>
-          <a:bodyPr wrap="none" rtlCol="0">
-            <a:spAutoFit/>
-          </a:bodyPr>
-          <a:lstStyle/>
-          <a:p>
-            <a:r>
-              <a:rPr lang="en-US" altLang="ko-KR" sz="1500" b="1" dirty="0">
-                <a:solidFill>
-                  <a:schemeClr val="bg1"/>
-                </a:solidFill>
-              </a:rPr>
-              <a:t>Input</a:t>
-            </a:r>
-            <a:endParaRPr lang="ko-KR" altLang="en-US" sz="1500" b="1" dirty="0">
-              <a:solidFill>
-                <a:schemeClr val="bg1"/>
-              </a:solidFill>
-            </a:endParaRPr>
-          </a:p>
-        </p:txBody>
-      </p:sp>
-      <p:cxnSp>
-        <p:nvCxnSpPr>
-          <p:cNvPr id="9" name="직선 화살표 연결선 8">
-            <a:extLst>
-              <a:ext uri="{FF2B5EF4-FFF2-40B4-BE49-F238E27FC236}">
-                <a16:creationId xmlns:a16="http://schemas.microsoft.com/office/drawing/2014/main" id="{2B07837E-1F65-8B79-FCB2-0DEDE3552CE7}"/>
-              </a:ext>
-            </a:extLst>
-          </p:cNvPr>
-          <p:cNvCxnSpPr>
-            <a:stCxn id="48" idx="3"/>
-            <a:endCxn id="4" idx="1"/>
-          </p:cNvCxnSpPr>
-          <p:nvPr/>
-        </p:nvCxnSpPr>
-        <p:spPr>
-          <a:xfrm>
-            <a:off x="5885641" y="4983620"/>
-            <a:ext cx="2946198" cy="381737"/>
-          </a:xfrm>
-          <a:prstGeom prst="straightConnector1">
-            <a:avLst/>
-          </a:prstGeom>
-          <a:ln w="19050">
-            <a:solidFill>
-              <a:schemeClr val="accent6"/>
-            </a:solidFill>
-            <a:tailEnd type="triangle"/>
-          </a:ln>
-        </p:spPr>
-        <p:style>
-          <a:lnRef idx="1">
-            <a:schemeClr val="accent1"/>
-          </a:lnRef>
-          <a:fillRef idx="0">
-            <a:schemeClr val="accent1"/>
-          </a:fillRef>
-          <a:effectRef idx="0">
-            <a:schemeClr val="accent1"/>
-          </a:effectRef>
-          <a:fontRef idx="minor">
-            <a:schemeClr val="tx1"/>
-          </a:fontRef>
-        </p:style>
-      </p:cxnSp>
-      <p:sp>
-        <p:nvSpPr>
-          <p:cNvPr id="58" name="TextBox 57">
-            <a:extLst>
-              <a:ext uri="{FF2B5EF4-FFF2-40B4-BE49-F238E27FC236}">
-                <a16:creationId xmlns:a16="http://schemas.microsoft.com/office/drawing/2014/main" id="{BAE93ABB-36FE-A60C-0CD8-3F07C56EC9E1}"/>
-              </a:ext>
-            </a:extLst>
-          </p:cNvPr>
-          <p:cNvSpPr txBox="1"/>
-          <p:nvPr/>
-        </p:nvSpPr>
-        <p:spPr>
-          <a:xfrm>
-            <a:off x="374545" y="726774"/>
-            <a:ext cx="835485" cy="323165"/>
-          </a:xfrm>
-          <a:prstGeom prst="rect">
-            <a:avLst/>
-          </a:prstGeom>
-          <a:solidFill>
-            <a:srgbClr val="FF0066"/>
-          </a:solidFill>
-        </p:spPr>
-        <p:style>
-          <a:lnRef idx="2">
-            <a:schemeClr val="accent4">
-              <a:shade val="15000"/>
-            </a:schemeClr>
-          </a:lnRef>
-          <a:fillRef idx="1">
-            <a:schemeClr val="accent4"/>
-          </a:fillRef>
-          <a:effectRef idx="0">
-            <a:schemeClr val="accent4"/>
-          </a:effectRef>
-          <a:fontRef idx="minor">
-            <a:schemeClr val="lt1"/>
-          </a:fontRef>
-        </p:style>
-        <p:txBody>
-          <a:bodyPr wrap="none" rtlCol="0">
-            <a:spAutoFit/>
-          </a:bodyPr>
-          <a:lstStyle/>
-          <a:p>
-            <a:r>
-              <a:rPr lang="en-US" altLang="ko-KR" sz="1500" b="1" dirty="0">
-                <a:solidFill>
-                  <a:schemeClr val="bg1"/>
-                </a:solidFill>
-              </a:rPr>
-              <a:t>Output</a:t>
-            </a:r>
-            <a:endParaRPr lang="ko-KR" altLang="en-US" sz="1500" b="1" dirty="0">
-              <a:solidFill>
-                <a:schemeClr val="bg1"/>
-              </a:solidFill>
-            </a:endParaRPr>
-          </a:p>
-        </p:txBody>
-      </p:sp>
       <p:grpSp>
         <p:nvGrpSpPr>
           <p:cNvPr id="103" name="그룹 102">
@@ -9206,7 +8830,7 @@
         </p:nvGrpSpPr>
         <p:grpSpPr>
           <a:xfrm>
-            <a:off x="10589213" y="2424707"/>
+            <a:off x="12606436" y="57875"/>
             <a:ext cx="1727273" cy="1007249"/>
             <a:chOff x="10497370" y="2847616"/>
             <a:chExt cx="1727273" cy="1007249"/>
@@ -9459,51 +9083,6 @@
           </p:txBody>
         </p:sp>
       </p:grpSp>
-      <p:cxnSp>
-        <p:nvCxnSpPr>
-          <p:cNvPr id="105" name="직선 화살표 연결선 104">
-            <a:extLst>
-              <a:ext uri="{FF2B5EF4-FFF2-40B4-BE49-F238E27FC236}">
-                <a16:creationId xmlns:a16="http://schemas.microsoft.com/office/drawing/2014/main" id="{B8A99F07-5E60-5D7A-6E60-51D817B2BA7A}"/>
-              </a:ext>
-            </a:extLst>
-          </p:cNvPr>
-          <p:cNvCxnSpPr>
-            <a:cxnSpLocks/>
-            <a:stCxn id="101" idx="1"/>
-          </p:cNvCxnSpPr>
-          <p:nvPr/>
-        </p:nvCxnSpPr>
-        <p:spPr>
-          <a:xfrm flipH="1">
-            <a:off x="10149611" y="2777507"/>
-            <a:ext cx="922239" cy="28200"/>
-          </a:xfrm>
-          <a:prstGeom prst="straightConnector1">
-            <a:avLst/>
-          </a:prstGeom>
-          <a:ln w="19050">
-            <a:solidFill>
-              <a:schemeClr val="tx1"/>
-            </a:solidFill>
-            <a:tailEnd type="triangle"/>
-          </a:ln>
-        </p:spPr>
-        <p:style>
-          <a:lnRef idx="1">
-            <a:schemeClr val="accent1"/>
-          </a:lnRef>
-          <a:fillRef idx="0">
-            <a:schemeClr val="accent1"/>
-          </a:fillRef>
-          <a:effectRef idx="0">
-            <a:schemeClr val="accent1"/>
-          </a:effectRef>
-          <a:fontRef idx="minor">
-            <a:schemeClr val="tx1"/>
-          </a:fontRef>
-        </p:style>
-      </p:cxnSp>
       <p:grpSp>
         <p:nvGrpSpPr>
           <p:cNvPr id="2" name="VPCGroup" descr="Virtual private cloud (VPC) group inside the AWS Cloud grouping.">
@@ -9518,7 +9097,7 @@
         </p:nvGrpSpPr>
         <p:grpSpPr>
           <a:xfrm>
-            <a:off x="3449845" y="1267452"/>
+            <a:off x="3251579" y="798250"/>
             <a:ext cx="6217130" cy="3136928"/>
             <a:chOff x="4858238" y="2084361"/>
             <a:chExt cx="6833324" cy="3409837"/>
@@ -9621,7 +9200,7 @@
           </p:blipFill>
           <p:spPr>
             <a:xfrm>
-              <a:off x="4858238" y="2097862"/>
+              <a:off x="4858238" y="2090097"/>
               <a:ext cx="381000" cy="381000"/>
             </a:xfrm>
             <a:prstGeom prst="rect">
@@ -9644,7 +9223,7 @@
         </p:nvSpPr>
         <p:spPr>
           <a:xfrm>
-            <a:off x="4081680" y="2218616"/>
+            <a:off x="3883414" y="1749414"/>
             <a:ext cx="5219889" cy="1823382"/>
           </a:xfrm>
           <a:prstGeom prst="rect">
@@ -9717,9 +9296,9 @@
         </p:nvGrpSpPr>
         <p:grpSpPr>
           <a:xfrm>
-            <a:off x="4438317" y="4630820"/>
+            <a:off x="4194522" y="4100294"/>
             <a:ext cx="2239962" cy="1006114"/>
-            <a:chOff x="5374440" y="5267982"/>
+            <a:chOff x="5355390" y="5267982"/>
             <a:chExt cx="2239962" cy="1006114"/>
           </a:xfrm>
         </p:grpSpPr>
@@ -9774,7 +9353,7 @@
           </p:nvSpPr>
           <p:spPr>
             <a:xfrm>
-              <a:off x="5374440" y="5997097"/>
+              <a:off x="5355390" y="5997097"/>
               <a:ext cx="2239962" cy="276999"/>
             </a:xfrm>
             <a:prstGeom prst="rect">
@@ -9839,7 +9418,7 @@
         </p:nvSpPr>
         <p:spPr>
           <a:xfrm>
-            <a:off x="1096233" y="5463776"/>
+            <a:off x="-1040531" y="3797457"/>
             <a:ext cx="827880" cy="246221"/>
           </a:xfrm>
           <a:prstGeom prst="rect">
@@ -9918,7 +9497,7 @@
         </p:nvSpPr>
         <p:spPr>
           <a:xfrm>
-            <a:off x="1065745" y="5147848"/>
+            <a:off x="1593312" y="1887936"/>
             <a:ext cx="290464" cy="323165"/>
           </a:xfrm>
           <a:prstGeom prst="rect">
@@ -9977,10 +9556,10 @@
         </p:nvGrpSpPr>
         <p:grpSpPr>
           <a:xfrm>
-            <a:off x="8083940" y="5012557"/>
-            <a:ext cx="2292350" cy="1193781"/>
-            <a:chOff x="8350640" y="5267982"/>
-            <a:chExt cx="2292350" cy="1193781"/>
+            <a:off x="5797645" y="4096621"/>
+            <a:ext cx="2292350" cy="1163003"/>
+            <a:chOff x="8283965" y="5267982"/>
+            <a:chExt cx="2292350" cy="1163003"/>
           </a:xfrm>
         </p:grpSpPr>
         <p:pic>
@@ -10057,8 +9636,8 @@
           </p:nvSpPr>
           <p:spPr bwMode="auto">
             <a:xfrm>
-              <a:off x="8350640" y="6000098"/>
-              <a:ext cx="2292350" cy="461665"/>
+              <a:off x="8283965" y="6000098"/>
+              <a:ext cx="2292350" cy="430887"/>
             </a:xfrm>
             <a:prstGeom prst="rect">
               <a:avLst/>
@@ -10230,12 +9809,12 @@
             <a:p>
               <a:pPr algn="ctr" eaLnBrk="1" hangingPunct="1"/>
               <a:r>
-                <a:rPr lang="en-US" altLang="en-US" sz="1200" dirty="0">
+                <a:rPr lang="en-US" altLang="en-US" sz="1000" dirty="0">
                   <a:latin typeface="Arial" panose="020B0604020202020204" pitchFamily="34" charset="0"/>
                   <a:ea typeface="Amazon Ember" panose="020B0603020204020204" pitchFamily="34" charset="0"/>
                   <a:cs typeface="Arial" panose="020B0604020202020204" pitchFamily="34" charset="0"/>
                 </a:rPr>
-                <a:t>(Feature Extraction)</a:t>
+                <a:t>(Run Python File)</a:t>
               </a:r>
             </a:p>
           </p:txBody>
@@ -10243,10 +9822,1391 @@
       </p:grpSp>
       <p:sp>
         <p:nvSpPr>
-          <p:cNvPr id="149" name="label">
-            <a:extLst>
-              <a:ext uri="{FF2B5EF4-FFF2-40B4-BE49-F238E27FC236}">
-                <a16:creationId xmlns:a16="http://schemas.microsoft.com/office/drawing/2014/main" id="{BF579B65-B8C7-5FD6-E7FC-FC30C7F55870}"/>
+          <p:cNvPr id="23" name="TextBox 6">
+            <a:extLst>
+              <a:ext uri="{FF2B5EF4-FFF2-40B4-BE49-F238E27FC236}">
+                <a16:creationId xmlns:a16="http://schemas.microsoft.com/office/drawing/2014/main" id="{36FEB6A7-BBBF-BF4E-B09F-F70950BA7F04}"/>
+              </a:ext>
+            </a:extLst>
+          </p:cNvPr>
+          <p:cNvSpPr txBox="1">
+            <a:spLocks noChangeArrowheads="1"/>
+          </p:cNvSpPr>
+          <p:nvPr/>
+        </p:nvSpPr>
+        <p:spPr bwMode="auto">
+          <a:xfrm>
+            <a:off x="5169264" y="1972874"/>
+            <a:ext cx="2496630" cy="276999"/>
+          </a:xfrm>
+          <a:prstGeom prst="rect">
+            <a:avLst/>
+          </a:prstGeom>
+          <a:noFill/>
+          <a:ln>
+            <a:noFill/>
+          </a:ln>
+          <a:extLst>
+            <a:ext uri="{909E8E84-426E-40DD-AFC4-6F175D3DCCD1}">
+              <a14:hiddenFill xmlns:a14="http://schemas.microsoft.com/office/drawing/2010/main">
+                <a:solidFill>
+                  <a:srgbClr val="FFFFFF"/>
+                </a:solidFill>
+              </a14:hiddenFill>
+            </a:ext>
+            <a:ext uri="{91240B29-F687-4F45-9708-019B960494DF}">
+              <a14:hiddenLine xmlns:a14="http://schemas.microsoft.com/office/drawing/2010/main" w="9525">
+                <a:solidFill>
+                  <a:srgbClr val="000000"/>
+                </a:solidFill>
+                <a:miter lim="800000"/>
+                <a:headEnd/>
+                <a:tailEnd/>
+              </a14:hiddenLine>
+            </a:ext>
+          </a:extLst>
+        </p:spPr>
+        <p:txBody>
+          <a:bodyPr>
+            <a:spAutoFit/>
+          </a:bodyPr>
+          <a:lstStyle>
+            <a:defPPr>
+              <a:defRPr lang="en-US"/>
+            </a:defPPr>
+            <a:lvl1pPr algn="l" rtl="0" eaLnBrk="0" fontAlgn="base" hangingPunct="0">
+              <a:spcBef>
+                <a:spcPct val="0"/>
+              </a:spcBef>
+              <a:spcAft>
+                <a:spcPct val="0"/>
+              </a:spcAft>
+              <a:defRPr kern="1200">
+                <a:solidFill>
+                  <a:schemeClr val="tx1"/>
+                </a:solidFill>
+                <a:latin typeface="Calibri" panose="020F0502020204030204" pitchFamily="34" charset="0"/>
+                <a:ea typeface="+mn-ea"/>
+                <a:cs typeface="+mn-cs"/>
+              </a:defRPr>
+            </a:lvl1pPr>
+            <a:lvl2pPr marL="457200" algn="l" rtl="0" eaLnBrk="0" fontAlgn="base" hangingPunct="0">
+              <a:spcBef>
+                <a:spcPct val="0"/>
+              </a:spcBef>
+              <a:spcAft>
+                <a:spcPct val="0"/>
+              </a:spcAft>
+              <a:defRPr kern="1200">
+                <a:solidFill>
+                  <a:schemeClr val="tx1"/>
+                </a:solidFill>
+                <a:latin typeface="Calibri" panose="020F0502020204030204" pitchFamily="34" charset="0"/>
+                <a:ea typeface="+mn-ea"/>
+                <a:cs typeface="+mn-cs"/>
+              </a:defRPr>
+            </a:lvl2pPr>
+            <a:lvl3pPr marL="914400" algn="l" rtl="0" eaLnBrk="0" fontAlgn="base" hangingPunct="0">
+              <a:spcBef>
+                <a:spcPct val="0"/>
+              </a:spcBef>
+              <a:spcAft>
+                <a:spcPct val="0"/>
+              </a:spcAft>
+              <a:defRPr kern="1200">
+                <a:solidFill>
+                  <a:schemeClr val="tx1"/>
+                </a:solidFill>
+                <a:latin typeface="Calibri" panose="020F0502020204030204" pitchFamily="34" charset="0"/>
+                <a:ea typeface="+mn-ea"/>
+                <a:cs typeface="+mn-cs"/>
+              </a:defRPr>
+            </a:lvl3pPr>
+            <a:lvl4pPr marL="1371600" algn="l" rtl="0" eaLnBrk="0" fontAlgn="base" hangingPunct="0">
+              <a:spcBef>
+                <a:spcPct val="0"/>
+              </a:spcBef>
+              <a:spcAft>
+                <a:spcPct val="0"/>
+              </a:spcAft>
+              <a:defRPr kern="1200">
+                <a:solidFill>
+                  <a:schemeClr val="tx1"/>
+                </a:solidFill>
+                <a:latin typeface="Calibri" panose="020F0502020204030204" pitchFamily="34" charset="0"/>
+                <a:ea typeface="+mn-ea"/>
+                <a:cs typeface="+mn-cs"/>
+              </a:defRPr>
+            </a:lvl4pPr>
+            <a:lvl5pPr marL="1828800" algn="l" rtl="0" eaLnBrk="0" fontAlgn="base" hangingPunct="0">
+              <a:spcBef>
+                <a:spcPct val="0"/>
+              </a:spcBef>
+              <a:spcAft>
+                <a:spcPct val="0"/>
+              </a:spcAft>
+              <a:defRPr kern="1200">
+                <a:solidFill>
+                  <a:schemeClr val="tx1"/>
+                </a:solidFill>
+                <a:latin typeface="Calibri" panose="020F0502020204030204" pitchFamily="34" charset="0"/>
+                <a:ea typeface="+mn-ea"/>
+                <a:cs typeface="+mn-cs"/>
+              </a:defRPr>
+            </a:lvl5pPr>
+            <a:lvl6pPr marL="2286000" algn="l" defTabSz="914400" rtl="0" eaLnBrk="1" latinLnBrk="0" hangingPunct="1">
+              <a:defRPr kern="1200">
+                <a:solidFill>
+                  <a:schemeClr val="tx1"/>
+                </a:solidFill>
+                <a:latin typeface="Calibri" panose="020F0502020204030204" pitchFamily="34" charset="0"/>
+                <a:ea typeface="+mn-ea"/>
+                <a:cs typeface="+mn-cs"/>
+              </a:defRPr>
+            </a:lvl6pPr>
+            <a:lvl7pPr marL="2743200" algn="l" defTabSz="914400" rtl="0" eaLnBrk="1" latinLnBrk="0" hangingPunct="1">
+              <a:defRPr kern="1200">
+                <a:solidFill>
+                  <a:schemeClr val="tx1"/>
+                </a:solidFill>
+                <a:latin typeface="Calibri" panose="020F0502020204030204" pitchFamily="34" charset="0"/>
+                <a:ea typeface="+mn-ea"/>
+                <a:cs typeface="+mn-cs"/>
+              </a:defRPr>
+            </a:lvl7pPr>
+            <a:lvl8pPr marL="3200400" algn="l" defTabSz="914400" rtl="0" eaLnBrk="1" latinLnBrk="0" hangingPunct="1">
+              <a:defRPr kern="1200">
+                <a:solidFill>
+                  <a:schemeClr val="tx1"/>
+                </a:solidFill>
+                <a:latin typeface="Calibri" panose="020F0502020204030204" pitchFamily="34" charset="0"/>
+                <a:ea typeface="+mn-ea"/>
+                <a:cs typeface="+mn-cs"/>
+              </a:defRPr>
+            </a:lvl8pPr>
+            <a:lvl9pPr marL="3657600" algn="l" defTabSz="914400" rtl="0" eaLnBrk="1" latinLnBrk="0" hangingPunct="1">
+              <a:defRPr kern="1200">
+                <a:solidFill>
+                  <a:schemeClr val="tx1"/>
+                </a:solidFill>
+                <a:latin typeface="Calibri" panose="020F0502020204030204" pitchFamily="34" charset="0"/>
+                <a:ea typeface="+mn-ea"/>
+                <a:cs typeface="+mn-cs"/>
+              </a:defRPr>
+            </a:lvl9pPr>
+          </a:lstStyle>
+          <a:p>
+            <a:pPr algn="ctr" eaLnBrk="1" hangingPunct="1"/>
+            <a:r>
+              <a:rPr lang="en-US" altLang="en-US" sz="1200" dirty="0">
+                <a:latin typeface="Arial" panose="020B0604020202020204" pitchFamily="34" charset="0"/>
+                <a:ea typeface="Amazon Ember" panose="020B0603020204020204" pitchFamily="34" charset="0"/>
+                <a:cs typeface="Arial" panose="020B0604020202020204" pitchFamily="34" charset="0"/>
+              </a:rPr>
+              <a:t>(Web Server)</a:t>
+            </a:r>
+          </a:p>
+        </p:txBody>
+      </p:sp>
+      <p:sp>
+        <p:nvSpPr>
+          <p:cNvPr id="171" name="TextBox 170">
+            <a:extLst>
+              <a:ext uri="{FF2B5EF4-FFF2-40B4-BE49-F238E27FC236}">
+                <a16:creationId xmlns:a16="http://schemas.microsoft.com/office/drawing/2014/main" id="{9C2B899A-FBCA-5701-1C53-DD6AA41A1849}"/>
+              </a:ext>
+            </a:extLst>
+          </p:cNvPr>
+          <p:cNvSpPr txBox="1"/>
+          <p:nvPr/>
+        </p:nvSpPr>
+        <p:spPr>
+          <a:xfrm>
+            <a:off x="1514499" y="3198726"/>
+            <a:ext cx="290464" cy="323165"/>
+          </a:xfrm>
+          <a:prstGeom prst="rect">
+            <a:avLst/>
+          </a:prstGeom>
+        </p:spPr>
+        <p:style>
+          <a:lnRef idx="2">
+            <a:schemeClr val="accent4">
+              <a:shade val="15000"/>
+            </a:schemeClr>
+          </a:lnRef>
+          <a:fillRef idx="1">
+            <a:schemeClr val="accent4"/>
+          </a:fillRef>
+          <a:effectRef idx="0">
+            <a:schemeClr val="accent4"/>
+          </a:effectRef>
+          <a:fontRef idx="minor">
+            <a:schemeClr val="lt1"/>
+          </a:fontRef>
+        </p:style>
+        <p:txBody>
+          <a:bodyPr wrap="none" rtlCol="0">
+            <a:spAutoFit/>
+          </a:bodyPr>
+          <a:lstStyle/>
+          <a:p>
+            <a:r>
+              <a:rPr lang="en-US" altLang="ko-KR" sz="1500" dirty="0">
+                <a:solidFill>
+                  <a:schemeClr val="tx1"/>
+                </a:solidFill>
+              </a:rPr>
+              <a:t>7</a:t>
+            </a:r>
+            <a:endParaRPr lang="ko-KR" altLang="en-US" sz="1500" dirty="0">
+              <a:solidFill>
+                <a:schemeClr val="tx1"/>
+              </a:solidFill>
+            </a:endParaRPr>
+          </a:p>
+        </p:txBody>
+      </p:sp>
+      <p:sp>
+        <p:nvSpPr>
+          <p:cNvPr id="173" name="TextBox 172">
+            <a:extLst>
+              <a:ext uri="{FF2B5EF4-FFF2-40B4-BE49-F238E27FC236}">
+                <a16:creationId xmlns:a16="http://schemas.microsoft.com/office/drawing/2014/main" id="{9279C484-B37C-B86A-2475-D74238FF1744}"/>
+              </a:ext>
+            </a:extLst>
+          </p:cNvPr>
+          <p:cNvSpPr txBox="1"/>
+          <p:nvPr/>
+        </p:nvSpPr>
+        <p:spPr>
+          <a:xfrm>
+            <a:off x="4906828" y="3111483"/>
+            <a:ext cx="290464" cy="323165"/>
+          </a:xfrm>
+          <a:prstGeom prst="rect">
+            <a:avLst/>
+          </a:prstGeom>
+        </p:spPr>
+        <p:style>
+          <a:lnRef idx="2">
+            <a:schemeClr val="accent4">
+              <a:shade val="15000"/>
+            </a:schemeClr>
+          </a:lnRef>
+          <a:fillRef idx="1">
+            <a:schemeClr val="accent4"/>
+          </a:fillRef>
+          <a:effectRef idx="0">
+            <a:schemeClr val="accent4"/>
+          </a:effectRef>
+          <a:fontRef idx="minor">
+            <a:schemeClr val="lt1"/>
+          </a:fontRef>
+        </p:style>
+        <p:txBody>
+          <a:bodyPr wrap="none" rtlCol="0">
+            <a:spAutoFit/>
+          </a:bodyPr>
+          <a:lstStyle/>
+          <a:p>
+            <a:r>
+              <a:rPr lang="en-US" altLang="ko-KR" sz="1500" dirty="0">
+                <a:solidFill>
+                  <a:schemeClr val="tx1"/>
+                </a:solidFill>
+              </a:rPr>
+              <a:t>2</a:t>
+            </a:r>
+            <a:endParaRPr lang="ko-KR" altLang="en-US" sz="1500" dirty="0">
+              <a:solidFill>
+                <a:schemeClr val="tx1"/>
+              </a:solidFill>
+            </a:endParaRPr>
+          </a:p>
+        </p:txBody>
+      </p:sp>
+      <p:grpSp>
+        <p:nvGrpSpPr>
+          <p:cNvPr id="14" name="Group 5" descr="Region group.">
+            <a:extLst>
+              <a:ext uri="{FF2B5EF4-FFF2-40B4-BE49-F238E27FC236}">
+                <a16:creationId xmlns:a16="http://schemas.microsoft.com/office/drawing/2014/main" id="{C213CCDF-1849-EA9C-DBC6-F7C70AE46BC2}"/>
+              </a:ext>
+            </a:extLst>
+          </p:cNvPr>
+          <p:cNvGrpSpPr/>
+          <p:nvPr/>
+        </p:nvGrpSpPr>
+        <p:grpSpPr>
+          <a:xfrm>
+            <a:off x="3420916" y="1324791"/>
+            <a:ext cx="5899771" cy="2390656"/>
+            <a:chOff x="4214036" y="1506395"/>
+            <a:chExt cx="5899771" cy="2390656"/>
+          </a:xfrm>
+        </p:grpSpPr>
+        <p:sp>
+          <p:nvSpPr>
+            <p:cNvPr id="15" name="Rectangle 60" descr="Region group">
+              <a:extLst>
+                <a:ext uri="{FF2B5EF4-FFF2-40B4-BE49-F238E27FC236}">
+                  <a16:creationId xmlns:a16="http://schemas.microsoft.com/office/drawing/2014/main" id="{1E3F53C5-806B-5788-799A-84A4EB71A9A2}"/>
+                </a:ext>
+              </a:extLst>
+            </p:cNvPr>
+            <p:cNvSpPr/>
+            <p:nvPr/>
+          </p:nvSpPr>
+          <p:spPr>
+            <a:xfrm>
+              <a:off x="4215623" y="1512745"/>
+              <a:ext cx="5898184" cy="2384306"/>
+            </a:xfrm>
+            <a:prstGeom prst="rect">
+              <a:avLst/>
+            </a:prstGeom>
+            <a:noFill/>
+            <a:ln w="12700">
+              <a:solidFill>
+                <a:srgbClr val="00A4A6"/>
+              </a:solidFill>
+              <a:prstDash val="dash"/>
+            </a:ln>
+          </p:spPr>
+          <p:style>
+            <a:lnRef idx="2">
+              <a:schemeClr val="accent1">
+                <a:shade val="50000"/>
+              </a:schemeClr>
+            </a:lnRef>
+            <a:fillRef idx="1">
+              <a:schemeClr val="accent1"/>
+            </a:fillRef>
+            <a:effectRef idx="0">
+              <a:schemeClr val="accent1"/>
+            </a:effectRef>
+            <a:fontRef idx="minor">
+              <a:schemeClr val="lt1"/>
+            </a:fontRef>
+          </p:style>
+          <p:txBody>
+            <a:bodyPr lIns="502920" tIns="91440"/>
+            <a:lstStyle/>
+            <a:p>
+              <a:pPr eaLnBrk="1" fontAlgn="auto" hangingPunct="1">
+                <a:spcBef>
+                  <a:spcPts val="0"/>
+                </a:spcBef>
+                <a:spcAft>
+                  <a:spcPts val="0"/>
+                </a:spcAft>
+                <a:defRPr/>
+              </a:pPr>
+              <a:r>
+                <a:rPr lang="en-US" sz="1200" dirty="0">
+                  <a:solidFill>
+                    <a:schemeClr val="tx1"/>
+                  </a:solidFill>
+                  <a:latin typeface="Arial" panose="020B0604020202020204" pitchFamily="34" charset="0"/>
+                  <a:cs typeface="Arial" panose="020B0604020202020204" pitchFamily="34" charset="0"/>
+                </a:rPr>
+                <a:t>ap-northeast-2</a:t>
+              </a:r>
+            </a:p>
+          </p:txBody>
+        </p:sp>
+        <p:pic>
+          <p:nvPicPr>
+            <p:cNvPr id="16" name="Graphic 61" descr="Region group icon.">
+              <a:extLst>
+                <a:ext uri="{FF2B5EF4-FFF2-40B4-BE49-F238E27FC236}">
+                  <a16:creationId xmlns:a16="http://schemas.microsoft.com/office/drawing/2014/main" id="{142430D4-1D64-EB98-190C-1A0300C1AC80}"/>
+                </a:ext>
+              </a:extLst>
+            </p:cNvPr>
+            <p:cNvPicPr>
+              <a:picLocks noChangeAspect="1"/>
+            </p:cNvPicPr>
+            <p:nvPr/>
+          </p:nvPicPr>
+          <p:blipFill>
+            <a:blip r:embed="rId12">
+              <a:extLst>
+                <a:ext uri="{96DAC541-7B7A-43D3-8B79-37D633B846F1}">
+                  <asvg:svgBlip xmlns:asvg="http://schemas.microsoft.com/office/drawing/2016/SVG/main" r:embed="rId13"/>
+                </a:ext>
+              </a:extLst>
+            </a:blip>
+            <a:srcRect/>
+            <a:stretch/>
+          </p:blipFill>
+          <p:spPr>
+            <a:xfrm>
+              <a:off x="4214036" y="1506395"/>
+              <a:ext cx="381000" cy="381000"/>
+            </a:xfrm>
+            <a:prstGeom prst="rect">
+              <a:avLst/>
+            </a:prstGeom>
+          </p:spPr>
+        </p:pic>
+      </p:grpSp>
+      <p:grpSp>
+        <p:nvGrpSpPr>
+          <p:cNvPr id="25" name="그룹 24">
+            <a:extLst>
+              <a:ext uri="{FF2B5EF4-FFF2-40B4-BE49-F238E27FC236}">
+                <a16:creationId xmlns:a16="http://schemas.microsoft.com/office/drawing/2014/main" id="{21514D65-C2AC-0C17-68F1-08830193BC87}"/>
+              </a:ext>
+            </a:extLst>
+          </p:cNvPr>
+          <p:cNvGrpSpPr/>
+          <p:nvPr/>
+        </p:nvGrpSpPr>
+        <p:grpSpPr>
+          <a:xfrm>
+            <a:off x="5695193" y="2296742"/>
+            <a:ext cx="722695" cy="640788"/>
+            <a:chOff x="777009" y="4816476"/>
+            <a:chExt cx="1683617" cy="1492803"/>
+          </a:xfrm>
+        </p:grpSpPr>
+        <p:pic>
+          <p:nvPicPr>
+            <p:cNvPr id="21" name="그림 20">
+              <a:extLst>
+                <a:ext uri="{FF2B5EF4-FFF2-40B4-BE49-F238E27FC236}">
+                  <a16:creationId xmlns:a16="http://schemas.microsoft.com/office/drawing/2014/main" id="{0EF2F573-3F07-EBE4-0124-9B0F0ADFE959}"/>
+                </a:ext>
+              </a:extLst>
+            </p:cNvPr>
+            <p:cNvPicPr>
+              <a:picLocks noChangeAspect="1"/>
+            </p:cNvPicPr>
+            <p:nvPr/>
+          </p:nvPicPr>
+          <p:blipFill rotWithShape="1">
+            <a:blip r:embed="rId14">
+              <a:extLst>
+                <a:ext uri="{28A0092B-C50C-407E-A947-70E740481C1C}">
+                  <a14:useLocalDpi xmlns:a14="http://schemas.microsoft.com/office/drawing/2010/main" val="0"/>
+                </a:ext>
+              </a:extLst>
+            </a:blip>
+            <a:srcRect r="62498"/>
+            <a:stretch/>
+          </p:blipFill>
+          <p:spPr>
+            <a:xfrm>
+              <a:off x="973076" y="4816476"/>
+              <a:ext cx="1487550" cy="1020529"/>
+            </a:xfrm>
+            <a:prstGeom prst="rect">
+              <a:avLst/>
+            </a:prstGeom>
+          </p:spPr>
+        </p:pic>
+        <p:pic>
+          <p:nvPicPr>
+            <p:cNvPr id="24" name="그림 23">
+              <a:extLst>
+                <a:ext uri="{FF2B5EF4-FFF2-40B4-BE49-F238E27FC236}">
+                  <a16:creationId xmlns:a16="http://schemas.microsoft.com/office/drawing/2014/main" id="{5A0920F0-C12B-383C-0CE0-75CE4246BC10}"/>
+                </a:ext>
+              </a:extLst>
+            </p:cNvPr>
+            <p:cNvPicPr>
+              <a:picLocks noChangeAspect="1"/>
+            </p:cNvPicPr>
+            <p:nvPr/>
+          </p:nvPicPr>
+          <p:blipFill rotWithShape="1">
+            <a:blip r:embed="rId14">
+              <a:extLst>
+                <a:ext uri="{28A0092B-C50C-407E-A947-70E740481C1C}">
+                  <a14:useLocalDpi xmlns:a14="http://schemas.microsoft.com/office/drawing/2010/main" val="0"/>
+                </a:ext>
+              </a:extLst>
+            </a:blip>
+            <a:srcRect l="37225" t="25552" b="7014"/>
+            <a:stretch/>
+          </p:blipFill>
+          <p:spPr>
+            <a:xfrm>
+              <a:off x="777009" y="5844163"/>
+              <a:ext cx="1682896" cy="465116"/>
+            </a:xfrm>
+            <a:prstGeom prst="rect">
+              <a:avLst/>
+            </a:prstGeom>
+          </p:spPr>
+        </p:pic>
+      </p:grpSp>
+      <p:pic>
+        <p:nvPicPr>
+          <p:cNvPr id="28" name="Graphic 74" descr="Public subnet group icon. ">
+            <a:extLst>
+              <a:ext uri="{FF2B5EF4-FFF2-40B4-BE49-F238E27FC236}">
+                <a16:creationId xmlns:a16="http://schemas.microsoft.com/office/drawing/2014/main" id="{17902CC8-1D77-6C3E-5208-FFA7B99EDF8E}"/>
+              </a:ext>
+            </a:extLst>
+          </p:cNvPr>
+          <p:cNvPicPr>
+            <a:picLocks noChangeAspect="1"/>
+          </p:cNvPicPr>
+          <p:nvPr/>
+        </p:nvPicPr>
+        <p:blipFill>
+          <a:blip r:embed="rId15">
+            <a:extLst>
+              <a:ext uri="{96DAC541-7B7A-43D3-8B79-37D633B846F1}">
+                <asvg:svgBlip xmlns:asvg="http://schemas.microsoft.com/office/drawing/2016/SVG/main" r:embed="rId16"/>
+              </a:ext>
+            </a:extLst>
+          </a:blip>
+          <a:srcRect/>
+          <a:stretch/>
+        </p:blipFill>
+        <p:spPr>
+          <a:xfrm>
+            <a:off x="3883414" y="1753099"/>
+            <a:ext cx="381000" cy="381000"/>
+          </a:xfrm>
+          <a:prstGeom prst="rect">
+            <a:avLst/>
+          </a:prstGeom>
+        </p:spPr>
+      </p:pic>
+      <p:pic>
+        <p:nvPicPr>
+          <p:cNvPr id="31" name="그림 30">
+            <a:extLst>
+              <a:ext uri="{FF2B5EF4-FFF2-40B4-BE49-F238E27FC236}">
+                <a16:creationId xmlns:a16="http://schemas.microsoft.com/office/drawing/2014/main" id="{C98F4C69-FB6A-2E83-52A4-4127D378194C}"/>
+              </a:ext>
+            </a:extLst>
+          </p:cNvPr>
+          <p:cNvPicPr>
+            <a:picLocks noChangeAspect="1"/>
+          </p:cNvPicPr>
+          <p:nvPr/>
+        </p:nvPicPr>
+        <p:blipFill>
+          <a:blip r:embed="rId17">
+            <a:extLst>
+              <a:ext uri="{28A0092B-C50C-407E-A947-70E740481C1C}">
+                <a14:useLocalDpi xmlns:a14="http://schemas.microsoft.com/office/drawing/2010/main" val="0"/>
+              </a:ext>
+            </a:extLst>
+          </a:blip>
+          <a:stretch>
+            <a:fillRect/>
+          </a:stretch>
+        </p:blipFill>
+        <p:spPr>
+          <a:xfrm>
+            <a:off x="6373153" y="2486374"/>
+            <a:ext cx="1912481" cy="689839"/>
+          </a:xfrm>
+          <a:prstGeom prst="rect">
+            <a:avLst/>
+          </a:prstGeom>
+        </p:spPr>
+      </p:pic>
+      <p:pic>
+        <p:nvPicPr>
+          <p:cNvPr id="32" name="Picture 2" descr="Plotly Dash — Everything You Need To Know | by Stephen Kilcommins |  DataDrivenInvestor">
+            <a:extLst>
+              <a:ext uri="{FF2B5EF4-FFF2-40B4-BE49-F238E27FC236}">
+                <a16:creationId xmlns:a16="http://schemas.microsoft.com/office/drawing/2014/main" id="{746072AB-086E-BAA1-739E-CFFFD2E28C35}"/>
+              </a:ext>
+            </a:extLst>
+          </p:cNvPr>
+          <p:cNvPicPr>
+            <a:picLocks noChangeAspect="1" noChangeArrowheads="1"/>
+          </p:cNvPicPr>
+          <p:nvPr/>
+        </p:nvPicPr>
+        <p:blipFill rotWithShape="1">
+          <a:blip r:embed="rId18">
+            <a:extLst>
+              <a:ext uri="{28A0092B-C50C-407E-A947-70E740481C1C}">
+                <a14:useLocalDpi xmlns:a14="http://schemas.microsoft.com/office/drawing/2010/main" val="0"/>
+              </a:ext>
+            </a:extLst>
+          </a:blip>
+          <a:srcRect t="32384" b="26959"/>
+          <a:stretch/>
+        </p:blipFill>
+        <p:spPr bwMode="auto">
+          <a:xfrm>
+            <a:off x="6538100" y="2239814"/>
+            <a:ext cx="1582588" cy="482578"/>
+          </a:xfrm>
+          <a:prstGeom prst="rect">
+            <a:avLst/>
+          </a:prstGeom>
+          <a:noFill/>
+          <a:extLst>
+            <a:ext uri="{909E8E84-426E-40DD-AFC4-6F175D3DCCD1}">
+              <a14:hiddenFill xmlns:a14="http://schemas.microsoft.com/office/drawing/2010/main">
+                <a:solidFill>
+                  <a:srgbClr val="FFFFFF"/>
+                </a:solidFill>
+              </a14:hiddenFill>
+            </a:ext>
+          </a:extLst>
+        </p:spPr>
+      </p:pic>
+      <p:grpSp>
+        <p:nvGrpSpPr>
+          <p:cNvPr id="20" name="그룹 19">
+            <a:extLst>
+              <a:ext uri="{FF2B5EF4-FFF2-40B4-BE49-F238E27FC236}">
+                <a16:creationId xmlns:a16="http://schemas.microsoft.com/office/drawing/2014/main" id="{BA950A9F-AD6C-51C2-3473-6F1027AD4822}"/>
+              </a:ext>
+            </a:extLst>
+          </p:cNvPr>
+          <p:cNvGrpSpPr/>
+          <p:nvPr/>
+        </p:nvGrpSpPr>
+        <p:grpSpPr>
+          <a:xfrm>
+            <a:off x="5669920" y="537177"/>
+            <a:ext cx="1403350" cy="734199"/>
+            <a:chOff x="5730650" y="914126"/>
+            <a:chExt cx="1403350" cy="734199"/>
+          </a:xfrm>
+        </p:grpSpPr>
+        <p:sp>
+          <p:nvSpPr>
+            <p:cNvPr id="10" name="background">
+              <a:extLst>
+                <a:ext uri="{FF2B5EF4-FFF2-40B4-BE49-F238E27FC236}">
+                  <a16:creationId xmlns:a16="http://schemas.microsoft.com/office/drawing/2014/main" id="{6DC7C872-C0C3-D281-777E-8960CDF60AAC}"/>
+                </a:ext>
+                <a:ext uri="{C183D7F6-B498-43B3-948B-1728B52AA6E4}">
+                  <adec:decorative xmlns:adec="http://schemas.microsoft.com/office/drawing/2017/decorative" val="1"/>
+                </a:ext>
+              </a:extLst>
+            </p:cNvPr>
+            <p:cNvSpPr/>
+            <p:nvPr/>
+          </p:nvSpPr>
+          <p:spPr>
+            <a:xfrm>
+              <a:off x="6221835" y="927519"/>
+              <a:ext cx="413413" cy="421496"/>
+            </a:xfrm>
+            <a:prstGeom prst="ellipse">
+              <a:avLst/>
+            </a:prstGeom>
+            <a:solidFill>
+              <a:schemeClr val="bg1"/>
+            </a:solidFill>
+            <a:ln>
+              <a:noFill/>
+            </a:ln>
+          </p:spPr>
+          <p:style>
+            <a:lnRef idx="2">
+              <a:schemeClr val="accent1">
+                <a:shade val="50000"/>
+              </a:schemeClr>
+            </a:lnRef>
+            <a:fillRef idx="1">
+              <a:schemeClr val="accent1"/>
+            </a:fillRef>
+            <a:effectRef idx="0">
+              <a:schemeClr val="accent1"/>
+            </a:effectRef>
+            <a:fontRef idx="minor">
+              <a:schemeClr val="lt1"/>
+            </a:fontRef>
+          </p:style>
+          <p:txBody>
+            <a:bodyPr rtlCol="0" anchor="ctr"/>
+            <a:lstStyle/>
+            <a:p>
+              <a:pPr algn="ctr"/>
+              <a:endParaRPr lang="en-US"/>
+            </a:p>
+          </p:txBody>
+        </p:sp>
+        <p:grpSp>
+          <p:nvGrpSpPr>
+            <p:cNvPr id="13" name="Group 5" descr="Internet gateway service icon on VPC container.">
+              <a:extLst>
+                <a:ext uri="{FF2B5EF4-FFF2-40B4-BE49-F238E27FC236}">
+                  <a16:creationId xmlns:a16="http://schemas.microsoft.com/office/drawing/2014/main" id="{2D5A2515-AFB2-D3E5-F912-AB75EFCA0478}"/>
+                </a:ext>
+              </a:extLst>
+            </p:cNvPr>
+            <p:cNvGrpSpPr/>
+            <p:nvPr/>
+          </p:nvGrpSpPr>
+          <p:grpSpPr>
+            <a:xfrm>
+              <a:off x="5730650" y="914126"/>
+              <a:ext cx="1403350" cy="734199"/>
+              <a:chOff x="7328508" y="1855841"/>
+              <a:chExt cx="1403350" cy="734199"/>
+            </a:xfrm>
+          </p:grpSpPr>
+          <p:pic>
+            <p:nvPicPr>
+              <p:cNvPr id="17" name="Graphic 10" descr="Internet gateway resource icon for the Amazon VPC service.">
+                <a:extLst>
+                  <a:ext uri="{FF2B5EF4-FFF2-40B4-BE49-F238E27FC236}">
+                    <a16:creationId xmlns:a16="http://schemas.microsoft.com/office/drawing/2014/main" id="{160AAE6C-940A-33DF-0A79-DBE3B38EACF4}"/>
+                  </a:ext>
+                </a:extLst>
+              </p:cNvPr>
+              <p:cNvPicPr>
+                <a:picLocks noChangeAspect="1" noChangeArrowheads="1"/>
+              </p:cNvPicPr>
+              <p:nvPr/>
+            </p:nvPicPr>
+            <p:blipFill>
+              <a:blip r:embed="rId19">
+                <a:extLst>
+                  <a:ext uri="{96DAC541-7B7A-43D3-8B79-37D633B846F1}">
+                    <asvg:svgBlip xmlns:asvg="http://schemas.microsoft.com/office/drawing/2016/SVG/main" r:embed="rId20"/>
+                  </a:ext>
+                </a:extLst>
+              </a:blip>
+              <a:srcRect/>
+              <a:stretch/>
+            </p:blipFill>
+            <p:spPr bwMode="auto">
+              <a:xfrm>
+                <a:off x="7799044" y="1855841"/>
+                <a:ext cx="457200" cy="457200"/>
+              </a:xfrm>
+              <a:prstGeom prst="rect">
+                <a:avLst/>
+              </a:prstGeom>
+              <a:noFill/>
+              <a:ln>
+                <a:noFill/>
+              </a:ln>
+              <a:extLst>
+                <a:ext uri="{909E8E84-426E-40DD-AFC4-6F175D3DCCD1}">
+                  <a14:hiddenFill xmlns:a14="http://schemas.microsoft.com/office/drawing/2010/main">
+                    <a:solidFill>
+                      <a:srgbClr val="FFFFFF"/>
+                    </a:solidFill>
+                  </a14:hiddenFill>
+                </a:ext>
+                <a:ext uri="{91240B29-F687-4F45-9708-019B960494DF}">
+                  <a14:hiddenLine xmlns:a14="http://schemas.microsoft.com/office/drawing/2010/main" w="9525">
+                    <a:solidFill>
+                      <a:srgbClr val="000000"/>
+                    </a:solidFill>
+                    <a:miter lim="800000"/>
+                    <a:headEnd/>
+                    <a:tailEnd/>
+                  </a14:hiddenLine>
+                </a:ext>
+              </a:extLst>
+            </p:spPr>
+          </p:pic>
+          <p:sp>
+            <p:nvSpPr>
+              <p:cNvPr id="18" name="TextBox 12">
+                <a:extLst>
+                  <a:ext uri="{FF2B5EF4-FFF2-40B4-BE49-F238E27FC236}">
+                    <a16:creationId xmlns:a16="http://schemas.microsoft.com/office/drawing/2014/main" id="{78242EA7-7D76-3817-0232-AF186A00193B}"/>
+                  </a:ext>
+                </a:extLst>
+              </p:cNvPr>
+              <p:cNvSpPr txBox="1">
+                <a:spLocks noChangeArrowheads="1"/>
+              </p:cNvSpPr>
+              <p:nvPr/>
+            </p:nvSpPr>
+            <p:spPr bwMode="auto">
+              <a:xfrm>
+                <a:off x="7328508" y="2313041"/>
+                <a:ext cx="1403350" cy="276999"/>
+              </a:xfrm>
+              <a:prstGeom prst="rect">
+                <a:avLst/>
+              </a:prstGeom>
+              <a:noFill/>
+              <a:ln>
+                <a:noFill/>
+              </a:ln>
+              <a:extLst>
+                <a:ext uri="{909E8E84-426E-40DD-AFC4-6F175D3DCCD1}">
+                  <a14:hiddenFill xmlns:a14="http://schemas.microsoft.com/office/drawing/2010/main">
+                    <a:solidFill>
+                      <a:srgbClr val="FFFFFF"/>
+                    </a:solidFill>
+                  </a14:hiddenFill>
+                </a:ext>
+                <a:ext uri="{91240B29-F687-4F45-9708-019B960494DF}">
+                  <a14:hiddenLine xmlns:a14="http://schemas.microsoft.com/office/drawing/2010/main" w="9525">
+                    <a:solidFill>
+                      <a:srgbClr val="000000"/>
+                    </a:solidFill>
+                    <a:miter lim="800000"/>
+                    <a:headEnd/>
+                    <a:tailEnd/>
+                  </a14:hiddenLine>
+                </a:ext>
+              </a:extLst>
+            </p:spPr>
+            <p:txBody>
+              <a:bodyPr>
+                <a:spAutoFit/>
+              </a:bodyPr>
+              <a:lstStyle>
+                <a:lvl1pPr>
+                  <a:defRPr>
+                    <a:solidFill>
+                      <a:schemeClr val="tx1"/>
+                    </a:solidFill>
+                    <a:latin typeface="Calibri" panose="020F0502020204030204" pitchFamily="34" charset="0"/>
+                  </a:defRPr>
+                </a:lvl1pPr>
+                <a:lvl2pPr marL="742950" indent="-285750">
+                  <a:defRPr>
+                    <a:solidFill>
+                      <a:schemeClr val="tx1"/>
+                    </a:solidFill>
+                    <a:latin typeface="Calibri" panose="020F0502020204030204" pitchFamily="34" charset="0"/>
+                  </a:defRPr>
+                </a:lvl2pPr>
+                <a:lvl3pPr marL="1143000" indent="-228600">
+                  <a:defRPr>
+                    <a:solidFill>
+                      <a:schemeClr val="tx1"/>
+                    </a:solidFill>
+                    <a:latin typeface="Calibri" panose="020F0502020204030204" pitchFamily="34" charset="0"/>
+                  </a:defRPr>
+                </a:lvl3pPr>
+                <a:lvl4pPr marL="1600200" indent="-228600">
+                  <a:defRPr>
+                    <a:solidFill>
+                      <a:schemeClr val="tx1"/>
+                    </a:solidFill>
+                    <a:latin typeface="Calibri" panose="020F0502020204030204" pitchFamily="34" charset="0"/>
+                  </a:defRPr>
+                </a:lvl4pPr>
+                <a:lvl5pPr marL="2057400" indent="-228600">
+                  <a:defRPr>
+                    <a:solidFill>
+                      <a:schemeClr val="tx1"/>
+                    </a:solidFill>
+                    <a:latin typeface="Calibri" panose="020F0502020204030204" pitchFamily="34" charset="0"/>
+                  </a:defRPr>
+                </a:lvl5pPr>
+                <a:lvl6pPr marL="2514600" indent="-228600" eaLnBrk="0" fontAlgn="base" hangingPunct="0">
+                  <a:spcBef>
+                    <a:spcPct val="0"/>
+                  </a:spcBef>
+                  <a:spcAft>
+                    <a:spcPct val="0"/>
+                  </a:spcAft>
+                  <a:defRPr>
+                    <a:solidFill>
+                      <a:schemeClr val="tx1"/>
+                    </a:solidFill>
+                    <a:latin typeface="Calibri" panose="020F0502020204030204" pitchFamily="34" charset="0"/>
+                  </a:defRPr>
+                </a:lvl6pPr>
+                <a:lvl7pPr marL="2971800" indent="-228600" eaLnBrk="0" fontAlgn="base" hangingPunct="0">
+                  <a:spcBef>
+                    <a:spcPct val="0"/>
+                  </a:spcBef>
+                  <a:spcAft>
+                    <a:spcPct val="0"/>
+                  </a:spcAft>
+                  <a:defRPr>
+                    <a:solidFill>
+                      <a:schemeClr val="tx1"/>
+                    </a:solidFill>
+                    <a:latin typeface="Calibri" panose="020F0502020204030204" pitchFamily="34" charset="0"/>
+                  </a:defRPr>
+                </a:lvl7pPr>
+                <a:lvl8pPr marL="3429000" indent="-228600" eaLnBrk="0" fontAlgn="base" hangingPunct="0">
+                  <a:spcBef>
+                    <a:spcPct val="0"/>
+                  </a:spcBef>
+                  <a:spcAft>
+                    <a:spcPct val="0"/>
+                  </a:spcAft>
+                  <a:defRPr>
+                    <a:solidFill>
+                      <a:schemeClr val="tx1"/>
+                    </a:solidFill>
+                    <a:latin typeface="Calibri" panose="020F0502020204030204" pitchFamily="34" charset="0"/>
+                  </a:defRPr>
+                </a:lvl8pPr>
+                <a:lvl9pPr marL="3886200" indent="-228600" eaLnBrk="0" fontAlgn="base" hangingPunct="0">
+                  <a:spcBef>
+                    <a:spcPct val="0"/>
+                  </a:spcBef>
+                  <a:spcAft>
+                    <a:spcPct val="0"/>
+                  </a:spcAft>
+                  <a:defRPr>
+                    <a:solidFill>
+                      <a:schemeClr val="tx1"/>
+                    </a:solidFill>
+                    <a:latin typeface="Calibri" panose="020F0502020204030204" pitchFamily="34" charset="0"/>
+                  </a:defRPr>
+                </a:lvl9pPr>
+              </a:lstStyle>
+              <a:p>
+                <a:pPr algn="ctr" eaLnBrk="1" hangingPunct="1"/>
+                <a:r>
+                  <a:rPr lang="en-US" altLang="en-US" sz="1200" dirty="0">
+                    <a:latin typeface="Arial" panose="020B0604020202020204" pitchFamily="34" charset="0"/>
+                    <a:ea typeface="Amazon Ember" panose="020B0603020204020204" pitchFamily="34" charset="0"/>
+                    <a:cs typeface="Arial" panose="020B0604020202020204" pitchFamily="34" charset="0"/>
+                  </a:rPr>
+                  <a:t>Internet gateway</a:t>
+                </a:r>
+              </a:p>
+            </p:txBody>
+          </p:sp>
+        </p:grpSp>
+      </p:grpSp>
+      <p:pic>
+        <p:nvPicPr>
+          <p:cNvPr id="19" name="Graphic 46" descr="Instance instance icon for the Amazon EC2 service.">
+            <a:extLst>
+              <a:ext uri="{FF2B5EF4-FFF2-40B4-BE49-F238E27FC236}">
+                <a16:creationId xmlns:a16="http://schemas.microsoft.com/office/drawing/2014/main" id="{62085753-DD38-4579-5901-C535C2B4CAAD}"/>
+              </a:ext>
+            </a:extLst>
+          </p:cNvPr>
+          <p:cNvPicPr>
+            <a:picLocks noChangeAspect="1"/>
+          </p:cNvPicPr>
+          <p:nvPr/>
+        </p:nvPicPr>
+        <p:blipFill>
+          <a:blip r:embed="rId21">
+            <a:extLst>
+              <a:ext uri="{96DAC541-7B7A-43D3-8B79-37D633B846F1}">
+                <asvg:svgBlip xmlns:asvg="http://schemas.microsoft.com/office/drawing/2016/SVG/main" r:embed="rId22"/>
+              </a:ext>
+            </a:extLst>
+          </a:blip>
+          <a:stretch>
+            <a:fillRect/>
+          </a:stretch>
+        </p:blipFill>
+        <p:spPr>
+          <a:xfrm>
+            <a:off x="4943919" y="2248135"/>
+            <a:ext cx="705600" cy="705600"/>
+          </a:xfrm>
+          <a:prstGeom prst="rect">
+            <a:avLst/>
+          </a:prstGeom>
+        </p:spPr>
+      </p:pic>
+      <p:cxnSp>
+        <p:nvCxnSpPr>
+          <p:cNvPr id="36" name="직선 화살표 연결선 35">
+            <a:extLst>
+              <a:ext uri="{FF2B5EF4-FFF2-40B4-BE49-F238E27FC236}">
+                <a16:creationId xmlns:a16="http://schemas.microsoft.com/office/drawing/2014/main" id="{03F92505-CFA9-6903-CF98-0E1CD873B462}"/>
+              </a:ext>
+            </a:extLst>
+          </p:cNvPr>
+          <p:cNvCxnSpPr>
+            <a:cxnSpLocks/>
+          </p:cNvCxnSpPr>
+          <p:nvPr/>
+        </p:nvCxnSpPr>
+        <p:spPr>
+          <a:xfrm>
+            <a:off x="5305217" y="3246598"/>
+            <a:ext cx="0" cy="1033731"/>
+          </a:xfrm>
+          <a:prstGeom prst="straightConnector1">
+            <a:avLst/>
+          </a:prstGeom>
+          <a:ln w="19050">
+            <a:solidFill>
+              <a:srgbClr val="7AA116"/>
+            </a:solidFill>
+            <a:tailEnd type="triangle"/>
+          </a:ln>
+        </p:spPr>
+        <p:style>
+          <a:lnRef idx="1">
+            <a:schemeClr val="accent1"/>
+          </a:lnRef>
+          <a:fillRef idx="0">
+            <a:schemeClr val="accent1"/>
+          </a:fillRef>
+          <a:effectRef idx="0">
+            <a:schemeClr val="accent1"/>
+          </a:effectRef>
+          <a:fontRef idx="minor">
+            <a:schemeClr val="tx1"/>
+          </a:fontRef>
+        </p:style>
+      </p:cxnSp>
+      <p:cxnSp>
+        <p:nvCxnSpPr>
+          <p:cNvPr id="40" name="직선 화살표 연결선 39">
+            <a:extLst>
+              <a:ext uri="{FF2B5EF4-FFF2-40B4-BE49-F238E27FC236}">
+                <a16:creationId xmlns:a16="http://schemas.microsoft.com/office/drawing/2014/main" id="{866A3A3D-4305-2133-5393-C17F95C0E33D}"/>
+              </a:ext>
+            </a:extLst>
+          </p:cNvPr>
+          <p:cNvCxnSpPr>
+            <a:cxnSpLocks/>
+            <a:stCxn id="48" idx="3"/>
+            <a:endCxn id="4" idx="1"/>
+          </p:cNvCxnSpPr>
+          <p:nvPr/>
+        </p:nvCxnSpPr>
+        <p:spPr>
+          <a:xfrm flipV="1">
+            <a:off x="5660896" y="4449421"/>
+            <a:ext cx="951323" cy="3673"/>
+          </a:xfrm>
+          <a:prstGeom prst="straightConnector1">
+            <a:avLst/>
+          </a:prstGeom>
+          <a:ln w="19050">
+            <a:solidFill>
+              <a:schemeClr val="accent6"/>
+            </a:solidFill>
+            <a:tailEnd type="triangle"/>
+          </a:ln>
+        </p:spPr>
+        <p:style>
+          <a:lnRef idx="1">
+            <a:schemeClr val="accent1"/>
+          </a:lnRef>
+          <a:fillRef idx="0">
+            <a:schemeClr val="accent1"/>
+          </a:fillRef>
+          <a:effectRef idx="0">
+            <a:schemeClr val="accent1"/>
+          </a:effectRef>
+          <a:fontRef idx="minor">
+            <a:schemeClr val="tx1"/>
+          </a:fontRef>
+        </p:style>
+      </p:cxnSp>
+      <p:grpSp>
+        <p:nvGrpSpPr>
+          <p:cNvPr id="59" name="그룹 58">
+            <a:extLst>
+              <a:ext uri="{FF2B5EF4-FFF2-40B4-BE49-F238E27FC236}">
+                <a16:creationId xmlns:a16="http://schemas.microsoft.com/office/drawing/2014/main" id="{D57DDEF0-5154-7EAA-67A3-129550B294F4}"/>
+              </a:ext>
+            </a:extLst>
+          </p:cNvPr>
+          <p:cNvGrpSpPr/>
+          <p:nvPr/>
+        </p:nvGrpSpPr>
+        <p:grpSpPr>
+          <a:xfrm>
+            <a:off x="10400770" y="2212644"/>
+            <a:ext cx="1506538" cy="689870"/>
+            <a:chOff x="634119" y="3078325"/>
+            <a:chExt cx="1506538" cy="689870"/>
+          </a:xfrm>
+        </p:grpSpPr>
+        <p:pic>
+          <p:nvPicPr>
+            <p:cNvPr id="60" name="Graphic 6" descr="General resource icon.">
+              <a:extLst>
+                <a:ext uri="{FF2B5EF4-FFF2-40B4-BE49-F238E27FC236}">
+                  <a16:creationId xmlns:a16="http://schemas.microsoft.com/office/drawing/2014/main" id="{876E61A6-216C-75C1-B473-3DDDFE12435F}"/>
+                </a:ext>
+              </a:extLst>
+            </p:cNvPr>
+            <p:cNvPicPr>
+              <a:picLocks noChangeAspect="1" noChangeArrowheads="1"/>
+            </p:cNvPicPr>
+            <p:nvPr/>
+          </p:nvPicPr>
+          <p:blipFill rotWithShape="1">
+            <a:blip r:embed="rId2"/>
+            <a:srcRect/>
+            <a:stretch>
+              <a:fillRect/>
+            </a:stretch>
+          </p:blipFill>
+          <p:spPr>
+            <a:xfrm flipH="1">
+              <a:off x="1147583" y="3078325"/>
+              <a:ext cx="469900" cy="469900"/>
+            </a:xfrm>
+            <a:prstGeom prst="rect">
+              <a:avLst/>
+            </a:prstGeom>
+            <a:noFill/>
+            <a:ln>
+              <a:noFill/>
+            </a:ln>
+          </p:spPr>
+        </p:pic>
+        <p:sp>
+          <p:nvSpPr>
+            <p:cNvPr id="62" name="label6">
+              <a:extLst>
+                <a:ext uri="{FF2B5EF4-FFF2-40B4-BE49-F238E27FC236}">
+                  <a16:creationId xmlns:a16="http://schemas.microsoft.com/office/drawing/2014/main" id="{59694468-C07D-991F-6EDC-4F8AA3B4AE5E}"/>
+                </a:ext>
+              </a:extLst>
+            </p:cNvPr>
+            <p:cNvSpPr txBox="1">
+              <a:spLocks noChangeArrowheads="1"/>
+            </p:cNvSpPr>
+            <p:nvPr/>
+          </p:nvSpPr>
+          <p:spPr>
+            <a:xfrm>
+              <a:off x="634119" y="3491196"/>
+              <a:ext cx="1506538" cy="276999"/>
+            </a:xfrm>
+            <a:prstGeom prst="rect">
+              <a:avLst/>
+            </a:prstGeom>
+            <a:noFill/>
+            <a:ln>
+              <a:noFill/>
+            </a:ln>
+          </p:spPr>
+          <p:txBody>
+            <a:bodyPr>
+              <a:spAutoFit/>
+            </a:bodyPr>
+            <a:lstStyle>
+              <a:lvl1pPr marL="0" indent="0">
+                <a:lnSpc>
+                  <a:spcPct val="100000"/>
+                </a:lnSpc>
+                <a:spcBef>
+                  <a:spcPct val="0"/>
+                </a:spcBef>
+                <a:spcAft>
+                  <a:spcPts val="0"/>
+                </a:spcAft>
+                <a:defRPr kumimoji="0" sz="1800" b="0" i="0" u="none" strike="noStrike" kern="0" cap="none" spc="0" normalizeH="0" baseline="0">
+                  <a:solidFill>
+                    <a:schemeClr val="tx1"/>
+                  </a:solidFill>
+                  <a:latin typeface="Calibri"/>
+                </a:defRPr>
+              </a:lvl1pPr>
+            </a:lstStyle>
+            <a:p>
+              <a:pPr algn="ctr" eaLnBrk="1" hangingPunct="1">
+                <a:defRPr/>
+              </a:pPr>
+              <a:r>
+                <a:rPr lang="en-US" altLang="en-US" sz="1200" dirty="0">
+                  <a:latin typeface="Arial"/>
+                  <a:cs typeface="Arial"/>
+                </a:rPr>
+                <a:t>Developers</a:t>
+              </a:r>
+            </a:p>
+          </p:txBody>
+        </p:sp>
+      </p:grpSp>
+      <p:cxnSp>
+        <p:nvCxnSpPr>
+          <p:cNvPr id="64" name="연결선: 꺾임 63">
+            <a:extLst>
+              <a:ext uri="{FF2B5EF4-FFF2-40B4-BE49-F238E27FC236}">
+                <a16:creationId xmlns:a16="http://schemas.microsoft.com/office/drawing/2014/main" id="{DA22F451-9BBC-ABDA-A451-AC68CFF8E421}"/>
+              </a:ext>
+            </a:extLst>
+          </p:cNvPr>
+          <p:cNvCxnSpPr>
+            <a:cxnSpLocks/>
+            <a:stCxn id="62" idx="2"/>
+            <a:endCxn id="50" idx="3"/>
+          </p:cNvCxnSpPr>
+          <p:nvPr/>
+        </p:nvCxnSpPr>
+        <p:spPr>
+          <a:xfrm rot="5400000">
+            <a:off x="8563094" y="3327327"/>
+            <a:ext cx="3015758" cy="2166133"/>
+          </a:xfrm>
+          <a:prstGeom prst="bentConnector2">
+            <a:avLst/>
+          </a:prstGeom>
+          <a:ln w="19050">
+            <a:solidFill>
+              <a:srgbClr val="FFC000"/>
+            </a:solidFill>
+            <a:prstDash val="sysDash"/>
+            <a:tailEnd type="triangle"/>
+          </a:ln>
+        </p:spPr>
+        <p:style>
+          <a:lnRef idx="1">
+            <a:schemeClr val="accent1"/>
+          </a:lnRef>
+          <a:fillRef idx="0">
+            <a:schemeClr val="accent1"/>
+          </a:fillRef>
+          <a:effectRef idx="0">
+            <a:schemeClr val="accent1"/>
+          </a:effectRef>
+          <a:fontRef idx="minor">
+            <a:schemeClr val="tx1"/>
+          </a:fontRef>
+        </p:style>
+      </p:cxnSp>
+      <p:cxnSp>
+        <p:nvCxnSpPr>
+          <p:cNvPr id="66" name="직선 화살표 연결선 65">
+            <a:extLst>
+              <a:ext uri="{FF2B5EF4-FFF2-40B4-BE49-F238E27FC236}">
+                <a16:creationId xmlns:a16="http://schemas.microsoft.com/office/drawing/2014/main" id="{5A1F197A-EC52-DFC0-524F-AF1DBE7B5FB9}"/>
+              </a:ext>
+            </a:extLst>
+          </p:cNvPr>
+          <p:cNvCxnSpPr>
+            <a:cxnSpLocks/>
+          </p:cNvCxnSpPr>
+          <p:nvPr/>
+        </p:nvCxnSpPr>
+        <p:spPr>
+          <a:xfrm flipH="1">
+            <a:off x="8772588" y="2447594"/>
+            <a:ext cx="1996440" cy="0"/>
+          </a:xfrm>
+          <a:prstGeom prst="straightConnector1">
+            <a:avLst/>
+          </a:prstGeom>
+          <a:ln w="19050">
+            <a:solidFill>
+              <a:srgbClr val="FFC000"/>
+            </a:solidFill>
+            <a:prstDash val="sysDash"/>
+            <a:tailEnd type="triangle"/>
+          </a:ln>
+        </p:spPr>
+        <p:style>
+          <a:lnRef idx="1">
+            <a:schemeClr val="accent1"/>
+          </a:lnRef>
+          <a:fillRef idx="0">
+            <a:schemeClr val="accent1"/>
+          </a:fillRef>
+          <a:effectRef idx="0">
+            <a:schemeClr val="accent1"/>
+          </a:effectRef>
+          <a:fontRef idx="minor">
+            <a:schemeClr val="tx1"/>
+          </a:fontRef>
+        </p:style>
+      </p:cxnSp>
+      <p:cxnSp>
+        <p:nvCxnSpPr>
+          <p:cNvPr id="85" name="직선 화살표 연결선 84">
+            <a:extLst>
+              <a:ext uri="{FF2B5EF4-FFF2-40B4-BE49-F238E27FC236}">
+                <a16:creationId xmlns:a16="http://schemas.microsoft.com/office/drawing/2014/main" id="{C59C843E-D607-F67C-5253-91D9EB3E0511}"/>
+              </a:ext>
+            </a:extLst>
+          </p:cNvPr>
+          <p:cNvCxnSpPr>
+            <a:cxnSpLocks/>
+          </p:cNvCxnSpPr>
+          <p:nvPr/>
+        </p:nvCxnSpPr>
+        <p:spPr>
+          <a:xfrm flipH="1">
+            <a:off x="1153251" y="2845255"/>
+            <a:ext cx="2961612" cy="0"/>
+          </a:xfrm>
+          <a:prstGeom prst="straightConnector1">
+            <a:avLst/>
+          </a:prstGeom>
+          <a:ln w="19050">
+            <a:solidFill>
+              <a:srgbClr val="FF0066"/>
+            </a:solidFill>
+            <a:prstDash val="sysDash"/>
+            <a:tailEnd type="triangle"/>
+          </a:ln>
+        </p:spPr>
+        <p:style>
+          <a:lnRef idx="1">
+            <a:schemeClr val="accent1"/>
+          </a:lnRef>
+          <a:fillRef idx="0">
+            <a:schemeClr val="accent1"/>
+          </a:fillRef>
+          <a:effectRef idx="0">
+            <a:schemeClr val="accent1"/>
+          </a:effectRef>
+          <a:fontRef idx="minor">
+            <a:schemeClr val="tx1"/>
+          </a:fontRef>
+        </p:style>
+      </p:cxnSp>
+      <p:cxnSp>
+        <p:nvCxnSpPr>
+          <p:cNvPr id="88" name="직선 화살표 연결선 87">
+            <a:extLst>
+              <a:ext uri="{FF2B5EF4-FFF2-40B4-BE49-F238E27FC236}">
+                <a16:creationId xmlns:a16="http://schemas.microsoft.com/office/drawing/2014/main" id="{D1FB8551-C9BD-9AA4-9325-217BEC678BD7}"/>
+              </a:ext>
+            </a:extLst>
+          </p:cNvPr>
+          <p:cNvCxnSpPr/>
+          <p:nvPr/>
+        </p:nvCxnSpPr>
+        <p:spPr>
+          <a:xfrm>
+            <a:off x="1153251" y="2582411"/>
+            <a:ext cx="2961612" cy="0"/>
+          </a:xfrm>
+          <a:prstGeom prst="straightConnector1">
+            <a:avLst/>
+          </a:prstGeom>
+          <a:ln w="19050">
+            <a:solidFill>
+              <a:srgbClr val="FF0066"/>
+            </a:solidFill>
+            <a:prstDash val="sysDash"/>
+            <a:tailEnd type="triangle"/>
+          </a:ln>
+        </p:spPr>
+        <p:style>
+          <a:lnRef idx="1">
+            <a:schemeClr val="accent1"/>
+          </a:lnRef>
+          <a:fillRef idx="0">
+            <a:schemeClr val="accent1"/>
+          </a:fillRef>
+          <a:effectRef idx="0">
+            <a:schemeClr val="accent1"/>
+          </a:effectRef>
+          <a:fontRef idx="minor">
+            <a:schemeClr val="tx1"/>
+          </a:fontRef>
+        </p:style>
+      </p:cxnSp>
+      <p:sp>
+        <p:nvSpPr>
+          <p:cNvPr id="56" name="label">
+            <a:extLst>
+              <a:ext uri="{FF2B5EF4-FFF2-40B4-BE49-F238E27FC236}">
+                <a16:creationId xmlns:a16="http://schemas.microsoft.com/office/drawing/2014/main" id="{D90A29EC-0622-764A-D92D-F743C57A442B}"/>
               </a:ext>
             </a:extLst>
           </p:cNvPr>
@@ -10257,8 +11217,232 @@
         </p:nvSpPr>
         <p:spPr>
           <a:xfrm>
-            <a:off x="7336992" y="5262744"/>
-            <a:ext cx="674040" cy="246221"/>
+            <a:off x="1754470" y="2442673"/>
+            <a:ext cx="966858" cy="246221"/>
+          </a:xfrm>
+          <a:prstGeom prst="rect">
+            <a:avLst/>
+          </a:prstGeom>
+          <a:solidFill>
+            <a:schemeClr val="bg1"/>
+          </a:solidFill>
+          <a:ln>
+            <a:noFill/>
+          </a:ln>
+        </p:spPr>
+        <p:style>
+          <a:lnRef idx="2">
+            <a:schemeClr val="dk1">
+              <a:shade val="15000"/>
+            </a:schemeClr>
+          </a:lnRef>
+          <a:fillRef idx="1">
+            <a:schemeClr val="dk1"/>
+          </a:fillRef>
+          <a:effectRef idx="0">
+            <a:schemeClr val="dk1"/>
+          </a:effectRef>
+          <a:fontRef idx="minor">
+            <a:schemeClr val="lt1"/>
+          </a:fontRef>
+        </p:style>
+        <p:txBody>
+          <a:bodyPr wrap="square">
+            <a:spAutoFit/>
+          </a:bodyPr>
+          <a:lstStyle>
+            <a:lvl1pPr marL="0" indent="0">
+              <a:lnSpc>
+                <a:spcPct val="100000"/>
+              </a:lnSpc>
+              <a:spcBef>
+                <a:spcPct val="0"/>
+              </a:spcBef>
+              <a:spcAft>
+                <a:spcPts val="0"/>
+              </a:spcAft>
+              <a:defRPr kumimoji="0" sz="1800" b="0" i="0" u="none" strike="noStrike" kern="0" cap="none" spc="0" normalizeH="0" baseline="0">
+                <a:solidFill>
+                  <a:schemeClr val="tx1"/>
+                </a:solidFill>
+              </a:defRPr>
+            </a:lvl1pPr>
+          </a:lstStyle>
+          <a:p>
+            <a:pPr algn="ctr" eaLnBrk="1" hangingPunct="1">
+              <a:defRPr/>
+            </a:pPr>
+            <a:r>
+              <a:rPr lang="en-US" altLang="en-US" sz="1000" i="1" dirty="0">
+                <a:latin typeface="Arial"/>
+                <a:cs typeface="Arial"/>
+              </a:rPr>
+              <a:t>Upload Video</a:t>
+            </a:r>
+          </a:p>
+        </p:txBody>
+      </p:sp>
+      <p:sp>
+        <p:nvSpPr>
+          <p:cNvPr id="89" name="label">
+            <a:extLst>
+              <a:ext uri="{FF2B5EF4-FFF2-40B4-BE49-F238E27FC236}">
+                <a16:creationId xmlns:a16="http://schemas.microsoft.com/office/drawing/2014/main" id="{8858637E-80DB-A9BA-1ABA-E4008C3D5D92}"/>
+              </a:ext>
+            </a:extLst>
+          </p:cNvPr>
+          <p:cNvSpPr txBox="1">
+            <a:spLocks noChangeArrowheads="1"/>
+          </p:cNvSpPr>
+          <p:nvPr/>
+        </p:nvSpPr>
+        <p:spPr>
+          <a:xfrm>
+            <a:off x="1673166" y="2722392"/>
+            <a:ext cx="1122905" cy="246221"/>
+          </a:xfrm>
+          <a:prstGeom prst="rect">
+            <a:avLst/>
+          </a:prstGeom>
+          <a:solidFill>
+            <a:schemeClr val="bg1"/>
+          </a:solidFill>
+          <a:ln>
+            <a:noFill/>
+          </a:ln>
+        </p:spPr>
+        <p:style>
+          <a:lnRef idx="2">
+            <a:schemeClr val="dk1">
+              <a:shade val="15000"/>
+            </a:schemeClr>
+          </a:lnRef>
+          <a:fillRef idx="1">
+            <a:schemeClr val="dk1"/>
+          </a:fillRef>
+          <a:effectRef idx="0">
+            <a:schemeClr val="dk1"/>
+          </a:effectRef>
+          <a:fontRef idx="minor">
+            <a:schemeClr val="lt1"/>
+          </a:fontRef>
+        </p:style>
+        <p:txBody>
+          <a:bodyPr wrap="square">
+            <a:spAutoFit/>
+          </a:bodyPr>
+          <a:lstStyle>
+            <a:lvl1pPr marL="0" indent="0">
+              <a:lnSpc>
+                <a:spcPct val="100000"/>
+              </a:lnSpc>
+              <a:spcBef>
+                <a:spcPct val="0"/>
+              </a:spcBef>
+              <a:spcAft>
+                <a:spcPts val="0"/>
+              </a:spcAft>
+              <a:defRPr kumimoji="0" sz="1800" b="0" i="0" u="none" strike="noStrike" kern="0" cap="none" spc="0" normalizeH="0" baseline="0">
+                <a:solidFill>
+                  <a:schemeClr val="tx1"/>
+                </a:solidFill>
+              </a:defRPr>
+            </a:lvl1pPr>
+          </a:lstStyle>
+          <a:p>
+            <a:pPr algn="ctr" eaLnBrk="1" hangingPunct="1">
+              <a:defRPr/>
+            </a:pPr>
+            <a:r>
+              <a:rPr lang="en-US" altLang="en-US" sz="1000" i="1" dirty="0">
+                <a:latin typeface="Arial"/>
+                <a:cs typeface="Arial"/>
+              </a:rPr>
+              <a:t>Analyzed Graph</a:t>
+            </a:r>
+          </a:p>
+        </p:txBody>
+      </p:sp>
+      <p:sp>
+        <p:nvSpPr>
+          <p:cNvPr id="90" name="TextBox 89">
+            <a:extLst>
+              <a:ext uri="{FF2B5EF4-FFF2-40B4-BE49-F238E27FC236}">
+                <a16:creationId xmlns:a16="http://schemas.microsoft.com/office/drawing/2014/main" id="{E0FA139F-CA25-6503-24BD-94738A1A3599}"/>
+              </a:ext>
+            </a:extLst>
+          </p:cNvPr>
+          <p:cNvSpPr txBox="1"/>
+          <p:nvPr/>
+        </p:nvSpPr>
+        <p:spPr>
+          <a:xfrm>
+            <a:off x="1877115" y="2969599"/>
+            <a:ext cx="705642" cy="276999"/>
+          </a:xfrm>
+          <a:prstGeom prst="rect">
+            <a:avLst/>
+          </a:prstGeom>
+          <a:solidFill>
+            <a:srgbClr val="FF0066"/>
+          </a:solidFill>
+        </p:spPr>
+        <p:style>
+          <a:lnRef idx="2">
+            <a:schemeClr val="accent4">
+              <a:shade val="15000"/>
+            </a:schemeClr>
+          </a:lnRef>
+          <a:fillRef idx="1">
+            <a:schemeClr val="accent4"/>
+          </a:fillRef>
+          <a:effectRef idx="0">
+            <a:schemeClr val="accent4"/>
+          </a:effectRef>
+          <a:fontRef idx="minor">
+            <a:schemeClr val="lt1"/>
+          </a:fontRef>
+        </p:style>
+        <p:txBody>
+          <a:bodyPr wrap="none" rtlCol="0">
+            <a:spAutoFit/>
+          </a:bodyPr>
+          <a:lstStyle/>
+          <a:p>
+            <a:r>
+              <a:rPr lang="en-US" altLang="ko-KR" sz="1200" b="1" dirty="0">
+                <a:solidFill>
+                  <a:schemeClr val="bg1"/>
+                </a:solidFill>
+              </a:rPr>
+              <a:t>Output</a:t>
+            </a:r>
+            <a:endParaRPr lang="ko-KR" altLang="en-US" sz="1200" b="1" dirty="0">
+              <a:solidFill>
+                <a:schemeClr val="bg1"/>
+              </a:solidFill>
+            </a:endParaRPr>
+          </a:p>
+        </p:txBody>
+      </p:sp>
+      <p:sp>
+        <p:nvSpPr>
+          <p:cNvPr id="149" name="label">
+            <a:extLst>
+              <a:ext uri="{FF2B5EF4-FFF2-40B4-BE49-F238E27FC236}">
+                <a16:creationId xmlns:a16="http://schemas.microsoft.com/office/drawing/2014/main" id="{BF579B65-B8C7-5FD6-E7FC-FC30C7F55870}"/>
+              </a:ext>
+            </a:extLst>
+          </p:cNvPr>
+          <p:cNvSpPr txBox="1">
+            <a:spLocks noChangeArrowheads="1"/>
+          </p:cNvSpPr>
+          <p:nvPr/>
+        </p:nvSpPr>
+        <p:spPr>
+          <a:xfrm>
+            <a:off x="5795123" y="4329983"/>
+            <a:ext cx="612000" cy="246221"/>
           </a:xfrm>
           <a:prstGeom prst="rect">
             <a:avLst/>
@@ -10322,12 +11506,210 @@
           </a:p>
         </p:txBody>
       </p:sp>
+      <p:sp>
+        <p:nvSpPr>
+          <p:cNvPr id="109" name="TextBox 108">
+            <a:extLst>
+              <a:ext uri="{FF2B5EF4-FFF2-40B4-BE49-F238E27FC236}">
+                <a16:creationId xmlns:a16="http://schemas.microsoft.com/office/drawing/2014/main" id="{A65F1836-25F1-4E00-EE20-BC6DAE6E2ED7}"/>
+              </a:ext>
+            </a:extLst>
+          </p:cNvPr>
+          <p:cNvSpPr txBox="1"/>
+          <p:nvPr/>
+        </p:nvSpPr>
+        <p:spPr>
+          <a:xfrm>
+            <a:off x="5089492" y="2444419"/>
+            <a:ext cx="409086" cy="323165"/>
+          </a:xfrm>
+          <a:prstGeom prst="rect">
+            <a:avLst/>
+          </a:prstGeom>
+          <a:noFill/>
+        </p:spPr>
+        <p:txBody>
+          <a:bodyPr wrap="none" rtlCol="0">
+            <a:spAutoFit/>
+          </a:bodyPr>
+          <a:lstStyle/>
+          <a:p>
+            <a:r>
+              <a:rPr lang="en-US" altLang="ko-KR" sz="1500" b="1" dirty="0">
+                <a:solidFill>
+                  <a:srgbClr val="ED7100"/>
+                </a:solidFill>
+              </a:rPr>
+              <a:t>T3</a:t>
+            </a:r>
+            <a:endParaRPr lang="ko-KR" altLang="en-US" sz="1500" b="1" dirty="0">
+              <a:solidFill>
+                <a:srgbClr val="ED7100"/>
+              </a:solidFill>
+            </a:endParaRPr>
+          </a:p>
+        </p:txBody>
+      </p:sp>
+      <p:sp>
+        <p:nvSpPr>
+          <p:cNvPr id="117" name="label">
+            <a:extLst>
+              <a:ext uri="{FF2B5EF4-FFF2-40B4-BE49-F238E27FC236}">
+                <a16:creationId xmlns:a16="http://schemas.microsoft.com/office/drawing/2014/main" id="{B6C5C9AE-ACB7-9719-1663-2CD3F698156A}"/>
+              </a:ext>
+            </a:extLst>
+          </p:cNvPr>
+          <p:cNvSpPr txBox="1">
+            <a:spLocks noChangeArrowheads="1"/>
+          </p:cNvSpPr>
+          <p:nvPr/>
+        </p:nvSpPr>
+        <p:spPr>
+          <a:xfrm>
+            <a:off x="10732265" y="4374731"/>
+            <a:ext cx="833838" cy="553998"/>
+          </a:xfrm>
+          <a:prstGeom prst="rect">
+            <a:avLst/>
+          </a:prstGeom>
+          <a:solidFill>
+            <a:schemeClr val="bg1"/>
+          </a:solidFill>
+          <a:ln>
+            <a:solidFill>
+              <a:schemeClr val="bg1"/>
+            </a:solidFill>
+          </a:ln>
+        </p:spPr>
+        <p:style>
+          <a:lnRef idx="2">
+            <a:schemeClr val="dk1"/>
+          </a:lnRef>
+          <a:fillRef idx="1">
+            <a:schemeClr val="lt1"/>
+          </a:fillRef>
+          <a:effectRef idx="0">
+            <a:schemeClr val="dk1"/>
+          </a:effectRef>
+          <a:fontRef idx="minor">
+            <a:schemeClr val="dk1"/>
+          </a:fontRef>
+        </p:style>
+        <p:txBody>
+          <a:bodyPr wrap="square">
+            <a:spAutoFit/>
+          </a:bodyPr>
+          <a:lstStyle>
+            <a:lvl1pPr marL="0" indent="0">
+              <a:lnSpc>
+                <a:spcPct val="100000"/>
+              </a:lnSpc>
+              <a:spcBef>
+                <a:spcPct val="0"/>
+              </a:spcBef>
+              <a:spcAft>
+                <a:spcPts val="0"/>
+              </a:spcAft>
+              <a:defRPr kumimoji="0" sz="1800" b="0" i="0" u="none" strike="noStrike" kern="0" cap="none" spc="0" normalizeH="0" baseline="0">
+                <a:solidFill>
+                  <a:schemeClr val="tx1"/>
+                </a:solidFill>
+              </a:defRPr>
+            </a:lvl1pPr>
+          </a:lstStyle>
+          <a:p>
+            <a:pPr algn="ctr" eaLnBrk="1" hangingPunct="1">
+              <a:defRPr/>
+            </a:pPr>
+            <a:r>
+              <a:rPr lang="en-US" altLang="en-US" sz="1000" i="1" dirty="0">
+                <a:latin typeface="Arial"/>
+                <a:cs typeface="Arial"/>
+              </a:rPr>
+              <a:t>Load </a:t>
+            </a:r>
+            <a:br>
+              <a:rPr lang="en-US" altLang="en-US" sz="1000" i="1" dirty="0">
+                <a:latin typeface="Arial"/>
+                <a:cs typeface="Arial"/>
+              </a:rPr>
+            </a:br>
+            <a:r>
+              <a:rPr lang="en-US" altLang="en-US" sz="1000" i="1" dirty="0">
+                <a:latin typeface="Arial"/>
+                <a:cs typeface="Arial"/>
+              </a:rPr>
+              <a:t>Extracted</a:t>
+            </a:r>
+          </a:p>
+          <a:p>
+            <a:pPr algn="ctr" eaLnBrk="1" hangingPunct="1">
+              <a:defRPr/>
+            </a:pPr>
+            <a:r>
+              <a:rPr lang="en-US" altLang="en-US" sz="1000" i="1" dirty="0">
+                <a:latin typeface="Arial"/>
+                <a:cs typeface="Arial"/>
+              </a:rPr>
+              <a:t>Video Data</a:t>
+            </a:r>
+          </a:p>
+        </p:txBody>
+      </p:sp>
+      <p:cxnSp>
+        <p:nvCxnSpPr>
+          <p:cNvPr id="151" name="연결선: 꺾임 150">
+            <a:extLst>
+              <a:ext uri="{FF2B5EF4-FFF2-40B4-BE49-F238E27FC236}">
+                <a16:creationId xmlns:a16="http://schemas.microsoft.com/office/drawing/2014/main" id="{43CAC219-46CA-2C26-DAC8-0540B28596BF}"/>
+              </a:ext>
+            </a:extLst>
+          </p:cNvPr>
+          <p:cNvCxnSpPr>
+            <a:cxnSpLocks/>
+            <a:endCxn id="50" idx="1"/>
+          </p:cNvCxnSpPr>
+          <p:nvPr/>
+        </p:nvCxnSpPr>
+        <p:spPr>
+          <a:xfrm>
+            <a:off x="4256855" y="3244028"/>
+            <a:ext cx="4025451" cy="2674244"/>
+          </a:xfrm>
+          <a:prstGeom prst="bentConnector3">
+            <a:avLst>
+              <a:gd name="adj1" fmla="val 14"/>
+            </a:avLst>
+          </a:prstGeom>
+          <a:ln w="19050">
+            <a:solidFill>
+              <a:srgbClr val="C925D1"/>
+            </a:solidFill>
+            <a:headEnd type="triangle"/>
+            <a:tailEnd type="triangle"/>
+          </a:ln>
+        </p:spPr>
+        <p:style>
+          <a:lnRef idx="1">
+            <a:schemeClr val="accent1"/>
+          </a:lnRef>
+          <a:fillRef idx="0">
+            <a:schemeClr val="accent1"/>
+          </a:fillRef>
+          <a:effectRef idx="0">
+            <a:schemeClr val="accent1"/>
+          </a:effectRef>
+          <a:fontRef idx="minor">
+            <a:schemeClr val="tx1"/>
+          </a:fontRef>
+        </p:style>
+      </p:cxnSp>
       <p:grpSp>
         <p:nvGrpSpPr>
-          <p:cNvPr id="94" name="그룹 93">
-            <a:extLst>
-              <a:ext uri="{FF2B5EF4-FFF2-40B4-BE49-F238E27FC236}">
-                <a16:creationId xmlns:a16="http://schemas.microsoft.com/office/drawing/2014/main" id="{8CF7D00E-4D13-1B89-D66D-A947A2F6CD6B}"/>
+          <p:cNvPr id="158" name="그룹 157">
+            <a:extLst>
+              <a:ext uri="{FF2B5EF4-FFF2-40B4-BE49-F238E27FC236}">
+                <a16:creationId xmlns:a16="http://schemas.microsoft.com/office/drawing/2014/main" id="{53446B3B-6EDA-5334-1E7F-D5450132B90C}"/>
               </a:ext>
             </a:extLst>
           </p:cNvPr>
@@ -10336,18 +11718,18 @@
         </p:nvGrpSpPr>
         <p:grpSpPr>
           <a:xfrm>
-            <a:off x="4343720" y="2753531"/>
-            <a:ext cx="2496630" cy="1204187"/>
-            <a:chOff x="7588899" y="3319934"/>
-            <a:chExt cx="2268537" cy="1094172"/>
+            <a:off x="7489509" y="4097734"/>
+            <a:ext cx="2292350" cy="1005091"/>
+            <a:chOff x="427363" y="4361310"/>
+            <a:chExt cx="2292350" cy="1005091"/>
           </a:xfrm>
         </p:grpSpPr>
         <p:pic>
           <p:nvPicPr>
-            <p:cNvPr id="22" name="Graphic 5" descr="Amazon Elastic Compute Cloud (Amazon EC2) service icon.">
+            <p:cNvPr id="156" name="Graphic 26" descr="Amazon Simple Queue Service (Amazon SQS) service icon.">
               <a:extLst>
                 <a:ext uri="{FF2B5EF4-FFF2-40B4-BE49-F238E27FC236}">
-                  <a16:creationId xmlns:a16="http://schemas.microsoft.com/office/drawing/2014/main" id="{38622D4A-AB16-E74E-A250-BDBAAFFAA603}"/>
+                  <a16:creationId xmlns:a16="http://schemas.microsoft.com/office/drawing/2014/main" id="{1ACC4ED5-1827-77F0-DB57-F1BE1310D524}"/>
                 </a:ext>
               </a:extLst>
             </p:cNvPr>
@@ -10357,10 +11739,10 @@
             <p:nvPr/>
           </p:nvPicPr>
           <p:blipFill>
-            <a:blip r:embed="rId12">
+            <a:blip r:embed="rId23">
               <a:extLst>
                 <a:ext uri="{96DAC541-7B7A-43D3-8B79-37D633B846F1}">
-                  <asvg:svgBlip xmlns:asvg="http://schemas.microsoft.com/office/drawing/2016/SVG/main" r:embed="rId13"/>
+                  <asvg:svgBlip xmlns:asvg="http://schemas.microsoft.com/office/drawing/2016/SVG/main" r:embed="rId24"/>
                 </a:ext>
               </a:extLst>
             </a:blip>
@@ -10369,8 +11751,8 @@
           </p:blipFill>
           <p:spPr bwMode="auto">
             <a:xfrm>
-              <a:off x="7651155" y="3319934"/>
-              <a:ext cx="640634" cy="640634"/>
+              <a:off x="1205498" y="4361310"/>
+              <a:ext cx="705600" cy="705600"/>
             </a:xfrm>
             <a:prstGeom prst="rect">
               <a:avLst/>
@@ -10402,10 +11784,10 @@
         </p:pic>
         <p:sp>
           <p:nvSpPr>
-            <p:cNvPr id="23" name="TextBox 6">
+            <p:cNvPr id="157" name="TextBox 11">
               <a:extLst>
                 <a:ext uri="{FF2B5EF4-FFF2-40B4-BE49-F238E27FC236}">
-                  <a16:creationId xmlns:a16="http://schemas.microsoft.com/office/drawing/2014/main" id="{36FEB6A7-BBBF-BF4E-B09F-F70950BA7F04}"/>
+                  <a16:creationId xmlns:a16="http://schemas.microsoft.com/office/drawing/2014/main" id="{4E64CFD3-DC0F-4258-C8AF-24695DC25553}"/>
                 </a:ext>
               </a:extLst>
             </p:cNvPr>
@@ -10416,8 +11798,2015 @@
           </p:nvSpPr>
           <p:spPr bwMode="auto">
             <a:xfrm>
-              <a:off x="7588899" y="3952441"/>
-              <a:ext cx="2268537" cy="461665"/>
+              <a:off x="427363" y="5089402"/>
+              <a:ext cx="2292350" cy="276999"/>
+            </a:xfrm>
+            <a:prstGeom prst="rect">
+              <a:avLst/>
+            </a:prstGeom>
+            <a:noFill/>
+            <a:ln>
+              <a:noFill/>
+            </a:ln>
+            <a:extLst>
+              <a:ext uri="{909E8E84-426E-40DD-AFC4-6F175D3DCCD1}">
+                <a14:hiddenFill xmlns:a14="http://schemas.microsoft.com/office/drawing/2010/main">
+                  <a:solidFill>
+                    <a:srgbClr val="FFFFFF"/>
+                  </a:solidFill>
+                </a14:hiddenFill>
+              </a:ext>
+              <a:ext uri="{91240B29-F687-4F45-9708-019B960494DF}">
+                <a14:hiddenLine xmlns:a14="http://schemas.microsoft.com/office/drawing/2010/main" w="9525">
+                  <a:solidFill>
+                    <a:srgbClr val="000000"/>
+                  </a:solidFill>
+                  <a:miter lim="800000"/>
+                  <a:headEnd/>
+                  <a:tailEnd/>
+                </a14:hiddenLine>
+              </a:ext>
+            </a:extLst>
+          </p:spPr>
+          <p:txBody>
+            <a:bodyPr>
+              <a:spAutoFit/>
+            </a:bodyPr>
+            <a:lstStyle>
+              <a:lvl1pPr>
+                <a:defRPr>
+                  <a:solidFill>
+                    <a:schemeClr val="tx1"/>
+                  </a:solidFill>
+                  <a:latin typeface="Calibri" panose="020F0502020204030204" pitchFamily="34" charset="0"/>
+                </a:defRPr>
+              </a:lvl1pPr>
+              <a:lvl2pPr marL="742950" indent="-285750">
+                <a:defRPr>
+                  <a:solidFill>
+                    <a:schemeClr val="tx1"/>
+                  </a:solidFill>
+                  <a:latin typeface="Calibri" panose="020F0502020204030204" pitchFamily="34" charset="0"/>
+                </a:defRPr>
+              </a:lvl2pPr>
+              <a:lvl3pPr marL="1143000" indent="-228600">
+                <a:defRPr>
+                  <a:solidFill>
+                    <a:schemeClr val="tx1"/>
+                  </a:solidFill>
+                  <a:latin typeface="Calibri" panose="020F0502020204030204" pitchFamily="34" charset="0"/>
+                </a:defRPr>
+              </a:lvl3pPr>
+              <a:lvl4pPr marL="1600200" indent="-228600">
+                <a:defRPr>
+                  <a:solidFill>
+                    <a:schemeClr val="tx1"/>
+                  </a:solidFill>
+                  <a:latin typeface="Calibri" panose="020F0502020204030204" pitchFamily="34" charset="0"/>
+                </a:defRPr>
+              </a:lvl4pPr>
+              <a:lvl5pPr marL="2057400" indent="-228600">
+                <a:defRPr>
+                  <a:solidFill>
+                    <a:schemeClr val="tx1"/>
+                  </a:solidFill>
+                  <a:latin typeface="Calibri" panose="020F0502020204030204" pitchFamily="34" charset="0"/>
+                </a:defRPr>
+              </a:lvl5pPr>
+              <a:lvl6pPr marL="2514600" indent="-228600" eaLnBrk="0" fontAlgn="base" hangingPunct="0">
+                <a:spcBef>
+                  <a:spcPct val="0"/>
+                </a:spcBef>
+                <a:spcAft>
+                  <a:spcPct val="0"/>
+                </a:spcAft>
+                <a:defRPr>
+                  <a:solidFill>
+                    <a:schemeClr val="tx1"/>
+                  </a:solidFill>
+                  <a:latin typeface="Calibri" panose="020F0502020204030204" pitchFamily="34" charset="0"/>
+                </a:defRPr>
+              </a:lvl6pPr>
+              <a:lvl7pPr marL="2971800" indent="-228600" eaLnBrk="0" fontAlgn="base" hangingPunct="0">
+                <a:spcBef>
+                  <a:spcPct val="0"/>
+                </a:spcBef>
+                <a:spcAft>
+                  <a:spcPct val="0"/>
+                </a:spcAft>
+                <a:defRPr>
+                  <a:solidFill>
+                    <a:schemeClr val="tx1"/>
+                  </a:solidFill>
+                  <a:latin typeface="Calibri" panose="020F0502020204030204" pitchFamily="34" charset="0"/>
+                </a:defRPr>
+              </a:lvl7pPr>
+              <a:lvl8pPr marL="3429000" indent="-228600" eaLnBrk="0" fontAlgn="base" hangingPunct="0">
+                <a:spcBef>
+                  <a:spcPct val="0"/>
+                </a:spcBef>
+                <a:spcAft>
+                  <a:spcPct val="0"/>
+                </a:spcAft>
+                <a:defRPr>
+                  <a:solidFill>
+                    <a:schemeClr val="tx1"/>
+                  </a:solidFill>
+                  <a:latin typeface="Calibri" panose="020F0502020204030204" pitchFamily="34" charset="0"/>
+                </a:defRPr>
+              </a:lvl8pPr>
+              <a:lvl9pPr marL="3886200" indent="-228600" eaLnBrk="0" fontAlgn="base" hangingPunct="0">
+                <a:spcBef>
+                  <a:spcPct val="0"/>
+                </a:spcBef>
+                <a:spcAft>
+                  <a:spcPct val="0"/>
+                </a:spcAft>
+                <a:defRPr>
+                  <a:solidFill>
+                    <a:schemeClr val="tx1"/>
+                  </a:solidFill>
+                  <a:latin typeface="Calibri" panose="020F0502020204030204" pitchFamily="34" charset="0"/>
+                </a:defRPr>
+              </a:lvl9pPr>
+            </a:lstStyle>
+            <a:p>
+              <a:pPr algn="ctr" eaLnBrk="1" hangingPunct="1"/>
+              <a:r>
+                <a:rPr lang="en-US" altLang="en-US" sz="1200" dirty="0">
+                  <a:latin typeface="Arial" panose="020B0604020202020204" pitchFamily="34" charset="0"/>
+                  <a:ea typeface="Amazon Ember" panose="020B0603020204020204" pitchFamily="34" charset="0"/>
+                  <a:cs typeface="Arial" panose="020B0604020202020204" pitchFamily="34" charset="0"/>
+                </a:rPr>
+                <a:t>Amazon SQS</a:t>
+              </a:r>
+            </a:p>
+          </p:txBody>
+        </p:sp>
+      </p:grpSp>
+      <p:sp>
+        <p:nvSpPr>
+          <p:cNvPr id="169" name="TextBox 168">
+            <a:extLst>
+              <a:ext uri="{FF2B5EF4-FFF2-40B4-BE49-F238E27FC236}">
+                <a16:creationId xmlns:a16="http://schemas.microsoft.com/office/drawing/2014/main" id="{69FBF9EB-9BCE-2ACB-79E0-BBDE52B626B6}"/>
+              </a:ext>
+            </a:extLst>
+          </p:cNvPr>
+          <p:cNvSpPr txBox="1"/>
+          <p:nvPr/>
+        </p:nvSpPr>
+        <p:spPr>
+          <a:xfrm>
+            <a:off x="1942838" y="2167671"/>
+            <a:ext cx="574196" cy="276999"/>
+          </a:xfrm>
+          <a:prstGeom prst="rect">
+            <a:avLst/>
+          </a:prstGeom>
+          <a:solidFill>
+            <a:srgbClr val="FF0066"/>
+          </a:solidFill>
+        </p:spPr>
+        <p:style>
+          <a:lnRef idx="2">
+            <a:schemeClr val="accent4">
+              <a:shade val="15000"/>
+            </a:schemeClr>
+          </a:lnRef>
+          <a:fillRef idx="1">
+            <a:schemeClr val="accent4"/>
+          </a:fillRef>
+          <a:effectRef idx="0">
+            <a:schemeClr val="accent4"/>
+          </a:effectRef>
+          <a:fontRef idx="minor">
+            <a:schemeClr val="lt1"/>
+          </a:fontRef>
+        </p:style>
+        <p:txBody>
+          <a:bodyPr wrap="none" rtlCol="0">
+            <a:spAutoFit/>
+          </a:bodyPr>
+          <a:lstStyle/>
+          <a:p>
+            <a:r>
+              <a:rPr lang="en-US" altLang="ko-KR" sz="1200" b="1" dirty="0">
+                <a:solidFill>
+                  <a:schemeClr val="bg1"/>
+                </a:solidFill>
+              </a:rPr>
+              <a:t>Input</a:t>
+            </a:r>
+            <a:endParaRPr lang="ko-KR" altLang="en-US" sz="1200" b="1" dirty="0">
+              <a:solidFill>
+                <a:schemeClr val="bg1"/>
+              </a:solidFill>
+            </a:endParaRPr>
+          </a:p>
+        </p:txBody>
+      </p:sp>
+      <p:sp>
+        <p:nvSpPr>
+          <p:cNvPr id="122" name="label">
+            <a:extLst>
+              <a:ext uri="{FF2B5EF4-FFF2-40B4-BE49-F238E27FC236}">
+                <a16:creationId xmlns:a16="http://schemas.microsoft.com/office/drawing/2014/main" id="{7B59D974-55EF-F737-5B86-15ED3C881EF9}"/>
+              </a:ext>
+            </a:extLst>
+          </p:cNvPr>
+          <p:cNvSpPr txBox="1">
+            <a:spLocks noChangeArrowheads="1"/>
+          </p:cNvSpPr>
+          <p:nvPr/>
+        </p:nvSpPr>
+        <p:spPr>
+          <a:xfrm>
+            <a:off x="3560483" y="5300015"/>
+            <a:ext cx="1407862" cy="400110"/>
+          </a:xfrm>
+          <a:prstGeom prst="rect">
+            <a:avLst/>
+          </a:prstGeom>
+          <a:solidFill>
+            <a:schemeClr val="bg1"/>
+          </a:solidFill>
+          <a:ln>
+            <a:solidFill>
+              <a:schemeClr val="bg1"/>
+            </a:solidFill>
+          </a:ln>
+        </p:spPr>
+        <p:style>
+          <a:lnRef idx="2">
+            <a:schemeClr val="dk1"/>
+          </a:lnRef>
+          <a:fillRef idx="1">
+            <a:schemeClr val="lt1"/>
+          </a:fillRef>
+          <a:effectRef idx="0">
+            <a:schemeClr val="dk1"/>
+          </a:effectRef>
+          <a:fontRef idx="minor">
+            <a:schemeClr val="dk1"/>
+          </a:fontRef>
+        </p:style>
+        <p:txBody>
+          <a:bodyPr wrap="square">
+            <a:spAutoFit/>
+          </a:bodyPr>
+          <a:lstStyle>
+            <a:lvl1pPr marL="0" indent="0">
+              <a:lnSpc>
+                <a:spcPct val="100000"/>
+              </a:lnSpc>
+              <a:spcBef>
+                <a:spcPct val="0"/>
+              </a:spcBef>
+              <a:spcAft>
+                <a:spcPts val="0"/>
+              </a:spcAft>
+              <a:defRPr kumimoji="0" sz="1800" b="0" i="0" u="none" strike="noStrike" kern="0" cap="none" spc="0" normalizeH="0" baseline="0">
+                <a:solidFill>
+                  <a:schemeClr val="tx1"/>
+                </a:solidFill>
+              </a:defRPr>
+            </a:lvl1pPr>
+          </a:lstStyle>
+          <a:p>
+            <a:pPr algn="ctr" eaLnBrk="1" hangingPunct="1">
+              <a:defRPr/>
+            </a:pPr>
+            <a:r>
+              <a:rPr lang="en-US" altLang="en-US" sz="1000" i="1" dirty="0">
+                <a:latin typeface="Arial"/>
+                <a:cs typeface="Arial"/>
+              </a:rPr>
+              <a:t>Request &amp; Response</a:t>
+            </a:r>
+          </a:p>
+          <a:p>
+            <a:pPr algn="ctr" eaLnBrk="1" hangingPunct="1">
+              <a:defRPr/>
+            </a:pPr>
+            <a:r>
+              <a:rPr lang="en-US" altLang="en-US" sz="1000" i="1" dirty="0">
+                <a:latin typeface="Arial"/>
+                <a:cs typeface="Arial"/>
+              </a:rPr>
+              <a:t>Analyzed Data</a:t>
+            </a:r>
+          </a:p>
+        </p:txBody>
+      </p:sp>
+      <p:cxnSp>
+        <p:nvCxnSpPr>
+          <p:cNvPr id="182" name="연결선: 꺾임 181">
+            <a:extLst>
+              <a:ext uri="{FF2B5EF4-FFF2-40B4-BE49-F238E27FC236}">
+                <a16:creationId xmlns:a16="http://schemas.microsoft.com/office/drawing/2014/main" id="{637B0F44-D2C3-A8C1-DD24-77D6EB945193}"/>
+              </a:ext>
+            </a:extLst>
+          </p:cNvPr>
+          <p:cNvCxnSpPr>
+            <a:stCxn id="4" idx="0"/>
+            <a:endCxn id="156" idx="0"/>
+          </p:cNvCxnSpPr>
+          <p:nvPr/>
+        </p:nvCxnSpPr>
+        <p:spPr>
+          <a:xfrm rot="16200000" flipH="1">
+            <a:off x="7792174" y="3269465"/>
+            <a:ext cx="1113" cy="1655425"/>
+          </a:xfrm>
+          <a:prstGeom prst="bentConnector3">
+            <a:avLst>
+              <a:gd name="adj1" fmla="val -74168913"/>
+            </a:avLst>
+          </a:prstGeom>
+          <a:ln w="19050">
+            <a:solidFill>
+              <a:srgbClr val="ED7100"/>
+            </a:solidFill>
+            <a:tailEnd type="triangle"/>
+          </a:ln>
+        </p:spPr>
+        <p:style>
+          <a:lnRef idx="1">
+            <a:schemeClr val="accent1"/>
+          </a:lnRef>
+          <a:fillRef idx="0">
+            <a:schemeClr val="accent1"/>
+          </a:fillRef>
+          <a:effectRef idx="0">
+            <a:schemeClr val="accent1"/>
+          </a:effectRef>
+          <a:fontRef idx="minor">
+            <a:schemeClr val="tx1"/>
+          </a:fontRef>
+        </p:style>
+      </p:cxnSp>
+      <p:sp>
+        <p:nvSpPr>
+          <p:cNvPr id="147" name="label">
+            <a:extLst>
+              <a:ext uri="{FF2B5EF4-FFF2-40B4-BE49-F238E27FC236}">
+                <a16:creationId xmlns:a16="http://schemas.microsoft.com/office/drawing/2014/main" id="{A75C122B-1989-EA8E-E17C-D79108A6BF4D}"/>
+              </a:ext>
+            </a:extLst>
+          </p:cNvPr>
+          <p:cNvSpPr txBox="1">
+            <a:spLocks noChangeArrowheads="1"/>
+          </p:cNvSpPr>
+          <p:nvPr/>
+        </p:nvSpPr>
+        <p:spPr>
+          <a:xfrm>
+            <a:off x="7185044" y="3148949"/>
+            <a:ext cx="1217686" cy="246221"/>
+          </a:xfrm>
+          <a:prstGeom prst="rect">
+            <a:avLst/>
+          </a:prstGeom>
+          <a:solidFill>
+            <a:srgbClr val="E2F0D9"/>
+          </a:solidFill>
+          <a:ln>
+            <a:noFill/>
+          </a:ln>
+        </p:spPr>
+        <p:style>
+          <a:lnRef idx="2">
+            <a:schemeClr val="dk1"/>
+          </a:lnRef>
+          <a:fillRef idx="1">
+            <a:schemeClr val="lt1"/>
+          </a:fillRef>
+          <a:effectRef idx="0">
+            <a:schemeClr val="dk1"/>
+          </a:effectRef>
+          <a:fontRef idx="minor">
+            <a:schemeClr val="dk1"/>
+          </a:fontRef>
+        </p:style>
+        <p:txBody>
+          <a:bodyPr wrap="square">
+            <a:spAutoFit/>
+          </a:bodyPr>
+          <a:lstStyle>
+            <a:lvl1pPr marL="0" indent="0">
+              <a:lnSpc>
+                <a:spcPct val="100000"/>
+              </a:lnSpc>
+              <a:spcBef>
+                <a:spcPct val="0"/>
+              </a:spcBef>
+              <a:spcAft>
+                <a:spcPts val="0"/>
+              </a:spcAft>
+              <a:defRPr kumimoji="0" sz="1800" b="0" i="0" u="none" strike="noStrike" kern="0" cap="none" spc="0" normalizeH="0" baseline="0">
+                <a:solidFill>
+                  <a:schemeClr val="tx1"/>
+                </a:solidFill>
+              </a:defRPr>
+            </a:lvl1pPr>
+          </a:lstStyle>
+          <a:p>
+            <a:pPr algn="ctr" eaLnBrk="1" hangingPunct="1">
+              <a:defRPr/>
+            </a:pPr>
+            <a:r>
+              <a:rPr lang="en-US" altLang="en-US" sz="1000" i="1" dirty="0">
+                <a:latin typeface="Arial" panose="020B0604020202020204" pitchFamily="34" charset="0"/>
+                <a:ea typeface="Amazon Ember" panose="020B0603020204020204" pitchFamily="34" charset="0"/>
+                <a:cs typeface="Arial" panose="020B0604020202020204" pitchFamily="34" charset="0"/>
+              </a:rPr>
+              <a:t>Feature Extraction</a:t>
+            </a:r>
+            <a:endParaRPr lang="en-US" altLang="en-US" sz="1000" i="1" dirty="0">
+              <a:latin typeface="Arial"/>
+              <a:cs typeface="Arial"/>
+            </a:endParaRPr>
+          </a:p>
+        </p:txBody>
+      </p:sp>
+      <p:cxnSp>
+        <p:nvCxnSpPr>
+          <p:cNvPr id="197" name="직선 화살표 연결선 196">
+            <a:extLst>
+              <a:ext uri="{FF2B5EF4-FFF2-40B4-BE49-F238E27FC236}">
+                <a16:creationId xmlns:a16="http://schemas.microsoft.com/office/drawing/2014/main" id="{B6A0886C-EC24-6DDD-34E2-080FE3AC530E}"/>
+              </a:ext>
+            </a:extLst>
+          </p:cNvPr>
+          <p:cNvCxnSpPr>
+            <a:stCxn id="157" idx="2"/>
+            <a:endCxn id="50" idx="0"/>
+          </p:cNvCxnSpPr>
+          <p:nvPr/>
+        </p:nvCxnSpPr>
+        <p:spPr>
+          <a:xfrm flipH="1">
+            <a:off x="8635106" y="5102825"/>
+            <a:ext cx="578" cy="462647"/>
+          </a:xfrm>
+          <a:prstGeom prst="straightConnector1">
+            <a:avLst/>
+          </a:prstGeom>
+          <a:ln w="19050">
+            <a:solidFill>
+              <a:srgbClr val="E7157B"/>
+            </a:solidFill>
+            <a:tailEnd type="triangle"/>
+          </a:ln>
+        </p:spPr>
+        <p:style>
+          <a:lnRef idx="1">
+            <a:schemeClr val="accent1"/>
+          </a:lnRef>
+          <a:fillRef idx="0">
+            <a:schemeClr val="accent1"/>
+          </a:fillRef>
+          <a:effectRef idx="0">
+            <a:schemeClr val="accent1"/>
+          </a:effectRef>
+          <a:fontRef idx="minor">
+            <a:schemeClr val="tx1"/>
+          </a:fontRef>
+        </p:style>
+      </p:cxnSp>
+      <p:sp>
+        <p:nvSpPr>
+          <p:cNvPr id="195" name="label">
+            <a:extLst>
+              <a:ext uri="{FF2B5EF4-FFF2-40B4-BE49-F238E27FC236}">
+                <a16:creationId xmlns:a16="http://schemas.microsoft.com/office/drawing/2014/main" id="{95F3DC90-DB2D-1C2F-B907-3CB1CFCC2460}"/>
+              </a:ext>
+            </a:extLst>
+          </p:cNvPr>
+          <p:cNvSpPr txBox="1">
+            <a:spLocks noChangeArrowheads="1"/>
+          </p:cNvSpPr>
+          <p:nvPr/>
+        </p:nvSpPr>
+        <p:spPr>
+          <a:xfrm>
+            <a:off x="8272204" y="5209414"/>
+            <a:ext cx="701040" cy="168250"/>
+          </a:xfrm>
+          <a:prstGeom prst="rect">
+            <a:avLst/>
+          </a:prstGeom>
+          <a:solidFill>
+            <a:schemeClr val="bg1"/>
+          </a:solidFill>
+          <a:ln w="0">
+            <a:solidFill>
+              <a:schemeClr val="bg1"/>
+            </a:solidFill>
+          </a:ln>
+        </p:spPr>
+        <p:style>
+          <a:lnRef idx="2">
+            <a:schemeClr val="dk1"/>
+          </a:lnRef>
+          <a:fillRef idx="1">
+            <a:schemeClr val="lt1"/>
+          </a:fillRef>
+          <a:effectRef idx="0">
+            <a:schemeClr val="dk1"/>
+          </a:effectRef>
+          <a:fontRef idx="minor">
+            <a:schemeClr val="dk1"/>
+          </a:fontRef>
+        </p:style>
+        <p:txBody>
+          <a:bodyPr wrap="square" anchor="ctr">
+            <a:spAutoFit/>
+          </a:bodyPr>
+          <a:lstStyle>
+            <a:lvl1pPr marL="0" indent="0">
+              <a:lnSpc>
+                <a:spcPct val="100000"/>
+              </a:lnSpc>
+              <a:spcBef>
+                <a:spcPct val="0"/>
+              </a:spcBef>
+              <a:spcAft>
+                <a:spcPts val="0"/>
+              </a:spcAft>
+              <a:defRPr kumimoji="0" sz="1800" b="0" i="0" u="none" strike="noStrike" kern="0" cap="none" spc="0" normalizeH="0" baseline="0">
+                <a:solidFill>
+                  <a:schemeClr val="tx1"/>
+                </a:solidFill>
+              </a:defRPr>
+            </a:lvl1pPr>
+          </a:lstStyle>
+          <a:p>
+            <a:pPr algn="ctr" eaLnBrk="1" hangingPunct="1">
+              <a:defRPr/>
+            </a:pPr>
+            <a:r>
+              <a:rPr lang="en-US" altLang="en-US" sz="1000" i="1" dirty="0">
+                <a:latin typeface="Arial"/>
+                <a:cs typeface="Arial"/>
+              </a:rPr>
+              <a:t>Message</a:t>
+            </a:r>
+          </a:p>
+        </p:txBody>
+      </p:sp>
+      <p:sp>
+        <p:nvSpPr>
+          <p:cNvPr id="172" name="TextBox 171">
+            <a:extLst>
+              <a:ext uri="{FF2B5EF4-FFF2-40B4-BE49-F238E27FC236}">
+                <a16:creationId xmlns:a16="http://schemas.microsoft.com/office/drawing/2014/main" id="{72120E0D-E64C-6A28-3BEA-AAEFC17BDF64}"/>
+              </a:ext>
+            </a:extLst>
+          </p:cNvPr>
+          <p:cNvSpPr txBox="1"/>
+          <p:nvPr/>
+        </p:nvSpPr>
+        <p:spPr>
+          <a:xfrm>
+            <a:off x="5805536" y="4015152"/>
+            <a:ext cx="290464" cy="323165"/>
+          </a:xfrm>
+          <a:prstGeom prst="rect">
+            <a:avLst/>
+          </a:prstGeom>
+        </p:spPr>
+        <p:style>
+          <a:lnRef idx="2">
+            <a:schemeClr val="accent4">
+              <a:shade val="15000"/>
+            </a:schemeClr>
+          </a:lnRef>
+          <a:fillRef idx="1">
+            <a:schemeClr val="accent4"/>
+          </a:fillRef>
+          <a:effectRef idx="0">
+            <a:schemeClr val="accent4"/>
+          </a:effectRef>
+          <a:fontRef idx="minor">
+            <a:schemeClr val="lt1"/>
+          </a:fontRef>
+        </p:style>
+        <p:txBody>
+          <a:bodyPr wrap="none" rtlCol="0">
+            <a:spAutoFit/>
+          </a:bodyPr>
+          <a:lstStyle/>
+          <a:p>
+            <a:r>
+              <a:rPr lang="en-US" altLang="ko-KR" sz="1500" dirty="0">
+                <a:solidFill>
+                  <a:schemeClr val="tx1"/>
+                </a:solidFill>
+              </a:rPr>
+              <a:t>3</a:t>
+            </a:r>
+            <a:endParaRPr lang="ko-KR" altLang="en-US" sz="1500" dirty="0">
+              <a:solidFill>
+                <a:schemeClr val="tx1"/>
+              </a:solidFill>
+            </a:endParaRPr>
+          </a:p>
+        </p:txBody>
+      </p:sp>
+      <p:sp>
+        <p:nvSpPr>
+          <p:cNvPr id="201" name="TextBox 200">
+            <a:extLst>
+              <a:ext uri="{FF2B5EF4-FFF2-40B4-BE49-F238E27FC236}">
+                <a16:creationId xmlns:a16="http://schemas.microsoft.com/office/drawing/2014/main" id="{A20DC1B7-0367-A3FA-F950-CEBCBA7D91B7}"/>
+              </a:ext>
+            </a:extLst>
+          </p:cNvPr>
+          <p:cNvSpPr txBox="1"/>
+          <p:nvPr/>
+        </p:nvSpPr>
+        <p:spPr>
+          <a:xfrm>
+            <a:off x="6589004" y="3130230"/>
+            <a:ext cx="290464" cy="323165"/>
+          </a:xfrm>
+          <a:prstGeom prst="rect">
+            <a:avLst/>
+          </a:prstGeom>
+        </p:spPr>
+        <p:style>
+          <a:lnRef idx="2">
+            <a:schemeClr val="accent4">
+              <a:shade val="15000"/>
+            </a:schemeClr>
+          </a:lnRef>
+          <a:fillRef idx="1">
+            <a:schemeClr val="accent4"/>
+          </a:fillRef>
+          <a:effectRef idx="0">
+            <a:schemeClr val="accent4"/>
+          </a:effectRef>
+          <a:fontRef idx="minor">
+            <a:schemeClr val="lt1"/>
+          </a:fontRef>
+        </p:style>
+        <p:txBody>
+          <a:bodyPr wrap="none" rtlCol="0">
+            <a:spAutoFit/>
+          </a:bodyPr>
+          <a:lstStyle/>
+          <a:p>
+            <a:r>
+              <a:rPr lang="en-US" altLang="ko-KR" sz="1500" dirty="0">
+                <a:solidFill>
+                  <a:schemeClr val="tx1"/>
+                </a:solidFill>
+              </a:rPr>
+              <a:t>4</a:t>
+            </a:r>
+            <a:endParaRPr lang="ko-KR" altLang="en-US" sz="1500" dirty="0">
+              <a:solidFill>
+                <a:schemeClr val="tx1"/>
+              </a:solidFill>
+            </a:endParaRPr>
+          </a:p>
+        </p:txBody>
+      </p:sp>
+      <p:sp>
+        <p:nvSpPr>
+          <p:cNvPr id="202" name="TextBox 201">
+            <a:extLst>
+              <a:ext uri="{FF2B5EF4-FFF2-40B4-BE49-F238E27FC236}">
+                <a16:creationId xmlns:a16="http://schemas.microsoft.com/office/drawing/2014/main" id="{705D30D4-9488-0497-2DC0-711FB021937A}"/>
+              </a:ext>
+            </a:extLst>
+          </p:cNvPr>
+          <p:cNvSpPr txBox="1"/>
+          <p:nvPr/>
+        </p:nvSpPr>
+        <p:spPr>
+          <a:xfrm>
+            <a:off x="7967078" y="5138561"/>
+            <a:ext cx="290464" cy="323165"/>
+          </a:xfrm>
+          <a:prstGeom prst="rect">
+            <a:avLst/>
+          </a:prstGeom>
+        </p:spPr>
+        <p:style>
+          <a:lnRef idx="2">
+            <a:schemeClr val="accent4">
+              <a:shade val="15000"/>
+            </a:schemeClr>
+          </a:lnRef>
+          <a:fillRef idx="1">
+            <a:schemeClr val="accent4"/>
+          </a:fillRef>
+          <a:effectRef idx="0">
+            <a:schemeClr val="accent4"/>
+          </a:effectRef>
+          <a:fontRef idx="minor">
+            <a:schemeClr val="lt1"/>
+          </a:fontRef>
+        </p:style>
+        <p:txBody>
+          <a:bodyPr wrap="none" rtlCol="0">
+            <a:spAutoFit/>
+          </a:bodyPr>
+          <a:lstStyle/>
+          <a:p>
+            <a:r>
+              <a:rPr lang="en-US" altLang="ko-KR" sz="1500" dirty="0">
+                <a:solidFill>
+                  <a:schemeClr val="tx1"/>
+                </a:solidFill>
+              </a:rPr>
+              <a:t>5</a:t>
+            </a:r>
+            <a:endParaRPr lang="ko-KR" altLang="en-US" sz="1500" dirty="0">
+              <a:solidFill>
+                <a:schemeClr val="tx1"/>
+              </a:solidFill>
+            </a:endParaRPr>
+          </a:p>
+        </p:txBody>
+      </p:sp>
+      <p:sp>
+        <p:nvSpPr>
+          <p:cNvPr id="118" name="TextBox 117">
+            <a:extLst>
+              <a:ext uri="{FF2B5EF4-FFF2-40B4-BE49-F238E27FC236}">
+                <a16:creationId xmlns:a16="http://schemas.microsoft.com/office/drawing/2014/main" id="{E09E7382-15B9-1B4D-5370-1633A8949496}"/>
+              </a:ext>
+            </a:extLst>
+          </p:cNvPr>
+          <p:cNvSpPr txBox="1"/>
+          <p:nvPr/>
+        </p:nvSpPr>
+        <p:spPr>
+          <a:xfrm>
+            <a:off x="3549680" y="4982242"/>
+            <a:ext cx="290464" cy="323165"/>
+          </a:xfrm>
+          <a:prstGeom prst="rect">
+            <a:avLst/>
+          </a:prstGeom>
+        </p:spPr>
+        <p:style>
+          <a:lnRef idx="2">
+            <a:schemeClr val="accent4">
+              <a:shade val="15000"/>
+            </a:schemeClr>
+          </a:lnRef>
+          <a:fillRef idx="1">
+            <a:schemeClr val="accent4"/>
+          </a:fillRef>
+          <a:effectRef idx="0">
+            <a:schemeClr val="accent4"/>
+          </a:effectRef>
+          <a:fontRef idx="minor">
+            <a:schemeClr val="lt1"/>
+          </a:fontRef>
+        </p:style>
+        <p:txBody>
+          <a:bodyPr wrap="none" rtlCol="0">
+            <a:spAutoFit/>
+          </a:bodyPr>
+          <a:lstStyle/>
+          <a:p>
+            <a:r>
+              <a:rPr lang="en-US" altLang="ko-KR" sz="1500" dirty="0">
+                <a:solidFill>
+                  <a:schemeClr val="tx1"/>
+                </a:solidFill>
+              </a:rPr>
+              <a:t>6</a:t>
+            </a:r>
+            <a:endParaRPr lang="ko-KR" altLang="en-US" sz="1500" dirty="0">
+              <a:solidFill>
+                <a:schemeClr val="tx1"/>
+              </a:solidFill>
+            </a:endParaRPr>
+          </a:p>
+        </p:txBody>
+      </p:sp>
+    </p:spTree>
+    <p:extLst>
+      <p:ext uri="{BB962C8B-B14F-4D97-AF65-F5344CB8AC3E}">
+        <p14:creationId xmlns:p14="http://schemas.microsoft.com/office/powerpoint/2010/main" val="2138385760"/>
+      </p:ext>
+    </p:extLst>
+  </p:cSld>
+  <p:clrMapOvr>
+    <a:masterClrMapping/>
+  </p:clrMapOvr>
+</p:sld>
+</file>
+
+<file path=ppt/slides/slide4.xml><?xml version="1.0" encoding="utf-8"?>
+<p:sld xmlns:a="http://schemas.openxmlformats.org/drawingml/2006/main" xmlns:r="http://schemas.openxmlformats.org/officeDocument/2006/relationships" xmlns:p="http://schemas.openxmlformats.org/presentationml/2006/main">
+  <p:cSld>
+    <p:spTree>
+      <p:nvGrpSpPr>
+        <p:cNvPr id="1" name=""/>
+        <p:cNvGrpSpPr/>
+        <p:nvPr/>
+      </p:nvGrpSpPr>
+      <p:grpSpPr>
+        <a:xfrm>
+          <a:off x="0" y="0"/>
+          <a:ext cx="0" cy="0"/>
+          <a:chOff x="0" y="0"/>
+          <a:chExt cx="0" cy="0"/>
+        </a:xfrm>
+      </p:grpSpPr>
+      <p:grpSp>
+        <p:nvGrpSpPr>
+          <p:cNvPr id="119" name="그룹 118">
+            <a:extLst>
+              <a:ext uri="{FF2B5EF4-FFF2-40B4-BE49-F238E27FC236}">
+                <a16:creationId xmlns:a16="http://schemas.microsoft.com/office/drawing/2014/main" id="{BC4DF198-F8AE-4A9C-B383-AB7864A5A7E9}"/>
+              </a:ext>
+            </a:extLst>
+          </p:cNvPr>
+          <p:cNvGrpSpPr/>
+          <p:nvPr/>
+        </p:nvGrpSpPr>
+        <p:grpSpPr>
+          <a:xfrm>
+            <a:off x="0" y="2400367"/>
+            <a:ext cx="1506538" cy="689870"/>
+            <a:chOff x="634119" y="3078325"/>
+            <a:chExt cx="1506538" cy="689870"/>
+          </a:xfrm>
+        </p:grpSpPr>
+        <p:pic>
+          <p:nvPicPr>
+            <p:cNvPr id="7" name="Graphic 6" descr="General resource icon.">
+              <a:extLst>
+                <a:ext uri="{FF2B5EF4-FFF2-40B4-BE49-F238E27FC236}">
+                  <a16:creationId xmlns:a16="http://schemas.microsoft.com/office/drawing/2014/main" id="{5685B766-6A8A-9CCB-7024-790DB30C8FDD}"/>
+                </a:ext>
+              </a:extLst>
+            </p:cNvPr>
+            <p:cNvPicPr>
+              <a:picLocks noChangeAspect="1" noChangeArrowheads="1"/>
+            </p:cNvPicPr>
+            <p:nvPr/>
+          </p:nvPicPr>
+          <p:blipFill rotWithShape="1">
+            <a:blip r:embed="rId2"/>
+            <a:srcRect/>
+            <a:stretch>
+              <a:fillRect/>
+            </a:stretch>
+          </p:blipFill>
+          <p:spPr>
+            <a:xfrm flipH="1">
+              <a:off x="1147583" y="3078325"/>
+              <a:ext cx="469900" cy="469900"/>
+            </a:xfrm>
+            <a:prstGeom prst="rect">
+              <a:avLst/>
+            </a:prstGeom>
+            <a:noFill/>
+            <a:ln>
+              <a:noFill/>
+            </a:ln>
+          </p:spPr>
+        </p:pic>
+        <p:sp>
+          <p:nvSpPr>
+            <p:cNvPr id="8" name="label6">
+              <a:extLst>
+                <a:ext uri="{FF2B5EF4-FFF2-40B4-BE49-F238E27FC236}">
+                  <a16:creationId xmlns:a16="http://schemas.microsoft.com/office/drawing/2014/main" id="{7773F43E-A1D8-4849-2B6D-97246531D8CC}"/>
+                </a:ext>
+              </a:extLst>
+            </p:cNvPr>
+            <p:cNvSpPr txBox="1">
+              <a:spLocks noChangeArrowheads="1"/>
+            </p:cNvSpPr>
+            <p:nvPr/>
+          </p:nvSpPr>
+          <p:spPr>
+            <a:xfrm>
+              <a:off x="634119" y="3491196"/>
+              <a:ext cx="1506538" cy="276999"/>
+            </a:xfrm>
+            <a:prstGeom prst="rect">
+              <a:avLst/>
+            </a:prstGeom>
+            <a:noFill/>
+            <a:ln>
+              <a:noFill/>
+            </a:ln>
+          </p:spPr>
+          <p:txBody>
+            <a:bodyPr>
+              <a:spAutoFit/>
+            </a:bodyPr>
+            <a:lstStyle>
+              <a:lvl1pPr marL="0" indent="0">
+                <a:lnSpc>
+                  <a:spcPct val="100000"/>
+                </a:lnSpc>
+                <a:spcBef>
+                  <a:spcPct val="0"/>
+                </a:spcBef>
+                <a:spcAft>
+                  <a:spcPts val="0"/>
+                </a:spcAft>
+                <a:defRPr kumimoji="0" sz="1800" b="0" i="0" u="none" strike="noStrike" kern="0" cap="none" spc="0" normalizeH="0" baseline="0">
+                  <a:solidFill>
+                    <a:schemeClr val="tx1"/>
+                  </a:solidFill>
+                  <a:latin typeface="Calibri"/>
+                </a:defRPr>
+              </a:lvl1pPr>
+            </a:lstStyle>
+            <a:p>
+              <a:pPr algn="ctr" eaLnBrk="1" hangingPunct="1">
+                <a:defRPr/>
+              </a:pPr>
+              <a:r>
+                <a:rPr lang="en-US" altLang="en-US" sz="1200" dirty="0">
+                  <a:latin typeface="Arial"/>
+                  <a:cs typeface="Arial"/>
+                </a:rPr>
+                <a:t>Users</a:t>
+              </a:r>
+            </a:p>
+          </p:txBody>
+        </p:sp>
+      </p:grpSp>
+      <p:grpSp>
+        <p:nvGrpSpPr>
+          <p:cNvPr id="11" name="aGroupIcon" descr="Example of AWS Cloud group, represented as a rectangle with AWS logo at the top left, and AWS Cloud as a title.">
+            <a:extLst>
+              <a:ext uri="{FF2B5EF4-FFF2-40B4-BE49-F238E27FC236}">
+                <a16:creationId xmlns:a16="http://schemas.microsoft.com/office/drawing/2014/main" id="{E8019DFD-0557-057F-5987-918214491755}"/>
+              </a:ext>
+            </a:extLst>
+          </p:cNvPr>
+          <p:cNvGrpSpPr/>
+          <p:nvPr/>
+        </p:nvGrpSpPr>
+        <p:grpSpPr>
+          <a:xfrm>
+            <a:off x="3040525" y="198649"/>
+            <a:ext cx="6606976" cy="6456795"/>
+            <a:chOff x="-4164368" y="-411481"/>
+            <a:chExt cx="6290094" cy="6306026"/>
+          </a:xfrm>
+        </p:grpSpPr>
+        <p:sp>
+          <p:nvSpPr>
+            <p:cNvPr id="44" name="Rectangle 4">
+              <a:extLst>
+                <a:ext uri="{FF2B5EF4-FFF2-40B4-BE49-F238E27FC236}">
+                  <a16:creationId xmlns:a16="http://schemas.microsoft.com/office/drawing/2014/main" id="{539E2457-A5DA-5F1B-2F83-9C5E09ABA293}"/>
+                </a:ext>
+              </a:extLst>
+            </p:cNvPr>
+            <p:cNvSpPr/>
+            <p:nvPr/>
+          </p:nvSpPr>
+          <p:spPr>
+            <a:xfrm>
+              <a:off x="-4162948" y="-408785"/>
+              <a:ext cx="6288674" cy="6303330"/>
+            </a:xfrm>
+            <a:prstGeom prst="rect">
+              <a:avLst/>
+            </a:prstGeom>
+            <a:noFill/>
+            <a:ln w="12700">
+              <a:solidFill>
+                <a:schemeClr val="accent1">
+                  <a:lumMod val="75000"/>
+                </a:schemeClr>
+              </a:solidFill>
+            </a:ln>
+          </p:spPr>
+          <p:style>
+            <a:lnRef idx="2">
+              <a:schemeClr val="accent1">
+                <a:shade val="50000"/>
+              </a:schemeClr>
+            </a:lnRef>
+            <a:fillRef idx="1">
+              <a:schemeClr val="accent1"/>
+            </a:fillRef>
+            <a:effectRef idx="0">
+              <a:schemeClr val="accent1"/>
+            </a:effectRef>
+            <a:fontRef idx="minor">
+              <a:schemeClr val="lt1"/>
+            </a:fontRef>
+          </p:style>
+          <p:txBody>
+            <a:bodyPr lIns="502920" tIns="91440"/>
+            <a:lstStyle/>
+            <a:p>
+              <a:pPr eaLnBrk="1" hangingPunct="1">
+                <a:spcBef>
+                  <a:spcPts val="0"/>
+                </a:spcBef>
+                <a:spcAft>
+                  <a:spcPts val="0"/>
+                </a:spcAft>
+                <a:defRPr/>
+              </a:pPr>
+              <a:r>
+                <a:rPr lang="en-US" sz="1200" dirty="0">
+                  <a:solidFill>
+                    <a:schemeClr val="tx1"/>
+                  </a:solidFill>
+                  <a:latin typeface="Arial"/>
+                  <a:cs typeface="Arial"/>
+                </a:rPr>
+                <a:t>AWS Cloud</a:t>
+              </a:r>
+            </a:p>
+          </p:txBody>
+        </p:sp>
+        <p:pic>
+          <p:nvPicPr>
+            <p:cNvPr id="45" name="Graphic 37">
+              <a:extLst>
+                <a:ext uri="{FF2B5EF4-FFF2-40B4-BE49-F238E27FC236}">
+                  <a16:creationId xmlns:a16="http://schemas.microsoft.com/office/drawing/2014/main" id="{DF30BA54-F341-9B5E-7142-B11608CF4787}"/>
+                </a:ext>
+              </a:extLst>
+            </p:cNvPr>
+            <p:cNvPicPr>
+              <a:picLocks noChangeAspect="1"/>
+            </p:cNvPicPr>
+            <p:nvPr/>
+          </p:nvPicPr>
+          <p:blipFill rotWithShape="1">
+            <a:blip r:embed="rId3"/>
+            <a:srcRect/>
+            <a:stretch>
+              <a:fillRect/>
+            </a:stretch>
+          </p:blipFill>
+          <p:spPr>
+            <a:xfrm>
+              <a:off x="-4164368" y="-411481"/>
+              <a:ext cx="381000" cy="381000"/>
+            </a:xfrm>
+            <a:prstGeom prst="rect">
+              <a:avLst/>
+            </a:prstGeom>
+          </p:spPr>
+        </p:pic>
+      </p:grpSp>
+      <p:grpSp>
+        <p:nvGrpSpPr>
+          <p:cNvPr id="96" name="그룹 95">
+            <a:extLst>
+              <a:ext uri="{FF2B5EF4-FFF2-40B4-BE49-F238E27FC236}">
+                <a16:creationId xmlns:a16="http://schemas.microsoft.com/office/drawing/2014/main" id="{E8873AAE-F8BB-6090-67D2-28629E41CF4A}"/>
+              </a:ext>
+            </a:extLst>
+          </p:cNvPr>
+          <p:cNvGrpSpPr/>
+          <p:nvPr/>
+        </p:nvGrpSpPr>
+        <p:grpSpPr>
+          <a:xfrm>
+            <a:off x="7503637" y="5565472"/>
+            <a:ext cx="2243137" cy="985169"/>
+            <a:chOff x="6702909" y="1093610"/>
+            <a:chExt cx="2243137" cy="985169"/>
+          </a:xfrm>
+        </p:grpSpPr>
+        <p:pic>
+          <p:nvPicPr>
+            <p:cNvPr id="50" name="Graphic 6" descr="Amazon Relational Database Service (Amazon RDS) service icon.">
+              <a:extLst>
+                <a:ext uri="{FF2B5EF4-FFF2-40B4-BE49-F238E27FC236}">
+                  <a16:creationId xmlns:a16="http://schemas.microsoft.com/office/drawing/2014/main" id="{FCB9E80B-47F8-E62F-6700-171C94DB8620}"/>
+                </a:ext>
+              </a:extLst>
+            </p:cNvPr>
+            <p:cNvPicPr>
+              <a:picLocks noChangeAspect="1" noChangeArrowheads="1"/>
+            </p:cNvPicPr>
+            <p:nvPr/>
+          </p:nvPicPr>
+          <p:blipFill rotWithShape="1">
+            <a:blip r:embed="rId4"/>
+            <a:srcRect/>
+            <a:stretch>
+              <a:fillRect/>
+            </a:stretch>
+          </p:blipFill>
+          <p:spPr>
+            <a:xfrm>
+              <a:off x="7481578" y="1093610"/>
+              <a:ext cx="705600" cy="705600"/>
+            </a:xfrm>
+            <a:prstGeom prst="rect">
+              <a:avLst/>
+            </a:prstGeom>
+            <a:noFill/>
+            <a:ln>
+              <a:noFill/>
+            </a:ln>
+          </p:spPr>
+        </p:pic>
+        <p:sp>
+          <p:nvSpPr>
+            <p:cNvPr id="51" name="TextBox 9">
+              <a:extLst>
+                <a:ext uri="{FF2B5EF4-FFF2-40B4-BE49-F238E27FC236}">
+                  <a16:creationId xmlns:a16="http://schemas.microsoft.com/office/drawing/2014/main" id="{DCA778D7-5C71-F136-87E5-0A2394C3D2E6}"/>
+                </a:ext>
+              </a:extLst>
+            </p:cNvPr>
+            <p:cNvSpPr txBox="1">
+              <a:spLocks noChangeArrowheads="1"/>
+            </p:cNvSpPr>
+            <p:nvPr/>
+          </p:nvSpPr>
+          <p:spPr>
+            <a:xfrm>
+              <a:off x="6702909" y="1801780"/>
+              <a:ext cx="2243137" cy="276999"/>
+            </a:xfrm>
+            <a:prstGeom prst="rect">
+              <a:avLst/>
+            </a:prstGeom>
+            <a:noFill/>
+            <a:ln>
+              <a:noFill/>
+            </a:ln>
+          </p:spPr>
+          <p:txBody>
+            <a:bodyPr>
+              <a:spAutoFit/>
+            </a:bodyPr>
+            <a:lstStyle>
+              <a:lvl1pPr marL="0" indent="0">
+                <a:lnSpc>
+                  <a:spcPct val="100000"/>
+                </a:lnSpc>
+                <a:spcBef>
+                  <a:spcPct val="0"/>
+                </a:spcBef>
+                <a:spcAft>
+                  <a:spcPts val="0"/>
+                </a:spcAft>
+                <a:defRPr kumimoji="0" sz="1800" b="0" i="0" u="none" strike="noStrike" kern="0" cap="none" spc="0" normalizeH="0" baseline="0">
+                  <a:solidFill>
+                    <a:schemeClr val="tx1"/>
+                  </a:solidFill>
+                </a:defRPr>
+              </a:lvl1pPr>
+            </a:lstStyle>
+            <a:p>
+              <a:pPr algn="ctr" eaLnBrk="1" hangingPunct="1">
+                <a:defRPr/>
+              </a:pPr>
+              <a:r>
+                <a:rPr lang="en-US" altLang="en-US" sz="1200" dirty="0">
+                  <a:latin typeface="Arial"/>
+                  <a:ea typeface="Amazon Ember"/>
+                  <a:cs typeface="Arial"/>
+                </a:rPr>
+                <a:t>Amazon RDS</a:t>
+              </a:r>
+            </a:p>
+          </p:txBody>
+        </p:sp>
+      </p:grpSp>
+      <p:grpSp>
+        <p:nvGrpSpPr>
+          <p:cNvPr id="103" name="그룹 102">
+            <a:extLst>
+              <a:ext uri="{FF2B5EF4-FFF2-40B4-BE49-F238E27FC236}">
+                <a16:creationId xmlns:a16="http://schemas.microsoft.com/office/drawing/2014/main" id="{12665E04-0242-1CBF-0620-D1DF9A145169}"/>
+              </a:ext>
+            </a:extLst>
+          </p:cNvPr>
+          <p:cNvGrpSpPr/>
+          <p:nvPr/>
+        </p:nvGrpSpPr>
+        <p:grpSpPr>
+          <a:xfrm>
+            <a:off x="12606436" y="57875"/>
+            <a:ext cx="1727273" cy="1007249"/>
+            <a:chOff x="10497370" y="2847616"/>
+            <a:chExt cx="1727273" cy="1007249"/>
+          </a:xfrm>
+        </p:grpSpPr>
+        <p:pic>
+          <p:nvPicPr>
+            <p:cNvPr id="101" name="Graphic 17" descr="Amazon CloudWatch service icon.">
+              <a:extLst>
+                <a:ext uri="{FF2B5EF4-FFF2-40B4-BE49-F238E27FC236}">
+                  <a16:creationId xmlns:a16="http://schemas.microsoft.com/office/drawing/2014/main" id="{F0F27D85-8B1B-4E60-9EC1-12AB8A2FBCC5}"/>
+                </a:ext>
+              </a:extLst>
+            </p:cNvPr>
+            <p:cNvPicPr>
+              <a:picLocks noChangeAspect="1" noChangeArrowheads="1"/>
+            </p:cNvPicPr>
+            <p:nvPr/>
+          </p:nvPicPr>
+          <p:blipFill>
+            <a:blip r:embed="rId5">
+              <a:extLst>
+                <a:ext uri="{96DAC541-7B7A-43D3-8B79-37D633B846F1}">
+                  <asvg:svgBlip xmlns:asvg="http://schemas.microsoft.com/office/drawing/2016/SVG/main" r:embed="rId6"/>
+                </a:ext>
+              </a:extLst>
+            </a:blip>
+            <a:srcRect/>
+            <a:stretch/>
+          </p:blipFill>
+          <p:spPr bwMode="auto">
+            <a:xfrm>
+              <a:off x="10980007" y="2847616"/>
+              <a:ext cx="705600" cy="705600"/>
+            </a:xfrm>
+            <a:prstGeom prst="rect">
+              <a:avLst/>
+            </a:prstGeom>
+            <a:noFill/>
+            <a:ln>
+              <a:noFill/>
+            </a:ln>
+            <a:extLst>
+              <a:ext uri="{909E8E84-426E-40DD-AFC4-6F175D3DCCD1}">
+                <a14:hiddenFill xmlns:a14="http://schemas.microsoft.com/office/drawing/2010/main">
+                  <a:solidFill>
+                    <a:srgbClr val="FFFFFF"/>
+                  </a:solidFill>
+                </a14:hiddenFill>
+              </a:ext>
+              <a:ext uri="{91240B29-F687-4F45-9708-019B960494DF}">
+                <a14:hiddenLine xmlns:a14="http://schemas.microsoft.com/office/drawing/2010/main" w="9525">
+                  <a:solidFill>
+                    <a:srgbClr val="000000"/>
+                  </a:solidFill>
+                  <a:miter lim="800000"/>
+                  <a:headEnd/>
+                  <a:tailEnd/>
+                </a14:hiddenLine>
+              </a:ext>
+            </a:extLst>
+          </p:spPr>
+        </p:pic>
+        <p:sp>
+          <p:nvSpPr>
+            <p:cNvPr id="102" name="TextBox 9">
+              <a:extLst>
+                <a:ext uri="{FF2B5EF4-FFF2-40B4-BE49-F238E27FC236}">
+                  <a16:creationId xmlns:a16="http://schemas.microsoft.com/office/drawing/2014/main" id="{80818169-1D2A-49F5-9D45-619D54F4885D}"/>
+                </a:ext>
+              </a:extLst>
+            </p:cNvPr>
+            <p:cNvSpPr txBox="1">
+              <a:spLocks noChangeArrowheads="1"/>
+            </p:cNvSpPr>
+            <p:nvPr/>
+          </p:nvSpPr>
+          <p:spPr bwMode="auto">
+            <a:xfrm>
+              <a:off x="10497370" y="3577866"/>
+              <a:ext cx="1727273" cy="276999"/>
+            </a:xfrm>
+            <a:prstGeom prst="rect">
+              <a:avLst/>
+            </a:prstGeom>
+            <a:noFill/>
+            <a:ln>
+              <a:noFill/>
+            </a:ln>
+            <a:extLst>
+              <a:ext uri="{909E8E84-426E-40DD-AFC4-6F175D3DCCD1}">
+                <a14:hiddenFill xmlns:a14="http://schemas.microsoft.com/office/drawing/2010/main">
+                  <a:solidFill>
+                    <a:srgbClr val="FFFFFF"/>
+                  </a:solidFill>
+                </a14:hiddenFill>
+              </a:ext>
+              <a:ext uri="{91240B29-F687-4F45-9708-019B960494DF}">
+                <a14:hiddenLine xmlns:a14="http://schemas.microsoft.com/office/drawing/2010/main" w="9525">
+                  <a:solidFill>
+                    <a:srgbClr val="000000"/>
+                  </a:solidFill>
+                  <a:miter lim="800000"/>
+                  <a:headEnd/>
+                  <a:tailEnd/>
+                </a14:hiddenLine>
+              </a:ext>
+            </a:extLst>
+          </p:spPr>
+          <p:txBody>
+            <a:bodyPr wrap="square">
+              <a:spAutoFit/>
+            </a:bodyPr>
+            <a:lstStyle>
+              <a:defPPr>
+                <a:defRPr lang="en-US"/>
+              </a:defPPr>
+              <a:lvl1pPr algn="l" rtl="0" eaLnBrk="0" fontAlgn="base" hangingPunct="0">
+                <a:spcBef>
+                  <a:spcPct val="0"/>
+                </a:spcBef>
+                <a:spcAft>
+                  <a:spcPct val="0"/>
+                </a:spcAft>
+                <a:defRPr kern="1200">
+                  <a:solidFill>
+                    <a:schemeClr val="tx1"/>
+                  </a:solidFill>
+                  <a:latin typeface="Calibri" panose="020F0502020204030204" pitchFamily="34" charset="0"/>
+                  <a:ea typeface="+mn-ea"/>
+                  <a:cs typeface="+mn-cs"/>
+                </a:defRPr>
+              </a:lvl1pPr>
+              <a:lvl2pPr marL="457200" algn="l" rtl="0" eaLnBrk="0" fontAlgn="base" hangingPunct="0">
+                <a:spcBef>
+                  <a:spcPct val="0"/>
+                </a:spcBef>
+                <a:spcAft>
+                  <a:spcPct val="0"/>
+                </a:spcAft>
+                <a:defRPr kern="1200">
+                  <a:solidFill>
+                    <a:schemeClr val="tx1"/>
+                  </a:solidFill>
+                  <a:latin typeface="Calibri" panose="020F0502020204030204" pitchFamily="34" charset="0"/>
+                  <a:ea typeface="+mn-ea"/>
+                  <a:cs typeface="+mn-cs"/>
+                </a:defRPr>
+              </a:lvl2pPr>
+              <a:lvl3pPr marL="914400" algn="l" rtl="0" eaLnBrk="0" fontAlgn="base" hangingPunct="0">
+                <a:spcBef>
+                  <a:spcPct val="0"/>
+                </a:spcBef>
+                <a:spcAft>
+                  <a:spcPct val="0"/>
+                </a:spcAft>
+                <a:defRPr kern="1200">
+                  <a:solidFill>
+                    <a:schemeClr val="tx1"/>
+                  </a:solidFill>
+                  <a:latin typeface="Calibri" panose="020F0502020204030204" pitchFamily="34" charset="0"/>
+                  <a:ea typeface="+mn-ea"/>
+                  <a:cs typeface="+mn-cs"/>
+                </a:defRPr>
+              </a:lvl3pPr>
+              <a:lvl4pPr marL="1371600" algn="l" rtl="0" eaLnBrk="0" fontAlgn="base" hangingPunct="0">
+                <a:spcBef>
+                  <a:spcPct val="0"/>
+                </a:spcBef>
+                <a:spcAft>
+                  <a:spcPct val="0"/>
+                </a:spcAft>
+                <a:defRPr kern="1200">
+                  <a:solidFill>
+                    <a:schemeClr val="tx1"/>
+                  </a:solidFill>
+                  <a:latin typeface="Calibri" panose="020F0502020204030204" pitchFamily="34" charset="0"/>
+                  <a:ea typeface="+mn-ea"/>
+                  <a:cs typeface="+mn-cs"/>
+                </a:defRPr>
+              </a:lvl4pPr>
+              <a:lvl5pPr marL="1828800" algn="l" rtl="0" eaLnBrk="0" fontAlgn="base" hangingPunct="0">
+                <a:spcBef>
+                  <a:spcPct val="0"/>
+                </a:spcBef>
+                <a:spcAft>
+                  <a:spcPct val="0"/>
+                </a:spcAft>
+                <a:defRPr kern="1200">
+                  <a:solidFill>
+                    <a:schemeClr val="tx1"/>
+                  </a:solidFill>
+                  <a:latin typeface="Calibri" panose="020F0502020204030204" pitchFamily="34" charset="0"/>
+                  <a:ea typeface="+mn-ea"/>
+                  <a:cs typeface="+mn-cs"/>
+                </a:defRPr>
+              </a:lvl5pPr>
+              <a:lvl6pPr marL="2286000" algn="l" defTabSz="914400" rtl="0" eaLnBrk="1" latinLnBrk="0" hangingPunct="1">
+                <a:defRPr kern="1200">
+                  <a:solidFill>
+                    <a:schemeClr val="tx1"/>
+                  </a:solidFill>
+                  <a:latin typeface="Calibri" panose="020F0502020204030204" pitchFamily="34" charset="0"/>
+                  <a:ea typeface="+mn-ea"/>
+                  <a:cs typeface="+mn-cs"/>
+                </a:defRPr>
+              </a:lvl6pPr>
+              <a:lvl7pPr marL="2743200" algn="l" defTabSz="914400" rtl="0" eaLnBrk="1" latinLnBrk="0" hangingPunct="1">
+                <a:defRPr kern="1200">
+                  <a:solidFill>
+                    <a:schemeClr val="tx1"/>
+                  </a:solidFill>
+                  <a:latin typeface="Calibri" panose="020F0502020204030204" pitchFamily="34" charset="0"/>
+                  <a:ea typeface="+mn-ea"/>
+                  <a:cs typeface="+mn-cs"/>
+                </a:defRPr>
+              </a:lvl7pPr>
+              <a:lvl8pPr marL="3200400" algn="l" defTabSz="914400" rtl="0" eaLnBrk="1" latinLnBrk="0" hangingPunct="1">
+                <a:defRPr kern="1200">
+                  <a:solidFill>
+                    <a:schemeClr val="tx1"/>
+                  </a:solidFill>
+                  <a:latin typeface="Calibri" panose="020F0502020204030204" pitchFamily="34" charset="0"/>
+                  <a:ea typeface="+mn-ea"/>
+                  <a:cs typeface="+mn-cs"/>
+                </a:defRPr>
+              </a:lvl8pPr>
+              <a:lvl9pPr marL="3657600" algn="l" defTabSz="914400" rtl="0" eaLnBrk="1" latinLnBrk="0" hangingPunct="1">
+                <a:defRPr kern="1200">
+                  <a:solidFill>
+                    <a:schemeClr val="tx1"/>
+                  </a:solidFill>
+                  <a:latin typeface="Calibri" panose="020F0502020204030204" pitchFamily="34" charset="0"/>
+                  <a:ea typeface="+mn-ea"/>
+                  <a:cs typeface="+mn-cs"/>
+                </a:defRPr>
+              </a:lvl9pPr>
+            </a:lstStyle>
+            <a:p>
+              <a:pPr algn="ctr" eaLnBrk="1" hangingPunct="1"/>
+              <a:r>
+                <a:rPr lang="en-US" altLang="en-US" sz="1200" dirty="0">
+                  <a:latin typeface="Arial" panose="020B0604020202020204" pitchFamily="34" charset="0"/>
+                  <a:ea typeface="Amazon Ember" panose="020B0603020204020204" pitchFamily="34" charset="0"/>
+                  <a:cs typeface="Arial" panose="020B0604020202020204" pitchFamily="34" charset="0"/>
+                </a:rPr>
+                <a:t>Amazon CloudWatch</a:t>
+              </a:r>
+            </a:p>
+          </p:txBody>
+        </p:sp>
+      </p:grpSp>
+      <p:grpSp>
+        <p:nvGrpSpPr>
+          <p:cNvPr id="2" name="VPCGroup" descr="Virtual private cloud (VPC) group inside the AWS Cloud grouping.">
+            <a:extLst>
+              <a:ext uri="{FF2B5EF4-FFF2-40B4-BE49-F238E27FC236}">
+                <a16:creationId xmlns:a16="http://schemas.microsoft.com/office/drawing/2014/main" id="{503F2169-0FC5-1233-A4C8-CE1473A13E6D}"/>
+              </a:ext>
+            </a:extLst>
+          </p:cNvPr>
+          <p:cNvGrpSpPr/>
+          <p:nvPr/>
+        </p:nvGrpSpPr>
+        <p:grpSpPr>
+          <a:xfrm>
+            <a:off x="3251579" y="798250"/>
+            <a:ext cx="6217130" cy="3136928"/>
+            <a:chOff x="4858238" y="2084361"/>
+            <a:chExt cx="6833324" cy="3409837"/>
+          </a:xfrm>
+        </p:grpSpPr>
+        <p:sp>
+          <p:nvSpPr>
+            <p:cNvPr id="3" name="Rectangle 39" descr="VPC group border">
+              <a:extLst>
+                <a:ext uri="{FF2B5EF4-FFF2-40B4-BE49-F238E27FC236}">
+                  <a16:creationId xmlns:a16="http://schemas.microsoft.com/office/drawing/2014/main" id="{5A32FF10-FB55-E41B-2A53-73572E78868D}"/>
+                </a:ext>
+              </a:extLst>
+            </p:cNvPr>
+            <p:cNvSpPr/>
+            <p:nvPr/>
+          </p:nvSpPr>
+          <p:spPr>
+            <a:xfrm>
+              <a:off x="4858239" y="2084361"/>
+              <a:ext cx="6833323" cy="3409837"/>
+            </a:xfrm>
+            <a:prstGeom prst="rect">
+              <a:avLst/>
+            </a:prstGeom>
+            <a:noFill/>
+            <a:ln w="15875">
+              <a:solidFill>
+                <a:srgbClr val="8C4FFF"/>
+              </a:solidFill>
+            </a:ln>
+          </p:spPr>
+          <p:style>
+            <a:lnRef idx="2">
+              <a:schemeClr val="accent1">
+                <a:shade val="50000"/>
+              </a:schemeClr>
+            </a:lnRef>
+            <a:fillRef idx="1">
+              <a:schemeClr val="accent1"/>
+            </a:fillRef>
+            <a:effectRef idx="0">
+              <a:schemeClr val="accent1"/>
+            </a:effectRef>
+            <a:fontRef idx="minor">
+              <a:schemeClr val="lt1"/>
+            </a:fontRef>
+          </p:style>
+          <p:txBody>
+            <a:bodyPr lIns="502920" tIns="91440"/>
+            <a:lstStyle/>
+            <a:p>
+              <a:pPr eaLnBrk="1" fontAlgn="auto" hangingPunct="1">
+                <a:spcBef>
+                  <a:spcPts val="0"/>
+                </a:spcBef>
+                <a:spcAft>
+                  <a:spcPts val="0"/>
+                </a:spcAft>
+                <a:defRPr/>
+              </a:pPr>
+              <a:r>
+                <a:rPr lang="en-US" sz="1200" dirty="0">
+                  <a:ln w="0"/>
+                  <a:solidFill>
+                    <a:schemeClr val="tx1"/>
+                  </a:solidFill>
+                  <a:latin typeface="Arial" panose="020B0604020202020204" pitchFamily="34" charset="0"/>
+                  <a:cs typeface="Arial" panose="020B0604020202020204" pitchFamily="34" charset="0"/>
+                </a:rPr>
+                <a:t>Virtual private cloud (VPC)</a:t>
+              </a:r>
+            </a:p>
+          </p:txBody>
+        </p:sp>
+        <p:pic>
+          <p:nvPicPr>
+            <p:cNvPr id="6" name="Graphic 57" descr="VPC group icon.">
+              <a:extLst>
+                <a:ext uri="{FF2B5EF4-FFF2-40B4-BE49-F238E27FC236}">
+                  <a16:creationId xmlns:a16="http://schemas.microsoft.com/office/drawing/2014/main" id="{7186A36A-0AB0-6392-3625-BEEAB2F763F7}"/>
+                </a:ext>
+              </a:extLst>
+            </p:cNvPr>
+            <p:cNvPicPr>
+              <a:picLocks noChangeAspect="1"/>
+            </p:cNvPicPr>
+            <p:nvPr/>
+          </p:nvPicPr>
+          <p:blipFill>
+            <a:blip r:embed="rId7">
+              <a:extLst>
+                <a:ext uri="{96DAC541-7B7A-43D3-8B79-37D633B846F1}">
+                  <asvg:svgBlip xmlns:asvg="http://schemas.microsoft.com/office/drawing/2016/SVG/main" r:embed="rId8"/>
+                </a:ext>
+              </a:extLst>
+            </a:blip>
+            <a:srcRect/>
+            <a:stretch/>
+          </p:blipFill>
+          <p:spPr>
+            <a:xfrm>
+              <a:off x="4858238" y="2090097"/>
+              <a:ext cx="381000" cy="381000"/>
+            </a:xfrm>
+            <a:prstGeom prst="rect">
+              <a:avLst/>
+            </a:prstGeom>
+          </p:spPr>
+        </p:pic>
+      </p:grpSp>
+      <p:sp>
+        <p:nvSpPr>
+          <p:cNvPr id="12" name="Rectangle 43" descr="Public subnet group border.">
+            <a:extLst>
+              <a:ext uri="{FF2B5EF4-FFF2-40B4-BE49-F238E27FC236}">
+                <a16:creationId xmlns:a16="http://schemas.microsoft.com/office/drawing/2014/main" id="{667ED971-490C-55C6-F954-FEFF424F0118}"/>
+              </a:ext>
+            </a:extLst>
+          </p:cNvPr>
+          <p:cNvSpPr/>
+          <p:nvPr/>
+        </p:nvSpPr>
+        <p:spPr>
+          <a:xfrm>
+            <a:off x="3883414" y="1749414"/>
+            <a:ext cx="5219889" cy="1823382"/>
+          </a:xfrm>
+          <a:prstGeom prst="rect">
+            <a:avLst/>
+          </a:prstGeom>
+          <a:solidFill>
+            <a:schemeClr val="accent6">
+              <a:lumMod val="20000"/>
+              <a:lumOff val="80000"/>
+            </a:schemeClr>
+          </a:solidFill>
+          <a:ln w="15875" cmpd="sng">
+            <a:noFill/>
+            <a:prstDash val="solid"/>
+          </a:ln>
+        </p:spPr>
+        <p:style>
+          <a:lnRef idx="2">
+            <a:schemeClr val="accent1">
+              <a:shade val="50000"/>
+            </a:schemeClr>
+          </a:lnRef>
+          <a:fillRef idx="1">
+            <a:schemeClr val="accent1"/>
+          </a:fillRef>
+          <a:effectRef idx="0">
+            <a:schemeClr val="accent1"/>
+          </a:effectRef>
+          <a:fontRef idx="minor">
+            <a:schemeClr val="lt1"/>
+          </a:fontRef>
+        </p:style>
+        <p:txBody>
+          <a:bodyPr lIns="502920" tIns="91440" bIns="45720"/>
+          <a:lstStyle/>
+          <a:p>
+            <a:pPr eaLnBrk="1" fontAlgn="auto" hangingPunct="1">
+              <a:spcBef>
+                <a:spcPts val="0"/>
+              </a:spcBef>
+              <a:spcAft>
+                <a:spcPts val="0"/>
+              </a:spcAft>
+              <a:defRPr/>
+            </a:pPr>
+            <a:r>
+              <a:rPr lang="en-US" sz="1200" dirty="0">
+                <a:solidFill>
+                  <a:schemeClr val="tx1"/>
+                </a:solidFill>
+                <a:latin typeface="Arial" panose="020B0604020202020204" pitchFamily="34" charset="0"/>
+                <a:cs typeface="Arial" panose="020B0604020202020204" pitchFamily="34" charset="0"/>
+              </a:rPr>
+              <a:t>Public subnet</a:t>
+            </a:r>
+          </a:p>
+        </p:txBody>
+      </p:sp>
+      <p:grpSp>
+        <p:nvGrpSpPr>
+          <p:cNvPr id="99" name="그룹 98">
+            <a:extLst>
+              <a:ext uri="{FF2B5EF4-FFF2-40B4-BE49-F238E27FC236}">
+                <a16:creationId xmlns:a16="http://schemas.microsoft.com/office/drawing/2014/main" id="{D0040678-B474-E5B5-16DB-28AF0298E734}"/>
+              </a:ext>
+            </a:extLst>
+          </p:cNvPr>
+          <p:cNvGrpSpPr/>
+          <p:nvPr/>
+        </p:nvGrpSpPr>
+        <p:grpSpPr>
+          <a:xfrm>
+            <a:off x="4194522" y="4100294"/>
+            <a:ext cx="2239962" cy="1006114"/>
+            <a:chOff x="5355390" y="5267982"/>
+            <a:chExt cx="2239962" cy="1006114"/>
+          </a:xfrm>
+        </p:grpSpPr>
+        <p:pic>
+          <p:nvPicPr>
+            <p:cNvPr id="48" name="Graphic 8" descr="Amazon Simple Storage Service (Amazon S3) service icon.">
+              <a:extLst>
+                <a:ext uri="{FF2B5EF4-FFF2-40B4-BE49-F238E27FC236}">
+                  <a16:creationId xmlns:a16="http://schemas.microsoft.com/office/drawing/2014/main" id="{9A3F862D-18D9-9F18-0158-0826B9B5E487}"/>
+                </a:ext>
+              </a:extLst>
+            </p:cNvPr>
+            <p:cNvPicPr>
+              <a:picLocks noChangeAspect="1" noChangeArrowheads="1"/>
+            </p:cNvPicPr>
+            <p:nvPr/>
+          </p:nvPicPr>
+          <p:blipFill rotWithShape="1">
+            <a:blip r:embed="rId9"/>
+            <a:srcRect/>
+            <a:stretch>
+              <a:fillRect/>
+            </a:stretch>
+          </p:blipFill>
+          <p:spPr>
+            <a:xfrm>
+              <a:off x="6116164" y="5267982"/>
+              <a:ext cx="705600" cy="705600"/>
+            </a:xfrm>
+            <a:prstGeom prst="rect">
+              <a:avLst/>
+            </a:prstGeom>
+            <a:noFill/>
+            <a:ln>
+              <a:noFill/>
+            </a:ln>
+          </p:spPr>
+        </p:pic>
+        <p:sp>
+          <p:nvSpPr>
+            <p:cNvPr id="49" name="TextBox 9">
+              <a:extLst>
+                <a:ext uri="{FF2B5EF4-FFF2-40B4-BE49-F238E27FC236}">
+                  <a16:creationId xmlns:a16="http://schemas.microsoft.com/office/drawing/2014/main" id="{8744616F-1413-D10A-F992-8BD8E9C96EF2}"/>
+                </a:ext>
+              </a:extLst>
+            </p:cNvPr>
+            <p:cNvSpPr txBox="1">
+              <a:spLocks noChangeArrowheads="1"/>
+            </p:cNvSpPr>
+            <p:nvPr/>
+          </p:nvSpPr>
+          <p:spPr>
+            <a:xfrm>
+              <a:off x="5355390" y="5997097"/>
+              <a:ext cx="2239962" cy="276999"/>
+            </a:xfrm>
+            <a:prstGeom prst="rect">
+              <a:avLst/>
+            </a:prstGeom>
+            <a:noFill/>
+            <a:ln>
+              <a:noFill/>
+            </a:ln>
+          </p:spPr>
+          <p:txBody>
+            <a:bodyPr>
+              <a:spAutoFit/>
+            </a:bodyPr>
+            <a:lstStyle>
+              <a:lvl1pPr marL="0" indent="0">
+                <a:lnSpc>
+                  <a:spcPct val="100000"/>
+                </a:lnSpc>
+                <a:spcBef>
+                  <a:spcPct val="0"/>
+                </a:spcBef>
+                <a:spcAft>
+                  <a:spcPts val="0"/>
+                </a:spcAft>
+                <a:defRPr kumimoji="0" sz="1800" b="0" i="0" u="none" strike="noStrike" kern="0" cap="none" spc="0" normalizeH="0" baseline="0">
+                  <a:solidFill>
+                    <a:schemeClr val="tx1"/>
+                  </a:solidFill>
+                </a:defRPr>
+              </a:lvl1pPr>
+            </a:lstStyle>
+            <a:p>
+              <a:pPr algn="ctr" eaLnBrk="1" hangingPunct="1">
+                <a:defRPr/>
+              </a:pPr>
+              <a:r>
+                <a:rPr lang="en-US" altLang="en-US" sz="1200" dirty="0">
+                  <a:latin typeface="Arial"/>
+                  <a:ea typeface="Amazon Ember"/>
+                  <a:cs typeface="Arial"/>
+                </a:rPr>
+                <a:t>Amazon S3</a:t>
+              </a:r>
+            </a:p>
+          </p:txBody>
+        </p:sp>
+      </p:grpSp>
+      <p:sp>
+        <p:nvSpPr>
+          <p:cNvPr id="75" name="label">
+            <a:extLst>
+              <a:ext uri="{FF2B5EF4-FFF2-40B4-BE49-F238E27FC236}">
+                <a16:creationId xmlns:a16="http://schemas.microsoft.com/office/drawing/2014/main" id="{08F78228-1FAD-B405-7F45-134B4B33CFCF}"/>
+              </a:ext>
+            </a:extLst>
+          </p:cNvPr>
+          <p:cNvSpPr txBox="1">
+            <a:spLocks noChangeArrowheads="1"/>
+          </p:cNvSpPr>
+          <p:nvPr/>
+        </p:nvSpPr>
+        <p:spPr>
+          <a:xfrm>
+            <a:off x="-1040531" y="3797457"/>
+            <a:ext cx="827880" cy="246221"/>
+          </a:xfrm>
+          <a:prstGeom prst="rect">
+            <a:avLst/>
+          </a:prstGeom>
+          <a:solidFill>
+            <a:schemeClr val="bg1"/>
+          </a:solidFill>
+          <a:ln>
+            <a:solidFill>
+              <a:schemeClr val="bg1"/>
+            </a:solidFill>
+          </a:ln>
+        </p:spPr>
+        <p:style>
+          <a:lnRef idx="2">
+            <a:schemeClr val="dk1"/>
+          </a:lnRef>
+          <a:fillRef idx="1">
+            <a:schemeClr val="lt1"/>
+          </a:fillRef>
+          <a:effectRef idx="0">
+            <a:schemeClr val="dk1"/>
+          </a:effectRef>
+          <a:fontRef idx="minor">
+            <a:schemeClr val="dk1"/>
+          </a:fontRef>
+        </p:style>
+        <p:txBody>
+          <a:bodyPr wrap="square">
+            <a:spAutoFit/>
+          </a:bodyPr>
+          <a:lstStyle>
+            <a:lvl1pPr marL="0" indent="0">
+              <a:lnSpc>
+                <a:spcPct val="100000"/>
+              </a:lnSpc>
+              <a:spcBef>
+                <a:spcPct val="0"/>
+              </a:spcBef>
+              <a:spcAft>
+                <a:spcPts val="0"/>
+              </a:spcAft>
+              <a:defRPr kumimoji="0" sz="1800" b="0" i="0" u="none" strike="noStrike" kern="0" cap="none" spc="0" normalizeH="0" baseline="0">
+                <a:solidFill>
+                  <a:schemeClr val="tx1"/>
+                </a:solidFill>
+              </a:defRPr>
+            </a:lvl1pPr>
+          </a:lstStyle>
+          <a:p>
+            <a:pPr algn="ctr" eaLnBrk="1" hangingPunct="1">
+              <a:defRPr/>
+            </a:pPr>
+            <a:r>
+              <a:rPr lang="en-US" altLang="en-US" sz="1000" i="1" dirty="0">
+                <a:latin typeface="Arial"/>
+                <a:cs typeface="Arial"/>
+              </a:rPr>
+              <a:t>Load Video</a:t>
+            </a:r>
+          </a:p>
+        </p:txBody>
+      </p:sp>
+      <p:sp>
+        <p:nvSpPr>
+          <p:cNvPr id="170" name="TextBox 169">
+            <a:extLst>
+              <a:ext uri="{FF2B5EF4-FFF2-40B4-BE49-F238E27FC236}">
+                <a16:creationId xmlns:a16="http://schemas.microsoft.com/office/drawing/2014/main" id="{AE81C79A-A482-DBA5-AB08-655AB103CA8D}"/>
+              </a:ext>
+            </a:extLst>
+          </p:cNvPr>
+          <p:cNvSpPr txBox="1"/>
+          <p:nvPr/>
+        </p:nvSpPr>
+        <p:spPr>
+          <a:xfrm>
+            <a:off x="1593312" y="1887936"/>
+            <a:ext cx="290464" cy="323165"/>
+          </a:xfrm>
+          <a:prstGeom prst="rect">
+            <a:avLst/>
+          </a:prstGeom>
+        </p:spPr>
+        <p:style>
+          <a:lnRef idx="2">
+            <a:schemeClr val="accent4">
+              <a:shade val="15000"/>
+            </a:schemeClr>
+          </a:lnRef>
+          <a:fillRef idx="1">
+            <a:schemeClr val="accent4"/>
+          </a:fillRef>
+          <a:effectRef idx="0">
+            <a:schemeClr val="accent4"/>
+          </a:effectRef>
+          <a:fontRef idx="minor">
+            <a:schemeClr val="lt1"/>
+          </a:fontRef>
+        </p:style>
+        <p:txBody>
+          <a:bodyPr wrap="none" rtlCol="0">
+            <a:spAutoFit/>
+          </a:bodyPr>
+          <a:lstStyle/>
+          <a:p>
+            <a:r>
+              <a:rPr lang="en-US" altLang="ko-KR" sz="1500" dirty="0">
+                <a:solidFill>
+                  <a:schemeClr val="tx1"/>
+                </a:solidFill>
+              </a:rPr>
+              <a:t>1</a:t>
+            </a:r>
+            <a:endParaRPr lang="ko-KR" altLang="en-US" sz="1500" dirty="0">
+              <a:solidFill>
+                <a:schemeClr val="tx1"/>
+              </a:solidFill>
+            </a:endParaRPr>
+          </a:p>
+        </p:txBody>
+      </p:sp>
+      <p:grpSp>
+        <p:nvGrpSpPr>
+          <p:cNvPr id="100" name="그룹 99">
+            <a:extLst>
+              <a:ext uri="{FF2B5EF4-FFF2-40B4-BE49-F238E27FC236}">
+                <a16:creationId xmlns:a16="http://schemas.microsoft.com/office/drawing/2014/main" id="{44DF6B25-2360-FD7A-4322-1CB5D1D4450E}"/>
+              </a:ext>
+            </a:extLst>
+          </p:cNvPr>
+          <p:cNvGrpSpPr/>
+          <p:nvPr/>
+        </p:nvGrpSpPr>
+        <p:grpSpPr>
+          <a:xfrm>
+            <a:off x="5797645" y="4096621"/>
+            <a:ext cx="2292350" cy="1163003"/>
+            <a:chOff x="8283965" y="5267982"/>
+            <a:chExt cx="2292350" cy="1163003"/>
+          </a:xfrm>
+        </p:grpSpPr>
+        <p:pic>
+          <p:nvPicPr>
+            <p:cNvPr id="4" name="Graphic 10" descr="AWS Lambda service icon.">
+              <a:extLst>
+                <a:ext uri="{FF2B5EF4-FFF2-40B4-BE49-F238E27FC236}">
+                  <a16:creationId xmlns:a16="http://schemas.microsoft.com/office/drawing/2014/main" id="{7249C1EC-5A69-3C4D-9DDF-0DB93BB70BC6}"/>
+                </a:ext>
+              </a:extLst>
+            </p:cNvPr>
+            <p:cNvPicPr>
+              <a:picLocks noChangeAspect="1" noChangeArrowheads="1"/>
+            </p:cNvPicPr>
+            <p:nvPr/>
+          </p:nvPicPr>
+          <p:blipFill>
+            <a:blip r:embed="rId10">
+              <a:extLst>
+                <a:ext uri="{96DAC541-7B7A-43D3-8B79-37D633B846F1}">
+                  <asvg:svgBlip xmlns:asvg="http://schemas.microsoft.com/office/drawing/2016/SVG/main" r:embed="rId11"/>
+                </a:ext>
+              </a:extLst>
+            </a:blip>
+            <a:srcRect/>
+            <a:stretch/>
+          </p:blipFill>
+          <p:spPr bwMode="auto">
+            <a:xfrm>
+              <a:off x="9098539" y="5267982"/>
+              <a:ext cx="705600" cy="705600"/>
+            </a:xfrm>
+            <a:prstGeom prst="rect">
+              <a:avLst/>
+            </a:prstGeom>
+            <a:noFill/>
+            <a:ln>
+              <a:noFill/>
+            </a:ln>
+            <a:extLst>
+              <a:ext uri="{909E8E84-426E-40DD-AFC4-6F175D3DCCD1}">
+                <a14:hiddenFill xmlns:a14="http://schemas.microsoft.com/office/drawing/2010/main">
+                  <a:solidFill>
+                    <a:srgbClr val="FFFFFF"/>
+                  </a:solidFill>
+                </a14:hiddenFill>
+              </a:ext>
+              <a:ext uri="{91240B29-F687-4F45-9708-019B960494DF}">
+                <a14:hiddenLine xmlns:a14="http://schemas.microsoft.com/office/drawing/2010/main" w="9525">
+                  <a:solidFill>
+                    <a:srgbClr val="000000"/>
+                  </a:solidFill>
+                  <a:miter lim="800000"/>
+                  <a:headEnd/>
+                  <a:tailEnd/>
+                </a14:hiddenLine>
+              </a:ext>
+            </a:extLst>
+          </p:spPr>
+        </p:pic>
+        <p:sp>
+          <p:nvSpPr>
+            <p:cNvPr id="5" name="TextBox 20">
+              <a:extLst>
+                <a:ext uri="{FF2B5EF4-FFF2-40B4-BE49-F238E27FC236}">
+                  <a16:creationId xmlns:a16="http://schemas.microsoft.com/office/drawing/2014/main" id="{E5D4A7D0-5E44-1943-968A-C198F40D0E71}"/>
+                </a:ext>
+              </a:extLst>
+            </p:cNvPr>
+            <p:cNvSpPr txBox="1">
+              <a:spLocks noChangeArrowheads="1"/>
+            </p:cNvSpPr>
+            <p:nvPr/>
+          </p:nvSpPr>
+          <p:spPr bwMode="auto">
+            <a:xfrm>
+              <a:off x="8283965" y="6000098"/>
+              <a:ext cx="2292350" cy="430887"/>
             </a:xfrm>
             <a:prstGeom prst="rect">
               <a:avLst/>
@@ -10583,18 +13972,18 @@
                   <a:ea typeface="Amazon Ember" panose="020B0603020204020204" pitchFamily="34" charset="0"/>
                   <a:cs typeface="Arial" panose="020B0604020202020204" pitchFamily="34" charset="0"/>
                 </a:rPr>
-                <a:t>Amazon EC2</a:t>
+                <a:t>AWS Lambda</a:t>
               </a:r>
             </a:p>
             <a:p>
               <a:pPr algn="ctr" eaLnBrk="1" hangingPunct="1"/>
               <a:r>
-                <a:rPr lang="en-US" altLang="en-US" sz="1200" dirty="0">
+                <a:rPr lang="en-US" altLang="en-US" sz="1000" dirty="0">
                   <a:latin typeface="Arial" panose="020B0604020202020204" pitchFamily="34" charset="0"/>
                   <a:ea typeface="Amazon Ember" panose="020B0603020204020204" pitchFamily="34" charset="0"/>
                   <a:cs typeface="Arial" panose="020B0604020202020204" pitchFamily="34" charset="0"/>
                 </a:rPr>
-                <a:t>(Web Server)</a:t>
+                <a:t>(Run Python File)</a:t>
               </a:r>
             </a:p>
           </p:txBody>
@@ -10602,10 +13991,10 @@
       </p:grpSp>
       <p:sp>
         <p:nvSpPr>
-          <p:cNvPr id="117" name="label">
-            <a:extLst>
-              <a:ext uri="{FF2B5EF4-FFF2-40B4-BE49-F238E27FC236}">
-                <a16:creationId xmlns:a16="http://schemas.microsoft.com/office/drawing/2014/main" id="{B6C5C9AE-ACB7-9719-1663-2CD3F698156A}"/>
+          <p:cNvPr id="23" name="TextBox 6">
+            <a:extLst>
+              <a:ext uri="{FF2B5EF4-FFF2-40B4-BE49-F238E27FC236}">
+                <a16:creationId xmlns:a16="http://schemas.microsoft.com/office/drawing/2014/main" id="{36FEB6A7-BBBF-BF4E-B09F-F70950BA7F04}"/>
               </a:ext>
             </a:extLst>
           </p:cNvPr>
@@ -10614,81 +14003,176 @@
           </p:cNvSpPr>
           <p:nvPr/>
         </p:nvSpPr>
-        <p:spPr>
+        <p:spPr bwMode="auto">
           <a:xfrm>
-            <a:off x="7454687" y="584854"/>
-            <a:ext cx="1172413" cy="400110"/>
+            <a:off x="5169264" y="1972874"/>
+            <a:ext cx="2496630" cy="276999"/>
           </a:xfrm>
           <a:prstGeom prst="rect">
             <a:avLst/>
           </a:prstGeom>
-          <a:solidFill>
-            <a:schemeClr val="bg1"/>
-          </a:solidFill>
+          <a:noFill/>
           <a:ln>
-            <a:solidFill>
-              <a:schemeClr val="bg1"/>
-            </a:solidFill>
+            <a:noFill/>
           </a:ln>
+          <a:extLst>
+            <a:ext uri="{909E8E84-426E-40DD-AFC4-6F175D3DCCD1}">
+              <a14:hiddenFill xmlns:a14="http://schemas.microsoft.com/office/drawing/2010/main">
+                <a:solidFill>
+                  <a:srgbClr val="FFFFFF"/>
+                </a:solidFill>
+              </a14:hiddenFill>
+            </a:ext>
+            <a:ext uri="{91240B29-F687-4F45-9708-019B960494DF}">
+              <a14:hiddenLine xmlns:a14="http://schemas.microsoft.com/office/drawing/2010/main" w="9525">
+                <a:solidFill>
+                  <a:srgbClr val="000000"/>
+                </a:solidFill>
+                <a:miter lim="800000"/>
+                <a:headEnd/>
+                <a:tailEnd/>
+              </a14:hiddenLine>
+            </a:ext>
+          </a:extLst>
         </p:spPr>
-        <p:style>
-          <a:lnRef idx="2">
-            <a:schemeClr val="dk1"/>
-          </a:lnRef>
-          <a:fillRef idx="1">
-            <a:schemeClr val="lt1"/>
-          </a:fillRef>
-          <a:effectRef idx="0">
-            <a:schemeClr val="dk1"/>
-          </a:effectRef>
-          <a:fontRef idx="minor">
-            <a:schemeClr val="dk1"/>
-          </a:fontRef>
-        </p:style>
         <p:txBody>
-          <a:bodyPr wrap="square">
+          <a:bodyPr>
             <a:spAutoFit/>
           </a:bodyPr>
           <a:lstStyle>
-            <a:lvl1pPr marL="0" indent="0">
-              <a:lnSpc>
-                <a:spcPct val="100000"/>
-              </a:lnSpc>
+            <a:defPPr>
+              <a:defRPr lang="en-US"/>
+            </a:defPPr>
+            <a:lvl1pPr algn="l" rtl="0" eaLnBrk="0" fontAlgn="base" hangingPunct="0">
               <a:spcBef>
                 <a:spcPct val="0"/>
               </a:spcBef>
               <a:spcAft>
-                <a:spcPts val="0"/>
+                <a:spcPct val="0"/>
               </a:spcAft>
-              <a:defRPr kumimoji="0" sz="1800" b="0" i="0" u="none" strike="noStrike" kern="0" cap="none" spc="0" normalizeH="0" baseline="0">
+              <a:defRPr kern="1200">
                 <a:solidFill>
                   <a:schemeClr val="tx1"/>
                 </a:solidFill>
+                <a:latin typeface="Calibri" panose="020F0502020204030204" pitchFamily="34" charset="0"/>
+                <a:ea typeface="+mn-ea"/>
+                <a:cs typeface="+mn-cs"/>
               </a:defRPr>
             </a:lvl1pPr>
+            <a:lvl2pPr marL="457200" algn="l" rtl="0" eaLnBrk="0" fontAlgn="base" hangingPunct="0">
+              <a:spcBef>
+                <a:spcPct val="0"/>
+              </a:spcBef>
+              <a:spcAft>
+                <a:spcPct val="0"/>
+              </a:spcAft>
+              <a:defRPr kern="1200">
+                <a:solidFill>
+                  <a:schemeClr val="tx1"/>
+                </a:solidFill>
+                <a:latin typeface="Calibri" panose="020F0502020204030204" pitchFamily="34" charset="0"/>
+                <a:ea typeface="+mn-ea"/>
+                <a:cs typeface="+mn-cs"/>
+              </a:defRPr>
+            </a:lvl2pPr>
+            <a:lvl3pPr marL="914400" algn="l" rtl="0" eaLnBrk="0" fontAlgn="base" hangingPunct="0">
+              <a:spcBef>
+                <a:spcPct val="0"/>
+              </a:spcBef>
+              <a:spcAft>
+                <a:spcPct val="0"/>
+              </a:spcAft>
+              <a:defRPr kern="1200">
+                <a:solidFill>
+                  <a:schemeClr val="tx1"/>
+                </a:solidFill>
+                <a:latin typeface="Calibri" panose="020F0502020204030204" pitchFamily="34" charset="0"/>
+                <a:ea typeface="+mn-ea"/>
+                <a:cs typeface="+mn-cs"/>
+              </a:defRPr>
+            </a:lvl3pPr>
+            <a:lvl4pPr marL="1371600" algn="l" rtl="0" eaLnBrk="0" fontAlgn="base" hangingPunct="0">
+              <a:spcBef>
+                <a:spcPct val="0"/>
+              </a:spcBef>
+              <a:spcAft>
+                <a:spcPct val="0"/>
+              </a:spcAft>
+              <a:defRPr kern="1200">
+                <a:solidFill>
+                  <a:schemeClr val="tx1"/>
+                </a:solidFill>
+                <a:latin typeface="Calibri" panose="020F0502020204030204" pitchFamily="34" charset="0"/>
+                <a:ea typeface="+mn-ea"/>
+                <a:cs typeface="+mn-cs"/>
+              </a:defRPr>
+            </a:lvl4pPr>
+            <a:lvl5pPr marL="1828800" algn="l" rtl="0" eaLnBrk="0" fontAlgn="base" hangingPunct="0">
+              <a:spcBef>
+                <a:spcPct val="0"/>
+              </a:spcBef>
+              <a:spcAft>
+                <a:spcPct val="0"/>
+              </a:spcAft>
+              <a:defRPr kern="1200">
+                <a:solidFill>
+                  <a:schemeClr val="tx1"/>
+                </a:solidFill>
+                <a:latin typeface="Calibri" panose="020F0502020204030204" pitchFamily="34" charset="0"/>
+                <a:ea typeface="+mn-ea"/>
+                <a:cs typeface="+mn-cs"/>
+              </a:defRPr>
+            </a:lvl5pPr>
+            <a:lvl6pPr marL="2286000" algn="l" defTabSz="914400" rtl="0" eaLnBrk="1" latinLnBrk="0" hangingPunct="1">
+              <a:defRPr kern="1200">
+                <a:solidFill>
+                  <a:schemeClr val="tx1"/>
+                </a:solidFill>
+                <a:latin typeface="Calibri" panose="020F0502020204030204" pitchFamily="34" charset="0"/>
+                <a:ea typeface="+mn-ea"/>
+                <a:cs typeface="+mn-cs"/>
+              </a:defRPr>
+            </a:lvl6pPr>
+            <a:lvl7pPr marL="2743200" algn="l" defTabSz="914400" rtl="0" eaLnBrk="1" latinLnBrk="0" hangingPunct="1">
+              <a:defRPr kern="1200">
+                <a:solidFill>
+                  <a:schemeClr val="tx1"/>
+                </a:solidFill>
+                <a:latin typeface="Calibri" panose="020F0502020204030204" pitchFamily="34" charset="0"/>
+                <a:ea typeface="+mn-ea"/>
+                <a:cs typeface="+mn-cs"/>
+              </a:defRPr>
+            </a:lvl7pPr>
+            <a:lvl8pPr marL="3200400" algn="l" defTabSz="914400" rtl="0" eaLnBrk="1" latinLnBrk="0" hangingPunct="1">
+              <a:defRPr kern="1200">
+                <a:solidFill>
+                  <a:schemeClr val="tx1"/>
+                </a:solidFill>
+                <a:latin typeface="Calibri" panose="020F0502020204030204" pitchFamily="34" charset="0"/>
+                <a:ea typeface="+mn-ea"/>
+                <a:cs typeface="+mn-cs"/>
+              </a:defRPr>
+            </a:lvl8pPr>
+            <a:lvl9pPr marL="3657600" algn="l" defTabSz="914400" rtl="0" eaLnBrk="1" latinLnBrk="0" hangingPunct="1">
+              <a:defRPr kern="1200">
+                <a:solidFill>
+                  <a:schemeClr val="tx1"/>
+                </a:solidFill>
+                <a:latin typeface="Calibri" panose="020F0502020204030204" pitchFamily="34" charset="0"/>
+                <a:ea typeface="+mn-ea"/>
+                <a:cs typeface="+mn-cs"/>
+              </a:defRPr>
+            </a:lvl9pPr>
           </a:lstStyle>
           <a:p>
-            <a:pPr algn="ctr" eaLnBrk="1" hangingPunct="1">
-              <a:defRPr/>
-            </a:pPr>
+            <a:pPr algn="ctr" eaLnBrk="1" hangingPunct="1"/>
             <a:r>
-              <a:rPr lang="en-US" altLang="en-US" sz="1000" i="1" dirty="0">
-                <a:latin typeface="Arial"/>
-                <a:cs typeface="Arial"/>
+              <a:rPr lang="en-US" altLang="en-US" sz="1200" dirty="0">
+                <a:latin typeface="Arial" panose="020B0604020202020204" pitchFamily="34" charset="0"/>
+                <a:ea typeface="Amazon Ember" panose="020B0603020204020204" pitchFamily="34" charset="0"/>
+                <a:cs typeface="Arial" panose="020B0604020202020204" pitchFamily="34" charset="0"/>
               </a:rPr>
-              <a:t>Request</a:t>
-            </a:r>
-          </a:p>
-          <a:p>
-            <a:pPr algn="ctr" eaLnBrk="1" hangingPunct="1">
-              <a:defRPr/>
-            </a:pPr>
-            <a:r>
-              <a:rPr lang="en-US" altLang="en-US" sz="1000" i="1" dirty="0">
-                <a:latin typeface="Arial"/>
-                <a:cs typeface="Arial"/>
-              </a:rPr>
-              <a:t>Video Data</a:t>
+              <a:t>(Web Server)</a:t>
             </a:r>
           </a:p>
         </p:txBody>
@@ -10707,7 +14191,7 @@
         </p:nvSpPr>
         <p:spPr>
           <a:xfrm>
-            <a:off x="7449718" y="285335"/>
+            <a:off x="1514499" y="3198726"/>
             <a:ext cx="290464" cy="323165"/>
           </a:xfrm>
           <a:prstGeom prst="rect">
@@ -10742,7 +14226,7 @@
                   <a:schemeClr val="tx1"/>
                 </a:solidFill>
               </a:rPr>
-              <a:t>1</a:t>
+              <a:t>7</a:t>
             </a:r>
             <a:endParaRPr lang="ko-KR" altLang="en-US" sz="1500" dirty="0">
               <a:solidFill>
@@ -10754,98 +14238,10 @@
       </p:sp>
       <p:sp>
         <p:nvSpPr>
-          <p:cNvPr id="147" name="label">
-            <a:extLst>
-              <a:ext uri="{FF2B5EF4-FFF2-40B4-BE49-F238E27FC236}">
-                <a16:creationId xmlns:a16="http://schemas.microsoft.com/office/drawing/2014/main" id="{A75C122B-1989-EA8E-E17C-D79108A6BF4D}"/>
-              </a:ext>
-            </a:extLst>
-          </p:cNvPr>
-          <p:cNvSpPr txBox="1">
-            <a:spLocks noChangeArrowheads="1"/>
-          </p:cNvSpPr>
-          <p:nvPr/>
-        </p:nvSpPr>
-        <p:spPr>
-          <a:xfrm>
-            <a:off x="5093547" y="568789"/>
-            <a:ext cx="1101582" cy="400110"/>
-          </a:xfrm>
-          <a:prstGeom prst="rect">
-            <a:avLst/>
-          </a:prstGeom>
-          <a:ln>
-            <a:noFill/>
-          </a:ln>
-        </p:spPr>
-        <p:style>
-          <a:lnRef idx="2">
-            <a:schemeClr val="dk1"/>
-          </a:lnRef>
-          <a:fillRef idx="1">
-            <a:schemeClr val="lt1"/>
-          </a:fillRef>
-          <a:effectRef idx="0">
-            <a:schemeClr val="dk1"/>
-          </a:effectRef>
-          <a:fontRef idx="minor">
-            <a:schemeClr val="dk1"/>
-          </a:fontRef>
-        </p:style>
-        <p:txBody>
-          <a:bodyPr wrap="square">
-            <a:spAutoFit/>
-          </a:bodyPr>
-          <a:lstStyle>
-            <a:lvl1pPr marL="0" indent="0">
-              <a:lnSpc>
-                <a:spcPct val="100000"/>
-              </a:lnSpc>
-              <a:spcBef>
-                <a:spcPct val="0"/>
-              </a:spcBef>
-              <a:spcAft>
-                <a:spcPts val="0"/>
-              </a:spcAft>
-              <a:defRPr kumimoji="0" sz="1800" b="0" i="0" u="none" strike="noStrike" kern="0" cap="none" spc="0" normalizeH="0" baseline="0">
-                <a:solidFill>
-                  <a:schemeClr val="tx1"/>
-                </a:solidFill>
-              </a:defRPr>
-            </a:lvl1pPr>
-          </a:lstStyle>
-          <a:p>
-            <a:pPr algn="ctr" eaLnBrk="1" hangingPunct="1">
-              <a:defRPr/>
-            </a:pPr>
-            <a:r>
-              <a:rPr lang="en-US" altLang="en-US" sz="1000" i="1" dirty="0">
-                <a:latin typeface="Arial"/>
-                <a:cs typeface="Arial"/>
-              </a:rPr>
-              <a:t>Response</a:t>
-            </a:r>
-          </a:p>
-          <a:p>
-            <a:pPr algn="ctr" eaLnBrk="1" hangingPunct="1">
-              <a:defRPr/>
-            </a:pPr>
-            <a:r>
-              <a:rPr lang="en-US" altLang="en-US" sz="1000" i="1" dirty="0">
-                <a:latin typeface="Arial"/>
-                <a:cs typeface="Arial"/>
-              </a:rPr>
-              <a:t>Feature Result</a:t>
-            </a:r>
-          </a:p>
-        </p:txBody>
-      </p:sp>
-      <p:sp>
-        <p:nvSpPr>
-          <p:cNvPr id="172" name="TextBox 171">
-            <a:extLst>
-              <a:ext uri="{FF2B5EF4-FFF2-40B4-BE49-F238E27FC236}">
-                <a16:creationId xmlns:a16="http://schemas.microsoft.com/office/drawing/2014/main" id="{72120E0D-E64C-6A28-3BEA-AAEFC17BDF64}"/>
+          <p:cNvPr id="173" name="TextBox 172">
+            <a:extLst>
+              <a:ext uri="{FF2B5EF4-FFF2-40B4-BE49-F238E27FC236}">
+                <a16:creationId xmlns:a16="http://schemas.microsoft.com/office/drawing/2014/main" id="{9279C484-B37C-B86A-2475-D74238FF1744}"/>
               </a:ext>
             </a:extLst>
           </p:cNvPr>
@@ -10854,7 +14250,7 @@
         </p:nvSpPr>
         <p:spPr>
           <a:xfrm>
-            <a:off x="5076801" y="270121"/>
+            <a:off x="4906828" y="3111483"/>
             <a:ext cx="290464" cy="323165"/>
           </a:xfrm>
           <a:prstGeom prst="rect">
@@ -10889,158 +14285,6 @@
                   <a:schemeClr val="tx1"/>
                 </a:solidFill>
               </a:rPr>
-              <a:t>3</a:t>
-            </a:r>
-            <a:endParaRPr lang="ko-KR" altLang="en-US" sz="1500" dirty="0">
-              <a:solidFill>
-                <a:schemeClr val="tx1"/>
-              </a:solidFill>
-            </a:endParaRPr>
-          </a:p>
-        </p:txBody>
-      </p:sp>
-      <p:sp>
-        <p:nvSpPr>
-          <p:cNvPr id="122" name="label">
-            <a:extLst>
-              <a:ext uri="{FF2B5EF4-FFF2-40B4-BE49-F238E27FC236}">
-                <a16:creationId xmlns:a16="http://schemas.microsoft.com/office/drawing/2014/main" id="{7B59D974-55EF-F737-5B86-15ED3C881EF9}"/>
-              </a:ext>
-            </a:extLst>
-          </p:cNvPr>
-          <p:cNvSpPr txBox="1">
-            <a:spLocks noChangeArrowheads="1"/>
-          </p:cNvSpPr>
-          <p:nvPr/>
-        </p:nvSpPr>
-        <p:spPr>
-          <a:xfrm>
-            <a:off x="9007632" y="232663"/>
-            <a:ext cx="1172413" cy="400110"/>
-          </a:xfrm>
-          <a:prstGeom prst="rect">
-            <a:avLst/>
-          </a:prstGeom>
-          <a:solidFill>
-            <a:schemeClr val="bg1"/>
-          </a:solidFill>
-          <a:ln>
-            <a:solidFill>
-              <a:schemeClr val="bg1"/>
-            </a:solidFill>
-          </a:ln>
-        </p:spPr>
-        <p:style>
-          <a:lnRef idx="2">
-            <a:schemeClr val="dk1"/>
-          </a:lnRef>
-          <a:fillRef idx="1">
-            <a:schemeClr val="lt1"/>
-          </a:fillRef>
-          <a:effectRef idx="0">
-            <a:schemeClr val="dk1"/>
-          </a:effectRef>
-          <a:fontRef idx="minor">
-            <a:schemeClr val="dk1"/>
-          </a:fontRef>
-        </p:style>
-        <p:txBody>
-          <a:bodyPr wrap="square">
-            <a:spAutoFit/>
-          </a:bodyPr>
-          <a:lstStyle>
-            <a:lvl1pPr marL="0" indent="0">
-              <a:lnSpc>
-                <a:spcPct val="100000"/>
-              </a:lnSpc>
-              <a:spcBef>
-                <a:spcPct val="0"/>
-              </a:spcBef>
-              <a:spcAft>
-                <a:spcPts val="0"/>
-              </a:spcAft>
-              <a:defRPr kumimoji="0" sz="1800" b="0" i="0" u="none" strike="noStrike" kern="0" cap="none" spc="0" normalizeH="0" baseline="0">
-                <a:solidFill>
-                  <a:schemeClr val="tx1"/>
-                </a:solidFill>
-              </a:defRPr>
-            </a:lvl1pPr>
-          </a:lstStyle>
-          <a:p>
-            <a:pPr algn="ctr" eaLnBrk="1" hangingPunct="1">
-              <a:defRPr/>
-            </a:pPr>
-            <a:r>
-              <a:rPr lang="en-US" altLang="en-US" sz="1000" i="1" dirty="0">
-                <a:latin typeface="Arial"/>
-                <a:cs typeface="Arial"/>
-              </a:rPr>
-              <a:t>Response</a:t>
-            </a:r>
-          </a:p>
-          <a:p>
-            <a:pPr algn="ctr" eaLnBrk="1" hangingPunct="1">
-              <a:defRPr/>
-            </a:pPr>
-            <a:r>
-              <a:rPr lang="en-US" altLang="en-US" sz="1000" i="1" dirty="0">
-                <a:latin typeface="Arial"/>
-                <a:cs typeface="Arial"/>
-              </a:rPr>
-              <a:t>Video Data</a:t>
-            </a:r>
-          </a:p>
-        </p:txBody>
-      </p:sp>
-      <p:sp>
-        <p:nvSpPr>
-          <p:cNvPr id="173" name="TextBox 172">
-            <a:extLst>
-              <a:ext uri="{FF2B5EF4-FFF2-40B4-BE49-F238E27FC236}">
-                <a16:creationId xmlns:a16="http://schemas.microsoft.com/office/drawing/2014/main" id="{9279C484-B37C-B86A-2475-D74238FF1744}"/>
-              </a:ext>
-            </a:extLst>
-          </p:cNvPr>
-          <p:cNvSpPr txBox="1"/>
-          <p:nvPr/>
-        </p:nvSpPr>
-        <p:spPr>
-          <a:xfrm>
-            <a:off x="8917449" y="53113"/>
-            <a:ext cx="290464" cy="323165"/>
-          </a:xfrm>
-          <a:prstGeom prst="rect">
-            <a:avLst/>
-          </a:prstGeom>
-        </p:spPr>
-        <p:style>
-          <a:lnRef idx="2">
-            <a:schemeClr val="accent4">
-              <a:shade val="15000"/>
-            </a:schemeClr>
-          </a:lnRef>
-          <a:fillRef idx="1">
-            <a:schemeClr val="accent4"/>
-          </a:fillRef>
-          <a:effectRef idx="0">
-            <a:schemeClr val="accent4"/>
-          </a:effectRef>
-          <a:fontRef idx="minor">
-            <a:schemeClr val="lt1"/>
-          </a:fontRef>
-        </p:style>
-        <p:txBody>
-          <a:bodyPr wrap="none" rtlCol="0">
-            <a:spAutoFit/>
-          </a:bodyPr>
-          <a:lstStyle/>
-          <a:p>
-            <a:r>
-              <a:rPr lang="en-US" altLang="ko-KR" sz="1500" dirty="0">
-                <a:solidFill>
-                  <a:schemeClr val="tx1"/>
-                </a:solidFill>
-              </a:rPr>
               <a:t>2</a:t>
             </a:r>
             <a:endParaRPr lang="ko-KR" altLang="en-US" sz="1500" dirty="0">
@@ -11051,65 +14295,6 @@
           </a:p>
         </p:txBody>
       </p:sp>
-      <p:sp>
-        <p:nvSpPr>
-          <p:cNvPr id="118" name="TextBox 117">
-            <a:extLst>
-              <a:ext uri="{FF2B5EF4-FFF2-40B4-BE49-F238E27FC236}">
-                <a16:creationId xmlns:a16="http://schemas.microsoft.com/office/drawing/2014/main" id="{E09E7382-15B9-1B4D-5370-1633A8949496}"/>
-              </a:ext>
-            </a:extLst>
-          </p:cNvPr>
-          <p:cNvSpPr txBox="1"/>
-          <p:nvPr/>
-        </p:nvSpPr>
-        <p:spPr>
-          <a:xfrm>
-            <a:off x="286030" y="3823978"/>
-            <a:ext cx="290464" cy="323165"/>
-          </a:xfrm>
-          <a:prstGeom prst="rect">
-            <a:avLst/>
-          </a:prstGeom>
-        </p:spPr>
-        <p:style>
-          <a:lnRef idx="2">
-            <a:schemeClr val="accent4">
-              <a:shade val="15000"/>
-            </a:schemeClr>
-          </a:lnRef>
-          <a:fillRef idx="1">
-            <a:schemeClr val="accent4"/>
-          </a:fillRef>
-          <a:effectRef idx="0">
-            <a:schemeClr val="accent4"/>
-          </a:effectRef>
-          <a:fontRef idx="minor">
-            <a:schemeClr val="lt1"/>
-          </a:fontRef>
-        </p:style>
-        <p:txBody>
-          <a:bodyPr wrap="none" rtlCol="0">
-            <a:spAutoFit/>
-          </a:bodyPr>
-          <a:lstStyle/>
-          <a:p>
-            <a:r>
-              <a:rPr lang="en-US" altLang="ko-KR" sz="1500" dirty="0">
-                <a:solidFill>
-                  <a:schemeClr val="tx1"/>
-                </a:solidFill>
-              </a:rPr>
-              <a:t>2</a:t>
-            </a:r>
-            <a:endParaRPr lang="ko-KR" altLang="en-US" sz="1500" dirty="0">
-              <a:solidFill>
-                <a:schemeClr val="tx1"/>
-              </a:solidFill>
-            </a:endParaRPr>
-          </a:p>
-        </p:txBody>
-      </p:sp>
       <p:grpSp>
         <p:nvGrpSpPr>
           <p:cNvPr id="14" name="Group 5" descr="Region group.">
@@ -11124,10 +14309,10 @@
         </p:nvGrpSpPr>
         <p:grpSpPr>
           <a:xfrm>
-            <a:off x="3620769" y="1800343"/>
-            <a:ext cx="5898184" cy="2384306"/>
-            <a:chOff x="4215623" y="1512745"/>
-            <a:chExt cx="5898184" cy="2384306"/>
+            <a:off x="3420916" y="1324791"/>
+            <a:ext cx="5899771" cy="2390656"/>
+            <a:chOff x="4214036" y="1506395"/>
+            <a:chExt cx="5899771" cy="2390656"/>
           </a:xfrm>
         </p:grpSpPr>
         <p:sp>
@@ -11151,11 +14336,11 @@
               <a:avLst/>
             </a:prstGeom>
             <a:noFill/>
-            <a:ln w="15875">
+            <a:ln w="12700">
               <a:solidFill>
                 <a:srgbClr val="00A4A6"/>
               </a:solidFill>
-              <a:prstDash val="sysDash"/>
+              <a:prstDash val="dash"/>
             </a:ln>
           </p:spPr>
           <p:style>
@@ -11215,10 +14400,10 @@
             <p:nvPr/>
           </p:nvPicPr>
           <p:blipFill>
-            <a:blip r:embed="rId14">
+            <a:blip r:embed="rId12">
               <a:extLst>
                 <a:ext uri="{96DAC541-7B7A-43D3-8B79-37D633B846F1}">
-                  <asvg:svgBlip xmlns:asvg="http://schemas.microsoft.com/office/drawing/2016/SVG/main" r:embed="rId15"/>
+                  <asvg:svgBlip xmlns:asvg="http://schemas.microsoft.com/office/drawing/2016/SVG/main" r:embed="rId13"/>
                 </a:ext>
               </a:extLst>
             </a:blip>
@@ -11227,7 +14412,7 @@
           </p:blipFill>
           <p:spPr>
             <a:xfrm>
-              <a:off x="4215623" y="1512745"/>
+              <a:off x="4214036" y="1506395"/>
               <a:ext cx="381000" cy="381000"/>
             </a:xfrm>
             <a:prstGeom prst="rect">
@@ -11250,7 +14435,7 @@
         </p:nvGrpSpPr>
         <p:grpSpPr>
           <a:xfrm>
-            <a:off x="5194497" y="2767578"/>
+            <a:off x="5695193" y="2296742"/>
             <a:ext cx="722695" cy="640788"/>
             <a:chOff x="777009" y="4816476"/>
             <a:chExt cx="1683617" cy="1492803"/>
@@ -11271,7 +14456,7 @@
             <p:nvPr/>
           </p:nvPicPr>
           <p:blipFill rotWithShape="1">
-            <a:blip r:embed="rId16">
+            <a:blip r:embed="rId14">
               <a:extLst>
                 <a:ext uri="{28A0092B-C50C-407E-A947-70E740481C1C}">
                   <a14:useLocalDpi xmlns:a14="http://schemas.microsoft.com/office/drawing/2010/main" val="0"/>
@@ -11306,7 +14491,7 @@
             <p:nvPr/>
           </p:nvPicPr>
           <p:blipFill rotWithShape="1">
-            <a:blip r:embed="rId16">
+            <a:blip r:embed="rId14">
               <a:extLst>
                 <a:ext uri="{28A0092B-C50C-407E-A947-70E740481C1C}">
                   <a14:useLocalDpi xmlns:a14="http://schemas.microsoft.com/office/drawing/2010/main" val="0"/>
@@ -11342,10 +14527,10 @@
           <p:nvPr/>
         </p:nvPicPr>
         <p:blipFill>
-          <a:blip r:embed="rId17">
+          <a:blip r:embed="rId15">
             <a:extLst>
               <a:ext uri="{96DAC541-7B7A-43D3-8B79-37D633B846F1}">
-                <asvg:svgBlip xmlns:asvg="http://schemas.microsoft.com/office/drawing/2016/SVG/main" r:embed="rId18"/>
+                <asvg:svgBlip xmlns:asvg="http://schemas.microsoft.com/office/drawing/2016/SVG/main" r:embed="rId16"/>
               </a:ext>
             </a:extLst>
           </a:blip>
@@ -11354,44 +14539,8 @@
         </p:blipFill>
         <p:spPr>
           <a:xfrm>
-            <a:off x="4081680" y="2224682"/>
+            <a:off x="3883414" y="1753099"/>
             <a:ext cx="381000" cy="381000"/>
-          </a:xfrm>
-          <a:prstGeom prst="rect">
-            <a:avLst/>
-          </a:prstGeom>
-        </p:spPr>
-      </p:pic>
-      <p:pic>
-        <p:nvPicPr>
-          <p:cNvPr id="31" name="그림 30">
-            <a:extLst>
-              <a:ext uri="{FF2B5EF4-FFF2-40B4-BE49-F238E27FC236}">
-                <a16:creationId xmlns:a16="http://schemas.microsoft.com/office/drawing/2014/main" id="{C98F4C69-FB6A-2E83-52A4-4127D378194C}"/>
-              </a:ext>
-            </a:extLst>
-          </p:cNvPr>
-          <p:cNvPicPr>
-            <a:picLocks noChangeAspect="1"/>
-          </p:cNvPicPr>
-          <p:nvPr/>
-        </p:nvPicPr>
-        <p:blipFill>
-          <a:blip r:embed="rId19">
-            <a:extLst>
-              <a:ext uri="{28A0092B-C50C-407E-A947-70E740481C1C}">
-                <a14:useLocalDpi xmlns:a14="http://schemas.microsoft.com/office/drawing/2010/main" val="0"/>
-              </a:ext>
-            </a:extLst>
-          </a:blip>
-          <a:stretch>
-            <a:fillRect/>
-          </a:stretch>
-        </p:blipFill>
-        <p:spPr>
-          <a:xfrm>
-            <a:off x="6121685" y="2625589"/>
-            <a:ext cx="2075537" cy="748654"/>
           </a:xfrm>
           <a:prstGeom prst="rect">
             <a:avLst/>
@@ -11413,7 +14562,7 @@
           <p:nvPr/>
         </p:nvPicPr>
         <p:blipFill rotWithShape="1">
-          <a:blip r:embed="rId20">
+          <a:blip r:embed="rId17">
             <a:extLst>
               <a:ext uri="{28A0092B-C50C-407E-A947-70E740481C1C}">
                 <a14:useLocalDpi xmlns:a14="http://schemas.microsoft.com/office/drawing/2010/main" val="0"/>
@@ -11425,7 +14574,7 @@
         </p:blipFill>
         <p:spPr bwMode="auto">
           <a:xfrm>
-            <a:off x="6413407" y="2387816"/>
+            <a:off x="6542483" y="2369311"/>
             <a:ext cx="1582588" cy="482578"/>
           </a:xfrm>
           <a:prstGeom prst="rect">
@@ -11443,10 +14592,2143 @@
           </a:extLst>
         </p:spPr>
       </p:pic>
+      <p:grpSp>
+        <p:nvGrpSpPr>
+          <p:cNvPr id="20" name="그룹 19">
+            <a:extLst>
+              <a:ext uri="{FF2B5EF4-FFF2-40B4-BE49-F238E27FC236}">
+                <a16:creationId xmlns:a16="http://schemas.microsoft.com/office/drawing/2014/main" id="{BA950A9F-AD6C-51C2-3473-6F1027AD4822}"/>
+              </a:ext>
+            </a:extLst>
+          </p:cNvPr>
+          <p:cNvGrpSpPr/>
+          <p:nvPr/>
+        </p:nvGrpSpPr>
+        <p:grpSpPr>
+          <a:xfrm>
+            <a:off x="5669920" y="537177"/>
+            <a:ext cx="1403350" cy="734199"/>
+            <a:chOff x="5730650" y="914126"/>
+            <a:chExt cx="1403350" cy="734199"/>
+          </a:xfrm>
+        </p:grpSpPr>
+        <p:sp>
+          <p:nvSpPr>
+            <p:cNvPr id="10" name="background">
+              <a:extLst>
+                <a:ext uri="{FF2B5EF4-FFF2-40B4-BE49-F238E27FC236}">
+                  <a16:creationId xmlns:a16="http://schemas.microsoft.com/office/drawing/2014/main" id="{6DC7C872-C0C3-D281-777E-8960CDF60AAC}"/>
+                </a:ext>
+                <a:ext uri="{C183D7F6-B498-43B3-948B-1728B52AA6E4}">
+                  <adec:decorative xmlns:adec="http://schemas.microsoft.com/office/drawing/2017/decorative" val="1"/>
+                </a:ext>
+              </a:extLst>
+            </p:cNvPr>
+            <p:cNvSpPr/>
+            <p:nvPr/>
+          </p:nvSpPr>
+          <p:spPr>
+            <a:xfrm>
+              <a:off x="6221835" y="927519"/>
+              <a:ext cx="413413" cy="421496"/>
+            </a:xfrm>
+            <a:prstGeom prst="ellipse">
+              <a:avLst/>
+            </a:prstGeom>
+            <a:solidFill>
+              <a:schemeClr val="bg1"/>
+            </a:solidFill>
+            <a:ln>
+              <a:noFill/>
+            </a:ln>
+          </p:spPr>
+          <p:style>
+            <a:lnRef idx="2">
+              <a:schemeClr val="accent1">
+                <a:shade val="50000"/>
+              </a:schemeClr>
+            </a:lnRef>
+            <a:fillRef idx="1">
+              <a:schemeClr val="accent1"/>
+            </a:fillRef>
+            <a:effectRef idx="0">
+              <a:schemeClr val="accent1"/>
+            </a:effectRef>
+            <a:fontRef idx="minor">
+              <a:schemeClr val="lt1"/>
+            </a:fontRef>
+          </p:style>
+          <p:txBody>
+            <a:bodyPr rtlCol="0" anchor="ctr"/>
+            <a:lstStyle/>
+            <a:p>
+              <a:pPr algn="ctr"/>
+              <a:endParaRPr lang="en-US"/>
+            </a:p>
+          </p:txBody>
+        </p:sp>
+        <p:grpSp>
+          <p:nvGrpSpPr>
+            <p:cNvPr id="13" name="Group 5" descr="Internet gateway service icon on VPC container.">
+              <a:extLst>
+                <a:ext uri="{FF2B5EF4-FFF2-40B4-BE49-F238E27FC236}">
+                  <a16:creationId xmlns:a16="http://schemas.microsoft.com/office/drawing/2014/main" id="{2D5A2515-AFB2-D3E5-F912-AB75EFCA0478}"/>
+                </a:ext>
+              </a:extLst>
+            </p:cNvPr>
+            <p:cNvGrpSpPr/>
+            <p:nvPr/>
+          </p:nvGrpSpPr>
+          <p:grpSpPr>
+            <a:xfrm>
+              <a:off x="5730650" y="914126"/>
+              <a:ext cx="1403350" cy="734199"/>
+              <a:chOff x="7328508" y="1855841"/>
+              <a:chExt cx="1403350" cy="734199"/>
+            </a:xfrm>
+          </p:grpSpPr>
+          <p:pic>
+            <p:nvPicPr>
+              <p:cNvPr id="17" name="Graphic 10" descr="Internet gateway resource icon for the Amazon VPC service.">
+                <a:extLst>
+                  <a:ext uri="{FF2B5EF4-FFF2-40B4-BE49-F238E27FC236}">
+                    <a16:creationId xmlns:a16="http://schemas.microsoft.com/office/drawing/2014/main" id="{160AAE6C-940A-33DF-0A79-DBE3B38EACF4}"/>
+                  </a:ext>
+                </a:extLst>
+              </p:cNvPr>
+              <p:cNvPicPr>
+                <a:picLocks noChangeAspect="1" noChangeArrowheads="1"/>
+              </p:cNvPicPr>
+              <p:nvPr/>
+            </p:nvPicPr>
+            <p:blipFill>
+              <a:blip r:embed="rId18">
+                <a:extLst>
+                  <a:ext uri="{96DAC541-7B7A-43D3-8B79-37D633B846F1}">
+                    <asvg:svgBlip xmlns:asvg="http://schemas.microsoft.com/office/drawing/2016/SVG/main" r:embed="rId19"/>
+                  </a:ext>
+                </a:extLst>
+              </a:blip>
+              <a:srcRect/>
+              <a:stretch/>
+            </p:blipFill>
+            <p:spPr bwMode="auto">
+              <a:xfrm>
+                <a:off x="7799044" y="1855841"/>
+                <a:ext cx="457200" cy="457200"/>
+              </a:xfrm>
+              <a:prstGeom prst="rect">
+                <a:avLst/>
+              </a:prstGeom>
+              <a:noFill/>
+              <a:ln>
+                <a:noFill/>
+              </a:ln>
+              <a:extLst>
+                <a:ext uri="{909E8E84-426E-40DD-AFC4-6F175D3DCCD1}">
+                  <a14:hiddenFill xmlns:a14="http://schemas.microsoft.com/office/drawing/2010/main">
+                    <a:solidFill>
+                      <a:srgbClr val="FFFFFF"/>
+                    </a:solidFill>
+                  </a14:hiddenFill>
+                </a:ext>
+                <a:ext uri="{91240B29-F687-4F45-9708-019B960494DF}">
+                  <a14:hiddenLine xmlns:a14="http://schemas.microsoft.com/office/drawing/2010/main" w="9525">
+                    <a:solidFill>
+                      <a:srgbClr val="000000"/>
+                    </a:solidFill>
+                    <a:miter lim="800000"/>
+                    <a:headEnd/>
+                    <a:tailEnd/>
+                  </a14:hiddenLine>
+                </a:ext>
+              </a:extLst>
+            </p:spPr>
+          </p:pic>
+          <p:sp>
+            <p:nvSpPr>
+              <p:cNvPr id="18" name="TextBox 12">
+                <a:extLst>
+                  <a:ext uri="{FF2B5EF4-FFF2-40B4-BE49-F238E27FC236}">
+                    <a16:creationId xmlns:a16="http://schemas.microsoft.com/office/drawing/2014/main" id="{78242EA7-7D76-3817-0232-AF186A00193B}"/>
+                  </a:ext>
+                </a:extLst>
+              </p:cNvPr>
+              <p:cNvSpPr txBox="1">
+                <a:spLocks noChangeArrowheads="1"/>
+              </p:cNvSpPr>
+              <p:nvPr/>
+            </p:nvSpPr>
+            <p:spPr bwMode="auto">
+              <a:xfrm>
+                <a:off x="7328508" y="2313041"/>
+                <a:ext cx="1403350" cy="276999"/>
+              </a:xfrm>
+              <a:prstGeom prst="rect">
+                <a:avLst/>
+              </a:prstGeom>
+              <a:noFill/>
+              <a:ln>
+                <a:noFill/>
+              </a:ln>
+              <a:extLst>
+                <a:ext uri="{909E8E84-426E-40DD-AFC4-6F175D3DCCD1}">
+                  <a14:hiddenFill xmlns:a14="http://schemas.microsoft.com/office/drawing/2010/main">
+                    <a:solidFill>
+                      <a:srgbClr val="FFFFFF"/>
+                    </a:solidFill>
+                  </a14:hiddenFill>
+                </a:ext>
+                <a:ext uri="{91240B29-F687-4F45-9708-019B960494DF}">
+                  <a14:hiddenLine xmlns:a14="http://schemas.microsoft.com/office/drawing/2010/main" w="9525">
+                    <a:solidFill>
+                      <a:srgbClr val="000000"/>
+                    </a:solidFill>
+                    <a:miter lim="800000"/>
+                    <a:headEnd/>
+                    <a:tailEnd/>
+                  </a14:hiddenLine>
+                </a:ext>
+              </a:extLst>
+            </p:spPr>
+            <p:txBody>
+              <a:bodyPr>
+                <a:spAutoFit/>
+              </a:bodyPr>
+              <a:lstStyle>
+                <a:lvl1pPr>
+                  <a:defRPr>
+                    <a:solidFill>
+                      <a:schemeClr val="tx1"/>
+                    </a:solidFill>
+                    <a:latin typeface="Calibri" panose="020F0502020204030204" pitchFamily="34" charset="0"/>
+                  </a:defRPr>
+                </a:lvl1pPr>
+                <a:lvl2pPr marL="742950" indent="-285750">
+                  <a:defRPr>
+                    <a:solidFill>
+                      <a:schemeClr val="tx1"/>
+                    </a:solidFill>
+                    <a:latin typeface="Calibri" panose="020F0502020204030204" pitchFamily="34" charset="0"/>
+                  </a:defRPr>
+                </a:lvl2pPr>
+                <a:lvl3pPr marL="1143000" indent="-228600">
+                  <a:defRPr>
+                    <a:solidFill>
+                      <a:schemeClr val="tx1"/>
+                    </a:solidFill>
+                    <a:latin typeface="Calibri" panose="020F0502020204030204" pitchFamily="34" charset="0"/>
+                  </a:defRPr>
+                </a:lvl3pPr>
+                <a:lvl4pPr marL="1600200" indent="-228600">
+                  <a:defRPr>
+                    <a:solidFill>
+                      <a:schemeClr val="tx1"/>
+                    </a:solidFill>
+                    <a:latin typeface="Calibri" panose="020F0502020204030204" pitchFamily="34" charset="0"/>
+                  </a:defRPr>
+                </a:lvl4pPr>
+                <a:lvl5pPr marL="2057400" indent="-228600">
+                  <a:defRPr>
+                    <a:solidFill>
+                      <a:schemeClr val="tx1"/>
+                    </a:solidFill>
+                    <a:latin typeface="Calibri" panose="020F0502020204030204" pitchFamily="34" charset="0"/>
+                  </a:defRPr>
+                </a:lvl5pPr>
+                <a:lvl6pPr marL="2514600" indent="-228600" eaLnBrk="0" fontAlgn="base" hangingPunct="0">
+                  <a:spcBef>
+                    <a:spcPct val="0"/>
+                  </a:spcBef>
+                  <a:spcAft>
+                    <a:spcPct val="0"/>
+                  </a:spcAft>
+                  <a:defRPr>
+                    <a:solidFill>
+                      <a:schemeClr val="tx1"/>
+                    </a:solidFill>
+                    <a:latin typeface="Calibri" panose="020F0502020204030204" pitchFamily="34" charset="0"/>
+                  </a:defRPr>
+                </a:lvl6pPr>
+                <a:lvl7pPr marL="2971800" indent="-228600" eaLnBrk="0" fontAlgn="base" hangingPunct="0">
+                  <a:spcBef>
+                    <a:spcPct val="0"/>
+                  </a:spcBef>
+                  <a:spcAft>
+                    <a:spcPct val="0"/>
+                  </a:spcAft>
+                  <a:defRPr>
+                    <a:solidFill>
+                      <a:schemeClr val="tx1"/>
+                    </a:solidFill>
+                    <a:latin typeface="Calibri" panose="020F0502020204030204" pitchFamily="34" charset="0"/>
+                  </a:defRPr>
+                </a:lvl7pPr>
+                <a:lvl8pPr marL="3429000" indent="-228600" eaLnBrk="0" fontAlgn="base" hangingPunct="0">
+                  <a:spcBef>
+                    <a:spcPct val="0"/>
+                  </a:spcBef>
+                  <a:spcAft>
+                    <a:spcPct val="0"/>
+                  </a:spcAft>
+                  <a:defRPr>
+                    <a:solidFill>
+                      <a:schemeClr val="tx1"/>
+                    </a:solidFill>
+                    <a:latin typeface="Calibri" panose="020F0502020204030204" pitchFamily="34" charset="0"/>
+                  </a:defRPr>
+                </a:lvl8pPr>
+                <a:lvl9pPr marL="3886200" indent="-228600" eaLnBrk="0" fontAlgn="base" hangingPunct="0">
+                  <a:spcBef>
+                    <a:spcPct val="0"/>
+                  </a:spcBef>
+                  <a:spcAft>
+                    <a:spcPct val="0"/>
+                  </a:spcAft>
+                  <a:defRPr>
+                    <a:solidFill>
+                      <a:schemeClr val="tx1"/>
+                    </a:solidFill>
+                    <a:latin typeface="Calibri" panose="020F0502020204030204" pitchFamily="34" charset="0"/>
+                  </a:defRPr>
+                </a:lvl9pPr>
+              </a:lstStyle>
+              <a:p>
+                <a:pPr algn="ctr" eaLnBrk="1" hangingPunct="1"/>
+                <a:r>
+                  <a:rPr lang="en-US" altLang="en-US" sz="1200" dirty="0">
+                    <a:latin typeface="Arial" panose="020B0604020202020204" pitchFamily="34" charset="0"/>
+                    <a:ea typeface="Amazon Ember" panose="020B0603020204020204" pitchFamily="34" charset="0"/>
+                    <a:cs typeface="Arial" panose="020B0604020202020204" pitchFamily="34" charset="0"/>
+                  </a:rPr>
+                  <a:t>Internet gateway</a:t>
+                </a:r>
+              </a:p>
+            </p:txBody>
+          </p:sp>
+        </p:grpSp>
+      </p:grpSp>
+      <p:pic>
+        <p:nvPicPr>
+          <p:cNvPr id="19" name="Graphic 46" descr="Instance instance icon for the Amazon EC2 service.">
+            <a:extLst>
+              <a:ext uri="{FF2B5EF4-FFF2-40B4-BE49-F238E27FC236}">
+                <a16:creationId xmlns:a16="http://schemas.microsoft.com/office/drawing/2014/main" id="{62085753-DD38-4579-5901-C535C2B4CAAD}"/>
+              </a:ext>
+            </a:extLst>
+          </p:cNvPr>
+          <p:cNvPicPr>
+            <a:picLocks noChangeAspect="1"/>
+          </p:cNvPicPr>
+          <p:nvPr/>
+        </p:nvPicPr>
+        <p:blipFill>
+          <a:blip r:embed="rId20">
+            <a:extLst>
+              <a:ext uri="{96DAC541-7B7A-43D3-8B79-37D633B846F1}">
+                <asvg:svgBlip xmlns:asvg="http://schemas.microsoft.com/office/drawing/2016/SVG/main" r:embed="rId21"/>
+              </a:ext>
+            </a:extLst>
+          </a:blip>
+          <a:stretch>
+            <a:fillRect/>
+          </a:stretch>
+        </p:blipFill>
+        <p:spPr>
+          <a:xfrm>
+            <a:off x="4943919" y="2248135"/>
+            <a:ext cx="705600" cy="705600"/>
+          </a:xfrm>
+          <a:prstGeom prst="rect">
+            <a:avLst/>
+          </a:prstGeom>
+        </p:spPr>
+      </p:pic>
+      <p:cxnSp>
+        <p:nvCxnSpPr>
+          <p:cNvPr id="36" name="직선 화살표 연결선 35">
+            <a:extLst>
+              <a:ext uri="{FF2B5EF4-FFF2-40B4-BE49-F238E27FC236}">
+                <a16:creationId xmlns:a16="http://schemas.microsoft.com/office/drawing/2014/main" id="{03F92505-CFA9-6903-CF98-0E1CD873B462}"/>
+              </a:ext>
+            </a:extLst>
+          </p:cNvPr>
+          <p:cNvCxnSpPr>
+            <a:cxnSpLocks/>
+          </p:cNvCxnSpPr>
+          <p:nvPr/>
+        </p:nvCxnSpPr>
+        <p:spPr>
+          <a:xfrm>
+            <a:off x="5305217" y="3246598"/>
+            <a:ext cx="0" cy="1033731"/>
+          </a:xfrm>
+          <a:prstGeom prst="straightConnector1">
+            <a:avLst/>
+          </a:prstGeom>
+          <a:ln w="19050">
+            <a:solidFill>
+              <a:srgbClr val="7AA116"/>
+            </a:solidFill>
+            <a:tailEnd type="triangle"/>
+          </a:ln>
+        </p:spPr>
+        <p:style>
+          <a:lnRef idx="1">
+            <a:schemeClr val="accent1"/>
+          </a:lnRef>
+          <a:fillRef idx="0">
+            <a:schemeClr val="accent1"/>
+          </a:fillRef>
+          <a:effectRef idx="0">
+            <a:schemeClr val="accent1"/>
+          </a:effectRef>
+          <a:fontRef idx="minor">
+            <a:schemeClr val="tx1"/>
+          </a:fontRef>
+        </p:style>
+      </p:cxnSp>
+      <p:cxnSp>
+        <p:nvCxnSpPr>
+          <p:cNvPr id="40" name="직선 화살표 연결선 39">
+            <a:extLst>
+              <a:ext uri="{FF2B5EF4-FFF2-40B4-BE49-F238E27FC236}">
+                <a16:creationId xmlns:a16="http://schemas.microsoft.com/office/drawing/2014/main" id="{866A3A3D-4305-2133-5393-C17F95C0E33D}"/>
+              </a:ext>
+            </a:extLst>
+          </p:cNvPr>
+          <p:cNvCxnSpPr>
+            <a:cxnSpLocks/>
+            <a:stCxn id="48" idx="3"/>
+            <a:endCxn id="4" idx="1"/>
+          </p:cNvCxnSpPr>
+          <p:nvPr/>
+        </p:nvCxnSpPr>
+        <p:spPr>
+          <a:xfrm flipV="1">
+            <a:off x="5660896" y="4449421"/>
+            <a:ext cx="951323" cy="3673"/>
+          </a:xfrm>
+          <a:prstGeom prst="straightConnector1">
+            <a:avLst/>
+          </a:prstGeom>
+          <a:ln w="19050">
+            <a:solidFill>
+              <a:schemeClr val="accent6"/>
+            </a:solidFill>
+            <a:tailEnd type="triangle"/>
+          </a:ln>
+        </p:spPr>
+        <p:style>
+          <a:lnRef idx="1">
+            <a:schemeClr val="accent1"/>
+          </a:lnRef>
+          <a:fillRef idx="0">
+            <a:schemeClr val="accent1"/>
+          </a:fillRef>
+          <a:effectRef idx="0">
+            <a:schemeClr val="accent1"/>
+          </a:effectRef>
+          <a:fontRef idx="minor">
+            <a:schemeClr val="tx1"/>
+          </a:fontRef>
+        </p:style>
+      </p:cxnSp>
+      <p:grpSp>
+        <p:nvGrpSpPr>
+          <p:cNvPr id="59" name="그룹 58">
+            <a:extLst>
+              <a:ext uri="{FF2B5EF4-FFF2-40B4-BE49-F238E27FC236}">
+                <a16:creationId xmlns:a16="http://schemas.microsoft.com/office/drawing/2014/main" id="{D57DDEF0-5154-7EAA-67A3-129550B294F4}"/>
+              </a:ext>
+            </a:extLst>
+          </p:cNvPr>
+          <p:cNvGrpSpPr/>
+          <p:nvPr/>
+        </p:nvGrpSpPr>
+        <p:grpSpPr>
+          <a:xfrm>
+            <a:off x="10285480" y="2389871"/>
+            <a:ext cx="1506538" cy="689870"/>
+            <a:chOff x="634119" y="3078325"/>
+            <a:chExt cx="1506538" cy="689870"/>
+          </a:xfrm>
+        </p:grpSpPr>
+        <p:pic>
+          <p:nvPicPr>
+            <p:cNvPr id="60" name="Graphic 6" descr="General resource icon.">
+              <a:extLst>
+                <a:ext uri="{FF2B5EF4-FFF2-40B4-BE49-F238E27FC236}">
+                  <a16:creationId xmlns:a16="http://schemas.microsoft.com/office/drawing/2014/main" id="{876E61A6-216C-75C1-B473-3DDDFE12435F}"/>
+                </a:ext>
+              </a:extLst>
+            </p:cNvPr>
+            <p:cNvPicPr>
+              <a:picLocks noChangeAspect="1" noChangeArrowheads="1"/>
+            </p:cNvPicPr>
+            <p:nvPr/>
+          </p:nvPicPr>
+          <p:blipFill rotWithShape="1">
+            <a:blip r:embed="rId2"/>
+            <a:srcRect/>
+            <a:stretch>
+              <a:fillRect/>
+            </a:stretch>
+          </p:blipFill>
+          <p:spPr>
+            <a:xfrm flipH="1">
+              <a:off x="1147583" y="3078325"/>
+              <a:ext cx="469900" cy="469900"/>
+            </a:xfrm>
+            <a:prstGeom prst="rect">
+              <a:avLst/>
+            </a:prstGeom>
+            <a:noFill/>
+            <a:ln>
+              <a:noFill/>
+            </a:ln>
+          </p:spPr>
+        </p:pic>
+        <p:sp>
+          <p:nvSpPr>
+            <p:cNvPr id="62" name="label6">
+              <a:extLst>
+                <a:ext uri="{FF2B5EF4-FFF2-40B4-BE49-F238E27FC236}">
+                  <a16:creationId xmlns:a16="http://schemas.microsoft.com/office/drawing/2014/main" id="{59694468-C07D-991F-6EDC-4F8AA3B4AE5E}"/>
+                </a:ext>
+              </a:extLst>
+            </p:cNvPr>
+            <p:cNvSpPr txBox="1">
+              <a:spLocks noChangeArrowheads="1"/>
+            </p:cNvSpPr>
+            <p:nvPr/>
+          </p:nvSpPr>
+          <p:spPr>
+            <a:xfrm>
+              <a:off x="634119" y="3491196"/>
+              <a:ext cx="1506538" cy="276999"/>
+            </a:xfrm>
+            <a:prstGeom prst="rect">
+              <a:avLst/>
+            </a:prstGeom>
+            <a:noFill/>
+            <a:ln>
+              <a:noFill/>
+            </a:ln>
+          </p:spPr>
+          <p:txBody>
+            <a:bodyPr>
+              <a:spAutoFit/>
+            </a:bodyPr>
+            <a:lstStyle>
+              <a:lvl1pPr marL="0" indent="0">
+                <a:lnSpc>
+                  <a:spcPct val="100000"/>
+                </a:lnSpc>
+                <a:spcBef>
+                  <a:spcPct val="0"/>
+                </a:spcBef>
+                <a:spcAft>
+                  <a:spcPts val="0"/>
+                </a:spcAft>
+                <a:defRPr kumimoji="0" sz="1800" b="0" i="0" u="none" strike="noStrike" kern="0" cap="none" spc="0" normalizeH="0" baseline="0">
+                  <a:solidFill>
+                    <a:schemeClr val="tx1"/>
+                  </a:solidFill>
+                  <a:latin typeface="Calibri"/>
+                </a:defRPr>
+              </a:lvl1pPr>
+            </a:lstStyle>
+            <a:p>
+              <a:pPr algn="ctr" eaLnBrk="1" hangingPunct="1">
+                <a:defRPr/>
+              </a:pPr>
+              <a:r>
+                <a:rPr lang="en-US" altLang="en-US" sz="1200" dirty="0">
+                  <a:latin typeface="Arial"/>
+                  <a:cs typeface="Arial"/>
+                </a:rPr>
+                <a:t>Developers</a:t>
+              </a:r>
+            </a:p>
+          </p:txBody>
+        </p:sp>
+      </p:grpSp>
+      <p:cxnSp>
+        <p:nvCxnSpPr>
+          <p:cNvPr id="64" name="연결선: 꺾임 63">
+            <a:extLst>
+              <a:ext uri="{FF2B5EF4-FFF2-40B4-BE49-F238E27FC236}">
+                <a16:creationId xmlns:a16="http://schemas.microsoft.com/office/drawing/2014/main" id="{DA22F451-9BBC-ABDA-A451-AC68CFF8E421}"/>
+              </a:ext>
+            </a:extLst>
+          </p:cNvPr>
+          <p:cNvCxnSpPr>
+            <a:cxnSpLocks/>
+            <a:stCxn id="62" idx="2"/>
+            <a:endCxn id="50" idx="3"/>
+          </p:cNvCxnSpPr>
+          <p:nvPr/>
+        </p:nvCxnSpPr>
+        <p:spPr>
+          <a:xfrm rot="5400000">
+            <a:off x="8594063" y="3473585"/>
+            <a:ext cx="2838531" cy="2050843"/>
+          </a:xfrm>
+          <a:prstGeom prst="bentConnector2">
+            <a:avLst/>
+          </a:prstGeom>
+          <a:ln w="19050">
+            <a:solidFill>
+              <a:srgbClr val="FFC000"/>
+            </a:solidFill>
+            <a:prstDash val="sysDash"/>
+            <a:tailEnd type="triangle"/>
+          </a:ln>
+        </p:spPr>
+        <p:style>
+          <a:lnRef idx="1">
+            <a:schemeClr val="accent1"/>
+          </a:lnRef>
+          <a:fillRef idx="0">
+            <a:schemeClr val="accent1"/>
+          </a:fillRef>
+          <a:effectRef idx="0">
+            <a:schemeClr val="accent1"/>
+          </a:effectRef>
+          <a:fontRef idx="minor">
+            <a:schemeClr val="tx1"/>
+          </a:fontRef>
+        </p:style>
+      </p:cxnSp>
+      <p:cxnSp>
+        <p:nvCxnSpPr>
+          <p:cNvPr id="66" name="직선 화살표 연결선 65">
+            <a:extLst>
+              <a:ext uri="{FF2B5EF4-FFF2-40B4-BE49-F238E27FC236}">
+                <a16:creationId xmlns:a16="http://schemas.microsoft.com/office/drawing/2014/main" id="{5A1F197A-EC52-DFC0-524F-AF1DBE7B5FB9}"/>
+              </a:ext>
+            </a:extLst>
+          </p:cNvPr>
+          <p:cNvCxnSpPr>
+            <a:cxnSpLocks/>
+          </p:cNvCxnSpPr>
+          <p:nvPr/>
+        </p:nvCxnSpPr>
+        <p:spPr>
+          <a:xfrm flipH="1">
+            <a:off x="8649281" y="2688894"/>
+            <a:ext cx="1996440" cy="0"/>
+          </a:xfrm>
+          <a:prstGeom prst="straightConnector1">
+            <a:avLst/>
+          </a:prstGeom>
+          <a:ln w="19050">
+            <a:solidFill>
+              <a:srgbClr val="FFC000"/>
+            </a:solidFill>
+            <a:prstDash val="sysDash"/>
+            <a:tailEnd type="triangle"/>
+          </a:ln>
+        </p:spPr>
+        <p:style>
+          <a:lnRef idx="1">
+            <a:schemeClr val="accent1"/>
+          </a:lnRef>
+          <a:fillRef idx="0">
+            <a:schemeClr val="accent1"/>
+          </a:fillRef>
+          <a:effectRef idx="0">
+            <a:schemeClr val="accent1"/>
+          </a:effectRef>
+          <a:fontRef idx="minor">
+            <a:schemeClr val="tx1"/>
+          </a:fontRef>
+        </p:style>
+      </p:cxnSp>
+      <p:cxnSp>
+        <p:nvCxnSpPr>
+          <p:cNvPr id="85" name="직선 화살표 연결선 84">
+            <a:extLst>
+              <a:ext uri="{FF2B5EF4-FFF2-40B4-BE49-F238E27FC236}">
+                <a16:creationId xmlns:a16="http://schemas.microsoft.com/office/drawing/2014/main" id="{C59C843E-D607-F67C-5253-91D9EB3E0511}"/>
+              </a:ext>
+            </a:extLst>
+          </p:cNvPr>
+          <p:cNvCxnSpPr>
+            <a:cxnSpLocks/>
+          </p:cNvCxnSpPr>
+          <p:nvPr/>
+        </p:nvCxnSpPr>
+        <p:spPr>
+          <a:xfrm flipH="1">
+            <a:off x="1153251" y="2845255"/>
+            <a:ext cx="2961612" cy="0"/>
+          </a:xfrm>
+          <a:prstGeom prst="straightConnector1">
+            <a:avLst/>
+          </a:prstGeom>
+          <a:ln w="19050">
+            <a:solidFill>
+              <a:srgbClr val="FF0066"/>
+            </a:solidFill>
+            <a:prstDash val="sysDash"/>
+            <a:tailEnd type="triangle"/>
+          </a:ln>
+        </p:spPr>
+        <p:style>
+          <a:lnRef idx="1">
+            <a:schemeClr val="accent1"/>
+          </a:lnRef>
+          <a:fillRef idx="0">
+            <a:schemeClr val="accent1"/>
+          </a:fillRef>
+          <a:effectRef idx="0">
+            <a:schemeClr val="accent1"/>
+          </a:effectRef>
+          <a:fontRef idx="minor">
+            <a:schemeClr val="tx1"/>
+          </a:fontRef>
+        </p:style>
+      </p:cxnSp>
+      <p:cxnSp>
+        <p:nvCxnSpPr>
+          <p:cNvPr id="88" name="직선 화살표 연결선 87">
+            <a:extLst>
+              <a:ext uri="{FF2B5EF4-FFF2-40B4-BE49-F238E27FC236}">
+                <a16:creationId xmlns:a16="http://schemas.microsoft.com/office/drawing/2014/main" id="{D1FB8551-C9BD-9AA4-9325-217BEC678BD7}"/>
+              </a:ext>
+            </a:extLst>
+          </p:cNvPr>
+          <p:cNvCxnSpPr/>
+          <p:nvPr/>
+        </p:nvCxnSpPr>
+        <p:spPr>
+          <a:xfrm>
+            <a:off x="1153251" y="2582411"/>
+            <a:ext cx="2961612" cy="0"/>
+          </a:xfrm>
+          <a:prstGeom prst="straightConnector1">
+            <a:avLst/>
+          </a:prstGeom>
+          <a:ln w="19050">
+            <a:solidFill>
+              <a:srgbClr val="FF0066"/>
+            </a:solidFill>
+            <a:prstDash val="sysDash"/>
+            <a:tailEnd type="triangle"/>
+          </a:ln>
+        </p:spPr>
+        <p:style>
+          <a:lnRef idx="1">
+            <a:schemeClr val="accent1"/>
+          </a:lnRef>
+          <a:fillRef idx="0">
+            <a:schemeClr val="accent1"/>
+          </a:fillRef>
+          <a:effectRef idx="0">
+            <a:schemeClr val="accent1"/>
+          </a:effectRef>
+          <a:fontRef idx="minor">
+            <a:schemeClr val="tx1"/>
+          </a:fontRef>
+        </p:style>
+      </p:cxnSp>
+      <p:sp>
+        <p:nvSpPr>
+          <p:cNvPr id="56" name="label">
+            <a:extLst>
+              <a:ext uri="{FF2B5EF4-FFF2-40B4-BE49-F238E27FC236}">
+                <a16:creationId xmlns:a16="http://schemas.microsoft.com/office/drawing/2014/main" id="{D90A29EC-0622-764A-D92D-F743C57A442B}"/>
+              </a:ext>
+            </a:extLst>
+          </p:cNvPr>
+          <p:cNvSpPr txBox="1">
+            <a:spLocks noChangeArrowheads="1"/>
+          </p:cNvSpPr>
+          <p:nvPr/>
+        </p:nvSpPr>
+        <p:spPr>
+          <a:xfrm>
+            <a:off x="1754470" y="2442673"/>
+            <a:ext cx="966858" cy="246221"/>
+          </a:xfrm>
+          <a:prstGeom prst="rect">
+            <a:avLst/>
+          </a:prstGeom>
+          <a:solidFill>
+            <a:schemeClr val="bg1"/>
+          </a:solidFill>
+          <a:ln>
+            <a:noFill/>
+          </a:ln>
+        </p:spPr>
+        <p:style>
+          <a:lnRef idx="2">
+            <a:schemeClr val="dk1">
+              <a:shade val="15000"/>
+            </a:schemeClr>
+          </a:lnRef>
+          <a:fillRef idx="1">
+            <a:schemeClr val="dk1"/>
+          </a:fillRef>
+          <a:effectRef idx="0">
+            <a:schemeClr val="dk1"/>
+          </a:effectRef>
+          <a:fontRef idx="minor">
+            <a:schemeClr val="lt1"/>
+          </a:fontRef>
+        </p:style>
+        <p:txBody>
+          <a:bodyPr wrap="square">
+            <a:spAutoFit/>
+          </a:bodyPr>
+          <a:lstStyle>
+            <a:lvl1pPr marL="0" indent="0">
+              <a:lnSpc>
+                <a:spcPct val="100000"/>
+              </a:lnSpc>
+              <a:spcBef>
+                <a:spcPct val="0"/>
+              </a:spcBef>
+              <a:spcAft>
+                <a:spcPts val="0"/>
+              </a:spcAft>
+              <a:defRPr kumimoji="0" sz="1800" b="0" i="0" u="none" strike="noStrike" kern="0" cap="none" spc="0" normalizeH="0" baseline="0">
+                <a:solidFill>
+                  <a:schemeClr val="tx1"/>
+                </a:solidFill>
+              </a:defRPr>
+            </a:lvl1pPr>
+          </a:lstStyle>
+          <a:p>
+            <a:pPr algn="ctr" eaLnBrk="1" hangingPunct="1">
+              <a:defRPr/>
+            </a:pPr>
+            <a:r>
+              <a:rPr lang="en-US" altLang="en-US" sz="1000" i="1" dirty="0">
+                <a:latin typeface="Arial"/>
+                <a:cs typeface="Arial"/>
+              </a:rPr>
+              <a:t>Upload Video</a:t>
+            </a:r>
+          </a:p>
+        </p:txBody>
+      </p:sp>
+      <p:sp>
+        <p:nvSpPr>
+          <p:cNvPr id="89" name="label">
+            <a:extLst>
+              <a:ext uri="{FF2B5EF4-FFF2-40B4-BE49-F238E27FC236}">
+                <a16:creationId xmlns:a16="http://schemas.microsoft.com/office/drawing/2014/main" id="{8858637E-80DB-A9BA-1ABA-E4008C3D5D92}"/>
+              </a:ext>
+            </a:extLst>
+          </p:cNvPr>
+          <p:cNvSpPr txBox="1">
+            <a:spLocks noChangeArrowheads="1"/>
+          </p:cNvSpPr>
+          <p:nvPr/>
+        </p:nvSpPr>
+        <p:spPr>
+          <a:xfrm>
+            <a:off x="1673166" y="2722392"/>
+            <a:ext cx="1122905" cy="246221"/>
+          </a:xfrm>
+          <a:prstGeom prst="rect">
+            <a:avLst/>
+          </a:prstGeom>
+          <a:solidFill>
+            <a:schemeClr val="bg1"/>
+          </a:solidFill>
+          <a:ln>
+            <a:noFill/>
+          </a:ln>
+        </p:spPr>
+        <p:style>
+          <a:lnRef idx="2">
+            <a:schemeClr val="dk1">
+              <a:shade val="15000"/>
+            </a:schemeClr>
+          </a:lnRef>
+          <a:fillRef idx="1">
+            <a:schemeClr val="dk1"/>
+          </a:fillRef>
+          <a:effectRef idx="0">
+            <a:schemeClr val="dk1"/>
+          </a:effectRef>
+          <a:fontRef idx="minor">
+            <a:schemeClr val="lt1"/>
+          </a:fontRef>
+        </p:style>
+        <p:txBody>
+          <a:bodyPr wrap="square">
+            <a:spAutoFit/>
+          </a:bodyPr>
+          <a:lstStyle>
+            <a:lvl1pPr marL="0" indent="0">
+              <a:lnSpc>
+                <a:spcPct val="100000"/>
+              </a:lnSpc>
+              <a:spcBef>
+                <a:spcPct val="0"/>
+              </a:spcBef>
+              <a:spcAft>
+                <a:spcPts val="0"/>
+              </a:spcAft>
+              <a:defRPr kumimoji="0" sz="1800" b="0" i="0" u="none" strike="noStrike" kern="0" cap="none" spc="0" normalizeH="0" baseline="0">
+                <a:solidFill>
+                  <a:schemeClr val="tx1"/>
+                </a:solidFill>
+              </a:defRPr>
+            </a:lvl1pPr>
+          </a:lstStyle>
+          <a:p>
+            <a:pPr algn="ctr" eaLnBrk="1" hangingPunct="1">
+              <a:defRPr/>
+            </a:pPr>
+            <a:r>
+              <a:rPr lang="en-US" altLang="en-US" sz="1000" i="1" dirty="0">
+                <a:latin typeface="Arial"/>
+                <a:cs typeface="Arial"/>
+              </a:rPr>
+              <a:t>Analyzed Graph</a:t>
+            </a:r>
+          </a:p>
+        </p:txBody>
+      </p:sp>
+      <p:sp>
+        <p:nvSpPr>
+          <p:cNvPr id="90" name="TextBox 89">
+            <a:extLst>
+              <a:ext uri="{FF2B5EF4-FFF2-40B4-BE49-F238E27FC236}">
+                <a16:creationId xmlns:a16="http://schemas.microsoft.com/office/drawing/2014/main" id="{E0FA139F-CA25-6503-24BD-94738A1A3599}"/>
+              </a:ext>
+            </a:extLst>
+          </p:cNvPr>
+          <p:cNvSpPr txBox="1"/>
+          <p:nvPr/>
+        </p:nvSpPr>
+        <p:spPr>
+          <a:xfrm>
+            <a:off x="1877115" y="2969599"/>
+            <a:ext cx="705642" cy="276999"/>
+          </a:xfrm>
+          <a:prstGeom prst="rect">
+            <a:avLst/>
+          </a:prstGeom>
+          <a:solidFill>
+            <a:srgbClr val="FF0066"/>
+          </a:solidFill>
+        </p:spPr>
+        <p:style>
+          <a:lnRef idx="2">
+            <a:schemeClr val="accent4">
+              <a:shade val="15000"/>
+            </a:schemeClr>
+          </a:lnRef>
+          <a:fillRef idx="1">
+            <a:schemeClr val="accent4"/>
+          </a:fillRef>
+          <a:effectRef idx="0">
+            <a:schemeClr val="accent4"/>
+          </a:effectRef>
+          <a:fontRef idx="minor">
+            <a:schemeClr val="lt1"/>
+          </a:fontRef>
+        </p:style>
+        <p:txBody>
+          <a:bodyPr wrap="none" rtlCol="0">
+            <a:spAutoFit/>
+          </a:bodyPr>
+          <a:lstStyle/>
+          <a:p>
+            <a:r>
+              <a:rPr lang="en-US" altLang="ko-KR" sz="1200" b="1" dirty="0">
+                <a:solidFill>
+                  <a:schemeClr val="bg1"/>
+                </a:solidFill>
+              </a:rPr>
+              <a:t>Output</a:t>
+            </a:r>
+            <a:endParaRPr lang="ko-KR" altLang="en-US" sz="1200" b="1" dirty="0">
+              <a:solidFill>
+                <a:schemeClr val="bg1"/>
+              </a:solidFill>
+            </a:endParaRPr>
+          </a:p>
+        </p:txBody>
+      </p:sp>
+      <p:sp>
+        <p:nvSpPr>
+          <p:cNvPr id="149" name="label">
+            <a:extLst>
+              <a:ext uri="{FF2B5EF4-FFF2-40B4-BE49-F238E27FC236}">
+                <a16:creationId xmlns:a16="http://schemas.microsoft.com/office/drawing/2014/main" id="{BF579B65-B8C7-5FD6-E7FC-FC30C7F55870}"/>
+              </a:ext>
+            </a:extLst>
+          </p:cNvPr>
+          <p:cNvSpPr txBox="1">
+            <a:spLocks noChangeArrowheads="1"/>
+          </p:cNvSpPr>
+          <p:nvPr/>
+        </p:nvSpPr>
+        <p:spPr>
+          <a:xfrm>
+            <a:off x="5795123" y="4329983"/>
+            <a:ext cx="612000" cy="246221"/>
+          </a:xfrm>
+          <a:prstGeom prst="rect">
+            <a:avLst/>
+          </a:prstGeom>
+          <a:solidFill>
+            <a:schemeClr val="bg1"/>
+          </a:solidFill>
+          <a:ln>
+            <a:solidFill>
+              <a:schemeClr val="bg1"/>
+            </a:solidFill>
+          </a:ln>
+        </p:spPr>
+        <p:style>
+          <a:lnRef idx="2">
+            <a:schemeClr val="dk1"/>
+          </a:lnRef>
+          <a:fillRef idx="1">
+            <a:schemeClr val="lt1"/>
+          </a:fillRef>
+          <a:effectRef idx="0">
+            <a:schemeClr val="dk1"/>
+          </a:effectRef>
+          <a:fontRef idx="minor">
+            <a:schemeClr val="dk1"/>
+          </a:fontRef>
+        </p:style>
+        <p:txBody>
+          <a:bodyPr wrap="square">
+            <a:spAutoFit/>
+          </a:bodyPr>
+          <a:lstStyle>
+            <a:lvl1pPr marL="0" indent="0">
+              <a:lnSpc>
+                <a:spcPct val="100000"/>
+              </a:lnSpc>
+              <a:spcBef>
+                <a:spcPct val="0"/>
+              </a:spcBef>
+              <a:spcAft>
+                <a:spcPts val="0"/>
+              </a:spcAft>
+              <a:defRPr kumimoji="0" sz="1800" b="0" i="0" u="none" strike="noStrike" kern="0" cap="none" spc="0" normalizeH="0" baseline="0">
+                <a:solidFill>
+                  <a:schemeClr val="tx1"/>
+                </a:solidFill>
+              </a:defRPr>
+            </a:lvl1pPr>
+          </a:lstStyle>
+          <a:p>
+            <a:pPr algn="ctr" eaLnBrk="1" hangingPunct="1">
+              <a:defRPr/>
+            </a:pPr>
+            <a:r>
+              <a:rPr lang="en-US" altLang="en-US" sz="1000" i="1" dirty="0">
+                <a:latin typeface="Arial"/>
+                <a:cs typeface="Arial"/>
+              </a:rPr>
+              <a:t>Trigger</a:t>
+            </a:r>
+          </a:p>
+        </p:txBody>
+      </p:sp>
+      <p:sp>
+        <p:nvSpPr>
+          <p:cNvPr id="109" name="TextBox 108">
+            <a:extLst>
+              <a:ext uri="{FF2B5EF4-FFF2-40B4-BE49-F238E27FC236}">
+                <a16:creationId xmlns:a16="http://schemas.microsoft.com/office/drawing/2014/main" id="{A65F1836-25F1-4E00-EE20-BC6DAE6E2ED7}"/>
+              </a:ext>
+            </a:extLst>
+          </p:cNvPr>
+          <p:cNvSpPr txBox="1"/>
+          <p:nvPr/>
+        </p:nvSpPr>
+        <p:spPr>
+          <a:xfrm>
+            <a:off x="5089492" y="2444419"/>
+            <a:ext cx="409086" cy="323165"/>
+          </a:xfrm>
+          <a:prstGeom prst="rect">
+            <a:avLst/>
+          </a:prstGeom>
+          <a:noFill/>
+        </p:spPr>
+        <p:txBody>
+          <a:bodyPr wrap="none" rtlCol="0">
+            <a:spAutoFit/>
+          </a:bodyPr>
+          <a:lstStyle/>
+          <a:p>
+            <a:r>
+              <a:rPr lang="en-US" altLang="ko-KR" sz="1500" b="1" dirty="0">
+                <a:solidFill>
+                  <a:srgbClr val="ED7100"/>
+                </a:solidFill>
+              </a:rPr>
+              <a:t>T3</a:t>
+            </a:r>
+            <a:endParaRPr lang="ko-KR" altLang="en-US" sz="1500" b="1" dirty="0">
+              <a:solidFill>
+                <a:srgbClr val="ED7100"/>
+              </a:solidFill>
+            </a:endParaRPr>
+          </a:p>
+        </p:txBody>
+      </p:sp>
+      <p:sp>
+        <p:nvSpPr>
+          <p:cNvPr id="117" name="label">
+            <a:extLst>
+              <a:ext uri="{FF2B5EF4-FFF2-40B4-BE49-F238E27FC236}">
+                <a16:creationId xmlns:a16="http://schemas.microsoft.com/office/drawing/2014/main" id="{B6C5C9AE-ACB7-9719-1663-2CD3F698156A}"/>
+              </a:ext>
+            </a:extLst>
+          </p:cNvPr>
+          <p:cNvSpPr txBox="1">
+            <a:spLocks noChangeArrowheads="1"/>
+          </p:cNvSpPr>
+          <p:nvPr/>
+        </p:nvSpPr>
+        <p:spPr>
+          <a:xfrm>
+            <a:off x="10616975" y="4359167"/>
+            <a:ext cx="833838" cy="553998"/>
+          </a:xfrm>
+          <a:prstGeom prst="rect">
+            <a:avLst/>
+          </a:prstGeom>
+          <a:solidFill>
+            <a:schemeClr val="bg1"/>
+          </a:solidFill>
+          <a:ln>
+            <a:solidFill>
+              <a:schemeClr val="bg1"/>
+            </a:solidFill>
+          </a:ln>
+        </p:spPr>
+        <p:style>
+          <a:lnRef idx="2">
+            <a:schemeClr val="dk1"/>
+          </a:lnRef>
+          <a:fillRef idx="1">
+            <a:schemeClr val="lt1"/>
+          </a:fillRef>
+          <a:effectRef idx="0">
+            <a:schemeClr val="dk1"/>
+          </a:effectRef>
+          <a:fontRef idx="minor">
+            <a:schemeClr val="dk1"/>
+          </a:fontRef>
+        </p:style>
+        <p:txBody>
+          <a:bodyPr wrap="square">
+            <a:spAutoFit/>
+          </a:bodyPr>
+          <a:lstStyle>
+            <a:lvl1pPr marL="0" indent="0">
+              <a:lnSpc>
+                <a:spcPct val="100000"/>
+              </a:lnSpc>
+              <a:spcBef>
+                <a:spcPct val="0"/>
+              </a:spcBef>
+              <a:spcAft>
+                <a:spcPts val="0"/>
+              </a:spcAft>
+              <a:defRPr kumimoji="0" sz="1800" b="0" i="0" u="none" strike="noStrike" kern="0" cap="none" spc="0" normalizeH="0" baseline="0">
+                <a:solidFill>
+                  <a:schemeClr val="tx1"/>
+                </a:solidFill>
+              </a:defRPr>
+            </a:lvl1pPr>
+          </a:lstStyle>
+          <a:p>
+            <a:pPr algn="ctr" eaLnBrk="1" hangingPunct="1">
+              <a:defRPr/>
+            </a:pPr>
+            <a:r>
+              <a:rPr lang="en-US" altLang="en-US" sz="1000" i="1" dirty="0">
+                <a:latin typeface="Arial"/>
+                <a:cs typeface="Arial"/>
+              </a:rPr>
+              <a:t>Load </a:t>
+            </a:r>
+            <a:br>
+              <a:rPr lang="en-US" altLang="en-US" sz="1000" i="1" dirty="0">
+                <a:latin typeface="Arial"/>
+                <a:cs typeface="Arial"/>
+              </a:rPr>
+            </a:br>
+            <a:r>
+              <a:rPr lang="en-US" altLang="en-US" sz="1000" i="1" dirty="0">
+                <a:latin typeface="Arial"/>
+                <a:cs typeface="Arial"/>
+              </a:rPr>
+              <a:t>Extracted</a:t>
+            </a:r>
+          </a:p>
+          <a:p>
+            <a:pPr algn="ctr" eaLnBrk="1" hangingPunct="1">
+              <a:defRPr/>
+            </a:pPr>
+            <a:r>
+              <a:rPr lang="en-US" altLang="en-US" sz="1000" i="1" dirty="0">
+                <a:latin typeface="Arial"/>
+                <a:cs typeface="Arial"/>
+              </a:rPr>
+              <a:t>Video Data</a:t>
+            </a:r>
+          </a:p>
+        </p:txBody>
+      </p:sp>
+      <p:cxnSp>
+        <p:nvCxnSpPr>
+          <p:cNvPr id="151" name="연결선: 꺾임 150">
+            <a:extLst>
+              <a:ext uri="{FF2B5EF4-FFF2-40B4-BE49-F238E27FC236}">
+                <a16:creationId xmlns:a16="http://schemas.microsoft.com/office/drawing/2014/main" id="{43CAC219-46CA-2C26-DAC8-0540B28596BF}"/>
+              </a:ext>
+            </a:extLst>
+          </p:cNvPr>
+          <p:cNvCxnSpPr>
+            <a:cxnSpLocks/>
+            <a:endCxn id="50" idx="1"/>
+          </p:cNvCxnSpPr>
+          <p:nvPr/>
+        </p:nvCxnSpPr>
+        <p:spPr>
+          <a:xfrm>
+            <a:off x="4256855" y="3244028"/>
+            <a:ext cx="4025451" cy="2674244"/>
+          </a:xfrm>
+          <a:prstGeom prst="bentConnector3">
+            <a:avLst>
+              <a:gd name="adj1" fmla="val 14"/>
+            </a:avLst>
+          </a:prstGeom>
+          <a:ln w="19050">
+            <a:solidFill>
+              <a:srgbClr val="C925D1"/>
+            </a:solidFill>
+            <a:headEnd type="triangle"/>
+            <a:tailEnd type="triangle"/>
+          </a:ln>
+        </p:spPr>
+        <p:style>
+          <a:lnRef idx="1">
+            <a:schemeClr val="accent1"/>
+          </a:lnRef>
+          <a:fillRef idx="0">
+            <a:schemeClr val="accent1"/>
+          </a:fillRef>
+          <a:effectRef idx="0">
+            <a:schemeClr val="accent1"/>
+          </a:effectRef>
+          <a:fontRef idx="minor">
+            <a:schemeClr val="tx1"/>
+          </a:fontRef>
+        </p:style>
+      </p:cxnSp>
+      <p:grpSp>
+        <p:nvGrpSpPr>
+          <p:cNvPr id="158" name="그룹 157">
+            <a:extLst>
+              <a:ext uri="{FF2B5EF4-FFF2-40B4-BE49-F238E27FC236}">
+                <a16:creationId xmlns:a16="http://schemas.microsoft.com/office/drawing/2014/main" id="{53446B3B-6EDA-5334-1E7F-D5450132B90C}"/>
+              </a:ext>
+            </a:extLst>
+          </p:cNvPr>
+          <p:cNvGrpSpPr/>
+          <p:nvPr/>
+        </p:nvGrpSpPr>
+        <p:grpSpPr>
+          <a:xfrm>
+            <a:off x="7489509" y="4097734"/>
+            <a:ext cx="2292350" cy="1005091"/>
+            <a:chOff x="427363" y="4361310"/>
+            <a:chExt cx="2292350" cy="1005091"/>
+          </a:xfrm>
+        </p:grpSpPr>
+        <p:pic>
+          <p:nvPicPr>
+            <p:cNvPr id="156" name="Graphic 26" descr="Amazon Simple Queue Service (Amazon SQS) service icon.">
+              <a:extLst>
+                <a:ext uri="{FF2B5EF4-FFF2-40B4-BE49-F238E27FC236}">
+                  <a16:creationId xmlns:a16="http://schemas.microsoft.com/office/drawing/2014/main" id="{1ACC4ED5-1827-77F0-DB57-F1BE1310D524}"/>
+                </a:ext>
+              </a:extLst>
+            </p:cNvPr>
+            <p:cNvPicPr>
+              <a:picLocks noChangeAspect="1" noChangeArrowheads="1"/>
+            </p:cNvPicPr>
+            <p:nvPr/>
+          </p:nvPicPr>
+          <p:blipFill>
+            <a:blip r:embed="rId22">
+              <a:extLst>
+                <a:ext uri="{96DAC541-7B7A-43D3-8B79-37D633B846F1}">
+                  <asvg:svgBlip xmlns:asvg="http://schemas.microsoft.com/office/drawing/2016/SVG/main" r:embed="rId23"/>
+                </a:ext>
+              </a:extLst>
+            </a:blip>
+            <a:srcRect/>
+            <a:stretch/>
+          </p:blipFill>
+          <p:spPr bwMode="auto">
+            <a:xfrm>
+              <a:off x="1205498" y="4361310"/>
+              <a:ext cx="705600" cy="705600"/>
+            </a:xfrm>
+            <a:prstGeom prst="rect">
+              <a:avLst/>
+            </a:prstGeom>
+            <a:noFill/>
+            <a:ln>
+              <a:noFill/>
+            </a:ln>
+            <a:extLst>
+              <a:ext uri="{909E8E84-426E-40DD-AFC4-6F175D3DCCD1}">
+                <a14:hiddenFill xmlns:a14="http://schemas.microsoft.com/office/drawing/2010/main">
+                  <a:solidFill>
+                    <a:srgbClr val="FFFFFF"/>
+                  </a:solidFill>
+                </a14:hiddenFill>
+              </a:ext>
+              <a:ext uri="{91240B29-F687-4F45-9708-019B960494DF}">
+                <a14:hiddenLine xmlns:a14="http://schemas.microsoft.com/office/drawing/2010/main" w="9525">
+                  <a:solidFill>
+                    <a:srgbClr val="000000"/>
+                  </a:solidFill>
+                  <a:miter lim="800000"/>
+                  <a:headEnd/>
+                  <a:tailEnd/>
+                </a14:hiddenLine>
+              </a:ext>
+            </a:extLst>
+          </p:spPr>
+        </p:pic>
+        <p:sp>
+          <p:nvSpPr>
+            <p:cNvPr id="157" name="TextBox 11">
+              <a:extLst>
+                <a:ext uri="{FF2B5EF4-FFF2-40B4-BE49-F238E27FC236}">
+                  <a16:creationId xmlns:a16="http://schemas.microsoft.com/office/drawing/2014/main" id="{4E64CFD3-DC0F-4258-C8AF-24695DC25553}"/>
+                </a:ext>
+              </a:extLst>
+            </p:cNvPr>
+            <p:cNvSpPr txBox="1">
+              <a:spLocks noChangeArrowheads="1"/>
+            </p:cNvSpPr>
+            <p:nvPr/>
+          </p:nvSpPr>
+          <p:spPr bwMode="auto">
+            <a:xfrm>
+              <a:off x="427363" y="5089402"/>
+              <a:ext cx="2292350" cy="276999"/>
+            </a:xfrm>
+            <a:prstGeom prst="rect">
+              <a:avLst/>
+            </a:prstGeom>
+            <a:noFill/>
+            <a:ln>
+              <a:noFill/>
+            </a:ln>
+            <a:extLst>
+              <a:ext uri="{909E8E84-426E-40DD-AFC4-6F175D3DCCD1}">
+                <a14:hiddenFill xmlns:a14="http://schemas.microsoft.com/office/drawing/2010/main">
+                  <a:solidFill>
+                    <a:srgbClr val="FFFFFF"/>
+                  </a:solidFill>
+                </a14:hiddenFill>
+              </a:ext>
+              <a:ext uri="{91240B29-F687-4F45-9708-019B960494DF}">
+                <a14:hiddenLine xmlns:a14="http://schemas.microsoft.com/office/drawing/2010/main" w="9525">
+                  <a:solidFill>
+                    <a:srgbClr val="000000"/>
+                  </a:solidFill>
+                  <a:miter lim="800000"/>
+                  <a:headEnd/>
+                  <a:tailEnd/>
+                </a14:hiddenLine>
+              </a:ext>
+            </a:extLst>
+          </p:spPr>
+          <p:txBody>
+            <a:bodyPr>
+              <a:spAutoFit/>
+            </a:bodyPr>
+            <a:lstStyle>
+              <a:lvl1pPr>
+                <a:defRPr>
+                  <a:solidFill>
+                    <a:schemeClr val="tx1"/>
+                  </a:solidFill>
+                  <a:latin typeface="Calibri" panose="020F0502020204030204" pitchFamily="34" charset="0"/>
+                </a:defRPr>
+              </a:lvl1pPr>
+              <a:lvl2pPr marL="742950" indent="-285750">
+                <a:defRPr>
+                  <a:solidFill>
+                    <a:schemeClr val="tx1"/>
+                  </a:solidFill>
+                  <a:latin typeface="Calibri" panose="020F0502020204030204" pitchFamily="34" charset="0"/>
+                </a:defRPr>
+              </a:lvl2pPr>
+              <a:lvl3pPr marL="1143000" indent="-228600">
+                <a:defRPr>
+                  <a:solidFill>
+                    <a:schemeClr val="tx1"/>
+                  </a:solidFill>
+                  <a:latin typeface="Calibri" panose="020F0502020204030204" pitchFamily="34" charset="0"/>
+                </a:defRPr>
+              </a:lvl3pPr>
+              <a:lvl4pPr marL="1600200" indent="-228600">
+                <a:defRPr>
+                  <a:solidFill>
+                    <a:schemeClr val="tx1"/>
+                  </a:solidFill>
+                  <a:latin typeface="Calibri" panose="020F0502020204030204" pitchFamily="34" charset="0"/>
+                </a:defRPr>
+              </a:lvl4pPr>
+              <a:lvl5pPr marL="2057400" indent="-228600">
+                <a:defRPr>
+                  <a:solidFill>
+                    <a:schemeClr val="tx1"/>
+                  </a:solidFill>
+                  <a:latin typeface="Calibri" panose="020F0502020204030204" pitchFamily="34" charset="0"/>
+                </a:defRPr>
+              </a:lvl5pPr>
+              <a:lvl6pPr marL="2514600" indent="-228600" eaLnBrk="0" fontAlgn="base" hangingPunct="0">
+                <a:spcBef>
+                  <a:spcPct val="0"/>
+                </a:spcBef>
+                <a:spcAft>
+                  <a:spcPct val="0"/>
+                </a:spcAft>
+                <a:defRPr>
+                  <a:solidFill>
+                    <a:schemeClr val="tx1"/>
+                  </a:solidFill>
+                  <a:latin typeface="Calibri" panose="020F0502020204030204" pitchFamily="34" charset="0"/>
+                </a:defRPr>
+              </a:lvl6pPr>
+              <a:lvl7pPr marL="2971800" indent="-228600" eaLnBrk="0" fontAlgn="base" hangingPunct="0">
+                <a:spcBef>
+                  <a:spcPct val="0"/>
+                </a:spcBef>
+                <a:spcAft>
+                  <a:spcPct val="0"/>
+                </a:spcAft>
+                <a:defRPr>
+                  <a:solidFill>
+                    <a:schemeClr val="tx1"/>
+                  </a:solidFill>
+                  <a:latin typeface="Calibri" panose="020F0502020204030204" pitchFamily="34" charset="0"/>
+                </a:defRPr>
+              </a:lvl7pPr>
+              <a:lvl8pPr marL="3429000" indent="-228600" eaLnBrk="0" fontAlgn="base" hangingPunct="0">
+                <a:spcBef>
+                  <a:spcPct val="0"/>
+                </a:spcBef>
+                <a:spcAft>
+                  <a:spcPct val="0"/>
+                </a:spcAft>
+                <a:defRPr>
+                  <a:solidFill>
+                    <a:schemeClr val="tx1"/>
+                  </a:solidFill>
+                  <a:latin typeface="Calibri" panose="020F0502020204030204" pitchFamily="34" charset="0"/>
+                </a:defRPr>
+              </a:lvl8pPr>
+              <a:lvl9pPr marL="3886200" indent="-228600" eaLnBrk="0" fontAlgn="base" hangingPunct="0">
+                <a:spcBef>
+                  <a:spcPct val="0"/>
+                </a:spcBef>
+                <a:spcAft>
+                  <a:spcPct val="0"/>
+                </a:spcAft>
+                <a:defRPr>
+                  <a:solidFill>
+                    <a:schemeClr val="tx1"/>
+                  </a:solidFill>
+                  <a:latin typeface="Calibri" panose="020F0502020204030204" pitchFamily="34" charset="0"/>
+                </a:defRPr>
+              </a:lvl9pPr>
+            </a:lstStyle>
+            <a:p>
+              <a:pPr algn="ctr" eaLnBrk="1" hangingPunct="1"/>
+              <a:r>
+                <a:rPr lang="en-US" altLang="en-US" sz="1200" dirty="0">
+                  <a:latin typeface="Arial" panose="020B0604020202020204" pitchFamily="34" charset="0"/>
+                  <a:ea typeface="Amazon Ember" panose="020B0603020204020204" pitchFamily="34" charset="0"/>
+                  <a:cs typeface="Arial" panose="020B0604020202020204" pitchFamily="34" charset="0"/>
+                </a:rPr>
+                <a:t>Amazon SQS</a:t>
+              </a:r>
+            </a:p>
+          </p:txBody>
+        </p:sp>
+      </p:grpSp>
+      <p:sp>
+        <p:nvSpPr>
+          <p:cNvPr id="169" name="TextBox 168">
+            <a:extLst>
+              <a:ext uri="{FF2B5EF4-FFF2-40B4-BE49-F238E27FC236}">
+                <a16:creationId xmlns:a16="http://schemas.microsoft.com/office/drawing/2014/main" id="{69FBF9EB-9BCE-2ACB-79E0-BBDE52B626B6}"/>
+              </a:ext>
+            </a:extLst>
+          </p:cNvPr>
+          <p:cNvSpPr txBox="1"/>
+          <p:nvPr/>
+        </p:nvSpPr>
+        <p:spPr>
+          <a:xfrm>
+            <a:off x="1942838" y="2167671"/>
+            <a:ext cx="574196" cy="276999"/>
+          </a:xfrm>
+          <a:prstGeom prst="rect">
+            <a:avLst/>
+          </a:prstGeom>
+          <a:solidFill>
+            <a:srgbClr val="FF0066"/>
+          </a:solidFill>
+        </p:spPr>
+        <p:style>
+          <a:lnRef idx="2">
+            <a:schemeClr val="accent4">
+              <a:shade val="15000"/>
+            </a:schemeClr>
+          </a:lnRef>
+          <a:fillRef idx="1">
+            <a:schemeClr val="accent4"/>
+          </a:fillRef>
+          <a:effectRef idx="0">
+            <a:schemeClr val="accent4"/>
+          </a:effectRef>
+          <a:fontRef idx="minor">
+            <a:schemeClr val="lt1"/>
+          </a:fontRef>
+        </p:style>
+        <p:txBody>
+          <a:bodyPr wrap="none" rtlCol="0">
+            <a:spAutoFit/>
+          </a:bodyPr>
+          <a:lstStyle/>
+          <a:p>
+            <a:r>
+              <a:rPr lang="en-US" altLang="ko-KR" sz="1200" b="1" dirty="0">
+                <a:solidFill>
+                  <a:schemeClr val="bg1"/>
+                </a:solidFill>
+              </a:rPr>
+              <a:t>Input</a:t>
+            </a:r>
+            <a:endParaRPr lang="ko-KR" altLang="en-US" sz="1200" b="1" dirty="0">
+              <a:solidFill>
+                <a:schemeClr val="bg1"/>
+              </a:solidFill>
+            </a:endParaRPr>
+          </a:p>
+        </p:txBody>
+      </p:sp>
+      <p:sp>
+        <p:nvSpPr>
+          <p:cNvPr id="122" name="label">
+            <a:extLst>
+              <a:ext uri="{FF2B5EF4-FFF2-40B4-BE49-F238E27FC236}">
+                <a16:creationId xmlns:a16="http://schemas.microsoft.com/office/drawing/2014/main" id="{7B59D974-55EF-F737-5B86-15ED3C881EF9}"/>
+              </a:ext>
+            </a:extLst>
+          </p:cNvPr>
+          <p:cNvSpPr txBox="1">
+            <a:spLocks noChangeArrowheads="1"/>
+          </p:cNvSpPr>
+          <p:nvPr/>
+        </p:nvSpPr>
+        <p:spPr>
+          <a:xfrm>
+            <a:off x="3560483" y="5300015"/>
+            <a:ext cx="1407862" cy="400110"/>
+          </a:xfrm>
+          <a:prstGeom prst="rect">
+            <a:avLst/>
+          </a:prstGeom>
+          <a:solidFill>
+            <a:schemeClr val="bg1"/>
+          </a:solidFill>
+          <a:ln>
+            <a:solidFill>
+              <a:schemeClr val="bg1"/>
+            </a:solidFill>
+          </a:ln>
+        </p:spPr>
+        <p:style>
+          <a:lnRef idx="2">
+            <a:schemeClr val="dk1"/>
+          </a:lnRef>
+          <a:fillRef idx="1">
+            <a:schemeClr val="lt1"/>
+          </a:fillRef>
+          <a:effectRef idx="0">
+            <a:schemeClr val="dk1"/>
+          </a:effectRef>
+          <a:fontRef idx="minor">
+            <a:schemeClr val="dk1"/>
+          </a:fontRef>
+        </p:style>
+        <p:txBody>
+          <a:bodyPr wrap="square">
+            <a:spAutoFit/>
+          </a:bodyPr>
+          <a:lstStyle>
+            <a:lvl1pPr marL="0" indent="0">
+              <a:lnSpc>
+                <a:spcPct val="100000"/>
+              </a:lnSpc>
+              <a:spcBef>
+                <a:spcPct val="0"/>
+              </a:spcBef>
+              <a:spcAft>
+                <a:spcPts val="0"/>
+              </a:spcAft>
+              <a:defRPr kumimoji="0" sz="1800" b="0" i="0" u="none" strike="noStrike" kern="0" cap="none" spc="0" normalizeH="0" baseline="0">
+                <a:solidFill>
+                  <a:schemeClr val="tx1"/>
+                </a:solidFill>
+              </a:defRPr>
+            </a:lvl1pPr>
+          </a:lstStyle>
+          <a:p>
+            <a:pPr algn="ctr" eaLnBrk="1" hangingPunct="1">
+              <a:defRPr/>
+            </a:pPr>
+            <a:r>
+              <a:rPr lang="en-US" altLang="en-US" sz="1000" i="1" dirty="0">
+                <a:latin typeface="Arial"/>
+                <a:cs typeface="Arial"/>
+              </a:rPr>
+              <a:t>Request &amp; Response</a:t>
+            </a:r>
+          </a:p>
+          <a:p>
+            <a:pPr algn="ctr" eaLnBrk="1" hangingPunct="1">
+              <a:defRPr/>
+            </a:pPr>
+            <a:r>
+              <a:rPr lang="en-US" altLang="en-US" sz="1000" i="1" dirty="0">
+                <a:latin typeface="Arial"/>
+                <a:cs typeface="Arial"/>
+              </a:rPr>
+              <a:t>Analyzed Data</a:t>
+            </a:r>
+          </a:p>
+        </p:txBody>
+      </p:sp>
+      <p:cxnSp>
+        <p:nvCxnSpPr>
+          <p:cNvPr id="182" name="연결선: 꺾임 181">
+            <a:extLst>
+              <a:ext uri="{FF2B5EF4-FFF2-40B4-BE49-F238E27FC236}">
+                <a16:creationId xmlns:a16="http://schemas.microsoft.com/office/drawing/2014/main" id="{637B0F44-D2C3-A8C1-DD24-77D6EB945193}"/>
+              </a:ext>
+            </a:extLst>
+          </p:cNvPr>
+          <p:cNvCxnSpPr>
+            <a:stCxn id="4" idx="0"/>
+            <a:endCxn id="156" idx="0"/>
+          </p:cNvCxnSpPr>
+          <p:nvPr/>
+        </p:nvCxnSpPr>
+        <p:spPr>
+          <a:xfrm rot="16200000" flipH="1">
+            <a:off x="7792174" y="3269465"/>
+            <a:ext cx="1113" cy="1655425"/>
+          </a:xfrm>
+          <a:prstGeom prst="bentConnector3">
+            <a:avLst>
+              <a:gd name="adj1" fmla="val -74168913"/>
+            </a:avLst>
+          </a:prstGeom>
+          <a:ln w="19050">
+            <a:solidFill>
+              <a:srgbClr val="ED7100"/>
+            </a:solidFill>
+            <a:tailEnd type="triangle"/>
+          </a:ln>
+        </p:spPr>
+        <p:style>
+          <a:lnRef idx="1">
+            <a:schemeClr val="accent1"/>
+          </a:lnRef>
+          <a:fillRef idx="0">
+            <a:schemeClr val="accent1"/>
+          </a:fillRef>
+          <a:effectRef idx="0">
+            <a:schemeClr val="accent1"/>
+          </a:effectRef>
+          <a:fontRef idx="minor">
+            <a:schemeClr val="tx1"/>
+          </a:fontRef>
+        </p:style>
+      </p:cxnSp>
+      <p:sp>
+        <p:nvSpPr>
+          <p:cNvPr id="147" name="label">
+            <a:extLst>
+              <a:ext uri="{FF2B5EF4-FFF2-40B4-BE49-F238E27FC236}">
+                <a16:creationId xmlns:a16="http://schemas.microsoft.com/office/drawing/2014/main" id="{A75C122B-1989-EA8E-E17C-D79108A6BF4D}"/>
+              </a:ext>
+            </a:extLst>
+          </p:cNvPr>
+          <p:cNvSpPr txBox="1">
+            <a:spLocks noChangeArrowheads="1"/>
+          </p:cNvSpPr>
+          <p:nvPr/>
+        </p:nvSpPr>
+        <p:spPr>
+          <a:xfrm>
+            <a:off x="7185044" y="3148949"/>
+            <a:ext cx="1217686" cy="246221"/>
+          </a:xfrm>
+          <a:prstGeom prst="rect">
+            <a:avLst/>
+          </a:prstGeom>
+          <a:solidFill>
+            <a:srgbClr val="E2F0D9"/>
+          </a:solidFill>
+          <a:ln>
+            <a:noFill/>
+          </a:ln>
+        </p:spPr>
+        <p:style>
+          <a:lnRef idx="2">
+            <a:schemeClr val="dk1"/>
+          </a:lnRef>
+          <a:fillRef idx="1">
+            <a:schemeClr val="lt1"/>
+          </a:fillRef>
+          <a:effectRef idx="0">
+            <a:schemeClr val="dk1"/>
+          </a:effectRef>
+          <a:fontRef idx="minor">
+            <a:schemeClr val="dk1"/>
+          </a:fontRef>
+        </p:style>
+        <p:txBody>
+          <a:bodyPr wrap="square">
+            <a:spAutoFit/>
+          </a:bodyPr>
+          <a:lstStyle>
+            <a:lvl1pPr marL="0" indent="0">
+              <a:lnSpc>
+                <a:spcPct val="100000"/>
+              </a:lnSpc>
+              <a:spcBef>
+                <a:spcPct val="0"/>
+              </a:spcBef>
+              <a:spcAft>
+                <a:spcPts val="0"/>
+              </a:spcAft>
+              <a:defRPr kumimoji="0" sz="1800" b="0" i="0" u="none" strike="noStrike" kern="0" cap="none" spc="0" normalizeH="0" baseline="0">
+                <a:solidFill>
+                  <a:schemeClr val="tx1"/>
+                </a:solidFill>
+              </a:defRPr>
+            </a:lvl1pPr>
+          </a:lstStyle>
+          <a:p>
+            <a:pPr algn="ctr" eaLnBrk="1" hangingPunct="1">
+              <a:defRPr/>
+            </a:pPr>
+            <a:r>
+              <a:rPr lang="en-US" altLang="en-US" sz="1000" i="1" dirty="0">
+                <a:latin typeface="Arial" panose="020B0604020202020204" pitchFamily="34" charset="0"/>
+                <a:ea typeface="Amazon Ember" panose="020B0603020204020204" pitchFamily="34" charset="0"/>
+                <a:cs typeface="Arial" panose="020B0604020202020204" pitchFamily="34" charset="0"/>
+              </a:rPr>
+              <a:t>Feature Extraction</a:t>
+            </a:r>
+            <a:endParaRPr lang="en-US" altLang="en-US" sz="1000" i="1" dirty="0">
+              <a:latin typeface="Arial"/>
+              <a:cs typeface="Arial"/>
+            </a:endParaRPr>
+          </a:p>
+        </p:txBody>
+      </p:sp>
+      <p:cxnSp>
+        <p:nvCxnSpPr>
+          <p:cNvPr id="197" name="직선 화살표 연결선 196">
+            <a:extLst>
+              <a:ext uri="{FF2B5EF4-FFF2-40B4-BE49-F238E27FC236}">
+                <a16:creationId xmlns:a16="http://schemas.microsoft.com/office/drawing/2014/main" id="{B6A0886C-EC24-6DDD-34E2-080FE3AC530E}"/>
+              </a:ext>
+            </a:extLst>
+          </p:cNvPr>
+          <p:cNvCxnSpPr>
+            <a:stCxn id="157" idx="2"/>
+            <a:endCxn id="50" idx="0"/>
+          </p:cNvCxnSpPr>
+          <p:nvPr/>
+        </p:nvCxnSpPr>
+        <p:spPr>
+          <a:xfrm flipH="1">
+            <a:off x="8635106" y="5102825"/>
+            <a:ext cx="578" cy="462647"/>
+          </a:xfrm>
+          <a:prstGeom prst="straightConnector1">
+            <a:avLst/>
+          </a:prstGeom>
+          <a:ln w="19050">
+            <a:solidFill>
+              <a:srgbClr val="E7157B"/>
+            </a:solidFill>
+            <a:tailEnd type="triangle"/>
+          </a:ln>
+        </p:spPr>
+        <p:style>
+          <a:lnRef idx="1">
+            <a:schemeClr val="accent1"/>
+          </a:lnRef>
+          <a:fillRef idx="0">
+            <a:schemeClr val="accent1"/>
+          </a:fillRef>
+          <a:effectRef idx="0">
+            <a:schemeClr val="accent1"/>
+          </a:effectRef>
+          <a:fontRef idx="minor">
+            <a:schemeClr val="tx1"/>
+          </a:fontRef>
+        </p:style>
+      </p:cxnSp>
+      <p:sp>
+        <p:nvSpPr>
+          <p:cNvPr id="195" name="label">
+            <a:extLst>
+              <a:ext uri="{FF2B5EF4-FFF2-40B4-BE49-F238E27FC236}">
+                <a16:creationId xmlns:a16="http://schemas.microsoft.com/office/drawing/2014/main" id="{95F3DC90-DB2D-1C2F-B907-3CB1CFCC2460}"/>
+              </a:ext>
+            </a:extLst>
+          </p:cNvPr>
+          <p:cNvSpPr txBox="1">
+            <a:spLocks noChangeArrowheads="1"/>
+          </p:cNvSpPr>
+          <p:nvPr/>
+        </p:nvSpPr>
+        <p:spPr>
+          <a:xfrm>
+            <a:off x="8272204" y="5209414"/>
+            <a:ext cx="701040" cy="168250"/>
+          </a:xfrm>
+          <a:prstGeom prst="rect">
+            <a:avLst/>
+          </a:prstGeom>
+          <a:solidFill>
+            <a:schemeClr val="bg1"/>
+          </a:solidFill>
+          <a:ln w="0">
+            <a:solidFill>
+              <a:schemeClr val="bg1"/>
+            </a:solidFill>
+          </a:ln>
+        </p:spPr>
+        <p:style>
+          <a:lnRef idx="2">
+            <a:schemeClr val="dk1"/>
+          </a:lnRef>
+          <a:fillRef idx="1">
+            <a:schemeClr val="lt1"/>
+          </a:fillRef>
+          <a:effectRef idx="0">
+            <a:schemeClr val="dk1"/>
+          </a:effectRef>
+          <a:fontRef idx="minor">
+            <a:schemeClr val="dk1"/>
+          </a:fontRef>
+        </p:style>
+        <p:txBody>
+          <a:bodyPr wrap="square" anchor="ctr">
+            <a:spAutoFit/>
+          </a:bodyPr>
+          <a:lstStyle>
+            <a:lvl1pPr marL="0" indent="0">
+              <a:lnSpc>
+                <a:spcPct val="100000"/>
+              </a:lnSpc>
+              <a:spcBef>
+                <a:spcPct val="0"/>
+              </a:spcBef>
+              <a:spcAft>
+                <a:spcPts val="0"/>
+              </a:spcAft>
+              <a:defRPr kumimoji="0" sz="1800" b="0" i="0" u="none" strike="noStrike" kern="0" cap="none" spc="0" normalizeH="0" baseline="0">
+                <a:solidFill>
+                  <a:schemeClr val="tx1"/>
+                </a:solidFill>
+              </a:defRPr>
+            </a:lvl1pPr>
+          </a:lstStyle>
+          <a:p>
+            <a:pPr algn="ctr" eaLnBrk="1" hangingPunct="1">
+              <a:defRPr/>
+            </a:pPr>
+            <a:r>
+              <a:rPr lang="en-US" altLang="en-US" sz="1000" i="1" dirty="0">
+                <a:latin typeface="Arial"/>
+                <a:cs typeface="Arial"/>
+              </a:rPr>
+              <a:t>Message</a:t>
+            </a:r>
+          </a:p>
+        </p:txBody>
+      </p:sp>
+      <p:sp>
+        <p:nvSpPr>
+          <p:cNvPr id="172" name="TextBox 171">
+            <a:extLst>
+              <a:ext uri="{FF2B5EF4-FFF2-40B4-BE49-F238E27FC236}">
+                <a16:creationId xmlns:a16="http://schemas.microsoft.com/office/drawing/2014/main" id="{72120E0D-E64C-6A28-3BEA-AAEFC17BDF64}"/>
+              </a:ext>
+            </a:extLst>
+          </p:cNvPr>
+          <p:cNvSpPr txBox="1"/>
+          <p:nvPr/>
+        </p:nvSpPr>
+        <p:spPr>
+          <a:xfrm>
+            <a:off x="5805536" y="4015152"/>
+            <a:ext cx="290464" cy="323165"/>
+          </a:xfrm>
+          <a:prstGeom prst="rect">
+            <a:avLst/>
+          </a:prstGeom>
+        </p:spPr>
+        <p:style>
+          <a:lnRef idx="2">
+            <a:schemeClr val="accent4">
+              <a:shade val="15000"/>
+            </a:schemeClr>
+          </a:lnRef>
+          <a:fillRef idx="1">
+            <a:schemeClr val="accent4"/>
+          </a:fillRef>
+          <a:effectRef idx="0">
+            <a:schemeClr val="accent4"/>
+          </a:effectRef>
+          <a:fontRef idx="minor">
+            <a:schemeClr val="lt1"/>
+          </a:fontRef>
+        </p:style>
+        <p:txBody>
+          <a:bodyPr wrap="none" rtlCol="0">
+            <a:spAutoFit/>
+          </a:bodyPr>
+          <a:lstStyle/>
+          <a:p>
+            <a:r>
+              <a:rPr lang="en-US" altLang="ko-KR" sz="1500" dirty="0">
+                <a:solidFill>
+                  <a:schemeClr val="tx1"/>
+                </a:solidFill>
+              </a:rPr>
+              <a:t>3</a:t>
+            </a:r>
+            <a:endParaRPr lang="ko-KR" altLang="en-US" sz="1500" dirty="0">
+              <a:solidFill>
+                <a:schemeClr val="tx1"/>
+              </a:solidFill>
+            </a:endParaRPr>
+          </a:p>
+        </p:txBody>
+      </p:sp>
+      <p:sp>
+        <p:nvSpPr>
+          <p:cNvPr id="201" name="TextBox 200">
+            <a:extLst>
+              <a:ext uri="{FF2B5EF4-FFF2-40B4-BE49-F238E27FC236}">
+                <a16:creationId xmlns:a16="http://schemas.microsoft.com/office/drawing/2014/main" id="{A20DC1B7-0367-A3FA-F950-CEBCBA7D91B7}"/>
+              </a:ext>
+            </a:extLst>
+          </p:cNvPr>
+          <p:cNvSpPr txBox="1"/>
+          <p:nvPr/>
+        </p:nvSpPr>
+        <p:spPr>
+          <a:xfrm>
+            <a:off x="6589004" y="3130230"/>
+            <a:ext cx="290464" cy="323165"/>
+          </a:xfrm>
+          <a:prstGeom prst="rect">
+            <a:avLst/>
+          </a:prstGeom>
+        </p:spPr>
+        <p:style>
+          <a:lnRef idx="2">
+            <a:schemeClr val="accent4">
+              <a:shade val="15000"/>
+            </a:schemeClr>
+          </a:lnRef>
+          <a:fillRef idx="1">
+            <a:schemeClr val="accent4"/>
+          </a:fillRef>
+          <a:effectRef idx="0">
+            <a:schemeClr val="accent4"/>
+          </a:effectRef>
+          <a:fontRef idx="minor">
+            <a:schemeClr val="lt1"/>
+          </a:fontRef>
+        </p:style>
+        <p:txBody>
+          <a:bodyPr wrap="none" rtlCol="0">
+            <a:spAutoFit/>
+          </a:bodyPr>
+          <a:lstStyle/>
+          <a:p>
+            <a:r>
+              <a:rPr lang="en-US" altLang="ko-KR" sz="1500" dirty="0">
+                <a:solidFill>
+                  <a:schemeClr val="tx1"/>
+                </a:solidFill>
+              </a:rPr>
+              <a:t>4</a:t>
+            </a:r>
+            <a:endParaRPr lang="ko-KR" altLang="en-US" sz="1500" dirty="0">
+              <a:solidFill>
+                <a:schemeClr val="tx1"/>
+              </a:solidFill>
+            </a:endParaRPr>
+          </a:p>
+        </p:txBody>
+      </p:sp>
+      <p:sp>
+        <p:nvSpPr>
+          <p:cNvPr id="202" name="TextBox 201">
+            <a:extLst>
+              <a:ext uri="{FF2B5EF4-FFF2-40B4-BE49-F238E27FC236}">
+                <a16:creationId xmlns:a16="http://schemas.microsoft.com/office/drawing/2014/main" id="{705D30D4-9488-0497-2DC0-711FB021937A}"/>
+              </a:ext>
+            </a:extLst>
+          </p:cNvPr>
+          <p:cNvSpPr txBox="1"/>
+          <p:nvPr/>
+        </p:nvSpPr>
+        <p:spPr>
+          <a:xfrm>
+            <a:off x="7967078" y="5138561"/>
+            <a:ext cx="290464" cy="323165"/>
+          </a:xfrm>
+          <a:prstGeom prst="rect">
+            <a:avLst/>
+          </a:prstGeom>
+        </p:spPr>
+        <p:style>
+          <a:lnRef idx="2">
+            <a:schemeClr val="accent4">
+              <a:shade val="15000"/>
+            </a:schemeClr>
+          </a:lnRef>
+          <a:fillRef idx="1">
+            <a:schemeClr val="accent4"/>
+          </a:fillRef>
+          <a:effectRef idx="0">
+            <a:schemeClr val="accent4"/>
+          </a:effectRef>
+          <a:fontRef idx="minor">
+            <a:schemeClr val="lt1"/>
+          </a:fontRef>
+        </p:style>
+        <p:txBody>
+          <a:bodyPr wrap="none" rtlCol="0">
+            <a:spAutoFit/>
+          </a:bodyPr>
+          <a:lstStyle/>
+          <a:p>
+            <a:r>
+              <a:rPr lang="en-US" altLang="ko-KR" sz="1500" dirty="0">
+                <a:solidFill>
+                  <a:schemeClr val="tx1"/>
+                </a:solidFill>
+              </a:rPr>
+              <a:t>5</a:t>
+            </a:r>
+            <a:endParaRPr lang="ko-KR" altLang="en-US" sz="1500" dirty="0">
+              <a:solidFill>
+                <a:schemeClr val="tx1"/>
+              </a:solidFill>
+            </a:endParaRPr>
+          </a:p>
+        </p:txBody>
+      </p:sp>
+      <p:sp>
+        <p:nvSpPr>
+          <p:cNvPr id="118" name="TextBox 117">
+            <a:extLst>
+              <a:ext uri="{FF2B5EF4-FFF2-40B4-BE49-F238E27FC236}">
+                <a16:creationId xmlns:a16="http://schemas.microsoft.com/office/drawing/2014/main" id="{E09E7382-15B9-1B4D-5370-1633A8949496}"/>
+              </a:ext>
+            </a:extLst>
+          </p:cNvPr>
+          <p:cNvSpPr txBox="1"/>
+          <p:nvPr/>
+        </p:nvSpPr>
+        <p:spPr>
+          <a:xfrm>
+            <a:off x="3549680" y="4982242"/>
+            <a:ext cx="290464" cy="323165"/>
+          </a:xfrm>
+          <a:prstGeom prst="rect">
+            <a:avLst/>
+          </a:prstGeom>
+        </p:spPr>
+        <p:style>
+          <a:lnRef idx="2">
+            <a:schemeClr val="accent4">
+              <a:shade val="15000"/>
+            </a:schemeClr>
+          </a:lnRef>
+          <a:fillRef idx="1">
+            <a:schemeClr val="accent4"/>
+          </a:fillRef>
+          <a:effectRef idx="0">
+            <a:schemeClr val="accent4"/>
+          </a:effectRef>
+          <a:fontRef idx="minor">
+            <a:schemeClr val="lt1"/>
+          </a:fontRef>
+        </p:style>
+        <p:txBody>
+          <a:bodyPr wrap="none" rtlCol="0">
+            <a:spAutoFit/>
+          </a:bodyPr>
+          <a:lstStyle/>
+          <a:p>
+            <a:r>
+              <a:rPr lang="en-US" altLang="ko-KR" sz="1500" dirty="0">
+                <a:solidFill>
+                  <a:schemeClr val="tx1"/>
+                </a:solidFill>
+              </a:rPr>
+              <a:t>6</a:t>
+            </a:r>
+            <a:endParaRPr lang="ko-KR" altLang="en-US" sz="1500" dirty="0">
+              <a:solidFill>
+                <a:schemeClr val="tx1"/>
+              </a:solidFill>
+            </a:endParaRPr>
+          </a:p>
+        </p:txBody>
+      </p:sp>
     </p:spTree>
     <p:extLst>
       <p:ext uri="{BB962C8B-B14F-4D97-AF65-F5344CB8AC3E}">
-        <p14:creationId xmlns:p14="http://schemas.microsoft.com/office/powerpoint/2010/main" val="2138385760"/>
+        <p14:creationId xmlns:p14="http://schemas.microsoft.com/office/powerpoint/2010/main" val="4009923124"/>
       </p:ext>
     </p:extLst>
   </p:cSld>

--- a/Final_pjt2/Infra_Pipeline.pptx
+++ b/Final_pjt2/Infra_Pipeline.pptx
@@ -7,7 +7,8 @@
   <p:sldIdLst>
     <p:sldId id="257" r:id="rId2"/>
     <p:sldId id="256" r:id="rId3"/>
-    <p:sldId id="258" r:id="rId4"/>
+    <p:sldId id="259" r:id="rId4"/>
+    <p:sldId id="260" r:id="rId5"/>
   </p:sldIdLst>
   <p:sldSz cx="12192000" cy="6858000"/>
   <p:notesSz cx="6858000" cy="9144000"/>
@@ -261,7 +262,7 @@
           <a:p>
             <a:fld id="{F4D0D417-D880-4BB4-B0FA-3563BBBF0335}" type="datetimeFigureOut">
               <a:rPr lang="ko-KR" altLang="en-US" smtClean="0"/>
-              <a:t>2023-12-08</a:t>
+              <a:t>2023-12-29</a:t>
             </a:fld>
             <a:endParaRPr lang="ko-KR" altLang="en-US"/>
           </a:p>
@@ -459,7 +460,7 @@
           <a:p>
             <a:fld id="{F4D0D417-D880-4BB4-B0FA-3563BBBF0335}" type="datetimeFigureOut">
               <a:rPr lang="ko-KR" altLang="en-US" smtClean="0"/>
-              <a:t>2023-12-08</a:t>
+              <a:t>2023-12-29</a:t>
             </a:fld>
             <a:endParaRPr lang="ko-KR" altLang="en-US"/>
           </a:p>
@@ -667,7 +668,7 @@
           <a:p>
             <a:fld id="{F4D0D417-D880-4BB4-B0FA-3563BBBF0335}" type="datetimeFigureOut">
               <a:rPr lang="ko-KR" altLang="en-US" smtClean="0"/>
-              <a:t>2023-12-08</a:t>
+              <a:t>2023-12-29</a:t>
             </a:fld>
             <a:endParaRPr lang="ko-KR" altLang="en-US"/>
           </a:p>
@@ -865,7 +866,7 @@
           <a:p>
             <a:fld id="{F4D0D417-D880-4BB4-B0FA-3563BBBF0335}" type="datetimeFigureOut">
               <a:rPr lang="ko-KR" altLang="en-US" smtClean="0"/>
-              <a:t>2023-12-08</a:t>
+              <a:t>2023-12-29</a:t>
             </a:fld>
             <a:endParaRPr lang="ko-KR" altLang="en-US"/>
           </a:p>
@@ -1140,7 +1141,7 @@
           <a:p>
             <a:fld id="{F4D0D417-D880-4BB4-B0FA-3563BBBF0335}" type="datetimeFigureOut">
               <a:rPr lang="ko-KR" altLang="en-US" smtClean="0"/>
-              <a:t>2023-12-08</a:t>
+              <a:t>2023-12-29</a:t>
             </a:fld>
             <a:endParaRPr lang="ko-KR" altLang="en-US"/>
           </a:p>
@@ -1405,7 +1406,7 @@
           <a:p>
             <a:fld id="{F4D0D417-D880-4BB4-B0FA-3563BBBF0335}" type="datetimeFigureOut">
               <a:rPr lang="ko-KR" altLang="en-US" smtClean="0"/>
-              <a:t>2023-12-08</a:t>
+              <a:t>2023-12-29</a:t>
             </a:fld>
             <a:endParaRPr lang="ko-KR" altLang="en-US"/>
           </a:p>
@@ -1817,7 +1818,7 @@
           <a:p>
             <a:fld id="{F4D0D417-D880-4BB4-B0FA-3563BBBF0335}" type="datetimeFigureOut">
               <a:rPr lang="ko-KR" altLang="en-US" smtClean="0"/>
-              <a:t>2023-12-08</a:t>
+              <a:t>2023-12-29</a:t>
             </a:fld>
             <a:endParaRPr lang="ko-KR" altLang="en-US"/>
           </a:p>
@@ -1958,7 +1959,7 @@
           <a:p>
             <a:fld id="{F4D0D417-D880-4BB4-B0FA-3563BBBF0335}" type="datetimeFigureOut">
               <a:rPr lang="ko-KR" altLang="en-US" smtClean="0"/>
-              <a:t>2023-12-08</a:t>
+              <a:t>2023-12-29</a:t>
             </a:fld>
             <a:endParaRPr lang="ko-KR" altLang="en-US"/>
           </a:p>
@@ -2071,7 +2072,7 @@
           <a:p>
             <a:fld id="{F4D0D417-D880-4BB4-B0FA-3563BBBF0335}" type="datetimeFigureOut">
               <a:rPr lang="ko-KR" altLang="en-US" smtClean="0"/>
-              <a:t>2023-12-08</a:t>
+              <a:t>2023-12-29</a:t>
             </a:fld>
             <a:endParaRPr lang="ko-KR" altLang="en-US"/>
           </a:p>
@@ -2382,7 +2383,7 @@
           <a:p>
             <a:fld id="{F4D0D417-D880-4BB4-B0FA-3563BBBF0335}" type="datetimeFigureOut">
               <a:rPr lang="ko-KR" altLang="en-US" smtClean="0"/>
-              <a:t>2023-12-08</a:t>
+              <a:t>2023-12-29</a:t>
             </a:fld>
             <a:endParaRPr lang="ko-KR" altLang="en-US"/>
           </a:p>
@@ -2670,7 +2671,7 @@
           <a:p>
             <a:fld id="{F4D0D417-D880-4BB4-B0FA-3563BBBF0335}" type="datetimeFigureOut">
               <a:rPr lang="ko-KR" altLang="en-US" smtClean="0"/>
-              <a:t>2023-12-08</a:t>
+              <a:t>2023-12-29</a:t>
             </a:fld>
             <a:endParaRPr lang="ko-KR" altLang="en-US"/>
           </a:p>
@@ -2911,7 +2912,7 @@
           <a:p>
             <a:fld id="{F4D0D417-D880-4BB4-B0FA-3563BBBF0335}" type="datetimeFigureOut">
               <a:rPr lang="ko-KR" altLang="en-US" smtClean="0"/>
-              <a:t>2023-12-08</a:t>
+              <a:t>2023-12-29</a:t>
             </a:fld>
             <a:endParaRPr lang="ko-KR" altLang="en-US"/>
           </a:p>
@@ -10379,42 +10380,6 @@
       </p:pic>
       <p:pic>
         <p:nvPicPr>
-          <p:cNvPr id="31" name="그림 30">
-            <a:extLst>
-              <a:ext uri="{FF2B5EF4-FFF2-40B4-BE49-F238E27FC236}">
-                <a16:creationId xmlns:a16="http://schemas.microsoft.com/office/drawing/2014/main" id="{C98F4C69-FB6A-2E83-52A4-4127D378194C}"/>
-              </a:ext>
-            </a:extLst>
-          </p:cNvPr>
-          <p:cNvPicPr>
-            <a:picLocks noChangeAspect="1"/>
-          </p:cNvPicPr>
-          <p:nvPr/>
-        </p:nvPicPr>
-        <p:blipFill>
-          <a:blip r:embed="rId17">
-            <a:extLst>
-              <a:ext uri="{28A0092B-C50C-407E-A947-70E740481C1C}">
-                <a14:useLocalDpi xmlns:a14="http://schemas.microsoft.com/office/drawing/2010/main" val="0"/>
-              </a:ext>
-            </a:extLst>
-          </a:blip>
-          <a:stretch>
-            <a:fillRect/>
-          </a:stretch>
-        </p:blipFill>
-        <p:spPr>
-          <a:xfrm>
-            <a:off x="6373153" y="2486374"/>
-            <a:ext cx="1912481" cy="689839"/>
-          </a:xfrm>
-          <a:prstGeom prst="rect">
-            <a:avLst/>
-          </a:prstGeom>
-        </p:spPr>
-      </p:pic>
-      <p:pic>
-        <p:nvPicPr>
           <p:cNvPr id="32" name="Picture 2" descr="Plotly Dash — Everything You Need To Know | by Stephen Kilcommins |  DataDrivenInvestor">
             <a:extLst>
               <a:ext uri="{FF2B5EF4-FFF2-40B4-BE49-F238E27FC236}">
@@ -10428,7 +10393,7 @@
           <p:nvPr/>
         </p:nvPicPr>
         <p:blipFill rotWithShape="1">
-          <a:blip r:embed="rId18">
+          <a:blip r:embed="rId17">
             <a:extLst>
               <a:ext uri="{28A0092B-C50C-407E-A947-70E740481C1C}">
                 <a14:useLocalDpi xmlns:a14="http://schemas.microsoft.com/office/drawing/2010/main" val="0"/>
@@ -10568,10 +10533,10 @@
               <p:nvPr/>
             </p:nvPicPr>
             <p:blipFill>
-              <a:blip r:embed="rId19">
+              <a:blip r:embed="rId18">
                 <a:extLst>
                   <a:ext uri="{96DAC541-7B7A-43D3-8B79-37D633B846F1}">
-                    <asvg:svgBlip xmlns:asvg="http://schemas.microsoft.com/office/drawing/2016/SVG/main" r:embed="rId20"/>
+                    <asvg:svgBlip xmlns:asvg="http://schemas.microsoft.com/office/drawing/2016/SVG/main" r:embed="rId19"/>
                   </a:ext>
                 </a:extLst>
               </a:blip>
@@ -10774,42 +10739,6 @@
           </p:sp>
         </p:grpSp>
       </p:grpSp>
-      <p:pic>
-        <p:nvPicPr>
-          <p:cNvPr id="19" name="Graphic 46" descr="Instance instance icon for the Amazon EC2 service.">
-            <a:extLst>
-              <a:ext uri="{FF2B5EF4-FFF2-40B4-BE49-F238E27FC236}">
-                <a16:creationId xmlns:a16="http://schemas.microsoft.com/office/drawing/2014/main" id="{62085753-DD38-4579-5901-C535C2B4CAAD}"/>
-              </a:ext>
-            </a:extLst>
-          </p:cNvPr>
-          <p:cNvPicPr>
-            <a:picLocks noChangeAspect="1"/>
-          </p:cNvPicPr>
-          <p:nvPr/>
-        </p:nvPicPr>
-        <p:blipFill>
-          <a:blip r:embed="rId21">
-            <a:extLst>
-              <a:ext uri="{96DAC541-7B7A-43D3-8B79-37D633B846F1}">
-                <asvg:svgBlip xmlns:asvg="http://schemas.microsoft.com/office/drawing/2016/SVG/main" r:embed="rId22"/>
-              </a:ext>
-            </a:extLst>
-          </a:blip>
-          <a:stretch>
-            <a:fillRect/>
-          </a:stretch>
-        </p:blipFill>
-        <p:spPr>
-          <a:xfrm>
-            <a:off x="4943919" y="2248135"/>
-            <a:ext cx="705600" cy="705600"/>
-          </a:xfrm>
-          <a:prstGeom prst="rect">
-            <a:avLst/>
-          </a:prstGeom>
-        </p:spPr>
-      </p:pic>
       <p:cxnSp>
         <p:nvCxnSpPr>
           <p:cNvPr id="36" name="직선 화살표 연결선 35">
@@ -11507,50 +11436,6 @@
       </p:sp>
       <p:sp>
         <p:nvSpPr>
-          <p:cNvPr id="109" name="TextBox 108">
-            <a:extLst>
-              <a:ext uri="{FF2B5EF4-FFF2-40B4-BE49-F238E27FC236}">
-                <a16:creationId xmlns:a16="http://schemas.microsoft.com/office/drawing/2014/main" id="{A65F1836-25F1-4E00-EE20-BC6DAE6E2ED7}"/>
-              </a:ext>
-            </a:extLst>
-          </p:cNvPr>
-          <p:cNvSpPr txBox="1"/>
-          <p:nvPr/>
-        </p:nvSpPr>
-        <p:spPr>
-          <a:xfrm>
-            <a:off x="5089492" y="2444419"/>
-            <a:ext cx="409086" cy="323165"/>
-          </a:xfrm>
-          <a:prstGeom prst="rect">
-            <a:avLst/>
-          </a:prstGeom>
-          <a:noFill/>
-        </p:spPr>
-        <p:txBody>
-          <a:bodyPr wrap="none" rtlCol="0">
-            <a:spAutoFit/>
-          </a:bodyPr>
-          <a:lstStyle/>
-          <a:p>
-            <a:r>
-              <a:rPr lang="en-US" altLang="ko-KR" sz="1500" b="1" dirty="0">
-                <a:solidFill>
-                  <a:srgbClr val="ED7100"/>
-                </a:solidFill>
-              </a:rPr>
-              <a:t>T3</a:t>
-            </a:r>
-            <a:endParaRPr lang="ko-KR" altLang="en-US" sz="1500" b="1" dirty="0">
-              <a:solidFill>
-                <a:srgbClr val="ED7100"/>
-              </a:solidFill>
-            </a:endParaRPr>
-          </a:p>
-        </p:txBody>
-      </p:sp>
-      <p:sp>
-        <p:nvSpPr>
           <p:cNvPr id="117" name="label">
             <a:extLst>
               <a:ext uri="{FF2B5EF4-FFF2-40B4-BE49-F238E27FC236}">
@@ -11738,10 +11623,10 @@
             <p:nvPr/>
           </p:nvPicPr>
           <p:blipFill>
-            <a:blip r:embed="rId23">
+            <a:blip r:embed="rId20">
               <a:extLst>
                 <a:ext uri="{96DAC541-7B7A-43D3-8B79-37D633B846F1}">
-                  <asvg:svgBlip xmlns:asvg="http://schemas.microsoft.com/office/drawing/2016/SVG/main" r:embed="rId24"/>
+                  <asvg:svgBlip xmlns:asvg="http://schemas.microsoft.com/office/drawing/2016/SVG/main" r:embed="rId21"/>
                 </a:ext>
               </a:extLst>
             </a:blip>
@@ -12594,7 +12479,5399 @@
     </p:spTree>
     <p:extLst>
       <p:ext uri="{BB962C8B-B14F-4D97-AF65-F5344CB8AC3E}">
-        <p14:creationId xmlns:p14="http://schemas.microsoft.com/office/powerpoint/2010/main" val="2138385760"/>
+        <p14:creationId xmlns:p14="http://schemas.microsoft.com/office/powerpoint/2010/main" val="4245603206"/>
+      </p:ext>
+    </p:extLst>
+  </p:cSld>
+  <p:clrMapOvr>
+    <a:masterClrMapping/>
+  </p:clrMapOvr>
+</p:sld>
+</file>
+
+<file path=ppt/slides/slide4.xml><?xml version="1.0" encoding="utf-8"?>
+<p:sld xmlns:a="http://schemas.openxmlformats.org/drawingml/2006/main" xmlns:r="http://schemas.openxmlformats.org/officeDocument/2006/relationships" xmlns:p="http://schemas.openxmlformats.org/presentationml/2006/main">
+  <p:cSld>
+    <p:spTree>
+      <p:nvGrpSpPr>
+        <p:cNvPr id="1" name=""/>
+        <p:cNvGrpSpPr/>
+        <p:nvPr/>
+      </p:nvGrpSpPr>
+      <p:grpSpPr>
+        <a:xfrm>
+          <a:off x="0" y="0"/>
+          <a:ext cx="0" cy="0"/>
+          <a:chOff x="0" y="0"/>
+          <a:chExt cx="0" cy="0"/>
+        </a:xfrm>
+      </p:grpSpPr>
+      <p:sp>
+        <p:nvSpPr>
+          <p:cNvPr id="4" name="Rectangle 12">
+            <a:extLst>
+              <a:ext uri="{FF2B5EF4-FFF2-40B4-BE49-F238E27FC236}">
+                <a16:creationId xmlns:a16="http://schemas.microsoft.com/office/drawing/2014/main" id="{CA079725-BCD5-FB26-A922-478259A5BCE4}"/>
+              </a:ext>
+            </a:extLst>
+          </p:cNvPr>
+          <p:cNvSpPr/>
+          <p:nvPr/>
+        </p:nvSpPr>
+        <p:spPr>
+          <a:xfrm>
+            <a:off x="1998669" y="1561894"/>
+            <a:ext cx="7482451" cy="4265926"/>
+          </a:xfrm>
+          <a:prstGeom prst="rect">
+            <a:avLst/>
+          </a:prstGeom>
+          <a:solidFill>
+            <a:srgbClr val="1D8900">
+              <a:alpha val="9804"/>
+            </a:srgbClr>
+          </a:solidFill>
+          <a:ln w="12700">
+            <a:noFill/>
+            <a:prstDash val="dash"/>
+          </a:ln>
+        </p:spPr>
+        <p:style>
+          <a:lnRef idx="2">
+            <a:schemeClr val="accent1">
+              <a:shade val="50000"/>
+            </a:schemeClr>
+          </a:lnRef>
+          <a:fillRef idx="1">
+            <a:schemeClr val="accent1"/>
+          </a:fillRef>
+          <a:effectRef idx="0">
+            <a:schemeClr val="accent1"/>
+          </a:effectRef>
+          <a:fontRef idx="minor">
+            <a:schemeClr val="lt1"/>
+          </a:fontRef>
+        </p:style>
+        <p:txBody>
+          <a:bodyPr lIns="502920"/>
+          <a:lstStyle>
+            <a:defPPr>
+              <a:defRPr lang="en-US"/>
+            </a:defPPr>
+            <a:lvl1pPr algn="l" rtl="0" eaLnBrk="0" fontAlgn="base" hangingPunct="0">
+              <a:spcBef>
+                <a:spcPct val="0"/>
+              </a:spcBef>
+              <a:spcAft>
+                <a:spcPct val="0"/>
+              </a:spcAft>
+              <a:defRPr kern="1200">
+                <a:solidFill>
+                  <a:schemeClr val="lt1"/>
+                </a:solidFill>
+                <a:latin typeface="+mn-lt"/>
+                <a:ea typeface="+mn-ea"/>
+                <a:cs typeface="+mn-cs"/>
+              </a:defRPr>
+            </a:lvl1pPr>
+            <a:lvl2pPr marL="457200" algn="l" rtl="0" eaLnBrk="0" fontAlgn="base" hangingPunct="0">
+              <a:spcBef>
+                <a:spcPct val="0"/>
+              </a:spcBef>
+              <a:spcAft>
+                <a:spcPct val="0"/>
+              </a:spcAft>
+              <a:defRPr kern="1200">
+                <a:solidFill>
+                  <a:schemeClr val="lt1"/>
+                </a:solidFill>
+                <a:latin typeface="+mn-lt"/>
+                <a:ea typeface="+mn-ea"/>
+                <a:cs typeface="+mn-cs"/>
+              </a:defRPr>
+            </a:lvl2pPr>
+            <a:lvl3pPr marL="914400" algn="l" rtl="0" eaLnBrk="0" fontAlgn="base" hangingPunct="0">
+              <a:spcBef>
+                <a:spcPct val="0"/>
+              </a:spcBef>
+              <a:spcAft>
+                <a:spcPct val="0"/>
+              </a:spcAft>
+              <a:defRPr kern="1200">
+                <a:solidFill>
+                  <a:schemeClr val="lt1"/>
+                </a:solidFill>
+                <a:latin typeface="+mn-lt"/>
+                <a:ea typeface="+mn-ea"/>
+                <a:cs typeface="+mn-cs"/>
+              </a:defRPr>
+            </a:lvl3pPr>
+            <a:lvl4pPr marL="1371600" algn="l" rtl="0" eaLnBrk="0" fontAlgn="base" hangingPunct="0">
+              <a:spcBef>
+                <a:spcPct val="0"/>
+              </a:spcBef>
+              <a:spcAft>
+                <a:spcPct val="0"/>
+              </a:spcAft>
+              <a:defRPr kern="1200">
+                <a:solidFill>
+                  <a:schemeClr val="lt1"/>
+                </a:solidFill>
+                <a:latin typeface="+mn-lt"/>
+                <a:ea typeface="+mn-ea"/>
+                <a:cs typeface="+mn-cs"/>
+              </a:defRPr>
+            </a:lvl4pPr>
+            <a:lvl5pPr marL="1828800" algn="l" rtl="0" eaLnBrk="0" fontAlgn="base" hangingPunct="0">
+              <a:spcBef>
+                <a:spcPct val="0"/>
+              </a:spcBef>
+              <a:spcAft>
+                <a:spcPct val="0"/>
+              </a:spcAft>
+              <a:defRPr kern="1200">
+                <a:solidFill>
+                  <a:schemeClr val="lt1"/>
+                </a:solidFill>
+                <a:latin typeface="+mn-lt"/>
+                <a:ea typeface="+mn-ea"/>
+                <a:cs typeface="+mn-cs"/>
+              </a:defRPr>
+            </a:lvl5pPr>
+            <a:lvl6pPr marL="2286000" algn="l" defTabSz="914400" rtl="0" eaLnBrk="1" latinLnBrk="0" hangingPunct="1">
+              <a:defRPr kern="1200">
+                <a:solidFill>
+                  <a:schemeClr val="lt1"/>
+                </a:solidFill>
+                <a:latin typeface="+mn-lt"/>
+                <a:ea typeface="+mn-ea"/>
+                <a:cs typeface="+mn-cs"/>
+              </a:defRPr>
+            </a:lvl6pPr>
+            <a:lvl7pPr marL="2743200" algn="l" defTabSz="914400" rtl="0" eaLnBrk="1" latinLnBrk="0" hangingPunct="1">
+              <a:defRPr kern="1200">
+                <a:solidFill>
+                  <a:schemeClr val="lt1"/>
+                </a:solidFill>
+                <a:latin typeface="+mn-lt"/>
+                <a:ea typeface="+mn-ea"/>
+                <a:cs typeface="+mn-cs"/>
+              </a:defRPr>
+            </a:lvl7pPr>
+            <a:lvl8pPr marL="3200400" algn="l" defTabSz="914400" rtl="0" eaLnBrk="1" latinLnBrk="0" hangingPunct="1">
+              <a:defRPr kern="1200">
+                <a:solidFill>
+                  <a:schemeClr val="lt1"/>
+                </a:solidFill>
+                <a:latin typeface="+mn-lt"/>
+                <a:ea typeface="+mn-ea"/>
+                <a:cs typeface="+mn-cs"/>
+              </a:defRPr>
+            </a:lvl8pPr>
+            <a:lvl9pPr marL="3657600" algn="l" defTabSz="914400" rtl="0" eaLnBrk="1" latinLnBrk="0" hangingPunct="1">
+              <a:defRPr kern="1200">
+                <a:solidFill>
+                  <a:schemeClr val="lt1"/>
+                </a:solidFill>
+                <a:latin typeface="+mn-lt"/>
+                <a:ea typeface="+mn-ea"/>
+                <a:cs typeface="+mn-cs"/>
+              </a:defRPr>
+            </a:lvl9pPr>
+          </a:lstStyle>
+          <a:p>
+            <a:pPr eaLnBrk="1" fontAlgn="auto" hangingPunct="1">
+              <a:spcBef>
+                <a:spcPts val="0"/>
+              </a:spcBef>
+              <a:spcAft>
+                <a:spcPts val="0"/>
+              </a:spcAft>
+              <a:defRPr/>
+            </a:pPr>
+            <a:r>
+              <a:rPr lang="en-US" sz="1200" dirty="0">
+                <a:solidFill>
+                  <a:srgbClr val="1E8900"/>
+                </a:solidFill>
+                <a:latin typeface="Arial" panose="020B0604020202020204" pitchFamily="34" charset="0"/>
+                <a:cs typeface="Arial" panose="020B0604020202020204" pitchFamily="34" charset="0"/>
+              </a:rPr>
+              <a:t>Public subnet</a:t>
+            </a:r>
+          </a:p>
+        </p:txBody>
+      </p:sp>
+      <p:sp>
+        <p:nvSpPr>
+          <p:cNvPr id="5" name="Rectangle 13">
+            <a:extLst>
+              <a:ext uri="{FF2B5EF4-FFF2-40B4-BE49-F238E27FC236}">
+                <a16:creationId xmlns:a16="http://schemas.microsoft.com/office/drawing/2014/main" id="{E48E6D6E-0091-0CCA-57A1-5B60032B8421}"/>
+              </a:ext>
+            </a:extLst>
+          </p:cNvPr>
+          <p:cNvSpPr/>
+          <p:nvPr/>
+        </p:nvSpPr>
+        <p:spPr>
+          <a:xfrm>
+            <a:off x="2068349" y="2015141"/>
+            <a:ext cx="5415017" cy="3625148"/>
+          </a:xfrm>
+          <a:prstGeom prst="rect">
+            <a:avLst/>
+          </a:prstGeom>
+          <a:noFill/>
+          <a:ln w="15875">
+            <a:solidFill>
+              <a:srgbClr val="E7157B"/>
+            </a:solidFill>
+            <a:prstDash val="dash"/>
+          </a:ln>
+        </p:spPr>
+        <p:style>
+          <a:lnRef idx="2">
+            <a:schemeClr val="accent1">
+              <a:shade val="50000"/>
+            </a:schemeClr>
+          </a:lnRef>
+          <a:fillRef idx="1">
+            <a:schemeClr val="accent1"/>
+          </a:fillRef>
+          <a:effectRef idx="0">
+            <a:schemeClr val="accent1"/>
+          </a:effectRef>
+          <a:fontRef idx="minor">
+            <a:schemeClr val="lt1"/>
+          </a:fontRef>
+        </p:style>
+        <p:txBody>
+          <a:bodyPr tIns="91440"/>
+          <a:lstStyle/>
+          <a:p>
+            <a:pPr algn="ctr" eaLnBrk="1" fontAlgn="auto" hangingPunct="1">
+              <a:spcBef>
+                <a:spcPts val="0"/>
+              </a:spcBef>
+              <a:spcAft>
+                <a:spcPts val="0"/>
+              </a:spcAft>
+              <a:defRPr/>
+            </a:pPr>
+            <a:endParaRPr lang="en-US" sz="1200" dirty="0">
+              <a:solidFill>
+                <a:schemeClr val="tx1"/>
+              </a:solidFill>
+              <a:latin typeface="Arial" panose="020B0604020202020204" pitchFamily="34" charset="0"/>
+              <a:cs typeface="Arial" panose="020B0604020202020204" pitchFamily="34" charset="0"/>
+            </a:endParaRPr>
+          </a:p>
+        </p:txBody>
+      </p:sp>
+      <p:sp>
+        <p:nvSpPr>
+          <p:cNvPr id="6" name="Rectangle 3">
+            <a:extLst>
+              <a:ext uri="{FF2B5EF4-FFF2-40B4-BE49-F238E27FC236}">
+                <a16:creationId xmlns:a16="http://schemas.microsoft.com/office/drawing/2014/main" id="{28829D1F-C96D-FB07-14F4-F11FFF85FF89}"/>
+              </a:ext>
+            </a:extLst>
+          </p:cNvPr>
+          <p:cNvSpPr/>
+          <p:nvPr/>
+        </p:nvSpPr>
+        <p:spPr bwMode="auto">
+          <a:xfrm>
+            <a:off x="1122709" y="783656"/>
+            <a:ext cx="8788545" cy="5420293"/>
+          </a:xfrm>
+          <a:prstGeom prst="rect">
+            <a:avLst/>
+          </a:prstGeom>
+          <a:noFill/>
+          <a:ln w="12700">
+            <a:solidFill>
+              <a:srgbClr val="1E8900"/>
+            </a:solidFill>
+          </a:ln>
+        </p:spPr>
+        <p:style>
+          <a:lnRef idx="2">
+            <a:schemeClr val="accent1">
+              <a:shade val="50000"/>
+            </a:schemeClr>
+          </a:lnRef>
+          <a:fillRef idx="1">
+            <a:schemeClr val="accent1"/>
+          </a:fillRef>
+          <a:effectRef idx="0">
+            <a:schemeClr val="accent1"/>
+          </a:effectRef>
+          <a:fontRef idx="minor">
+            <a:schemeClr val="lt1"/>
+          </a:fontRef>
+        </p:style>
+        <p:txBody>
+          <a:bodyPr lIns="502920" tIns="91440"/>
+          <a:lstStyle>
+            <a:defPPr>
+              <a:defRPr lang="en-US"/>
+            </a:defPPr>
+            <a:lvl1pPr algn="l" rtl="0" eaLnBrk="0" fontAlgn="base" hangingPunct="0">
+              <a:spcBef>
+                <a:spcPct val="0"/>
+              </a:spcBef>
+              <a:spcAft>
+                <a:spcPct val="0"/>
+              </a:spcAft>
+              <a:defRPr kern="1200">
+                <a:solidFill>
+                  <a:schemeClr val="lt1"/>
+                </a:solidFill>
+                <a:latin typeface="+mn-lt"/>
+                <a:ea typeface="+mn-ea"/>
+                <a:cs typeface="+mn-cs"/>
+              </a:defRPr>
+            </a:lvl1pPr>
+            <a:lvl2pPr marL="457200" algn="l" rtl="0" eaLnBrk="0" fontAlgn="base" hangingPunct="0">
+              <a:spcBef>
+                <a:spcPct val="0"/>
+              </a:spcBef>
+              <a:spcAft>
+                <a:spcPct val="0"/>
+              </a:spcAft>
+              <a:defRPr kern="1200">
+                <a:solidFill>
+                  <a:schemeClr val="lt1"/>
+                </a:solidFill>
+                <a:latin typeface="+mn-lt"/>
+                <a:ea typeface="+mn-ea"/>
+                <a:cs typeface="+mn-cs"/>
+              </a:defRPr>
+            </a:lvl2pPr>
+            <a:lvl3pPr marL="914400" algn="l" rtl="0" eaLnBrk="0" fontAlgn="base" hangingPunct="0">
+              <a:spcBef>
+                <a:spcPct val="0"/>
+              </a:spcBef>
+              <a:spcAft>
+                <a:spcPct val="0"/>
+              </a:spcAft>
+              <a:defRPr kern="1200">
+                <a:solidFill>
+                  <a:schemeClr val="lt1"/>
+                </a:solidFill>
+                <a:latin typeface="+mn-lt"/>
+                <a:ea typeface="+mn-ea"/>
+                <a:cs typeface="+mn-cs"/>
+              </a:defRPr>
+            </a:lvl3pPr>
+            <a:lvl4pPr marL="1371600" algn="l" rtl="0" eaLnBrk="0" fontAlgn="base" hangingPunct="0">
+              <a:spcBef>
+                <a:spcPct val="0"/>
+              </a:spcBef>
+              <a:spcAft>
+                <a:spcPct val="0"/>
+              </a:spcAft>
+              <a:defRPr kern="1200">
+                <a:solidFill>
+                  <a:schemeClr val="lt1"/>
+                </a:solidFill>
+                <a:latin typeface="+mn-lt"/>
+                <a:ea typeface="+mn-ea"/>
+                <a:cs typeface="+mn-cs"/>
+              </a:defRPr>
+            </a:lvl4pPr>
+            <a:lvl5pPr marL="1828800" algn="l" rtl="0" eaLnBrk="0" fontAlgn="base" hangingPunct="0">
+              <a:spcBef>
+                <a:spcPct val="0"/>
+              </a:spcBef>
+              <a:spcAft>
+                <a:spcPct val="0"/>
+              </a:spcAft>
+              <a:defRPr kern="1200">
+                <a:solidFill>
+                  <a:schemeClr val="lt1"/>
+                </a:solidFill>
+                <a:latin typeface="+mn-lt"/>
+                <a:ea typeface="+mn-ea"/>
+                <a:cs typeface="+mn-cs"/>
+              </a:defRPr>
+            </a:lvl5pPr>
+            <a:lvl6pPr marL="2286000" algn="l" defTabSz="914400" rtl="0" eaLnBrk="1" latinLnBrk="0" hangingPunct="1">
+              <a:defRPr kern="1200">
+                <a:solidFill>
+                  <a:schemeClr val="lt1"/>
+                </a:solidFill>
+                <a:latin typeface="+mn-lt"/>
+                <a:ea typeface="+mn-ea"/>
+                <a:cs typeface="+mn-cs"/>
+              </a:defRPr>
+            </a:lvl6pPr>
+            <a:lvl7pPr marL="2743200" algn="l" defTabSz="914400" rtl="0" eaLnBrk="1" latinLnBrk="0" hangingPunct="1">
+              <a:defRPr kern="1200">
+                <a:solidFill>
+                  <a:schemeClr val="lt1"/>
+                </a:solidFill>
+                <a:latin typeface="+mn-lt"/>
+                <a:ea typeface="+mn-ea"/>
+                <a:cs typeface="+mn-cs"/>
+              </a:defRPr>
+            </a:lvl7pPr>
+            <a:lvl8pPr marL="3200400" algn="l" defTabSz="914400" rtl="0" eaLnBrk="1" latinLnBrk="0" hangingPunct="1">
+              <a:defRPr kern="1200">
+                <a:solidFill>
+                  <a:schemeClr val="lt1"/>
+                </a:solidFill>
+                <a:latin typeface="+mn-lt"/>
+                <a:ea typeface="+mn-ea"/>
+                <a:cs typeface="+mn-cs"/>
+              </a:defRPr>
+            </a:lvl8pPr>
+            <a:lvl9pPr marL="3657600" algn="l" defTabSz="914400" rtl="0" eaLnBrk="1" latinLnBrk="0" hangingPunct="1">
+              <a:defRPr kern="1200">
+                <a:solidFill>
+                  <a:schemeClr val="lt1"/>
+                </a:solidFill>
+                <a:latin typeface="+mn-lt"/>
+                <a:ea typeface="+mn-ea"/>
+                <a:cs typeface="+mn-cs"/>
+              </a:defRPr>
+            </a:lvl9pPr>
+          </a:lstStyle>
+          <a:p>
+            <a:pPr eaLnBrk="1" fontAlgn="auto" hangingPunct="1">
+              <a:spcBef>
+                <a:spcPts val="0"/>
+              </a:spcBef>
+              <a:spcAft>
+                <a:spcPts val="0"/>
+              </a:spcAft>
+              <a:defRPr/>
+            </a:pPr>
+            <a:r>
+              <a:rPr lang="en-US" sz="1200" dirty="0">
+                <a:ln w="0"/>
+                <a:solidFill>
+                  <a:srgbClr val="1E8900"/>
+                </a:solidFill>
+                <a:latin typeface="Arial" panose="020B0604020202020204" pitchFamily="34" charset="0"/>
+                <a:cs typeface="Arial" panose="020B0604020202020204" pitchFamily="34" charset="0"/>
+              </a:rPr>
+              <a:t>VPC (dev-</a:t>
+            </a:r>
+            <a:r>
+              <a:rPr lang="en-US" sz="1200" dirty="0" err="1">
+                <a:ln w="0"/>
+                <a:solidFill>
+                  <a:srgbClr val="1E8900"/>
+                </a:solidFill>
+                <a:latin typeface="Arial" panose="020B0604020202020204" pitchFamily="34" charset="0"/>
+                <a:cs typeface="Arial" panose="020B0604020202020204" pitchFamily="34" charset="0"/>
+              </a:rPr>
+              <a:t>vpc</a:t>
+            </a:r>
+            <a:r>
+              <a:rPr lang="en-US" sz="1200" dirty="0">
+                <a:ln w="0"/>
+                <a:solidFill>
+                  <a:srgbClr val="1E8900"/>
+                </a:solidFill>
+                <a:latin typeface="Arial" panose="020B0604020202020204" pitchFamily="34" charset="0"/>
+                <a:cs typeface="Arial" panose="020B0604020202020204" pitchFamily="34" charset="0"/>
+              </a:rPr>
+              <a:t>)</a:t>
+            </a:r>
+          </a:p>
+        </p:txBody>
+      </p:sp>
+      <p:sp>
+        <p:nvSpPr>
+          <p:cNvPr id="7" name="Rectangle 4">
+            <a:extLst>
+              <a:ext uri="{FF2B5EF4-FFF2-40B4-BE49-F238E27FC236}">
+                <a16:creationId xmlns:a16="http://schemas.microsoft.com/office/drawing/2014/main" id="{9526B530-61C2-3E55-3B1A-6D8EC4CA370C}"/>
+              </a:ext>
+            </a:extLst>
+          </p:cNvPr>
+          <p:cNvSpPr/>
+          <p:nvPr/>
+        </p:nvSpPr>
+        <p:spPr bwMode="auto">
+          <a:xfrm>
+            <a:off x="882650" y="330155"/>
+            <a:ext cx="9240153" cy="5996436"/>
+          </a:xfrm>
+          <a:prstGeom prst="rect">
+            <a:avLst/>
+          </a:prstGeom>
+          <a:noFill/>
+          <a:ln w="12700">
+            <a:solidFill>
+              <a:schemeClr val="tx1"/>
+            </a:solidFill>
+          </a:ln>
+        </p:spPr>
+        <p:style>
+          <a:lnRef idx="2">
+            <a:schemeClr val="accent1">
+              <a:shade val="50000"/>
+            </a:schemeClr>
+          </a:lnRef>
+          <a:fillRef idx="1">
+            <a:schemeClr val="accent1"/>
+          </a:fillRef>
+          <a:effectRef idx="0">
+            <a:schemeClr val="accent1"/>
+          </a:effectRef>
+          <a:fontRef idx="minor">
+            <a:schemeClr val="lt1"/>
+          </a:fontRef>
+        </p:style>
+        <p:txBody>
+          <a:bodyPr lIns="502920" tIns="91440"/>
+          <a:lstStyle>
+            <a:defPPr>
+              <a:defRPr lang="en-US"/>
+            </a:defPPr>
+            <a:lvl1pPr algn="l" rtl="0" eaLnBrk="0" fontAlgn="base" hangingPunct="0">
+              <a:spcBef>
+                <a:spcPct val="0"/>
+              </a:spcBef>
+              <a:spcAft>
+                <a:spcPct val="0"/>
+              </a:spcAft>
+              <a:defRPr kern="1200">
+                <a:solidFill>
+                  <a:schemeClr val="lt1"/>
+                </a:solidFill>
+                <a:latin typeface="+mn-lt"/>
+                <a:ea typeface="+mn-ea"/>
+                <a:cs typeface="+mn-cs"/>
+              </a:defRPr>
+            </a:lvl1pPr>
+            <a:lvl2pPr marL="457200" algn="l" rtl="0" eaLnBrk="0" fontAlgn="base" hangingPunct="0">
+              <a:spcBef>
+                <a:spcPct val="0"/>
+              </a:spcBef>
+              <a:spcAft>
+                <a:spcPct val="0"/>
+              </a:spcAft>
+              <a:defRPr kern="1200">
+                <a:solidFill>
+                  <a:schemeClr val="lt1"/>
+                </a:solidFill>
+                <a:latin typeface="+mn-lt"/>
+                <a:ea typeface="+mn-ea"/>
+                <a:cs typeface="+mn-cs"/>
+              </a:defRPr>
+            </a:lvl2pPr>
+            <a:lvl3pPr marL="914400" algn="l" rtl="0" eaLnBrk="0" fontAlgn="base" hangingPunct="0">
+              <a:spcBef>
+                <a:spcPct val="0"/>
+              </a:spcBef>
+              <a:spcAft>
+                <a:spcPct val="0"/>
+              </a:spcAft>
+              <a:defRPr kern="1200">
+                <a:solidFill>
+                  <a:schemeClr val="lt1"/>
+                </a:solidFill>
+                <a:latin typeface="+mn-lt"/>
+                <a:ea typeface="+mn-ea"/>
+                <a:cs typeface="+mn-cs"/>
+              </a:defRPr>
+            </a:lvl3pPr>
+            <a:lvl4pPr marL="1371600" algn="l" rtl="0" eaLnBrk="0" fontAlgn="base" hangingPunct="0">
+              <a:spcBef>
+                <a:spcPct val="0"/>
+              </a:spcBef>
+              <a:spcAft>
+                <a:spcPct val="0"/>
+              </a:spcAft>
+              <a:defRPr kern="1200">
+                <a:solidFill>
+                  <a:schemeClr val="lt1"/>
+                </a:solidFill>
+                <a:latin typeface="+mn-lt"/>
+                <a:ea typeface="+mn-ea"/>
+                <a:cs typeface="+mn-cs"/>
+              </a:defRPr>
+            </a:lvl4pPr>
+            <a:lvl5pPr marL="1828800" algn="l" rtl="0" eaLnBrk="0" fontAlgn="base" hangingPunct="0">
+              <a:spcBef>
+                <a:spcPct val="0"/>
+              </a:spcBef>
+              <a:spcAft>
+                <a:spcPct val="0"/>
+              </a:spcAft>
+              <a:defRPr kern="1200">
+                <a:solidFill>
+                  <a:schemeClr val="lt1"/>
+                </a:solidFill>
+                <a:latin typeface="+mn-lt"/>
+                <a:ea typeface="+mn-ea"/>
+                <a:cs typeface="+mn-cs"/>
+              </a:defRPr>
+            </a:lvl5pPr>
+            <a:lvl6pPr marL="2286000" algn="l" defTabSz="914400" rtl="0" eaLnBrk="1" latinLnBrk="0" hangingPunct="1">
+              <a:defRPr kern="1200">
+                <a:solidFill>
+                  <a:schemeClr val="lt1"/>
+                </a:solidFill>
+                <a:latin typeface="+mn-lt"/>
+                <a:ea typeface="+mn-ea"/>
+                <a:cs typeface="+mn-cs"/>
+              </a:defRPr>
+            </a:lvl6pPr>
+            <a:lvl7pPr marL="2743200" algn="l" defTabSz="914400" rtl="0" eaLnBrk="1" latinLnBrk="0" hangingPunct="1">
+              <a:defRPr kern="1200">
+                <a:solidFill>
+                  <a:schemeClr val="lt1"/>
+                </a:solidFill>
+                <a:latin typeface="+mn-lt"/>
+                <a:ea typeface="+mn-ea"/>
+                <a:cs typeface="+mn-cs"/>
+              </a:defRPr>
+            </a:lvl7pPr>
+            <a:lvl8pPr marL="3200400" algn="l" defTabSz="914400" rtl="0" eaLnBrk="1" latinLnBrk="0" hangingPunct="1">
+              <a:defRPr kern="1200">
+                <a:solidFill>
+                  <a:schemeClr val="lt1"/>
+                </a:solidFill>
+                <a:latin typeface="+mn-lt"/>
+                <a:ea typeface="+mn-ea"/>
+                <a:cs typeface="+mn-cs"/>
+              </a:defRPr>
+            </a:lvl8pPr>
+            <a:lvl9pPr marL="3657600" algn="l" defTabSz="914400" rtl="0" eaLnBrk="1" latinLnBrk="0" hangingPunct="1">
+              <a:defRPr kern="1200">
+                <a:solidFill>
+                  <a:schemeClr val="lt1"/>
+                </a:solidFill>
+                <a:latin typeface="+mn-lt"/>
+                <a:ea typeface="+mn-ea"/>
+                <a:cs typeface="+mn-cs"/>
+              </a:defRPr>
+            </a:lvl9pPr>
+          </a:lstStyle>
+          <a:p>
+            <a:pPr eaLnBrk="1" fontAlgn="auto" hangingPunct="1">
+              <a:spcBef>
+                <a:spcPts val="0"/>
+              </a:spcBef>
+              <a:spcAft>
+                <a:spcPts val="0"/>
+              </a:spcAft>
+              <a:defRPr/>
+            </a:pPr>
+            <a:r>
+              <a:rPr lang="en-US" sz="1200" dirty="0">
+                <a:solidFill>
+                  <a:sysClr val="windowText" lastClr="000000"/>
+                </a:solidFill>
+                <a:latin typeface="Arial" panose="020B0604020202020204" pitchFamily="34" charset="0"/>
+                <a:cs typeface="Arial" panose="020B0604020202020204" pitchFamily="34" charset="0"/>
+              </a:rPr>
+              <a:t>AWS Cloud</a:t>
+            </a:r>
+          </a:p>
+        </p:txBody>
+      </p:sp>
+      <p:pic>
+        <p:nvPicPr>
+          <p:cNvPr id="8" name="Graphic 37">
+            <a:extLst>
+              <a:ext uri="{FF2B5EF4-FFF2-40B4-BE49-F238E27FC236}">
+                <a16:creationId xmlns:a16="http://schemas.microsoft.com/office/drawing/2014/main" id="{B23DC047-58AB-7027-A20D-FC31A77CAC12}"/>
+              </a:ext>
+            </a:extLst>
+          </p:cNvPr>
+          <p:cNvPicPr>
+            <a:picLocks noChangeAspect="1"/>
+          </p:cNvPicPr>
+          <p:nvPr/>
+        </p:nvPicPr>
+        <p:blipFill>
+          <a:blip r:embed="rId2">
+            <a:extLst>
+              <a:ext uri="{96DAC541-7B7A-43D3-8B79-37D633B846F1}">
+                <asvg:svgBlip xmlns:asvg="http://schemas.microsoft.com/office/drawing/2016/SVG/main" r:embed="rId3"/>
+              </a:ext>
+            </a:extLst>
+          </a:blip>
+          <a:srcRect/>
+          <a:stretch/>
+        </p:blipFill>
+        <p:spPr>
+          <a:xfrm>
+            <a:off x="882650" y="330155"/>
+            <a:ext cx="381000" cy="381000"/>
+          </a:xfrm>
+          <a:prstGeom prst="rect">
+            <a:avLst/>
+          </a:prstGeom>
+        </p:spPr>
+      </p:pic>
+      <p:pic>
+        <p:nvPicPr>
+          <p:cNvPr id="9" name="Graphic 38">
+            <a:extLst>
+              <a:ext uri="{FF2B5EF4-FFF2-40B4-BE49-F238E27FC236}">
+                <a16:creationId xmlns:a16="http://schemas.microsoft.com/office/drawing/2014/main" id="{7A753DAB-6DA9-1AD3-2BE3-6E4A7939B0C3}"/>
+              </a:ext>
+            </a:extLst>
+          </p:cNvPr>
+          <p:cNvPicPr>
+            <a:picLocks noChangeAspect="1"/>
+          </p:cNvPicPr>
+          <p:nvPr/>
+        </p:nvPicPr>
+        <p:blipFill>
+          <a:blip r:embed="rId4">
+            <a:extLst>
+              <a:ext uri="{96DAC541-7B7A-43D3-8B79-37D633B846F1}">
+                <asvg:svgBlip xmlns:asvg="http://schemas.microsoft.com/office/drawing/2016/SVG/main" r:embed="rId5"/>
+              </a:ext>
+            </a:extLst>
+          </a:blip>
+          <a:stretch>
+            <a:fillRect/>
+          </a:stretch>
+        </p:blipFill>
+        <p:spPr>
+          <a:xfrm>
+            <a:off x="1132314" y="783658"/>
+            <a:ext cx="363748" cy="363748"/>
+          </a:xfrm>
+          <a:prstGeom prst="rect">
+            <a:avLst/>
+          </a:prstGeom>
+        </p:spPr>
+      </p:pic>
+      <p:sp>
+        <p:nvSpPr>
+          <p:cNvPr id="10" name="Rectangle 5">
+            <a:extLst>
+              <a:ext uri="{FF2B5EF4-FFF2-40B4-BE49-F238E27FC236}">
+                <a16:creationId xmlns:a16="http://schemas.microsoft.com/office/drawing/2014/main" id="{C692BC8C-7169-2040-00FE-2313185E7630}"/>
+              </a:ext>
+            </a:extLst>
+          </p:cNvPr>
+          <p:cNvSpPr/>
+          <p:nvPr/>
+        </p:nvSpPr>
+        <p:spPr bwMode="auto">
+          <a:xfrm>
+            <a:off x="1534712" y="1221910"/>
+            <a:ext cx="8074382" cy="4734389"/>
+          </a:xfrm>
+          <a:prstGeom prst="rect">
+            <a:avLst/>
+          </a:prstGeom>
+          <a:noFill/>
+          <a:ln w="12700">
+            <a:solidFill>
+              <a:srgbClr val="5B9CD5"/>
+            </a:solidFill>
+            <a:prstDash val="dash"/>
+          </a:ln>
+        </p:spPr>
+        <p:style>
+          <a:lnRef idx="2">
+            <a:schemeClr val="accent1">
+              <a:shade val="50000"/>
+            </a:schemeClr>
+          </a:lnRef>
+          <a:fillRef idx="1">
+            <a:schemeClr val="accent1"/>
+          </a:fillRef>
+          <a:effectRef idx="0">
+            <a:schemeClr val="accent1"/>
+          </a:effectRef>
+          <a:fontRef idx="minor">
+            <a:schemeClr val="lt1"/>
+          </a:fontRef>
+        </p:style>
+        <p:txBody>
+          <a:bodyPr tIns="91440"/>
+          <a:lstStyle>
+            <a:defPPr>
+              <a:defRPr lang="en-US"/>
+            </a:defPPr>
+            <a:lvl1pPr algn="l" rtl="0" eaLnBrk="0" fontAlgn="base" hangingPunct="0">
+              <a:spcBef>
+                <a:spcPct val="0"/>
+              </a:spcBef>
+              <a:spcAft>
+                <a:spcPct val="0"/>
+              </a:spcAft>
+              <a:defRPr kern="1200">
+                <a:solidFill>
+                  <a:schemeClr val="lt1"/>
+                </a:solidFill>
+                <a:latin typeface="+mn-lt"/>
+                <a:ea typeface="+mn-ea"/>
+                <a:cs typeface="+mn-cs"/>
+              </a:defRPr>
+            </a:lvl1pPr>
+            <a:lvl2pPr marL="457200" algn="l" rtl="0" eaLnBrk="0" fontAlgn="base" hangingPunct="0">
+              <a:spcBef>
+                <a:spcPct val="0"/>
+              </a:spcBef>
+              <a:spcAft>
+                <a:spcPct val="0"/>
+              </a:spcAft>
+              <a:defRPr kern="1200">
+                <a:solidFill>
+                  <a:schemeClr val="lt1"/>
+                </a:solidFill>
+                <a:latin typeface="+mn-lt"/>
+                <a:ea typeface="+mn-ea"/>
+                <a:cs typeface="+mn-cs"/>
+              </a:defRPr>
+            </a:lvl2pPr>
+            <a:lvl3pPr marL="914400" algn="l" rtl="0" eaLnBrk="0" fontAlgn="base" hangingPunct="0">
+              <a:spcBef>
+                <a:spcPct val="0"/>
+              </a:spcBef>
+              <a:spcAft>
+                <a:spcPct val="0"/>
+              </a:spcAft>
+              <a:defRPr kern="1200">
+                <a:solidFill>
+                  <a:schemeClr val="lt1"/>
+                </a:solidFill>
+                <a:latin typeface="+mn-lt"/>
+                <a:ea typeface="+mn-ea"/>
+                <a:cs typeface="+mn-cs"/>
+              </a:defRPr>
+            </a:lvl3pPr>
+            <a:lvl4pPr marL="1371600" algn="l" rtl="0" eaLnBrk="0" fontAlgn="base" hangingPunct="0">
+              <a:spcBef>
+                <a:spcPct val="0"/>
+              </a:spcBef>
+              <a:spcAft>
+                <a:spcPct val="0"/>
+              </a:spcAft>
+              <a:defRPr kern="1200">
+                <a:solidFill>
+                  <a:schemeClr val="lt1"/>
+                </a:solidFill>
+                <a:latin typeface="+mn-lt"/>
+                <a:ea typeface="+mn-ea"/>
+                <a:cs typeface="+mn-cs"/>
+              </a:defRPr>
+            </a:lvl4pPr>
+            <a:lvl5pPr marL="1828800" algn="l" rtl="0" eaLnBrk="0" fontAlgn="base" hangingPunct="0">
+              <a:spcBef>
+                <a:spcPct val="0"/>
+              </a:spcBef>
+              <a:spcAft>
+                <a:spcPct val="0"/>
+              </a:spcAft>
+              <a:defRPr kern="1200">
+                <a:solidFill>
+                  <a:schemeClr val="lt1"/>
+                </a:solidFill>
+                <a:latin typeface="+mn-lt"/>
+                <a:ea typeface="+mn-ea"/>
+                <a:cs typeface="+mn-cs"/>
+              </a:defRPr>
+            </a:lvl5pPr>
+            <a:lvl6pPr marL="2286000" algn="l" defTabSz="914400" rtl="0" eaLnBrk="1" latinLnBrk="0" hangingPunct="1">
+              <a:defRPr kern="1200">
+                <a:solidFill>
+                  <a:schemeClr val="lt1"/>
+                </a:solidFill>
+                <a:latin typeface="+mn-lt"/>
+                <a:ea typeface="+mn-ea"/>
+                <a:cs typeface="+mn-cs"/>
+              </a:defRPr>
+            </a:lvl6pPr>
+            <a:lvl7pPr marL="2743200" algn="l" defTabSz="914400" rtl="0" eaLnBrk="1" latinLnBrk="0" hangingPunct="1">
+              <a:defRPr kern="1200">
+                <a:solidFill>
+                  <a:schemeClr val="lt1"/>
+                </a:solidFill>
+                <a:latin typeface="+mn-lt"/>
+                <a:ea typeface="+mn-ea"/>
+                <a:cs typeface="+mn-cs"/>
+              </a:defRPr>
+            </a:lvl7pPr>
+            <a:lvl8pPr marL="3200400" algn="l" defTabSz="914400" rtl="0" eaLnBrk="1" latinLnBrk="0" hangingPunct="1">
+              <a:defRPr kern="1200">
+                <a:solidFill>
+                  <a:schemeClr val="lt1"/>
+                </a:solidFill>
+                <a:latin typeface="+mn-lt"/>
+                <a:ea typeface="+mn-ea"/>
+                <a:cs typeface="+mn-cs"/>
+              </a:defRPr>
+            </a:lvl8pPr>
+            <a:lvl9pPr marL="3657600" algn="l" defTabSz="914400" rtl="0" eaLnBrk="1" latinLnBrk="0" hangingPunct="1">
+              <a:defRPr kern="1200">
+                <a:solidFill>
+                  <a:schemeClr val="lt1"/>
+                </a:solidFill>
+                <a:latin typeface="+mn-lt"/>
+                <a:ea typeface="+mn-ea"/>
+                <a:cs typeface="+mn-cs"/>
+              </a:defRPr>
+            </a:lvl9pPr>
+          </a:lstStyle>
+          <a:p>
+            <a:pPr algn="ctr" eaLnBrk="1" fontAlgn="auto" hangingPunct="1">
+              <a:spcBef>
+                <a:spcPts val="0"/>
+              </a:spcBef>
+              <a:spcAft>
+                <a:spcPts val="0"/>
+              </a:spcAft>
+              <a:defRPr/>
+            </a:pPr>
+            <a:endParaRPr lang="en-US" sz="1200" dirty="0">
+              <a:solidFill>
+                <a:srgbClr val="5B9CD5"/>
+              </a:solidFill>
+              <a:latin typeface="Arial" panose="020B0604020202020204" pitchFamily="34" charset="0"/>
+              <a:cs typeface="Arial" panose="020B0604020202020204" pitchFamily="34" charset="0"/>
+            </a:endParaRPr>
+          </a:p>
+        </p:txBody>
+      </p:sp>
+      <p:sp>
+        <p:nvSpPr>
+          <p:cNvPr id="11" name="직사각형 10">
+            <a:extLst>
+              <a:ext uri="{FF2B5EF4-FFF2-40B4-BE49-F238E27FC236}">
+                <a16:creationId xmlns:a16="http://schemas.microsoft.com/office/drawing/2014/main" id="{0DAF8965-CDD2-F191-0D59-AD6D15E8694C}"/>
+              </a:ext>
+            </a:extLst>
+          </p:cNvPr>
+          <p:cNvSpPr/>
+          <p:nvPr/>
+        </p:nvSpPr>
+        <p:spPr>
+          <a:xfrm>
+            <a:off x="1902432" y="1226352"/>
+            <a:ext cx="1645874" cy="276999"/>
+          </a:xfrm>
+          <a:prstGeom prst="rect">
+            <a:avLst/>
+          </a:prstGeom>
+          <a:solidFill>
+            <a:schemeClr val="bg1"/>
+          </a:solidFill>
+        </p:spPr>
+        <p:txBody>
+          <a:bodyPr wrap="square">
+            <a:spAutoFit/>
+          </a:bodyPr>
+          <a:lstStyle/>
+          <a:p>
+            <a:pPr>
+              <a:defRPr/>
+            </a:pPr>
+            <a:r>
+              <a:rPr lang="en-US" altLang="ko-KR" sz="1200" dirty="0">
+                <a:solidFill>
+                  <a:srgbClr val="5B9CD5"/>
+                </a:solidFill>
+                <a:latin typeface="Arial" panose="020B0604020202020204" pitchFamily="34" charset="0"/>
+                <a:cs typeface="Arial" panose="020B0604020202020204" pitchFamily="34" charset="0"/>
+              </a:rPr>
+              <a:t>ap-northeast-2</a:t>
+            </a:r>
+          </a:p>
+        </p:txBody>
+      </p:sp>
+      <p:grpSp>
+        <p:nvGrpSpPr>
+          <p:cNvPr id="12" name="그룹 11">
+            <a:extLst>
+              <a:ext uri="{FF2B5EF4-FFF2-40B4-BE49-F238E27FC236}">
+                <a16:creationId xmlns:a16="http://schemas.microsoft.com/office/drawing/2014/main" id="{B5AB6EB6-18E3-0F54-FDD9-1D75B11C7792}"/>
+              </a:ext>
+            </a:extLst>
+          </p:cNvPr>
+          <p:cNvGrpSpPr/>
+          <p:nvPr/>
+        </p:nvGrpSpPr>
+        <p:grpSpPr>
+          <a:xfrm>
+            <a:off x="3637265" y="585401"/>
+            <a:ext cx="1123995" cy="622928"/>
+            <a:chOff x="7970265" y="2595453"/>
+            <a:chExt cx="1123995" cy="622928"/>
+          </a:xfrm>
+        </p:grpSpPr>
+        <p:pic>
+          <p:nvPicPr>
+            <p:cNvPr id="13" name="Graphic 19">
+              <a:extLst>
+                <a:ext uri="{FF2B5EF4-FFF2-40B4-BE49-F238E27FC236}">
+                  <a16:creationId xmlns:a16="http://schemas.microsoft.com/office/drawing/2014/main" id="{AE4AA705-E5BE-CA10-D7AD-F0C08CA9D0F6}"/>
+                </a:ext>
+              </a:extLst>
+            </p:cNvPr>
+            <p:cNvPicPr>
+              <a:picLocks noChangeAspect="1" noChangeArrowheads="1"/>
+            </p:cNvPicPr>
+            <p:nvPr/>
+          </p:nvPicPr>
+          <p:blipFill>
+            <a:blip r:embed="rId6">
+              <a:extLst>
+                <a:ext uri="{28A0092B-C50C-407E-A947-70E740481C1C}">
+                  <a14:useLocalDpi xmlns:a14="http://schemas.microsoft.com/office/drawing/2010/main" val="0"/>
+                </a:ext>
+              </a:extLst>
+            </a:blip>
+            <a:srcRect/>
+            <a:stretch>
+              <a:fillRect/>
+            </a:stretch>
+          </p:blipFill>
+          <p:spPr bwMode="auto">
+            <a:xfrm>
+              <a:off x="8341720" y="2595453"/>
+              <a:ext cx="381084" cy="381084"/>
+            </a:xfrm>
+            <a:prstGeom prst="rect">
+              <a:avLst/>
+            </a:prstGeom>
+            <a:noFill/>
+            <a:ln>
+              <a:noFill/>
+            </a:ln>
+            <a:extLst>
+              <a:ext uri="{909E8E84-426E-40DD-AFC4-6F175D3DCCD1}">
+                <a14:hiddenFill xmlns:a14="http://schemas.microsoft.com/office/drawing/2010/main">
+                  <a:solidFill>
+                    <a:srgbClr val="FFFFFF"/>
+                  </a:solidFill>
+                </a14:hiddenFill>
+              </a:ext>
+              <a:ext uri="{91240B29-F687-4F45-9708-019B960494DF}">
+                <a14:hiddenLine xmlns:a14="http://schemas.microsoft.com/office/drawing/2010/main" w="9525">
+                  <a:solidFill>
+                    <a:srgbClr val="000000"/>
+                  </a:solidFill>
+                  <a:miter lim="800000"/>
+                  <a:headEnd/>
+                  <a:tailEnd/>
+                </a14:hiddenLine>
+              </a:ext>
+            </a:extLst>
+          </p:spPr>
+        </p:pic>
+        <p:sp>
+          <p:nvSpPr>
+            <p:cNvPr id="14" name="TextBox 13">
+              <a:extLst>
+                <a:ext uri="{FF2B5EF4-FFF2-40B4-BE49-F238E27FC236}">
+                  <a16:creationId xmlns:a16="http://schemas.microsoft.com/office/drawing/2014/main" id="{D1466F51-BF3F-9540-1EBD-E04444BA6E4B}"/>
+                </a:ext>
+              </a:extLst>
+            </p:cNvPr>
+            <p:cNvSpPr txBox="1">
+              <a:spLocks noChangeArrowheads="1"/>
+            </p:cNvSpPr>
+            <p:nvPr/>
+          </p:nvSpPr>
+          <p:spPr bwMode="auto">
+            <a:xfrm>
+              <a:off x="7970265" y="2972160"/>
+              <a:ext cx="1123995" cy="246221"/>
+            </a:xfrm>
+            <a:prstGeom prst="rect">
+              <a:avLst/>
+            </a:prstGeom>
+            <a:noFill/>
+            <a:ln>
+              <a:noFill/>
+            </a:ln>
+            <a:extLst>
+              <a:ext uri="{909E8E84-426E-40DD-AFC4-6F175D3DCCD1}">
+                <a14:hiddenFill xmlns:a14="http://schemas.microsoft.com/office/drawing/2010/main">
+                  <a:solidFill>
+                    <a:srgbClr val="FFFFFF"/>
+                  </a:solidFill>
+                </a14:hiddenFill>
+              </a:ext>
+              <a:ext uri="{91240B29-F687-4F45-9708-019B960494DF}">
+                <a14:hiddenLine xmlns:a14="http://schemas.microsoft.com/office/drawing/2010/main" w="9525">
+                  <a:solidFill>
+                    <a:srgbClr val="000000"/>
+                  </a:solidFill>
+                  <a:miter lim="800000"/>
+                  <a:headEnd/>
+                  <a:tailEnd/>
+                </a14:hiddenLine>
+              </a:ext>
+            </a:extLst>
+          </p:spPr>
+          <p:txBody>
+            <a:bodyPr wrap="square">
+              <a:spAutoFit/>
+            </a:bodyPr>
+            <a:lstStyle>
+              <a:defPPr>
+                <a:defRPr lang="en-US"/>
+              </a:defPPr>
+              <a:lvl1pPr algn="l" rtl="0" eaLnBrk="0" fontAlgn="base" hangingPunct="0">
+                <a:spcBef>
+                  <a:spcPct val="0"/>
+                </a:spcBef>
+                <a:spcAft>
+                  <a:spcPct val="0"/>
+                </a:spcAft>
+                <a:defRPr kern="1200">
+                  <a:solidFill>
+                    <a:schemeClr val="tx1"/>
+                  </a:solidFill>
+                  <a:latin typeface="Calibri" panose="020F0502020204030204" pitchFamily="34" charset="0"/>
+                  <a:ea typeface="+mn-ea"/>
+                  <a:cs typeface="+mn-cs"/>
+                </a:defRPr>
+              </a:lvl1pPr>
+              <a:lvl2pPr marL="457200" algn="l" rtl="0" eaLnBrk="0" fontAlgn="base" hangingPunct="0">
+                <a:spcBef>
+                  <a:spcPct val="0"/>
+                </a:spcBef>
+                <a:spcAft>
+                  <a:spcPct val="0"/>
+                </a:spcAft>
+                <a:defRPr kern="1200">
+                  <a:solidFill>
+                    <a:schemeClr val="tx1"/>
+                  </a:solidFill>
+                  <a:latin typeface="Calibri" panose="020F0502020204030204" pitchFamily="34" charset="0"/>
+                  <a:ea typeface="+mn-ea"/>
+                  <a:cs typeface="+mn-cs"/>
+                </a:defRPr>
+              </a:lvl2pPr>
+              <a:lvl3pPr marL="914400" algn="l" rtl="0" eaLnBrk="0" fontAlgn="base" hangingPunct="0">
+                <a:spcBef>
+                  <a:spcPct val="0"/>
+                </a:spcBef>
+                <a:spcAft>
+                  <a:spcPct val="0"/>
+                </a:spcAft>
+                <a:defRPr kern="1200">
+                  <a:solidFill>
+                    <a:schemeClr val="tx1"/>
+                  </a:solidFill>
+                  <a:latin typeface="Calibri" panose="020F0502020204030204" pitchFamily="34" charset="0"/>
+                  <a:ea typeface="+mn-ea"/>
+                  <a:cs typeface="+mn-cs"/>
+                </a:defRPr>
+              </a:lvl3pPr>
+              <a:lvl4pPr marL="1371600" algn="l" rtl="0" eaLnBrk="0" fontAlgn="base" hangingPunct="0">
+                <a:spcBef>
+                  <a:spcPct val="0"/>
+                </a:spcBef>
+                <a:spcAft>
+                  <a:spcPct val="0"/>
+                </a:spcAft>
+                <a:defRPr kern="1200">
+                  <a:solidFill>
+                    <a:schemeClr val="tx1"/>
+                  </a:solidFill>
+                  <a:latin typeface="Calibri" panose="020F0502020204030204" pitchFamily="34" charset="0"/>
+                  <a:ea typeface="+mn-ea"/>
+                  <a:cs typeface="+mn-cs"/>
+                </a:defRPr>
+              </a:lvl4pPr>
+              <a:lvl5pPr marL="1828800" algn="l" rtl="0" eaLnBrk="0" fontAlgn="base" hangingPunct="0">
+                <a:spcBef>
+                  <a:spcPct val="0"/>
+                </a:spcBef>
+                <a:spcAft>
+                  <a:spcPct val="0"/>
+                </a:spcAft>
+                <a:defRPr kern="1200">
+                  <a:solidFill>
+                    <a:schemeClr val="tx1"/>
+                  </a:solidFill>
+                  <a:latin typeface="Calibri" panose="020F0502020204030204" pitchFamily="34" charset="0"/>
+                  <a:ea typeface="+mn-ea"/>
+                  <a:cs typeface="+mn-cs"/>
+                </a:defRPr>
+              </a:lvl5pPr>
+              <a:lvl6pPr marL="2286000" algn="l" defTabSz="914400" rtl="0" eaLnBrk="1" latinLnBrk="0" hangingPunct="1">
+                <a:defRPr kern="1200">
+                  <a:solidFill>
+                    <a:schemeClr val="tx1"/>
+                  </a:solidFill>
+                  <a:latin typeface="Calibri" panose="020F0502020204030204" pitchFamily="34" charset="0"/>
+                  <a:ea typeface="+mn-ea"/>
+                  <a:cs typeface="+mn-cs"/>
+                </a:defRPr>
+              </a:lvl6pPr>
+              <a:lvl7pPr marL="2743200" algn="l" defTabSz="914400" rtl="0" eaLnBrk="1" latinLnBrk="0" hangingPunct="1">
+                <a:defRPr kern="1200">
+                  <a:solidFill>
+                    <a:schemeClr val="tx1"/>
+                  </a:solidFill>
+                  <a:latin typeface="Calibri" panose="020F0502020204030204" pitchFamily="34" charset="0"/>
+                  <a:ea typeface="+mn-ea"/>
+                  <a:cs typeface="+mn-cs"/>
+                </a:defRPr>
+              </a:lvl7pPr>
+              <a:lvl8pPr marL="3200400" algn="l" defTabSz="914400" rtl="0" eaLnBrk="1" latinLnBrk="0" hangingPunct="1">
+                <a:defRPr kern="1200">
+                  <a:solidFill>
+                    <a:schemeClr val="tx1"/>
+                  </a:solidFill>
+                  <a:latin typeface="Calibri" panose="020F0502020204030204" pitchFamily="34" charset="0"/>
+                  <a:ea typeface="+mn-ea"/>
+                  <a:cs typeface="+mn-cs"/>
+                </a:defRPr>
+              </a:lvl8pPr>
+              <a:lvl9pPr marL="3657600" algn="l" defTabSz="914400" rtl="0" eaLnBrk="1" latinLnBrk="0" hangingPunct="1">
+                <a:defRPr kern="1200">
+                  <a:solidFill>
+                    <a:schemeClr val="tx1"/>
+                  </a:solidFill>
+                  <a:latin typeface="Calibri" panose="020F0502020204030204" pitchFamily="34" charset="0"/>
+                  <a:ea typeface="+mn-ea"/>
+                  <a:cs typeface="+mn-cs"/>
+                </a:defRPr>
+              </a:lvl9pPr>
+            </a:lstStyle>
+            <a:p>
+              <a:pPr algn="ctr" eaLnBrk="1" hangingPunct="1"/>
+              <a:r>
+                <a:rPr lang="en-US" altLang="en-US" sz="1000" dirty="0">
+                  <a:solidFill>
+                    <a:srgbClr val="232F3E"/>
+                  </a:solidFill>
+                  <a:latin typeface="Arial" panose="020B0604020202020204" pitchFamily="34" charset="0"/>
+                  <a:cs typeface="Arial" panose="020B0604020202020204" pitchFamily="34" charset="0"/>
+                </a:rPr>
+                <a:t>Internet gateway</a:t>
+              </a:r>
+            </a:p>
+          </p:txBody>
+        </p:sp>
+      </p:grpSp>
+      <p:pic>
+        <p:nvPicPr>
+          <p:cNvPr id="15" name="Graphic 37">
+            <a:extLst>
+              <a:ext uri="{FF2B5EF4-FFF2-40B4-BE49-F238E27FC236}">
+                <a16:creationId xmlns:a16="http://schemas.microsoft.com/office/drawing/2014/main" id="{8D8DCB0E-B53F-BBB6-C60F-543D762A5B20}"/>
+              </a:ext>
+            </a:extLst>
+          </p:cNvPr>
+          <p:cNvPicPr>
+            <a:picLocks noChangeAspect="1"/>
+          </p:cNvPicPr>
+          <p:nvPr/>
+        </p:nvPicPr>
+        <p:blipFill>
+          <a:blip r:embed="rId7">
+            <a:extLst>
+              <a:ext uri="{96DAC541-7B7A-43D3-8B79-37D633B846F1}">
+                <asvg:svgBlip xmlns:asvg="http://schemas.microsoft.com/office/drawing/2016/SVG/main" r:embed="rId8"/>
+              </a:ext>
+            </a:extLst>
+          </a:blip>
+          <a:stretch>
+            <a:fillRect/>
+          </a:stretch>
+        </p:blipFill>
+        <p:spPr>
+          <a:xfrm>
+            <a:off x="1997770" y="1561895"/>
+            <a:ext cx="381000" cy="381000"/>
+          </a:xfrm>
+          <a:prstGeom prst="rect">
+            <a:avLst/>
+          </a:prstGeom>
+        </p:spPr>
+      </p:pic>
+      <p:pic>
+        <p:nvPicPr>
+          <p:cNvPr id="16" name="Graphic 25">
+            <a:extLst>
+              <a:ext uri="{FF2B5EF4-FFF2-40B4-BE49-F238E27FC236}">
+                <a16:creationId xmlns:a16="http://schemas.microsoft.com/office/drawing/2014/main" id="{91124833-98E8-0E4B-AC88-36166CA8D9C0}"/>
+              </a:ext>
+            </a:extLst>
+          </p:cNvPr>
+          <p:cNvPicPr>
+            <a:picLocks noChangeAspect="1"/>
+          </p:cNvPicPr>
+          <p:nvPr/>
+        </p:nvPicPr>
+        <p:blipFill>
+          <a:blip r:embed="rId9">
+            <a:extLst>
+              <a:ext uri="{96DAC541-7B7A-43D3-8B79-37D633B846F1}">
+                <asvg:svgBlip xmlns:asvg="http://schemas.microsoft.com/office/drawing/2016/SVG/main" r:embed="rId10"/>
+              </a:ext>
+            </a:extLst>
+          </a:blip>
+          <a:stretch>
+            <a:fillRect/>
+          </a:stretch>
+        </p:blipFill>
+        <p:spPr>
+          <a:xfrm>
+            <a:off x="1521432" y="1211980"/>
+            <a:ext cx="381000" cy="381000"/>
+          </a:xfrm>
+          <a:prstGeom prst="rect">
+            <a:avLst/>
+          </a:prstGeom>
+        </p:spPr>
+      </p:pic>
+      <p:grpSp>
+        <p:nvGrpSpPr>
+          <p:cNvPr id="17" name="그룹 16">
+            <a:extLst>
+              <a:ext uri="{FF2B5EF4-FFF2-40B4-BE49-F238E27FC236}">
+                <a16:creationId xmlns:a16="http://schemas.microsoft.com/office/drawing/2014/main" id="{DBEAAA38-18F2-CDF3-E24B-36A91B297366}"/>
+              </a:ext>
+            </a:extLst>
+          </p:cNvPr>
+          <p:cNvGrpSpPr/>
+          <p:nvPr/>
+        </p:nvGrpSpPr>
+        <p:grpSpPr>
+          <a:xfrm>
+            <a:off x="1526766" y="4255503"/>
+            <a:ext cx="1863662" cy="807220"/>
+            <a:chOff x="6030293" y="4786051"/>
+            <a:chExt cx="1863662" cy="807220"/>
+          </a:xfrm>
+        </p:grpSpPr>
+        <p:pic>
+          <p:nvPicPr>
+            <p:cNvPr id="18" name="Graphic 10">
+              <a:extLst>
+                <a:ext uri="{FF2B5EF4-FFF2-40B4-BE49-F238E27FC236}">
+                  <a16:creationId xmlns:a16="http://schemas.microsoft.com/office/drawing/2014/main" id="{149BF03D-766B-8CF2-0019-FAA6F0C3C36A}"/>
+                </a:ext>
+              </a:extLst>
+            </p:cNvPr>
+            <p:cNvPicPr>
+              <a:picLocks noChangeAspect="1" noChangeArrowheads="1"/>
+            </p:cNvPicPr>
+            <p:nvPr/>
+          </p:nvPicPr>
+          <p:blipFill>
+            <a:blip r:embed="rId11">
+              <a:extLst>
+                <a:ext uri="{28A0092B-C50C-407E-A947-70E740481C1C}">
+                  <a14:useLocalDpi xmlns:a14="http://schemas.microsoft.com/office/drawing/2010/main" val="0"/>
+                </a:ext>
+              </a:extLst>
+            </a:blip>
+            <a:srcRect/>
+            <a:stretch>
+              <a:fillRect/>
+            </a:stretch>
+          </p:blipFill>
+          <p:spPr bwMode="auto">
+            <a:xfrm>
+              <a:off x="6731798" y="4786051"/>
+              <a:ext cx="469900" cy="469900"/>
+            </a:xfrm>
+            <a:prstGeom prst="rect">
+              <a:avLst/>
+            </a:prstGeom>
+            <a:noFill/>
+            <a:ln>
+              <a:noFill/>
+            </a:ln>
+            <a:extLst>
+              <a:ext uri="{909E8E84-426E-40DD-AFC4-6F175D3DCCD1}">
+                <a14:hiddenFill xmlns:a14="http://schemas.microsoft.com/office/drawing/2010/main">
+                  <a:solidFill>
+                    <a:srgbClr val="FFFFFF"/>
+                  </a:solidFill>
+                </a14:hiddenFill>
+              </a:ext>
+              <a:ext uri="{91240B29-F687-4F45-9708-019B960494DF}">
+                <a14:hiddenLine xmlns:a14="http://schemas.microsoft.com/office/drawing/2010/main" w="9525">
+                  <a:solidFill>
+                    <a:srgbClr val="000000"/>
+                  </a:solidFill>
+                  <a:miter lim="800000"/>
+                  <a:headEnd/>
+                  <a:tailEnd/>
+                </a14:hiddenLine>
+              </a:ext>
+            </a:extLst>
+          </p:spPr>
+        </p:pic>
+        <p:sp>
+          <p:nvSpPr>
+            <p:cNvPr id="19" name="TextBox 18">
+              <a:extLst>
+                <a:ext uri="{FF2B5EF4-FFF2-40B4-BE49-F238E27FC236}">
+                  <a16:creationId xmlns:a16="http://schemas.microsoft.com/office/drawing/2014/main" id="{7DA5EDAC-2BFD-1F3B-3691-EAFC632B4CB6}"/>
+                </a:ext>
+              </a:extLst>
+            </p:cNvPr>
+            <p:cNvSpPr txBox="1">
+              <a:spLocks noChangeArrowheads="1"/>
+            </p:cNvSpPr>
+            <p:nvPr/>
+          </p:nvSpPr>
+          <p:spPr bwMode="auto">
+            <a:xfrm>
+              <a:off x="6030293" y="5223939"/>
+              <a:ext cx="1863662" cy="369332"/>
+            </a:xfrm>
+            <a:prstGeom prst="rect">
+              <a:avLst/>
+            </a:prstGeom>
+            <a:noFill/>
+            <a:ln>
+              <a:noFill/>
+            </a:ln>
+            <a:extLst>
+              <a:ext uri="{909E8E84-426E-40DD-AFC4-6F175D3DCCD1}">
+                <a14:hiddenFill xmlns:a14="http://schemas.microsoft.com/office/drawing/2010/main">
+                  <a:solidFill>
+                    <a:srgbClr val="FFFFFF"/>
+                  </a:solidFill>
+                </a14:hiddenFill>
+              </a:ext>
+              <a:ext uri="{91240B29-F687-4F45-9708-019B960494DF}">
+                <a14:hiddenLine xmlns:a14="http://schemas.microsoft.com/office/drawing/2010/main" w="9525">
+                  <a:solidFill>
+                    <a:srgbClr val="000000"/>
+                  </a:solidFill>
+                  <a:miter lim="800000"/>
+                  <a:headEnd/>
+                  <a:tailEnd/>
+                </a14:hiddenLine>
+              </a:ext>
+            </a:extLst>
+          </p:spPr>
+          <p:txBody>
+            <a:bodyPr wrap="square">
+              <a:spAutoFit/>
+            </a:bodyPr>
+            <a:lstStyle>
+              <a:defPPr>
+                <a:defRPr lang="en-US"/>
+              </a:defPPr>
+              <a:lvl1pPr algn="l" rtl="0" eaLnBrk="0" fontAlgn="base" hangingPunct="0">
+                <a:spcBef>
+                  <a:spcPct val="0"/>
+                </a:spcBef>
+                <a:spcAft>
+                  <a:spcPct val="0"/>
+                </a:spcAft>
+                <a:defRPr kern="1200">
+                  <a:solidFill>
+                    <a:schemeClr val="tx1"/>
+                  </a:solidFill>
+                  <a:latin typeface="Calibri" panose="020F0502020204030204" pitchFamily="34" charset="0"/>
+                  <a:ea typeface="+mn-ea"/>
+                  <a:cs typeface="+mn-cs"/>
+                </a:defRPr>
+              </a:lvl1pPr>
+              <a:lvl2pPr marL="457200" algn="l" rtl="0" eaLnBrk="0" fontAlgn="base" hangingPunct="0">
+                <a:spcBef>
+                  <a:spcPct val="0"/>
+                </a:spcBef>
+                <a:spcAft>
+                  <a:spcPct val="0"/>
+                </a:spcAft>
+                <a:defRPr kern="1200">
+                  <a:solidFill>
+                    <a:schemeClr val="tx1"/>
+                  </a:solidFill>
+                  <a:latin typeface="Calibri" panose="020F0502020204030204" pitchFamily="34" charset="0"/>
+                  <a:ea typeface="+mn-ea"/>
+                  <a:cs typeface="+mn-cs"/>
+                </a:defRPr>
+              </a:lvl2pPr>
+              <a:lvl3pPr marL="914400" algn="l" rtl="0" eaLnBrk="0" fontAlgn="base" hangingPunct="0">
+                <a:spcBef>
+                  <a:spcPct val="0"/>
+                </a:spcBef>
+                <a:spcAft>
+                  <a:spcPct val="0"/>
+                </a:spcAft>
+                <a:defRPr kern="1200">
+                  <a:solidFill>
+                    <a:schemeClr val="tx1"/>
+                  </a:solidFill>
+                  <a:latin typeface="Calibri" panose="020F0502020204030204" pitchFamily="34" charset="0"/>
+                  <a:ea typeface="+mn-ea"/>
+                  <a:cs typeface="+mn-cs"/>
+                </a:defRPr>
+              </a:lvl3pPr>
+              <a:lvl4pPr marL="1371600" algn="l" rtl="0" eaLnBrk="0" fontAlgn="base" hangingPunct="0">
+                <a:spcBef>
+                  <a:spcPct val="0"/>
+                </a:spcBef>
+                <a:spcAft>
+                  <a:spcPct val="0"/>
+                </a:spcAft>
+                <a:defRPr kern="1200">
+                  <a:solidFill>
+                    <a:schemeClr val="tx1"/>
+                  </a:solidFill>
+                  <a:latin typeface="Calibri" panose="020F0502020204030204" pitchFamily="34" charset="0"/>
+                  <a:ea typeface="+mn-ea"/>
+                  <a:cs typeface="+mn-cs"/>
+                </a:defRPr>
+              </a:lvl4pPr>
+              <a:lvl5pPr marL="1828800" algn="l" rtl="0" eaLnBrk="0" fontAlgn="base" hangingPunct="0">
+                <a:spcBef>
+                  <a:spcPct val="0"/>
+                </a:spcBef>
+                <a:spcAft>
+                  <a:spcPct val="0"/>
+                </a:spcAft>
+                <a:defRPr kern="1200">
+                  <a:solidFill>
+                    <a:schemeClr val="tx1"/>
+                  </a:solidFill>
+                  <a:latin typeface="Calibri" panose="020F0502020204030204" pitchFamily="34" charset="0"/>
+                  <a:ea typeface="+mn-ea"/>
+                  <a:cs typeface="+mn-cs"/>
+                </a:defRPr>
+              </a:lvl5pPr>
+              <a:lvl6pPr marL="2286000" algn="l" defTabSz="914400" rtl="0" eaLnBrk="1" latinLnBrk="0" hangingPunct="1">
+                <a:defRPr kern="1200">
+                  <a:solidFill>
+                    <a:schemeClr val="tx1"/>
+                  </a:solidFill>
+                  <a:latin typeface="Calibri" panose="020F0502020204030204" pitchFamily="34" charset="0"/>
+                  <a:ea typeface="+mn-ea"/>
+                  <a:cs typeface="+mn-cs"/>
+                </a:defRPr>
+              </a:lvl6pPr>
+              <a:lvl7pPr marL="2743200" algn="l" defTabSz="914400" rtl="0" eaLnBrk="1" latinLnBrk="0" hangingPunct="1">
+                <a:defRPr kern="1200">
+                  <a:solidFill>
+                    <a:schemeClr val="tx1"/>
+                  </a:solidFill>
+                  <a:latin typeface="Calibri" panose="020F0502020204030204" pitchFamily="34" charset="0"/>
+                  <a:ea typeface="+mn-ea"/>
+                  <a:cs typeface="+mn-cs"/>
+                </a:defRPr>
+              </a:lvl7pPr>
+              <a:lvl8pPr marL="3200400" algn="l" defTabSz="914400" rtl="0" eaLnBrk="1" latinLnBrk="0" hangingPunct="1">
+                <a:defRPr kern="1200">
+                  <a:solidFill>
+                    <a:schemeClr val="tx1"/>
+                  </a:solidFill>
+                  <a:latin typeface="Calibri" panose="020F0502020204030204" pitchFamily="34" charset="0"/>
+                  <a:ea typeface="+mn-ea"/>
+                  <a:cs typeface="+mn-cs"/>
+                </a:defRPr>
+              </a:lvl8pPr>
+              <a:lvl9pPr marL="3657600" algn="l" defTabSz="914400" rtl="0" eaLnBrk="1" latinLnBrk="0" hangingPunct="1">
+                <a:defRPr kern="1200">
+                  <a:solidFill>
+                    <a:schemeClr val="tx1"/>
+                  </a:solidFill>
+                  <a:latin typeface="Calibri" panose="020F0502020204030204" pitchFamily="34" charset="0"/>
+                  <a:ea typeface="+mn-ea"/>
+                  <a:cs typeface="+mn-cs"/>
+                </a:defRPr>
+              </a:lvl9pPr>
+            </a:lstStyle>
+            <a:p>
+              <a:pPr algn="ctr" eaLnBrk="1" hangingPunct="1"/>
+              <a:r>
+                <a:rPr lang="en-US" altLang="en-US" sz="900" dirty="0">
+                  <a:latin typeface="Arial" panose="020B0604020202020204" pitchFamily="34" charset="0"/>
+                  <a:cs typeface="Arial" panose="020B0604020202020204" pitchFamily="34" charset="0"/>
+                </a:rPr>
+                <a:t>Amazon S3 </a:t>
+              </a:r>
+            </a:p>
+            <a:p>
+              <a:pPr algn="ctr" eaLnBrk="1" hangingPunct="1"/>
+              <a:r>
+                <a:rPr lang="en-US" altLang="en-US" sz="900" dirty="0">
+                  <a:latin typeface="Arial" panose="020B0604020202020204" pitchFamily="34" charset="0"/>
+                  <a:cs typeface="Arial" panose="020B0604020202020204" pitchFamily="34" charset="0"/>
+                </a:rPr>
+                <a:t>Object</a:t>
+              </a:r>
+            </a:p>
+          </p:txBody>
+        </p:sp>
+      </p:grpSp>
+      <p:sp>
+        <p:nvSpPr>
+          <p:cNvPr id="20" name="TextBox 11">
+            <a:extLst>
+              <a:ext uri="{FF2B5EF4-FFF2-40B4-BE49-F238E27FC236}">
+                <a16:creationId xmlns:a16="http://schemas.microsoft.com/office/drawing/2014/main" id="{79B234BC-2EFD-F053-9D46-AB232FC5F3C3}"/>
+              </a:ext>
+            </a:extLst>
+          </p:cNvPr>
+          <p:cNvSpPr txBox="1">
+            <a:spLocks noChangeArrowheads="1"/>
+          </p:cNvSpPr>
+          <p:nvPr/>
+        </p:nvSpPr>
+        <p:spPr bwMode="auto">
+          <a:xfrm>
+            <a:off x="2110210" y="3367236"/>
+            <a:ext cx="1506537" cy="276999"/>
+          </a:xfrm>
+          <a:prstGeom prst="rect">
+            <a:avLst/>
+          </a:prstGeom>
+          <a:noFill/>
+          <a:ln>
+            <a:noFill/>
+          </a:ln>
+          <a:extLst>
+            <a:ext uri="{909E8E84-426E-40DD-AFC4-6F175D3DCCD1}">
+              <a14:hiddenFill xmlns:a14="http://schemas.microsoft.com/office/drawing/2010/main">
+                <a:solidFill>
+                  <a:srgbClr val="FFFFFF"/>
+                </a:solidFill>
+              </a14:hiddenFill>
+            </a:ext>
+            <a:ext uri="{91240B29-F687-4F45-9708-019B960494DF}">
+              <a14:hiddenLine xmlns:a14="http://schemas.microsoft.com/office/drawing/2010/main" w="9525">
+                <a:solidFill>
+                  <a:srgbClr val="000000"/>
+                </a:solidFill>
+                <a:miter lim="800000"/>
+                <a:headEnd/>
+                <a:tailEnd/>
+              </a14:hiddenLine>
+            </a:ext>
+          </a:extLst>
+        </p:spPr>
+        <p:txBody>
+          <a:bodyPr>
+            <a:spAutoFit/>
+          </a:bodyPr>
+          <a:lstStyle>
+            <a:defPPr>
+              <a:defRPr lang="en-US"/>
+            </a:defPPr>
+            <a:lvl1pPr algn="l" rtl="0" eaLnBrk="0" fontAlgn="base" hangingPunct="0">
+              <a:spcBef>
+                <a:spcPct val="0"/>
+              </a:spcBef>
+              <a:spcAft>
+                <a:spcPct val="0"/>
+              </a:spcAft>
+              <a:defRPr kern="1200">
+                <a:solidFill>
+                  <a:schemeClr val="tx1"/>
+                </a:solidFill>
+                <a:latin typeface="Calibri" panose="020F0502020204030204" pitchFamily="34" charset="0"/>
+                <a:ea typeface="+mn-ea"/>
+                <a:cs typeface="+mn-cs"/>
+              </a:defRPr>
+            </a:lvl1pPr>
+            <a:lvl2pPr marL="457200" algn="l" rtl="0" eaLnBrk="0" fontAlgn="base" hangingPunct="0">
+              <a:spcBef>
+                <a:spcPct val="0"/>
+              </a:spcBef>
+              <a:spcAft>
+                <a:spcPct val="0"/>
+              </a:spcAft>
+              <a:defRPr kern="1200">
+                <a:solidFill>
+                  <a:schemeClr val="tx1"/>
+                </a:solidFill>
+                <a:latin typeface="Calibri" panose="020F0502020204030204" pitchFamily="34" charset="0"/>
+                <a:ea typeface="+mn-ea"/>
+                <a:cs typeface="+mn-cs"/>
+              </a:defRPr>
+            </a:lvl2pPr>
+            <a:lvl3pPr marL="914400" algn="l" rtl="0" eaLnBrk="0" fontAlgn="base" hangingPunct="0">
+              <a:spcBef>
+                <a:spcPct val="0"/>
+              </a:spcBef>
+              <a:spcAft>
+                <a:spcPct val="0"/>
+              </a:spcAft>
+              <a:defRPr kern="1200">
+                <a:solidFill>
+                  <a:schemeClr val="tx1"/>
+                </a:solidFill>
+                <a:latin typeface="Calibri" panose="020F0502020204030204" pitchFamily="34" charset="0"/>
+                <a:ea typeface="+mn-ea"/>
+                <a:cs typeface="+mn-cs"/>
+              </a:defRPr>
+            </a:lvl3pPr>
+            <a:lvl4pPr marL="1371600" algn="l" rtl="0" eaLnBrk="0" fontAlgn="base" hangingPunct="0">
+              <a:spcBef>
+                <a:spcPct val="0"/>
+              </a:spcBef>
+              <a:spcAft>
+                <a:spcPct val="0"/>
+              </a:spcAft>
+              <a:defRPr kern="1200">
+                <a:solidFill>
+                  <a:schemeClr val="tx1"/>
+                </a:solidFill>
+                <a:latin typeface="Calibri" panose="020F0502020204030204" pitchFamily="34" charset="0"/>
+                <a:ea typeface="+mn-ea"/>
+                <a:cs typeface="+mn-cs"/>
+              </a:defRPr>
+            </a:lvl4pPr>
+            <a:lvl5pPr marL="1828800" algn="l" rtl="0" eaLnBrk="0" fontAlgn="base" hangingPunct="0">
+              <a:spcBef>
+                <a:spcPct val="0"/>
+              </a:spcBef>
+              <a:spcAft>
+                <a:spcPct val="0"/>
+              </a:spcAft>
+              <a:defRPr kern="1200">
+                <a:solidFill>
+                  <a:schemeClr val="tx1"/>
+                </a:solidFill>
+                <a:latin typeface="Calibri" panose="020F0502020204030204" pitchFamily="34" charset="0"/>
+                <a:ea typeface="+mn-ea"/>
+                <a:cs typeface="+mn-cs"/>
+              </a:defRPr>
+            </a:lvl5pPr>
+            <a:lvl6pPr marL="2286000" algn="l" defTabSz="914400" rtl="0" eaLnBrk="1" latinLnBrk="0" hangingPunct="1">
+              <a:defRPr kern="1200">
+                <a:solidFill>
+                  <a:schemeClr val="tx1"/>
+                </a:solidFill>
+                <a:latin typeface="Calibri" panose="020F0502020204030204" pitchFamily="34" charset="0"/>
+                <a:ea typeface="+mn-ea"/>
+                <a:cs typeface="+mn-cs"/>
+              </a:defRPr>
+            </a:lvl6pPr>
+            <a:lvl7pPr marL="2743200" algn="l" defTabSz="914400" rtl="0" eaLnBrk="1" latinLnBrk="0" hangingPunct="1">
+              <a:defRPr kern="1200">
+                <a:solidFill>
+                  <a:schemeClr val="tx1"/>
+                </a:solidFill>
+                <a:latin typeface="Calibri" panose="020F0502020204030204" pitchFamily="34" charset="0"/>
+                <a:ea typeface="+mn-ea"/>
+                <a:cs typeface="+mn-cs"/>
+              </a:defRPr>
+            </a:lvl7pPr>
+            <a:lvl8pPr marL="3200400" algn="l" defTabSz="914400" rtl="0" eaLnBrk="1" latinLnBrk="0" hangingPunct="1">
+              <a:defRPr kern="1200">
+                <a:solidFill>
+                  <a:schemeClr val="tx1"/>
+                </a:solidFill>
+                <a:latin typeface="Calibri" panose="020F0502020204030204" pitchFamily="34" charset="0"/>
+                <a:ea typeface="+mn-ea"/>
+                <a:cs typeface="+mn-cs"/>
+              </a:defRPr>
+            </a:lvl8pPr>
+            <a:lvl9pPr marL="3657600" algn="l" defTabSz="914400" rtl="0" eaLnBrk="1" latinLnBrk="0" hangingPunct="1">
+              <a:defRPr kern="1200">
+                <a:solidFill>
+                  <a:schemeClr val="tx1"/>
+                </a:solidFill>
+                <a:latin typeface="Calibri" panose="020F0502020204030204" pitchFamily="34" charset="0"/>
+                <a:ea typeface="+mn-ea"/>
+                <a:cs typeface="+mn-cs"/>
+              </a:defRPr>
+            </a:lvl9pPr>
+          </a:lstStyle>
+          <a:p>
+            <a:pPr algn="ctr" eaLnBrk="1" hangingPunct="1"/>
+            <a:r>
+              <a:rPr lang="en-US" altLang="en-US" sz="1200" dirty="0">
+                <a:latin typeface="Arial" panose="020B0604020202020204" pitchFamily="34" charset="0"/>
+                <a:cs typeface="Arial" panose="020B0604020202020204" pitchFamily="34" charset="0"/>
+              </a:rPr>
+              <a:t>Upload Data</a:t>
+            </a:r>
+          </a:p>
+        </p:txBody>
+      </p:sp>
+      <p:cxnSp>
+        <p:nvCxnSpPr>
+          <p:cNvPr id="21" name="Straight Arrow Connector 20">
+            <a:extLst>
+              <a:ext uri="{FF2B5EF4-FFF2-40B4-BE49-F238E27FC236}">
+                <a16:creationId xmlns:a16="http://schemas.microsoft.com/office/drawing/2014/main" id="{10DCFE53-ED04-BF61-575B-111DEE95C668}"/>
+              </a:ext>
+            </a:extLst>
+          </p:cNvPr>
+          <p:cNvCxnSpPr>
+            <a:cxnSpLocks/>
+          </p:cNvCxnSpPr>
+          <p:nvPr/>
+        </p:nvCxnSpPr>
+        <p:spPr>
+          <a:xfrm flipH="1">
+            <a:off x="5286379" y="2091433"/>
+            <a:ext cx="5270341" cy="12024"/>
+          </a:xfrm>
+          <a:prstGeom prst="straightConnector1">
+            <a:avLst/>
+          </a:prstGeom>
+          <a:ln w="12700">
+            <a:solidFill>
+              <a:schemeClr val="tx2"/>
+            </a:solidFill>
+            <a:headEnd type="none" w="med" len="med"/>
+            <a:tailEnd type="triangle" w="med" len="med"/>
+          </a:ln>
+        </p:spPr>
+        <p:style>
+          <a:lnRef idx="1">
+            <a:schemeClr val="accent1"/>
+          </a:lnRef>
+          <a:fillRef idx="0">
+            <a:schemeClr val="accent1"/>
+          </a:fillRef>
+          <a:effectRef idx="0">
+            <a:schemeClr val="accent1"/>
+          </a:effectRef>
+          <a:fontRef idx="minor">
+            <a:schemeClr val="tx1"/>
+          </a:fontRef>
+        </p:style>
+      </p:cxnSp>
+      <p:grpSp>
+        <p:nvGrpSpPr>
+          <p:cNvPr id="22" name="그룹 21">
+            <a:extLst>
+              <a:ext uri="{FF2B5EF4-FFF2-40B4-BE49-F238E27FC236}">
+                <a16:creationId xmlns:a16="http://schemas.microsoft.com/office/drawing/2014/main" id="{2BA5DD5B-C393-80DE-F4E0-7B0AB1071A81}"/>
+              </a:ext>
+            </a:extLst>
+          </p:cNvPr>
+          <p:cNvGrpSpPr/>
+          <p:nvPr/>
+        </p:nvGrpSpPr>
+        <p:grpSpPr>
+          <a:xfrm>
+            <a:off x="10122803" y="1823134"/>
+            <a:ext cx="1506538" cy="739836"/>
+            <a:chOff x="9556696" y="2121132"/>
+            <a:chExt cx="1506538" cy="739836"/>
+          </a:xfrm>
+        </p:grpSpPr>
+        <p:pic>
+          <p:nvPicPr>
+            <p:cNvPr id="23" name="Graphic 6">
+              <a:extLst>
+                <a:ext uri="{FF2B5EF4-FFF2-40B4-BE49-F238E27FC236}">
+                  <a16:creationId xmlns:a16="http://schemas.microsoft.com/office/drawing/2014/main" id="{36F978AA-B32F-A85E-AD03-8543BA4C18F2}"/>
+                </a:ext>
+              </a:extLst>
+            </p:cNvPr>
+            <p:cNvPicPr>
+              <a:picLocks noChangeAspect="1" noChangeArrowheads="1"/>
+            </p:cNvPicPr>
+            <p:nvPr/>
+          </p:nvPicPr>
+          <p:blipFill>
+            <a:blip r:embed="rId12">
+              <a:extLst>
+                <a:ext uri="{96DAC541-7B7A-43D3-8B79-37D633B846F1}">
+                  <asvg:svgBlip xmlns:asvg="http://schemas.microsoft.com/office/drawing/2016/SVG/main" r:embed="rId13"/>
+                </a:ext>
+              </a:extLst>
+            </a:blip>
+            <a:srcRect/>
+            <a:stretch/>
+          </p:blipFill>
+          <p:spPr bwMode="auto">
+            <a:xfrm flipH="1">
+              <a:off x="10079625" y="2121132"/>
+              <a:ext cx="469900" cy="469900"/>
+            </a:xfrm>
+            <a:prstGeom prst="rect">
+              <a:avLst/>
+            </a:prstGeom>
+            <a:noFill/>
+            <a:ln>
+              <a:noFill/>
+            </a:ln>
+            <a:extLst>
+              <a:ext uri="{909E8E84-426E-40DD-AFC4-6F175D3DCCD1}">
+                <a14:hiddenFill xmlns:a14="http://schemas.microsoft.com/office/drawing/2010/main">
+                  <a:solidFill>
+                    <a:srgbClr val="FFFFFF"/>
+                  </a:solidFill>
+                </a14:hiddenFill>
+              </a:ext>
+              <a:ext uri="{91240B29-F687-4F45-9708-019B960494DF}">
+                <a14:hiddenLine xmlns:a14="http://schemas.microsoft.com/office/drawing/2010/main" w="9525">
+                  <a:solidFill>
+                    <a:srgbClr val="000000"/>
+                  </a:solidFill>
+                  <a:miter lim="800000"/>
+                  <a:headEnd/>
+                  <a:tailEnd/>
+                </a14:hiddenLine>
+              </a:ext>
+            </a:extLst>
+          </p:spPr>
+        </p:pic>
+        <p:sp>
+          <p:nvSpPr>
+            <p:cNvPr id="24" name="TextBox 27">
+              <a:extLst>
+                <a:ext uri="{FF2B5EF4-FFF2-40B4-BE49-F238E27FC236}">
+                  <a16:creationId xmlns:a16="http://schemas.microsoft.com/office/drawing/2014/main" id="{5CA29898-814C-D833-BCC8-EBE7F7D71BF4}"/>
+                </a:ext>
+              </a:extLst>
+            </p:cNvPr>
+            <p:cNvSpPr txBox="1">
+              <a:spLocks noChangeArrowheads="1"/>
+            </p:cNvSpPr>
+            <p:nvPr/>
+          </p:nvSpPr>
+          <p:spPr bwMode="auto">
+            <a:xfrm>
+              <a:off x="9556696" y="2584743"/>
+              <a:ext cx="1506538" cy="276225"/>
+            </a:xfrm>
+            <a:prstGeom prst="rect">
+              <a:avLst/>
+            </a:prstGeom>
+            <a:noFill/>
+            <a:ln>
+              <a:noFill/>
+            </a:ln>
+            <a:extLst>
+              <a:ext uri="{909E8E84-426E-40DD-AFC4-6F175D3DCCD1}">
+                <a14:hiddenFill xmlns:a14="http://schemas.microsoft.com/office/drawing/2010/main">
+                  <a:solidFill>
+                    <a:srgbClr val="FFFFFF"/>
+                  </a:solidFill>
+                </a14:hiddenFill>
+              </a:ext>
+              <a:ext uri="{91240B29-F687-4F45-9708-019B960494DF}">
+                <a14:hiddenLine xmlns:a14="http://schemas.microsoft.com/office/drawing/2010/main" w="9525">
+                  <a:solidFill>
+                    <a:srgbClr val="000000"/>
+                  </a:solidFill>
+                  <a:miter lim="800000"/>
+                  <a:headEnd/>
+                  <a:tailEnd/>
+                </a14:hiddenLine>
+              </a:ext>
+            </a:extLst>
+          </p:spPr>
+          <p:txBody>
+            <a:bodyPr>
+              <a:spAutoFit/>
+            </a:bodyPr>
+            <a:lstStyle>
+              <a:defPPr>
+                <a:defRPr lang="en-US"/>
+              </a:defPPr>
+              <a:lvl1pPr algn="l" rtl="0" eaLnBrk="0" fontAlgn="base" hangingPunct="0">
+                <a:spcBef>
+                  <a:spcPct val="0"/>
+                </a:spcBef>
+                <a:spcAft>
+                  <a:spcPct val="0"/>
+                </a:spcAft>
+                <a:defRPr kern="1200">
+                  <a:solidFill>
+                    <a:schemeClr val="tx1"/>
+                  </a:solidFill>
+                  <a:latin typeface="Calibri" panose="020F0502020204030204" pitchFamily="34" charset="0"/>
+                  <a:ea typeface="+mn-ea"/>
+                  <a:cs typeface="+mn-cs"/>
+                </a:defRPr>
+              </a:lvl1pPr>
+              <a:lvl2pPr marL="457200" algn="l" rtl="0" eaLnBrk="0" fontAlgn="base" hangingPunct="0">
+                <a:spcBef>
+                  <a:spcPct val="0"/>
+                </a:spcBef>
+                <a:spcAft>
+                  <a:spcPct val="0"/>
+                </a:spcAft>
+                <a:defRPr kern="1200">
+                  <a:solidFill>
+                    <a:schemeClr val="tx1"/>
+                  </a:solidFill>
+                  <a:latin typeface="Calibri" panose="020F0502020204030204" pitchFamily="34" charset="0"/>
+                  <a:ea typeface="+mn-ea"/>
+                  <a:cs typeface="+mn-cs"/>
+                </a:defRPr>
+              </a:lvl2pPr>
+              <a:lvl3pPr marL="914400" algn="l" rtl="0" eaLnBrk="0" fontAlgn="base" hangingPunct="0">
+                <a:spcBef>
+                  <a:spcPct val="0"/>
+                </a:spcBef>
+                <a:spcAft>
+                  <a:spcPct val="0"/>
+                </a:spcAft>
+                <a:defRPr kern="1200">
+                  <a:solidFill>
+                    <a:schemeClr val="tx1"/>
+                  </a:solidFill>
+                  <a:latin typeface="Calibri" panose="020F0502020204030204" pitchFamily="34" charset="0"/>
+                  <a:ea typeface="+mn-ea"/>
+                  <a:cs typeface="+mn-cs"/>
+                </a:defRPr>
+              </a:lvl3pPr>
+              <a:lvl4pPr marL="1371600" algn="l" rtl="0" eaLnBrk="0" fontAlgn="base" hangingPunct="0">
+                <a:spcBef>
+                  <a:spcPct val="0"/>
+                </a:spcBef>
+                <a:spcAft>
+                  <a:spcPct val="0"/>
+                </a:spcAft>
+                <a:defRPr kern="1200">
+                  <a:solidFill>
+                    <a:schemeClr val="tx1"/>
+                  </a:solidFill>
+                  <a:latin typeface="Calibri" panose="020F0502020204030204" pitchFamily="34" charset="0"/>
+                  <a:ea typeface="+mn-ea"/>
+                  <a:cs typeface="+mn-cs"/>
+                </a:defRPr>
+              </a:lvl4pPr>
+              <a:lvl5pPr marL="1828800" algn="l" rtl="0" eaLnBrk="0" fontAlgn="base" hangingPunct="0">
+                <a:spcBef>
+                  <a:spcPct val="0"/>
+                </a:spcBef>
+                <a:spcAft>
+                  <a:spcPct val="0"/>
+                </a:spcAft>
+                <a:defRPr kern="1200">
+                  <a:solidFill>
+                    <a:schemeClr val="tx1"/>
+                  </a:solidFill>
+                  <a:latin typeface="Calibri" panose="020F0502020204030204" pitchFamily="34" charset="0"/>
+                  <a:ea typeface="+mn-ea"/>
+                  <a:cs typeface="+mn-cs"/>
+                </a:defRPr>
+              </a:lvl5pPr>
+              <a:lvl6pPr marL="2286000" algn="l" defTabSz="914400" rtl="0" eaLnBrk="1" latinLnBrk="0" hangingPunct="1">
+                <a:defRPr kern="1200">
+                  <a:solidFill>
+                    <a:schemeClr val="tx1"/>
+                  </a:solidFill>
+                  <a:latin typeface="Calibri" panose="020F0502020204030204" pitchFamily="34" charset="0"/>
+                  <a:ea typeface="+mn-ea"/>
+                  <a:cs typeface="+mn-cs"/>
+                </a:defRPr>
+              </a:lvl6pPr>
+              <a:lvl7pPr marL="2743200" algn="l" defTabSz="914400" rtl="0" eaLnBrk="1" latinLnBrk="0" hangingPunct="1">
+                <a:defRPr kern="1200">
+                  <a:solidFill>
+                    <a:schemeClr val="tx1"/>
+                  </a:solidFill>
+                  <a:latin typeface="Calibri" panose="020F0502020204030204" pitchFamily="34" charset="0"/>
+                  <a:ea typeface="+mn-ea"/>
+                  <a:cs typeface="+mn-cs"/>
+                </a:defRPr>
+              </a:lvl7pPr>
+              <a:lvl8pPr marL="3200400" algn="l" defTabSz="914400" rtl="0" eaLnBrk="1" latinLnBrk="0" hangingPunct="1">
+                <a:defRPr kern="1200">
+                  <a:solidFill>
+                    <a:schemeClr val="tx1"/>
+                  </a:solidFill>
+                  <a:latin typeface="Calibri" panose="020F0502020204030204" pitchFamily="34" charset="0"/>
+                  <a:ea typeface="+mn-ea"/>
+                  <a:cs typeface="+mn-cs"/>
+                </a:defRPr>
+              </a:lvl8pPr>
+              <a:lvl9pPr marL="3657600" algn="l" defTabSz="914400" rtl="0" eaLnBrk="1" latinLnBrk="0" hangingPunct="1">
+                <a:defRPr kern="1200">
+                  <a:solidFill>
+                    <a:schemeClr val="tx1"/>
+                  </a:solidFill>
+                  <a:latin typeface="Calibri" panose="020F0502020204030204" pitchFamily="34" charset="0"/>
+                  <a:ea typeface="+mn-ea"/>
+                  <a:cs typeface="+mn-cs"/>
+                </a:defRPr>
+              </a:lvl9pPr>
+            </a:lstStyle>
+            <a:p>
+              <a:pPr algn="ctr" eaLnBrk="1" hangingPunct="1"/>
+              <a:r>
+                <a:rPr lang="en-US" altLang="en-US" sz="1200" i="1" dirty="0">
+                  <a:latin typeface="Arial" panose="020B0604020202020204" pitchFamily="34" charset="0"/>
+                  <a:cs typeface="Arial" panose="020B0604020202020204" pitchFamily="34" charset="0"/>
+                </a:rPr>
+                <a:t>User</a:t>
+              </a:r>
+            </a:p>
+          </p:txBody>
+        </p:sp>
+      </p:grpSp>
+      <p:pic>
+        <p:nvPicPr>
+          <p:cNvPr id="25" name="Picture 14" descr="Docker] docker pause, unpause (stop과 차이점)">
+            <a:extLst>
+              <a:ext uri="{FF2B5EF4-FFF2-40B4-BE49-F238E27FC236}">
+                <a16:creationId xmlns:a16="http://schemas.microsoft.com/office/drawing/2014/main" id="{5B6950FC-2F13-90F3-9166-A6E66D16E488}"/>
+              </a:ext>
+            </a:extLst>
+          </p:cNvPr>
+          <p:cNvPicPr>
+            <a:picLocks noChangeAspect="1" noChangeArrowheads="1"/>
+          </p:cNvPicPr>
+          <p:nvPr/>
+        </p:nvPicPr>
+        <p:blipFill>
+          <a:blip r:embed="rId14">
+            <a:extLst>
+              <a:ext uri="{28A0092B-C50C-407E-A947-70E740481C1C}">
+                <a14:useLocalDpi xmlns:a14="http://schemas.microsoft.com/office/drawing/2010/main" val="0"/>
+              </a:ext>
+            </a:extLst>
+          </a:blip>
+          <a:srcRect/>
+          <a:stretch>
+            <a:fillRect/>
+          </a:stretch>
+        </p:blipFill>
+        <p:spPr bwMode="auto">
+          <a:xfrm>
+            <a:off x="4409025" y="2857564"/>
+            <a:ext cx="556074" cy="475691"/>
+          </a:xfrm>
+          <a:prstGeom prst="rect">
+            <a:avLst/>
+          </a:prstGeom>
+          <a:noFill/>
+          <a:extLst>
+            <a:ext uri="{909E8E84-426E-40DD-AFC4-6F175D3DCCD1}">
+              <a14:hiddenFill xmlns:a14="http://schemas.microsoft.com/office/drawing/2010/main">
+                <a:solidFill>
+                  <a:srgbClr val="FFFFFF"/>
+                </a:solidFill>
+              </a14:hiddenFill>
+            </a:ext>
+          </a:extLst>
+        </p:spPr>
+      </p:pic>
+      <p:grpSp>
+        <p:nvGrpSpPr>
+          <p:cNvPr id="26" name="그룹 25">
+            <a:extLst>
+              <a:ext uri="{FF2B5EF4-FFF2-40B4-BE49-F238E27FC236}">
+                <a16:creationId xmlns:a16="http://schemas.microsoft.com/office/drawing/2014/main" id="{B0769B73-010A-8B9B-E752-BB69EDC6DA01}"/>
+              </a:ext>
+            </a:extLst>
+          </p:cNvPr>
+          <p:cNvGrpSpPr/>
+          <p:nvPr/>
+        </p:nvGrpSpPr>
+        <p:grpSpPr>
+          <a:xfrm>
+            <a:off x="3301503" y="4328315"/>
+            <a:ext cx="919001" cy="591804"/>
+            <a:chOff x="1927481" y="5063732"/>
+            <a:chExt cx="919001" cy="591804"/>
+          </a:xfrm>
+        </p:grpSpPr>
+        <p:pic>
+          <p:nvPicPr>
+            <p:cNvPr id="27" name="Graphic 10">
+              <a:extLst>
+                <a:ext uri="{FF2B5EF4-FFF2-40B4-BE49-F238E27FC236}">
+                  <a16:creationId xmlns:a16="http://schemas.microsoft.com/office/drawing/2014/main" id="{9EDE4EC6-967F-A55F-3D65-DD1CB7D1F037}"/>
+                </a:ext>
+              </a:extLst>
+            </p:cNvPr>
+            <p:cNvPicPr>
+              <a:picLocks noChangeAspect="1" noChangeArrowheads="1"/>
+            </p:cNvPicPr>
+            <p:nvPr/>
+          </p:nvPicPr>
+          <p:blipFill>
+            <a:blip r:embed="rId15">
+              <a:extLst>
+                <a:ext uri="{96DAC541-7B7A-43D3-8B79-37D633B846F1}">
+                  <asvg:svgBlip xmlns:asvg="http://schemas.microsoft.com/office/drawing/2016/SVG/main" r:embed="rId16"/>
+                </a:ext>
+              </a:extLst>
+            </a:blip>
+            <a:srcRect/>
+            <a:stretch/>
+          </p:blipFill>
+          <p:spPr bwMode="auto">
+            <a:xfrm>
+              <a:off x="2182970" y="5063732"/>
+              <a:ext cx="351967" cy="351967"/>
+            </a:xfrm>
+            <a:prstGeom prst="rect">
+              <a:avLst/>
+            </a:prstGeom>
+            <a:noFill/>
+            <a:ln>
+              <a:noFill/>
+            </a:ln>
+            <a:extLst>
+              <a:ext uri="{909E8E84-426E-40DD-AFC4-6F175D3DCCD1}">
+                <a14:hiddenFill xmlns:a14="http://schemas.microsoft.com/office/drawing/2010/main">
+                  <a:solidFill>
+                    <a:srgbClr val="FFFFFF"/>
+                  </a:solidFill>
+                </a14:hiddenFill>
+              </a:ext>
+              <a:ext uri="{91240B29-F687-4F45-9708-019B960494DF}">
+                <a14:hiddenLine xmlns:a14="http://schemas.microsoft.com/office/drawing/2010/main" w="9525">
+                  <a:solidFill>
+                    <a:srgbClr val="000000"/>
+                  </a:solidFill>
+                  <a:miter lim="800000"/>
+                  <a:headEnd/>
+                  <a:tailEnd/>
+                </a14:hiddenLine>
+              </a:ext>
+            </a:extLst>
+          </p:spPr>
+        </p:pic>
+        <p:sp>
+          <p:nvSpPr>
+            <p:cNvPr id="28" name="TextBox 20">
+              <a:extLst>
+                <a:ext uri="{FF2B5EF4-FFF2-40B4-BE49-F238E27FC236}">
+                  <a16:creationId xmlns:a16="http://schemas.microsoft.com/office/drawing/2014/main" id="{F50A4EA3-2A87-FE18-7FA9-83FCF21C3E41}"/>
+                </a:ext>
+              </a:extLst>
+            </p:cNvPr>
+            <p:cNvSpPr txBox="1">
+              <a:spLocks noChangeArrowheads="1"/>
+            </p:cNvSpPr>
+            <p:nvPr/>
+          </p:nvSpPr>
+          <p:spPr bwMode="auto">
+            <a:xfrm>
+              <a:off x="1927481" y="5424704"/>
+              <a:ext cx="919001" cy="230832"/>
+            </a:xfrm>
+            <a:prstGeom prst="rect">
+              <a:avLst/>
+            </a:prstGeom>
+            <a:noFill/>
+            <a:ln>
+              <a:noFill/>
+            </a:ln>
+            <a:extLst>
+              <a:ext uri="{909E8E84-426E-40DD-AFC4-6F175D3DCCD1}">
+                <a14:hiddenFill xmlns:a14="http://schemas.microsoft.com/office/drawing/2010/main">
+                  <a:solidFill>
+                    <a:srgbClr val="FFFFFF"/>
+                  </a:solidFill>
+                </a14:hiddenFill>
+              </a:ext>
+              <a:ext uri="{91240B29-F687-4F45-9708-019B960494DF}">
+                <a14:hiddenLine xmlns:a14="http://schemas.microsoft.com/office/drawing/2010/main" w="9525">
+                  <a:solidFill>
+                    <a:srgbClr val="000000"/>
+                  </a:solidFill>
+                  <a:miter lim="800000"/>
+                  <a:headEnd/>
+                  <a:tailEnd/>
+                </a14:hiddenLine>
+              </a:ext>
+            </a:extLst>
+          </p:spPr>
+          <p:txBody>
+            <a:bodyPr wrap="square">
+              <a:spAutoFit/>
+            </a:bodyPr>
+            <a:lstStyle>
+              <a:lvl1pPr>
+                <a:defRPr>
+                  <a:solidFill>
+                    <a:schemeClr val="tx1"/>
+                  </a:solidFill>
+                  <a:latin typeface="Calibri" panose="020F0502020204030204" pitchFamily="34" charset="0"/>
+                </a:defRPr>
+              </a:lvl1pPr>
+              <a:lvl2pPr marL="742950" indent="-285750">
+                <a:defRPr>
+                  <a:solidFill>
+                    <a:schemeClr val="tx1"/>
+                  </a:solidFill>
+                  <a:latin typeface="Calibri" panose="020F0502020204030204" pitchFamily="34" charset="0"/>
+                </a:defRPr>
+              </a:lvl2pPr>
+              <a:lvl3pPr marL="1143000" indent="-228600">
+                <a:defRPr>
+                  <a:solidFill>
+                    <a:schemeClr val="tx1"/>
+                  </a:solidFill>
+                  <a:latin typeface="Calibri" panose="020F0502020204030204" pitchFamily="34" charset="0"/>
+                </a:defRPr>
+              </a:lvl3pPr>
+              <a:lvl4pPr marL="1600200" indent="-228600">
+                <a:defRPr>
+                  <a:solidFill>
+                    <a:schemeClr val="tx1"/>
+                  </a:solidFill>
+                  <a:latin typeface="Calibri" panose="020F0502020204030204" pitchFamily="34" charset="0"/>
+                </a:defRPr>
+              </a:lvl4pPr>
+              <a:lvl5pPr marL="2057400" indent="-228600">
+                <a:defRPr>
+                  <a:solidFill>
+                    <a:schemeClr val="tx1"/>
+                  </a:solidFill>
+                  <a:latin typeface="Calibri" panose="020F0502020204030204" pitchFamily="34" charset="0"/>
+                </a:defRPr>
+              </a:lvl5pPr>
+              <a:lvl6pPr marL="2514600" indent="-228600" eaLnBrk="0" fontAlgn="base" hangingPunct="0">
+                <a:spcBef>
+                  <a:spcPct val="0"/>
+                </a:spcBef>
+                <a:spcAft>
+                  <a:spcPct val="0"/>
+                </a:spcAft>
+                <a:defRPr>
+                  <a:solidFill>
+                    <a:schemeClr val="tx1"/>
+                  </a:solidFill>
+                  <a:latin typeface="Calibri" panose="020F0502020204030204" pitchFamily="34" charset="0"/>
+                </a:defRPr>
+              </a:lvl6pPr>
+              <a:lvl7pPr marL="2971800" indent="-228600" eaLnBrk="0" fontAlgn="base" hangingPunct="0">
+                <a:spcBef>
+                  <a:spcPct val="0"/>
+                </a:spcBef>
+                <a:spcAft>
+                  <a:spcPct val="0"/>
+                </a:spcAft>
+                <a:defRPr>
+                  <a:solidFill>
+                    <a:schemeClr val="tx1"/>
+                  </a:solidFill>
+                  <a:latin typeface="Calibri" panose="020F0502020204030204" pitchFamily="34" charset="0"/>
+                </a:defRPr>
+              </a:lvl7pPr>
+              <a:lvl8pPr marL="3429000" indent="-228600" eaLnBrk="0" fontAlgn="base" hangingPunct="0">
+                <a:spcBef>
+                  <a:spcPct val="0"/>
+                </a:spcBef>
+                <a:spcAft>
+                  <a:spcPct val="0"/>
+                </a:spcAft>
+                <a:defRPr>
+                  <a:solidFill>
+                    <a:schemeClr val="tx1"/>
+                  </a:solidFill>
+                  <a:latin typeface="Calibri" panose="020F0502020204030204" pitchFamily="34" charset="0"/>
+                </a:defRPr>
+              </a:lvl8pPr>
+              <a:lvl9pPr marL="3886200" indent="-228600" eaLnBrk="0" fontAlgn="base" hangingPunct="0">
+                <a:spcBef>
+                  <a:spcPct val="0"/>
+                </a:spcBef>
+                <a:spcAft>
+                  <a:spcPct val="0"/>
+                </a:spcAft>
+                <a:defRPr>
+                  <a:solidFill>
+                    <a:schemeClr val="tx1"/>
+                  </a:solidFill>
+                  <a:latin typeface="Calibri" panose="020F0502020204030204" pitchFamily="34" charset="0"/>
+                </a:defRPr>
+              </a:lvl9pPr>
+            </a:lstStyle>
+            <a:p>
+              <a:pPr algn="ctr" eaLnBrk="1" hangingPunct="1"/>
+              <a:r>
+                <a:rPr lang="en-US" altLang="en-US" sz="900" dirty="0">
+                  <a:latin typeface="Arial" panose="020B0604020202020204" pitchFamily="34" charset="0"/>
+                  <a:ea typeface="Amazon Ember" panose="020B0603020204020204" pitchFamily="34" charset="0"/>
+                  <a:cs typeface="Arial" panose="020B0604020202020204" pitchFamily="34" charset="0"/>
+                </a:rPr>
+                <a:t>AWS Lambda</a:t>
+              </a:r>
+            </a:p>
+          </p:txBody>
+        </p:sp>
+      </p:grpSp>
+      <p:sp>
+        <p:nvSpPr>
+          <p:cNvPr id="29" name="TextBox 11">
+            <a:extLst>
+              <a:ext uri="{FF2B5EF4-FFF2-40B4-BE49-F238E27FC236}">
+                <a16:creationId xmlns:a16="http://schemas.microsoft.com/office/drawing/2014/main" id="{C3085DE6-1C90-7D53-9662-D9C6969B1821}"/>
+              </a:ext>
+            </a:extLst>
+          </p:cNvPr>
+          <p:cNvSpPr txBox="1">
+            <a:spLocks noChangeArrowheads="1"/>
+          </p:cNvSpPr>
+          <p:nvPr/>
+        </p:nvSpPr>
+        <p:spPr bwMode="auto">
+          <a:xfrm>
+            <a:off x="3270578" y="4082084"/>
+            <a:ext cx="958918" cy="246221"/>
+          </a:xfrm>
+          <a:prstGeom prst="rect">
+            <a:avLst/>
+          </a:prstGeom>
+          <a:noFill/>
+          <a:ln>
+            <a:noFill/>
+          </a:ln>
+          <a:extLst>
+            <a:ext uri="{909E8E84-426E-40DD-AFC4-6F175D3DCCD1}">
+              <a14:hiddenFill xmlns:a14="http://schemas.microsoft.com/office/drawing/2010/main">
+                <a:solidFill>
+                  <a:srgbClr val="FFFFFF"/>
+                </a:solidFill>
+              </a14:hiddenFill>
+            </a:ext>
+            <a:ext uri="{91240B29-F687-4F45-9708-019B960494DF}">
+              <a14:hiddenLine xmlns:a14="http://schemas.microsoft.com/office/drawing/2010/main" w="9525">
+                <a:solidFill>
+                  <a:srgbClr val="000000"/>
+                </a:solidFill>
+                <a:miter lim="800000"/>
+                <a:headEnd/>
+                <a:tailEnd/>
+              </a14:hiddenLine>
+            </a:ext>
+          </a:extLst>
+        </p:spPr>
+        <p:txBody>
+          <a:bodyPr wrap="square">
+            <a:spAutoFit/>
+          </a:bodyPr>
+          <a:lstStyle>
+            <a:defPPr>
+              <a:defRPr lang="en-US"/>
+            </a:defPPr>
+            <a:lvl1pPr algn="l" rtl="0" eaLnBrk="0" fontAlgn="base" hangingPunct="0">
+              <a:spcBef>
+                <a:spcPct val="0"/>
+              </a:spcBef>
+              <a:spcAft>
+                <a:spcPct val="0"/>
+              </a:spcAft>
+              <a:defRPr kern="1200">
+                <a:solidFill>
+                  <a:schemeClr val="tx1"/>
+                </a:solidFill>
+                <a:latin typeface="Calibri" panose="020F0502020204030204" pitchFamily="34" charset="0"/>
+                <a:ea typeface="+mn-ea"/>
+                <a:cs typeface="+mn-cs"/>
+              </a:defRPr>
+            </a:lvl1pPr>
+            <a:lvl2pPr marL="457200" algn="l" rtl="0" eaLnBrk="0" fontAlgn="base" hangingPunct="0">
+              <a:spcBef>
+                <a:spcPct val="0"/>
+              </a:spcBef>
+              <a:spcAft>
+                <a:spcPct val="0"/>
+              </a:spcAft>
+              <a:defRPr kern="1200">
+                <a:solidFill>
+                  <a:schemeClr val="tx1"/>
+                </a:solidFill>
+                <a:latin typeface="Calibri" panose="020F0502020204030204" pitchFamily="34" charset="0"/>
+                <a:ea typeface="+mn-ea"/>
+                <a:cs typeface="+mn-cs"/>
+              </a:defRPr>
+            </a:lvl2pPr>
+            <a:lvl3pPr marL="914400" algn="l" rtl="0" eaLnBrk="0" fontAlgn="base" hangingPunct="0">
+              <a:spcBef>
+                <a:spcPct val="0"/>
+              </a:spcBef>
+              <a:spcAft>
+                <a:spcPct val="0"/>
+              </a:spcAft>
+              <a:defRPr kern="1200">
+                <a:solidFill>
+                  <a:schemeClr val="tx1"/>
+                </a:solidFill>
+                <a:latin typeface="Calibri" panose="020F0502020204030204" pitchFamily="34" charset="0"/>
+                <a:ea typeface="+mn-ea"/>
+                <a:cs typeface="+mn-cs"/>
+              </a:defRPr>
+            </a:lvl3pPr>
+            <a:lvl4pPr marL="1371600" algn="l" rtl="0" eaLnBrk="0" fontAlgn="base" hangingPunct="0">
+              <a:spcBef>
+                <a:spcPct val="0"/>
+              </a:spcBef>
+              <a:spcAft>
+                <a:spcPct val="0"/>
+              </a:spcAft>
+              <a:defRPr kern="1200">
+                <a:solidFill>
+                  <a:schemeClr val="tx1"/>
+                </a:solidFill>
+                <a:latin typeface="Calibri" panose="020F0502020204030204" pitchFamily="34" charset="0"/>
+                <a:ea typeface="+mn-ea"/>
+                <a:cs typeface="+mn-cs"/>
+              </a:defRPr>
+            </a:lvl4pPr>
+            <a:lvl5pPr marL="1828800" algn="l" rtl="0" eaLnBrk="0" fontAlgn="base" hangingPunct="0">
+              <a:spcBef>
+                <a:spcPct val="0"/>
+              </a:spcBef>
+              <a:spcAft>
+                <a:spcPct val="0"/>
+              </a:spcAft>
+              <a:defRPr kern="1200">
+                <a:solidFill>
+                  <a:schemeClr val="tx1"/>
+                </a:solidFill>
+                <a:latin typeface="Calibri" panose="020F0502020204030204" pitchFamily="34" charset="0"/>
+                <a:ea typeface="+mn-ea"/>
+                <a:cs typeface="+mn-cs"/>
+              </a:defRPr>
+            </a:lvl5pPr>
+            <a:lvl6pPr marL="2286000" algn="l" defTabSz="914400" rtl="0" eaLnBrk="1" latinLnBrk="0" hangingPunct="1">
+              <a:defRPr kern="1200">
+                <a:solidFill>
+                  <a:schemeClr val="tx1"/>
+                </a:solidFill>
+                <a:latin typeface="Calibri" panose="020F0502020204030204" pitchFamily="34" charset="0"/>
+                <a:ea typeface="+mn-ea"/>
+                <a:cs typeface="+mn-cs"/>
+              </a:defRPr>
+            </a:lvl6pPr>
+            <a:lvl7pPr marL="2743200" algn="l" defTabSz="914400" rtl="0" eaLnBrk="1" latinLnBrk="0" hangingPunct="1">
+              <a:defRPr kern="1200">
+                <a:solidFill>
+                  <a:schemeClr val="tx1"/>
+                </a:solidFill>
+                <a:latin typeface="Calibri" panose="020F0502020204030204" pitchFamily="34" charset="0"/>
+                <a:ea typeface="+mn-ea"/>
+                <a:cs typeface="+mn-cs"/>
+              </a:defRPr>
+            </a:lvl7pPr>
+            <a:lvl8pPr marL="3200400" algn="l" defTabSz="914400" rtl="0" eaLnBrk="1" latinLnBrk="0" hangingPunct="1">
+              <a:defRPr kern="1200">
+                <a:solidFill>
+                  <a:schemeClr val="tx1"/>
+                </a:solidFill>
+                <a:latin typeface="Calibri" panose="020F0502020204030204" pitchFamily="34" charset="0"/>
+                <a:ea typeface="+mn-ea"/>
+                <a:cs typeface="+mn-cs"/>
+              </a:defRPr>
+            </a:lvl8pPr>
+            <a:lvl9pPr marL="3657600" algn="l" defTabSz="914400" rtl="0" eaLnBrk="1" latinLnBrk="0" hangingPunct="1">
+              <a:defRPr kern="1200">
+                <a:solidFill>
+                  <a:schemeClr val="tx1"/>
+                </a:solidFill>
+                <a:latin typeface="Calibri" panose="020F0502020204030204" pitchFamily="34" charset="0"/>
+                <a:ea typeface="+mn-ea"/>
+                <a:cs typeface="+mn-cs"/>
+              </a:defRPr>
+            </a:lvl9pPr>
+          </a:lstStyle>
+          <a:p>
+            <a:pPr algn="ctr" eaLnBrk="1" hangingPunct="1"/>
+            <a:r>
+              <a:rPr lang="en-US" altLang="en-US" sz="1000" dirty="0">
+                <a:latin typeface="Arial" panose="020B0604020202020204" pitchFamily="34" charset="0"/>
+                <a:cs typeface="Arial" panose="020B0604020202020204" pitchFamily="34" charset="0"/>
+              </a:rPr>
+              <a:t>Validation</a:t>
+            </a:r>
+          </a:p>
+        </p:txBody>
+      </p:sp>
+      <p:grpSp>
+        <p:nvGrpSpPr>
+          <p:cNvPr id="30" name="그룹 29">
+            <a:extLst>
+              <a:ext uri="{FF2B5EF4-FFF2-40B4-BE49-F238E27FC236}">
+                <a16:creationId xmlns:a16="http://schemas.microsoft.com/office/drawing/2014/main" id="{CE5F37F7-D19F-EFCB-75DB-55D6B20BDD2C}"/>
+              </a:ext>
+            </a:extLst>
+          </p:cNvPr>
+          <p:cNvGrpSpPr/>
+          <p:nvPr/>
+        </p:nvGrpSpPr>
+        <p:grpSpPr>
+          <a:xfrm>
+            <a:off x="2061268" y="5260979"/>
+            <a:ext cx="1651923" cy="696783"/>
+            <a:chOff x="1268054" y="2093261"/>
+            <a:chExt cx="1651923" cy="696783"/>
+          </a:xfrm>
+        </p:grpSpPr>
+        <p:pic>
+          <p:nvPicPr>
+            <p:cNvPr id="31" name="Graphic 17">
+              <a:extLst>
+                <a:ext uri="{FF2B5EF4-FFF2-40B4-BE49-F238E27FC236}">
+                  <a16:creationId xmlns:a16="http://schemas.microsoft.com/office/drawing/2014/main" id="{E7852A91-A0C9-AC61-D5DF-D05720C67461}"/>
+                </a:ext>
+              </a:extLst>
+            </p:cNvPr>
+            <p:cNvPicPr>
+              <a:picLocks noChangeAspect="1" noChangeArrowheads="1"/>
+            </p:cNvPicPr>
+            <p:nvPr/>
+          </p:nvPicPr>
+          <p:blipFill>
+            <a:blip r:embed="rId17">
+              <a:extLst>
+                <a:ext uri="{96DAC541-7B7A-43D3-8B79-37D633B846F1}">
+                  <asvg:svgBlip xmlns:asvg="http://schemas.microsoft.com/office/drawing/2016/SVG/main" r:embed="rId18"/>
+                </a:ext>
+              </a:extLst>
+            </a:blip>
+            <a:srcRect/>
+            <a:stretch/>
+          </p:blipFill>
+          <p:spPr bwMode="auto">
+            <a:xfrm>
+              <a:off x="1847675" y="2093261"/>
+              <a:ext cx="492682" cy="492682"/>
+            </a:xfrm>
+            <a:prstGeom prst="rect">
+              <a:avLst/>
+            </a:prstGeom>
+            <a:noFill/>
+            <a:ln>
+              <a:noFill/>
+            </a:ln>
+            <a:extLst>
+              <a:ext uri="{909E8E84-426E-40DD-AFC4-6F175D3DCCD1}">
+                <a14:hiddenFill xmlns:a14="http://schemas.microsoft.com/office/drawing/2010/main">
+                  <a:solidFill>
+                    <a:srgbClr val="FFFFFF"/>
+                  </a:solidFill>
+                </a14:hiddenFill>
+              </a:ext>
+              <a:ext uri="{91240B29-F687-4F45-9708-019B960494DF}">
+                <a14:hiddenLine xmlns:a14="http://schemas.microsoft.com/office/drawing/2010/main" w="9525">
+                  <a:solidFill>
+                    <a:srgbClr val="000000"/>
+                  </a:solidFill>
+                  <a:miter lim="800000"/>
+                  <a:headEnd/>
+                  <a:tailEnd/>
+                </a14:hiddenLine>
+              </a:ext>
+            </a:extLst>
+          </p:spPr>
+        </p:pic>
+        <p:sp>
+          <p:nvSpPr>
+            <p:cNvPr id="32" name="TextBox 9">
+              <a:extLst>
+                <a:ext uri="{FF2B5EF4-FFF2-40B4-BE49-F238E27FC236}">
+                  <a16:creationId xmlns:a16="http://schemas.microsoft.com/office/drawing/2014/main" id="{108B7DA7-981C-5306-DC0A-1DE6B441FDC1}"/>
+                </a:ext>
+              </a:extLst>
+            </p:cNvPr>
+            <p:cNvSpPr txBox="1">
+              <a:spLocks noChangeArrowheads="1"/>
+            </p:cNvSpPr>
+            <p:nvPr/>
+          </p:nvSpPr>
+          <p:spPr bwMode="auto">
+            <a:xfrm>
+              <a:off x="1268054" y="2559212"/>
+              <a:ext cx="1651923" cy="230832"/>
+            </a:xfrm>
+            <a:prstGeom prst="rect">
+              <a:avLst/>
+            </a:prstGeom>
+            <a:noFill/>
+            <a:ln>
+              <a:noFill/>
+            </a:ln>
+            <a:extLst>
+              <a:ext uri="{909E8E84-426E-40DD-AFC4-6F175D3DCCD1}">
+                <a14:hiddenFill xmlns:a14="http://schemas.microsoft.com/office/drawing/2010/main">
+                  <a:solidFill>
+                    <a:srgbClr val="FFFFFF"/>
+                  </a:solidFill>
+                </a14:hiddenFill>
+              </a:ext>
+              <a:ext uri="{91240B29-F687-4F45-9708-019B960494DF}">
+                <a14:hiddenLine xmlns:a14="http://schemas.microsoft.com/office/drawing/2010/main" w="9525">
+                  <a:solidFill>
+                    <a:srgbClr val="000000"/>
+                  </a:solidFill>
+                  <a:miter lim="800000"/>
+                  <a:headEnd/>
+                  <a:tailEnd/>
+                </a14:hiddenLine>
+              </a:ext>
+            </a:extLst>
+          </p:spPr>
+          <p:txBody>
+            <a:bodyPr wrap="square">
+              <a:spAutoFit/>
+            </a:bodyPr>
+            <a:lstStyle>
+              <a:lvl1pPr>
+                <a:defRPr>
+                  <a:solidFill>
+                    <a:schemeClr val="tx1"/>
+                  </a:solidFill>
+                  <a:latin typeface="Calibri" panose="020F0502020204030204" pitchFamily="34" charset="0"/>
+                </a:defRPr>
+              </a:lvl1pPr>
+              <a:lvl2pPr marL="742950" indent="-285750">
+                <a:defRPr>
+                  <a:solidFill>
+                    <a:schemeClr val="tx1"/>
+                  </a:solidFill>
+                  <a:latin typeface="Calibri" panose="020F0502020204030204" pitchFamily="34" charset="0"/>
+                </a:defRPr>
+              </a:lvl2pPr>
+              <a:lvl3pPr marL="1143000" indent="-228600">
+                <a:defRPr>
+                  <a:solidFill>
+                    <a:schemeClr val="tx1"/>
+                  </a:solidFill>
+                  <a:latin typeface="Calibri" panose="020F0502020204030204" pitchFamily="34" charset="0"/>
+                </a:defRPr>
+              </a:lvl3pPr>
+              <a:lvl4pPr marL="1600200" indent="-228600">
+                <a:defRPr>
+                  <a:solidFill>
+                    <a:schemeClr val="tx1"/>
+                  </a:solidFill>
+                  <a:latin typeface="Calibri" panose="020F0502020204030204" pitchFamily="34" charset="0"/>
+                </a:defRPr>
+              </a:lvl4pPr>
+              <a:lvl5pPr marL="2057400" indent="-228600">
+                <a:defRPr>
+                  <a:solidFill>
+                    <a:schemeClr val="tx1"/>
+                  </a:solidFill>
+                  <a:latin typeface="Calibri" panose="020F0502020204030204" pitchFamily="34" charset="0"/>
+                </a:defRPr>
+              </a:lvl5pPr>
+              <a:lvl6pPr marL="2514600" indent="-228600" eaLnBrk="0" fontAlgn="base" hangingPunct="0">
+                <a:spcBef>
+                  <a:spcPct val="0"/>
+                </a:spcBef>
+                <a:spcAft>
+                  <a:spcPct val="0"/>
+                </a:spcAft>
+                <a:defRPr>
+                  <a:solidFill>
+                    <a:schemeClr val="tx1"/>
+                  </a:solidFill>
+                  <a:latin typeface="Calibri" panose="020F0502020204030204" pitchFamily="34" charset="0"/>
+                </a:defRPr>
+              </a:lvl6pPr>
+              <a:lvl7pPr marL="2971800" indent="-228600" eaLnBrk="0" fontAlgn="base" hangingPunct="0">
+                <a:spcBef>
+                  <a:spcPct val="0"/>
+                </a:spcBef>
+                <a:spcAft>
+                  <a:spcPct val="0"/>
+                </a:spcAft>
+                <a:defRPr>
+                  <a:solidFill>
+                    <a:schemeClr val="tx1"/>
+                  </a:solidFill>
+                  <a:latin typeface="Calibri" panose="020F0502020204030204" pitchFamily="34" charset="0"/>
+                </a:defRPr>
+              </a:lvl7pPr>
+              <a:lvl8pPr marL="3429000" indent="-228600" eaLnBrk="0" fontAlgn="base" hangingPunct="0">
+                <a:spcBef>
+                  <a:spcPct val="0"/>
+                </a:spcBef>
+                <a:spcAft>
+                  <a:spcPct val="0"/>
+                </a:spcAft>
+                <a:defRPr>
+                  <a:solidFill>
+                    <a:schemeClr val="tx1"/>
+                  </a:solidFill>
+                  <a:latin typeface="Calibri" panose="020F0502020204030204" pitchFamily="34" charset="0"/>
+                </a:defRPr>
+              </a:lvl8pPr>
+              <a:lvl9pPr marL="3886200" indent="-228600" eaLnBrk="0" fontAlgn="base" hangingPunct="0">
+                <a:spcBef>
+                  <a:spcPct val="0"/>
+                </a:spcBef>
+                <a:spcAft>
+                  <a:spcPct val="0"/>
+                </a:spcAft>
+                <a:defRPr>
+                  <a:solidFill>
+                    <a:schemeClr val="tx1"/>
+                  </a:solidFill>
+                  <a:latin typeface="Calibri" panose="020F0502020204030204" pitchFamily="34" charset="0"/>
+                </a:defRPr>
+              </a:lvl9pPr>
+            </a:lstStyle>
+            <a:p>
+              <a:pPr algn="ctr" eaLnBrk="1" hangingPunct="1"/>
+              <a:r>
+                <a:rPr lang="en-US" altLang="en-US" sz="900" dirty="0">
+                  <a:latin typeface="Arial" panose="020B0604020202020204" pitchFamily="34" charset="0"/>
+                  <a:ea typeface="Amazon Ember" panose="020B0603020204020204" pitchFamily="34" charset="0"/>
+                  <a:cs typeface="Arial" panose="020B0604020202020204" pitchFamily="34" charset="0"/>
+                </a:rPr>
+                <a:t>Amazon CloudWatch</a:t>
+              </a:r>
+            </a:p>
+          </p:txBody>
+        </p:sp>
+      </p:grpSp>
+      <p:sp>
+        <p:nvSpPr>
+          <p:cNvPr id="33" name="TextBox 16">
+            <a:extLst>
+              <a:ext uri="{FF2B5EF4-FFF2-40B4-BE49-F238E27FC236}">
+                <a16:creationId xmlns:a16="http://schemas.microsoft.com/office/drawing/2014/main" id="{8F44626C-2069-8B70-7046-1C050C3D9D72}"/>
+              </a:ext>
+            </a:extLst>
+          </p:cNvPr>
+          <p:cNvSpPr txBox="1">
+            <a:spLocks noChangeArrowheads="1"/>
+          </p:cNvSpPr>
+          <p:nvPr/>
+        </p:nvSpPr>
+        <p:spPr bwMode="auto">
+          <a:xfrm>
+            <a:off x="6725367" y="1828702"/>
+            <a:ext cx="2427849" cy="261610"/>
+          </a:xfrm>
+          <a:prstGeom prst="rect">
+            <a:avLst/>
+          </a:prstGeom>
+          <a:noFill/>
+          <a:ln>
+            <a:noFill/>
+          </a:ln>
+          <a:extLst>
+            <a:ext uri="{909E8E84-426E-40DD-AFC4-6F175D3DCCD1}">
+              <a14:hiddenFill xmlns:a14="http://schemas.microsoft.com/office/drawing/2010/main">
+                <a:solidFill>
+                  <a:srgbClr val="FFFFFF"/>
+                </a:solidFill>
+              </a14:hiddenFill>
+            </a:ext>
+            <a:ext uri="{91240B29-F687-4F45-9708-019B960494DF}">
+              <a14:hiddenLine xmlns:a14="http://schemas.microsoft.com/office/drawing/2010/main" w="9525">
+                <a:solidFill>
+                  <a:srgbClr val="000000"/>
+                </a:solidFill>
+                <a:miter lim="800000"/>
+                <a:headEnd/>
+                <a:tailEnd/>
+              </a14:hiddenLine>
+            </a:ext>
+          </a:extLst>
+        </p:spPr>
+        <p:txBody>
+          <a:bodyPr wrap="square">
+            <a:spAutoFit/>
+          </a:bodyPr>
+          <a:lstStyle>
+            <a:defPPr>
+              <a:defRPr lang="en-US"/>
+            </a:defPPr>
+            <a:lvl1pPr algn="l" rtl="0" eaLnBrk="0" fontAlgn="base" hangingPunct="0">
+              <a:spcBef>
+                <a:spcPct val="0"/>
+              </a:spcBef>
+              <a:spcAft>
+                <a:spcPct val="0"/>
+              </a:spcAft>
+              <a:defRPr kern="1200">
+                <a:solidFill>
+                  <a:schemeClr val="tx1"/>
+                </a:solidFill>
+                <a:latin typeface="Calibri" panose="020F0502020204030204" pitchFamily="34" charset="0"/>
+                <a:ea typeface="+mn-ea"/>
+                <a:cs typeface="+mn-cs"/>
+              </a:defRPr>
+            </a:lvl1pPr>
+            <a:lvl2pPr marL="457200" algn="l" rtl="0" eaLnBrk="0" fontAlgn="base" hangingPunct="0">
+              <a:spcBef>
+                <a:spcPct val="0"/>
+              </a:spcBef>
+              <a:spcAft>
+                <a:spcPct val="0"/>
+              </a:spcAft>
+              <a:defRPr kern="1200">
+                <a:solidFill>
+                  <a:schemeClr val="tx1"/>
+                </a:solidFill>
+                <a:latin typeface="Calibri" panose="020F0502020204030204" pitchFamily="34" charset="0"/>
+                <a:ea typeface="+mn-ea"/>
+                <a:cs typeface="+mn-cs"/>
+              </a:defRPr>
+            </a:lvl2pPr>
+            <a:lvl3pPr marL="914400" algn="l" rtl="0" eaLnBrk="0" fontAlgn="base" hangingPunct="0">
+              <a:spcBef>
+                <a:spcPct val="0"/>
+              </a:spcBef>
+              <a:spcAft>
+                <a:spcPct val="0"/>
+              </a:spcAft>
+              <a:defRPr kern="1200">
+                <a:solidFill>
+                  <a:schemeClr val="tx1"/>
+                </a:solidFill>
+                <a:latin typeface="Calibri" panose="020F0502020204030204" pitchFamily="34" charset="0"/>
+                <a:ea typeface="+mn-ea"/>
+                <a:cs typeface="+mn-cs"/>
+              </a:defRPr>
+            </a:lvl3pPr>
+            <a:lvl4pPr marL="1371600" algn="l" rtl="0" eaLnBrk="0" fontAlgn="base" hangingPunct="0">
+              <a:spcBef>
+                <a:spcPct val="0"/>
+              </a:spcBef>
+              <a:spcAft>
+                <a:spcPct val="0"/>
+              </a:spcAft>
+              <a:defRPr kern="1200">
+                <a:solidFill>
+                  <a:schemeClr val="tx1"/>
+                </a:solidFill>
+                <a:latin typeface="Calibri" panose="020F0502020204030204" pitchFamily="34" charset="0"/>
+                <a:ea typeface="+mn-ea"/>
+                <a:cs typeface="+mn-cs"/>
+              </a:defRPr>
+            </a:lvl4pPr>
+            <a:lvl5pPr marL="1828800" algn="l" rtl="0" eaLnBrk="0" fontAlgn="base" hangingPunct="0">
+              <a:spcBef>
+                <a:spcPct val="0"/>
+              </a:spcBef>
+              <a:spcAft>
+                <a:spcPct val="0"/>
+              </a:spcAft>
+              <a:defRPr kern="1200">
+                <a:solidFill>
+                  <a:schemeClr val="tx1"/>
+                </a:solidFill>
+                <a:latin typeface="Calibri" panose="020F0502020204030204" pitchFamily="34" charset="0"/>
+                <a:ea typeface="+mn-ea"/>
+                <a:cs typeface="+mn-cs"/>
+              </a:defRPr>
+            </a:lvl5pPr>
+            <a:lvl6pPr marL="2286000" algn="l" defTabSz="914400" rtl="0" eaLnBrk="1" latinLnBrk="0" hangingPunct="1">
+              <a:defRPr kern="1200">
+                <a:solidFill>
+                  <a:schemeClr val="tx1"/>
+                </a:solidFill>
+                <a:latin typeface="Calibri" panose="020F0502020204030204" pitchFamily="34" charset="0"/>
+                <a:ea typeface="+mn-ea"/>
+                <a:cs typeface="+mn-cs"/>
+              </a:defRPr>
+            </a:lvl6pPr>
+            <a:lvl7pPr marL="2743200" algn="l" defTabSz="914400" rtl="0" eaLnBrk="1" latinLnBrk="0" hangingPunct="1">
+              <a:defRPr kern="1200">
+                <a:solidFill>
+                  <a:schemeClr val="tx1"/>
+                </a:solidFill>
+                <a:latin typeface="Calibri" panose="020F0502020204030204" pitchFamily="34" charset="0"/>
+                <a:ea typeface="+mn-ea"/>
+                <a:cs typeface="+mn-cs"/>
+              </a:defRPr>
+            </a:lvl7pPr>
+            <a:lvl8pPr marL="3200400" algn="l" defTabSz="914400" rtl="0" eaLnBrk="1" latinLnBrk="0" hangingPunct="1">
+              <a:defRPr kern="1200">
+                <a:solidFill>
+                  <a:schemeClr val="tx1"/>
+                </a:solidFill>
+                <a:latin typeface="Calibri" panose="020F0502020204030204" pitchFamily="34" charset="0"/>
+                <a:ea typeface="+mn-ea"/>
+                <a:cs typeface="+mn-cs"/>
+              </a:defRPr>
+            </a:lvl8pPr>
+            <a:lvl9pPr marL="3657600" algn="l" defTabSz="914400" rtl="0" eaLnBrk="1" latinLnBrk="0" hangingPunct="1">
+              <a:defRPr kern="1200">
+                <a:solidFill>
+                  <a:schemeClr val="tx1"/>
+                </a:solidFill>
+                <a:latin typeface="Calibri" panose="020F0502020204030204" pitchFamily="34" charset="0"/>
+                <a:ea typeface="+mn-ea"/>
+                <a:cs typeface="+mn-cs"/>
+              </a:defRPr>
+            </a:lvl9pPr>
+          </a:lstStyle>
+          <a:p>
+            <a:pPr algn="ctr" eaLnBrk="1" hangingPunct="1"/>
+            <a:r>
+              <a:rPr lang="en-US" altLang="en-US" sz="1100" dirty="0">
+                <a:latin typeface="Arial" panose="020B0604020202020204" pitchFamily="34" charset="0"/>
+                <a:ea typeface="Amazon Ember" panose="020B0603020204020204" pitchFamily="34" charset="0"/>
+                <a:cs typeface="Arial" panose="020B0604020202020204" pitchFamily="34" charset="0"/>
+              </a:rPr>
+              <a:t>Visit Web site </a:t>
+            </a:r>
+            <a:r>
+              <a:rPr lang="en-US" altLang="ko-KR" sz="1100" dirty="0">
+                <a:latin typeface="Arial" panose="020B0604020202020204" pitchFamily="34" charset="0"/>
+                <a:ea typeface="Amazon Ember" panose="020B0603020204020204" pitchFamily="34" charset="0"/>
+                <a:cs typeface="Arial" panose="020B0604020202020204" pitchFamily="34" charset="0"/>
+              </a:rPr>
+              <a:t>&amp;</a:t>
+            </a:r>
+            <a:r>
+              <a:rPr lang="ko-KR" altLang="en-US" sz="1100" dirty="0">
+                <a:latin typeface="Arial" panose="020B0604020202020204" pitchFamily="34" charset="0"/>
+                <a:ea typeface="Amazon Ember" panose="020B0603020204020204" pitchFamily="34" charset="0"/>
+                <a:cs typeface="Arial" panose="020B0604020202020204" pitchFamily="34" charset="0"/>
+              </a:rPr>
+              <a:t> </a:t>
+            </a:r>
+            <a:r>
+              <a:rPr lang="en-US" altLang="en-US" sz="1100" dirty="0">
+                <a:latin typeface="Arial" panose="020B0604020202020204" pitchFamily="34" charset="0"/>
+                <a:ea typeface="Amazon Ember" panose="020B0603020204020204" pitchFamily="34" charset="0"/>
+                <a:cs typeface="Arial" panose="020B0604020202020204" pitchFamily="34" charset="0"/>
+              </a:rPr>
+              <a:t>Request Analysis</a:t>
+            </a:r>
+          </a:p>
+        </p:txBody>
+      </p:sp>
+      <p:grpSp>
+        <p:nvGrpSpPr>
+          <p:cNvPr id="34" name="그룹 33">
+            <a:extLst>
+              <a:ext uri="{FF2B5EF4-FFF2-40B4-BE49-F238E27FC236}">
+                <a16:creationId xmlns:a16="http://schemas.microsoft.com/office/drawing/2014/main" id="{8E2D723B-540D-3D7D-7B4F-C5B346DF1724}"/>
+              </a:ext>
+            </a:extLst>
+          </p:cNvPr>
+          <p:cNvGrpSpPr/>
+          <p:nvPr/>
+        </p:nvGrpSpPr>
+        <p:grpSpPr>
+          <a:xfrm>
+            <a:off x="6322790" y="4973413"/>
+            <a:ext cx="1187106" cy="562039"/>
+            <a:chOff x="-2931559" y="1393199"/>
+            <a:chExt cx="1187106" cy="562039"/>
+          </a:xfrm>
+        </p:grpSpPr>
+        <p:pic>
+          <p:nvPicPr>
+            <p:cNvPr id="35" name="Graphic 20">
+              <a:extLst>
+                <a:ext uri="{FF2B5EF4-FFF2-40B4-BE49-F238E27FC236}">
+                  <a16:creationId xmlns:a16="http://schemas.microsoft.com/office/drawing/2014/main" id="{A406F00E-5EEE-BC8F-C76B-5B60E1C22ADF}"/>
+                </a:ext>
+              </a:extLst>
+            </p:cNvPr>
+            <p:cNvPicPr>
+              <a:picLocks noChangeAspect="1" noChangeArrowheads="1"/>
+            </p:cNvPicPr>
+            <p:nvPr/>
+          </p:nvPicPr>
+          <p:blipFill>
+            <a:blip r:embed="rId19">
+              <a:extLst>
+                <a:ext uri="{96DAC541-7B7A-43D3-8B79-37D633B846F1}">
+                  <asvg:svgBlip xmlns:asvg="http://schemas.microsoft.com/office/drawing/2016/SVG/main" r:embed="rId20"/>
+                </a:ext>
+              </a:extLst>
+            </a:blip>
+            <a:srcRect/>
+            <a:stretch/>
+          </p:blipFill>
+          <p:spPr bwMode="auto">
+            <a:xfrm>
+              <a:off x="-2514128" y="1393199"/>
+              <a:ext cx="360000" cy="360000"/>
+            </a:xfrm>
+            <a:prstGeom prst="rect">
+              <a:avLst/>
+            </a:prstGeom>
+            <a:noFill/>
+            <a:ln>
+              <a:noFill/>
+            </a:ln>
+            <a:extLst>
+              <a:ext uri="{909E8E84-426E-40DD-AFC4-6F175D3DCCD1}">
+                <a14:hiddenFill xmlns:a14="http://schemas.microsoft.com/office/drawing/2010/main">
+                  <a:solidFill>
+                    <a:srgbClr val="FFFFFF"/>
+                  </a:solidFill>
+                </a14:hiddenFill>
+              </a:ext>
+              <a:ext uri="{91240B29-F687-4F45-9708-019B960494DF}">
+                <a14:hiddenLine xmlns:a14="http://schemas.microsoft.com/office/drawing/2010/main" w="9525">
+                  <a:solidFill>
+                    <a:srgbClr val="000000"/>
+                  </a:solidFill>
+                  <a:miter lim="800000"/>
+                  <a:headEnd/>
+                  <a:tailEnd/>
+                </a14:hiddenLine>
+              </a:ext>
+            </a:extLst>
+          </p:spPr>
+        </p:pic>
+        <p:sp>
+          <p:nvSpPr>
+            <p:cNvPr id="36" name="TextBox 22">
+              <a:extLst>
+                <a:ext uri="{FF2B5EF4-FFF2-40B4-BE49-F238E27FC236}">
+                  <a16:creationId xmlns:a16="http://schemas.microsoft.com/office/drawing/2014/main" id="{869B57E2-38CA-8215-88BC-C2A443C4F48B}"/>
+                </a:ext>
+              </a:extLst>
+            </p:cNvPr>
+            <p:cNvSpPr txBox="1">
+              <a:spLocks noChangeArrowheads="1"/>
+            </p:cNvSpPr>
+            <p:nvPr/>
+          </p:nvSpPr>
+          <p:spPr bwMode="auto">
+            <a:xfrm>
+              <a:off x="-2931559" y="1709017"/>
+              <a:ext cx="1187106" cy="246221"/>
+            </a:xfrm>
+            <a:prstGeom prst="rect">
+              <a:avLst/>
+            </a:prstGeom>
+            <a:noFill/>
+            <a:ln>
+              <a:noFill/>
+            </a:ln>
+            <a:extLst>
+              <a:ext uri="{909E8E84-426E-40DD-AFC4-6F175D3DCCD1}">
+                <a14:hiddenFill xmlns:a14="http://schemas.microsoft.com/office/drawing/2010/main">
+                  <a:solidFill>
+                    <a:srgbClr val="FFFFFF"/>
+                  </a:solidFill>
+                </a14:hiddenFill>
+              </a:ext>
+              <a:ext uri="{91240B29-F687-4F45-9708-019B960494DF}">
+                <a14:hiddenLine xmlns:a14="http://schemas.microsoft.com/office/drawing/2010/main" w="9525">
+                  <a:solidFill>
+                    <a:srgbClr val="000000"/>
+                  </a:solidFill>
+                  <a:miter lim="800000"/>
+                  <a:headEnd/>
+                  <a:tailEnd/>
+                </a14:hiddenLine>
+              </a:ext>
+            </a:extLst>
+          </p:spPr>
+          <p:txBody>
+            <a:bodyPr wrap="square">
+              <a:spAutoFit/>
+            </a:bodyPr>
+            <a:lstStyle>
+              <a:lvl1pPr>
+                <a:defRPr>
+                  <a:solidFill>
+                    <a:schemeClr val="tx1"/>
+                  </a:solidFill>
+                  <a:latin typeface="Calibri" panose="020F0502020204030204" pitchFamily="34" charset="0"/>
+                </a:defRPr>
+              </a:lvl1pPr>
+              <a:lvl2pPr marL="742950" indent="-285750">
+                <a:defRPr>
+                  <a:solidFill>
+                    <a:schemeClr val="tx1"/>
+                  </a:solidFill>
+                  <a:latin typeface="Calibri" panose="020F0502020204030204" pitchFamily="34" charset="0"/>
+                </a:defRPr>
+              </a:lvl2pPr>
+              <a:lvl3pPr marL="1143000" indent="-228600">
+                <a:defRPr>
+                  <a:solidFill>
+                    <a:schemeClr val="tx1"/>
+                  </a:solidFill>
+                  <a:latin typeface="Calibri" panose="020F0502020204030204" pitchFamily="34" charset="0"/>
+                </a:defRPr>
+              </a:lvl3pPr>
+              <a:lvl4pPr marL="1600200" indent="-228600">
+                <a:defRPr>
+                  <a:solidFill>
+                    <a:schemeClr val="tx1"/>
+                  </a:solidFill>
+                  <a:latin typeface="Calibri" panose="020F0502020204030204" pitchFamily="34" charset="0"/>
+                </a:defRPr>
+              </a:lvl4pPr>
+              <a:lvl5pPr marL="2057400" indent="-228600">
+                <a:defRPr>
+                  <a:solidFill>
+                    <a:schemeClr val="tx1"/>
+                  </a:solidFill>
+                  <a:latin typeface="Calibri" panose="020F0502020204030204" pitchFamily="34" charset="0"/>
+                </a:defRPr>
+              </a:lvl5pPr>
+              <a:lvl6pPr marL="2514600" indent="-228600" eaLnBrk="0" fontAlgn="base" hangingPunct="0">
+                <a:spcBef>
+                  <a:spcPct val="0"/>
+                </a:spcBef>
+                <a:spcAft>
+                  <a:spcPct val="0"/>
+                </a:spcAft>
+                <a:defRPr>
+                  <a:solidFill>
+                    <a:schemeClr val="tx1"/>
+                  </a:solidFill>
+                  <a:latin typeface="Calibri" panose="020F0502020204030204" pitchFamily="34" charset="0"/>
+                </a:defRPr>
+              </a:lvl6pPr>
+              <a:lvl7pPr marL="2971800" indent="-228600" eaLnBrk="0" fontAlgn="base" hangingPunct="0">
+                <a:spcBef>
+                  <a:spcPct val="0"/>
+                </a:spcBef>
+                <a:spcAft>
+                  <a:spcPct val="0"/>
+                </a:spcAft>
+                <a:defRPr>
+                  <a:solidFill>
+                    <a:schemeClr val="tx1"/>
+                  </a:solidFill>
+                  <a:latin typeface="Calibri" panose="020F0502020204030204" pitchFamily="34" charset="0"/>
+                </a:defRPr>
+              </a:lvl7pPr>
+              <a:lvl8pPr marL="3429000" indent="-228600" eaLnBrk="0" fontAlgn="base" hangingPunct="0">
+                <a:spcBef>
+                  <a:spcPct val="0"/>
+                </a:spcBef>
+                <a:spcAft>
+                  <a:spcPct val="0"/>
+                </a:spcAft>
+                <a:defRPr>
+                  <a:solidFill>
+                    <a:schemeClr val="tx1"/>
+                  </a:solidFill>
+                  <a:latin typeface="Calibri" panose="020F0502020204030204" pitchFamily="34" charset="0"/>
+                </a:defRPr>
+              </a:lvl8pPr>
+              <a:lvl9pPr marL="3886200" indent="-228600" eaLnBrk="0" fontAlgn="base" hangingPunct="0">
+                <a:spcBef>
+                  <a:spcPct val="0"/>
+                </a:spcBef>
+                <a:spcAft>
+                  <a:spcPct val="0"/>
+                </a:spcAft>
+                <a:defRPr>
+                  <a:solidFill>
+                    <a:schemeClr val="tx1"/>
+                  </a:solidFill>
+                  <a:latin typeface="Calibri" panose="020F0502020204030204" pitchFamily="34" charset="0"/>
+                </a:defRPr>
+              </a:lvl9pPr>
+            </a:lstStyle>
+            <a:p>
+              <a:pPr algn="ctr" eaLnBrk="1" hangingPunct="1"/>
+              <a:r>
+                <a:rPr lang="en-US" altLang="en-US" sz="1000" dirty="0">
+                  <a:latin typeface="Arial" panose="020B0604020202020204" pitchFamily="34" charset="0"/>
+                  <a:ea typeface="Amazon Ember" panose="020B0603020204020204" pitchFamily="34" charset="0"/>
+                  <a:cs typeface="Arial" panose="020B0604020202020204" pitchFamily="34" charset="0"/>
+                </a:rPr>
+                <a:t>Amazon ECR</a:t>
+              </a:r>
+            </a:p>
+          </p:txBody>
+        </p:sp>
+      </p:grpSp>
+      <p:grpSp>
+        <p:nvGrpSpPr>
+          <p:cNvPr id="37" name="그룹 36">
+            <a:extLst>
+              <a:ext uri="{FF2B5EF4-FFF2-40B4-BE49-F238E27FC236}">
+                <a16:creationId xmlns:a16="http://schemas.microsoft.com/office/drawing/2014/main" id="{F1F26E98-06A2-3DB9-0F6A-42E1380A607E}"/>
+              </a:ext>
+            </a:extLst>
+          </p:cNvPr>
+          <p:cNvGrpSpPr/>
+          <p:nvPr/>
+        </p:nvGrpSpPr>
+        <p:grpSpPr>
+          <a:xfrm>
+            <a:off x="2220715" y="2386161"/>
+            <a:ext cx="1509149" cy="461665"/>
+            <a:chOff x="-1330322" y="4106679"/>
+            <a:chExt cx="1509149" cy="461665"/>
+          </a:xfrm>
+        </p:grpSpPr>
+        <p:pic>
+          <p:nvPicPr>
+            <p:cNvPr id="38" name="Graphic 18">
+              <a:extLst>
+                <a:ext uri="{FF2B5EF4-FFF2-40B4-BE49-F238E27FC236}">
+                  <a16:creationId xmlns:a16="http://schemas.microsoft.com/office/drawing/2014/main" id="{3E24EF4B-324F-4B80-42D5-52C4F8EB1141}"/>
+                </a:ext>
+              </a:extLst>
+            </p:cNvPr>
+            <p:cNvPicPr>
+              <a:picLocks noChangeAspect="1" noChangeArrowheads="1"/>
+            </p:cNvPicPr>
+            <p:nvPr/>
+          </p:nvPicPr>
+          <p:blipFill>
+            <a:blip r:embed="rId21">
+              <a:extLst>
+                <a:ext uri="{96DAC541-7B7A-43D3-8B79-37D633B846F1}">
+                  <asvg:svgBlip xmlns:asvg="http://schemas.microsoft.com/office/drawing/2016/SVG/main" r:embed="rId22"/>
+                </a:ext>
+              </a:extLst>
+            </a:blip>
+            <a:srcRect/>
+            <a:stretch/>
+          </p:blipFill>
+          <p:spPr bwMode="auto">
+            <a:xfrm>
+              <a:off x="-1330322" y="4106679"/>
+              <a:ext cx="461665" cy="461665"/>
+            </a:xfrm>
+            <a:prstGeom prst="rect">
+              <a:avLst/>
+            </a:prstGeom>
+            <a:noFill/>
+            <a:ln>
+              <a:noFill/>
+            </a:ln>
+            <a:extLst>
+              <a:ext uri="{909E8E84-426E-40DD-AFC4-6F175D3DCCD1}">
+                <a14:hiddenFill xmlns:a14="http://schemas.microsoft.com/office/drawing/2010/main">
+                  <a:solidFill>
+                    <a:srgbClr val="FFFFFF"/>
+                  </a:solidFill>
+                </a14:hiddenFill>
+              </a:ext>
+              <a:ext uri="{91240B29-F687-4F45-9708-019B960494DF}">
+                <a14:hiddenLine xmlns:a14="http://schemas.microsoft.com/office/drawing/2010/main" w="9525">
+                  <a:solidFill>
+                    <a:srgbClr val="000000"/>
+                  </a:solidFill>
+                  <a:miter lim="800000"/>
+                  <a:headEnd/>
+                  <a:tailEnd/>
+                </a14:hiddenLine>
+              </a:ext>
+            </a:extLst>
+          </p:spPr>
+        </p:pic>
+        <p:sp>
+          <p:nvSpPr>
+            <p:cNvPr id="39" name="TextBox 24">
+              <a:extLst>
+                <a:ext uri="{FF2B5EF4-FFF2-40B4-BE49-F238E27FC236}">
+                  <a16:creationId xmlns:a16="http://schemas.microsoft.com/office/drawing/2014/main" id="{7E2EA1BE-5D4F-FEED-5670-87A5907E80F5}"/>
+                </a:ext>
+              </a:extLst>
+            </p:cNvPr>
+            <p:cNvSpPr txBox="1">
+              <a:spLocks noChangeArrowheads="1"/>
+            </p:cNvSpPr>
+            <p:nvPr/>
+          </p:nvSpPr>
+          <p:spPr bwMode="auto">
+            <a:xfrm>
+              <a:off x="-1013235" y="4151026"/>
+              <a:ext cx="1192062" cy="246221"/>
+            </a:xfrm>
+            <a:prstGeom prst="rect">
+              <a:avLst/>
+            </a:prstGeom>
+            <a:noFill/>
+            <a:ln>
+              <a:noFill/>
+            </a:ln>
+            <a:extLst>
+              <a:ext uri="{909E8E84-426E-40DD-AFC4-6F175D3DCCD1}">
+                <a14:hiddenFill xmlns:a14="http://schemas.microsoft.com/office/drawing/2010/main">
+                  <a:solidFill>
+                    <a:srgbClr val="FFFFFF"/>
+                  </a:solidFill>
+                </a14:hiddenFill>
+              </a:ext>
+              <a:ext uri="{91240B29-F687-4F45-9708-019B960494DF}">
+                <a14:hiddenLine xmlns:a14="http://schemas.microsoft.com/office/drawing/2010/main" w="9525">
+                  <a:solidFill>
+                    <a:srgbClr val="000000"/>
+                  </a:solidFill>
+                  <a:miter lim="800000"/>
+                  <a:headEnd/>
+                  <a:tailEnd/>
+                </a14:hiddenLine>
+              </a:ext>
+            </a:extLst>
+          </p:spPr>
+          <p:txBody>
+            <a:bodyPr wrap="square">
+              <a:spAutoFit/>
+            </a:bodyPr>
+            <a:lstStyle>
+              <a:lvl1pPr>
+                <a:defRPr>
+                  <a:solidFill>
+                    <a:schemeClr val="tx1"/>
+                  </a:solidFill>
+                  <a:latin typeface="Calibri" panose="020F0502020204030204" pitchFamily="34" charset="0"/>
+                </a:defRPr>
+              </a:lvl1pPr>
+              <a:lvl2pPr marL="742950" indent="-285750">
+                <a:defRPr>
+                  <a:solidFill>
+                    <a:schemeClr val="tx1"/>
+                  </a:solidFill>
+                  <a:latin typeface="Calibri" panose="020F0502020204030204" pitchFamily="34" charset="0"/>
+                </a:defRPr>
+              </a:lvl2pPr>
+              <a:lvl3pPr marL="1143000" indent="-228600">
+                <a:defRPr>
+                  <a:solidFill>
+                    <a:schemeClr val="tx1"/>
+                  </a:solidFill>
+                  <a:latin typeface="Calibri" panose="020F0502020204030204" pitchFamily="34" charset="0"/>
+                </a:defRPr>
+              </a:lvl3pPr>
+              <a:lvl4pPr marL="1600200" indent="-228600">
+                <a:defRPr>
+                  <a:solidFill>
+                    <a:schemeClr val="tx1"/>
+                  </a:solidFill>
+                  <a:latin typeface="Calibri" panose="020F0502020204030204" pitchFamily="34" charset="0"/>
+                </a:defRPr>
+              </a:lvl4pPr>
+              <a:lvl5pPr marL="2057400" indent="-228600">
+                <a:defRPr>
+                  <a:solidFill>
+                    <a:schemeClr val="tx1"/>
+                  </a:solidFill>
+                  <a:latin typeface="Calibri" panose="020F0502020204030204" pitchFamily="34" charset="0"/>
+                </a:defRPr>
+              </a:lvl5pPr>
+              <a:lvl6pPr marL="2514600" indent="-228600" eaLnBrk="0" fontAlgn="base" hangingPunct="0">
+                <a:spcBef>
+                  <a:spcPct val="0"/>
+                </a:spcBef>
+                <a:spcAft>
+                  <a:spcPct val="0"/>
+                </a:spcAft>
+                <a:defRPr>
+                  <a:solidFill>
+                    <a:schemeClr val="tx1"/>
+                  </a:solidFill>
+                  <a:latin typeface="Calibri" panose="020F0502020204030204" pitchFamily="34" charset="0"/>
+                </a:defRPr>
+              </a:lvl6pPr>
+              <a:lvl7pPr marL="2971800" indent="-228600" eaLnBrk="0" fontAlgn="base" hangingPunct="0">
+                <a:spcBef>
+                  <a:spcPct val="0"/>
+                </a:spcBef>
+                <a:spcAft>
+                  <a:spcPct val="0"/>
+                </a:spcAft>
+                <a:defRPr>
+                  <a:solidFill>
+                    <a:schemeClr val="tx1"/>
+                  </a:solidFill>
+                  <a:latin typeface="Calibri" panose="020F0502020204030204" pitchFamily="34" charset="0"/>
+                </a:defRPr>
+              </a:lvl7pPr>
+              <a:lvl8pPr marL="3429000" indent="-228600" eaLnBrk="0" fontAlgn="base" hangingPunct="0">
+                <a:spcBef>
+                  <a:spcPct val="0"/>
+                </a:spcBef>
+                <a:spcAft>
+                  <a:spcPct val="0"/>
+                </a:spcAft>
+                <a:defRPr>
+                  <a:solidFill>
+                    <a:schemeClr val="tx1"/>
+                  </a:solidFill>
+                  <a:latin typeface="Calibri" panose="020F0502020204030204" pitchFamily="34" charset="0"/>
+                </a:defRPr>
+              </a:lvl8pPr>
+              <a:lvl9pPr marL="3886200" indent="-228600" eaLnBrk="0" fontAlgn="base" hangingPunct="0">
+                <a:spcBef>
+                  <a:spcPct val="0"/>
+                </a:spcBef>
+                <a:spcAft>
+                  <a:spcPct val="0"/>
+                </a:spcAft>
+                <a:defRPr>
+                  <a:solidFill>
+                    <a:schemeClr val="tx1"/>
+                  </a:solidFill>
+                  <a:latin typeface="Calibri" panose="020F0502020204030204" pitchFamily="34" charset="0"/>
+                </a:defRPr>
+              </a:lvl9pPr>
+            </a:lstStyle>
+            <a:p>
+              <a:pPr algn="ctr" eaLnBrk="1" hangingPunct="1"/>
+              <a:r>
+                <a:rPr lang="en-US" altLang="en-US" sz="1000" dirty="0">
+                  <a:latin typeface="Arial" panose="020B0604020202020204" pitchFamily="34" charset="0"/>
+                  <a:ea typeface="Amazon Ember" panose="020B0603020204020204" pitchFamily="34" charset="0"/>
+                  <a:cs typeface="Arial" panose="020B0604020202020204" pitchFamily="34" charset="0"/>
+                </a:rPr>
+                <a:t>Amazon ECS</a:t>
+              </a:r>
+            </a:p>
+          </p:txBody>
+        </p:sp>
+      </p:grpSp>
+      <p:grpSp>
+        <p:nvGrpSpPr>
+          <p:cNvPr id="40" name="그룹 39">
+            <a:extLst>
+              <a:ext uri="{FF2B5EF4-FFF2-40B4-BE49-F238E27FC236}">
+                <a16:creationId xmlns:a16="http://schemas.microsoft.com/office/drawing/2014/main" id="{8032DD2F-6E27-6680-7DD5-4AEECB9E8155}"/>
+              </a:ext>
+            </a:extLst>
+          </p:cNvPr>
+          <p:cNvGrpSpPr/>
+          <p:nvPr/>
+        </p:nvGrpSpPr>
+        <p:grpSpPr>
+          <a:xfrm>
+            <a:off x="3936242" y="4978335"/>
+            <a:ext cx="1186280" cy="558219"/>
+            <a:chOff x="123753" y="1328762"/>
+            <a:chExt cx="1186280" cy="558219"/>
+          </a:xfrm>
+        </p:grpSpPr>
+        <p:pic>
+          <p:nvPicPr>
+            <p:cNvPr id="41" name="Graphic 14">
+              <a:extLst>
+                <a:ext uri="{FF2B5EF4-FFF2-40B4-BE49-F238E27FC236}">
+                  <a16:creationId xmlns:a16="http://schemas.microsoft.com/office/drawing/2014/main" id="{9E1B9DFE-1570-AC62-3BEB-02B7D69B1F0A}"/>
+                </a:ext>
+              </a:extLst>
+            </p:cNvPr>
+            <p:cNvPicPr>
+              <a:picLocks noChangeAspect="1" noChangeArrowheads="1"/>
+            </p:cNvPicPr>
+            <p:nvPr/>
+          </p:nvPicPr>
+          <p:blipFill>
+            <a:blip r:embed="rId23">
+              <a:extLst>
+                <a:ext uri="{96DAC541-7B7A-43D3-8B79-37D633B846F1}">
+                  <asvg:svgBlip xmlns:asvg="http://schemas.microsoft.com/office/drawing/2016/SVG/main" r:embed="rId24"/>
+                </a:ext>
+              </a:extLst>
+            </a:blip>
+            <a:srcRect/>
+            <a:stretch/>
+          </p:blipFill>
+          <p:spPr bwMode="auto">
+            <a:xfrm>
+              <a:off x="548520" y="1328762"/>
+              <a:ext cx="360000" cy="360000"/>
+            </a:xfrm>
+            <a:prstGeom prst="rect">
+              <a:avLst/>
+            </a:prstGeom>
+            <a:noFill/>
+            <a:ln>
+              <a:noFill/>
+            </a:ln>
+            <a:extLst>
+              <a:ext uri="{909E8E84-426E-40DD-AFC4-6F175D3DCCD1}">
+                <a14:hiddenFill xmlns:a14="http://schemas.microsoft.com/office/drawing/2010/main">
+                  <a:solidFill>
+                    <a:srgbClr val="FFFFFF"/>
+                  </a:solidFill>
+                </a14:hiddenFill>
+              </a:ext>
+              <a:ext uri="{91240B29-F687-4F45-9708-019B960494DF}">
+                <a14:hiddenLine xmlns:a14="http://schemas.microsoft.com/office/drawing/2010/main" w="9525">
+                  <a:solidFill>
+                    <a:srgbClr val="000000"/>
+                  </a:solidFill>
+                  <a:miter lim="800000"/>
+                  <a:headEnd/>
+                  <a:tailEnd/>
+                </a14:hiddenLine>
+              </a:ext>
+            </a:extLst>
+          </p:spPr>
+        </p:pic>
+        <p:sp>
+          <p:nvSpPr>
+            <p:cNvPr id="42" name="TextBox 12">
+              <a:extLst>
+                <a:ext uri="{FF2B5EF4-FFF2-40B4-BE49-F238E27FC236}">
+                  <a16:creationId xmlns:a16="http://schemas.microsoft.com/office/drawing/2014/main" id="{AD7B857C-E55A-8014-C59F-23BDE5030B60}"/>
+                </a:ext>
+              </a:extLst>
+            </p:cNvPr>
+            <p:cNvSpPr txBox="1">
+              <a:spLocks noChangeArrowheads="1"/>
+            </p:cNvSpPr>
+            <p:nvPr/>
+          </p:nvSpPr>
+          <p:spPr bwMode="auto">
+            <a:xfrm>
+              <a:off x="123753" y="1640760"/>
+              <a:ext cx="1186280" cy="246221"/>
+            </a:xfrm>
+            <a:prstGeom prst="rect">
+              <a:avLst/>
+            </a:prstGeom>
+            <a:noFill/>
+            <a:ln>
+              <a:noFill/>
+            </a:ln>
+            <a:extLst>
+              <a:ext uri="{909E8E84-426E-40DD-AFC4-6F175D3DCCD1}">
+                <a14:hiddenFill xmlns:a14="http://schemas.microsoft.com/office/drawing/2010/main">
+                  <a:solidFill>
+                    <a:srgbClr val="FFFFFF"/>
+                  </a:solidFill>
+                </a14:hiddenFill>
+              </a:ext>
+              <a:ext uri="{91240B29-F687-4F45-9708-019B960494DF}">
+                <a14:hiddenLine xmlns:a14="http://schemas.microsoft.com/office/drawing/2010/main" w="9525">
+                  <a:solidFill>
+                    <a:srgbClr val="000000"/>
+                  </a:solidFill>
+                  <a:miter lim="800000"/>
+                  <a:headEnd/>
+                  <a:tailEnd/>
+                </a14:hiddenLine>
+              </a:ext>
+            </a:extLst>
+          </p:spPr>
+          <p:txBody>
+            <a:bodyPr wrap="square">
+              <a:spAutoFit/>
+            </a:bodyPr>
+            <a:lstStyle>
+              <a:lvl1pPr>
+                <a:defRPr>
+                  <a:solidFill>
+                    <a:schemeClr val="tx1"/>
+                  </a:solidFill>
+                  <a:latin typeface="Calibri" panose="020F0502020204030204" pitchFamily="34" charset="0"/>
+                </a:defRPr>
+              </a:lvl1pPr>
+              <a:lvl2pPr marL="742950" indent="-285750">
+                <a:defRPr>
+                  <a:solidFill>
+                    <a:schemeClr val="tx1"/>
+                  </a:solidFill>
+                  <a:latin typeface="Calibri" panose="020F0502020204030204" pitchFamily="34" charset="0"/>
+                </a:defRPr>
+              </a:lvl2pPr>
+              <a:lvl3pPr marL="1143000" indent="-228600">
+                <a:defRPr>
+                  <a:solidFill>
+                    <a:schemeClr val="tx1"/>
+                  </a:solidFill>
+                  <a:latin typeface="Calibri" panose="020F0502020204030204" pitchFamily="34" charset="0"/>
+                </a:defRPr>
+              </a:lvl3pPr>
+              <a:lvl4pPr marL="1600200" indent="-228600">
+                <a:defRPr>
+                  <a:solidFill>
+                    <a:schemeClr val="tx1"/>
+                  </a:solidFill>
+                  <a:latin typeface="Calibri" panose="020F0502020204030204" pitchFamily="34" charset="0"/>
+                </a:defRPr>
+              </a:lvl4pPr>
+              <a:lvl5pPr marL="2057400" indent="-228600">
+                <a:defRPr>
+                  <a:solidFill>
+                    <a:schemeClr val="tx1"/>
+                  </a:solidFill>
+                  <a:latin typeface="Calibri" panose="020F0502020204030204" pitchFamily="34" charset="0"/>
+                </a:defRPr>
+              </a:lvl5pPr>
+              <a:lvl6pPr marL="2514600" indent="-228600" eaLnBrk="0" fontAlgn="base" hangingPunct="0">
+                <a:spcBef>
+                  <a:spcPct val="0"/>
+                </a:spcBef>
+                <a:spcAft>
+                  <a:spcPct val="0"/>
+                </a:spcAft>
+                <a:defRPr>
+                  <a:solidFill>
+                    <a:schemeClr val="tx1"/>
+                  </a:solidFill>
+                  <a:latin typeface="Calibri" panose="020F0502020204030204" pitchFamily="34" charset="0"/>
+                </a:defRPr>
+              </a:lvl6pPr>
+              <a:lvl7pPr marL="2971800" indent="-228600" eaLnBrk="0" fontAlgn="base" hangingPunct="0">
+                <a:spcBef>
+                  <a:spcPct val="0"/>
+                </a:spcBef>
+                <a:spcAft>
+                  <a:spcPct val="0"/>
+                </a:spcAft>
+                <a:defRPr>
+                  <a:solidFill>
+                    <a:schemeClr val="tx1"/>
+                  </a:solidFill>
+                  <a:latin typeface="Calibri" panose="020F0502020204030204" pitchFamily="34" charset="0"/>
+                </a:defRPr>
+              </a:lvl7pPr>
+              <a:lvl8pPr marL="3429000" indent="-228600" eaLnBrk="0" fontAlgn="base" hangingPunct="0">
+                <a:spcBef>
+                  <a:spcPct val="0"/>
+                </a:spcBef>
+                <a:spcAft>
+                  <a:spcPct val="0"/>
+                </a:spcAft>
+                <a:defRPr>
+                  <a:solidFill>
+                    <a:schemeClr val="tx1"/>
+                  </a:solidFill>
+                  <a:latin typeface="Calibri" panose="020F0502020204030204" pitchFamily="34" charset="0"/>
+                </a:defRPr>
+              </a:lvl8pPr>
+              <a:lvl9pPr marL="3886200" indent="-228600" eaLnBrk="0" fontAlgn="base" hangingPunct="0">
+                <a:spcBef>
+                  <a:spcPct val="0"/>
+                </a:spcBef>
+                <a:spcAft>
+                  <a:spcPct val="0"/>
+                </a:spcAft>
+                <a:defRPr>
+                  <a:solidFill>
+                    <a:schemeClr val="tx1"/>
+                  </a:solidFill>
+                  <a:latin typeface="Calibri" panose="020F0502020204030204" pitchFamily="34" charset="0"/>
+                </a:defRPr>
+              </a:lvl9pPr>
+            </a:lstStyle>
+            <a:p>
+              <a:pPr algn="ctr" eaLnBrk="1" hangingPunct="1"/>
+              <a:r>
+                <a:rPr lang="en-US" altLang="en-US" sz="1000" dirty="0">
+                  <a:latin typeface="Arial" panose="020B0604020202020204" pitchFamily="34" charset="0"/>
+                  <a:ea typeface="Amazon Ember" panose="020B0603020204020204" pitchFamily="34" charset="0"/>
+                  <a:cs typeface="Arial" panose="020B0604020202020204" pitchFamily="34" charset="0"/>
+                </a:rPr>
+                <a:t>AWS </a:t>
+              </a:r>
+              <a:r>
+                <a:rPr lang="en-US" altLang="en-US" sz="1000" dirty="0" err="1">
+                  <a:latin typeface="Arial" panose="020B0604020202020204" pitchFamily="34" charset="0"/>
+                  <a:ea typeface="Amazon Ember" panose="020B0603020204020204" pitchFamily="34" charset="0"/>
+                  <a:cs typeface="Arial" panose="020B0604020202020204" pitchFamily="34" charset="0"/>
+                </a:rPr>
+                <a:t>Fargate</a:t>
+              </a:r>
+              <a:endParaRPr lang="en-US" altLang="en-US" sz="1000" dirty="0">
+                <a:latin typeface="Arial" panose="020B0604020202020204" pitchFamily="34" charset="0"/>
+                <a:ea typeface="Amazon Ember" panose="020B0603020204020204" pitchFamily="34" charset="0"/>
+                <a:cs typeface="Arial" panose="020B0604020202020204" pitchFamily="34" charset="0"/>
+              </a:endParaRPr>
+            </a:p>
+          </p:txBody>
+        </p:sp>
+      </p:grpSp>
+      <p:grpSp>
+        <p:nvGrpSpPr>
+          <p:cNvPr id="43" name="그룹 42">
+            <a:extLst>
+              <a:ext uri="{FF2B5EF4-FFF2-40B4-BE49-F238E27FC236}">
+                <a16:creationId xmlns:a16="http://schemas.microsoft.com/office/drawing/2014/main" id="{8E074C36-5241-0A97-2203-3345A996638F}"/>
+              </a:ext>
+            </a:extLst>
+          </p:cNvPr>
+          <p:cNvGrpSpPr/>
+          <p:nvPr/>
+        </p:nvGrpSpPr>
+        <p:grpSpPr>
+          <a:xfrm>
+            <a:off x="8333677" y="4199333"/>
+            <a:ext cx="1167279" cy="707886"/>
+            <a:chOff x="548860" y="3785963"/>
+            <a:chExt cx="1167279" cy="707886"/>
+          </a:xfrm>
+        </p:grpSpPr>
+        <p:pic>
+          <p:nvPicPr>
+            <p:cNvPr id="44" name="Graphic 6">
+              <a:extLst>
+                <a:ext uri="{FF2B5EF4-FFF2-40B4-BE49-F238E27FC236}">
+                  <a16:creationId xmlns:a16="http://schemas.microsoft.com/office/drawing/2014/main" id="{45E3966F-BBE6-6DA4-402C-F6A3A42050D7}"/>
+                </a:ext>
+              </a:extLst>
+            </p:cNvPr>
+            <p:cNvPicPr>
+              <a:picLocks noChangeAspect="1" noChangeArrowheads="1"/>
+            </p:cNvPicPr>
+            <p:nvPr/>
+          </p:nvPicPr>
+          <p:blipFill>
+            <a:blip r:embed="rId25">
+              <a:extLst>
+                <a:ext uri="{96DAC541-7B7A-43D3-8B79-37D633B846F1}">
+                  <asvg:svgBlip xmlns:asvg="http://schemas.microsoft.com/office/drawing/2016/SVG/main" r:embed="rId26"/>
+                </a:ext>
+              </a:extLst>
+            </a:blip>
+            <a:srcRect/>
+            <a:stretch/>
+          </p:blipFill>
+          <p:spPr bwMode="auto">
+            <a:xfrm>
+              <a:off x="938716" y="3785963"/>
+              <a:ext cx="461665" cy="461665"/>
+            </a:xfrm>
+            <a:prstGeom prst="rect">
+              <a:avLst/>
+            </a:prstGeom>
+            <a:noFill/>
+            <a:ln>
+              <a:noFill/>
+            </a:ln>
+            <a:extLst>
+              <a:ext uri="{909E8E84-426E-40DD-AFC4-6F175D3DCCD1}">
+                <a14:hiddenFill xmlns:a14="http://schemas.microsoft.com/office/drawing/2010/main">
+                  <a:solidFill>
+                    <a:srgbClr val="FFFFFF"/>
+                  </a:solidFill>
+                </a14:hiddenFill>
+              </a:ext>
+              <a:ext uri="{91240B29-F687-4F45-9708-019B960494DF}">
+                <a14:hiddenLine xmlns:a14="http://schemas.microsoft.com/office/drawing/2010/main" w="9525">
+                  <a:solidFill>
+                    <a:srgbClr val="000000"/>
+                  </a:solidFill>
+                  <a:miter lim="800000"/>
+                  <a:headEnd/>
+                  <a:tailEnd/>
+                </a14:hiddenLine>
+              </a:ext>
+            </a:extLst>
+          </p:spPr>
+        </p:pic>
+        <p:sp>
+          <p:nvSpPr>
+            <p:cNvPr id="45" name="TextBox 9">
+              <a:extLst>
+                <a:ext uri="{FF2B5EF4-FFF2-40B4-BE49-F238E27FC236}">
+                  <a16:creationId xmlns:a16="http://schemas.microsoft.com/office/drawing/2014/main" id="{7585031A-0846-45D1-03C7-6BB6EA1AEF83}"/>
+                </a:ext>
+              </a:extLst>
+            </p:cNvPr>
+            <p:cNvSpPr txBox="1">
+              <a:spLocks noChangeArrowheads="1"/>
+            </p:cNvSpPr>
+            <p:nvPr/>
+          </p:nvSpPr>
+          <p:spPr bwMode="auto">
+            <a:xfrm>
+              <a:off x="548860" y="4247628"/>
+              <a:ext cx="1167279" cy="246221"/>
+            </a:xfrm>
+            <a:prstGeom prst="rect">
+              <a:avLst/>
+            </a:prstGeom>
+            <a:noFill/>
+            <a:ln>
+              <a:noFill/>
+            </a:ln>
+            <a:extLst>
+              <a:ext uri="{909E8E84-426E-40DD-AFC4-6F175D3DCCD1}">
+                <a14:hiddenFill xmlns:a14="http://schemas.microsoft.com/office/drawing/2010/main">
+                  <a:solidFill>
+                    <a:srgbClr val="FFFFFF"/>
+                  </a:solidFill>
+                </a14:hiddenFill>
+              </a:ext>
+              <a:ext uri="{91240B29-F687-4F45-9708-019B960494DF}">
+                <a14:hiddenLine xmlns:a14="http://schemas.microsoft.com/office/drawing/2010/main" w="9525">
+                  <a:solidFill>
+                    <a:srgbClr val="000000"/>
+                  </a:solidFill>
+                  <a:miter lim="800000"/>
+                  <a:headEnd/>
+                  <a:tailEnd/>
+                </a14:hiddenLine>
+              </a:ext>
+            </a:extLst>
+          </p:spPr>
+          <p:txBody>
+            <a:bodyPr wrap="square">
+              <a:spAutoFit/>
+            </a:bodyPr>
+            <a:lstStyle>
+              <a:lvl1pPr>
+                <a:defRPr>
+                  <a:solidFill>
+                    <a:schemeClr val="tx1"/>
+                  </a:solidFill>
+                  <a:latin typeface="Calibri" panose="020F0502020204030204" pitchFamily="34" charset="0"/>
+                </a:defRPr>
+              </a:lvl1pPr>
+              <a:lvl2pPr marL="742950" indent="-285750">
+                <a:defRPr>
+                  <a:solidFill>
+                    <a:schemeClr val="tx1"/>
+                  </a:solidFill>
+                  <a:latin typeface="Calibri" panose="020F0502020204030204" pitchFamily="34" charset="0"/>
+                </a:defRPr>
+              </a:lvl2pPr>
+              <a:lvl3pPr marL="1143000" indent="-228600">
+                <a:defRPr>
+                  <a:solidFill>
+                    <a:schemeClr val="tx1"/>
+                  </a:solidFill>
+                  <a:latin typeface="Calibri" panose="020F0502020204030204" pitchFamily="34" charset="0"/>
+                </a:defRPr>
+              </a:lvl3pPr>
+              <a:lvl4pPr marL="1600200" indent="-228600">
+                <a:defRPr>
+                  <a:solidFill>
+                    <a:schemeClr val="tx1"/>
+                  </a:solidFill>
+                  <a:latin typeface="Calibri" panose="020F0502020204030204" pitchFamily="34" charset="0"/>
+                </a:defRPr>
+              </a:lvl4pPr>
+              <a:lvl5pPr marL="2057400" indent="-228600">
+                <a:defRPr>
+                  <a:solidFill>
+                    <a:schemeClr val="tx1"/>
+                  </a:solidFill>
+                  <a:latin typeface="Calibri" panose="020F0502020204030204" pitchFamily="34" charset="0"/>
+                </a:defRPr>
+              </a:lvl5pPr>
+              <a:lvl6pPr marL="2514600" indent="-228600" eaLnBrk="0" fontAlgn="base" hangingPunct="0">
+                <a:spcBef>
+                  <a:spcPct val="0"/>
+                </a:spcBef>
+                <a:spcAft>
+                  <a:spcPct val="0"/>
+                </a:spcAft>
+                <a:defRPr>
+                  <a:solidFill>
+                    <a:schemeClr val="tx1"/>
+                  </a:solidFill>
+                  <a:latin typeface="Calibri" panose="020F0502020204030204" pitchFamily="34" charset="0"/>
+                </a:defRPr>
+              </a:lvl6pPr>
+              <a:lvl7pPr marL="2971800" indent="-228600" eaLnBrk="0" fontAlgn="base" hangingPunct="0">
+                <a:spcBef>
+                  <a:spcPct val="0"/>
+                </a:spcBef>
+                <a:spcAft>
+                  <a:spcPct val="0"/>
+                </a:spcAft>
+                <a:defRPr>
+                  <a:solidFill>
+                    <a:schemeClr val="tx1"/>
+                  </a:solidFill>
+                  <a:latin typeface="Calibri" panose="020F0502020204030204" pitchFamily="34" charset="0"/>
+                </a:defRPr>
+              </a:lvl7pPr>
+              <a:lvl8pPr marL="3429000" indent="-228600" eaLnBrk="0" fontAlgn="base" hangingPunct="0">
+                <a:spcBef>
+                  <a:spcPct val="0"/>
+                </a:spcBef>
+                <a:spcAft>
+                  <a:spcPct val="0"/>
+                </a:spcAft>
+                <a:defRPr>
+                  <a:solidFill>
+                    <a:schemeClr val="tx1"/>
+                  </a:solidFill>
+                  <a:latin typeface="Calibri" panose="020F0502020204030204" pitchFamily="34" charset="0"/>
+                </a:defRPr>
+              </a:lvl8pPr>
+              <a:lvl9pPr marL="3886200" indent="-228600" eaLnBrk="0" fontAlgn="base" hangingPunct="0">
+                <a:spcBef>
+                  <a:spcPct val="0"/>
+                </a:spcBef>
+                <a:spcAft>
+                  <a:spcPct val="0"/>
+                </a:spcAft>
+                <a:defRPr>
+                  <a:solidFill>
+                    <a:schemeClr val="tx1"/>
+                  </a:solidFill>
+                  <a:latin typeface="Calibri" panose="020F0502020204030204" pitchFamily="34" charset="0"/>
+                </a:defRPr>
+              </a:lvl9pPr>
+            </a:lstStyle>
+            <a:p>
+              <a:pPr algn="ctr" eaLnBrk="1" hangingPunct="1"/>
+              <a:r>
+                <a:rPr lang="en-US" altLang="en-US" sz="1000" dirty="0">
+                  <a:latin typeface="Arial" panose="020B0604020202020204" pitchFamily="34" charset="0"/>
+                  <a:ea typeface="Amazon Ember" panose="020B0603020204020204" pitchFamily="34" charset="0"/>
+                  <a:cs typeface="Arial" panose="020B0604020202020204" pitchFamily="34" charset="0"/>
+                </a:rPr>
+                <a:t>Amazon RDS</a:t>
+              </a:r>
+            </a:p>
+          </p:txBody>
+        </p:sp>
+      </p:grpSp>
+      <p:sp>
+        <p:nvSpPr>
+          <p:cNvPr id="46" name="Rectangle 13">
+            <a:extLst>
+              <a:ext uri="{FF2B5EF4-FFF2-40B4-BE49-F238E27FC236}">
+                <a16:creationId xmlns:a16="http://schemas.microsoft.com/office/drawing/2014/main" id="{F1FA6F23-85A7-63A1-57D8-18D81563107F}"/>
+              </a:ext>
+            </a:extLst>
+          </p:cNvPr>
+          <p:cNvSpPr/>
+          <p:nvPr/>
+        </p:nvSpPr>
+        <p:spPr>
+          <a:xfrm>
+            <a:off x="2228271" y="2391618"/>
+            <a:ext cx="5117947" cy="3130925"/>
+          </a:xfrm>
+          <a:prstGeom prst="rect">
+            <a:avLst/>
+          </a:prstGeom>
+          <a:noFill/>
+          <a:ln w="15875">
+            <a:solidFill>
+              <a:srgbClr val="D45B07"/>
+            </a:solidFill>
+            <a:prstDash val="dash"/>
+          </a:ln>
+        </p:spPr>
+        <p:style>
+          <a:lnRef idx="2">
+            <a:schemeClr val="accent1">
+              <a:shade val="50000"/>
+            </a:schemeClr>
+          </a:lnRef>
+          <a:fillRef idx="1">
+            <a:schemeClr val="accent1"/>
+          </a:fillRef>
+          <a:effectRef idx="0">
+            <a:schemeClr val="accent1"/>
+          </a:effectRef>
+          <a:fontRef idx="minor">
+            <a:schemeClr val="lt1"/>
+          </a:fontRef>
+        </p:style>
+        <p:txBody>
+          <a:bodyPr tIns="91440"/>
+          <a:lstStyle/>
+          <a:p>
+            <a:pPr algn="ctr" eaLnBrk="1" fontAlgn="auto" hangingPunct="1">
+              <a:spcBef>
+                <a:spcPts val="0"/>
+              </a:spcBef>
+              <a:spcAft>
+                <a:spcPts val="0"/>
+              </a:spcAft>
+              <a:defRPr/>
+            </a:pPr>
+            <a:endParaRPr lang="en-US" sz="1200" dirty="0">
+              <a:solidFill>
+                <a:schemeClr val="tx1"/>
+              </a:solidFill>
+              <a:latin typeface="Arial" panose="020B0604020202020204" pitchFamily="34" charset="0"/>
+              <a:cs typeface="Arial" panose="020B0604020202020204" pitchFamily="34" charset="0"/>
+            </a:endParaRPr>
+          </a:p>
+        </p:txBody>
+      </p:sp>
+      <p:grpSp>
+        <p:nvGrpSpPr>
+          <p:cNvPr id="47" name="그룹 46">
+            <a:extLst>
+              <a:ext uri="{FF2B5EF4-FFF2-40B4-BE49-F238E27FC236}">
+                <a16:creationId xmlns:a16="http://schemas.microsoft.com/office/drawing/2014/main" id="{324B1E0F-17E4-9353-DD4B-4F6F095416CE}"/>
+              </a:ext>
+            </a:extLst>
+          </p:cNvPr>
+          <p:cNvGrpSpPr/>
+          <p:nvPr/>
+        </p:nvGrpSpPr>
+        <p:grpSpPr>
+          <a:xfrm>
+            <a:off x="5159610" y="3862709"/>
+            <a:ext cx="1510201" cy="1254809"/>
+            <a:chOff x="454926" y="2555734"/>
+            <a:chExt cx="1510201" cy="1254809"/>
+          </a:xfrm>
+        </p:grpSpPr>
+        <p:sp>
+          <p:nvSpPr>
+            <p:cNvPr id="48" name="TextBox 31">
+              <a:extLst>
+                <a:ext uri="{FF2B5EF4-FFF2-40B4-BE49-F238E27FC236}">
+                  <a16:creationId xmlns:a16="http://schemas.microsoft.com/office/drawing/2014/main" id="{D6202A16-8E91-9DFB-3499-36BEB4526692}"/>
+                </a:ext>
+              </a:extLst>
+            </p:cNvPr>
+            <p:cNvSpPr txBox="1">
+              <a:spLocks noChangeArrowheads="1"/>
+            </p:cNvSpPr>
+            <p:nvPr/>
+          </p:nvSpPr>
+          <p:spPr bwMode="auto">
+            <a:xfrm>
+              <a:off x="454926" y="3564322"/>
+              <a:ext cx="1510201" cy="246221"/>
+            </a:xfrm>
+            <a:prstGeom prst="rect">
+              <a:avLst/>
+            </a:prstGeom>
+            <a:noFill/>
+            <a:ln>
+              <a:noFill/>
+            </a:ln>
+            <a:extLst>
+              <a:ext uri="{909E8E84-426E-40DD-AFC4-6F175D3DCCD1}">
+                <a14:hiddenFill xmlns:a14="http://schemas.microsoft.com/office/drawing/2010/main">
+                  <a:solidFill>
+                    <a:srgbClr val="FFFFFF"/>
+                  </a:solidFill>
+                </a14:hiddenFill>
+              </a:ext>
+              <a:ext uri="{91240B29-F687-4F45-9708-019B960494DF}">
+                <a14:hiddenLine xmlns:a14="http://schemas.microsoft.com/office/drawing/2010/main" w="9525">
+                  <a:solidFill>
+                    <a:srgbClr val="000000"/>
+                  </a:solidFill>
+                  <a:miter lim="800000"/>
+                  <a:headEnd/>
+                  <a:tailEnd/>
+                </a14:hiddenLine>
+              </a:ext>
+            </a:extLst>
+          </p:spPr>
+          <p:txBody>
+            <a:bodyPr wrap="square">
+              <a:spAutoFit/>
+            </a:bodyPr>
+            <a:lstStyle>
+              <a:lvl1pPr>
+                <a:defRPr>
+                  <a:solidFill>
+                    <a:schemeClr val="tx1"/>
+                  </a:solidFill>
+                  <a:latin typeface="Calibri" panose="020F0502020204030204" pitchFamily="34" charset="0"/>
+                </a:defRPr>
+              </a:lvl1pPr>
+              <a:lvl2pPr marL="742950" indent="-285750">
+                <a:defRPr>
+                  <a:solidFill>
+                    <a:schemeClr val="tx1"/>
+                  </a:solidFill>
+                  <a:latin typeface="Calibri" panose="020F0502020204030204" pitchFamily="34" charset="0"/>
+                </a:defRPr>
+              </a:lvl2pPr>
+              <a:lvl3pPr marL="1143000" indent="-228600">
+                <a:defRPr>
+                  <a:solidFill>
+                    <a:schemeClr val="tx1"/>
+                  </a:solidFill>
+                  <a:latin typeface="Calibri" panose="020F0502020204030204" pitchFamily="34" charset="0"/>
+                </a:defRPr>
+              </a:lvl3pPr>
+              <a:lvl4pPr marL="1600200" indent="-228600">
+                <a:defRPr>
+                  <a:solidFill>
+                    <a:schemeClr val="tx1"/>
+                  </a:solidFill>
+                  <a:latin typeface="Calibri" panose="020F0502020204030204" pitchFamily="34" charset="0"/>
+                </a:defRPr>
+              </a:lvl4pPr>
+              <a:lvl5pPr marL="2057400" indent="-228600">
+                <a:defRPr>
+                  <a:solidFill>
+                    <a:schemeClr val="tx1"/>
+                  </a:solidFill>
+                  <a:latin typeface="Calibri" panose="020F0502020204030204" pitchFamily="34" charset="0"/>
+                </a:defRPr>
+              </a:lvl5pPr>
+              <a:lvl6pPr marL="2514600" indent="-228600" eaLnBrk="0" fontAlgn="base" hangingPunct="0">
+                <a:spcBef>
+                  <a:spcPct val="0"/>
+                </a:spcBef>
+                <a:spcAft>
+                  <a:spcPct val="0"/>
+                </a:spcAft>
+                <a:defRPr>
+                  <a:solidFill>
+                    <a:schemeClr val="tx1"/>
+                  </a:solidFill>
+                  <a:latin typeface="Calibri" panose="020F0502020204030204" pitchFamily="34" charset="0"/>
+                </a:defRPr>
+              </a:lvl6pPr>
+              <a:lvl7pPr marL="2971800" indent="-228600" eaLnBrk="0" fontAlgn="base" hangingPunct="0">
+                <a:spcBef>
+                  <a:spcPct val="0"/>
+                </a:spcBef>
+                <a:spcAft>
+                  <a:spcPct val="0"/>
+                </a:spcAft>
+                <a:defRPr>
+                  <a:solidFill>
+                    <a:schemeClr val="tx1"/>
+                  </a:solidFill>
+                  <a:latin typeface="Calibri" panose="020F0502020204030204" pitchFamily="34" charset="0"/>
+                </a:defRPr>
+              </a:lvl7pPr>
+              <a:lvl8pPr marL="3429000" indent="-228600" eaLnBrk="0" fontAlgn="base" hangingPunct="0">
+                <a:spcBef>
+                  <a:spcPct val="0"/>
+                </a:spcBef>
+                <a:spcAft>
+                  <a:spcPct val="0"/>
+                </a:spcAft>
+                <a:defRPr>
+                  <a:solidFill>
+                    <a:schemeClr val="tx1"/>
+                  </a:solidFill>
+                  <a:latin typeface="Calibri" panose="020F0502020204030204" pitchFamily="34" charset="0"/>
+                </a:defRPr>
+              </a:lvl8pPr>
+              <a:lvl9pPr marL="3886200" indent="-228600" eaLnBrk="0" fontAlgn="base" hangingPunct="0">
+                <a:spcBef>
+                  <a:spcPct val="0"/>
+                </a:spcBef>
+                <a:spcAft>
+                  <a:spcPct val="0"/>
+                </a:spcAft>
+                <a:defRPr>
+                  <a:solidFill>
+                    <a:schemeClr val="tx1"/>
+                  </a:solidFill>
+                  <a:latin typeface="Calibri" panose="020F0502020204030204" pitchFamily="34" charset="0"/>
+                </a:defRPr>
+              </a:lvl9pPr>
+            </a:lstStyle>
+            <a:p>
+              <a:pPr algn="ctr" eaLnBrk="1" hangingPunct="1"/>
+              <a:r>
+                <a:rPr lang="en-US" altLang="ko-KR" sz="1000" dirty="0">
+                  <a:latin typeface="Arial" panose="020B0604020202020204" pitchFamily="34" charset="0"/>
+                  <a:ea typeface="Amazon Ember" panose="020B0603020204020204" pitchFamily="34" charset="0"/>
+                  <a:cs typeface="Arial" panose="020B0604020202020204" pitchFamily="34" charset="0"/>
+                </a:rPr>
+                <a:t>Modeling Task</a:t>
+              </a:r>
+              <a:endParaRPr lang="en-US" altLang="en-US" sz="1000" dirty="0">
+                <a:latin typeface="Arial" panose="020B0604020202020204" pitchFamily="34" charset="0"/>
+                <a:ea typeface="Amazon Ember" panose="020B0603020204020204" pitchFamily="34" charset="0"/>
+                <a:cs typeface="Arial" panose="020B0604020202020204" pitchFamily="34" charset="0"/>
+              </a:endParaRPr>
+            </a:p>
+          </p:txBody>
+        </p:sp>
+        <p:pic>
+          <p:nvPicPr>
+            <p:cNvPr id="49" name="Graphic 30">
+              <a:extLst>
+                <a:ext uri="{FF2B5EF4-FFF2-40B4-BE49-F238E27FC236}">
+                  <a16:creationId xmlns:a16="http://schemas.microsoft.com/office/drawing/2014/main" id="{C0134494-37B4-9E1A-A304-BEF1B7D5B086}"/>
+                </a:ext>
+              </a:extLst>
+            </p:cNvPr>
+            <p:cNvPicPr>
+              <a:picLocks noChangeAspect="1"/>
+            </p:cNvPicPr>
+            <p:nvPr/>
+          </p:nvPicPr>
+          <p:blipFill>
+            <a:blip r:embed="rId27">
+              <a:extLst>
+                <a:ext uri="{96DAC541-7B7A-43D3-8B79-37D633B846F1}">
+                  <asvg:svgBlip xmlns:asvg="http://schemas.microsoft.com/office/drawing/2016/SVG/main" r:embed="rId28"/>
+                </a:ext>
+              </a:extLst>
+            </a:blip>
+            <a:stretch>
+              <a:fillRect/>
+            </a:stretch>
+          </p:blipFill>
+          <p:spPr>
+            <a:xfrm>
+              <a:off x="1053137" y="2555734"/>
+              <a:ext cx="328886" cy="328886"/>
+            </a:xfrm>
+            <a:prstGeom prst="rect">
+              <a:avLst/>
+            </a:prstGeom>
+          </p:spPr>
+        </p:pic>
+      </p:grpSp>
+      <p:sp>
+        <p:nvSpPr>
+          <p:cNvPr id="50" name="TextBox 11">
+            <a:extLst>
+              <a:ext uri="{FF2B5EF4-FFF2-40B4-BE49-F238E27FC236}">
+                <a16:creationId xmlns:a16="http://schemas.microsoft.com/office/drawing/2014/main" id="{C976F34B-6C12-787A-D25F-FA21DD63BEE2}"/>
+              </a:ext>
+            </a:extLst>
+          </p:cNvPr>
+          <p:cNvSpPr txBox="1">
+            <a:spLocks noChangeArrowheads="1"/>
+          </p:cNvSpPr>
+          <p:nvPr/>
+        </p:nvSpPr>
+        <p:spPr bwMode="auto">
+          <a:xfrm>
+            <a:off x="7219787" y="4039352"/>
+            <a:ext cx="1702500" cy="400110"/>
+          </a:xfrm>
+          <a:prstGeom prst="rect">
+            <a:avLst/>
+          </a:prstGeom>
+          <a:noFill/>
+          <a:ln>
+            <a:noFill/>
+          </a:ln>
+          <a:extLst>
+            <a:ext uri="{909E8E84-426E-40DD-AFC4-6F175D3DCCD1}">
+              <a14:hiddenFill xmlns:a14="http://schemas.microsoft.com/office/drawing/2010/main">
+                <a:solidFill>
+                  <a:srgbClr val="FFFFFF"/>
+                </a:solidFill>
+              </a14:hiddenFill>
+            </a:ext>
+            <a:ext uri="{91240B29-F687-4F45-9708-019B960494DF}">
+              <a14:hiddenLine xmlns:a14="http://schemas.microsoft.com/office/drawing/2010/main" w="9525">
+                <a:solidFill>
+                  <a:srgbClr val="000000"/>
+                </a:solidFill>
+                <a:miter lim="800000"/>
+                <a:headEnd/>
+                <a:tailEnd/>
+              </a14:hiddenLine>
+            </a:ext>
+          </a:extLst>
+        </p:spPr>
+        <p:txBody>
+          <a:bodyPr wrap="square">
+            <a:spAutoFit/>
+          </a:bodyPr>
+          <a:lstStyle>
+            <a:defPPr>
+              <a:defRPr lang="en-US"/>
+            </a:defPPr>
+            <a:lvl1pPr algn="l" rtl="0" eaLnBrk="0" fontAlgn="base" hangingPunct="0">
+              <a:spcBef>
+                <a:spcPct val="0"/>
+              </a:spcBef>
+              <a:spcAft>
+                <a:spcPct val="0"/>
+              </a:spcAft>
+              <a:defRPr kern="1200">
+                <a:solidFill>
+                  <a:schemeClr val="tx1"/>
+                </a:solidFill>
+                <a:latin typeface="Calibri" panose="020F0502020204030204" pitchFamily="34" charset="0"/>
+                <a:ea typeface="+mn-ea"/>
+                <a:cs typeface="+mn-cs"/>
+              </a:defRPr>
+            </a:lvl1pPr>
+            <a:lvl2pPr marL="457200" algn="l" rtl="0" eaLnBrk="0" fontAlgn="base" hangingPunct="0">
+              <a:spcBef>
+                <a:spcPct val="0"/>
+              </a:spcBef>
+              <a:spcAft>
+                <a:spcPct val="0"/>
+              </a:spcAft>
+              <a:defRPr kern="1200">
+                <a:solidFill>
+                  <a:schemeClr val="tx1"/>
+                </a:solidFill>
+                <a:latin typeface="Calibri" panose="020F0502020204030204" pitchFamily="34" charset="0"/>
+                <a:ea typeface="+mn-ea"/>
+                <a:cs typeface="+mn-cs"/>
+              </a:defRPr>
+            </a:lvl2pPr>
+            <a:lvl3pPr marL="914400" algn="l" rtl="0" eaLnBrk="0" fontAlgn="base" hangingPunct="0">
+              <a:spcBef>
+                <a:spcPct val="0"/>
+              </a:spcBef>
+              <a:spcAft>
+                <a:spcPct val="0"/>
+              </a:spcAft>
+              <a:defRPr kern="1200">
+                <a:solidFill>
+                  <a:schemeClr val="tx1"/>
+                </a:solidFill>
+                <a:latin typeface="Calibri" panose="020F0502020204030204" pitchFamily="34" charset="0"/>
+                <a:ea typeface="+mn-ea"/>
+                <a:cs typeface="+mn-cs"/>
+              </a:defRPr>
+            </a:lvl3pPr>
+            <a:lvl4pPr marL="1371600" algn="l" rtl="0" eaLnBrk="0" fontAlgn="base" hangingPunct="0">
+              <a:spcBef>
+                <a:spcPct val="0"/>
+              </a:spcBef>
+              <a:spcAft>
+                <a:spcPct val="0"/>
+              </a:spcAft>
+              <a:defRPr kern="1200">
+                <a:solidFill>
+                  <a:schemeClr val="tx1"/>
+                </a:solidFill>
+                <a:latin typeface="Calibri" panose="020F0502020204030204" pitchFamily="34" charset="0"/>
+                <a:ea typeface="+mn-ea"/>
+                <a:cs typeface="+mn-cs"/>
+              </a:defRPr>
+            </a:lvl4pPr>
+            <a:lvl5pPr marL="1828800" algn="l" rtl="0" eaLnBrk="0" fontAlgn="base" hangingPunct="0">
+              <a:spcBef>
+                <a:spcPct val="0"/>
+              </a:spcBef>
+              <a:spcAft>
+                <a:spcPct val="0"/>
+              </a:spcAft>
+              <a:defRPr kern="1200">
+                <a:solidFill>
+                  <a:schemeClr val="tx1"/>
+                </a:solidFill>
+                <a:latin typeface="Calibri" panose="020F0502020204030204" pitchFamily="34" charset="0"/>
+                <a:ea typeface="+mn-ea"/>
+                <a:cs typeface="+mn-cs"/>
+              </a:defRPr>
+            </a:lvl5pPr>
+            <a:lvl6pPr marL="2286000" algn="l" defTabSz="914400" rtl="0" eaLnBrk="1" latinLnBrk="0" hangingPunct="1">
+              <a:defRPr kern="1200">
+                <a:solidFill>
+                  <a:schemeClr val="tx1"/>
+                </a:solidFill>
+                <a:latin typeface="Calibri" panose="020F0502020204030204" pitchFamily="34" charset="0"/>
+                <a:ea typeface="+mn-ea"/>
+                <a:cs typeface="+mn-cs"/>
+              </a:defRPr>
+            </a:lvl6pPr>
+            <a:lvl7pPr marL="2743200" algn="l" defTabSz="914400" rtl="0" eaLnBrk="1" latinLnBrk="0" hangingPunct="1">
+              <a:defRPr kern="1200">
+                <a:solidFill>
+                  <a:schemeClr val="tx1"/>
+                </a:solidFill>
+                <a:latin typeface="Calibri" panose="020F0502020204030204" pitchFamily="34" charset="0"/>
+                <a:ea typeface="+mn-ea"/>
+                <a:cs typeface="+mn-cs"/>
+              </a:defRPr>
+            </a:lvl7pPr>
+            <a:lvl8pPr marL="3200400" algn="l" defTabSz="914400" rtl="0" eaLnBrk="1" latinLnBrk="0" hangingPunct="1">
+              <a:defRPr kern="1200">
+                <a:solidFill>
+                  <a:schemeClr val="tx1"/>
+                </a:solidFill>
+                <a:latin typeface="Calibri" panose="020F0502020204030204" pitchFamily="34" charset="0"/>
+                <a:ea typeface="+mn-ea"/>
+                <a:cs typeface="+mn-cs"/>
+              </a:defRPr>
+            </a:lvl8pPr>
+            <a:lvl9pPr marL="3657600" algn="l" defTabSz="914400" rtl="0" eaLnBrk="1" latinLnBrk="0" hangingPunct="1">
+              <a:defRPr kern="1200">
+                <a:solidFill>
+                  <a:schemeClr val="tx1"/>
+                </a:solidFill>
+                <a:latin typeface="Calibri" panose="020F0502020204030204" pitchFamily="34" charset="0"/>
+                <a:ea typeface="+mn-ea"/>
+                <a:cs typeface="+mn-cs"/>
+              </a:defRPr>
+            </a:lvl9pPr>
+          </a:lstStyle>
+          <a:p>
+            <a:pPr algn="ctr" eaLnBrk="1" hangingPunct="1"/>
+            <a:r>
+              <a:rPr lang="en-US" altLang="en-US" sz="1000" dirty="0">
+                <a:latin typeface="Arial" panose="020B0604020202020204" pitchFamily="34" charset="0"/>
+                <a:cs typeface="Arial" panose="020B0604020202020204" pitchFamily="34" charset="0"/>
+              </a:rPr>
+              <a:t>Insert</a:t>
+            </a:r>
+          </a:p>
+          <a:p>
+            <a:pPr algn="ctr" eaLnBrk="1" hangingPunct="1"/>
+            <a:r>
+              <a:rPr lang="en-US" altLang="en-US" sz="1000" dirty="0">
+                <a:latin typeface="Arial" panose="020B0604020202020204" pitchFamily="34" charset="0"/>
+                <a:cs typeface="Arial" panose="020B0604020202020204" pitchFamily="34" charset="0"/>
+              </a:rPr>
+              <a:t>Analysis result</a:t>
+            </a:r>
+          </a:p>
+        </p:txBody>
+      </p:sp>
+      <p:cxnSp>
+        <p:nvCxnSpPr>
+          <p:cNvPr id="51" name="Straight Arrow Connector 20">
+            <a:extLst>
+              <a:ext uri="{FF2B5EF4-FFF2-40B4-BE49-F238E27FC236}">
+                <a16:creationId xmlns:a16="http://schemas.microsoft.com/office/drawing/2014/main" id="{7AF46F8C-4EBC-E776-A1DC-F231786D3A6F}"/>
+              </a:ext>
+            </a:extLst>
+          </p:cNvPr>
+          <p:cNvCxnSpPr>
+            <a:cxnSpLocks/>
+          </p:cNvCxnSpPr>
+          <p:nvPr/>
+        </p:nvCxnSpPr>
+        <p:spPr>
+          <a:xfrm>
+            <a:off x="5323125" y="2178593"/>
+            <a:ext cx="5233595" cy="0"/>
+          </a:xfrm>
+          <a:prstGeom prst="straightConnector1">
+            <a:avLst/>
+          </a:prstGeom>
+          <a:ln w="12700">
+            <a:solidFill>
+              <a:schemeClr val="tx2"/>
+            </a:solidFill>
+            <a:headEnd type="none" w="med" len="med"/>
+            <a:tailEnd type="triangle" w="med" len="med"/>
+          </a:ln>
+        </p:spPr>
+        <p:style>
+          <a:lnRef idx="1">
+            <a:schemeClr val="accent1"/>
+          </a:lnRef>
+          <a:fillRef idx="0">
+            <a:schemeClr val="accent1"/>
+          </a:fillRef>
+          <a:effectRef idx="0">
+            <a:schemeClr val="accent1"/>
+          </a:effectRef>
+          <a:fontRef idx="minor">
+            <a:schemeClr val="tx1"/>
+          </a:fontRef>
+        </p:style>
+      </p:cxnSp>
+      <p:sp>
+        <p:nvSpPr>
+          <p:cNvPr id="52" name="TextBox 11">
+            <a:extLst>
+              <a:ext uri="{FF2B5EF4-FFF2-40B4-BE49-F238E27FC236}">
+                <a16:creationId xmlns:a16="http://schemas.microsoft.com/office/drawing/2014/main" id="{CE7041A9-368F-EC25-2351-60A86BBAC53D}"/>
+              </a:ext>
+            </a:extLst>
+          </p:cNvPr>
+          <p:cNvSpPr txBox="1">
+            <a:spLocks noChangeArrowheads="1"/>
+          </p:cNvSpPr>
+          <p:nvPr/>
+        </p:nvSpPr>
+        <p:spPr bwMode="auto">
+          <a:xfrm>
+            <a:off x="6435873" y="2644980"/>
+            <a:ext cx="2036777" cy="246221"/>
+          </a:xfrm>
+          <a:prstGeom prst="rect">
+            <a:avLst/>
+          </a:prstGeom>
+          <a:noFill/>
+          <a:ln>
+            <a:noFill/>
+          </a:ln>
+          <a:extLst>
+            <a:ext uri="{909E8E84-426E-40DD-AFC4-6F175D3DCCD1}">
+              <a14:hiddenFill xmlns:a14="http://schemas.microsoft.com/office/drawing/2010/main">
+                <a:solidFill>
+                  <a:srgbClr val="FFFFFF"/>
+                </a:solidFill>
+              </a14:hiddenFill>
+            </a:ext>
+            <a:ext uri="{91240B29-F687-4F45-9708-019B960494DF}">
+              <a14:hiddenLine xmlns:a14="http://schemas.microsoft.com/office/drawing/2010/main" w="9525">
+                <a:solidFill>
+                  <a:srgbClr val="000000"/>
+                </a:solidFill>
+                <a:miter lim="800000"/>
+                <a:headEnd/>
+                <a:tailEnd/>
+              </a14:hiddenLine>
+            </a:ext>
+          </a:extLst>
+        </p:spPr>
+        <p:txBody>
+          <a:bodyPr wrap="square">
+            <a:spAutoFit/>
+          </a:bodyPr>
+          <a:lstStyle>
+            <a:defPPr>
+              <a:defRPr lang="en-US"/>
+            </a:defPPr>
+            <a:lvl1pPr algn="l" rtl="0" eaLnBrk="0" fontAlgn="base" hangingPunct="0">
+              <a:spcBef>
+                <a:spcPct val="0"/>
+              </a:spcBef>
+              <a:spcAft>
+                <a:spcPct val="0"/>
+              </a:spcAft>
+              <a:defRPr kern="1200">
+                <a:solidFill>
+                  <a:schemeClr val="tx1"/>
+                </a:solidFill>
+                <a:latin typeface="Calibri" panose="020F0502020204030204" pitchFamily="34" charset="0"/>
+                <a:ea typeface="+mn-ea"/>
+                <a:cs typeface="+mn-cs"/>
+              </a:defRPr>
+            </a:lvl1pPr>
+            <a:lvl2pPr marL="457200" algn="l" rtl="0" eaLnBrk="0" fontAlgn="base" hangingPunct="0">
+              <a:spcBef>
+                <a:spcPct val="0"/>
+              </a:spcBef>
+              <a:spcAft>
+                <a:spcPct val="0"/>
+              </a:spcAft>
+              <a:defRPr kern="1200">
+                <a:solidFill>
+                  <a:schemeClr val="tx1"/>
+                </a:solidFill>
+                <a:latin typeface="Calibri" panose="020F0502020204030204" pitchFamily="34" charset="0"/>
+                <a:ea typeface="+mn-ea"/>
+                <a:cs typeface="+mn-cs"/>
+              </a:defRPr>
+            </a:lvl2pPr>
+            <a:lvl3pPr marL="914400" algn="l" rtl="0" eaLnBrk="0" fontAlgn="base" hangingPunct="0">
+              <a:spcBef>
+                <a:spcPct val="0"/>
+              </a:spcBef>
+              <a:spcAft>
+                <a:spcPct val="0"/>
+              </a:spcAft>
+              <a:defRPr kern="1200">
+                <a:solidFill>
+                  <a:schemeClr val="tx1"/>
+                </a:solidFill>
+                <a:latin typeface="Calibri" panose="020F0502020204030204" pitchFamily="34" charset="0"/>
+                <a:ea typeface="+mn-ea"/>
+                <a:cs typeface="+mn-cs"/>
+              </a:defRPr>
+            </a:lvl3pPr>
+            <a:lvl4pPr marL="1371600" algn="l" rtl="0" eaLnBrk="0" fontAlgn="base" hangingPunct="0">
+              <a:spcBef>
+                <a:spcPct val="0"/>
+              </a:spcBef>
+              <a:spcAft>
+                <a:spcPct val="0"/>
+              </a:spcAft>
+              <a:defRPr kern="1200">
+                <a:solidFill>
+                  <a:schemeClr val="tx1"/>
+                </a:solidFill>
+                <a:latin typeface="Calibri" panose="020F0502020204030204" pitchFamily="34" charset="0"/>
+                <a:ea typeface="+mn-ea"/>
+                <a:cs typeface="+mn-cs"/>
+              </a:defRPr>
+            </a:lvl4pPr>
+            <a:lvl5pPr marL="1828800" algn="l" rtl="0" eaLnBrk="0" fontAlgn="base" hangingPunct="0">
+              <a:spcBef>
+                <a:spcPct val="0"/>
+              </a:spcBef>
+              <a:spcAft>
+                <a:spcPct val="0"/>
+              </a:spcAft>
+              <a:defRPr kern="1200">
+                <a:solidFill>
+                  <a:schemeClr val="tx1"/>
+                </a:solidFill>
+                <a:latin typeface="Calibri" panose="020F0502020204030204" pitchFamily="34" charset="0"/>
+                <a:ea typeface="+mn-ea"/>
+                <a:cs typeface="+mn-cs"/>
+              </a:defRPr>
+            </a:lvl5pPr>
+            <a:lvl6pPr marL="2286000" algn="l" defTabSz="914400" rtl="0" eaLnBrk="1" latinLnBrk="0" hangingPunct="1">
+              <a:defRPr kern="1200">
+                <a:solidFill>
+                  <a:schemeClr val="tx1"/>
+                </a:solidFill>
+                <a:latin typeface="Calibri" panose="020F0502020204030204" pitchFamily="34" charset="0"/>
+                <a:ea typeface="+mn-ea"/>
+                <a:cs typeface="+mn-cs"/>
+              </a:defRPr>
+            </a:lvl6pPr>
+            <a:lvl7pPr marL="2743200" algn="l" defTabSz="914400" rtl="0" eaLnBrk="1" latinLnBrk="0" hangingPunct="1">
+              <a:defRPr kern="1200">
+                <a:solidFill>
+                  <a:schemeClr val="tx1"/>
+                </a:solidFill>
+                <a:latin typeface="Calibri" panose="020F0502020204030204" pitchFamily="34" charset="0"/>
+                <a:ea typeface="+mn-ea"/>
+                <a:cs typeface="+mn-cs"/>
+              </a:defRPr>
+            </a:lvl7pPr>
+            <a:lvl8pPr marL="3200400" algn="l" defTabSz="914400" rtl="0" eaLnBrk="1" latinLnBrk="0" hangingPunct="1">
+              <a:defRPr kern="1200">
+                <a:solidFill>
+                  <a:schemeClr val="tx1"/>
+                </a:solidFill>
+                <a:latin typeface="Calibri" panose="020F0502020204030204" pitchFamily="34" charset="0"/>
+                <a:ea typeface="+mn-ea"/>
+                <a:cs typeface="+mn-cs"/>
+              </a:defRPr>
+            </a:lvl8pPr>
+            <a:lvl9pPr marL="3657600" algn="l" defTabSz="914400" rtl="0" eaLnBrk="1" latinLnBrk="0" hangingPunct="1">
+              <a:defRPr kern="1200">
+                <a:solidFill>
+                  <a:schemeClr val="tx1"/>
+                </a:solidFill>
+                <a:latin typeface="Calibri" panose="020F0502020204030204" pitchFamily="34" charset="0"/>
+                <a:ea typeface="+mn-ea"/>
+                <a:cs typeface="+mn-cs"/>
+              </a:defRPr>
+            </a:lvl9pPr>
+          </a:lstStyle>
+          <a:p>
+            <a:pPr algn="ctr" eaLnBrk="1" hangingPunct="1"/>
+            <a:r>
+              <a:rPr lang="en-US" altLang="en-US" sz="1000" dirty="0">
+                <a:latin typeface="Arial" panose="020B0604020202020204" pitchFamily="34" charset="0"/>
+                <a:cs typeface="Arial" panose="020B0604020202020204" pitchFamily="34" charset="0"/>
+              </a:rPr>
+              <a:t>Rendering Analysis result</a:t>
+            </a:r>
+          </a:p>
+        </p:txBody>
+      </p:sp>
+      <p:sp>
+        <p:nvSpPr>
+          <p:cNvPr id="53" name="TextBox 16">
+            <a:extLst>
+              <a:ext uri="{FF2B5EF4-FFF2-40B4-BE49-F238E27FC236}">
+                <a16:creationId xmlns:a16="http://schemas.microsoft.com/office/drawing/2014/main" id="{73F982E2-C8BC-EB5A-2D39-01577F47D5F4}"/>
+              </a:ext>
+            </a:extLst>
+          </p:cNvPr>
+          <p:cNvSpPr txBox="1">
+            <a:spLocks noChangeArrowheads="1"/>
+          </p:cNvSpPr>
+          <p:nvPr/>
+        </p:nvSpPr>
+        <p:spPr bwMode="auto">
+          <a:xfrm>
+            <a:off x="6651920" y="2143000"/>
+            <a:ext cx="2427849" cy="261610"/>
+          </a:xfrm>
+          <a:prstGeom prst="rect">
+            <a:avLst/>
+          </a:prstGeom>
+          <a:noFill/>
+          <a:ln>
+            <a:noFill/>
+          </a:ln>
+          <a:extLst>
+            <a:ext uri="{909E8E84-426E-40DD-AFC4-6F175D3DCCD1}">
+              <a14:hiddenFill xmlns:a14="http://schemas.microsoft.com/office/drawing/2010/main">
+                <a:solidFill>
+                  <a:srgbClr val="FFFFFF"/>
+                </a:solidFill>
+              </a14:hiddenFill>
+            </a:ext>
+            <a:ext uri="{91240B29-F687-4F45-9708-019B960494DF}">
+              <a14:hiddenLine xmlns:a14="http://schemas.microsoft.com/office/drawing/2010/main" w="9525">
+                <a:solidFill>
+                  <a:srgbClr val="000000"/>
+                </a:solidFill>
+                <a:miter lim="800000"/>
+                <a:headEnd/>
+                <a:tailEnd/>
+              </a14:hiddenLine>
+            </a:ext>
+          </a:extLst>
+        </p:spPr>
+        <p:txBody>
+          <a:bodyPr wrap="square">
+            <a:spAutoFit/>
+          </a:bodyPr>
+          <a:lstStyle>
+            <a:defPPr>
+              <a:defRPr lang="en-US"/>
+            </a:defPPr>
+            <a:lvl1pPr algn="l" rtl="0" eaLnBrk="0" fontAlgn="base" hangingPunct="0">
+              <a:spcBef>
+                <a:spcPct val="0"/>
+              </a:spcBef>
+              <a:spcAft>
+                <a:spcPct val="0"/>
+              </a:spcAft>
+              <a:defRPr kern="1200">
+                <a:solidFill>
+                  <a:schemeClr val="tx1"/>
+                </a:solidFill>
+                <a:latin typeface="Calibri" panose="020F0502020204030204" pitchFamily="34" charset="0"/>
+                <a:ea typeface="+mn-ea"/>
+                <a:cs typeface="+mn-cs"/>
+              </a:defRPr>
+            </a:lvl1pPr>
+            <a:lvl2pPr marL="457200" algn="l" rtl="0" eaLnBrk="0" fontAlgn="base" hangingPunct="0">
+              <a:spcBef>
+                <a:spcPct val="0"/>
+              </a:spcBef>
+              <a:spcAft>
+                <a:spcPct val="0"/>
+              </a:spcAft>
+              <a:defRPr kern="1200">
+                <a:solidFill>
+                  <a:schemeClr val="tx1"/>
+                </a:solidFill>
+                <a:latin typeface="Calibri" panose="020F0502020204030204" pitchFamily="34" charset="0"/>
+                <a:ea typeface="+mn-ea"/>
+                <a:cs typeface="+mn-cs"/>
+              </a:defRPr>
+            </a:lvl2pPr>
+            <a:lvl3pPr marL="914400" algn="l" rtl="0" eaLnBrk="0" fontAlgn="base" hangingPunct="0">
+              <a:spcBef>
+                <a:spcPct val="0"/>
+              </a:spcBef>
+              <a:spcAft>
+                <a:spcPct val="0"/>
+              </a:spcAft>
+              <a:defRPr kern="1200">
+                <a:solidFill>
+                  <a:schemeClr val="tx1"/>
+                </a:solidFill>
+                <a:latin typeface="Calibri" panose="020F0502020204030204" pitchFamily="34" charset="0"/>
+                <a:ea typeface="+mn-ea"/>
+                <a:cs typeface="+mn-cs"/>
+              </a:defRPr>
+            </a:lvl3pPr>
+            <a:lvl4pPr marL="1371600" algn="l" rtl="0" eaLnBrk="0" fontAlgn="base" hangingPunct="0">
+              <a:spcBef>
+                <a:spcPct val="0"/>
+              </a:spcBef>
+              <a:spcAft>
+                <a:spcPct val="0"/>
+              </a:spcAft>
+              <a:defRPr kern="1200">
+                <a:solidFill>
+                  <a:schemeClr val="tx1"/>
+                </a:solidFill>
+                <a:latin typeface="Calibri" panose="020F0502020204030204" pitchFamily="34" charset="0"/>
+                <a:ea typeface="+mn-ea"/>
+                <a:cs typeface="+mn-cs"/>
+              </a:defRPr>
+            </a:lvl4pPr>
+            <a:lvl5pPr marL="1828800" algn="l" rtl="0" eaLnBrk="0" fontAlgn="base" hangingPunct="0">
+              <a:spcBef>
+                <a:spcPct val="0"/>
+              </a:spcBef>
+              <a:spcAft>
+                <a:spcPct val="0"/>
+              </a:spcAft>
+              <a:defRPr kern="1200">
+                <a:solidFill>
+                  <a:schemeClr val="tx1"/>
+                </a:solidFill>
+                <a:latin typeface="Calibri" panose="020F0502020204030204" pitchFamily="34" charset="0"/>
+                <a:ea typeface="+mn-ea"/>
+                <a:cs typeface="+mn-cs"/>
+              </a:defRPr>
+            </a:lvl5pPr>
+            <a:lvl6pPr marL="2286000" algn="l" defTabSz="914400" rtl="0" eaLnBrk="1" latinLnBrk="0" hangingPunct="1">
+              <a:defRPr kern="1200">
+                <a:solidFill>
+                  <a:schemeClr val="tx1"/>
+                </a:solidFill>
+                <a:latin typeface="Calibri" panose="020F0502020204030204" pitchFamily="34" charset="0"/>
+                <a:ea typeface="+mn-ea"/>
+                <a:cs typeface="+mn-cs"/>
+              </a:defRPr>
+            </a:lvl6pPr>
+            <a:lvl7pPr marL="2743200" algn="l" defTabSz="914400" rtl="0" eaLnBrk="1" latinLnBrk="0" hangingPunct="1">
+              <a:defRPr kern="1200">
+                <a:solidFill>
+                  <a:schemeClr val="tx1"/>
+                </a:solidFill>
+                <a:latin typeface="Calibri" panose="020F0502020204030204" pitchFamily="34" charset="0"/>
+                <a:ea typeface="+mn-ea"/>
+                <a:cs typeface="+mn-cs"/>
+              </a:defRPr>
+            </a:lvl7pPr>
+            <a:lvl8pPr marL="3200400" algn="l" defTabSz="914400" rtl="0" eaLnBrk="1" latinLnBrk="0" hangingPunct="1">
+              <a:defRPr kern="1200">
+                <a:solidFill>
+                  <a:schemeClr val="tx1"/>
+                </a:solidFill>
+                <a:latin typeface="Calibri" panose="020F0502020204030204" pitchFamily="34" charset="0"/>
+                <a:ea typeface="+mn-ea"/>
+                <a:cs typeface="+mn-cs"/>
+              </a:defRPr>
+            </a:lvl8pPr>
+            <a:lvl9pPr marL="3657600" algn="l" defTabSz="914400" rtl="0" eaLnBrk="1" latinLnBrk="0" hangingPunct="1">
+              <a:defRPr kern="1200">
+                <a:solidFill>
+                  <a:schemeClr val="tx1"/>
+                </a:solidFill>
+                <a:latin typeface="Calibri" panose="020F0502020204030204" pitchFamily="34" charset="0"/>
+                <a:ea typeface="+mn-ea"/>
+                <a:cs typeface="+mn-cs"/>
+              </a:defRPr>
+            </a:lvl9pPr>
+          </a:lstStyle>
+          <a:p>
+            <a:pPr algn="ctr" eaLnBrk="1" hangingPunct="1"/>
+            <a:r>
+              <a:rPr lang="en-US" altLang="en-US" sz="1100" dirty="0">
+                <a:latin typeface="Arial" panose="020B0604020202020204" pitchFamily="34" charset="0"/>
+                <a:ea typeface="Amazon Ember" panose="020B0603020204020204" pitchFamily="34" charset="0"/>
+                <a:cs typeface="Arial" panose="020B0604020202020204" pitchFamily="34" charset="0"/>
+              </a:rPr>
+              <a:t>Response Analysis Result</a:t>
+            </a:r>
+          </a:p>
+        </p:txBody>
+      </p:sp>
+      <p:cxnSp>
+        <p:nvCxnSpPr>
+          <p:cNvPr id="54" name="Straight Arrow Connector 25">
+            <a:extLst>
+              <a:ext uri="{FF2B5EF4-FFF2-40B4-BE49-F238E27FC236}">
+                <a16:creationId xmlns:a16="http://schemas.microsoft.com/office/drawing/2014/main" id="{C56601F0-1CA8-DCC5-6D7E-6C903A433E43}"/>
+              </a:ext>
+            </a:extLst>
+          </p:cNvPr>
+          <p:cNvCxnSpPr>
+            <a:cxnSpLocks/>
+            <a:endCxn id="18" idx="0"/>
+          </p:cNvCxnSpPr>
+          <p:nvPr/>
+        </p:nvCxnSpPr>
+        <p:spPr>
+          <a:xfrm rot="5400000">
+            <a:off x="2173325" y="3526767"/>
+            <a:ext cx="1018633" cy="438839"/>
+          </a:xfrm>
+          <a:prstGeom prst="bentConnector3">
+            <a:avLst>
+              <a:gd name="adj1" fmla="val 50000"/>
+            </a:avLst>
+          </a:prstGeom>
+          <a:ln w="12700">
+            <a:solidFill>
+              <a:schemeClr val="tx2"/>
+            </a:solidFill>
+            <a:headEnd type="none" w="med" len="med"/>
+            <a:tailEnd type="triangle" w="med" len="med"/>
+          </a:ln>
+        </p:spPr>
+        <p:style>
+          <a:lnRef idx="1">
+            <a:schemeClr val="accent1"/>
+          </a:lnRef>
+          <a:fillRef idx="0">
+            <a:schemeClr val="accent1"/>
+          </a:fillRef>
+          <a:effectRef idx="0">
+            <a:schemeClr val="accent1"/>
+          </a:effectRef>
+          <a:fontRef idx="minor">
+            <a:schemeClr val="tx1"/>
+          </a:fontRef>
+        </p:style>
+      </p:cxnSp>
+      <p:pic>
+        <p:nvPicPr>
+          <p:cNvPr id="55" name="Picture 2" descr="Dash Plotly 를 활용한 Web 기반 대시보드 구축 - (2) Dash 설치와 앱 실행 - 오늘 ++">
+            <a:extLst>
+              <a:ext uri="{FF2B5EF4-FFF2-40B4-BE49-F238E27FC236}">
+                <a16:creationId xmlns:a16="http://schemas.microsoft.com/office/drawing/2014/main" id="{D0A2C55D-47CA-5E31-06DE-03823A5900C8}"/>
+              </a:ext>
+            </a:extLst>
+          </p:cNvPr>
+          <p:cNvPicPr>
+            <a:picLocks noChangeAspect="1" noChangeArrowheads="1"/>
+          </p:cNvPicPr>
+          <p:nvPr/>
+        </p:nvPicPr>
+        <p:blipFill rotWithShape="1">
+          <a:blip r:embed="rId29">
+            <a:extLst>
+              <a:ext uri="{28A0092B-C50C-407E-A947-70E740481C1C}">
+                <a14:useLocalDpi xmlns:a14="http://schemas.microsoft.com/office/drawing/2010/main" val="0"/>
+              </a:ext>
+            </a:extLst>
+          </a:blip>
+          <a:srcRect t="31993" b="31193"/>
+          <a:stretch/>
+        </p:blipFill>
+        <p:spPr bwMode="auto">
+          <a:xfrm>
+            <a:off x="4127341" y="2534011"/>
+            <a:ext cx="1122217" cy="309852"/>
+          </a:xfrm>
+          <a:prstGeom prst="rect">
+            <a:avLst/>
+          </a:prstGeom>
+          <a:noFill/>
+          <a:extLst>
+            <a:ext uri="{909E8E84-426E-40DD-AFC4-6F175D3DCCD1}">
+              <a14:hiddenFill xmlns:a14="http://schemas.microsoft.com/office/drawing/2010/main">
+                <a:solidFill>
+                  <a:srgbClr val="FFFFFF"/>
+                </a:solidFill>
+              </a14:hiddenFill>
+            </a:ext>
+          </a:extLst>
+        </p:spPr>
+      </p:pic>
+      <p:pic>
+        <p:nvPicPr>
+          <p:cNvPr id="56" name="Graphic 30">
+            <a:extLst>
+              <a:ext uri="{FF2B5EF4-FFF2-40B4-BE49-F238E27FC236}">
+                <a16:creationId xmlns:a16="http://schemas.microsoft.com/office/drawing/2014/main" id="{626FF380-FBC4-C4A5-3F18-FFCEB5A83288}"/>
+              </a:ext>
+            </a:extLst>
+          </p:cNvPr>
+          <p:cNvPicPr>
+            <a:picLocks noChangeAspect="1"/>
+          </p:cNvPicPr>
+          <p:nvPr/>
+        </p:nvPicPr>
+        <p:blipFill>
+          <a:blip r:embed="rId27">
+            <a:extLst>
+              <a:ext uri="{96DAC541-7B7A-43D3-8B79-37D633B846F1}">
+                <asvg:svgBlip xmlns:asvg="http://schemas.microsoft.com/office/drawing/2016/SVG/main" r:embed="rId28"/>
+              </a:ext>
+            </a:extLst>
+          </a:blip>
+          <a:stretch>
+            <a:fillRect/>
+          </a:stretch>
+        </p:blipFill>
+        <p:spPr>
+          <a:xfrm>
+            <a:off x="5767114" y="4534288"/>
+            <a:ext cx="328886" cy="328886"/>
+          </a:xfrm>
+          <a:prstGeom prst="rect">
+            <a:avLst/>
+          </a:prstGeom>
+        </p:spPr>
+      </p:pic>
+      <p:cxnSp>
+        <p:nvCxnSpPr>
+          <p:cNvPr id="57" name="연결선: 꺾임 56">
+            <a:extLst>
+              <a:ext uri="{FF2B5EF4-FFF2-40B4-BE49-F238E27FC236}">
+                <a16:creationId xmlns:a16="http://schemas.microsoft.com/office/drawing/2014/main" id="{C48F9221-E5F1-3CEA-F5D1-1F5F28D9BC2A}"/>
+              </a:ext>
+            </a:extLst>
+          </p:cNvPr>
+          <p:cNvCxnSpPr>
+            <a:endCxn id="49" idx="1"/>
+          </p:cNvCxnSpPr>
+          <p:nvPr/>
+        </p:nvCxnSpPr>
+        <p:spPr>
+          <a:xfrm flipV="1">
+            <a:off x="3720246" y="4027152"/>
+            <a:ext cx="2037575" cy="471823"/>
+          </a:xfrm>
+          <a:prstGeom prst="bentConnector3">
+            <a:avLst/>
+          </a:prstGeom>
+          <a:ln w="12700">
+            <a:solidFill>
+              <a:schemeClr val="tx2"/>
+            </a:solidFill>
+            <a:headEnd type="none" w="med" len="med"/>
+            <a:tailEnd type="triangle" w="med" len="med"/>
+          </a:ln>
+        </p:spPr>
+        <p:style>
+          <a:lnRef idx="1">
+            <a:schemeClr val="dk1"/>
+          </a:lnRef>
+          <a:fillRef idx="0">
+            <a:schemeClr val="dk1"/>
+          </a:fillRef>
+          <a:effectRef idx="0">
+            <a:schemeClr val="dk1"/>
+          </a:effectRef>
+          <a:fontRef idx="minor">
+            <a:schemeClr val="tx1"/>
+          </a:fontRef>
+        </p:style>
+      </p:cxnSp>
+      <p:cxnSp>
+        <p:nvCxnSpPr>
+          <p:cNvPr id="58" name="연결선: 꺾임 57">
+            <a:extLst>
+              <a:ext uri="{FF2B5EF4-FFF2-40B4-BE49-F238E27FC236}">
+                <a16:creationId xmlns:a16="http://schemas.microsoft.com/office/drawing/2014/main" id="{304F9267-404D-A00D-CBCF-7B86727E03F0}"/>
+              </a:ext>
+            </a:extLst>
+          </p:cNvPr>
+          <p:cNvCxnSpPr>
+            <a:cxnSpLocks/>
+            <a:endCxn id="56" idx="1"/>
+          </p:cNvCxnSpPr>
+          <p:nvPr/>
+        </p:nvCxnSpPr>
+        <p:spPr>
+          <a:xfrm>
+            <a:off x="4018469" y="4516544"/>
+            <a:ext cx="1748645" cy="182187"/>
+          </a:xfrm>
+          <a:prstGeom prst="bentConnector3">
+            <a:avLst>
+              <a:gd name="adj1" fmla="val 50000"/>
+            </a:avLst>
+          </a:prstGeom>
+          <a:ln w="12700">
+            <a:solidFill>
+              <a:schemeClr val="tx2"/>
+            </a:solidFill>
+            <a:headEnd type="none" w="med" len="med"/>
+            <a:tailEnd type="triangle" w="med" len="med"/>
+          </a:ln>
+        </p:spPr>
+        <p:style>
+          <a:lnRef idx="1">
+            <a:schemeClr val="dk1"/>
+          </a:lnRef>
+          <a:fillRef idx="0">
+            <a:schemeClr val="dk1"/>
+          </a:fillRef>
+          <a:effectRef idx="0">
+            <a:schemeClr val="dk1"/>
+          </a:effectRef>
+          <a:fontRef idx="minor">
+            <a:schemeClr val="tx1"/>
+          </a:fontRef>
+        </p:style>
+      </p:cxnSp>
+      <p:cxnSp>
+        <p:nvCxnSpPr>
+          <p:cNvPr id="59" name="연결선: 꺾임 58">
+            <a:extLst>
+              <a:ext uri="{FF2B5EF4-FFF2-40B4-BE49-F238E27FC236}">
+                <a16:creationId xmlns:a16="http://schemas.microsoft.com/office/drawing/2014/main" id="{D8B62F25-0ABB-A937-A1AB-36ACCDD3ADB6}"/>
+              </a:ext>
+            </a:extLst>
+          </p:cNvPr>
+          <p:cNvCxnSpPr>
+            <a:cxnSpLocks/>
+            <a:endCxn id="44" idx="1"/>
+          </p:cNvCxnSpPr>
+          <p:nvPr/>
+        </p:nvCxnSpPr>
+        <p:spPr>
+          <a:xfrm flipV="1">
+            <a:off x="6093250" y="4430166"/>
+            <a:ext cx="2630283" cy="277577"/>
+          </a:xfrm>
+          <a:prstGeom prst="bentConnector3">
+            <a:avLst>
+              <a:gd name="adj1" fmla="val 30565"/>
+            </a:avLst>
+          </a:prstGeom>
+          <a:ln w="12700">
+            <a:solidFill>
+              <a:schemeClr val="tx2"/>
+            </a:solidFill>
+            <a:headEnd type="none" w="med" len="med"/>
+            <a:tailEnd type="triangle" w="med" len="med"/>
+          </a:ln>
+        </p:spPr>
+        <p:style>
+          <a:lnRef idx="1">
+            <a:schemeClr val="dk1"/>
+          </a:lnRef>
+          <a:fillRef idx="0">
+            <a:schemeClr val="dk1"/>
+          </a:fillRef>
+          <a:effectRef idx="0">
+            <a:schemeClr val="dk1"/>
+          </a:effectRef>
+          <a:fontRef idx="minor">
+            <a:schemeClr val="tx1"/>
+          </a:fontRef>
+        </p:style>
+      </p:cxnSp>
+      <p:cxnSp>
+        <p:nvCxnSpPr>
+          <p:cNvPr id="60" name="연결선: 꺾임 59">
+            <a:extLst>
+              <a:ext uri="{FF2B5EF4-FFF2-40B4-BE49-F238E27FC236}">
+                <a16:creationId xmlns:a16="http://schemas.microsoft.com/office/drawing/2014/main" id="{29759DA8-4DD7-79C5-A771-234726D22CED}"/>
+              </a:ext>
+            </a:extLst>
+          </p:cNvPr>
+          <p:cNvCxnSpPr>
+            <a:cxnSpLocks/>
+            <a:endCxn id="44" idx="1"/>
+          </p:cNvCxnSpPr>
+          <p:nvPr/>
+        </p:nvCxnSpPr>
+        <p:spPr>
+          <a:xfrm>
+            <a:off x="6067286" y="4025689"/>
+            <a:ext cx="2656247" cy="404477"/>
+          </a:xfrm>
+          <a:prstGeom prst="bentConnector3">
+            <a:avLst>
+              <a:gd name="adj1" fmla="val 31233"/>
+            </a:avLst>
+          </a:prstGeom>
+          <a:ln w="12700">
+            <a:solidFill>
+              <a:schemeClr val="tx2"/>
+            </a:solidFill>
+            <a:headEnd type="none" w="med" len="med"/>
+            <a:tailEnd type="triangle" w="med" len="med"/>
+          </a:ln>
+        </p:spPr>
+        <p:style>
+          <a:lnRef idx="1">
+            <a:schemeClr val="dk1"/>
+          </a:lnRef>
+          <a:fillRef idx="0">
+            <a:schemeClr val="dk1"/>
+          </a:fillRef>
+          <a:effectRef idx="0">
+            <a:schemeClr val="dk1"/>
+          </a:effectRef>
+          <a:fontRef idx="minor">
+            <a:schemeClr val="tx1"/>
+          </a:fontRef>
+        </p:style>
+      </p:cxnSp>
+      <p:cxnSp>
+        <p:nvCxnSpPr>
+          <p:cNvPr id="61" name="연결선: 꺾임 60">
+            <a:extLst>
+              <a:ext uri="{FF2B5EF4-FFF2-40B4-BE49-F238E27FC236}">
+                <a16:creationId xmlns:a16="http://schemas.microsoft.com/office/drawing/2014/main" id="{00680EA9-F8E0-78CC-9EC6-FC49696ACFF3}"/>
+              </a:ext>
+            </a:extLst>
+          </p:cNvPr>
+          <p:cNvCxnSpPr>
+            <a:stCxn id="44" idx="0"/>
+          </p:cNvCxnSpPr>
+          <p:nvPr/>
+        </p:nvCxnSpPr>
+        <p:spPr>
+          <a:xfrm rot="16200000" flipV="1">
+            <a:off x="6379605" y="1624571"/>
+            <a:ext cx="1557733" cy="3591791"/>
+          </a:xfrm>
+          <a:prstGeom prst="bentConnector2">
+            <a:avLst/>
+          </a:prstGeom>
+          <a:ln w="12700">
+            <a:solidFill>
+              <a:schemeClr val="tx2"/>
+            </a:solidFill>
+            <a:headEnd type="none" w="med" len="med"/>
+            <a:tailEnd type="triangle" w="med" len="med"/>
+          </a:ln>
+        </p:spPr>
+        <p:style>
+          <a:lnRef idx="1">
+            <a:schemeClr val="dk1"/>
+          </a:lnRef>
+          <a:fillRef idx="0">
+            <a:schemeClr val="dk1"/>
+          </a:fillRef>
+          <a:effectRef idx="0">
+            <a:schemeClr val="dk1"/>
+          </a:effectRef>
+          <a:fontRef idx="minor">
+            <a:schemeClr val="tx1"/>
+          </a:fontRef>
+        </p:style>
+      </p:cxnSp>
+      <p:pic>
+        <p:nvPicPr>
+          <p:cNvPr id="62" name="Picture 14" descr="Docker] docker pause, unpause (stop과 차이점)">
+            <a:extLst>
+              <a:ext uri="{FF2B5EF4-FFF2-40B4-BE49-F238E27FC236}">
+                <a16:creationId xmlns:a16="http://schemas.microsoft.com/office/drawing/2014/main" id="{21C708F0-98F0-5175-B381-AD4751C6C4AD}"/>
+              </a:ext>
+            </a:extLst>
+          </p:cNvPr>
+          <p:cNvPicPr>
+            <a:picLocks noChangeAspect="1" noChangeArrowheads="1"/>
+          </p:cNvPicPr>
+          <p:nvPr/>
+        </p:nvPicPr>
+        <p:blipFill>
+          <a:blip r:embed="rId14">
+            <a:extLst>
+              <a:ext uri="{28A0092B-C50C-407E-A947-70E740481C1C}">
+                <a14:useLocalDpi xmlns:a14="http://schemas.microsoft.com/office/drawing/2010/main" val="0"/>
+              </a:ext>
+            </a:extLst>
+          </a:blip>
+          <a:srcRect/>
+          <a:stretch>
+            <a:fillRect/>
+          </a:stretch>
+        </p:blipFill>
+        <p:spPr bwMode="auto">
+          <a:xfrm>
+            <a:off x="6078166" y="3683133"/>
+            <a:ext cx="331894" cy="283917"/>
+          </a:xfrm>
+          <a:prstGeom prst="rect">
+            <a:avLst/>
+          </a:prstGeom>
+          <a:noFill/>
+          <a:extLst>
+            <a:ext uri="{909E8E84-426E-40DD-AFC4-6F175D3DCCD1}">
+              <a14:hiddenFill xmlns:a14="http://schemas.microsoft.com/office/drawing/2010/main">
+                <a:solidFill>
+                  <a:srgbClr val="FFFFFF"/>
+                </a:solidFill>
+              </a14:hiddenFill>
+            </a:ext>
+          </a:extLst>
+        </p:spPr>
+      </p:pic>
+      <p:pic>
+        <p:nvPicPr>
+          <p:cNvPr id="63" name="Picture 14" descr="Docker] docker pause, unpause (stop과 차이점)">
+            <a:extLst>
+              <a:ext uri="{FF2B5EF4-FFF2-40B4-BE49-F238E27FC236}">
+                <a16:creationId xmlns:a16="http://schemas.microsoft.com/office/drawing/2014/main" id="{87148E54-921B-1160-3632-7667539418BC}"/>
+              </a:ext>
+            </a:extLst>
+          </p:cNvPr>
+          <p:cNvPicPr>
+            <a:picLocks noChangeAspect="1" noChangeArrowheads="1"/>
+          </p:cNvPicPr>
+          <p:nvPr/>
+        </p:nvPicPr>
+        <p:blipFill>
+          <a:blip r:embed="rId14">
+            <a:extLst>
+              <a:ext uri="{28A0092B-C50C-407E-A947-70E740481C1C}">
+                <a14:useLocalDpi xmlns:a14="http://schemas.microsoft.com/office/drawing/2010/main" val="0"/>
+              </a:ext>
+            </a:extLst>
+          </a:blip>
+          <a:srcRect/>
+          <a:stretch>
+            <a:fillRect/>
+          </a:stretch>
+        </p:blipFill>
+        <p:spPr bwMode="auto">
+          <a:xfrm>
+            <a:off x="6099535" y="4383161"/>
+            <a:ext cx="331894" cy="283917"/>
+          </a:xfrm>
+          <a:prstGeom prst="rect">
+            <a:avLst/>
+          </a:prstGeom>
+          <a:noFill/>
+          <a:extLst>
+            <a:ext uri="{909E8E84-426E-40DD-AFC4-6F175D3DCCD1}">
+              <a14:hiddenFill xmlns:a14="http://schemas.microsoft.com/office/drawing/2010/main">
+                <a:solidFill>
+                  <a:srgbClr val="FFFFFF"/>
+                </a:solidFill>
+              </a14:hiddenFill>
+            </a:ext>
+          </a:extLst>
+        </p:spPr>
+      </p:pic>
+    </p:spTree>
+    <p:extLst>
+      <p:ext uri="{BB962C8B-B14F-4D97-AF65-F5344CB8AC3E}">
+        <p14:creationId xmlns:p14="http://schemas.microsoft.com/office/powerpoint/2010/main" val="3050878430"/>
       </p:ext>
     </p:extLst>
   </p:cSld>

--- a/Final_pjt2/Infra_Pipeline.pptx
+++ b/Final_pjt2/Infra_Pipeline.pptx
@@ -262,7 +262,7 @@
           <a:p>
             <a:fld id="{F4D0D417-D880-4BB4-B0FA-3563BBBF0335}" type="datetimeFigureOut">
               <a:rPr lang="ko-KR" altLang="en-US" smtClean="0"/>
-              <a:t>2023-12-29</a:t>
+              <a:t>2023-12-31</a:t>
             </a:fld>
             <a:endParaRPr lang="ko-KR" altLang="en-US"/>
           </a:p>
@@ -460,7 +460,7 @@
           <a:p>
             <a:fld id="{F4D0D417-D880-4BB4-B0FA-3563BBBF0335}" type="datetimeFigureOut">
               <a:rPr lang="ko-KR" altLang="en-US" smtClean="0"/>
-              <a:t>2023-12-29</a:t>
+              <a:t>2023-12-31</a:t>
             </a:fld>
             <a:endParaRPr lang="ko-KR" altLang="en-US"/>
           </a:p>
@@ -668,7 +668,7 @@
           <a:p>
             <a:fld id="{F4D0D417-D880-4BB4-B0FA-3563BBBF0335}" type="datetimeFigureOut">
               <a:rPr lang="ko-KR" altLang="en-US" smtClean="0"/>
-              <a:t>2023-12-29</a:t>
+              <a:t>2023-12-31</a:t>
             </a:fld>
             <a:endParaRPr lang="ko-KR" altLang="en-US"/>
           </a:p>
@@ -866,7 +866,7 @@
           <a:p>
             <a:fld id="{F4D0D417-D880-4BB4-B0FA-3563BBBF0335}" type="datetimeFigureOut">
               <a:rPr lang="ko-KR" altLang="en-US" smtClean="0"/>
-              <a:t>2023-12-29</a:t>
+              <a:t>2023-12-31</a:t>
             </a:fld>
             <a:endParaRPr lang="ko-KR" altLang="en-US"/>
           </a:p>
@@ -1141,7 +1141,7 @@
           <a:p>
             <a:fld id="{F4D0D417-D880-4BB4-B0FA-3563BBBF0335}" type="datetimeFigureOut">
               <a:rPr lang="ko-KR" altLang="en-US" smtClean="0"/>
-              <a:t>2023-12-29</a:t>
+              <a:t>2023-12-31</a:t>
             </a:fld>
             <a:endParaRPr lang="ko-KR" altLang="en-US"/>
           </a:p>
@@ -1406,7 +1406,7 @@
           <a:p>
             <a:fld id="{F4D0D417-D880-4BB4-B0FA-3563BBBF0335}" type="datetimeFigureOut">
               <a:rPr lang="ko-KR" altLang="en-US" smtClean="0"/>
-              <a:t>2023-12-29</a:t>
+              <a:t>2023-12-31</a:t>
             </a:fld>
             <a:endParaRPr lang="ko-KR" altLang="en-US"/>
           </a:p>
@@ -1818,7 +1818,7 @@
           <a:p>
             <a:fld id="{F4D0D417-D880-4BB4-B0FA-3563BBBF0335}" type="datetimeFigureOut">
               <a:rPr lang="ko-KR" altLang="en-US" smtClean="0"/>
-              <a:t>2023-12-29</a:t>
+              <a:t>2023-12-31</a:t>
             </a:fld>
             <a:endParaRPr lang="ko-KR" altLang="en-US"/>
           </a:p>
@@ -1959,7 +1959,7 @@
           <a:p>
             <a:fld id="{F4D0D417-D880-4BB4-B0FA-3563BBBF0335}" type="datetimeFigureOut">
               <a:rPr lang="ko-KR" altLang="en-US" smtClean="0"/>
-              <a:t>2023-12-29</a:t>
+              <a:t>2023-12-31</a:t>
             </a:fld>
             <a:endParaRPr lang="ko-KR" altLang="en-US"/>
           </a:p>
@@ -2072,7 +2072,7 @@
           <a:p>
             <a:fld id="{F4D0D417-D880-4BB4-B0FA-3563BBBF0335}" type="datetimeFigureOut">
               <a:rPr lang="ko-KR" altLang="en-US" smtClean="0"/>
-              <a:t>2023-12-29</a:t>
+              <a:t>2023-12-31</a:t>
             </a:fld>
             <a:endParaRPr lang="ko-KR" altLang="en-US"/>
           </a:p>
@@ -2383,7 +2383,7 @@
           <a:p>
             <a:fld id="{F4D0D417-D880-4BB4-B0FA-3563BBBF0335}" type="datetimeFigureOut">
               <a:rPr lang="ko-KR" altLang="en-US" smtClean="0"/>
-              <a:t>2023-12-29</a:t>
+              <a:t>2023-12-31</a:t>
             </a:fld>
             <a:endParaRPr lang="ko-KR" altLang="en-US"/>
           </a:p>
@@ -2671,7 +2671,7 @@
           <a:p>
             <a:fld id="{F4D0D417-D880-4BB4-B0FA-3563BBBF0335}" type="datetimeFigureOut">
               <a:rPr lang="ko-KR" altLang="en-US" smtClean="0"/>
-              <a:t>2023-12-29</a:t>
+              <a:t>2023-12-31</a:t>
             </a:fld>
             <a:endParaRPr lang="ko-KR" altLang="en-US"/>
           </a:p>
@@ -2912,7 +2912,7 @@
           <a:p>
             <a:fld id="{F4D0D417-D880-4BB4-B0FA-3563BBBF0335}" type="datetimeFigureOut">
               <a:rPr lang="ko-KR" altLang="en-US" smtClean="0"/>
-              <a:t>2023-12-29</a:t>
+              <a:t>2023-12-31</a:t>
             </a:fld>
             <a:endParaRPr lang="ko-KR" altLang="en-US"/>
           </a:p>
@@ -5119,7 +5119,7 @@
           <a:blip r:embed="rId7">
             <a:extLst>
               <a:ext uri="{96DAC541-7B7A-43D3-8B79-37D633B846F1}">
-                <asvg:svgBlip xmlns:asvg="http://schemas.microsoft.com/office/drawing/2016/SVG/main" r:embed="rId8"/>
+                <asvg:svgBlip xmlns:asvg="http://schemas.microsoft.com/office/drawing/2016/SVG/main" xmlns="" r:embed="rId8"/>
               </a:ext>
             </a:extLst>
           </a:blip>
@@ -6718,7 +6718,7 @@
             <a:blip r:embed="rId6">
               <a:extLst>
                 <a:ext uri="{96DAC541-7B7A-43D3-8B79-37D633B846F1}">
-                  <asvg:svgBlip xmlns:asvg="http://schemas.microsoft.com/office/drawing/2016/SVG/main" r:embed="rId7"/>
+                  <asvg:svgBlip xmlns:asvg="http://schemas.microsoft.com/office/drawing/2016/SVG/main" xmlns="" r:embed="rId7"/>
                 </a:ext>
               </a:extLst>
             </a:blip>
@@ -7122,7 +7122,7 @@
             <a:blip r:embed="rId8">
               <a:extLst>
                 <a:ext uri="{96DAC541-7B7A-43D3-8B79-37D633B846F1}">
-                  <asvg:svgBlip xmlns:asvg="http://schemas.microsoft.com/office/drawing/2016/SVG/main" r:embed="rId9"/>
+                  <asvg:svgBlip xmlns:asvg="http://schemas.microsoft.com/office/drawing/2016/SVG/main" xmlns="" r:embed="rId9"/>
                 </a:ext>
               </a:extLst>
             </a:blip>
@@ -7850,7 +7850,7 @@
             <a:blip r:embed="rId10">
               <a:extLst>
                 <a:ext uri="{96DAC541-7B7A-43D3-8B79-37D633B846F1}">
-                  <asvg:svgBlip xmlns:asvg="http://schemas.microsoft.com/office/drawing/2016/SVG/main" r:embed="rId11"/>
+                  <asvg:svgBlip xmlns:asvg="http://schemas.microsoft.com/office/drawing/2016/SVG/main" xmlns="" r:embed="rId11"/>
                 </a:ext>
               </a:extLst>
             </a:blip>
@@ -8393,7 +8393,7 @@
           <p:nvPr/>
         </p:nvPicPr>
         <p:blipFill rotWithShape="1">
-          <a:blip r:embed="rId12">
+          <a:blip r:embed="rId12" cstate="hqprint">
             <a:extLst>
               <a:ext uri="{28A0092B-C50C-407E-A947-70E740481C1C}">
                 <a14:useLocalDpi xmlns:a14="http://schemas.microsoft.com/office/drawing/2010/main" val="0"/>
@@ -8854,7 +8854,7 @@
             <a:blip r:embed="rId5">
               <a:extLst>
                 <a:ext uri="{96DAC541-7B7A-43D3-8B79-37D633B846F1}">
-                  <asvg:svgBlip xmlns:asvg="http://schemas.microsoft.com/office/drawing/2016/SVG/main" r:embed="rId6"/>
+                  <asvg:svgBlip xmlns:asvg="http://schemas.microsoft.com/office/drawing/2016/SVG/main" xmlns="" r:embed="rId6"/>
                 </a:ext>
               </a:extLst>
             </a:blip>
@@ -9191,7 +9191,7 @@
             <a:blip r:embed="rId7">
               <a:extLst>
                 <a:ext uri="{96DAC541-7B7A-43D3-8B79-37D633B846F1}">
-                  <asvg:svgBlip xmlns:asvg="http://schemas.microsoft.com/office/drawing/2016/SVG/main" r:embed="rId8"/>
+                  <asvg:svgBlip xmlns:asvg="http://schemas.microsoft.com/office/drawing/2016/SVG/main" xmlns="" r:embed="rId8"/>
                 </a:ext>
               </a:extLst>
             </a:blip>
@@ -9580,7 +9580,7 @@
             <a:blip r:embed="rId10">
               <a:extLst>
                 <a:ext uri="{96DAC541-7B7A-43D3-8B79-37D633B846F1}">
-                  <asvg:svgBlip xmlns:asvg="http://schemas.microsoft.com/office/drawing/2016/SVG/main" r:embed="rId11"/>
+                  <asvg:svgBlip xmlns:asvg="http://schemas.microsoft.com/office/drawing/2016/SVG/main" xmlns="" r:embed="rId11"/>
                 </a:ext>
               </a:extLst>
             </a:blip>
@@ -10234,7 +10234,7 @@
             <a:blip r:embed="rId12">
               <a:extLst>
                 <a:ext uri="{96DAC541-7B7A-43D3-8B79-37D633B846F1}">
-                  <asvg:svgBlip xmlns:asvg="http://schemas.microsoft.com/office/drawing/2016/SVG/main" r:embed="rId13"/>
+                  <asvg:svgBlip xmlns:asvg="http://schemas.microsoft.com/office/drawing/2016/SVG/main" xmlns="" r:embed="rId13"/>
                 </a:ext>
               </a:extLst>
             </a:blip>
@@ -10287,7 +10287,7 @@
             <p:nvPr/>
           </p:nvPicPr>
           <p:blipFill rotWithShape="1">
-            <a:blip r:embed="rId14">
+            <a:blip r:embed="rId14" cstate="hqprint">
               <a:extLst>
                 <a:ext uri="{28A0092B-C50C-407E-A947-70E740481C1C}">
                   <a14:useLocalDpi xmlns:a14="http://schemas.microsoft.com/office/drawing/2010/main" val="0"/>
@@ -10322,7 +10322,7 @@
             <p:nvPr/>
           </p:nvPicPr>
           <p:blipFill rotWithShape="1">
-            <a:blip r:embed="rId14">
+            <a:blip r:embed="rId15" cstate="hqprint">
               <a:extLst>
                 <a:ext uri="{28A0092B-C50C-407E-A947-70E740481C1C}">
                   <a14:useLocalDpi xmlns:a14="http://schemas.microsoft.com/office/drawing/2010/main" val="0"/>
@@ -10358,10 +10358,10 @@
           <p:nvPr/>
         </p:nvPicPr>
         <p:blipFill>
-          <a:blip r:embed="rId15">
+          <a:blip r:embed="rId16">
             <a:extLst>
               <a:ext uri="{96DAC541-7B7A-43D3-8B79-37D633B846F1}">
-                <asvg:svgBlip xmlns:asvg="http://schemas.microsoft.com/office/drawing/2016/SVG/main" r:embed="rId16"/>
+                <asvg:svgBlip xmlns:asvg="http://schemas.microsoft.com/office/drawing/2016/SVG/main" xmlns="" r:embed="rId17"/>
               </a:ext>
             </a:extLst>
           </a:blip>
@@ -10393,7 +10393,7 @@
           <p:nvPr/>
         </p:nvPicPr>
         <p:blipFill rotWithShape="1">
-          <a:blip r:embed="rId17">
+          <a:blip r:embed="rId18" cstate="hqprint">
             <a:extLst>
               <a:ext uri="{28A0092B-C50C-407E-A947-70E740481C1C}">
                 <a14:useLocalDpi xmlns:a14="http://schemas.microsoft.com/office/drawing/2010/main" val="0"/>
@@ -10451,7 +10451,7 @@
                   <a16:creationId xmlns:a16="http://schemas.microsoft.com/office/drawing/2014/main" id="{6DC7C872-C0C3-D281-777E-8960CDF60AAC}"/>
                 </a:ext>
                 <a:ext uri="{C183D7F6-B498-43B3-948B-1728B52AA6E4}">
-                  <adec:decorative xmlns:adec="http://schemas.microsoft.com/office/drawing/2017/decorative" val="1"/>
+                  <adec:decorative xmlns:adec="http://schemas.microsoft.com/office/drawing/2017/decorative" xmlns="" val="1"/>
                 </a:ext>
               </a:extLst>
             </p:cNvPr>
@@ -10533,10 +10533,10 @@
               <p:nvPr/>
             </p:nvPicPr>
             <p:blipFill>
-              <a:blip r:embed="rId18">
+              <a:blip r:embed="rId19">
                 <a:extLst>
                   <a:ext uri="{96DAC541-7B7A-43D3-8B79-37D633B846F1}">
-                    <asvg:svgBlip xmlns:asvg="http://schemas.microsoft.com/office/drawing/2016/SVG/main" r:embed="rId19"/>
+                    <asvg:svgBlip xmlns:asvg="http://schemas.microsoft.com/office/drawing/2016/SVG/main" xmlns="" r:embed="rId20"/>
                   </a:ext>
                 </a:extLst>
               </a:blip>
@@ -11623,10 +11623,10 @@
             <p:nvPr/>
           </p:nvPicPr>
           <p:blipFill>
-            <a:blip r:embed="rId20">
+            <a:blip r:embed="rId21">
               <a:extLst>
                 <a:ext uri="{96DAC541-7B7A-43D3-8B79-37D633B846F1}">
-                  <asvg:svgBlip xmlns:asvg="http://schemas.microsoft.com/office/drawing/2016/SVG/main" r:embed="rId21"/>
+                  <asvg:svgBlip xmlns:asvg="http://schemas.microsoft.com/office/drawing/2016/SVG/main" xmlns="" r:embed="rId22"/>
                 </a:ext>
               </a:extLst>
             </a:blip>
@@ -12520,8 +12520,8 @@
         </p:nvSpPr>
         <p:spPr>
           <a:xfrm>
-            <a:off x="1998669" y="1561894"/>
-            <a:ext cx="7482451" cy="4265926"/>
+            <a:off x="2439070" y="1632634"/>
+            <a:ext cx="6448380" cy="4265926"/>
           </a:xfrm>
           <a:prstGeom prst="rect">
             <a:avLst/>
@@ -12694,11 +12694,31 @@
                 <a:solidFill>
                   <a:srgbClr val="1E8900"/>
                 </a:solidFill>
-                <a:latin typeface="Arial" panose="020B0604020202020204" pitchFamily="34" charset="0"/>
-                <a:cs typeface="Arial" panose="020B0604020202020204" pitchFamily="34" charset="0"/>
+                <a:latin typeface="Noto Sans" panose="020B0502040504020204" pitchFamily="34"/>
+                <a:ea typeface="Noto Sans" panose="020B0502040504020204" pitchFamily="34"/>
+                <a:cs typeface="Noto Sans" panose="020B0502040504020204" pitchFamily="34"/>
               </a:rPr>
-              <a:t>Public subnet</a:t>
+              <a:t>Public </a:t>
             </a:r>
+            <a:r>
+              <a:rPr lang="en-US" sz="1200" dirty="0" smtClean="0">
+                <a:solidFill>
+                  <a:srgbClr val="1E8900"/>
+                </a:solidFill>
+                <a:latin typeface="Noto Sans" panose="020B0502040504020204" pitchFamily="34"/>
+                <a:ea typeface="Noto Sans" panose="020B0502040504020204" pitchFamily="34"/>
+                <a:cs typeface="Noto Sans" panose="020B0502040504020204" pitchFamily="34"/>
+              </a:rPr>
+              <a:t>subnet</a:t>
+            </a:r>
+            <a:endParaRPr lang="en-US" sz="1200" dirty="0">
+              <a:solidFill>
+                <a:srgbClr val="1E8900"/>
+              </a:solidFill>
+              <a:latin typeface="Noto Sans" panose="020B0502040504020204" pitchFamily="34"/>
+              <a:ea typeface="Noto Sans" panose="020B0502040504020204" pitchFamily="34"/>
+              <a:cs typeface="Noto Sans" panose="020B0502040504020204" pitchFamily="34"/>
+            </a:endParaRPr>
           </a:p>
         </p:txBody>
       </p:sp>
@@ -12716,8 +12736,8 @@
         </p:nvSpPr>
         <p:spPr>
           <a:xfrm>
-            <a:off x="2068349" y="2015141"/>
-            <a:ext cx="5415017" cy="3625148"/>
+            <a:off x="2506500" y="2081816"/>
+            <a:ext cx="4492228" cy="3625148"/>
           </a:xfrm>
           <a:prstGeom prst="rect">
             <a:avLst/>
@@ -12783,8 +12803,8 @@
         </p:nvSpPr>
         <p:spPr bwMode="auto">
           <a:xfrm>
-            <a:off x="1122709" y="783656"/>
-            <a:ext cx="8788545" cy="5420293"/>
+            <a:off x="1701799" y="850331"/>
+            <a:ext cx="7437439" cy="5420293"/>
           </a:xfrm>
           <a:prstGeom prst="rect">
             <a:avLst/>
@@ -12955,8 +12975,9 @@
                 <a:solidFill>
                   <a:srgbClr val="1E8900"/>
                 </a:solidFill>
-                <a:latin typeface="Arial" panose="020B0604020202020204" pitchFamily="34" charset="0"/>
-                <a:cs typeface="Arial" panose="020B0604020202020204" pitchFamily="34" charset="0"/>
+                <a:latin typeface="Noto Sans" panose="020B0502040504020204" pitchFamily="34"/>
+                <a:ea typeface="Noto Sans" panose="020B0502040504020204" pitchFamily="34"/>
+                <a:cs typeface="Noto Sans" panose="020B0502040504020204" pitchFamily="34"/>
               </a:rPr>
               <a:t>VPC (dev-</a:t>
             </a:r>
@@ -12966,8 +12987,9 @@
                 <a:solidFill>
                   <a:srgbClr val="1E8900"/>
                 </a:solidFill>
-                <a:latin typeface="Arial" panose="020B0604020202020204" pitchFamily="34" charset="0"/>
-                <a:cs typeface="Arial" panose="020B0604020202020204" pitchFamily="34" charset="0"/>
+                <a:latin typeface="Noto Sans" panose="020B0502040504020204" pitchFamily="34"/>
+                <a:ea typeface="Noto Sans" panose="020B0502040504020204" pitchFamily="34"/>
+                <a:cs typeface="Noto Sans" panose="020B0502040504020204" pitchFamily="34"/>
               </a:rPr>
               <a:t>vpc</a:t>
             </a:r>
@@ -12977,8 +12999,9 @@
                 <a:solidFill>
                   <a:srgbClr val="1E8900"/>
                 </a:solidFill>
-                <a:latin typeface="Arial" panose="020B0604020202020204" pitchFamily="34" charset="0"/>
-                <a:cs typeface="Arial" panose="020B0604020202020204" pitchFamily="34" charset="0"/>
+                <a:latin typeface="Noto Sans" panose="020B0502040504020204" pitchFamily="34"/>
+                <a:ea typeface="Noto Sans" panose="020B0502040504020204" pitchFamily="34"/>
+                <a:cs typeface="Noto Sans" panose="020B0502040504020204" pitchFamily="34"/>
               </a:rPr>
               <a:t>)</a:t>
             </a:r>
@@ -12999,8 +13022,8 @@
         </p:nvSpPr>
         <p:spPr bwMode="auto">
           <a:xfrm>
-            <a:off x="882650" y="330155"/>
-            <a:ext cx="9240153" cy="5996436"/>
+            <a:off x="1419226" y="396830"/>
+            <a:ext cx="7920038" cy="5996436"/>
           </a:xfrm>
           <a:prstGeom prst="rect">
             <a:avLst/>
@@ -13170,8 +13193,9 @@
                 <a:solidFill>
                   <a:sysClr val="windowText" lastClr="000000"/>
                 </a:solidFill>
-                <a:latin typeface="Arial" panose="020B0604020202020204" pitchFamily="34" charset="0"/>
-                <a:cs typeface="Arial" panose="020B0604020202020204" pitchFamily="34" charset="0"/>
+                <a:latin typeface="Noto Sans" panose="020B0502040504020204" pitchFamily="34"/>
+                <a:ea typeface="Noto Sans" panose="020B0502040504020204" pitchFamily="34"/>
+                <a:cs typeface="Noto Sans" panose="020B0502040504020204" pitchFamily="34"/>
               </a:rPr>
               <a:t>AWS Cloud</a:t>
             </a:r>
@@ -13196,7 +13220,7 @@
           <a:blip r:embed="rId2">
             <a:extLst>
               <a:ext uri="{96DAC541-7B7A-43D3-8B79-37D633B846F1}">
-                <asvg:svgBlip xmlns:asvg="http://schemas.microsoft.com/office/drawing/2016/SVG/main" r:embed="rId3"/>
+                <asvg:svgBlip xmlns:asvg="http://schemas.microsoft.com/office/drawing/2016/SVG/main" xmlns="" r:embed="rId3"/>
               </a:ext>
             </a:extLst>
           </a:blip>
@@ -13205,7 +13229,7 @@
         </p:blipFill>
         <p:spPr>
           <a:xfrm>
-            <a:off x="882650" y="330155"/>
+            <a:off x="1419369" y="396830"/>
             <a:ext cx="381000" cy="381000"/>
           </a:xfrm>
           <a:prstGeom prst="rect">
@@ -13231,7 +13255,7 @@
           <a:blip r:embed="rId4">
             <a:extLst>
               <a:ext uri="{96DAC541-7B7A-43D3-8B79-37D633B846F1}">
-                <asvg:svgBlip xmlns:asvg="http://schemas.microsoft.com/office/drawing/2016/SVG/main" r:embed="rId5"/>
+                <asvg:svgBlip xmlns:asvg="http://schemas.microsoft.com/office/drawing/2016/SVG/main" xmlns="" r:embed="rId5"/>
               </a:ext>
             </a:extLst>
           </a:blip>
@@ -13241,7 +13265,7 @@
         </p:blipFill>
         <p:spPr>
           <a:xfrm>
-            <a:off x="1132314" y="783658"/>
+            <a:off x="1701800" y="850333"/>
             <a:ext cx="363748" cy="363748"/>
           </a:xfrm>
           <a:prstGeom prst="rect">
@@ -13263,8 +13287,8 @@
         </p:nvSpPr>
         <p:spPr bwMode="auto">
           <a:xfrm>
-            <a:off x="1534712" y="1221910"/>
-            <a:ext cx="8074382" cy="4734389"/>
+            <a:off x="1972862" y="1288585"/>
+            <a:ext cx="7023826" cy="4734389"/>
           </a:xfrm>
           <a:prstGeom prst="rect">
             <a:avLst/>
@@ -13454,7 +13478,7 @@
         </p:nvSpPr>
         <p:spPr>
           <a:xfrm>
-            <a:off x="1902432" y="1226352"/>
+            <a:off x="2340582" y="1293027"/>
             <a:ext cx="1645874" cy="276999"/>
           </a:xfrm>
           <a:prstGeom prst="rect">
@@ -13478,20 +13502,93 @@
                 <a:solidFill>
                   <a:srgbClr val="5B9CD5"/>
                 </a:solidFill>
-                <a:latin typeface="Arial" panose="020B0604020202020204" pitchFamily="34" charset="0"/>
-                <a:cs typeface="Arial" panose="020B0604020202020204" pitchFamily="34" charset="0"/>
+                <a:latin typeface="Noto Sans" panose="020B0502040504020204" pitchFamily="34"/>
+                <a:ea typeface="Noto Sans" panose="020B0502040504020204" pitchFamily="34"/>
+                <a:cs typeface="Noto Sans" panose="020B0502040504020204" pitchFamily="34"/>
               </a:rPr>
               <a:t>ap-northeast-2</a:t>
             </a:r>
           </a:p>
         </p:txBody>
       </p:sp>
+      <p:pic>
+        <p:nvPicPr>
+          <p:cNvPr id="15" name="Graphic 37">
+            <a:extLst>
+              <a:ext uri="{FF2B5EF4-FFF2-40B4-BE49-F238E27FC236}">
+                <a16:creationId xmlns:a16="http://schemas.microsoft.com/office/drawing/2014/main" id="{8D8DCB0E-B53F-BBB6-C60F-543D762A5B20}"/>
+              </a:ext>
+            </a:extLst>
+          </p:cNvPr>
+          <p:cNvPicPr>
+            <a:picLocks noChangeAspect="1"/>
+          </p:cNvPicPr>
+          <p:nvPr/>
+        </p:nvPicPr>
+        <p:blipFill>
+          <a:blip r:embed="rId6">
+            <a:extLst>
+              <a:ext uri="{96DAC541-7B7A-43D3-8B79-37D633B846F1}">
+                <asvg:svgBlip xmlns:asvg="http://schemas.microsoft.com/office/drawing/2016/SVG/main" xmlns="" r:embed="rId8"/>
+              </a:ext>
+            </a:extLst>
+          </a:blip>
+          <a:stretch>
+            <a:fillRect/>
+          </a:stretch>
+        </p:blipFill>
+        <p:spPr>
+          <a:xfrm>
+            <a:off x="2435920" y="1628570"/>
+            <a:ext cx="381000" cy="381000"/>
+          </a:xfrm>
+          <a:prstGeom prst="rect">
+            <a:avLst/>
+          </a:prstGeom>
+        </p:spPr>
+      </p:pic>
+      <p:pic>
+        <p:nvPicPr>
+          <p:cNvPr id="16" name="Graphic 25">
+            <a:extLst>
+              <a:ext uri="{FF2B5EF4-FFF2-40B4-BE49-F238E27FC236}">
+                <a16:creationId xmlns:a16="http://schemas.microsoft.com/office/drawing/2014/main" id="{91124833-98E8-0E4B-AC88-36166CA8D9C0}"/>
+              </a:ext>
+            </a:extLst>
+          </p:cNvPr>
+          <p:cNvPicPr>
+            <a:picLocks noChangeAspect="1"/>
+          </p:cNvPicPr>
+          <p:nvPr/>
+        </p:nvPicPr>
+        <p:blipFill>
+          <a:blip r:embed="rId9">
+            <a:extLst>
+              <a:ext uri="{96DAC541-7B7A-43D3-8B79-37D633B846F1}">
+                <asvg:svgBlip xmlns:asvg="http://schemas.microsoft.com/office/drawing/2016/SVG/main" xmlns="" r:embed="rId10"/>
+              </a:ext>
+            </a:extLst>
+          </a:blip>
+          <a:stretch>
+            <a:fillRect/>
+          </a:stretch>
+        </p:blipFill>
+        <p:spPr>
+          <a:xfrm>
+            <a:off x="1965932" y="1278655"/>
+            <a:ext cx="381000" cy="381000"/>
+          </a:xfrm>
+          <a:prstGeom prst="rect">
+            <a:avLst/>
+          </a:prstGeom>
+        </p:spPr>
+      </p:pic>
       <p:grpSp>
         <p:nvGrpSpPr>
-          <p:cNvPr id="12" name="그룹 11">
-            <a:extLst>
-              <a:ext uri="{FF2B5EF4-FFF2-40B4-BE49-F238E27FC236}">
-                <a16:creationId xmlns:a16="http://schemas.microsoft.com/office/drawing/2014/main" id="{B5AB6EB6-18E3-0F54-FDD9-1D75B11C7792}"/>
+          <p:cNvPr id="26" name="그룹 25">
+            <a:extLst>
+              <a:ext uri="{FF2B5EF4-FFF2-40B4-BE49-F238E27FC236}">
+                <a16:creationId xmlns:a16="http://schemas.microsoft.com/office/drawing/2014/main" id="{B0769B73-010A-8B9B-E752-BB69EDC6DA01}"/>
               </a:ext>
             </a:extLst>
           </p:cNvPr>
@@ -13500,10 +13597,2644 @@
         </p:nvGrpSpPr>
         <p:grpSpPr>
           <a:xfrm>
-            <a:off x="3637265" y="585401"/>
-            <a:ext cx="1123995" cy="622928"/>
+            <a:off x="4098572" y="4113787"/>
+            <a:ext cx="919001" cy="633112"/>
+            <a:chOff x="1936224" y="5063731"/>
+            <a:chExt cx="919001" cy="633112"/>
+          </a:xfrm>
+        </p:grpSpPr>
+        <p:pic>
+          <p:nvPicPr>
+            <p:cNvPr id="27" name="Graphic 10">
+              <a:extLst>
+                <a:ext uri="{FF2B5EF4-FFF2-40B4-BE49-F238E27FC236}">
+                  <a16:creationId xmlns:a16="http://schemas.microsoft.com/office/drawing/2014/main" id="{9EDE4EC6-967F-A55F-3D65-DD1CB7D1F037}"/>
+                </a:ext>
+              </a:extLst>
+            </p:cNvPr>
+            <p:cNvPicPr>
+              <a:picLocks noChangeAspect="1" noChangeArrowheads="1"/>
+            </p:cNvPicPr>
+            <p:nvPr/>
+          </p:nvPicPr>
+          <p:blipFill>
+            <a:blip r:embed="rId11">
+              <a:extLst>
+                <a:ext uri="{96DAC541-7B7A-43D3-8B79-37D633B846F1}">
+                  <asvg:svgBlip xmlns:asvg="http://schemas.microsoft.com/office/drawing/2016/SVG/main" xmlns="" r:embed="rId16"/>
+                </a:ext>
+              </a:extLst>
+            </a:blip>
+            <a:srcRect/>
+            <a:stretch/>
+          </p:blipFill>
+          <p:spPr bwMode="auto">
+            <a:xfrm>
+              <a:off x="2182969" y="5063731"/>
+              <a:ext cx="432000" cy="432000"/>
+            </a:xfrm>
+            <a:prstGeom prst="rect">
+              <a:avLst/>
+            </a:prstGeom>
+            <a:noFill/>
+            <a:ln>
+              <a:noFill/>
+            </a:ln>
+            <a:extLst>
+              <a:ext uri="{909E8E84-426E-40DD-AFC4-6F175D3DCCD1}">
+                <a14:hiddenFill xmlns:a14="http://schemas.microsoft.com/office/drawing/2010/main">
+                  <a:solidFill>
+                    <a:srgbClr val="FFFFFF"/>
+                  </a:solidFill>
+                </a14:hiddenFill>
+              </a:ext>
+              <a:ext uri="{91240B29-F687-4F45-9708-019B960494DF}">
+                <a14:hiddenLine xmlns:a14="http://schemas.microsoft.com/office/drawing/2010/main" w="9525">
+                  <a:solidFill>
+                    <a:srgbClr val="000000"/>
+                  </a:solidFill>
+                  <a:miter lim="800000"/>
+                  <a:headEnd/>
+                  <a:tailEnd/>
+                </a14:hiddenLine>
+              </a:ext>
+            </a:extLst>
+          </p:spPr>
+        </p:pic>
+        <p:sp>
+          <p:nvSpPr>
+            <p:cNvPr id="28" name="TextBox 20">
+              <a:extLst>
+                <a:ext uri="{FF2B5EF4-FFF2-40B4-BE49-F238E27FC236}">
+                  <a16:creationId xmlns:a16="http://schemas.microsoft.com/office/drawing/2014/main" id="{F50A4EA3-2A87-FE18-7FA9-83FCF21C3E41}"/>
+                </a:ext>
+              </a:extLst>
+            </p:cNvPr>
+            <p:cNvSpPr txBox="1">
+              <a:spLocks noChangeArrowheads="1"/>
+            </p:cNvSpPr>
+            <p:nvPr/>
+          </p:nvSpPr>
+          <p:spPr bwMode="auto">
+            <a:xfrm>
+              <a:off x="1936224" y="5466011"/>
+              <a:ext cx="919001" cy="230832"/>
+            </a:xfrm>
+            <a:prstGeom prst="rect">
+              <a:avLst/>
+            </a:prstGeom>
+            <a:noFill/>
+            <a:ln>
+              <a:noFill/>
+            </a:ln>
+            <a:extLst>
+              <a:ext uri="{909E8E84-426E-40DD-AFC4-6F175D3DCCD1}">
+                <a14:hiddenFill xmlns:a14="http://schemas.microsoft.com/office/drawing/2010/main">
+                  <a:solidFill>
+                    <a:srgbClr val="FFFFFF"/>
+                  </a:solidFill>
+                </a14:hiddenFill>
+              </a:ext>
+              <a:ext uri="{91240B29-F687-4F45-9708-019B960494DF}">
+                <a14:hiddenLine xmlns:a14="http://schemas.microsoft.com/office/drawing/2010/main" w="9525">
+                  <a:solidFill>
+                    <a:srgbClr val="000000"/>
+                  </a:solidFill>
+                  <a:miter lim="800000"/>
+                  <a:headEnd/>
+                  <a:tailEnd/>
+                </a14:hiddenLine>
+              </a:ext>
+            </a:extLst>
+          </p:spPr>
+          <p:txBody>
+            <a:bodyPr wrap="square">
+              <a:spAutoFit/>
+            </a:bodyPr>
+            <a:lstStyle>
+              <a:lvl1pPr>
+                <a:defRPr>
+                  <a:solidFill>
+                    <a:schemeClr val="tx1"/>
+                  </a:solidFill>
+                  <a:latin typeface="Calibri" panose="020F0502020204030204" pitchFamily="34" charset="0"/>
+                </a:defRPr>
+              </a:lvl1pPr>
+              <a:lvl2pPr marL="742950" indent="-285750">
+                <a:defRPr>
+                  <a:solidFill>
+                    <a:schemeClr val="tx1"/>
+                  </a:solidFill>
+                  <a:latin typeface="Calibri" panose="020F0502020204030204" pitchFamily="34" charset="0"/>
+                </a:defRPr>
+              </a:lvl2pPr>
+              <a:lvl3pPr marL="1143000" indent="-228600">
+                <a:defRPr>
+                  <a:solidFill>
+                    <a:schemeClr val="tx1"/>
+                  </a:solidFill>
+                  <a:latin typeface="Calibri" panose="020F0502020204030204" pitchFamily="34" charset="0"/>
+                </a:defRPr>
+              </a:lvl3pPr>
+              <a:lvl4pPr marL="1600200" indent="-228600">
+                <a:defRPr>
+                  <a:solidFill>
+                    <a:schemeClr val="tx1"/>
+                  </a:solidFill>
+                  <a:latin typeface="Calibri" panose="020F0502020204030204" pitchFamily="34" charset="0"/>
+                </a:defRPr>
+              </a:lvl4pPr>
+              <a:lvl5pPr marL="2057400" indent="-228600">
+                <a:defRPr>
+                  <a:solidFill>
+                    <a:schemeClr val="tx1"/>
+                  </a:solidFill>
+                  <a:latin typeface="Calibri" panose="020F0502020204030204" pitchFamily="34" charset="0"/>
+                </a:defRPr>
+              </a:lvl5pPr>
+              <a:lvl6pPr marL="2514600" indent="-228600" eaLnBrk="0" fontAlgn="base" hangingPunct="0">
+                <a:spcBef>
+                  <a:spcPct val="0"/>
+                </a:spcBef>
+                <a:spcAft>
+                  <a:spcPct val="0"/>
+                </a:spcAft>
+                <a:defRPr>
+                  <a:solidFill>
+                    <a:schemeClr val="tx1"/>
+                  </a:solidFill>
+                  <a:latin typeface="Calibri" panose="020F0502020204030204" pitchFamily="34" charset="0"/>
+                </a:defRPr>
+              </a:lvl6pPr>
+              <a:lvl7pPr marL="2971800" indent="-228600" eaLnBrk="0" fontAlgn="base" hangingPunct="0">
+                <a:spcBef>
+                  <a:spcPct val="0"/>
+                </a:spcBef>
+                <a:spcAft>
+                  <a:spcPct val="0"/>
+                </a:spcAft>
+                <a:defRPr>
+                  <a:solidFill>
+                    <a:schemeClr val="tx1"/>
+                  </a:solidFill>
+                  <a:latin typeface="Calibri" panose="020F0502020204030204" pitchFamily="34" charset="0"/>
+                </a:defRPr>
+              </a:lvl7pPr>
+              <a:lvl8pPr marL="3429000" indent="-228600" eaLnBrk="0" fontAlgn="base" hangingPunct="0">
+                <a:spcBef>
+                  <a:spcPct val="0"/>
+                </a:spcBef>
+                <a:spcAft>
+                  <a:spcPct val="0"/>
+                </a:spcAft>
+                <a:defRPr>
+                  <a:solidFill>
+                    <a:schemeClr val="tx1"/>
+                  </a:solidFill>
+                  <a:latin typeface="Calibri" panose="020F0502020204030204" pitchFamily="34" charset="0"/>
+                </a:defRPr>
+              </a:lvl8pPr>
+              <a:lvl9pPr marL="3886200" indent="-228600" eaLnBrk="0" fontAlgn="base" hangingPunct="0">
+                <a:spcBef>
+                  <a:spcPct val="0"/>
+                </a:spcBef>
+                <a:spcAft>
+                  <a:spcPct val="0"/>
+                </a:spcAft>
+                <a:defRPr>
+                  <a:solidFill>
+                    <a:schemeClr val="tx1"/>
+                  </a:solidFill>
+                  <a:latin typeface="Calibri" panose="020F0502020204030204" pitchFamily="34" charset="0"/>
+                </a:defRPr>
+              </a:lvl9pPr>
+            </a:lstStyle>
+            <a:p>
+              <a:pPr algn="ctr" eaLnBrk="1" hangingPunct="1"/>
+              <a:r>
+                <a:rPr lang="en-US" altLang="en-US" sz="900" dirty="0" smtClean="0">
+                  <a:latin typeface="Noto Sans" panose="020B0502040504020204" pitchFamily="34"/>
+                  <a:ea typeface="Noto Sans" panose="020B0502040504020204" pitchFamily="34"/>
+                  <a:cs typeface="Noto Sans" panose="020B0502040504020204" pitchFamily="34"/>
+                </a:rPr>
+                <a:t>Lambda</a:t>
+              </a:r>
+              <a:endParaRPr lang="en-US" altLang="en-US" sz="900" dirty="0">
+                <a:latin typeface="Noto Sans" panose="020B0502040504020204" pitchFamily="34"/>
+                <a:ea typeface="Noto Sans" panose="020B0502040504020204" pitchFamily="34"/>
+                <a:cs typeface="Noto Sans" panose="020B0502040504020204" pitchFamily="34"/>
+              </a:endParaRPr>
+            </a:p>
+          </p:txBody>
+        </p:sp>
+      </p:grpSp>
+      <p:grpSp>
+        <p:nvGrpSpPr>
+          <p:cNvPr id="30" name="그룹 29">
+            <a:extLst>
+              <a:ext uri="{FF2B5EF4-FFF2-40B4-BE49-F238E27FC236}">
+                <a16:creationId xmlns:a16="http://schemas.microsoft.com/office/drawing/2014/main" id="{CE5F37F7-D19F-EFCB-75DB-55D6B20BDD2C}"/>
+              </a:ext>
+            </a:extLst>
+          </p:cNvPr>
+          <p:cNvGrpSpPr/>
+          <p:nvPr/>
+        </p:nvGrpSpPr>
+        <p:grpSpPr>
+          <a:xfrm>
+            <a:off x="1541290" y="5375483"/>
+            <a:ext cx="1651923" cy="628203"/>
+            <a:chOff x="1237574" y="2093261"/>
+            <a:chExt cx="1651923" cy="628203"/>
+          </a:xfrm>
+        </p:grpSpPr>
+        <p:pic>
+          <p:nvPicPr>
+            <p:cNvPr id="31" name="Graphic 17">
+              <a:extLst>
+                <a:ext uri="{FF2B5EF4-FFF2-40B4-BE49-F238E27FC236}">
+                  <a16:creationId xmlns:a16="http://schemas.microsoft.com/office/drawing/2014/main" id="{E7852A91-A0C9-AC61-D5DF-D05720C67461}"/>
+                </a:ext>
+              </a:extLst>
+            </p:cNvPr>
+            <p:cNvPicPr>
+              <a:picLocks noChangeAspect="1" noChangeArrowheads="1"/>
+            </p:cNvPicPr>
+            <p:nvPr/>
+          </p:nvPicPr>
+          <p:blipFill>
+            <a:blip r:embed="rId17">
+              <a:extLst>
+                <a:ext uri="{96DAC541-7B7A-43D3-8B79-37D633B846F1}">
+                  <asvg:svgBlip xmlns:asvg="http://schemas.microsoft.com/office/drawing/2016/SVG/main" xmlns="" r:embed="rId18"/>
+                </a:ext>
+              </a:extLst>
+            </a:blip>
+            <a:srcRect/>
+            <a:stretch/>
+          </p:blipFill>
+          <p:spPr bwMode="auto">
+            <a:xfrm>
+              <a:off x="1847675" y="2093261"/>
+              <a:ext cx="432000" cy="432000"/>
+            </a:xfrm>
+            <a:prstGeom prst="rect">
+              <a:avLst/>
+            </a:prstGeom>
+            <a:noFill/>
+            <a:ln>
+              <a:noFill/>
+            </a:ln>
+            <a:extLst>
+              <a:ext uri="{909E8E84-426E-40DD-AFC4-6F175D3DCCD1}">
+                <a14:hiddenFill xmlns:a14="http://schemas.microsoft.com/office/drawing/2010/main">
+                  <a:solidFill>
+                    <a:srgbClr val="FFFFFF"/>
+                  </a:solidFill>
+                </a14:hiddenFill>
+              </a:ext>
+              <a:ext uri="{91240B29-F687-4F45-9708-019B960494DF}">
+                <a14:hiddenLine xmlns:a14="http://schemas.microsoft.com/office/drawing/2010/main" w="9525">
+                  <a:solidFill>
+                    <a:srgbClr val="000000"/>
+                  </a:solidFill>
+                  <a:miter lim="800000"/>
+                  <a:headEnd/>
+                  <a:tailEnd/>
+                </a14:hiddenLine>
+              </a:ext>
+            </a:extLst>
+          </p:spPr>
+        </p:pic>
+        <p:sp>
+          <p:nvSpPr>
+            <p:cNvPr id="32" name="TextBox 9">
+              <a:extLst>
+                <a:ext uri="{FF2B5EF4-FFF2-40B4-BE49-F238E27FC236}">
+                  <a16:creationId xmlns:a16="http://schemas.microsoft.com/office/drawing/2014/main" id="{108B7DA7-981C-5306-DC0A-1DE6B441FDC1}"/>
+                </a:ext>
+              </a:extLst>
+            </p:cNvPr>
+            <p:cNvSpPr txBox="1">
+              <a:spLocks noChangeArrowheads="1"/>
+            </p:cNvSpPr>
+            <p:nvPr/>
+          </p:nvSpPr>
+          <p:spPr bwMode="auto">
+            <a:xfrm>
+              <a:off x="1237574" y="2490632"/>
+              <a:ext cx="1651923" cy="230832"/>
+            </a:xfrm>
+            <a:prstGeom prst="rect">
+              <a:avLst/>
+            </a:prstGeom>
+            <a:noFill/>
+            <a:ln>
+              <a:noFill/>
+            </a:ln>
+            <a:extLst>
+              <a:ext uri="{909E8E84-426E-40DD-AFC4-6F175D3DCCD1}">
+                <a14:hiddenFill xmlns:a14="http://schemas.microsoft.com/office/drawing/2010/main">
+                  <a:solidFill>
+                    <a:srgbClr val="FFFFFF"/>
+                  </a:solidFill>
+                </a14:hiddenFill>
+              </a:ext>
+              <a:ext uri="{91240B29-F687-4F45-9708-019B960494DF}">
+                <a14:hiddenLine xmlns:a14="http://schemas.microsoft.com/office/drawing/2010/main" w="9525">
+                  <a:solidFill>
+                    <a:srgbClr val="000000"/>
+                  </a:solidFill>
+                  <a:miter lim="800000"/>
+                  <a:headEnd/>
+                  <a:tailEnd/>
+                </a14:hiddenLine>
+              </a:ext>
+            </a:extLst>
+          </p:spPr>
+          <p:txBody>
+            <a:bodyPr wrap="square">
+              <a:spAutoFit/>
+            </a:bodyPr>
+            <a:lstStyle>
+              <a:lvl1pPr>
+                <a:defRPr>
+                  <a:solidFill>
+                    <a:schemeClr val="tx1"/>
+                  </a:solidFill>
+                  <a:latin typeface="Calibri" panose="020F0502020204030204" pitchFamily="34" charset="0"/>
+                </a:defRPr>
+              </a:lvl1pPr>
+              <a:lvl2pPr marL="742950" indent="-285750">
+                <a:defRPr>
+                  <a:solidFill>
+                    <a:schemeClr val="tx1"/>
+                  </a:solidFill>
+                  <a:latin typeface="Calibri" panose="020F0502020204030204" pitchFamily="34" charset="0"/>
+                </a:defRPr>
+              </a:lvl2pPr>
+              <a:lvl3pPr marL="1143000" indent="-228600">
+                <a:defRPr>
+                  <a:solidFill>
+                    <a:schemeClr val="tx1"/>
+                  </a:solidFill>
+                  <a:latin typeface="Calibri" panose="020F0502020204030204" pitchFamily="34" charset="0"/>
+                </a:defRPr>
+              </a:lvl3pPr>
+              <a:lvl4pPr marL="1600200" indent="-228600">
+                <a:defRPr>
+                  <a:solidFill>
+                    <a:schemeClr val="tx1"/>
+                  </a:solidFill>
+                  <a:latin typeface="Calibri" panose="020F0502020204030204" pitchFamily="34" charset="0"/>
+                </a:defRPr>
+              </a:lvl4pPr>
+              <a:lvl5pPr marL="2057400" indent="-228600">
+                <a:defRPr>
+                  <a:solidFill>
+                    <a:schemeClr val="tx1"/>
+                  </a:solidFill>
+                  <a:latin typeface="Calibri" panose="020F0502020204030204" pitchFamily="34" charset="0"/>
+                </a:defRPr>
+              </a:lvl5pPr>
+              <a:lvl6pPr marL="2514600" indent="-228600" eaLnBrk="0" fontAlgn="base" hangingPunct="0">
+                <a:spcBef>
+                  <a:spcPct val="0"/>
+                </a:spcBef>
+                <a:spcAft>
+                  <a:spcPct val="0"/>
+                </a:spcAft>
+                <a:defRPr>
+                  <a:solidFill>
+                    <a:schemeClr val="tx1"/>
+                  </a:solidFill>
+                  <a:latin typeface="Calibri" panose="020F0502020204030204" pitchFamily="34" charset="0"/>
+                </a:defRPr>
+              </a:lvl6pPr>
+              <a:lvl7pPr marL="2971800" indent="-228600" eaLnBrk="0" fontAlgn="base" hangingPunct="0">
+                <a:spcBef>
+                  <a:spcPct val="0"/>
+                </a:spcBef>
+                <a:spcAft>
+                  <a:spcPct val="0"/>
+                </a:spcAft>
+                <a:defRPr>
+                  <a:solidFill>
+                    <a:schemeClr val="tx1"/>
+                  </a:solidFill>
+                  <a:latin typeface="Calibri" panose="020F0502020204030204" pitchFamily="34" charset="0"/>
+                </a:defRPr>
+              </a:lvl7pPr>
+              <a:lvl8pPr marL="3429000" indent="-228600" eaLnBrk="0" fontAlgn="base" hangingPunct="0">
+                <a:spcBef>
+                  <a:spcPct val="0"/>
+                </a:spcBef>
+                <a:spcAft>
+                  <a:spcPct val="0"/>
+                </a:spcAft>
+                <a:defRPr>
+                  <a:solidFill>
+                    <a:schemeClr val="tx1"/>
+                  </a:solidFill>
+                  <a:latin typeface="Calibri" panose="020F0502020204030204" pitchFamily="34" charset="0"/>
+                </a:defRPr>
+              </a:lvl8pPr>
+              <a:lvl9pPr marL="3886200" indent="-228600" eaLnBrk="0" fontAlgn="base" hangingPunct="0">
+                <a:spcBef>
+                  <a:spcPct val="0"/>
+                </a:spcBef>
+                <a:spcAft>
+                  <a:spcPct val="0"/>
+                </a:spcAft>
+                <a:defRPr>
+                  <a:solidFill>
+                    <a:schemeClr val="tx1"/>
+                  </a:solidFill>
+                  <a:latin typeface="Calibri" panose="020F0502020204030204" pitchFamily="34" charset="0"/>
+                </a:defRPr>
+              </a:lvl9pPr>
+            </a:lstStyle>
+            <a:p>
+              <a:pPr algn="ctr" eaLnBrk="1" hangingPunct="1"/>
+              <a:r>
+                <a:rPr lang="en-US" altLang="en-US" sz="900" dirty="0" err="1">
+                  <a:latin typeface="Noto Sans" panose="020B0502040504020204" pitchFamily="34"/>
+                  <a:ea typeface="Noto Sans" panose="020B0502040504020204" pitchFamily="34"/>
+                  <a:cs typeface="Noto Sans" panose="020B0502040504020204" pitchFamily="34"/>
+                </a:rPr>
+                <a:t>C</a:t>
+              </a:r>
+              <a:r>
+                <a:rPr lang="en-US" altLang="en-US" sz="900" dirty="0" err="1" smtClean="0">
+                  <a:latin typeface="Noto Sans" panose="020B0502040504020204" pitchFamily="34"/>
+                  <a:ea typeface="Noto Sans" panose="020B0502040504020204" pitchFamily="34"/>
+                  <a:cs typeface="Noto Sans" panose="020B0502040504020204" pitchFamily="34"/>
+                </a:rPr>
+                <a:t>loudWatch</a:t>
+              </a:r>
+              <a:endParaRPr lang="en-US" altLang="en-US" sz="900" dirty="0">
+                <a:latin typeface="Noto Sans" panose="020B0502040504020204" pitchFamily="34"/>
+                <a:ea typeface="Noto Sans" panose="020B0502040504020204" pitchFamily="34"/>
+                <a:cs typeface="Noto Sans" panose="020B0502040504020204" pitchFamily="34"/>
+              </a:endParaRPr>
+            </a:p>
+          </p:txBody>
+        </p:sp>
+      </p:grpSp>
+      <p:sp>
+        <p:nvSpPr>
+          <p:cNvPr id="33" name="TextBox 16">
+            <a:extLst>
+              <a:ext uri="{FF2B5EF4-FFF2-40B4-BE49-F238E27FC236}">
+                <a16:creationId xmlns:a16="http://schemas.microsoft.com/office/drawing/2014/main" id="{8F44626C-2069-8B70-7046-1C050C3D9D72}"/>
+              </a:ext>
+            </a:extLst>
+          </p:cNvPr>
+          <p:cNvSpPr txBox="1">
+            <a:spLocks noChangeArrowheads="1"/>
+          </p:cNvSpPr>
+          <p:nvPr/>
+        </p:nvSpPr>
+        <p:spPr bwMode="auto">
+          <a:xfrm>
+            <a:off x="9213284" y="2626472"/>
+            <a:ext cx="1730733" cy="400110"/>
+          </a:xfrm>
+          <a:prstGeom prst="rect">
+            <a:avLst/>
+          </a:prstGeom>
+          <a:noFill/>
+          <a:ln>
+            <a:noFill/>
+          </a:ln>
+          <a:extLst>
+            <a:ext uri="{909E8E84-426E-40DD-AFC4-6F175D3DCCD1}">
+              <a14:hiddenFill xmlns:a14="http://schemas.microsoft.com/office/drawing/2010/main">
+                <a:solidFill>
+                  <a:srgbClr val="FFFFFF"/>
+                </a:solidFill>
+              </a14:hiddenFill>
+            </a:ext>
+            <a:ext uri="{91240B29-F687-4F45-9708-019B960494DF}">
+              <a14:hiddenLine xmlns:a14="http://schemas.microsoft.com/office/drawing/2010/main" w="9525">
+                <a:solidFill>
+                  <a:srgbClr val="000000"/>
+                </a:solidFill>
+                <a:miter lim="800000"/>
+                <a:headEnd/>
+                <a:tailEnd/>
+              </a14:hiddenLine>
+            </a:ext>
+          </a:extLst>
+        </p:spPr>
+        <p:txBody>
+          <a:bodyPr wrap="square">
+            <a:spAutoFit/>
+          </a:bodyPr>
+          <a:lstStyle>
+            <a:defPPr>
+              <a:defRPr lang="en-US"/>
+            </a:defPPr>
+            <a:lvl1pPr algn="l" rtl="0" eaLnBrk="0" fontAlgn="base" hangingPunct="0">
+              <a:spcBef>
+                <a:spcPct val="0"/>
+              </a:spcBef>
+              <a:spcAft>
+                <a:spcPct val="0"/>
+              </a:spcAft>
+              <a:defRPr kern="1200">
+                <a:solidFill>
+                  <a:schemeClr val="tx1"/>
+                </a:solidFill>
+                <a:latin typeface="Calibri" panose="020F0502020204030204" pitchFamily="34" charset="0"/>
+                <a:ea typeface="+mn-ea"/>
+                <a:cs typeface="+mn-cs"/>
+              </a:defRPr>
+            </a:lvl1pPr>
+            <a:lvl2pPr marL="457200" algn="l" rtl="0" eaLnBrk="0" fontAlgn="base" hangingPunct="0">
+              <a:spcBef>
+                <a:spcPct val="0"/>
+              </a:spcBef>
+              <a:spcAft>
+                <a:spcPct val="0"/>
+              </a:spcAft>
+              <a:defRPr kern="1200">
+                <a:solidFill>
+                  <a:schemeClr val="tx1"/>
+                </a:solidFill>
+                <a:latin typeface="Calibri" panose="020F0502020204030204" pitchFamily="34" charset="0"/>
+                <a:ea typeface="+mn-ea"/>
+                <a:cs typeface="+mn-cs"/>
+              </a:defRPr>
+            </a:lvl2pPr>
+            <a:lvl3pPr marL="914400" algn="l" rtl="0" eaLnBrk="0" fontAlgn="base" hangingPunct="0">
+              <a:spcBef>
+                <a:spcPct val="0"/>
+              </a:spcBef>
+              <a:spcAft>
+                <a:spcPct val="0"/>
+              </a:spcAft>
+              <a:defRPr kern="1200">
+                <a:solidFill>
+                  <a:schemeClr val="tx1"/>
+                </a:solidFill>
+                <a:latin typeface="Calibri" panose="020F0502020204030204" pitchFamily="34" charset="0"/>
+                <a:ea typeface="+mn-ea"/>
+                <a:cs typeface="+mn-cs"/>
+              </a:defRPr>
+            </a:lvl3pPr>
+            <a:lvl4pPr marL="1371600" algn="l" rtl="0" eaLnBrk="0" fontAlgn="base" hangingPunct="0">
+              <a:spcBef>
+                <a:spcPct val="0"/>
+              </a:spcBef>
+              <a:spcAft>
+                <a:spcPct val="0"/>
+              </a:spcAft>
+              <a:defRPr kern="1200">
+                <a:solidFill>
+                  <a:schemeClr val="tx1"/>
+                </a:solidFill>
+                <a:latin typeface="Calibri" panose="020F0502020204030204" pitchFamily="34" charset="0"/>
+                <a:ea typeface="+mn-ea"/>
+                <a:cs typeface="+mn-cs"/>
+              </a:defRPr>
+            </a:lvl4pPr>
+            <a:lvl5pPr marL="1828800" algn="l" rtl="0" eaLnBrk="0" fontAlgn="base" hangingPunct="0">
+              <a:spcBef>
+                <a:spcPct val="0"/>
+              </a:spcBef>
+              <a:spcAft>
+                <a:spcPct val="0"/>
+              </a:spcAft>
+              <a:defRPr kern="1200">
+                <a:solidFill>
+                  <a:schemeClr val="tx1"/>
+                </a:solidFill>
+                <a:latin typeface="Calibri" panose="020F0502020204030204" pitchFamily="34" charset="0"/>
+                <a:ea typeface="+mn-ea"/>
+                <a:cs typeface="+mn-cs"/>
+              </a:defRPr>
+            </a:lvl5pPr>
+            <a:lvl6pPr marL="2286000" algn="l" defTabSz="914400" rtl="0" eaLnBrk="1" latinLnBrk="0" hangingPunct="1">
+              <a:defRPr kern="1200">
+                <a:solidFill>
+                  <a:schemeClr val="tx1"/>
+                </a:solidFill>
+                <a:latin typeface="Calibri" panose="020F0502020204030204" pitchFamily="34" charset="0"/>
+                <a:ea typeface="+mn-ea"/>
+                <a:cs typeface="+mn-cs"/>
+              </a:defRPr>
+            </a:lvl6pPr>
+            <a:lvl7pPr marL="2743200" algn="l" defTabSz="914400" rtl="0" eaLnBrk="1" latinLnBrk="0" hangingPunct="1">
+              <a:defRPr kern="1200">
+                <a:solidFill>
+                  <a:schemeClr val="tx1"/>
+                </a:solidFill>
+                <a:latin typeface="Calibri" panose="020F0502020204030204" pitchFamily="34" charset="0"/>
+                <a:ea typeface="+mn-ea"/>
+                <a:cs typeface="+mn-cs"/>
+              </a:defRPr>
+            </a:lvl7pPr>
+            <a:lvl8pPr marL="3200400" algn="l" defTabSz="914400" rtl="0" eaLnBrk="1" latinLnBrk="0" hangingPunct="1">
+              <a:defRPr kern="1200">
+                <a:solidFill>
+                  <a:schemeClr val="tx1"/>
+                </a:solidFill>
+                <a:latin typeface="Calibri" panose="020F0502020204030204" pitchFamily="34" charset="0"/>
+                <a:ea typeface="+mn-ea"/>
+                <a:cs typeface="+mn-cs"/>
+              </a:defRPr>
+            </a:lvl8pPr>
+            <a:lvl9pPr marL="3657600" algn="l" defTabSz="914400" rtl="0" eaLnBrk="1" latinLnBrk="0" hangingPunct="1">
+              <a:defRPr kern="1200">
+                <a:solidFill>
+                  <a:schemeClr val="tx1"/>
+                </a:solidFill>
+                <a:latin typeface="Calibri" panose="020F0502020204030204" pitchFamily="34" charset="0"/>
+                <a:ea typeface="+mn-ea"/>
+                <a:cs typeface="+mn-cs"/>
+              </a:defRPr>
+            </a:lvl9pPr>
+          </a:lstStyle>
+          <a:p>
+            <a:pPr algn="ctr" eaLnBrk="1" hangingPunct="1"/>
+            <a:r>
+              <a:rPr lang="en-US" altLang="en-US" sz="1000" dirty="0">
+                <a:latin typeface="Noto Sans" panose="020B0502040504020204" pitchFamily="34"/>
+                <a:ea typeface="Noto Sans" panose="020B0502040504020204" pitchFamily="34"/>
+                <a:cs typeface="Noto Sans" panose="020B0502040504020204" pitchFamily="34"/>
+              </a:rPr>
+              <a:t>Visit </a:t>
+            </a:r>
+            <a:r>
+              <a:rPr lang="en-US" altLang="en-US" sz="1000" dirty="0" smtClean="0">
+                <a:latin typeface="Noto Sans" panose="020B0502040504020204" pitchFamily="34"/>
+                <a:ea typeface="Noto Sans" panose="020B0502040504020204" pitchFamily="34"/>
+                <a:cs typeface="Noto Sans" panose="020B0502040504020204" pitchFamily="34"/>
+              </a:rPr>
+              <a:t>Web </a:t>
+            </a:r>
+            <a:r>
+              <a:rPr lang="en-US" altLang="ko-KR" sz="1000" dirty="0" smtClean="0">
+                <a:latin typeface="Noto Sans" panose="020B0502040504020204" pitchFamily="34"/>
+                <a:ea typeface="Noto Sans" panose="020B0502040504020204" pitchFamily="34"/>
+                <a:cs typeface="Noto Sans" panose="020B0502040504020204" pitchFamily="34"/>
+              </a:rPr>
+              <a:t>&amp;</a:t>
+            </a:r>
+            <a:r>
+              <a:rPr lang="ko-KR" altLang="en-US" sz="1000" dirty="0" smtClean="0">
+                <a:latin typeface="Noto Sans" panose="020B0502040504020204" pitchFamily="34"/>
+                <a:ea typeface="Amazon Ember" panose="020B0603020204020204" pitchFamily="34" charset="0"/>
+                <a:cs typeface="Noto Sans" panose="020B0502040504020204" pitchFamily="34"/>
+              </a:rPr>
+              <a:t> </a:t>
+            </a:r>
+            <a:endParaRPr lang="en-US" altLang="ko-KR" sz="1000" dirty="0" smtClean="0">
+              <a:latin typeface="Noto Sans" panose="020B0502040504020204" pitchFamily="34"/>
+              <a:ea typeface="Amazon Ember" panose="020B0603020204020204" pitchFamily="34" charset="0"/>
+              <a:cs typeface="Noto Sans" panose="020B0502040504020204" pitchFamily="34"/>
+            </a:endParaRPr>
+          </a:p>
+          <a:p>
+            <a:pPr algn="ctr" eaLnBrk="1" hangingPunct="1"/>
+            <a:r>
+              <a:rPr lang="en-US" altLang="en-US" sz="1000" dirty="0" smtClean="0">
+                <a:latin typeface="Noto Sans" panose="020B0502040504020204" pitchFamily="34"/>
+                <a:ea typeface="Noto Sans" panose="020B0502040504020204" pitchFamily="34"/>
+                <a:cs typeface="Noto Sans" panose="020B0502040504020204" pitchFamily="34"/>
+              </a:rPr>
+              <a:t>Request Analysis</a:t>
+            </a:r>
+            <a:endParaRPr lang="en-US" altLang="en-US" sz="1000" dirty="0">
+              <a:latin typeface="Noto Sans" panose="020B0502040504020204" pitchFamily="34"/>
+              <a:ea typeface="Noto Sans" panose="020B0502040504020204" pitchFamily="34"/>
+              <a:cs typeface="Noto Sans" panose="020B0502040504020204" pitchFamily="34"/>
+            </a:endParaRPr>
+          </a:p>
+        </p:txBody>
+      </p:sp>
+      <p:grpSp>
+        <p:nvGrpSpPr>
+          <p:cNvPr id="37" name="그룹 36">
+            <a:extLst>
+              <a:ext uri="{FF2B5EF4-FFF2-40B4-BE49-F238E27FC236}">
+                <a16:creationId xmlns:a16="http://schemas.microsoft.com/office/drawing/2014/main" id="{F1F26E98-06A2-3DB9-0F6A-42E1380A607E}"/>
+              </a:ext>
+            </a:extLst>
+          </p:cNvPr>
+          <p:cNvGrpSpPr/>
+          <p:nvPr/>
+        </p:nvGrpSpPr>
+        <p:grpSpPr>
+          <a:xfrm>
+            <a:off x="2620041" y="2206158"/>
+            <a:ext cx="528697" cy="612888"/>
+            <a:chOff x="-1378671" y="4106679"/>
+            <a:chExt cx="528697" cy="612888"/>
+          </a:xfrm>
+        </p:grpSpPr>
+        <p:sp>
+          <p:nvSpPr>
+            <p:cNvPr id="39" name="TextBox 24">
+              <a:extLst>
+                <a:ext uri="{FF2B5EF4-FFF2-40B4-BE49-F238E27FC236}">
+                  <a16:creationId xmlns:a16="http://schemas.microsoft.com/office/drawing/2014/main" id="{7E2EA1BE-5D4F-FEED-5670-87A5907E80F5}"/>
+                </a:ext>
+              </a:extLst>
+            </p:cNvPr>
+            <p:cNvSpPr txBox="1">
+              <a:spLocks noChangeArrowheads="1"/>
+            </p:cNvSpPr>
+            <p:nvPr/>
+          </p:nvSpPr>
+          <p:spPr bwMode="auto">
+            <a:xfrm>
+              <a:off x="-1378671" y="4488735"/>
+              <a:ext cx="528697" cy="230832"/>
+            </a:xfrm>
+            <a:prstGeom prst="rect">
+              <a:avLst/>
+            </a:prstGeom>
+            <a:noFill/>
+            <a:ln>
+              <a:noFill/>
+            </a:ln>
+            <a:extLst>
+              <a:ext uri="{909E8E84-426E-40DD-AFC4-6F175D3DCCD1}">
+                <a14:hiddenFill xmlns:a14="http://schemas.microsoft.com/office/drawing/2010/main">
+                  <a:solidFill>
+                    <a:srgbClr val="FFFFFF"/>
+                  </a:solidFill>
+                </a14:hiddenFill>
+              </a:ext>
+              <a:ext uri="{91240B29-F687-4F45-9708-019B960494DF}">
+                <a14:hiddenLine xmlns:a14="http://schemas.microsoft.com/office/drawing/2010/main" w="9525">
+                  <a:solidFill>
+                    <a:srgbClr val="000000"/>
+                  </a:solidFill>
+                  <a:miter lim="800000"/>
+                  <a:headEnd/>
+                  <a:tailEnd/>
+                </a14:hiddenLine>
+              </a:ext>
+            </a:extLst>
+          </p:spPr>
+          <p:txBody>
+            <a:bodyPr wrap="square">
+              <a:spAutoFit/>
+            </a:bodyPr>
+            <a:lstStyle>
+              <a:lvl1pPr>
+                <a:defRPr>
+                  <a:solidFill>
+                    <a:schemeClr val="tx1"/>
+                  </a:solidFill>
+                  <a:latin typeface="Calibri" panose="020F0502020204030204" pitchFamily="34" charset="0"/>
+                </a:defRPr>
+              </a:lvl1pPr>
+              <a:lvl2pPr marL="742950" indent="-285750">
+                <a:defRPr>
+                  <a:solidFill>
+                    <a:schemeClr val="tx1"/>
+                  </a:solidFill>
+                  <a:latin typeface="Calibri" panose="020F0502020204030204" pitchFamily="34" charset="0"/>
+                </a:defRPr>
+              </a:lvl2pPr>
+              <a:lvl3pPr marL="1143000" indent="-228600">
+                <a:defRPr>
+                  <a:solidFill>
+                    <a:schemeClr val="tx1"/>
+                  </a:solidFill>
+                  <a:latin typeface="Calibri" panose="020F0502020204030204" pitchFamily="34" charset="0"/>
+                </a:defRPr>
+              </a:lvl3pPr>
+              <a:lvl4pPr marL="1600200" indent="-228600">
+                <a:defRPr>
+                  <a:solidFill>
+                    <a:schemeClr val="tx1"/>
+                  </a:solidFill>
+                  <a:latin typeface="Calibri" panose="020F0502020204030204" pitchFamily="34" charset="0"/>
+                </a:defRPr>
+              </a:lvl4pPr>
+              <a:lvl5pPr marL="2057400" indent="-228600">
+                <a:defRPr>
+                  <a:solidFill>
+                    <a:schemeClr val="tx1"/>
+                  </a:solidFill>
+                  <a:latin typeface="Calibri" panose="020F0502020204030204" pitchFamily="34" charset="0"/>
+                </a:defRPr>
+              </a:lvl5pPr>
+              <a:lvl6pPr marL="2514600" indent="-228600" eaLnBrk="0" fontAlgn="base" hangingPunct="0">
+                <a:spcBef>
+                  <a:spcPct val="0"/>
+                </a:spcBef>
+                <a:spcAft>
+                  <a:spcPct val="0"/>
+                </a:spcAft>
+                <a:defRPr>
+                  <a:solidFill>
+                    <a:schemeClr val="tx1"/>
+                  </a:solidFill>
+                  <a:latin typeface="Calibri" panose="020F0502020204030204" pitchFamily="34" charset="0"/>
+                </a:defRPr>
+              </a:lvl6pPr>
+              <a:lvl7pPr marL="2971800" indent="-228600" eaLnBrk="0" fontAlgn="base" hangingPunct="0">
+                <a:spcBef>
+                  <a:spcPct val="0"/>
+                </a:spcBef>
+                <a:spcAft>
+                  <a:spcPct val="0"/>
+                </a:spcAft>
+                <a:defRPr>
+                  <a:solidFill>
+                    <a:schemeClr val="tx1"/>
+                  </a:solidFill>
+                  <a:latin typeface="Calibri" panose="020F0502020204030204" pitchFamily="34" charset="0"/>
+                </a:defRPr>
+              </a:lvl7pPr>
+              <a:lvl8pPr marL="3429000" indent="-228600" eaLnBrk="0" fontAlgn="base" hangingPunct="0">
+                <a:spcBef>
+                  <a:spcPct val="0"/>
+                </a:spcBef>
+                <a:spcAft>
+                  <a:spcPct val="0"/>
+                </a:spcAft>
+                <a:defRPr>
+                  <a:solidFill>
+                    <a:schemeClr val="tx1"/>
+                  </a:solidFill>
+                  <a:latin typeface="Calibri" panose="020F0502020204030204" pitchFamily="34" charset="0"/>
+                </a:defRPr>
+              </a:lvl8pPr>
+              <a:lvl9pPr marL="3886200" indent="-228600" eaLnBrk="0" fontAlgn="base" hangingPunct="0">
+                <a:spcBef>
+                  <a:spcPct val="0"/>
+                </a:spcBef>
+                <a:spcAft>
+                  <a:spcPct val="0"/>
+                </a:spcAft>
+                <a:defRPr>
+                  <a:solidFill>
+                    <a:schemeClr val="tx1"/>
+                  </a:solidFill>
+                  <a:latin typeface="Calibri" panose="020F0502020204030204" pitchFamily="34" charset="0"/>
+                </a:defRPr>
+              </a:lvl9pPr>
+            </a:lstStyle>
+            <a:p>
+              <a:pPr algn="ctr" eaLnBrk="1" hangingPunct="1"/>
+              <a:r>
+                <a:rPr lang="en-US" altLang="en-US" sz="900" dirty="0" smtClean="0">
+                  <a:latin typeface="Noto Sans" panose="020B0502040504020204" pitchFamily="34"/>
+                  <a:ea typeface="Noto Sans" panose="020B0502040504020204" pitchFamily="34"/>
+                  <a:cs typeface="Noto Sans" panose="020B0502040504020204" pitchFamily="34"/>
+                </a:rPr>
+                <a:t>ECS</a:t>
+              </a:r>
+              <a:endParaRPr lang="en-US" altLang="en-US" sz="900" dirty="0">
+                <a:latin typeface="Noto Sans" panose="020B0502040504020204" pitchFamily="34"/>
+                <a:ea typeface="Noto Sans" panose="020B0502040504020204" pitchFamily="34"/>
+                <a:cs typeface="Noto Sans" panose="020B0502040504020204" pitchFamily="34"/>
+              </a:endParaRPr>
+            </a:p>
+          </p:txBody>
+        </p:sp>
+        <p:pic>
+          <p:nvPicPr>
+            <p:cNvPr id="38" name="Graphic 18">
+              <a:extLst>
+                <a:ext uri="{FF2B5EF4-FFF2-40B4-BE49-F238E27FC236}">
+                  <a16:creationId xmlns:a16="http://schemas.microsoft.com/office/drawing/2014/main" id="{3E24EF4B-324F-4B80-42D5-52C4F8EB1141}"/>
+                </a:ext>
+              </a:extLst>
+            </p:cNvPr>
+            <p:cNvPicPr>
+              <a:picLocks noChangeAspect="1" noChangeArrowheads="1"/>
+            </p:cNvPicPr>
+            <p:nvPr/>
+          </p:nvPicPr>
+          <p:blipFill>
+            <a:blip r:embed="rId19">
+              <a:extLst>
+                <a:ext uri="{96DAC541-7B7A-43D3-8B79-37D633B846F1}">
+                  <asvg:svgBlip xmlns:asvg="http://schemas.microsoft.com/office/drawing/2016/SVG/main" xmlns="" r:embed="rId22"/>
+                </a:ext>
+              </a:extLst>
+            </a:blip>
+            <a:srcRect/>
+            <a:stretch/>
+          </p:blipFill>
+          <p:spPr bwMode="auto">
+            <a:xfrm>
+              <a:off x="-1330322" y="4106679"/>
+              <a:ext cx="432000" cy="432000"/>
+            </a:xfrm>
+            <a:prstGeom prst="rect">
+              <a:avLst/>
+            </a:prstGeom>
+            <a:noFill/>
+            <a:ln>
+              <a:noFill/>
+            </a:ln>
+            <a:extLst>
+              <a:ext uri="{909E8E84-426E-40DD-AFC4-6F175D3DCCD1}">
+                <a14:hiddenFill xmlns:a14="http://schemas.microsoft.com/office/drawing/2010/main">
+                  <a:solidFill>
+                    <a:srgbClr val="FFFFFF"/>
+                  </a:solidFill>
+                </a14:hiddenFill>
+              </a:ext>
+              <a:ext uri="{91240B29-F687-4F45-9708-019B960494DF}">
+                <a14:hiddenLine xmlns:a14="http://schemas.microsoft.com/office/drawing/2010/main" w="9525">
+                  <a:solidFill>
+                    <a:srgbClr val="000000"/>
+                  </a:solidFill>
+                  <a:miter lim="800000"/>
+                  <a:headEnd/>
+                  <a:tailEnd/>
+                </a14:hiddenLine>
+              </a:ext>
+            </a:extLst>
+          </p:spPr>
+        </p:pic>
+      </p:grpSp>
+      <p:grpSp>
+        <p:nvGrpSpPr>
+          <p:cNvPr id="135" name="그룹 134"/>
+          <p:cNvGrpSpPr/>
+          <p:nvPr/>
+        </p:nvGrpSpPr>
+        <p:grpSpPr>
+          <a:xfrm>
+            <a:off x="2640625" y="4974257"/>
+            <a:ext cx="1414895" cy="627523"/>
+            <a:chOff x="6258940" y="4907582"/>
+            <a:chExt cx="1414895" cy="627523"/>
+          </a:xfrm>
+        </p:grpSpPr>
+        <p:grpSp>
+          <p:nvGrpSpPr>
+            <p:cNvPr id="34" name="그룹 33">
+              <a:extLst>
+                <a:ext uri="{FF2B5EF4-FFF2-40B4-BE49-F238E27FC236}">
+                  <a16:creationId xmlns:a16="http://schemas.microsoft.com/office/drawing/2014/main" id="{8E2D723B-540D-3D7D-7B4F-C5B346DF1724}"/>
+                </a:ext>
+              </a:extLst>
+            </p:cNvPr>
+            <p:cNvGrpSpPr/>
+            <p:nvPr/>
+          </p:nvGrpSpPr>
+          <p:grpSpPr>
+            <a:xfrm>
+              <a:off x="6486729" y="4907582"/>
+              <a:ext cx="1187106" cy="627523"/>
+              <a:chOff x="-2896252" y="1393199"/>
+              <a:chExt cx="1187106" cy="627523"/>
+            </a:xfrm>
+          </p:grpSpPr>
+          <p:pic>
+            <p:nvPicPr>
+              <p:cNvPr id="35" name="Graphic 20">
+                <a:extLst>
+                  <a:ext uri="{FF2B5EF4-FFF2-40B4-BE49-F238E27FC236}">
+                    <a16:creationId xmlns:a16="http://schemas.microsoft.com/office/drawing/2014/main" id="{A406F00E-5EEE-BC8F-C76B-5B60E1C22ADF}"/>
+                  </a:ext>
+                </a:extLst>
+              </p:cNvPr>
+              <p:cNvPicPr>
+                <a:picLocks noChangeAspect="1" noChangeArrowheads="1"/>
+              </p:cNvPicPr>
+              <p:nvPr/>
+            </p:nvPicPr>
+            <p:blipFill>
+              <a:blip r:embed="rId23">
+                <a:extLst>
+                  <a:ext uri="{96DAC541-7B7A-43D3-8B79-37D633B846F1}">
+                    <asvg:svgBlip xmlns:asvg="http://schemas.microsoft.com/office/drawing/2016/SVG/main" xmlns="" r:embed="rId20"/>
+                  </a:ext>
+                </a:extLst>
+              </a:blip>
+              <a:srcRect/>
+              <a:stretch/>
+            </p:blipFill>
+            <p:spPr bwMode="auto">
+              <a:xfrm>
+                <a:off x="-2514128" y="1393199"/>
+                <a:ext cx="432000" cy="432000"/>
+              </a:xfrm>
+              <a:prstGeom prst="rect">
+                <a:avLst/>
+              </a:prstGeom>
+              <a:noFill/>
+              <a:ln>
+                <a:noFill/>
+              </a:ln>
+              <a:extLst>
+                <a:ext uri="{909E8E84-426E-40DD-AFC4-6F175D3DCCD1}">
+                  <a14:hiddenFill xmlns:a14="http://schemas.microsoft.com/office/drawing/2010/main">
+                    <a:solidFill>
+                      <a:srgbClr val="FFFFFF"/>
+                    </a:solidFill>
+                  </a14:hiddenFill>
+                </a:ext>
+                <a:ext uri="{91240B29-F687-4F45-9708-019B960494DF}">
+                  <a14:hiddenLine xmlns:a14="http://schemas.microsoft.com/office/drawing/2010/main" w="9525">
+                    <a:solidFill>
+                      <a:srgbClr val="000000"/>
+                    </a:solidFill>
+                    <a:miter lim="800000"/>
+                    <a:headEnd/>
+                    <a:tailEnd/>
+                  </a14:hiddenLine>
+                </a:ext>
+              </a:extLst>
+            </p:spPr>
+          </p:pic>
+          <p:sp>
+            <p:nvSpPr>
+              <p:cNvPr id="36" name="TextBox 22">
+                <a:extLst>
+                  <a:ext uri="{FF2B5EF4-FFF2-40B4-BE49-F238E27FC236}">
+                    <a16:creationId xmlns:a16="http://schemas.microsoft.com/office/drawing/2014/main" id="{869B57E2-38CA-8215-88BC-C2A443C4F48B}"/>
+                  </a:ext>
+                </a:extLst>
+              </p:cNvPr>
+              <p:cNvSpPr txBox="1">
+                <a:spLocks noChangeArrowheads="1"/>
+              </p:cNvSpPr>
+              <p:nvPr/>
+            </p:nvSpPr>
+            <p:spPr bwMode="auto">
+              <a:xfrm>
+                <a:off x="-2896252" y="1789890"/>
+                <a:ext cx="1187106" cy="230832"/>
+              </a:xfrm>
+              <a:prstGeom prst="rect">
+                <a:avLst/>
+              </a:prstGeom>
+              <a:noFill/>
+              <a:ln>
+                <a:noFill/>
+              </a:ln>
+              <a:extLst>
+                <a:ext uri="{909E8E84-426E-40DD-AFC4-6F175D3DCCD1}">
+                  <a14:hiddenFill xmlns:a14="http://schemas.microsoft.com/office/drawing/2010/main">
+                    <a:solidFill>
+                      <a:srgbClr val="FFFFFF"/>
+                    </a:solidFill>
+                  </a14:hiddenFill>
+                </a:ext>
+                <a:ext uri="{91240B29-F687-4F45-9708-019B960494DF}">
+                  <a14:hiddenLine xmlns:a14="http://schemas.microsoft.com/office/drawing/2010/main" w="9525">
+                    <a:solidFill>
+                      <a:srgbClr val="000000"/>
+                    </a:solidFill>
+                    <a:miter lim="800000"/>
+                    <a:headEnd/>
+                    <a:tailEnd/>
+                  </a14:hiddenLine>
+                </a:ext>
+              </a:extLst>
+            </p:spPr>
+            <p:txBody>
+              <a:bodyPr wrap="square">
+                <a:spAutoFit/>
+              </a:bodyPr>
+              <a:lstStyle>
+                <a:lvl1pPr>
+                  <a:defRPr>
+                    <a:solidFill>
+                      <a:schemeClr val="tx1"/>
+                    </a:solidFill>
+                    <a:latin typeface="Calibri" panose="020F0502020204030204" pitchFamily="34" charset="0"/>
+                  </a:defRPr>
+                </a:lvl1pPr>
+                <a:lvl2pPr marL="742950" indent="-285750">
+                  <a:defRPr>
+                    <a:solidFill>
+                      <a:schemeClr val="tx1"/>
+                    </a:solidFill>
+                    <a:latin typeface="Calibri" panose="020F0502020204030204" pitchFamily="34" charset="0"/>
+                  </a:defRPr>
+                </a:lvl2pPr>
+                <a:lvl3pPr marL="1143000" indent="-228600">
+                  <a:defRPr>
+                    <a:solidFill>
+                      <a:schemeClr val="tx1"/>
+                    </a:solidFill>
+                    <a:latin typeface="Calibri" panose="020F0502020204030204" pitchFamily="34" charset="0"/>
+                  </a:defRPr>
+                </a:lvl3pPr>
+                <a:lvl4pPr marL="1600200" indent="-228600">
+                  <a:defRPr>
+                    <a:solidFill>
+                      <a:schemeClr val="tx1"/>
+                    </a:solidFill>
+                    <a:latin typeface="Calibri" panose="020F0502020204030204" pitchFamily="34" charset="0"/>
+                  </a:defRPr>
+                </a:lvl4pPr>
+                <a:lvl5pPr marL="2057400" indent="-228600">
+                  <a:defRPr>
+                    <a:solidFill>
+                      <a:schemeClr val="tx1"/>
+                    </a:solidFill>
+                    <a:latin typeface="Calibri" panose="020F0502020204030204" pitchFamily="34" charset="0"/>
+                  </a:defRPr>
+                </a:lvl5pPr>
+                <a:lvl6pPr marL="2514600" indent="-228600" eaLnBrk="0" fontAlgn="base" hangingPunct="0">
+                  <a:spcBef>
+                    <a:spcPct val="0"/>
+                  </a:spcBef>
+                  <a:spcAft>
+                    <a:spcPct val="0"/>
+                  </a:spcAft>
+                  <a:defRPr>
+                    <a:solidFill>
+                      <a:schemeClr val="tx1"/>
+                    </a:solidFill>
+                    <a:latin typeface="Calibri" panose="020F0502020204030204" pitchFamily="34" charset="0"/>
+                  </a:defRPr>
+                </a:lvl6pPr>
+                <a:lvl7pPr marL="2971800" indent="-228600" eaLnBrk="0" fontAlgn="base" hangingPunct="0">
+                  <a:spcBef>
+                    <a:spcPct val="0"/>
+                  </a:spcBef>
+                  <a:spcAft>
+                    <a:spcPct val="0"/>
+                  </a:spcAft>
+                  <a:defRPr>
+                    <a:solidFill>
+                      <a:schemeClr val="tx1"/>
+                    </a:solidFill>
+                    <a:latin typeface="Calibri" panose="020F0502020204030204" pitchFamily="34" charset="0"/>
+                  </a:defRPr>
+                </a:lvl7pPr>
+                <a:lvl8pPr marL="3429000" indent="-228600" eaLnBrk="0" fontAlgn="base" hangingPunct="0">
+                  <a:spcBef>
+                    <a:spcPct val="0"/>
+                  </a:spcBef>
+                  <a:spcAft>
+                    <a:spcPct val="0"/>
+                  </a:spcAft>
+                  <a:defRPr>
+                    <a:solidFill>
+                      <a:schemeClr val="tx1"/>
+                    </a:solidFill>
+                    <a:latin typeface="Calibri" panose="020F0502020204030204" pitchFamily="34" charset="0"/>
+                  </a:defRPr>
+                </a:lvl8pPr>
+                <a:lvl9pPr marL="3886200" indent="-228600" eaLnBrk="0" fontAlgn="base" hangingPunct="0">
+                  <a:spcBef>
+                    <a:spcPct val="0"/>
+                  </a:spcBef>
+                  <a:spcAft>
+                    <a:spcPct val="0"/>
+                  </a:spcAft>
+                  <a:defRPr>
+                    <a:solidFill>
+                      <a:schemeClr val="tx1"/>
+                    </a:solidFill>
+                    <a:latin typeface="Calibri" panose="020F0502020204030204" pitchFamily="34" charset="0"/>
+                  </a:defRPr>
+                </a:lvl9pPr>
+              </a:lstStyle>
+              <a:p>
+                <a:pPr algn="ctr" eaLnBrk="1" hangingPunct="1"/>
+                <a:r>
+                  <a:rPr lang="en-US" altLang="en-US" sz="900" dirty="0" smtClean="0">
+                    <a:latin typeface="Noto Sans" panose="020B0502040504020204" pitchFamily="34"/>
+                    <a:ea typeface="Noto Sans" panose="020B0502040504020204" pitchFamily="34"/>
+                    <a:cs typeface="Noto Sans" panose="020B0502040504020204" pitchFamily="34"/>
+                  </a:rPr>
+                  <a:t>ECR</a:t>
+                </a:r>
+                <a:endParaRPr lang="en-US" altLang="en-US" sz="900" dirty="0">
+                  <a:latin typeface="Noto Sans" panose="020B0502040504020204" pitchFamily="34"/>
+                  <a:ea typeface="Noto Sans" panose="020B0502040504020204" pitchFamily="34"/>
+                  <a:cs typeface="Noto Sans" panose="020B0502040504020204" pitchFamily="34"/>
+                </a:endParaRPr>
+              </a:p>
+            </p:txBody>
+          </p:sp>
+        </p:grpSp>
+        <p:grpSp>
+          <p:nvGrpSpPr>
+            <p:cNvPr id="40" name="그룹 39">
+              <a:extLst>
+                <a:ext uri="{FF2B5EF4-FFF2-40B4-BE49-F238E27FC236}">
+                  <a16:creationId xmlns:a16="http://schemas.microsoft.com/office/drawing/2014/main" id="{8032DD2F-6E27-6680-7DD5-4AEECB9E8155}"/>
+                </a:ext>
+              </a:extLst>
+            </p:cNvPr>
+            <p:cNvGrpSpPr/>
+            <p:nvPr/>
+          </p:nvGrpSpPr>
+          <p:grpSpPr>
+            <a:xfrm>
+              <a:off x="6258940" y="4907582"/>
+              <a:ext cx="656953" cy="622339"/>
+              <a:chOff x="430321" y="1328762"/>
+              <a:chExt cx="656953" cy="622339"/>
+            </a:xfrm>
+          </p:grpSpPr>
+          <p:pic>
+            <p:nvPicPr>
+              <p:cNvPr id="41" name="Graphic 14">
+                <a:extLst>
+                  <a:ext uri="{FF2B5EF4-FFF2-40B4-BE49-F238E27FC236}">
+                    <a16:creationId xmlns:a16="http://schemas.microsoft.com/office/drawing/2014/main" id="{9E1B9DFE-1570-AC62-3BEB-02B7D69B1F0A}"/>
+                  </a:ext>
+                </a:extLst>
+              </p:cNvPr>
+              <p:cNvPicPr>
+                <a:picLocks noChangeAspect="1" noChangeArrowheads="1"/>
+              </p:cNvPicPr>
+              <p:nvPr/>
+            </p:nvPicPr>
+            <p:blipFill>
+              <a:blip r:embed="rId24">
+                <a:extLst>
+                  <a:ext uri="{96DAC541-7B7A-43D3-8B79-37D633B846F1}">
+                    <asvg:svgBlip xmlns:asvg="http://schemas.microsoft.com/office/drawing/2016/SVG/main" xmlns="" r:embed="rId25"/>
+                  </a:ext>
+                </a:extLst>
+              </a:blip>
+              <a:srcRect/>
+              <a:stretch/>
+            </p:blipFill>
+            <p:spPr bwMode="auto">
+              <a:xfrm>
+                <a:off x="548520" y="1328762"/>
+                <a:ext cx="432000" cy="432000"/>
+              </a:xfrm>
+              <a:prstGeom prst="rect">
+                <a:avLst/>
+              </a:prstGeom>
+              <a:noFill/>
+              <a:ln>
+                <a:noFill/>
+              </a:ln>
+              <a:extLst>
+                <a:ext uri="{909E8E84-426E-40DD-AFC4-6F175D3DCCD1}">
+                  <a14:hiddenFill xmlns:a14="http://schemas.microsoft.com/office/drawing/2010/main">
+                    <a:solidFill>
+                      <a:srgbClr val="FFFFFF"/>
+                    </a:solidFill>
+                  </a14:hiddenFill>
+                </a:ext>
+                <a:ext uri="{91240B29-F687-4F45-9708-019B960494DF}">
+                  <a14:hiddenLine xmlns:a14="http://schemas.microsoft.com/office/drawing/2010/main" w="9525">
+                    <a:solidFill>
+                      <a:srgbClr val="000000"/>
+                    </a:solidFill>
+                    <a:miter lim="800000"/>
+                    <a:headEnd/>
+                    <a:tailEnd/>
+                  </a14:hiddenLine>
+                </a:ext>
+              </a:extLst>
+            </p:spPr>
+          </p:pic>
+          <p:sp>
+            <p:nvSpPr>
+              <p:cNvPr id="42" name="TextBox 12">
+                <a:extLst>
+                  <a:ext uri="{FF2B5EF4-FFF2-40B4-BE49-F238E27FC236}">
+                    <a16:creationId xmlns:a16="http://schemas.microsoft.com/office/drawing/2014/main" id="{AD7B857C-E55A-8014-C59F-23BDE5030B60}"/>
+                  </a:ext>
+                </a:extLst>
+              </p:cNvPr>
+              <p:cNvSpPr txBox="1">
+                <a:spLocks noChangeArrowheads="1"/>
+              </p:cNvSpPr>
+              <p:nvPr/>
+            </p:nvSpPr>
+            <p:spPr bwMode="auto">
+              <a:xfrm>
+                <a:off x="430321" y="1720269"/>
+                <a:ext cx="656953" cy="230832"/>
+              </a:xfrm>
+              <a:prstGeom prst="rect">
+                <a:avLst/>
+              </a:prstGeom>
+              <a:noFill/>
+              <a:ln>
+                <a:noFill/>
+              </a:ln>
+              <a:extLst>
+                <a:ext uri="{909E8E84-426E-40DD-AFC4-6F175D3DCCD1}">
+                  <a14:hiddenFill xmlns:a14="http://schemas.microsoft.com/office/drawing/2010/main">
+                    <a:solidFill>
+                      <a:srgbClr val="FFFFFF"/>
+                    </a:solidFill>
+                  </a14:hiddenFill>
+                </a:ext>
+                <a:ext uri="{91240B29-F687-4F45-9708-019B960494DF}">
+                  <a14:hiddenLine xmlns:a14="http://schemas.microsoft.com/office/drawing/2010/main" w="9525">
+                    <a:solidFill>
+                      <a:srgbClr val="000000"/>
+                    </a:solidFill>
+                    <a:miter lim="800000"/>
+                    <a:headEnd/>
+                    <a:tailEnd/>
+                  </a14:hiddenLine>
+                </a:ext>
+              </a:extLst>
+            </p:spPr>
+            <p:txBody>
+              <a:bodyPr wrap="square">
+                <a:spAutoFit/>
+              </a:bodyPr>
+              <a:lstStyle>
+                <a:lvl1pPr>
+                  <a:defRPr>
+                    <a:solidFill>
+                      <a:schemeClr val="tx1"/>
+                    </a:solidFill>
+                    <a:latin typeface="Calibri" panose="020F0502020204030204" pitchFamily="34" charset="0"/>
+                  </a:defRPr>
+                </a:lvl1pPr>
+                <a:lvl2pPr marL="742950" indent="-285750">
+                  <a:defRPr>
+                    <a:solidFill>
+                      <a:schemeClr val="tx1"/>
+                    </a:solidFill>
+                    <a:latin typeface="Calibri" panose="020F0502020204030204" pitchFamily="34" charset="0"/>
+                  </a:defRPr>
+                </a:lvl2pPr>
+                <a:lvl3pPr marL="1143000" indent="-228600">
+                  <a:defRPr>
+                    <a:solidFill>
+                      <a:schemeClr val="tx1"/>
+                    </a:solidFill>
+                    <a:latin typeface="Calibri" panose="020F0502020204030204" pitchFamily="34" charset="0"/>
+                  </a:defRPr>
+                </a:lvl3pPr>
+                <a:lvl4pPr marL="1600200" indent="-228600">
+                  <a:defRPr>
+                    <a:solidFill>
+                      <a:schemeClr val="tx1"/>
+                    </a:solidFill>
+                    <a:latin typeface="Calibri" panose="020F0502020204030204" pitchFamily="34" charset="0"/>
+                  </a:defRPr>
+                </a:lvl4pPr>
+                <a:lvl5pPr marL="2057400" indent="-228600">
+                  <a:defRPr>
+                    <a:solidFill>
+                      <a:schemeClr val="tx1"/>
+                    </a:solidFill>
+                    <a:latin typeface="Calibri" panose="020F0502020204030204" pitchFamily="34" charset="0"/>
+                  </a:defRPr>
+                </a:lvl5pPr>
+                <a:lvl6pPr marL="2514600" indent="-228600" eaLnBrk="0" fontAlgn="base" hangingPunct="0">
+                  <a:spcBef>
+                    <a:spcPct val="0"/>
+                  </a:spcBef>
+                  <a:spcAft>
+                    <a:spcPct val="0"/>
+                  </a:spcAft>
+                  <a:defRPr>
+                    <a:solidFill>
+                      <a:schemeClr val="tx1"/>
+                    </a:solidFill>
+                    <a:latin typeface="Calibri" panose="020F0502020204030204" pitchFamily="34" charset="0"/>
+                  </a:defRPr>
+                </a:lvl6pPr>
+                <a:lvl7pPr marL="2971800" indent="-228600" eaLnBrk="0" fontAlgn="base" hangingPunct="0">
+                  <a:spcBef>
+                    <a:spcPct val="0"/>
+                  </a:spcBef>
+                  <a:spcAft>
+                    <a:spcPct val="0"/>
+                  </a:spcAft>
+                  <a:defRPr>
+                    <a:solidFill>
+                      <a:schemeClr val="tx1"/>
+                    </a:solidFill>
+                    <a:latin typeface="Calibri" panose="020F0502020204030204" pitchFamily="34" charset="0"/>
+                  </a:defRPr>
+                </a:lvl7pPr>
+                <a:lvl8pPr marL="3429000" indent="-228600" eaLnBrk="0" fontAlgn="base" hangingPunct="0">
+                  <a:spcBef>
+                    <a:spcPct val="0"/>
+                  </a:spcBef>
+                  <a:spcAft>
+                    <a:spcPct val="0"/>
+                  </a:spcAft>
+                  <a:defRPr>
+                    <a:solidFill>
+                      <a:schemeClr val="tx1"/>
+                    </a:solidFill>
+                    <a:latin typeface="Calibri" panose="020F0502020204030204" pitchFamily="34" charset="0"/>
+                  </a:defRPr>
+                </a:lvl8pPr>
+                <a:lvl9pPr marL="3886200" indent="-228600" eaLnBrk="0" fontAlgn="base" hangingPunct="0">
+                  <a:spcBef>
+                    <a:spcPct val="0"/>
+                  </a:spcBef>
+                  <a:spcAft>
+                    <a:spcPct val="0"/>
+                  </a:spcAft>
+                  <a:defRPr>
+                    <a:solidFill>
+                      <a:schemeClr val="tx1"/>
+                    </a:solidFill>
+                    <a:latin typeface="Calibri" panose="020F0502020204030204" pitchFamily="34" charset="0"/>
+                  </a:defRPr>
+                </a:lvl9pPr>
+              </a:lstStyle>
+              <a:p>
+                <a:pPr algn="ctr" eaLnBrk="1" hangingPunct="1"/>
+                <a:r>
+                  <a:rPr lang="en-US" altLang="en-US" sz="900" dirty="0" err="1" smtClean="0">
+                    <a:latin typeface="Noto Sans" panose="020B0502040504020204" pitchFamily="34"/>
+                    <a:ea typeface="Noto Sans" panose="020B0502040504020204" pitchFamily="34"/>
+                    <a:cs typeface="Noto Sans" panose="020B0502040504020204" pitchFamily="34"/>
+                  </a:rPr>
+                  <a:t>Fargate</a:t>
+                </a:r>
+                <a:endParaRPr lang="en-US" altLang="en-US" sz="900" dirty="0">
+                  <a:latin typeface="Noto Sans" panose="020B0502040504020204" pitchFamily="34"/>
+                  <a:ea typeface="Noto Sans" panose="020B0502040504020204" pitchFamily="34"/>
+                  <a:cs typeface="Noto Sans" panose="020B0502040504020204" pitchFamily="34"/>
+                </a:endParaRPr>
+              </a:p>
+            </p:txBody>
+          </p:sp>
+        </p:grpSp>
+      </p:grpSp>
+      <p:grpSp>
+        <p:nvGrpSpPr>
+          <p:cNvPr id="43" name="그룹 42">
+            <a:extLst>
+              <a:ext uri="{FF2B5EF4-FFF2-40B4-BE49-F238E27FC236}">
+                <a16:creationId xmlns:a16="http://schemas.microsoft.com/office/drawing/2014/main" id="{8E074C36-5241-0A97-2203-3345A996638F}"/>
+              </a:ext>
+            </a:extLst>
+          </p:cNvPr>
+          <p:cNvGrpSpPr/>
+          <p:nvPr/>
+        </p:nvGrpSpPr>
+        <p:grpSpPr>
+          <a:xfrm>
+            <a:off x="7850994" y="4035790"/>
+            <a:ext cx="1167279" cy="620165"/>
+            <a:chOff x="573929" y="3785963"/>
+            <a:chExt cx="1167279" cy="620165"/>
+          </a:xfrm>
+        </p:grpSpPr>
+        <p:pic>
+          <p:nvPicPr>
+            <p:cNvPr id="44" name="Graphic 6">
+              <a:extLst>
+                <a:ext uri="{FF2B5EF4-FFF2-40B4-BE49-F238E27FC236}">
+                  <a16:creationId xmlns:a16="http://schemas.microsoft.com/office/drawing/2014/main" id="{45E3966F-BBE6-6DA4-402C-F6A3A42050D7}"/>
+                </a:ext>
+              </a:extLst>
+            </p:cNvPr>
+            <p:cNvPicPr>
+              <a:picLocks noChangeAspect="1" noChangeArrowheads="1"/>
+            </p:cNvPicPr>
+            <p:nvPr/>
+          </p:nvPicPr>
+          <p:blipFill>
+            <a:blip r:embed="rId26">
+              <a:extLst>
+                <a:ext uri="{96DAC541-7B7A-43D3-8B79-37D633B846F1}">
+                  <asvg:svgBlip xmlns:asvg="http://schemas.microsoft.com/office/drawing/2016/SVG/main" xmlns="" r:embed="rId27"/>
+                </a:ext>
+              </a:extLst>
+            </a:blip>
+            <a:srcRect/>
+            <a:stretch/>
+          </p:blipFill>
+          <p:spPr bwMode="auto">
+            <a:xfrm>
+              <a:off x="938716" y="3785963"/>
+              <a:ext cx="432000" cy="432000"/>
+            </a:xfrm>
+            <a:prstGeom prst="rect">
+              <a:avLst/>
+            </a:prstGeom>
+            <a:noFill/>
+            <a:ln>
+              <a:noFill/>
+            </a:ln>
+            <a:extLst>
+              <a:ext uri="{909E8E84-426E-40DD-AFC4-6F175D3DCCD1}">
+                <a14:hiddenFill xmlns:a14="http://schemas.microsoft.com/office/drawing/2010/main">
+                  <a:solidFill>
+                    <a:srgbClr val="FFFFFF"/>
+                  </a:solidFill>
+                </a14:hiddenFill>
+              </a:ext>
+              <a:ext uri="{91240B29-F687-4F45-9708-019B960494DF}">
+                <a14:hiddenLine xmlns:a14="http://schemas.microsoft.com/office/drawing/2010/main" w="9525">
+                  <a:solidFill>
+                    <a:srgbClr val="000000"/>
+                  </a:solidFill>
+                  <a:miter lim="800000"/>
+                  <a:headEnd/>
+                  <a:tailEnd/>
+                </a14:hiddenLine>
+              </a:ext>
+            </a:extLst>
+          </p:spPr>
+        </p:pic>
+        <p:sp>
+          <p:nvSpPr>
+            <p:cNvPr id="45" name="TextBox 9">
+              <a:extLst>
+                <a:ext uri="{FF2B5EF4-FFF2-40B4-BE49-F238E27FC236}">
+                  <a16:creationId xmlns:a16="http://schemas.microsoft.com/office/drawing/2014/main" id="{7585031A-0846-45D1-03C7-6BB6EA1AEF83}"/>
+                </a:ext>
+              </a:extLst>
+            </p:cNvPr>
+            <p:cNvSpPr txBox="1">
+              <a:spLocks noChangeArrowheads="1"/>
+            </p:cNvSpPr>
+            <p:nvPr/>
+          </p:nvSpPr>
+          <p:spPr bwMode="auto">
+            <a:xfrm>
+              <a:off x="573929" y="4175296"/>
+              <a:ext cx="1167279" cy="230832"/>
+            </a:xfrm>
+            <a:prstGeom prst="rect">
+              <a:avLst/>
+            </a:prstGeom>
+            <a:noFill/>
+            <a:ln>
+              <a:noFill/>
+            </a:ln>
+            <a:extLst>
+              <a:ext uri="{909E8E84-426E-40DD-AFC4-6F175D3DCCD1}">
+                <a14:hiddenFill xmlns:a14="http://schemas.microsoft.com/office/drawing/2010/main">
+                  <a:solidFill>
+                    <a:srgbClr val="FFFFFF"/>
+                  </a:solidFill>
+                </a14:hiddenFill>
+              </a:ext>
+              <a:ext uri="{91240B29-F687-4F45-9708-019B960494DF}">
+                <a14:hiddenLine xmlns:a14="http://schemas.microsoft.com/office/drawing/2010/main" w="9525">
+                  <a:solidFill>
+                    <a:srgbClr val="000000"/>
+                  </a:solidFill>
+                  <a:miter lim="800000"/>
+                  <a:headEnd/>
+                  <a:tailEnd/>
+                </a14:hiddenLine>
+              </a:ext>
+            </a:extLst>
+          </p:spPr>
+          <p:txBody>
+            <a:bodyPr wrap="square">
+              <a:spAutoFit/>
+            </a:bodyPr>
+            <a:lstStyle>
+              <a:lvl1pPr>
+                <a:defRPr>
+                  <a:solidFill>
+                    <a:schemeClr val="tx1"/>
+                  </a:solidFill>
+                  <a:latin typeface="Calibri" panose="020F0502020204030204" pitchFamily="34" charset="0"/>
+                </a:defRPr>
+              </a:lvl1pPr>
+              <a:lvl2pPr marL="742950" indent="-285750">
+                <a:defRPr>
+                  <a:solidFill>
+                    <a:schemeClr val="tx1"/>
+                  </a:solidFill>
+                  <a:latin typeface="Calibri" panose="020F0502020204030204" pitchFamily="34" charset="0"/>
+                </a:defRPr>
+              </a:lvl2pPr>
+              <a:lvl3pPr marL="1143000" indent="-228600">
+                <a:defRPr>
+                  <a:solidFill>
+                    <a:schemeClr val="tx1"/>
+                  </a:solidFill>
+                  <a:latin typeface="Calibri" panose="020F0502020204030204" pitchFamily="34" charset="0"/>
+                </a:defRPr>
+              </a:lvl3pPr>
+              <a:lvl4pPr marL="1600200" indent="-228600">
+                <a:defRPr>
+                  <a:solidFill>
+                    <a:schemeClr val="tx1"/>
+                  </a:solidFill>
+                  <a:latin typeface="Calibri" panose="020F0502020204030204" pitchFamily="34" charset="0"/>
+                </a:defRPr>
+              </a:lvl4pPr>
+              <a:lvl5pPr marL="2057400" indent="-228600">
+                <a:defRPr>
+                  <a:solidFill>
+                    <a:schemeClr val="tx1"/>
+                  </a:solidFill>
+                  <a:latin typeface="Calibri" panose="020F0502020204030204" pitchFamily="34" charset="0"/>
+                </a:defRPr>
+              </a:lvl5pPr>
+              <a:lvl6pPr marL="2514600" indent="-228600" eaLnBrk="0" fontAlgn="base" hangingPunct="0">
+                <a:spcBef>
+                  <a:spcPct val="0"/>
+                </a:spcBef>
+                <a:spcAft>
+                  <a:spcPct val="0"/>
+                </a:spcAft>
+                <a:defRPr>
+                  <a:solidFill>
+                    <a:schemeClr val="tx1"/>
+                  </a:solidFill>
+                  <a:latin typeface="Calibri" panose="020F0502020204030204" pitchFamily="34" charset="0"/>
+                </a:defRPr>
+              </a:lvl6pPr>
+              <a:lvl7pPr marL="2971800" indent="-228600" eaLnBrk="0" fontAlgn="base" hangingPunct="0">
+                <a:spcBef>
+                  <a:spcPct val="0"/>
+                </a:spcBef>
+                <a:spcAft>
+                  <a:spcPct val="0"/>
+                </a:spcAft>
+                <a:defRPr>
+                  <a:solidFill>
+                    <a:schemeClr val="tx1"/>
+                  </a:solidFill>
+                  <a:latin typeface="Calibri" panose="020F0502020204030204" pitchFamily="34" charset="0"/>
+                </a:defRPr>
+              </a:lvl7pPr>
+              <a:lvl8pPr marL="3429000" indent="-228600" eaLnBrk="0" fontAlgn="base" hangingPunct="0">
+                <a:spcBef>
+                  <a:spcPct val="0"/>
+                </a:spcBef>
+                <a:spcAft>
+                  <a:spcPct val="0"/>
+                </a:spcAft>
+                <a:defRPr>
+                  <a:solidFill>
+                    <a:schemeClr val="tx1"/>
+                  </a:solidFill>
+                  <a:latin typeface="Calibri" panose="020F0502020204030204" pitchFamily="34" charset="0"/>
+                </a:defRPr>
+              </a:lvl8pPr>
+              <a:lvl9pPr marL="3886200" indent="-228600" eaLnBrk="0" fontAlgn="base" hangingPunct="0">
+                <a:spcBef>
+                  <a:spcPct val="0"/>
+                </a:spcBef>
+                <a:spcAft>
+                  <a:spcPct val="0"/>
+                </a:spcAft>
+                <a:defRPr>
+                  <a:solidFill>
+                    <a:schemeClr val="tx1"/>
+                  </a:solidFill>
+                  <a:latin typeface="Calibri" panose="020F0502020204030204" pitchFamily="34" charset="0"/>
+                </a:defRPr>
+              </a:lvl9pPr>
+            </a:lstStyle>
+            <a:p>
+              <a:pPr algn="ctr" eaLnBrk="1" hangingPunct="1"/>
+              <a:r>
+                <a:rPr lang="en-US" altLang="en-US" sz="900" dirty="0"/>
+                <a:t>RDS</a:t>
+              </a:r>
+            </a:p>
+          </p:txBody>
+        </p:sp>
+      </p:grpSp>
+      <p:sp>
+        <p:nvSpPr>
+          <p:cNvPr id="46" name="Rectangle 13">
+            <a:extLst>
+              <a:ext uri="{FF2B5EF4-FFF2-40B4-BE49-F238E27FC236}">
+                <a16:creationId xmlns:a16="http://schemas.microsoft.com/office/drawing/2014/main" id="{F1FA6F23-85A7-63A1-57D8-18D81563107F}"/>
+              </a:ext>
+            </a:extLst>
+          </p:cNvPr>
+          <p:cNvSpPr/>
+          <p:nvPr/>
+        </p:nvSpPr>
+        <p:spPr>
+          <a:xfrm>
+            <a:off x="2666422" y="2207825"/>
+            <a:ext cx="4148868" cy="3381393"/>
+          </a:xfrm>
+          <a:prstGeom prst="rect">
+            <a:avLst/>
+          </a:prstGeom>
+          <a:noFill/>
+          <a:ln w="15875">
+            <a:solidFill>
+              <a:srgbClr val="D45B07"/>
+            </a:solidFill>
+            <a:prstDash val="dash"/>
+          </a:ln>
+        </p:spPr>
+        <p:style>
+          <a:lnRef idx="2">
+            <a:schemeClr val="accent1">
+              <a:shade val="50000"/>
+            </a:schemeClr>
+          </a:lnRef>
+          <a:fillRef idx="1">
+            <a:schemeClr val="accent1"/>
+          </a:fillRef>
+          <a:effectRef idx="0">
+            <a:schemeClr val="accent1"/>
+          </a:effectRef>
+          <a:fontRef idx="minor">
+            <a:schemeClr val="lt1"/>
+          </a:fontRef>
+        </p:style>
+        <p:txBody>
+          <a:bodyPr tIns="91440"/>
+          <a:lstStyle/>
+          <a:p>
+            <a:pPr algn="ctr" eaLnBrk="1" fontAlgn="auto" hangingPunct="1">
+              <a:spcBef>
+                <a:spcPts val="0"/>
+              </a:spcBef>
+              <a:spcAft>
+                <a:spcPts val="0"/>
+              </a:spcAft>
+              <a:defRPr/>
+            </a:pPr>
+            <a:endParaRPr lang="en-US" sz="1200" dirty="0">
+              <a:solidFill>
+                <a:schemeClr val="tx1"/>
+              </a:solidFill>
+              <a:latin typeface="Arial" panose="020B0604020202020204" pitchFamily="34" charset="0"/>
+              <a:cs typeface="Arial" panose="020B0604020202020204" pitchFamily="34" charset="0"/>
+            </a:endParaRPr>
+          </a:p>
+        </p:txBody>
+      </p:sp>
+      <p:sp>
+        <p:nvSpPr>
+          <p:cNvPr id="50" name="TextBox 11">
+            <a:extLst>
+              <a:ext uri="{FF2B5EF4-FFF2-40B4-BE49-F238E27FC236}">
+                <a16:creationId xmlns:a16="http://schemas.microsoft.com/office/drawing/2014/main" id="{C976F34B-6C12-787A-D25F-FA21DD63BEE2}"/>
+              </a:ext>
+            </a:extLst>
+          </p:cNvPr>
+          <p:cNvSpPr txBox="1">
+            <a:spLocks noChangeArrowheads="1"/>
+          </p:cNvSpPr>
+          <p:nvPr/>
+        </p:nvSpPr>
+        <p:spPr bwMode="auto">
+          <a:xfrm>
+            <a:off x="6990482" y="4277665"/>
+            <a:ext cx="1119619" cy="400110"/>
+          </a:xfrm>
+          <a:prstGeom prst="rect">
+            <a:avLst/>
+          </a:prstGeom>
+          <a:noFill/>
+          <a:ln>
+            <a:noFill/>
+          </a:ln>
+          <a:extLst>
+            <a:ext uri="{909E8E84-426E-40DD-AFC4-6F175D3DCCD1}">
+              <a14:hiddenFill xmlns:a14="http://schemas.microsoft.com/office/drawing/2010/main">
+                <a:solidFill>
+                  <a:srgbClr val="FFFFFF"/>
+                </a:solidFill>
+              </a14:hiddenFill>
+            </a:ext>
+            <a:ext uri="{91240B29-F687-4F45-9708-019B960494DF}">
+              <a14:hiddenLine xmlns:a14="http://schemas.microsoft.com/office/drawing/2010/main" w="9525">
+                <a:solidFill>
+                  <a:srgbClr val="000000"/>
+                </a:solidFill>
+                <a:miter lim="800000"/>
+                <a:headEnd/>
+                <a:tailEnd/>
+              </a14:hiddenLine>
+            </a:ext>
+          </a:extLst>
+        </p:spPr>
+        <p:txBody>
+          <a:bodyPr wrap="square">
+            <a:spAutoFit/>
+          </a:bodyPr>
+          <a:lstStyle>
+            <a:defPPr>
+              <a:defRPr lang="en-US"/>
+            </a:defPPr>
+            <a:lvl1pPr algn="l" rtl="0" eaLnBrk="0" fontAlgn="base" hangingPunct="0">
+              <a:spcBef>
+                <a:spcPct val="0"/>
+              </a:spcBef>
+              <a:spcAft>
+                <a:spcPct val="0"/>
+              </a:spcAft>
+              <a:defRPr kern="1200">
+                <a:solidFill>
+                  <a:schemeClr val="tx1"/>
+                </a:solidFill>
+                <a:latin typeface="Calibri" panose="020F0502020204030204" pitchFamily="34" charset="0"/>
+                <a:ea typeface="+mn-ea"/>
+                <a:cs typeface="+mn-cs"/>
+              </a:defRPr>
+            </a:lvl1pPr>
+            <a:lvl2pPr marL="457200" algn="l" rtl="0" eaLnBrk="0" fontAlgn="base" hangingPunct="0">
+              <a:spcBef>
+                <a:spcPct val="0"/>
+              </a:spcBef>
+              <a:spcAft>
+                <a:spcPct val="0"/>
+              </a:spcAft>
+              <a:defRPr kern="1200">
+                <a:solidFill>
+                  <a:schemeClr val="tx1"/>
+                </a:solidFill>
+                <a:latin typeface="Calibri" panose="020F0502020204030204" pitchFamily="34" charset="0"/>
+                <a:ea typeface="+mn-ea"/>
+                <a:cs typeface="+mn-cs"/>
+              </a:defRPr>
+            </a:lvl2pPr>
+            <a:lvl3pPr marL="914400" algn="l" rtl="0" eaLnBrk="0" fontAlgn="base" hangingPunct="0">
+              <a:spcBef>
+                <a:spcPct val="0"/>
+              </a:spcBef>
+              <a:spcAft>
+                <a:spcPct val="0"/>
+              </a:spcAft>
+              <a:defRPr kern="1200">
+                <a:solidFill>
+                  <a:schemeClr val="tx1"/>
+                </a:solidFill>
+                <a:latin typeface="Calibri" panose="020F0502020204030204" pitchFamily="34" charset="0"/>
+                <a:ea typeface="+mn-ea"/>
+                <a:cs typeface="+mn-cs"/>
+              </a:defRPr>
+            </a:lvl3pPr>
+            <a:lvl4pPr marL="1371600" algn="l" rtl="0" eaLnBrk="0" fontAlgn="base" hangingPunct="0">
+              <a:spcBef>
+                <a:spcPct val="0"/>
+              </a:spcBef>
+              <a:spcAft>
+                <a:spcPct val="0"/>
+              </a:spcAft>
+              <a:defRPr kern="1200">
+                <a:solidFill>
+                  <a:schemeClr val="tx1"/>
+                </a:solidFill>
+                <a:latin typeface="Calibri" panose="020F0502020204030204" pitchFamily="34" charset="0"/>
+                <a:ea typeface="+mn-ea"/>
+                <a:cs typeface="+mn-cs"/>
+              </a:defRPr>
+            </a:lvl4pPr>
+            <a:lvl5pPr marL="1828800" algn="l" rtl="0" eaLnBrk="0" fontAlgn="base" hangingPunct="0">
+              <a:spcBef>
+                <a:spcPct val="0"/>
+              </a:spcBef>
+              <a:spcAft>
+                <a:spcPct val="0"/>
+              </a:spcAft>
+              <a:defRPr kern="1200">
+                <a:solidFill>
+                  <a:schemeClr val="tx1"/>
+                </a:solidFill>
+                <a:latin typeface="Calibri" panose="020F0502020204030204" pitchFamily="34" charset="0"/>
+                <a:ea typeface="+mn-ea"/>
+                <a:cs typeface="+mn-cs"/>
+              </a:defRPr>
+            </a:lvl5pPr>
+            <a:lvl6pPr marL="2286000" algn="l" defTabSz="914400" rtl="0" eaLnBrk="1" latinLnBrk="0" hangingPunct="1">
+              <a:defRPr kern="1200">
+                <a:solidFill>
+                  <a:schemeClr val="tx1"/>
+                </a:solidFill>
+                <a:latin typeface="Calibri" panose="020F0502020204030204" pitchFamily="34" charset="0"/>
+                <a:ea typeface="+mn-ea"/>
+                <a:cs typeface="+mn-cs"/>
+              </a:defRPr>
+            </a:lvl6pPr>
+            <a:lvl7pPr marL="2743200" algn="l" defTabSz="914400" rtl="0" eaLnBrk="1" latinLnBrk="0" hangingPunct="1">
+              <a:defRPr kern="1200">
+                <a:solidFill>
+                  <a:schemeClr val="tx1"/>
+                </a:solidFill>
+                <a:latin typeface="Calibri" panose="020F0502020204030204" pitchFamily="34" charset="0"/>
+                <a:ea typeface="+mn-ea"/>
+                <a:cs typeface="+mn-cs"/>
+              </a:defRPr>
+            </a:lvl7pPr>
+            <a:lvl8pPr marL="3200400" algn="l" defTabSz="914400" rtl="0" eaLnBrk="1" latinLnBrk="0" hangingPunct="1">
+              <a:defRPr kern="1200">
+                <a:solidFill>
+                  <a:schemeClr val="tx1"/>
+                </a:solidFill>
+                <a:latin typeface="Calibri" panose="020F0502020204030204" pitchFamily="34" charset="0"/>
+                <a:ea typeface="+mn-ea"/>
+                <a:cs typeface="+mn-cs"/>
+              </a:defRPr>
+            </a:lvl8pPr>
+            <a:lvl9pPr marL="3657600" algn="l" defTabSz="914400" rtl="0" eaLnBrk="1" latinLnBrk="0" hangingPunct="1">
+              <a:defRPr kern="1200">
+                <a:solidFill>
+                  <a:schemeClr val="tx1"/>
+                </a:solidFill>
+                <a:latin typeface="Calibri" panose="020F0502020204030204" pitchFamily="34" charset="0"/>
+                <a:ea typeface="+mn-ea"/>
+                <a:cs typeface="+mn-cs"/>
+              </a:defRPr>
+            </a:lvl9pPr>
+          </a:lstStyle>
+          <a:p>
+            <a:pPr algn="ctr" eaLnBrk="1" hangingPunct="1"/>
+            <a:r>
+              <a:rPr lang="en-US" altLang="en-US" sz="1000" dirty="0">
+                <a:latin typeface="Noto Sans" panose="020B0502040504020204" pitchFamily="34"/>
+                <a:ea typeface="Noto Sans" panose="020B0502040504020204" pitchFamily="34"/>
+                <a:cs typeface="Noto Sans" panose="020B0502040504020204" pitchFamily="34"/>
+              </a:rPr>
+              <a:t>Insert</a:t>
+            </a:r>
+          </a:p>
+          <a:p>
+            <a:pPr algn="ctr" eaLnBrk="1" hangingPunct="1"/>
+            <a:r>
+              <a:rPr lang="en-US" altLang="en-US" sz="1000" dirty="0">
+                <a:latin typeface="Noto Sans" panose="020B0502040504020204" pitchFamily="34"/>
+                <a:ea typeface="Noto Sans" panose="020B0502040504020204" pitchFamily="34"/>
+                <a:cs typeface="Noto Sans" panose="020B0502040504020204" pitchFamily="34"/>
+              </a:rPr>
+              <a:t>Analysis result</a:t>
+            </a:r>
+          </a:p>
+        </p:txBody>
+      </p:sp>
+      <p:sp>
+        <p:nvSpPr>
+          <p:cNvPr id="53" name="TextBox 16">
+            <a:extLst>
+              <a:ext uri="{FF2B5EF4-FFF2-40B4-BE49-F238E27FC236}">
+                <a16:creationId xmlns:a16="http://schemas.microsoft.com/office/drawing/2014/main" id="{73F982E2-C8BC-EB5A-2D39-01577F47D5F4}"/>
+              </a:ext>
+            </a:extLst>
+          </p:cNvPr>
+          <p:cNvSpPr txBox="1">
+            <a:spLocks noChangeArrowheads="1"/>
+          </p:cNvSpPr>
+          <p:nvPr/>
+        </p:nvSpPr>
+        <p:spPr bwMode="auto">
+          <a:xfrm>
+            <a:off x="9533474" y="3226569"/>
+            <a:ext cx="1084774" cy="400110"/>
+          </a:xfrm>
+          <a:prstGeom prst="rect">
+            <a:avLst/>
+          </a:prstGeom>
+          <a:noFill/>
+          <a:ln>
+            <a:noFill/>
+          </a:ln>
+          <a:extLst>
+            <a:ext uri="{909E8E84-426E-40DD-AFC4-6F175D3DCCD1}">
+              <a14:hiddenFill xmlns:a14="http://schemas.microsoft.com/office/drawing/2010/main">
+                <a:solidFill>
+                  <a:srgbClr val="FFFFFF"/>
+                </a:solidFill>
+              </a14:hiddenFill>
+            </a:ext>
+            <a:ext uri="{91240B29-F687-4F45-9708-019B960494DF}">
+              <a14:hiddenLine xmlns:a14="http://schemas.microsoft.com/office/drawing/2010/main" w="9525">
+                <a:solidFill>
+                  <a:srgbClr val="000000"/>
+                </a:solidFill>
+                <a:miter lim="800000"/>
+                <a:headEnd/>
+                <a:tailEnd/>
+              </a14:hiddenLine>
+            </a:ext>
+          </a:extLst>
+        </p:spPr>
+        <p:txBody>
+          <a:bodyPr wrap="square">
+            <a:spAutoFit/>
+          </a:bodyPr>
+          <a:lstStyle>
+            <a:defPPr>
+              <a:defRPr lang="en-US"/>
+            </a:defPPr>
+            <a:lvl1pPr algn="l" rtl="0" eaLnBrk="0" fontAlgn="base" hangingPunct="0">
+              <a:spcBef>
+                <a:spcPct val="0"/>
+              </a:spcBef>
+              <a:spcAft>
+                <a:spcPct val="0"/>
+              </a:spcAft>
+              <a:defRPr kern="1200">
+                <a:solidFill>
+                  <a:schemeClr val="tx1"/>
+                </a:solidFill>
+                <a:latin typeface="Calibri" panose="020F0502020204030204" pitchFamily="34" charset="0"/>
+                <a:ea typeface="+mn-ea"/>
+                <a:cs typeface="+mn-cs"/>
+              </a:defRPr>
+            </a:lvl1pPr>
+            <a:lvl2pPr marL="457200" algn="l" rtl="0" eaLnBrk="0" fontAlgn="base" hangingPunct="0">
+              <a:spcBef>
+                <a:spcPct val="0"/>
+              </a:spcBef>
+              <a:spcAft>
+                <a:spcPct val="0"/>
+              </a:spcAft>
+              <a:defRPr kern="1200">
+                <a:solidFill>
+                  <a:schemeClr val="tx1"/>
+                </a:solidFill>
+                <a:latin typeface="Calibri" panose="020F0502020204030204" pitchFamily="34" charset="0"/>
+                <a:ea typeface="+mn-ea"/>
+                <a:cs typeface="+mn-cs"/>
+              </a:defRPr>
+            </a:lvl2pPr>
+            <a:lvl3pPr marL="914400" algn="l" rtl="0" eaLnBrk="0" fontAlgn="base" hangingPunct="0">
+              <a:spcBef>
+                <a:spcPct val="0"/>
+              </a:spcBef>
+              <a:spcAft>
+                <a:spcPct val="0"/>
+              </a:spcAft>
+              <a:defRPr kern="1200">
+                <a:solidFill>
+                  <a:schemeClr val="tx1"/>
+                </a:solidFill>
+                <a:latin typeface="Calibri" panose="020F0502020204030204" pitchFamily="34" charset="0"/>
+                <a:ea typeface="+mn-ea"/>
+                <a:cs typeface="+mn-cs"/>
+              </a:defRPr>
+            </a:lvl3pPr>
+            <a:lvl4pPr marL="1371600" algn="l" rtl="0" eaLnBrk="0" fontAlgn="base" hangingPunct="0">
+              <a:spcBef>
+                <a:spcPct val="0"/>
+              </a:spcBef>
+              <a:spcAft>
+                <a:spcPct val="0"/>
+              </a:spcAft>
+              <a:defRPr kern="1200">
+                <a:solidFill>
+                  <a:schemeClr val="tx1"/>
+                </a:solidFill>
+                <a:latin typeface="Calibri" panose="020F0502020204030204" pitchFamily="34" charset="0"/>
+                <a:ea typeface="+mn-ea"/>
+                <a:cs typeface="+mn-cs"/>
+              </a:defRPr>
+            </a:lvl4pPr>
+            <a:lvl5pPr marL="1828800" algn="l" rtl="0" eaLnBrk="0" fontAlgn="base" hangingPunct="0">
+              <a:spcBef>
+                <a:spcPct val="0"/>
+              </a:spcBef>
+              <a:spcAft>
+                <a:spcPct val="0"/>
+              </a:spcAft>
+              <a:defRPr kern="1200">
+                <a:solidFill>
+                  <a:schemeClr val="tx1"/>
+                </a:solidFill>
+                <a:latin typeface="Calibri" panose="020F0502020204030204" pitchFamily="34" charset="0"/>
+                <a:ea typeface="+mn-ea"/>
+                <a:cs typeface="+mn-cs"/>
+              </a:defRPr>
+            </a:lvl5pPr>
+            <a:lvl6pPr marL="2286000" algn="l" defTabSz="914400" rtl="0" eaLnBrk="1" latinLnBrk="0" hangingPunct="1">
+              <a:defRPr kern="1200">
+                <a:solidFill>
+                  <a:schemeClr val="tx1"/>
+                </a:solidFill>
+                <a:latin typeface="Calibri" panose="020F0502020204030204" pitchFamily="34" charset="0"/>
+                <a:ea typeface="+mn-ea"/>
+                <a:cs typeface="+mn-cs"/>
+              </a:defRPr>
+            </a:lvl6pPr>
+            <a:lvl7pPr marL="2743200" algn="l" defTabSz="914400" rtl="0" eaLnBrk="1" latinLnBrk="0" hangingPunct="1">
+              <a:defRPr kern="1200">
+                <a:solidFill>
+                  <a:schemeClr val="tx1"/>
+                </a:solidFill>
+                <a:latin typeface="Calibri" panose="020F0502020204030204" pitchFamily="34" charset="0"/>
+                <a:ea typeface="+mn-ea"/>
+                <a:cs typeface="+mn-cs"/>
+              </a:defRPr>
+            </a:lvl7pPr>
+            <a:lvl8pPr marL="3200400" algn="l" defTabSz="914400" rtl="0" eaLnBrk="1" latinLnBrk="0" hangingPunct="1">
+              <a:defRPr kern="1200">
+                <a:solidFill>
+                  <a:schemeClr val="tx1"/>
+                </a:solidFill>
+                <a:latin typeface="Calibri" panose="020F0502020204030204" pitchFamily="34" charset="0"/>
+                <a:ea typeface="+mn-ea"/>
+                <a:cs typeface="+mn-cs"/>
+              </a:defRPr>
+            </a:lvl8pPr>
+            <a:lvl9pPr marL="3657600" algn="l" defTabSz="914400" rtl="0" eaLnBrk="1" latinLnBrk="0" hangingPunct="1">
+              <a:defRPr kern="1200">
+                <a:solidFill>
+                  <a:schemeClr val="tx1"/>
+                </a:solidFill>
+                <a:latin typeface="Calibri" panose="020F0502020204030204" pitchFamily="34" charset="0"/>
+                <a:ea typeface="+mn-ea"/>
+                <a:cs typeface="+mn-cs"/>
+              </a:defRPr>
+            </a:lvl9pPr>
+          </a:lstStyle>
+          <a:p>
+            <a:pPr algn="ctr" eaLnBrk="1" hangingPunct="1"/>
+            <a:r>
+              <a:rPr lang="en-US" altLang="en-US" sz="1000" dirty="0">
+                <a:latin typeface="Noto Sans" panose="020B0502040504020204" pitchFamily="34"/>
+                <a:ea typeface="Noto Sans" panose="020B0502040504020204" pitchFamily="34"/>
+                <a:cs typeface="Noto Sans" panose="020B0502040504020204" pitchFamily="34"/>
+              </a:rPr>
+              <a:t>Response </a:t>
+            </a:r>
+            <a:endParaRPr lang="en-US" altLang="en-US" sz="1000" dirty="0" smtClean="0">
+              <a:latin typeface="Noto Sans" panose="020B0502040504020204" pitchFamily="34"/>
+              <a:ea typeface="Noto Sans" panose="020B0502040504020204" pitchFamily="34"/>
+              <a:cs typeface="Noto Sans" panose="020B0502040504020204" pitchFamily="34"/>
+            </a:endParaRPr>
+          </a:p>
+          <a:p>
+            <a:pPr algn="ctr" eaLnBrk="1" hangingPunct="1"/>
+            <a:r>
+              <a:rPr lang="en-US" altLang="en-US" sz="1000" dirty="0" smtClean="0">
+                <a:latin typeface="Noto Sans" panose="020B0502040504020204" pitchFamily="34"/>
+                <a:ea typeface="Noto Sans" panose="020B0502040504020204" pitchFamily="34"/>
+                <a:cs typeface="Noto Sans" panose="020B0502040504020204" pitchFamily="34"/>
+              </a:rPr>
+              <a:t>Analysis </a:t>
+            </a:r>
+            <a:r>
+              <a:rPr lang="en-US" altLang="en-US" sz="1000" dirty="0">
+                <a:latin typeface="Noto Sans" panose="020B0502040504020204" pitchFamily="34"/>
+                <a:ea typeface="Noto Sans" panose="020B0502040504020204" pitchFamily="34"/>
+                <a:cs typeface="Noto Sans" panose="020B0502040504020204" pitchFamily="34"/>
+              </a:rPr>
+              <a:t>Result</a:t>
+            </a:r>
+          </a:p>
+        </p:txBody>
+      </p:sp>
+      <p:grpSp>
+        <p:nvGrpSpPr>
+          <p:cNvPr id="64" name="그룹 63">
+            <a:extLst>
+              <a:ext uri="{FF2B5EF4-FFF2-40B4-BE49-F238E27FC236}">
+                <a16:creationId xmlns:a16="http://schemas.microsoft.com/office/drawing/2014/main" id="{D0040678-B474-E5B5-16DB-28AF0298E734}"/>
+              </a:ext>
+            </a:extLst>
+          </p:cNvPr>
+          <p:cNvGrpSpPr/>
+          <p:nvPr/>
+        </p:nvGrpSpPr>
+        <p:grpSpPr>
+          <a:xfrm>
+            <a:off x="1994362" y="4117535"/>
+            <a:ext cx="2239962" cy="641577"/>
+            <a:chOff x="5210029" y="5267982"/>
+            <a:chExt cx="2239962" cy="641577"/>
+          </a:xfrm>
+        </p:grpSpPr>
+        <p:pic>
+          <p:nvPicPr>
+            <p:cNvPr id="65" name="Graphic 8" descr="Amazon Simple Storage Service (Amazon S3) service icon.">
+              <a:extLst>
+                <a:ext uri="{FF2B5EF4-FFF2-40B4-BE49-F238E27FC236}">
+                  <a16:creationId xmlns:a16="http://schemas.microsoft.com/office/drawing/2014/main" id="{9A3F862D-18D9-9F18-0158-0826B9B5E487}"/>
+                </a:ext>
+              </a:extLst>
+            </p:cNvPr>
+            <p:cNvPicPr>
+              <a:picLocks noChangeAspect="1" noChangeArrowheads="1"/>
+            </p:cNvPicPr>
+            <p:nvPr/>
+          </p:nvPicPr>
+          <p:blipFill rotWithShape="1">
+            <a:blip r:embed="rId28"/>
+            <a:srcRect/>
+            <a:stretch>
+              <a:fillRect/>
+            </a:stretch>
+          </p:blipFill>
+          <p:spPr>
+            <a:xfrm>
+              <a:off x="6116164" y="5267982"/>
+              <a:ext cx="432000" cy="432000"/>
+            </a:xfrm>
+            <a:prstGeom prst="rect">
+              <a:avLst/>
+            </a:prstGeom>
+            <a:noFill/>
+            <a:ln>
+              <a:noFill/>
+            </a:ln>
+          </p:spPr>
+        </p:pic>
+        <p:sp>
+          <p:nvSpPr>
+            <p:cNvPr id="66" name="TextBox 9">
+              <a:extLst>
+                <a:ext uri="{FF2B5EF4-FFF2-40B4-BE49-F238E27FC236}">
+                  <a16:creationId xmlns:a16="http://schemas.microsoft.com/office/drawing/2014/main" id="{8744616F-1413-D10A-F992-8BD8E9C96EF2}"/>
+                </a:ext>
+              </a:extLst>
+            </p:cNvPr>
+            <p:cNvSpPr txBox="1">
+              <a:spLocks noChangeArrowheads="1"/>
+            </p:cNvSpPr>
+            <p:nvPr/>
+          </p:nvSpPr>
+          <p:spPr>
+            <a:xfrm>
+              <a:off x="5210029" y="5678727"/>
+              <a:ext cx="2239962" cy="230832"/>
+            </a:xfrm>
+            <a:prstGeom prst="rect">
+              <a:avLst/>
+            </a:prstGeom>
+            <a:noFill/>
+            <a:ln>
+              <a:noFill/>
+            </a:ln>
+          </p:spPr>
+          <p:txBody>
+            <a:bodyPr>
+              <a:spAutoFit/>
+            </a:bodyPr>
+            <a:lstStyle>
+              <a:lvl1pPr marL="0" indent="0">
+                <a:lnSpc>
+                  <a:spcPct val="100000"/>
+                </a:lnSpc>
+                <a:spcBef>
+                  <a:spcPct val="0"/>
+                </a:spcBef>
+                <a:spcAft>
+                  <a:spcPts val="0"/>
+                </a:spcAft>
+                <a:defRPr kumimoji="0" sz="1800" b="0" i="0" u="none" strike="noStrike" kern="0" cap="none" spc="0" normalizeH="0" baseline="0">
+                  <a:solidFill>
+                    <a:schemeClr val="tx1"/>
+                  </a:solidFill>
+                </a:defRPr>
+              </a:lvl1pPr>
+            </a:lstStyle>
+            <a:p>
+              <a:pPr algn="ctr" eaLnBrk="1" hangingPunct="1">
+                <a:defRPr/>
+              </a:pPr>
+              <a:r>
+                <a:rPr lang="en-US" altLang="en-US" sz="900" dirty="0" smtClean="0">
+                  <a:latin typeface="Noto Sans" panose="020B0502040504020204" pitchFamily="34"/>
+                  <a:ea typeface="Noto Sans" panose="020B0502040504020204" pitchFamily="34"/>
+                  <a:cs typeface="Noto Sans" panose="020B0502040504020204" pitchFamily="34"/>
+                </a:rPr>
+                <a:t>S3</a:t>
+              </a:r>
+              <a:endParaRPr lang="en-US" altLang="en-US" sz="900" dirty="0">
+                <a:latin typeface="Noto Sans" panose="020B0502040504020204" pitchFamily="34"/>
+                <a:ea typeface="Noto Sans" panose="020B0502040504020204" pitchFamily="34"/>
+                <a:cs typeface="Noto Sans" panose="020B0502040504020204" pitchFamily="34"/>
+              </a:endParaRPr>
+            </a:p>
+          </p:txBody>
+        </p:sp>
+      </p:grpSp>
+      <p:grpSp>
+        <p:nvGrpSpPr>
+          <p:cNvPr id="70" name="그룹 69">
+            <a:extLst>
+              <a:ext uri="{FF2B5EF4-FFF2-40B4-BE49-F238E27FC236}">
+                <a16:creationId xmlns:a16="http://schemas.microsoft.com/office/drawing/2014/main" id="{BC4DF198-F8AE-4A9C-B383-AB7864A5A7E9}"/>
+              </a:ext>
+            </a:extLst>
+          </p:cNvPr>
+          <p:cNvGrpSpPr/>
+          <p:nvPr/>
+        </p:nvGrpSpPr>
+        <p:grpSpPr>
+          <a:xfrm>
+            <a:off x="10370698" y="2891194"/>
+            <a:ext cx="1506538" cy="652528"/>
+            <a:chOff x="611389" y="3078325"/>
+            <a:chExt cx="1506538" cy="652528"/>
+          </a:xfrm>
+        </p:grpSpPr>
+        <p:pic>
+          <p:nvPicPr>
+            <p:cNvPr id="71" name="Graphic 6" descr="General resource icon.">
+              <a:extLst>
+                <a:ext uri="{FF2B5EF4-FFF2-40B4-BE49-F238E27FC236}">
+                  <a16:creationId xmlns:a16="http://schemas.microsoft.com/office/drawing/2014/main" id="{5685B766-6A8A-9CCB-7024-790DB30C8FDD}"/>
+                </a:ext>
+              </a:extLst>
+            </p:cNvPr>
+            <p:cNvPicPr>
+              <a:picLocks noChangeAspect="1" noChangeArrowheads="1"/>
+            </p:cNvPicPr>
+            <p:nvPr/>
+          </p:nvPicPr>
+          <p:blipFill rotWithShape="1">
+            <a:blip r:embed="rId29"/>
+            <a:srcRect/>
+            <a:stretch>
+              <a:fillRect/>
+            </a:stretch>
+          </p:blipFill>
+          <p:spPr>
+            <a:xfrm flipH="1">
+              <a:off x="1147583" y="3078325"/>
+              <a:ext cx="432000" cy="432000"/>
+            </a:xfrm>
+            <a:prstGeom prst="rect">
+              <a:avLst/>
+            </a:prstGeom>
+            <a:noFill/>
+            <a:ln>
+              <a:noFill/>
+            </a:ln>
+          </p:spPr>
+        </p:pic>
+        <p:sp>
+          <p:nvSpPr>
+            <p:cNvPr id="72" name="label6">
+              <a:extLst>
+                <a:ext uri="{FF2B5EF4-FFF2-40B4-BE49-F238E27FC236}">
+                  <a16:creationId xmlns:a16="http://schemas.microsoft.com/office/drawing/2014/main" id="{7773F43E-A1D8-4849-2B6D-97246531D8CC}"/>
+                </a:ext>
+              </a:extLst>
+            </p:cNvPr>
+            <p:cNvSpPr txBox="1">
+              <a:spLocks noChangeArrowheads="1"/>
+            </p:cNvSpPr>
+            <p:nvPr/>
+          </p:nvSpPr>
+          <p:spPr>
+            <a:xfrm>
+              <a:off x="611389" y="3500021"/>
+              <a:ext cx="1506538" cy="230832"/>
+            </a:xfrm>
+            <a:prstGeom prst="rect">
+              <a:avLst/>
+            </a:prstGeom>
+            <a:noFill/>
+            <a:ln>
+              <a:noFill/>
+            </a:ln>
+          </p:spPr>
+          <p:txBody>
+            <a:bodyPr>
+              <a:spAutoFit/>
+            </a:bodyPr>
+            <a:lstStyle>
+              <a:lvl1pPr marL="0" indent="0">
+                <a:lnSpc>
+                  <a:spcPct val="100000"/>
+                </a:lnSpc>
+                <a:spcBef>
+                  <a:spcPct val="0"/>
+                </a:spcBef>
+                <a:spcAft>
+                  <a:spcPts val="0"/>
+                </a:spcAft>
+                <a:defRPr kumimoji="0" sz="1800" b="0" i="0" u="none" strike="noStrike" kern="0" cap="none" spc="0" normalizeH="0" baseline="0">
+                  <a:solidFill>
+                    <a:schemeClr val="tx1"/>
+                  </a:solidFill>
+                  <a:latin typeface="Calibri"/>
+                </a:defRPr>
+              </a:lvl1pPr>
+            </a:lstStyle>
+            <a:p>
+              <a:pPr algn="ctr" eaLnBrk="1" hangingPunct="1">
+                <a:defRPr/>
+              </a:pPr>
+              <a:r>
+                <a:rPr lang="en-US" altLang="en-US" sz="900" dirty="0">
+                  <a:latin typeface="Noto Sans" panose="020B0502040504020204" pitchFamily="34"/>
+                  <a:ea typeface="Noto Sans" panose="020B0502040504020204" pitchFamily="34"/>
+                  <a:cs typeface="Noto Sans" panose="020B0502040504020204" pitchFamily="34"/>
+                </a:rPr>
+                <a:t>Users</a:t>
+              </a:r>
+            </a:p>
+          </p:txBody>
+        </p:sp>
+      </p:grpSp>
+      <p:grpSp>
+        <p:nvGrpSpPr>
+          <p:cNvPr id="73" name="그룹 72">
+            <a:extLst>
+              <a:ext uri="{FF2B5EF4-FFF2-40B4-BE49-F238E27FC236}">
+                <a16:creationId xmlns:a16="http://schemas.microsoft.com/office/drawing/2014/main" id="{D57DDEF0-5154-7EAA-67A3-129550B294F4}"/>
+              </a:ext>
+            </a:extLst>
+          </p:cNvPr>
+          <p:cNvGrpSpPr/>
+          <p:nvPr/>
+        </p:nvGrpSpPr>
+        <p:grpSpPr>
+          <a:xfrm>
+            <a:off x="10375764" y="4017577"/>
+            <a:ext cx="1506538" cy="643703"/>
+            <a:chOff x="596019" y="3078325"/>
+            <a:chExt cx="1506538" cy="643703"/>
+          </a:xfrm>
+        </p:grpSpPr>
+        <p:pic>
+          <p:nvPicPr>
+            <p:cNvPr id="74" name="Graphic 6" descr="General resource icon.">
+              <a:extLst>
+                <a:ext uri="{FF2B5EF4-FFF2-40B4-BE49-F238E27FC236}">
+                  <a16:creationId xmlns:a16="http://schemas.microsoft.com/office/drawing/2014/main" id="{876E61A6-216C-75C1-B473-3DDDFE12435F}"/>
+                </a:ext>
+              </a:extLst>
+            </p:cNvPr>
+            <p:cNvPicPr>
+              <a:picLocks noChangeAspect="1" noChangeArrowheads="1"/>
+            </p:cNvPicPr>
+            <p:nvPr/>
+          </p:nvPicPr>
+          <p:blipFill rotWithShape="1">
+            <a:blip r:embed="rId29"/>
+            <a:srcRect/>
+            <a:stretch>
+              <a:fillRect/>
+            </a:stretch>
+          </p:blipFill>
+          <p:spPr>
+            <a:xfrm flipH="1">
+              <a:off x="1147583" y="3078325"/>
+              <a:ext cx="432000" cy="432000"/>
+            </a:xfrm>
+            <a:prstGeom prst="rect">
+              <a:avLst/>
+            </a:prstGeom>
+            <a:noFill/>
+            <a:ln>
+              <a:noFill/>
+            </a:ln>
+          </p:spPr>
+        </p:pic>
+        <p:sp>
+          <p:nvSpPr>
+            <p:cNvPr id="75" name="label6">
+              <a:extLst>
+                <a:ext uri="{FF2B5EF4-FFF2-40B4-BE49-F238E27FC236}">
+                  <a16:creationId xmlns:a16="http://schemas.microsoft.com/office/drawing/2014/main" id="{59694468-C07D-991F-6EDC-4F8AA3B4AE5E}"/>
+                </a:ext>
+              </a:extLst>
+            </p:cNvPr>
+            <p:cNvSpPr txBox="1">
+              <a:spLocks noChangeArrowheads="1"/>
+            </p:cNvSpPr>
+            <p:nvPr/>
+          </p:nvSpPr>
+          <p:spPr>
+            <a:xfrm>
+              <a:off x="596019" y="3491196"/>
+              <a:ext cx="1506538" cy="230832"/>
+            </a:xfrm>
+            <a:prstGeom prst="rect">
+              <a:avLst/>
+            </a:prstGeom>
+            <a:noFill/>
+            <a:ln>
+              <a:noFill/>
+            </a:ln>
+          </p:spPr>
+          <p:txBody>
+            <a:bodyPr>
+              <a:spAutoFit/>
+            </a:bodyPr>
+            <a:lstStyle>
+              <a:lvl1pPr marL="0" indent="0">
+                <a:lnSpc>
+                  <a:spcPct val="100000"/>
+                </a:lnSpc>
+                <a:spcBef>
+                  <a:spcPct val="0"/>
+                </a:spcBef>
+                <a:spcAft>
+                  <a:spcPts val="0"/>
+                </a:spcAft>
+                <a:defRPr kumimoji="0" sz="1800" b="0" i="0" u="none" strike="noStrike" kern="0" cap="none" spc="0" normalizeH="0" baseline="0">
+                  <a:solidFill>
+                    <a:schemeClr val="tx1"/>
+                  </a:solidFill>
+                  <a:latin typeface="Calibri"/>
+                </a:defRPr>
+              </a:lvl1pPr>
+            </a:lstStyle>
+            <a:p>
+              <a:pPr algn="ctr" eaLnBrk="1" hangingPunct="1">
+                <a:defRPr/>
+              </a:pPr>
+              <a:r>
+                <a:rPr lang="en-US" altLang="en-US" sz="900" dirty="0">
+                  <a:latin typeface="Noto Sans" panose="020B0502040504020204" pitchFamily="34"/>
+                  <a:ea typeface="Noto Sans" panose="020B0502040504020204" pitchFamily="34"/>
+                  <a:cs typeface="Noto Sans" panose="020B0502040504020204" pitchFamily="34"/>
+                </a:rPr>
+                <a:t>Developers</a:t>
+              </a:r>
+            </a:p>
+          </p:txBody>
+        </p:sp>
+      </p:grpSp>
+      <p:cxnSp>
+        <p:nvCxnSpPr>
+          <p:cNvPr id="77" name="직선 화살표 연결선 76"/>
+          <p:cNvCxnSpPr/>
+          <p:nvPr/>
+        </p:nvCxnSpPr>
+        <p:spPr>
+          <a:xfrm flipH="1">
+            <a:off x="5743576" y="3020570"/>
+            <a:ext cx="5074461" cy="0"/>
+          </a:xfrm>
+          <a:prstGeom prst="straightConnector1">
+            <a:avLst/>
+          </a:prstGeom>
+          <a:ln w="19050">
+            <a:solidFill>
+              <a:srgbClr val="C00000"/>
+            </a:solidFill>
+            <a:tailEnd type="triangle"/>
+          </a:ln>
+        </p:spPr>
+        <p:style>
+          <a:lnRef idx="1">
+            <a:schemeClr val="accent1"/>
+          </a:lnRef>
+          <a:fillRef idx="0">
+            <a:schemeClr val="accent1"/>
+          </a:fillRef>
+          <a:effectRef idx="0">
+            <a:schemeClr val="accent1"/>
+          </a:effectRef>
+          <a:fontRef idx="minor">
+            <a:schemeClr val="tx1"/>
+          </a:fontRef>
+        </p:style>
+      </p:cxnSp>
+      <p:cxnSp>
+        <p:nvCxnSpPr>
+          <p:cNvPr id="79" name="직선 화살표 연결선 78"/>
+          <p:cNvCxnSpPr/>
+          <p:nvPr/>
+        </p:nvCxnSpPr>
+        <p:spPr>
+          <a:xfrm>
+            <a:off x="5743575" y="3251334"/>
+            <a:ext cx="5074462" cy="0"/>
+          </a:xfrm>
+          <a:prstGeom prst="straightConnector1">
+            <a:avLst/>
+          </a:prstGeom>
+          <a:ln w="19050">
+            <a:solidFill>
+              <a:srgbClr val="C00000"/>
+            </a:solidFill>
+            <a:tailEnd type="triangle"/>
+          </a:ln>
+        </p:spPr>
+        <p:style>
+          <a:lnRef idx="1">
+            <a:schemeClr val="accent1"/>
+          </a:lnRef>
+          <a:fillRef idx="0">
+            <a:schemeClr val="accent1"/>
+          </a:fillRef>
+          <a:effectRef idx="0">
+            <a:schemeClr val="accent1"/>
+          </a:effectRef>
+          <a:fontRef idx="minor">
+            <a:schemeClr val="tx1"/>
+          </a:fontRef>
+        </p:style>
+      </p:cxnSp>
+      <p:grpSp>
+        <p:nvGrpSpPr>
+          <p:cNvPr id="12" name="그룹 11">
+            <a:extLst>
+              <a:ext uri="{FF2B5EF4-FFF2-40B4-BE49-F238E27FC236}">
+                <a16:creationId xmlns:a16="http://schemas.microsoft.com/office/drawing/2014/main" id="{B5AB6EB6-18E3-0F54-FDD9-1D75B11C7792}"/>
+              </a:ext>
+            </a:extLst>
+          </p:cNvPr>
+          <p:cNvGrpSpPr/>
+          <p:nvPr/>
+        </p:nvGrpSpPr>
+        <p:grpSpPr>
+          <a:xfrm>
+            <a:off x="4075415" y="652076"/>
+            <a:ext cx="1123995" cy="607539"/>
             <a:chOff x="7970265" y="2595453"/>
-            <a:chExt cx="1123995" cy="622928"/>
+            <a:chExt cx="1123995" cy="607539"/>
           </a:xfrm>
         </p:grpSpPr>
         <p:pic>
@@ -13521,7 +16252,7 @@
             <p:nvPr/>
           </p:nvPicPr>
           <p:blipFill>
-            <a:blip r:embed="rId6">
+            <a:blip r:embed="rId30" cstate="hqprint">
               <a:extLst>
                 <a:ext uri="{28A0092B-C50C-407E-A947-70E740481C1C}">
                   <a14:useLocalDpi xmlns:a14="http://schemas.microsoft.com/office/drawing/2010/main" val="0"/>
@@ -13583,350 +16314,7 @@
           <p:spPr bwMode="auto">
             <a:xfrm>
               <a:off x="7970265" y="2972160"/>
-              <a:ext cx="1123995" cy="246221"/>
-            </a:xfrm>
-            <a:prstGeom prst="rect">
-              <a:avLst/>
-            </a:prstGeom>
-            <a:noFill/>
-            <a:ln>
-              <a:noFill/>
-            </a:ln>
-            <a:extLst>
-              <a:ext uri="{909E8E84-426E-40DD-AFC4-6F175D3DCCD1}">
-                <a14:hiddenFill xmlns:a14="http://schemas.microsoft.com/office/drawing/2010/main">
-                  <a:solidFill>
-                    <a:srgbClr val="FFFFFF"/>
-                  </a:solidFill>
-                </a14:hiddenFill>
-              </a:ext>
-              <a:ext uri="{91240B29-F687-4F45-9708-019B960494DF}">
-                <a14:hiddenLine xmlns:a14="http://schemas.microsoft.com/office/drawing/2010/main" w="9525">
-                  <a:solidFill>
-                    <a:srgbClr val="000000"/>
-                  </a:solidFill>
-                  <a:miter lim="800000"/>
-                  <a:headEnd/>
-                  <a:tailEnd/>
-                </a14:hiddenLine>
-              </a:ext>
-            </a:extLst>
-          </p:spPr>
-          <p:txBody>
-            <a:bodyPr wrap="square">
-              <a:spAutoFit/>
-            </a:bodyPr>
-            <a:lstStyle>
-              <a:defPPr>
-                <a:defRPr lang="en-US"/>
-              </a:defPPr>
-              <a:lvl1pPr algn="l" rtl="0" eaLnBrk="0" fontAlgn="base" hangingPunct="0">
-                <a:spcBef>
-                  <a:spcPct val="0"/>
-                </a:spcBef>
-                <a:spcAft>
-                  <a:spcPct val="0"/>
-                </a:spcAft>
-                <a:defRPr kern="1200">
-                  <a:solidFill>
-                    <a:schemeClr val="tx1"/>
-                  </a:solidFill>
-                  <a:latin typeface="Calibri" panose="020F0502020204030204" pitchFamily="34" charset="0"/>
-                  <a:ea typeface="+mn-ea"/>
-                  <a:cs typeface="+mn-cs"/>
-                </a:defRPr>
-              </a:lvl1pPr>
-              <a:lvl2pPr marL="457200" algn="l" rtl="0" eaLnBrk="0" fontAlgn="base" hangingPunct="0">
-                <a:spcBef>
-                  <a:spcPct val="0"/>
-                </a:spcBef>
-                <a:spcAft>
-                  <a:spcPct val="0"/>
-                </a:spcAft>
-                <a:defRPr kern="1200">
-                  <a:solidFill>
-                    <a:schemeClr val="tx1"/>
-                  </a:solidFill>
-                  <a:latin typeface="Calibri" panose="020F0502020204030204" pitchFamily="34" charset="0"/>
-                  <a:ea typeface="+mn-ea"/>
-                  <a:cs typeface="+mn-cs"/>
-                </a:defRPr>
-              </a:lvl2pPr>
-              <a:lvl3pPr marL="914400" algn="l" rtl="0" eaLnBrk="0" fontAlgn="base" hangingPunct="0">
-                <a:spcBef>
-                  <a:spcPct val="0"/>
-                </a:spcBef>
-                <a:spcAft>
-                  <a:spcPct val="0"/>
-                </a:spcAft>
-                <a:defRPr kern="1200">
-                  <a:solidFill>
-                    <a:schemeClr val="tx1"/>
-                  </a:solidFill>
-                  <a:latin typeface="Calibri" panose="020F0502020204030204" pitchFamily="34" charset="0"/>
-                  <a:ea typeface="+mn-ea"/>
-                  <a:cs typeface="+mn-cs"/>
-                </a:defRPr>
-              </a:lvl3pPr>
-              <a:lvl4pPr marL="1371600" algn="l" rtl="0" eaLnBrk="0" fontAlgn="base" hangingPunct="0">
-                <a:spcBef>
-                  <a:spcPct val="0"/>
-                </a:spcBef>
-                <a:spcAft>
-                  <a:spcPct val="0"/>
-                </a:spcAft>
-                <a:defRPr kern="1200">
-                  <a:solidFill>
-                    <a:schemeClr val="tx1"/>
-                  </a:solidFill>
-                  <a:latin typeface="Calibri" panose="020F0502020204030204" pitchFamily="34" charset="0"/>
-                  <a:ea typeface="+mn-ea"/>
-                  <a:cs typeface="+mn-cs"/>
-                </a:defRPr>
-              </a:lvl4pPr>
-              <a:lvl5pPr marL="1828800" algn="l" rtl="0" eaLnBrk="0" fontAlgn="base" hangingPunct="0">
-                <a:spcBef>
-                  <a:spcPct val="0"/>
-                </a:spcBef>
-                <a:spcAft>
-                  <a:spcPct val="0"/>
-                </a:spcAft>
-                <a:defRPr kern="1200">
-                  <a:solidFill>
-                    <a:schemeClr val="tx1"/>
-                  </a:solidFill>
-                  <a:latin typeface="Calibri" panose="020F0502020204030204" pitchFamily="34" charset="0"/>
-                  <a:ea typeface="+mn-ea"/>
-                  <a:cs typeface="+mn-cs"/>
-                </a:defRPr>
-              </a:lvl5pPr>
-              <a:lvl6pPr marL="2286000" algn="l" defTabSz="914400" rtl="0" eaLnBrk="1" latinLnBrk="0" hangingPunct="1">
-                <a:defRPr kern="1200">
-                  <a:solidFill>
-                    <a:schemeClr val="tx1"/>
-                  </a:solidFill>
-                  <a:latin typeface="Calibri" panose="020F0502020204030204" pitchFamily="34" charset="0"/>
-                  <a:ea typeface="+mn-ea"/>
-                  <a:cs typeface="+mn-cs"/>
-                </a:defRPr>
-              </a:lvl6pPr>
-              <a:lvl7pPr marL="2743200" algn="l" defTabSz="914400" rtl="0" eaLnBrk="1" latinLnBrk="0" hangingPunct="1">
-                <a:defRPr kern="1200">
-                  <a:solidFill>
-                    <a:schemeClr val="tx1"/>
-                  </a:solidFill>
-                  <a:latin typeface="Calibri" panose="020F0502020204030204" pitchFamily="34" charset="0"/>
-                  <a:ea typeface="+mn-ea"/>
-                  <a:cs typeface="+mn-cs"/>
-                </a:defRPr>
-              </a:lvl7pPr>
-              <a:lvl8pPr marL="3200400" algn="l" defTabSz="914400" rtl="0" eaLnBrk="1" latinLnBrk="0" hangingPunct="1">
-                <a:defRPr kern="1200">
-                  <a:solidFill>
-                    <a:schemeClr val="tx1"/>
-                  </a:solidFill>
-                  <a:latin typeface="Calibri" panose="020F0502020204030204" pitchFamily="34" charset="0"/>
-                  <a:ea typeface="+mn-ea"/>
-                  <a:cs typeface="+mn-cs"/>
-                </a:defRPr>
-              </a:lvl8pPr>
-              <a:lvl9pPr marL="3657600" algn="l" defTabSz="914400" rtl="0" eaLnBrk="1" latinLnBrk="0" hangingPunct="1">
-                <a:defRPr kern="1200">
-                  <a:solidFill>
-                    <a:schemeClr val="tx1"/>
-                  </a:solidFill>
-                  <a:latin typeface="Calibri" panose="020F0502020204030204" pitchFamily="34" charset="0"/>
-                  <a:ea typeface="+mn-ea"/>
-                  <a:cs typeface="+mn-cs"/>
-                </a:defRPr>
-              </a:lvl9pPr>
-            </a:lstStyle>
-            <a:p>
-              <a:pPr algn="ctr" eaLnBrk="1" hangingPunct="1"/>
-              <a:r>
-                <a:rPr lang="en-US" altLang="en-US" sz="1000" dirty="0">
-                  <a:solidFill>
-                    <a:srgbClr val="232F3E"/>
-                  </a:solidFill>
-                  <a:latin typeface="Arial" panose="020B0604020202020204" pitchFamily="34" charset="0"/>
-                  <a:cs typeface="Arial" panose="020B0604020202020204" pitchFamily="34" charset="0"/>
-                </a:rPr>
-                <a:t>Internet gateway</a:t>
-              </a:r>
-            </a:p>
-          </p:txBody>
-        </p:sp>
-      </p:grpSp>
-      <p:pic>
-        <p:nvPicPr>
-          <p:cNvPr id="15" name="Graphic 37">
-            <a:extLst>
-              <a:ext uri="{FF2B5EF4-FFF2-40B4-BE49-F238E27FC236}">
-                <a16:creationId xmlns:a16="http://schemas.microsoft.com/office/drawing/2014/main" id="{8D8DCB0E-B53F-BBB6-C60F-543D762A5B20}"/>
-              </a:ext>
-            </a:extLst>
-          </p:cNvPr>
-          <p:cNvPicPr>
-            <a:picLocks noChangeAspect="1"/>
-          </p:cNvPicPr>
-          <p:nvPr/>
-        </p:nvPicPr>
-        <p:blipFill>
-          <a:blip r:embed="rId7">
-            <a:extLst>
-              <a:ext uri="{96DAC541-7B7A-43D3-8B79-37D633B846F1}">
-                <asvg:svgBlip xmlns:asvg="http://schemas.microsoft.com/office/drawing/2016/SVG/main" r:embed="rId8"/>
-              </a:ext>
-            </a:extLst>
-          </a:blip>
-          <a:stretch>
-            <a:fillRect/>
-          </a:stretch>
-        </p:blipFill>
-        <p:spPr>
-          <a:xfrm>
-            <a:off x="1997770" y="1561895"/>
-            <a:ext cx="381000" cy="381000"/>
-          </a:xfrm>
-          <a:prstGeom prst="rect">
-            <a:avLst/>
-          </a:prstGeom>
-        </p:spPr>
-      </p:pic>
-      <p:pic>
-        <p:nvPicPr>
-          <p:cNvPr id="16" name="Graphic 25">
-            <a:extLst>
-              <a:ext uri="{FF2B5EF4-FFF2-40B4-BE49-F238E27FC236}">
-                <a16:creationId xmlns:a16="http://schemas.microsoft.com/office/drawing/2014/main" id="{91124833-98E8-0E4B-AC88-36166CA8D9C0}"/>
-              </a:ext>
-            </a:extLst>
-          </p:cNvPr>
-          <p:cNvPicPr>
-            <a:picLocks noChangeAspect="1"/>
-          </p:cNvPicPr>
-          <p:nvPr/>
-        </p:nvPicPr>
-        <p:blipFill>
-          <a:blip r:embed="rId9">
-            <a:extLst>
-              <a:ext uri="{96DAC541-7B7A-43D3-8B79-37D633B846F1}">
-                <asvg:svgBlip xmlns:asvg="http://schemas.microsoft.com/office/drawing/2016/SVG/main" r:embed="rId10"/>
-              </a:ext>
-            </a:extLst>
-          </a:blip>
-          <a:stretch>
-            <a:fillRect/>
-          </a:stretch>
-        </p:blipFill>
-        <p:spPr>
-          <a:xfrm>
-            <a:off x="1521432" y="1211980"/>
-            <a:ext cx="381000" cy="381000"/>
-          </a:xfrm>
-          <a:prstGeom prst="rect">
-            <a:avLst/>
-          </a:prstGeom>
-        </p:spPr>
-      </p:pic>
-      <p:grpSp>
-        <p:nvGrpSpPr>
-          <p:cNvPr id="17" name="그룹 16">
-            <a:extLst>
-              <a:ext uri="{FF2B5EF4-FFF2-40B4-BE49-F238E27FC236}">
-                <a16:creationId xmlns:a16="http://schemas.microsoft.com/office/drawing/2014/main" id="{DBEAAA38-18F2-CDF3-E24B-36A91B297366}"/>
-              </a:ext>
-            </a:extLst>
-          </p:cNvPr>
-          <p:cNvGrpSpPr/>
-          <p:nvPr/>
-        </p:nvGrpSpPr>
-        <p:grpSpPr>
-          <a:xfrm>
-            <a:off x="1526766" y="4255503"/>
-            <a:ext cx="1863662" cy="807220"/>
-            <a:chOff x="6030293" y="4786051"/>
-            <a:chExt cx="1863662" cy="807220"/>
-          </a:xfrm>
-        </p:grpSpPr>
-        <p:pic>
-          <p:nvPicPr>
-            <p:cNvPr id="18" name="Graphic 10">
-              <a:extLst>
-                <a:ext uri="{FF2B5EF4-FFF2-40B4-BE49-F238E27FC236}">
-                  <a16:creationId xmlns:a16="http://schemas.microsoft.com/office/drawing/2014/main" id="{149BF03D-766B-8CF2-0019-FAA6F0C3C36A}"/>
-                </a:ext>
-              </a:extLst>
-            </p:cNvPr>
-            <p:cNvPicPr>
-              <a:picLocks noChangeAspect="1" noChangeArrowheads="1"/>
-            </p:cNvPicPr>
-            <p:nvPr/>
-          </p:nvPicPr>
-          <p:blipFill>
-            <a:blip r:embed="rId11">
-              <a:extLst>
-                <a:ext uri="{28A0092B-C50C-407E-A947-70E740481C1C}">
-                  <a14:useLocalDpi xmlns:a14="http://schemas.microsoft.com/office/drawing/2010/main" val="0"/>
-                </a:ext>
-              </a:extLst>
-            </a:blip>
-            <a:srcRect/>
-            <a:stretch>
-              <a:fillRect/>
-            </a:stretch>
-          </p:blipFill>
-          <p:spPr bwMode="auto">
-            <a:xfrm>
-              <a:off x="6731798" y="4786051"/>
-              <a:ext cx="469900" cy="469900"/>
-            </a:xfrm>
-            <a:prstGeom prst="rect">
-              <a:avLst/>
-            </a:prstGeom>
-            <a:noFill/>
-            <a:ln>
-              <a:noFill/>
-            </a:ln>
-            <a:extLst>
-              <a:ext uri="{909E8E84-426E-40DD-AFC4-6F175D3DCCD1}">
-                <a14:hiddenFill xmlns:a14="http://schemas.microsoft.com/office/drawing/2010/main">
-                  <a:solidFill>
-                    <a:srgbClr val="FFFFFF"/>
-                  </a:solidFill>
-                </a14:hiddenFill>
-              </a:ext>
-              <a:ext uri="{91240B29-F687-4F45-9708-019B960494DF}">
-                <a14:hiddenLine xmlns:a14="http://schemas.microsoft.com/office/drawing/2010/main" w="9525">
-                  <a:solidFill>
-                    <a:srgbClr val="000000"/>
-                  </a:solidFill>
-                  <a:miter lim="800000"/>
-                  <a:headEnd/>
-                  <a:tailEnd/>
-                </a14:hiddenLine>
-              </a:ext>
-            </a:extLst>
-          </p:spPr>
-        </p:pic>
-        <p:sp>
-          <p:nvSpPr>
-            <p:cNvPr id="19" name="TextBox 18">
-              <a:extLst>
-                <a:ext uri="{FF2B5EF4-FFF2-40B4-BE49-F238E27FC236}">
-                  <a16:creationId xmlns:a16="http://schemas.microsoft.com/office/drawing/2014/main" id="{7DA5EDAC-2BFD-1F3B-3691-EAFC632B4CB6}"/>
-                </a:ext>
-              </a:extLst>
-            </p:cNvPr>
-            <p:cNvSpPr txBox="1">
-              <a:spLocks noChangeArrowheads="1"/>
-            </p:cNvSpPr>
-            <p:nvPr/>
-          </p:nvSpPr>
-          <p:spPr bwMode="auto">
-            <a:xfrm>
-              <a:off x="6030293" y="5223939"/>
-              <a:ext cx="1863662" cy="369332"/>
+              <a:ext cx="1123995" cy="230832"/>
             </a:xfrm>
             <a:prstGeom prst="rect">
               <a:avLst/>
@@ -14088,283 +16476,291 @@
               <a:pPr algn="ctr" eaLnBrk="1" hangingPunct="1"/>
               <a:r>
                 <a:rPr lang="en-US" altLang="en-US" sz="900" dirty="0">
-                  <a:latin typeface="Arial" panose="020B0604020202020204" pitchFamily="34" charset="0"/>
-                  <a:cs typeface="Arial" panose="020B0604020202020204" pitchFamily="34" charset="0"/>
+                  <a:solidFill>
+                    <a:srgbClr val="232F3E"/>
+                  </a:solidFill>
+                  <a:latin typeface="Noto Sans" panose="020B0502040504020204" pitchFamily="34"/>
+                  <a:ea typeface="Noto Sans" panose="020B0502040504020204" pitchFamily="34"/>
+                  <a:cs typeface="Noto Sans" panose="020B0502040504020204" pitchFamily="34"/>
                 </a:rPr>
-                <a:t>Amazon S3 </a:t>
-              </a:r>
-            </a:p>
-            <a:p>
-              <a:pPr algn="ctr" eaLnBrk="1" hangingPunct="1"/>
-              <a:r>
-                <a:rPr lang="en-US" altLang="en-US" sz="900" dirty="0">
-                  <a:latin typeface="Arial" panose="020B0604020202020204" pitchFamily="34" charset="0"/>
-                  <a:cs typeface="Arial" panose="020B0604020202020204" pitchFamily="34" charset="0"/>
-                </a:rPr>
-                <a:t>Object</a:t>
+                <a:t>Internet gateway</a:t>
               </a:r>
             </a:p>
           </p:txBody>
         </p:sp>
       </p:grpSp>
-      <p:sp>
-        <p:nvSpPr>
-          <p:cNvPr id="20" name="TextBox 11">
-            <a:extLst>
-              <a:ext uri="{FF2B5EF4-FFF2-40B4-BE49-F238E27FC236}">
-                <a16:creationId xmlns:a16="http://schemas.microsoft.com/office/drawing/2014/main" id="{79B234BC-2EFD-F053-9D46-AB232FC5F3C3}"/>
-              </a:ext>
-            </a:extLst>
-          </p:cNvPr>
-          <p:cNvSpPr txBox="1">
-            <a:spLocks noChangeArrowheads="1"/>
-          </p:cNvSpPr>
-          <p:nvPr/>
-        </p:nvSpPr>
-        <p:spPr bwMode="auto">
-          <a:xfrm>
-            <a:off x="2110210" y="3367236"/>
-            <a:ext cx="1506537" cy="276999"/>
-          </a:xfrm>
-          <a:prstGeom prst="rect">
-            <a:avLst/>
-          </a:prstGeom>
-          <a:noFill/>
-          <a:ln>
-            <a:noFill/>
-          </a:ln>
-          <a:extLst>
-            <a:ext uri="{909E8E84-426E-40DD-AFC4-6F175D3DCCD1}">
-              <a14:hiddenFill xmlns:a14="http://schemas.microsoft.com/office/drawing/2010/main">
-                <a:solidFill>
-                  <a:srgbClr val="FFFFFF"/>
-                </a:solidFill>
-              </a14:hiddenFill>
-            </a:ext>
-            <a:ext uri="{91240B29-F687-4F45-9708-019B960494DF}">
-              <a14:hiddenLine xmlns:a14="http://schemas.microsoft.com/office/drawing/2010/main" w="9525">
-                <a:solidFill>
-                  <a:srgbClr val="000000"/>
-                </a:solidFill>
-                <a:miter lim="800000"/>
-                <a:headEnd/>
-                <a:tailEnd/>
-              </a14:hiddenLine>
-            </a:ext>
-          </a:extLst>
-        </p:spPr>
-        <p:txBody>
-          <a:bodyPr>
-            <a:spAutoFit/>
-          </a:bodyPr>
-          <a:lstStyle>
-            <a:defPPr>
-              <a:defRPr lang="en-US"/>
-            </a:defPPr>
-            <a:lvl1pPr algn="l" rtl="0" eaLnBrk="0" fontAlgn="base" hangingPunct="0">
-              <a:spcBef>
-                <a:spcPct val="0"/>
-              </a:spcBef>
-              <a:spcAft>
-                <a:spcPct val="0"/>
-              </a:spcAft>
-              <a:defRPr kern="1200">
-                <a:solidFill>
-                  <a:schemeClr val="tx1"/>
-                </a:solidFill>
-                <a:latin typeface="Calibri" panose="020F0502020204030204" pitchFamily="34" charset="0"/>
-                <a:ea typeface="+mn-ea"/>
-                <a:cs typeface="+mn-cs"/>
-              </a:defRPr>
-            </a:lvl1pPr>
-            <a:lvl2pPr marL="457200" algn="l" rtl="0" eaLnBrk="0" fontAlgn="base" hangingPunct="0">
-              <a:spcBef>
-                <a:spcPct val="0"/>
-              </a:spcBef>
-              <a:spcAft>
-                <a:spcPct val="0"/>
-              </a:spcAft>
-              <a:defRPr kern="1200">
-                <a:solidFill>
-                  <a:schemeClr val="tx1"/>
-                </a:solidFill>
-                <a:latin typeface="Calibri" panose="020F0502020204030204" pitchFamily="34" charset="0"/>
-                <a:ea typeface="+mn-ea"/>
-                <a:cs typeface="+mn-cs"/>
-              </a:defRPr>
-            </a:lvl2pPr>
-            <a:lvl3pPr marL="914400" algn="l" rtl="0" eaLnBrk="0" fontAlgn="base" hangingPunct="0">
-              <a:spcBef>
-                <a:spcPct val="0"/>
-              </a:spcBef>
-              <a:spcAft>
-                <a:spcPct val="0"/>
-              </a:spcAft>
-              <a:defRPr kern="1200">
-                <a:solidFill>
-                  <a:schemeClr val="tx1"/>
-                </a:solidFill>
-                <a:latin typeface="Calibri" panose="020F0502020204030204" pitchFamily="34" charset="0"/>
-                <a:ea typeface="+mn-ea"/>
-                <a:cs typeface="+mn-cs"/>
-              </a:defRPr>
-            </a:lvl3pPr>
-            <a:lvl4pPr marL="1371600" algn="l" rtl="0" eaLnBrk="0" fontAlgn="base" hangingPunct="0">
-              <a:spcBef>
-                <a:spcPct val="0"/>
-              </a:spcBef>
-              <a:spcAft>
-                <a:spcPct val="0"/>
-              </a:spcAft>
-              <a:defRPr kern="1200">
-                <a:solidFill>
-                  <a:schemeClr val="tx1"/>
-                </a:solidFill>
-                <a:latin typeface="Calibri" panose="020F0502020204030204" pitchFamily="34" charset="0"/>
-                <a:ea typeface="+mn-ea"/>
-                <a:cs typeface="+mn-cs"/>
-              </a:defRPr>
-            </a:lvl4pPr>
-            <a:lvl5pPr marL="1828800" algn="l" rtl="0" eaLnBrk="0" fontAlgn="base" hangingPunct="0">
-              <a:spcBef>
-                <a:spcPct val="0"/>
-              </a:spcBef>
-              <a:spcAft>
-                <a:spcPct val="0"/>
-              </a:spcAft>
-              <a:defRPr kern="1200">
-                <a:solidFill>
-                  <a:schemeClr val="tx1"/>
-                </a:solidFill>
-                <a:latin typeface="Calibri" panose="020F0502020204030204" pitchFamily="34" charset="0"/>
-                <a:ea typeface="+mn-ea"/>
-                <a:cs typeface="+mn-cs"/>
-              </a:defRPr>
-            </a:lvl5pPr>
-            <a:lvl6pPr marL="2286000" algn="l" defTabSz="914400" rtl="0" eaLnBrk="1" latinLnBrk="0" hangingPunct="1">
-              <a:defRPr kern="1200">
-                <a:solidFill>
-                  <a:schemeClr val="tx1"/>
-                </a:solidFill>
-                <a:latin typeface="Calibri" panose="020F0502020204030204" pitchFamily="34" charset="0"/>
-                <a:ea typeface="+mn-ea"/>
-                <a:cs typeface="+mn-cs"/>
-              </a:defRPr>
-            </a:lvl6pPr>
-            <a:lvl7pPr marL="2743200" algn="l" defTabSz="914400" rtl="0" eaLnBrk="1" latinLnBrk="0" hangingPunct="1">
-              <a:defRPr kern="1200">
-                <a:solidFill>
-                  <a:schemeClr val="tx1"/>
-                </a:solidFill>
-                <a:latin typeface="Calibri" panose="020F0502020204030204" pitchFamily="34" charset="0"/>
-                <a:ea typeface="+mn-ea"/>
-                <a:cs typeface="+mn-cs"/>
-              </a:defRPr>
-            </a:lvl7pPr>
-            <a:lvl8pPr marL="3200400" algn="l" defTabSz="914400" rtl="0" eaLnBrk="1" latinLnBrk="0" hangingPunct="1">
-              <a:defRPr kern="1200">
-                <a:solidFill>
-                  <a:schemeClr val="tx1"/>
-                </a:solidFill>
-                <a:latin typeface="Calibri" panose="020F0502020204030204" pitchFamily="34" charset="0"/>
-                <a:ea typeface="+mn-ea"/>
-                <a:cs typeface="+mn-cs"/>
-              </a:defRPr>
-            </a:lvl8pPr>
-            <a:lvl9pPr marL="3657600" algn="l" defTabSz="914400" rtl="0" eaLnBrk="1" latinLnBrk="0" hangingPunct="1">
-              <a:defRPr kern="1200">
-                <a:solidFill>
-                  <a:schemeClr val="tx1"/>
-                </a:solidFill>
-                <a:latin typeface="Calibri" panose="020F0502020204030204" pitchFamily="34" charset="0"/>
-                <a:ea typeface="+mn-ea"/>
-                <a:cs typeface="+mn-cs"/>
-              </a:defRPr>
-            </a:lvl9pPr>
-          </a:lstStyle>
-          <a:p>
-            <a:pPr algn="ctr" eaLnBrk="1" hangingPunct="1"/>
-            <a:r>
-              <a:rPr lang="en-US" altLang="en-US" sz="1200" dirty="0">
-                <a:latin typeface="Arial" panose="020B0604020202020204" pitchFamily="34" charset="0"/>
-                <a:cs typeface="Arial" panose="020B0604020202020204" pitchFamily="34" charset="0"/>
-              </a:rPr>
-              <a:t>Upload Data</a:t>
-            </a:r>
-          </a:p>
-        </p:txBody>
-      </p:sp>
-      <p:cxnSp>
-        <p:nvCxnSpPr>
-          <p:cNvPr id="21" name="Straight Arrow Connector 20">
-            <a:extLst>
-              <a:ext uri="{FF2B5EF4-FFF2-40B4-BE49-F238E27FC236}">
-                <a16:creationId xmlns:a16="http://schemas.microsoft.com/office/drawing/2014/main" id="{10DCFE53-ED04-BF61-575B-111DEE95C668}"/>
-              </a:ext>
-            </a:extLst>
-          </p:cNvPr>
-          <p:cNvCxnSpPr>
-            <a:cxnSpLocks/>
-          </p:cNvCxnSpPr>
-          <p:nvPr/>
-        </p:nvCxnSpPr>
-        <p:spPr>
-          <a:xfrm flipH="1">
-            <a:off x="5286379" y="2091433"/>
-            <a:ext cx="5270341" cy="12024"/>
-          </a:xfrm>
-          <a:prstGeom prst="straightConnector1">
-            <a:avLst/>
-          </a:prstGeom>
-          <a:ln w="12700">
-            <a:solidFill>
-              <a:schemeClr val="tx2"/>
-            </a:solidFill>
-            <a:headEnd type="none" w="med" len="med"/>
-            <a:tailEnd type="triangle" w="med" len="med"/>
-          </a:ln>
-        </p:spPr>
-        <p:style>
-          <a:lnRef idx="1">
-            <a:schemeClr val="accent1"/>
-          </a:lnRef>
-          <a:fillRef idx="0">
-            <a:schemeClr val="accent1"/>
-          </a:fillRef>
-          <a:effectRef idx="0">
-            <a:schemeClr val="accent1"/>
-          </a:effectRef>
-          <a:fontRef idx="minor">
-            <a:schemeClr val="tx1"/>
-          </a:fontRef>
-        </p:style>
-      </p:cxnSp>
       <p:grpSp>
         <p:nvGrpSpPr>
-          <p:cNvPr id="22" name="그룹 21">
-            <a:extLst>
-              <a:ext uri="{FF2B5EF4-FFF2-40B4-BE49-F238E27FC236}">
-                <a16:creationId xmlns:a16="http://schemas.microsoft.com/office/drawing/2014/main" id="{2BA5DD5B-C393-80DE-F4E0-7B0AB1071A81}"/>
-              </a:ext>
-            </a:extLst>
-          </p:cNvPr>
+          <p:cNvPr id="85" name="그룹 84"/>
           <p:cNvGrpSpPr/>
           <p:nvPr/>
         </p:nvGrpSpPr>
         <p:grpSpPr>
           <a:xfrm>
-            <a:off x="10122803" y="1823134"/>
-            <a:ext cx="1506538" cy="739836"/>
-            <a:chOff x="9556696" y="2121132"/>
-            <a:chExt cx="1506538" cy="739836"/>
+            <a:off x="5585040" y="3724277"/>
+            <a:ext cx="1050353" cy="1102712"/>
+            <a:chOff x="5146890" y="3657602"/>
+            <a:chExt cx="1050353" cy="1102712"/>
           </a:xfrm>
         </p:grpSpPr>
+        <p:grpSp>
+          <p:nvGrpSpPr>
+            <p:cNvPr id="47" name="그룹 46">
+              <a:extLst>
+                <a:ext uri="{FF2B5EF4-FFF2-40B4-BE49-F238E27FC236}">
+                  <a16:creationId xmlns:a16="http://schemas.microsoft.com/office/drawing/2014/main" id="{324B1E0F-17E4-9353-DD4B-4F6F095416CE}"/>
+                </a:ext>
+              </a:extLst>
+            </p:cNvPr>
+            <p:cNvGrpSpPr/>
+            <p:nvPr/>
+          </p:nvGrpSpPr>
+          <p:grpSpPr>
+            <a:xfrm>
+              <a:off x="5146890" y="3657602"/>
+              <a:ext cx="1050353" cy="586006"/>
+              <a:chOff x="848305" y="2398300"/>
+              <a:chExt cx="1050353" cy="586006"/>
+            </a:xfrm>
+          </p:grpSpPr>
+          <p:sp>
+            <p:nvSpPr>
+              <p:cNvPr id="48" name="TextBox 31">
+                <a:extLst>
+                  <a:ext uri="{FF2B5EF4-FFF2-40B4-BE49-F238E27FC236}">
+                    <a16:creationId xmlns:a16="http://schemas.microsoft.com/office/drawing/2014/main" id="{D6202A16-8E91-9DFB-3499-36BEB4526692}"/>
+                  </a:ext>
+                </a:extLst>
+              </p:cNvPr>
+              <p:cNvSpPr txBox="1">
+                <a:spLocks noChangeArrowheads="1"/>
+              </p:cNvSpPr>
+              <p:nvPr/>
+            </p:nvSpPr>
+            <p:spPr bwMode="auto">
+              <a:xfrm>
+                <a:off x="848305" y="2398300"/>
+                <a:ext cx="1050353" cy="246221"/>
+              </a:xfrm>
+              <a:prstGeom prst="rect">
+                <a:avLst/>
+              </a:prstGeom>
+              <a:noFill/>
+              <a:ln>
+                <a:noFill/>
+              </a:ln>
+              <a:extLst>
+                <a:ext uri="{91240B29-F687-4F45-9708-019B960494DF}">
+                  <a14:hiddenLine xmlns:a14="http://schemas.microsoft.com/office/drawing/2010/main" w="9525">
+                    <a:solidFill>
+                      <a:srgbClr val="000000"/>
+                    </a:solidFill>
+                    <a:miter lim="800000"/>
+                    <a:headEnd/>
+                    <a:tailEnd/>
+                  </a14:hiddenLine>
+                </a:ext>
+              </a:extLst>
+            </p:spPr>
+            <p:txBody>
+              <a:bodyPr wrap="square">
+                <a:spAutoFit/>
+              </a:bodyPr>
+              <a:lstStyle>
+                <a:lvl1pPr>
+                  <a:defRPr>
+                    <a:solidFill>
+                      <a:schemeClr val="tx1"/>
+                    </a:solidFill>
+                    <a:latin typeface="Calibri" panose="020F0502020204030204" pitchFamily="34" charset="0"/>
+                  </a:defRPr>
+                </a:lvl1pPr>
+                <a:lvl2pPr marL="742950" indent="-285750">
+                  <a:defRPr>
+                    <a:solidFill>
+                      <a:schemeClr val="tx1"/>
+                    </a:solidFill>
+                    <a:latin typeface="Calibri" panose="020F0502020204030204" pitchFamily="34" charset="0"/>
+                  </a:defRPr>
+                </a:lvl2pPr>
+                <a:lvl3pPr marL="1143000" indent="-228600">
+                  <a:defRPr>
+                    <a:solidFill>
+                      <a:schemeClr val="tx1"/>
+                    </a:solidFill>
+                    <a:latin typeface="Calibri" panose="020F0502020204030204" pitchFamily="34" charset="0"/>
+                  </a:defRPr>
+                </a:lvl3pPr>
+                <a:lvl4pPr marL="1600200" indent="-228600">
+                  <a:defRPr>
+                    <a:solidFill>
+                      <a:schemeClr val="tx1"/>
+                    </a:solidFill>
+                    <a:latin typeface="Calibri" panose="020F0502020204030204" pitchFamily="34" charset="0"/>
+                  </a:defRPr>
+                </a:lvl4pPr>
+                <a:lvl5pPr marL="2057400" indent="-228600">
+                  <a:defRPr>
+                    <a:solidFill>
+                      <a:schemeClr val="tx1"/>
+                    </a:solidFill>
+                    <a:latin typeface="Calibri" panose="020F0502020204030204" pitchFamily="34" charset="0"/>
+                  </a:defRPr>
+                </a:lvl5pPr>
+                <a:lvl6pPr marL="2514600" indent="-228600" eaLnBrk="0" fontAlgn="base" hangingPunct="0">
+                  <a:spcBef>
+                    <a:spcPct val="0"/>
+                  </a:spcBef>
+                  <a:spcAft>
+                    <a:spcPct val="0"/>
+                  </a:spcAft>
+                  <a:defRPr>
+                    <a:solidFill>
+                      <a:schemeClr val="tx1"/>
+                    </a:solidFill>
+                    <a:latin typeface="Calibri" panose="020F0502020204030204" pitchFamily="34" charset="0"/>
+                  </a:defRPr>
+                </a:lvl6pPr>
+                <a:lvl7pPr marL="2971800" indent="-228600" eaLnBrk="0" fontAlgn="base" hangingPunct="0">
+                  <a:spcBef>
+                    <a:spcPct val="0"/>
+                  </a:spcBef>
+                  <a:spcAft>
+                    <a:spcPct val="0"/>
+                  </a:spcAft>
+                  <a:defRPr>
+                    <a:solidFill>
+                      <a:schemeClr val="tx1"/>
+                    </a:solidFill>
+                    <a:latin typeface="Calibri" panose="020F0502020204030204" pitchFamily="34" charset="0"/>
+                  </a:defRPr>
+                </a:lvl7pPr>
+                <a:lvl8pPr marL="3429000" indent="-228600" eaLnBrk="0" fontAlgn="base" hangingPunct="0">
+                  <a:spcBef>
+                    <a:spcPct val="0"/>
+                  </a:spcBef>
+                  <a:spcAft>
+                    <a:spcPct val="0"/>
+                  </a:spcAft>
+                  <a:defRPr>
+                    <a:solidFill>
+                      <a:schemeClr val="tx1"/>
+                    </a:solidFill>
+                    <a:latin typeface="Calibri" panose="020F0502020204030204" pitchFamily="34" charset="0"/>
+                  </a:defRPr>
+                </a:lvl8pPr>
+                <a:lvl9pPr marL="3886200" indent="-228600" eaLnBrk="0" fontAlgn="base" hangingPunct="0">
+                  <a:spcBef>
+                    <a:spcPct val="0"/>
+                  </a:spcBef>
+                  <a:spcAft>
+                    <a:spcPct val="0"/>
+                  </a:spcAft>
+                  <a:defRPr>
+                    <a:solidFill>
+                      <a:schemeClr val="tx1"/>
+                    </a:solidFill>
+                    <a:latin typeface="Calibri" panose="020F0502020204030204" pitchFamily="34" charset="0"/>
+                  </a:defRPr>
+                </a:lvl9pPr>
+              </a:lstStyle>
+              <a:p>
+                <a:pPr algn="ctr" eaLnBrk="1" hangingPunct="1"/>
+                <a:r>
+                  <a:rPr lang="en-US" altLang="ko-KR" sz="1000" b="1" dirty="0" smtClean="0">
+                    <a:latin typeface="Noto Sans" panose="020B0502040504020204" pitchFamily="34"/>
+                    <a:ea typeface="Noto Sans" panose="020B0502040504020204" pitchFamily="34"/>
+                    <a:cs typeface="Noto Sans" panose="020B0502040504020204" pitchFamily="34"/>
+                  </a:rPr>
+                  <a:t>Modeling</a:t>
+                </a:r>
+                <a:endParaRPr lang="en-US" altLang="en-US" sz="1000" b="1" dirty="0">
+                  <a:latin typeface="Noto Sans" panose="020B0502040504020204" pitchFamily="34"/>
+                  <a:ea typeface="Noto Sans" panose="020B0502040504020204" pitchFamily="34"/>
+                  <a:cs typeface="Noto Sans" panose="020B0502040504020204" pitchFamily="34"/>
+                </a:endParaRPr>
+              </a:p>
+            </p:txBody>
+          </p:sp>
+          <p:pic>
+            <p:nvPicPr>
+              <p:cNvPr id="49" name="Graphic 30">
+                <a:extLst>
+                  <a:ext uri="{FF2B5EF4-FFF2-40B4-BE49-F238E27FC236}">
+                    <a16:creationId xmlns:a16="http://schemas.microsoft.com/office/drawing/2014/main" id="{C0134494-37B4-9E1A-A304-BEF1B7D5B086}"/>
+                  </a:ext>
+                </a:extLst>
+              </p:cNvPr>
+              <p:cNvPicPr>
+                <a:picLocks noChangeAspect="1"/>
+              </p:cNvPicPr>
+              <p:nvPr/>
+            </p:nvPicPr>
+            <p:blipFill>
+              <a:blip r:embed="rId31">
+                <a:extLst>
+                  <a:ext uri="{96DAC541-7B7A-43D3-8B79-37D633B846F1}">
+                    <asvg:svgBlip xmlns:asvg="http://schemas.microsoft.com/office/drawing/2016/SVG/main" xmlns="" r:embed="rId32"/>
+                  </a:ext>
+                </a:extLst>
+              </a:blip>
+              <a:stretch>
+                <a:fillRect/>
+              </a:stretch>
+            </p:blipFill>
+            <p:spPr>
+              <a:xfrm>
+                <a:off x="1038369" y="2655420"/>
+                <a:ext cx="328886" cy="328886"/>
+              </a:xfrm>
+              <a:prstGeom prst="rect">
+                <a:avLst/>
+              </a:prstGeom>
+            </p:spPr>
+          </p:pic>
+        </p:grpSp>
         <p:pic>
           <p:nvPicPr>
-            <p:cNvPr id="23" name="Graphic 6">
+            <p:cNvPr id="56" name="Graphic 30">
               <a:extLst>
                 <a:ext uri="{FF2B5EF4-FFF2-40B4-BE49-F238E27FC236}">
-                  <a16:creationId xmlns:a16="http://schemas.microsoft.com/office/drawing/2014/main" id="{36F978AA-B32F-A85E-AD03-8543BA4C18F2}"/>
+                  <a16:creationId xmlns:a16="http://schemas.microsoft.com/office/drawing/2014/main" id="{626FF380-FBC4-C4A5-3F18-FFCEB5A83288}"/>
+                </a:ext>
+              </a:extLst>
+            </p:cNvPr>
+            <p:cNvPicPr>
+              <a:picLocks noChangeAspect="1"/>
+            </p:cNvPicPr>
+            <p:nvPr/>
+          </p:nvPicPr>
+          <p:blipFill>
+            <a:blip r:embed="rId31">
+              <a:extLst>
+                <a:ext uri="{96DAC541-7B7A-43D3-8B79-37D633B846F1}">
+                  <asvg:svgBlip xmlns:asvg="http://schemas.microsoft.com/office/drawing/2016/SVG/main" xmlns="" r:embed="rId32"/>
+                </a:ext>
+              </a:extLst>
+            </a:blip>
+            <a:stretch>
+              <a:fillRect/>
+            </a:stretch>
+          </p:blipFill>
+          <p:spPr>
+            <a:xfrm>
+              <a:off x="5336954" y="4351032"/>
+              <a:ext cx="328886" cy="328886"/>
+            </a:xfrm>
+            <a:prstGeom prst="rect">
+              <a:avLst/>
+            </a:prstGeom>
+          </p:spPr>
+        </p:pic>
+        <p:pic>
+          <p:nvPicPr>
+            <p:cNvPr id="62" name="Picture 14" descr="Docker] docker pause, unpause (stop과 차이점)">
+              <a:extLst>
+                <a:ext uri="{FF2B5EF4-FFF2-40B4-BE49-F238E27FC236}">
+                  <a16:creationId xmlns:a16="http://schemas.microsoft.com/office/drawing/2014/main" id="{21C708F0-98F0-5175-B381-AD4751C6C4AD}"/>
                 </a:ext>
               </a:extLst>
             </p:cNvPr>
@@ -14374,28 +16770,27 @@
             <p:nvPr/>
           </p:nvPicPr>
           <p:blipFill>
-            <a:blip r:embed="rId12">
+            <a:blip r:embed="rId33" cstate="hqprint">
               <a:extLst>
-                <a:ext uri="{96DAC541-7B7A-43D3-8B79-37D633B846F1}">
-                  <asvg:svgBlip xmlns:asvg="http://schemas.microsoft.com/office/drawing/2016/SVG/main" r:embed="rId13"/>
+                <a:ext uri="{28A0092B-C50C-407E-A947-70E740481C1C}">
+                  <a14:useLocalDpi xmlns:a14="http://schemas.microsoft.com/office/drawing/2010/main" val="0"/>
                 </a:ext>
               </a:extLst>
             </a:blip>
             <a:srcRect/>
-            <a:stretch/>
+            <a:stretch>
+              <a:fillRect/>
+            </a:stretch>
           </p:blipFill>
           <p:spPr bwMode="auto">
-            <a:xfrm flipH="1">
-              <a:off x="10079625" y="2121132"/>
-              <a:ext cx="469900" cy="469900"/>
+            <a:xfrm>
+              <a:off x="5657299" y="3940007"/>
+              <a:ext cx="331894" cy="283917"/>
             </a:xfrm>
             <a:prstGeom prst="rect">
               <a:avLst/>
             </a:prstGeom>
             <a:noFill/>
-            <a:ln>
-              <a:noFill/>
-            </a:ln>
             <a:extLst>
               <a:ext uri="{909E8E84-426E-40DD-AFC4-6F175D3DCCD1}">
                 <a14:hiddenFill xmlns:a14="http://schemas.microsoft.com/office/drawing/2010/main">
@@ -14404,25 +16799,293 @@
                   </a:solidFill>
                 </a14:hiddenFill>
               </a:ext>
-              <a:ext uri="{91240B29-F687-4F45-9708-019B960494DF}">
-                <a14:hiddenLine xmlns:a14="http://schemas.microsoft.com/office/drawing/2010/main" w="9525">
+            </a:extLst>
+          </p:spPr>
+        </p:pic>
+        <p:pic>
+          <p:nvPicPr>
+            <p:cNvPr id="82" name="Picture 14" descr="Docker] docker pause, unpause (stop과 차이점)">
+              <a:extLst>
+                <a:ext uri="{FF2B5EF4-FFF2-40B4-BE49-F238E27FC236}">
+                  <a16:creationId xmlns:a16="http://schemas.microsoft.com/office/drawing/2014/main" id="{21C708F0-98F0-5175-B381-AD4751C6C4AD}"/>
+                </a:ext>
+              </a:extLst>
+            </p:cNvPr>
+            <p:cNvPicPr>
+              <a:picLocks noChangeAspect="1" noChangeArrowheads="1"/>
+            </p:cNvPicPr>
+            <p:nvPr/>
+          </p:nvPicPr>
+          <p:blipFill>
+            <a:blip r:embed="rId33" cstate="hqprint">
+              <a:extLst>
+                <a:ext uri="{28A0092B-C50C-407E-A947-70E740481C1C}">
+                  <a14:useLocalDpi xmlns:a14="http://schemas.microsoft.com/office/drawing/2010/main" val="0"/>
+                </a:ext>
+              </a:extLst>
+            </a:blip>
+            <a:srcRect/>
+            <a:stretch>
+              <a:fillRect/>
+            </a:stretch>
+          </p:blipFill>
+          <p:spPr bwMode="auto">
+            <a:xfrm>
+              <a:off x="5656419" y="4373516"/>
+              <a:ext cx="331894" cy="283917"/>
+            </a:xfrm>
+            <a:prstGeom prst="rect">
+              <a:avLst/>
+            </a:prstGeom>
+            <a:noFill/>
+            <a:extLst>
+              <a:ext uri="{909E8E84-426E-40DD-AFC4-6F175D3DCCD1}">
+                <a14:hiddenFill xmlns:a14="http://schemas.microsoft.com/office/drawing/2010/main">
                   <a:solidFill>
-                    <a:srgbClr val="000000"/>
+                    <a:srgbClr val="FFFFFF"/>
                   </a:solidFill>
-                  <a:miter lim="800000"/>
-                  <a:headEnd/>
-                  <a:tailEnd/>
-                </a14:hiddenLine>
+                </a14:hiddenFill>
               </a:ext>
             </a:extLst>
           </p:spPr>
         </p:pic>
         <p:sp>
           <p:nvSpPr>
-            <p:cNvPr id="24" name="TextBox 27">
+            <p:cNvPr id="84" name="직사각형 83"/>
+            <p:cNvSpPr/>
+            <p:nvPr/>
+          </p:nvSpPr>
+          <p:spPr>
+            <a:xfrm>
+              <a:off x="5175250" y="3676062"/>
+              <a:ext cx="1002744" cy="1084252"/>
+            </a:xfrm>
+            <a:prstGeom prst="rect">
+              <a:avLst/>
+            </a:prstGeom>
+            <a:noFill/>
+            <a:ln w="12700">
+              <a:prstDash val="dash"/>
+            </a:ln>
+          </p:spPr>
+          <p:style>
+            <a:lnRef idx="2">
+              <a:schemeClr val="accent1">
+                <a:shade val="50000"/>
+              </a:schemeClr>
+            </a:lnRef>
+            <a:fillRef idx="1">
+              <a:schemeClr val="accent1"/>
+            </a:fillRef>
+            <a:effectRef idx="0">
+              <a:schemeClr val="accent1"/>
+            </a:effectRef>
+            <a:fontRef idx="minor">
+              <a:schemeClr val="lt1"/>
+            </a:fontRef>
+          </p:style>
+          <p:txBody>
+            <a:bodyPr rtlCol="0" anchor="ctr"/>
+            <a:lstStyle/>
+            <a:p>
+              <a:pPr algn="ctr"/>
+              <a:endParaRPr lang="ko-KR" altLang="en-US"/>
+            </a:p>
+          </p:txBody>
+        </p:sp>
+      </p:grpSp>
+      <p:grpSp>
+        <p:nvGrpSpPr>
+          <p:cNvPr id="88" name="그룹 87"/>
+          <p:cNvGrpSpPr/>
+          <p:nvPr/>
+        </p:nvGrpSpPr>
+        <p:grpSpPr>
+          <a:xfrm>
+            <a:off x="4526838" y="2627632"/>
+            <a:ext cx="1189265" cy="993497"/>
+            <a:chOff x="5037314" y="2553592"/>
+            <a:chExt cx="1189265" cy="993497"/>
+          </a:xfrm>
+        </p:grpSpPr>
+        <p:pic>
+          <p:nvPicPr>
+            <p:cNvPr id="55" name="Picture 2" descr="Dash Plotly 를 활용한 Web 기반 대시보드 구축 - (2) Dash 설치와 앱 실행 - 오늘 ++">
               <a:extLst>
                 <a:ext uri="{FF2B5EF4-FFF2-40B4-BE49-F238E27FC236}">
-                  <a16:creationId xmlns:a16="http://schemas.microsoft.com/office/drawing/2014/main" id="{5CA29898-814C-D833-BCC8-EBE7F7D71BF4}"/>
+                  <a16:creationId xmlns:a16="http://schemas.microsoft.com/office/drawing/2014/main" id="{D0A2C55D-47CA-5E31-06DE-03823A5900C8}"/>
+                </a:ext>
+              </a:extLst>
+            </p:cNvPr>
+            <p:cNvPicPr>
+              <a:picLocks noChangeAspect="1" noChangeArrowheads="1"/>
+            </p:cNvPicPr>
+            <p:nvPr/>
+          </p:nvPicPr>
+          <p:blipFill rotWithShape="1">
+            <a:blip r:embed="rId34" cstate="hqprint">
+              <a:extLst>
+                <a:ext uri="{28A0092B-C50C-407E-A947-70E740481C1C}">
+                  <a14:useLocalDpi xmlns:a14="http://schemas.microsoft.com/office/drawing/2010/main" val="0"/>
+                </a:ext>
+              </a:extLst>
+            </a:blip>
+            <a:srcRect t="31993" b="31193"/>
+            <a:stretch/>
+          </p:blipFill>
+          <p:spPr bwMode="auto">
+            <a:xfrm>
+              <a:off x="5062127" y="3167954"/>
+              <a:ext cx="1122217" cy="309852"/>
+            </a:xfrm>
+            <a:prstGeom prst="rect">
+              <a:avLst/>
+            </a:prstGeom>
+            <a:noFill/>
+            <a:extLst>
+              <a:ext uri="{909E8E84-426E-40DD-AFC4-6F175D3DCCD1}">
+                <a14:hiddenFill xmlns:a14="http://schemas.microsoft.com/office/drawing/2010/main">
+                  <a:solidFill>
+                    <a:srgbClr val="FFFFFF"/>
+                  </a:solidFill>
+                </a14:hiddenFill>
+              </a:ext>
+            </a:extLst>
+          </p:spPr>
+        </p:pic>
+        <p:pic>
+          <p:nvPicPr>
+            <p:cNvPr id="68" name="Picture 14" descr="Docker] docker pause, unpause (stop과 차이점)">
+              <a:extLst>
+                <a:ext uri="{FF2B5EF4-FFF2-40B4-BE49-F238E27FC236}">
+                  <a16:creationId xmlns:a16="http://schemas.microsoft.com/office/drawing/2014/main" id="{21C708F0-98F0-5175-B381-AD4751C6C4AD}"/>
+                </a:ext>
+              </a:extLst>
+            </p:cNvPr>
+            <p:cNvPicPr>
+              <a:picLocks noChangeAspect="1" noChangeArrowheads="1"/>
+            </p:cNvPicPr>
+            <p:nvPr/>
+          </p:nvPicPr>
+          <p:blipFill>
+            <a:blip r:embed="rId33" cstate="hqprint">
+              <a:extLst>
+                <a:ext uri="{28A0092B-C50C-407E-A947-70E740481C1C}">
+                  <a14:useLocalDpi xmlns:a14="http://schemas.microsoft.com/office/drawing/2010/main" val="0"/>
+                </a:ext>
+              </a:extLst>
+            </a:blip>
+            <a:srcRect/>
+            <a:stretch>
+              <a:fillRect/>
+            </a:stretch>
+          </p:blipFill>
+          <p:spPr bwMode="auto">
+            <a:xfrm>
+              <a:off x="5629389" y="2839050"/>
+              <a:ext cx="331894" cy="283917"/>
+            </a:xfrm>
+            <a:prstGeom prst="rect">
+              <a:avLst/>
+            </a:prstGeom>
+            <a:noFill/>
+            <a:extLst>
+              <a:ext uri="{909E8E84-426E-40DD-AFC4-6F175D3DCCD1}">
+                <a14:hiddenFill xmlns:a14="http://schemas.microsoft.com/office/drawing/2010/main">
+                  <a:solidFill>
+                    <a:srgbClr val="FFFFFF"/>
+                  </a:solidFill>
+                </a14:hiddenFill>
+              </a:ext>
+            </a:extLst>
+          </p:spPr>
+        </p:pic>
+        <p:pic>
+          <p:nvPicPr>
+            <p:cNvPr id="69" name="Graphic 30">
+              <a:extLst>
+                <a:ext uri="{FF2B5EF4-FFF2-40B4-BE49-F238E27FC236}">
+                  <a16:creationId xmlns:a16="http://schemas.microsoft.com/office/drawing/2014/main" id="{C0134494-37B4-9E1A-A304-BEF1B7D5B086}"/>
+                </a:ext>
+              </a:extLst>
+            </p:cNvPr>
+            <p:cNvPicPr>
+              <a:picLocks noChangeAspect="1"/>
+            </p:cNvPicPr>
+            <p:nvPr/>
+          </p:nvPicPr>
+          <p:blipFill>
+            <a:blip r:embed="rId31">
+              <a:extLst>
+                <a:ext uri="{96DAC541-7B7A-43D3-8B79-37D633B846F1}">
+                  <asvg:svgBlip xmlns:asvg="http://schemas.microsoft.com/office/drawing/2016/SVG/main" xmlns="" r:embed="rId32"/>
+                </a:ext>
+              </a:extLst>
+            </a:blip>
+            <a:stretch>
+              <a:fillRect/>
+            </a:stretch>
+          </p:blipFill>
+          <p:spPr>
+            <a:xfrm>
+              <a:off x="5293542" y="2817717"/>
+              <a:ext cx="328886" cy="328886"/>
+            </a:xfrm>
+            <a:prstGeom prst="rect">
+              <a:avLst/>
+            </a:prstGeom>
+          </p:spPr>
+        </p:pic>
+        <p:sp>
+          <p:nvSpPr>
+            <p:cNvPr id="86" name="직사각형 85"/>
+            <p:cNvSpPr/>
+            <p:nvPr/>
+          </p:nvSpPr>
+          <p:spPr>
+            <a:xfrm>
+              <a:off x="5037314" y="2571482"/>
+              <a:ext cx="1189265" cy="975607"/>
+            </a:xfrm>
+            <a:prstGeom prst="rect">
+              <a:avLst/>
+            </a:prstGeom>
+            <a:noFill/>
+            <a:ln w="12700">
+              <a:prstDash val="dash"/>
+            </a:ln>
+          </p:spPr>
+          <p:style>
+            <a:lnRef idx="2">
+              <a:schemeClr val="accent1">
+                <a:shade val="50000"/>
+              </a:schemeClr>
+            </a:lnRef>
+            <a:fillRef idx="1">
+              <a:schemeClr val="accent1"/>
+            </a:fillRef>
+            <a:effectRef idx="0">
+              <a:schemeClr val="accent1"/>
+            </a:effectRef>
+            <a:fontRef idx="minor">
+              <a:schemeClr val="lt1"/>
+            </a:fontRef>
+          </p:style>
+          <p:txBody>
+            <a:bodyPr rtlCol="0" anchor="ctr"/>
+            <a:lstStyle/>
+            <a:p>
+              <a:pPr algn="ctr"/>
+              <a:endParaRPr lang="ko-KR" altLang="en-US"/>
+            </a:p>
+          </p:txBody>
+        </p:sp>
+        <p:sp>
+          <p:nvSpPr>
+            <p:cNvPr id="87" name="TextBox 31">
+              <a:extLst>
+                <a:ext uri="{FF2B5EF4-FFF2-40B4-BE49-F238E27FC236}">
+                  <a16:creationId xmlns:a16="http://schemas.microsoft.com/office/drawing/2014/main" id="{D6202A16-8E91-9DFB-3499-36BEB4526692}"/>
                 </a:ext>
               </a:extLst>
             </p:cNvPr>
@@ -14433,8 +17096,8 @@
           </p:nvSpPr>
           <p:spPr bwMode="auto">
             <a:xfrm>
-              <a:off x="9556696" y="2584743"/>
-              <a:ext cx="1506538" cy="276225"/>
+              <a:off x="5091904" y="2553592"/>
+              <a:ext cx="1050353" cy="246221"/>
             </a:xfrm>
             <a:prstGeom prst="rect">
               <a:avLst/>
@@ -14444,326 +17107,6 @@
               <a:noFill/>
             </a:ln>
             <a:extLst>
-              <a:ext uri="{909E8E84-426E-40DD-AFC4-6F175D3DCCD1}">
-                <a14:hiddenFill xmlns:a14="http://schemas.microsoft.com/office/drawing/2010/main">
-                  <a:solidFill>
-                    <a:srgbClr val="FFFFFF"/>
-                  </a:solidFill>
-                </a14:hiddenFill>
-              </a:ext>
-              <a:ext uri="{91240B29-F687-4F45-9708-019B960494DF}">
-                <a14:hiddenLine xmlns:a14="http://schemas.microsoft.com/office/drawing/2010/main" w="9525">
-                  <a:solidFill>
-                    <a:srgbClr val="000000"/>
-                  </a:solidFill>
-                  <a:miter lim="800000"/>
-                  <a:headEnd/>
-                  <a:tailEnd/>
-                </a14:hiddenLine>
-              </a:ext>
-            </a:extLst>
-          </p:spPr>
-          <p:txBody>
-            <a:bodyPr>
-              <a:spAutoFit/>
-            </a:bodyPr>
-            <a:lstStyle>
-              <a:defPPr>
-                <a:defRPr lang="en-US"/>
-              </a:defPPr>
-              <a:lvl1pPr algn="l" rtl="0" eaLnBrk="0" fontAlgn="base" hangingPunct="0">
-                <a:spcBef>
-                  <a:spcPct val="0"/>
-                </a:spcBef>
-                <a:spcAft>
-                  <a:spcPct val="0"/>
-                </a:spcAft>
-                <a:defRPr kern="1200">
-                  <a:solidFill>
-                    <a:schemeClr val="tx1"/>
-                  </a:solidFill>
-                  <a:latin typeface="Calibri" panose="020F0502020204030204" pitchFamily="34" charset="0"/>
-                  <a:ea typeface="+mn-ea"/>
-                  <a:cs typeface="+mn-cs"/>
-                </a:defRPr>
-              </a:lvl1pPr>
-              <a:lvl2pPr marL="457200" algn="l" rtl="0" eaLnBrk="0" fontAlgn="base" hangingPunct="0">
-                <a:spcBef>
-                  <a:spcPct val="0"/>
-                </a:spcBef>
-                <a:spcAft>
-                  <a:spcPct val="0"/>
-                </a:spcAft>
-                <a:defRPr kern="1200">
-                  <a:solidFill>
-                    <a:schemeClr val="tx1"/>
-                  </a:solidFill>
-                  <a:latin typeface="Calibri" panose="020F0502020204030204" pitchFamily="34" charset="0"/>
-                  <a:ea typeface="+mn-ea"/>
-                  <a:cs typeface="+mn-cs"/>
-                </a:defRPr>
-              </a:lvl2pPr>
-              <a:lvl3pPr marL="914400" algn="l" rtl="0" eaLnBrk="0" fontAlgn="base" hangingPunct="0">
-                <a:spcBef>
-                  <a:spcPct val="0"/>
-                </a:spcBef>
-                <a:spcAft>
-                  <a:spcPct val="0"/>
-                </a:spcAft>
-                <a:defRPr kern="1200">
-                  <a:solidFill>
-                    <a:schemeClr val="tx1"/>
-                  </a:solidFill>
-                  <a:latin typeface="Calibri" panose="020F0502020204030204" pitchFamily="34" charset="0"/>
-                  <a:ea typeface="+mn-ea"/>
-                  <a:cs typeface="+mn-cs"/>
-                </a:defRPr>
-              </a:lvl3pPr>
-              <a:lvl4pPr marL="1371600" algn="l" rtl="0" eaLnBrk="0" fontAlgn="base" hangingPunct="0">
-                <a:spcBef>
-                  <a:spcPct val="0"/>
-                </a:spcBef>
-                <a:spcAft>
-                  <a:spcPct val="0"/>
-                </a:spcAft>
-                <a:defRPr kern="1200">
-                  <a:solidFill>
-                    <a:schemeClr val="tx1"/>
-                  </a:solidFill>
-                  <a:latin typeface="Calibri" panose="020F0502020204030204" pitchFamily="34" charset="0"/>
-                  <a:ea typeface="+mn-ea"/>
-                  <a:cs typeface="+mn-cs"/>
-                </a:defRPr>
-              </a:lvl4pPr>
-              <a:lvl5pPr marL="1828800" algn="l" rtl="0" eaLnBrk="0" fontAlgn="base" hangingPunct="0">
-                <a:spcBef>
-                  <a:spcPct val="0"/>
-                </a:spcBef>
-                <a:spcAft>
-                  <a:spcPct val="0"/>
-                </a:spcAft>
-                <a:defRPr kern="1200">
-                  <a:solidFill>
-                    <a:schemeClr val="tx1"/>
-                  </a:solidFill>
-                  <a:latin typeface="Calibri" panose="020F0502020204030204" pitchFamily="34" charset="0"/>
-                  <a:ea typeface="+mn-ea"/>
-                  <a:cs typeface="+mn-cs"/>
-                </a:defRPr>
-              </a:lvl5pPr>
-              <a:lvl6pPr marL="2286000" algn="l" defTabSz="914400" rtl="0" eaLnBrk="1" latinLnBrk="0" hangingPunct="1">
-                <a:defRPr kern="1200">
-                  <a:solidFill>
-                    <a:schemeClr val="tx1"/>
-                  </a:solidFill>
-                  <a:latin typeface="Calibri" panose="020F0502020204030204" pitchFamily="34" charset="0"/>
-                  <a:ea typeface="+mn-ea"/>
-                  <a:cs typeface="+mn-cs"/>
-                </a:defRPr>
-              </a:lvl6pPr>
-              <a:lvl7pPr marL="2743200" algn="l" defTabSz="914400" rtl="0" eaLnBrk="1" latinLnBrk="0" hangingPunct="1">
-                <a:defRPr kern="1200">
-                  <a:solidFill>
-                    <a:schemeClr val="tx1"/>
-                  </a:solidFill>
-                  <a:latin typeface="Calibri" panose="020F0502020204030204" pitchFamily="34" charset="0"/>
-                  <a:ea typeface="+mn-ea"/>
-                  <a:cs typeface="+mn-cs"/>
-                </a:defRPr>
-              </a:lvl7pPr>
-              <a:lvl8pPr marL="3200400" algn="l" defTabSz="914400" rtl="0" eaLnBrk="1" latinLnBrk="0" hangingPunct="1">
-                <a:defRPr kern="1200">
-                  <a:solidFill>
-                    <a:schemeClr val="tx1"/>
-                  </a:solidFill>
-                  <a:latin typeface="Calibri" panose="020F0502020204030204" pitchFamily="34" charset="0"/>
-                  <a:ea typeface="+mn-ea"/>
-                  <a:cs typeface="+mn-cs"/>
-                </a:defRPr>
-              </a:lvl8pPr>
-              <a:lvl9pPr marL="3657600" algn="l" defTabSz="914400" rtl="0" eaLnBrk="1" latinLnBrk="0" hangingPunct="1">
-                <a:defRPr kern="1200">
-                  <a:solidFill>
-                    <a:schemeClr val="tx1"/>
-                  </a:solidFill>
-                  <a:latin typeface="Calibri" panose="020F0502020204030204" pitchFamily="34" charset="0"/>
-                  <a:ea typeface="+mn-ea"/>
-                  <a:cs typeface="+mn-cs"/>
-                </a:defRPr>
-              </a:lvl9pPr>
-            </a:lstStyle>
-            <a:p>
-              <a:pPr algn="ctr" eaLnBrk="1" hangingPunct="1"/>
-              <a:r>
-                <a:rPr lang="en-US" altLang="en-US" sz="1200" i="1" dirty="0">
-                  <a:latin typeface="Arial" panose="020B0604020202020204" pitchFamily="34" charset="0"/>
-                  <a:cs typeface="Arial" panose="020B0604020202020204" pitchFamily="34" charset="0"/>
-                </a:rPr>
-                <a:t>User</a:t>
-              </a:r>
-            </a:p>
-          </p:txBody>
-        </p:sp>
-      </p:grpSp>
-      <p:pic>
-        <p:nvPicPr>
-          <p:cNvPr id="25" name="Picture 14" descr="Docker] docker pause, unpause (stop과 차이점)">
-            <a:extLst>
-              <a:ext uri="{FF2B5EF4-FFF2-40B4-BE49-F238E27FC236}">
-                <a16:creationId xmlns:a16="http://schemas.microsoft.com/office/drawing/2014/main" id="{5B6950FC-2F13-90F3-9166-A6E66D16E488}"/>
-              </a:ext>
-            </a:extLst>
-          </p:cNvPr>
-          <p:cNvPicPr>
-            <a:picLocks noChangeAspect="1" noChangeArrowheads="1"/>
-          </p:cNvPicPr>
-          <p:nvPr/>
-        </p:nvPicPr>
-        <p:blipFill>
-          <a:blip r:embed="rId14">
-            <a:extLst>
-              <a:ext uri="{28A0092B-C50C-407E-A947-70E740481C1C}">
-                <a14:useLocalDpi xmlns:a14="http://schemas.microsoft.com/office/drawing/2010/main" val="0"/>
-              </a:ext>
-            </a:extLst>
-          </a:blip>
-          <a:srcRect/>
-          <a:stretch>
-            <a:fillRect/>
-          </a:stretch>
-        </p:blipFill>
-        <p:spPr bwMode="auto">
-          <a:xfrm>
-            <a:off x="4409025" y="2857564"/>
-            <a:ext cx="556074" cy="475691"/>
-          </a:xfrm>
-          <a:prstGeom prst="rect">
-            <a:avLst/>
-          </a:prstGeom>
-          <a:noFill/>
-          <a:extLst>
-            <a:ext uri="{909E8E84-426E-40DD-AFC4-6F175D3DCCD1}">
-              <a14:hiddenFill xmlns:a14="http://schemas.microsoft.com/office/drawing/2010/main">
-                <a:solidFill>
-                  <a:srgbClr val="FFFFFF"/>
-                </a:solidFill>
-              </a14:hiddenFill>
-            </a:ext>
-          </a:extLst>
-        </p:spPr>
-      </p:pic>
-      <p:grpSp>
-        <p:nvGrpSpPr>
-          <p:cNvPr id="26" name="그룹 25">
-            <a:extLst>
-              <a:ext uri="{FF2B5EF4-FFF2-40B4-BE49-F238E27FC236}">
-                <a16:creationId xmlns:a16="http://schemas.microsoft.com/office/drawing/2014/main" id="{B0769B73-010A-8B9B-E752-BB69EDC6DA01}"/>
-              </a:ext>
-            </a:extLst>
-          </p:cNvPr>
-          <p:cNvGrpSpPr/>
-          <p:nvPr/>
-        </p:nvGrpSpPr>
-        <p:grpSpPr>
-          <a:xfrm>
-            <a:off x="3301503" y="4328315"/>
-            <a:ext cx="919001" cy="591804"/>
-            <a:chOff x="1927481" y="5063732"/>
-            <a:chExt cx="919001" cy="591804"/>
-          </a:xfrm>
-        </p:grpSpPr>
-        <p:pic>
-          <p:nvPicPr>
-            <p:cNvPr id="27" name="Graphic 10">
-              <a:extLst>
-                <a:ext uri="{FF2B5EF4-FFF2-40B4-BE49-F238E27FC236}">
-                  <a16:creationId xmlns:a16="http://schemas.microsoft.com/office/drawing/2014/main" id="{9EDE4EC6-967F-A55F-3D65-DD1CB7D1F037}"/>
-                </a:ext>
-              </a:extLst>
-            </p:cNvPr>
-            <p:cNvPicPr>
-              <a:picLocks noChangeAspect="1" noChangeArrowheads="1"/>
-            </p:cNvPicPr>
-            <p:nvPr/>
-          </p:nvPicPr>
-          <p:blipFill>
-            <a:blip r:embed="rId15">
-              <a:extLst>
-                <a:ext uri="{96DAC541-7B7A-43D3-8B79-37D633B846F1}">
-                  <asvg:svgBlip xmlns:asvg="http://schemas.microsoft.com/office/drawing/2016/SVG/main" r:embed="rId16"/>
-                </a:ext>
-              </a:extLst>
-            </a:blip>
-            <a:srcRect/>
-            <a:stretch/>
-          </p:blipFill>
-          <p:spPr bwMode="auto">
-            <a:xfrm>
-              <a:off x="2182970" y="5063732"/>
-              <a:ext cx="351967" cy="351967"/>
-            </a:xfrm>
-            <a:prstGeom prst="rect">
-              <a:avLst/>
-            </a:prstGeom>
-            <a:noFill/>
-            <a:ln>
-              <a:noFill/>
-            </a:ln>
-            <a:extLst>
-              <a:ext uri="{909E8E84-426E-40DD-AFC4-6F175D3DCCD1}">
-                <a14:hiddenFill xmlns:a14="http://schemas.microsoft.com/office/drawing/2010/main">
-                  <a:solidFill>
-                    <a:srgbClr val="FFFFFF"/>
-                  </a:solidFill>
-                </a14:hiddenFill>
-              </a:ext>
-              <a:ext uri="{91240B29-F687-4F45-9708-019B960494DF}">
-                <a14:hiddenLine xmlns:a14="http://schemas.microsoft.com/office/drawing/2010/main" w="9525">
-                  <a:solidFill>
-                    <a:srgbClr val="000000"/>
-                  </a:solidFill>
-                  <a:miter lim="800000"/>
-                  <a:headEnd/>
-                  <a:tailEnd/>
-                </a14:hiddenLine>
-              </a:ext>
-            </a:extLst>
-          </p:spPr>
-        </p:pic>
-        <p:sp>
-          <p:nvSpPr>
-            <p:cNvPr id="28" name="TextBox 20">
-              <a:extLst>
-                <a:ext uri="{FF2B5EF4-FFF2-40B4-BE49-F238E27FC236}">
-                  <a16:creationId xmlns:a16="http://schemas.microsoft.com/office/drawing/2014/main" id="{F50A4EA3-2A87-FE18-7FA9-83FCF21C3E41}"/>
-                </a:ext>
-              </a:extLst>
-            </p:cNvPr>
-            <p:cNvSpPr txBox="1">
-              <a:spLocks noChangeArrowheads="1"/>
-            </p:cNvSpPr>
-            <p:nvPr/>
-          </p:nvSpPr>
-          <p:spPr bwMode="auto">
-            <a:xfrm>
-              <a:off x="1927481" y="5424704"/>
-              <a:ext cx="919001" cy="230832"/>
-            </a:xfrm>
-            <a:prstGeom prst="rect">
-              <a:avLst/>
-            </a:prstGeom>
-            <a:noFill/>
-            <a:ln>
-              <a:noFill/>
-            </a:ln>
-            <a:extLst>
-              <a:ext uri="{909E8E84-426E-40DD-AFC4-6F175D3DCCD1}">
-                <a14:hiddenFill xmlns:a14="http://schemas.microsoft.com/office/drawing/2010/main">
-                  <a:solidFill>
-                    <a:srgbClr val="FFFFFF"/>
-                  </a:solidFill>
-                </a14:hiddenFill>
-              </a:ext>
               <a:ext uri="{91240B29-F687-4F45-9708-019B960494DF}">
                 <a14:hiddenLine xmlns:a14="http://schemas.microsoft.com/office/drawing/2010/main" w="9525">
                   <a:solidFill>
@@ -14881,23 +17224,253 @@
             <a:p>
               <a:pPr algn="ctr" eaLnBrk="1" hangingPunct="1"/>
               <a:r>
-                <a:rPr lang="en-US" altLang="en-US" sz="900" dirty="0">
-                  <a:latin typeface="Arial" panose="020B0604020202020204" pitchFamily="34" charset="0"/>
-                  <a:ea typeface="Amazon Ember" panose="020B0603020204020204" pitchFamily="34" charset="0"/>
-                  <a:cs typeface="Arial" panose="020B0604020202020204" pitchFamily="34" charset="0"/>
+                <a:rPr lang="en-US" altLang="ko-KR" sz="1000" b="1" dirty="0" smtClean="0">
+                  <a:latin typeface="Noto Sans" panose="020B0502040504020204" pitchFamily="34"/>
+                  <a:ea typeface="Noto Sans" panose="020B0502040504020204" pitchFamily="34"/>
+                  <a:cs typeface="Noto Sans" panose="020B0502040504020204" pitchFamily="34"/>
                 </a:rPr>
-                <a:t>AWS Lambda</a:t>
+                <a:t>Web</a:t>
               </a:r>
+              <a:endParaRPr lang="en-US" altLang="en-US" sz="1000" b="1" dirty="0">
+                <a:latin typeface="Noto Sans" panose="020B0502040504020204" pitchFamily="34"/>
+                <a:ea typeface="Noto Sans" panose="020B0502040504020204" pitchFamily="34"/>
+                <a:cs typeface="Noto Sans" panose="020B0502040504020204" pitchFamily="34"/>
+              </a:endParaRPr>
             </a:p>
           </p:txBody>
         </p:sp>
       </p:grpSp>
+      <p:cxnSp>
+        <p:nvCxnSpPr>
+          <p:cNvPr id="92" name="꺾인 연결선 91"/>
+          <p:cNvCxnSpPr>
+            <a:stCxn id="86" idx="1"/>
+            <a:endCxn id="65" idx="0"/>
+          </p:cNvCxnSpPr>
+          <p:nvPr/>
+        </p:nvCxnSpPr>
+        <p:spPr>
+          <a:xfrm rot="10800000" flipV="1">
+            <a:off x="3116498" y="3133325"/>
+            <a:ext cx="1410341" cy="984209"/>
+          </a:xfrm>
+          <a:prstGeom prst="bentConnector2">
+            <a:avLst/>
+          </a:prstGeom>
+          <a:ln w="19050">
+            <a:solidFill>
+              <a:srgbClr val="2497ED"/>
+            </a:solidFill>
+            <a:tailEnd type="triangle"/>
+          </a:ln>
+        </p:spPr>
+        <p:style>
+          <a:lnRef idx="1">
+            <a:schemeClr val="accent1"/>
+          </a:lnRef>
+          <a:fillRef idx="0">
+            <a:schemeClr val="accent1"/>
+          </a:fillRef>
+          <a:effectRef idx="0">
+            <a:schemeClr val="accent1"/>
+          </a:effectRef>
+          <a:fontRef idx="minor">
+            <a:schemeClr val="tx1"/>
+          </a:fontRef>
+        </p:style>
+      </p:cxnSp>
+      <p:cxnSp>
+        <p:nvCxnSpPr>
+          <p:cNvPr id="94" name="직선 화살표 연결선 93"/>
+          <p:cNvCxnSpPr/>
+          <p:nvPr/>
+        </p:nvCxnSpPr>
+        <p:spPr>
+          <a:xfrm>
+            <a:off x="3390900" y="4329787"/>
+            <a:ext cx="911836" cy="0"/>
+          </a:xfrm>
+          <a:prstGeom prst="straightConnector1">
+            <a:avLst/>
+          </a:prstGeom>
+          <a:ln w="19050">
+            <a:solidFill>
+              <a:srgbClr val="7AA116"/>
+            </a:solidFill>
+            <a:tailEnd type="triangle"/>
+          </a:ln>
+        </p:spPr>
+        <p:style>
+          <a:lnRef idx="1">
+            <a:schemeClr val="accent1"/>
+          </a:lnRef>
+          <a:fillRef idx="0">
+            <a:schemeClr val="accent1"/>
+          </a:fillRef>
+          <a:effectRef idx="0">
+            <a:schemeClr val="accent1"/>
+          </a:effectRef>
+          <a:fontRef idx="minor">
+            <a:schemeClr val="tx1"/>
+          </a:fontRef>
+        </p:style>
+      </p:cxnSp>
+      <p:cxnSp>
+        <p:nvCxnSpPr>
+          <p:cNvPr id="96" name="직선 화살표 연결선 95"/>
+          <p:cNvCxnSpPr/>
+          <p:nvPr/>
+        </p:nvCxnSpPr>
+        <p:spPr>
+          <a:xfrm>
+            <a:off x="4827954" y="4333535"/>
+            <a:ext cx="743641" cy="0"/>
+          </a:xfrm>
+          <a:prstGeom prst="straightConnector1">
+            <a:avLst/>
+          </a:prstGeom>
+          <a:ln w="19050">
+            <a:solidFill>
+              <a:srgbClr val="ED7100"/>
+            </a:solidFill>
+            <a:tailEnd type="triangle"/>
+          </a:ln>
+        </p:spPr>
+        <p:style>
+          <a:lnRef idx="1">
+            <a:schemeClr val="accent1"/>
+          </a:lnRef>
+          <a:fillRef idx="0">
+            <a:schemeClr val="accent1"/>
+          </a:fillRef>
+          <a:effectRef idx="0">
+            <a:schemeClr val="accent1"/>
+          </a:effectRef>
+          <a:fontRef idx="minor">
+            <a:schemeClr val="tx1"/>
+          </a:fontRef>
+        </p:style>
+      </p:cxnSp>
+      <p:cxnSp>
+        <p:nvCxnSpPr>
+          <p:cNvPr id="102" name="직선 화살표 연결선 101"/>
+          <p:cNvCxnSpPr/>
+          <p:nvPr/>
+        </p:nvCxnSpPr>
+        <p:spPr>
+          <a:xfrm>
+            <a:off x="6668293" y="4284863"/>
+            <a:ext cx="1513682" cy="0"/>
+          </a:xfrm>
+          <a:prstGeom prst="straightConnector1">
+            <a:avLst/>
+          </a:prstGeom>
+          <a:ln w="19050">
+            <a:solidFill>
+              <a:srgbClr val="2497ED"/>
+            </a:solidFill>
+            <a:tailEnd type="triangle"/>
+          </a:ln>
+        </p:spPr>
+        <p:style>
+          <a:lnRef idx="1">
+            <a:schemeClr val="accent1"/>
+          </a:lnRef>
+          <a:fillRef idx="0">
+            <a:schemeClr val="accent1"/>
+          </a:fillRef>
+          <a:effectRef idx="0">
+            <a:schemeClr val="accent1"/>
+          </a:effectRef>
+          <a:fontRef idx="minor">
+            <a:schemeClr val="tx1"/>
+          </a:fontRef>
+        </p:style>
+      </p:cxnSp>
+      <p:cxnSp>
+        <p:nvCxnSpPr>
+          <p:cNvPr id="115" name="직선 화살표 연결선 114"/>
+          <p:cNvCxnSpPr/>
+          <p:nvPr/>
+        </p:nvCxnSpPr>
+        <p:spPr>
+          <a:xfrm flipH="1">
+            <a:off x="8691563" y="4284863"/>
+            <a:ext cx="2126474" cy="0"/>
+          </a:xfrm>
+          <a:prstGeom prst="straightConnector1">
+            <a:avLst/>
+          </a:prstGeom>
+          <a:ln w="19050">
+            <a:solidFill>
+              <a:srgbClr val="00FFFF"/>
+            </a:solidFill>
+            <a:tailEnd type="triangle"/>
+          </a:ln>
+        </p:spPr>
+        <p:style>
+          <a:lnRef idx="1">
+            <a:schemeClr val="accent1"/>
+          </a:lnRef>
+          <a:fillRef idx="0">
+            <a:schemeClr val="accent1"/>
+          </a:fillRef>
+          <a:effectRef idx="0">
+            <a:schemeClr val="accent1"/>
+          </a:effectRef>
+          <a:fontRef idx="minor">
+            <a:schemeClr val="tx1"/>
+          </a:fontRef>
+        </p:style>
+      </p:cxnSp>
+      <p:cxnSp>
+        <p:nvCxnSpPr>
+          <p:cNvPr id="130" name="꺾인 연결선 129"/>
+          <p:cNvCxnSpPr>
+            <a:stCxn id="44" idx="0"/>
+            <a:endCxn id="87" idx="0"/>
+          </p:cNvCxnSpPr>
+          <p:nvPr/>
+        </p:nvCxnSpPr>
+        <p:spPr>
+          <a:xfrm rot="16200000" flipV="1">
+            <a:off x="6065114" y="1669123"/>
+            <a:ext cx="1408158" cy="3325176"/>
+          </a:xfrm>
+          <a:prstGeom prst="bentConnector3">
+            <a:avLst>
+              <a:gd name="adj1" fmla="val 116234"/>
+            </a:avLst>
+          </a:prstGeom>
+          <a:ln w="19050">
+            <a:solidFill>
+              <a:srgbClr val="C925D1"/>
+            </a:solidFill>
+            <a:headEnd type="triangle" w="med" len="med"/>
+            <a:tailEnd type="triangle" w="med" len="med"/>
+          </a:ln>
+        </p:spPr>
+        <p:style>
+          <a:lnRef idx="1">
+            <a:schemeClr val="accent1"/>
+          </a:lnRef>
+          <a:fillRef idx="0">
+            <a:schemeClr val="accent1"/>
+          </a:fillRef>
+          <a:effectRef idx="0">
+            <a:schemeClr val="accent1"/>
+          </a:effectRef>
+          <a:fontRef idx="minor">
+            <a:schemeClr val="tx1"/>
+          </a:fontRef>
+        </p:style>
+      </p:cxnSp>
       <p:sp>
         <p:nvSpPr>
-          <p:cNvPr id="29" name="TextBox 11">
-            <a:extLst>
-              <a:ext uri="{FF2B5EF4-FFF2-40B4-BE49-F238E27FC236}">
-                <a16:creationId xmlns:a16="http://schemas.microsoft.com/office/drawing/2014/main" id="{C3085DE6-1C90-7D53-9662-D9C6969B1821}"/>
+          <p:cNvPr id="20" name="TextBox 11">
+            <a:extLst>
+              <a:ext uri="{FF2B5EF4-FFF2-40B4-BE49-F238E27FC236}">
+                <a16:creationId xmlns:a16="http://schemas.microsoft.com/office/drawing/2014/main" id="{79B234BC-2EFD-F053-9D46-AB232FC5F3C3}"/>
               </a:ext>
             </a:extLst>
           </p:cNvPr>
@@ -14908,8 +17481,8 @@
         </p:nvSpPr>
         <p:spPr bwMode="auto">
           <a:xfrm>
-            <a:off x="3270578" y="4082084"/>
-            <a:ext cx="958918" cy="246221"/>
+            <a:off x="3288569" y="2913844"/>
+            <a:ext cx="1013423" cy="230832"/>
           </a:xfrm>
           <a:prstGeom prst="rect">
             <a:avLst/>
@@ -15070,261 +17643,22 @@
           <a:p>
             <a:pPr algn="ctr" eaLnBrk="1" hangingPunct="1"/>
             <a:r>
-              <a:rPr lang="en-US" altLang="en-US" sz="1000" dirty="0">
-                <a:latin typeface="Arial" panose="020B0604020202020204" pitchFamily="34" charset="0"/>
-                <a:cs typeface="Arial" panose="020B0604020202020204" pitchFamily="34" charset="0"/>
+              <a:rPr lang="en-US" altLang="en-US" sz="900" dirty="0">
+                <a:latin typeface="Noto Sans" panose="020B0502040504020204" pitchFamily="34"/>
+                <a:ea typeface="Noto Sans" panose="020B0502040504020204" pitchFamily="34"/>
+                <a:cs typeface="Noto Sans" panose="020B0502040504020204" pitchFamily="34"/>
               </a:rPr>
-              <a:t>Validation</a:t>
+              <a:t>Upload Data</a:t>
             </a:r>
           </a:p>
         </p:txBody>
       </p:sp>
-      <p:grpSp>
-        <p:nvGrpSpPr>
-          <p:cNvPr id="30" name="그룹 29">
-            <a:extLst>
-              <a:ext uri="{FF2B5EF4-FFF2-40B4-BE49-F238E27FC236}">
-                <a16:creationId xmlns:a16="http://schemas.microsoft.com/office/drawing/2014/main" id="{CE5F37F7-D19F-EFCB-75DB-55D6B20BDD2C}"/>
-              </a:ext>
-            </a:extLst>
-          </p:cNvPr>
-          <p:cNvGrpSpPr/>
-          <p:nvPr/>
-        </p:nvGrpSpPr>
-        <p:grpSpPr>
-          <a:xfrm>
-            <a:off x="2061268" y="5260979"/>
-            <a:ext cx="1651923" cy="696783"/>
-            <a:chOff x="1268054" y="2093261"/>
-            <a:chExt cx="1651923" cy="696783"/>
-          </a:xfrm>
-        </p:grpSpPr>
-        <p:pic>
-          <p:nvPicPr>
-            <p:cNvPr id="31" name="Graphic 17">
-              <a:extLst>
-                <a:ext uri="{FF2B5EF4-FFF2-40B4-BE49-F238E27FC236}">
-                  <a16:creationId xmlns:a16="http://schemas.microsoft.com/office/drawing/2014/main" id="{E7852A91-A0C9-AC61-D5DF-D05720C67461}"/>
-                </a:ext>
-              </a:extLst>
-            </p:cNvPr>
-            <p:cNvPicPr>
-              <a:picLocks noChangeAspect="1" noChangeArrowheads="1"/>
-            </p:cNvPicPr>
-            <p:nvPr/>
-          </p:nvPicPr>
-          <p:blipFill>
-            <a:blip r:embed="rId17">
-              <a:extLst>
-                <a:ext uri="{96DAC541-7B7A-43D3-8B79-37D633B846F1}">
-                  <asvg:svgBlip xmlns:asvg="http://schemas.microsoft.com/office/drawing/2016/SVG/main" r:embed="rId18"/>
-                </a:ext>
-              </a:extLst>
-            </a:blip>
-            <a:srcRect/>
-            <a:stretch/>
-          </p:blipFill>
-          <p:spPr bwMode="auto">
-            <a:xfrm>
-              <a:off x="1847675" y="2093261"/>
-              <a:ext cx="492682" cy="492682"/>
-            </a:xfrm>
-            <a:prstGeom prst="rect">
-              <a:avLst/>
-            </a:prstGeom>
-            <a:noFill/>
-            <a:ln>
-              <a:noFill/>
-            </a:ln>
-            <a:extLst>
-              <a:ext uri="{909E8E84-426E-40DD-AFC4-6F175D3DCCD1}">
-                <a14:hiddenFill xmlns:a14="http://schemas.microsoft.com/office/drawing/2010/main">
-                  <a:solidFill>
-                    <a:srgbClr val="FFFFFF"/>
-                  </a:solidFill>
-                </a14:hiddenFill>
-              </a:ext>
-              <a:ext uri="{91240B29-F687-4F45-9708-019B960494DF}">
-                <a14:hiddenLine xmlns:a14="http://schemas.microsoft.com/office/drawing/2010/main" w="9525">
-                  <a:solidFill>
-                    <a:srgbClr val="000000"/>
-                  </a:solidFill>
-                  <a:miter lim="800000"/>
-                  <a:headEnd/>
-                  <a:tailEnd/>
-                </a14:hiddenLine>
-              </a:ext>
-            </a:extLst>
-          </p:spPr>
-        </p:pic>
-        <p:sp>
-          <p:nvSpPr>
-            <p:cNvPr id="32" name="TextBox 9">
-              <a:extLst>
-                <a:ext uri="{FF2B5EF4-FFF2-40B4-BE49-F238E27FC236}">
-                  <a16:creationId xmlns:a16="http://schemas.microsoft.com/office/drawing/2014/main" id="{108B7DA7-981C-5306-DC0A-1DE6B441FDC1}"/>
-                </a:ext>
-              </a:extLst>
-            </p:cNvPr>
-            <p:cNvSpPr txBox="1">
-              <a:spLocks noChangeArrowheads="1"/>
-            </p:cNvSpPr>
-            <p:nvPr/>
-          </p:nvSpPr>
-          <p:spPr bwMode="auto">
-            <a:xfrm>
-              <a:off x="1268054" y="2559212"/>
-              <a:ext cx="1651923" cy="230832"/>
-            </a:xfrm>
-            <a:prstGeom prst="rect">
-              <a:avLst/>
-            </a:prstGeom>
-            <a:noFill/>
-            <a:ln>
-              <a:noFill/>
-            </a:ln>
-            <a:extLst>
-              <a:ext uri="{909E8E84-426E-40DD-AFC4-6F175D3DCCD1}">
-                <a14:hiddenFill xmlns:a14="http://schemas.microsoft.com/office/drawing/2010/main">
-                  <a:solidFill>
-                    <a:srgbClr val="FFFFFF"/>
-                  </a:solidFill>
-                </a14:hiddenFill>
-              </a:ext>
-              <a:ext uri="{91240B29-F687-4F45-9708-019B960494DF}">
-                <a14:hiddenLine xmlns:a14="http://schemas.microsoft.com/office/drawing/2010/main" w="9525">
-                  <a:solidFill>
-                    <a:srgbClr val="000000"/>
-                  </a:solidFill>
-                  <a:miter lim="800000"/>
-                  <a:headEnd/>
-                  <a:tailEnd/>
-                </a14:hiddenLine>
-              </a:ext>
-            </a:extLst>
-          </p:spPr>
-          <p:txBody>
-            <a:bodyPr wrap="square">
-              <a:spAutoFit/>
-            </a:bodyPr>
-            <a:lstStyle>
-              <a:lvl1pPr>
-                <a:defRPr>
-                  <a:solidFill>
-                    <a:schemeClr val="tx1"/>
-                  </a:solidFill>
-                  <a:latin typeface="Calibri" panose="020F0502020204030204" pitchFamily="34" charset="0"/>
-                </a:defRPr>
-              </a:lvl1pPr>
-              <a:lvl2pPr marL="742950" indent="-285750">
-                <a:defRPr>
-                  <a:solidFill>
-                    <a:schemeClr val="tx1"/>
-                  </a:solidFill>
-                  <a:latin typeface="Calibri" panose="020F0502020204030204" pitchFamily="34" charset="0"/>
-                </a:defRPr>
-              </a:lvl2pPr>
-              <a:lvl3pPr marL="1143000" indent="-228600">
-                <a:defRPr>
-                  <a:solidFill>
-                    <a:schemeClr val="tx1"/>
-                  </a:solidFill>
-                  <a:latin typeface="Calibri" panose="020F0502020204030204" pitchFamily="34" charset="0"/>
-                </a:defRPr>
-              </a:lvl3pPr>
-              <a:lvl4pPr marL="1600200" indent="-228600">
-                <a:defRPr>
-                  <a:solidFill>
-                    <a:schemeClr val="tx1"/>
-                  </a:solidFill>
-                  <a:latin typeface="Calibri" panose="020F0502020204030204" pitchFamily="34" charset="0"/>
-                </a:defRPr>
-              </a:lvl4pPr>
-              <a:lvl5pPr marL="2057400" indent="-228600">
-                <a:defRPr>
-                  <a:solidFill>
-                    <a:schemeClr val="tx1"/>
-                  </a:solidFill>
-                  <a:latin typeface="Calibri" panose="020F0502020204030204" pitchFamily="34" charset="0"/>
-                </a:defRPr>
-              </a:lvl5pPr>
-              <a:lvl6pPr marL="2514600" indent="-228600" eaLnBrk="0" fontAlgn="base" hangingPunct="0">
-                <a:spcBef>
-                  <a:spcPct val="0"/>
-                </a:spcBef>
-                <a:spcAft>
-                  <a:spcPct val="0"/>
-                </a:spcAft>
-                <a:defRPr>
-                  <a:solidFill>
-                    <a:schemeClr val="tx1"/>
-                  </a:solidFill>
-                  <a:latin typeface="Calibri" panose="020F0502020204030204" pitchFamily="34" charset="0"/>
-                </a:defRPr>
-              </a:lvl6pPr>
-              <a:lvl7pPr marL="2971800" indent="-228600" eaLnBrk="0" fontAlgn="base" hangingPunct="0">
-                <a:spcBef>
-                  <a:spcPct val="0"/>
-                </a:spcBef>
-                <a:spcAft>
-                  <a:spcPct val="0"/>
-                </a:spcAft>
-                <a:defRPr>
-                  <a:solidFill>
-                    <a:schemeClr val="tx1"/>
-                  </a:solidFill>
-                  <a:latin typeface="Calibri" panose="020F0502020204030204" pitchFamily="34" charset="0"/>
-                </a:defRPr>
-              </a:lvl7pPr>
-              <a:lvl8pPr marL="3429000" indent="-228600" eaLnBrk="0" fontAlgn="base" hangingPunct="0">
-                <a:spcBef>
-                  <a:spcPct val="0"/>
-                </a:spcBef>
-                <a:spcAft>
-                  <a:spcPct val="0"/>
-                </a:spcAft>
-                <a:defRPr>
-                  <a:solidFill>
-                    <a:schemeClr val="tx1"/>
-                  </a:solidFill>
-                  <a:latin typeface="Calibri" panose="020F0502020204030204" pitchFamily="34" charset="0"/>
-                </a:defRPr>
-              </a:lvl8pPr>
-              <a:lvl9pPr marL="3886200" indent="-228600" eaLnBrk="0" fontAlgn="base" hangingPunct="0">
-                <a:spcBef>
-                  <a:spcPct val="0"/>
-                </a:spcBef>
-                <a:spcAft>
-                  <a:spcPct val="0"/>
-                </a:spcAft>
-                <a:defRPr>
-                  <a:solidFill>
-                    <a:schemeClr val="tx1"/>
-                  </a:solidFill>
-                  <a:latin typeface="Calibri" panose="020F0502020204030204" pitchFamily="34" charset="0"/>
-                </a:defRPr>
-              </a:lvl9pPr>
-            </a:lstStyle>
-            <a:p>
-              <a:pPr algn="ctr" eaLnBrk="1" hangingPunct="1"/>
-              <a:r>
-                <a:rPr lang="en-US" altLang="en-US" sz="900" dirty="0">
-                  <a:latin typeface="Arial" panose="020B0604020202020204" pitchFamily="34" charset="0"/>
-                  <a:ea typeface="Amazon Ember" panose="020B0603020204020204" pitchFamily="34" charset="0"/>
-                  <a:cs typeface="Arial" panose="020B0604020202020204" pitchFamily="34" charset="0"/>
-                </a:rPr>
-                <a:t>Amazon CloudWatch</a:t>
-              </a:r>
-            </a:p>
-          </p:txBody>
-        </p:sp>
-      </p:grpSp>
       <p:sp>
         <p:nvSpPr>
-          <p:cNvPr id="33" name="TextBox 16">
-            <a:extLst>
-              <a:ext uri="{FF2B5EF4-FFF2-40B4-BE49-F238E27FC236}">
-                <a16:creationId xmlns:a16="http://schemas.microsoft.com/office/drawing/2014/main" id="{8F44626C-2069-8B70-7046-1C050C3D9D72}"/>
+          <p:cNvPr id="156" name="TextBox 11">
+            <a:extLst>
+              <a:ext uri="{FF2B5EF4-FFF2-40B4-BE49-F238E27FC236}">
+                <a16:creationId xmlns:a16="http://schemas.microsoft.com/office/drawing/2014/main" id="{79B234BC-2EFD-F053-9D46-AB232FC5F3C3}"/>
               </a:ext>
             </a:extLst>
           </p:cNvPr>
@@ -15335,8 +17669,8 @@
         </p:nvSpPr>
         <p:spPr bwMode="auto">
           <a:xfrm>
-            <a:off x="6725367" y="1828702"/>
-            <a:ext cx="2427849" cy="261610"/>
+            <a:off x="3317957" y="4082137"/>
+            <a:ext cx="1013423" cy="230832"/>
           </a:xfrm>
           <a:prstGeom prst="rect">
             <a:avLst/>
@@ -15497,1306 +17831,24 @@
           <a:p>
             <a:pPr algn="ctr" eaLnBrk="1" hangingPunct="1"/>
             <a:r>
-              <a:rPr lang="en-US" altLang="en-US" sz="1100" dirty="0">
-                <a:latin typeface="Arial" panose="020B0604020202020204" pitchFamily="34" charset="0"/>
-                <a:ea typeface="Amazon Ember" panose="020B0603020204020204" pitchFamily="34" charset="0"/>
-                <a:cs typeface="Arial" panose="020B0604020202020204" pitchFamily="34" charset="0"/>
+              <a:rPr lang="en-US" altLang="en-US" sz="900" dirty="0" smtClean="0">
+                <a:latin typeface="Noto Sans" panose="020B0502040504020204" pitchFamily="34"/>
+                <a:ea typeface="Noto Sans" panose="020B0502040504020204" pitchFamily="34"/>
+                <a:cs typeface="Noto Sans" panose="020B0502040504020204" pitchFamily="34"/>
               </a:rPr>
-              <a:t>Visit Web site </a:t>
+              <a:t>Trigger</a:t>
             </a:r>
-            <a:r>
-              <a:rPr lang="en-US" altLang="ko-KR" sz="1100" dirty="0">
-                <a:latin typeface="Arial" panose="020B0604020202020204" pitchFamily="34" charset="0"/>
-                <a:ea typeface="Amazon Ember" panose="020B0603020204020204" pitchFamily="34" charset="0"/>
-                <a:cs typeface="Arial" panose="020B0604020202020204" pitchFamily="34" charset="0"/>
-              </a:rPr>
-              <a:t>&amp;</a:t>
-            </a:r>
-            <a:r>
-              <a:rPr lang="ko-KR" altLang="en-US" sz="1100" dirty="0">
-                <a:latin typeface="Arial" panose="020B0604020202020204" pitchFamily="34" charset="0"/>
-                <a:ea typeface="Amazon Ember" panose="020B0603020204020204" pitchFamily="34" charset="0"/>
-                <a:cs typeface="Arial" panose="020B0604020202020204" pitchFamily="34" charset="0"/>
-              </a:rPr>
-              <a:t> </a:t>
-            </a:r>
-            <a:r>
-              <a:rPr lang="en-US" altLang="en-US" sz="1100" dirty="0">
-                <a:latin typeface="Arial" panose="020B0604020202020204" pitchFamily="34" charset="0"/>
-                <a:ea typeface="Amazon Ember" panose="020B0603020204020204" pitchFamily="34" charset="0"/>
-                <a:cs typeface="Arial" panose="020B0604020202020204" pitchFamily="34" charset="0"/>
-              </a:rPr>
-              <a:t>Request Analysis</a:t>
-            </a:r>
-          </a:p>
-        </p:txBody>
-      </p:sp>
-      <p:grpSp>
-        <p:nvGrpSpPr>
-          <p:cNvPr id="34" name="그룹 33">
-            <a:extLst>
-              <a:ext uri="{FF2B5EF4-FFF2-40B4-BE49-F238E27FC236}">
-                <a16:creationId xmlns:a16="http://schemas.microsoft.com/office/drawing/2014/main" id="{8E2D723B-540D-3D7D-7B4F-C5B346DF1724}"/>
-              </a:ext>
-            </a:extLst>
-          </p:cNvPr>
-          <p:cNvGrpSpPr/>
-          <p:nvPr/>
-        </p:nvGrpSpPr>
-        <p:grpSpPr>
-          <a:xfrm>
-            <a:off x="6322790" y="4973413"/>
-            <a:ext cx="1187106" cy="562039"/>
-            <a:chOff x="-2931559" y="1393199"/>
-            <a:chExt cx="1187106" cy="562039"/>
-          </a:xfrm>
-        </p:grpSpPr>
-        <p:pic>
-          <p:nvPicPr>
-            <p:cNvPr id="35" name="Graphic 20">
-              <a:extLst>
-                <a:ext uri="{FF2B5EF4-FFF2-40B4-BE49-F238E27FC236}">
-                  <a16:creationId xmlns:a16="http://schemas.microsoft.com/office/drawing/2014/main" id="{A406F00E-5EEE-BC8F-C76B-5B60E1C22ADF}"/>
-                </a:ext>
-              </a:extLst>
-            </p:cNvPr>
-            <p:cNvPicPr>
-              <a:picLocks noChangeAspect="1" noChangeArrowheads="1"/>
-            </p:cNvPicPr>
-            <p:nvPr/>
-          </p:nvPicPr>
-          <p:blipFill>
-            <a:blip r:embed="rId19">
-              <a:extLst>
-                <a:ext uri="{96DAC541-7B7A-43D3-8B79-37D633B846F1}">
-                  <asvg:svgBlip xmlns:asvg="http://schemas.microsoft.com/office/drawing/2016/SVG/main" r:embed="rId20"/>
-                </a:ext>
-              </a:extLst>
-            </a:blip>
-            <a:srcRect/>
-            <a:stretch/>
-          </p:blipFill>
-          <p:spPr bwMode="auto">
-            <a:xfrm>
-              <a:off x="-2514128" y="1393199"/>
-              <a:ext cx="360000" cy="360000"/>
-            </a:xfrm>
-            <a:prstGeom prst="rect">
-              <a:avLst/>
-            </a:prstGeom>
-            <a:noFill/>
-            <a:ln>
-              <a:noFill/>
-            </a:ln>
-            <a:extLst>
-              <a:ext uri="{909E8E84-426E-40DD-AFC4-6F175D3DCCD1}">
-                <a14:hiddenFill xmlns:a14="http://schemas.microsoft.com/office/drawing/2010/main">
-                  <a:solidFill>
-                    <a:srgbClr val="FFFFFF"/>
-                  </a:solidFill>
-                </a14:hiddenFill>
-              </a:ext>
-              <a:ext uri="{91240B29-F687-4F45-9708-019B960494DF}">
-                <a14:hiddenLine xmlns:a14="http://schemas.microsoft.com/office/drawing/2010/main" w="9525">
-                  <a:solidFill>
-                    <a:srgbClr val="000000"/>
-                  </a:solidFill>
-                  <a:miter lim="800000"/>
-                  <a:headEnd/>
-                  <a:tailEnd/>
-                </a14:hiddenLine>
-              </a:ext>
-            </a:extLst>
-          </p:spPr>
-        </p:pic>
-        <p:sp>
-          <p:nvSpPr>
-            <p:cNvPr id="36" name="TextBox 22">
-              <a:extLst>
-                <a:ext uri="{FF2B5EF4-FFF2-40B4-BE49-F238E27FC236}">
-                  <a16:creationId xmlns:a16="http://schemas.microsoft.com/office/drawing/2014/main" id="{869B57E2-38CA-8215-88BC-C2A443C4F48B}"/>
-                </a:ext>
-              </a:extLst>
-            </p:cNvPr>
-            <p:cNvSpPr txBox="1">
-              <a:spLocks noChangeArrowheads="1"/>
-            </p:cNvSpPr>
-            <p:nvPr/>
-          </p:nvSpPr>
-          <p:spPr bwMode="auto">
-            <a:xfrm>
-              <a:off x="-2931559" y="1709017"/>
-              <a:ext cx="1187106" cy="246221"/>
-            </a:xfrm>
-            <a:prstGeom prst="rect">
-              <a:avLst/>
-            </a:prstGeom>
-            <a:noFill/>
-            <a:ln>
-              <a:noFill/>
-            </a:ln>
-            <a:extLst>
-              <a:ext uri="{909E8E84-426E-40DD-AFC4-6F175D3DCCD1}">
-                <a14:hiddenFill xmlns:a14="http://schemas.microsoft.com/office/drawing/2010/main">
-                  <a:solidFill>
-                    <a:srgbClr val="FFFFFF"/>
-                  </a:solidFill>
-                </a14:hiddenFill>
-              </a:ext>
-              <a:ext uri="{91240B29-F687-4F45-9708-019B960494DF}">
-                <a14:hiddenLine xmlns:a14="http://schemas.microsoft.com/office/drawing/2010/main" w="9525">
-                  <a:solidFill>
-                    <a:srgbClr val="000000"/>
-                  </a:solidFill>
-                  <a:miter lim="800000"/>
-                  <a:headEnd/>
-                  <a:tailEnd/>
-                </a14:hiddenLine>
-              </a:ext>
-            </a:extLst>
-          </p:spPr>
-          <p:txBody>
-            <a:bodyPr wrap="square">
-              <a:spAutoFit/>
-            </a:bodyPr>
-            <a:lstStyle>
-              <a:lvl1pPr>
-                <a:defRPr>
-                  <a:solidFill>
-                    <a:schemeClr val="tx1"/>
-                  </a:solidFill>
-                  <a:latin typeface="Calibri" panose="020F0502020204030204" pitchFamily="34" charset="0"/>
-                </a:defRPr>
-              </a:lvl1pPr>
-              <a:lvl2pPr marL="742950" indent="-285750">
-                <a:defRPr>
-                  <a:solidFill>
-                    <a:schemeClr val="tx1"/>
-                  </a:solidFill>
-                  <a:latin typeface="Calibri" panose="020F0502020204030204" pitchFamily="34" charset="0"/>
-                </a:defRPr>
-              </a:lvl2pPr>
-              <a:lvl3pPr marL="1143000" indent="-228600">
-                <a:defRPr>
-                  <a:solidFill>
-                    <a:schemeClr val="tx1"/>
-                  </a:solidFill>
-                  <a:latin typeface="Calibri" panose="020F0502020204030204" pitchFamily="34" charset="0"/>
-                </a:defRPr>
-              </a:lvl3pPr>
-              <a:lvl4pPr marL="1600200" indent="-228600">
-                <a:defRPr>
-                  <a:solidFill>
-                    <a:schemeClr val="tx1"/>
-                  </a:solidFill>
-                  <a:latin typeface="Calibri" panose="020F0502020204030204" pitchFamily="34" charset="0"/>
-                </a:defRPr>
-              </a:lvl4pPr>
-              <a:lvl5pPr marL="2057400" indent="-228600">
-                <a:defRPr>
-                  <a:solidFill>
-                    <a:schemeClr val="tx1"/>
-                  </a:solidFill>
-                  <a:latin typeface="Calibri" panose="020F0502020204030204" pitchFamily="34" charset="0"/>
-                </a:defRPr>
-              </a:lvl5pPr>
-              <a:lvl6pPr marL="2514600" indent="-228600" eaLnBrk="0" fontAlgn="base" hangingPunct="0">
-                <a:spcBef>
-                  <a:spcPct val="0"/>
-                </a:spcBef>
-                <a:spcAft>
-                  <a:spcPct val="0"/>
-                </a:spcAft>
-                <a:defRPr>
-                  <a:solidFill>
-                    <a:schemeClr val="tx1"/>
-                  </a:solidFill>
-                  <a:latin typeface="Calibri" panose="020F0502020204030204" pitchFamily="34" charset="0"/>
-                </a:defRPr>
-              </a:lvl6pPr>
-              <a:lvl7pPr marL="2971800" indent="-228600" eaLnBrk="0" fontAlgn="base" hangingPunct="0">
-                <a:spcBef>
-                  <a:spcPct val="0"/>
-                </a:spcBef>
-                <a:spcAft>
-                  <a:spcPct val="0"/>
-                </a:spcAft>
-                <a:defRPr>
-                  <a:solidFill>
-                    <a:schemeClr val="tx1"/>
-                  </a:solidFill>
-                  <a:latin typeface="Calibri" panose="020F0502020204030204" pitchFamily="34" charset="0"/>
-                </a:defRPr>
-              </a:lvl7pPr>
-              <a:lvl8pPr marL="3429000" indent="-228600" eaLnBrk="0" fontAlgn="base" hangingPunct="0">
-                <a:spcBef>
-                  <a:spcPct val="0"/>
-                </a:spcBef>
-                <a:spcAft>
-                  <a:spcPct val="0"/>
-                </a:spcAft>
-                <a:defRPr>
-                  <a:solidFill>
-                    <a:schemeClr val="tx1"/>
-                  </a:solidFill>
-                  <a:latin typeface="Calibri" panose="020F0502020204030204" pitchFamily="34" charset="0"/>
-                </a:defRPr>
-              </a:lvl8pPr>
-              <a:lvl9pPr marL="3886200" indent="-228600" eaLnBrk="0" fontAlgn="base" hangingPunct="0">
-                <a:spcBef>
-                  <a:spcPct val="0"/>
-                </a:spcBef>
-                <a:spcAft>
-                  <a:spcPct val="0"/>
-                </a:spcAft>
-                <a:defRPr>
-                  <a:solidFill>
-                    <a:schemeClr val="tx1"/>
-                  </a:solidFill>
-                  <a:latin typeface="Calibri" panose="020F0502020204030204" pitchFamily="34" charset="0"/>
-                </a:defRPr>
-              </a:lvl9pPr>
-            </a:lstStyle>
-            <a:p>
-              <a:pPr algn="ctr" eaLnBrk="1" hangingPunct="1"/>
-              <a:r>
-                <a:rPr lang="en-US" altLang="en-US" sz="1000" dirty="0">
-                  <a:latin typeface="Arial" panose="020B0604020202020204" pitchFamily="34" charset="0"/>
-                  <a:ea typeface="Amazon Ember" panose="020B0603020204020204" pitchFamily="34" charset="0"/>
-                  <a:cs typeface="Arial" panose="020B0604020202020204" pitchFamily="34" charset="0"/>
-                </a:rPr>
-                <a:t>Amazon ECR</a:t>
-              </a:r>
-            </a:p>
-          </p:txBody>
-        </p:sp>
-      </p:grpSp>
-      <p:grpSp>
-        <p:nvGrpSpPr>
-          <p:cNvPr id="37" name="그룹 36">
-            <a:extLst>
-              <a:ext uri="{FF2B5EF4-FFF2-40B4-BE49-F238E27FC236}">
-                <a16:creationId xmlns:a16="http://schemas.microsoft.com/office/drawing/2014/main" id="{F1F26E98-06A2-3DB9-0F6A-42E1380A607E}"/>
-              </a:ext>
-            </a:extLst>
-          </p:cNvPr>
-          <p:cNvGrpSpPr/>
-          <p:nvPr/>
-        </p:nvGrpSpPr>
-        <p:grpSpPr>
-          <a:xfrm>
-            <a:off x="2220715" y="2386161"/>
-            <a:ext cx="1509149" cy="461665"/>
-            <a:chOff x="-1330322" y="4106679"/>
-            <a:chExt cx="1509149" cy="461665"/>
-          </a:xfrm>
-        </p:grpSpPr>
-        <p:pic>
-          <p:nvPicPr>
-            <p:cNvPr id="38" name="Graphic 18">
-              <a:extLst>
-                <a:ext uri="{FF2B5EF4-FFF2-40B4-BE49-F238E27FC236}">
-                  <a16:creationId xmlns:a16="http://schemas.microsoft.com/office/drawing/2014/main" id="{3E24EF4B-324F-4B80-42D5-52C4F8EB1141}"/>
-                </a:ext>
-              </a:extLst>
-            </p:cNvPr>
-            <p:cNvPicPr>
-              <a:picLocks noChangeAspect="1" noChangeArrowheads="1"/>
-            </p:cNvPicPr>
-            <p:nvPr/>
-          </p:nvPicPr>
-          <p:blipFill>
-            <a:blip r:embed="rId21">
-              <a:extLst>
-                <a:ext uri="{96DAC541-7B7A-43D3-8B79-37D633B846F1}">
-                  <asvg:svgBlip xmlns:asvg="http://schemas.microsoft.com/office/drawing/2016/SVG/main" r:embed="rId22"/>
-                </a:ext>
-              </a:extLst>
-            </a:blip>
-            <a:srcRect/>
-            <a:stretch/>
-          </p:blipFill>
-          <p:spPr bwMode="auto">
-            <a:xfrm>
-              <a:off x="-1330322" y="4106679"/>
-              <a:ext cx="461665" cy="461665"/>
-            </a:xfrm>
-            <a:prstGeom prst="rect">
-              <a:avLst/>
-            </a:prstGeom>
-            <a:noFill/>
-            <a:ln>
-              <a:noFill/>
-            </a:ln>
-            <a:extLst>
-              <a:ext uri="{909E8E84-426E-40DD-AFC4-6F175D3DCCD1}">
-                <a14:hiddenFill xmlns:a14="http://schemas.microsoft.com/office/drawing/2010/main">
-                  <a:solidFill>
-                    <a:srgbClr val="FFFFFF"/>
-                  </a:solidFill>
-                </a14:hiddenFill>
-              </a:ext>
-              <a:ext uri="{91240B29-F687-4F45-9708-019B960494DF}">
-                <a14:hiddenLine xmlns:a14="http://schemas.microsoft.com/office/drawing/2010/main" w="9525">
-                  <a:solidFill>
-                    <a:srgbClr val="000000"/>
-                  </a:solidFill>
-                  <a:miter lim="800000"/>
-                  <a:headEnd/>
-                  <a:tailEnd/>
-                </a14:hiddenLine>
-              </a:ext>
-            </a:extLst>
-          </p:spPr>
-        </p:pic>
-        <p:sp>
-          <p:nvSpPr>
-            <p:cNvPr id="39" name="TextBox 24">
-              <a:extLst>
-                <a:ext uri="{FF2B5EF4-FFF2-40B4-BE49-F238E27FC236}">
-                  <a16:creationId xmlns:a16="http://schemas.microsoft.com/office/drawing/2014/main" id="{7E2EA1BE-5D4F-FEED-5670-87A5907E80F5}"/>
-                </a:ext>
-              </a:extLst>
-            </p:cNvPr>
-            <p:cNvSpPr txBox="1">
-              <a:spLocks noChangeArrowheads="1"/>
-            </p:cNvSpPr>
-            <p:nvPr/>
-          </p:nvSpPr>
-          <p:spPr bwMode="auto">
-            <a:xfrm>
-              <a:off x="-1013235" y="4151026"/>
-              <a:ext cx="1192062" cy="246221"/>
-            </a:xfrm>
-            <a:prstGeom prst="rect">
-              <a:avLst/>
-            </a:prstGeom>
-            <a:noFill/>
-            <a:ln>
-              <a:noFill/>
-            </a:ln>
-            <a:extLst>
-              <a:ext uri="{909E8E84-426E-40DD-AFC4-6F175D3DCCD1}">
-                <a14:hiddenFill xmlns:a14="http://schemas.microsoft.com/office/drawing/2010/main">
-                  <a:solidFill>
-                    <a:srgbClr val="FFFFFF"/>
-                  </a:solidFill>
-                </a14:hiddenFill>
-              </a:ext>
-              <a:ext uri="{91240B29-F687-4F45-9708-019B960494DF}">
-                <a14:hiddenLine xmlns:a14="http://schemas.microsoft.com/office/drawing/2010/main" w="9525">
-                  <a:solidFill>
-                    <a:srgbClr val="000000"/>
-                  </a:solidFill>
-                  <a:miter lim="800000"/>
-                  <a:headEnd/>
-                  <a:tailEnd/>
-                </a14:hiddenLine>
-              </a:ext>
-            </a:extLst>
-          </p:spPr>
-          <p:txBody>
-            <a:bodyPr wrap="square">
-              <a:spAutoFit/>
-            </a:bodyPr>
-            <a:lstStyle>
-              <a:lvl1pPr>
-                <a:defRPr>
-                  <a:solidFill>
-                    <a:schemeClr val="tx1"/>
-                  </a:solidFill>
-                  <a:latin typeface="Calibri" panose="020F0502020204030204" pitchFamily="34" charset="0"/>
-                </a:defRPr>
-              </a:lvl1pPr>
-              <a:lvl2pPr marL="742950" indent="-285750">
-                <a:defRPr>
-                  <a:solidFill>
-                    <a:schemeClr val="tx1"/>
-                  </a:solidFill>
-                  <a:latin typeface="Calibri" panose="020F0502020204030204" pitchFamily="34" charset="0"/>
-                </a:defRPr>
-              </a:lvl2pPr>
-              <a:lvl3pPr marL="1143000" indent="-228600">
-                <a:defRPr>
-                  <a:solidFill>
-                    <a:schemeClr val="tx1"/>
-                  </a:solidFill>
-                  <a:latin typeface="Calibri" panose="020F0502020204030204" pitchFamily="34" charset="0"/>
-                </a:defRPr>
-              </a:lvl3pPr>
-              <a:lvl4pPr marL="1600200" indent="-228600">
-                <a:defRPr>
-                  <a:solidFill>
-                    <a:schemeClr val="tx1"/>
-                  </a:solidFill>
-                  <a:latin typeface="Calibri" panose="020F0502020204030204" pitchFamily="34" charset="0"/>
-                </a:defRPr>
-              </a:lvl4pPr>
-              <a:lvl5pPr marL="2057400" indent="-228600">
-                <a:defRPr>
-                  <a:solidFill>
-                    <a:schemeClr val="tx1"/>
-                  </a:solidFill>
-                  <a:latin typeface="Calibri" panose="020F0502020204030204" pitchFamily="34" charset="0"/>
-                </a:defRPr>
-              </a:lvl5pPr>
-              <a:lvl6pPr marL="2514600" indent="-228600" eaLnBrk="0" fontAlgn="base" hangingPunct="0">
-                <a:spcBef>
-                  <a:spcPct val="0"/>
-                </a:spcBef>
-                <a:spcAft>
-                  <a:spcPct val="0"/>
-                </a:spcAft>
-                <a:defRPr>
-                  <a:solidFill>
-                    <a:schemeClr val="tx1"/>
-                  </a:solidFill>
-                  <a:latin typeface="Calibri" panose="020F0502020204030204" pitchFamily="34" charset="0"/>
-                </a:defRPr>
-              </a:lvl6pPr>
-              <a:lvl7pPr marL="2971800" indent="-228600" eaLnBrk="0" fontAlgn="base" hangingPunct="0">
-                <a:spcBef>
-                  <a:spcPct val="0"/>
-                </a:spcBef>
-                <a:spcAft>
-                  <a:spcPct val="0"/>
-                </a:spcAft>
-                <a:defRPr>
-                  <a:solidFill>
-                    <a:schemeClr val="tx1"/>
-                  </a:solidFill>
-                  <a:latin typeface="Calibri" panose="020F0502020204030204" pitchFamily="34" charset="0"/>
-                </a:defRPr>
-              </a:lvl7pPr>
-              <a:lvl8pPr marL="3429000" indent="-228600" eaLnBrk="0" fontAlgn="base" hangingPunct="0">
-                <a:spcBef>
-                  <a:spcPct val="0"/>
-                </a:spcBef>
-                <a:spcAft>
-                  <a:spcPct val="0"/>
-                </a:spcAft>
-                <a:defRPr>
-                  <a:solidFill>
-                    <a:schemeClr val="tx1"/>
-                  </a:solidFill>
-                  <a:latin typeface="Calibri" panose="020F0502020204030204" pitchFamily="34" charset="0"/>
-                </a:defRPr>
-              </a:lvl8pPr>
-              <a:lvl9pPr marL="3886200" indent="-228600" eaLnBrk="0" fontAlgn="base" hangingPunct="0">
-                <a:spcBef>
-                  <a:spcPct val="0"/>
-                </a:spcBef>
-                <a:spcAft>
-                  <a:spcPct val="0"/>
-                </a:spcAft>
-                <a:defRPr>
-                  <a:solidFill>
-                    <a:schemeClr val="tx1"/>
-                  </a:solidFill>
-                  <a:latin typeface="Calibri" panose="020F0502020204030204" pitchFamily="34" charset="0"/>
-                </a:defRPr>
-              </a:lvl9pPr>
-            </a:lstStyle>
-            <a:p>
-              <a:pPr algn="ctr" eaLnBrk="1" hangingPunct="1"/>
-              <a:r>
-                <a:rPr lang="en-US" altLang="en-US" sz="1000" dirty="0">
-                  <a:latin typeface="Arial" panose="020B0604020202020204" pitchFamily="34" charset="0"/>
-                  <a:ea typeface="Amazon Ember" panose="020B0603020204020204" pitchFamily="34" charset="0"/>
-                  <a:cs typeface="Arial" panose="020B0604020202020204" pitchFamily="34" charset="0"/>
-                </a:rPr>
-                <a:t>Amazon ECS</a:t>
-              </a:r>
-            </a:p>
-          </p:txBody>
-        </p:sp>
-      </p:grpSp>
-      <p:grpSp>
-        <p:nvGrpSpPr>
-          <p:cNvPr id="40" name="그룹 39">
-            <a:extLst>
-              <a:ext uri="{FF2B5EF4-FFF2-40B4-BE49-F238E27FC236}">
-                <a16:creationId xmlns:a16="http://schemas.microsoft.com/office/drawing/2014/main" id="{8032DD2F-6E27-6680-7DD5-4AEECB9E8155}"/>
-              </a:ext>
-            </a:extLst>
-          </p:cNvPr>
-          <p:cNvGrpSpPr/>
-          <p:nvPr/>
-        </p:nvGrpSpPr>
-        <p:grpSpPr>
-          <a:xfrm>
-            <a:off x="3936242" y="4978335"/>
-            <a:ext cx="1186280" cy="558219"/>
-            <a:chOff x="123753" y="1328762"/>
-            <a:chExt cx="1186280" cy="558219"/>
-          </a:xfrm>
-        </p:grpSpPr>
-        <p:pic>
-          <p:nvPicPr>
-            <p:cNvPr id="41" name="Graphic 14">
-              <a:extLst>
-                <a:ext uri="{FF2B5EF4-FFF2-40B4-BE49-F238E27FC236}">
-                  <a16:creationId xmlns:a16="http://schemas.microsoft.com/office/drawing/2014/main" id="{9E1B9DFE-1570-AC62-3BEB-02B7D69B1F0A}"/>
-                </a:ext>
-              </a:extLst>
-            </p:cNvPr>
-            <p:cNvPicPr>
-              <a:picLocks noChangeAspect="1" noChangeArrowheads="1"/>
-            </p:cNvPicPr>
-            <p:nvPr/>
-          </p:nvPicPr>
-          <p:blipFill>
-            <a:blip r:embed="rId23">
-              <a:extLst>
-                <a:ext uri="{96DAC541-7B7A-43D3-8B79-37D633B846F1}">
-                  <asvg:svgBlip xmlns:asvg="http://schemas.microsoft.com/office/drawing/2016/SVG/main" r:embed="rId24"/>
-                </a:ext>
-              </a:extLst>
-            </a:blip>
-            <a:srcRect/>
-            <a:stretch/>
-          </p:blipFill>
-          <p:spPr bwMode="auto">
-            <a:xfrm>
-              <a:off x="548520" y="1328762"/>
-              <a:ext cx="360000" cy="360000"/>
-            </a:xfrm>
-            <a:prstGeom prst="rect">
-              <a:avLst/>
-            </a:prstGeom>
-            <a:noFill/>
-            <a:ln>
-              <a:noFill/>
-            </a:ln>
-            <a:extLst>
-              <a:ext uri="{909E8E84-426E-40DD-AFC4-6F175D3DCCD1}">
-                <a14:hiddenFill xmlns:a14="http://schemas.microsoft.com/office/drawing/2010/main">
-                  <a:solidFill>
-                    <a:srgbClr val="FFFFFF"/>
-                  </a:solidFill>
-                </a14:hiddenFill>
-              </a:ext>
-              <a:ext uri="{91240B29-F687-4F45-9708-019B960494DF}">
-                <a14:hiddenLine xmlns:a14="http://schemas.microsoft.com/office/drawing/2010/main" w="9525">
-                  <a:solidFill>
-                    <a:srgbClr val="000000"/>
-                  </a:solidFill>
-                  <a:miter lim="800000"/>
-                  <a:headEnd/>
-                  <a:tailEnd/>
-                </a14:hiddenLine>
-              </a:ext>
-            </a:extLst>
-          </p:spPr>
-        </p:pic>
-        <p:sp>
-          <p:nvSpPr>
-            <p:cNvPr id="42" name="TextBox 12">
-              <a:extLst>
-                <a:ext uri="{FF2B5EF4-FFF2-40B4-BE49-F238E27FC236}">
-                  <a16:creationId xmlns:a16="http://schemas.microsoft.com/office/drawing/2014/main" id="{AD7B857C-E55A-8014-C59F-23BDE5030B60}"/>
-                </a:ext>
-              </a:extLst>
-            </p:cNvPr>
-            <p:cNvSpPr txBox="1">
-              <a:spLocks noChangeArrowheads="1"/>
-            </p:cNvSpPr>
-            <p:nvPr/>
-          </p:nvSpPr>
-          <p:spPr bwMode="auto">
-            <a:xfrm>
-              <a:off x="123753" y="1640760"/>
-              <a:ext cx="1186280" cy="246221"/>
-            </a:xfrm>
-            <a:prstGeom prst="rect">
-              <a:avLst/>
-            </a:prstGeom>
-            <a:noFill/>
-            <a:ln>
-              <a:noFill/>
-            </a:ln>
-            <a:extLst>
-              <a:ext uri="{909E8E84-426E-40DD-AFC4-6F175D3DCCD1}">
-                <a14:hiddenFill xmlns:a14="http://schemas.microsoft.com/office/drawing/2010/main">
-                  <a:solidFill>
-                    <a:srgbClr val="FFFFFF"/>
-                  </a:solidFill>
-                </a14:hiddenFill>
-              </a:ext>
-              <a:ext uri="{91240B29-F687-4F45-9708-019B960494DF}">
-                <a14:hiddenLine xmlns:a14="http://schemas.microsoft.com/office/drawing/2010/main" w="9525">
-                  <a:solidFill>
-                    <a:srgbClr val="000000"/>
-                  </a:solidFill>
-                  <a:miter lim="800000"/>
-                  <a:headEnd/>
-                  <a:tailEnd/>
-                </a14:hiddenLine>
-              </a:ext>
-            </a:extLst>
-          </p:spPr>
-          <p:txBody>
-            <a:bodyPr wrap="square">
-              <a:spAutoFit/>
-            </a:bodyPr>
-            <a:lstStyle>
-              <a:lvl1pPr>
-                <a:defRPr>
-                  <a:solidFill>
-                    <a:schemeClr val="tx1"/>
-                  </a:solidFill>
-                  <a:latin typeface="Calibri" panose="020F0502020204030204" pitchFamily="34" charset="0"/>
-                </a:defRPr>
-              </a:lvl1pPr>
-              <a:lvl2pPr marL="742950" indent="-285750">
-                <a:defRPr>
-                  <a:solidFill>
-                    <a:schemeClr val="tx1"/>
-                  </a:solidFill>
-                  <a:latin typeface="Calibri" panose="020F0502020204030204" pitchFamily="34" charset="0"/>
-                </a:defRPr>
-              </a:lvl2pPr>
-              <a:lvl3pPr marL="1143000" indent="-228600">
-                <a:defRPr>
-                  <a:solidFill>
-                    <a:schemeClr val="tx1"/>
-                  </a:solidFill>
-                  <a:latin typeface="Calibri" panose="020F0502020204030204" pitchFamily="34" charset="0"/>
-                </a:defRPr>
-              </a:lvl3pPr>
-              <a:lvl4pPr marL="1600200" indent="-228600">
-                <a:defRPr>
-                  <a:solidFill>
-                    <a:schemeClr val="tx1"/>
-                  </a:solidFill>
-                  <a:latin typeface="Calibri" panose="020F0502020204030204" pitchFamily="34" charset="0"/>
-                </a:defRPr>
-              </a:lvl4pPr>
-              <a:lvl5pPr marL="2057400" indent="-228600">
-                <a:defRPr>
-                  <a:solidFill>
-                    <a:schemeClr val="tx1"/>
-                  </a:solidFill>
-                  <a:latin typeface="Calibri" panose="020F0502020204030204" pitchFamily="34" charset="0"/>
-                </a:defRPr>
-              </a:lvl5pPr>
-              <a:lvl6pPr marL="2514600" indent="-228600" eaLnBrk="0" fontAlgn="base" hangingPunct="0">
-                <a:spcBef>
-                  <a:spcPct val="0"/>
-                </a:spcBef>
-                <a:spcAft>
-                  <a:spcPct val="0"/>
-                </a:spcAft>
-                <a:defRPr>
-                  <a:solidFill>
-                    <a:schemeClr val="tx1"/>
-                  </a:solidFill>
-                  <a:latin typeface="Calibri" panose="020F0502020204030204" pitchFamily="34" charset="0"/>
-                </a:defRPr>
-              </a:lvl6pPr>
-              <a:lvl7pPr marL="2971800" indent="-228600" eaLnBrk="0" fontAlgn="base" hangingPunct="0">
-                <a:spcBef>
-                  <a:spcPct val="0"/>
-                </a:spcBef>
-                <a:spcAft>
-                  <a:spcPct val="0"/>
-                </a:spcAft>
-                <a:defRPr>
-                  <a:solidFill>
-                    <a:schemeClr val="tx1"/>
-                  </a:solidFill>
-                  <a:latin typeface="Calibri" panose="020F0502020204030204" pitchFamily="34" charset="0"/>
-                </a:defRPr>
-              </a:lvl7pPr>
-              <a:lvl8pPr marL="3429000" indent="-228600" eaLnBrk="0" fontAlgn="base" hangingPunct="0">
-                <a:spcBef>
-                  <a:spcPct val="0"/>
-                </a:spcBef>
-                <a:spcAft>
-                  <a:spcPct val="0"/>
-                </a:spcAft>
-                <a:defRPr>
-                  <a:solidFill>
-                    <a:schemeClr val="tx1"/>
-                  </a:solidFill>
-                  <a:latin typeface="Calibri" panose="020F0502020204030204" pitchFamily="34" charset="0"/>
-                </a:defRPr>
-              </a:lvl8pPr>
-              <a:lvl9pPr marL="3886200" indent="-228600" eaLnBrk="0" fontAlgn="base" hangingPunct="0">
-                <a:spcBef>
-                  <a:spcPct val="0"/>
-                </a:spcBef>
-                <a:spcAft>
-                  <a:spcPct val="0"/>
-                </a:spcAft>
-                <a:defRPr>
-                  <a:solidFill>
-                    <a:schemeClr val="tx1"/>
-                  </a:solidFill>
-                  <a:latin typeface="Calibri" panose="020F0502020204030204" pitchFamily="34" charset="0"/>
-                </a:defRPr>
-              </a:lvl9pPr>
-            </a:lstStyle>
-            <a:p>
-              <a:pPr algn="ctr" eaLnBrk="1" hangingPunct="1"/>
-              <a:r>
-                <a:rPr lang="en-US" altLang="en-US" sz="1000" dirty="0">
-                  <a:latin typeface="Arial" panose="020B0604020202020204" pitchFamily="34" charset="0"/>
-                  <a:ea typeface="Amazon Ember" panose="020B0603020204020204" pitchFamily="34" charset="0"/>
-                  <a:cs typeface="Arial" panose="020B0604020202020204" pitchFamily="34" charset="0"/>
-                </a:rPr>
-                <a:t>AWS </a:t>
-              </a:r>
-              <a:r>
-                <a:rPr lang="en-US" altLang="en-US" sz="1000" dirty="0" err="1">
-                  <a:latin typeface="Arial" panose="020B0604020202020204" pitchFamily="34" charset="0"/>
-                  <a:ea typeface="Amazon Ember" panose="020B0603020204020204" pitchFamily="34" charset="0"/>
-                  <a:cs typeface="Arial" panose="020B0604020202020204" pitchFamily="34" charset="0"/>
-                </a:rPr>
-                <a:t>Fargate</a:t>
-              </a:r>
-              <a:endParaRPr lang="en-US" altLang="en-US" sz="1000" dirty="0">
-                <a:latin typeface="Arial" panose="020B0604020202020204" pitchFamily="34" charset="0"/>
-                <a:ea typeface="Amazon Ember" panose="020B0603020204020204" pitchFamily="34" charset="0"/>
-                <a:cs typeface="Arial" panose="020B0604020202020204" pitchFamily="34" charset="0"/>
-              </a:endParaRPr>
-            </a:p>
-          </p:txBody>
-        </p:sp>
-      </p:grpSp>
-      <p:grpSp>
-        <p:nvGrpSpPr>
-          <p:cNvPr id="43" name="그룹 42">
-            <a:extLst>
-              <a:ext uri="{FF2B5EF4-FFF2-40B4-BE49-F238E27FC236}">
-                <a16:creationId xmlns:a16="http://schemas.microsoft.com/office/drawing/2014/main" id="{8E074C36-5241-0A97-2203-3345A996638F}"/>
-              </a:ext>
-            </a:extLst>
-          </p:cNvPr>
-          <p:cNvGrpSpPr/>
-          <p:nvPr/>
-        </p:nvGrpSpPr>
-        <p:grpSpPr>
-          <a:xfrm>
-            <a:off x="8333677" y="4199333"/>
-            <a:ext cx="1167279" cy="707886"/>
-            <a:chOff x="548860" y="3785963"/>
-            <a:chExt cx="1167279" cy="707886"/>
-          </a:xfrm>
-        </p:grpSpPr>
-        <p:pic>
-          <p:nvPicPr>
-            <p:cNvPr id="44" name="Graphic 6">
-              <a:extLst>
-                <a:ext uri="{FF2B5EF4-FFF2-40B4-BE49-F238E27FC236}">
-                  <a16:creationId xmlns:a16="http://schemas.microsoft.com/office/drawing/2014/main" id="{45E3966F-BBE6-6DA4-402C-F6A3A42050D7}"/>
-                </a:ext>
-              </a:extLst>
-            </p:cNvPr>
-            <p:cNvPicPr>
-              <a:picLocks noChangeAspect="1" noChangeArrowheads="1"/>
-            </p:cNvPicPr>
-            <p:nvPr/>
-          </p:nvPicPr>
-          <p:blipFill>
-            <a:blip r:embed="rId25">
-              <a:extLst>
-                <a:ext uri="{96DAC541-7B7A-43D3-8B79-37D633B846F1}">
-                  <asvg:svgBlip xmlns:asvg="http://schemas.microsoft.com/office/drawing/2016/SVG/main" r:embed="rId26"/>
-                </a:ext>
-              </a:extLst>
-            </a:blip>
-            <a:srcRect/>
-            <a:stretch/>
-          </p:blipFill>
-          <p:spPr bwMode="auto">
-            <a:xfrm>
-              <a:off x="938716" y="3785963"/>
-              <a:ext cx="461665" cy="461665"/>
-            </a:xfrm>
-            <a:prstGeom prst="rect">
-              <a:avLst/>
-            </a:prstGeom>
-            <a:noFill/>
-            <a:ln>
-              <a:noFill/>
-            </a:ln>
-            <a:extLst>
-              <a:ext uri="{909E8E84-426E-40DD-AFC4-6F175D3DCCD1}">
-                <a14:hiddenFill xmlns:a14="http://schemas.microsoft.com/office/drawing/2010/main">
-                  <a:solidFill>
-                    <a:srgbClr val="FFFFFF"/>
-                  </a:solidFill>
-                </a14:hiddenFill>
-              </a:ext>
-              <a:ext uri="{91240B29-F687-4F45-9708-019B960494DF}">
-                <a14:hiddenLine xmlns:a14="http://schemas.microsoft.com/office/drawing/2010/main" w="9525">
-                  <a:solidFill>
-                    <a:srgbClr val="000000"/>
-                  </a:solidFill>
-                  <a:miter lim="800000"/>
-                  <a:headEnd/>
-                  <a:tailEnd/>
-                </a14:hiddenLine>
-              </a:ext>
-            </a:extLst>
-          </p:spPr>
-        </p:pic>
-        <p:sp>
-          <p:nvSpPr>
-            <p:cNvPr id="45" name="TextBox 9">
-              <a:extLst>
-                <a:ext uri="{FF2B5EF4-FFF2-40B4-BE49-F238E27FC236}">
-                  <a16:creationId xmlns:a16="http://schemas.microsoft.com/office/drawing/2014/main" id="{7585031A-0846-45D1-03C7-6BB6EA1AEF83}"/>
-                </a:ext>
-              </a:extLst>
-            </p:cNvPr>
-            <p:cNvSpPr txBox="1">
-              <a:spLocks noChangeArrowheads="1"/>
-            </p:cNvSpPr>
-            <p:nvPr/>
-          </p:nvSpPr>
-          <p:spPr bwMode="auto">
-            <a:xfrm>
-              <a:off x="548860" y="4247628"/>
-              <a:ext cx="1167279" cy="246221"/>
-            </a:xfrm>
-            <a:prstGeom prst="rect">
-              <a:avLst/>
-            </a:prstGeom>
-            <a:noFill/>
-            <a:ln>
-              <a:noFill/>
-            </a:ln>
-            <a:extLst>
-              <a:ext uri="{909E8E84-426E-40DD-AFC4-6F175D3DCCD1}">
-                <a14:hiddenFill xmlns:a14="http://schemas.microsoft.com/office/drawing/2010/main">
-                  <a:solidFill>
-                    <a:srgbClr val="FFFFFF"/>
-                  </a:solidFill>
-                </a14:hiddenFill>
-              </a:ext>
-              <a:ext uri="{91240B29-F687-4F45-9708-019B960494DF}">
-                <a14:hiddenLine xmlns:a14="http://schemas.microsoft.com/office/drawing/2010/main" w="9525">
-                  <a:solidFill>
-                    <a:srgbClr val="000000"/>
-                  </a:solidFill>
-                  <a:miter lim="800000"/>
-                  <a:headEnd/>
-                  <a:tailEnd/>
-                </a14:hiddenLine>
-              </a:ext>
-            </a:extLst>
-          </p:spPr>
-          <p:txBody>
-            <a:bodyPr wrap="square">
-              <a:spAutoFit/>
-            </a:bodyPr>
-            <a:lstStyle>
-              <a:lvl1pPr>
-                <a:defRPr>
-                  <a:solidFill>
-                    <a:schemeClr val="tx1"/>
-                  </a:solidFill>
-                  <a:latin typeface="Calibri" panose="020F0502020204030204" pitchFamily="34" charset="0"/>
-                </a:defRPr>
-              </a:lvl1pPr>
-              <a:lvl2pPr marL="742950" indent="-285750">
-                <a:defRPr>
-                  <a:solidFill>
-                    <a:schemeClr val="tx1"/>
-                  </a:solidFill>
-                  <a:latin typeface="Calibri" panose="020F0502020204030204" pitchFamily="34" charset="0"/>
-                </a:defRPr>
-              </a:lvl2pPr>
-              <a:lvl3pPr marL="1143000" indent="-228600">
-                <a:defRPr>
-                  <a:solidFill>
-                    <a:schemeClr val="tx1"/>
-                  </a:solidFill>
-                  <a:latin typeface="Calibri" panose="020F0502020204030204" pitchFamily="34" charset="0"/>
-                </a:defRPr>
-              </a:lvl3pPr>
-              <a:lvl4pPr marL="1600200" indent="-228600">
-                <a:defRPr>
-                  <a:solidFill>
-                    <a:schemeClr val="tx1"/>
-                  </a:solidFill>
-                  <a:latin typeface="Calibri" panose="020F0502020204030204" pitchFamily="34" charset="0"/>
-                </a:defRPr>
-              </a:lvl4pPr>
-              <a:lvl5pPr marL="2057400" indent="-228600">
-                <a:defRPr>
-                  <a:solidFill>
-                    <a:schemeClr val="tx1"/>
-                  </a:solidFill>
-                  <a:latin typeface="Calibri" panose="020F0502020204030204" pitchFamily="34" charset="0"/>
-                </a:defRPr>
-              </a:lvl5pPr>
-              <a:lvl6pPr marL="2514600" indent="-228600" eaLnBrk="0" fontAlgn="base" hangingPunct="0">
-                <a:spcBef>
-                  <a:spcPct val="0"/>
-                </a:spcBef>
-                <a:spcAft>
-                  <a:spcPct val="0"/>
-                </a:spcAft>
-                <a:defRPr>
-                  <a:solidFill>
-                    <a:schemeClr val="tx1"/>
-                  </a:solidFill>
-                  <a:latin typeface="Calibri" panose="020F0502020204030204" pitchFamily="34" charset="0"/>
-                </a:defRPr>
-              </a:lvl6pPr>
-              <a:lvl7pPr marL="2971800" indent="-228600" eaLnBrk="0" fontAlgn="base" hangingPunct="0">
-                <a:spcBef>
-                  <a:spcPct val="0"/>
-                </a:spcBef>
-                <a:spcAft>
-                  <a:spcPct val="0"/>
-                </a:spcAft>
-                <a:defRPr>
-                  <a:solidFill>
-                    <a:schemeClr val="tx1"/>
-                  </a:solidFill>
-                  <a:latin typeface="Calibri" panose="020F0502020204030204" pitchFamily="34" charset="0"/>
-                </a:defRPr>
-              </a:lvl7pPr>
-              <a:lvl8pPr marL="3429000" indent="-228600" eaLnBrk="0" fontAlgn="base" hangingPunct="0">
-                <a:spcBef>
-                  <a:spcPct val="0"/>
-                </a:spcBef>
-                <a:spcAft>
-                  <a:spcPct val="0"/>
-                </a:spcAft>
-                <a:defRPr>
-                  <a:solidFill>
-                    <a:schemeClr val="tx1"/>
-                  </a:solidFill>
-                  <a:latin typeface="Calibri" panose="020F0502020204030204" pitchFamily="34" charset="0"/>
-                </a:defRPr>
-              </a:lvl8pPr>
-              <a:lvl9pPr marL="3886200" indent="-228600" eaLnBrk="0" fontAlgn="base" hangingPunct="0">
-                <a:spcBef>
-                  <a:spcPct val="0"/>
-                </a:spcBef>
-                <a:spcAft>
-                  <a:spcPct val="0"/>
-                </a:spcAft>
-                <a:defRPr>
-                  <a:solidFill>
-                    <a:schemeClr val="tx1"/>
-                  </a:solidFill>
-                  <a:latin typeface="Calibri" panose="020F0502020204030204" pitchFamily="34" charset="0"/>
-                </a:defRPr>
-              </a:lvl9pPr>
-            </a:lstStyle>
-            <a:p>
-              <a:pPr algn="ctr" eaLnBrk="1" hangingPunct="1"/>
-              <a:r>
-                <a:rPr lang="en-US" altLang="en-US" sz="1000" dirty="0">
-                  <a:latin typeface="Arial" panose="020B0604020202020204" pitchFamily="34" charset="0"/>
-                  <a:ea typeface="Amazon Ember" panose="020B0603020204020204" pitchFamily="34" charset="0"/>
-                  <a:cs typeface="Arial" panose="020B0604020202020204" pitchFamily="34" charset="0"/>
-                </a:rPr>
-                <a:t>Amazon RDS</a:t>
-              </a:r>
-            </a:p>
-          </p:txBody>
-        </p:sp>
-      </p:grpSp>
-      <p:sp>
-        <p:nvSpPr>
-          <p:cNvPr id="46" name="Rectangle 13">
-            <a:extLst>
-              <a:ext uri="{FF2B5EF4-FFF2-40B4-BE49-F238E27FC236}">
-                <a16:creationId xmlns:a16="http://schemas.microsoft.com/office/drawing/2014/main" id="{F1FA6F23-85A7-63A1-57D8-18D81563107F}"/>
-              </a:ext>
-            </a:extLst>
-          </p:cNvPr>
-          <p:cNvSpPr/>
-          <p:nvPr/>
-        </p:nvSpPr>
-        <p:spPr>
-          <a:xfrm>
-            <a:off x="2228271" y="2391618"/>
-            <a:ext cx="5117947" cy="3130925"/>
-          </a:xfrm>
-          <a:prstGeom prst="rect">
-            <a:avLst/>
-          </a:prstGeom>
-          <a:noFill/>
-          <a:ln w="15875">
-            <a:solidFill>
-              <a:srgbClr val="D45B07"/>
-            </a:solidFill>
-            <a:prstDash val="dash"/>
-          </a:ln>
-        </p:spPr>
-        <p:style>
-          <a:lnRef idx="2">
-            <a:schemeClr val="accent1">
-              <a:shade val="50000"/>
-            </a:schemeClr>
-          </a:lnRef>
-          <a:fillRef idx="1">
-            <a:schemeClr val="accent1"/>
-          </a:fillRef>
-          <a:effectRef idx="0">
-            <a:schemeClr val="accent1"/>
-          </a:effectRef>
-          <a:fontRef idx="minor">
-            <a:schemeClr val="lt1"/>
-          </a:fontRef>
-        </p:style>
-        <p:txBody>
-          <a:bodyPr tIns="91440"/>
-          <a:lstStyle/>
-          <a:p>
-            <a:pPr algn="ctr" eaLnBrk="1" fontAlgn="auto" hangingPunct="1">
-              <a:spcBef>
-                <a:spcPts val="0"/>
-              </a:spcBef>
-              <a:spcAft>
-                <a:spcPts val="0"/>
-              </a:spcAft>
-              <a:defRPr/>
-            </a:pPr>
-            <a:endParaRPr lang="en-US" sz="1200" dirty="0">
-              <a:solidFill>
-                <a:schemeClr val="tx1"/>
-              </a:solidFill>
-              <a:latin typeface="Arial" panose="020B0604020202020204" pitchFamily="34" charset="0"/>
-              <a:cs typeface="Arial" panose="020B0604020202020204" pitchFamily="34" charset="0"/>
+            <a:endParaRPr lang="en-US" altLang="en-US" sz="900" dirty="0">
+              <a:latin typeface="Noto Sans" panose="020B0502040504020204" pitchFamily="34"/>
+              <a:ea typeface="Noto Sans" panose="020B0502040504020204" pitchFamily="34"/>
+              <a:cs typeface="Noto Sans" panose="020B0502040504020204" pitchFamily="34"/>
             </a:endParaRPr>
           </a:p>
         </p:txBody>
       </p:sp>
-      <p:grpSp>
-        <p:nvGrpSpPr>
-          <p:cNvPr id="47" name="그룹 46">
-            <a:extLst>
-              <a:ext uri="{FF2B5EF4-FFF2-40B4-BE49-F238E27FC236}">
-                <a16:creationId xmlns:a16="http://schemas.microsoft.com/office/drawing/2014/main" id="{324B1E0F-17E4-9353-DD4B-4F6F095416CE}"/>
-              </a:ext>
-            </a:extLst>
-          </p:cNvPr>
-          <p:cNvGrpSpPr/>
-          <p:nvPr/>
-        </p:nvGrpSpPr>
-        <p:grpSpPr>
-          <a:xfrm>
-            <a:off x="5159610" y="3862709"/>
-            <a:ext cx="1510201" cy="1254809"/>
-            <a:chOff x="454926" y="2555734"/>
-            <a:chExt cx="1510201" cy="1254809"/>
-          </a:xfrm>
-        </p:grpSpPr>
-        <p:sp>
-          <p:nvSpPr>
-            <p:cNvPr id="48" name="TextBox 31">
-              <a:extLst>
-                <a:ext uri="{FF2B5EF4-FFF2-40B4-BE49-F238E27FC236}">
-                  <a16:creationId xmlns:a16="http://schemas.microsoft.com/office/drawing/2014/main" id="{D6202A16-8E91-9DFB-3499-36BEB4526692}"/>
-                </a:ext>
-              </a:extLst>
-            </p:cNvPr>
-            <p:cNvSpPr txBox="1">
-              <a:spLocks noChangeArrowheads="1"/>
-            </p:cNvSpPr>
-            <p:nvPr/>
-          </p:nvSpPr>
-          <p:spPr bwMode="auto">
-            <a:xfrm>
-              <a:off x="454926" y="3564322"/>
-              <a:ext cx="1510201" cy="246221"/>
-            </a:xfrm>
-            <a:prstGeom prst="rect">
-              <a:avLst/>
-            </a:prstGeom>
-            <a:noFill/>
-            <a:ln>
-              <a:noFill/>
-            </a:ln>
-            <a:extLst>
-              <a:ext uri="{909E8E84-426E-40DD-AFC4-6F175D3DCCD1}">
-                <a14:hiddenFill xmlns:a14="http://schemas.microsoft.com/office/drawing/2010/main">
-                  <a:solidFill>
-                    <a:srgbClr val="FFFFFF"/>
-                  </a:solidFill>
-                </a14:hiddenFill>
-              </a:ext>
-              <a:ext uri="{91240B29-F687-4F45-9708-019B960494DF}">
-                <a14:hiddenLine xmlns:a14="http://schemas.microsoft.com/office/drawing/2010/main" w="9525">
-                  <a:solidFill>
-                    <a:srgbClr val="000000"/>
-                  </a:solidFill>
-                  <a:miter lim="800000"/>
-                  <a:headEnd/>
-                  <a:tailEnd/>
-                </a14:hiddenLine>
-              </a:ext>
-            </a:extLst>
-          </p:spPr>
-          <p:txBody>
-            <a:bodyPr wrap="square">
-              <a:spAutoFit/>
-            </a:bodyPr>
-            <a:lstStyle>
-              <a:lvl1pPr>
-                <a:defRPr>
-                  <a:solidFill>
-                    <a:schemeClr val="tx1"/>
-                  </a:solidFill>
-                  <a:latin typeface="Calibri" panose="020F0502020204030204" pitchFamily="34" charset="0"/>
-                </a:defRPr>
-              </a:lvl1pPr>
-              <a:lvl2pPr marL="742950" indent="-285750">
-                <a:defRPr>
-                  <a:solidFill>
-                    <a:schemeClr val="tx1"/>
-                  </a:solidFill>
-                  <a:latin typeface="Calibri" panose="020F0502020204030204" pitchFamily="34" charset="0"/>
-                </a:defRPr>
-              </a:lvl2pPr>
-              <a:lvl3pPr marL="1143000" indent="-228600">
-                <a:defRPr>
-                  <a:solidFill>
-                    <a:schemeClr val="tx1"/>
-                  </a:solidFill>
-                  <a:latin typeface="Calibri" panose="020F0502020204030204" pitchFamily="34" charset="0"/>
-                </a:defRPr>
-              </a:lvl3pPr>
-              <a:lvl4pPr marL="1600200" indent="-228600">
-                <a:defRPr>
-                  <a:solidFill>
-                    <a:schemeClr val="tx1"/>
-                  </a:solidFill>
-                  <a:latin typeface="Calibri" panose="020F0502020204030204" pitchFamily="34" charset="0"/>
-                </a:defRPr>
-              </a:lvl4pPr>
-              <a:lvl5pPr marL="2057400" indent="-228600">
-                <a:defRPr>
-                  <a:solidFill>
-                    <a:schemeClr val="tx1"/>
-                  </a:solidFill>
-                  <a:latin typeface="Calibri" panose="020F0502020204030204" pitchFamily="34" charset="0"/>
-                </a:defRPr>
-              </a:lvl5pPr>
-              <a:lvl6pPr marL="2514600" indent="-228600" eaLnBrk="0" fontAlgn="base" hangingPunct="0">
-                <a:spcBef>
-                  <a:spcPct val="0"/>
-                </a:spcBef>
-                <a:spcAft>
-                  <a:spcPct val="0"/>
-                </a:spcAft>
-                <a:defRPr>
-                  <a:solidFill>
-                    <a:schemeClr val="tx1"/>
-                  </a:solidFill>
-                  <a:latin typeface="Calibri" panose="020F0502020204030204" pitchFamily="34" charset="0"/>
-                </a:defRPr>
-              </a:lvl6pPr>
-              <a:lvl7pPr marL="2971800" indent="-228600" eaLnBrk="0" fontAlgn="base" hangingPunct="0">
-                <a:spcBef>
-                  <a:spcPct val="0"/>
-                </a:spcBef>
-                <a:spcAft>
-                  <a:spcPct val="0"/>
-                </a:spcAft>
-                <a:defRPr>
-                  <a:solidFill>
-                    <a:schemeClr val="tx1"/>
-                  </a:solidFill>
-                  <a:latin typeface="Calibri" panose="020F0502020204030204" pitchFamily="34" charset="0"/>
-                </a:defRPr>
-              </a:lvl7pPr>
-              <a:lvl8pPr marL="3429000" indent="-228600" eaLnBrk="0" fontAlgn="base" hangingPunct="0">
-                <a:spcBef>
-                  <a:spcPct val="0"/>
-                </a:spcBef>
-                <a:spcAft>
-                  <a:spcPct val="0"/>
-                </a:spcAft>
-                <a:defRPr>
-                  <a:solidFill>
-                    <a:schemeClr val="tx1"/>
-                  </a:solidFill>
-                  <a:latin typeface="Calibri" panose="020F0502020204030204" pitchFamily="34" charset="0"/>
-                </a:defRPr>
-              </a:lvl8pPr>
-              <a:lvl9pPr marL="3886200" indent="-228600" eaLnBrk="0" fontAlgn="base" hangingPunct="0">
-                <a:spcBef>
-                  <a:spcPct val="0"/>
-                </a:spcBef>
-                <a:spcAft>
-                  <a:spcPct val="0"/>
-                </a:spcAft>
-                <a:defRPr>
-                  <a:solidFill>
-                    <a:schemeClr val="tx1"/>
-                  </a:solidFill>
-                  <a:latin typeface="Calibri" panose="020F0502020204030204" pitchFamily="34" charset="0"/>
-                </a:defRPr>
-              </a:lvl9pPr>
-            </a:lstStyle>
-            <a:p>
-              <a:pPr algn="ctr" eaLnBrk="1" hangingPunct="1"/>
-              <a:r>
-                <a:rPr lang="en-US" altLang="ko-KR" sz="1000" dirty="0">
-                  <a:latin typeface="Arial" panose="020B0604020202020204" pitchFamily="34" charset="0"/>
-                  <a:ea typeface="Amazon Ember" panose="020B0603020204020204" pitchFamily="34" charset="0"/>
-                  <a:cs typeface="Arial" panose="020B0604020202020204" pitchFamily="34" charset="0"/>
-                </a:rPr>
-                <a:t>Modeling Task</a:t>
-              </a:r>
-              <a:endParaRPr lang="en-US" altLang="en-US" sz="1000" dirty="0">
-                <a:latin typeface="Arial" panose="020B0604020202020204" pitchFamily="34" charset="0"/>
-                <a:ea typeface="Amazon Ember" panose="020B0603020204020204" pitchFamily="34" charset="0"/>
-                <a:cs typeface="Arial" panose="020B0604020202020204" pitchFamily="34" charset="0"/>
-              </a:endParaRPr>
-            </a:p>
-          </p:txBody>
-        </p:sp>
-        <p:pic>
-          <p:nvPicPr>
-            <p:cNvPr id="49" name="Graphic 30">
-              <a:extLst>
-                <a:ext uri="{FF2B5EF4-FFF2-40B4-BE49-F238E27FC236}">
-                  <a16:creationId xmlns:a16="http://schemas.microsoft.com/office/drawing/2014/main" id="{C0134494-37B4-9E1A-A304-BEF1B7D5B086}"/>
-                </a:ext>
-              </a:extLst>
-            </p:cNvPr>
-            <p:cNvPicPr>
-              <a:picLocks noChangeAspect="1"/>
-            </p:cNvPicPr>
-            <p:nvPr/>
-          </p:nvPicPr>
-          <p:blipFill>
-            <a:blip r:embed="rId27">
-              <a:extLst>
-                <a:ext uri="{96DAC541-7B7A-43D3-8B79-37D633B846F1}">
-                  <asvg:svgBlip xmlns:asvg="http://schemas.microsoft.com/office/drawing/2016/SVG/main" r:embed="rId28"/>
-                </a:ext>
-              </a:extLst>
-            </a:blip>
-            <a:stretch>
-              <a:fillRect/>
-            </a:stretch>
-          </p:blipFill>
-          <p:spPr>
-            <a:xfrm>
-              <a:off x="1053137" y="2555734"/>
-              <a:ext cx="328886" cy="328886"/>
-            </a:xfrm>
-            <a:prstGeom prst="rect">
-              <a:avLst/>
-            </a:prstGeom>
-          </p:spPr>
-        </p:pic>
-      </p:grpSp>
       <p:sp>
         <p:nvSpPr>
-          <p:cNvPr id="50" name="TextBox 11">
+          <p:cNvPr id="172" name="TextBox 11">
             <a:extLst>
               <a:ext uri="{FF2B5EF4-FFF2-40B4-BE49-F238E27FC236}">
                 <a16:creationId xmlns:a16="http://schemas.microsoft.com/office/drawing/2014/main" id="{C976F34B-6C12-787A-D25F-FA21DD63BEE2}"/>
@@ -16810,8 +17862,8 @@
         </p:nvSpPr>
         <p:spPr bwMode="auto">
           <a:xfrm>
-            <a:off x="7219787" y="4039352"/>
-            <a:ext cx="1702500" cy="400110"/>
+            <a:off x="9516051" y="4277665"/>
+            <a:ext cx="1119619" cy="400110"/>
           </a:xfrm>
           <a:prstGeom prst="rect">
             <a:avLst/>
@@ -16973,8 +18025,9 @@
             <a:pPr algn="ctr" eaLnBrk="1" hangingPunct="1"/>
             <a:r>
               <a:rPr lang="en-US" altLang="en-US" sz="1000" dirty="0">
-                <a:latin typeface="Arial" panose="020B0604020202020204" pitchFamily="34" charset="0"/>
-                <a:cs typeface="Arial" panose="020B0604020202020204" pitchFamily="34" charset="0"/>
+                <a:latin typeface="Noto Sans" panose="020B0502040504020204" pitchFamily="34"/>
+                <a:ea typeface="Noto Sans" panose="020B0502040504020204" pitchFamily="34"/>
+                <a:cs typeface="Noto Sans" panose="020B0502040504020204" pitchFamily="34"/>
               </a:rPr>
               <a:t>Insert</a:t>
             </a:r>
@@ -16983,891 +18036,28 @@
             <a:pPr algn="ctr" eaLnBrk="1" hangingPunct="1"/>
             <a:r>
               <a:rPr lang="en-US" altLang="en-US" sz="1000" dirty="0">
-                <a:latin typeface="Arial" panose="020B0604020202020204" pitchFamily="34" charset="0"/>
-                <a:cs typeface="Arial" panose="020B0604020202020204" pitchFamily="34" charset="0"/>
+                <a:latin typeface="Noto Sans" panose="020B0502040504020204" pitchFamily="34"/>
+                <a:ea typeface="Noto Sans" panose="020B0502040504020204" pitchFamily="34"/>
+                <a:cs typeface="Noto Sans" panose="020B0502040504020204" pitchFamily="34"/>
               </a:rPr>
-              <a:t>Analysis result</a:t>
+              <a:t>Analysis </a:t>
             </a:r>
+            <a:r>
+              <a:rPr lang="en-US" altLang="en-US" sz="1000" dirty="0" smtClean="0">
+                <a:latin typeface="Noto Sans" panose="020B0502040504020204" pitchFamily="34"/>
+                <a:ea typeface="Noto Sans" panose="020B0502040504020204" pitchFamily="34"/>
+                <a:cs typeface="Noto Sans" panose="020B0502040504020204" pitchFamily="34"/>
+              </a:rPr>
+              <a:t>Data</a:t>
+            </a:r>
+            <a:endParaRPr lang="en-US" altLang="en-US" sz="1000" dirty="0">
+              <a:latin typeface="Noto Sans" panose="020B0502040504020204" pitchFamily="34"/>
+              <a:ea typeface="Noto Sans" panose="020B0502040504020204" pitchFamily="34"/>
+              <a:cs typeface="Noto Sans" panose="020B0502040504020204" pitchFamily="34"/>
+            </a:endParaRPr>
           </a:p>
         </p:txBody>
       </p:sp>
-      <p:cxnSp>
-        <p:nvCxnSpPr>
-          <p:cNvPr id="51" name="Straight Arrow Connector 20">
-            <a:extLst>
-              <a:ext uri="{FF2B5EF4-FFF2-40B4-BE49-F238E27FC236}">
-                <a16:creationId xmlns:a16="http://schemas.microsoft.com/office/drawing/2014/main" id="{7AF46F8C-4EBC-E776-A1DC-F231786D3A6F}"/>
-              </a:ext>
-            </a:extLst>
-          </p:cNvPr>
-          <p:cNvCxnSpPr>
-            <a:cxnSpLocks/>
-          </p:cNvCxnSpPr>
-          <p:nvPr/>
-        </p:nvCxnSpPr>
-        <p:spPr>
-          <a:xfrm>
-            <a:off x="5323125" y="2178593"/>
-            <a:ext cx="5233595" cy="0"/>
-          </a:xfrm>
-          <a:prstGeom prst="straightConnector1">
-            <a:avLst/>
-          </a:prstGeom>
-          <a:ln w="12700">
-            <a:solidFill>
-              <a:schemeClr val="tx2"/>
-            </a:solidFill>
-            <a:headEnd type="none" w="med" len="med"/>
-            <a:tailEnd type="triangle" w="med" len="med"/>
-          </a:ln>
-        </p:spPr>
-        <p:style>
-          <a:lnRef idx="1">
-            <a:schemeClr val="accent1"/>
-          </a:lnRef>
-          <a:fillRef idx="0">
-            <a:schemeClr val="accent1"/>
-          </a:fillRef>
-          <a:effectRef idx="0">
-            <a:schemeClr val="accent1"/>
-          </a:effectRef>
-          <a:fontRef idx="minor">
-            <a:schemeClr val="tx1"/>
-          </a:fontRef>
-        </p:style>
-      </p:cxnSp>
-      <p:sp>
-        <p:nvSpPr>
-          <p:cNvPr id="52" name="TextBox 11">
-            <a:extLst>
-              <a:ext uri="{FF2B5EF4-FFF2-40B4-BE49-F238E27FC236}">
-                <a16:creationId xmlns:a16="http://schemas.microsoft.com/office/drawing/2014/main" id="{CE7041A9-368F-EC25-2351-60A86BBAC53D}"/>
-              </a:ext>
-            </a:extLst>
-          </p:cNvPr>
-          <p:cNvSpPr txBox="1">
-            <a:spLocks noChangeArrowheads="1"/>
-          </p:cNvSpPr>
-          <p:nvPr/>
-        </p:nvSpPr>
-        <p:spPr bwMode="auto">
-          <a:xfrm>
-            <a:off x="6435873" y="2644980"/>
-            <a:ext cx="2036777" cy="246221"/>
-          </a:xfrm>
-          <a:prstGeom prst="rect">
-            <a:avLst/>
-          </a:prstGeom>
-          <a:noFill/>
-          <a:ln>
-            <a:noFill/>
-          </a:ln>
-          <a:extLst>
-            <a:ext uri="{909E8E84-426E-40DD-AFC4-6F175D3DCCD1}">
-              <a14:hiddenFill xmlns:a14="http://schemas.microsoft.com/office/drawing/2010/main">
-                <a:solidFill>
-                  <a:srgbClr val="FFFFFF"/>
-                </a:solidFill>
-              </a14:hiddenFill>
-            </a:ext>
-            <a:ext uri="{91240B29-F687-4F45-9708-019B960494DF}">
-              <a14:hiddenLine xmlns:a14="http://schemas.microsoft.com/office/drawing/2010/main" w="9525">
-                <a:solidFill>
-                  <a:srgbClr val="000000"/>
-                </a:solidFill>
-                <a:miter lim="800000"/>
-                <a:headEnd/>
-                <a:tailEnd/>
-              </a14:hiddenLine>
-            </a:ext>
-          </a:extLst>
-        </p:spPr>
-        <p:txBody>
-          <a:bodyPr wrap="square">
-            <a:spAutoFit/>
-          </a:bodyPr>
-          <a:lstStyle>
-            <a:defPPr>
-              <a:defRPr lang="en-US"/>
-            </a:defPPr>
-            <a:lvl1pPr algn="l" rtl="0" eaLnBrk="0" fontAlgn="base" hangingPunct="0">
-              <a:spcBef>
-                <a:spcPct val="0"/>
-              </a:spcBef>
-              <a:spcAft>
-                <a:spcPct val="0"/>
-              </a:spcAft>
-              <a:defRPr kern="1200">
-                <a:solidFill>
-                  <a:schemeClr val="tx1"/>
-                </a:solidFill>
-                <a:latin typeface="Calibri" panose="020F0502020204030204" pitchFamily="34" charset="0"/>
-                <a:ea typeface="+mn-ea"/>
-                <a:cs typeface="+mn-cs"/>
-              </a:defRPr>
-            </a:lvl1pPr>
-            <a:lvl2pPr marL="457200" algn="l" rtl="0" eaLnBrk="0" fontAlgn="base" hangingPunct="0">
-              <a:spcBef>
-                <a:spcPct val="0"/>
-              </a:spcBef>
-              <a:spcAft>
-                <a:spcPct val="0"/>
-              </a:spcAft>
-              <a:defRPr kern="1200">
-                <a:solidFill>
-                  <a:schemeClr val="tx1"/>
-                </a:solidFill>
-                <a:latin typeface="Calibri" panose="020F0502020204030204" pitchFamily="34" charset="0"/>
-                <a:ea typeface="+mn-ea"/>
-                <a:cs typeface="+mn-cs"/>
-              </a:defRPr>
-            </a:lvl2pPr>
-            <a:lvl3pPr marL="914400" algn="l" rtl="0" eaLnBrk="0" fontAlgn="base" hangingPunct="0">
-              <a:spcBef>
-                <a:spcPct val="0"/>
-              </a:spcBef>
-              <a:spcAft>
-                <a:spcPct val="0"/>
-              </a:spcAft>
-              <a:defRPr kern="1200">
-                <a:solidFill>
-                  <a:schemeClr val="tx1"/>
-                </a:solidFill>
-                <a:latin typeface="Calibri" panose="020F0502020204030204" pitchFamily="34" charset="0"/>
-                <a:ea typeface="+mn-ea"/>
-                <a:cs typeface="+mn-cs"/>
-              </a:defRPr>
-            </a:lvl3pPr>
-            <a:lvl4pPr marL="1371600" algn="l" rtl="0" eaLnBrk="0" fontAlgn="base" hangingPunct="0">
-              <a:spcBef>
-                <a:spcPct val="0"/>
-              </a:spcBef>
-              <a:spcAft>
-                <a:spcPct val="0"/>
-              </a:spcAft>
-              <a:defRPr kern="1200">
-                <a:solidFill>
-                  <a:schemeClr val="tx1"/>
-                </a:solidFill>
-                <a:latin typeface="Calibri" panose="020F0502020204030204" pitchFamily="34" charset="0"/>
-                <a:ea typeface="+mn-ea"/>
-                <a:cs typeface="+mn-cs"/>
-              </a:defRPr>
-            </a:lvl4pPr>
-            <a:lvl5pPr marL="1828800" algn="l" rtl="0" eaLnBrk="0" fontAlgn="base" hangingPunct="0">
-              <a:spcBef>
-                <a:spcPct val="0"/>
-              </a:spcBef>
-              <a:spcAft>
-                <a:spcPct val="0"/>
-              </a:spcAft>
-              <a:defRPr kern="1200">
-                <a:solidFill>
-                  <a:schemeClr val="tx1"/>
-                </a:solidFill>
-                <a:latin typeface="Calibri" panose="020F0502020204030204" pitchFamily="34" charset="0"/>
-                <a:ea typeface="+mn-ea"/>
-                <a:cs typeface="+mn-cs"/>
-              </a:defRPr>
-            </a:lvl5pPr>
-            <a:lvl6pPr marL="2286000" algn="l" defTabSz="914400" rtl="0" eaLnBrk="1" latinLnBrk="0" hangingPunct="1">
-              <a:defRPr kern="1200">
-                <a:solidFill>
-                  <a:schemeClr val="tx1"/>
-                </a:solidFill>
-                <a:latin typeface="Calibri" panose="020F0502020204030204" pitchFamily="34" charset="0"/>
-                <a:ea typeface="+mn-ea"/>
-                <a:cs typeface="+mn-cs"/>
-              </a:defRPr>
-            </a:lvl6pPr>
-            <a:lvl7pPr marL="2743200" algn="l" defTabSz="914400" rtl="0" eaLnBrk="1" latinLnBrk="0" hangingPunct="1">
-              <a:defRPr kern="1200">
-                <a:solidFill>
-                  <a:schemeClr val="tx1"/>
-                </a:solidFill>
-                <a:latin typeface="Calibri" panose="020F0502020204030204" pitchFamily="34" charset="0"/>
-                <a:ea typeface="+mn-ea"/>
-                <a:cs typeface="+mn-cs"/>
-              </a:defRPr>
-            </a:lvl7pPr>
-            <a:lvl8pPr marL="3200400" algn="l" defTabSz="914400" rtl="0" eaLnBrk="1" latinLnBrk="0" hangingPunct="1">
-              <a:defRPr kern="1200">
-                <a:solidFill>
-                  <a:schemeClr val="tx1"/>
-                </a:solidFill>
-                <a:latin typeface="Calibri" panose="020F0502020204030204" pitchFamily="34" charset="0"/>
-                <a:ea typeface="+mn-ea"/>
-                <a:cs typeface="+mn-cs"/>
-              </a:defRPr>
-            </a:lvl8pPr>
-            <a:lvl9pPr marL="3657600" algn="l" defTabSz="914400" rtl="0" eaLnBrk="1" latinLnBrk="0" hangingPunct="1">
-              <a:defRPr kern="1200">
-                <a:solidFill>
-                  <a:schemeClr val="tx1"/>
-                </a:solidFill>
-                <a:latin typeface="Calibri" panose="020F0502020204030204" pitchFamily="34" charset="0"/>
-                <a:ea typeface="+mn-ea"/>
-                <a:cs typeface="+mn-cs"/>
-              </a:defRPr>
-            </a:lvl9pPr>
-          </a:lstStyle>
-          <a:p>
-            <a:pPr algn="ctr" eaLnBrk="1" hangingPunct="1"/>
-            <a:r>
-              <a:rPr lang="en-US" altLang="en-US" sz="1000" dirty="0">
-                <a:latin typeface="Arial" panose="020B0604020202020204" pitchFamily="34" charset="0"/>
-                <a:cs typeface="Arial" panose="020B0604020202020204" pitchFamily="34" charset="0"/>
-              </a:rPr>
-              <a:t>Rendering Analysis result</a:t>
-            </a:r>
-          </a:p>
-        </p:txBody>
-      </p:sp>
-      <p:sp>
-        <p:nvSpPr>
-          <p:cNvPr id="53" name="TextBox 16">
-            <a:extLst>
-              <a:ext uri="{FF2B5EF4-FFF2-40B4-BE49-F238E27FC236}">
-                <a16:creationId xmlns:a16="http://schemas.microsoft.com/office/drawing/2014/main" id="{73F982E2-C8BC-EB5A-2D39-01577F47D5F4}"/>
-              </a:ext>
-            </a:extLst>
-          </p:cNvPr>
-          <p:cNvSpPr txBox="1">
-            <a:spLocks noChangeArrowheads="1"/>
-          </p:cNvSpPr>
-          <p:nvPr/>
-        </p:nvSpPr>
-        <p:spPr bwMode="auto">
-          <a:xfrm>
-            <a:off x="6651920" y="2143000"/>
-            <a:ext cx="2427849" cy="261610"/>
-          </a:xfrm>
-          <a:prstGeom prst="rect">
-            <a:avLst/>
-          </a:prstGeom>
-          <a:noFill/>
-          <a:ln>
-            <a:noFill/>
-          </a:ln>
-          <a:extLst>
-            <a:ext uri="{909E8E84-426E-40DD-AFC4-6F175D3DCCD1}">
-              <a14:hiddenFill xmlns:a14="http://schemas.microsoft.com/office/drawing/2010/main">
-                <a:solidFill>
-                  <a:srgbClr val="FFFFFF"/>
-                </a:solidFill>
-              </a14:hiddenFill>
-            </a:ext>
-            <a:ext uri="{91240B29-F687-4F45-9708-019B960494DF}">
-              <a14:hiddenLine xmlns:a14="http://schemas.microsoft.com/office/drawing/2010/main" w="9525">
-                <a:solidFill>
-                  <a:srgbClr val="000000"/>
-                </a:solidFill>
-                <a:miter lim="800000"/>
-                <a:headEnd/>
-                <a:tailEnd/>
-              </a14:hiddenLine>
-            </a:ext>
-          </a:extLst>
-        </p:spPr>
-        <p:txBody>
-          <a:bodyPr wrap="square">
-            <a:spAutoFit/>
-          </a:bodyPr>
-          <a:lstStyle>
-            <a:defPPr>
-              <a:defRPr lang="en-US"/>
-            </a:defPPr>
-            <a:lvl1pPr algn="l" rtl="0" eaLnBrk="0" fontAlgn="base" hangingPunct="0">
-              <a:spcBef>
-                <a:spcPct val="0"/>
-              </a:spcBef>
-              <a:spcAft>
-                <a:spcPct val="0"/>
-              </a:spcAft>
-              <a:defRPr kern="1200">
-                <a:solidFill>
-                  <a:schemeClr val="tx1"/>
-                </a:solidFill>
-                <a:latin typeface="Calibri" panose="020F0502020204030204" pitchFamily="34" charset="0"/>
-                <a:ea typeface="+mn-ea"/>
-                <a:cs typeface="+mn-cs"/>
-              </a:defRPr>
-            </a:lvl1pPr>
-            <a:lvl2pPr marL="457200" algn="l" rtl="0" eaLnBrk="0" fontAlgn="base" hangingPunct="0">
-              <a:spcBef>
-                <a:spcPct val="0"/>
-              </a:spcBef>
-              <a:spcAft>
-                <a:spcPct val="0"/>
-              </a:spcAft>
-              <a:defRPr kern="1200">
-                <a:solidFill>
-                  <a:schemeClr val="tx1"/>
-                </a:solidFill>
-                <a:latin typeface="Calibri" panose="020F0502020204030204" pitchFamily="34" charset="0"/>
-                <a:ea typeface="+mn-ea"/>
-                <a:cs typeface="+mn-cs"/>
-              </a:defRPr>
-            </a:lvl2pPr>
-            <a:lvl3pPr marL="914400" algn="l" rtl="0" eaLnBrk="0" fontAlgn="base" hangingPunct="0">
-              <a:spcBef>
-                <a:spcPct val="0"/>
-              </a:spcBef>
-              <a:spcAft>
-                <a:spcPct val="0"/>
-              </a:spcAft>
-              <a:defRPr kern="1200">
-                <a:solidFill>
-                  <a:schemeClr val="tx1"/>
-                </a:solidFill>
-                <a:latin typeface="Calibri" panose="020F0502020204030204" pitchFamily="34" charset="0"/>
-                <a:ea typeface="+mn-ea"/>
-                <a:cs typeface="+mn-cs"/>
-              </a:defRPr>
-            </a:lvl3pPr>
-            <a:lvl4pPr marL="1371600" algn="l" rtl="0" eaLnBrk="0" fontAlgn="base" hangingPunct="0">
-              <a:spcBef>
-                <a:spcPct val="0"/>
-              </a:spcBef>
-              <a:spcAft>
-                <a:spcPct val="0"/>
-              </a:spcAft>
-              <a:defRPr kern="1200">
-                <a:solidFill>
-                  <a:schemeClr val="tx1"/>
-                </a:solidFill>
-                <a:latin typeface="Calibri" panose="020F0502020204030204" pitchFamily="34" charset="0"/>
-                <a:ea typeface="+mn-ea"/>
-                <a:cs typeface="+mn-cs"/>
-              </a:defRPr>
-            </a:lvl4pPr>
-            <a:lvl5pPr marL="1828800" algn="l" rtl="0" eaLnBrk="0" fontAlgn="base" hangingPunct="0">
-              <a:spcBef>
-                <a:spcPct val="0"/>
-              </a:spcBef>
-              <a:spcAft>
-                <a:spcPct val="0"/>
-              </a:spcAft>
-              <a:defRPr kern="1200">
-                <a:solidFill>
-                  <a:schemeClr val="tx1"/>
-                </a:solidFill>
-                <a:latin typeface="Calibri" panose="020F0502020204030204" pitchFamily="34" charset="0"/>
-                <a:ea typeface="+mn-ea"/>
-                <a:cs typeface="+mn-cs"/>
-              </a:defRPr>
-            </a:lvl5pPr>
-            <a:lvl6pPr marL="2286000" algn="l" defTabSz="914400" rtl="0" eaLnBrk="1" latinLnBrk="0" hangingPunct="1">
-              <a:defRPr kern="1200">
-                <a:solidFill>
-                  <a:schemeClr val="tx1"/>
-                </a:solidFill>
-                <a:latin typeface="Calibri" panose="020F0502020204030204" pitchFamily="34" charset="0"/>
-                <a:ea typeface="+mn-ea"/>
-                <a:cs typeface="+mn-cs"/>
-              </a:defRPr>
-            </a:lvl6pPr>
-            <a:lvl7pPr marL="2743200" algn="l" defTabSz="914400" rtl="0" eaLnBrk="1" latinLnBrk="0" hangingPunct="1">
-              <a:defRPr kern="1200">
-                <a:solidFill>
-                  <a:schemeClr val="tx1"/>
-                </a:solidFill>
-                <a:latin typeface="Calibri" panose="020F0502020204030204" pitchFamily="34" charset="0"/>
-                <a:ea typeface="+mn-ea"/>
-                <a:cs typeface="+mn-cs"/>
-              </a:defRPr>
-            </a:lvl7pPr>
-            <a:lvl8pPr marL="3200400" algn="l" defTabSz="914400" rtl="0" eaLnBrk="1" latinLnBrk="0" hangingPunct="1">
-              <a:defRPr kern="1200">
-                <a:solidFill>
-                  <a:schemeClr val="tx1"/>
-                </a:solidFill>
-                <a:latin typeface="Calibri" panose="020F0502020204030204" pitchFamily="34" charset="0"/>
-                <a:ea typeface="+mn-ea"/>
-                <a:cs typeface="+mn-cs"/>
-              </a:defRPr>
-            </a:lvl8pPr>
-            <a:lvl9pPr marL="3657600" algn="l" defTabSz="914400" rtl="0" eaLnBrk="1" latinLnBrk="0" hangingPunct="1">
-              <a:defRPr kern="1200">
-                <a:solidFill>
-                  <a:schemeClr val="tx1"/>
-                </a:solidFill>
-                <a:latin typeface="Calibri" panose="020F0502020204030204" pitchFamily="34" charset="0"/>
-                <a:ea typeface="+mn-ea"/>
-                <a:cs typeface="+mn-cs"/>
-              </a:defRPr>
-            </a:lvl9pPr>
-          </a:lstStyle>
-          <a:p>
-            <a:pPr algn="ctr" eaLnBrk="1" hangingPunct="1"/>
-            <a:r>
-              <a:rPr lang="en-US" altLang="en-US" sz="1100" dirty="0">
-                <a:latin typeface="Arial" panose="020B0604020202020204" pitchFamily="34" charset="0"/>
-                <a:ea typeface="Amazon Ember" panose="020B0603020204020204" pitchFamily="34" charset="0"/>
-                <a:cs typeface="Arial" panose="020B0604020202020204" pitchFamily="34" charset="0"/>
-              </a:rPr>
-              <a:t>Response Analysis Result</a:t>
-            </a:r>
-          </a:p>
-        </p:txBody>
-      </p:sp>
-      <p:cxnSp>
-        <p:nvCxnSpPr>
-          <p:cNvPr id="54" name="Straight Arrow Connector 25">
-            <a:extLst>
-              <a:ext uri="{FF2B5EF4-FFF2-40B4-BE49-F238E27FC236}">
-                <a16:creationId xmlns:a16="http://schemas.microsoft.com/office/drawing/2014/main" id="{C56601F0-1CA8-DCC5-6D7E-6C903A433E43}"/>
-              </a:ext>
-            </a:extLst>
-          </p:cNvPr>
-          <p:cNvCxnSpPr>
-            <a:cxnSpLocks/>
-            <a:endCxn id="18" idx="0"/>
-          </p:cNvCxnSpPr>
-          <p:nvPr/>
-        </p:nvCxnSpPr>
-        <p:spPr>
-          <a:xfrm rot="5400000">
-            <a:off x="2173325" y="3526767"/>
-            <a:ext cx="1018633" cy="438839"/>
-          </a:xfrm>
-          <a:prstGeom prst="bentConnector3">
-            <a:avLst>
-              <a:gd name="adj1" fmla="val 50000"/>
-            </a:avLst>
-          </a:prstGeom>
-          <a:ln w="12700">
-            <a:solidFill>
-              <a:schemeClr val="tx2"/>
-            </a:solidFill>
-            <a:headEnd type="none" w="med" len="med"/>
-            <a:tailEnd type="triangle" w="med" len="med"/>
-          </a:ln>
-        </p:spPr>
-        <p:style>
-          <a:lnRef idx="1">
-            <a:schemeClr val="accent1"/>
-          </a:lnRef>
-          <a:fillRef idx="0">
-            <a:schemeClr val="accent1"/>
-          </a:fillRef>
-          <a:effectRef idx="0">
-            <a:schemeClr val="accent1"/>
-          </a:effectRef>
-          <a:fontRef idx="minor">
-            <a:schemeClr val="tx1"/>
-          </a:fontRef>
-        </p:style>
-      </p:cxnSp>
-      <p:pic>
-        <p:nvPicPr>
-          <p:cNvPr id="55" name="Picture 2" descr="Dash Plotly 를 활용한 Web 기반 대시보드 구축 - (2) Dash 설치와 앱 실행 - 오늘 ++">
-            <a:extLst>
-              <a:ext uri="{FF2B5EF4-FFF2-40B4-BE49-F238E27FC236}">
-                <a16:creationId xmlns:a16="http://schemas.microsoft.com/office/drawing/2014/main" id="{D0A2C55D-47CA-5E31-06DE-03823A5900C8}"/>
-              </a:ext>
-            </a:extLst>
-          </p:cNvPr>
-          <p:cNvPicPr>
-            <a:picLocks noChangeAspect="1" noChangeArrowheads="1"/>
-          </p:cNvPicPr>
-          <p:nvPr/>
-        </p:nvPicPr>
-        <p:blipFill rotWithShape="1">
-          <a:blip r:embed="rId29">
-            <a:extLst>
-              <a:ext uri="{28A0092B-C50C-407E-A947-70E740481C1C}">
-                <a14:useLocalDpi xmlns:a14="http://schemas.microsoft.com/office/drawing/2010/main" val="0"/>
-              </a:ext>
-            </a:extLst>
-          </a:blip>
-          <a:srcRect t="31993" b="31193"/>
-          <a:stretch/>
-        </p:blipFill>
-        <p:spPr bwMode="auto">
-          <a:xfrm>
-            <a:off x="4127341" y="2534011"/>
-            <a:ext cx="1122217" cy="309852"/>
-          </a:xfrm>
-          <a:prstGeom prst="rect">
-            <a:avLst/>
-          </a:prstGeom>
-          <a:noFill/>
-          <a:extLst>
-            <a:ext uri="{909E8E84-426E-40DD-AFC4-6F175D3DCCD1}">
-              <a14:hiddenFill xmlns:a14="http://schemas.microsoft.com/office/drawing/2010/main">
-                <a:solidFill>
-                  <a:srgbClr val="FFFFFF"/>
-                </a:solidFill>
-              </a14:hiddenFill>
-            </a:ext>
-          </a:extLst>
-        </p:spPr>
-      </p:pic>
-      <p:pic>
-        <p:nvPicPr>
-          <p:cNvPr id="56" name="Graphic 30">
-            <a:extLst>
-              <a:ext uri="{FF2B5EF4-FFF2-40B4-BE49-F238E27FC236}">
-                <a16:creationId xmlns:a16="http://schemas.microsoft.com/office/drawing/2014/main" id="{626FF380-FBC4-C4A5-3F18-FFCEB5A83288}"/>
-              </a:ext>
-            </a:extLst>
-          </p:cNvPr>
-          <p:cNvPicPr>
-            <a:picLocks noChangeAspect="1"/>
-          </p:cNvPicPr>
-          <p:nvPr/>
-        </p:nvPicPr>
-        <p:blipFill>
-          <a:blip r:embed="rId27">
-            <a:extLst>
-              <a:ext uri="{96DAC541-7B7A-43D3-8B79-37D633B846F1}">
-                <asvg:svgBlip xmlns:asvg="http://schemas.microsoft.com/office/drawing/2016/SVG/main" r:embed="rId28"/>
-              </a:ext>
-            </a:extLst>
-          </a:blip>
-          <a:stretch>
-            <a:fillRect/>
-          </a:stretch>
-        </p:blipFill>
-        <p:spPr>
-          <a:xfrm>
-            <a:off x="5767114" y="4534288"/>
-            <a:ext cx="328886" cy="328886"/>
-          </a:xfrm>
-          <a:prstGeom prst="rect">
-            <a:avLst/>
-          </a:prstGeom>
-        </p:spPr>
-      </p:pic>
-      <p:cxnSp>
-        <p:nvCxnSpPr>
-          <p:cNvPr id="57" name="연결선: 꺾임 56">
-            <a:extLst>
-              <a:ext uri="{FF2B5EF4-FFF2-40B4-BE49-F238E27FC236}">
-                <a16:creationId xmlns:a16="http://schemas.microsoft.com/office/drawing/2014/main" id="{C48F9221-E5F1-3CEA-F5D1-1F5F28D9BC2A}"/>
-              </a:ext>
-            </a:extLst>
-          </p:cNvPr>
-          <p:cNvCxnSpPr>
-            <a:endCxn id="49" idx="1"/>
-          </p:cNvCxnSpPr>
-          <p:nvPr/>
-        </p:nvCxnSpPr>
-        <p:spPr>
-          <a:xfrm flipV="1">
-            <a:off x="3720246" y="4027152"/>
-            <a:ext cx="2037575" cy="471823"/>
-          </a:xfrm>
-          <a:prstGeom prst="bentConnector3">
-            <a:avLst/>
-          </a:prstGeom>
-          <a:ln w="12700">
-            <a:solidFill>
-              <a:schemeClr val="tx2"/>
-            </a:solidFill>
-            <a:headEnd type="none" w="med" len="med"/>
-            <a:tailEnd type="triangle" w="med" len="med"/>
-          </a:ln>
-        </p:spPr>
-        <p:style>
-          <a:lnRef idx="1">
-            <a:schemeClr val="dk1"/>
-          </a:lnRef>
-          <a:fillRef idx="0">
-            <a:schemeClr val="dk1"/>
-          </a:fillRef>
-          <a:effectRef idx="0">
-            <a:schemeClr val="dk1"/>
-          </a:effectRef>
-          <a:fontRef idx="minor">
-            <a:schemeClr val="tx1"/>
-          </a:fontRef>
-        </p:style>
-      </p:cxnSp>
-      <p:cxnSp>
-        <p:nvCxnSpPr>
-          <p:cNvPr id="58" name="연결선: 꺾임 57">
-            <a:extLst>
-              <a:ext uri="{FF2B5EF4-FFF2-40B4-BE49-F238E27FC236}">
-                <a16:creationId xmlns:a16="http://schemas.microsoft.com/office/drawing/2014/main" id="{304F9267-404D-A00D-CBCF-7B86727E03F0}"/>
-              </a:ext>
-            </a:extLst>
-          </p:cNvPr>
-          <p:cNvCxnSpPr>
-            <a:cxnSpLocks/>
-            <a:endCxn id="56" idx="1"/>
-          </p:cNvCxnSpPr>
-          <p:nvPr/>
-        </p:nvCxnSpPr>
-        <p:spPr>
-          <a:xfrm>
-            <a:off x="4018469" y="4516544"/>
-            <a:ext cx="1748645" cy="182187"/>
-          </a:xfrm>
-          <a:prstGeom prst="bentConnector3">
-            <a:avLst>
-              <a:gd name="adj1" fmla="val 50000"/>
-            </a:avLst>
-          </a:prstGeom>
-          <a:ln w="12700">
-            <a:solidFill>
-              <a:schemeClr val="tx2"/>
-            </a:solidFill>
-            <a:headEnd type="none" w="med" len="med"/>
-            <a:tailEnd type="triangle" w="med" len="med"/>
-          </a:ln>
-        </p:spPr>
-        <p:style>
-          <a:lnRef idx="1">
-            <a:schemeClr val="dk1"/>
-          </a:lnRef>
-          <a:fillRef idx="0">
-            <a:schemeClr val="dk1"/>
-          </a:fillRef>
-          <a:effectRef idx="0">
-            <a:schemeClr val="dk1"/>
-          </a:effectRef>
-          <a:fontRef idx="minor">
-            <a:schemeClr val="tx1"/>
-          </a:fontRef>
-        </p:style>
-      </p:cxnSp>
-      <p:cxnSp>
-        <p:nvCxnSpPr>
-          <p:cNvPr id="59" name="연결선: 꺾임 58">
-            <a:extLst>
-              <a:ext uri="{FF2B5EF4-FFF2-40B4-BE49-F238E27FC236}">
-                <a16:creationId xmlns:a16="http://schemas.microsoft.com/office/drawing/2014/main" id="{D8B62F25-0ABB-A937-A1AB-36ACCDD3ADB6}"/>
-              </a:ext>
-            </a:extLst>
-          </p:cNvPr>
-          <p:cNvCxnSpPr>
-            <a:cxnSpLocks/>
-            <a:endCxn id="44" idx="1"/>
-          </p:cNvCxnSpPr>
-          <p:nvPr/>
-        </p:nvCxnSpPr>
-        <p:spPr>
-          <a:xfrm flipV="1">
-            <a:off x="6093250" y="4430166"/>
-            <a:ext cx="2630283" cy="277577"/>
-          </a:xfrm>
-          <a:prstGeom prst="bentConnector3">
-            <a:avLst>
-              <a:gd name="adj1" fmla="val 30565"/>
-            </a:avLst>
-          </a:prstGeom>
-          <a:ln w="12700">
-            <a:solidFill>
-              <a:schemeClr val="tx2"/>
-            </a:solidFill>
-            <a:headEnd type="none" w="med" len="med"/>
-            <a:tailEnd type="triangle" w="med" len="med"/>
-          </a:ln>
-        </p:spPr>
-        <p:style>
-          <a:lnRef idx="1">
-            <a:schemeClr val="dk1"/>
-          </a:lnRef>
-          <a:fillRef idx="0">
-            <a:schemeClr val="dk1"/>
-          </a:fillRef>
-          <a:effectRef idx="0">
-            <a:schemeClr val="dk1"/>
-          </a:effectRef>
-          <a:fontRef idx="minor">
-            <a:schemeClr val="tx1"/>
-          </a:fontRef>
-        </p:style>
-      </p:cxnSp>
-      <p:cxnSp>
-        <p:nvCxnSpPr>
-          <p:cNvPr id="60" name="연결선: 꺾임 59">
-            <a:extLst>
-              <a:ext uri="{FF2B5EF4-FFF2-40B4-BE49-F238E27FC236}">
-                <a16:creationId xmlns:a16="http://schemas.microsoft.com/office/drawing/2014/main" id="{29759DA8-4DD7-79C5-A771-234726D22CED}"/>
-              </a:ext>
-            </a:extLst>
-          </p:cNvPr>
-          <p:cNvCxnSpPr>
-            <a:cxnSpLocks/>
-            <a:endCxn id="44" idx="1"/>
-          </p:cNvCxnSpPr>
-          <p:nvPr/>
-        </p:nvCxnSpPr>
-        <p:spPr>
-          <a:xfrm>
-            <a:off x="6067286" y="4025689"/>
-            <a:ext cx="2656247" cy="404477"/>
-          </a:xfrm>
-          <a:prstGeom prst="bentConnector3">
-            <a:avLst>
-              <a:gd name="adj1" fmla="val 31233"/>
-            </a:avLst>
-          </a:prstGeom>
-          <a:ln w="12700">
-            <a:solidFill>
-              <a:schemeClr val="tx2"/>
-            </a:solidFill>
-            <a:headEnd type="none" w="med" len="med"/>
-            <a:tailEnd type="triangle" w="med" len="med"/>
-          </a:ln>
-        </p:spPr>
-        <p:style>
-          <a:lnRef idx="1">
-            <a:schemeClr val="dk1"/>
-          </a:lnRef>
-          <a:fillRef idx="0">
-            <a:schemeClr val="dk1"/>
-          </a:fillRef>
-          <a:effectRef idx="0">
-            <a:schemeClr val="dk1"/>
-          </a:effectRef>
-          <a:fontRef idx="minor">
-            <a:schemeClr val="tx1"/>
-          </a:fontRef>
-        </p:style>
-      </p:cxnSp>
-      <p:cxnSp>
-        <p:nvCxnSpPr>
-          <p:cNvPr id="61" name="연결선: 꺾임 60">
-            <a:extLst>
-              <a:ext uri="{FF2B5EF4-FFF2-40B4-BE49-F238E27FC236}">
-                <a16:creationId xmlns:a16="http://schemas.microsoft.com/office/drawing/2014/main" id="{00680EA9-F8E0-78CC-9EC6-FC49696ACFF3}"/>
-              </a:ext>
-            </a:extLst>
-          </p:cNvPr>
-          <p:cNvCxnSpPr>
-            <a:stCxn id="44" idx="0"/>
-          </p:cNvCxnSpPr>
-          <p:nvPr/>
-        </p:nvCxnSpPr>
-        <p:spPr>
-          <a:xfrm rot="16200000" flipV="1">
-            <a:off x="6379605" y="1624571"/>
-            <a:ext cx="1557733" cy="3591791"/>
-          </a:xfrm>
-          <a:prstGeom prst="bentConnector2">
-            <a:avLst/>
-          </a:prstGeom>
-          <a:ln w="12700">
-            <a:solidFill>
-              <a:schemeClr val="tx2"/>
-            </a:solidFill>
-            <a:headEnd type="none" w="med" len="med"/>
-            <a:tailEnd type="triangle" w="med" len="med"/>
-          </a:ln>
-        </p:spPr>
-        <p:style>
-          <a:lnRef idx="1">
-            <a:schemeClr val="dk1"/>
-          </a:lnRef>
-          <a:fillRef idx="0">
-            <a:schemeClr val="dk1"/>
-          </a:fillRef>
-          <a:effectRef idx="0">
-            <a:schemeClr val="dk1"/>
-          </a:effectRef>
-          <a:fontRef idx="minor">
-            <a:schemeClr val="tx1"/>
-          </a:fontRef>
-        </p:style>
-      </p:cxnSp>
-      <p:pic>
-        <p:nvPicPr>
-          <p:cNvPr id="62" name="Picture 14" descr="Docker] docker pause, unpause (stop과 차이점)">
-            <a:extLst>
-              <a:ext uri="{FF2B5EF4-FFF2-40B4-BE49-F238E27FC236}">
-                <a16:creationId xmlns:a16="http://schemas.microsoft.com/office/drawing/2014/main" id="{21C708F0-98F0-5175-B381-AD4751C6C4AD}"/>
-              </a:ext>
-            </a:extLst>
-          </p:cNvPr>
-          <p:cNvPicPr>
-            <a:picLocks noChangeAspect="1" noChangeArrowheads="1"/>
-          </p:cNvPicPr>
-          <p:nvPr/>
-        </p:nvPicPr>
-        <p:blipFill>
-          <a:blip r:embed="rId14">
-            <a:extLst>
-              <a:ext uri="{28A0092B-C50C-407E-A947-70E740481C1C}">
-                <a14:useLocalDpi xmlns:a14="http://schemas.microsoft.com/office/drawing/2010/main" val="0"/>
-              </a:ext>
-            </a:extLst>
-          </a:blip>
-          <a:srcRect/>
-          <a:stretch>
-            <a:fillRect/>
-          </a:stretch>
-        </p:blipFill>
-        <p:spPr bwMode="auto">
-          <a:xfrm>
-            <a:off x="6078166" y="3683133"/>
-            <a:ext cx="331894" cy="283917"/>
-          </a:xfrm>
-          <a:prstGeom prst="rect">
-            <a:avLst/>
-          </a:prstGeom>
-          <a:noFill/>
-          <a:extLst>
-            <a:ext uri="{909E8E84-426E-40DD-AFC4-6F175D3DCCD1}">
-              <a14:hiddenFill xmlns:a14="http://schemas.microsoft.com/office/drawing/2010/main">
-                <a:solidFill>
-                  <a:srgbClr val="FFFFFF"/>
-                </a:solidFill>
-              </a14:hiddenFill>
-            </a:ext>
-          </a:extLst>
-        </p:spPr>
-      </p:pic>
-      <p:pic>
-        <p:nvPicPr>
-          <p:cNvPr id="63" name="Picture 14" descr="Docker] docker pause, unpause (stop과 차이점)">
-            <a:extLst>
-              <a:ext uri="{FF2B5EF4-FFF2-40B4-BE49-F238E27FC236}">
-                <a16:creationId xmlns:a16="http://schemas.microsoft.com/office/drawing/2014/main" id="{87148E54-921B-1160-3632-7667539418BC}"/>
-              </a:ext>
-            </a:extLst>
-          </p:cNvPr>
-          <p:cNvPicPr>
-            <a:picLocks noChangeAspect="1" noChangeArrowheads="1"/>
-          </p:cNvPicPr>
-          <p:nvPr/>
-        </p:nvPicPr>
-        <p:blipFill>
-          <a:blip r:embed="rId14">
-            <a:extLst>
-              <a:ext uri="{28A0092B-C50C-407E-A947-70E740481C1C}">
-                <a14:useLocalDpi xmlns:a14="http://schemas.microsoft.com/office/drawing/2010/main" val="0"/>
-              </a:ext>
-            </a:extLst>
-          </a:blip>
-          <a:srcRect/>
-          <a:stretch>
-            <a:fillRect/>
-          </a:stretch>
-        </p:blipFill>
-        <p:spPr bwMode="auto">
-          <a:xfrm>
-            <a:off x="6099535" y="4383161"/>
-            <a:ext cx="331894" cy="283917"/>
-          </a:xfrm>
-          <a:prstGeom prst="rect">
-            <a:avLst/>
-          </a:prstGeom>
-          <a:noFill/>
-          <a:extLst>
-            <a:ext uri="{909E8E84-426E-40DD-AFC4-6F175D3DCCD1}">
-              <a14:hiddenFill xmlns:a14="http://schemas.microsoft.com/office/drawing/2010/main">
-                <a:solidFill>
-                  <a:srgbClr val="FFFFFF"/>
-                </a:solidFill>
-              </a14:hiddenFill>
-            </a:ext>
-          </a:extLst>
-        </p:spPr>
-      </p:pic>
     </p:spTree>
     <p:extLst>
       <p:ext uri="{BB962C8B-B14F-4D97-AF65-F5344CB8AC3E}">
